--- a/黄雪朋.pptx
+++ b/黄雪朋.pptx
@@ -5,10 +5,10 @@
     <p:sldMasterId id="2147483648" r:id="rId1"/>
   </p:sldMasterIdLst>
   <p:notesMasterIdLst>
-    <p:notesMasterId r:id="rId22"/>
+    <p:notesMasterId r:id="rId23"/>
   </p:notesMasterIdLst>
   <p:handoutMasterIdLst>
-    <p:handoutMasterId r:id="rId23"/>
+    <p:handoutMasterId r:id="rId24"/>
   </p:handoutMasterIdLst>
   <p:sldIdLst>
     <p:sldId id="315" r:id="rId2"/>
@@ -18,24 +18,25 @@
     <p:sldId id="264" r:id="rId6"/>
     <p:sldId id="311" r:id="rId7"/>
     <p:sldId id="339" r:id="rId8"/>
-    <p:sldId id="352" r:id="rId9"/>
-    <p:sldId id="353" r:id="rId10"/>
-    <p:sldId id="337" r:id="rId11"/>
-    <p:sldId id="354" r:id="rId12"/>
-    <p:sldId id="312" r:id="rId13"/>
-    <p:sldId id="332" r:id="rId14"/>
-    <p:sldId id="313" r:id="rId15"/>
-    <p:sldId id="333" r:id="rId16"/>
-    <p:sldId id="314" r:id="rId17"/>
-    <p:sldId id="334" r:id="rId18"/>
-    <p:sldId id="316" r:id="rId19"/>
-    <p:sldId id="335" r:id="rId20"/>
-    <p:sldId id="351" r:id="rId21"/>
+    <p:sldId id="355" r:id="rId9"/>
+    <p:sldId id="352" r:id="rId10"/>
+    <p:sldId id="353" r:id="rId11"/>
+    <p:sldId id="337" r:id="rId12"/>
+    <p:sldId id="354" r:id="rId13"/>
+    <p:sldId id="312" r:id="rId14"/>
+    <p:sldId id="332" r:id="rId15"/>
+    <p:sldId id="313" r:id="rId16"/>
+    <p:sldId id="333" r:id="rId17"/>
+    <p:sldId id="314" r:id="rId18"/>
+    <p:sldId id="334" r:id="rId19"/>
+    <p:sldId id="316" r:id="rId20"/>
+    <p:sldId id="335" r:id="rId21"/>
+    <p:sldId id="351" r:id="rId22"/>
   </p:sldIdLst>
   <p:sldSz cx="12192000" cy="6858000"/>
   <p:notesSz cx="6858000" cy="9144000"/>
   <p:custDataLst>
-    <p:tags r:id="rId24"/>
+    <p:tags r:id="rId25"/>
   </p:custDataLst>
   <p:defaultTextStyle>
     <a:defPPr>
@@ -233,7 +234,7 @@
           <a:p>
             <a:fld id="{0F9B84EA-7D68-4D60-9CB1-D50884785D1C}" type="datetimeFigureOut">
               <a:rPr lang="zh-CN" altLang="en-US" smtClean="0"/>
-              <a:t>2022/7/22</a:t>
+              <a:t>2022/7/27</a:t>
             </a:fld>
             <a:endParaRPr lang="zh-CN" altLang="en-US"/>
           </a:p>
@@ -393,7 +394,7 @@
           <a:p>
             <a:fld id="{631CA851-5859-4C71-A5BC-9312CA066417}" type="datetimeFigureOut">
               <a:rPr lang="zh-CN" altLang="en-US" smtClean="0"/>
-              <a:t>2022/7/22</a:t>
+              <a:t>2022/7/27</a:t>
             </a:fld>
             <a:endParaRPr lang="zh-CN" altLang="en-US"/>
           </a:p>
@@ -808,7 +809,7 @@
                   <a:prstClr val="black"/>
                 </a:solidFill>
               </a:rPr>
-              <a:t>17</a:t>
+              <a:t>16</a:t>
             </a:fld>
             <a:endParaRPr lang="zh-CN" altLang="en-US">
               <a:solidFill>
@@ -900,7 +901,99 @@
                   <a:prstClr val="black"/>
                 </a:solidFill>
               </a:rPr>
-              <a:t>19</a:t>
+              <a:t>18</a:t>
+            </a:fld>
+            <a:endParaRPr lang="zh-CN" altLang="en-US">
+              <a:solidFill>
+                <a:prstClr val="black"/>
+              </a:solidFill>
+            </a:endParaRPr>
+          </a:p>
+        </p:txBody>
+      </p:sp>
+    </p:spTree>
+  </p:cSld>
+  <p:clrMapOvr>
+    <a:masterClrMapping/>
+  </p:clrMapOvr>
+</p:notes>
+</file>
+
+<file path=ppt/notesSlides/notesSlide12.xml><?xml version="1.0" encoding="utf-8"?>
+<p:notes xmlns:a="http://schemas.openxmlformats.org/drawingml/2006/main" xmlns:r="http://schemas.openxmlformats.org/officeDocument/2006/relationships" xmlns:p="http://schemas.openxmlformats.org/presentationml/2006/main">
+  <p:cSld>
+    <p:spTree>
+      <p:nvGrpSpPr>
+        <p:cNvPr id="1" name=""/>
+        <p:cNvGrpSpPr/>
+        <p:nvPr/>
+      </p:nvGrpSpPr>
+      <p:grpSpPr>
+        <a:xfrm>
+          <a:off x="0" y="0"/>
+          <a:ext cx="0" cy="0"/>
+          <a:chOff x="0" y="0"/>
+          <a:chExt cx="0" cy="0"/>
+        </a:xfrm>
+      </p:grpSpPr>
+      <p:sp>
+        <p:nvSpPr>
+          <p:cNvPr id="2" name="幻灯片图像占位符 1"/>
+          <p:cNvSpPr>
+            <a:spLocks noGrp="1" noRot="1" noChangeAspect="1"/>
+          </p:cNvSpPr>
+          <p:nvPr>
+            <p:ph type="sldImg"/>
+          </p:nvPr>
+        </p:nvSpPr>
+        <p:spPr>
+          <a:xfrm>
+            <a:off x="381000" y="685800"/>
+            <a:ext cx="6096000" cy="3429000"/>
+          </a:xfrm>
+        </p:spPr>
+      </p:sp>
+      <p:sp>
+        <p:nvSpPr>
+          <p:cNvPr id="3" name="备注占位符 2"/>
+          <p:cNvSpPr>
+            <a:spLocks noGrp="1"/>
+          </p:cNvSpPr>
+          <p:nvPr>
+            <p:ph type="body" idx="1"/>
+          </p:nvPr>
+        </p:nvSpPr>
+        <p:spPr/>
+        <p:txBody>
+          <a:bodyPr/>
+          <a:lstStyle/>
+          <a:p>
+            <a:endParaRPr lang="zh-CN" altLang="en-US" dirty="0"/>
+          </a:p>
+        </p:txBody>
+      </p:sp>
+      <p:sp>
+        <p:nvSpPr>
+          <p:cNvPr id="4" name="灯片编号占位符 3"/>
+          <p:cNvSpPr>
+            <a:spLocks noGrp="1"/>
+          </p:cNvSpPr>
+          <p:nvPr>
+            <p:ph type="sldNum" sz="quarter" idx="10"/>
+          </p:nvPr>
+        </p:nvSpPr>
+        <p:spPr/>
+        <p:txBody>
+          <a:bodyPr/>
+          <a:lstStyle/>
+          <a:p>
+            <a:fld id="{AB2A0F9D-3357-4A94-85C8-3B842B870DC6}" type="slidenum">
+              <a:rPr lang="zh-CN" altLang="en-US" smtClean="0">
+                <a:solidFill>
+                  <a:prstClr val="black"/>
+                </a:solidFill>
+              </a:rPr>
+              <a:t>20</a:t>
             </a:fld>
             <a:endParaRPr lang="zh-CN" altLang="en-US">
               <a:solidFill>
@@ -1189,7 +1282,7 @@
     </p:spTree>
     <p:extLst>
       <p:ext uri="{BB962C8B-B14F-4D97-AF65-F5344CB8AC3E}">
-        <p14:creationId xmlns:p14="http://schemas.microsoft.com/office/powerpoint/2010/main" val="3888668886"/>
+        <p14:creationId xmlns:p14="http://schemas.microsoft.com/office/powerpoint/2010/main" val="917381990"/>
       </p:ext>
     </p:extLst>
   </p:cSld>
@@ -1286,7 +1379,7 @@
     </p:spTree>
     <p:extLst>
       <p:ext uri="{BB962C8B-B14F-4D97-AF65-F5344CB8AC3E}">
-        <p14:creationId xmlns:p14="http://schemas.microsoft.com/office/powerpoint/2010/main" val="2501360553"/>
+        <p14:creationId xmlns:p14="http://schemas.microsoft.com/office/powerpoint/2010/main" val="3888668886"/>
       </p:ext>
     </p:extLst>
   </p:cSld>
@@ -1381,6 +1474,11 @@
         </p:txBody>
       </p:sp>
     </p:spTree>
+    <p:extLst>
+      <p:ext uri="{BB962C8B-B14F-4D97-AF65-F5344CB8AC3E}">
+        <p14:creationId xmlns:p14="http://schemas.microsoft.com/office/powerpoint/2010/main" val="2501360553"/>
+      </p:ext>
+    </p:extLst>
   </p:cSld>
   <p:clrMapOvr>
     <a:masterClrMapping/>
@@ -1473,11 +1571,6 @@
         </p:txBody>
       </p:sp>
     </p:spTree>
-    <p:extLst>
-      <p:ext uri="{BB962C8B-B14F-4D97-AF65-F5344CB8AC3E}">
-        <p14:creationId xmlns:p14="http://schemas.microsoft.com/office/powerpoint/2010/main" val="2196651616"/>
-      </p:ext>
-    </p:extLst>
   </p:cSld>
   <p:clrMapOvr>
     <a:masterClrMapping/>
@@ -1559,7 +1652,7 @@
                   <a:prstClr val="black"/>
                 </a:solidFill>
               </a:rPr>
-              <a:t>13</a:t>
+              <a:t>12</a:t>
             </a:fld>
             <a:endParaRPr lang="zh-CN" altLang="en-US">
               <a:solidFill>
@@ -1570,6 +1663,11 @@
         </p:txBody>
       </p:sp>
     </p:spTree>
+    <p:extLst>
+      <p:ext uri="{BB962C8B-B14F-4D97-AF65-F5344CB8AC3E}">
+        <p14:creationId xmlns:p14="http://schemas.microsoft.com/office/powerpoint/2010/main" val="2196651616"/>
+      </p:ext>
+    </p:extLst>
   </p:cSld>
   <p:clrMapOvr>
     <a:masterClrMapping/>
@@ -1651,7 +1749,7 @@
                   <a:prstClr val="black"/>
                 </a:solidFill>
               </a:rPr>
-              <a:t>15</a:t>
+              <a:t>14</a:t>
             </a:fld>
             <a:endParaRPr lang="zh-CN" altLang="en-US">
               <a:solidFill>
@@ -1798,7 +1896,7 @@
           <a:p>
             <a:fld id="{2925863B-284D-4CFC-85E6-03AE6B9EFE78}" type="datetimeFigureOut">
               <a:rPr lang="zh-CN" altLang="en-US" smtClean="0"/>
-              <a:t>2022/7/22</a:t>
+              <a:t>2022/7/27</a:t>
             </a:fld>
             <a:endParaRPr lang="zh-CN" altLang="en-US"/>
           </a:p>
@@ -2274,7 +2372,7 @@
           <a:p>
             <a:fld id="{2925863B-284D-4CFC-85E6-03AE6B9EFE78}" type="datetimeFigureOut">
               <a:rPr lang="zh-CN" altLang="en-US" smtClean="0"/>
-              <a:t>2022/7/22</a:t>
+              <a:t>2022/7/27</a:t>
             </a:fld>
             <a:endParaRPr lang="zh-CN" altLang="en-US"/>
           </a:p>
@@ -2364,7 +2462,7 @@
           <a:p>
             <a:fld id="{2925863B-284D-4CFC-85E6-03AE6B9EFE78}" type="datetimeFigureOut">
               <a:rPr lang="zh-CN" altLang="en-US" smtClean="0"/>
-              <a:t>2022/7/22</a:t>
+              <a:t>2022/7/27</a:t>
             </a:fld>
             <a:endParaRPr lang="zh-CN" altLang="en-US"/>
           </a:p>
@@ -2634,7 +2732,7 @@
           <a:p>
             <a:fld id="{2925863B-284D-4CFC-85E6-03AE6B9EFE78}" type="datetimeFigureOut">
               <a:rPr lang="zh-CN" altLang="en-US" smtClean="0"/>
-              <a:t>2022/7/22</a:t>
+              <a:t>2022/7/27</a:t>
             </a:fld>
             <a:endParaRPr lang="zh-CN" altLang="en-US"/>
           </a:p>
@@ -2881,7 +2979,7 @@
           <a:p>
             <a:fld id="{2925863B-284D-4CFC-85E6-03AE6B9EFE78}" type="datetimeFigureOut">
               <a:rPr lang="zh-CN" altLang="en-US" smtClean="0"/>
-              <a:t>2022/7/22</a:t>
+              <a:t>2022/7/27</a:t>
             </a:fld>
             <a:endParaRPr lang="zh-CN" altLang="en-US"/>
           </a:p>
@@ -3113,7 +3211,7 @@
           <a:p>
             <a:fld id="{2925863B-284D-4CFC-85E6-03AE6B9EFE78}" type="datetimeFigureOut">
               <a:rPr lang="zh-CN" altLang="en-US" smtClean="0"/>
-              <a:t>2022/7/22</a:t>
+              <a:t>2022/7/27</a:t>
             </a:fld>
             <a:endParaRPr lang="zh-CN" altLang="en-US"/>
           </a:p>
@@ -3286,7 +3384,7 @@
           <a:p>
             <a:fld id="{2925863B-284D-4CFC-85E6-03AE6B9EFE78}" type="datetimeFigureOut">
               <a:rPr lang="zh-CN" altLang="en-US" smtClean="0"/>
-              <a:t>2022/7/22</a:t>
+              <a:t>2022/7/27</a:t>
             </a:fld>
             <a:endParaRPr lang="zh-CN" altLang="en-US"/>
           </a:p>
@@ -4250,7 +4348,7 @@
           <a:p>
             <a:fld id="{F68C8532-35DB-409E-A833-97770FF9303E}" type="datetime1">
               <a:rPr lang="en-US" smtClean="0"/>
-              <a:t>7/22/2022</a:t>
+              <a:t>7/27/2022</a:t>
             </a:fld>
             <a:endParaRPr lang="en-US"/>
           </a:p>
@@ -4836,7 +4934,7 @@
           <a:p>
             <a:fld id="{2925863B-284D-4CFC-85E6-03AE6B9EFE78}" type="datetimeFigureOut">
               <a:rPr lang="zh-CN" altLang="en-US" smtClean="0"/>
-              <a:t>2022/7/22</a:t>
+              <a:t>2022/7/27</a:t>
             </a:fld>
             <a:endParaRPr lang="zh-CN" altLang="en-US"/>
           </a:p>
@@ -5520,6 +5618,1210 @@
         </p:nvSpPr>
         <p:spPr>
           <a:xfrm>
+            <a:off x="732155" y="1842770"/>
+            <a:ext cx="4653280" cy="2922905"/>
+          </a:xfrm>
+          <a:prstGeom prst="rect">
+            <a:avLst/>
+          </a:prstGeom>
+          <a:noFill/>
+          <a:ln>
+            <a:noFill/>
+          </a:ln>
+        </p:spPr>
+        <p:style>
+          <a:lnRef idx="2">
+            <a:schemeClr val="accent1">
+              <a:shade val="50000"/>
+            </a:schemeClr>
+          </a:lnRef>
+          <a:fillRef idx="1">
+            <a:schemeClr val="accent1"/>
+          </a:fillRef>
+          <a:effectRef idx="0">
+            <a:schemeClr val="accent1"/>
+          </a:effectRef>
+          <a:fontRef idx="minor">
+            <a:schemeClr val="lt1"/>
+          </a:fontRef>
+        </p:style>
+        <p:txBody>
+          <a:bodyPr wrap="square" lIns="178172" tIns="0" rIns="178172" bIns="0" rtlCol="0" anchor="t">
+            <a:noAutofit/>
+          </a:bodyPr>
+          <a:lstStyle>
+            <a:defPPr>
+              <a:defRPr lang="zh-CN"/>
+            </a:defPPr>
+            <a:lvl1pPr marL="285750" indent="-285750">
+              <a:lnSpc>
+                <a:spcPct val="120000"/>
+              </a:lnSpc>
+              <a:buClr>
+                <a:schemeClr val="accent1"/>
+              </a:buClr>
+              <a:buFont typeface="Wingdings" panose="05000000000000000000" pitchFamily="2" charset="2"/>
+              <a:buChar char="n"/>
+              <a:defRPr sz="1800" b="1">
+                <a:solidFill>
+                  <a:schemeClr val="bg1">
+                    <a:lumMod val="50000"/>
+                  </a:schemeClr>
+                </a:solidFill>
+                <a:cs typeface="+mn-ea"/>
+              </a:defRPr>
+            </a:lvl1pPr>
+            <a:lvl2pPr>
+              <a:defRPr>
+                <a:solidFill>
+                  <a:schemeClr val="lt1"/>
+                </a:solidFill>
+              </a:defRPr>
+            </a:lvl2pPr>
+            <a:lvl3pPr>
+              <a:defRPr>
+                <a:solidFill>
+                  <a:schemeClr val="lt1"/>
+                </a:solidFill>
+              </a:defRPr>
+            </a:lvl3pPr>
+            <a:lvl4pPr>
+              <a:defRPr>
+                <a:solidFill>
+                  <a:schemeClr val="lt1"/>
+                </a:solidFill>
+              </a:defRPr>
+            </a:lvl4pPr>
+            <a:lvl5pPr>
+              <a:defRPr>
+                <a:solidFill>
+                  <a:schemeClr val="lt1"/>
+                </a:solidFill>
+              </a:defRPr>
+            </a:lvl5pPr>
+            <a:lvl6pPr>
+              <a:defRPr>
+                <a:solidFill>
+                  <a:schemeClr val="lt1"/>
+                </a:solidFill>
+              </a:defRPr>
+            </a:lvl6pPr>
+            <a:lvl7pPr>
+              <a:defRPr>
+                <a:solidFill>
+                  <a:schemeClr val="lt1"/>
+                </a:solidFill>
+              </a:defRPr>
+            </a:lvl7pPr>
+            <a:lvl8pPr>
+              <a:defRPr>
+                <a:solidFill>
+                  <a:schemeClr val="lt1"/>
+                </a:solidFill>
+              </a:defRPr>
+            </a:lvl8pPr>
+            <a:lvl9pPr>
+              <a:defRPr>
+                <a:solidFill>
+                  <a:schemeClr val="lt1"/>
+                </a:solidFill>
+              </a:defRPr>
+            </a:lvl9pPr>
+          </a:lstStyle>
+          <a:p>
+            <a:pPr marL="342900" indent="-342900">
+              <a:buClr>
+                <a:srgbClr val="C00000"/>
+              </a:buClr>
+              <a:buAutoNum type="arabicPeriod"/>
+            </a:pPr>
+            <a:r>
+              <a:rPr lang="zh-CN" altLang="en-US" dirty="0">
+                <a:solidFill>
+                  <a:schemeClr val="tx1">
+                    <a:lumMod val="65000"/>
+                    <a:lumOff val="35000"/>
+                  </a:schemeClr>
+                </a:solidFill>
+                <a:ea typeface="思源黑体 CN Heavy" panose="020B0A00000000000000" pitchFamily="34" charset="-122"/>
+              </a:rPr>
+              <a:t>测试操作审计的中的</a:t>
+            </a:r>
+            <a:r>
+              <a:rPr lang="en-US" altLang="zh-CN" dirty="0" err="1">
+                <a:solidFill>
+                  <a:schemeClr val="tx1">
+                    <a:lumMod val="65000"/>
+                    <a:lumOff val="35000"/>
+                  </a:schemeClr>
+                </a:solidFill>
+                <a:ea typeface="思源黑体 CN Heavy" panose="020B0A00000000000000" pitchFamily="34" charset="-122"/>
+              </a:rPr>
+              <a:t>rpc</a:t>
+            </a:r>
+            <a:r>
+              <a:rPr lang="zh-CN" altLang="en-US" dirty="0">
+                <a:solidFill>
+                  <a:schemeClr val="tx1">
+                    <a:lumMod val="65000"/>
+                    <a:lumOff val="35000"/>
+                  </a:schemeClr>
+                </a:solidFill>
+                <a:ea typeface="思源黑体 CN Heavy" panose="020B0A00000000000000" pitchFamily="34" charset="-122"/>
+              </a:rPr>
+              <a:t>接口可以正常使用</a:t>
+            </a:r>
+            <a:r>
+              <a:rPr lang="en-US" altLang="zh-CN" dirty="0">
+                <a:solidFill>
+                  <a:schemeClr val="tx1">
+                    <a:lumMod val="65000"/>
+                    <a:lumOff val="35000"/>
+                  </a:schemeClr>
+                </a:solidFill>
+                <a:ea typeface="思源黑体 CN Heavy" panose="020B0A00000000000000" pitchFamily="34" charset="-122"/>
+              </a:rPr>
+              <a:t>.</a:t>
+            </a:r>
+          </a:p>
+          <a:p>
+            <a:pPr marL="342900" indent="-342900">
+              <a:buClr>
+                <a:srgbClr val="C00000"/>
+              </a:buClr>
+              <a:buAutoNum type="arabicPeriod"/>
+            </a:pPr>
+            <a:r>
+              <a:rPr lang="zh-CN" altLang="en-US" dirty="0">
+                <a:solidFill>
+                  <a:schemeClr val="tx1">
+                    <a:lumMod val="65000"/>
+                    <a:lumOff val="35000"/>
+                  </a:schemeClr>
+                </a:solidFill>
+                <a:ea typeface="思源黑体 CN Heavy" panose="020B0A00000000000000" pitchFamily="34" charset="-122"/>
+              </a:rPr>
+              <a:t>学习</a:t>
+            </a:r>
+            <a:r>
+              <a:rPr lang="en-US" altLang="zh-CN" dirty="0" err="1">
+                <a:solidFill>
+                  <a:schemeClr val="tx1">
+                    <a:lumMod val="65000"/>
+                    <a:lumOff val="35000"/>
+                  </a:schemeClr>
+                </a:solidFill>
+                <a:ea typeface="思源黑体 CN Heavy" panose="020B0A00000000000000" pitchFamily="34" charset="-122"/>
+              </a:rPr>
+              <a:t>grpc</a:t>
+            </a:r>
+            <a:r>
+              <a:rPr lang="zh-CN" altLang="en-US" dirty="0">
+                <a:solidFill>
+                  <a:schemeClr val="tx1">
+                    <a:lumMod val="65000"/>
+                    <a:lumOff val="35000"/>
+                  </a:schemeClr>
+                </a:solidFill>
+                <a:ea typeface="思源黑体 CN Heavy" panose="020B0A00000000000000" pitchFamily="34" charset="-122"/>
+              </a:rPr>
+              <a:t>的流式操作</a:t>
+            </a:r>
+            <a:endParaRPr lang="en-US" altLang="zh-CN" dirty="0">
+              <a:solidFill>
+                <a:schemeClr val="tx1">
+                  <a:lumMod val="65000"/>
+                  <a:lumOff val="35000"/>
+                </a:schemeClr>
+              </a:solidFill>
+              <a:ea typeface="思源黑体 CN Heavy" panose="020B0A00000000000000" pitchFamily="34" charset="-122"/>
+            </a:endParaRPr>
+          </a:p>
+          <a:p>
+            <a:pPr marL="342900" indent="-342900">
+              <a:buClr>
+                <a:srgbClr val="C00000"/>
+              </a:buClr>
+              <a:buAutoNum type="arabicPeriod"/>
+            </a:pPr>
+            <a:endParaRPr lang="en-US" altLang="zh-CN" dirty="0">
+              <a:solidFill>
+                <a:schemeClr val="tx1">
+                  <a:lumMod val="65000"/>
+                  <a:lumOff val="35000"/>
+                </a:schemeClr>
+              </a:solidFill>
+              <a:ea typeface="思源黑体 CN Heavy" panose="020B0A00000000000000" pitchFamily="34" charset="-122"/>
+            </a:endParaRPr>
+          </a:p>
+          <a:p>
+            <a:pPr marL="342900" indent="-342900">
+              <a:buClr>
+                <a:srgbClr val="C00000"/>
+              </a:buClr>
+              <a:buAutoNum type="arabicPeriod"/>
+            </a:pPr>
+            <a:r>
+              <a:rPr lang="zh-CN" altLang="en-US" dirty="0">
+                <a:solidFill>
+                  <a:schemeClr val="tx1">
+                    <a:lumMod val="65000"/>
+                    <a:lumOff val="35000"/>
+                  </a:schemeClr>
+                </a:solidFill>
+                <a:ea typeface="思源黑体 CN Heavy" panose="020B0A00000000000000" pitchFamily="34" charset="-122"/>
+              </a:rPr>
+              <a:t>了解</a:t>
+            </a:r>
+            <a:r>
+              <a:rPr lang="en-US" altLang="zh-CN" dirty="0" err="1">
+                <a:solidFill>
+                  <a:schemeClr val="tx1">
+                    <a:lumMod val="65000"/>
+                    <a:lumOff val="35000"/>
+                  </a:schemeClr>
+                </a:solidFill>
+                <a:ea typeface="思源黑体 CN Heavy" panose="020B0A00000000000000" pitchFamily="34" charset="-122"/>
+              </a:rPr>
+              <a:t>rpc</a:t>
+            </a:r>
+            <a:r>
+              <a:rPr lang="zh-CN" altLang="en-US">
+                <a:solidFill>
+                  <a:schemeClr val="tx1">
+                    <a:lumMod val="65000"/>
+                    <a:lumOff val="35000"/>
+                  </a:schemeClr>
+                </a:solidFill>
+                <a:ea typeface="思源黑体 CN Heavy" panose="020B0A00000000000000" pitchFamily="34" charset="-122"/>
+              </a:rPr>
+              <a:t>接口调用时的原理</a:t>
+            </a:r>
+            <a:endParaRPr lang="en-US" altLang="zh-CN" dirty="0">
+              <a:solidFill>
+                <a:schemeClr val="tx1">
+                  <a:lumMod val="65000"/>
+                  <a:lumOff val="35000"/>
+                </a:schemeClr>
+              </a:solidFill>
+              <a:ea typeface="思源黑体 CN Heavy" panose="020B0A00000000000000" pitchFamily="34" charset="-122"/>
+            </a:endParaRPr>
+          </a:p>
+          <a:p>
+            <a:pPr marL="342900" indent="-342900">
+              <a:buClr>
+                <a:srgbClr val="C00000"/>
+              </a:buClr>
+              <a:buAutoNum type="arabicPeriod"/>
+            </a:pPr>
+            <a:endParaRPr lang="zh-CN" altLang="en-US" dirty="0">
+              <a:solidFill>
+                <a:schemeClr val="tx1">
+                  <a:lumMod val="65000"/>
+                  <a:lumOff val="35000"/>
+                </a:schemeClr>
+              </a:solidFill>
+              <a:ea typeface="思源黑体 CN Heavy" panose="020B0A00000000000000" pitchFamily="34" charset="-122"/>
+            </a:endParaRPr>
+          </a:p>
+        </p:txBody>
+      </p:sp>
+      <p:sp>
+        <p:nvSpPr>
+          <p:cNvPr id="37" name="文本框 145"/>
+          <p:cNvSpPr txBox="1"/>
+          <p:nvPr/>
+        </p:nvSpPr>
+        <p:spPr>
+          <a:xfrm>
+            <a:off x="732347" y="3000062"/>
+            <a:ext cx="2352000" cy="413563"/>
+          </a:xfrm>
+          <a:prstGeom prst="rect">
+            <a:avLst/>
+          </a:prstGeom>
+          <a:noFill/>
+          <a:ln>
+            <a:noFill/>
+          </a:ln>
+        </p:spPr>
+        <p:style>
+          <a:lnRef idx="2">
+            <a:schemeClr val="accent1">
+              <a:shade val="50000"/>
+            </a:schemeClr>
+          </a:lnRef>
+          <a:fillRef idx="1">
+            <a:schemeClr val="accent1"/>
+          </a:fillRef>
+          <a:effectRef idx="0">
+            <a:schemeClr val="accent1"/>
+          </a:effectRef>
+          <a:fontRef idx="minor">
+            <a:schemeClr val="lt1"/>
+          </a:fontRef>
+        </p:style>
+        <p:txBody>
+          <a:bodyPr wrap="square" lIns="178172" tIns="0" rIns="178172" bIns="0" rtlCol="0" anchor="t">
+            <a:noAutofit/>
+          </a:bodyPr>
+          <a:lstStyle>
+            <a:defPPr>
+              <a:defRPr lang="zh-CN"/>
+            </a:defPPr>
+            <a:lvl1pPr marL="285750" indent="-285750">
+              <a:lnSpc>
+                <a:spcPct val="120000"/>
+              </a:lnSpc>
+              <a:buClr>
+                <a:schemeClr val="accent1"/>
+              </a:buClr>
+              <a:buFont typeface="Wingdings" panose="05000000000000000000" pitchFamily="2" charset="2"/>
+              <a:buChar char="n"/>
+              <a:defRPr sz="1800" b="1">
+                <a:solidFill>
+                  <a:schemeClr val="bg1">
+                    <a:lumMod val="50000"/>
+                  </a:schemeClr>
+                </a:solidFill>
+                <a:cs typeface="+mn-ea"/>
+              </a:defRPr>
+            </a:lvl1pPr>
+            <a:lvl2pPr>
+              <a:defRPr>
+                <a:solidFill>
+                  <a:schemeClr val="lt1"/>
+                </a:solidFill>
+              </a:defRPr>
+            </a:lvl2pPr>
+            <a:lvl3pPr>
+              <a:defRPr>
+                <a:solidFill>
+                  <a:schemeClr val="lt1"/>
+                </a:solidFill>
+              </a:defRPr>
+            </a:lvl3pPr>
+            <a:lvl4pPr>
+              <a:defRPr>
+                <a:solidFill>
+                  <a:schemeClr val="lt1"/>
+                </a:solidFill>
+              </a:defRPr>
+            </a:lvl4pPr>
+            <a:lvl5pPr>
+              <a:defRPr>
+                <a:solidFill>
+                  <a:schemeClr val="lt1"/>
+                </a:solidFill>
+              </a:defRPr>
+            </a:lvl5pPr>
+            <a:lvl6pPr>
+              <a:defRPr>
+                <a:solidFill>
+                  <a:schemeClr val="lt1"/>
+                </a:solidFill>
+              </a:defRPr>
+            </a:lvl6pPr>
+            <a:lvl7pPr>
+              <a:defRPr>
+                <a:solidFill>
+                  <a:schemeClr val="lt1"/>
+                </a:solidFill>
+              </a:defRPr>
+            </a:lvl7pPr>
+            <a:lvl8pPr>
+              <a:defRPr>
+                <a:solidFill>
+                  <a:schemeClr val="lt1"/>
+                </a:solidFill>
+              </a:defRPr>
+            </a:lvl8pPr>
+            <a:lvl9pPr>
+              <a:defRPr>
+                <a:solidFill>
+                  <a:schemeClr val="lt1"/>
+                </a:solidFill>
+              </a:defRPr>
+            </a:lvl9pPr>
+          </a:lstStyle>
+          <a:p>
+            <a:pPr marL="0" indent="0">
+              <a:buClr>
+                <a:srgbClr val="C00000"/>
+              </a:buClr>
+              <a:buNone/>
+            </a:pPr>
+            <a:endParaRPr lang="zh-CN" altLang="en-US" dirty="0">
+              <a:solidFill>
+                <a:schemeClr val="tx1">
+                  <a:lumMod val="65000"/>
+                  <a:lumOff val="35000"/>
+                </a:schemeClr>
+              </a:solidFill>
+              <a:ea typeface="思源黑体 CN Heavy" panose="020B0A00000000000000" pitchFamily="34" charset="-122"/>
+            </a:endParaRPr>
+          </a:p>
+        </p:txBody>
+      </p:sp>
+      <p:sp>
+        <p:nvSpPr>
+          <p:cNvPr id="9" name="文本框 145">
+            <a:extLst>
+              <a:ext uri="{FF2B5EF4-FFF2-40B4-BE49-F238E27FC236}">
+                <a16:creationId xmlns:a16="http://schemas.microsoft.com/office/drawing/2014/main" id="{ACEEA871-207B-4379-82F8-E9E99F38C76C}"/>
+              </a:ext>
+            </a:extLst>
+          </p:cNvPr>
+          <p:cNvSpPr txBox="1"/>
+          <p:nvPr/>
+        </p:nvSpPr>
+        <p:spPr>
+          <a:xfrm>
+            <a:off x="5661092" y="1842769"/>
+            <a:ext cx="4653280" cy="2922905"/>
+          </a:xfrm>
+          <a:prstGeom prst="rect">
+            <a:avLst/>
+          </a:prstGeom>
+          <a:noFill/>
+          <a:ln>
+            <a:noFill/>
+          </a:ln>
+        </p:spPr>
+        <p:style>
+          <a:lnRef idx="2">
+            <a:schemeClr val="accent1">
+              <a:shade val="50000"/>
+            </a:schemeClr>
+          </a:lnRef>
+          <a:fillRef idx="1">
+            <a:schemeClr val="accent1"/>
+          </a:fillRef>
+          <a:effectRef idx="0">
+            <a:schemeClr val="accent1"/>
+          </a:effectRef>
+          <a:fontRef idx="minor">
+            <a:schemeClr val="lt1"/>
+          </a:fontRef>
+        </p:style>
+        <p:txBody>
+          <a:bodyPr wrap="square" lIns="178172" tIns="0" rIns="178172" bIns="0" rtlCol="0" anchor="t">
+            <a:noAutofit/>
+          </a:bodyPr>
+          <a:lstStyle>
+            <a:defPPr>
+              <a:defRPr lang="zh-CN"/>
+            </a:defPPr>
+            <a:lvl1pPr marL="285750" indent="-285750">
+              <a:lnSpc>
+                <a:spcPct val="120000"/>
+              </a:lnSpc>
+              <a:buClr>
+                <a:schemeClr val="accent1"/>
+              </a:buClr>
+              <a:buFont typeface="Wingdings" panose="05000000000000000000" pitchFamily="2" charset="2"/>
+              <a:buChar char="n"/>
+              <a:defRPr sz="1800" b="1">
+                <a:solidFill>
+                  <a:schemeClr val="bg1">
+                    <a:lumMod val="50000"/>
+                  </a:schemeClr>
+                </a:solidFill>
+                <a:cs typeface="+mn-ea"/>
+              </a:defRPr>
+            </a:lvl1pPr>
+            <a:lvl2pPr>
+              <a:defRPr>
+                <a:solidFill>
+                  <a:schemeClr val="lt1"/>
+                </a:solidFill>
+              </a:defRPr>
+            </a:lvl2pPr>
+            <a:lvl3pPr>
+              <a:defRPr>
+                <a:solidFill>
+                  <a:schemeClr val="lt1"/>
+                </a:solidFill>
+              </a:defRPr>
+            </a:lvl3pPr>
+            <a:lvl4pPr>
+              <a:defRPr>
+                <a:solidFill>
+                  <a:schemeClr val="lt1"/>
+                </a:solidFill>
+              </a:defRPr>
+            </a:lvl4pPr>
+            <a:lvl5pPr>
+              <a:defRPr>
+                <a:solidFill>
+                  <a:schemeClr val="lt1"/>
+                </a:solidFill>
+              </a:defRPr>
+            </a:lvl5pPr>
+            <a:lvl6pPr>
+              <a:defRPr>
+                <a:solidFill>
+                  <a:schemeClr val="lt1"/>
+                </a:solidFill>
+              </a:defRPr>
+            </a:lvl6pPr>
+            <a:lvl7pPr>
+              <a:defRPr>
+                <a:solidFill>
+                  <a:schemeClr val="lt1"/>
+                </a:solidFill>
+              </a:defRPr>
+            </a:lvl7pPr>
+            <a:lvl8pPr>
+              <a:defRPr>
+                <a:solidFill>
+                  <a:schemeClr val="lt1"/>
+                </a:solidFill>
+              </a:defRPr>
+            </a:lvl8pPr>
+            <a:lvl9pPr>
+              <a:defRPr>
+                <a:solidFill>
+                  <a:schemeClr val="lt1"/>
+                </a:solidFill>
+              </a:defRPr>
+            </a:lvl9pPr>
+          </a:lstStyle>
+          <a:p>
+            <a:pPr marL="342900" indent="-342900">
+              <a:buClr>
+                <a:srgbClr val="C00000"/>
+              </a:buClr>
+              <a:buAutoNum type="arabicPeriod"/>
+            </a:pPr>
+            <a:r>
+              <a:rPr lang="zh-CN" altLang="en-US" dirty="0">
+                <a:solidFill>
+                  <a:schemeClr val="tx1">
+                    <a:lumMod val="65000"/>
+                    <a:lumOff val="35000"/>
+                  </a:schemeClr>
+                </a:solidFill>
+                <a:ea typeface="思源黑体 CN Heavy" panose="020B0A00000000000000" pitchFamily="34" charset="-122"/>
+              </a:rPr>
+              <a:t>学习</a:t>
+            </a:r>
+            <a:r>
+              <a:rPr lang="en-US" altLang="zh-CN" dirty="0" err="1">
+                <a:solidFill>
+                  <a:schemeClr val="tx1">
+                    <a:lumMod val="65000"/>
+                    <a:lumOff val="35000"/>
+                  </a:schemeClr>
+                </a:solidFill>
+                <a:ea typeface="思源黑体 CN Heavy" panose="020B0A00000000000000" pitchFamily="34" charset="-122"/>
+              </a:rPr>
+              <a:t>grpc</a:t>
+            </a:r>
+            <a:r>
+              <a:rPr lang="en-US" altLang="zh-CN" dirty="0">
+                <a:solidFill>
+                  <a:schemeClr val="tx1">
+                    <a:lumMod val="65000"/>
+                    <a:lumOff val="35000"/>
+                  </a:schemeClr>
+                </a:solidFill>
+                <a:ea typeface="思源黑体 CN Heavy" panose="020B0A00000000000000" pitchFamily="34" charset="-122"/>
+              </a:rPr>
+              <a:t>, </a:t>
+            </a:r>
+            <a:r>
+              <a:rPr lang="zh-CN" altLang="en-US" dirty="0">
+                <a:solidFill>
+                  <a:schemeClr val="tx1">
+                    <a:lumMod val="65000"/>
+                    <a:lumOff val="35000"/>
+                  </a:schemeClr>
+                </a:solidFill>
+                <a:ea typeface="思源黑体 CN Heavy" panose="020B0A00000000000000" pitchFamily="34" charset="-122"/>
+              </a:rPr>
+              <a:t>并且测试操作审计的中的</a:t>
+            </a:r>
+            <a:r>
+              <a:rPr lang="en-US" altLang="zh-CN" dirty="0" err="1">
+                <a:solidFill>
+                  <a:schemeClr val="tx1">
+                    <a:lumMod val="65000"/>
+                    <a:lumOff val="35000"/>
+                  </a:schemeClr>
+                </a:solidFill>
+                <a:ea typeface="思源黑体 CN Heavy" panose="020B0A00000000000000" pitchFamily="34" charset="-122"/>
+              </a:rPr>
+              <a:t>rpc</a:t>
+            </a:r>
+            <a:r>
+              <a:rPr lang="zh-CN" altLang="en-US" dirty="0">
+                <a:solidFill>
+                  <a:schemeClr val="tx1">
+                    <a:lumMod val="65000"/>
+                    <a:lumOff val="35000"/>
+                  </a:schemeClr>
+                </a:solidFill>
+                <a:ea typeface="思源黑体 CN Heavy" panose="020B0A00000000000000" pitchFamily="34" charset="-122"/>
+              </a:rPr>
+              <a:t>接口可以正常使用</a:t>
+            </a:r>
+            <a:r>
+              <a:rPr lang="en-US" altLang="zh-CN" dirty="0">
+                <a:solidFill>
+                  <a:schemeClr val="tx1">
+                    <a:lumMod val="65000"/>
+                    <a:lumOff val="35000"/>
+                  </a:schemeClr>
+                </a:solidFill>
+                <a:ea typeface="思源黑体 CN Heavy" panose="020B0A00000000000000" pitchFamily="34" charset="-122"/>
+              </a:rPr>
+              <a:t>.</a:t>
+            </a:r>
+            <a:endParaRPr lang="zh-CN" altLang="en-US" dirty="0">
+              <a:solidFill>
+                <a:schemeClr val="tx1">
+                  <a:lumMod val="65000"/>
+                  <a:lumOff val="35000"/>
+                </a:schemeClr>
+              </a:solidFill>
+              <a:ea typeface="思源黑体 CN Heavy" panose="020B0A00000000000000" pitchFamily="34" charset="-122"/>
+            </a:endParaRPr>
+          </a:p>
+        </p:txBody>
+      </p:sp>
+    </p:spTree>
+    <p:extLst>
+      <p:ext uri="{BB962C8B-B14F-4D97-AF65-F5344CB8AC3E}">
+        <p14:creationId xmlns:p14="http://schemas.microsoft.com/office/powerpoint/2010/main" val="3231753703"/>
+      </p:ext>
+    </p:extLst>
+  </p:cSld>
+  <p:clrMapOvr>
+    <a:masterClrMapping/>
+  </p:clrMapOvr>
+  <mc:AlternateContent xmlns:mc="http://schemas.openxmlformats.org/markup-compatibility/2006" xmlns:p14="http://schemas.microsoft.com/office/powerpoint/2010/main">
+    <mc:Choice Requires="p14">
+      <p:transition spd="slow" p14:dur="1600">
+        <p:blinds dir="vert"/>
+      </p:transition>
+    </mc:Choice>
+    <mc:Fallback xmlns="">
+      <p:transition spd="slow">
+        <p:blinds dir="vert"/>
+      </p:transition>
+    </mc:Fallback>
+  </mc:AlternateContent>
+  <p:timing>
+    <p:tnLst>
+      <p:par>
+        <p:cTn id="1" dur="indefinite" restart="never" nodeType="tmRoot">
+          <p:childTnLst>
+            <p:seq concurrent="1" nextAc="seek">
+              <p:cTn id="2" dur="indefinite" nodeType="mainSeq">
+                <p:childTnLst>
+                  <p:par>
+                    <p:cTn id="3" fill="hold">
+                      <p:stCondLst>
+                        <p:cond delay="indefinite"/>
+                        <p:cond evt="onBegin" delay="0">
+                          <p:tn val="2"/>
+                        </p:cond>
+                      </p:stCondLst>
+                      <p:childTnLst>
+                        <p:par>
+                          <p:cTn id="4" fill="hold">
+                            <p:stCondLst>
+                              <p:cond delay="0"/>
+                            </p:stCondLst>
+                            <p:childTnLst>
+                              <p:par>
+                                <p:cTn id="5" presetID="12" presetClass="entr" presetSubtype="1" fill="hold" grpId="0" nodeType="afterEffect">
+                                  <p:stCondLst>
+                                    <p:cond delay="0"/>
+                                  </p:stCondLst>
+                                  <p:childTnLst>
+                                    <p:set>
+                                      <p:cBhvr>
+                                        <p:cTn id="6" dur="1" fill="hold">
+                                          <p:stCondLst>
+                                            <p:cond delay="0"/>
+                                          </p:stCondLst>
+                                        </p:cTn>
+                                        <p:tgtEl>
+                                          <p:spTgt spid="45"/>
+                                        </p:tgtEl>
+                                        <p:attrNameLst>
+                                          <p:attrName>style.visibility</p:attrName>
+                                        </p:attrNameLst>
+                                      </p:cBhvr>
+                                      <p:to>
+                                        <p:strVal val="visible"/>
+                                      </p:to>
+                                    </p:set>
+                                    <p:anim calcmode="lin" valueType="num">
+                                      <p:cBhvr additive="base">
+                                        <p:cTn id="7" dur="500"/>
+                                        <p:tgtEl>
+                                          <p:spTgt spid="45"/>
+                                        </p:tgtEl>
+                                        <p:attrNameLst>
+                                          <p:attrName>ppt_y</p:attrName>
+                                        </p:attrNameLst>
+                                      </p:cBhvr>
+                                      <p:tavLst>
+                                        <p:tav tm="0">
+                                          <p:val>
+                                            <p:strVal val="#ppt_y-#ppt_h*1.125000"/>
+                                          </p:val>
+                                        </p:tav>
+                                        <p:tav tm="100000">
+                                          <p:val>
+                                            <p:strVal val="#ppt_y"/>
+                                          </p:val>
+                                        </p:tav>
+                                      </p:tavLst>
+                                    </p:anim>
+                                    <p:animEffect transition="in" filter="wipe(down)">
+                                      <p:cBhvr>
+                                        <p:cTn id="8" dur="500"/>
+                                        <p:tgtEl>
+                                          <p:spTgt spid="45"/>
+                                        </p:tgtEl>
+                                      </p:cBhvr>
+                                    </p:animEffect>
+                                  </p:childTnLst>
+                                </p:cTn>
+                              </p:par>
+                            </p:childTnLst>
+                          </p:cTn>
+                        </p:par>
+                        <p:par>
+                          <p:cTn id="9" fill="hold">
+                            <p:stCondLst>
+                              <p:cond delay="500"/>
+                            </p:stCondLst>
+                            <p:childTnLst>
+                              <p:par>
+                                <p:cTn id="10" presetID="22" presetClass="entr" presetSubtype="1" fill="hold" grpId="0" nodeType="afterEffect">
+                                  <p:stCondLst>
+                                    <p:cond delay="0"/>
+                                  </p:stCondLst>
+                                  <p:childTnLst>
+                                    <p:set>
+                                      <p:cBhvr>
+                                        <p:cTn id="11" dur="1" fill="hold">
+                                          <p:stCondLst>
+                                            <p:cond delay="0"/>
+                                          </p:stCondLst>
+                                        </p:cTn>
+                                        <p:tgtEl>
+                                          <p:spTgt spid="44"/>
+                                        </p:tgtEl>
+                                        <p:attrNameLst>
+                                          <p:attrName>style.visibility</p:attrName>
+                                        </p:attrNameLst>
+                                      </p:cBhvr>
+                                      <p:to>
+                                        <p:strVal val="visible"/>
+                                      </p:to>
+                                    </p:set>
+                                    <p:animEffect transition="in" filter="wipe(up)">
+                                      <p:cBhvr>
+                                        <p:cTn id="12" dur="500"/>
+                                        <p:tgtEl>
+                                          <p:spTgt spid="44"/>
+                                        </p:tgtEl>
+                                      </p:cBhvr>
+                                    </p:animEffect>
+                                  </p:childTnLst>
+                                </p:cTn>
+                              </p:par>
+                            </p:childTnLst>
+                          </p:cTn>
+                        </p:par>
+                        <p:par>
+                          <p:cTn id="13" fill="hold">
+                            <p:stCondLst>
+                              <p:cond delay="1000"/>
+                            </p:stCondLst>
+                            <p:childTnLst>
+                              <p:par>
+                                <p:cTn id="14" presetID="12" presetClass="entr" presetSubtype="1" fill="hold" grpId="0" nodeType="afterEffect">
+                                  <p:stCondLst>
+                                    <p:cond delay="0"/>
+                                  </p:stCondLst>
+                                  <p:childTnLst>
+                                    <p:set>
+                                      <p:cBhvr>
+                                        <p:cTn id="15" dur="1" fill="hold">
+                                          <p:stCondLst>
+                                            <p:cond delay="0"/>
+                                          </p:stCondLst>
+                                        </p:cTn>
+                                        <p:tgtEl>
+                                          <p:spTgt spid="37"/>
+                                        </p:tgtEl>
+                                        <p:attrNameLst>
+                                          <p:attrName>style.visibility</p:attrName>
+                                        </p:attrNameLst>
+                                      </p:cBhvr>
+                                      <p:to>
+                                        <p:strVal val="visible"/>
+                                      </p:to>
+                                    </p:set>
+                                    <p:anim calcmode="lin" valueType="num">
+                                      <p:cBhvr additive="base">
+                                        <p:cTn id="16" dur="500"/>
+                                        <p:tgtEl>
+                                          <p:spTgt spid="37"/>
+                                        </p:tgtEl>
+                                        <p:attrNameLst>
+                                          <p:attrName>ppt_y</p:attrName>
+                                        </p:attrNameLst>
+                                      </p:cBhvr>
+                                      <p:tavLst>
+                                        <p:tav tm="0">
+                                          <p:val>
+                                            <p:strVal val="#ppt_y-#ppt_h*1.125000"/>
+                                          </p:val>
+                                        </p:tav>
+                                        <p:tav tm="100000">
+                                          <p:val>
+                                            <p:strVal val="#ppt_y"/>
+                                          </p:val>
+                                        </p:tav>
+                                      </p:tavLst>
+                                    </p:anim>
+                                    <p:animEffect transition="in" filter="wipe(down)">
+                                      <p:cBhvr>
+                                        <p:cTn id="17" dur="500"/>
+                                        <p:tgtEl>
+                                          <p:spTgt spid="37"/>
+                                        </p:tgtEl>
+                                      </p:cBhvr>
+                                    </p:animEffect>
+                                  </p:childTnLst>
+                                </p:cTn>
+                              </p:par>
+                            </p:childTnLst>
+                          </p:cTn>
+                        </p:par>
+                        <p:par>
+                          <p:cTn id="18" fill="hold">
+                            <p:stCondLst>
+                              <p:cond delay="1500"/>
+                            </p:stCondLst>
+                            <p:childTnLst>
+                              <p:par>
+                                <p:cTn id="19" presetID="12" presetClass="entr" presetSubtype="1" fill="hold" grpId="0" nodeType="afterEffect">
+                                  <p:stCondLst>
+                                    <p:cond delay="0"/>
+                                  </p:stCondLst>
+                                  <p:childTnLst>
+                                    <p:set>
+                                      <p:cBhvr>
+                                        <p:cTn id="20" dur="1" fill="hold">
+                                          <p:stCondLst>
+                                            <p:cond delay="0"/>
+                                          </p:stCondLst>
+                                        </p:cTn>
+                                        <p:tgtEl>
+                                          <p:spTgt spid="9"/>
+                                        </p:tgtEl>
+                                        <p:attrNameLst>
+                                          <p:attrName>style.visibility</p:attrName>
+                                        </p:attrNameLst>
+                                      </p:cBhvr>
+                                      <p:to>
+                                        <p:strVal val="visible"/>
+                                      </p:to>
+                                    </p:set>
+                                    <p:anim calcmode="lin" valueType="num">
+                                      <p:cBhvr additive="base">
+                                        <p:cTn id="21" dur="500"/>
+                                        <p:tgtEl>
+                                          <p:spTgt spid="9"/>
+                                        </p:tgtEl>
+                                        <p:attrNameLst>
+                                          <p:attrName>ppt_y</p:attrName>
+                                        </p:attrNameLst>
+                                      </p:cBhvr>
+                                      <p:tavLst>
+                                        <p:tav tm="0">
+                                          <p:val>
+                                            <p:strVal val="#ppt_y-#ppt_h*1.125000"/>
+                                          </p:val>
+                                        </p:tav>
+                                        <p:tav tm="100000">
+                                          <p:val>
+                                            <p:strVal val="#ppt_y"/>
+                                          </p:val>
+                                        </p:tav>
+                                      </p:tavLst>
+                                    </p:anim>
+                                    <p:animEffect transition="in" filter="wipe(down)">
+                                      <p:cBhvr>
+                                        <p:cTn id="22" dur="500"/>
+                                        <p:tgtEl>
+                                          <p:spTgt spid="9"/>
+                                        </p:tgtEl>
+                                      </p:cBhvr>
+                                    </p:animEffect>
+                                  </p:childTnLst>
+                                </p:cTn>
+                              </p:par>
+                            </p:childTnLst>
+                          </p:cTn>
+                        </p:par>
+                      </p:childTnLst>
+                    </p:cTn>
+                  </p:par>
+                </p:childTnLst>
+              </p:cTn>
+              <p:prevCondLst>
+                <p:cond evt="onPrev" delay="0">
+                  <p:tgtEl>
+                    <p:sldTgt/>
+                  </p:tgtEl>
+                </p:cond>
+              </p:prevCondLst>
+              <p:nextCondLst>
+                <p:cond evt="onNext" delay="0">
+                  <p:tgtEl>
+                    <p:sldTgt/>
+                  </p:tgtEl>
+                </p:cond>
+              </p:nextCondLst>
+            </p:seq>
+          </p:childTnLst>
+        </p:cTn>
+      </p:par>
+    </p:tnLst>
+    <p:bldLst>
+      <p:bldP spid="44" grpId="0"/>
+      <p:bldP spid="44" grpId="1"/>
+      <p:bldP spid="45" grpId="0" bldLvl="0" animBg="1"/>
+      <p:bldP spid="37" grpId="0" bldLvl="0" animBg="1"/>
+      <p:bldP spid="9" grpId="0" bldLvl="0" animBg="1"/>
+    </p:bldLst>
+  </p:timing>
+</p:sld>
+</file>
+
+<file path=ppt/slides/slide11.xml><?xml version="1.0" encoding="utf-8"?>
+<p:sld xmlns:a="http://schemas.openxmlformats.org/drawingml/2006/main" xmlns:r="http://schemas.openxmlformats.org/officeDocument/2006/relationships" xmlns:p="http://schemas.openxmlformats.org/presentationml/2006/main">
+  <p:cSld>
+    <p:spTree>
+      <p:nvGrpSpPr>
+        <p:cNvPr id="1" name=""/>
+        <p:cNvGrpSpPr/>
+        <p:nvPr/>
+      </p:nvGrpSpPr>
+      <p:grpSpPr>
+        <a:xfrm>
+          <a:off x="0" y="0"/>
+          <a:ext cx="0" cy="0"/>
+          <a:chOff x="0" y="0"/>
+          <a:chExt cx="0" cy="0"/>
+        </a:xfrm>
+      </p:grpSpPr>
+      <p:sp>
+        <p:nvSpPr>
+          <p:cNvPr id="18" name="文本框 17"/>
+          <p:cNvSpPr txBox="1"/>
+          <p:nvPr/>
+        </p:nvSpPr>
+        <p:spPr>
+          <a:xfrm>
+            <a:off x="643255" y="180340"/>
+            <a:ext cx="1612900" cy="521970"/>
+          </a:xfrm>
+          <a:prstGeom prst="rect">
+            <a:avLst/>
+          </a:prstGeom>
+          <a:noFill/>
+        </p:spPr>
+        <p:txBody>
+          <a:bodyPr wrap="none" rtlCol="0">
+            <a:spAutoFit/>
+          </a:bodyPr>
+          <a:lstStyle/>
+          <a:p>
+            <a:r>
+              <a:rPr lang="zh-CN" altLang="en-US" sz="2800" b="1" dirty="0">
+                <a:solidFill>
+                  <a:schemeClr val="bg1"/>
+                </a:solidFill>
+                <a:ea typeface="思源黑体 CN Heavy" panose="020B0A00000000000000" pitchFamily="34" charset="-122"/>
+              </a:rPr>
+              <a:t>工作总结</a:t>
+            </a:r>
+          </a:p>
+        </p:txBody>
+      </p:sp>
+      <p:sp>
+        <p:nvSpPr>
+          <p:cNvPr id="44" name="文本框 146"/>
+          <p:cNvSpPr txBox="1"/>
+          <p:nvPr/>
+        </p:nvSpPr>
+        <p:spPr>
+          <a:xfrm>
+            <a:off x="915035" y="1696720"/>
+            <a:ext cx="4883150" cy="1303655"/>
+          </a:xfrm>
+          <a:prstGeom prst="rect">
+            <a:avLst/>
+          </a:prstGeom>
+          <a:noFill/>
+          <a:ln w="9525">
+            <a:noFill/>
+            <a:miter lim="800000"/>
+          </a:ln>
+          <a:extLst>
+            <a:ext uri="{909E8E84-426E-40DD-AFC4-6F175D3DCCD1}">
+              <a14:hiddenFill xmlns:a14="http://schemas.microsoft.com/office/drawing/2010/main">
+                <a:solidFill>
+                  <a:srgbClr val="FFFFFF"/>
+                </a:solidFill>
+              </a14:hiddenFill>
+            </a:ext>
+          </a:extLst>
+        </p:spPr>
+        <p:txBody>
+          <a:bodyPr lIns="135785" tIns="67891" rIns="135785" bIns="67891">
+            <a:noAutofit/>
+          </a:bodyPr>
+          <a:lstStyle>
+            <a:defPPr>
+              <a:defRPr lang="zh-CN"/>
+            </a:defPPr>
+            <a:lvl1pPr fontAlgn="base">
+              <a:lnSpc>
+                <a:spcPct val="110000"/>
+              </a:lnSpc>
+              <a:spcBef>
+                <a:spcPct val="0"/>
+              </a:spcBef>
+              <a:spcAft>
+                <a:spcPct val="0"/>
+              </a:spcAft>
+              <a:defRPr sz="1400">
+                <a:solidFill>
+                  <a:prstClr val="black">
+                    <a:lumMod val="50000"/>
+                    <a:lumOff val="50000"/>
+                  </a:prstClr>
+                </a:solidFill>
+                <a:latin typeface="Arial" panose="020B0604020202020204"/>
+                <a:cs typeface="+mn-ea"/>
+              </a:defRPr>
+            </a:lvl1pPr>
+            <a:lvl2pPr marL="457200" fontAlgn="base">
+              <a:spcBef>
+                <a:spcPct val="0"/>
+              </a:spcBef>
+              <a:spcAft>
+                <a:spcPct val="0"/>
+              </a:spcAft>
+              <a:defRPr>
+                <a:latin typeface="Calibri" panose="020F0502020204030204" pitchFamily="34" charset="0"/>
+                <a:cs typeface="Arial" panose="020B0604020202020204" pitchFamily="34" charset="0"/>
+              </a:defRPr>
+            </a:lvl2pPr>
+            <a:lvl3pPr marL="914400" fontAlgn="base">
+              <a:spcBef>
+                <a:spcPct val="0"/>
+              </a:spcBef>
+              <a:spcAft>
+                <a:spcPct val="0"/>
+              </a:spcAft>
+              <a:defRPr>
+                <a:latin typeface="Calibri" panose="020F0502020204030204" pitchFamily="34" charset="0"/>
+                <a:cs typeface="Arial" panose="020B0604020202020204" pitchFamily="34" charset="0"/>
+              </a:defRPr>
+            </a:lvl3pPr>
+            <a:lvl4pPr marL="1371600" fontAlgn="base">
+              <a:spcBef>
+                <a:spcPct val="0"/>
+              </a:spcBef>
+              <a:spcAft>
+                <a:spcPct val="0"/>
+              </a:spcAft>
+              <a:defRPr>
+                <a:latin typeface="Calibri" panose="020F0502020204030204" pitchFamily="34" charset="0"/>
+                <a:cs typeface="Arial" panose="020B0604020202020204" pitchFamily="34" charset="0"/>
+              </a:defRPr>
+            </a:lvl4pPr>
+            <a:lvl5pPr marL="1828800" fontAlgn="base">
+              <a:spcBef>
+                <a:spcPct val="0"/>
+              </a:spcBef>
+              <a:spcAft>
+                <a:spcPct val="0"/>
+              </a:spcAft>
+              <a:defRPr>
+                <a:latin typeface="Calibri" panose="020F0502020204030204" pitchFamily="34" charset="0"/>
+                <a:cs typeface="Arial" panose="020B0604020202020204" pitchFamily="34" charset="0"/>
+              </a:defRPr>
+            </a:lvl5pPr>
+            <a:lvl6pPr marL="2286000" defTabSz="914400">
+              <a:defRPr>
+                <a:latin typeface="Calibri" panose="020F0502020204030204" pitchFamily="34" charset="0"/>
+                <a:cs typeface="Arial" panose="020B0604020202020204" pitchFamily="34" charset="0"/>
+              </a:defRPr>
+            </a:lvl6pPr>
+            <a:lvl7pPr marL="2743200" defTabSz="914400">
+              <a:defRPr>
+                <a:latin typeface="Calibri" panose="020F0502020204030204" pitchFamily="34" charset="0"/>
+                <a:cs typeface="Arial" panose="020B0604020202020204" pitchFamily="34" charset="0"/>
+              </a:defRPr>
+            </a:lvl7pPr>
+            <a:lvl8pPr marL="3200400" defTabSz="914400">
+              <a:defRPr>
+                <a:latin typeface="Calibri" panose="020F0502020204030204" pitchFamily="34" charset="0"/>
+                <a:cs typeface="Arial" panose="020B0604020202020204" pitchFamily="34" charset="0"/>
+              </a:defRPr>
+            </a:lvl8pPr>
+            <a:lvl9pPr marL="3657600" defTabSz="914400">
+              <a:defRPr>
+                <a:latin typeface="Calibri" panose="020F0502020204030204" pitchFamily="34" charset="0"/>
+                <a:cs typeface="Arial" panose="020B0604020202020204" pitchFamily="34" charset="0"/>
+              </a:defRPr>
+            </a:lvl9pPr>
+          </a:lstStyle>
+          <a:p>
+            <a:endParaRPr lang="zh-CN" altLang="en-US" sz="1800" b="1" dirty="0">
+              <a:solidFill>
+                <a:prstClr val="black">
+                  <a:lumMod val="50000"/>
+                  <a:lumOff val="50000"/>
+                </a:prstClr>
+              </a:solidFill>
+              <a:effectLst>
+                <a:outerShdw blurRad="38100" dist="38100" dir="2700000" algn="tl">
+                  <a:srgbClr val="000000">
+                    <a:alpha val="30000"/>
+                  </a:srgbClr>
+                </a:outerShdw>
+              </a:effectLst>
+              <a:uFillTx/>
+              <a:latin typeface="华文中宋" panose="02010600040101010101" charset="-122"/>
+              <a:ea typeface="华文中宋" panose="02010600040101010101" charset="-122"/>
+              <a:cs typeface="Arial" panose="020B0604020202020204" pitchFamily="34" charset="0"/>
+            </a:endParaRPr>
+          </a:p>
+        </p:txBody>
+      </p:sp>
+      <p:sp>
+        <p:nvSpPr>
+          <p:cNvPr id="45" name="文本框 145"/>
+          <p:cNvSpPr txBox="1"/>
+          <p:nvPr/>
+        </p:nvSpPr>
+        <p:spPr>
+          <a:xfrm>
             <a:off x="749935" y="1842770"/>
             <a:ext cx="4653280" cy="2922905"/>
           </a:xfrm>
@@ -6059,7 +7361,7 @@
 </p:sld>
 </file>
 
-<file path=ppt/slides/slide11.xml><?xml version="1.0" encoding="utf-8"?>
+<file path=ppt/slides/slide12.xml><?xml version="1.0" encoding="utf-8"?>
 <p:sld xmlns:a="http://schemas.openxmlformats.org/drawingml/2006/main" xmlns:r="http://schemas.openxmlformats.org/officeDocument/2006/relationships" xmlns:p="http://schemas.openxmlformats.org/presentationml/2006/main">
   <p:cSld>
     <p:spTree>
@@ -6816,7 +8118,7 @@
 </p:sld>
 </file>
 
-<file path=ppt/slides/slide12.xml><?xml version="1.0" encoding="utf-8"?>
+<file path=ppt/slides/slide13.xml><?xml version="1.0" encoding="utf-8"?>
 <p:sld xmlns:a="http://schemas.openxmlformats.org/drawingml/2006/main" xmlns:r="http://schemas.openxmlformats.org/officeDocument/2006/relationships" xmlns:p="http://schemas.openxmlformats.org/presentationml/2006/main">
   <p:cSld>
     <p:spTree>
@@ -7794,7 +9096,7 @@
 </p:sld>
 </file>
 
-<file path=ppt/slides/slide13.xml><?xml version="1.0" encoding="utf-8"?>
+<file path=ppt/slides/slide14.xml><?xml version="1.0" encoding="utf-8"?>
 <p:sld xmlns:a="http://schemas.openxmlformats.org/drawingml/2006/main" xmlns:r="http://schemas.openxmlformats.org/officeDocument/2006/relationships" xmlns:p="http://schemas.openxmlformats.org/presentationml/2006/main">
   <p:cSld>
     <p:spTree>
@@ -8681,7 +9983,7 @@
 </p:sld>
 </file>
 
-<file path=ppt/slides/slide14.xml><?xml version="1.0" encoding="utf-8"?>
+<file path=ppt/slides/slide15.xml><?xml version="1.0" encoding="utf-8"?>
 <p:sld xmlns:a="http://schemas.openxmlformats.org/drawingml/2006/main" xmlns:r="http://schemas.openxmlformats.org/officeDocument/2006/relationships" xmlns:p="http://schemas.openxmlformats.org/presentationml/2006/main">
   <p:cSld>
     <p:spTree>
@@ -9659,7 +10961,7 @@
 </p:sld>
 </file>
 
-<file path=ppt/slides/slide15.xml><?xml version="1.0" encoding="utf-8"?>
+<file path=ppt/slides/slide16.xml><?xml version="1.0" encoding="utf-8"?>
 <p:sld xmlns:a="http://schemas.openxmlformats.org/drawingml/2006/main" xmlns:r="http://schemas.openxmlformats.org/officeDocument/2006/relationships" xmlns:p="http://schemas.openxmlformats.org/presentationml/2006/main">
   <p:cSld>
     <p:spTree>
@@ -10558,7 +11860,7 @@
 </p:sld>
 </file>
 
-<file path=ppt/slides/slide16.xml><?xml version="1.0" encoding="utf-8"?>
+<file path=ppt/slides/slide17.xml><?xml version="1.0" encoding="utf-8"?>
 <p:sld xmlns:a="http://schemas.openxmlformats.org/drawingml/2006/main" xmlns:r="http://schemas.openxmlformats.org/officeDocument/2006/relationships" xmlns:p="http://schemas.openxmlformats.org/presentationml/2006/main">
   <p:cSld>
     <p:spTree>
@@ -11536,7 +12838,7 @@
 </p:sld>
 </file>
 
-<file path=ppt/slides/slide17.xml><?xml version="1.0" encoding="utf-8"?>
+<file path=ppt/slides/slide18.xml><?xml version="1.0" encoding="utf-8"?>
 <p:sld xmlns:a="http://schemas.openxmlformats.org/drawingml/2006/main" xmlns:r="http://schemas.openxmlformats.org/officeDocument/2006/relationships" xmlns:p="http://schemas.openxmlformats.org/presentationml/2006/main">
   <p:cSld>
     <p:spTree>
@@ -12578,7 +13880,7 @@
 </p:sld>
 </file>
 
-<file path=ppt/slides/slide18.xml><?xml version="1.0" encoding="utf-8"?>
+<file path=ppt/slides/slide19.xml><?xml version="1.0" encoding="utf-8"?>
 <p:sld xmlns:a="http://schemas.openxmlformats.org/drawingml/2006/main" xmlns:r="http://schemas.openxmlformats.org/officeDocument/2006/relationships" xmlns:p="http://schemas.openxmlformats.org/presentationml/2006/main">
   <p:cSld>
     <p:spTree>
@@ -13556,7 +14858,1238 @@
 </p:sld>
 </file>
 
-<file path=ppt/slides/slide19.xml><?xml version="1.0" encoding="utf-8"?>
+<file path=ppt/slides/slide2.xml><?xml version="1.0" encoding="utf-8"?>
+<p:sld xmlns:a="http://schemas.openxmlformats.org/drawingml/2006/main" xmlns:r="http://schemas.openxmlformats.org/officeDocument/2006/relationships" xmlns:p="http://schemas.openxmlformats.org/presentationml/2006/main">
+  <p:cSld>
+    <p:spTree>
+      <p:nvGrpSpPr>
+        <p:cNvPr id="1" name=""/>
+        <p:cNvGrpSpPr/>
+        <p:nvPr/>
+      </p:nvGrpSpPr>
+      <p:grpSpPr>
+        <a:xfrm>
+          <a:off x="0" y="0"/>
+          <a:ext cx="0" cy="0"/>
+          <a:chOff x="0" y="0"/>
+          <a:chExt cx="0" cy="0"/>
+        </a:xfrm>
+      </p:grpSpPr>
+      <p:grpSp>
+        <p:nvGrpSpPr>
+          <p:cNvPr id="34" name="组合 33"/>
+          <p:cNvGrpSpPr/>
+          <p:nvPr/>
+        </p:nvGrpSpPr>
+        <p:grpSpPr>
+          <a:xfrm>
+            <a:off x="827405" y="1391916"/>
+            <a:ext cx="6943725" cy="2406650"/>
+            <a:chOff x="1303" y="2418"/>
+            <a:chExt cx="10935" cy="3790"/>
+          </a:xfrm>
+        </p:grpSpPr>
+        <p:sp>
+          <p:nvSpPr>
+            <p:cNvPr id="3" name="PA-文本框 5"/>
+            <p:cNvSpPr txBox="1">
+              <a:spLocks noChangeArrowheads="1"/>
+            </p:cNvSpPr>
+            <p:nvPr>
+              <p:custDataLst>
+                <p:tags r:id="rId4"/>
+              </p:custDataLst>
+            </p:nvPr>
+          </p:nvSpPr>
+          <p:spPr bwMode="auto">
+            <a:xfrm>
+              <a:off x="1630" y="2418"/>
+              <a:ext cx="5404" cy="2931"/>
+            </a:xfrm>
+            <a:prstGeom prst="rect">
+              <a:avLst/>
+            </a:prstGeom>
+            <a:noFill/>
+            <a:ln w="9525">
+              <a:noFill/>
+              <a:miter lim="800000"/>
+            </a:ln>
+          </p:spPr>
+          <p:txBody>
+            <a:bodyPr wrap="none">
+              <a:spAutoFit/>
+            </a:bodyPr>
+            <a:lstStyle/>
+            <a:p>
+              <a:pPr algn="ctr"/>
+              <a:r>
+                <a:rPr lang="en-US" altLang="zh-CN" sz="11500" b="1" dirty="0">
+                  <a:gradFill>
+                    <a:gsLst>
+                      <a:gs pos="0">
+                        <a:srgbClr val="F0D58B"/>
+                      </a:gs>
+                      <a:gs pos="100000">
+                        <a:srgbClr val="D9B44F"/>
+                      </a:gs>
+                    </a:gsLst>
+                    <a:path path="circle"/>
+                  </a:gradFill>
+                  <a:ea typeface="+mj-ea"/>
+                  <a:cs typeface="+mn-lt"/>
+                </a:rPr>
+                <a:t>2022</a:t>
+              </a:r>
+            </a:p>
+          </p:txBody>
+        </p:sp>
+        <p:sp>
+          <p:nvSpPr>
+            <p:cNvPr id="5" name="PA_文本框 198"/>
+            <p:cNvSpPr txBox="1">
+              <a:spLocks noChangeArrowheads="1"/>
+            </p:cNvSpPr>
+            <p:nvPr>
+              <p:custDataLst>
+                <p:tags r:id="rId5"/>
+              </p:custDataLst>
+            </p:nvPr>
+          </p:nvSpPr>
+          <p:spPr bwMode="ltGray">
+            <a:xfrm>
+              <a:off x="1303" y="4917"/>
+              <a:ext cx="10935" cy="1291"/>
+            </a:xfrm>
+            <a:prstGeom prst="rect">
+              <a:avLst/>
+            </a:prstGeom>
+            <a:noFill/>
+            <a:ln>
+              <a:noFill/>
+            </a:ln>
+            <a:effectLst/>
+          </p:spPr>
+          <p:txBody>
+            <a:bodyPr wrap="square" lIns="81667" tIns="40833" rIns="81667" bIns="40833">
+              <a:spAutoFit/>
+            </a:bodyPr>
+            <a:lstStyle>
+              <a:lvl1pPr algn="l" defTabSz="815975" fontAlgn="base">
+                <a:defRPr>
+                  <a:solidFill>
+                    <a:schemeClr val="tx1"/>
+                  </a:solidFill>
+                  <a:latin typeface="Arial" panose="020B0604020202020204" pitchFamily="34" charset="0"/>
+                </a:defRPr>
+              </a:lvl1pPr>
+              <a:lvl2pPr marL="408305" algn="l" defTabSz="815975" fontAlgn="base">
+                <a:defRPr>
+                  <a:solidFill>
+                    <a:schemeClr val="tx1"/>
+                  </a:solidFill>
+                  <a:latin typeface="Arial" panose="020B0604020202020204" pitchFamily="34" charset="0"/>
+                </a:defRPr>
+              </a:lvl2pPr>
+              <a:lvl3pPr marL="815975" algn="l" defTabSz="815975" fontAlgn="base">
+                <a:defRPr>
+                  <a:solidFill>
+                    <a:schemeClr val="tx1"/>
+                  </a:solidFill>
+                  <a:latin typeface="Arial" panose="020B0604020202020204" pitchFamily="34" charset="0"/>
+                </a:defRPr>
+              </a:lvl3pPr>
+              <a:lvl4pPr marL="1225550" algn="l" defTabSz="815975" fontAlgn="base">
+                <a:defRPr>
+                  <a:solidFill>
+                    <a:schemeClr val="tx1"/>
+                  </a:solidFill>
+                  <a:latin typeface="Arial" panose="020B0604020202020204" pitchFamily="34" charset="0"/>
+                </a:defRPr>
+              </a:lvl4pPr>
+              <a:lvl5pPr marL="1633855" algn="l" defTabSz="815975" fontAlgn="base">
+                <a:defRPr>
+                  <a:solidFill>
+                    <a:schemeClr val="tx1"/>
+                  </a:solidFill>
+                  <a:latin typeface="Arial" panose="020B0604020202020204" pitchFamily="34" charset="0"/>
+                </a:defRPr>
+              </a:lvl5pPr>
+              <a:lvl6pPr marL="2091055" defTabSz="815975" fontAlgn="base">
+                <a:spcBef>
+                  <a:spcPct val="0"/>
+                </a:spcBef>
+                <a:spcAft>
+                  <a:spcPct val="0"/>
+                </a:spcAft>
+                <a:defRPr>
+                  <a:solidFill>
+                    <a:schemeClr val="tx1"/>
+                  </a:solidFill>
+                  <a:latin typeface="Arial" panose="020B0604020202020204" pitchFamily="34" charset="0"/>
+                </a:defRPr>
+              </a:lvl6pPr>
+              <a:lvl7pPr marL="2548255" defTabSz="815975" fontAlgn="base">
+                <a:spcBef>
+                  <a:spcPct val="0"/>
+                </a:spcBef>
+                <a:spcAft>
+                  <a:spcPct val="0"/>
+                </a:spcAft>
+                <a:defRPr>
+                  <a:solidFill>
+                    <a:schemeClr val="tx1"/>
+                  </a:solidFill>
+                  <a:latin typeface="Arial" panose="020B0604020202020204" pitchFamily="34" charset="0"/>
+                </a:defRPr>
+              </a:lvl7pPr>
+              <a:lvl8pPr marL="3005455" defTabSz="815975" fontAlgn="base">
+                <a:spcBef>
+                  <a:spcPct val="0"/>
+                </a:spcBef>
+                <a:spcAft>
+                  <a:spcPct val="0"/>
+                </a:spcAft>
+                <a:defRPr>
+                  <a:solidFill>
+                    <a:schemeClr val="tx1"/>
+                  </a:solidFill>
+                  <a:latin typeface="Arial" panose="020B0604020202020204" pitchFamily="34" charset="0"/>
+                </a:defRPr>
+              </a:lvl8pPr>
+              <a:lvl9pPr marL="3462655" defTabSz="815975" fontAlgn="base">
+                <a:spcBef>
+                  <a:spcPct val="0"/>
+                </a:spcBef>
+                <a:spcAft>
+                  <a:spcPct val="0"/>
+                </a:spcAft>
+                <a:defRPr>
+                  <a:solidFill>
+                    <a:schemeClr val="tx1"/>
+                  </a:solidFill>
+                  <a:latin typeface="Arial" panose="020B0604020202020204" pitchFamily="34" charset="0"/>
+                </a:defRPr>
+              </a:lvl9pPr>
+            </a:lstStyle>
+            <a:p>
+              <a:pPr eaLnBrk="1" hangingPunct="1">
+                <a:buClrTx/>
+                <a:buSzTx/>
+              </a:pPr>
+              <a:r>
+                <a:rPr lang="zh-CN" altLang="en-US" sz="4800" b="1" dirty="0">
+                  <a:ln w="17780" cmpd="sng">
+                    <a:noFill/>
+                    <a:prstDash val="solid"/>
+                    <a:miter lim="800000"/>
+                  </a:ln>
+                  <a:solidFill>
+                    <a:schemeClr val="bg2"/>
+                  </a:solidFill>
+                  <a:effectLst/>
+                  <a:latin typeface="思源黑体 CN Medium" panose="020B0600000000000000" pitchFamily="34" charset="-122"/>
+                  <a:ea typeface="思源黑体 CN Medium" panose="020B0600000000000000" pitchFamily="34" charset="-122"/>
+                </a:rPr>
+                <a:t>入职第一月述职报告</a:t>
+              </a:r>
+            </a:p>
+          </p:txBody>
+        </p:sp>
+      </p:grpSp>
+      <p:sp>
+        <p:nvSpPr>
+          <p:cNvPr id="2" name="PA_矩形 1"/>
+          <p:cNvSpPr/>
+          <p:nvPr>
+            <p:custDataLst>
+              <p:tags r:id="rId1"/>
+            </p:custDataLst>
+          </p:nvPr>
+        </p:nvSpPr>
+        <p:spPr>
+          <a:xfrm>
+            <a:off x="827405" y="3790311"/>
+            <a:ext cx="7929880" cy="398780"/>
+          </a:xfrm>
+          <a:prstGeom prst="rect">
+            <a:avLst/>
+          </a:prstGeom>
+        </p:spPr>
+        <p:txBody>
+          <a:bodyPr wrap="none">
+            <a:spAutoFit/>
+          </a:bodyPr>
+          <a:lstStyle/>
+          <a:p>
+            <a:pPr algn="l"/>
+            <a:r>
+              <a:rPr lang="zh-CN" altLang="en-US" sz="2000" dirty="0">
+                <a:solidFill>
+                  <a:schemeClr val="bg1"/>
+                </a:solidFill>
+                <a:latin typeface="思源黑体 CN Medium" panose="020B0600000000000000" pitchFamily="34" charset="-122"/>
+                <a:ea typeface="思源黑体 CN Medium" panose="020B0600000000000000" pitchFamily="34" charset="-122"/>
+                <a:cs typeface="微软雅黑" panose="020B0503020204020204" pitchFamily="34" charset="-122"/>
+              </a:rPr>
+              <a:t> 自我介绍</a:t>
+            </a:r>
+            <a:r>
+              <a:rPr lang="en-US" altLang="zh-CN" sz="2000" dirty="0">
+                <a:solidFill>
+                  <a:schemeClr val="bg1"/>
+                </a:solidFill>
+                <a:latin typeface="思源黑体 CN Medium" panose="020B0600000000000000" pitchFamily="34" charset="-122"/>
+                <a:ea typeface="思源黑体 CN Medium" panose="020B0600000000000000" pitchFamily="34" charset="-122"/>
+                <a:cs typeface="微软雅黑" panose="020B0503020204020204" pitchFamily="34" charset="-122"/>
+              </a:rPr>
+              <a:t>|</a:t>
+            </a:r>
+            <a:r>
+              <a:rPr lang="zh-CN" altLang="en-US" sz="2000" dirty="0">
+                <a:solidFill>
+                  <a:schemeClr val="bg1"/>
+                </a:solidFill>
+                <a:latin typeface="思源黑体 CN Medium" panose="020B0600000000000000" pitchFamily="34" charset="-122"/>
+                <a:ea typeface="思源黑体 CN Medium" panose="020B0600000000000000" pitchFamily="34" charset="-122"/>
+                <a:cs typeface="微软雅黑" panose="020B0503020204020204" pitchFamily="34" charset="-122"/>
+              </a:rPr>
+              <a:t>工作总结</a:t>
+            </a:r>
+            <a:r>
+              <a:rPr lang="en-US" altLang="zh-CN" sz="2000" dirty="0">
+                <a:solidFill>
+                  <a:schemeClr val="bg1"/>
+                </a:solidFill>
+                <a:latin typeface="思源黑体 CN Medium" panose="020B0600000000000000" pitchFamily="34" charset="-122"/>
+                <a:ea typeface="思源黑体 CN Medium" panose="020B0600000000000000" pitchFamily="34" charset="-122"/>
+                <a:cs typeface="微软雅黑" panose="020B0503020204020204" pitchFamily="34" charset="-122"/>
+              </a:rPr>
+              <a:t>| </a:t>
+            </a:r>
+            <a:r>
+              <a:rPr lang="zh-CN" altLang="en-US" sz="2000" dirty="0">
+                <a:solidFill>
+                  <a:schemeClr val="bg1"/>
+                </a:solidFill>
+                <a:latin typeface="思源黑体 CN Medium" panose="020B0600000000000000" pitchFamily="34" charset="-122"/>
+                <a:ea typeface="思源黑体 CN Medium" panose="020B0600000000000000" pitchFamily="34" charset="-122"/>
+                <a:cs typeface="微软雅黑" panose="020B0503020204020204" pitchFamily="34" charset="-122"/>
+              </a:rPr>
+              <a:t>工作分析 </a:t>
+            </a:r>
+            <a:r>
+              <a:rPr lang="en-US" altLang="zh-CN" sz="2000" dirty="0">
+                <a:solidFill>
+                  <a:schemeClr val="bg1"/>
+                </a:solidFill>
+                <a:latin typeface="思源黑体 CN Medium" panose="020B0600000000000000" pitchFamily="34" charset="-122"/>
+                <a:ea typeface="思源黑体 CN Medium" panose="020B0600000000000000" pitchFamily="34" charset="-122"/>
+                <a:cs typeface="微软雅黑" panose="020B0503020204020204" pitchFamily="34" charset="-122"/>
+              </a:rPr>
+              <a:t>| </a:t>
+            </a:r>
+            <a:r>
+              <a:rPr lang="zh-CN" altLang="en-US" sz="2000" dirty="0">
+                <a:solidFill>
+                  <a:schemeClr val="bg1"/>
+                </a:solidFill>
+                <a:latin typeface="思源黑体 CN Medium" panose="020B0600000000000000" pitchFamily="34" charset="-122"/>
+                <a:ea typeface="思源黑体 CN Medium" panose="020B0600000000000000" pitchFamily="34" charset="-122"/>
+                <a:cs typeface="微软雅黑" panose="020B0503020204020204" pitchFamily="34" charset="-122"/>
+              </a:rPr>
+              <a:t>解决方案</a:t>
+            </a:r>
+            <a:r>
+              <a:rPr lang="en-US" altLang="zh-CN" sz="2000" dirty="0">
+                <a:solidFill>
+                  <a:schemeClr val="bg1"/>
+                </a:solidFill>
+                <a:latin typeface="思源黑体 CN Medium" panose="020B0600000000000000" pitchFamily="34" charset="-122"/>
+                <a:ea typeface="思源黑体 CN Medium" panose="020B0600000000000000" pitchFamily="34" charset="-122"/>
+                <a:cs typeface="微软雅黑" panose="020B0503020204020204" pitchFamily="34" charset="-122"/>
+                <a:sym typeface="+mn-ea"/>
+              </a:rPr>
+              <a:t> </a:t>
+            </a:r>
+            <a:r>
+              <a:rPr lang="en-US" altLang="zh-CN" sz="2000" dirty="0">
+                <a:solidFill>
+                  <a:schemeClr val="bg1"/>
+                </a:solidFill>
+                <a:latin typeface="思源黑体 CN Medium" panose="020B0600000000000000" pitchFamily="34" charset="-122"/>
+                <a:ea typeface="思源黑体 CN Medium" panose="020B0600000000000000" pitchFamily="34" charset="-122"/>
+                <a:cs typeface="微软雅黑" panose="020B0503020204020204" pitchFamily="34" charset="-122"/>
+              </a:rPr>
+              <a:t>| </a:t>
+            </a:r>
+            <a:r>
+              <a:rPr lang="zh-CN" altLang="en-US" sz="2000" dirty="0">
+                <a:solidFill>
+                  <a:schemeClr val="bg1"/>
+                </a:solidFill>
+                <a:latin typeface="思源黑体 CN Medium" panose="020B0600000000000000" pitchFamily="34" charset="-122"/>
+                <a:ea typeface="思源黑体 CN Medium" panose="020B0600000000000000" pitchFamily="34" charset="-122"/>
+                <a:cs typeface="微软雅黑" panose="020B0503020204020204" pitchFamily="34" charset="-122"/>
+              </a:rPr>
+              <a:t>个人总结</a:t>
+            </a:r>
+            <a:r>
+              <a:rPr lang="en-US" altLang="zh-CN" sz="2000" dirty="0">
+                <a:solidFill>
+                  <a:schemeClr val="bg1"/>
+                </a:solidFill>
+                <a:latin typeface="思源黑体 CN Medium" panose="020B0600000000000000" pitchFamily="34" charset="-122"/>
+                <a:ea typeface="思源黑体 CN Medium" panose="020B0600000000000000" pitchFamily="34" charset="-122"/>
+                <a:cs typeface="微软雅黑" panose="020B0503020204020204" pitchFamily="34" charset="-122"/>
+              </a:rPr>
+              <a:t> | </a:t>
+            </a:r>
+            <a:r>
+              <a:rPr lang="zh-CN" altLang="en-US" sz="2000" dirty="0">
+                <a:solidFill>
+                  <a:schemeClr val="bg1"/>
+                </a:solidFill>
+                <a:latin typeface="思源黑体 CN Medium" panose="020B0600000000000000" pitchFamily="34" charset="-122"/>
+                <a:ea typeface="思源黑体 CN Medium" panose="020B0600000000000000" pitchFamily="34" charset="-122"/>
+                <a:cs typeface="微软雅黑" panose="020B0503020204020204" pitchFamily="34" charset="-122"/>
+              </a:rPr>
+              <a:t>工作计划</a:t>
+            </a:r>
+          </a:p>
+        </p:txBody>
+      </p:sp>
+      <p:sp>
+        <p:nvSpPr>
+          <p:cNvPr id="4" name="PA_文本框 8"/>
+          <p:cNvSpPr txBox="1"/>
+          <p:nvPr>
+            <p:custDataLst>
+              <p:tags r:id="rId2"/>
+            </p:custDataLst>
+          </p:nvPr>
+        </p:nvSpPr>
+        <p:spPr>
+          <a:xfrm>
+            <a:off x="837544" y="4377170"/>
+            <a:ext cx="5715799" cy="645160"/>
+          </a:xfrm>
+          <a:prstGeom prst="rect">
+            <a:avLst/>
+          </a:prstGeom>
+          <a:noFill/>
+          <a:effectLst/>
+        </p:spPr>
+        <p:txBody>
+          <a:bodyPr wrap="square" rtlCol="0">
+            <a:spAutoFit/>
+          </a:bodyPr>
+          <a:lstStyle/>
+          <a:p>
+            <a:r>
+              <a:rPr lang="en-US" altLang="zh-CN" sz="1200" dirty="0">
+                <a:solidFill>
+                  <a:schemeClr val="bg1"/>
+                </a:solidFill>
+              </a:rPr>
+              <a:t>Gray Yellow Business report PPT Gray Yellow Business report PPT Gray Yellow Business report PPT Gray Yellow Business report PPT Gray Yellow Business report PPT</a:t>
+            </a:r>
+            <a:endParaRPr lang="en-US" altLang="zh-CN" sz="1200" dirty="0">
+              <a:solidFill>
+                <a:schemeClr val="bg1"/>
+              </a:solidFill>
+              <a:latin typeface="思源黑体 CN Medium" panose="020B0600000000000000" pitchFamily="34" charset="-122"/>
+              <a:ea typeface="思源黑体 CN Medium" panose="020B0600000000000000" pitchFamily="34" charset="-122"/>
+            </a:endParaRPr>
+          </a:p>
+        </p:txBody>
+      </p:sp>
+      <p:grpSp>
+        <p:nvGrpSpPr>
+          <p:cNvPr id="29" name="组合 28"/>
+          <p:cNvGrpSpPr/>
+          <p:nvPr/>
+        </p:nvGrpSpPr>
+        <p:grpSpPr>
+          <a:xfrm rot="10800000" flipH="1" flipV="1">
+            <a:off x="951865" y="4270371"/>
+            <a:ext cx="5413375" cy="121285"/>
+            <a:chOff x="4185398" y="2422358"/>
+            <a:chExt cx="4878392" cy="0"/>
+          </a:xfrm>
+        </p:grpSpPr>
+        <p:cxnSp>
+          <p:nvCxnSpPr>
+            <p:cNvPr id="30" name="直接连接符 29"/>
+            <p:cNvCxnSpPr/>
+            <p:nvPr/>
+          </p:nvCxnSpPr>
+          <p:spPr>
+            <a:xfrm>
+              <a:off x="4185398" y="2422358"/>
+              <a:ext cx="4637760" cy="0"/>
+            </a:xfrm>
+            <a:prstGeom prst="line">
+              <a:avLst/>
+            </a:prstGeom>
+            <a:ln>
+              <a:solidFill>
+                <a:srgbClr val="F0D58B">
+                  <a:alpha val="48000"/>
+                </a:srgbClr>
+              </a:solidFill>
+            </a:ln>
+          </p:spPr>
+          <p:style>
+            <a:lnRef idx="1">
+              <a:schemeClr val="accent1"/>
+            </a:lnRef>
+            <a:fillRef idx="0">
+              <a:schemeClr val="accent1"/>
+            </a:fillRef>
+            <a:effectRef idx="0">
+              <a:schemeClr val="accent1"/>
+            </a:effectRef>
+            <a:fontRef idx="minor">
+              <a:schemeClr val="tx1"/>
+            </a:fontRef>
+          </p:style>
+        </p:cxnSp>
+        <p:cxnSp>
+          <p:nvCxnSpPr>
+            <p:cNvPr id="31" name="直接连接符 30"/>
+            <p:cNvCxnSpPr/>
+            <p:nvPr/>
+          </p:nvCxnSpPr>
+          <p:spPr>
+            <a:xfrm>
+              <a:off x="8614611" y="2422358"/>
+              <a:ext cx="449179" cy="0"/>
+            </a:xfrm>
+            <a:prstGeom prst="line">
+              <a:avLst/>
+            </a:prstGeom>
+            <a:ln w="76200">
+              <a:solidFill>
+                <a:srgbClr val="F0D58B"/>
+              </a:solidFill>
+            </a:ln>
+          </p:spPr>
+          <p:style>
+            <a:lnRef idx="1">
+              <a:schemeClr val="accent1"/>
+            </a:lnRef>
+            <a:fillRef idx="0">
+              <a:schemeClr val="accent1"/>
+            </a:fillRef>
+            <a:effectRef idx="0">
+              <a:schemeClr val="accent1"/>
+            </a:effectRef>
+            <a:fontRef idx="minor">
+              <a:schemeClr val="tx1"/>
+            </a:fontRef>
+          </p:style>
+        </p:cxnSp>
+      </p:grpSp>
+      <p:sp>
+        <p:nvSpPr>
+          <p:cNvPr id="10" name="文本框 9"/>
+          <p:cNvSpPr txBox="1"/>
+          <p:nvPr/>
+        </p:nvSpPr>
+        <p:spPr>
+          <a:xfrm>
+            <a:off x="817880" y="6138545"/>
+            <a:ext cx="4886325" cy="213995"/>
+          </a:xfrm>
+          <a:prstGeom prst="rect">
+            <a:avLst/>
+          </a:prstGeom>
+          <a:noFill/>
+        </p:spPr>
+        <p:txBody>
+          <a:bodyPr wrap="square" rtlCol="0">
+            <a:spAutoFit/>
+          </a:bodyPr>
+          <a:lstStyle/>
+          <a:p>
+            <a:r>
+              <a:rPr lang="zh-CN" altLang="en-US" sz="800" dirty="0">
+                <a:solidFill>
+                  <a:schemeClr val="bg1">
+                    <a:lumMod val="75000"/>
+                  </a:schemeClr>
+                </a:solidFill>
+                <a:latin typeface="微软雅黑" panose="020B0503020204020204" pitchFamily="34" charset="-122"/>
+                <a:ea typeface="微软雅黑" panose="020B0503020204020204" pitchFamily="34" charset="-122"/>
+              </a:rPr>
+              <a:t>北</a:t>
+            </a:r>
+            <a:r>
+              <a:rPr lang="en-US" altLang="zh-CN" sz="800" dirty="0">
+                <a:solidFill>
+                  <a:schemeClr val="bg1">
+                    <a:lumMod val="75000"/>
+                  </a:schemeClr>
+                </a:solidFill>
+                <a:latin typeface="微软雅黑" panose="020B0503020204020204" pitchFamily="34" charset="-122"/>
+                <a:ea typeface="微软雅黑" panose="020B0503020204020204" pitchFamily="34" charset="-122"/>
+              </a:rPr>
+              <a:t>  /  </a:t>
+            </a:r>
+            <a:r>
+              <a:rPr lang="zh-CN" altLang="en-US" sz="800" dirty="0">
+                <a:solidFill>
+                  <a:schemeClr val="bg1">
+                    <a:lumMod val="75000"/>
+                  </a:schemeClr>
+                </a:solidFill>
+                <a:latin typeface="微软雅黑" panose="020B0503020204020204" pitchFamily="34" charset="-122"/>
+                <a:ea typeface="微软雅黑" panose="020B0503020204020204" pitchFamily="34" charset="-122"/>
+              </a:rPr>
+              <a:t>京</a:t>
+            </a:r>
+            <a:r>
+              <a:rPr lang="en-US" altLang="zh-CN" sz="800" dirty="0">
+                <a:solidFill>
+                  <a:schemeClr val="bg1">
+                    <a:lumMod val="75000"/>
+                  </a:schemeClr>
+                </a:solidFill>
+                <a:latin typeface="微软雅黑" panose="020B0503020204020204" pitchFamily="34" charset="-122"/>
+                <a:ea typeface="微软雅黑" panose="020B0503020204020204" pitchFamily="34" charset="-122"/>
+              </a:rPr>
+              <a:t>  /  </a:t>
+            </a:r>
+            <a:r>
+              <a:rPr lang="zh-CN" altLang="en-US" sz="800" dirty="0">
+                <a:solidFill>
+                  <a:schemeClr val="bg1">
+                    <a:lumMod val="75000"/>
+                  </a:schemeClr>
+                </a:solidFill>
+                <a:latin typeface="微软雅黑" panose="020B0503020204020204" pitchFamily="34" charset="-122"/>
+                <a:ea typeface="微软雅黑" panose="020B0503020204020204" pitchFamily="34" charset="-122"/>
+              </a:rPr>
+              <a:t>中</a:t>
+            </a:r>
+            <a:r>
+              <a:rPr lang="en-US" altLang="zh-CN" sz="800" dirty="0">
+                <a:solidFill>
+                  <a:schemeClr val="bg1">
+                    <a:lumMod val="75000"/>
+                  </a:schemeClr>
+                </a:solidFill>
+                <a:latin typeface="微软雅黑" panose="020B0503020204020204" pitchFamily="34" charset="-122"/>
+                <a:ea typeface="微软雅黑" panose="020B0503020204020204" pitchFamily="34" charset="-122"/>
+              </a:rPr>
+              <a:t>  /  </a:t>
+            </a:r>
+            <a:r>
+              <a:rPr lang="zh-CN" altLang="en-US" sz="800" dirty="0">
+                <a:solidFill>
+                  <a:schemeClr val="bg1">
+                    <a:lumMod val="75000"/>
+                  </a:schemeClr>
+                </a:solidFill>
+                <a:latin typeface="微软雅黑" panose="020B0503020204020204" pitchFamily="34" charset="-122"/>
+                <a:ea typeface="微软雅黑" panose="020B0503020204020204" pitchFamily="34" charset="-122"/>
+              </a:rPr>
+              <a:t>科</a:t>
+            </a:r>
+            <a:r>
+              <a:rPr lang="en-US" altLang="zh-CN" sz="800" dirty="0">
+                <a:solidFill>
+                  <a:schemeClr val="bg1">
+                    <a:lumMod val="75000"/>
+                  </a:schemeClr>
+                </a:solidFill>
+                <a:latin typeface="微软雅黑" panose="020B0503020204020204" pitchFamily="34" charset="-122"/>
+                <a:ea typeface="微软雅黑" panose="020B0503020204020204" pitchFamily="34" charset="-122"/>
+              </a:rPr>
+              <a:t>  /  </a:t>
+            </a:r>
+            <a:r>
+              <a:rPr lang="zh-CN" altLang="en-US" sz="800" dirty="0">
+                <a:solidFill>
+                  <a:schemeClr val="bg1">
+                    <a:lumMod val="75000"/>
+                  </a:schemeClr>
+                </a:solidFill>
+                <a:latin typeface="微软雅黑" panose="020B0503020204020204" pitchFamily="34" charset="-122"/>
+                <a:ea typeface="微软雅黑" panose="020B0503020204020204" pitchFamily="34" charset="-122"/>
+              </a:rPr>
+              <a:t>前</a:t>
+            </a:r>
+            <a:r>
+              <a:rPr lang="en-US" altLang="zh-CN" sz="800" dirty="0">
+                <a:solidFill>
+                  <a:schemeClr val="bg1">
+                    <a:lumMod val="75000"/>
+                  </a:schemeClr>
+                </a:solidFill>
+                <a:latin typeface="微软雅黑" panose="020B0503020204020204" pitchFamily="34" charset="-122"/>
+                <a:ea typeface="微软雅黑" panose="020B0503020204020204" pitchFamily="34" charset="-122"/>
+              </a:rPr>
+              <a:t>  /  </a:t>
+            </a:r>
+            <a:r>
+              <a:rPr lang="zh-CN" altLang="en-US" sz="800" dirty="0">
+                <a:solidFill>
+                  <a:schemeClr val="bg1">
+                    <a:lumMod val="75000"/>
+                  </a:schemeClr>
+                </a:solidFill>
+                <a:latin typeface="微软雅黑" panose="020B0503020204020204" pitchFamily="34" charset="-122"/>
+                <a:ea typeface="微软雅黑" panose="020B0503020204020204" pitchFamily="34" charset="-122"/>
+              </a:rPr>
+              <a:t>沿</a:t>
+            </a:r>
+            <a:r>
+              <a:rPr lang="en-US" altLang="zh-CN" sz="800" dirty="0">
+                <a:solidFill>
+                  <a:schemeClr val="bg1">
+                    <a:lumMod val="75000"/>
+                  </a:schemeClr>
+                </a:solidFill>
+                <a:latin typeface="微软雅黑" panose="020B0503020204020204" pitchFamily="34" charset="-122"/>
+                <a:ea typeface="微软雅黑" panose="020B0503020204020204" pitchFamily="34" charset="-122"/>
+              </a:rPr>
+              <a:t>  /  </a:t>
+            </a:r>
+            <a:r>
+              <a:rPr lang="zh-CN" altLang="en-US" sz="800" dirty="0">
+                <a:solidFill>
+                  <a:schemeClr val="bg1">
+                    <a:lumMod val="75000"/>
+                  </a:schemeClr>
+                </a:solidFill>
+                <a:latin typeface="微软雅黑" panose="020B0503020204020204" pitchFamily="34" charset="-122"/>
+                <a:ea typeface="微软雅黑" panose="020B0503020204020204" pitchFamily="34" charset="-122"/>
+              </a:rPr>
+              <a:t>科</a:t>
+            </a:r>
+            <a:r>
+              <a:rPr lang="en-US" altLang="zh-CN" sz="800" dirty="0">
+                <a:solidFill>
+                  <a:schemeClr val="bg1">
+                    <a:lumMod val="75000"/>
+                  </a:schemeClr>
+                </a:solidFill>
+                <a:latin typeface="微软雅黑" panose="020B0503020204020204" pitchFamily="34" charset="-122"/>
+                <a:ea typeface="微软雅黑" panose="020B0503020204020204" pitchFamily="34" charset="-122"/>
+              </a:rPr>
+              <a:t>  /  </a:t>
+            </a:r>
+            <a:r>
+              <a:rPr lang="zh-CN" altLang="en-US" sz="800" dirty="0">
+                <a:solidFill>
+                  <a:schemeClr val="bg1">
+                    <a:lumMod val="75000"/>
+                  </a:schemeClr>
+                </a:solidFill>
+                <a:latin typeface="微软雅黑" panose="020B0503020204020204" pitchFamily="34" charset="-122"/>
+                <a:ea typeface="微软雅黑" panose="020B0503020204020204" pitchFamily="34" charset="-122"/>
+              </a:rPr>
+              <a:t>技</a:t>
+            </a:r>
+            <a:r>
+              <a:rPr lang="en-US" altLang="zh-CN" sz="800" dirty="0">
+                <a:solidFill>
+                  <a:schemeClr val="bg1">
+                    <a:lumMod val="75000"/>
+                  </a:schemeClr>
+                </a:solidFill>
+                <a:latin typeface="微软雅黑" panose="020B0503020204020204" pitchFamily="34" charset="-122"/>
+                <a:ea typeface="微软雅黑" panose="020B0503020204020204" pitchFamily="34" charset="-122"/>
+              </a:rPr>
+              <a:t>  /  </a:t>
+            </a:r>
+            <a:r>
+              <a:rPr lang="zh-CN" altLang="en-US" sz="800" dirty="0">
+                <a:solidFill>
+                  <a:schemeClr val="bg1">
+                    <a:lumMod val="75000"/>
+                  </a:schemeClr>
+                </a:solidFill>
+                <a:latin typeface="微软雅黑" panose="020B0503020204020204" pitchFamily="34" charset="-122"/>
+                <a:ea typeface="微软雅黑" panose="020B0503020204020204" pitchFamily="34" charset="-122"/>
+              </a:rPr>
+              <a:t>有</a:t>
+            </a:r>
+            <a:r>
+              <a:rPr lang="en-US" altLang="zh-CN" sz="800" dirty="0">
+                <a:solidFill>
+                  <a:schemeClr val="bg1">
+                    <a:lumMod val="75000"/>
+                  </a:schemeClr>
+                </a:solidFill>
+                <a:latin typeface="微软雅黑" panose="020B0503020204020204" pitchFamily="34" charset="-122"/>
+                <a:ea typeface="微软雅黑" panose="020B0503020204020204" pitchFamily="34" charset="-122"/>
+              </a:rPr>
+              <a:t>  /  </a:t>
+            </a:r>
+            <a:r>
+              <a:rPr lang="zh-CN" altLang="en-US" sz="800" dirty="0">
+                <a:solidFill>
+                  <a:schemeClr val="bg1">
+                    <a:lumMod val="75000"/>
+                  </a:schemeClr>
+                </a:solidFill>
+                <a:latin typeface="微软雅黑" panose="020B0503020204020204" pitchFamily="34" charset="-122"/>
+                <a:ea typeface="微软雅黑" panose="020B0503020204020204" pitchFamily="34" charset="-122"/>
+              </a:rPr>
+              <a:t>限</a:t>
+            </a:r>
+            <a:r>
+              <a:rPr lang="en-US" altLang="zh-CN" sz="800" dirty="0">
+                <a:solidFill>
+                  <a:schemeClr val="bg1">
+                    <a:lumMod val="75000"/>
+                  </a:schemeClr>
+                </a:solidFill>
+                <a:latin typeface="微软雅黑" panose="020B0503020204020204" pitchFamily="34" charset="-122"/>
+                <a:ea typeface="微软雅黑" panose="020B0503020204020204" pitchFamily="34" charset="-122"/>
+              </a:rPr>
+              <a:t>  /  </a:t>
+            </a:r>
+            <a:r>
+              <a:rPr lang="zh-CN" altLang="en-US" sz="800" dirty="0">
+                <a:solidFill>
+                  <a:schemeClr val="bg1">
+                    <a:lumMod val="75000"/>
+                  </a:schemeClr>
+                </a:solidFill>
+                <a:latin typeface="微软雅黑" panose="020B0503020204020204" pitchFamily="34" charset="-122"/>
+                <a:ea typeface="微软雅黑" panose="020B0503020204020204" pitchFamily="34" charset="-122"/>
+              </a:rPr>
+              <a:t>公</a:t>
+            </a:r>
+            <a:r>
+              <a:rPr lang="en-US" altLang="zh-CN" sz="800" dirty="0">
+                <a:solidFill>
+                  <a:schemeClr val="bg1">
+                    <a:lumMod val="75000"/>
+                  </a:schemeClr>
+                </a:solidFill>
+                <a:latin typeface="微软雅黑" panose="020B0503020204020204" pitchFamily="34" charset="-122"/>
+                <a:ea typeface="微软雅黑" panose="020B0503020204020204" pitchFamily="34" charset="-122"/>
+              </a:rPr>
+              <a:t>  /  </a:t>
+            </a:r>
+            <a:r>
+              <a:rPr lang="zh-CN" altLang="en-US" sz="800" dirty="0">
+                <a:solidFill>
+                  <a:schemeClr val="bg1">
+                    <a:lumMod val="75000"/>
+                  </a:schemeClr>
+                </a:solidFill>
+                <a:latin typeface="微软雅黑" panose="020B0503020204020204" pitchFamily="34" charset="-122"/>
+                <a:ea typeface="微软雅黑" panose="020B0503020204020204" pitchFamily="34" charset="-122"/>
+              </a:rPr>
+              <a:t>司</a:t>
+            </a:r>
+          </a:p>
+        </p:txBody>
+      </p:sp>
+      <p:sp>
+        <p:nvSpPr>
+          <p:cNvPr id="11" name="PA_文本框 8"/>
+          <p:cNvSpPr txBox="1"/>
+          <p:nvPr>
+            <p:custDataLst>
+              <p:tags r:id="rId3"/>
+            </p:custDataLst>
+          </p:nvPr>
+        </p:nvSpPr>
+        <p:spPr>
+          <a:xfrm>
+            <a:off x="837544" y="5425440"/>
+            <a:ext cx="4344055" cy="275590"/>
+          </a:xfrm>
+          <a:prstGeom prst="rect">
+            <a:avLst/>
+          </a:prstGeom>
+          <a:noFill/>
+          <a:effectLst/>
+        </p:spPr>
+        <p:txBody>
+          <a:bodyPr wrap="square" rtlCol="0">
+            <a:spAutoFit/>
+          </a:bodyPr>
+          <a:lstStyle/>
+          <a:p>
+            <a:r>
+              <a:rPr lang="zh-CN" altLang="en-US" sz="1200" dirty="0">
+                <a:solidFill>
+                  <a:schemeClr val="bg1"/>
+                </a:solidFill>
+              </a:rPr>
+              <a:t>演讲人：黄雪朋</a:t>
+            </a:r>
+            <a:r>
+              <a:rPr lang="en-US" altLang="zh-CN" sz="1200" dirty="0">
+                <a:solidFill>
+                  <a:schemeClr val="bg1"/>
+                </a:solidFill>
+              </a:rPr>
+              <a:t>                       </a:t>
+            </a:r>
+            <a:r>
+              <a:rPr lang="zh-CN" altLang="en-US" sz="1200" dirty="0">
+                <a:solidFill>
+                  <a:schemeClr val="bg1"/>
+                </a:solidFill>
+              </a:rPr>
+              <a:t>部门：产品研发部</a:t>
+            </a:r>
+          </a:p>
+        </p:txBody>
+      </p:sp>
+    </p:spTree>
+  </p:cSld>
+  <p:clrMapOvr>
+    <a:masterClrMapping/>
+  </p:clrMapOvr>
+  <mc:AlternateContent xmlns:mc="http://schemas.openxmlformats.org/markup-compatibility/2006" xmlns:p14="http://schemas.microsoft.com/office/powerpoint/2010/main">
+    <mc:Choice Requires="p14">
+      <p:transition spd="slow" p14:dur="1600">
+        <p:blinds dir="vert"/>
+      </p:transition>
+    </mc:Choice>
+    <mc:Fallback xmlns="">
+      <p:transition spd="slow">
+        <p:blinds dir="vert"/>
+      </p:transition>
+    </mc:Fallback>
+  </mc:AlternateContent>
+  <p:timing>
+    <p:tnLst>
+      <p:par>
+        <p:cTn id="1" dur="indefinite" restart="never" nodeType="tmRoot">
+          <p:childTnLst>
+            <p:seq concurrent="1" nextAc="seek">
+              <p:cTn id="2" dur="indefinite" nodeType="mainSeq">
+                <p:childTnLst>
+                  <p:par>
+                    <p:cTn id="3" fill="hold">
+                      <p:stCondLst>
+                        <p:cond delay="indefinite"/>
+                      </p:stCondLst>
+                      <p:childTnLst>
+                        <p:par>
+                          <p:cTn id="4" fill="hold">
+                            <p:stCondLst>
+                              <p:cond delay="0"/>
+                            </p:stCondLst>
+                            <p:childTnLst>
+                              <p:par>
+                                <p:cTn id="5" presetID="2" presetClass="entr" presetSubtype="8" fill="hold" nodeType="clickEffect">
+                                  <p:stCondLst>
+                                    <p:cond delay="0"/>
+                                  </p:stCondLst>
+                                  <p:childTnLst>
+                                    <p:set>
+                                      <p:cBhvr>
+                                        <p:cTn id="6" dur="1" fill="hold">
+                                          <p:stCondLst>
+                                            <p:cond delay="0"/>
+                                          </p:stCondLst>
+                                        </p:cTn>
+                                        <p:tgtEl>
+                                          <p:spTgt spid="29"/>
+                                        </p:tgtEl>
+                                        <p:attrNameLst>
+                                          <p:attrName>style.visibility</p:attrName>
+                                        </p:attrNameLst>
+                                      </p:cBhvr>
+                                      <p:to>
+                                        <p:strVal val="visible"/>
+                                      </p:to>
+                                    </p:set>
+                                    <p:anim calcmode="lin" valueType="num">
+                                      <p:cBhvr additive="base">
+                                        <p:cTn id="7" dur="500" fill="hold"/>
+                                        <p:tgtEl>
+                                          <p:spTgt spid="29"/>
+                                        </p:tgtEl>
+                                        <p:attrNameLst>
+                                          <p:attrName>ppt_x</p:attrName>
+                                        </p:attrNameLst>
+                                      </p:cBhvr>
+                                      <p:tavLst>
+                                        <p:tav tm="0">
+                                          <p:val>
+                                            <p:strVal val="0-#ppt_w/2"/>
+                                          </p:val>
+                                        </p:tav>
+                                        <p:tav tm="100000">
+                                          <p:val>
+                                            <p:strVal val="#ppt_x"/>
+                                          </p:val>
+                                        </p:tav>
+                                      </p:tavLst>
+                                    </p:anim>
+                                    <p:anim calcmode="lin" valueType="num">
+                                      <p:cBhvr additive="base">
+                                        <p:cTn id="8" dur="500" fill="hold"/>
+                                        <p:tgtEl>
+                                          <p:spTgt spid="29"/>
+                                        </p:tgtEl>
+                                        <p:attrNameLst>
+                                          <p:attrName>ppt_y</p:attrName>
+                                        </p:attrNameLst>
+                                      </p:cBhvr>
+                                      <p:tavLst>
+                                        <p:tav tm="0">
+                                          <p:val>
+                                            <p:strVal val="#ppt_y"/>
+                                          </p:val>
+                                        </p:tav>
+                                        <p:tav tm="100000">
+                                          <p:val>
+                                            <p:strVal val="#ppt_y"/>
+                                          </p:val>
+                                        </p:tav>
+                                      </p:tavLst>
+                                    </p:anim>
+                                  </p:childTnLst>
+                                </p:cTn>
+                              </p:par>
+                              <p:par>
+                                <p:cTn id="9" presetID="22" presetClass="entr" presetSubtype="1" fill="hold" nodeType="withEffect">
+                                  <p:stCondLst>
+                                    <p:cond delay="0"/>
+                                  </p:stCondLst>
+                                  <p:childTnLst>
+                                    <p:set>
+                                      <p:cBhvr>
+                                        <p:cTn id="10" dur="1" fill="hold">
+                                          <p:stCondLst>
+                                            <p:cond delay="0"/>
+                                          </p:stCondLst>
+                                        </p:cTn>
+                                        <p:tgtEl>
+                                          <p:spTgt spid="34"/>
+                                        </p:tgtEl>
+                                        <p:attrNameLst>
+                                          <p:attrName>style.visibility</p:attrName>
+                                        </p:attrNameLst>
+                                      </p:cBhvr>
+                                      <p:to>
+                                        <p:strVal val="visible"/>
+                                      </p:to>
+                                    </p:set>
+                                    <p:animEffect transition="in" filter="wipe(up)">
+                                      <p:cBhvr>
+                                        <p:cTn id="11" dur="500"/>
+                                        <p:tgtEl>
+                                          <p:spTgt spid="34"/>
+                                        </p:tgtEl>
+                                      </p:cBhvr>
+                                    </p:animEffect>
+                                  </p:childTnLst>
+                                </p:cTn>
+                              </p:par>
+                              <p:par>
+                                <p:cTn id="12" presetID="22" presetClass="entr" presetSubtype="1" fill="hold" grpId="0" nodeType="withEffect">
+                                  <p:stCondLst>
+                                    <p:cond delay="0"/>
+                                  </p:stCondLst>
+                                  <p:childTnLst>
+                                    <p:set>
+                                      <p:cBhvr>
+                                        <p:cTn id="13" dur="1" fill="hold">
+                                          <p:stCondLst>
+                                            <p:cond delay="0"/>
+                                          </p:stCondLst>
+                                        </p:cTn>
+                                        <p:tgtEl>
+                                          <p:spTgt spid="2"/>
+                                        </p:tgtEl>
+                                        <p:attrNameLst>
+                                          <p:attrName>style.visibility</p:attrName>
+                                        </p:attrNameLst>
+                                      </p:cBhvr>
+                                      <p:to>
+                                        <p:strVal val="visible"/>
+                                      </p:to>
+                                    </p:set>
+                                    <p:animEffect transition="in" filter="wipe(up)">
+                                      <p:cBhvr>
+                                        <p:cTn id="14" dur="500"/>
+                                        <p:tgtEl>
+                                          <p:spTgt spid="2"/>
+                                        </p:tgtEl>
+                                      </p:cBhvr>
+                                    </p:animEffect>
+                                  </p:childTnLst>
+                                </p:cTn>
+                              </p:par>
+                            </p:childTnLst>
+                          </p:cTn>
+                        </p:par>
+                        <p:par>
+                          <p:cTn id="15" fill="hold">
+                            <p:stCondLst>
+                              <p:cond delay="500"/>
+                            </p:stCondLst>
+                            <p:childTnLst>
+                              <p:par>
+                                <p:cTn id="16" presetID="22" presetClass="entr" presetSubtype="4" fill="hold" grpId="0" nodeType="afterEffect">
+                                  <p:stCondLst>
+                                    <p:cond delay="0"/>
+                                  </p:stCondLst>
+                                  <p:childTnLst>
+                                    <p:set>
+                                      <p:cBhvr>
+                                        <p:cTn id="17" dur="1" fill="hold">
+                                          <p:stCondLst>
+                                            <p:cond delay="0"/>
+                                          </p:stCondLst>
+                                        </p:cTn>
+                                        <p:tgtEl>
+                                          <p:spTgt spid="4"/>
+                                        </p:tgtEl>
+                                        <p:attrNameLst>
+                                          <p:attrName>style.visibility</p:attrName>
+                                        </p:attrNameLst>
+                                      </p:cBhvr>
+                                      <p:to>
+                                        <p:strVal val="visible"/>
+                                      </p:to>
+                                    </p:set>
+                                    <p:animEffect transition="in" filter="wipe(down)">
+                                      <p:cBhvr>
+                                        <p:cTn id="18" dur="500"/>
+                                        <p:tgtEl>
+                                          <p:spTgt spid="4"/>
+                                        </p:tgtEl>
+                                      </p:cBhvr>
+                                    </p:animEffect>
+                                  </p:childTnLst>
+                                </p:cTn>
+                              </p:par>
+                              <p:par>
+                                <p:cTn id="19" presetID="22" presetClass="entr" presetSubtype="8" fill="hold" grpId="0" nodeType="withEffect">
+                                  <p:stCondLst>
+                                    <p:cond delay="0"/>
+                                  </p:stCondLst>
+                                  <p:childTnLst>
+                                    <p:set>
+                                      <p:cBhvr>
+                                        <p:cTn id="20" dur="1" fill="hold">
+                                          <p:stCondLst>
+                                            <p:cond delay="0"/>
+                                          </p:stCondLst>
+                                        </p:cTn>
+                                        <p:tgtEl>
+                                          <p:spTgt spid="10"/>
+                                        </p:tgtEl>
+                                        <p:attrNameLst>
+                                          <p:attrName>style.visibility</p:attrName>
+                                        </p:attrNameLst>
+                                      </p:cBhvr>
+                                      <p:to>
+                                        <p:strVal val="visible"/>
+                                      </p:to>
+                                    </p:set>
+                                    <p:animEffect transition="in" filter="wipe(left)">
+                                      <p:cBhvr>
+                                        <p:cTn id="21" dur="500"/>
+                                        <p:tgtEl>
+                                          <p:spTgt spid="10"/>
+                                        </p:tgtEl>
+                                      </p:cBhvr>
+                                    </p:animEffect>
+                                  </p:childTnLst>
+                                </p:cTn>
+                              </p:par>
+                            </p:childTnLst>
+                          </p:cTn>
+                        </p:par>
+                        <p:par>
+                          <p:cTn id="22" fill="hold">
+                            <p:stCondLst>
+                              <p:cond delay="1000"/>
+                            </p:stCondLst>
+                            <p:childTnLst>
+                              <p:par>
+                                <p:cTn id="23" presetID="22" presetClass="entr" presetSubtype="4" fill="hold" grpId="0" nodeType="afterEffect">
+                                  <p:stCondLst>
+                                    <p:cond delay="0"/>
+                                  </p:stCondLst>
+                                  <p:childTnLst>
+                                    <p:set>
+                                      <p:cBhvr>
+                                        <p:cTn id="24" dur="1" fill="hold">
+                                          <p:stCondLst>
+                                            <p:cond delay="0"/>
+                                          </p:stCondLst>
+                                        </p:cTn>
+                                        <p:tgtEl>
+                                          <p:spTgt spid="11"/>
+                                        </p:tgtEl>
+                                        <p:attrNameLst>
+                                          <p:attrName>style.visibility</p:attrName>
+                                        </p:attrNameLst>
+                                      </p:cBhvr>
+                                      <p:to>
+                                        <p:strVal val="visible"/>
+                                      </p:to>
+                                    </p:set>
+                                    <p:animEffect transition="in" filter="wipe(down)">
+                                      <p:cBhvr>
+                                        <p:cTn id="25" dur="500"/>
+                                        <p:tgtEl>
+                                          <p:spTgt spid="11"/>
+                                        </p:tgtEl>
+                                      </p:cBhvr>
+                                    </p:animEffect>
+                                  </p:childTnLst>
+                                </p:cTn>
+                              </p:par>
+                            </p:childTnLst>
+                          </p:cTn>
+                        </p:par>
+                      </p:childTnLst>
+                    </p:cTn>
+                  </p:par>
+                </p:childTnLst>
+              </p:cTn>
+              <p:prevCondLst>
+                <p:cond evt="onPrev" delay="0">
+                  <p:tgtEl>
+                    <p:sldTgt/>
+                  </p:tgtEl>
+                </p:cond>
+              </p:prevCondLst>
+              <p:nextCondLst>
+                <p:cond evt="onNext" delay="0">
+                  <p:tgtEl>
+                    <p:sldTgt/>
+                  </p:tgtEl>
+                </p:cond>
+              </p:nextCondLst>
+            </p:seq>
+          </p:childTnLst>
+        </p:cTn>
+      </p:par>
+    </p:tnLst>
+    <p:bldLst>
+      <p:bldP spid="2" grpId="0"/>
+      <p:bldP spid="2" grpId="1"/>
+      <p:bldP spid="4" grpId="0" animBg="1"/>
+      <p:bldP spid="4" grpId="1" animBg="1"/>
+      <p:bldP spid="10" grpId="0"/>
+      <p:bldP spid="10" grpId="1"/>
+      <p:bldP spid="11" grpId="0" bldLvl="0" animBg="1"/>
+      <p:bldP spid="11" grpId="1" animBg="1"/>
+    </p:bldLst>
+  </p:timing>
+</p:sld>
+</file>
+
+<file path=ppt/slides/slide20.xml><?xml version="1.0" encoding="utf-8"?>
 <p:sld xmlns:a="http://schemas.openxmlformats.org/drawingml/2006/main" xmlns:r="http://schemas.openxmlformats.org/officeDocument/2006/relationships" xmlns:p="http://schemas.openxmlformats.org/presentationml/2006/main">
   <p:cSld>
     <p:spTree>
@@ -14479,1238 +17012,7 @@
 </p:sld>
 </file>
 
-<file path=ppt/slides/slide2.xml><?xml version="1.0" encoding="utf-8"?>
-<p:sld xmlns:a="http://schemas.openxmlformats.org/drawingml/2006/main" xmlns:r="http://schemas.openxmlformats.org/officeDocument/2006/relationships" xmlns:p="http://schemas.openxmlformats.org/presentationml/2006/main">
-  <p:cSld>
-    <p:spTree>
-      <p:nvGrpSpPr>
-        <p:cNvPr id="1" name=""/>
-        <p:cNvGrpSpPr/>
-        <p:nvPr/>
-      </p:nvGrpSpPr>
-      <p:grpSpPr>
-        <a:xfrm>
-          <a:off x="0" y="0"/>
-          <a:ext cx="0" cy="0"/>
-          <a:chOff x="0" y="0"/>
-          <a:chExt cx="0" cy="0"/>
-        </a:xfrm>
-      </p:grpSpPr>
-      <p:grpSp>
-        <p:nvGrpSpPr>
-          <p:cNvPr id="34" name="组合 33"/>
-          <p:cNvGrpSpPr/>
-          <p:nvPr/>
-        </p:nvGrpSpPr>
-        <p:grpSpPr>
-          <a:xfrm>
-            <a:off x="827405" y="1391916"/>
-            <a:ext cx="6943725" cy="2406650"/>
-            <a:chOff x="1303" y="2418"/>
-            <a:chExt cx="10935" cy="3790"/>
-          </a:xfrm>
-        </p:grpSpPr>
-        <p:sp>
-          <p:nvSpPr>
-            <p:cNvPr id="3" name="PA-文本框 5"/>
-            <p:cNvSpPr txBox="1">
-              <a:spLocks noChangeArrowheads="1"/>
-            </p:cNvSpPr>
-            <p:nvPr>
-              <p:custDataLst>
-                <p:tags r:id="rId4"/>
-              </p:custDataLst>
-            </p:nvPr>
-          </p:nvSpPr>
-          <p:spPr bwMode="auto">
-            <a:xfrm>
-              <a:off x="1630" y="2418"/>
-              <a:ext cx="5404" cy="2931"/>
-            </a:xfrm>
-            <a:prstGeom prst="rect">
-              <a:avLst/>
-            </a:prstGeom>
-            <a:noFill/>
-            <a:ln w="9525">
-              <a:noFill/>
-              <a:miter lim="800000"/>
-            </a:ln>
-          </p:spPr>
-          <p:txBody>
-            <a:bodyPr wrap="none">
-              <a:spAutoFit/>
-            </a:bodyPr>
-            <a:lstStyle/>
-            <a:p>
-              <a:pPr algn="ctr"/>
-              <a:r>
-                <a:rPr lang="en-US" altLang="zh-CN" sz="11500" b="1" dirty="0">
-                  <a:gradFill>
-                    <a:gsLst>
-                      <a:gs pos="0">
-                        <a:srgbClr val="F0D58B"/>
-                      </a:gs>
-                      <a:gs pos="100000">
-                        <a:srgbClr val="D9B44F"/>
-                      </a:gs>
-                    </a:gsLst>
-                    <a:path path="circle"/>
-                  </a:gradFill>
-                  <a:ea typeface="+mj-ea"/>
-                  <a:cs typeface="+mn-lt"/>
-                </a:rPr>
-                <a:t>2022</a:t>
-              </a:r>
-            </a:p>
-          </p:txBody>
-        </p:sp>
-        <p:sp>
-          <p:nvSpPr>
-            <p:cNvPr id="5" name="PA_文本框 198"/>
-            <p:cNvSpPr txBox="1">
-              <a:spLocks noChangeArrowheads="1"/>
-            </p:cNvSpPr>
-            <p:nvPr>
-              <p:custDataLst>
-                <p:tags r:id="rId5"/>
-              </p:custDataLst>
-            </p:nvPr>
-          </p:nvSpPr>
-          <p:spPr bwMode="ltGray">
-            <a:xfrm>
-              <a:off x="1303" y="4917"/>
-              <a:ext cx="10935" cy="1291"/>
-            </a:xfrm>
-            <a:prstGeom prst="rect">
-              <a:avLst/>
-            </a:prstGeom>
-            <a:noFill/>
-            <a:ln>
-              <a:noFill/>
-            </a:ln>
-            <a:effectLst/>
-          </p:spPr>
-          <p:txBody>
-            <a:bodyPr wrap="square" lIns="81667" tIns="40833" rIns="81667" bIns="40833">
-              <a:spAutoFit/>
-            </a:bodyPr>
-            <a:lstStyle>
-              <a:lvl1pPr algn="l" defTabSz="815975" fontAlgn="base">
-                <a:defRPr>
-                  <a:solidFill>
-                    <a:schemeClr val="tx1"/>
-                  </a:solidFill>
-                  <a:latin typeface="Arial" panose="020B0604020202020204" pitchFamily="34" charset="0"/>
-                </a:defRPr>
-              </a:lvl1pPr>
-              <a:lvl2pPr marL="408305" algn="l" defTabSz="815975" fontAlgn="base">
-                <a:defRPr>
-                  <a:solidFill>
-                    <a:schemeClr val="tx1"/>
-                  </a:solidFill>
-                  <a:latin typeface="Arial" panose="020B0604020202020204" pitchFamily="34" charset="0"/>
-                </a:defRPr>
-              </a:lvl2pPr>
-              <a:lvl3pPr marL="815975" algn="l" defTabSz="815975" fontAlgn="base">
-                <a:defRPr>
-                  <a:solidFill>
-                    <a:schemeClr val="tx1"/>
-                  </a:solidFill>
-                  <a:latin typeface="Arial" panose="020B0604020202020204" pitchFamily="34" charset="0"/>
-                </a:defRPr>
-              </a:lvl3pPr>
-              <a:lvl4pPr marL="1225550" algn="l" defTabSz="815975" fontAlgn="base">
-                <a:defRPr>
-                  <a:solidFill>
-                    <a:schemeClr val="tx1"/>
-                  </a:solidFill>
-                  <a:latin typeface="Arial" panose="020B0604020202020204" pitchFamily="34" charset="0"/>
-                </a:defRPr>
-              </a:lvl4pPr>
-              <a:lvl5pPr marL="1633855" algn="l" defTabSz="815975" fontAlgn="base">
-                <a:defRPr>
-                  <a:solidFill>
-                    <a:schemeClr val="tx1"/>
-                  </a:solidFill>
-                  <a:latin typeface="Arial" panose="020B0604020202020204" pitchFamily="34" charset="0"/>
-                </a:defRPr>
-              </a:lvl5pPr>
-              <a:lvl6pPr marL="2091055" defTabSz="815975" fontAlgn="base">
-                <a:spcBef>
-                  <a:spcPct val="0"/>
-                </a:spcBef>
-                <a:spcAft>
-                  <a:spcPct val="0"/>
-                </a:spcAft>
-                <a:defRPr>
-                  <a:solidFill>
-                    <a:schemeClr val="tx1"/>
-                  </a:solidFill>
-                  <a:latin typeface="Arial" panose="020B0604020202020204" pitchFamily="34" charset="0"/>
-                </a:defRPr>
-              </a:lvl6pPr>
-              <a:lvl7pPr marL="2548255" defTabSz="815975" fontAlgn="base">
-                <a:spcBef>
-                  <a:spcPct val="0"/>
-                </a:spcBef>
-                <a:spcAft>
-                  <a:spcPct val="0"/>
-                </a:spcAft>
-                <a:defRPr>
-                  <a:solidFill>
-                    <a:schemeClr val="tx1"/>
-                  </a:solidFill>
-                  <a:latin typeface="Arial" panose="020B0604020202020204" pitchFamily="34" charset="0"/>
-                </a:defRPr>
-              </a:lvl7pPr>
-              <a:lvl8pPr marL="3005455" defTabSz="815975" fontAlgn="base">
-                <a:spcBef>
-                  <a:spcPct val="0"/>
-                </a:spcBef>
-                <a:spcAft>
-                  <a:spcPct val="0"/>
-                </a:spcAft>
-                <a:defRPr>
-                  <a:solidFill>
-                    <a:schemeClr val="tx1"/>
-                  </a:solidFill>
-                  <a:latin typeface="Arial" panose="020B0604020202020204" pitchFamily="34" charset="0"/>
-                </a:defRPr>
-              </a:lvl8pPr>
-              <a:lvl9pPr marL="3462655" defTabSz="815975" fontAlgn="base">
-                <a:spcBef>
-                  <a:spcPct val="0"/>
-                </a:spcBef>
-                <a:spcAft>
-                  <a:spcPct val="0"/>
-                </a:spcAft>
-                <a:defRPr>
-                  <a:solidFill>
-                    <a:schemeClr val="tx1"/>
-                  </a:solidFill>
-                  <a:latin typeface="Arial" panose="020B0604020202020204" pitchFamily="34" charset="0"/>
-                </a:defRPr>
-              </a:lvl9pPr>
-            </a:lstStyle>
-            <a:p>
-              <a:pPr eaLnBrk="1" hangingPunct="1">
-                <a:buClrTx/>
-                <a:buSzTx/>
-              </a:pPr>
-              <a:r>
-                <a:rPr lang="zh-CN" altLang="en-US" sz="4800" b="1" dirty="0">
-                  <a:ln w="17780" cmpd="sng">
-                    <a:noFill/>
-                    <a:prstDash val="solid"/>
-                    <a:miter lim="800000"/>
-                  </a:ln>
-                  <a:solidFill>
-                    <a:schemeClr val="bg2"/>
-                  </a:solidFill>
-                  <a:effectLst/>
-                  <a:latin typeface="思源黑体 CN Medium" panose="020B0600000000000000" pitchFamily="34" charset="-122"/>
-                  <a:ea typeface="思源黑体 CN Medium" panose="020B0600000000000000" pitchFamily="34" charset="-122"/>
-                </a:rPr>
-                <a:t>入职第一月述职报告</a:t>
-              </a:r>
-            </a:p>
-          </p:txBody>
-        </p:sp>
-      </p:grpSp>
-      <p:sp>
-        <p:nvSpPr>
-          <p:cNvPr id="2" name="PA_矩形 1"/>
-          <p:cNvSpPr/>
-          <p:nvPr>
-            <p:custDataLst>
-              <p:tags r:id="rId1"/>
-            </p:custDataLst>
-          </p:nvPr>
-        </p:nvSpPr>
-        <p:spPr>
-          <a:xfrm>
-            <a:off x="827405" y="3790311"/>
-            <a:ext cx="7929880" cy="398780"/>
-          </a:xfrm>
-          <a:prstGeom prst="rect">
-            <a:avLst/>
-          </a:prstGeom>
-        </p:spPr>
-        <p:txBody>
-          <a:bodyPr wrap="none">
-            <a:spAutoFit/>
-          </a:bodyPr>
-          <a:lstStyle/>
-          <a:p>
-            <a:pPr algn="l"/>
-            <a:r>
-              <a:rPr lang="zh-CN" altLang="en-US" sz="2000" dirty="0">
-                <a:solidFill>
-                  <a:schemeClr val="bg1"/>
-                </a:solidFill>
-                <a:latin typeface="思源黑体 CN Medium" panose="020B0600000000000000" pitchFamily="34" charset="-122"/>
-                <a:ea typeface="思源黑体 CN Medium" panose="020B0600000000000000" pitchFamily="34" charset="-122"/>
-                <a:cs typeface="微软雅黑" panose="020B0503020204020204" pitchFamily="34" charset="-122"/>
-              </a:rPr>
-              <a:t> 自我介绍</a:t>
-            </a:r>
-            <a:r>
-              <a:rPr lang="en-US" altLang="zh-CN" sz="2000" dirty="0">
-                <a:solidFill>
-                  <a:schemeClr val="bg1"/>
-                </a:solidFill>
-                <a:latin typeface="思源黑体 CN Medium" panose="020B0600000000000000" pitchFamily="34" charset="-122"/>
-                <a:ea typeface="思源黑体 CN Medium" panose="020B0600000000000000" pitchFamily="34" charset="-122"/>
-                <a:cs typeface="微软雅黑" panose="020B0503020204020204" pitchFamily="34" charset="-122"/>
-              </a:rPr>
-              <a:t>|</a:t>
-            </a:r>
-            <a:r>
-              <a:rPr lang="zh-CN" altLang="en-US" sz="2000" dirty="0">
-                <a:solidFill>
-                  <a:schemeClr val="bg1"/>
-                </a:solidFill>
-                <a:latin typeface="思源黑体 CN Medium" panose="020B0600000000000000" pitchFamily="34" charset="-122"/>
-                <a:ea typeface="思源黑体 CN Medium" panose="020B0600000000000000" pitchFamily="34" charset="-122"/>
-                <a:cs typeface="微软雅黑" panose="020B0503020204020204" pitchFamily="34" charset="-122"/>
-              </a:rPr>
-              <a:t>工作总结</a:t>
-            </a:r>
-            <a:r>
-              <a:rPr lang="en-US" altLang="zh-CN" sz="2000" dirty="0">
-                <a:solidFill>
-                  <a:schemeClr val="bg1"/>
-                </a:solidFill>
-                <a:latin typeface="思源黑体 CN Medium" panose="020B0600000000000000" pitchFamily="34" charset="-122"/>
-                <a:ea typeface="思源黑体 CN Medium" panose="020B0600000000000000" pitchFamily="34" charset="-122"/>
-                <a:cs typeface="微软雅黑" panose="020B0503020204020204" pitchFamily="34" charset="-122"/>
-              </a:rPr>
-              <a:t>| </a:t>
-            </a:r>
-            <a:r>
-              <a:rPr lang="zh-CN" altLang="en-US" sz="2000" dirty="0">
-                <a:solidFill>
-                  <a:schemeClr val="bg1"/>
-                </a:solidFill>
-                <a:latin typeface="思源黑体 CN Medium" panose="020B0600000000000000" pitchFamily="34" charset="-122"/>
-                <a:ea typeface="思源黑体 CN Medium" panose="020B0600000000000000" pitchFamily="34" charset="-122"/>
-                <a:cs typeface="微软雅黑" panose="020B0503020204020204" pitchFamily="34" charset="-122"/>
-              </a:rPr>
-              <a:t>工作分析 </a:t>
-            </a:r>
-            <a:r>
-              <a:rPr lang="en-US" altLang="zh-CN" sz="2000" dirty="0">
-                <a:solidFill>
-                  <a:schemeClr val="bg1"/>
-                </a:solidFill>
-                <a:latin typeface="思源黑体 CN Medium" panose="020B0600000000000000" pitchFamily="34" charset="-122"/>
-                <a:ea typeface="思源黑体 CN Medium" panose="020B0600000000000000" pitchFamily="34" charset="-122"/>
-                <a:cs typeface="微软雅黑" panose="020B0503020204020204" pitchFamily="34" charset="-122"/>
-              </a:rPr>
-              <a:t>| </a:t>
-            </a:r>
-            <a:r>
-              <a:rPr lang="zh-CN" altLang="en-US" sz="2000" dirty="0">
-                <a:solidFill>
-                  <a:schemeClr val="bg1"/>
-                </a:solidFill>
-                <a:latin typeface="思源黑体 CN Medium" panose="020B0600000000000000" pitchFamily="34" charset="-122"/>
-                <a:ea typeface="思源黑体 CN Medium" panose="020B0600000000000000" pitchFamily="34" charset="-122"/>
-                <a:cs typeface="微软雅黑" panose="020B0503020204020204" pitchFamily="34" charset="-122"/>
-              </a:rPr>
-              <a:t>解决方案</a:t>
-            </a:r>
-            <a:r>
-              <a:rPr lang="en-US" altLang="zh-CN" sz="2000" dirty="0">
-                <a:solidFill>
-                  <a:schemeClr val="bg1"/>
-                </a:solidFill>
-                <a:latin typeface="思源黑体 CN Medium" panose="020B0600000000000000" pitchFamily="34" charset="-122"/>
-                <a:ea typeface="思源黑体 CN Medium" panose="020B0600000000000000" pitchFamily="34" charset="-122"/>
-                <a:cs typeface="微软雅黑" panose="020B0503020204020204" pitchFamily="34" charset="-122"/>
-                <a:sym typeface="+mn-ea"/>
-              </a:rPr>
-              <a:t> </a:t>
-            </a:r>
-            <a:r>
-              <a:rPr lang="en-US" altLang="zh-CN" sz="2000" dirty="0">
-                <a:solidFill>
-                  <a:schemeClr val="bg1"/>
-                </a:solidFill>
-                <a:latin typeface="思源黑体 CN Medium" panose="020B0600000000000000" pitchFamily="34" charset="-122"/>
-                <a:ea typeface="思源黑体 CN Medium" panose="020B0600000000000000" pitchFamily="34" charset="-122"/>
-                <a:cs typeface="微软雅黑" panose="020B0503020204020204" pitchFamily="34" charset="-122"/>
-              </a:rPr>
-              <a:t>| </a:t>
-            </a:r>
-            <a:r>
-              <a:rPr lang="zh-CN" altLang="en-US" sz="2000" dirty="0">
-                <a:solidFill>
-                  <a:schemeClr val="bg1"/>
-                </a:solidFill>
-                <a:latin typeface="思源黑体 CN Medium" panose="020B0600000000000000" pitchFamily="34" charset="-122"/>
-                <a:ea typeface="思源黑体 CN Medium" panose="020B0600000000000000" pitchFamily="34" charset="-122"/>
-                <a:cs typeface="微软雅黑" panose="020B0503020204020204" pitchFamily="34" charset="-122"/>
-              </a:rPr>
-              <a:t>个人总结</a:t>
-            </a:r>
-            <a:r>
-              <a:rPr lang="en-US" altLang="zh-CN" sz="2000" dirty="0">
-                <a:solidFill>
-                  <a:schemeClr val="bg1"/>
-                </a:solidFill>
-                <a:latin typeface="思源黑体 CN Medium" panose="020B0600000000000000" pitchFamily="34" charset="-122"/>
-                <a:ea typeface="思源黑体 CN Medium" panose="020B0600000000000000" pitchFamily="34" charset="-122"/>
-                <a:cs typeface="微软雅黑" panose="020B0503020204020204" pitchFamily="34" charset="-122"/>
-              </a:rPr>
-              <a:t> | </a:t>
-            </a:r>
-            <a:r>
-              <a:rPr lang="zh-CN" altLang="en-US" sz="2000" dirty="0">
-                <a:solidFill>
-                  <a:schemeClr val="bg1"/>
-                </a:solidFill>
-                <a:latin typeface="思源黑体 CN Medium" panose="020B0600000000000000" pitchFamily="34" charset="-122"/>
-                <a:ea typeface="思源黑体 CN Medium" panose="020B0600000000000000" pitchFamily="34" charset="-122"/>
-                <a:cs typeface="微软雅黑" panose="020B0503020204020204" pitchFamily="34" charset="-122"/>
-              </a:rPr>
-              <a:t>工作计划</a:t>
-            </a:r>
-          </a:p>
-        </p:txBody>
-      </p:sp>
-      <p:sp>
-        <p:nvSpPr>
-          <p:cNvPr id="4" name="PA_文本框 8"/>
-          <p:cNvSpPr txBox="1"/>
-          <p:nvPr>
-            <p:custDataLst>
-              <p:tags r:id="rId2"/>
-            </p:custDataLst>
-          </p:nvPr>
-        </p:nvSpPr>
-        <p:spPr>
-          <a:xfrm>
-            <a:off x="837544" y="4377170"/>
-            <a:ext cx="5715799" cy="645160"/>
-          </a:xfrm>
-          <a:prstGeom prst="rect">
-            <a:avLst/>
-          </a:prstGeom>
-          <a:noFill/>
-          <a:effectLst/>
-        </p:spPr>
-        <p:txBody>
-          <a:bodyPr wrap="square" rtlCol="0">
-            <a:spAutoFit/>
-          </a:bodyPr>
-          <a:lstStyle/>
-          <a:p>
-            <a:r>
-              <a:rPr lang="en-US" altLang="zh-CN" sz="1200" dirty="0">
-                <a:solidFill>
-                  <a:schemeClr val="bg1"/>
-                </a:solidFill>
-              </a:rPr>
-              <a:t>Gray Yellow Business report PPT Gray Yellow Business report PPT Gray Yellow Business report PPT Gray Yellow Business report PPT Gray Yellow Business report PPT</a:t>
-            </a:r>
-            <a:endParaRPr lang="en-US" altLang="zh-CN" sz="1200" dirty="0">
-              <a:solidFill>
-                <a:schemeClr val="bg1"/>
-              </a:solidFill>
-              <a:latin typeface="思源黑体 CN Medium" panose="020B0600000000000000" pitchFamily="34" charset="-122"/>
-              <a:ea typeface="思源黑体 CN Medium" panose="020B0600000000000000" pitchFamily="34" charset="-122"/>
-            </a:endParaRPr>
-          </a:p>
-        </p:txBody>
-      </p:sp>
-      <p:grpSp>
-        <p:nvGrpSpPr>
-          <p:cNvPr id="29" name="组合 28"/>
-          <p:cNvGrpSpPr/>
-          <p:nvPr/>
-        </p:nvGrpSpPr>
-        <p:grpSpPr>
-          <a:xfrm rot="10800000" flipH="1" flipV="1">
-            <a:off x="951865" y="4270371"/>
-            <a:ext cx="5413375" cy="121285"/>
-            <a:chOff x="4185398" y="2422358"/>
-            <a:chExt cx="4878392" cy="0"/>
-          </a:xfrm>
-        </p:grpSpPr>
-        <p:cxnSp>
-          <p:nvCxnSpPr>
-            <p:cNvPr id="30" name="直接连接符 29"/>
-            <p:cNvCxnSpPr/>
-            <p:nvPr/>
-          </p:nvCxnSpPr>
-          <p:spPr>
-            <a:xfrm>
-              <a:off x="4185398" y="2422358"/>
-              <a:ext cx="4637760" cy="0"/>
-            </a:xfrm>
-            <a:prstGeom prst="line">
-              <a:avLst/>
-            </a:prstGeom>
-            <a:ln>
-              <a:solidFill>
-                <a:srgbClr val="F0D58B">
-                  <a:alpha val="48000"/>
-                </a:srgbClr>
-              </a:solidFill>
-            </a:ln>
-          </p:spPr>
-          <p:style>
-            <a:lnRef idx="1">
-              <a:schemeClr val="accent1"/>
-            </a:lnRef>
-            <a:fillRef idx="0">
-              <a:schemeClr val="accent1"/>
-            </a:fillRef>
-            <a:effectRef idx="0">
-              <a:schemeClr val="accent1"/>
-            </a:effectRef>
-            <a:fontRef idx="minor">
-              <a:schemeClr val="tx1"/>
-            </a:fontRef>
-          </p:style>
-        </p:cxnSp>
-        <p:cxnSp>
-          <p:nvCxnSpPr>
-            <p:cNvPr id="31" name="直接连接符 30"/>
-            <p:cNvCxnSpPr/>
-            <p:nvPr/>
-          </p:nvCxnSpPr>
-          <p:spPr>
-            <a:xfrm>
-              <a:off x="8614611" y="2422358"/>
-              <a:ext cx="449179" cy="0"/>
-            </a:xfrm>
-            <a:prstGeom prst="line">
-              <a:avLst/>
-            </a:prstGeom>
-            <a:ln w="76200">
-              <a:solidFill>
-                <a:srgbClr val="F0D58B"/>
-              </a:solidFill>
-            </a:ln>
-          </p:spPr>
-          <p:style>
-            <a:lnRef idx="1">
-              <a:schemeClr val="accent1"/>
-            </a:lnRef>
-            <a:fillRef idx="0">
-              <a:schemeClr val="accent1"/>
-            </a:fillRef>
-            <a:effectRef idx="0">
-              <a:schemeClr val="accent1"/>
-            </a:effectRef>
-            <a:fontRef idx="minor">
-              <a:schemeClr val="tx1"/>
-            </a:fontRef>
-          </p:style>
-        </p:cxnSp>
-      </p:grpSp>
-      <p:sp>
-        <p:nvSpPr>
-          <p:cNvPr id="10" name="文本框 9"/>
-          <p:cNvSpPr txBox="1"/>
-          <p:nvPr/>
-        </p:nvSpPr>
-        <p:spPr>
-          <a:xfrm>
-            <a:off x="817880" y="6138545"/>
-            <a:ext cx="4886325" cy="213995"/>
-          </a:xfrm>
-          <a:prstGeom prst="rect">
-            <a:avLst/>
-          </a:prstGeom>
-          <a:noFill/>
-        </p:spPr>
-        <p:txBody>
-          <a:bodyPr wrap="square" rtlCol="0">
-            <a:spAutoFit/>
-          </a:bodyPr>
-          <a:lstStyle/>
-          <a:p>
-            <a:r>
-              <a:rPr lang="zh-CN" altLang="en-US" sz="800" dirty="0">
-                <a:solidFill>
-                  <a:schemeClr val="bg1">
-                    <a:lumMod val="75000"/>
-                  </a:schemeClr>
-                </a:solidFill>
-                <a:latin typeface="微软雅黑" panose="020B0503020204020204" pitchFamily="34" charset="-122"/>
-                <a:ea typeface="微软雅黑" panose="020B0503020204020204" pitchFamily="34" charset="-122"/>
-              </a:rPr>
-              <a:t>北</a:t>
-            </a:r>
-            <a:r>
-              <a:rPr lang="en-US" altLang="zh-CN" sz="800" dirty="0">
-                <a:solidFill>
-                  <a:schemeClr val="bg1">
-                    <a:lumMod val="75000"/>
-                  </a:schemeClr>
-                </a:solidFill>
-                <a:latin typeface="微软雅黑" panose="020B0503020204020204" pitchFamily="34" charset="-122"/>
-                <a:ea typeface="微软雅黑" panose="020B0503020204020204" pitchFamily="34" charset="-122"/>
-              </a:rPr>
-              <a:t>  /  </a:t>
-            </a:r>
-            <a:r>
-              <a:rPr lang="zh-CN" altLang="en-US" sz="800" dirty="0">
-                <a:solidFill>
-                  <a:schemeClr val="bg1">
-                    <a:lumMod val="75000"/>
-                  </a:schemeClr>
-                </a:solidFill>
-                <a:latin typeface="微软雅黑" panose="020B0503020204020204" pitchFamily="34" charset="-122"/>
-                <a:ea typeface="微软雅黑" panose="020B0503020204020204" pitchFamily="34" charset="-122"/>
-              </a:rPr>
-              <a:t>京</a:t>
-            </a:r>
-            <a:r>
-              <a:rPr lang="en-US" altLang="zh-CN" sz="800" dirty="0">
-                <a:solidFill>
-                  <a:schemeClr val="bg1">
-                    <a:lumMod val="75000"/>
-                  </a:schemeClr>
-                </a:solidFill>
-                <a:latin typeface="微软雅黑" panose="020B0503020204020204" pitchFamily="34" charset="-122"/>
-                <a:ea typeface="微软雅黑" panose="020B0503020204020204" pitchFamily="34" charset="-122"/>
-              </a:rPr>
-              <a:t>  /  </a:t>
-            </a:r>
-            <a:r>
-              <a:rPr lang="zh-CN" altLang="en-US" sz="800" dirty="0">
-                <a:solidFill>
-                  <a:schemeClr val="bg1">
-                    <a:lumMod val="75000"/>
-                  </a:schemeClr>
-                </a:solidFill>
-                <a:latin typeface="微软雅黑" panose="020B0503020204020204" pitchFamily="34" charset="-122"/>
-                <a:ea typeface="微软雅黑" panose="020B0503020204020204" pitchFamily="34" charset="-122"/>
-              </a:rPr>
-              <a:t>中</a:t>
-            </a:r>
-            <a:r>
-              <a:rPr lang="en-US" altLang="zh-CN" sz="800" dirty="0">
-                <a:solidFill>
-                  <a:schemeClr val="bg1">
-                    <a:lumMod val="75000"/>
-                  </a:schemeClr>
-                </a:solidFill>
-                <a:latin typeface="微软雅黑" panose="020B0503020204020204" pitchFamily="34" charset="-122"/>
-                <a:ea typeface="微软雅黑" panose="020B0503020204020204" pitchFamily="34" charset="-122"/>
-              </a:rPr>
-              <a:t>  /  </a:t>
-            </a:r>
-            <a:r>
-              <a:rPr lang="zh-CN" altLang="en-US" sz="800" dirty="0">
-                <a:solidFill>
-                  <a:schemeClr val="bg1">
-                    <a:lumMod val="75000"/>
-                  </a:schemeClr>
-                </a:solidFill>
-                <a:latin typeface="微软雅黑" panose="020B0503020204020204" pitchFamily="34" charset="-122"/>
-                <a:ea typeface="微软雅黑" panose="020B0503020204020204" pitchFamily="34" charset="-122"/>
-              </a:rPr>
-              <a:t>科</a:t>
-            </a:r>
-            <a:r>
-              <a:rPr lang="en-US" altLang="zh-CN" sz="800" dirty="0">
-                <a:solidFill>
-                  <a:schemeClr val="bg1">
-                    <a:lumMod val="75000"/>
-                  </a:schemeClr>
-                </a:solidFill>
-                <a:latin typeface="微软雅黑" panose="020B0503020204020204" pitchFamily="34" charset="-122"/>
-                <a:ea typeface="微软雅黑" panose="020B0503020204020204" pitchFamily="34" charset="-122"/>
-              </a:rPr>
-              <a:t>  /  </a:t>
-            </a:r>
-            <a:r>
-              <a:rPr lang="zh-CN" altLang="en-US" sz="800" dirty="0">
-                <a:solidFill>
-                  <a:schemeClr val="bg1">
-                    <a:lumMod val="75000"/>
-                  </a:schemeClr>
-                </a:solidFill>
-                <a:latin typeface="微软雅黑" panose="020B0503020204020204" pitchFamily="34" charset="-122"/>
-                <a:ea typeface="微软雅黑" panose="020B0503020204020204" pitchFamily="34" charset="-122"/>
-              </a:rPr>
-              <a:t>前</a:t>
-            </a:r>
-            <a:r>
-              <a:rPr lang="en-US" altLang="zh-CN" sz="800" dirty="0">
-                <a:solidFill>
-                  <a:schemeClr val="bg1">
-                    <a:lumMod val="75000"/>
-                  </a:schemeClr>
-                </a:solidFill>
-                <a:latin typeface="微软雅黑" panose="020B0503020204020204" pitchFamily="34" charset="-122"/>
-                <a:ea typeface="微软雅黑" panose="020B0503020204020204" pitchFamily="34" charset="-122"/>
-              </a:rPr>
-              <a:t>  /  </a:t>
-            </a:r>
-            <a:r>
-              <a:rPr lang="zh-CN" altLang="en-US" sz="800" dirty="0">
-                <a:solidFill>
-                  <a:schemeClr val="bg1">
-                    <a:lumMod val="75000"/>
-                  </a:schemeClr>
-                </a:solidFill>
-                <a:latin typeface="微软雅黑" panose="020B0503020204020204" pitchFamily="34" charset="-122"/>
-                <a:ea typeface="微软雅黑" panose="020B0503020204020204" pitchFamily="34" charset="-122"/>
-              </a:rPr>
-              <a:t>沿</a:t>
-            </a:r>
-            <a:r>
-              <a:rPr lang="en-US" altLang="zh-CN" sz="800" dirty="0">
-                <a:solidFill>
-                  <a:schemeClr val="bg1">
-                    <a:lumMod val="75000"/>
-                  </a:schemeClr>
-                </a:solidFill>
-                <a:latin typeface="微软雅黑" panose="020B0503020204020204" pitchFamily="34" charset="-122"/>
-                <a:ea typeface="微软雅黑" panose="020B0503020204020204" pitchFamily="34" charset="-122"/>
-              </a:rPr>
-              <a:t>  /  </a:t>
-            </a:r>
-            <a:r>
-              <a:rPr lang="zh-CN" altLang="en-US" sz="800" dirty="0">
-                <a:solidFill>
-                  <a:schemeClr val="bg1">
-                    <a:lumMod val="75000"/>
-                  </a:schemeClr>
-                </a:solidFill>
-                <a:latin typeface="微软雅黑" panose="020B0503020204020204" pitchFamily="34" charset="-122"/>
-                <a:ea typeface="微软雅黑" panose="020B0503020204020204" pitchFamily="34" charset="-122"/>
-              </a:rPr>
-              <a:t>科</a:t>
-            </a:r>
-            <a:r>
-              <a:rPr lang="en-US" altLang="zh-CN" sz="800" dirty="0">
-                <a:solidFill>
-                  <a:schemeClr val="bg1">
-                    <a:lumMod val="75000"/>
-                  </a:schemeClr>
-                </a:solidFill>
-                <a:latin typeface="微软雅黑" panose="020B0503020204020204" pitchFamily="34" charset="-122"/>
-                <a:ea typeface="微软雅黑" panose="020B0503020204020204" pitchFamily="34" charset="-122"/>
-              </a:rPr>
-              <a:t>  /  </a:t>
-            </a:r>
-            <a:r>
-              <a:rPr lang="zh-CN" altLang="en-US" sz="800" dirty="0">
-                <a:solidFill>
-                  <a:schemeClr val="bg1">
-                    <a:lumMod val="75000"/>
-                  </a:schemeClr>
-                </a:solidFill>
-                <a:latin typeface="微软雅黑" panose="020B0503020204020204" pitchFamily="34" charset="-122"/>
-                <a:ea typeface="微软雅黑" panose="020B0503020204020204" pitchFamily="34" charset="-122"/>
-              </a:rPr>
-              <a:t>技</a:t>
-            </a:r>
-            <a:r>
-              <a:rPr lang="en-US" altLang="zh-CN" sz="800" dirty="0">
-                <a:solidFill>
-                  <a:schemeClr val="bg1">
-                    <a:lumMod val="75000"/>
-                  </a:schemeClr>
-                </a:solidFill>
-                <a:latin typeface="微软雅黑" panose="020B0503020204020204" pitchFamily="34" charset="-122"/>
-                <a:ea typeface="微软雅黑" panose="020B0503020204020204" pitchFamily="34" charset="-122"/>
-              </a:rPr>
-              <a:t>  /  </a:t>
-            </a:r>
-            <a:r>
-              <a:rPr lang="zh-CN" altLang="en-US" sz="800" dirty="0">
-                <a:solidFill>
-                  <a:schemeClr val="bg1">
-                    <a:lumMod val="75000"/>
-                  </a:schemeClr>
-                </a:solidFill>
-                <a:latin typeface="微软雅黑" panose="020B0503020204020204" pitchFamily="34" charset="-122"/>
-                <a:ea typeface="微软雅黑" panose="020B0503020204020204" pitchFamily="34" charset="-122"/>
-              </a:rPr>
-              <a:t>有</a:t>
-            </a:r>
-            <a:r>
-              <a:rPr lang="en-US" altLang="zh-CN" sz="800" dirty="0">
-                <a:solidFill>
-                  <a:schemeClr val="bg1">
-                    <a:lumMod val="75000"/>
-                  </a:schemeClr>
-                </a:solidFill>
-                <a:latin typeface="微软雅黑" panose="020B0503020204020204" pitchFamily="34" charset="-122"/>
-                <a:ea typeface="微软雅黑" panose="020B0503020204020204" pitchFamily="34" charset="-122"/>
-              </a:rPr>
-              <a:t>  /  </a:t>
-            </a:r>
-            <a:r>
-              <a:rPr lang="zh-CN" altLang="en-US" sz="800" dirty="0">
-                <a:solidFill>
-                  <a:schemeClr val="bg1">
-                    <a:lumMod val="75000"/>
-                  </a:schemeClr>
-                </a:solidFill>
-                <a:latin typeface="微软雅黑" panose="020B0503020204020204" pitchFamily="34" charset="-122"/>
-                <a:ea typeface="微软雅黑" panose="020B0503020204020204" pitchFamily="34" charset="-122"/>
-              </a:rPr>
-              <a:t>限</a:t>
-            </a:r>
-            <a:r>
-              <a:rPr lang="en-US" altLang="zh-CN" sz="800" dirty="0">
-                <a:solidFill>
-                  <a:schemeClr val="bg1">
-                    <a:lumMod val="75000"/>
-                  </a:schemeClr>
-                </a:solidFill>
-                <a:latin typeface="微软雅黑" panose="020B0503020204020204" pitchFamily="34" charset="-122"/>
-                <a:ea typeface="微软雅黑" panose="020B0503020204020204" pitchFamily="34" charset="-122"/>
-              </a:rPr>
-              <a:t>  /  </a:t>
-            </a:r>
-            <a:r>
-              <a:rPr lang="zh-CN" altLang="en-US" sz="800" dirty="0">
-                <a:solidFill>
-                  <a:schemeClr val="bg1">
-                    <a:lumMod val="75000"/>
-                  </a:schemeClr>
-                </a:solidFill>
-                <a:latin typeface="微软雅黑" panose="020B0503020204020204" pitchFamily="34" charset="-122"/>
-                <a:ea typeface="微软雅黑" panose="020B0503020204020204" pitchFamily="34" charset="-122"/>
-              </a:rPr>
-              <a:t>公</a:t>
-            </a:r>
-            <a:r>
-              <a:rPr lang="en-US" altLang="zh-CN" sz="800" dirty="0">
-                <a:solidFill>
-                  <a:schemeClr val="bg1">
-                    <a:lumMod val="75000"/>
-                  </a:schemeClr>
-                </a:solidFill>
-                <a:latin typeface="微软雅黑" panose="020B0503020204020204" pitchFamily="34" charset="-122"/>
-                <a:ea typeface="微软雅黑" panose="020B0503020204020204" pitchFamily="34" charset="-122"/>
-              </a:rPr>
-              <a:t>  /  </a:t>
-            </a:r>
-            <a:r>
-              <a:rPr lang="zh-CN" altLang="en-US" sz="800" dirty="0">
-                <a:solidFill>
-                  <a:schemeClr val="bg1">
-                    <a:lumMod val="75000"/>
-                  </a:schemeClr>
-                </a:solidFill>
-                <a:latin typeface="微软雅黑" panose="020B0503020204020204" pitchFamily="34" charset="-122"/>
-                <a:ea typeface="微软雅黑" panose="020B0503020204020204" pitchFamily="34" charset="-122"/>
-              </a:rPr>
-              <a:t>司</a:t>
-            </a:r>
-          </a:p>
-        </p:txBody>
-      </p:sp>
-      <p:sp>
-        <p:nvSpPr>
-          <p:cNvPr id="11" name="PA_文本框 8"/>
-          <p:cNvSpPr txBox="1"/>
-          <p:nvPr>
-            <p:custDataLst>
-              <p:tags r:id="rId3"/>
-            </p:custDataLst>
-          </p:nvPr>
-        </p:nvSpPr>
-        <p:spPr>
-          <a:xfrm>
-            <a:off x="837544" y="5425440"/>
-            <a:ext cx="4344055" cy="275590"/>
-          </a:xfrm>
-          <a:prstGeom prst="rect">
-            <a:avLst/>
-          </a:prstGeom>
-          <a:noFill/>
-          <a:effectLst/>
-        </p:spPr>
-        <p:txBody>
-          <a:bodyPr wrap="square" rtlCol="0">
-            <a:spAutoFit/>
-          </a:bodyPr>
-          <a:lstStyle/>
-          <a:p>
-            <a:r>
-              <a:rPr lang="zh-CN" altLang="en-US" sz="1200" dirty="0">
-                <a:solidFill>
-                  <a:schemeClr val="bg1"/>
-                </a:solidFill>
-              </a:rPr>
-              <a:t>演讲人：黄雪朋</a:t>
-            </a:r>
-            <a:r>
-              <a:rPr lang="en-US" altLang="zh-CN" sz="1200" dirty="0">
-                <a:solidFill>
-                  <a:schemeClr val="bg1"/>
-                </a:solidFill>
-              </a:rPr>
-              <a:t>                       </a:t>
-            </a:r>
-            <a:r>
-              <a:rPr lang="zh-CN" altLang="en-US" sz="1200" dirty="0">
-                <a:solidFill>
-                  <a:schemeClr val="bg1"/>
-                </a:solidFill>
-              </a:rPr>
-              <a:t>部门：产品研发部</a:t>
-            </a:r>
-          </a:p>
-        </p:txBody>
-      </p:sp>
-    </p:spTree>
-  </p:cSld>
-  <p:clrMapOvr>
-    <a:masterClrMapping/>
-  </p:clrMapOvr>
-  <mc:AlternateContent xmlns:mc="http://schemas.openxmlformats.org/markup-compatibility/2006" xmlns:p14="http://schemas.microsoft.com/office/powerpoint/2010/main">
-    <mc:Choice Requires="p14">
-      <p:transition spd="slow" p14:dur="1600">
-        <p:blinds dir="vert"/>
-      </p:transition>
-    </mc:Choice>
-    <mc:Fallback xmlns="">
-      <p:transition spd="slow">
-        <p:blinds dir="vert"/>
-      </p:transition>
-    </mc:Fallback>
-  </mc:AlternateContent>
-  <p:timing>
-    <p:tnLst>
-      <p:par>
-        <p:cTn id="1" dur="indefinite" restart="never" nodeType="tmRoot">
-          <p:childTnLst>
-            <p:seq concurrent="1" nextAc="seek">
-              <p:cTn id="2" dur="indefinite" nodeType="mainSeq">
-                <p:childTnLst>
-                  <p:par>
-                    <p:cTn id="3" fill="hold">
-                      <p:stCondLst>
-                        <p:cond delay="indefinite"/>
-                      </p:stCondLst>
-                      <p:childTnLst>
-                        <p:par>
-                          <p:cTn id="4" fill="hold">
-                            <p:stCondLst>
-                              <p:cond delay="0"/>
-                            </p:stCondLst>
-                            <p:childTnLst>
-                              <p:par>
-                                <p:cTn id="5" presetID="2" presetClass="entr" presetSubtype="8" fill="hold" nodeType="clickEffect">
-                                  <p:stCondLst>
-                                    <p:cond delay="0"/>
-                                  </p:stCondLst>
-                                  <p:childTnLst>
-                                    <p:set>
-                                      <p:cBhvr>
-                                        <p:cTn id="6" dur="1" fill="hold">
-                                          <p:stCondLst>
-                                            <p:cond delay="0"/>
-                                          </p:stCondLst>
-                                        </p:cTn>
-                                        <p:tgtEl>
-                                          <p:spTgt spid="29"/>
-                                        </p:tgtEl>
-                                        <p:attrNameLst>
-                                          <p:attrName>style.visibility</p:attrName>
-                                        </p:attrNameLst>
-                                      </p:cBhvr>
-                                      <p:to>
-                                        <p:strVal val="visible"/>
-                                      </p:to>
-                                    </p:set>
-                                    <p:anim calcmode="lin" valueType="num">
-                                      <p:cBhvr additive="base">
-                                        <p:cTn id="7" dur="500" fill="hold"/>
-                                        <p:tgtEl>
-                                          <p:spTgt spid="29"/>
-                                        </p:tgtEl>
-                                        <p:attrNameLst>
-                                          <p:attrName>ppt_x</p:attrName>
-                                        </p:attrNameLst>
-                                      </p:cBhvr>
-                                      <p:tavLst>
-                                        <p:tav tm="0">
-                                          <p:val>
-                                            <p:strVal val="0-#ppt_w/2"/>
-                                          </p:val>
-                                        </p:tav>
-                                        <p:tav tm="100000">
-                                          <p:val>
-                                            <p:strVal val="#ppt_x"/>
-                                          </p:val>
-                                        </p:tav>
-                                      </p:tavLst>
-                                    </p:anim>
-                                    <p:anim calcmode="lin" valueType="num">
-                                      <p:cBhvr additive="base">
-                                        <p:cTn id="8" dur="500" fill="hold"/>
-                                        <p:tgtEl>
-                                          <p:spTgt spid="29"/>
-                                        </p:tgtEl>
-                                        <p:attrNameLst>
-                                          <p:attrName>ppt_y</p:attrName>
-                                        </p:attrNameLst>
-                                      </p:cBhvr>
-                                      <p:tavLst>
-                                        <p:tav tm="0">
-                                          <p:val>
-                                            <p:strVal val="#ppt_y"/>
-                                          </p:val>
-                                        </p:tav>
-                                        <p:tav tm="100000">
-                                          <p:val>
-                                            <p:strVal val="#ppt_y"/>
-                                          </p:val>
-                                        </p:tav>
-                                      </p:tavLst>
-                                    </p:anim>
-                                  </p:childTnLst>
-                                </p:cTn>
-                              </p:par>
-                              <p:par>
-                                <p:cTn id="9" presetID="22" presetClass="entr" presetSubtype="1" fill="hold" nodeType="withEffect">
-                                  <p:stCondLst>
-                                    <p:cond delay="0"/>
-                                  </p:stCondLst>
-                                  <p:childTnLst>
-                                    <p:set>
-                                      <p:cBhvr>
-                                        <p:cTn id="10" dur="1" fill="hold">
-                                          <p:stCondLst>
-                                            <p:cond delay="0"/>
-                                          </p:stCondLst>
-                                        </p:cTn>
-                                        <p:tgtEl>
-                                          <p:spTgt spid="34"/>
-                                        </p:tgtEl>
-                                        <p:attrNameLst>
-                                          <p:attrName>style.visibility</p:attrName>
-                                        </p:attrNameLst>
-                                      </p:cBhvr>
-                                      <p:to>
-                                        <p:strVal val="visible"/>
-                                      </p:to>
-                                    </p:set>
-                                    <p:animEffect transition="in" filter="wipe(up)">
-                                      <p:cBhvr>
-                                        <p:cTn id="11" dur="500"/>
-                                        <p:tgtEl>
-                                          <p:spTgt spid="34"/>
-                                        </p:tgtEl>
-                                      </p:cBhvr>
-                                    </p:animEffect>
-                                  </p:childTnLst>
-                                </p:cTn>
-                              </p:par>
-                              <p:par>
-                                <p:cTn id="12" presetID="22" presetClass="entr" presetSubtype="1" fill="hold" grpId="0" nodeType="withEffect">
-                                  <p:stCondLst>
-                                    <p:cond delay="0"/>
-                                  </p:stCondLst>
-                                  <p:childTnLst>
-                                    <p:set>
-                                      <p:cBhvr>
-                                        <p:cTn id="13" dur="1" fill="hold">
-                                          <p:stCondLst>
-                                            <p:cond delay="0"/>
-                                          </p:stCondLst>
-                                        </p:cTn>
-                                        <p:tgtEl>
-                                          <p:spTgt spid="2"/>
-                                        </p:tgtEl>
-                                        <p:attrNameLst>
-                                          <p:attrName>style.visibility</p:attrName>
-                                        </p:attrNameLst>
-                                      </p:cBhvr>
-                                      <p:to>
-                                        <p:strVal val="visible"/>
-                                      </p:to>
-                                    </p:set>
-                                    <p:animEffect transition="in" filter="wipe(up)">
-                                      <p:cBhvr>
-                                        <p:cTn id="14" dur="500"/>
-                                        <p:tgtEl>
-                                          <p:spTgt spid="2"/>
-                                        </p:tgtEl>
-                                      </p:cBhvr>
-                                    </p:animEffect>
-                                  </p:childTnLst>
-                                </p:cTn>
-                              </p:par>
-                            </p:childTnLst>
-                          </p:cTn>
-                        </p:par>
-                        <p:par>
-                          <p:cTn id="15" fill="hold">
-                            <p:stCondLst>
-                              <p:cond delay="500"/>
-                            </p:stCondLst>
-                            <p:childTnLst>
-                              <p:par>
-                                <p:cTn id="16" presetID="22" presetClass="entr" presetSubtype="4" fill="hold" grpId="0" nodeType="afterEffect">
-                                  <p:stCondLst>
-                                    <p:cond delay="0"/>
-                                  </p:stCondLst>
-                                  <p:childTnLst>
-                                    <p:set>
-                                      <p:cBhvr>
-                                        <p:cTn id="17" dur="1" fill="hold">
-                                          <p:stCondLst>
-                                            <p:cond delay="0"/>
-                                          </p:stCondLst>
-                                        </p:cTn>
-                                        <p:tgtEl>
-                                          <p:spTgt spid="4"/>
-                                        </p:tgtEl>
-                                        <p:attrNameLst>
-                                          <p:attrName>style.visibility</p:attrName>
-                                        </p:attrNameLst>
-                                      </p:cBhvr>
-                                      <p:to>
-                                        <p:strVal val="visible"/>
-                                      </p:to>
-                                    </p:set>
-                                    <p:animEffect transition="in" filter="wipe(down)">
-                                      <p:cBhvr>
-                                        <p:cTn id="18" dur="500"/>
-                                        <p:tgtEl>
-                                          <p:spTgt spid="4"/>
-                                        </p:tgtEl>
-                                      </p:cBhvr>
-                                    </p:animEffect>
-                                  </p:childTnLst>
-                                </p:cTn>
-                              </p:par>
-                              <p:par>
-                                <p:cTn id="19" presetID="22" presetClass="entr" presetSubtype="8" fill="hold" grpId="0" nodeType="withEffect">
-                                  <p:stCondLst>
-                                    <p:cond delay="0"/>
-                                  </p:stCondLst>
-                                  <p:childTnLst>
-                                    <p:set>
-                                      <p:cBhvr>
-                                        <p:cTn id="20" dur="1" fill="hold">
-                                          <p:stCondLst>
-                                            <p:cond delay="0"/>
-                                          </p:stCondLst>
-                                        </p:cTn>
-                                        <p:tgtEl>
-                                          <p:spTgt spid="10"/>
-                                        </p:tgtEl>
-                                        <p:attrNameLst>
-                                          <p:attrName>style.visibility</p:attrName>
-                                        </p:attrNameLst>
-                                      </p:cBhvr>
-                                      <p:to>
-                                        <p:strVal val="visible"/>
-                                      </p:to>
-                                    </p:set>
-                                    <p:animEffect transition="in" filter="wipe(left)">
-                                      <p:cBhvr>
-                                        <p:cTn id="21" dur="500"/>
-                                        <p:tgtEl>
-                                          <p:spTgt spid="10"/>
-                                        </p:tgtEl>
-                                      </p:cBhvr>
-                                    </p:animEffect>
-                                  </p:childTnLst>
-                                </p:cTn>
-                              </p:par>
-                            </p:childTnLst>
-                          </p:cTn>
-                        </p:par>
-                        <p:par>
-                          <p:cTn id="22" fill="hold">
-                            <p:stCondLst>
-                              <p:cond delay="1000"/>
-                            </p:stCondLst>
-                            <p:childTnLst>
-                              <p:par>
-                                <p:cTn id="23" presetID="22" presetClass="entr" presetSubtype="4" fill="hold" grpId="0" nodeType="afterEffect">
-                                  <p:stCondLst>
-                                    <p:cond delay="0"/>
-                                  </p:stCondLst>
-                                  <p:childTnLst>
-                                    <p:set>
-                                      <p:cBhvr>
-                                        <p:cTn id="24" dur="1" fill="hold">
-                                          <p:stCondLst>
-                                            <p:cond delay="0"/>
-                                          </p:stCondLst>
-                                        </p:cTn>
-                                        <p:tgtEl>
-                                          <p:spTgt spid="11"/>
-                                        </p:tgtEl>
-                                        <p:attrNameLst>
-                                          <p:attrName>style.visibility</p:attrName>
-                                        </p:attrNameLst>
-                                      </p:cBhvr>
-                                      <p:to>
-                                        <p:strVal val="visible"/>
-                                      </p:to>
-                                    </p:set>
-                                    <p:animEffect transition="in" filter="wipe(down)">
-                                      <p:cBhvr>
-                                        <p:cTn id="25" dur="500"/>
-                                        <p:tgtEl>
-                                          <p:spTgt spid="11"/>
-                                        </p:tgtEl>
-                                      </p:cBhvr>
-                                    </p:animEffect>
-                                  </p:childTnLst>
-                                </p:cTn>
-                              </p:par>
-                            </p:childTnLst>
-                          </p:cTn>
-                        </p:par>
-                      </p:childTnLst>
-                    </p:cTn>
-                  </p:par>
-                </p:childTnLst>
-              </p:cTn>
-              <p:prevCondLst>
-                <p:cond evt="onPrev" delay="0">
-                  <p:tgtEl>
-                    <p:sldTgt/>
-                  </p:tgtEl>
-                </p:cond>
-              </p:prevCondLst>
-              <p:nextCondLst>
-                <p:cond evt="onNext" delay="0">
-                  <p:tgtEl>
-                    <p:sldTgt/>
-                  </p:tgtEl>
-                </p:cond>
-              </p:nextCondLst>
-            </p:seq>
-          </p:childTnLst>
-        </p:cTn>
-      </p:par>
-    </p:tnLst>
-    <p:bldLst>
-      <p:bldP spid="2" grpId="0"/>
-      <p:bldP spid="2" grpId="1"/>
-      <p:bldP spid="4" grpId="0" animBg="1"/>
-      <p:bldP spid="4" grpId="1" animBg="1"/>
-      <p:bldP spid="10" grpId="0"/>
-      <p:bldP spid="10" grpId="1"/>
-      <p:bldP spid="11" grpId="0" bldLvl="0" animBg="1"/>
-      <p:bldP spid="11" grpId="1" animBg="1"/>
-    </p:bldLst>
-  </p:timing>
-</p:sld>
-</file>
-
-<file path=ppt/slides/slide20.xml><?xml version="1.0" encoding="utf-8"?>
+<file path=ppt/slides/slide21.xml><?xml version="1.0" encoding="utf-8"?>
 <p:sld xmlns:a="http://schemas.openxmlformats.org/drawingml/2006/main" xmlns:r="http://schemas.openxmlformats.org/officeDocument/2006/relationships" xmlns:p="http://schemas.openxmlformats.org/presentationml/2006/main">
   <p:cSld>
     <p:spTree>
@@ -22054,79 +23356,7 @@
               </a:buClr>
               <a:buAutoNum type="arabicPeriod"/>
             </a:pPr>
-            <a:r>
-              <a:rPr lang="zh-CN" altLang="en-US" dirty="0">
-                <a:solidFill>
-                  <a:schemeClr val="tx1">
-                    <a:lumMod val="65000"/>
-                    <a:lumOff val="35000"/>
-                  </a:schemeClr>
-                </a:solidFill>
-                <a:ea typeface="思源黑体 CN Heavy" panose="020B0A00000000000000" pitchFamily="34" charset="-122"/>
-              </a:rPr>
-              <a:t>学习</a:t>
-            </a:r>
-            <a:r>
-              <a:rPr lang="en-US" altLang="zh-CN" dirty="0" err="1">
-                <a:solidFill>
-                  <a:schemeClr val="tx1">
-                    <a:lumMod val="65000"/>
-                    <a:lumOff val="35000"/>
-                  </a:schemeClr>
-                </a:solidFill>
-                <a:ea typeface="思源黑体 CN Heavy" panose="020B0A00000000000000" pitchFamily="34" charset="-122"/>
-              </a:rPr>
-              <a:t>yaml</a:t>
-            </a:r>
-            <a:r>
-              <a:rPr lang="zh-CN" altLang="en-US" dirty="0">
-                <a:solidFill>
-                  <a:schemeClr val="tx1">
-                    <a:lumMod val="65000"/>
-                    <a:lumOff val="35000"/>
-                  </a:schemeClr>
-                </a:solidFill>
-                <a:ea typeface="思源黑体 CN Heavy" panose="020B0A00000000000000" pitchFamily="34" charset="-122"/>
-              </a:rPr>
-              <a:t>，思考开发过程中获取</a:t>
-            </a:r>
-            <a:r>
-              <a:rPr lang="en-US" altLang="zh-CN" dirty="0" err="1">
-                <a:solidFill>
-                  <a:schemeClr val="tx1">
-                    <a:lumMod val="65000"/>
-                    <a:lumOff val="35000"/>
-                  </a:schemeClr>
-                </a:solidFill>
-                <a:ea typeface="思源黑体 CN Heavy" panose="020B0A00000000000000" pitchFamily="34" charset="-122"/>
-              </a:rPr>
-              <a:t>yaml</a:t>
-            </a:r>
-            <a:r>
-              <a:rPr lang="zh-CN" altLang="en-US" dirty="0">
-                <a:solidFill>
-                  <a:schemeClr val="tx1">
-                    <a:lumMod val="65000"/>
-                    <a:lumOff val="35000"/>
-                  </a:schemeClr>
-                </a:solidFill>
-                <a:ea typeface="思源黑体 CN Heavy" panose="020B0A00000000000000" pitchFamily="34" charset="-122"/>
-              </a:rPr>
-              <a:t>中参数</a:t>
-            </a:r>
-            <a:r>
-              <a:rPr lang="zh-CN" altLang="en-US">
-                <a:solidFill>
-                  <a:schemeClr val="tx1">
-                    <a:lumMod val="65000"/>
-                    <a:lumOff val="35000"/>
-                  </a:schemeClr>
-                </a:solidFill>
-                <a:ea typeface="思源黑体 CN Heavy" panose="020B0A00000000000000" pitchFamily="34" charset="-122"/>
-              </a:rPr>
-              <a:t>的时机。</a:t>
-            </a:r>
-            <a:endParaRPr lang="zh-CN" altLang="en-US" dirty="0">
+            <a:endParaRPr lang="en-US" altLang="zh-CN" dirty="0">
               <a:solidFill>
                 <a:schemeClr val="tx1">
                   <a:lumMod val="65000"/>
@@ -22416,7 +23646,7 @@
     </p:spTree>
     <p:extLst>
       <p:ext uri="{BB962C8B-B14F-4D97-AF65-F5344CB8AC3E}">
-        <p14:creationId xmlns:p14="http://schemas.microsoft.com/office/powerpoint/2010/main" val="3481753713"/>
+        <p14:creationId xmlns:p14="http://schemas.microsoft.com/office/powerpoint/2010/main" val="4257423911"/>
       </p:ext>
     </p:extLst>
   </p:cSld>
@@ -22459,10 +23689,15 @@
                             </p:stCondLst>
                             <p:childTnLst>
                               <p:par>
-                                <p:cTn id="5" presetID="12" presetClass="entr" presetSubtype="1" fill="hold" grpId="0" nodeType="afterEffect">
+                                <p:cTn id="5" presetID="12" presetClass="entr" presetSubtype="1" fill="hold" grpId="0" nodeType="afterEffect" nodePh="1">
                                   <p:stCondLst>
                                     <p:cond delay="0"/>
                                   </p:stCondLst>
+                                  <p:endCondLst>
+                                    <p:cond evt="begin" delay="0">
+                                      <p:tn val="5"/>
+                                    </p:cond>
+                                  </p:endCondLst>
                                   <p:childTnLst>
                                     <p:set>
                                       <p:cBhvr>
@@ -23016,10 +24251,10 @@
                 </a:solidFill>
                 <a:ea typeface="思源黑体 CN Heavy" panose="020B0A00000000000000" pitchFamily="34" charset="-122"/>
               </a:rPr>
-              <a:t>grpc</a:t>
-            </a:r>
-            <a:r>
-              <a:rPr lang="en-US" altLang="zh-CN" dirty="0">
+              <a:t>yaml</a:t>
+            </a:r>
+            <a:r>
+              <a:rPr lang="zh-CN" altLang="en-US" dirty="0">
                 <a:solidFill>
                   <a:schemeClr val="tx1">
                     <a:lumMod val="65000"/>
@@ -23028,10 +24263,10 @@
                 </a:solidFill>
                 <a:ea typeface="思源黑体 CN Heavy" panose="020B0A00000000000000" pitchFamily="34" charset="-122"/>
               </a:rPr>
-              <a:t>, </a:t>
-            </a:r>
-            <a:r>
-              <a:rPr lang="zh-CN" altLang="en-US" dirty="0">
+              <a:t>，思考开发过程中获取</a:t>
+            </a:r>
+            <a:r>
+              <a:rPr lang="en-US" altLang="zh-CN" dirty="0" err="1">
                 <a:solidFill>
                   <a:schemeClr val="tx1">
                     <a:lumMod val="65000"/>
@@ -23040,7 +24275,48 @@
                 </a:solidFill>
                 <a:ea typeface="思源黑体 CN Heavy" panose="020B0A00000000000000" pitchFamily="34" charset="-122"/>
               </a:rPr>
-              <a:t>并且实现对操作审计的对接</a:t>
+              <a:t>yaml</a:t>
+            </a:r>
+            <a:r>
+              <a:rPr lang="zh-CN" altLang="en-US" dirty="0">
+                <a:solidFill>
+                  <a:schemeClr val="tx1">
+                    <a:lumMod val="65000"/>
+                    <a:lumOff val="35000"/>
+                  </a:schemeClr>
+                </a:solidFill>
+                <a:ea typeface="思源黑体 CN Heavy" panose="020B0A00000000000000" pitchFamily="34" charset="-122"/>
+              </a:rPr>
+              <a:t>中参数的时机。</a:t>
+            </a:r>
+            <a:endParaRPr lang="en-US" altLang="zh-CN" dirty="0">
+              <a:solidFill>
+                <a:schemeClr val="tx1">
+                  <a:lumMod val="65000"/>
+                  <a:lumOff val="35000"/>
+                </a:schemeClr>
+              </a:solidFill>
+              <a:ea typeface="思源黑体 CN Heavy" panose="020B0A00000000000000" pitchFamily="34" charset="-122"/>
+            </a:endParaRPr>
+          </a:p>
+          <a:p>
+            <a:pPr marL="0" indent="0">
+              <a:buClr>
+                <a:srgbClr val="C00000"/>
+              </a:buClr>
+              <a:buNone/>
+            </a:pPr>
+            <a:r>
+              <a:rPr lang="en-US" altLang="zh-CN" dirty="0">
+                <a:solidFill>
+                  <a:schemeClr val="tx1">
+                    <a:lumMod val="65000"/>
+                    <a:lumOff val="35000"/>
+                  </a:schemeClr>
+                </a:solidFill>
+                <a:ea typeface="思源黑体 CN Heavy" panose="020B0A00000000000000" pitchFamily="34" charset="-122"/>
+              </a:rPr>
+              <a:t>	1. </a:t>
             </a:r>
           </a:p>
         </p:txBody>
@@ -23323,7 +24599,7 @@
     </p:spTree>
     <p:extLst>
       <p:ext uri="{BB962C8B-B14F-4D97-AF65-F5344CB8AC3E}">
-        <p14:creationId xmlns:p14="http://schemas.microsoft.com/office/powerpoint/2010/main" val="3231753703"/>
+        <p14:creationId xmlns:p14="http://schemas.microsoft.com/office/powerpoint/2010/main" val="3481753713"/>
       </p:ext>
     </p:extLst>
   </p:cSld>

--- a/黄雪朋.pptx
+++ b/黄雪朋.pptx
@@ -5,10 +5,10 @@
     <p:sldMasterId id="2147483648" r:id="rId1"/>
   </p:sldMasterIdLst>
   <p:notesMasterIdLst>
-    <p:notesMasterId r:id="rId23"/>
+    <p:notesMasterId r:id="rId25"/>
   </p:notesMasterIdLst>
   <p:handoutMasterIdLst>
-    <p:handoutMasterId r:id="rId24"/>
+    <p:handoutMasterId r:id="rId26"/>
   </p:handoutMasterIdLst>
   <p:sldIdLst>
     <p:sldId id="315" r:id="rId2"/>
@@ -20,23 +20,25 @@
     <p:sldId id="339" r:id="rId8"/>
     <p:sldId id="355" r:id="rId9"/>
     <p:sldId id="352" r:id="rId10"/>
-    <p:sldId id="353" r:id="rId11"/>
-    <p:sldId id="337" r:id="rId12"/>
-    <p:sldId id="354" r:id="rId13"/>
-    <p:sldId id="312" r:id="rId14"/>
-    <p:sldId id="332" r:id="rId15"/>
-    <p:sldId id="313" r:id="rId16"/>
-    <p:sldId id="333" r:id="rId17"/>
-    <p:sldId id="314" r:id="rId18"/>
-    <p:sldId id="334" r:id="rId19"/>
-    <p:sldId id="316" r:id="rId20"/>
-    <p:sldId id="335" r:id="rId21"/>
-    <p:sldId id="351" r:id="rId22"/>
+    <p:sldId id="356" r:id="rId11"/>
+    <p:sldId id="353" r:id="rId12"/>
+    <p:sldId id="357" r:id="rId13"/>
+    <p:sldId id="337" r:id="rId14"/>
+    <p:sldId id="354" r:id="rId15"/>
+    <p:sldId id="312" r:id="rId16"/>
+    <p:sldId id="332" r:id="rId17"/>
+    <p:sldId id="313" r:id="rId18"/>
+    <p:sldId id="333" r:id="rId19"/>
+    <p:sldId id="314" r:id="rId20"/>
+    <p:sldId id="334" r:id="rId21"/>
+    <p:sldId id="316" r:id="rId22"/>
+    <p:sldId id="335" r:id="rId23"/>
+    <p:sldId id="351" r:id="rId24"/>
   </p:sldIdLst>
   <p:sldSz cx="12192000" cy="6858000"/>
   <p:notesSz cx="6858000" cy="9144000"/>
   <p:custDataLst>
-    <p:tags r:id="rId25"/>
+    <p:tags r:id="rId27"/>
   </p:custDataLst>
   <p:defaultTextStyle>
     <a:defPPr>
@@ -234,7 +236,7 @@
           <a:p>
             <a:fld id="{0F9B84EA-7D68-4D60-9CB1-D50884785D1C}" type="datetimeFigureOut">
               <a:rPr lang="zh-CN" altLang="en-US" smtClean="0"/>
-              <a:t>2022/7/27</a:t>
+              <a:t>2022/7/28</a:t>
             </a:fld>
             <a:endParaRPr lang="zh-CN" altLang="en-US"/>
           </a:p>
@@ -394,7 +396,7 @@
           <a:p>
             <a:fld id="{631CA851-5859-4C71-A5BC-9312CA066417}" type="datetimeFigureOut">
               <a:rPr lang="zh-CN" altLang="en-US" smtClean="0"/>
-              <a:t>2022/7/27</a:t>
+              <a:t>2022/7/28</a:t>
             </a:fld>
             <a:endParaRPr lang="zh-CN" altLang="en-US"/>
           </a:p>
@@ -809,7 +811,7 @@
                   <a:prstClr val="black"/>
                 </a:solidFill>
               </a:rPr>
-              <a:t>16</a:t>
+              <a:t>14</a:t>
             </a:fld>
             <a:endParaRPr lang="zh-CN" altLang="en-US">
               <a:solidFill>
@@ -820,6 +822,11 @@
         </p:txBody>
       </p:sp>
     </p:spTree>
+    <p:extLst>
+      <p:ext uri="{BB962C8B-B14F-4D97-AF65-F5344CB8AC3E}">
+        <p14:creationId xmlns:p14="http://schemas.microsoft.com/office/powerpoint/2010/main" val="2196651616"/>
+      </p:ext>
+    </p:extLst>
   </p:cSld>
   <p:clrMapOvr>
     <a:masterClrMapping/>
@@ -901,7 +908,7 @@
                   <a:prstClr val="black"/>
                 </a:solidFill>
               </a:rPr>
-              <a:t>18</a:t>
+              <a:t>16</a:t>
             </a:fld>
             <a:endParaRPr lang="zh-CN" altLang="en-US">
               <a:solidFill>
@@ -993,7 +1000,191 @@
                   <a:prstClr val="black"/>
                 </a:solidFill>
               </a:rPr>
+              <a:t>18</a:t>
+            </a:fld>
+            <a:endParaRPr lang="zh-CN" altLang="en-US">
+              <a:solidFill>
+                <a:prstClr val="black"/>
+              </a:solidFill>
+            </a:endParaRPr>
+          </a:p>
+        </p:txBody>
+      </p:sp>
+    </p:spTree>
+  </p:cSld>
+  <p:clrMapOvr>
+    <a:masterClrMapping/>
+  </p:clrMapOvr>
+</p:notes>
+</file>
+
+<file path=ppt/notesSlides/notesSlide13.xml><?xml version="1.0" encoding="utf-8"?>
+<p:notes xmlns:a="http://schemas.openxmlformats.org/drawingml/2006/main" xmlns:r="http://schemas.openxmlformats.org/officeDocument/2006/relationships" xmlns:p="http://schemas.openxmlformats.org/presentationml/2006/main">
+  <p:cSld>
+    <p:spTree>
+      <p:nvGrpSpPr>
+        <p:cNvPr id="1" name=""/>
+        <p:cNvGrpSpPr/>
+        <p:nvPr/>
+      </p:nvGrpSpPr>
+      <p:grpSpPr>
+        <a:xfrm>
+          <a:off x="0" y="0"/>
+          <a:ext cx="0" cy="0"/>
+          <a:chOff x="0" y="0"/>
+          <a:chExt cx="0" cy="0"/>
+        </a:xfrm>
+      </p:grpSpPr>
+      <p:sp>
+        <p:nvSpPr>
+          <p:cNvPr id="2" name="幻灯片图像占位符 1"/>
+          <p:cNvSpPr>
+            <a:spLocks noGrp="1" noRot="1" noChangeAspect="1"/>
+          </p:cNvSpPr>
+          <p:nvPr>
+            <p:ph type="sldImg"/>
+          </p:nvPr>
+        </p:nvSpPr>
+        <p:spPr>
+          <a:xfrm>
+            <a:off x="381000" y="685800"/>
+            <a:ext cx="6096000" cy="3429000"/>
+          </a:xfrm>
+        </p:spPr>
+      </p:sp>
+      <p:sp>
+        <p:nvSpPr>
+          <p:cNvPr id="3" name="备注占位符 2"/>
+          <p:cNvSpPr>
+            <a:spLocks noGrp="1"/>
+          </p:cNvSpPr>
+          <p:nvPr>
+            <p:ph type="body" idx="1"/>
+          </p:nvPr>
+        </p:nvSpPr>
+        <p:spPr/>
+        <p:txBody>
+          <a:bodyPr/>
+          <a:lstStyle/>
+          <a:p>
+            <a:endParaRPr lang="zh-CN" altLang="en-US" dirty="0"/>
+          </a:p>
+        </p:txBody>
+      </p:sp>
+      <p:sp>
+        <p:nvSpPr>
+          <p:cNvPr id="4" name="灯片编号占位符 3"/>
+          <p:cNvSpPr>
+            <a:spLocks noGrp="1"/>
+          </p:cNvSpPr>
+          <p:nvPr>
+            <p:ph type="sldNum" sz="quarter" idx="10"/>
+          </p:nvPr>
+        </p:nvSpPr>
+        <p:spPr/>
+        <p:txBody>
+          <a:bodyPr/>
+          <a:lstStyle/>
+          <a:p>
+            <a:fld id="{AB2A0F9D-3357-4A94-85C8-3B842B870DC6}" type="slidenum">
+              <a:rPr lang="zh-CN" altLang="en-US" smtClean="0">
+                <a:solidFill>
+                  <a:prstClr val="black"/>
+                </a:solidFill>
+              </a:rPr>
               <a:t>20</a:t>
+            </a:fld>
+            <a:endParaRPr lang="zh-CN" altLang="en-US">
+              <a:solidFill>
+                <a:prstClr val="black"/>
+              </a:solidFill>
+            </a:endParaRPr>
+          </a:p>
+        </p:txBody>
+      </p:sp>
+    </p:spTree>
+  </p:cSld>
+  <p:clrMapOvr>
+    <a:masterClrMapping/>
+  </p:clrMapOvr>
+</p:notes>
+</file>
+
+<file path=ppt/notesSlides/notesSlide14.xml><?xml version="1.0" encoding="utf-8"?>
+<p:notes xmlns:a="http://schemas.openxmlformats.org/drawingml/2006/main" xmlns:r="http://schemas.openxmlformats.org/officeDocument/2006/relationships" xmlns:p="http://schemas.openxmlformats.org/presentationml/2006/main">
+  <p:cSld>
+    <p:spTree>
+      <p:nvGrpSpPr>
+        <p:cNvPr id="1" name=""/>
+        <p:cNvGrpSpPr/>
+        <p:nvPr/>
+      </p:nvGrpSpPr>
+      <p:grpSpPr>
+        <a:xfrm>
+          <a:off x="0" y="0"/>
+          <a:ext cx="0" cy="0"/>
+          <a:chOff x="0" y="0"/>
+          <a:chExt cx="0" cy="0"/>
+        </a:xfrm>
+      </p:grpSpPr>
+      <p:sp>
+        <p:nvSpPr>
+          <p:cNvPr id="2" name="幻灯片图像占位符 1"/>
+          <p:cNvSpPr>
+            <a:spLocks noGrp="1" noRot="1" noChangeAspect="1"/>
+          </p:cNvSpPr>
+          <p:nvPr>
+            <p:ph type="sldImg"/>
+          </p:nvPr>
+        </p:nvSpPr>
+        <p:spPr>
+          <a:xfrm>
+            <a:off x="381000" y="685800"/>
+            <a:ext cx="6096000" cy="3429000"/>
+          </a:xfrm>
+        </p:spPr>
+      </p:sp>
+      <p:sp>
+        <p:nvSpPr>
+          <p:cNvPr id="3" name="备注占位符 2"/>
+          <p:cNvSpPr>
+            <a:spLocks noGrp="1"/>
+          </p:cNvSpPr>
+          <p:nvPr>
+            <p:ph type="body" idx="1"/>
+          </p:nvPr>
+        </p:nvSpPr>
+        <p:spPr/>
+        <p:txBody>
+          <a:bodyPr/>
+          <a:lstStyle/>
+          <a:p>
+            <a:endParaRPr lang="zh-CN" altLang="en-US" dirty="0"/>
+          </a:p>
+        </p:txBody>
+      </p:sp>
+      <p:sp>
+        <p:nvSpPr>
+          <p:cNvPr id="4" name="灯片编号占位符 3"/>
+          <p:cNvSpPr>
+            <a:spLocks noGrp="1"/>
+          </p:cNvSpPr>
+          <p:nvPr>
+            <p:ph type="sldNum" sz="quarter" idx="10"/>
+          </p:nvPr>
+        </p:nvSpPr>
+        <p:spPr/>
+        <p:txBody>
+          <a:bodyPr/>
+          <a:lstStyle/>
+          <a:p>
+            <a:fld id="{AB2A0F9D-3357-4A94-85C8-3B842B870DC6}" type="slidenum">
+              <a:rPr lang="zh-CN" altLang="en-US" smtClean="0">
+                <a:solidFill>
+                  <a:prstClr val="black"/>
+                </a:solidFill>
+              </a:rPr>
+              <a:t>22</a:t>
             </a:fld>
             <a:endParaRPr lang="zh-CN" altLang="en-US">
               <a:solidFill>
@@ -1476,7 +1667,7 @@
     </p:spTree>
     <p:extLst>
       <p:ext uri="{BB962C8B-B14F-4D97-AF65-F5344CB8AC3E}">
-        <p14:creationId xmlns:p14="http://schemas.microsoft.com/office/powerpoint/2010/main" val="2501360553"/>
+        <p14:creationId xmlns:p14="http://schemas.microsoft.com/office/powerpoint/2010/main" val="933909157"/>
       </p:ext>
     </p:extLst>
   </p:cSld>
@@ -1571,6 +1762,11 @@
         </p:txBody>
       </p:sp>
     </p:spTree>
+    <p:extLst>
+      <p:ext uri="{BB962C8B-B14F-4D97-AF65-F5344CB8AC3E}">
+        <p14:creationId xmlns:p14="http://schemas.microsoft.com/office/powerpoint/2010/main" val="2501360553"/>
+      </p:ext>
+    </p:extLst>
   </p:cSld>
   <p:clrMapOvr>
     <a:masterClrMapping/>
@@ -1665,7 +1861,7 @@
     </p:spTree>
     <p:extLst>
       <p:ext uri="{BB962C8B-B14F-4D97-AF65-F5344CB8AC3E}">
-        <p14:creationId xmlns:p14="http://schemas.microsoft.com/office/powerpoint/2010/main" val="2196651616"/>
+        <p14:creationId xmlns:p14="http://schemas.microsoft.com/office/powerpoint/2010/main" val="2114555293"/>
       </p:ext>
     </p:extLst>
   </p:cSld>
@@ -1749,7 +1945,7 @@
                   <a:prstClr val="black"/>
                 </a:solidFill>
               </a:rPr>
-              <a:t>14</a:t>
+              <a:t>13</a:t>
             </a:fld>
             <a:endParaRPr lang="zh-CN" altLang="en-US">
               <a:solidFill>
@@ -1896,7 +2092,7 @@
           <a:p>
             <a:fld id="{2925863B-284D-4CFC-85E6-03AE6B9EFE78}" type="datetimeFigureOut">
               <a:rPr lang="zh-CN" altLang="en-US" smtClean="0"/>
-              <a:t>2022/7/27</a:t>
+              <a:t>2022/7/28</a:t>
             </a:fld>
             <a:endParaRPr lang="zh-CN" altLang="en-US"/>
           </a:p>
@@ -2372,7 +2568,7 @@
           <a:p>
             <a:fld id="{2925863B-284D-4CFC-85E6-03AE6B9EFE78}" type="datetimeFigureOut">
               <a:rPr lang="zh-CN" altLang="en-US" smtClean="0"/>
-              <a:t>2022/7/27</a:t>
+              <a:t>2022/7/28</a:t>
             </a:fld>
             <a:endParaRPr lang="zh-CN" altLang="en-US"/>
           </a:p>
@@ -2462,7 +2658,7 @@
           <a:p>
             <a:fld id="{2925863B-284D-4CFC-85E6-03AE6B9EFE78}" type="datetimeFigureOut">
               <a:rPr lang="zh-CN" altLang="en-US" smtClean="0"/>
-              <a:t>2022/7/27</a:t>
+              <a:t>2022/7/28</a:t>
             </a:fld>
             <a:endParaRPr lang="zh-CN" altLang="en-US"/>
           </a:p>
@@ -2732,7 +2928,7 @@
           <a:p>
             <a:fld id="{2925863B-284D-4CFC-85E6-03AE6B9EFE78}" type="datetimeFigureOut">
               <a:rPr lang="zh-CN" altLang="en-US" smtClean="0"/>
-              <a:t>2022/7/27</a:t>
+              <a:t>2022/7/28</a:t>
             </a:fld>
             <a:endParaRPr lang="zh-CN" altLang="en-US"/>
           </a:p>
@@ -2979,7 +3175,7 @@
           <a:p>
             <a:fld id="{2925863B-284D-4CFC-85E6-03AE6B9EFE78}" type="datetimeFigureOut">
               <a:rPr lang="zh-CN" altLang="en-US" smtClean="0"/>
-              <a:t>2022/7/27</a:t>
+              <a:t>2022/7/28</a:t>
             </a:fld>
             <a:endParaRPr lang="zh-CN" altLang="en-US"/>
           </a:p>
@@ -3211,7 +3407,7 @@
           <a:p>
             <a:fld id="{2925863B-284D-4CFC-85E6-03AE6B9EFE78}" type="datetimeFigureOut">
               <a:rPr lang="zh-CN" altLang="en-US" smtClean="0"/>
-              <a:t>2022/7/27</a:t>
+              <a:t>2022/7/28</a:t>
             </a:fld>
             <a:endParaRPr lang="zh-CN" altLang="en-US"/>
           </a:p>
@@ -3384,7 +3580,7 @@
           <a:p>
             <a:fld id="{2925863B-284D-4CFC-85E6-03AE6B9EFE78}" type="datetimeFigureOut">
               <a:rPr lang="zh-CN" altLang="en-US" smtClean="0"/>
-              <a:t>2022/7/27</a:t>
+              <a:t>2022/7/28</a:t>
             </a:fld>
             <a:endParaRPr lang="zh-CN" altLang="en-US"/>
           </a:p>
@@ -4348,7 +4544,7 @@
           <a:p>
             <a:fld id="{F68C8532-35DB-409E-A833-97770FF9303E}" type="datetime1">
               <a:rPr lang="en-US" smtClean="0"/>
-              <a:t>7/27/2022</a:t>
+              <a:t>7/28/2022</a:t>
             </a:fld>
             <a:endParaRPr lang="en-US"/>
           </a:p>
@@ -4934,7 +5130,7 @@
           <a:p>
             <a:fld id="{2925863B-284D-4CFC-85E6-03AE6B9EFE78}" type="datetimeFigureOut">
               <a:rPr lang="zh-CN" altLang="en-US" smtClean="0"/>
-              <a:t>2022/7/27</a:t>
+              <a:t>2022/7/28</a:t>
             </a:fld>
             <a:endParaRPr lang="zh-CN" altLang="en-US"/>
           </a:p>
@@ -5618,6 +5814,898 @@
         </p:nvSpPr>
         <p:spPr>
           <a:xfrm>
+            <a:off x="643255" y="1905952"/>
+            <a:ext cx="4653280" cy="2922905"/>
+          </a:xfrm>
+          <a:prstGeom prst="rect">
+            <a:avLst/>
+          </a:prstGeom>
+          <a:noFill/>
+          <a:ln>
+            <a:noFill/>
+          </a:ln>
+        </p:spPr>
+        <p:style>
+          <a:lnRef idx="2">
+            <a:schemeClr val="accent1">
+              <a:shade val="50000"/>
+            </a:schemeClr>
+          </a:lnRef>
+          <a:fillRef idx="1">
+            <a:schemeClr val="accent1"/>
+          </a:fillRef>
+          <a:effectRef idx="0">
+            <a:schemeClr val="accent1"/>
+          </a:effectRef>
+          <a:fontRef idx="minor">
+            <a:schemeClr val="lt1"/>
+          </a:fontRef>
+        </p:style>
+        <p:txBody>
+          <a:bodyPr wrap="square" lIns="178172" tIns="0" rIns="178172" bIns="0" rtlCol="0" anchor="t">
+            <a:noAutofit/>
+          </a:bodyPr>
+          <a:lstStyle>
+            <a:defPPr>
+              <a:defRPr lang="zh-CN"/>
+            </a:defPPr>
+            <a:lvl1pPr marL="285750" indent="-285750">
+              <a:lnSpc>
+                <a:spcPct val="120000"/>
+              </a:lnSpc>
+              <a:buClr>
+                <a:schemeClr val="accent1"/>
+              </a:buClr>
+              <a:buFont typeface="Wingdings" panose="05000000000000000000" pitchFamily="2" charset="2"/>
+              <a:buChar char="n"/>
+              <a:defRPr sz="1800" b="1">
+                <a:solidFill>
+                  <a:schemeClr val="bg1">
+                    <a:lumMod val="50000"/>
+                  </a:schemeClr>
+                </a:solidFill>
+                <a:cs typeface="+mn-ea"/>
+              </a:defRPr>
+            </a:lvl1pPr>
+            <a:lvl2pPr>
+              <a:defRPr>
+                <a:solidFill>
+                  <a:schemeClr val="lt1"/>
+                </a:solidFill>
+              </a:defRPr>
+            </a:lvl2pPr>
+            <a:lvl3pPr>
+              <a:defRPr>
+                <a:solidFill>
+                  <a:schemeClr val="lt1"/>
+                </a:solidFill>
+              </a:defRPr>
+            </a:lvl3pPr>
+            <a:lvl4pPr>
+              <a:defRPr>
+                <a:solidFill>
+                  <a:schemeClr val="lt1"/>
+                </a:solidFill>
+              </a:defRPr>
+            </a:lvl4pPr>
+            <a:lvl5pPr>
+              <a:defRPr>
+                <a:solidFill>
+                  <a:schemeClr val="lt1"/>
+                </a:solidFill>
+              </a:defRPr>
+            </a:lvl5pPr>
+            <a:lvl6pPr>
+              <a:defRPr>
+                <a:solidFill>
+                  <a:schemeClr val="lt1"/>
+                </a:solidFill>
+              </a:defRPr>
+            </a:lvl6pPr>
+            <a:lvl7pPr>
+              <a:defRPr>
+                <a:solidFill>
+                  <a:schemeClr val="lt1"/>
+                </a:solidFill>
+              </a:defRPr>
+            </a:lvl7pPr>
+            <a:lvl8pPr>
+              <a:defRPr>
+                <a:solidFill>
+                  <a:schemeClr val="lt1"/>
+                </a:solidFill>
+              </a:defRPr>
+            </a:lvl8pPr>
+            <a:lvl9pPr>
+              <a:defRPr>
+                <a:solidFill>
+                  <a:schemeClr val="lt1"/>
+                </a:solidFill>
+              </a:defRPr>
+            </a:lvl9pPr>
+          </a:lstStyle>
+          <a:p>
+            <a:pPr marL="0" indent="0">
+              <a:buClr>
+                <a:srgbClr val="C00000"/>
+              </a:buClr>
+              <a:buNone/>
+            </a:pPr>
+            <a:r>
+              <a:rPr lang="en-US" altLang="zh-CN" dirty="0">
+                <a:solidFill>
+                  <a:schemeClr val="tx1">
+                    <a:lumMod val="65000"/>
+                    <a:lumOff val="35000"/>
+                  </a:schemeClr>
+                </a:solidFill>
+                <a:ea typeface="思源黑体 CN Heavy" panose="020B0A00000000000000" pitchFamily="34" charset="-122"/>
+              </a:rPr>
+              <a:t>1. </a:t>
+            </a:r>
+            <a:r>
+              <a:rPr lang="zh-CN" altLang="en-US" dirty="0">
+                <a:solidFill>
+                  <a:schemeClr val="tx1">
+                    <a:lumMod val="65000"/>
+                    <a:lumOff val="35000"/>
+                  </a:schemeClr>
+                </a:solidFill>
+                <a:ea typeface="思源黑体 CN Heavy" panose="020B0A00000000000000" pitchFamily="34" charset="-122"/>
+              </a:rPr>
+              <a:t>完成操作审计的模块和分类的书写</a:t>
+            </a:r>
+            <a:endParaRPr lang="en-US" altLang="zh-CN" dirty="0">
+              <a:solidFill>
+                <a:schemeClr val="tx1">
+                  <a:lumMod val="65000"/>
+                  <a:lumOff val="35000"/>
+                </a:schemeClr>
+              </a:solidFill>
+              <a:ea typeface="思源黑体 CN Heavy" panose="020B0A00000000000000" pitchFamily="34" charset="-122"/>
+            </a:endParaRPr>
+          </a:p>
+        </p:txBody>
+      </p:sp>
+      <p:sp>
+        <p:nvSpPr>
+          <p:cNvPr id="37" name="文本框 145"/>
+          <p:cNvSpPr txBox="1"/>
+          <p:nvPr/>
+        </p:nvSpPr>
+        <p:spPr>
+          <a:xfrm>
+            <a:off x="732347" y="3000062"/>
+            <a:ext cx="2352000" cy="413563"/>
+          </a:xfrm>
+          <a:prstGeom prst="rect">
+            <a:avLst/>
+          </a:prstGeom>
+          <a:noFill/>
+          <a:ln>
+            <a:noFill/>
+          </a:ln>
+        </p:spPr>
+        <p:style>
+          <a:lnRef idx="2">
+            <a:schemeClr val="accent1">
+              <a:shade val="50000"/>
+            </a:schemeClr>
+          </a:lnRef>
+          <a:fillRef idx="1">
+            <a:schemeClr val="accent1"/>
+          </a:fillRef>
+          <a:effectRef idx="0">
+            <a:schemeClr val="accent1"/>
+          </a:effectRef>
+          <a:fontRef idx="minor">
+            <a:schemeClr val="lt1"/>
+          </a:fontRef>
+        </p:style>
+        <p:txBody>
+          <a:bodyPr wrap="square" lIns="178172" tIns="0" rIns="178172" bIns="0" rtlCol="0" anchor="t">
+            <a:noAutofit/>
+          </a:bodyPr>
+          <a:lstStyle>
+            <a:defPPr>
+              <a:defRPr lang="zh-CN"/>
+            </a:defPPr>
+            <a:lvl1pPr marL="285750" indent="-285750">
+              <a:lnSpc>
+                <a:spcPct val="120000"/>
+              </a:lnSpc>
+              <a:buClr>
+                <a:schemeClr val="accent1"/>
+              </a:buClr>
+              <a:buFont typeface="Wingdings" panose="05000000000000000000" pitchFamily="2" charset="2"/>
+              <a:buChar char="n"/>
+              <a:defRPr sz="1800" b="1">
+                <a:solidFill>
+                  <a:schemeClr val="bg1">
+                    <a:lumMod val="50000"/>
+                  </a:schemeClr>
+                </a:solidFill>
+                <a:cs typeface="+mn-ea"/>
+              </a:defRPr>
+            </a:lvl1pPr>
+            <a:lvl2pPr>
+              <a:defRPr>
+                <a:solidFill>
+                  <a:schemeClr val="lt1"/>
+                </a:solidFill>
+              </a:defRPr>
+            </a:lvl2pPr>
+            <a:lvl3pPr>
+              <a:defRPr>
+                <a:solidFill>
+                  <a:schemeClr val="lt1"/>
+                </a:solidFill>
+              </a:defRPr>
+            </a:lvl3pPr>
+            <a:lvl4pPr>
+              <a:defRPr>
+                <a:solidFill>
+                  <a:schemeClr val="lt1"/>
+                </a:solidFill>
+              </a:defRPr>
+            </a:lvl4pPr>
+            <a:lvl5pPr>
+              <a:defRPr>
+                <a:solidFill>
+                  <a:schemeClr val="lt1"/>
+                </a:solidFill>
+              </a:defRPr>
+            </a:lvl5pPr>
+            <a:lvl6pPr>
+              <a:defRPr>
+                <a:solidFill>
+                  <a:schemeClr val="lt1"/>
+                </a:solidFill>
+              </a:defRPr>
+            </a:lvl6pPr>
+            <a:lvl7pPr>
+              <a:defRPr>
+                <a:solidFill>
+                  <a:schemeClr val="lt1"/>
+                </a:solidFill>
+              </a:defRPr>
+            </a:lvl7pPr>
+            <a:lvl8pPr>
+              <a:defRPr>
+                <a:solidFill>
+                  <a:schemeClr val="lt1"/>
+                </a:solidFill>
+              </a:defRPr>
+            </a:lvl8pPr>
+            <a:lvl9pPr>
+              <a:defRPr>
+                <a:solidFill>
+                  <a:schemeClr val="lt1"/>
+                </a:solidFill>
+              </a:defRPr>
+            </a:lvl9pPr>
+          </a:lstStyle>
+          <a:p>
+            <a:pPr marL="0" indent="0">
+              <a:buClr>
+                <a:srgbClr val="C00000"/>
+              </a:buClr>
+              <a:buNone/>
+            </a:pPr>
+            <a:endParaRPr lang="zh-CN" altLang="en-US" dirty="0">
+              <a:solidFill>
+                <a:schemeClr val="tx1">
+                  <a:lumMod val="65000"/>
+                  <a:lumOff val="35000"/>
+                </a:schemeClr>
+              </a:solidFill>
+              <a:ea typeface="思源黑体 CN Heavy" panose="020B0A00000000000000" pitchFamily="34" charset="-122"/>
+            </a:endParaRPr>
+          </a:p>
+        </p:txBody>
+      </p:sp>
+      <p:sp>
+        <p:nvSpPr>
+          <p:cNvPr id="38" name="矩形 37"/>
+          <p:cNvSpPr/>
+          <p:nvPr/>
+        </p:nvSpPr>
+        <p:spPr>
+          <a:xfrm>
+            <a:off x="6412865" y="1329690"/>
+            <a:ext cx="4483100" cy="2037715"/>
+          </a:xfrm>
+          <a:prstGeom prst="rect">
+            <a:avLst/>
+          </a:prstGeom>
+          <a:solidFill>
+            <a:schemeClr val="bg2"/>
+          </a:solidFill>
+          <a:ln>
+            <a:noFill/>
+          </a:ln>
+        </p:spPr>
+        <p:style>
+          <a:lnRef idx="2">
+            <a:schemeClr val="accent1">
+              <a:shade val="50000"/>
+            </a:schemeClr>
+          </a:lnRef>
+          <a:fillRef idx="1">
+            <a:schemeClr val="accent1"/>
+          </a:fillRef>
+          <a:effectRef idx="0">
+            <a:schemeClr val="accent1"/>
+          </a:effectRef>
+          <a:fontRef idx="minor">
+            <a:schemeClr val="lt1"/>
+          </a:fontRef>
+        </p:style>
+        <p:txBody>
+          <a:bodyPr rtlCol="0" anchor="ctr"/>
+          <a:lstStyle/>
+          <a:p>
+            <a:pPr algn="ctr"/>
+            <a:endParaRPr lang="zh-CN" altLang="en-US"/>
+          </a:p>
+        </p:txBody>
+      </p:sp>
+      <p:sp>
+        <p:nvSpPr>
+          <p:cNvPr id="39" name="矩形 38"/>
+          <p:cNvSpPr/>
+          <p:nvPr/>
+        </p:nvSpPr>
+        <p:spPr>
+          <a:xfrm>
+            <a:off x="6412865" y="3549015"/>
+            <a:ext cx="2160270" cy="2104390"/>
+          </a:xfrm>
+          <a:prstGeom prst="rect">
+            <a:avLst/>
+          </a:prstGeom>
+          <a:solidFill>
+            <a:schemeClr val="bg2"/>
+          </a:solidFill>
+          <a:ln>
+            <a:noFill/>
+          </a:ln>
+        </p:spPr>
+        <p:style>
+          <a:lnRef idx="2">
+            <a:schemeClr val="accent1">
+              <a:shade val="50000"/>
+            </a:schemeClr>
+          </a:lnRef>
+          <a:fillRef idx="1">
+            <a:schemeClr val="accent1"/>
+          </a:fillRef>
+          <a:effectRef idx="0">
+            <a:schemeClr val="accent1"/>
+          </a:effectRef>
+          <a:fontRef idx="minor">
+            <a:schemeClr val="lt1"/>
+          </a:fontRef>
+        </p:style>
+        <p:txBody>
+          <a:bodyPr rtlCol="0" anchor="ctr"/>
+          <a:lstStyle/>
+          <a:p>
+            <a:pPr algn="ctr"/>
+            <a:endParaRPr lang="zh-CN" altLang="en-US"/>
+          </a:p>
+        </p:txBody>
+      </p:sp>
+      <p:sp>
+        <p:nvSpPr>
+          <p:cNvPr id="40" name="矩形 39"/>
+          <p:cNvSpPr/>
+          <p:nvPr/>
+        </p:nvSpPr>
+        <p:spPr>
+          <a:xfrm>
+            <a:off x="8720455" y="3548380"/>
+            <a:ext cx="2160270" cy="2104390"/>
+          </a:xfrm>
+          <a:prstGeom prst="rect">
+            <a:avLst/>
+          </a:prstGeom>
+          <a:solidFill>
+            <a:schemeClr val="bg2"/>
+          </a:solidFill>
+          <a:ln>
+            <a:noFill/>
+          </a:ln>
+        </p:spPr>
+        <p:style>
+          <a:lnRef idx="2">
+            <a:schemeClr val="accent1">
+              <a:shade val="50000"/>
+            </a:schemeClr>
+          </a:lnRef>
+          <a:fillRef idx="1">
+            <a:schemeClr val="accent1"/>
+          </a:fillRef>
+          <a:effectRef idx="0">
+            <a:schemeClr val="accent1"/>
+          </a:effectRef>
+          <a:fontRef idx="minor">
+            <a:schemeClr val="lt1"/>
+          </a:fontRef>
+        </p:style>
+        <p:txBody>
+          <a:bodyPr rtlCol="0" anchor="ctr"/>
+          <a:lstStyle/>
+          <a:p>
+            <a:pPr algn="ctr"/>
+            <a:endParaRPr lang="zh-CN" altLang="en-US"/>
+          </a:p>
+        </p:txBody>
+      </p:sp>
+    </p:spTree>
+    <p:extLst>
+      <p:ext uri="{BB962C8B-B14F-4D97-AF65-F5344CB8AC3E}">
+        <p14:creationId xmlns:p14="http://schemas.microsoft.com/office/powerpoint/2010/main" val="3654062472"/>
+      </p:ext>
+    </p:extLst>
+  </p:cSld>
+  <p:clrMapOvr>
+    <a:masterClrMapping/>
+  </p:clrMapOvr>
+  <mc:AlternateContent xmlns:mc="http://schemas.openxmlformats.org/markup-compatibility/2006" xmlns:p14="http://schemas.microsoft.com/office/powerpoint/2010/main">
+    <mc:Choice Requires="p14">
+      <p:transition spd="slow" p14:dur="1600">
+        <p:blinds dir="vert"/>
+      </p:transition>
+    </mc:Choice>
+    <mc:Fallback xmlns="">
+      <p:transition spd="slow">
+        <p:blinds dir="vert"/>
+      </p:transition>
+    </mc:Fallback>
+  </mc:AlternateContent>
+  <p:timing>
+    <p:tnLst>
+      <p:par>
+        <p:cTn id="1" dur="indefinite" restart="never" nodeType="tmRoot">
+          <p:childTnLst>
+            <p:seq concurrent="1" nextAc="seek">
+              <p:cTn id="2" dur="indefinite" nodeType="mainSeq">
+                <p:childTnLst>
+                  <p:par>
+                    <p:cTn id="3" fill="hold">
+                      <p:stCondLst>
+                        <p:cond delay="indefinite"/>
+                        <p:cond evt="onBegin" delay="0">
+                          <p:tn val="2"/>
+                        </p:cond>
+                      </p:stCondLst>
+                      <p:childTnLst>
+                        <p:par>
+                          <p:cTn id="4" fill="hold">
+                            <p:stCondLst>
+                              <p:cond delay="0"/>
+                            </p:stCondLst>
+                            <p:childTnLst>
+                              <p:par>
+                                <p:cTn id="5" presetID="12" presetClass="entr" presetSubtype="1" fill="hold" grpId="0" nodeType="afterEffect">
+                                  <p:stCondLst>
+                                    <p:cond delay="0"/>
+                                  </p:stCondLst>
+                                  <p:childTnLst>
+                                    <p:set>
+                                      <p:cBhvr>
+                                        <p:cTn id="6" dur="1" fill="hold">
+                                          <p:stCondLst>
+                                            <p:cond delay="0"/>
+                                          </p:stCondLst>
+                                        </p:cTn>
+                                        <p:tgtEl>
+                                          <p:spTgt spid="45"/>
+                                        </p:tgtEl>
+                                        <p:attrNameLst>
+                                          <p:attrName>style.visibility</p:attrName>
+                                        </p:attrNameLst>
+                                      </p:cBhvr>
+                                      <p:to>
+                                        <p:strVal val="visible"/>
+                                      </p:to>
+                                    </p:set>
+                                    <p:anim calcmode="lin" valueType="num">
+                                      <p:cBhvr additive="base">
+                                        <p:cTn id="7" dur="500"/>
+                                        <p:tgtEl>
+                                          <p:spTgt spid="45"/>
+                                        </p:tgtEl>
+                                        <p:attrNameLst>
+                                          <p:attrName>ppt_y</p:attrName>
+                                        </p:attrNameLst>
+                                      </p:cBhvr>
+                                      <p:tavLst>
+                                        <p:tav tm="0">
+                                          <p:val>
+                                            <p:strVal val="#ppt_y-#ppt_h*1.125000"/>
+                                          </p:val>
+                                        </p:tav>
+                                        <p:tav tm="100000">
+                                          <p:val>
+                                            <p:strVal val="#ppt_y"/>
+                                          </p:val>
+                                        </p:tav>
+                                      </p:tavLst>
+                                    </p:anim>
+                                    <p:animEffect transition="in" filter="wipe(down)">
+                                      <p:cBhvr>
+                                        <p:cTn id="8" dur="500"/>
+                                        <p:tgtEl>
+                                          <p:spTgt spid="45"/>
+                                        </p:tgtEl>
+                                      </p:cBhvr>
+                                    </p:animEffect>
+                                  </p:childTnLst>
+                                </p:cTn>
+                              </p:par>
+                            </p:childTnLst>
+                          </p:cTn>
+                        </p:par>
+                        <p:par>
+                          <p:cTn id="9" fill="hold">
+                            <p:stCondLst>
+                              <p:cond delay="500"/>
+                            </p:stCondLst>
+                            <p:childTnLst>
+                              <p:par>
+                                <p:cTn id="10" presetID="22" presetClass="entr" presetSubtype="1" fill="hold" grpId="0" nodeType="afterEffect">
+                                  <p:stCondLst>
+                                    <p:cond delay="0"/>
+                                  </p:stCondLst>
+                                  <p:childTnLst>
+                                    <p:set>
+                                      <p:cBhvr>
+                                        <p:cTn id="11" dur="1" fill="hold">
+                                          <p:stCondLst>
+                                            <p:cond delay="0"/>
+                                          </p:stCondLst>
+                                        </p:cTn>
+                                        <p:tgtEl>
+                                          <p:spTgt spid="44"/>
+                                        </p:tgtEl>
+                                        <p:attrNameLst>
+                                          <p:attrName>style.visibility</p:attrName>
+                                        </p:attrNameLst>
+                                      </p:cBhvr>
+                                      <p:to>
+                                        <p:strVal val="visible"/>
+                                      </p:to>
+                                    </p:set>
+                                    <p:animEffect transition="in" filter="wipe(up)">
+                                      <p:cBhvr>
+                                        <p:cTn id="12" dur="500"/>
+                                        <p:tgtEl>
+                                          <p:spTgt spid="44"/>
+                                        </p:tgtEl>
+                                      </p:cBhvr>
+                                    </p:animEffect>
+                                  </p:childTnLst>
+                                </p:cTn>
+                              </p:par>
+                            </p:childTnLst>
+                          </p:cTn>
+                        </p:par>
+                        <p:par>
+                          <p:cTn id="13" fill="hold">
+                            <p:stCondLst>
+                              <p:cond delay="1000"/>
+                            </p:stCondLst>
+                            <p:childTnLst>
+                              <p:par>
+                                <p:cTn id="14" presetID="12" presetClass="entr" presetSubtype="1" fill="hold" grpId="0" nodeType="afterEffect">
+                                  <p:stCondLst>
+                                    <p:cond delay="0"/>
+                                  </p:stCondLst>
+                                  <p:childTnLst>
+                                    <p:set>
+                                      <p:cBhvr>
+                                        <p:cTn id="15" dur="1" fill="hold">
+                                          <p:stCondLst>
+                                            <p:cond delay="0"/>
+                                          </p:stCondLst>
+                                        </p:cTn>
+                                        <p:tgtEl>
+                                          <p:spTgt spid="37"/>
+                                        </p:tgtEl>
+                                        <p:attrNameLst>
+                                          <p:attrName>style.visibility</p:attrName>
+                                        </p:attrNameLst>
+                                      </p:cBhvr>
+                                      <p:to>
+                                        <p:strVal val="visible"/>
+                                      </p:to>
+                                    </p:set>
+                                    <p:anim calcmode="lin" valueType="num">
+                                      <p:cBhvr additive="base">
+                                        <p:cTn id="16" dur="500"/>
+                                        <p:tgtEl>
+                                          <p:spTgt spid="37"/>
+                                        </p:tgtEl>
+                                        <p:attrNameLst>
+                                          <p:attrName>ppt_y</p:attrName>
+                                        </p:attrNameLst>
+                                      </p:cBhvr>
+                                      <p:tavLst>
+                                        <p:tav tm="0">
+                                          <p:val>
+                                            <p:strVal val="#ppt_y-#ppt_h*1.125000"/>
+                                          </p:val>
+                                        </p:tav>
+                                        <p:tav tm="100000">
+                                          <p:val>
+                                            <p:strVal val="#ppt_y"/>
+                                          </p:val>
+                                        </p:tav>
+                                      </p:tavLst>
+                                    </p:anim>
+                                    <p:animEffect transition="in" filter="wipe(down)">
+                                      <p:cBhvr>
+                                        <p:cTn id="17" dur="500"/>
+                                        <p:tgtEl>
+                                          <p:spTgt spid="37"/>
+                                        </p:tgtEl>
+                                      </p:cBhvr>
+                                    </p:animEffect>
+                                  </p:childTnLst>
+                                </p:cTn>
+                              </p:par>
+                            </p:childTnLst>
+                          </p:cTn>
+                        </p:par>
+                      </p:childTnLst>
+                    </p:cTn>
+                  </p:par>
+                </p:childTnLst>
+              </p:cTn>
+              <p:prevCondLst>
+                <p:cond evt="onPrev" delay="0">
+                  <p:tgtEl>
+                    <p:sldTgt/>
+                  </p:tgtEl>
+                </p:cond>
+              </p:prevCondLst>
+              <p:nextCondLst>
+                <p:cond evt="onNext" delay="0">
+                  <p:tgtEl>
+                    <p:sldTgt/>
+                  </p:tgtEl>
+                </p:cond>
+              </p:nextCondLst>
+            </p:seq>
+          </p:childTnLst>
+        </p:cTn>
+      </p:par>
+    </p:tnLst>
+    <p:bldLst>
+      <p:bldP spid="44" grpId="0"/>
+      <p:bldP spid="44" grpId="1"/>
+      <p:bldP spid="45" grpId="0" bldLvl="0" animBg="1"/>
+      <p:bldP spid="37" grpId="0" bldLvl="0" animBg="1"/>
+    </p:bldLst>
+  </p:timing>
+</p:sld>
+</file>
+
+<file path=ppt/slides/slide11.xml><?xml version="1.0" encoding="utf-8"?>
+<p:sld xmlns:a="http://schemas.openxmlformats.org/drawingml/2006/main" xmlns:r="http://schemas.openxmlformats.org/officeDocument/2006/relationships" xmlns:p="http://schemas.openxmlformats.org/presentationml/2006/main">
+  <p:cSld>
+    <p:spTree>
+      <p:nvGrpSpPr>
+        <p:cNvPr id="1" name=""/>
+        <p:cNvGrpSpPr/>
+        <p:nvPr/>
+      </p:nvGrpSpPr>
+      <p:grpSpPr>
+        <a:xfrm>
+          <a:off x="0" y="0"/>
+          <a:ext cx="0" cy="0"/>
+          <a:chOff x="0" y="0"/>
+          <a:chExt cx="0" cy="0"/>
+        </a:xfrm>
+      </p:grpSpPr>
+      <p:sp>
+        <p:nvSpPr>
+          <p:cNvPr id="18" name="文本框 17"/>
+          <p:cNvSpPr txBox="1"/>
+          <p:nvPr/>
+        </p:nvSpPr>
+        <p:spPr>
+          <a:xfrm>
+            <a:off x="643255" y="180340"/>
+            <a:ext cx="1612900" cy="521970"/>
+          </a:xfrm>
+          <a:prstGeom prst="rect">
+            <a:avLst/>
+          </a:prstGeom>
+          <a:noFill/>
+        </p:spPr>
+        <p:txBody>
+          <a:bodyPr wrap="none" rtlCol="0">
+            <a:spAutoFit/>
+          </a:bodyPr>
+          <a:lstStyle/>
+          <a:p>
+            <a:r>
+              <a:rPr lang="zh-CN" altLang="en-US" sz="2800" b="1" dirty="0">
+                <a:solidFill>
+                  <a:schemeClr val="bg1"/>
+                </a:solidFill>
+                <a:ea typeface="思源黑体 CN Heavy" panose="020B0A00000000000000" pitchFamily="34" charset="-122"/>
+              </a:rPr>
+              <a:t>工作总结</a:t>
+            </a:r>
+          </a:p>
+        </p:txBody>
+      </p:sp>
+      <p:sp>
+        <p:nvSpPr>
+          <p:cNvPr id="44" name="文本框 146"/>
+          <p:cNvSpPr txBox="1"/>
+          <p:nvPr/>
+        </p:nvSpPr>
+        <p:spPr>
+          <a:xfrm>
+            <a:off x="915035" y="1696720"/>
+            <a:ext cx="4883150" cy="1303655"/>
+          </a:xfrm>
+          <a:prstGeom prst="rect">
+            <a:avLst/>
+          </a:prstGeom>
+          <a:noFill/>
+          <a:ln w="9525">
+            <a:noFill/>
+            <a:miter lim="800000"/>
+          </a:ln>
+          <a:extLst>
+            <a:ext uri="{909E8E84-426E-40DD-AFC4-6F175D3DCCD1}">
+              <a14:hiddenFill xmlns:a14="http://schemas.microsoft.com/office/drawing/2010/main">
+                <a:solidFill>
+                  <a:srgbClr val="FFFFFF"/>
+                </a:solidFill>
+              </a14:hiddenFill>
+            </a:ext>
+          </a:extLst>
+        </p:spPr>
+        <p:txBody>
+          <a:bodyPr lIns="135785" tIns="67891" rIns="135785" bIns="67891">
+            <a:noAutofit/>
+          </a:bodyPr>
+          <a:lstStyle>
+            <a:defPPr>
+              <a:defRPr lang="zh-CN"/>
+            </a:defPPr>
+            <a:lvl1pPr fontAlgn="base">
+              <a:lnSpc>
+                <a:spcPct val="110000"/>
+              </a:lnSpc>
+              <a:spcBef>
+                <a:spcPct val="0"/>
+              </a:spcBef>
+              <a:spcAft>
+                <a:spcPct val="0"/>
+              </a:spcAft>
+              <a:defRPr sz="1400">
+                <a:solidFill>
+                  <a:prstClr val="black">
+                    <a:lumMod val="50000"/>
+                    <a:lumOff val="50000"/>
+                  </a:prstClr>
+                </a:solidFill>
+                <a:latin typeface="Arial" panose="020B0604020202020204"/>
+                <a:cs typeface="+mn-ea"/>
+              </a:defRPr>
+            </a:lvl1pPr>
+            <a:lvl2pPr marL="457200" fontAlgn="base">
+              <a:spcBef>
+                <a:spcPct val="0"/>
+              </a:spcBef>
+              <a:spcAft>
+                <a:spcPct val="0"/>
+              </a:spcAft>
+              <a:defRPr>
+                <a:latin typeface="Calibri" panose="020F0502020204030204" pitchFamily="34" charset="0"/>
+                <a:cs typeface="Arial" panose="020B0604020202020204" pitchFamily="34" charset="0"/>
+              </a:defRPr>
+            </a:lvl2pPr>
+            <a:lvl3pPr marL="914400" fontAlgn="base">
+              <a:spcBef>
+                <a:spcPct val="0"/>
+              </a:spcBef>
+              <a:spcAft>
+                <a:spcPct val="0"/>
+              </a:spcAft>
+              <a:defRPr>
+                <a:latin typeface="Calibri" panose="020F0502020204030204" pitchFamily="34" charset="0"/>
+                <a:cs typeface="Arial" panose="020B0604020202020204" pitchFamily="34" charset="0"/>
+              </a:defRPr>
+            </a:lvl3pPr>
+            <a:lvl4pPr marL="1371600" fontAlgn="base">
+              <a:spcBef>
+                <a:spcPct val="0"/>
+              </a:spcBef>
+              <a:spcAft>
+                <a:spcPct val="0"/>
+              </a:spcAft>
+              <a:defRPr>
+                <a:latin typeface="Calibri" panose="020F0502020204030204" pitchFamily="34" charset="0"/>
+                <a:cs typeface="Arial" panose="020B0604020202020204" pitchFamily="34" charset="0"/>
+              </a:defRPr>
+            </a:lvl4pPr>
+            <a:lvl5pPr marL="1828800" fontAlgn="base">
+              <a:spcBef>
+                <a:spcPct val="0"/>
+              </a:spcBef>
+              <a:spcAft>
+                <a:spcPct val="0"/>
+              </a:spcAft>
+              <a:defRPr>
+                <a:latin typeface="Calibri" panose="020F0502020204030204" pitchFamily="34" charset="0"/>
+                <a:cs typeface="Arial" panose="020B0604020202020204" pitchFamily="34" charset="0"/>
+              </a:defRPr>
+            </a:lvl5pPr>
+            <a:lvl6pPr marL="2286000" defTabSz="914400">
+              <a:defRPr>
+                <a:latin typeface="Calibri" panose="020F0502020204030204" pitchFamily="34" charset="0"/>
+                <a:cs typeface="Arial" panose="020B0604020202020204" pitchFamily="34" charset="0"/>
+              </a:defRPr>
+            </a:lvl6pPr>
+            <a:lvl7pPr marL="2743200" defTabSz="914400">
+              <a:defRPr>
+                <a:latin typeface="Calibri" panose="020F0502020204030204" pitchFamily="34" charset="0"/>
+                <a:cs typeface="Arial" panose="020B0604020202020204" pitchFamily="34" charset="0"/>
+              </a:defRPr>
+            </a:lvl7pPr>
+            <a:lvl8pPr marL="3200400" defTabSz="914400">
+              <a:defRPr>
+                <a:latin typeface="Calibri" panose="020F0502020204030204" pitchFamily="34" charset="0"/>
+                <a:cs typeface="Arial" panose="020B0604020202020204" pitchFamily="34" charset="0"/>
+              </a:defRPr>
+            </a:lvl8pPr>
+            <a:lvl9pPr marL="3657600" defTabSz="914400">
+              <a:defRPr>
+                <a:latin typeface="Calibri" panose="020F0502020204030204" pitchFamily="34" charset="0"/>
+                <a:cs typeface="Arial" panose="020B0604020202020204" pitchFamily="34" charset="0"/>
+              </a:defRPr>
+            </a:lvl9pPr>
+          </a:lstStyle>
+          <a:p>
+            <a:endParaRPr lang="zh-CN" altLang="en-US" sz="1800" b="1" dirty="0">
+              <a:solidFill>
+                <a:prstClr val="black">
+                  <a:lumMod val="50000"/>
+                  <a:lumOff val="50000"/>
+                </a:prstClr>
+              </a:solidFill>
+              <a:effectLst>
+                <a:outerShdw blurRad="38100" dist="38100" dir="2700000" algn="tl">
+                  <a:srgbClr val="000000">
+                    <a:alpha val="30000"/>
+                  </a:srgbClr>
+                </a:outerShdw>
+              </a:effectLst>
+              <a:uFillTx/>
+              <a:latin typeface="华文中宋" panose="02010600040101010101" charset="-122"/>
+              <a:ea typeface="华文中宋" panose="02010600040101010101" charset="-122"/>
+              <a:cs typeface="Arial" panose="020B0604020202020204" pitchFamily="34" charset="0"/>
+            </a:endParaRPr>
+          </a:p>
+        </p:txBody>
+      </p:sp>
+      <p:sp>
+        <p:nvSpPr>
+          <p:cNvPr id="45" name="文本框 145"/>
+          <p:cNvSpPr txBox="1"/>
+          <p:nvPr/>
+        </p:nvSpPr>
+        <p:spPr>
+          <a:xfrm>
             <a:off x="732155" y="1842770"/>
             <a:ext cx="4653280" cy="2922905"/>
           </a:xfrm>
@@ -6609,7 +7697,1064 @@
 </p:sld>
 </file>
 
-<file path=ppt/slides/slide11.xml><?xml version="1.0" encoding="utf-8"?>
+<file path=ppt/slides/slide12.xml><?xml version="1.0" encoding="utf-8"?>
+<p:sld xmlns:a="http://schemas.openxmlformats.org/drawingml/2006/main" xmlns:r="http://schemas.openxmlformats.org/officeDocument/2006/relationships" xmlns:p="http://schemas.openxmlformats.org/presentationml/2006/main">
+  <p:cSld>
+    <p:spTree>
+      <p:nvGrpSpPr>
+        <p:cNvPr id="1" name=""/>
+        <p:cNvGrpSpPr/>
+        <p:nvPr/>
+      </p:nvGrpSpPr>
+      <p:grpSpPr>
+        <a:xfrm>
+          <a:off x="0" y="0"/>
+          <a:ext cx="0" cy="0"/>
+          <a:chOff x="0" y="0"/>
+          <a:chExt cx="0" cy="0"/>
+        </a:xfrm>
+      </p:grpSpPr>
+      <p:sp>
+        <p:nvSpPr>
+          <p:cNvPr id="18" name="文本框 17"/>
+          <p:cNvSpPr txBox="1"/>
+          <p:nvPr/>
+        </p:nvSpPr>
+        <p:spPr>
+          <a:xfrm>
+            <a:off x="643255" y="180340"/>
+            <a:ext cx="1612900" cy="521970"/>
+          </a:xfrm>
+          <a:prstGeom prst="rect">
+            <a:avLst/>
+          </a:prstGeom>
+          <a:noFill/>
+        </p:spPr>
+        <p:txBody>
+          <a:bodyPr wrap="none" rtlCol="0">
+            <a:spAutoFit/>
+          </a:bodyPr>
+          <a:lstStyle/>
+          <a:p>
+            <a:r>
+              <a:rPr lang="zh-CN" altLang="en-US" sz="2800" b="1" dirty="0">
+                <a:solidFill>
+                  <a:schemeClr val="bg1"/>
+                </a:solidFill>
+                <a:ea typeface="思源黑体 CN Heavy" panose="020B0A00000000000000" pitchFamily="34" charset="-122"/>
+              </a:rPr>
+              <a:t>工作总结</a:t>
+            </a:r>
+          </a:p>
+        </p:txBody>
+      </p:sp>
+      <p:sp>
+        <p:nvSpPr>
+          <p:cNvPr id="44" name="文本框 146"/>
+          <p:cNvSpPr txBox="1"/>
+          <p:nvPr/>
+        </p:nvSpPr>
+        <p:spPr>
+          <a:xfrm>
+            <a:off x="915035" y="1696720"/>
+            <a:ext cx="4883150" cy="1303655"/>
+          </a:xfrm>
+          <a:prstGeom prst="rect">
+            <a:avLst/>
+          </a:prstGeom>
+          <a:noFill/>
+          <a:ln w="9525">
+            <a:noFill/>
+            <a:miter lim="800000"/>
+          </a:ln>
+          <a:extLst>
+            <a:ext uri="{909E8E84-426E-40DD-AFC4-6F175D3DCCD1}">
+              <a14:hiddenFill xmlns:a14="http://schemas.microsoft.com/office/drawing/2010/main">
+                <a:solidFill>
+                  <a:srgbClr val="FFFFFF"/>
+                </a:solidFill>
+              </a14:hiddenFill>
+            </a:ext>
+          </a:extLst>
+        </p:spPr>
+        <p:txBody>
+          <a:bodyPr lIns="135785" tIns="67891" rIns="135785" bIns="67891">
+            <a:noAutofit/>
+          </a:bodyPr>
+          <a:lstStyle>
+            <a:defPPr>
+              <a:defRPr lang="zh-CN"/>
+            </a:defPPr>
+            <a:lvl1pPr fontAlgn="base">
+              <a:lnSpc>
+                <a:spcPct val="110000"/>
+              </a:lnSpc>
+              <a:spcBef>
+                <a:spcPct val="0"/>
+              </a:spcBef>
+              <a:spcAft>
+                <a:spcPct val="0"/>
+              </a:spcAft>
+              <a:defRPr sz="1400">
+                <a:solidFill>
+                  <a:prstClr val="black">
+                    <a:lumMod val="50000"/>
+                    <a:lumOff val="50000"/>
+                  </a:prstClr>
+                </a:solidFill>
+                <a:latin typeface="Arial" panose="020B0604020202020204"/>
+                <a:cs typeface="+mn-ea"/>
+              </a:defRPr>
+            </a:lvl1pPr>
+            <a:lvl2pPr marL="457200" fontAlgn="base">
+              <a:spcBef>
+                <a:spcPct val="0"/>
+              </a:spcBef>
+              <a:spcAft>
+                <a:spcPct val="0"/>
+              </a:spcAft>
+              <a:defRPr>
+                <a:latin typeface="Calibri" panose="020F0502020204030204" pitchFamily="34" charset="0"/>
+                <a:cs typeface="Arial" panose="020B0604020202020204" pitchFamily="34" charset="0"/>
+              </a:defRPr>
+            </a:lvl2pPr>
+            <a:lvl3pPr marL="914400" fontAlgn="base">
+              <a:spcBef>
+                <a:spcPct val="0"/>
+              </a:spcBef>
+              <a:spcAft>
+                <a:spcPct val="0"/>
+              </a:spcAft>
+              <a:defRPr>
+                <a:latin typeface="Calibri" panose="020F0502020204030204" pitchFamily="34" charset="0"/>
+                <a:cs typeface="Arial" panose="020B0604020202020204" pitchFamily="34" charset="0"/>
+              </a:defRPr>
+            </a:lvl3pPr>
+            <a:lvl4pPr marL="1371600" fontAlgn="base">
+              <a:spcBef>
+                <a:spcPct val="0"/>
+              </a:spcBef>
+              <a:spcAft>
+                <a:spcPct val="0"/>
+              </a:spcAft>
+              <a:defRPr>
+                <a:latin typeface="Calibri" panose="020F0502020204030204" pitchFamily="34" charset="0"/>
+                <a:cs typeface="Arial" panose="020B0604020202020204" pitchFamily="34" charset="0"/>
+              </a:defRPr>
+            </a:lvl4pPr>
+            <a:lvl5pPr marL="1828800" fontAlgn="base">
+              <a:spcBef>
+                <a:spcPct val="0"/>
+              </a:spcBef>
+              <a:spcAft>
+                <a:spcPct val="0"/>
+              </a:spcAft>
+              <a:defRPr>
+                <a:latin typeface="Calibri" panose="020F0502020204030204" pitchFamily="34" charset="0"/>
+                <a:cs typeface="Arial" panose="020B0604020202020204" pitchFamily="34" charset="0"/>
+              </a:defRPr>
+            </a:lvl5pPr>
+            <a:lvl6pPr marL="2286000" defTabSz="914400">
+              <a:defRPr>
+                <a:latin typeface="Calibri" panose="020F0502020204030204" pitchFamily="34" charset="0"/>
+                <a:cs typeface="Arial" panose="020B0604020202020204" pitchFamily="34" charset="0"/>
+              </a:defRPr>
+            </a:lvl6pPr>
+            <a:lvl7pPr marL="2743200" defTabSz="914400">
+              <a:defRPr>
+                <a:latin typeface="Calibri" panose="020F0502020204030204" pitchFamily="34" charset="0"/>
+                <a:cs typeface="Arial" panose="020B0604020202020204" pitchFamily="34" charset="0"/>
+              </a:defRPr>
+            </a:lvl7pPr>
+            <a:lvl8pPr marL="3200400" defTabSz="914400">
+              <a:defRPr>
+                <a:latin typeface="Calibri" panose="020F0502020204030204" pitchFamily="34" charset="0"/>
+                <a:cs typeface="Arial" panose="020B0604020202020204" pitchFamily="34" charset="0"/>
+              </a:defRPr>
+            </a:lvl8pPr>
+            <a:lvl9pPr marL="3657600" defTabSz="914400">
+              <a:defRPr>
+                <a:latin typeface="Calibri" panose="020F0502020204030204" pitchFamily="34" charset="0"/>
+                <a:cs typeface="Arial" panose="020B0604020202020204" pitchFamily="34" charset="0"/>
+              </a:defRPr>
+            </a:lvl9pPr>
+          </a:lstStyle>
+          <a:p>
+            <a:endParaRPr lang="zh-CN" altLang="en-US" sz="1800" b="1" dirty="0">
+              <a:solidFill>
+                <a:prstClr val="black">
+                  <a:lumMod val="50000"/>
+                  <a:lumOff val="50000"/>
+                </a:prstClr>
+              </a:solidFill>
+              <a:effectLst>
+                <a:outerShdw blurRad="38100" dist="38100" dir="2700000" algn="tl">
+                  <a:srgbClr val="000000">
+                    <a:alpha val="30000"/>
+                  </a:srgbClr>
+                </a:outerShdw>
+              </a:effectLst>
+              <a:uFillTx/>
+              <a:latin typeface="华文中宋" panose="02010600040101010101" charset="-122"/>
+              <a:ea typeface="华文中宋" panose="02010600040101010101" charset="-122"/>
+              <a:cs typeface="Arial" panose="020B0604020202020204" pitchFamily="34" charset="0"/>
+            </a:endParaRPr>
+          </a:p>
+        </p:txBody>
+      </p:sp>
+      <p:sp>
+        <p:nvSpPr>
+          <p:cNvPr id="45" name="文本框 145"/>
+          <p:cNvSpPr txBox="1"/>
+          <p:nvPr/>
+        </p:nvSpPr>
+        <p:spPr>
+          <a:xfrm>
+            <a:off x="732155" y="1842770"/>
+            <a:ext cx="4653280" cy="2922905"/>
+          </a:xfrm>
+          <a:prstGeom prst="rect">
+            <a:avLst/>
+          </a:prstGeom>
+          <a:noFill/>
+          <a:ln>
+            <a:noFill/>
+          </a:ln>
+        </p:spPr>
+        <p:style>
+          <a:lnRef idx="2">
+            <a:schemeClr val="accent1">
+              <a:shade val="50000"/>
+            </a:schemeClr>
+          </a:lnRef>
+          <a:fillRef idx="1">
+            <a:schemeClr val="accent1"/>
+          </a:fillRef>
+          <a:effectRef idx="0">
+            <a:schemeClr val="accent1"/>
+          </a:effectRef>
+          <a:fontRef idx="minor">
+            <a:schemeClr val="lt1"/>
+          </a:fontRef>
+        </p:style>
+        <p:txBody>
+          <a:bodyPr wrap="square" lIns="178172" tIns="0" rIns="178172" bIns="0" rtlCol="0" anchor="t">
+            <a:noAutofit/>
+          </a:bodyPr>
+          <a:lstStyle>
+            <a:defPPr>
+              <a:defRPr lang="zh-CN"/>
+            </a:defPPr>
+            <a:lvl1pPr marL="285750" indent="-285750">
+              <a:lnSpc>
+                <a:spcPct val="120000"/>
+              </a:lnSpc>
+              <a:buClr>
+                <a:schemeClr val="accent1"/>
+              </a:buClr>
+              <a:buFont typeface="Wingdings" panose="05000000000000000000" pitchFamily="2" charset="2"/>
+              <a:buChar char="n"/>
+              <a:defRPr sz="1800" b="1">
+                <a:solidFill>
+                  <a:schemeClr val="bg1">
+                    <a:lumMod val="50000"/>
+                  </a:schemeClr>
+                </a:solidFill>
+                <a:cs typeface="+mn-ea"/>
+              </a:defRPr>
+            </a:lvl1pPr>
+            <a:lvl2pPr>
+              <a:defRPr>
+                <a:solidFill>
+                  <a:schemeClr val="lt1"/>
+                </a:solidFill>
+              </a:defRPr>
+            </a:lvl2pPr>
+            <a:lvl3pPr>
+              <a:defRPr>
+                <a:solidFill>
+                  <a:schemeClr val="lt1"/>
+                </a:solidFill>
+              </a:defRPr>
+            </a:lvl3pPr>
+            <a:lvl4pPr>
+              <a:defRPr>
+                <a:solidFill>
+                  <a:schemeClr val="lt1"/>
+                </a:solidFill>
+              </a:defRPr>
+            </a:lvl4pPr>
+            <a:lvl5pPr>
+              <a:defRPr>
+                <a:solidFill>
+                  <a:schemeClr val="lt1"/>
+                </a:solidFill>
+              </a:defRPr>
+            </a:lvl5pPr>
+            <a:lvl6pPr>
+              <a:defRPr>
+                <a:solidFill>
+                  <a:schemeClr val="lt1"/>
+                </a:solidFill>
+              </a:defRPr>
+            </a:lvl6pPr>
+            <a:lvl7pPr>
+              <a:defRPr>
+                <a:solidFill>
+                  <a:schemeClr val="lt1"/>
+                </a:solidFill>
+              </a:defRPr>
+            </a:lvl7pPr>
+            <a:lvl8pPr>
+              <a:defRPr>
+                <a:solidFill>
+                  <a:schemeClr val="lt1"/>
+                </a:solidFill>
+              </a:defRPr>
+            </a:lvl8pPr>
+            <a:lvl9pPr>
+              <a:defRPr>
+                <a:solidFill>
+                  <a:schemeClr val="lt1"/>
+                </a:solidFill>
+              </a:defRPr>
+            </a:lvl9pPr>
+          </a:lstStyle>
+          <a:p>
+            <a:pPr marL="342900" indent="-342900">
+              <a:buClr>
+                <a:srgbClr val="C00000"/>
+              </a:buClr>
+              <a:buAutoNum type="arabicPeriod"/>
+            </a:pPr>
+            <a:r>
+              <a:rPr lang="zh-CN" altLang="en-US" dirty="0">
+                <a:solidFill>
+                  <a:schemeClr val="tx1">
+                    <a:lumMod val="65000"/>
+                    <a:lumOff val="35000"/>
+                  </a:schemeClr>
+                </a:solidFill>
+                <a:ea typeface="思源黑体 CN Heavy" panose="020B0A00000000000000" pitchFamily="34" charset="-122"/>
+              </a:rPr>
+              <a:t>使用</a:t>
+            </a:r>
+            <a:r>
+              <a:rPr lang="en-US" altLang="zh-CN" dirty="0">
+                <a:solidFill>
+                  <a:schemeClr val="tx1">
+                    <a:lumMod val="65000"/>
+                    <a:lumOff val="35000"/>
+                  </a:schemeClr>
+                </a:solidFill>
+                <a:ea typeface="思源黑体 CN Heavy" panose="020B0A00000000000000" pitchFamily="34" charset="-122"/>
+              </a:rPr>
+              <a:t>gin</a:t>
+            </a:r>
+            <a:r>
+              <a:rPr lang="zh-CN" altLang="en-US" dirty="0">
+                <a:solidFill>
+                  <a:schemeClr val="tx1">
+                    <a:lumMod val="65000"/>
+                    <a:lumOff val="35000"/>
+                  </a:schemeClr>
+                </a:solidFill>
+                <a:ea typeface="思源黑体 CN Heavy" panose="020B0A00000000000000" pitchFamily="34" charset="-122"/>
+              </a:rPr>
+              <a:t>框架调用</a:t>
+            </a:r>
+            <a:r>
+              <a:rPr lang="en-US" altLang="zh-CN" dirty="0" err="1">
+                <a:solidFill>
+                  <a:schemeClr val="tx1">
+                    <a:lumMod val="65000"/>
+                    <a:lumOff val="35000"/>
+                  </a:schemeClr>
+                </a:solidFill>
+                <a:ea typeface="思源黑体 CN Heavy" panose="020B0A00000000000000" pitchFamily="34" charset="-122"/>
+              </a:rPr>
+              <a:t>rpc</a:t>
+            </a:r>
+            <a:r>
+              <a:rPr lang="en-US" altLang="zh-CN" dirty="0">
+                <a:solidFill>
+                  <a:schemeClr val="tx1">
+                    <a:lumMod val="65000"/>
+                    <a:lumOff val="35000"/>
+                  </a:schemeClr>
+                </a:solidFill>
+                <a:ea typeface="思源黑体 CN Heavy" panose="020B0A00000000000000" pitchFamily="34" charset="-122"/>
+              </a:rPr>
+              <a:t> </a:t>
+            </a:r>
+            <a:r>
+              <a:rPr lang="zh-CN" altLang="en-US" dirty="0">
+                <a:solidFill>
+                  <a:schemeClr val="tx1">
+                    <a:lumMod val="65000"/>
+                    <a:lumOff val="35000"/>
+                  </a:schemeClr>
+                </a:solidFill>
+                <a:ea typeface="思源黑体 CN Heavy" panose="020B0A00000000000000" pitchFamily="34" charset="-122"/>
+              </a:rPr>
+              <a:t>接口</a:t>
+            </a:r>
+            <a:r>
+              <a:rPr lang="en-US" altLang="zh-CN" dirty="0">
+                <a:solidFill>
+                  <a:schemeClr val="tx1">
+                    <a:lumMod val="65000"/>
+                    <a:lumOff val="35000"/>
+                  </a:schemeClr>
+                </a:solidFill>
+                <a:ea typeface="思源黑体 CN Heavy" panose="020B0A00000000000000" pitchFamily="34" charset="-122"/>
+              </a:rPr>
+              <a:t>, </a:t>
+            </a:r>
+            <a:r>
+              <a:rPr lang="zh-CN" altLang="en-US" dirty="0">
+                <a:solidFill>
+                  <a:schemeClr val="tx1">
+                    <a:lumMod val="65000"/>
+                    <a:lumOff val="35000"/>
+                  </a:schemeClr>
+                </a:solidFill>
+                <a:ea typeface="思源黑体 CN Heavy" panose="020B0A00000000000000" pitchFamily="34" charset="-122"/>
+              </a:rPr>
+              <a:t>实现数据存储到</a:t>
+            </a:r>
+            <a:r>
+              <a:rPr lang="en-US" altLang="zh-CN" dirty="0" err="1">
+                <a:solidFill>
+                  <a:schemeClr val="tx1">
+                    <a:lumMod val="65000"/>
+                    <a:lumOff val="35000"/>
+                  </a:schemeClr>
+                </a:solidFill>
+                <a:ea typeface="思源黑体 CN Heavy" panose="020B0A00000000000000" pitchFamily="34" charset="-122"/>
+              </a:rPr>
+              <a:t>mysql</a:t>
+            </a:r>
+            <a:r>
+              <a:rPr lang="zh-CN" altLang="en-US" dirty="0">
+                <a:solidFill>
+                  <a:schemeClr val="tx1">
+                    <a:lumMod val="65000"/>
+                    <a:lumOff val="35000"/>
+                  </a:schemeClr>
+                </a:solidFill>
+                <a:ea typeface="思源黑体 CN Heavy" panose="020B0A00000000000000" pitchFamily="34" charset="-122"/>
+              </a:rPr>
+              <a:t>数据库</a:t>
+            </a:r>
+          </a:p>
+        </p:txBody>
+      </p:sp>
+      <p:sp>
+        <p:nvSpPr>
+          <p:cNvPr id="37" name="文本框 145"/>
+          <p:cNvSpPr txBox="1"/>
+          <p:nvPr/>
+        </p:nvSpPr>
+        <p:spPr>
+          <a:xfrm>
+            <a:off x="732347" y="3000062"/>
+            <a:ext cx="2352000" cy="413563"/>
+          </a:xfrm>
+          <a:prstGeom prst="rect">
+            <a:avLst/>
+          </a:prstGeom>
+          <a:noFill/>
+          <a:ln>
+            <a:noFill/>
+          </a:ln>
+        </p:spPr>
+        <p:style>
+          <a:lnRef idx="2">
+            <a:schemeClr val="accent1">
+              <a:shade val="50000"/>
+            </a:schemeClr>
+          </a:lnRef>
+          <a:fillRef idx="1">
+            <a:schemeClr val="accent1"/>
+          </a:fillRef>
+          <a:effectRef idx="0">
+            <a:schemeClr val="accent1"/>
+          </a:effectRef>
+          <a:fontRef idx="minor">
+            <a:schemeClr val="lt1"/>
+          </a:fontRef>
+        </p:style>
+        <p:txBody>
+          <a:bodyPr wrap="square" lIns="178172" tIns="0" rIns="178172" bIns="0" rtlCol="0" anchor="t">
+            <a:noAutofit/>
+          </a:bodyPr>
+          <a:lstStyle>
+            <a:defPPr>
+              <a:defRPr lang="zh-CN"/>
+            </a:defPPr>
+            <a:lvl1pPr marL="285750" indent="-285750">
+              <a:lnSpc>
+                <a:spcPct val="120000"/>
+              </a:lnSpc>
+              <a:buClr>
+                <a:schemeClr val="accent1"/>
+              </a:buClr>
+              <a:buFont typeface="Wingdings" panose="05000000000000000000" pitchFamily="2" charset="2"/>
+              <a:buChar char="n"/>
+              <a:defRPr sz="1800" b="1">
+                <a:solidFill>
+                  <a:schemeClr val="bg1">
+                    <a:lumMod val="50000"/>
+                  </a:schemeClr>
+                </a:solidFill>
+                <a:cs typeface="+mn-ea"/>
+              </a:defRPr>
+            </a:lvl1pPr>
+            <a:lvl2pPr>
+              <a:defRPr>
+                <a:solidFill>
+                  <a:schemeClr val="lt1"/>
+                </a:solidFill>
+              </a:defRPr>
+            </a:lvl2pPr>
+            <a:lvl3pPr>
+              <a:defRPr>
+                <a:solidFill>
+                  <a:schemeClr val="lt1"/>
+                </a:solidFill>
+              </a:defRPr>
+            </a:lvl3pPr>
+            <a:lvl4pPr>
+              <a:defRPr>
+                <a:solidFill>
+                  <a:schemeClr val="lt1"/>
+                </a:solidFill>
+              </a:defRPr>
+            </a:lvl4pPr>
+            <a:lvl5pPr>
+              <a:defRPr>
+                <a:solidFill>
+                  <a:schemeClr val="lt1"/>
+                </a:solidFill>
+              </a:defRPr>
+            </a:lvl5pPr>
+            <a:lvl6pPr>
+              <a:defRPr>
+                <a:solidFill>
+                  <a:schemeClr val="lt1"/>
+                </a:solidFill>
+              </a:defRPr>
+            </a:lvl6pPr>
+            <a:lvl7pPr>
+              <a:defRPr>
+                <a:solidFill>
+                  <a:schemeClr val="lt1"/>
+                </a:solidFill>
+              </a:defRPr>
+            </a:lvl7pPr>
+            <a:lvl8pPr>
+              <a:defRPr>
+                <a:solidFill>
+                  <a:schemeClr val="lt1"/>
+                </a:solidFill>
+              </a:defRPr>
+            </a:lvl8pPr>
+            <a:lvl9pPr>
+              <a:defRPr>
+                <a:solidFill>
+                  <a:schemeClr val="lt1"/>
+                </a:solidFill>
+              </a:defRPr>
+            </a:lvl9pPr>
+          </a:lstStyle>
+          <a:p>
+            <a:pPr marL="0" indent="0">
+              <a:buClr>
+                <a:srgbClr val="C00000"/>
+              </a:buClr>
+              <a:buNone/>
+            </a:pPr>
+            <a:endParaRPr lang="zh-CN" altLang="en-US" dirty="0">
+              <a:solidFill>
+                <a:schemeClr val="tx1">
+                  <a:lumMod val="65000"/>
+                  <a:lumOff val="35000"/>
+                </a:schemeClr>
+              </a:solidFill>
+              <a:ea typeface="思源黑体 CN Heavy" panose="020B0A00000000000000" pitchFamily="34" charset="-122"/>
+            </a:endParaRPr>
+          </a:p>
+        </p:txBody>
+      </p:sp>
+      <p:sp>
+        <p:nvSpPr>
+          <p:cNvPr id="9" name="文本框 145">
+            <a:extLst>
+              <a:ext uri="{FF2B5EF4-FFF2-40B4-BE49-F238E27FC236}">
+                <a16:creationId xmlns:a16="http://schemas.microsoft.com/office/drawing/2014/main" id="{ACEEA871-207B-4379-82F8-E9E99F38C76C}"/>
+              </a:ext>
+            </a:extLst>
+          </p:cNvPr>
+          <p:cNvSpPr txBox="1"/>
+          <p:nvPr/>
+        </p:nvSpPr>
+        <p:spPr>
+          <a:xfrm>
+            <a:off x="5661092" y="1842769"/>
+            <a:ext cx="4653280" cy="2922905"/>
+          </a:xfrm>
+          <a:prstGeom prst="rect">
+            <a:avLst/>
+          </a:prstGeom>
+          <a:noFill/>
+          <a:ln>
+            <a:noFill/>
+          </a:ln>
+        </p:spPr>
+        <p:style>
+          <a:lnRef idx="2">
+            <a:schemeClr val="accent1">
+              <a:shade val="50000"/>
+            </a:schemeClr>
+          </a:lnRef>
+          <a:fillRef idx="1">
+            <a:schemeClr val="accent1"/>
+          </a:fillRef>
+          <a:effectRef idx="0">
+            <a:schemeClr val="accent1"/>
+          </a:effectRef>
+          <a:fontRef idx="minor">
+            <a:schemeClr val="lt1"/>
+          </a:fontRef>
+        </p:style>
+        <p:txBody>
+          <a:bodyPr wrap="square" lIns="178172" tIns="0" rIns="178172" bIns="0" rtlCol="0" anchor="t">
+            <a:noAutofit/>
+          </a:bodyPr>
+          <a:lstStyle>
+            <a:defPPr>
+              <a:defRPr lang="zh-CN"/>
+            </a:defPPr>
+            <a:lvl1pPr marL="285750" indent="-285750">
+              <a:lnSpc>
+                <a:spcPct val="120000"/>
+              </a:lnSpc>
+              <a:buClr>
+                <a:schemeClr val="accent1"/>
+              </a:buClr>
+              <a:buFont typeface="Wingdings" panose="05000000000000000000" pitchFamily="2" charset="2"/>
+              <a:buChar char="n"/>
+              <a:defRPr sz="1800" b="1">
+                <a:solidFill>
+                  <a:schemeClr val="bg1">
+                    <a:lumMod val="50000"/>
+                  </a:schemeClr>
+                </a:solidFill>
+                <a:cs typeface="+mn-ea"/>
+              </a:defRPr>
+            </a:lvl1pPr>
+            <a:lvl2pPr>
+              <a:defRPr>
+                <a:solidFill>
+                  <a:schemeClr val="lt1"/>
+                </a:solidFill>
+              </a:defRPr>
+            </a:lvl2pPr>
+            <a:lvl3pPr>
+              <a:defRPr>
+                <a:solidFill>
+                  <a:schemeClr val="lt1"/>
+                </a:solidFill>
+              </a:defRPr>
+            </a:lvl3pPr>
+            <a:lvl4pPr>
+              <a:defRPr>
+                <a:solidFill>
+                  <a:schemeClr val="lt1"/>
+                </a:solidFill>
+              </a:defRPr>
+            </a:lvl4pPr>
+            <a:lvl5pPr>
+              <a:defRPr>
+                <a:solidFill>
+                  <a:schemeClr val="lt1"/>
+                </a:solidFill>
+              </a:defRPr>
+            </a:lvl5pPr>
+            <a:lvl6pPr>
+              <a:defRPr>
+                <a:solidFill>
+                  <a:schemeClr val="lt1"/>
+                </a:solidFill>
+              </a:defRPr>
+            </a:lvl6pPr>
+            <a:lvl7pPr>
+              <a:defRPr>
+                <a:solidFill>
+                  <a:schemeClr val="lt1"/>
+                </a:solidFill>
+              </a:defRPr>
+            </a:lvl7pPr>
+            <a:lvl8pPr>
+              <a:defRPr>
+                <a:solidFill>
+                  <a:schemeClr val="lt1"/>
+                </a:solidFill>
+              </a:defRPr>
+            </a:lvl8pPr>
+            <a:lvl9pPr>
+              <a:defRPr>
+                <a:solidFill>
+                  <a:schemeClr val="lt1"/>
+                </a:solidFill>
+              </a:defRPr>
+            </a:lvl9pPr>
+          </a:lstStyle>
+          <a:p>
+            <a:pPr marL="342900" indent="-342900">
+              <a:buClr>
+                <a:srgbClr val="C00000"/>
+              </a:buClr>
+              <a:buAutoNum type="arabicPeriod"/>
+            </a:pPr>
+            <a:endParaRPr lang="zh-CN" altLang="en-US" dirty="0">
+              <a:solidFill>
+                <a:schemeClr val="tx1">
+                  <a:lumMod val="65000"/>
+                  <a:lumOff val="35000"/>
+                </a:schemeClr>
+              </a:solidFill>
+              <a:ea typeface="思源黑体 CN Heavy" panose="020B0A00000000000000" pitchFamily="34" charset="-122"/>
+            </a:endParaRPr>
+          </a:p>
+        </p:txBody>
+      </p:sp>
+    </p:spTree>
+    <p:extLst>
+      <p:ext uri="{BB962C8B-B14F-4D97-AF65-F5344CB8AC3E}">
+        <p14:creationId xmlns:p14="http://schemas.microsoft.com/office/powerpoint/2010/main" val="1736084026"/>
+      </p:ext>
+    </p:extLst>
+  </p:cSld>
+  <p:clrMapOvr>
+    <a:masterClrMapping/>
+  </p:clrMapOvr>
+  <mc:AlternateContent xmlns:mc="http://schemas.openxmlformats.org/markup-compatibility/2006" xmlns:p14="http://schemas.microsoft.com/office/powerpoint/2010/main">
+    <mc:Choice Requires="p14">
+      <p:transition spd="slow" p14:dur="1600">
+        <p:blinds dir="vert"/>
+      </p:transition>
+    </mc:Choice>
+    <mc:Fallback xmlns="">
+      <p:transition spd="slow">
+        <p:blinds dir="vert"/>
+      </p:transition>
+    </mc:Fallback>
+  </mc:AlternateContent>
+  <p:timing>
+    <p:tnLst>
+      <p:par>
+        <p:cTn id="1" dur="indefinite" restart="never" nodeType="tmRoot">
+          <p:childTnLst>
+            <p:seq concurrent="1" nextAc="seek">
+              <p:cTn id="2" dur="indefinite" nodeType="mainSeq">
+                <p:childTnLst>
+                  <p:par>
+                    <p:cTn id="3" fill="hold">
+                      <p:stCondLst>
+                        <p:cond delay="indefinite"/>
+                        <p:cond evt="onBegin" delay="0">
+                          <p:tn val="2"/>
+                        </p:cond>
+                      </p:stCondLst>
+                      <p:childTnLst>
+                        <p:par>
+                          <p:cTn id="4" fill="hold">
+                            <p:stCondLst>
+                              <p:cond delay="0"/>
+                            </p:stCondLst>
+                            <p:childTnLst>
+                              <p:par>
+                                <p:cTn id="5" presetID="12" presetClass="entr" presetSubtype="1" fill="hold" grpId="0" nodeType="afterEffect">
+                                  <p:stCondLst>
+                                    <p:cond delay="0"/>
+                                  </p:stCondLst>
+                                  <p:childTnLst>
+                                    <p:set>
+                                      <p:cBhvr>
+                                        <p:cTn id="6" dur="1" fill="hold">
+                                          <p:stCondLst>
+                                            <p:cond delay="0"/>
+                                          </p:stCondLst>
+                                        </p:cTn>
+                                        <p:tgtEl>
+                                          <p:spTgt spid="45"/>
+                                        </p:tgtEl>
+                                        <p:attrNameLst>
+                                          <p:attrName>style.visibility</p:attrName>
+                                        </p:attrNameLst>
+                                      </p:cBhvr>
+                                      <p:to>
+                                        <p:strVal val="visible"/>
+                                      </p:to>
+                                    </p:set>
+                                    <p:anim calcmode="lin" valueType="num">
+                                      <p:cBhvr additive="base">
+                                        <p:cTn id="7" dur="500"/>
+                                        <p:tgtEl>
+                                          <p:spTgt spid="45"/>
+                                        </p:tgtEl>
+                                        <p:attrNameLst>
+                                          <p:attrName>ppt_y</p:attrName>
+                                        </p:attrNameLst>
+                                      </p:cBhvr>
+                                      <p:tavLst>
+                                        <p:tav tm="0">
+                                          <p:val>
+                                            <p:strVal val="#ppt_y-#ppt_h*1.125000"/>
+                                          </p:val>
+                                        </p:tav>
+                                        <p:tav tm="100000">
+                                          <p:val>
+                                            <p:strVal val="#ppt_y"/>
+                                          </p:val>
+                                        </p:tav>
+                                      </p:tavLst>
+                                    </p:anim>
+                                    <p:animEffect transition="in" filter="wipe(down)">
+                                      <p:cBhvr>
+                                        <p:cTn id="8" dur="500"/>
+                                        <p:tgtEl>
+                                          <p:spTgt spid="45"/>
+                                        </p:tgtEl>
+                                      </p:cBhvr>
+                                    </p:animEffect>
+                                  </p:childTnLst>
+                                </p:cTn>
+                              </p:par>
+                            </p:childTnLst>
+                          </p:cTn>
+                        </p:par>
+                        <p:par>
+                          <p:cTn id="9" fill="hold">
+                            <p:stCondLst>
+                              <p:cond delay="500"/>
+                            </p:stCondLst>
+                            <p:childTnLst>
+                              <p:par>
+                                <p:cTn id="10" presetID="22" presetClass="entr" presetSubtype="1" fill="hold" grpId="0" nodeType="afterEffect">
+                                  <p:stCondLst>
+                                    <p:cond delay="0"/>
+                                  </p:stCondLst>
+                                  <p:childTnLst>
+                                    <p:set>
+                                      <p:cBhvr>
+                                        <p:cTn id="11" dur="1" fill="hold">
+                                          <p:stCondLst>
+                                            <p:cond delay="0"/>
+                                          </p:stCondLst>
+                                        </p:cTn>
+                                        <p:tgtEl>
+                                          <p:spTgt spid="44"/>
+                                        </p:tgtEl>
+                                        <p:attrNameLst>
+                                          <p:attrName>style.visibility</p:attrName>
+                                        </p:attrNameLst>
+                                      </p:cBhvr>
+                                      <p:to>
+                                        <p:strVal val="visible"/>
+                                      </p:to>
+                                    </p:set>
+                                    <p:animEffect transition="in" filter="wipe(up)">
+                                      <p:cBhvr>
+                                        <p:cTn id="12" dur="500"/>
+                                        <p:tgtEl>
+                                          <p:spTgt spid="44"/>
+                                        </p:tgtEl>
+                                      </p:cBhvr>
+                                    </p:animEffect>
+                                  </p:childTnLst>
+                                </p:cTn>
+                              </p:par>
+                            </p:childTnLst>
+                          </p:cTn>
+                        </p:par>
+                        <p:par>
+                          <p:cTn id="13" fill="hold">
+                            <p:stCondLst>
+                              <p:cond delay="1000"/>
+                            </p:stCondLst>
+                            <p:childTnLst>
+                              <p:par>
+                                <p:cTn id="14" presetID="12" presetClass="entr" presetSubtype="1" fill="hold" grpId="0" nodeType="afterEffect">
+                                  <p:stCondLst>
+                                    <p:cond delay="0"/>
+                                  </p:stCondLst>
+                                  <p:childTnLst>
+                                    <p:set>
+                                      <p:cBhvr>
+                                        <p:cTn id="15" dur="1" fill="hold">
+                                          <p:stCondLst>
+                                            <p:cond delay="0"/>
+                                          </p:stCondLst>
+                                        </p:cTn>
+                                        <p:tgtEl>
+                                          <p:spTgt spid="37"/>
+                                        </p:tgtEl>
+                                        <p:attrNameLst>
+                                          <p:attrName>style.visibility</p:attrName>
+                                        </p:attrNameLst>
+                                      </p:cBhvr>
+                                      <p:to>
+                                        <p:strVal val="visible"/>
+                                      </p:to>
+                                    </p:set>
+                                    <p:anim calcmode="lin" valueType="num">
+                                      <p:cBhvr additive="base">
+                                        <p:cTn id="16" dur="500"/>
+                                        <p:tgtEl>
+                                          <p:spTgt spid="37"/>
+                                        </p:tgtEl>
+                                        <p:attrNameLst>
+                                          <p:attrName>ppt_y</p:attrName>
+                                        </p:attrNameLst>
+                                      </p:cBhvr>
+                                      <p:tavLst>
+                                        <p:tav tm="0">
+                                          <p:val>
+                                            <p:strVal val="#ppt_y-#ppt_h*1.125000"/>
+                                          </p:val>
+                                        </p:tav>
+                                        <p:tav tm="100000">
+                                          <p:val>
+                                            <p:strVal val="#ppt_y"/>
+                                          </p:val>
+                                        </p:tav>
+                                      </p:tavLst>
+                                    </p:anim>
+                                    <p:animEffect transition="in" filter="wipe(down)">
+                                      <p:cBhvr>
+                                        <p:cTn id="17" dur="500"/>
+                                        <p:tgtEl>
+                                          <p:spTgt spid="37"/>
+                                        </p:tgtEl>
+                                      </p:cBhvr>
+                                    </p:animEffect>
+                                  </p:childTnLst>
+                                </p:cTn>
+                              </p:par>
+                            </p:childTnLst>
+                          </p:cTn>
+                        </p:par>
+                        <p:par>
+                          <p:cTn id="18" fill="hold">
+                            <p:stCondLst>
+                              <p:cond delay="1500"/>
+                            </p:stCondLst>
+                            <p:childTnLst>
+                              <p:par>
+                                <p:cTn id="19" presetID="12" presetClass="entr" presetSubtype="1" fill="hold" grpId="0" nodeType="afterEffect" nodePh="1">
+                                  <p:stCondLst>
+                                    <p:cond delay="0"/>
+                                  </p:stCondLst>
+                                  <p:endCondLst>
+                                    <p:cond evt="begin" delay="0">
+                                      <p:tn val="19"/>
+                                    </p:cond>
+                                  </p:endCondLst>
+                                  <p:childTnLst>
+                                    <p:set>
+                                      <p:cBhvr>
+                                        <p:cTn id="20" dur="1" fill="hold">
+                                          <p:stCondLst>
+                                            <p:cond delay="0"/>
+                                          </p:stCondLst>
+                                        </p:cTn>
+                                        <p:tgtEl>
+                                          <p:spTgt spid="9"/>
+                                        </p:tgtEl>
+                                        <p:attrNameLst>
+                                          <p:attrName>style.visibility</p:attrName>
+                                        </p:attrNameLst>
+                                      </p:cBhvr>
+                                      <p:to>
+                                        <p:strVal val="visible"/>
+                                      </p:to>
+                                    </p:set>
+                                    <p:anim calcmode="lin" valueType="num">
+                                      <p:cBhvr additive="base">
+                                        <p:cTn id="21" dur="500"/>
+                                        <p:tgtEl>
+                                          <p:spTgt spid="9"/>
+                                        </p:tgtEl>
+                                        <p:attrNameLst>
+                                          <p:attrName>ppt_y</p:attrName>
+                                        </p:attrNameLst>
+                                      </p:cBhvr>
+                                      <p:tavLst>
+                                        <p:tav tm="0">
+                                          <p:val>
+                                            <p:strVal val="#ppt_y-#ppt_h*1.125000"/>
+                                          </p:val>
+                                        </p:tav>
+                                        <p:tav tm="100000">
+                                          <p:val>
+                                            <p:strVal val="#ppt_y"/>
+                                          </p:val>
+                                        </p:tav>
+                                      </p:tavLst>
+                                    </p:anim>
+                                    <p:animEffect transition="in" filter="wipe(down)">
+                                      <p:cBhvr>
+                                        <p:cTn id="22" dur="500"/>
+                                        <p:tgtEl>
+                                          <p:spTgt spid="9"/>
+                                        </p:tgtEl>
+                                      </p:cBhvr>
+                                    </p:animEffect>
+                                  </p:childTnLst>
+                                </p:cTn>
+                              </p:par>
+                            </p:childTnLst>
+                          </p:cTn>
+                        </p:par>
+                      </p:childTnLst>
+                    </p:cTn>
+                  </p:par>
+                </p:childTnLst>
+              </p:cTn>
+              <p:prevCondLst>
+                <p:cond evt="onPrev" delay="0">
+                  <p:tgtEl>
+                    <p:sldTgt/>
+                  </p:tgtEl>
+                </p:cond>
+              </p:prevCondLst>
+              <p:nextCondLst>
+                <p:cond evt="onNext" delay="0">
+                  <p:tgtEl>
+                    <p:sldTgt/>
+                  </p:tgtEl>
+                </p:cond>
+              </p:nextCondLst>
+            </p:seq>
+          </p:childTnLst>
+        </p:cTn>
+      </p:par>
+    </p:tnLst>
+    <p:bldLst>
+      <p:bldP spid="44" grpId="0"/>
+      <p:bldP spid="44" grpId="1"/>
+      <p:bldP spid="45" grpId="0" bldLvl="0" animBg="1"/>
+      <p:bldP spid="37" grpId="0" bldLvl="0" animBg="1"/>
+      <p:bldP spid="9" grpId="0" bldLvl="0" animBg="1"/>
+    </p:bldLst>
+  </p:timing>
+</p:sld>
+</file>
+
+<file path=ppt/slides/slide13.xml><?xml version="1.0" encoding="utf-8"?>
 <p:sld xmlns:a="http://schemas.openxmlformats.org/drawingml/2006/main" xmlns:r="http://schemas.openxmlformats.org/officeDocument/2006/relationships" xmlns:p="http://schemas.openxmlformats.org/presentationml/2006/main">
   <p:cSld>
     <p:spTree>
@@ -7361,7 +9506,7 @@
 </p:sld>
 </file>
 
-<file path=ppt/slides/slide12.xml><?xml version="1.0" encoding="utf-8"?>
+<file path=ppt/slides/slide14.xml><?xml version="1.0" encoding="utf-8"?>
 <p:sld xmlns:a="http://schemas.openxmlformats.org/drawingml/2006/main" xmlns:r="http://schemas.openxmlformats.org/officeDocument/2006/relationships" xmlns:p="http://schemas.openxmlformats.org/presentationml/2006/main">
   <p:cSld>
     <p:spTree>
@@ -7873,1871 +10018,6 @@
         <p14:creationId xmlns:p14="http://schemas.microsoft.com/office/powerpoint/2010/main" val="1047875139"/>
       </p:ext>
     </p:extLst>
-  </p:cSld>
-  <p:clrMapOvr>
-    <a:masterClrMapping/>
-  </p:clrMapOvr>
-  <mc:AlternateContent xmlns:mc="http://schemas.openxmlformats.org/markup-compatibility/2006" xmlns:p14="http://schemas.microsoft.com/office/powerpoint/2010/main">
-    <mc:Choice Requires="p14">
-      <p:transition spd="slow" p14:dur="1600">
-        <p:blinds dir="vert"/>
-      </p:transition>
-    </mc:Choice>
-    <mc:Fallback xmlns="">
-      <p:transition spd="slow">
-        <p:blinds dir="vert"/>
-      </p:transition>
-    </mc:Fallback>
-  </mc:AlternateContent>
-  <p:timing>
-    <p:tnLst>
-      <p:par>
-        <p:cTn id="1" dur="indefinite" restart="never" nodeType="tmRoot">
-          <p:childTnLst>
-            <p:seq concurrent="1" nextAc="seek">
-              <p:cTn id="2" dur="indefinite" nodeType="mainSeq">
-                <p:childTnLst>
-                  <p:par>
-                    <p:cTn id="3" fill="hold">
-                      <p:stCondLst>
-                        <p:cond delay="indefinite"/>
-                        <p:cond evt="onBegin" delay="0">
-                          <p:tn val="2"/>
-                        </p:cond>
-                      </p:stCondLst>
-                      <p:childTnLst>
-                        <p:par>
-                          <p:cTn id="4" fill="hold">
-                            <p:stCondLst>
-                              <p:cond delay="0"/>
-                            </p:stCondLst>
-                            <p:childTnLst>
-                              <p:par>
-                                <p:cTn id="5" presetID="12" presetClass="entr" presetSubtype="1" fill="hold" grpId="0" nodeType="afterEffect">
-                                  <p:stCondLst>
-                                    <p:cond delay="0"/>
-                                  </p:stCondLst>
-                                  <p:childTnLst>
-                                    <p:set>
-                                      <p:cBhvr>
-                                        <p:cTn id="6" dur="1" fill="hold">
-                                          <p:stCondLst>
-                                            <p:cond delay="0"/>
-                                          </p:stCondLst>
-                                        </p:cTn>
-                                        <p:tgtEl>
-                                          <p:spTgt spid="45"/>
-                                        </p:tgtEl>
-                                        <p:attrNameLst>
-                                          <p:attrName>style.visibility</p:attrName>
-                                        </p:attrNameLst>
-                                      </p:cBhvr>
-                                      <p:to>
-                                        <p:strVal val="visible"/>
-                                      </p:to>
-                                    </p:set>
-                                    <p:anim calcmode="lin" valueType="num">
-                                      <p:cBhvr additive="base">
-                                        <p:cTn id="7" dur="500"/>
-                                        <p:tgtEl>
-                                          <p:spTgt spid="45"/>
-                                        </p:tgtEl>
-                                        <p:attrNameLst>
-                                          <p:attrName>ppt_y</p:attrName>
-                                        </p:attrNameLst>
-                                      </p:cBhvr>
-                                      <p:tavLst>
-                                        <p:tav tm="0">
-                                          <p:val>
-                                            <p:strVal val="#ppt_y-#ppt_h*1.125000"/>
-                                          </p:val>
-                                        </p:tav>
-                                        <p:tav tm="100000">
-                                          <p:val>
-                                            <p:strVal val="#ppt_y"/>
-                                          </p:val>
-                                        </p:tav>
-                                      </p:tavLst>
-                                    </p:anim>
-                                    <p:animEffect transition="in" filter="wipe(down)">
-                                      <p:cBhvr>
-                                        <p:cTn id="8" dur="500"/>
-                                        <p:tgtEl>
-                                          <p:spTgt spid="45"/>
-                                        </p:tgtEl>
-                                      </p:cBhvr>
-                                    </p:animEffect>
-                                  </p:childTnLst>
-                                </p:cTn>
-                              </p:par>
-                            </p:childTnLst>
-                          </p:cTn>
-                        </p:par>
-                        <p:par>
-                          <p:cTn id="9" fill="hold">
-                            <p:stCondLst>
-                              <p:cond delay="500"/>
-                            </p:stCondLst>
-                            <p:childTnLst>
-                              <p:par>
-                                <p:cTn id="10" presetID="22" presetClass="entr" presetSubtype="1" fill="hold" grpId="0" nodeType="afterEffect">
-                                  <p:stCondLst>
-                                    <p:cond delay="0"/>
-                                  </p:stCondLst>
-                                  <p:childTnLst>
-                                    <p:set>
-                                      <p:cBhvr>
-                                        <p:cTn id="11" dur="1" fill="hold">
-                                          <p:stCondLst>
-                                            <p:cond delay="0"/>
-                                          </p:stCondLst>
-                                        </p:cTn>
-                                        <p:tgtEl>
-                                          <p:spTgt spid="44"/>
-                                        </p:tgtEl>
-                                        <p:attrNameLst>
-                                          <p:attrName>style.visibility</p:attrName>
-                                        </p:attrNameLst>
-                                      </p:cBhvr>
-                                      <p:to>
-                                        <p:strVal val="visible"/>
-                                      </p:to>
-                                    </p:set>
-                                    <p:animEffect transition="in" filter="wipe(up)">
-                                      <p:cBhvr>
-                                        <p:cTn id="12" dur="500"/>
-                                        <p:tgtEl>
-                                          <p:spTgt spid="44"/>
-                                        </p:tgtEl>
-                                      </p:cBhvr>
-                                    </p:animEffect>
-                                  </p:childTnLst>
-                                </p:cTn>
-                              </p:par>
-                            </p:childTnLst>
-                          </p:cTn>
-                        </p:par>
-                        <p:par>
-                          <p:cTn id="13" fill="hold">
-                            <p:stCondLst>
-                              <p:cond delay="1000"/>
-                            </p:stCondLst>
-                            <p:childTnLst>
-                              <p:par>
-                                <p:cTn id="14" presetID="12" presetClass="entr" presetSubtype="1" fill="hold" grpId="0" nodeType="afterEffect">
-                                  <p:stCondLst>
-                                    <p:cond delay="0"/>
-                                  </p:stCondLst>
-                                  <p:childTnLst>
-                                    <p:set>
-                                      <p:cBhvr>
-                                        <p:cTn id="15" dur="1" fill="hold">
-                                          <p:stCondLst>
-                                            <p:cond delay="0"/>
-                                          </p:stCondLst>
-                                        </p:cTn>
-                                        <p:tgtEl>
-                                          <p:spTgt spid="37"/>
-                                        </p:tgtEl>
-                                        <p:attrNameLst>
-                                          <p:attrName>style.visibility</p:attrName>
-                                        </p:attrNameLst>
-                                      </p:cBhvr>
-                                      <p:to>
-                                        <p:strVal val="visible"/>
-                                      </p:to>
-                                    </p:set>
-                                    <p:anim calcmode="lin" valueType="num">
-                                      <p:cBhvr additive="base">
-                                        <p:cTn id="16" dur="500"/>
-                                        <p:tgtEl>
-                                          <p:spTgt spid="37"/>
-                                        </p:tgtEl>
-                                        <p:attrNameLst>
-                                          <p:attrName>ppt_y</p:attrName>
-                                        </p:attrNameLst>
-                                      </p:cBhvr>
-                                      <p:tavLst>
-                                        <p:tav tm="0">
-                                          <p:val>
-                                            <p:strVal val="#ppt_y-#ppt_h*1.125000"/>
-                                          </p:val>
-                                        </p:tav>
-                                        <p:tav tm="100000">
-                                          <p:val>
-                                            <p:strVal val="#ppt_y"/>
-                                          </p:val>
-                                        </p:tav>
-                                      </p:tavLst>
-                                    </p:anim>
-                                    <p:animEffect transition="in" filter="wipe(down)">
-                                      <p:cBhvr>
-                                        <p:cTn id="17" dur="500"/>
-                                        <p:tgtEl>
-                                          <p:spTgt spid="37"/>
-                                        </p:tgtEl>
-                                      </p:cBhvr>
-                                    </p:animEffect>
-                                  </p:childTnLst>
-                                </p:cTn>
-                              </p:par>
-                            </p:childTnLst>
-                          </p:cTn>
-                        </p:par>
-                      </p:childTnLst>
-                    </p:cTn>
-                  </p:par>
-                </p:childTnLst>
-              </p:cTn>
-              <p:prevCondLst>
-                <p:cond evt="onPrev" delay="0">
-                  <p:tgtEl>
-                    <p:sldTgt/>
-                  </p:tgtEl>
-                </p:cond>
-              </p:prevCondLst>
-              <p:nextCondLst>
-                <p:cond evt="onNext" delay="0">
-                  <p:tgtEl>
-                    <p:sldTgt/>
-                  </p:tgtEl>
-                </p:cond>
-              </p:nextCondLst>
-            </p:seq>
-          </p:childTnLst>
-        </p:cTn>
-      </p:par>
-    </p:tnLst>
-    <p:bldLst>
-      <p:bldP spid="44" grpId="0"/>
-      <p:bldP spid="44" grpId="1"/>
-      <p:bldP spid="45" grpId="0" bldLvl="0" animBg="1"/>
-      <p:bldP spid="37" grpId="0" bldLvl="0" animBg="1"/>
-    </p:bldLst>
-  </p:timing>
-</p:sld>
-</file>
-
-<file path=ppt/slides/slide13.xml><?xml version="1.0" encoding="utf-8"?>
-<p:sld xmlns:a="http://schemas.openxmlformats.org/drawingml/2006/main" xmlns:r="http://schemas.openxmlformats.org/officeDocument/2006/relationships" xmlns:p="http://schemas.openxmlformats.org/presentationml/2006/main">
-  <p:cSld>
-    <p:spTree>
-      <p:nvGrpSpPr>
-        <p:cNvPr id="1" name=""/>
-        <p:cNvGrpSpPr/>
-        <p:nvPr/>
-      </p:nvGrpSpPr>
-      <p:grpSpPr>
-        <a:xfrm>
-          <a:off x="0" y="0"/>
-          <a:ext cx="0" cy="0"/>
-          <a:chOff x="0" y="0"/>
-          <a:chExt cx="0" cy="0"/>
-        </a:xfrm>
-      </p:grpSpPr>
-      <p:pic>
-        <p:nvPicPr>
-          <p:cNvPr id="4" name="图片 3"/>
-          <p:cNvPicPr>
-            <a:picLocks noChangeAspect="1"/>
-          </p:cNvPicPr>
-          <p:nvPr/>
-        </p:nvPicPr>
-        <p:blipFill>
-          <a:blip r:embed="rId3">
-            <a:extLst>
-              <a:ext uri="{28A0092B-C50C-407E-A947-70E740481C1C}">
-                <a14:useLocalDpi xmlns:a14="http://schemas.microsoft.com/office/drawing/2010/main" val="0"/>
-              </a:ext>
-            </a:extLst>
-          </a:blip>
-          <a:srcRect/>
-          <a:stretch>
-            <a:fillRect/>
-          </a:stretch>
-        </p:blipFill>
-        <p:spPr>
-          <a:xfrm>
-            <a:off x="8025804" y="0"/>
-            <a:ext cx="6147151" cy="6857999"/>
-          </a:xfrm>
-          <a:prstGeom prst="rect">
-            <a:avLst/>
-          </a:prstGeom>
-        </p:spPr>
-      </p:pic>
-      <p:sp>
-        <p:nvSpPr>
-          <p:cNvPr id="6" name="PA-文本框 50"/>
-          <p:cNvSpPr txBox="1"/>
-          <p:nvPr>
-            <p:custDataLst>
-              <p:tags r:id="rId1"/>
-            </p:custDataLst>
-          </p:nvPr>
-        </p:nvSpPr>
-        <p:spPr>
-          <a:xfrm>
-            <a:off x="1092620" y="4477177"/>
-            <a:ext cx="5391308" cy="1245235"/>
-          </a:xfrm>
-          <a:prstGeom prst="rect">
-            <a:avLst/>
-          </a:prstGeom>
-          <a:noFill/>
-        </p:spPr>
-        <p:txBody>
-          <a:bodyPr wrap="square" rtlCol="0">
-            <a:spAutoFit/>
-          </a:bodyPr>
-          <a:lstStyle/>
-          <a:p>
-            <a:r>
-              <a:rPr lang="en-US" altLang="zh-CN" sz="1000" dirty="0">
-                <a:solidFill>
-                  <a:schemeClr val="bg1"/>
-                </a:solidFill>
-              </a:rPr>
-              <a:t>lorem ipsum dolor </a:t>
-            </a:r>
-            <a:r>
-              <a:rPr lang="en-US" altLang="zh-CN" sz="1000" dirty="0" err="1">
-                <a:solidFill>
-                  <a:schemeClr val="bg1"/>
-                </a:solidFill>
-              </a:rPr>
-              <a:t>sitlorem</a:t>
-            </a:r>
-            <a:r>
-              <a:rPr lang="en-US" altLang="zh-CN" sz="1000" dirty="0">
-                <a:solidFill>
-                  <a:schemeClr val="bg1"/>
-                </a:solidFill>
-              </a:rPr>
-              <a:t> ipsum dolor </a:t>
-            </a:r>
-            <a:r>
-              <a:rPr lang="en-US" altLang="zh-CN" sz="1000" dirty="0" err="1">
-                <a:solidFill>
-                  <a:schemeClr val="bg1"/>
-                </a:solidFill>
-              </a:rPr>
-              <a:t>sitlorem</a:t>
-            </a:r>
-            <a:r>
-              <a:rPr lang="en-US" altLang="zh-CN" sz="1000" dirty="0">
-                <a:solidFill>
-                  <a:schemeClr val="bg1"/>
-                </a:solidFill>
-              </a:rPr>
-              <a:t> ipsum dolor </a:t>
-            </a:r>
-            <a:r>
-              <a:rPr lang="en-US" altLang="zh-CN" sz="1000" dirty="0" err="1">
-                <a:solidFill>
-                  <a:schemeClr val="bg1"/>
-                </a:solidFill>
-              </a:rPr>
-              <a:t>sitorem</a:t>
-            </a:r>
-            <a:r>
-              <a:rPr lang="en-US" altLang="zh-CN" sz="1000" dirty="0">
-                <a:solidFill>
-                  <a:schemeClr val="bg1"/>
-                </a:solidFill>
-              </a:rPr>
-              <a:t> ipsum dolor </a:t>
-            </a:r>
-            <a:r>
-              <a:rPr lang="en-US" altLang="zh-CN" sz="1000" dirty="0" err="1">
-                <a:solidFill>
-                  <a:schemeClr val="bg1"/>
-                </a:solidFill>
-              </a:rPr>
-              <a:t>sitorem</a:t>
-            </a:r>
-            <a:r>
-              <a:rPr lang="en-US" altLang="zh-CN" sz="1000" dirty="0">
-                <a:solidFill>
-                  <a:schemeClr val="bg1"/>
-                </a:solidFill>
-              </a:rPr>
-              <a:t> ipsum dolor </a:t>
-            </a:r>
-            <a:r>
-              <a:rPr lang="en-US" altLang="zh-CN" sz="1000" dirty="0" err="1">
-                <a:solidFill>
-                  <a:schemeClr val="bg1"/>
-                </a:solidFill>
-              </a:rPr>
-              <a:t>sitorem</a:t>
-            </a:r>
-            <a:r>
-              <a:rPr lang="en-US" altLang="zh-CN" sz="1000" dirty="0">
-                <a:solidFill>
-                  <a:schemeClr val="bg1"/>
-                </a:solidFill>
-              </a:rPr>
-              <a:t> ipsum dolor </a:t>
-            </a:r>
-            <a:r>
-              <a:rPr lang="en-US" altLang="zh-CN" sz="1000" dirty="0" err="1">
-                <a:solidFill>
-                  <a:schemeClr val="bg1"/>
-                </a:solidFill>
-              </a:rPr>
-              <a:t>sitorem</a:t>
-            </a:r>
-            <a:r>
-              <a:rPr lang="en-US" altLang="zh-CN" sz="1000" dirty="0">
-                <a:solidFill>
-                  <a:schemeClr val="bg1"/>
-                </a:solidFill>
-              </a:rPr>
-              <a:t> ipsum dolor </a:t>
-            </a:r>
-            <a:r>
-              <a:rPr lang="en-US" altLang="zh-CN" sz="1000" dirty="0" err="1">
-                <a:solidFill>
-                  <a:schemeClr val="bg1"/>
-                </a:solidFill>
-              </a:rPr>
-              <a:t>sitlorem</a:t>
-            </a:r>
-            <a:r>
-              <a:rPr lang="en-US" altLang="zh-CN" sz="1000" dirty="0">
-                <a:solidFill>
-                  <a:schemeClr val="bg1"/>
-                </a:solidFill>
-              </a:rPr>
-              <a:t> ipsum dolor </a:t>
-            </a:r>
-            <a:r>
-              <a:rPr lang="en-US" altLang="zh-CN" sz="1000" dirty="0" err="1">
-                <a:solidFill>
-                  <a:schemeClr val="bg1"/>
-                </a:solidFill>
-              </a:rPr>
-              <a:t>sitlorem</a:t>
-            </a:r>
-            <a:r>
-              <a:rPr lang="en-US" altLang="zh-CN" sz="1000" dirty="0">
-                <a:solidFill>
-                  <a:schemeClr val="bg1"/>
-                </a:solidFill>
-              </a:rPr>
-              <a:t> ipsum dolor sit</a:t>
-            </a:r>
-            <a:endParaRPr lang="zh-CN" altLang="en-US" sz="1000" dirty="0">
-              <a:solidFill>
-                <a:schemeClr val="bg1"/>
-              </a:solidFill>
-              <a:effectLst>
-                <a:outerShdw blurRad="38100" dist="38100" dir="2700000" algn="tl">
-                  <a:srgbClr val="000000">
-                    <a:alpha val="30000"/>
-                  </a:srgbClr>
-                </a:outerShdw>
-              </a:effectLst>
-              <a:latin typeface="Arial" panose="020B0604020202020204" pitchFamily="34" charset="0"/>
-              <a:ea typeface="思源黑体 CN Heavy" panose="020B0A00000000000000" pitchFamily="34" charset="-122"/>
-              <a:cs typeface="Arial" panose="020B0604020202020204" pitchFamily="34" charset="0"/>
-            </a:endParaRPr>
-          </a:p>
-          <a:p>
-            <a:r>
-              <a:rPr lang="en-US" altLang="zh-CN" sz="1000" dirty="0">
-                <a:solidFill>
-                  <a:schemeClr val="bg1"/>
-                </a:solidFill>
-              </a:rPr>
-              <a:t>lorem ipsum dolor sit</a:t>
-            </a:r>
-            <a:endParaRPr lang="zh-CN" altLang="en-US" sz="1000" dirty="0">
-              <a:solidFill>
-                <a:schemeClr val="bg1"/>
-              </a:solidFill>
-              <a:effectLst>
-                <a:outerShdw blurRad="38100" dist="38100" dir="2700000" algn="tl">
-                  <a:srgbClr val="000000">
-                    <a:alpha val="30000"/>
-                  </a:srgbClr>
-                </a:outerShdw>
-              </a:effectLst>
-              <a:latin typeface="Arial" panose="020B0604020202020204" pitchFamily="34" charset="0"/>
-              <a:ea typeface="思源黑体 CN Heavy" panose="020B0A00000000000000" pitchFamily="34" charset="-122"/>
-              <a:cs typeface="Arial" panose="020B0604020202020204" pitchFamily="34" charset="0"/>
-            </a:endParaRPr>
-          </a:p>
-          <a:p>
-            <a:endParaRPr lang="zh-CN" altLang="en-US" sz="1000" dirty="0">
-              <a:solidFill>
-                <a:schemeClr val="bg1"/>
-              </a:solidFill>
-              <a:effectLst>
-                <a:outerShdw blurRad="38100" dist="38100" dir="2700000" algn="tl">
-                  <a:srgbClr val="000000">
-                    <a:alpha val="30000"/>
-                  </a:srgbClr>
-                </a:outerShdw>
-              </a:effectLst>
-              <a:latin typeface="Arial" panose="020B0604020202020204" pitchFamily="34" charset="0"/>
-              <a:ea typeface="思源黑体 CN Heavy" panose="020B0A00000000000000" pitchFamily="34" charset="-122"/>
-              <a:cs typeface="Arial" panose="020B0604020202020204" pitchFamily="34" charset="0"/>
-            </a:endParaRPr>
-          </a:p>
-          <a:p>
-            <a:endParaRPr lang="zh-CN" altLang="en-US" sz="1000" dirty="0">
-              <a:solidFill>
-                <a:schemeClr val="bg1"/>
-              </a:solidFill>
-              <a:effectLst>
-                <a:outerShdw blurRad="38100" dist="38100" dir="2700000" algn="tl">
-                  <a:srgbClr val="000000">
-                    <a:alpha val="30000"/>
-                  </a:srgbClr>
-                </a:outerShdw>
-              </a:effectLst>
-              <a:latin typeface="Arial" panose="020B0604020202020204" pitchFamily="34" charset="0"/>
-              <a:ea typeface="思源黑体 CN Heavy" panose="020B0A00000000000000" pitchFamily="34" charset="-122"/>
-              <a:cs typeface="Arial" panose="020B0604020202020204" pitchFamily="34" charset="0"/>
-            </a:endParaRPr>
-          </a:p>
-          <a:p>
-            <a:pPr>
-              <a:lnSpc>
-                <a:spcPct val="150000"/>
-              </a:lnSpc>
-            </a:pPr>
-            <a:endParaRPr lang="zh-CN" altLang="en-US" sz="1000" dirty="0">
-              <a:solidFill>
-                <a:schemeClr val="bg1"/>
-              </a:solidFill>
-              <a:latin typeface="思源黑体 CN Medium" panose="020B0600000000000000" pitchFamily="34" charset="-122"/>
-              <a:ea typeface="思源黑体 CN Medium" panose="020B0600000000000000" pitchFamily="34" charset="-122"/>
-            </a:endParaRPr>
-          </a:p>
-        </p:txBody>
-      </p:sp>
-      <p:sp>
-        <p:nvSpPr>
-          <p:cNvPr id="7" name="文本框 6"/>
-          <p:cNvSpPr txBox="1"/>
-          <p:nvPr/>
-        </p:nvSpPr>
-        <p:spPr>
-          <a:xfrm>
-            <a:off x="1086398" y="3424006"/>
-            <a:ext cx="3673630" cy="970915"/>
-          </a:xfrm>
-          <a:prstGeom prst="rect">
-            <a:avLst/>
-          </a:prstGeom>
-          <a:noFill/>
-          <a:scene3d>
-            <a:camera prst="perspectiveRight"/>
-            <a:lightRig rig="threePt" dir="t"/>
-          </a:scene3d>
-        </p:spPr>
-        <p:txBody>
-          <a:bodyPr wrap="square" rtlCol="0">
-            <a:spAutoFit/>
-          </a:bodyPr>
-          <a:lstStyle/>
-          <a:p>
-            <a:pPr>
-              <a:lnSpc>
-                <a:spcPct val="130000"/>
-              </a:lnSpc>
-            </a:pPr>
-            <a:r>
-              <a:rPr lang="zh-CN" altLang="en-US" sz="4400" b="1" dirty="0">
-                <a:solidFill>
-                  <a:srgbClr val="F0D58B"/>
-                </a:solidFill>
-                <a:latin typeface="思源黑体 CN Heavy" panose="020B0A00000000000000" pitchFamily="34" charset="-122"/>
-                <a:ea typeface="思源黑体 CN Heavy" panose="020B0A00000000000000" pitchFamily="34" charset="-122"/>
-              </a:rPr>
-              <a:t>工作分析</a:t>
-            </a:r>
-          </a:p>
-        </p:txBody>
-      </p:sp>
-    </p:spTree>
-  </p:cSld>
-  <p:clrMapOvr>
-    <a:masterClrMapping/>
-  </p:clrMapOvr>
-  <p:transition spd="slow">
-    <p:comb/>
-  </p:transition>
-  <mc:AlternateContent xmlns:mc="http://schemas.openxmlformats.org/markup-compatibility/2006" xmlns:p14="http://schemas.microsoft.com/office/powerpoint/2010/main">
-    <mc:Choice Requires="p14">
-      <p:timing>
-        <p:tnLst>
-          <p:par>
-            <p:cTn id="1" dur="indefinite" restart="never" nodeType="tmRoot">
-              <p:childTnLst>
-                <p:seq concurrent="1" nextAc="seek">
-                  <p:cTn id="2" dur="indefinite" nodeType="mainSeq">
-                    <p:childTnLst>
-                      <p:par>
-                        <p:cTn id="3" fill="hold">
-                          <p:stCondLst>
-                            <p:cond delay="indefinite"/>
-                            <p:cond evt="onBegin" delay="0">
-                              <p:tn val="2"/>
-                            </p:cond>
-                          </p:stCondLst>
-                          <p:childTnLst>
-                            <p:par>
-                              <p:cTn id="4" fill="hold">
-                                <p:stCondLst>
-                                  <p:cond delay="0"/>
-                                </p:stCondLst>
-                                <p:childTnLst>
-                                  <p:par>
-                                    <p:cTn id="5" presetID="2" presetClass="entr" presetSubtype="2" fill="hold" nodeType="afterEffect" p14:presetBounceEnd="80000">
-                                      <p:stCondLst>
-                                        <p:cond delay="0"/>
-                                      </p:stCondLst>
-                                      <p:childTnLst>
-                                        <p:set>
-                                          <p:cBhvr>
-                                            <p:cTn id="6" dur="1" fill="hold">
-                                              <p:stCondLst>
-                                                <p:cond delay="0"/>
-                                              </p:stCondLst>
-                                            </p:cTn>
-                                            <p:tgtEl>
-                                              <p:spTgt spid="4"/>
-                                            </p:tgtEl>
-                                            <p:attrNameLst>
-                                              <p:attrName>style.visibility</p:attrName>
-                                            </p:attrNameLst>
-                                          </p:cBhvr>
-                                          <p:to>
-                                            <p:strVal val="visible"/>
-                                          </p:to>
-                                        </p:set>
-                                        <p:anim calcmode="lin" valueType="num" p14:bounceEnd="80000">
-                                          <p:cBhvr additive="base">
-                                            <p:cTn id="7" dur="500" fill="hold"/>
-                                            <p:tgtEl>
-                                              <p:spTgt spid="4"/>
-                                            </p:tgtEl>
-                                            <p:attrNameLst>
-                                              <p:attrName>ppt_x</p:attrName>
-                                            </p:attrNameLst>
-                                          </p:cBhvr>
-                                          <p:tavLst>
-                                            <p:tav tm="0">
-                                              <p:val>
-                                                <p:strVal val="1+#ppt_w/2"/>
-                                              </p:val>
-                                            </p:tav>
-                                            <p:tav tm="100000">
-                                              <p:val>
-                                                <p:strVal val="#ppt_x"/>
-                                              </p:val>
-                                            </p:tav>
-                                          </p:tavLst>
-                                        </p:anim>
-                                        <p:anim calcmode="lin" valueType="num" p14:bounceEnd="80000">
-                                          <p:cBhvr additive="base">
-                                            <p:cTn id="8" dur="500" fill="hold"/>
-                                            <p:tgtEl>
-                                              <p:spTgt spid="4"/>
-                                            </p:tgtEl>
-                                            <p:attrNameLst>
-                                              <p:attrName>ppt_y</p:attrName>
-                                            </p:attrNameLst>
-                                          </p:cBhvr>
-                                          <p:tavLst>
-                                            <p:tav tm="0">
-                                              <p:val>
-                                                <p:strVal val="#ppt_y"/>
-                                              </p:val>
-                                            </p:tav>
-                                            <p:tav tm="100000">
-                                              <p:val>
-                                                <p:strVal val="#ppt_y"/>
-                                              </p:val>
-                                            </p:tav>
-                                          </p:tavLst>
-                                        </p:anim>
-                                      </p:childTnLst>
-                                    </p:cTn>
-                                  </p:par>
-                                  <p:par>
-                                    <p:cTn id="9" presetID="41" presetClass="entr" presetSubtype="0" fill="hold" grpId="0" nodeType="withEffect">
-                                      <p:stCondLst>
-                                        <p:cond delay="300"/>
-                                      </p:stCondLst>
-                                      <p:iterate type="lt">
-                                        <p:tmPct val="10000"/>
-                                      </p:iterate>
-                                      <p:childTnLst>
-                                        <p:set>
-                                          <p:cBhvr>
-                                            <p:cTn id="10" dur="1" fill="hold">
-                                              <p:stCondLst>
-                                                <p:cond delay="0"/>
-                                              </p:stCondLst>
-                                            </p:cTn>
-                                            <p:tgtEl>
-                                              <p:spTgt spid="7"/>
-                                            </p:tgtEl>
-                                            <p:attrNameLst>
-                                              <p:attrName>style.visibility</p:attrName>
-                                            </p:attrNameLst>
-                                          </p:cBhvr>
-                                          <p:to>
-                                            <p:strVal val="visible"/>
-                                          </p:to>
-                                        </p:set>
-                                        <p:anim calcmode="lin" valueType="num">
-                                          <p:cBhvr>
-                                            <p:cTn id="11" dur="750" fill="hold"/>
-                                            <p:tgtEl>
-                                              <p:spTgt spid="7"/>
-                                            </p:tgtEl>
-                                            <p:attrNameLst>
-                                              <p:attrName>ppt_x</p:attrName>
-                                            </p:attrNameLst>
-                                          </p:cBhvr>
-                                          <p:tavLst>
-                                            <p:tav tm="0">
-                                              <p:val>
-                                                <p:strVal val="#ppt_x"/>
-                                              </p:val>
-                                            </p:tav>
-                                            <p:tav tm="50000">
-                                              <p:val>
-                                                <p:strVal val="#ppt_x+.1"/>
-                                              </p:val>
-                                            </p:tav>
-                                            <p:tav tm="100000">
-                                              <p:val>
-                                                <p:strVal val="#ppt_x"/>
-                                              </p:val>
-                                            </p:tav>
-                                          </p:tavLst>
-                                        </p:anim>
-                                        <p:anim calcmode="lin" valueType="num">
-                                          <p:cBhvr>
-                                            <p:cTn id="12" dur="750" fill="hold"/>
-                                            <p:tgtEl>
-                                              <p:spTgt spid="7"/>
-                                            </p:tgtEl>
-                                            <p:attrNameLst>
-                                              <p:attrName>ppt_y</p:attrName>
-                                            </p:attrNameLst>
-                                          </p:cBhvr>
-                                          <p:tavLst>
-                                            <p:tav tm="0">
-                                              <p:val>
-                                                <p:strVal val="#ppt_y"/>
-                                              </p:val>
-                                            </p:tav>
-                                            <p:tav tm="100000">
-                                              <p:val>
-                                                <p:strVal val="#ppt_y"/>
-                                              </p:val>
-                                            </p:tav>
-                                          </p:tavLst>
-                                        </p:anim>
-                                        <p:anim calcmode="lin" valueType="num">
-                                          <p:cBhvr>
-                                            <p:cTn id="13" dur="750" fill="hold"/>
-                                            <p:tgtEl>
-                                              <p:spTgt spid="7"/>
-                                            </p:tgtEl>
-                                            <p:attrNameLst>
-                                              <p:attrName>ppt_h</p:attrName>
-                                            </p:attrNameLst>
-                                          </p:cBhvr>
-                                          <p:tavLst>
-                                            <p:tav tm="0">
-                                              <p:val>
-                                                <p:strVal val="#ppt_h/10"/>
-                                              </p:val>
-                                            </p:tav>
-                                            <p:tav tm="50000">
-                                              <p:val>
-                                                <p:strVal val="#ppt_h+.01"/>
-                                              </p:val>
-                                            </p:tav>
-                                            <p:tav tm="100000">
-                                              <p:val>
-                                                <p:strVal val="#ppt_h"/>
-                                              </p:val>
-                                            </p:tav>
-                                          </p:tavLst>
-                                        </p:anim>
-                                        <p:anim calcmode="lin" valueType="num">
-                                          <p:cBhvr>
-                                            <p:cTn id="14" dur="750" fill="hold"/>
-                                            <p:tgtEl>
-                                              <p:spTgt spid="7"/>
-                                            </p:tgtEl>
-                                            <p:attrNameLst>
-                                              <p:attrName>ppt_w</p:attrName>
-                                            </p:attrNameLst>
-                                          </p:cBhvr>
-                                          <p:tavLst>
-                                            <p:tav tm="0">
-                                              <p:val>
-                                                <p:strVal val="#ppt_w/10"/>
-                                              </p:val>
-                                            </p:tav>
-                                            <p:tav tm="50000">
-                                              <p:val>
-                                                <p:strVal val="#ppt_w+.01"/>
-                                              </p:val>
-                                            </p:tav>
-                                            <p:tav tm="100000">
-                                              <p:val>
-                                                <p:strVal val="#ppt_w"/>
-                                              </p:val>
-                                            </p:tav>
-                                          </p:tavLst>
-                                        </p:anim>
-                                        <p:animEffect transition="in" filter="fade">
-                                          <p:cBhvr>
-                                            <p:cTn id="15" dur="750" tmFilter="0,0; .5, 1; 1, 1"/>
-                                            <p:tgtEl>
-                                              <p:spTgt spid="7"/>
-                                            </p:tgtEl>
-                                          </p:cBhvr>
-                                        </p:animEffect>
-                                      </p:childTnLst>
-                                    </p:cTn>
-                                  </p:par>
-                                  <p:par>
-                                    <p:cTn id="16" presetID="22" presetClass="entr" presetSubtype="1" fill="hold" grpId="0" nodeType="withEffect">
-                                      <p:stCondLst>
-                                        <p:cond delay="1750"/>
-                                      </p:stCondLst>
-                                      <p:childTnLst>
-                                        <p:set>
-                                          <p:cBhvr>
-                                            <p:cTn id="17" dur="1" fill="hold">
-                                              <p:stCondLst>
-                                                <p:cond delay="0"/>
-                                              </p:stCondLst>
-                                            </p:cTn>
-                                            <p:tgtEl>
-                                              <p:spTgt spid="6"/>
-                                            </p:tgtEl>
-                                            <p:attrNameLst>
-                                              <p:attrName>style.visibility</p:attrName>
-                                            </p:attrNameLst>
-                                          </p:cBhvr>
-                                          <p:to>
-                                            <p:strVal val="visible"/>
-                                          </p:to>
-                                        </p:set>
-                                        <p:animEffect transition="in" filter="wipe(up)">
-                                          <p:cBhvr>
-                                            <p:cTn id="18" dur="500"/>
-                                            <p:tgtEl>
-                                              <p:spTgt spid="6"/>
-                                            </p:tgtEl>
-                                          </p:cBhvr>
-                                        </p:animEffect>
-                                      </p:childTnLst>
-                                    </p:cTn>
-                                  </p:par>
-                                </p:childTnLst>
-                              </p:cTn>
-                            </p:par>
-                          </p:childTnLst>
-                        </p:cTn>
-                      </p:par>
-                    </p:childTnLst>
-                  </p:cTn>
-                  <p:prevCondLst>
-                    <p:cond evt="onPrev" delay="0">
-                      <p:tgtEl>
-                        <p:sldTgt/>
-                      </p:tgtEl>
-                    </p:cond>
-                  </p:prevCondLst>
-                  <p:nextCondLst>
-                    <p:cond evt="onNext" delay="0">
-                      <p:tgtEl>
-                        <p:sldTgt/>
-                      </p:tgtEl>
-                    </p:cond>
-                  </p:nextCondLst>
-                </p:seq>
-              </p:childTnLst>
-            </p:cTn>
-          </p:par>
-        </p:tnLst>
-        <p:bldLst>
-          <p:bldP spid="6" grpId="0"/>
-          <p:bldP spid="7" grpId="0"/>
-        </p:bldLst>
-      </p:timing>
-    </mc:Choice>
-    <mc:Fallback xmlns="">
-      <p:timing>
-        <p:tnLst>
-          <p:par>
-            <p:cTn id="1" dur="indefinite" restart="never" nodeType="tmRoot">
-              <p:childTnLst>
-                <p:seq concurrent="1" nextAc="seek">
-                  <p:cTn id="2" dur="indefinite" nodeType="mainSeq">
-                    <p:childTnLst>
-                      <p:par>
-                        <p:cTn id="3" fill="hold">
-                          <p:stCondLst>
-                            <p:cond delay="indefinite"/>
-                            <p:cond evt="onBegin" delay="0">
-                              <p:tn val="2"/>
-                            </p:cond>
-                          </p:stCondLst>
-                          <p:childTnLst>
-                            <p:par>
-                              <p:cTn id="4" fill="hold">
-                                <p:stCondLst>
-                                  <p:cond delay="0"/>
-                                </p:stCondLst>
-                                <p:childTnLst>
-                                  <p:par>
-                                    <p:cTn id="5" presetID="2" presetClass="entr" presetSubtype="2" fill="hold" nodeType="afterEffect">
-                                      <p:stCondLst>
-                                        <p:cond delay="0"/>
-                                      </p:stCondLst>
-                                      <p:childTnLst>
-                                        <p:set>
-                                          <p:cBhvr>
-                                            <p:cTn id="6" dur="1" fill="hold">
-                                              <p:stCondLst>
-                                                <p:cond delay="0"/>
-                                              </p:stCondLst>
-                                            </p:cTn>
-                                            <p:tgtEl>
-                                              <p:spTgt spid="4"/>
-                                            </p:tgtEl>
-                                            <p:attrNameLst>
-                                              <p:attrName>style.visibility</p:attrName>
-                                            </p:attrNameLst>
-                                          </p:cBhvr>
-                                          <p:to>
-                                            <p:strVal val="visible"/>
-                                          </p:to>
-                                        </p:set>
-                                        <p:anim calcmode="lin" valueType="num">
-                                          <p:cBhvr additive="base">
-                                            <p:cTn id="7" dur="500" fill="hold"/>
-                                            <p:tgtEl>
-                                              <p:spTgt spid="4"/>
-                                            </p:tgtEl>
-                                            <p:attrNameLst>
-                                              <p:attrName>ppt_x</p:attrName>
-                                            </p:attrNameLst>
-                                          </p:cBhvr>
-                                          <p:tavLst>
-                                            <p:tav tm="0">
-                                              <p:val>
-                                                <p:strVal val="1+#ppt_w/2"/>
-                                              </p:val>
-                                            </p:tav>
-                                            <p:tav tm="100000">
-                                              <p:val>
-                                                <p:strVal val="#ppt_x"/>
-                                              </p:val>
-                                            </p:tav>
-                                          </p:tavLst>
-                                        </p:anim>
-                                        <p:anim calcmode="lin" valueType="num">
-                                          <p:cBhvr additive="base">
-                                            <p:cTn id="8" dur="500" fill="hold"/>
-                                            <p:tgtEl>
-                                              <p:spTgt spid="4"/>
-                                            </p:tgtEl>
-                                            <p:attrNameLst>
-                                              <p:attrName>ppt_y</p:attrName>
-                                            </p:attrNameLst>
-                                          </p:cBhvr>
-                                          <p:tavLst>
-                                            <p:tav tm="0">
-                                              <p:val>
-                                                <p:strVal val="#ppt_y"/>
-                                              </p:val>
-                                            </p:tav>
-                                            <p:tav tm="100000">
-                                              <p:val>
-                                                <p:strVal val="#ppt_y"/>
-                                              </p:val>
-                                            </p:tav>
-                                          </p:tavLst>
-                                        </p:anim>
-                                      </p:childTnLst>
-                                    </p:cTn>
-                                  </p:par>
-                                  <p:par>
-                                    <p:cTn id="9" presetID="41" presetClass="entr" presetSubtype="0" fill="hold" grpId="0" nodeType="withEffect">
-                                      <p:stCondLst>
-                                        <p:cond delay="300"/>
-                                      </p:stCondLst>
-                                      <p:iterate type="lt">
-                                        <p:tmPct val="10000"/>
-                                      </p:iterate>
-                                      <p:childTnLst>
-                                        <p:set>
-                                          <p:cBhvr>
-                                            <p:cTn id="10" dur="1" fill="hold">
-                                              <p:stCondLst>
-                                                <p:cond delay="0"/>
-                                              </p:stCondLst>
-                                            </p:cTn>
-                                            <p:tgtEl>
-                                              <p:spTgt spid="7"/>
-                                            </p:tgtEl>
-                                            <p:attrNameLst>
-                                              <p:attrName>style.visibility</p:attrName>
-                                            </p:attrNameLst>
-                                          </p:cBhvr>
-                                          <p:to>
-                                            <p:strVal val="visible"/>
-                                          </p:to>
-                                        </p:set>
-                                        <p:anim calcmode="lin" valueType="num">
-                                          <p:cBhvr>
-                                            <p:cTn id="11" dur="750" fill="hold"/>
-                                            <p:tgtEl>
-                                              <p:spTgt spid="7"/>
-                                            </p:tgtEl>
-                                            <p:attrNameLst>
-                                              <p:attrName>ppt_x</p:attrName>
-                                            </p:attrNameLst>
-                                          </p:cBhvr>
-                                          <p:tavLst>
-                                            <p:tav tm="0">
-                                              <p:val>
-                                                <p:strVal val="#ppt_x"/>
-                                              </p:val>
-                                            </p:tav>
-                                            <p:tav tm="50000">
-                                              <p:val>
-                                                <p:strVal val="#ppt_x+.1"/>
-                                              </p:val>
-                                            </p:tav>
-                                            <p:tav tm="100000">
-                                              <p:val>
-                                                <p:strVal val="#ppt_x"/>
-                                              </p:val>
-                                            </p:tav>
-                                          </p:tavLst>
-                                        </p:anim>
-                                        <p:anim calcmode="lin" valueType="num">
-                                          <p:cBhvr>
-                                            <p:cTn id="12" dur="750" fill="hold"/>
-                                            <p:tgtEl>
-                                              <p:spTgt spid="7"/>
-                                            </p:tgtEl>
-                                            <p:attrNameLst>
-                                              <p:attrName>ppt_y</p:attrName>
-                                            </p:attrNameLst>
-                                          </p:cBhvr>
-                                          <p:tavLst>
-                                            <p:tav tm="0">
-                                              <p:val>
-                                                <p:strVal val="#ppt_y"/>
-                                              </p:val>
-                                            </p:tav>
-                                            <p:tav tm="100000">
-                                              <p:val>
-                                                <p:strVal val="#ppt_y"/>
-                                              </p:val>
-                                            </p:tav>
-                                          </p:tavLst>
-                                        </p:anim>
-                                        <p:anim calcmode="lin" valueType="num">
-                                          <p:cBhvr>
-                                            <p:cTn id="13" dur="750" fill="hold"/>
-                                            <p:tgtEl>
-                                              <p:spTgt spid="7"/>
-                                            </p:tgtEl>
-                                            <p:attrNameLst>
-                                              <p:attrName>ppt_h</p:attrName>
-                                            </p:attrNameLst>
-                                          </p:cBhvr>
-                                          <p:tavLst>
-                                            <p:tav tm="0">
-                                              <p:val>
-                                                <p:strVal val="#ppt_h/10"/>
-                                              </p:val>
-                                            </p:tav>
-                                            <p:tav tm="50000">
-                                              <p:val>
-                                                <p:strVal val="#ppt_h+.01"/>
-                                              </p:val>
-                                            </p:tav>
-                                            <p:tav tm="100000">
-                                              <p:val>
-                                                <p:strVal val="#ppt_h"/>
-                                              </p:val>
-                                            </p:tav>
-                                          </p:tavLst>
-                                        </p:anim>
-                                        <p:anim calcmode="lin" valueType="num">
-                                          <p:cBhvr>
-                                            <p:cTn id="14" dur="750" fill="hold"/>
-                                            <p:tgtEl>
-                                              <p:spTgt spid="7"/>
-                                            </p:tgtEl>
-                                            <p:attrNameLst>
-                                              <p:attrName>ppt_w</p:attrName>
-                                            </p:attrNameLst>
-                                          </p:cBhvr>
-                                          <p:tavLst>
-                                            <p:tav tm="0">
-                                              <p:val>
-                                                <p:strVal val="#ppt_w/10"/>
-                                              </p:val>
-                                            </p:tav>
-                                            <p:tav tm="50000">
-                                              <p:val>
-                                                <p:strVal val="#ppt_w+.01"/>
-                                              </p:val>
-                                            </p:tav>
-                                            <p:tav tm="100000">
-                                              <p:val>
-                                                <p:strVal val="#ppt_w"/>
-                                              </p:val>
-                                            </p:tav>
-                                          </p:tavLst>
-                                        </p:anim>
-                                        <p:animEffect transition="in" filter="fade">
-                                          <p:cBhvr>
-                                            <p:cTn id="15" dur="750" tmFilter="0,0; .5, 1; 1, 1"/>
-                                            <p:tgtEl>
-                                              <p:spTgt spid="7"/>
-                                            </p:tgtEl>
-                                          </p:cBhvr>
-                                        </p:animEffect>
-                                      </p:childTnLst>
-                                    </p:cTn>
-                                  </p:par>
-                                  <p:par>
-                                    <p:cTn id="16" presetID="22" presetClass="entr" presetSubtype="1" fill="hold" grpId="0" nodeType="withEffect">
-                                      <p:stCondLst>
-                                        <p:cond delay="1750"/>
-                                      </p:stCondLst>
-                                      <p:childTnLst>
-                                        <p:set>
-                                          <p:cBhvr>
-                                            <p:cTn id="17" dur="1" fill="hold">
-                                              <p:stCondLst>
-                                                <p:cond delay="0"/>
-                                              </p:stCondLst>
-                                            </p:cTn>
-                                            <p:tgtEl>
-                                              <p:spTgt spid="6"/>
-                                            </p:tgtEl>
-                                            <p:attrNameLst>
-                                              <p:attrName>style.visibility</p:attrName>
-                                            </p:attrNameLst>
-                                          </p:cBhvr>
-                                          <p:to>
-                                            <p:strVal val="visible"/>
-                                          </p:to>
-                                        </p:set>
-                                        <p:animEffect transition="in" filter="wipe(up)">
-                                          <p:cBhvr>
-                                            <p:cTn id="18" dur="500"/>
-                                            <p:tgtEl>
-                                              <p:spTgt spid="6"/>
-                                            </p:tgtEl>
-                                          </p:cBhvr>
-                                        </p:animEffect>
-                                      </p:childTnLst>
-                                    </p:cTn>
-                                  </p:par>
-                                </p:childTnLst>
-                              </p:cTn>
-                            </p:par>
-                          </p:childTnLst>
-                        </p:cTn>
-                      </p:par>
-                    </p:childTnLst>
-                  </p:cTn>
-                  <p:prevCondLst>
-                    <p:cond evt="onPrev" delay="0">
-                      <p:tgtEl>
-                        <p:sldTgt/>
-                      </p:tgtEl>
-                    </p:cond>
-                  </p:prevCondLst>
-                  <p:nextCondLst>
-                    <p:cond evt="onNext" delay="0">
-                      <p:tgtEl>
-                        <p:sldTgt/>
-                      </p:tgtEl>
-                    </p:cond>
-                  </p:nextCondLst>
-                </p:seq>
-              </p:childTnLst>
-            </p:cTn>
-          </p:par>
-        </p:tnLst>
-        <p:bldLst>
-          <p:bldP spid="6" grpId="0"/>
-          <p:bldP spid="7" grpId="0"/>
-        </p:bldLst>
-      </p:timing>
-    </mc:Fallback>
-  </mc:AlternateContent>
-</p:sld>
-</file>
-
-<file path=ppt/slides/slide14.xml><?xml version="1.0" encoding="utf-8"?>
-<p:sld xmlns:a="http://schemas.openxmlformats.org/drawingml/2006/main" xmlns:r="http://schemas.openxmlformats.org/officeDocument/2006/relationships" xmlns:p="http://schemas.openxmlformats.org/presentationml/2006/main">
-  <p:cSld>
-    <p:spTree>
-      <p:nvGrpSpPr>
-        <p:cNvPr id="1" name=""/>
-        <p:cNvGrpSpPr/>
-        <p:nvPr/>
-      </p:nvGrpSpPr>
-      <p:grpSpPr>
-        <a:xfrm>
-          <a:off x="0" y="0"/>
-          <a:ext cx="0" cy="0"/>
-          <a:chOff x="0" y="0"/>
-          <a:chExt cx="0" cy="0"/>
-        </a:xfrm>
-      </p:grpSpPr>
-      <p:sp>
-        <p:nvSpPr>
-          <p:cNvPr id="18" name="文本框 17"/>
-          <p:cNvSpPr txBox="1"/>
-          <p:nvPr/>
-        </p:nvSpPr>
-        <p:spPr>
-          <a:xfrm>
-            <a:off x="643255" y="180340"/>
-            <a:ext cx="1612900" cy="521970"/>
-          </a:xfrm>
-          <a:prstGeom prst="rect">
-            <a:avLst/>
-          </a:prstGeom>
-          <a:noFill/>
-        </p:spPr>
-        <p:txBody>
-          <a:bodyPr wrap="none" rtlCol="0">
-            <a:spAutoFit/>
-          </a:bodyPr>
-          <a:lstStyle/>
-          <a:p>
-            <a:r>
-              <a:rPr lang="zh-CN" altLang="en-US" sz="2800" b="1" dirty="0">
-                <a:solidFill>
-                  <a:schemeClr val="bg1"/>
-                </a:solidFill>
-                <a:ea typeface="思源黑体 CN Heavy" panose="020B0A00000000000000" pitchFamily="34" charset="-122"/>
-              </a:rPr>
-              <a:t>工作分析</a:t>
-            </a:r>
-          </a:p>
-        </p:txBody>
-      </p:sp>
-      <p:sp>
-        <p:nvSpPr>
-          <p:cNvPr id="44" name="文本框 146"/>
-          <p:cNvSpPr txBox="1"/>
-          <p:nvPr/>
-        </p:nvSpPr>
-        <p:spPr>
-          <a:xfrm>
-            <a:off x="915035" y="1696720"/>
-            <a:ext cx="4883150" cy="1303655"/>
-          </a:xfrm>
-          <a:prstGeom prst="rect">
-            <a:avLst/>
-          </a:prstGeom>
-          <a:noFill/>
-          <a:ln w="9525">
-            <a:noFill/>
-            <a:miter lim="800000"/>
-          </a:ln>
-          <a:extLst>
-            <a:ext uri="{909E8E84-426E-40DD-AFC4-6F175D3DCCD1}">
-              <a14:hiddenFill xmlns:a14="http://schemas.microsoft.com/office/drawing/2010/main">
-                <a:solidFill>
-                  <a:srgbClr val="FFFFFF"/>
-                </a:solidFill>
-              </a14:hiddenFill>
-            </a:ext>
-          </a:extLst>
-        </p:spPr>
-        <p:txBody>
-          <a:bodyPr lIns="135785" tIns="67891" rIns="135785" bIns="67891">
-            <a:noAutofit/>
-          </a:bodyPr>
-          <a:lstStyle>
-            <a:defPPr>
-              <a:defRPr lang="zh-CN"/>
-            </a:defPPr>
-            <a:lvl1pPr fontAlgn="base">
-              <a:lnSpc>
-                <a:spcPct val="110000"/>
-              </a:lnSpc>
-              <a:spcBef>
-                <a:spcPct val="0"/>
-              </a:spcBef>
-              <a:spcAft>
-                <a:spcPct val="0"/>
-              </a:spcAft>
-              <a:defRPr sz="1400">
-                <a:solidFill>
-                  <a:prstClr val="black">
-                    <a:lumMod val="50000"/>
-                    <a:lumOff val="50000"/>
-                  </a:prstClr>
-                </a:solidFill>
-                <a:latin typeface="Arial" panose="020B0604020202020204"/>
-                <a:cs typeface="+mn-ea"/>
-              </a:defRPr>
-            </a:lvl1pPr>
-            <a:lvl2pPr marL="457200" fontAlgn="base">
-              <a:spcBef>
-                <a:spcPct val="0"/>
-              </a:spcBef>
-              <a:spcAft>
-                <a:spcPct val="0"/>
-              </a:spcAft>
-              <a:defRPr>
-                <a:latin typeface="Calibri" panose="020F0502020204030204" pitchFamily="34" charset="0"/>
-                <a:cs typeface="Arial" panose="020B0604020202020204" pitchFamily="34" charset="0"/>
-              </a:defRPr>
-            </a:lvl2pPr>
-            <a:lvl3pPr marL="914400" fontAlgn="base">
-              <a:spcBef>
-                <a:spcPct val="0"/>
-              </a:spcBef>
-              <a:spcAft>
-                <a:spcPct val="0"/>
-              </a:spcAft>
-              <a:defRPr>
-                <a:latin typeface="Calibri" panose="020F0502020204030204" pitchFamily="34" charset="0"/>
-                <a:cs typeface="Arial" panose="020B0604020202020204" pitchFamily="34" charset="0"/>
-              </a:defRPr>
-            </a:lvl3pPr>
-            <a:lvl4pPr marL="1371600" fontAlgn="base">
-              <a:spcBef>
-                <a:spcPct val="0"/>
-              </a:spcBef>
-              <a:spcAft>
-                <a:spcPct val="0"/>
-              </a:spcAft>
-              <a:defRPr>
-                <a:latin typeface="Calibri" panose="020F0502020204030204" pitchFamily="34" charset="0"/>
-                <a:cs typeface="Arial" panose="020B0604020202020204" pitchFamily="34" charset="0"/>
-              </a:defRPr>
-            </a:lvl4pPr>
-            <a:lvl5pPr marL="1828800" fontAlgn="base">
-              <a:spcBef>
-                <a:spcPct val="0"/>
-              </a:spcBef>
-              <a:spcAft>
-                <a:spcPct val="0"/>
-              </a:spcAft>
-              <a:defRPr>
-                <a:latin typeface="Calibri" panose="020F0502020204030204" pitchFamily="34" charset="0"/>
-                <a:cs typeface="Arial" panose="020B0604020202020204" pitchFamily="34" charset="0"/>
-              </a:defRPr>
-            </a:lvl5pPr>
-            <a:lvl6pPr marL="2286000" defTabSz="914400">
-              <a:defRPr>
-                <a:latin typeface="Calibri" panose="020F0502020204030204" pitchFamily="34" charset="0"/>
-                <a:cs typeface="Arial" panose="020B0604020202020204" pitchFamily="34" charset="0"/>
-              </a:defRPr>
-            </a:lvl6pPr>
-            <a:lvl7pPr marL="2743200" defTabSz="914400">
-              <a:defRPr>
-                <a:latin typeface="Calibri" panose="020F0502020204030204" pitchFamily="34" charset="0"/>
-                <a:cs typeface="Arial" panose="020B0604020202020204" pitchFamily="34" charset="0"/>
-              </a:defRPr>
-            </a:lvl7pPr>
-            <a:lvl8pPr marL="3200400" defTabSz="914400">
-              <a:defRPr>
-                <a:latin typeface="Calibri" panose="020F0502020204030204" pitchFamily="34" charset="0"/>
-                <a:cs typeface="Arial" panose="020B0604020202020204" pitchFamily="34" charset="0"/>
-              </a:defRPr>
-            </a:lvl8pPr>
-            <a:lvl9pPr marL="3657600" defTabSz="914400">
-              <a:defRPr>
-                <a:latin typeface="Calibri" panose="020F0502020204030204" pitchFamily="34" charset="0"/>
-                <a:cs typeface="Arial" panose="020B0604020202020204" pitchFamily="34" charset="0"/>
-              </a:defRPr>
-            </a:lvl9pPr>
-          </a:lstStyle>
-          <a:p>
-            <a:endParaRPr lang="zh-CN" altLang="en-US" sz="1800" b="1" dirty="0">
-              <a:solidFill>
-                <a:prstClr val="black">
-                  <a:lumMod val="50000"/>
-                  <a:lumOff val="50000"/>
-                </a:prstClr>
-              </a:solidFill>
-              <a:effectLst>
-                <a:outerShdw blurRad="38100" dist="38100" dir="2700000" algn="tl">
-                  <a:srgbClr val="000000">
-                    <a:alpha val="30000"/>
-                  </a:srgbClr>
-                </a:outerShdw>
-              </a:effectLst>
-              <a:uFillTx/>
-              <a:latin typeface="华文中宋" panose="02010600040101010101" charset="-122"/>
-              <a:ea typeface="华文中宋" panose="02010600040101010101" charset="-122"/>
-              <a:cs typeface="Arial" panose="020B0604020202020204" pitchFamily="34" charset="0"/>
-            </a:endParaRPr>
-          </a:p>
-        </p:txBody>
-      </p:sp>
-      <p:sp>
-        <p:nvSpPr>
-          <p:cNvPr id="45" name="文本框 145"/>
-          <p:cNvSpPr txBox="1"/>
-          <p:nvPr/>
-        </p:nvSpPr>
-        <p:spPr>
-          <a:xfrm>
-            <a:off x="732155" y="1842770"/>
-            <a:ext cx="4653280" cy="2922905"/>
-          </a:xfrm>
-          <a:prstGeom prst="rect">
-            <a:avLst/>
-          </a:prstGeom>
-          <a:noFill/>
-          <a:ln>
-            <a:noFill/>
-          </a:ln>
-        </p:spPr>
-        <p:style>
-          <a:lnRef idx="2">
-            <a:schemeClr val="accent1">
-              <a:shade val="50000"/>
-            </a:schemeClr>
-          </a:lnRef>
-          <a:fillRef idx="1">
-            <a:schemeClr val="accent1"/>
-          </a:fillRef>
-          <a:effectRef idx="0">
-            <a:schemeClr val="accent1"/>
-          </a:effectRef>
-          <a:fontRef idx="minor">
-            <a:schemeClr val="lt1"/>
-          </a:fontRef>
-        </p:style>
-        <p:txBody>
-          <a:bodyPr wrap="square" lIns="178172" tIns="0" rIns="178172" bIns="0" rtlCol="0" anchor="t">
-            <a:noAutofit/>
-          </a:bodyPr>
-          <a:lstStyle>
-            <a:defPPr>
-              <a:defRPr lang="zh-CN"/>
-            </a:defPPr>
-            <a:lvl1pPr marL="285750" indent="-285750">
-              <a:lnSpc>
-                <a:spcPct val="120000"/>
-              </a:lnSpc>
-              <a:buClr>
-                <a:schemeClr val="accent1"/>
-              </a:buClr>
-              <a:buFont typeface="Wingdings" panose="05000000000000000000" pitchFamily="2" charset="2"/>
-              <a:buChar char="n"/>
-              <a:defRPr sz="1800" b="1">
-                <a:solidFill>
-                  <a:schemeClr val="bg1">
-                    <a:lumMod val="50000"/>
-                  </a:schemeClr>
-                </a:solidFill>
-                <a:cs typeface="+mn-ea"/>
-              </a:defRPr>
-            </a:lvl1pPr>
-            <a:lvl2pPr>
-              <a:defRPr>
-                <a:solidFill>
-                  <a:schemeClr val="lt1"/>
-                </a:solidFill>
-              </a:defRPr>
-            </a:lvl2pPr>
-            <a:lvl3pPr>
-              <a:defRPr>
-                <a:solidFill>
-                  <a:schemeClr val="lt1"/>
-                </a:solidFill>
-              </a:defRPr>
-            </a:lvl3pPr>
-            <a:lvl4pPr>
-              <a:defRPr>
-                <a:solidFill>
-                  <a:schemeClr val="lt1"/>
-                </a:solidFill>
-              </a:defRPr>
-            </a:lvl4pPr>
-            <a:lvl5pPr>
-              <a:defRPr>
-                <a:solidFill>
-                  <a:schemeClr val="lt1"/>
-                </a:solidFill>
-              </a:defRPr>
-            </a:lvl5pPr>
-            <a:lvl6pPr>
-              <a:defRPr>
-                <a:solidFill>
-                  <a:schemeClr val="lt1"/>
-                </a:solidFill>
-              </a:defRPr>
-            </a:lvl6pPr>
-            <a:lvl7pPr>
-              <a:defRPr>
-                <a:solidFill>
-                  <a:schemeClr val="lt1"/>
-                </a:solidFill>
-              </a:defRPr>
-            </a:lvl7pPr>
-            <a:lvl8pPr>
-              <a:defRPr>
-                <a:solidFill>
-                  <a:schemeClr val="lt1"/>
-                </a:solidFill>
-              </a:defRPr>
-            </a:lvl8pPr>
-            <a:lvl9pPr>
-              <a:defRPr>
-                <a:solidFill>
-                  <a:schemeClr val="lt1"/>
-                </a:solidFill>
-              </a:defRPr>
-            </a:lvl9pPr>
-          </a:lstStyle>
-          <a:p>
-            <a:pPr marL="0" indent="0">
-              <a:buClr>
-                <a:srgbClr val="C00000"/>
-              </a:buClr>
-              <a:buNone/>
-            </a:pPr>
-            <a:r>
-              <a:rPr lang="zh-CN" altLang="en-US" dirty="0">
-                <a:solidFill>
-                  <a:schemeClr val="tx1">
-                    <a:lumMod val="65000"/>
-                    <a:lumOff val="35000"/>
-                  </a:schemeClr>
-                </a:solidFill>
-                <a:ea typeface="思源黑体 CN Heavy" panose="020B0A00000000000000" pitchFamily="34" charset="-122"/>
-              </a:rPr>
-              <a:t>刚开始实现部分函数，自我感觉和简单， 但是实现的时候出现直接调用本文件夹里的函数这才意识到自己的能力与公司所需要的能力有多大的差距</a:t>
-            </a:r>
-            <a:r>
-              <a:rPr lang="en-US" altLang="zh-CN">
-                <a:solidFill>
-                  <a:schemeClr val="tx1">
-                    <a:lumMod val="65000"/>
-                    <a:lumOff val="35000"/>
-                  </a:schemeClr>
-                </a:solidFill>
-                <a:ea typeface="思源黑体 CN Heavy" panose="020B0A00000000000000" pitchFamily="34" charset="-122"/>
-              </a:rPr>
-              <a:t>. </a:t>
-            </a:r>
-            <a:endParaRPr lang="en-US" altLang="zh-CN" dirty="0">
-              <a:solidFill>
-                <a:schemeClr val="tx1">
-                  <a:lumMod val="65000"/>
-                  <a:lumOff val="35000"/>
-                </a:schemeClr>
-              </a:solidFill>
-              <a:ea typeface="思源黑体 CN Heavy" panose="020B0A00000000000000" pitchFamily="34" charset="-122"/>
-            </a:endParaRPr>
-          </a:p>
-        </p:txBody>
-      </p:sp>
-      <p:sp>
-        <p:nvSpPr>
-          <p:cNvPr id="37" name="文本框 145"/>
-          <p:cNvSpPr txBox="1"/>
-          <p:nvPr/>
-        </p:nvSpPr>
-        <p:spPr>
-          <a:xfrm>
-            <a:off x="732347" y="3097217"/>
-            <a:ext cx="2352000" cy="413563"/>
-          </a:xfrm>
-          <a:prstGeom prst="rect">
-            <a:avLst/>
-          </a:prstGeom>
-          <a:noFill/>
-          <a:ln>
-            <a:noFill/>
-          </a:ln>
-        </p:spPr>
-        <p:style>
-          <a:lnRef idx="2">
-            <a:schemeClr val="accent1">
-              <a:shade val="50000"/>
-            </a:schemeClr>
-          </a:lnRef>
-          <a:fillRef idx="1">
-            <a:schemeClr val="accent1"/>
-          </a:fillRef>
-          <a:effectRef idx="0">
-            <a:schemeClr val="accent1"/>
-          </a:effectRef>
-          <a:fontRef idx="minor">
-            <a:schemeClr val="lt1"/>
-          </a:fontRef>
-        </p:style>
-        <p:txBody>
-          <a:bodyPr wrap="square" lIns="178172" tIns="0" rIns="178172" bIns="0" rtlCol="0" anchor="t">
-            <a:noAutofit/>
-          </a:bodyPr>
-          <a:lstStyle>
-            <a:defPPr>
-              <a:defRPr lang="zh-CN"/>
-            </a:defPPr>
-            <a:lvl1pPr marL="285750" indent="-285750">
-              <a:lnSpc>
-                <a:spcPct val="120000"/>
-              </a:lnSpc>
-              <a:buClr>
-                <a:schemeClr val="accent1"/>
-              </a:buClr>
-              <a:buFont typeface="Wingdings" panose="05000000000000000000" pitchFamily="2" charset="2"/>
-              <a:buChar char="n"/>
-              <a:defRPr sz="1800" b="1">
-                <a:solidFill>
-                  <a:schemeClr val="bg1">
-                    <a:lumMod val="50000"/>
-                  </a:schemeClr>
-                </a:solidFill>
-                <a:cs typeface="+mn-ea"/>
-              </a:defRPr>
-            </a:lvl1pPr>
-            <a:lvl2pPr>
-              <a:defRPr>
-                <a:solidFill>
-                  <a:schemeClr val="lt1"/>
-                </a:solidFill>
-              </a:defRPr>
-            </a:lvl2pPr>
-            <a:lvl3pPr>
-              <a:defRPr>
-                <a:solidFill>
-                  <a:schemeClr val="lt1"/>
-                </a:solidFill>
-              </a:defRPr>
-            </a:lvl3pPr>
-            <a:lvl4pPr>
-              <a:defRPr>
-                <a:solidFill>
-                  <a:schemeClr val="lt1"/>
-                </a:solidFill>
-              </a:defRPr>
-            </a:lvl4pPr>
-            <a:lvl5pPr>
-              <a:defRPr>
-                <a:solidFill>
-                  <a:schemeClr val="lt1"/>
-                </a:solidFill>
-              </a:defRPr>
-            </a:lvl5pPr>
-            <a:lvl6pPr>
-              <a:defRPr>
-                <a:solidFill>
-                  <a:schemeClr val="lt1"/>
-                </a:solidFill>
-              </a:defRPr>
-            </a:lvl6pPr>
-            <a:lvl7pPr>
-              <a:defRPr>
-                <a:solidFill>
-                  <a:schemeClr val="lt1"/>
-                </a:solidFill>
-              </a:defRPr>
-            </a:lvl7pPr>
-            <a:lvl8pPr>
-              <a:defRPr>
-                <a:solidFill>
-                  <a:schemeClr val="lt1"/>
-                </a:solidFill>
-              </a:defRPr>
-            </a:lvl8pPr>
-            <a:lvl9pPr>
-              <a:defRPr>
-                <a:solidFill>
-                  <a:schemeClr val="lt1"/>
-                </a:solidFill>
-              </a:defRPr>
-            </a:lvl9pPr>
-          </a:lstStyle>
-          <a:p>
-            <a:pPr marL="0" indent="0">
-              <a:buClr>
-                <a:srgbClr val="C00000"/>
-              </a:buClr>
-              <a:buNone/>
-            </a:pPr>
-            <a:endParaRPr lang="zh-CN" altLang="en-US" dirty="0">
-              <a:solidFill>
-                <a:schemeClr val="tx1">
-                  <a:lumMod val="65000"/>
-                  <a:lumOff val="35000"/>
-                </a:schemeClr>
-              </a:solidFill>
-              <a:ea typeface="思源黑体 CN Heavy" panose="020B0A00000000000000" pitchFamily="34" charset="-122"/>
-            </a:endParaRPr>
-          </a:p>
-        </p:txBody>
-      </p:sp>
-      <p:sp>
-        <p:nvSpPr>
-          <p:cNvPr id="38" name="矩形 37"/>
-          <p:cNvSpPr/>
-          <p:nvPr/>
-        </p:nvSpPr>
-        <p:spPr>
-          <a:xfrm>
-            <a:off x="6412865" y="1329690"/>
-            <a:ext cx="4483100" cy="2037715"/>
-          </a:xfrm>
-          <a:prstGeom prst="rect">
-            <a:avLst/>
-          </a:prstGeom>
-          <a:solidFill>
-            <a:schemeClr val="bg2"/>
-          </a:solidFill>
-          <a:ln>
-            <a:noFill/>
-          </a:ln>
-        </p:spPr>
-        <p:style>
-          <a:lnRef idx="2">
-            <a:schemeClr val="accent1">
-              <a:shade val="50000"/>
-            </a:schemeClr>
-          </a:lnRef>
-          <a:fillRef idx="1">
-            <a:schemeClr val="accent1"/>
-          </a:fillRef>
-          <a:effectRef idx="0">
-            <a:schemeClr val="accent1"/>
-          </a:effectRef>
-          <a:fontRef idx="minor">
-            <a:schemeClr val="lt1"/>
-          </a:fontRef>
-        </p:style>
-        <p:txBody>
-          <a:bodyPr rtlCol="0" anchor="ctr"/>
-          <a:lstStyle/>
-          <a:p>
-            <a:pPr algn="ctr"/>
-            <a:endParaRPr lang="zh-CN" altLang="en-US"/>
-          </a:p>
-        </p:txBody>
-      </p:sp>
-      <p:sp>
-        <p:nvSpPr>
-          <p:cNvPr id="39" name="矩形 38"/>
-          <p:cNvSpPr/>
-          <p:nvPr/>
-        </p:nvSpPr>
-        <p:spPr>
-          <a:xfrm>
-            <a:off x="6412865" y="3549015"/>
-            <a:ext cx="2160270" cy="2104390"/>
-          </a:xfrm>
-          <a:prstGeom prst="rect">
-            <a:avLst/>
-          </a:prstGeom>
-          <a:solidFill>
-            <a:schemeClr val="bg2"/>
-          </a:solidFill>
-          <a:ln>
-            <a:noFill/>
-          </a:ln>
-        </p:spPr>
-        <p:style>
-          <a:lnRef idx="2">
-            <a:schemeClr val="accent1">
-              <a:shade val="50000"/>
-            </a:schemeClr>
-          </a:lnRef>
-          <a:fillRef idx="1">
-            <a:schemeClr val="accent1"/>
-          </a:fillRef>
-          <a:effectRef idx="0">
-            <a:schemeClr val="accent1"/>
-          </a:effectRef>
-          <a:fontRef idx="minor">
-            <a:schemeClr val="lt1"/>
-          </a:fontRef>
-        </p:style>
-        <p:txBody>
-          <a:bodyPr rtlCol="0" anchor="ctr"/>
-          <a:lstStyle/>
-          <a:p>
-            <a:pPr algn="ctr"/>
-            <a:endParaRPr lang="zh-CN" altLang="en-US"/>
-          </a:p>
-        </p:txBody>
-      </p:sp>
-      <p:sp>
-        <p:nvSpPr>
-          <p:cNvPr id="40" name="矩形 39"/>
-          <p:cNvSpPr/>
-          <p:nvPr/>
-        </p:nvSpPr>
-        <p:spPr>
-          <a:xfrm>
-            <a:off x="8720455" y="3548380"/>
-            <a:ext cx="2160270" cy="2104390"/>
-          </a:xfrm>
-          <a:prstGeom prst="rect">
-            <a:avLst/>
-          </a:prstGeom>
-          <a:solidFill>
-            <a:schemeClr val="bg2"/>
-          </a:solidFill>
-          <a:ln>
-            <a:noFill/>
-          </a:ln>
-        </p:spPr>
-        <p:style>
-          <a:lnRef idx="2">
-            <a:schemeClr val="accent1">
-              <a:shade val="50000"/>
-            </a:schemeClr>
-          </a:lnRef>
-          <a:fillRef idx="1">
-            <a:schemeClr val="accent1"/>
-          </a:fillRef>
-          <a:effectRef idx="0">
-            <a:schemeClr val="accent1"/>
-          </a:effectRef>
-          <a:fontRef idx="minor">
-            <a:schemeClr val="lt1"/>
-          </a:fontRef>
-        </p:style>
-        <p:txBody>
-          <a:bodyPr rtlCol="0" anchor="ctr"/>
-          <a:lstStyle/>
-          <a:p>
-            <a:pPr algn="ctr"/>
-            <a:endParaRPr lang="zh-CN" altLang="en-US"/>
-          </a:p>
-        </p:txBody>
-      </p:sp>
-    </p:spTree>
   </p:cSld>
   <p:clrMapOvr>
     <a:masterClrMapping/>
@@ -10323,7 +10603,7 @@
                 <a:latin typeface="思源黑体 CN Heavy" panose="020B0A00000000000000" pitchFamily="34" charset="-122"/>
                 <a:ea typeface="思源黑体 CN Heavy" panose="020B0A00000000000000" pitchFamily="34" charset="-122"/>
               </a:rPr>
-              <a:t>解决方案</a:t>
+              <a:t>工作分析</a:t>
             </a:r>
           </a:p>
         </p:txBody>
@@ -11007,7 +11287,7 @@
                 </a:solidFill>
                 <a:ea typeface="思源黑体 CN Heavy" panose="020B0A00000000000000" pitchFamily="34" charset="-122"/>
               </a:rPr>
-              <a:t>解决方案</a:t>
+              <a:t>工作分析</a:t>
             </a:r>
           </a:p>
         </p:txBody>
@@ -11301,10 +11581,10 @@
                 </a:solidFill>
                 <a:ea typeface="思源黑体 CN Heavy" panose="020B0A00000000000000" pitchFamily="34" charset="-122"/>
               </a:rPr>
-              <a:t>初次工作实现部分函数时，直接调用函数实现参数的输入得到结果，这样会使多次被使用的函数瘫痪，导致多个程序瘫痪，应该将传入的参数通过其他已经执行过的函数返回值中取出， 并且按需组装出功能实现所需要的参数；使用代码查询</a:t>
-            </a:r>
-            <a:r>
-              <a:rPr lang="en-US" altLang="zh-CN" dirty="0">
+              <a:t>刚开始实现部分函数，自我感觉和简单， 但是实现的时候出现直接调用本文件夹里的函数这才意识到自己的能力与公司所需要的能力有多大的差距</a:t>
+            </a:r>
+            <a:r>
+              <a:rPr lang="en-US" altLang="zh-CN">
                 <a:solidFill>
                   <a:schemeClr val="tx1">
                     <a:lumMod val="65000"/>
@@ -11313,19 +11593,7 @@
                 </a:solidFill>
                 <a:ea typeface="思源黑体 CN Heavy" panose="020B0A00000000000000" pitchFamily="34" charset="-122"/>
               </a:rPr>
-              <a:t>k8s</a:t>
-            </a:r>
-            <a:r>
-              <a:rPr lang="zh-CN" altLang="en-US" dirty="0">
-                <a:solidFill>
-                  <a:schemeClr val="tx1">
-                    <a:lumMod val="65000"/>
-                    <a:lumOff val="35000"/>
-                  </a:schemeClr>
-                </a:solidFill>
-                <a:ea typeface="思源黑体 CN Heavy" panose="020B0A00000000000000" pitchFamily="34" charset="-122"/>
-              </a:rPr>
-              <a:t>信息， 通过业余时间观看视频和书籍， 以及实现过程中遇见的问题及时请教前辈；学习业务代码的时候，自己对代码理解不透彻，语言描述不准确。</a:t>
+              <a:t>. </a:t>
             </a:r>
             <a:endParaRPr lang="en-US" altLang="zh-CN" dirty="0">
               <a:solidFill>
@@ -12200,7 +12468,7 @@
                 <a:latin typeface="思源黑体 CN Heavy" panose="020B0A00000000000000" pitchFamily="34" charset="-122"/>
                 <a:ea typeface="思源黑体 CN Heavy" panose="020B0A00000000000000" pitchFamily="34" charset="-122"/>
               </a:rPr>
-              <a:t>个人总结</a:t>
+              <a:t>解决方案</a:t>
             </a:r>
           </a:p>
         </p:txBody>
@@ -12884,7 +13152,7 @@
                 </a:solidFill>
                 <a:ea typeface="思源黑体 CN Heavy" panose="020B0A00000000000000" pitchFamily="34" charset="-122"/>
               </a:rPr>
-              <a:t>个人总结</a:t>
+              <a:t>解决方案</a:t>
             </a:r>
           </a:p>
         </p:txBody>
@@ -13052,7 +13320,7 @@
         <p:spPr>
           <a:xfrm>
             <a:off x="732155" y="1842770"/>
-            <a:ext cx="4653280" cy="3206750"/>
+            <a:ext cx="4653280" cy="2922905"/>
           </a:xfrm>
           <a:prstGeom prst="rect">
             <a:avLst/>
@@ -13169,7 +13437,7 @@
               <a:buNone/>
             </a:pPr>
             <a:r>
-              <a:rPr lang="en-US" altLang="zh-CN" dirty="0">
+              <a:rPr lang="zh-CN" altLang="en-US" dirty="0">
                 <a:solidFill>
                   <a:schemeClr val="tx1">
                     <a:lumMod val="65000"/>
@@ -13178,10 +13446,10 @@
                 </a:solidFill>
                 <a:ea typeface="思源黑体 CN Heavy" panose="020B0A00000000000000" pitchFamily="34" charset="-122"/>
               </a:rPr>
-              <a:t>1.</a:t>
-            </a:r>
-            <a:r>
-              <a:rPr lang="zh-CN" altLang="en-US" dirty="0">
+              <a:t>初次工作实现部分函数时，直接调用函数实现参数的输入得到结果，这样会使多次被使用的函数瘫痪，导致多个程序瘫痪，应该将传入的参数通过其他已经执行过的函数返回值中取出， 并且按需组装出功能实现所需要的参数；使用代码查询</a:t>
+            </a:r>
+            <a:r>
+              <a:rPr lang="en-US" altLang="zh-CN" dirty="0">
                 <a:solidFill>
                   <a:schemeClr val="tx1">
                     <a:lumMod val="65000"/>
@@ -13190,10 +13458,10 @@
                 </a:solidFill>
                 <a:ea typeface="思源黑体 CN Heavy" panose="020B0A00000000000000" pitchFamily="34" charset="-122"/>
               </a:rPr>
-              <a:t>通过工作， 发现自己的思维停留在小的</a:t>
-            </a:r>
-            <a:r>
-              <a:rPr lang="en-US" altLang="zh-CN" dirty="0">
+              <a:t>k8s</a:t>
+            </a:r>
+            <a:r>
+              <a:rPr lang="zh-CN" altLang="en-US" dirty="0">
                 <a:solidFill>
                   <a:schemeClr val="tx1">
                     <a:lumMod val="65000"/>
@@ -13202,152 +13470,9 @@
                 </a:solidFill>
                 <a:ea typeface="思源黑体 CN Heavy" panose="020B0A00000000000000" pitchFamily="34" charset="-122"/>
               </a:rPr>
-              <a:t>demo</a:t>
-            </a:r>
-            <a:r>
-              <a:rPr lang="zh-CN" altLang="en-US" dirty="0">
-                <a:solidFill>
-                  <a:schemeClr val="tx1">
-                    <a:lumMod val="65000"/>
-                    <a:lumOff val="35000"/>
-                  </a:schemeClr>
-                </a:solidFill>
-                <a:ea typeface="思源黑体 CN Heavy" panose="020B0A00000000000000" pitchFamily="34" charset="-122"/>
-              </a:rPr>
-              <a:t>上， 对代码的思考不到位。</a:t>
+              <a:t>信息， 通过业余时间观看视频和书籍， 以及实现过程中遇见的问题及时请教前辈；学习业务代码的时候，自己对代码理解不透彻，语言描述不准确。</a:t>
             </a:r>
             <a:endParaRPr lang="en-US" altLang="zh-CN" dirty="0">
-              <a:solidFill>
-                <a:schemeClr val="tx1">
-                  <a:lumMod val="65000"/>
-                  <a:lumOff val="35000"/>
-                </a:schemeClr>
-              </a:solidFill>
-              <a:ea typeface="思源黑体 CN Heavy" panose="020B0A00000000000000" pitchFamily="34" charset="-122"/>
-            </a:endParaRPr>
-          </a:p>
-          <a:p>
-            <a:pPr marL="0" indent="0">
-              <a:buClr>
-                <a:srgbClr val="C00000"/>
-              </a:buClr>
-              <a:buNone/>
-            </a:pPr>
-            <a:r>
-              <a:rPr lang="en-US" altLang="zh-CN" dirty="0">
-                <a:solidFill>
-                  <a:schemeClr val="tx1">
-                    <a:lumMod val="65000"/>
-                    <a:lumOff val="35000"/>
-                  </a:schemeClr>
-                </a:solidFill>
-                <a:ea typeface="思源黑体 CN Heavy" panose="020B0A00000000000000" pitchFamily="34" charset="-122"/>
-              </a:rPr>
-              <a:t>2.</a:t>
-            </a:r>
-            <a:r>
-              <a:rPr lang="zh-CN" altLang="en-US" dirty="0">
-                <a:solidFill>
-                  <a:schemeClr val="tx1">
-                    <a:lumMod val="65000"/>
-                    <a:lumOff val="35000"/>
-                  </a:schemeClr>
-                </a:solidFill>
-                <a:ea typeface="思源黑体 CN Heavy" panose="020B0A00000000000000" pitchFamily="34" charset="-122"/>
-              </a:rPr>
-              <a:t>由于知识的缺失， 在完成工作的过程中，效率比较低，遇见的问题也比较多</a:t>
-            </a:r>
-            <a:endParaRPr lang="en-US" altLang="zh-CN" dirty="0">
-              <a:solidFill>
-                <a:schemeClr val="tx1">
-                  <a:lumMod val="65000"/>
-                  <a:lumOff val="35000"/>
-                </a:schemeClr>
-              </a:solidFill>
-              <a:ea typeface="思源黑体 CN Heavy" panose="020B0A00000000000000" pitchFamily="34" charset="-122"/>
-            </a:endParaRPr>
-          </a:p>
-          <a:p>
-            <a:pPr marL="0" indent="0">
-              <a:buClr>
-                <a:srgbClr val="C00000"/>
-              </a:buClr>
-              <a:buNone/>
-            </a:pPr>
-            <a:r>
-              <a:rPr lang="en-US" dirty="0">
-                <a:solidFill>
-                  <a:schemeClr val="tx1">
-                    <a:lumMod val="65000"/>
-                    <a:lumOff val="35000"/>
-                  </a:schemeClr>
-                </a:solidFill>
-                <a:ea typeface="思源黑体 CN Heavy" panose="020B0A00000000000000" pitchFamily="34" charset="-122"/>
-              </a:rPr>
-              <a:t>3. </a:t>
-            </a:r>
-            <a:r>
-              <a:rPr lang="zh-CN" altLang="en-US" dirty="0">
-                <a:solidFill>
-                  <a:schemeClr val="tx1">
-                    <a:lumMod val="65000"/>
-                    <a:lumOff val="35000"/>
-                  </a:schemeClr>
-                </a:solidFill>
-                <a:ea typeface="思源黑体 CN Heavy" panose="020B0A00000000000000" pitchFamily="34" charset="-122"/>
-              </a:rPr>
-              <a:t>工作中遇见了问题， 第一时间想到去自行百度解决问题， 不考虑时间成本，不利于工作进度的进行。</a:t>
-            </a:r>
-            <a:endParaRPr dirty="0">
-              <a:solidFill>
-                <a:schemeClr val="tx1">
-                  <a:lumMod val="65000"/>
-                  <a:lumOff val="35000"/>
-                </a:schemeClr>
-              </a:solidFill>
-              <a:ea typeface="思源黑体 CN Heavy" panose="020B0A00000000000000" pitchFamily="34" charset="-122"/>
-            </a:endParaRPr>
-          </a:p>
-          <a:p>
-            <a:pPr marL="0" indent="0">
-              <a:buClr>
-                <a:srgbClr val="C00000"/>
-              </a:buClr>
-              <a:buNone/>
-            </a:pPr>
-            <a:r>
-              <a:rPr lang="en-US" dirty="0">
-                <a:solidFill>
-                  <a:schemeClr val="tx1">
-                    <a:lumMod val="65000"/>
-                    <a:lumOff val="35000"/>
-                  </a:schemeClr>
-                </a:solidFill>
-                <a:ea typeface="思源黑体 CN Heavy" panose="020B0A00000000000000" pitchFamily="34" charset="-122"/>
-              </a:rPr>
-              <a:t>4. </a:t>
-            </a:r>
-            <a:r>
-              <a:rPr dirty="0">
-                <a:solidFill>
-                  <a:schemeClr val="tx1">
-                    <a:lumMod val="65000"/>
-                    <a:lumOff val="35000"/>
-                  </a:schemeClr>
-                </a:solidFill>
-                <a:ea typeface="思源黑体 CN Heavy" panose="020B0A00000000000000" pitchFamily="34" charset="-122"/>
-              </a:rPr>
-              <a:t>个人感觉自己比较喜欢挑战,希望能在- -个大的平台或者团队里面进行工作和学习</a:t>
-            </a:r>
-          </a:p>
-          <a:p>
-            <a:pPr marL="0" indent="0">
-              <a:buClr>
-                <a:srgbClr val="C00000"/>
-              </a:buClr>
-              <a:buNone/>
-            </a:pPr>
-            <a:endParaRPr dirty="0">
               <a:solidFill>
                 <a:schemeClr val="tx1">
                   <a:lumMod val="65000"/>
@@ -14220,7 +14345,7 @@
                 <a:latin typeface="思源黑体 CN Heavy" panose="020B0A00000000000000" pitchFamily="34" charset="-122"/>
                 <a:ea typeface="思源黑体 CN Heavy" panose="020B0A00000000000000" pitchFamily="34" charset="-122"/>
               </a:rPr>
-              <a:t>工作计划</a:t>
+              <a:t>个人总结</a:t>
             </a:r>
           </a:p>
         </p:txBody>
@@ -16135,7 +16260,7 @@
                 </a:solidFill>
                 <a:ea typeface="思源黑体 CN Heavy" panose="020B0A00000000000000" pitchFamily="34" charset="-122"/>
               </a:rPr>
-              <a:t>工作计划</a:t>
+              <a:t>个人总结</a:t>
             </a:r>
           </a:p>
         </p:txBody>
@@ -16303,7 +16428,7 @@
         <p:spPr>
           <a:xfrm>
             <a:off x="732155" y="1842770"/>
-            <a:ext cx="4653280" cy="2922905"/>
+            <a:ext cx="4653280" cy="3206750"/>
           </a:xfrm>
           <a:prstGeom prst="rect">
             <a:avLst/>
@@ -16420,7 +16545,7 @@
               <a:buNone/>
             </a:pPr>
             <a:r>
-              <a:rPr lang="zh-CN" altLang="en-US" dirty="0">
+              <a:rPr lang="en-US" altLang="zh-CN" dirty="0">
                 <a:solidFill>
                   <a:schemeClr val="tx1">
                     <a:lumMod val="65000"/>
@@ -16429,10 +16554,10 @@
                 </a:solidFill>
                 <a:ea typeface="思源黑体 CN Heavy" panose="020B0A00000000000000" pitchFamily="34" charset="-122"/>
               </a:rPr>
-              <a:t>后期的工作中思维应该从小项目向企业级的项目转变，在书写代码的过程中应该将功能与功能直接的耦合性降低。要时刻提醒自己是团队的一员，遇到问题不应该不计时间成本去解决，而是自己无法在规定的时间内解决问题， 就应该去请教前辈， 寻求解决方案，并且补充短板知识。在完成工作的业余时间补充</a:t>
-            </a:r>
-            <a:r>
-              <a:rPr lang="en-US" altLang="zh-CN" dirty="0">
+              <a:t>1.</a:t>
+            </a:r>
+            <a:r>
+              <a:rPr lang="zh-CN" altLang="en-US" dirty="0">
                 <a:solidFill>
                   <a:schemeClr val="tx1">
                     <a:lumMod val="65000"/>
@@ -16441,10 +16566,10 @@
                 </a:solidFill>
                 <a:ea typeface="思源黑体 CN Heavy" panose="020B0A00000000000000" pitchFamily="34" charset="-122"/>
               </a:rPr>
-              <a:t>docker</a:t>
-            </a:r>
-            <a:r>
-              <a:rPr lang="zh-CN" altLang="en-US" dirty="0">
+              <a:t>通过工作， 发现自己的思维停留在小的</a:t>
+            </a:r>
+            <a:r>
+              <a:rPr lang="en-US" altLang="zh-CN" dirty="0">
                 <a:solidFill>
                   <a:schemeClr val="tx1">
                     <a:lumMod val="65000"/>
@@ -16453,10 +16578,10 @@
                 </a:solidFill>
                 <a:ea typeface="思源黑体 CN Heavy" panose="020B0A00000000000000" pitchFamily="34" charset="-122"/>
               </a:rPr>
-              <a:t>和</a:t>
-            </a:r>
-            <a:r>
-              <a:rPr lang="en-US" altLang="zh-CN" dirty="0">
+              <a:t>demo</a:t>
+            </a:r>
+            <a:r>
+              <a:rPr lang="zh-CN" altLang="en-US" dirty="0">
                 <a:solidFill>
                   <a:schemeClr val="tx1">
                     <a:lumMod val="65000"/>
@@ -16465,10 +16590,27 @@
                 </a:solidFill>
                 <a:ea typeface="思源黑体 CN Heavy" panose="020B0A00000000000000" pitchFamily="34" charset="-122"/>
               </a:rPr>
-              <a:t>k8s</a:t>
-            </a:r>
-            <a:r>
-              <a:rPr lang="zh-CN" altLang="en-US" dirty="0">
+              <a:t>上， 对代码的思考不到位。</a:t>
+            </a:r>
+            <a:endParaRPr lang="en-US" altLang="zh-CN" dirty="0">
+              <a:solidFill>
+                <a:schemeClr val="tx1">
+                  <a:lumMod val="65000"/>
+                  <a:lumOff val="35000"/>
+                </a:schemeClr>
+              </a:solidFill>
+              <a:ea typeface="思源黑体 CN Heavy" panose="020B0A00000000000000" pitchFamily="34" charset="-122"/>
+            </a:endParaRPr>
+          </a:p>
+          <a:p>
+            <a:pPr marL="0" indent="0">
+              <a:buClr>
+                <a:srgbClr val="C00000"/>
+              </a:buClr>
+              <a:buNone/>
+            </a:pPr>
+            <a:r>
+              <a:rPr lang="en-US" altLang="zh-CN" dirty="0">
                 <a:solidFill>
                   <a:schemeClr val="tx1">
                     <a:lumMod val="65000"/>
@@ -16477,9 +16619,111 @@
                 </a:solidFill>
                 <a:ea typeface="思源黑体 CN Heavy" panose="020B0A00000000000000" pitchFamily="34" charset="-122"/>
               </a:rPr>
-              <a:t>方面的知识，尽可能减小差距。</a:t>
+              <a:t>2.</a:t>
+            </a:r>
+            <a:r>
+              <a:rPr lang="zh-CN" altLang="en-US" dirty="0">
+                <a:solidFill>
+                  <a:schemeClr val="tx1">
+                    <a:lumMod val="65000"/>
+                    <a:lumOff val="35000"/>
+                  </a:schemeClr>
+                </a:solidFill>
+                <a:ea typeface="思源黑体 CN Heavy" panose="020B0A00000000000000" pitchFamily="34" charset="-122"/>
+              </a:rPr>
+              <a:t>由于知识的缺失， 在完成工作的过程中，效率比较低，遇见的问题也比较多</a:t>
             </a:r>
             <a:endParaRPr lang="en-US" altLang="zh-CN" dirty="0">
+              <a:solidFill>
+                <a:schemeClr val="tx1">
+                  <a:lumMod val="65000"/>
+                  <a:lumOff val="35000"/>
+                </a:schemeClr>
+              </a:solidFill>
+              <a:ea typeface="思源黑体 CN Heavy" panose="020B0A00000000000000" pitchFamily="34" charset="-122"/>
+            </a:endParaRPr>
+          </a:p>
+          <a:p>
+            <a:pPr marL="0" indent="0">
+              <a:buClr>
+                <a:srgbClr val="C00000"/>
+              </a:buClr>
+              <a:buNone/>
+            </a:pPr>
+            <a:r>
+              <a:rPr lang="en-US" dirty="0">
+                <a:solidFill>
+                  <a:schemeClr val="tx1">
+                    <a:lumMod val="65000"/>
+                    <a:lumOff val="35000"/>
+                  </a:schemeClr>
+                </a:solidFill>
+                <a:ea typeface="思源黑体 CN Heavy" panose="020B0A00000000000000" pitchFamily="34" charset="-122"/>
+              </a:rPr>
+              <a:t>3. </a:t>
+            </a:r>
+            <a:r>
+              <a:rPr lang="zh-CN" altLang="en-US" dirty="0">
+                <a:solidFill>
+                  <a:schemeClr val="tx1">
+                    <a:lumMod val="65000"/>
+                    <a:lumOff val="35000"/>
+                  </a:schemeClr>
+                </a:solidFill>
+                <a:ea typeface="思源黑体 CN Heavy" panose="020B0A00000000000000" pitchFamily="34" charset="-122"/>
+              </a:rPr>
+              <a:t>工作中遇见了问题， 第一时间想到去自行百度解决问题， 不考虑时间成本，不利于工作进度的进行。</a:t>
+            </a:r>
+            <a:endParaRPr dirty="0">
+              <a:solidFill>
+                <a:schemeClr val="tx1">
+                  <a:lumMod val="65000"/>
+                  <a:lumOff val="35000"/>
+                </a:schemeClr>
+              </a:solidFill>
+              <a:ea typeface="思源黑体 CN Heavy" panose="020B0A00000000000000" pitchFamily="34" charset="-122"/>
+            </a:endParaRPr>
+          </a:p>
+          <a:p>
+            <a:pPr marL="0" indent="0">
+              <a:buClr>
+                <a:srgbClr val="C00000"/>
+              </a:buClr>
+              <a:buNone/>
+            </a:pPr>
+            <a:r>
+              <a:rPr lang="en-US" dirty="0">
+                <a:solidFill>
+                  <a:schemeClr val="tx1">
+                    <a:lumMod val="65000"/>
+                    <a:lumOff val="35000"/>
+                  </a:schemeClr>
+                </a:solidFill>
+                <a:ea typeface="思源黑体 CN Heavy" panose="020B0A00000000000000" pitchFamily="34" charset="-122"/>
+              </a:rPr>
+              <a:t>4. </a:t>
+            </a:r>
+            <a:r>
+              <a:rPr dirty="0">
+                <a:solidFill>
+                  <a:schemeClr val="tx1">
+                    <a:lumMod val="65000"/>
+                    <a:lumOff val="35000"/>
+                  </a:schemeClr>
+                </a:solidFill>
+                <a:ea typeface="思源黑体 CN Heavy" panose="020B0A00000000000000" pitchFamily="34" charset="-122"/>
+              </a:rPr>
+              <a:t>个人感觉自己比较喜欢挑战,希望能在- -个大的平台或者团队里面进行工作和学习</a:t>
+            </a:r>
+          </a:p>
+          <a:p>
+            <a:pPr marL="0" indent="0">
+              <a:buClr>
+                <a:srgbClr val="C00000"/>
+              </a:buClr>
+              <a:buNone/>
+            </a:pPr>
+            <a:endParaRPr dirty="0">
               <a:solidFill>
                 <a:schemeClr val="tx1">
                   <a:lumMod val="65000"/>
@@ -17013,6 +17257,1907 @@
 </file>
 
 <file path=ppt/slides/slide21.xml><?xml version="1.0" encoding="utf-8"?>
+<p:sld xmlns:a="http://schemas.openxmlformats.org/drawingml/2006/main" xmlns:r="http://schemas.openxmlformats.org/officeDocument/2006/relationships" xmlns:p="http://schemas.openxmlformats.org/presentationml/2006/main">
+  <p:cSld>
+    <p:spTree>
+      <p:nvGrpSpPr>
+        <p:cNvPr id="1" name=""/>
+        <p:cNvGrpSpPr/>
+        <p:nvPr/>
+      </p:nvGrpSpPr>
+      <p:grpSpPr>
+        <a:xfrm>
+          <a:off x="0" y="0"/>
+          <a:ext cx="0" cy="0"/>
+          <a:chOff x="0" y="0"/>
+          <a:chExt cx="0" cy="0"/>
+        </a:xfrm>
+      </p:grpSpPr>
+      <p:pic>
+        <p:nvPicPr>
+          <p:cNvPr id="4" name="图片 3"/>
+          <p:cNvPicPr>
+            <a:picLocks noChangeAspect="1"/>
+          </p:cNvPicPr>
+          <p:nvPr/>
+        </p:nvPicPr>
+        <p:blipFill>
+          <a:blip r:embed="rId3">
+            <a:extLst>
+              <a:ext uri="{28A0092B-C50C-407E-A947-70E740481C1C}">
+                <a14:useLocalDpi xmlns:a14="http://schemas.microsoft.com/office/drawing/2010/main" val="0"/>
+              </a:ext>
+            </a:extLst>
+          </a:blip>
+          <a:srcRect/>
+          <a:stretch>
+            <a:fillRect/>
+          </a:stretch>
+        </p:blipFill>
+        <p:spPr>
+          <a:xfrm>
+            <a:off x="8025804" y="0"/>
+            <a:ext cx="6147151" cy="6857999"/>
+          </a:xfrm>
+          <a:prstGeom prst="rect">
+            <a:avLst/>
+          </a:prstGeom>
+        </p:spPr>
+      </p:pic>
+      <p:sp>
+        <p:nvSpPr>
+          <p:cNvPr id="6" name="PA-文本框 50"/>
+          <p:cNvSpPr txBox="1"/>
+          <p:nvPr>
+            <p:custDataLst>
+              <p:tags r:id="rId1"/>
+            </p:custDataLst>
+          </p:nvPr>
+        </p:nvSpPr>
+        <p:spPr>
+          <a:xfrm>
+            <a:off x="1092620" y="4477177"/>
+            <a:ext cx="5391308" cy="1245235"/>
+          </a:xfrm>
+          <a:prstGeom prst="rect">
+            <a:avLst/>
+          </a:prstGeom>
+          <a:noFill/>
+        </p:spPr>
+        <p:txBody>
+          <a:bodyPr wrap="square" rtlCol="0">
+            <a:spAutoFit/>
+          </a:bodyPr>
+          <a:lstStyle/>
+          <a:p>
+            <a:r>
+              <a:rPr lang="en-US" altLang="zh-CN" sz="1000" dirty="0">
+                <a:solidFill>
+                  <a:schemeClr val="bg1"/>
+                </a:solidFill>
+              </a:rPr>
+              <a:t>lorem ipsum dolor </a:t>
+            </a:r>
+            <a:r>
+              <a:rPr lang="en-US" altLang="zh-CN" sz="1000" dirty="0" err="1">
+                <a:solidFill>
+                  <a:schemeClr val="bg1"/>
+                </a:solidFill>
+              </a:rPr>
+              <a:t>sitlorem</a:t>
+            </a:r>
+            <a:r>
+              <a:rPr lang="en-US" altLang="zh-CN" sz="1000" dirty="0">
+                <a:solidFill>
+                  <a:schemeClr val="bg1"/>
+                </a:solidFill>
+              </a:rPr>
+              <a:t> ipsum dolor </a:t>
+            </a:r>
+            <a:r>
+              <a:rPr lang="en-US" altLang="zh-CN" sz="1000" dirty="0" err="1">
+                <a:solidFill>
+                  <a:schemeClr val="bg1"/>
+                </a:solidFill>
+              </a:rPr>
+              <a:t>sitlorem</a:t>
+            </a:r>
+            <a:r>
+              <a:rPr lang="en-US" altLang="zh-CN" sz="1000" dirty="0">
+                <a:solidFill>
+                  <a:schemeClr val="bg1"/>
+                </a:solidFill>
+              </a:rPr>
+              <a:t> ipsum dolor </a:t>
+            </a:r>
+            <a:r>
+              <a:rPr lang="en-US" altLang="zh-CN" sz="1000" dirty="0" err="1">
+                <a:solidFill>
+                  <a:schemeClr val="bg1"/>
+                </a:solidFill>
+              </a:rPr>
+              <a:t>sitorem</a:t>
+            </a:r>
+            <a:r>
+              <a:rPr lang="en-US" altLang="zh-CN" sz="1000" dirty="0">
+                <a:solidFill>
+                  <a:schemeClr val="bg1"/>
+                </a:solidFill>
+              </a:rPr>
+              <a:t> ipsum dolor </a:t>
+            </a:r>
+            <a:r>
+              <a:rPr lang="en-US" altLang="zh-CN" sz="1000" dirty="0" err="1">
+                <a:solidFill>
+                  <a:schemeClr val="bg1"/>
+                </a:solidFill>
+              </a:rPr>
+              <a:t>sitorem</a:t>
+            </a:r>
+            <a:r>
+              <a:rPr lang="en-US" altLang="zh-CN" sz="1000" dirty="0">
+                <a:solidFill>
+                  <a:schemeClr val="bg1"/>
+                </a:solidFill>
+              </a:rPr>
+              <a:t> ipsum dolor </a:t>
+            </a:r>
+            <a:r>
+              <a:rPr lang="en-US" altLang="zh-CN" sz="1000" dirty="0" err="1">
+                <a:solidFill>
+                  <a:schemeClr val="bg1"/>
+                </a:solidFill>
+              </a:rPr>
+              <a:t>sitorem</a:t>
+            </a:r>
+            <a:r>
+              <a:rPr lang="en-US" altLang="zh-CN" sz="1000" dirty="0">
+                <a:solidFill>
+                  <a:schemeClr val="bg1"/>
+                </a:solidFill>
+              </a:rPr>
+              <a:t> ipsum dolor </a:t>
+            </a:r>
+            <a:r>
+              <a:rPr lang="en-US" altLang="zh-CN" sz="1000" dirty="0" err="1">
+                <a:solidFill>
+                  <a:schemeClr val="bg1"/>
+                </a:solidFill>
+              </a:rPr>
+              <a:t>sitorem</a:t>
+            </a:r>
+            <a:r>
+              <a:rPr lang="en-US" altLang="zh-CN" sz="1000" dirty="0">
+                <a:solidFill>
+                  <a:schemeClr val="bg1"/>
+                </a:solidFill>
+              </a:rPr>
+              <a:t> ipsum dolor </a:t>
+            </a:r>
+            <a:r>
+              <a:rPr lang="en-US" altLang="zh-CN" sz="1000" dirty="0" err="1">
+                <a:solidFill>
+                  <a:schemeClr val="bg1"/>
+                </a:solidFill>
+              </a:rPr>
+              <a:t>sitlorem</a:t>
+            </a:r>
+            <a:r>
+              <a:rPr lang="en-US" altLang="zh-CN" sz="1000" dirty="0">
+                <a:solidFill>
+                  <a:schemeClr val="bg1"/>
+                </a:solidFill>
+              </a:rPr>
+              <a:t> ipsum dolor </a:t>
+            </a:r>
+            <a:r>
+              <a:rPr lang="en-US" altLang="zh-CN" sz="1000" dirty="0" err="1">
+                <a:solidFill>
+                  <a:schemeClr val="bg1"/>
+                </a:solidFill>
+              </a:rPr>
+              <a:t>sitlorem</a:t>
+            </a:r>
+            <a:r>
+              <a:rPr lang="en-US" altLang="zh-CN" sz="1000" dirty="0">
+                <a:solidFill>
+                  <a:schemeClr val="bg1"/>
+                </a:solidFill>
+              </a:rPr>
+              <a:t> ipsum dolor sit</a:t>
+            </a:r>
+            <a:endParaRPr lang="zh-CN" altLang="en-US" sz="1000" dirty="0">
+              <a:solidFill>
+                <a:schemeClr val="bg1"/>
+              </a:solidFill>
+              <a:effectLst>
+                <a:outerShdw blurRad="38100" dist="38100" dir="2700000" algn="tl">
+                  <a:srgbClr val="000000">
+                    <a:alpha val="30000"/>
+                  </a:srgbClr>
+                </a:outerShdw>
+              </a:effectLst>
+              <a:latin typeface="Arial" panose="020B0604020202020204" pitchFamily="34" charset="0"/>
+              <a:ea typeface="思源黑体 CN Heavy" panose="020B0A00000000000000" pitchFamily="34" charset="-122"/>
+              <a:cs typeface="Arial" panose="020B0604020202020204" pitchFamily="34" charset="0"/>
+            </a:endParaRPr>
+          </a:p>
+          <a:p>
+            <a:r>
+              <a:rPr lang="en-US" altLang="zh-CN" sz="1000" dirty="0">
+                <a:solidFill>
+                  <a:schemeClr val="bg1"/>
+                </a:solidFill>
+              </a:rPr>
+              <a:t>lorem ipsum dolor sit</a:t>
+            </a:r>
+            <a:endParaRPr lang="zh-CN" altLang="en-US" sz="1000" dirty="0">
+              <a:solidFill>
+                <a:schemeClr val="bg1"/>
+              </a:solidFill>
+              <a:effectLst>
+                <a:outerShdw blurRad="38100" dist="38100" dir="2700000" algn="tl">
+                  <a:srgbClr val="000000">
+                    <a:alpha val="30000"/>
+                  </a:srgbClr>
+                </a:outerShdw>
+              </a:effectLst>
+              <a:latin typeface="Arial" panose="020B0604020202020204" pitchFamily="34" charset="0"/>
+              <a:ea typeface="思源黑体 CN Heavy" panose="020B0A00000000000000" pitchFamily="34" charset="-122"/>
+              <a:cs typeface="Arial" panose="020B0604020202020204" pitchFamily="34" charset="0"/>
+            </a:endParaRPr>
+          </a:p>
+          <a:p>
+            <a:endParaRPr lang="zh-CN" altLang="en-US" sz="1000" dirty="0">
+              <a:solidFill>
+                <a:schemeClr val="bg1"/>
+              </a:solidFill>
+              <a:effectLst>
+                <a:outerShdw blurRad="38100" dist="38100" dir="2700000" algn="tl">
+                  <a:srgbClr val="000000">
+                    <a:alpha val="30000"/>
+                  </a:srgbClr>
+                </a:outerShdw>
+              </a:effectLst>
+              <a:latin typeface="Arial" panose="020B0604020202020204" pitchFamily="34" charset="0"/>
+              <a:ea typeface="思源黑体 CN Heavy" panose="020B0A00000000000000" pitchFamily="34" charset="-122"/>
+              <a:cs typeface="Arial" panose="020B0604020202020204" pitchFamily="34" charset="0"/>
+            </a:endParaRPr>
+          </a:p>
+          <a:p>
+            <a:endParaRPr lang="zh-CN" altLang="en-US" sz="1000" dirty="0">
+              <a:solidFill>
+                <a:schemeClr val="bg1"/>
+              </a:solidFill>
+              <a:effectLst>
+                <a:outerShdw blurRad="38100" dist="38100" dir="2700000" algn="tl">
+                  <a:srgbClr val="000000">
+                    <a:alpha val="30000"/>
+                  </a:srgbClr>
+                </a:outerShdw>
+              </a:effectLst>
+              <a:latin typeface="Arial" panose="020B0604020202020204" pitchFamily="34" charset="0"/>
+              <a:ea typeface="思源黑体 CN Heavy" panose="020B0A00000000000000" pitchFamily="34" charset="-122"/>
+              <a:cs typeface="Arial" panose="020B0604020202020204" pitchFamily="34" charset="0"/>
+            </a:endParaRPr>
+          </a:p>
+          <a:p>
+            <a:pPr>
+              <a:lnSpc>
+                <a:spcPct val="150000"/>
+              </a:lnSpc>
+            </a:pPr>
+            <a:endParaRPr lang="zh-CN" altLang="en-US" sz="1000" dirty="0">
+              <a:solidFill>
+                <a:schemeClr val="bg1"/>
+              </a:solidFill>
+              <a:latin typeface="思源黑体 CN Medium" panose="020B0600000000000000" pitchFamily="34" charset="-122"/>
+              <a:ea typeface="思源黑体 CN Medium" panose="020B0600000000000000" pitchFamily="34" charset="-122"/>
+            </a:endParaRPr>
+          </a:p>
+        </p:txBody>
+      </p:sp>
+      <p:sp>
+        <p:nvSpPr>
+          <p:cNvPr id="7" name="文本框 6"/>
+          <p:cNvSpPr txBox="1"/>
+          <p:nvPr/>
+        </p:nvSpPr>
+        <p:spPr>
+          <a:xfrm>
+            <a:off x="1086398" y="3424006"/>
+            <a:ext cx="3673630" cy="970915"/>
+          </a:xfrm>
+          <a:prstGeom prst="rect">
+            <a:avLst/>
+          </a:prstGeom>
+          <a:noFill/>
+          <a:scene3d>
+            <a:camera prst="perspectiveRight"/>
+            <a:lightRig rig="threePt" dir="t"/>
+          </a:scene3d>
+        </p:spPr>
+        <p:txBody>
+          <a:bodyPr wrap="square" rtlCol="0">
+            <a:spAutoFit/>
+          </a:bodyPr>
+          <a:lstStyle/>
+          <a:p>
+            <a:pPr>
+              <a:lnSpc>
+                <a:spcPct val="130000"/>
+              </a:lnSpc>
+            </a:pPr>
+            <a:r>
+              <a:rPr lang="zh-CN" altLang="en-US" sz="4400" b="1" dirty="0">
+                <a:solidFill>
+                  <a:srgbClr val="F0D58B"/>
+                </a:solidFill>
+                <a:latin typeface="思源黑体 CN Heavy" panose="020B0A00000000000000" pitchFamily="34" charset="-122"/>
+                <a:ea typeface="思源黑体 CN Heavy" panose="020B0A00000000000000" pitchFamily="34" charset="-122"/>
+              </a:rPr>
+              <a:t>工作计划</a:t>
+            </a:r>
+          </a:p>
+        </p:txBody>
+      </p:sp>
+    </p:spTree>
+  </p:cSld>
+  <p:clrMapOvr>
+    <a:masterClrMapping/>
+  </p:clrMapOvr>
+  <p:transition spd="slow">
+    <p:comb/>
+  </p:transition>
+  <mc:AlternateContent xmlns:mc="http://schemas.openxmlformats.org/markup-compatibility/2006" xmlns:p14="http://schemas.microsoft.com/office/powerpoint/2010/main">
+    <mc:Choice Requires="p14">
+      <p:timing>
+        <p:tnLst>
+          <p:par>
+            <p:cTn id="1" dur="indefinite" restart="never" nodeType="tmRoot">
+              <p:childTnLst>
+                <p:seq concurrent="1" nextAc="seek">
+                  <p:cTn id="2" dur="indefinite" nodeType="mainSeq">
+                    <p:childTnLst>
+                      <p:par>
+                        <p:cTn id="3" fill="hold">
+                          <p:stCondLst>
+                            <p:cond delay="indefinite"/>
+                            <p:cond evt="onBegin" delay="0">
+                              <p:tn val="2"/>
+                            </p:cond>
+                          </p:stCondLst>
+                          <p:childTnLst>
+                            <p:par>
+                              <p:cTn id="4" fill="hold">
+                                <p:stCondLst>
+                                  <p:cond delay="0"/>
+                                </p:stCondLst>
+                                <p:childTnLst>
+                                  <p:par>
+                                    <p:cTn id="5" presetID="2" presetClass="entr" presetSubtype="2" fill="hold" nodeType="afterEffect" p14:presetBounceEnd="80000">
+                                      <p:stCondLst>
+                                        <p:cond delay="0"/>
+                                      </p:stCondLst>
+                                      <p:childTnLst>
+                                        <p:set>
+                                          <p:cBhvr>
+                                            <p:cTn id="6" dur="1" fill="hold">
+                                              <p:stCondLst>
+                                                <p:cond delay="0"/>
+                                              </p:stCondLst>
+                                            </p:cTn>
+                                            <p:tgtEl>
+                                              <p:spTgt spid="4"/>
+                                            </p:tgtEl>
+                                            <p:attrNameLst>
+                                              <p:attrName>style.visibility</p:attrName>
+                                            </p:attrNameLst>
+                                          </p:cBhvr>
+                                          <p:to>
+                                            <p:strVal val="visible"/>
+                                          </p:to>
+                                        </p:set>
+                                        <p:anim calcmode="lin" valueType="num" p14:bounceEnd="80000">
+                                          <p:cBhvr additive="base">
+                                            <p:cTn id="7" dur="500" fill="hold"/>
+                                            <p:tgtEl>
+                                              <p:spTgt spid="4"/>
+                                            </p:tgtEl>
+                                            <p:attrNameLst>
+                                              <p:attrName>ppt_x</p:attrName>
+                                            </p:attrNameLst>
+                                          </p:cBhvr>
+                                          <p:tavLst>
+                                            <p:tav tm="0">
+                                              <p:val>
+                                                <p:strVal val="1+#ppt_w/2"/>
+                                              </p:val>
+                                            </p:tav>
+                                            <p:tav tm="100000">
+                                              <p:val>
+                                                <p:strVal val="#ppt_x"/>
+                                              </p:val>
+                                            </p:tav>
+                                          </p:tavLst>
+                                        </p:anim>
+                                        <p:anim calcmode="lin" valueType="num" p14:bounceEnd="80000">
+                                          <p:cBhvr additive="base">
+                                            <p:cTn id="8" dur="500" fill="hold"/>
+                                            <p:tgtEl>
+                                              <p:spTgt spid="4"/>
+                                            </p:tgtEl>
+                                            <p:attrNameLst>
+                                              <p:attrName>ppt_y</p:attrName>
+                                            </p:attrNameLst>
+                                          </p:cBhvr>
+                                          <p:tavLst>
+                                            <p:tav tm="0">
+                                              <p:val>
+                                                <p:strVal val="#ppt_y"/>
+                                              </p:val>
+                                            </p:tav>
+                                            <p:tav tm="100000">
+                                              <p:val>
+                                                <p:strVal val="#ppt_y"/>
+                                              </p:val>
+                                            </p:tav>
+                                          </p:tavLst>
+                                        </p:anim>
+                                      </p:childTnLst>
+                                    </p:cTn>
+                                  </p:par>
+                                  <p:par>
+                                    <p:cTn id="9" presetID="41" presetClass="entr" presetSubtype="0" fill="hold" grpId="0" nodeType="withEffect">
+                                      <p:stCondLst>
+                                        <p:cond delay="300"/>
+                                      </p:stCondLst>
+                                      <p:iterate type="lt">
+                                        <p:tmPct val="10000"/>
+                                      </p:iterate>
+                                      <p:childTnLst>
+                                        <p:set>
+                                          <p:cBhvr>
+                                            <p:cTn id="10" dur="1" fill="hold">
+                                              <p:stCondLst>
+                                                <p:cond delay="0"/>
+                                              </p:stCondLst>
+                                            </p:cTn>
+                                            <p:tgtEl>
+                                              <p:spTgt spid="7"/>
+                                            </p:tgtEl>
+                                            <p:attrNameLst>
+                                              <p:attrName>style.visibility</p:attrName>
+                                            </p:attrNameLst>
+                                          </p:cBhvr>
+                                          <p:to>
+                                            <p:strVal val="visible"/>
+                                          </p:to>
+                                        </p:set>
+                                        <p:anim calcmode="lin" valueType="num">
+                                          <p:cBhvr>
+                                            <p:cTn id="11" dur="750" fill="hold"/>
+                                            <p:tgtEl>
+                                              <p:spTgt spid="7"/>
+                                            </p:tgtEl>
+                                            <p:attrNameLst>
+                                              <p:attrName>ppt_x</p:attrName>
+                                            </p:attrNameLst>
+                                          </p:cBhvr>
+                                          <p:tavLst>
+                                            <p:tav tm="0">
+                                              <p:val>
+                                                <p:strVal val="#ppt_x"/>
+                                              </p:val>
+                                            </p:tav>
+                                            <p:tav tm="50000">
+                                              <p:val>
+                                                <p:strVal val="#ppt_x+.1"/>
+                                              </p:val>
+                                            </p:tav>
+                                            <p:tav tm="100000">
+                                              <p:val>
+                                                <p:strVal val="#ppt_x"/>
+                                              </p:val>
+                                            </p:tav>
+                                          </p:tavLst>
+                                        </p:anim>
+                                        <p:anim calcmode="lin" valueType="num">
+                                          <p:cBhvr>
+                                            <p:cTn id="12" dur="750" fill="hold"/>
+                                            <p:tgtEl>
+                                              <p:spTgt spid="7"/>
+                                            </p:tgtEl>
+                                            <p:attrNameLst>
+                                              <p:attrName>ppt_y</p:attrName>
+                                            </p:attrNameLst>
+                                          </p:cBhvr>
+                                          <p:tavLst>
+                                            <p:tav tm="0">
+                                              <p:val>
+                                                <p:strVal val="#ppt_y"/>
+                                              </p:val>
+                                            </p:tav>
+                                            <p:tav tm="100000">
+                                              <p:val>
+                                                <p:strVal val="#ppt_y"/>
+                                              </p:val>
+                                            </p:tav>
+                                          </p:tavLst>
+                                        </p:anim>
+                                        <p:anim calcmode="lin" valueType="num">
+                                          <p:cBhvr>
+                                            <p:cTn id="13" dur="750" fill="hold"/>
+                                            <p:tgtEl>
+                                              <p:spTgt spid="7"/>
+                                            </p:tgtEl>
+                                            <p:attrNameLst>
+                                              <p:attrName>ppt_h</p:attrName>
+                                            </p:attrNameLst>
+                                          </p:cBhvr>
+                                          <p:tavLst>
+                                            <p:tav tm="0">
+                                              <p:val>
+                                                <p:strVal val="#ppt_h/10"/>
+                                              </p:val>
+                                            </p:tav>
+                                            <p:tav tm="50000">
+                                              <p:val>
+                                                <p:strVal val="#ppt_h+.01"/>
+                                              </p:val>
+                                            </p:tav>
+                                            <p:tav tm="100000">
+                                              <p:val>
+                                                <p:strVal val="#ppt_h"/>
+                                              </p:val>
+                                            </p:tav>
+                                          </p:tavLst>
+                                        </p:anim>
+                                        <p:anim calcmode="lin" valueType="num">
+                                          <p:cBhvr>
+                                            <p:cTn id="14" dur="750" fill="hold"/>
+                                            <p:tgtEl>
+                                              <p:spTgt spid="7"/>
+                                            </p:tgtEl>
+                                            <p:attrNameLst>
+                                              <p:attrName>ppt_w</p:attrName>
+                                            </p:attrNameLst>
+                                          </p:cBhvr>
+                                          <p:tavLst>
+                                            <p:tav tm="0">
+                                              <p:val>
+                                                <p:strVal val="#ppt_w/10"/>
+                                              </p:val>
+                                            </p:tav>
+                                            <p:tav tm="50000">
+                                              <p:val>
+                                                <p:strVal val="#ppt_w+.01"/>
+                                              </p:val>
+                                            </p:tav>
+                                            <p:tav tm="100000">
+                                              <p:val>
+                                                <p:strVal val="#ppt_w"/>
+                                              </p:val>
+                                            </p:tav>
+                                          </p:tavLst>
+                                        </p:anim>
+                                        <p:animEffect transition="in" filter="fade">
+                                          <p:cBhvr>
+                                            <p:cTn id="15" dur="750" tmFilter="0,0; .5, 1; 1, 1"/>
+                                            <p:tgtEl>
+                                              <p:spTgt spid="7"/>
+                                            </p:tgtEl>
+                                          </p:cBhvr>
+                                        </p:animEffect>
+                                      </p:childTnLst>
+                                    </p:cTn>
+                                  </p:par>
+                                  <p:par>
+                                    <p:cTn id="16" presetID="22" presetClass="entr" presetSubtype="1" fill="hold" grpId="0" nodeType="withEffect">
+                                      <p:stCondLst>
+                                        <p:cond delay="1750"/>
+                                      </p:stCondLst>
+                                      <p:childTnLst>
+                                        <p:set>
+                                          <p:cBhvr>
+                                            <p:cTn id="17" dur="1" fill="hold">
+                                              <p:stCondLst>
+                                                <p:cond delay="0"/>
+                                              </p:stCondLst>
+                                            </p:cTn>
+                                            <p:tgtEl>
+                                              <p:spTgt spid="6"/>
+                                            </p:tgtEl>
+                                            <p:attrNameLst>
+                                              <p:attrName>style.visibility</p:attrName>
+                                            </p:attrNameLst>
+                                          </p:cBhvr>
+                                          <p:to>
+                                            <p:strVal val="visible"/>
+                                          </p:to>
+                                        </p:set>
+                                        <p:animEffect transition="in" filter="wipe(up)">
+                                          <p:cBhvr>
+                                            <p:cTn id="18" dur="500"/>
+                                            <p:tgtEl>
+                                              <p:spTgt spid="6"/>
+                                            </p:tgtEl>
+                                          </p:cBhvr>
+                                        </p:animEffect>
+                                      </p:childTnLst>
+                                    </p:cTn>
+                                  </p:par>
+                                </p:childTnLst>
+                              </p:cTn>
+                            </p:par>
+                          </p:childTnLst>
+                        </p:cTn>
+                      </p:par>
+                    </p:childTnLst>
+                  </p:cTn>
+                  <p:prevCondLst>
+                    <p:cond evt="onPrev" delay="0">
+                      <p:tgtEl>
+                        <p:sldTgt/>
+                      </p:tgtEl>
+                    </p:cond>
+                  </p:prevCondLst>
+                  <p:nextCondLst>
+                    <p:cond evt="onNext" delay="0">
+                      <p:tgtEl>
+                        <p:sldTgt/>
+                      </p:tgtEl>
+                    </p:cond>
+                  </p:nextCondLst>
+                </p:seq>
+              </p:childTnLst>
+            </p:cTn>
+          </p:par>
+        </p:tnLst>
+        <p:bldLst>
+          <p:bldP spid="6" grpId="0"/>
+          <p:bldP spid="7" grpId="0"/>
+        </p:bldLst>
+      </p:timing>
+    </mc:Choice>
+    <mc:Fallback xmlns="">
+      <p:timing>
+        <p:tnLst>
+          <p:par>
+            <p:cTn id="1" dur="indefinite" restart="never" nodeType="tmRoot">
+              <p:childTnLst>
+                <p:seq concurrent="1" nextAc="seek">
+                  <p:cTn id="2" dur="indefinite" nodeType="mainSeq">
+                    <p:childTnLst>
+                      <p:par>
+                        <p:cTn id="3" fill="hold">
+                          <p:stCondLst>
+                            <p:cond delay="indefinite"/>
+                            <p:cond evt="onBegin" delay="0">
+                              <p:tn val="2"/>
+                            </p:cond>
+                          </p:stCondLst>
+                          <p:childTnLst>
+                            <p:par>
+                              <p:cTn id="4" fill="hold">
+                                <p:stCondLst>
+                                  <p:cond delay="0"/>
+                                </p:stCondLst>
+                                <p:childTnLst>
+                                  <p:par>
+                                    <p:cTn id="5" presetID="2" presetClass="entr" presetSubtype="2" fill="hold" nodeType="afterEffect">
+                                      <p:stCondLst>
+                                        <p:cond delay="0"/>
+                                      </p:stCondLst>
+                                      <p:childTnLst>
+                                        <p:set>
+                                          <p:cBhvr>
+                                            <p:cTn id="6" dur="1" fill="hold">
+                                              <p:stCondLst>
+                                                <p:cond delay="0"/>
+                                              </p:stCondLst>
+                                            </p:cTn>
+                                            <p:tgtEl>
+                                              <p:spTgt spid="4"/>
+                                            </p:tgtEl>
+                                            <p:attrNameLst>
+                                              <p:attrName>style.visibility</p:attrName>
+                                            </p:attrNameLst>
+                                          </p:cBhvr>
+                                          <p:to>
+                                            <p:strVal val="visible"/>
+                                          </p:to>
+                                        </p:set>
+                                        <p:anim calcmode="lin" valueType="num">
+                                          <p:cBhvr additive="base">
+                                            <p:cTn id="7" dur="500" fill="hold"/>
+                                            <p:tgtEl>
+                                              <p:spTgt spid="4"/>
+                                            </p:tgtEl>
+                                            <p:attrNameLst>
+                                              <p:attrName>ppt_x</p:attrName>
+                                            </p:attrNameLst>
+                                          </p:cBhvr>
+                                          <p:tavLst>
+                                            <p:tav tm="0">
+                                              <p:val>
+                                                <p:strVal val="1+#ppt_w/2"/>
+                                              </p:val>
+                                            </p:tav>
+                                            <p:tav tm="100000">
+                                              <p:val>
+                                                <p:strVal val="#ppt_x"/>
+                                              </p:val>
+                                            </p:tav>
+                                          </p:tavLst>
+                                        </p:anim>
+                                        <p:anim calcmode="lin" valueType="num">
+                                          <p:cBhvr additive="base">
+                                            <p:cTn id="8" dur="500" fill="hold"/>
+                                            <p:tgtEl>
+                                              <p:spTgt spid="4"/>
+                                            </p:tgtEl>
+                                            <p:attrNameLst>
+                                              <p:attrName>ppt_y</p:attrName>
+                                            </p:attrNameLst>
+                                          </p:cBhvr>
+                                          <p:tavLst>
+                                            <p:tav tm="0">
+                                              <p:val>
+                                                <p:strVal val="#ppt_y"/>
+                                              </p:val>
+                                            </p:tav>
+                                            <p:tav tm="100000">
+                                              <p:val>
+                                                <p:strVal val="#ppt_y"/>
+                                              </p:val>
+                                            </p:tav>
+                                          </p:tavLst>
+                                        </p:anim>
+                                      </p:childTnLst>
+                                    </p:cTn>
+                                  </p:par>
+                                  <p:par>
+                                    <p:cTn id="9" presetID="41" presetClass="entr" presetSubtype="0" fill="hold" grpId="0" nodeType="withEffect">
+                                      <p:stCondLst>
+                                        <p:cond delay="300"/>
+                                      </p:stCondLst>
+                                      <p:iterate type="lt">
+                                        <p:tmPct val="10000"/>
+                                      </p:iterate>
+                                      <p:childTnLst>
+                                        <p:set>
+                                          <p:cBhvr>
+                                            <p:cTn id="10" dur="1" fill="hold">
+                                              <p:stCondLst>
+                                                <p:cond delay="0"/>
+                                              </p:stCondLst>
+                                            </p:cTn>
+                                            <p:tgtEl>
+                                              <p:spTgt spid="7"/>
+                                            </p:tgtEl>
+                                            <p:attrNameLst>
+                                              <p:attrName>style.visibility</p:attrName>
+                                            </p:attrNameLst>
+                                          </p:cBhvr>
+                                          <p:to>
+                                            <p:strVal val="visible"/>
+                                          </p:to>
+                                        </p:set>
+                                        <p:anim calcmode="lin" valueType="num">
+                                          <p:cBhvr>
+                                            <p:cTn id="11" dur="750" fill="hold"/>
+                                            <p:tgtEl>
+                                              <p:spTgt spid="7"/>
+                                            </p:tgtEl>
+                                            <p:attrNameLst>
+                                              <p:attrName>ppt_x</p:attrName>
+                                            </p:attrNameLst>
+                                          </p:cBhvr>
+                                          <p:tavLst>
+                                            <p:tav tm="0">
+                                              <p:val>
+                                                <p:strVal val="#ppt_x"/>
+                                              </p:val>
+                                            </p:tav>
+                                            <p:tav tm="50000">
+                                              <p:val>
+                                                <p:strVal val="#ppt_x+.1"/>
+                                              </p:val>
+                                            </p:tav>
+                                            <p:tav tm="100000">
+                                              <p:val>
+                                                <p:strVal val="#ppt_x"/>
+                                              </p:val>
+                                            </p:tav>
+                                          </p:tavLst>
+                                        </p:anim>
+                                        <p:anim calcmode="lin" valueType="num">
+                                          <p:cBhvr>
+                                            <p:cTn id="12" dur="750" fill="hold"/>
+                                            <p:tgtEl>
+                                              <p:spTgt spid="7"/>
+                                            </p:tgtEl>
+                                            <p:attrNameLst>
+                                              <p:attrName>ppt_y</p:attrName>
+                                            </p:attrNameLst>
+                                          </p:cBhvr>
+                                          <p:tavLst>
+                                            <p:tav tm="0">
+                                              <p:val>
+                                                <p:strVal val="#ppt_y"/>
+                                              </p:val>
+                                            </p:tav>
+                                            <p:tav tm="100000">
+                                              <p:val>
+                                                <p:strVal val="#ppt_y"/>
+                                              </p:val>
+                                            </p:tav>
+                                          </p:tavLst>
+                                        </p:anim>
+                                        <p:anim calcmode="lin" valueType="num">
+                                          <p:cBhvr>
+                                            <p:cTn id="13" dur="750" fill="hold"/>
+                                            <p:tgtEl>
+                                              <p:spTgt spid="7"/>
+                                            </p:tgtEl>
+                                            <p:attrNameLst>
+                                              <p:attrName>ppt_h</p:attrName>
+                                            </p:attrNameLst>
+                                          </p:cBhvr>
+                                          <p:tavLst>
+                                            <p:tav tm="0">
+                                              <p:val>
+                                                <p:strVal val="#ppt_h/10"/>
+                                              </p:val>
+                                            </p:tav>
+                                            <p:tav tm="50000">
+                                              <p:val>
+                                                <p:strVal val="#ppt_h+.01"/>
+                                              </p:val>
+                                            </p:tav>
+                                            <p:tav tm="100000">
+                                              <p:val>
+                                                <p:strVal val="#ppt_h"/>
+                                              </p:val>
+                                            </p:tav>
+                                          </p:tavLst>
+                                        </p:anim>
+                                        <p:anim calcmode="lin" valueType="num">
+                                          <p:cBhvr>
+                                            <p:cTn id="14" dur="750" fill="hold"/>
+                                            <p:tgtEl>
+                                              <p:spTgt spid="7"/>
+                                            </p:tgtEl>
+                                            <p:attrNameLst>
+                                              <p:attrName>ppt_w</p:attrName>
+                                            </p:attrNameLst>
+                                          </p:cBhvr>
+                                          <p:tavLst>
+                                            <p:tav tm="0">
+                                              <p:val>
+                                                <p:strVal val="#ppt_w/10"/>
+                                              </p:val>
+                                            </p:tav>
+                                            <p:tav tm="50000">
+                                              <p:val>
+                                                <p:strVal val="#ppt_w+.01"/>
+                                              </p:val>
+                                            </p:tav>
+                                            <p:tav tm="100000">
+                                              <p:val>
+                                                <p:strVal val="#ppt_w"/>
+                                              </p:val>
+                                            </p:tav>
+                                          </p:tavLst>
+                                        </p:anim>
+                                        <p:animEffect transition="in" filter="fade">
+                                          <p:cBhvr>
+                                            <p:cTn id="15" dur="750" tmFilter="0,0; .5, 1; 1, 1"/>
+                                            <p:tgtEl>
+                                              <p:spTgt spid="7"/>
+                                            </p:tgtEl>
+                                          </p:cBhvr>
+                                        </p:animEffect>
+                                      </p:childTnLst>
+                                    </p:cTn>
+                                  </p:par>
+                                  <p:par>
+                                    <p:cTn id="16" presetID="22" presetClass="entr" presetSubtype="1" fill="hold" grpId="0" nodeType="withEffect">
+                                      <p:stCondLst>
+                                        <p:cond delay="1750"/>
+                                      </p:stCondLst>
+                                      <p:childTnLst>
+                                        <p:set>
+                                          <p:cBhvr>
+                                            <p:cTn id="17" dur="1" fill="hold">
+                                              <p:stCondLst>
+                                                <p:cond delay="0"/>
+                                              </p:stCondLst>
+                                            </p:cTn>
+                                            <p:tgtEl>
+                                              <p:spTgt spid="6"/>
+                                            </p:tgtEl>
+                                            <p:attrNameLst>
+                                              <p:attrName>style.visibility</p:attrName>
+                                            </p:attrNameLst>
+                                          </p:cBhvr>
+                                          <p:to>
+                                            <p:strVal val="visible"/>
+                                          </p:to>
+                                        </p:set>
+                                        <p:animEffect transition="in" filter="wipe(up)">
+                                          <p:cBhvr>
+                                            <p:cTn id="18" dur="500"/>
+                                            <p:tgtEl>
+                                              <p:spTgt spid="6"/>
+                                            </p:tgtEl>
+                                          </p:cBhvr>
+                                        </p:animEffect>
+                                      </p:childTnLst>
+                                    </p:cTn>
+                                  </p:par>
+                                </p:childTnLst>
+                              </p:cTn>
+                            </p:par>
+                          </p:childTnLst>
+                        </p:cTn>
+                      </p:par>
+                    </p:childTnLst>
+                  </p:cTn>
+                  <p:prevCondLst>
+                    <p:cond evt="onPrev" delay="0">
+                      <p:tgtEl>
+                        <p:sldTgt/>
+                      </p:tgtEl>
+                    </p:cond>
+                  </p:prevCondLst>
+                  <p:nextCondLst>
+                    <p:cond evt="onNext" delay="0">
+                      <p:tgtEl>
+                        <p:sldTgt/>
+                      </p:tgtEl>
+                    </p:cond>
+                  </p:nextCondLst>
+                </p:seq>
+              </p:childTnLst>
+            </p:cTn>
+          </p:par>
+        </p:tnLst>
+        <p:bldLst>
+          <p:bldP spid="6" grpId="0"/>
+          <p:bldP spid="7" grpId="0"/>
+        </p:bldLst>
+      </p:timing>
+    </mc:Fallback>
+  </mc:AlternateContent>
+</p:sld>
+</file>
+
+<file path=ppt/slides/slide22.xml><?xml version="1.0" encoding="utf-8"?>
+<p:sld xmlns:a="http://schemas.openxmlformats.org/drawingml/2006/main" xmlns:r="http://schemas.openxmlformats.org/officeDocument/2006/relationships" xmlns:p="http://schemas.openxmlformats.org/presentationml/2006/main">
+  <p:cSld>
+    <p:spTree>
+      <p:nvGrpSpPr>
+        <p:cNvPr id="1" name=""/>
+        <p:cNvGrpSpPr/>
+        <p:nvPr/>
+      </p:nvGrpSpPr>
+      <p:grpSpPr>
+        <a:xfrm>
+          <a:off x="0" y="0"/>
+          <a:ext cx="0" cy="0"/>
+          <a:chOff x="0" y="0"/>
+          <a:chExt cx="0" cy="0"/>
+        </a:xfrm>
+      </p:grpSpPr>
+      <p:sp>
+        <p:nvSpPr>
+          <p:cNvPr id="18" name="文本框 17"/>
+          <p:cNvSpPr txBox="1"/>
+          <p:nvPr/>
+        </p:nvSpPr>
+        <p:spPr>
+          <a:xfrm>
+            <a:off x="643255" y="180340"/>
+            <a:ext cx="1612900" cy="521970"/>
+          </a:xfrm>
+          <a:prstGeom prst="rect">
+            <a:avLst/>
+          </a:prstGeom>
+          <a:noFill/>
+        </p:spPr>
+        <p:txBody>
+          <a:bodyPr wrap="none" rtlCol="0">
+            <a:spAutoFit/>
+          </a:bodyPr>
+          <a:lstStyle/>
+          <a:p>
+            <a:r>
+              <a:rPr lang="zh-CN" altLang="en-US" sz="2800" b="1" dirty="0">
+                <a:solidFill>
+                  <a:schemeClr val="bg1"/>
+                </a:solidFill>
+                <a:ea typeface="思源黑体 CN Heavy" panose="020B0A00000000000000" pitchFamily="34" charset="-122"/>
+              </a:rPr>
+              <a:t>工作计划</a:t>
+            </a:r>
+          </a:p>
+        </p:txBody>
+      </p:sp>
+      <p:sp>
+        <p:nvSpPr>
+          <p:cNvPr id="44" name="文本框 146"/>
+          <p:cNvSpPr txBox="1"/>
+          <p:nvPr/>
+        </p:nvSpPr>
+        <p:spPr>
+          <a:xfrm>
+            <a:off x="915035" y="1696720"/>
+            <a:ext cx="4883150" cy="1303655"/>
+          </a:xfrm>
+          <a:prstGeom prst="rect">
+            <a:avLst/>
+          </a:prstGeom>
+          <a:noFill/>
+          <a:ln w="9525">
+            <a:noFill/>
+            <a:miter lim="800000"/>
+          </a:ln>
+          <a:extLst>
+            <a:ext uri="{909E8E84-426E-40DD-AFC4-6F175D3DCCD1}">
+              <a14:hiddenFill xmlns:a14="http://schemas.microsoft.com/office/drawing/2010/main">
+                <a:solidFill>
+                  <a:srgbClr val="FFFFFF"/>
+                </a:solidFill>
+              </a14:hiddenFill>
+            </a:ext>
+          </a:extLst>
+        </p:spPr>
+        <p:txBody>
+          <a:bodyPr lIns="135785" tIns="67891" rIns="135785" bIns="67891">
+            <a:noAutofit/>
+          </a:bodyPr>
+          <a:lstStyle>
+            <a:defPPr>
+              <a:defRPr lang="zh-CN"/>
+            </a:defPPr>
+            <a:lvl1pPr fontAlgn="base">
+              <a:lnSpc>
+                <a:spcPct val="110000"/>
+              </a:lnSpc>
+              <a:spcBef>
+                <a:spcPct val="0"/>
+              </a:spcBef>
+              <a:spcAft>
+                <a:spcPct val="0"/>
+              </a:spcAft>
+              <a:defRPr sz="1400">
+                <a:solidFill>
+                  <a:prstClr val="black">
+                    <a:lumMod val="50000"/>
+                    <a:lumOff val="50000"/>
+                  </a:prstClr>
+                </a:solidFill>
+                <a:latin typeface="Arial" panose="020B0604020202020204"/>
+                <a:cs typeface="+mn-ea"/>
+              </a:defRPr>
+            </a:lvl1pPr>
+            <a:lvl2pPr marL="457200" fontAlgn="base">
+              <a:spcBef>
+                <a:spcPct val="0"/>
+              </a:spcBef>
+              <a:spcAft>
+                <a:spcPct val="0"/>
+              </a:spcAft>
+              <a:defRPr>
+                <a:latin typeface="Calibri" panose="020F0502020204030204" pitchFamily="34" charset="0"/>
+                <a:cs typeface="Arial" panose="020B0604020202020204" pitchFamily="34" charset="0"/>
+              </a:defRPr>
+            </a:lvl2pPr>
+            <a:lvl3pPr marL="914400" fontAlgn="base">
+              <a:spcBef>
+                <a:spcPct val="0"/>
+              </a:spcBef>
+              <a:spcAft>
+                <a:spcPct val="0"/>
+              </a:spcAft>
+              <a:defRPr>
+                <a:latin typeface="Calibri" panose="020F0502020204030204" pitchFamily="34" charset="0"/>
+                <a:cs typeface="Arial" panose="020B0604020202020204" pitchFamily="34" charset="0"/>
+              </a:defRPr>
+            </a:lvl3pPr>
+            <a:lvl4pPr marL="1371600" fontAlgn="base">
+              <a:spcBef>
+                <a:spcPct val="0"/>
+              </a:spcBef>
+              <a:spcAft>
+                <a:spcPct val="0"/>
+              </a:spcAft>
+              <a:defRPr>
+                <a:latin typeface="Calibri" panose="020F0502020204030204" pitchFamily="34" charset="0"/>
+                <a:cs typeface="Arial" panose="020B0604020202020204" pitchFamily="34" charset="0"/>
+              </a:defRPr>
+            </a:lvl4pPr>
+            <a:lvl5pPr marL="1828800" fontAlgn="base">
+              <a:spcBef>
+                <a:spcPct val="0"/>
+              </a:spcBef>
+              <a:spcAft>
+                <a:spcPct val="0"/>
+              </a:spcAft>
+              <a:defRPr>
+                <a:latin typeface="Calibri" panose="020F0502020204030204" pitchFamily="34" charset="0"/>
+                <a:cs typeface="Arial" panose="020B0604020202020204" pitchFamily="34" charset="0"/>
+              </a:defRPr>
+            </a:lvl5pPr>
+            <a:lvl6pPr marL="2286000" defTabSz="914400">
+              <a:defRPr>
+                <a:latin typeface="Calibri" panose="020F0502020204030204" pitchFamily="34" charset="0"/>
+                <a:cs typeface="Arial" panose="020B0604020202020204" pitchFamily="34" charset="0"/>
+              </a:defRPr>
+            </a:lvl6pPr>
+            <a:lvl7pPr marL="2743200" defTabSz="914400">
+              <a:defRPr>
+                <a:latin typeface="Calibri" panose="020F0502020204030204" pitchFamily="34" charset="0"/>
+                <a:cs typeface="Arial" panose="020B0604020202020204" pitchFamily="34" charset="0"/>
+              </a:defRPr>
+            </a:lvl7pPr>
+            <a:lvl8pPr marL="3200400" defTabSz="914400">
+              <a:defRPr>
+                <a:latin typeface="Calibri" panose="020F0502020204030204" pitchFamily="34" charset="0"/>
+                <a:cs typeface="Arial" panose="020B0604020202020204" pitchFamily="34" charset="0"/>
+              </a:defRPr>
+            </a:lvl8pPr>
+            <a:lvl9pPr marL="3657600" defTabSz="914400">
+              <a:defRPr>
+                <a:latin typeface="Calibri" panose="020F0502020204030204" pitchFamily="34" charset="0"/>
+                <a:cs typeface="Arial" panose="020B0604020202020204" pitchFamily="34" charset="0"/>
+              </a:defRPr>
+            </a:lvl9pPr>
+          </a:lstStyle>
+          <a:p>
+            <a:endParaRPr lang="zh-CN" altLang="en-US" sz="1800" b="1" dirty="0">
+              <a:solidFill>
+                <a:prstClr val="black">
+                  <a:lumMod val="50000"/>
+                  <a:lumOff val="50000"/>
+                </a:prstClr>
+              </a:solidFill>
+              <a:effectLst>
+                <a:outerShdw blurRad="38100" dist="38100" dir="2700000" algn="tl">
+                  <a:srgbClr val="000000">
+                    <a:alpha val="30000"/>
+                  </a:srgbClr>
+                </a:outerShdw>
+              </a:effectLst>
+              <a:uFillTx/>
+              <a:latin typeface="华文中宋" panose="02010600040101010101" charset="-122"/>
+              <a:ea typeface="华文中宋" panose="02010600040101010101" charset="-122"/>
+              <a:cs typeface="Arial" panose="020B0604020202020204" pitchFamily="34" charset="0"/>
+            </a:endParaRPr>
+          </a:p>
+        </p:txBody>
+      </p:sp>
+      <p:sp>
+        <p:nvSpPr>
+          <p:cNvPr id="45" name="文本框 145"/>
+          <p:cNvSpPr txBox="1"/>
+          <p:nvPr/>
+        </p:nvSpPr>
+        <p:spPr>
+          <a:xfrm>
+            <a:off x="732155" y="1842770"/>
+            <a:ext cx="4653280" cy="2922905"/>
+          </a:xfrm>
+          <a:prstGeom prst="rect">
+            <a:avLst/>
+          </a:prstGeom>
+          <a:noFill/>
+          <a:ln>
+            <a:noFill/>
+          </a:ln>
+        </p:spPr>
+        <p:style>
+          <a:lnRef idx="2">
+            <a:schemeClr val="accent1">
+              <a:shade val="50000"/>
+            </a:schemeClr>
+          </a:lnRef>
+          <a:fillRef idx="1">
+            <a:schemeClr val="accent1"/>
+          </a:fillRef>
+          <a:effectRef idx="0">
+            <a:schemeClr val="accent1"/>
+          </a:effectRef>
+          <a:fontRef idx="minor">
+            <a:schemeClr val="lt1"/>
+          </a:fontRef>
+        </p:style>
+        <p:txBody>
+          <a:bodyPr wrap="square" lIns="178172" tIns="0" rIns="178172" bIns="0" rtlCol="0" anchor="t">
+            <a:noAutofit/>
+          </a:bodyPr>
+          <a:lstStyle>
+            <a:defPPr>
+              <a:defRPr lang="zh-CN"/>
+            </a:defPPr>
+            <a:lvl1pPr marL="285750" indent="-285750">
+              <a:lnSpc>
+                <a:spcPct val="120000"/>
+              </a:lnSpc>
+              <a:buClr>
+                <a:schemeClr val="accent1"/>
+              </a:buClr>
+              <a:buFont typeface="Wingdings" panose="05000000000000000000" pitchFamily="2" charset="2"/>
+              <a:buChar char="n"/>
+              <a:defRPr sz="1800" b="1">
+                <a:solidFill>
+                  <a:schemeClr val="bg1">
+                    <a:lumMod val="50000"/>
+                  </a:schemeClr>
+                </a:solidFill>
+                <a:cs typeface="+mn-ea"/>
+              </a:defRPr>
+            </a:lvl1pPr>
+            <a:lvl2pPr>
+              <a:defRPr>
+                <a:solidFill>
+                  <a:schemeClr val="lt1"/>
+                </a:solidFill>
+              </a:defRPr>
+            </a:lvl2pPr>
+            <a:lvl3pPr>
+              <a:defRPr>
+                <a:solidFill>
+                  <a:schemeClr val="lt1"/>
+                </a:solidFill>
+              </a:defRPr>
+            </a:lvl3pPr>
+            <a:lvl4pPr>
+              <a:defRPr>
+                <a:solidFill>
+                  <a:schemeClr val="lt1"/>
+                </a:solidFill>
+              </a:defRPr>
+            </a:lvl4pPr>
+            <a:lvl5pPr>
+              <a:defRPr>
+                <a:solidFill>
+                  <a:schemeClr val="lt1"/>
+                </a:solidFill>
+              </a:defRPr>
+            </a:lvl5pPr>
+            <a:lvl6pPr>
+              <a:defRPr>
+                <a:solidFill>
+                  <a:schemeClr val="lt1"/>
+                </a:solidFill>
+              </a:defRPr>
+            </a:lvl6pPr>
+            <a:lvl7pPr>
+              <a:defRPr>
+                <a:solidFill>
+                  <a:schemeClr val="lt1"/>
+                </a:solidFill>
+              </a:defRPr>
+            </a:lvl7pPr>
+            <a:lvl8pPr>
+              <a:defRPr>
+                <a:solidFill>
+                  <a:schemeClr val="lt1"/>
+                </a:solidFill>
+              </a:defRPr>
+            </a:lvl8pPr>
+            <a:lvl9pPr>
+              <a:defRPr>
+                <a:solidFill>
+                  <a:schemeClr val="lt1"/>
+                </a:solidFill>
+              </a:defRPr>
+            </a:lvl9pPr>
+          </a:lstStyle>
+          <a:p>
+            <a:pPr marL="0" indent="0">
+              <a:buClr>
+                <a:srgbClr val="C00000"/>
+              </a:buClr>
+              <a:buNone/>
+            </a:pPr>
+            <a:r>
+              <a:rPr lang="zh-CN" altLang="en-US" dirty="0">
+                <a:solidFill>
+                  <a:schemeClr val="tx1">
+                    <a:lumMod val="65000"/>
+                    <a:lumOff val="35000"/>
+                  </a:schemeClr>
+                </a:solidFill>
+                <a:ea typeface="思源黑体 CN Heavy" panose="020B0A00000000000000" pitchFamily="34" charset="-122"/>
+              </a:rPr>
+              <a:t>后期的工作中思维应该从小项目向企业级的项目转变，在书写代码的过程中应该将功能与功能直接的耦合性降低。要时刻提醒自己是团队的一员，遇到问题不应该不计时间成本去解决，而是自己无法在规定的时间内解决问题， 就应该去请教前辈， 寻求解决方案，并且补充短板知识。在完成工作的业余时间补充</a:t>
+            </a:r>
+            <a:r>
+              <a:rPr lang="en-US" altLang="zh-CN" dirty="0">
+                <a:solidFill>
+                  <a:schemeClr val="tx1">
+                    <a:lumMod val="65000"/>
+                    <a:lumOff val="35000"/>
+                  </a:schemeClr>
+                </a:solidFill>
+                <a:ea typeface="思源黑体 CN Heavy" panose="020B0A00000000000000" pitchFamily="34" charset="-122"/>
+              </a:rPr>
+              <a:t>docker</a:t>
+            </a:r>
+            <a:r>
+              <a:rPr lang="zh-CN" altLang="en-US" dirty="0">
+                <a:solidFill>
+                  <a:schemeClr val="tx1">
+                    <a:lumMod val="65000"/>
+                    <a:lumOff val="35000"/>
+                  </a:schemeClr>
+                </a:solidFill>
+                <a:ea typeface="思源黑体 CN Heavy" panose="020B0A00000000000000" pitchFamily="34" charset="-122"/>
+              </a:rPr>
+              <a:t>和</a:t>
+            </a:r>
+            <a:r>
+              <a:rPr lang="en-US" altLang="zh-CN" dirty="0">
+                <a:solidFill>
+                  <a:schemeClr val="tx1">
+                    <a:lumMod val="65000"/>
+                    <a:lumOff val="35000"/>
+                  </a:schemeClr>
+                </a:solidFill>
+                <a:ea typeface="思源黑体 CN Heavy" panose="020B0A00000000000000" pitchFamily="34" charset="-122"/>
+              </a:rPr>
+              <a:t>k8s</a:t>
+            </a:r>
+            <a:r>
+              <a:rPr lang="zh-CN" altLang="en-US" dirty="0">
+                <a:solidFill>
+                  <a:schemeClr val="tx1">
+                    <a:lumMod val="65000"/>
+                    <a:lumOff val="35000"/>
+                  </a:schemeClr>
+                </a:solidFill>
+                <a:ea typeface="思源黑体 CN Heavy" panose="020B0A00000000000000" pitchFamily="34" charset="-122"/>
+              </a:rPr>
+              <a:t>方面的知识，尽可能减小差距。</a:t>
+            </a:r>
+            <a:endParaRPr lang="en-US" altLang="zh-CN" dirty="0">
+              <a:solidFill>
+                <a:schemeClr val="tx1">
+                  <a:lumMod val="65000"/>
+                  <a:lumOff val="35000"/>
+                </a:schemeClr>
+              </a:solidFill>
+              <a:ea typeface="思源黑体 CN Heavy" panose="020B0A00000000000000" pitchFamily="34" charset="-122"/>
+            </a:endParaRPr>
+          </a:p>
+        </p:txBody>
+      </p:sp>
+      <p:sp>
+        <p:nvSpPr>
+          <p:cNvPr id="37" name="文本框 145"/>
+          <p:cNvSpPr txBox="1"/>
+          <p:nvPr/>
+        </p:nvSpPr>
+        <p:spPr>
+          <a:xfrm>
+            <a:off x="732347" y="3097217"/>
+            <a:ext cx="2352000" cy="413563"/>
+          </a:xfrm>
+          <a:prstGeom prst="rect">
+            <a:avLst/>
+          </a:prstGeom>
+          <a:noFill/>
+          <a:ln>
+            <a:noFill/>
+          </a:ln>
+        </p:spPr>
+        <p:style>
+          <a:lnRef idx="2">
+            <a:schemeClr val="accent1">
+              <a:shade val="50000"/>
+            </a:schemeClr>
+          </a:lnRef>
+          <a:fillRef idx="1">
+            <a:schemeClr val="accent1"/>
+          </a:fillRef>
+          <a:effectRef idx="0">
+            <a:schemeClr val="accent1"/>
+          </a:effectRef>
+          <a:fontRef idx="minor">
+            <a:schemeClr val="lt1"/>
+          </a:fontRef>
+        </p:style>
+        <p:txBody>
+          <a:bodyPr wrap="square" lIns="178172" tIns="0" rIns="178172" bIns="0" rtlCol="0" anchor="t">
+            <a:noAutofit/>
+          </a:bodyPr>
+          <a:lstStyle>
+            <a:defPPr>
+              <a:defRPr lang="zh-CN"/>
+            </a:defPPr>
+            <a:lvl1pPr marL="285750" indent="-285750">
+              <a:lnSpc>
+                <a:spcPct val="120000"/>
+              </a:lnSpc>
+              <a:buClr>
+                <a:schemeClr val="accent1"/>
+              </a:buClr>
+              <a:buFont typeface="Wingdings" panose="05000000000000000000" pitchFamily="2" charset="2"/>
+              <a:buChar char="n"/>
+              <a:defRPr sz="1800" b="1">
+                <a:solidFill>
+                  <a:schemeClr val="bg1">
+                    <a:lumMod val="50000"/>
+                  </a:schemeClr>
+                </a:solidFill>
+                <a:cs typeface="+mn-ea"/>
+              </a:defRPr>
+            </a:lvl1pPr>
+            <a:lvl2pPr>
+              <a:defRPr>
+                <a:solidFill>
+                  <a:schemeClr val="lt1"/>
+                </a:solidFill>
+              </a:defRPr>
+            </a:lvl2pPr>
+            <a:lvl3pPr>
+              <a:defRPr>
+                <a:solidFill>
+                  <a:schemeClr val="lt1"/>
+                </a:solidFill>
+              </a:defRPr>
+            </a:lvl3pPr>
+            <a:lvl4pPr>
+              <a:defRPr>
+                <a:solidFill>
+                  <a:schemeClr val="lt1"/>
+                </a:solidFill>
+              </a:defRPr>
+            </a:lvl4pPr>
+            <a:lvl5pPr>
+              <a:defRPr>
+                <a:solidFill>
+                  <a:schemeClr val="lt1"/>
+                </a:solidFill>
+              </a:defRPr>
+            </a:lvl5pPr>
+            <a:lvl6pPr>
+              <a:defRPr>
+                <a:solidFill>
+                  <a:schemeClr val="lt1"/>
+                </a:solidFill>
+              </a:defRPr>
+            </a:lvl6pPr>
+            <a:lvl7pPr>
+              <a:defRPr>
+                <a:solidFill>
+                  <a:schemeClr val="lt1"/>
+                </a:solidFill>
+              </a:defRPr>
+            </a:lvl7pPr>
+            <a:lvl8pPr>
+              <a:defRPr>
+                <a:solidFill>
+                  <a:schemeClr val="lt1"/>
+                </a:solidFill>
+              </a:defRPr>
+            </a:lvl8pPr>
+            <a:lvl9pPr>
+              <a:defRPr>
+                <a:solidFill>
+                  <a:schemeClr val="lt1"/>
+                </a:solidFill>
+              </a:defRPr>
+            </a:lvl9pPr>
+          </a:lstStyle>
+          <a:p>
+            <a:pPr marL="0" indent="0">
+              <a:buClr>
+                <a:srgbClr val="C00000"/>
+              </a:buClr>
+              <a:buNone/>
+            </a:pPr>
+            <a:endParaRPr lang="zh-CN" altLang="en-US" dirty="0">
+              <a:solidFill>
+                <a:schemeClr val="tx1">
+                  <a:lumMod val="65000"/>
+                  <a:lumOff val="35000"/>
+                </a:schemeClr>
+              </a:solidFill>
+              <a:ea typeface="思源黑体 CN Heavy" panose="020B0A00000000000000" pitchFamily="34" charset="-122"/>
+            </a:endParaRPr>
+          </a:p>
+        </p:txBody>
+      </p:sp>
+      <p:sp>
+        <p:nvSpPr>
+          <p:cNvPr id="38" name="矩形 37"/>
+          <p:cNvSpPr/>
+          <p:nvPr/>
+        </p:nvSpPr>
+        <p:spPr>
+          <a:xfrm>
+            <a:off x="6412865" y="1329690"/>
+            <a:ext cx="4483100" cy="2037715"/>
+          </a:xfrm>
+          <a:prstGeom prst="rect">
+            <a:avLst/>
+          </a:prstGeom>
+          <a:solidFill>
+            <a:schemeClr val="bg2"/>
+          </a:solidFill>
+          <a:ln>
+            <a:noFill/>
+          </a:ln>
+        </p:spPr>
+        <p:style>
+          <a:lnRef idx="2">
+            <a:schemeClr val="accent1">
+              <a:shade val="50000"/>
+            </a:schemeClr>
+          </a:lnRef>
+          <a:fillRef idx="1">
+            <a:schemeClr val="accent1"/>
+          </a:fillRef>
+          <a:effectRef idx="0">
+            <a:schemeClr val="accent1"/>
+          </a:effectRef>
+          <a:fontRef idx="minor">
+            <a:schemeClr val="lt1"/>
+          </a:fontRef>
+        </p:style>
+        <p:txBody>
+          <a:bodyPr rtlCol="0" anchor="ctr"/>
+          <a:lstStyle/>
+          <a:p>
+            <a:pPr algn="ctr"/>
+            <a:endParaRPr lang="zh-CN" altLang="en-US"/>
+          </a:p>
+        </p:txBody>
+      </p:sp>
+      <p:sp>
+        <p:nvSpPr>
+          <p:cNvPr id="39" name="矩形 38"/>
+          <p:cNvSpPr/>
+          <p:nvPr/>
+        </p:nvSpPr>
+        <p:spPr>
+          <a:xfrm>
+            <a:off x="6412865" y="3549015"/>
+            <a:ext cx="2160270" cy="2104390"/>
+          </a:xfrm>
+          <a:prstGeom prst="rect">
+            <a:avLst/>
+          </a:prstGeom>
+          <a:solidFill>
+            <a:schemeClr val="bg2"/>
+          </a:solidFill>
+          <a:ln>
+            <a:noFill/>
+          </a:ln>
+        </p:spPr>
+        <p:style>
+          <a:lnRef idx="2">
+            <a:schemeClr val="accent1">
+              <a:shade val="50000"/>
+            </a:schemeClr>
+          </a:lnRef>
+          <a:fillRef idx="1">
+            <a:schemeClr val="accent1"/>
+          </a:fillRef>
+          <a:effectRef idx="0">
+            <a:schemeClr val="accent1"/>
+          </a:effectRef>
+          <a:fontRef idx="minor">
+            <a:schemeClr val="lt1"/>
+          </a:fontRef>
+        </p:style>
+        <p:txBody>
+          <a:bodyPr rtlCol="0" anchor="ctr"/>
+          <a:lstStyle/>
+          <a:p>
+            <a:pPr algn="ctr"/>
+            <a:endParaRPr lang="zh-CN" altLang="en-US"/>
+          </a:p>
+        </p:txBody>
+      </p:sp>
+      <p:sp>
+        <p:nvSpPr>
+          <p:cNvPr id="40" name="矩形 39"/>
+          <p:cNvSpPr/>
+          <p:nvPr/>
+        </p:nvSpPr>
+        <p:spPr>
+          <a:xfrm>
+            <a:off x="8720455" y="3548380"/>
+            <a:ext cx="2160270" cy="2104390"/>
+          </a:xfrm>
+          <a:prstGeom prst="rect">
+            <a:avLst/>
+          </a:prstGeom>
+          <a:solidFill>
+            <a:schemeClr val="bg2"/>
+          </a:solidFill>
+          <a:ln>
+            <a:noFill/>
+          </a:ln>
+        </p:spPr>
+        <p:style>
+          <a:lnRef idx="2">
+            <a:schemeClr val="accent1">
+              <a:shade val="50000"/>
+            </a:schemeClr>
+          </a:lnRef>
+          <a:fillRef idx="1">
+            <a:schemeClr val="accent1"/>
+          </a:fillRef>
+          <a:effectRef idx="0">
+            <a:schemeClr val="accent1"/>
+          </a:effectRef>
+          <a:fontRef idx="minor">
+            <a:schemeClr val="lt1"/>
+          </a:fontRef>
+        </p:style>
+        <p:txBody>
+          <a:bodyPr rtlCol="0" anchor="ctr"/>
+          <a:lstStyle/>
+          <a:p>
+            <a:pPr algn="ctr"/>
+            <a:endParaRPr lang="zh-CN" altLang="en-US"/>
+          </a:p>
+        </p:txBody>
+      </p:sp>
+    </p:spTree>
+  </p:cSld>
+  <p:clrMapOvr>
+    <a:masterClrMapping/>
+  </p:clrMapOvr>
+  <mc:AlternateContent xmlns:mc="http://schemas.openxmlformats.org/markup-compatibility/2006" xmlns:p14="http://schemas.microsoft.com/office/powerpoint/2010/main">
+    <mc:Choice Requires="p14">
+      <p:transition spd="slow" p14:dur="1600">
+        <p:blinds dir="vert"/>
+      </p:transition>
+    </mc:Choice>
+    <mc:Fallback xmlns="">
+      <p:transition spd="slow">
+        <p:blinds dir="vert"/>
+      </p:transition>
+    </mc:Fallback>
+  </mc:AlternateContent>
+  <p:timing>
+    <p:tnLst>
+      <p:par>
+        <p:cTn id="1" dur="indefinite" restart="never" nodeType="tmRoot">
+          <p:childTnLst>
+            <p:seq concurrent="1" nextAc="seek">
+              <p:cTn id="2" dur="indefinite" nodeType="mainSeq">
+                <p:childTnLst>
+                  <p:par>
+                    <p:cTn id="3" fill="hold">
+                      <p:stCondLst>
+                        <p:cond delay="indefinite"/>
+                        <p:cond evt="onBegin" delay="0">
+                          <p:tn val="2"/>
+                        </p:cond>
+                      </p:stCondLst>
+                      <p:childTnLst>
+                        <p:par>
+                          <p:cTn id="4" fill="hold">
+                            <p:stCondLst>
+                              <p:cond delay="0"/>
+                            </p:stCondLst>
+                            <p:childTnLst>
+                              <p:par>
+                                <p:cTn id="5" presetID="12" presetClass="entr" presetSubtype="1" fill="hold" grpId="0" nodeType="afterEffect">
+                                  <p:stCondLst>
+                                    <p:cond delay="0"/>
+                                  </p:stCondLst>
+                                  <p:childTnLst>
+                                    <p:set>
+                                      <p:cBhvr>
+                                        <p:cTn id="6" dur="1" fill="hold">
+                                          <p:stCondLst>
+                                            <p:cond delay="0"/>
+                                          </p:stCondLst>
+                                        </p:cTn>
+                                        <p:tgtEl>
+                                          <p:spTgt spid="45"/>
+                                        </p:tgtEl>
+                                        <p:attrNameLst>
+                                          <p:attrName>style.visibility</p:attrName>
+                                        </p:attrNameLst>
+                                      </p:cBhvr>
+                                      <p:to>
+                                        <p:strVal val="visible"/>
+                                      </p:to>
+                                    </p:set>
+                                    <p:anim calcmode="lin" valueType="num">
+                                      <p:cBhvr additive="base">
+                                        <p:cTn id="7" dur="500"/>
+                                        <p:tgtEl>
+                                          <p:spTgt spid="45"/>
+                                        </p:tgtEl>
+                                        <p:attrNameLst>
+                                          <p:attrName>ppt_y</p:attrName>
+                                        </p:attrNameLst>
+                                      </p:cBhvr>
+                                      <p:tavLst>
+                                        <p:tav tm="0">
+                                          <p:val>
+                                            <p:strVal val="#ppt_y-#ppt_h*1.125000"/>
+                                          </p:val>
+                                        </p:tav>
+                                        <p:tav tm="100000">
+                                          <p:val>
+                                            <p:strVal val="#ppt_y"/>
+                                          </p:val>
+                                        </p:tav>
+                                      </p:tavLst>
+                                    </p:anim>
+                                    <p:animEffect transition="in" filter="wipe(down)">
+                                      <p:cBhvr>
+                                        <p:cTn id="8" dur="500"/>
+                                        <p:tgtEl>
+                                          <p:spTgt spid="45"/>
+                                        </p:tgtEl>
+                                      </p:cBhvr>
+                                    </p:animEffect>
+                                  </p:childTnLst>
+                                </p:cTn>
+                              </p:par>
+                            </p:childTnLst>
+                          </p:cTn>
+                        </p:par>
+                        <p:par>
+                          <p:cTn id="9" fill="hold">
+                            <p:stCondLst>
+                              <p:cond delay="500"/>
+                            </p:stCondLst>
+                            <p:childTnLst>
+                              <p:par>
+                                <p:cTn id="10" presetID="22" presetClass="entr" presetSubtype="1" fill="hold" grpId="0" nodeType="afterEffect">
+                                  <p:stCondLst>
+                                    <p:cond delay="0"/>
+                                  </p:stCondLst>
+                                  <p:childTnLst>
+                                    <p:set>
+                                      <p:cBhvr>
+                                        <p:cTn id="11" dur="1" fill="hold">
+                                          <p:stCondLst>
+                                            <p:cond delay="0"/>
+                                          </p:stCondLst>
+                                        </p:cTn>
+                                        <p:tgtEl>
+                                          <p:spTgt spid="44"/>
+                                        </p:tgtEl>
+                                        <p:attrNameLst>
+                                          <p:attrName>style.visibility</p:attrName>
+                                        </p:attrNameLst>
+                                      </p:cBhvr>
+                                      <p:to>
+                                        <p:strVal val="visible"/>
+                                      </p:to>
+                                    </p:set>
+                                    <p:animEffect transition="in" filter="wipe(up)">
+                                      <p:cBhvr>
+                                        <p:cTn id="12" dur="500"/>
+                                        <p:tgtEl>
+                                          <p:spTgt spid="44"/>
+                                        </p:tgtEl>
+                                      </p:cBhvr>
+                                    </p:animEffect>
+                                  </p:childTnLst>
+                                </p:cTn>
+                              </p:par>
+                            </p:childTnLst>
+                          </p:cTn>
+                        </p:par>
+                        <p:par>
+                          <p:cTn id="13" fill="hold">
+                            <p:stCondLst>
+                              <p:cond delay="1000"/>
+                            </p:stCondLst>
+                            <p:childTnLst>
+                              <p:par>
+                                <p:cTn id="14" presetID="12" presetClass="entr" presetSubtype="1" fill="hold" grpId="0" nodeType="afterEffect">
+                                  <p:stCondLst>
+                                    <p:cond delay="0"/>
+                                  </p:stCondLst>
+                                  <p:childTnLst>
+                                    <p:set>
+                                      <p:cBhvr>
+                                        <p:cTn id="15" dur="1" fill="hold">
+                                          <p:stCondLst>
+                                            <p:cond delay="0"/>
+                                          </p:stCondLst>
+                                        </p:cTn>
+                                        <p:tgtEl>
+                                          <p:spTgt spid="37"/>
+                                        </p:tgtEl>
+                                        <p:attrNameLst>
+                                          <p:attrName>style.visibility</p:attrName>
+                                        </p:attrNameLst>
+                                      </p:cBhvr>
+                                      <p:to>
+                                        <p:strVal val="visible"/>
+                                      </p:to>
+                                    </p:set>
+                                    <p:anim calcmode="lin" valueType="num">
+                                      <p:cBhvr additive="base">
+                                        <p:cTn id="16" dur="500"/>
+                                        <p:tgtEl>
+                                          <p:spTgt spid="37"/>
+                                        </p:tgtEl>
+                                        <p:attrNameLst>
+                                          <p:attrName>ppt_y</p:attrName>
+                                        </p:attrNameLst>
+                                      </p:cBhvr>
+                                      <p:tavLst>
+                                        <p:tav tm="0">
+                                          <p:val>
+                                            <p:strVal val="#ppt_y-#ppt_h*1.125000"/>
+                                          </p:val>
+                                        </p:tav>
+                                        <p:tav tm="100000">
+                                          <p:val>
+                                            <p:strVal val="#ppt_y"/>
+                                          </p:val>
+                                        </p:tav>
+                                      </p:tavLst>
+                                    </p:anim>
+                                    <p:animEffect transition="in" filter="wipe(down)">
+                                      <p:cBhvr>
+                                        <p:cTn id="17" dur="500"/>
+                                        <p:tgtEl>
+                                          <p:spTgt spid="37"/>
+                                        </p:tgtEl>
+                                      </p:cBhvr>
+                                    </p:animEffect>
+                                  </p:childTnLst>
+                                </p:cTn>
+                              </p:par>
+                            </p:childTnLst>
+                          </p:cTn>
+                        </p:par>
+                      </p:childTnLst>
+                    </p:cTn>
+                  </p:par>
+                </p:childTnLst>
+              </p:cTn>
+              <p:prevCondLst>
+                <p:cond evt="onPrev" delay="0">
+                  <p:tgtEl>
+                    <p:sldTgt/>
+                  </p:tgtEl>
+                </p:cond>
+              </p:prevCondLst>
+              <p:nextCondLst>
+                <p:cond evt="onNext" delay="0">
+                  <p:tgtEl>
+                    <p:sldTgt/>
+                  </p:tgtEl>
+                </p:cond>
+              </p:nextCondLst>
+            </p:seq>
+          </p:childTnLst>
+        </p:cTn>
+      </p:par>
+    </p:tnLst>
+    <p:bldLst>
+      <p:bldP spid="44" grpId="0"/>
+      <p:bldP spid="44" grpId="1"/>
+      <p:bldP spid="45" grpId="0" bldLvl="0" animBg="1"/>
+      <p:bldP spid="37" grpId="0" bldLvl="0" animBg="1"/>
+    </p:bldLst>
+  </p:timing>
+</p:sld>
+</file>
+
+<file path=ppt/slides/slide23.xml><?xml version="1.0" encoding="utf-8"?>
 <p:sld xmlns:a="http://schemas.openxmlformats.org/drawingml/2006/main" xmlns:r="http://schemas.openxmlformats.org/officeDocument/2006/relationships" xmlns:p="http://schemas.openxmlformats.org/presentationml/2006/main">
   <p:cSld>
     <p:spTree>
@@ -23350,12 +25495,129 @@
             </a:lvl9pPr>
           </a:lstStyle>
           <a:p>
+            <a:pPr marL="0" indent="0">
+              <a:buClr>
+                <a:srgbClr val="C00000"/>
+              </a:buClr>
+              <a:buNone/>
+            </a:pPr>
+            <a:r>
+              <a:rPr lang="en-US" altLang="zh-CN" dirty="0">
+                <a:solidFill>
+                  <a:schemeClr val="tx1">
+                    <a:lumMod val="65000"/>
+                    <a:lumOff val="35000"/>
+                  </a:schemeClr>
+                </a:solidFill>
+                <a:ea typeface="思源黑体 CN Heavy" panose="020B0A00000000000000" pitchFamily="34" charset="-122"/>
+              </a:rPr>
+              <a:t>go</a:t>
+            </a:r>
+            <a:r>
+              <a:rPr lang="zh-CN" altLang="en-US" dirty="0">
+                <a:solidFill>
+                  <a:schemeClr val="tx1">
+                    <a:lumMod val="65000"/>
+                    <a:lumOff val="35000"/>
+                  </a:schemeClr>
+                </a:solidFill>
+                <a:ea typeface="思源黑体 CN Heavy" panose="020B0A00000000000000" pitchFamily="34" charset="-122"/>
+              </a:rPr>
+              <a:t>的依赖管理</a:t>
+            </a:r>
+            <a:endParaRPr lang="en-US" altLang="zh-CN" dirty="0">
+              <a:solidFill>
+                <a:schemeClr val="tx1">
+                  <a:lumMod val="65000"/>
+                  <a:lumOff val="35000"/>
+                </a:schemeClr>
+              </a:solidFill>
+              <a:ea typeface="思源黑体 CN Heavy" panose="020B0A00000000000000" pitchFamily="34" charset="-122"/>
+            </a:endParaRPr>
+          </a:p>
+          <a:p>
             <a:pPr marL="342900" indent="-342900">
               <a:buClr>
                 <a:srgbClr val="C00000"/>
               </a:buClr>
               <a:buAutoNum type="arabicPeriod"/>
             </a:pPr>
+            <a:r>
+              <a:rPr lang="zh-CN" altLang="en-US" dirty="0">
+                <a:solidFill>
+                  <a:schemeClr val="tx1">
+                    <a:lumMod val="65000"/>
+                    <a:lumOff val="35000"/>
+                  </a:schemeClr>
+                </a:solidFill>
+                <a:ea typeface="思源黑体 CN Heavy" panose="020B0A00000000000000" pitchFamily="34" charset="-122"/>
+              </a:rPr>
+              <a:t>问题</a:t>
+            </a:r>
+            <a:r>
+              <a:rPr lang="en-US" altLang="zh-CN" dirty="0">
+                <a:solidFill>
+                  <a:schemeClr val="tx1">
+                    <a:lumMod val="65000"/>
+                    <a:lumOff val="35000"/>
+                  </a:schemeClr>
+                </a:solidFill>
+                <a:ea typeface="思源黑体 CN Heavy" panose="020B0A00000000000000" pitchFamily="34" charset="-122"/>
+              </a:rPr>
+              <a:t>:</a:t>
+            </a:r>
+          </a:p>
+          <a:p>
+            <a:pPr marL="342900" indent="-342900">
+              <a:buClr>
+                <a:srgbClr val="C00000"/>
+              </a:buClr>
+              <a:buAutoNum type="arabicPeriod"/>
+            </a:pPr>
+            <a:r>
+              <a:rPr lang="zh-CN" altLang="en-US" dirty="0">
+                <a:solidFill>
+                  <a:schemeClr val="tx1">
+                    <a:lumMod val="65000"/>
+                    <a:lumOff val="35000"/>
+                  </a:schemeClr>
+                </a:solidFill>
+                <a:ea typeface="思源黑体 CN Heavy" panose="020B0A00000000000000" pitchFamily="34" charset="-122"/>
+              </a:rPr>
+              <a:t>问题分析</a:t>
+            </a:r>
+            <a:r>
+              <a:rPr lang="en-US" altLang="zh-CN" dirty="0">
+                <a:solidFill>
+                  <a:schemeClr val="tx1">
+                    <a:lumMod val="65000"/>
+                    <a:lumOff val="35000"/>
+                  </a:schemeClr>
+                </a:solidFill>
+                <a:ea typeface="思源黑体 CN Heavy" panose="020B0A00000000000000" pitchFamily="34" charset="-122"/>
+              </a:rPr>
+              <a:t>: </a:t>
+            </a:r>
+          </a:p>
+          <a:p>
+            <a:pPr marL="342900" indent="-342900">
+              <a:buClr>
+                <a:srgbClr val="C00000"/>
+              </a:buClr>
+              <a:buAutoNum type="arabicPeriod"/>
+            </a:pPr>
+            <a:r>
+              <a:rPr lang="zh-CN" altLang="en-US" dirty="0">
+                <a:solidFill>
+                  <a:schemeClr val="tx1">
+                    <a:lumMod val="65000"/>
+                    <a:lumOff val="35000"/>
+                  </a:schemeClr>
+                </a:solidFill>
+                <a:ea typeface="思源黑体 CN Heavy" panose="020B0A00000000000000" pitchFamily="34" charset="-122"/>
+              </a:rPr>
+              <a:t>解决方案</a:t>
+            </a:r>
             <a:endParaRPr lang="en-US" altLang="zh-CN" dirty="0">
               <a:solidFill>
                 <a:schemeClr val="tx1">
@@ -23689,15 +25951,10 @@
                             </p:stCondLst>
                             <p:childTnLst>
                               <p:par>
-                                <p:cTn id="5" presetID="12" presetClass="entr" presetSubtype="1" fill="hold" grpId="0" nodeType="afterEffect" nodePh="1">
+                                <p:cTn id="5" presetID="12" presetClass="entr" presetSubtype="1" fill="hold" grpId="0" nodeType="afterEffect">
                                   <p:stCondLst>
                                     <p:cond delay="0"/>
                                   </p:stCondLst>
-                                  <p:endCondLst>
-                                    <p:cond evt="begin" delay="0">
-                                      <p:tn val="5"/>
-                                    </p:cond>
-                                  </p:endCondLst>
                                   <p:childTnLst>
                                     <p:set>
                                       <p:cBhvr>

--- a/黄雪朋.pptx
+++ b/黄雪朋.pptx
@@ -5,10 +5,10 @@
     <p:sldMasterId id="2147483648" r:id="rId1"/>
   </p:sldMasterIdLst>
   <p:notesMasterIdLst>
-    <p:notesMasterId r:id="rId25"/>
+    <p:notesMasterId r:id="rId27"/>
   </p:notesMasterIdLst>
   <p:handoutMasterIdLst>
-    <p:handoutMasterId r:id="rId26"/>
+    <p:handoutMasterId r:id="rId28"/>
   </p:handoutMasterIdLst>
   <p:sldIdLst>
     <p:sldId id="315" r:id="rId2"/>
@@ -25,20 +25,22 @@
     <p:sldId id="357" r:id="rId13"/>
     <p:sldId id="337" r:id="rId14"/>
     <p:sldId id="354" r:id="rId15"/>
-    <p:sldId id="312" r:id="rId16"/>
-    <p:sldId id="332" r:id="rId17"/>
-    <p:sldId id="313" r:id="rId18"/>
-    <p:sldId id="333" r:id="rId19"/>
-    <p:sldId id="314" r:id="rId20"/>
-    <p:sldId id="334" r:id="rId21"/>
-    <p:sldId id="316" r:id="rId22"/>
-    <p:sldId id="335" r:id="rId23"/>
-    <p:sldId id="351" r:id="rId24"/>
+    <p:sldId id="359" r:id="rId16"/>
+    <p:sldId id="358" r:id="rId17"/>
+    <p:sldId id="312" r:id="rId18"/>
+    <p:sldId id="332" r:id="rId19"/>
+    <p:sldId id="313" r:id="rId20"/>
+    <p:sldId id="333" r:id="rId21"/>
+    <p:sldId id="314" r:id="rId22"/>
+    <p:sldId id="334" r:id="rId23"/>
+    <p:sldId id="316" r:id="rId24"/>
+    <p:sldId id="335" r:id="rId25"/>
+    <p:sldId id="351" r:id="rId26"/>
   </p:sldIdLst>
   <p:sldSz cx="12192000" cy="6858000"/>
   <p:notesSz cx="6858000" cy="9144000"/>
   <p:custDataLst>
-    <p:tags r:id="rId27"/>
+    <p:tags r:id="rId29"/>
   </p:custDataLst>
   <p:defaultTextStyle>
     <a:defPPr>
@@ -236,7 +238,7 @@
           <a:p>
             <a:fld id="{0F9B84EA-7D68-4D60-9CB1-D50884785D1C}" type="datetimeFigureOut">
               <a:rPr lang="zh-CN" altLang="en-US" smtClean="0"/>
-              <a:t>2022/7/28</a:t>
+              <a:t>2022/8/1</a:t>
             </a:fld>
             <a:endParaRPr lang="zh-CN" altLang="en-US"/>
           </a:p>
@@ -396,7 +398,7 @@
           <a:p>
             <a:fld id="{631CA851-5859-4C71-A5BC-9312CA066417}" type="datetimeFigureOut">
               <a:rPr lang="zh-CN" altLang="en-US" smtClean="0"/>
-              <a:t>2022/7/28</a:t>
+              <a:t>2022/8/1</a:t>
             </a:fld>
             <a:endParaRPr lang="zh-CN" altLang="en-US"/>
           </a:p>
@@ -908,7 +910,7 @@
                   <a:prstClr val="black"/>
                 </a:solidFill>
               </a:rPr>
-              <a:t>16</a:t>
+              <a:t>15</a:t>
             </a:fld>
             <a:endParaRPr lang="zh-CN" altLang="en-US">
               <a:solidFill>
@@ -919,6 +921,11 @@
         </p:txBody>
       </p:sp>
     </p:spTree>
+    <p:extLst>
+      <p:ext uri="{BB962C8B-B14F-4D97-AF65-F5344CB8AC3E}">
+        <p14:creationId xmlns:p14="http://schemas.microsoft.com/office/powerpoint/2010/main" val="825046896"/>
+      </p:ext>
+    </p:extLst>
   </p:cSld>
   <p:clrMapOvr>
     <a:masterClrMapping/>
@@ -1000,7 +1007,7 @@
                   <a:prstClr val="black"/>
                 </a:solidFill>
               </a:rPr>
-              <a:t>18</a:t>
+              <a:t>16</a:t>
             </a:fld>
             <a:endParaRPr lang="zh-CN" altLang="en-US">
               <a:solidFill>
@@ -1011,6 +1018,11 @@
         </p:txBody>
       </p:sp>
     </p:spTree>
+    <p:extLst>
+      <p:ext uri="{BB962C8B-B14F-4D97-AF65-F5344CB8AC3E}">
+        <p14:creationId xmlns:p14="http://schemas.microsoft.com/office/powerpoint/2010/main" val="1423290339"/>
+      </p:ext>
+    </p:extLst>
   </p:cSld>
   <p:clrMapOvr>
     <a:masterClrMapping/>
@@ -1092,7 +1104,7 @@
                   <a:prstClr val="black"/>
                 </a:solidFill>
               </a:rPr>
-              <a:t>20</a:t>
+              <a:t>18</a:t>
             </a:fld>
             <a:endParaRPr lang="zh-CN" altLang="en-US">
               <a:solidFill>
@@ -1184,7 +1196,191 @@
                   <a:prstClr val="black"/>
                 </a:solidFill>
               </a:rPr>
+              <a:t>20</a:t>
+            </a:fld>
+            <a:endParaRPr lang="zh-CN" altLang="en-US">
+              <a:solidFill>
+                <a:prstClr val="black"/>
+              </a:solidFill>
+            </a:endParaRPr>
+          </a:p>
+        </p:txBody>
+      </p:sp>
+    </p:spTree>
+  </p:cSld>
+  <p:clrMapOvr>
+    <a:masterClrMapping/>
+  </p:clrMapOvr>
+</p:notes>
+</file>
+
+<file path=ppt/notesSlides/notesSlide15.xml><?xml version="1.0" encoding="utf-8"?>
+<p:notes xmlns:a="http://schemas.openxmlformats.org/drawingml/2006/main" xmlns:r="http://schemas.openxmlformats.org/officeDocument/2006/relationships" xmlns:p="http://schemas.openxmlformats.org/presentationml/2006/main">
+  <p:cSld>
+    <p:spTree>
+      <p:nvGrpSpPr>
+        <p:cNvPr id="1" name=""/>
+        <p:cNvGrpSpPr/>
+        <p:nvPr/>
+      </p:nvGrpSpPr>
+      <p:grpSpPr>
+        <a:xfrm>
+          <a:off x="0" y="0"/>
+          <a:ext cx="0" cy="0"/>
+          <a:chOff x="0" y="0"/>
+          <a:chExt cx="0" cy="0"/>
+        </a:xfrm>
+      </p:grpSpPr>
+      <p:sp>
+        <p:nvSpPr>
+          <p:cNvPr id="2" name="幻灯片图像占位符 1"/>
+          <p:cNvSpPr>
+            <a:spLocks noGrp="1" noRot="1" noChangeAspect="1"/>
+          </p:cNvSpPr>
+          <p:nvPr>
+            <p:ph type="sldImg"/>
+          </p:nvPr>
+        </p:nvSpPr>
+        <p:spPr>
+          <a:xfrm>
+            <a:off x="381000" y="685800"/>
+            <a:ext cx="6096000" cy="3429000"/>
+          </a:xfrm>
+        </p:spPr>
+      </p:sp>
+      <p:sp>
+        <p:nvSpPr>
+          <p:cNvPr id="3" name="备注占位符 2"/>
+          <p:cNvSpPr>
+            <a:spLocks noGrp="1"/>
+          </p:cNvSpPr>
+          <p:nvPr>
+            <p:ph type="body" idx="1"/>
+          </p:nvPr>
+        </p:nvSpPr>
+        <p:spPr/>
+        <p:txBody>
+          <a:bodyPr/>
+          <a:lstStyle/>
+          <a:p>
+            <a:endParaRPr lang="zh-CN" altLang="en-US" dirty="0"/>
+          </a:p>
+        </p:txBody>
+      </p:sp>
+      <p:sp>
+        <p:nvSpPr>
+          <p:cNvPr id="4" name="灯片编号占位符 3"/>
+          <p:cNvSpPr>
+            <a:spLocks noGrp="1"/>
+          </p:cNvSpPr>
+          <p:nvPr>
+            <p:ph type="sldNum" sz="quarter" idx="10"/>
+          </p:nvPr>
+        </p:nvSpPr>
+        <p:spPr/>
+        <p:txBody>
+          <a:bodyPr/>
+          <a:lstStyle/>
+          <a:p>
+            <a:fld id="{AB2A0F9D-3357-4A94-85C8-3B842B870DC6}" type="slidenum">
+              <a:rPr lang="zh-CN" altLang="en-US" smtClean="0">
+                <a:solidFill>
+                  <a:prstClr val="black"/>
+                </a:solidFill>
+              </a:rPr>
               <a:t>22</a:t>
+            </a:fld>
+            <a:endParaRPr lang="zh-CN" altLang="en-US">
+              <a:solidFill>
+                <a:prstClr val="black"/>
+              </a:solidFill>
+            </a:endParaRPr>
+          </a:p>
+        </p:txBody>
+      </p:sp>
+    </p:spTree>
+  </p:cSld>
+  <p:clrMapOvr>
+    <a:masterClrMapping/>
+  </p:clrMapOvr>
+</p:notes>
+</file>
+
+<file path=ppt/notesSlides/notesSlide16.xml><?xml version="1.0" encoding="utf-8"?>
+<p:notes xmlns:a="http://schemas.openxmlformats.org/drawingml/2006/main" xmlns:r="http://schemas.openxmlformats.org/officeDocument/2006/relationships" xmlns:p="http://schemas.openxmlformats.org/presentationml/2006/main">
+  <p:cSld>
+    <p:spTree>
+      <p:nvGrpSpPr>
+        <p:cNvPr id="1" name=""/>
+        <p:cNvGrpSpPr/>
+        <p:nvPr/>
+      </p:nvGrpSpPr>
+      <p:grpSpPr>
+        <a:xfrm>
+          <a:off x="0" y="0"/>
+          <a:ext cx="0" cy="0"/>
+          <a:chOff x="0" y="0"/>
+          <a:chExt cx="0" cy="0"/>
+        </a:xfrm>
+      </p:grpSpPr>
+      <p:sp>
+        <p:nvSpPr>
+          <p:cNvPr id="2" name="幻灯片图像占位符 1"/>
+          <p:cNvSpPr>
+            <a:spLocks noGrp="1" noRot="1" noChangeAspect="1"/>
+          </p:cNvSpPr>
+          <p:nvPr>
+            <p:ph type="sldImg"/>
+          </p:nvPr>
+        </p:nvSpPr>
+        <p:spPr>
+          <a:xfrm>
+            <a:off x="381000" y="685800"/>
+            <a:ext cx="6096000" cy="3429000"/>
+          </a:xfrm>
+        </p:spPr>
+      </p:sp>
+      <p:sp>
+        <p:nvSpPr>
+          <p:cNvPr id="3" name="备注占位符 2"/>
+          <p:cNvSpPr>
+            <a:spLocks noGrp="1"/>
+          </p:cNvSpPr>
+          <p:nvPr>
+            <p:ph type="body" idx="1"/>
+          </p:nvPr>
+        </p:nvSpPr>
+        <p:spPr/>
+        <p:txBody>
+          <a:bodyPr/>
+          <a:lstStyle/>
+          <a:p>
+            <a:endParaRPr lang="zh-CN" altLang="en-US" dirty="0"/>
+          </a:p>
+        </p:txBody>
+      </p:sp>
+      <p:sp>
+        <p:nvSpPr>
+          <p:cNvPr id="4" name="灯片编号占位符 3"/>
+          <p:cNvSpPr>
+            <a:spLocks noGrp="1"/>
+          </p:cNvSpPr>
+          <p:nvPr>
+            <p:ph type="sldNum" sz="quarter" idx="10"/>
+          </p:nvPr>
+        </p:nvSpPr>
+        <p:spPr/>
+        <p:txBody>
+          <a:bodyPr/>
+          <a:lstStyle/>
+          <a:p>
+            <a:fld id="{AB2A0F9D-3357-4A94-85C8-3B842B870DC6}" type="slidenum">
+              <a:rPr lang="zh-CN" altLang="en-US" smtClean="0">
+                <a:solidFill>
+                  <a:prstClr val="black"/>
+                </a:solidFill>
+              </a:rPr>
+              <a:t>24</a:t>
             </a:fld>
             <a:endParaRPr lang="zh-CN" altLang="en-US">
               <a:solidFill>
@@ -2092,7 +2288,7 @@
           <a:p>
             <a:fld id="{2925863B-284D-4CFC-85E6-03AE6B9EFE78}" type="datetimeFigureOut">
               <a:rPr lang="zh-CN" altLang="en-US" smtClean="0"/>
-              <a:t>2022/7/28</a:t>
+              <a:t>2022/8/1</a:t>
             </a:fld>
             <a:endParaRPr lang="zh-CN" altLang="en-US"/>
           </a:p>
@@ -2568,7 +2764,7 @@
           <a:p>
             <a:fld id="{2925863B-284D-4CFC-85E6-03AE6B9EFE78}" type="datetimeFigureOut">
               <a:rPr lang="zh-CN" altLang="en-US" smtClean="0"/>
-              <a:t>2022/7/28</a:t>
+              <a:t>2022/8/1</a:t>
             </a:fld>
             <a:endParaRPr lang="zh-CN" altLang="en-US"/>
           </a:p>
@@ -2658,7 +2854,7 @@
           <a:p>
             <a:fld id="{2925863B-284D-4CFC-85E6-03AE6B9EFE78}" type="datetimeFigureOut">
               <a:rPr lang="zh-CN" altLang="en-US" smtClean="0"/>
-              <a:t>2022/7/28</a:t>
+              <a:t>2022/8/1</a:t>
             </a:fld>
             <a:endParaRPr lang="zh-CN" altLang="en-US"/>
           </a:p>
@@ -2928,7 +3124,7 @@
           <a:p>
             <a:fld id="{2925863B-284D-4CFC-85E6-03AE6B9EFE78}" type="datetimeFigureOut">
               <a:rPr lang="zh-CN" altLang="en-US" smtClean="0"/>
-              <a:t>2022/7/28</a:t>
+              <a:t>2022/8/1</a:t>
             </a:fld>
             <a:endParaRPr lang="zh-CN" altLang="en-US"/>
           </a:p>
@@ -3175,7 +3371,7 @@
           <a:p>
             <a:fld id="{2925863B-284D-4CFC-85E6-03AE6B9EFE78}" type="datetimeFigureOut">
               <a:rPr lang="zh-CN" altLang="en-US" smtClean="0"/>
-              <a:t>2022/7/28</a:t>
+              <a:t>2022/8/1</a:t>
             </a:fld>
             <a:endParaRPr lang="zh-CN" altLang="en-US"/>
           </a:p>
@@ -3407,7 +3603,7 @@
           <a:p>
             <a:fld id="{2925863B-284D-4CFC-85E6-03AE6B9EFE78}" type="datetimeFigureOut">
               <a:rPr lang="zh-CN" altLang="en-US" smtClean="0"/>
-              <a:t>2022/7/28</a:t>
+              <a:t>2022/8/1</a:t>
             </a:fld>
             <a:endParaRPr lang="zh-CN" altLang="en-US"/>
           </a:p>
@@ -3580,7 +3776,7 @@
           <a:p>
             <a:fld id="{2925863B-284D-4CFC-85E6-03AE6B9EFE78}" type="datetimeFigureOut">
               <a:rPr lang="zh-CN" altLang="en-US" smtClean="0"/>
-              <a:t>2022/7/28</a:t>
+              <a:t>2022/8/1</a:t>
             </a:fld>
             <a:endParaRPr lang="zh-CN" altLang="en-US"/>
           </a:p>
@@ -4544,7 +4740,7 @@
           <a:p>
             <a:fld id="{F68C8532-35DB-409E-A833-97770FF9303E}" type="datetime1">
               <a:rPr lang="en-US" smtClean="0"/>
-              <a:t>7/28/2022</a:t>
+              <a:t>8/1/2022</a:t>
             </a:fld>
             <a:endParaRPr lang="en-US"/>
           </a:p>
@@ -5130,7 +5326,7 @@
           <a:p>
             <a:fld id="{2925863B-284D-4CFC-85E6-03AE6B9EFE78}" type="datetimeFigureOut">
               <a:rPr lang="zh-CN" altLang="en-US" smtClean="0"/>
-              <a:t>2022/7/28</a:t>
+              <a:t>2022/8/1</a:t>
             </a:fld>
             <a:endParaRPr lang="zh-CN" altLang="en-US"/>
           </a:p>
@@ -10280,984 +10476,6 @@
           <a:chExt cx="0" cy="0"/>
         </a:xfrm>
       </p:grpSpPr>
-      <p:pic>
-        <p:nvPicPr>
-          <p:cNvPr id="4" name="图片 3"/>
-          <p:cNvPicPr>
-            <a:picLocks noChangeAspect="1"/>
-          </p:cNvPicPr>
-          <p:nvPr/>
-        </p:nvPicPr>
-        <p:blipFill>
-          <a:blip r:embed="rId3">
-            <a:extLst>
-              <a:ext uri="{28A0092B-C50C-407E-A947-70E740481C1C}">
-                <a14:useLocalDpi xmlns:a14="http://schemas.microsoft.com/office/drawing/2010/main" val="0"/>
-              </a:ext>
-            </a:extLst>
-          </a:blip>
-          <a:srcRect/>
-          <a:stretch>
-            <a:fillRect/>
-          </a:stretch>
-        </p:blipFill>
-        <p:spPr>
-          <a:xfrm>
-            <a:off x="8025804" y="0"/>
-            <a:ext cx="6147151" cy="6857999"/>
-          </a:xfrm>
-          <a:prstGeom prst="rect">
-            <a:avLst/>
-          </a:prstGeom>
-        </p:spPr>
-      </p:pic>
-      <p:sp>
-        <p:nvSpPr>
-          <p:cNvPr id="6" name="PA-文本框 50"/>
-          <p:cNvSpPr txBox="1"/>
-          <p:nvPr>
-            <p:custDataLst>
-              <p:tags r:id="rId1"/>
-            </p:custDataLst>
-          </p:nvPr>
-        </p:nvSpPr>
-        <p:spPr>
-          <a:xfrm>
-            <a:off x="1092620" y="4477177"/>
-            <a:ext cx="5391308" cy="1245235"/>
-          </a:xfrm>
-          <a:prstGeom prst="rect">
-            <a:avLst/>
-          </a:prstGeom>
-          <a:noFill/>
-        </p:spPr>
-        <p:txBody>
-          <a:bodyPr wrap="square" rtlCol="0">
-            <a:spAutoFit/>
-          </a:bodyPr>
-          <a:lstStyle/>
-          <a:p>
-            <a:r>
-              <a:rPr lang="en-US" altLang="zh-CN" sz="1000" dirty="0">
-                <a:solidFill>
-                  <a:schemeClr val="bg1"/>
-                </a:solidFill>
-              </a:rPr>
-              <a:t>lorem ipsum dolor </a:t>
-            </a:r>
-            <a:r>
-              <a:rPr lang="en-US" altLang="zh-CN" sz="1000" dirty="0" err="1">
-                <a:solidFill>
-                  <a:schemeClr val="bg1"/>
-                </a:solidFill>
-              </a:rPr>
-              <a:t>sitlorem</a:t>
-            </a:r>
-            <a:r>
-              <a:rPr lang="en-US" altLang="zh-CN" sz="1000" dirty="0">
-                <a:solidFill>
-                  <a:schemeClr val="bg1"/>
-                </a:solidFill>
-              </a:rPr>
-              <a:t> ipsum dolor </a:t>
-            </a:r>
-            <a:r>
-              <a:rPr lang="en-US" altLang="zh-CN" sz="1000" dirty="0" err="1">
-                <a:solidFill>
-                  <a:schemeClr val="bg1"/>
-                </a:solidFill>
-              </a:rPr>
-              <a:t>sitlorem</a:t>
-            </a:r>
-            <a:r>
-              <a:rPr lang="en-US" altLang="zh-CN" sz="1000" dirty="0">
-                <a:solidFill>
-                  <a:schemeClr val="bg1"/>
-                </a:solidFill>
-              </a:rPr>
-              <a:t> ipsum dolor </a:t>
-            </a:r>
-            <a:r>
-              <a:rPr lang="en-US" altLang="zh-CN" sz="1000" dirty="0" err="1">
-                <a:solidFill>
-                  <a:schemeClr val="bg1"/>
-                </a:solidFill>
-              </a:rPr>
-              <a:t>sitorem</a:t>
-            </a:r>
-            <a:r>
-              <a:rPr lang="en-US" altLang="zh-CN" sz="1000" dirty="0">
-                <a:solidFill>
-                  <a:schemeClr val="bg1"/>
-                </a:solidFill>
-              </a:rPr>
-              <a:t> ipsum dolor </a:t>
-            </a:r>
-            <a:r>
-              <a:rPr lang="en-US" altLang="zh-CN" sz="1000" dirty="0" err="1">
-                <a:solidFill>
-                  <a:schemeClr val="bg1"/>
-                </a:solidFill>
-              </a:rPr>
-              <a:t>sitorem</a:t>
-            </a:r>
-            <a:r>
-              <a:rPr lang="en-US" altLang="zh-CN" sz="1000" dirty="0">
-                <a:solidFill>
-                  <a:schemeClr val="bg1"/>
-                </a:solidFill>
-              </a:rPr>
-              <a:t> ipsum dolor </a:t>
-            </a:r>
-            <a:r>
-              <a:rPr lang="en-US" altLang="zh-CN" sz="1000" dirty="0" err="1">
-                <a:solidFill>
-                  <a:schemeClr val="bg1"/>
-                </a:solidFill>
-              </a:rPr>
-              <a:t>sitorem</a:t>
-            </a:r>
-            <a:r>
-              <a:rPr lang="en-US" altLang="zh-CN" sz="1000" dirty="0">
-                <a:solidFill>
-                  <a:schemeClr val="bg1"/>
-                </a:solidFill>
-              </a:rPr>
-              <a:t> ipsum dolor </a:t>
-            </a:r>
-            <a:r>
-              <a:rPr lang="en-US" altLang="zh-CN" sz="1000" dirty="0" err="1">
-                <a:solidFill>
-                  <a:schemeClr val="bg1"/>
-                </a:solidFill>
-              </a:rPr>
-              <a:t>sitorem</a:t>
-            </a:r>
-            <a:r>
-              <a:rPr lang="en-US" altLang="zh-CN" sz="1000" dirty="0">
-                <a:solidFill>
-                  <a:schemeClr val="bg1"/>
-                </a:solidFill>
-              </a:rPr>
-              <a:t> ipsum dolor </a:t>
-            </a:r>
-            <a:r>
-              <a:rPr lang="en-US" altLang="zh-CN" sz="1000" dirty="0" err="1">
-                <a:solidFill>
-                  <a:schemeClr val="bg1"/>
-                </a:solidFill>
-              </a:rPr>
-              <a:t>sitlorem</a:t>
-            </a:r>
-            <a:r>
-              <a:rPr lang="en-US" altLang="zh-CN" sz="1000" dirty="0">
-                <a:solidFill>
-                  <a:schemeClr val="bg1"/>
-                </a:solidFill>
-              </a:rPr>
-              <a:t> ipsum dolor </a:t>
-            </a:r>
-            <a:r>
-              <a:rPr lang="en-US" altLang="zh-CN" sz="1000" dirty="0" err="1">
-                <a:solidFill>
-                  <a:schemeClr val="bg1"/>
-                </a:solidFill>
-              </a:rPr>
-              <a:t>sitlorem</a:t>
-            </a:r>
-            <a:r>
-              <a:rPr lang="en-US" altLang="zh-CN" sz="1000" dirty="0">
-                <a:solidFill>
-                  <a:schemeClr val="bg1"/>
-                </a:solidFill>
-              </a:rPr>
-              <a:t> ipsum dolor sit</a:t>
-            </a:r>
-            <a:endParaRPr lang="zh-CN" altLang="en-US" sz="1000" dirty="0">
-              <a:solidFill>
-                <a:schemeClr val="bg1"/>
-              </a:solidFill>
-              <a:effectLst>
-                <a:outerShdw blurRad="38100" dist="38100" dir="2700000" algn="tl">
-                  <a:srgbClr val="000000">
-                    <a:alpha val="30000"/>
-                  </a:srgbClr>
-                </a:outerShdw>
-              </a:effectLst>
-              <a:latin typeface="Arial" panose="020B0604020202020204" pitchFamily="34" charset="0"/>
-              <a:ea typeface="思源黑体 CN Heavy" panose="020B0A00000000000000" pitchFamily="34" charset="-122"/>
-              <a:cs typeface="Arial" panose="020B0604020202020204" pitchFamily="34" charset="0"/>
-            </a:endParaRPr>
-          </a:p>
-          <a:p>
-            <a:r>
-              <a:rPr lang="en-US" altLang="zh-CN" sz="1000" dirty="0">
-                <a:solidFill>
-                  <a:schemeClr val="bg1"/>
-                </a:solidFill>
-              </a:rPr>
-              <a:t>lorem ipsum dolor sit</a:t>
-            </a:r>
-            <a:endParaRPr lang="zh-CN" altLang="en-US" sz="1000" dirty="0">
-              <a:solidFill>
-                <a:schemeClr val="bg1"/>
-              </a:solidFill>
-              <a:effectLst>
-                <a:outerShdw blurRad="38100" dist="38100" dir="2700000" algn="tl">
-                  <a:srgbClr val="000000">
-                    <a:alpha val="30000"/>
-                  </a:srgbClr>
-                </a:outerShdw>
-              </a:effectLst>
-              <a:latin typeface="Arial" panose="020B0604020202020204" pitchFamily="34" charset="0"/>
-              <a:ea typeface="思源黑体 CN Heavy" panose="020B0A00000000000000" pitchFamily="34" charset="-122"/>
-              <a:cs typeface="Arial" panose="020B0604020202020204" pitchFamily="34" charset="0"/>
-            </a:endParaRPr>
-          </a:p>
-          <a:p>
-            <a:endParaRPr lang="zh-CN" altLang="en-US" sz="1000" dirty="0">
-              <a:solidFill>
-                <a:schemeClr val="bg1"/>
-              </a:solidFill>
-              <a:effectLst>
-                <a:outerShdw blurRad="38100" dist="38100" dir="2700000" algn="tl">
-                  <a:srgbClr val="000000">
-                    <a:alpha val="30000"/>
-                  </a:srgbClr>
-                </a:outerShdw>
-              </a:effectLst>
-              <a:latin typeface="Arial" panose="020B0604020202020204" pitchFamily="34" charset="0"/>
-              <a:ea typeface="思源黑体 CN Heavy" panose="020B0A00000000000000" pitchFamily="34" charset="-122"/>
-              <a:cs typeface="Arial" panose="020B0604020202020204" pitchFamily="34" charset="0"/>
-            </a:endParaRPr>
-          </a:p>
-          <a:p>
-            <a:endParaRPr lang="zh-CN" altLang="en-US" sz="1000" dirty="0">
-              <a:solidFill>
-                <a:schemeClr val="bg1"/>
-              </a:solidFill>
-              <a:effectLst>
-                <a:outerShdw blurRad="38100" dist="38100" dir="2700000" algn="tl">
-                  <a:srgbClr val="000000">
-                    <a:alpha val="30000"/>
-                  </a:srgbClr>
-                </a:outerShdw>
-              </a:effectLst>
-              <a:latin typeface="Arial" panose="020B0604020202020204" pitchFamily="34" charset="0"/>
-              <a:ea typeface="思源黑体 CN Heavy" panose="020B0A00000000000000" pitchFamily="34" charset="-122"/>
-              <a:cs typeface="Arial" panose="020B0604020202020204" pitchFamily="34" charset="0"/>
-            </a:endParaRPr>
-          </a:p>
-          <a:p>
-            <a:pPr>
-              <a:lnSpc>
-                <a:spcPct val="150000"/>
-              </a:lnSpc>
-            </a:pPr>
-            <a:endParaRPr lang="zh-CN" altLang="en-US" sz="1000" dirty="0">
-              <a:solidFill>
-                <a:schemeClr val="bg1"/>
-              </a:solidFill>
-              <a:latin typeface="思源黑体 CN Medium" panose="020B0600000000000000" pitchFamily="34" charset="-122"/>
-              <a:ea typeface="思源黑体 CN Medium" panose="020B0600000000000000" pitchFamily="34" charset="-122"/>
-            </a:endParaRPr>
-          </a:p>
-        </p:txBody>
-      </p:sp>
-      <p:sp>
-        <p:nvSpPr>
-          <p:cNvPr id="7" name="文本框 6"/>
-          <p:cNvSpPr txBox="1"/>
-          <p:nvPr/>
-        </p:nvSpPr>
-        <p:spPr>
-          <a:xfrm>
-            <a:off x="1086398" y="3424006"/>
-            <a:ext cx="3673630" cy="970915"/>
-          </a:xfrm>
-          <a:prstGeom prst="rect">
-            <a:avLst/>
-          </a:prstGeom>
-          <a:noFill/>
-          <a:scene3d>
-            <a:camera prst="perspectiveRight"/>
-            <a:lightRig rig="threePt" dir="t"/>
-          </a:scene3d>
-        </p:spPr>
-        <p:txBody>
-          <a:bodyPr wrap="square" rtlCol="0">
-            <a:spAutoFit/>
-          </a:bodyPr>
-          <a:lstStyle/>
-          <a:p>
-            <a:pPr>
-              <a:lnSpc>
-                <a:spcPct val="130000"/>
-              </a:lnSpc>
-            </a:pPr>
-            <a:r>
-              <a:rPr lang="zh-CN" altLang="en-US" sz="4400" b="1" dirty="0">
-                <a:solidFill>
-                  <a:srgbClr val="F0D58B"/>
-                </a:solidFill>
-                <a:latin typeface="思源黑体 CN Heavy" panose="020B0A00000000000000" pitchFamily="34" charset="-122"/>
-                <a:ea typeface="思源黑体 CN Heavy" panose="020B0A00000000000000" pitchFamily="34" charset="-122"/>
-              </a:rPr>
-              <a:t>工作分析</a:t>
-            </a:r>
-          </a:p>
-        </p:txBody>
-      </p:sp>
-    </p:spTree>
-  </p:cSld>
-  <p:clrMapOvr>
-    <a:masterClrMapping/>
-  </p:clrMapOvr>
-  <p:transition spd="slow">
-    <p:comb/>
-  </p:transition>
-  <mc:AlternateContent xmlns:mc="http://schemas.openxmlformats.org/markup-compatibility/2006" xmlns:p14="http://schemas.microsoft.com/office/powerpoint/2010/main">
-    <mc:Choice Requires="p14">
-      <p:timing>
-        <p:tnLst>
-          <p:par>
-            <p:cTn id="1" dur="indefinite" restart="never" nodeType="tmRoot">
-              <p:childTnLst>
-                <p:seq concurrent="1" nextAc="seek">
-                  <p:cTn id="2" dur="indefinite" nodeType="mainSeq">
-                    <p:childTnLst>
-                      <p:par>
-                        <p:cTn id="3" fill="hold">
-                          <p:stCondLst>
-                            <p:cond delay="indefinite"/>
-                            <p:cond evt="onBegin" delay="0">
-                              <p:tn val="2"/>
-                            </p:cond>
-                          </p:stCondLst>
-                          <p:childTnLst>
-                            <p:par>
-                              <p:cTn id="4" fill="hold">
-                                <p:stCondLst>
-                                  <p:cond delay="0"/>
-                                </p:stCondLst>
-                                <p:childTnLst>
-                                  <p:par>
-                                    <p:cTn id="5" presetID="2" presetClass="entr" presetSubtype="2" fill="hold" nodeType="afterEffect" p14:presetBounceEnd="80000">
-                                      <p:stCondLst>
-                                        <p:cond delay="0"/>
-                                      </p:stCondLst>
-                                      <p:childTnLst>
-                                        <p:set>
-                                          <p:cBhvr>
-                                            <p:cTn id="6" dur="1" fill="hold">
-                                              <p:stCondLst>
-                                                <p:cond delay="0"/>
-                                              </p:stCondLst>
-                                            </p:cTn>
-                                            <p:tgtEl>
-                                              <p:spTgt spid="4"/>
-                                            </p:tgtEl>
-                                            <p:attrNameLst>
-                                              <p:attrName>style.visibility</p:attrName>
-                                            </p:attrNameLst>
-                                          </p:cBhvr>
-                                          <p:to>
-                                            <p:strVal val="visible"/>
-                                          </p:to>
-                                        </p:set>
-                                        <p:anim calcmode="lin" valueType="num" p14:bounceEnd="80000">
-                                          <p:cBhvr additive="base">
-                                            <p:cTn id="7" dur="500" fill="hold"/>
-                                            <p:tgtEl>
-                                              <p:spTgt spid="4"/>
-                                            </p:tgtEl>
-                                            <p:attrNameLst>
-                                              <p:attrName>ppt_x</p:attrName>
-                                            </p:attrNameLst>
-                                          </p:cBhvr>
-                                          <p:tavLst>
-                                            <p:tav tm="0">
-                                              <p:val>
-                                                <p:strVal val="1+#ppt_w/2"/>
-                                              </p:val>
-                                            </p:tav>
-                                            <p:tav tm="100000">
-                                              <p:val>
-                                                <p:strVal val="#ppt_x"/>
-                                              </p:val>
-                                            </p:tav>
-                                          </p:tavLst>
-                                        </p:anim>
-                                        <p:anim calcmode="lin" valueType="num" p14:bounceEnd="80000">
-                                          <p:cBhvr additive="base">
-                                            <p:cTn id="8" dur="500" fill="hold"/>
-                                            <p:tgtEl>
-                                              <p:spTgt spid="4"/>
-                                            </p:tgtEl>
-                                            <p:attrNameLst>
-                                              <p:attrName>ppt_y</p:attrName>
-                                            </p:attrNameLst>
-                                          </p:cBhvr>
-                                          <p:tavLst>
-                                            <p:tav tm="0">
-                                              <p:val>
-                                                <p:strVal val="#ppt_y"/>
-                                              </p:val>
-                                            </p:tav>
-                                            <p:tav tm="100000">
-                                              <p:val>
-                                                <p:strVal val="#ppt_y"/>
-                                              </p:val>
-                                            </p:tav>
-                                          </p:tavLst>
-                                        </p:anim>
-                                      </p:childTnLst>
-                                    </p:cTn>
-                                  </p:par>
-                                  <p:par>
-                                    <p:cTn id="9" presetID="41" presetClass="entr" presetSubtype="0" fill="hold" grpId="0" nodeType="withEffect">
-                                      <p:stCondLst>
-                                        <p:cond delay="300"/>
-                                      </p:stCondLst>
-                                      <p:iterate type="lt">
-                                        <p:tmPct val="10000"/>
-                                      </p:iterate>
-                                      <p:childTnLst>
-                                        <p:set>
-                                          <p:cBhvr>
-                                            <p:cTn id="10" dur="1" fill="hold">
-                                              <p:stCondLst>
-                                                <p:cond delay="0"/>
-                                              </p:stCondLst>
-                                            </p:cTn>
-                                            <p:tgtEl>
-                                              <p:spTgt spid="7"/>
-                                            </p:tgtEl>
-                                            <p:attrNameLst>
-                                              <p:attrName>style.visibility</p:attrName>
-                                            </p:attrNameLst>
-                                          </p:cBhvr>
-                                          <p:to>
-                                            <p:strVal val="visible"/>
-                                          </p:to>
-                                        </p:set>
-                                        <p:anim calcmode="lin" valueType="num">
-                                          <p:cBhvr>
-                                            <p:cTn id="11" dur="750" fill="hold"/>
-                                            <p:tgtEl>
-                                              <p:spTgt spid="7"/>
-                                            </p:tgtEl>
-                                            <p:attrNameLst>
-                                              <p:attrName>ppt_x</p:attrName>
-                                            </p:attrNameLst>
-                                          </p:cBhvr>
-                                          <p:tavLst>
-                                            <p:tav tm="0">
-                                              <p:val>
-                                                <p:strVal val="#ppt_x"/>
-                                              </p:val>
-                                            </p:tav>
-                                            <p:tav tm="50000">
-                                              <p:val>
-                                                <p:strVal val="#ppt_x+.1"/>
-                                              </p:val>
-                                            </p:tav>
-                                            <p:tav tm="100000">
-                                              <p:val>
-                                                <p:strVal val="#ppt_x"/>
-                                              </p:val>
-                                            </p:tav>
-                                          </p:tavLst>
-                                        </p:anim>
-                                        <p:anim calcmode="lin" valueType="num">
-                                          <p:cBhvr>
-                                            <p:cTn id="12" dur="750" fill="hold"/>
-                                            <p:tgtEl>
-                                              <p:spTgt spid="7"/>
-                                            </p:tgtEl>
-                                            <p:attrNameLst>
-                                              <p:attrName>ppt_y</p:attrName>
-                                            </p:attrNameLst>
-                                          </p:cBhvr>
-                                          <p:tavLst>
-                                            <p:tav tm="0">
-                                              <p:val>
-                                                <p:strVal val="#ppt_y"/>
-                                              </p:val>
-                                            </p:tav>
-                                            <p:tav tm="100000">
-                                              <p:val>
-                                                <p:strVal val="#ppt_y"/>
-                                              </p:val>
-                                            </p:tav>
-                                          </p:tavLst>
-                                        </p:anim>
-                                        <p:anim calcmode="lin" valueType="num">
-                                          <p:cBhvr>
-                                            <p:cTn id="13" dur="750" fill="hold"/>
-                                            <p:tgtEl>
-                                              <p:spTgt spid="7"/>
-                                            </p:tgtEl>
-                                            <p:attrNameLst>
-                                              <p:attrName>ppt_h</p:attrName>
-                                            </p:attrNameLst>
-                                          </p:cBhvr>
-                                          <p:tavLst>
-                                            <p:tav tm="0">
-                                              <p:val>
-                                                <p:strVal val="#ppt_h/10"/>
-                                              </p:val>
-                                            </p:tav>
-                                            <p:tav tm="50000">
-                                              <p:val>
-                                                <p:strVal val="#ppt_h+.01"/>
-                                              </p:val>
-                                            </p:tav>
-                                            <p:tav tm="100000">
-                                              <p:val>
-                                                <p:strVal val="#ppt_h"/>
-                                              </p:val>
-                                            </p:tav>
-                                          </p:tavLst>
-                                        </p:anim>
-                                        <p:anim calcmode="lin" valueType="num">
-                                          <p:cBhvr>
-                                            <p:cTn id="14" dur="750" fill="hold"/>
-                                            <p:tgtEl>
-                                              <p:spTgt spid="7"/>
-                                            </p:tgtEl>
-                                            <p:attrNameLst>
-                                              <p:attrName>ppt_w</p:attrName>
-                                            </p:attrNameLst>
-                                          </p:cBhvr>
-                                          <p:tavLst>
-                                            <p:tav tm="0">
-                                              <p:val>
-                                                <p:strVal val="#ppt_w/10"/>
-                                              </p:val>
-                                            </p:tav>
-                                            <p:tav tm="50000">
-                                              <p:val>
-                                                <p:strVal val="#ppt_w+.01"/>
-                                              </p:val>
-                                            </p:tav>
-                                            <p:tav tm="100000">
-                                              <p:val>
-                                                <p:strVal val="#ppt_w"/>
-                                              </p:val>
-                                            </p:tav>
-                                          </p:tavLst>
-                                        </p:anim>
-                                        <p:animEffect transition="in" filter="fade">
-                                          <p:cBhvr>
-                                            <p:cTn id="15" dur="750" tmFilter="0,0; .5, 1; 1, 1"/>
-                                            <p:tgtEl>
-                                              <p:spTgt spid="7"/>
-                                            </p:tgtEl>
-                                          </p:cBhvr>
-                                        </p:animEffect>
-                                      </p:childTnLst>
-                                    </p:cTn>
-                                  </p:par>
-                                  <p:par>
-                                    <p:cTn id="16" presetID="22" presetClass="entr" presetSubtype="1" fill="hold" grpId="0" nodeType="withEffect">
-                                      <p:stCondLst>
-                                        <p:cond delay="1750"/>
-                                      </p:stCondLst>
-                                      <p:childTnLst>
-                                        <p:set>
-                                          <p:cBhvr>
-                                            <p:cTn id="17" dur="1" fill="hold">
-                                              <p:stCondLst>
-                                                <p:cond delay="0"/>
-                                              </p:stCondLst>
-                                            </p:cTn>
-                                            <p:tgtEl>
-                                              <p:spTgt spid="6"/>
-                                            </p:tgtEl>
-                                            <p:attrNameLst>
-                                              <p:attrName>style.visibility</p:attrName>
-                                            </p:attrNameLst>
-                                          </p:cBhvr>
-                                          <p:to>
-                                            <p:strVal val="visible"/>
-                                          </p:to>
-                                        </p:set>
-                                        <p:animEffect transition="in" filter="wipe(up)">
-                                          <p:cBhvr>
-                                            <p:cTn id="18" dur="500"/>
-                                            <p:tgtEl>
-                                              <p:spTgt spid="6"/>
-                                            </p:tgtEl>
-                                          </p:cBhvr>
-                                        </p:animEffect>
-                                      </p:childTnLst>
-                                    </p:cTn>
-                                  </p:par>
-                                </p:childTnLst>
-                              </p:cTn>
-                            </p:par>
-                          </p:childTnLst>
-                        </p:cTn>
-                      </p:par>
-                    </p:childTnLst>
-                  </p:cTn>
-                  <p:prevCondLst>
-                    <p:cond evt="onPrev" delay="0">
-                      <p:tgtEl>
-                        <p:sldTgt/>
-                      </p:tgtEl>
-                    </p:cond>
-                  </p:prevCondLst>
-                  <p:nextCondLst>
-                    <p:cond evt="onNext" delay="0">
-                      <p:tgtEl>
-                        <p:sldTgt/>
-                      </p:tgtEl>
-                    </p:cond>
-                  </p:nextCondLst>
-                </p:seq>
-              </p:childTnLst>
-            </p:cTn>
-          </p:par>
-        </p:tnLst>
-        <p:bldLst>
-          <p:bldP spid="6" grpId="0"/>
-          <p:bldP spid="7" grpId="0"/>
-        </p:bldLst>
-      </p:timing>
-    </mc:Choice>
-    <mc:Fallback xmlns="">
-      <p:timing>
-        <p:tnLst>
-          <p:par>
-            <p:cTn id="1" dur="indefinite" restart="never" nodeType="tmRoot">
-              <p:childTnLst>
-                <p:seq concurrent="1" nextAc="seek">
-                  <p:cTn id="2" dur="indefinite" nodeType="mainSeq">
-                    <p:childTnLst>
-                      <p:par>
-                        <p:cTn id="3" fill="hold">
-                          <p:stCondLst>
-                            <p:cond delay="indefinite"/>
-                            <p:cond evt="onBegin" delay="0">
-                              <p:tn val="2"/>
-                            </p:cond>
-                          </p:stCondLst>
-                          <p:childTnLst>
-                            <p:par>
-                              <p:cTn id="4" fill="hold">
-                                <p:stCondLst>
-                                  <p:cond delay="0"/>
-                                </p:stCondLst>
-                                <p:childTnLst>
-                                  <p:par>
-                                    <p:cTn id="5" presetID="2" presetClass="entr" presetSubtype="2" fill="hold" nodeType="afterEffect">
-                                      <p:stCondLst>
-                                        <p:cond delay="0"/>
-                                      </p:stCondLst>
-                                      <p:childTnLst>
-                                        <p:set>
-                                          <p:cBhvr>
-                                            <p:cTn id="6" dur="1" fill="hold">
-                                              <p:stCondLst>
-                                                <p:cond delay="0"/>
-                                              </p:stCondLst>
-                                            </p:cTn>
-                                            <p:tgtEl>
-                                              <p:spTgt spid="4"/>
-                                            </p:tgtEl>
-                                            <p:attrNameLst>
-                                              <p:attrName>style.visibility</p:attrName>
-                                            </p:attrNameLst>
-                                          </p:cBhvr>
-                                          <p:to>
-                                            <p:strVal val="visible"/>
-                                          </p:to>
-                                        </p:set>
-                                        <p:anim calcmode="lin" valueType="num">
-                                          <p:cBhvr additive="base">
-                                            <p:cTn id="7" dur="500" fill="hold"/>
-                                            <p:tgtEl>
-                                              <p:spTgt spid="4"/>
-                                            </p:tgtEl>
-                                            <p:attrNameLst>
-                                              <p:attrName>ppt_x</p:attrName>
-                                            </p:attrNameLst>
-                                          </p:cBhvr>
-                                          <p:tavLst>
-                                            <p:tav tm="0">
-                                              <p:val>
-                                                <p:strVal val="1+#ppt_w/2"/>
-                                              </p:val>
-                                            </p:tav>
-                                            <p:tav tm="100000">
-                                              <p:val>
-                                                <p:strVal val="#ppt_x"/>
-                                              </p:val>
-                                            </p:tav>
-                                          </p:tavLst>
-                                        </p:anim>
-                                        <p:anim calcmode="lin" valueType="num">
-                                          <p:cBhvr additive="base">
-                                            <p:cTn id="8" dur="500" fill="hold"/>
-                                            <p:tgtEl>
-                                              <p:spTgt spid="4"/>
-                                            </p:tgtEl>
-                                            <p:attrNameLst>
-                                              <p:attrName>ppt_y</p:attrName>
-                                            </p:attrNameLst>
-                                          </p:cBhvr>
-                                          <p:tavLst>
-                                            <p:tav tm="0">
-                                              <p:val>
-                                                <p:strVal val="#ppt_y"/>
-                                              </p:val>
-                                            </p:tav>
-                                            <p:tav tm="100000">
-                                              <p:val>
-                                                <p:strVal val="#ppt_y"/>
-                                              </p:val>
-                                            </p:tav>
-                                          </p:tavLst>
-                                        </p:anim>
-                                      </p:childTnLst>
-                                    </p:cTn>
-                                  </p:par>
-                                  <p:par>
-                                    <p:cTn id="9" presetID="41" presetClass="entr" presetSubtype="0" fill="hold" grpId="0" nodeType="withEffect">
-                                      <p:stCondLst>
-                                        <p:cond delay="300"/>
-                                      </p:stCondLst>
-                                      <p:iterate type="lt">
-                                        <p:tmPct val="10000"/>
-                                      </p:iterate>
-                                      <p:childTnLst>
-                                        <p:set>
-                                          <p:cBhvr>
-                                            <p:cTn id="10" dur="1" fill="hold">
-                                              <p:stCondLst>
-                                                <p:cond delay="0"/>
-                                              </p:stCondLst>
-                                            </p:cTn>
-                                            <p:tgtEl>
-                                              <p:spTgt spid="7"/>
-                                            </p:tgtEl>
-                                            <p:attrNameLst>
-                                              <p:attrName>style.visibility</p:attrName>
-                                            </p:attrNameLst>
-                                          </p:cBhvr>
-                                          <p:to>
-                                            <p:strVal val="visible"/>
-                                          </p:to>
-                                        </p:set>
-                                        <p:anim calcmode="lin" valueType="num">
-                                          <p:cBhvr>
-                                            <p:cTn id="11" dur="750" fill="hold"/>
-                                            <p:tgtEl>
-                                              <p:spTgt spid="7"/>
-                                            </p:tgtEl>
-                                            <p:attrNameLst>
-                                              <p:attrName>ppt_x</p:attrName>
-                                            </p:attrNameLst>
-                                          </p:cBhvr>
-                                          <p:tavLst>
-                                            <p:tav tm="0">
-                                              <p:val>
-                                                <p:strVal val="#ppt_x"/>
-                                              </p:val>
-                                            </p:tav>
-                                            <p:tav tm="50000">
-                                              <p:val>
-                                                <p:strVal val="#ppt_x+.1"/>
-                                              </p:val>
-                                            </p:tav>
-                                            <p:tav tm="100000">
-                                              <p:val>
-                                                <p:strVal val="#ppt_x"/>
-                                              </p:val>
-                                            </p:tav>
-                                          </p:tavLst>
-                                        </p:anim>
-                                        <p:anim calcmode="lin" valueType="num">
-                                          <p:cBhvr>
-                                            <p:cTn id="12" dur="750" fill="hold"/>
-                                            <p:tgtEl>
-                                              <p:spTgt spid="7"/>
-                                            </p:tgtEl>
-                                            <p:attrNameLst>
-                                              <p:attrName>ppt_y</p:attrName>
-                                            </p:attrNameLst>
-                                          </p:cBhvr>
-                                          <p:tavLst>
-                                            <p:tav tm="0">
-                                              <p:val>
-                                                <p:strVal val="#ppt_y"/>
-                                              </p:val>
-                                            </p:tav>
-                                            <p:tav tm="100000">
-                                              <p:val>
-                                                <p:strVal val="#ppt_y"/>
-                                              </p:val>
-                                            </p:tav>
-                                          </p:tavLst>
-                                        </p:anim>
-                                        <p:anim calcmode="lin" valueType="num">
-                                          <p:cBhvr>
-                                            <p:cTn id="13" dur="750" fill="hold"/>
-                                            <p:tgtEl>
-                                              <p:spTgt spid="7"/>
-                                            </p:tgtEl>
-                                            <p:attrNameLst>
-                                              <p:attrName>ppt_h</p:attrName>
-                                            </p:attrNameLst>
-                                          </p:cBhvr>
-                                          <p:tavLst>
-                                            <p:tav tm="0">
-                                              <p:val>
-                                                <p:strVal val="#ppt_h/10"/>
-                                              </p:val>
-                                            </p:tav>
-                                            <p:tav tm="50000">
-                                              <p:val>
-                                                <p:strVal val="#ppt_h+.01"/>
-                                              </p:val>
-                                            </p:tav>
-                                            <p:tav tm="100000">
-                                              <p:val>
-                                                <p:strVal val="#ppt_h"/>
-                                              </p:val>
-                                            </p:tav>
-                                          </p:tavLst>
-                                        </p:anim>
-                                        <p:anim calcmode="lin" valueType="num">
-                                          <p:cBhvr>
-                                            <p:cTn id="14" dur="750" fill="hold"/>
-                                            <p:tgtEl>
-                                              <p:spTgt spid="7"/>
-                                            </p:tgtEl>
-                                            <p:attrNameLst>
-                                              <p:attrName>ppt_w</p:attrName>
-                                            </p:attrNameLst>
-                                          </p:cBhvr>
-                                          <p:tavLst>
-                                            <p:tav tm="0">
-                                              <p:val>
-                                                <p:strVal val="#ppt_w/10"/>
-                                              </p:val>
-                                            </p:tav>
-                                            <p:tav tm="50000">
-                                              <p:val>
-                                                <p:strVal val="#ppt_w+.01"/>
-                                              </p:val>
-                                            </p:tav>
-                                            <p:tav tm="100000">
-                                              <p:val>
-                                                <p:strVal val="#ppt_w"/>
-                                              </p:val>
-                                            </p:tav>
-                                          </p:tavLst>
-                                        </p:anim>
-                                        <p:animEffect transition="in" filter="fade">
-                                          <p:cBhvr>
-                                            <p:cTn id="15" dur="750" tmFilter="0,0; .5, 1; 1, 1"/>
-                                            <p:tgtEl>
-                                              <p:spTgt spid="7"/>
-                                            </p:tgtEl>
-                                          </p:cBhvr>
-                                        </p:animEffect>
-                                      </p:childTnLst>
-                                    </p:cTn>
-                                  </p:par>
-                                  <p:par>
-                                    <p:cTn id="16" presetID="22" presetClass="entr" presetSubtype="1" fill="hold" grpId="0" nodeType="withEffect">
-                                      <p:stCondLst>
-                                        <p:cond delay="1750"/>
-                                      </p:stCondLst>
-                                      <p:childTnLst>
-                                        <p:set>
-                                          <p:cBhvr>
-                                            <p:cTn id="17" dur="1" fill="hold">
-                                              <p:stCondLst>
-                                                <p:cond delay="0"/>
-                                              </p:stCondLst>
-                                            </p:cTn>
-                                            <p:tgtEl>
-                                              <p:spTgt spid="6"/>
-                                            </p:tgtEl>
-                                            <p:attrNameLst>
-                                              <p:attrName>style.visibility</p:attrName>
-                                            </p:attrNameLst>
-                                          </p:cBhvr>
-                                          <p:to>
-                                            <p:strVal val="visible"/>
-                                          </p:to>
-                                        </p:set>
-                                        <p:animEffect transition="in" filter="wipe(up)">
-                                          <p:cBhvr>
-                                            <p:cTn id="18" dur="500"/>
-                                            <p:tgtEl>
-                                              <p:spTgt spid="6"/>
-                                            </p:tgtEl>
-                                          </p:cBhvr>
-                                        </p:animEffect>
-                                      </p:childTnLst>
-                                    </p:cTn>
-                                  </p:par>
-                                </p:childTnLst>
-                              </p:cTn>
-                            </p:par>
-                          </p:childTnLst>
-                        </p:cTn>
-                      </p:par>
-                    </p:childTnLst>
-                  </p:cTn>
-                  <p:prevCondLst>
-                    <p:cond evt="onPrev" delay="0">
-                      <p:tgtEl>
-                        <p:sldTgt/>
-                      </p:tgtEl>
-                    </p:cond>
-                  </p:prevCondLst>
-                  <p:nextCondLst>
-                    <p:cond evt="onNext" delay="0">
-                      <p:tgtEl>
-                        <p:sldTgt/>
-                      </p:tgtEl>
-                    </p:cond>
-                  </p:nextCondLst>
-                </p:seq>
-              </p:childTnLst>
-            </p:cTn>
-          </p:par>
-        </p:tnLst>
-        <p:bldLst>
-          <p:bldP spid="6" grpId="0"/>
-          <p:bldP spid="7" grpId="0"/>
-        </p:bldLst>
-      </p:timing>
-    </mc:Fallback>
-  </mc:AlternateContent>
-</p:sld>
-</file>
-
-<file path=ppt/slides/slide16.xml><?xml version="1.0" encoding="utf-8"?>
-<p:sld xmlns:a="http://schemas.openxmlformats.org/drawingml/2006/main" xmlns:r="http://schemas.openxmlformats.org/officeDocument/2006/relationships" xmlns:p="http://schemas.openxmlformats.org/presentationml/2006/main">
-  <p:cSld>
-    <p:spTree>
-      <p:nvGrpSpPr>
-        <p:cNvPr id="1" name=""/>
-        <p:cNvGrpSpPr/>
-        <p:nvPr/>
-      </p:nvGrpSpPr>
-      <p:grpSpPr>
-        <a:xfrm>
-          <a:off x="0" y="0"/>
-          <a:ext cx="0" cy="0"/>
-          <a:chOff x="0" y="0"/>
-          <a:chExt cx="0" cy="0"/>
-        </a:xfrm>
-      </p:grpSpPr>
       <p:sp>
         <p:nvSpPr>
           <p:cNvPr id="18" name="文本框 17"/>
@@ -11287,7 +10505,7 @@
                 </a:solidFill>
                 <a:ea typeface="思源黑体 CN Heavy" panose="020B0A00000000000000" pitchFamily="34" charset="-122"/>
               </a:rPr>
-              <a:t>工作分析</a:t>
+              <a:t>工作总结</a:t>
             </a:r>
           </a:p>
         </p:txBody>
@@ -11454,7 +10672,7 @@
         </p:nvSpPr>
         <p:spPr>
           <a:xfrm>
-            <a:off x="732155" y="1842770"/>
+            <a:off x="749935" y="1842770"/>
             <a:ext cx="4653280" cy="2922905"/>
           </a:xfrm>
           <a:prstGeom prst="rect">
@@ -11572,7 +10790,7 @@
               <a:buNone/>
             </a:pPr>
             <a:r>
-              <a:rPr lang="zh-CN" altLang="en-US" dirty="0">
+              <a:rPr lang="en-US" altLang="zh-CN" dirty="0">
                 <a:solidFill>
                   <a:schemeClr val="tx1">
                     <a:lumMod val="65000"/>
@@ -11581,10 +10799,10 @@
                 </a:solidFill>
                 <a:ea typeface="思源黑体 CN Heavy" panose="020B0A00000000000000" pitchFamily="34" charset="-122"/>
               </a:rPr>
-              <a:t>刚开始实现部分函数，自我感觉和简单， 但是实现的时候出现直接调用本文件夹里的函数这才意识到自己的能力与公司所需要的能力有多大的差距</a:t>
-            </a:r>
-            <a:r>
-              <a:rPr lang="en-US" altLang="zh-CN">
+              <a:t>1.</a:t>
+            </a:r>
+            <a:r>
+              <a:rPr lang="zh-CN" altLang="en-US" dirty="0">
                 <a:solidFill>
                   <a:schemeClr val="tx1">
                     <a:lumMod val="65000"/>
@@ -11593,7 +10811,91 @@
                 </a:solidFill>
                 <a:ea typeface="思源黑体 CN Heavy" panose="020B0A00000000000000" pitchFamily="34" charset="-122"/>
               </a:rPr>
-              <a:t>. </a:t>
+              <a:t>由于使用</a:t>
+            </a:r>
+            <a:r>
+              <a:rPr lang="en-US" altLang="zh-CN" dirty="0" err="1">
+                <a:solidFill>
+                  <a:schemeClr val="tx1">
+                    <a:lumMod val="65000"/>
+                    <a:lumOff val="35000"/>
+                  </a:schemeClr>
+                </a:solidFill>
+                <a:ea typeface="思源黑体 CN Heavy" panose="020B0A00000000000000" pitchFamily="34" charset="-122"/>
+              </a:rPr>
+              <a:t>golang</a:t>
+            </a:r>
+            <a:r>
+              <a:rPr lang="en-US" altLang="zh-CN" dirty="0">
+                <a:solidFill>
+                  <a:schemeClr val="tx1">
+                    <a:lumMod val="65000"/>
+                    <a:lumOff val="35000"/>
+                  </a:schemeClr>
+                </a:solidFill>
+                <a:ea typeface="思源黑体 CN Heavy" panose="020B0A00000000000000" pitchFamily="34" charset="-122"/>
+              </a:rPr>
+              <a:t> 1.17</a:t>
+            </a:r>
+            <a:r>
+              <a:rPr lang="zh-CN" altLang="en-US" dirty="0">
+                <a:solidFill>
+                  <a:schemeClr val="tx1">
+                    <a:lumMod val="65000"/>
+                    <a:lumOff val="35000"/>
+                  </a:schemeClr>
+                </a:solidFill>
+                <a:ea typeface="思源黑体 CN Heavy" panose="020B0A00000000000000" pitchFamily="34" charset="-122"/>
+              </a:rPr>
+              <a:t>语言特性</a:t>
+            </a:r>
+            <a:r>
+              <a:rPr lang="en-US" altLang="zh-CN" dirty="0">
+                <a:solidFill>
+                  <a:schemeClr val="tx1">
+                    <a:lumMod val="65000"/>
+                    <a:lumOff val="35000"/>
+                  </a:schemeClr>
+                </a:solidFill>
+                <a:ea typeface="思源黑体 CN Heavy" panose="020B0A00000000000000" pitchFamily="34" charset="-122"/>
+              </a:rPr>
+              <a:t>, </a:t>
+            </a:r>
+            <a:r>
+              <a:rPr lang="zh-CN" altLang="en-US" dirty="0">
+                <a:solidFill>
+                  <a:schemeClr val="tx1">
+                    <a:lumMod val="65000"/>
+                    <a:lumOff val="35000"/>
+                  </a:schemeClr>
+                </a:solidFill>
+                <a:ea typeface="思源黑体 CN Heavy" panose="020B0A00000000000000" pitchFamily="34" charset="-122"/>
+              </a:rPr>
+              <a:t>在</a:t>
+            </a:r>
+            <a:r>
+              <a:rPr lang="en-US" altLang="zh-CN" dirty="0" err="1">
+                <a:solidFill>
+                  <a:schemeClr val="tx1">
+                    <a:lumMod val="65000"/>
+                    <a:lumOff val="35000"/>
+                  </a:schemeClr>
+                </a:solidFill>
+                <a:ea typeface="思源黑体 CN Heavy" panose="020B0A00000000000000" pitchFamily="34" charset="-122"/>
+              </a:rPr>
+              <a:t>jenkins</a:t>
+            </a:r>
+            <a:r>
+              <a:rPr lang="zh-CN" altLang="en-US" dirty="0">
+                <a:solidFill>
+                  <a:schemeClr val="tx1">
+                    <a:lumMod val="65000"/>
+                    <a:lumOff val="35000"/>
+                  </a:schemeClr>
+                </a:solidFill>
+                <a:ea typeface="思源黑体 CN Heavy" panose="020B0A00000000000000" pitchFamily="34" charset="-122"/>
+              </a:rPr>
+              <a:t>构建时报错问题</a:t>
             </a:r>
             <a:endParaRPr lang="en-US" altLang="zh-CN" dirty="0">
               <a:solidFill>
@@ -11744,23 +11046,477 @@
           </a:p>
         </p:txBody>
       </p:sp>
+    </p:spTree>
+    <p:extLst>
+      <p:ext uri="{BB962C8B-B14F-4D97-AF65-F5344CB8AC3E}">
+        <p14:creationId xmlns:p14="http://schemas.microsoft.com/office/powerpoint/2010/main" val="277076290"/>
+      </p:ext>
+    </p:extLst>
+  </p:cSld>
+  <p:clrMapOvr>
+    <a:masterClrMapping/>
+  </p:clrMapOvr>
+  <mc:AlternateContent xmlns:mc="http://schemas.openxmlformats.org/markup-compatibility/2006" xmlns:p14="http://schemas.microsoft.com/office/powerpoint/2010/main">
+    <mc:Choice Requires="p14">
+      <p:transition spd="slow" p14:dur="1600">
+        <p:blinds dir="vert"/>
+      </p:transition>
+    </mc:Choice>
+    <mc:Fallback xmlns="">
+      <p:transition spd="slow">
+        <p:blinds dir="vert"/>
+      </p:transition>
+    </mc:Fallback>
+  </mc:AlternateContent>
+  <p:timing>
+    <p:tnLst>
+      <p:par>
+        <p:cTn id="1" dur="indefinite" restart="never" nodeType="tmRoot">
+          <p:childTnLst>
+            <p:seq concurrent="1" nextAc="seek">
+              <p:cTn id="2" dur="indefinite" nodeType="mainSeq">
+                <p:childTnLst>
+                  <p:par>
+                    <p:cTn id="3" fill="hold">
+                      <p:stCondLst>
+                        <p:cond delay="indefinite"/>
+                        <p:cond evt="onBegin" delay="0">
+                          <p:tn val="2"/>
+                        </p:cond>
+                      </p:stCondLst>
+                      <p:childTnLst>
+                        <p:par>
+                          <p:cTn id="4" fill="hold">
+                            <p:stCondLst>
+                              <p:cond delay="0"/>
+                            </p:stCondLst>
+                            <p:childTnLst>
+                              <p:par>
+                                <p:cTn id="5" presetID="12" presetClass="entr" presetSubtype="1" fill="hold" grpId="0" nodeType="afterEffect">
+                                  <p:stCondLst>
+                                    <p:cond delay="0"/>
+                                  </p:stCondLst>
+                                  <p:childTnLst>
+                                    <p:set>
+                                      <p:cBhvr>
+                                        <p:cTn id="6" dur="1" fill="hold">
+                                          <p:stCondLst>
+                                            <p:cond delay="0"/>
+                                          </p:stCondLst>
+                                        </p:cTn>
+                                        <p:tgtEl>
+                                          <p:spTgt spid="45"/>
+                                        </p:tgtEl>
+                                        <p:attrNameLst>
+                                          <p:attrName>style.visibility</p:attrName>
+                                        </p:attrNameLst>
+                                      </p:cBhvr>
+                                      <p:to>
+                                        <p:strVal val="visible"/>
+                                      </p:to>
+                                    </p:set>
+                                    <p:anim calcmode="lin" valueType="num">
+                                      <p:cBhvr additive="base">
+                                        <p:cTn id="7" dur="500"/>
+                                        <p:tgtEl>
+                                          <p:spTgt spid="45"/>
+                                        </p:tgtEl>
+                                        <p:attrNameLst>
+                                          <p:attrName>ppt_y</p:attrName>
+                                        </p:attrNameLst>
+                                      </p:cBhvr>
+                                      <p:tavLst>
+                                        <p:tav tm="0">
+                                          <p:val>
+                                            <p:strVal val="#ppt_y-#ppt_h*1.125000"/>
+                                          </p:val>
+                                        </p:tav>
+                                        <p:tav tm="100000">
+                                          <p:val>
+                                            <p:strVal val="#ppt_y"/>
+                                          </p:val>
+                                        </p:tav>
+                                      </p:tavLst>
+                                    </p:anim>
+                                    <p:animEffect transition="in" filter="wipe(down)">
+                                      <p:cBhvr>
+                                        <p:cTn id="8" dur="500"/>
+                                        <p:tgtEl>
+                                          <p:spTgt spid="45"/>
+                                        </p:tgtEl>
+                                      </p:cBhvr>
+                                    </p:animEffect>
+                                  </p:childTnLst>
+                                </p:cTn>
+                              </p:par>
+                            </p:childTnLst>
+                          </p:cTn>
+                        </p:par>
+                        <p:par>
+                          <p:cTn id="9" fill="hold">
+                            <p:stCondLst>
+                              <p:cond delay="500"/>
+                            </p:stCondLst>
+                            <p:childTnLst>
+                              <p:par>
+                                <p:cTn id="10" presetID="22" presetClass="entr" presetSubtype="1" fill="hold" grpId="0" nodeType="afterEffect">
+                                  <p:stCondLst>
+                                    <p:cond delay="0"/>
+                                  </p:stCondLst>
+                                  <p:childTnLst>
+                                    <p:set>
+                                      <p:cBhvr>
+                                        <p:cTn id="11" dur="1" fill="hold">
+                                          <p:stCondLst>
+                                            <p:cond delay="0"/>
+                                          </p:stCondLst>
+                                        </p:cTn>
+                                        <p:tgtEl>
+                                          <p:spTgt spid="44"/>
+                                        </p:tgtEl>
+                                        <p:attrNameLst>
+                                          <p:attrName>style.visibility</p:attrName>
+                                        </p:attrNameLst>
+                                      </p:cBhvr>
+                                      <p:to>
+                                        <p:strVal val="visible"/>
+                                      </p:to>
+                                    </p:set>
+                                    <p:animEffect transition="in" filter="wipe(up)">
+                                      <p:cBhvr>
+                                        <p:cTn id="12" dur="500"/>
+                                        <p:tgtEl>
+                                          <p:spTgt spid="44"/>
+                                        </p:tgtEl>
+                                      </p:cBhvr>
+                                    </p:animEffect>
+                                  </p:childTnLst>
+                                </p:cTn>
+                              </p:par>
+                            </p:childTnLst>
+                          </p:cTn>
+                        </p:par>
+                        <p:par>
+                          <p:cTn id="13" fill="hold">
+                            <p:stCondLst>
+                              <p:cond delay="1000"/>
+                            </p:stCondLst>
+                            <p:childTnLst>
+                              <p:par>
+                                <p:cTn id="14" presetID="12" presetClass="entr" presetSubtype="1" fill="hold" grpId="0" nodeType="afterEffect">
+                                  <p:stCondLst>
+                                    <p:cond delay="0"/>
+                                  </p:stCondLst>
+                                  <p:childTnLst>
+                                    <p:set>
+                                      <p:cBhvr>
+                                        <p:cTn id="15" dur="1" fill="hold">
+                                          <p:stCondLst>
+                                            <p:cond delay="0"/>
+                                          </p:stCondLst>
+                                        </p:cTn>
+                                        <p:tgtEl>
+                                          <p:spTgt spid="37"/>
+                                        </p:tgtEl>
+                                        <p:attrNameLst>
+                                          <p:attrName>style.visibility</p:attrName>
+                                        </p:attrNameLst>
+                                      </p:cBhvr>
+                                      <p:to>
+                                        <p:strVal val="visible"/>
+                                      </p:to>
+                                    </p:set>
+                                    <p:anim calcmode="lin" valueType="num">
+                                      <p:cBhvr additive="base">
+                                        <p:cTn id="16" dur="500"/>
+                                        <p:tgtEl>
+                                          <p:spTgt spid="37"/>
+                                        </p:tgtEl>
+                                        <p:attrNameLst>
+                                          <p:attrName>ppt_y</p:attrName>
+                                        </p:attrNameLst>
+                                      </p:cBhvr>
+                                      <p:tavLst>
+                                        <p:tav tm="0">
+                                          <p:val>
+                                            <p:strVal val="#ppt_y-#ppt_h*1.125000"/>
+                                          </p:val>
+                                        </p:tav>
+                                        <p:tav tm="100000">
+                                          <p:val>
+                                            <p:strVal val="#ppt_y"/>
+                                          </p:val>
+                                        </p:tav>
+                                      </p:tavLst>
+                                    </p:anim>
+                                    <p:animEffect transition="in" filter="wipe(down)">
+                                      <p:cBhvr>
+                                        <p:cTn id="17" dur="500"/>
+                                        <p:tgtEl>
+                                          <p:spTgt spid="37"/>
+                                        </p:tgtEl>
+                                      </p:cBhvr>
+                                    </p:animEffect>
+                                  </p:childTnLst>
+                                </p:cTn>
+                              </p:par>
+                            </p:childTnLst>
+                          </p:cTn>
+                        </p:par>
+                      </p:childTnLst>
+                    </p:cTn>
+                  </p:par>
+                </p:childTnLst>
+              </p:cTn>
+              <p:prevCondLst>
+                <p:cond evt="onPrev" delay="0">
+                  <p:tgtEl>
+                    <p:sldTgt/>
+                  </p:tgtEl>
+                </p:cond>
+              </p:prevCondLst>
+              <p:nextCondLst>
+                <p:cond evt="onNext" delay="0">
+                  <p:tgtEl>
+                    <p:sldTgt/>
+                  </p:tgtEl>
+                </p:cond>
+              </p:nextCondLst>
+            </p:seq>
+          </p:childTnLst>
+        </p:cTn>
+      </p:par>
+    </p:tnLst>
+    <p:bldLst>
+      <p:bldP spid="44" grpId="0"/>
+      <p:bldP spid="44" grpId="1"/>
+      <p:bldP spid="45" grpId="0" bldLvl="0" animBg="1"/>
+      <p:bldP spid="37" grpId="0" bldLvl="0" animBg="1"/>
+    </p:bldLst>
+  </p:timing>
+</p:sld>
+</file>
+
+<file path=ppt/slides/slide16.xml><?xml version="1.0" encoding="utf-8"?>
+<p:sld xmlns:a="http://schemas.openxmlformats.org/drawingml/2006/main" xmlns:r="http://schemas.openxmlformats.org/officeDocument/2006/relationships" xmlns:p="http://schemas.openxmlformats.org/presentationml/2006/main">
+  <p:cSld>
+    <p:spTree>
+      <p:nvGrpSpPr>
+        <p:cNvPr id="1" name=""/>
+        <p:cNvGrpSpPr/>
+        <p:nvPr/>
+      </p:nvGrpSpPr>
+      <p:grpSpPr>
+        <a:xfrm>
+          <a:off x="0" y="0"/>
+          <a:ext cx="0" cy="0"/>
+          <a:chOff x="0" y="0"/>
+          <a:chExt cx="0" cy="0"/>
+        </a:xfrm>
+      </p:grpSpPr>
       <p:sp>
         <p:nvSpPr>
-          <p:cNvPr id="38" name="矩形 37"/>
-          <p:cNvSpPr/>
+          <p:cNvPr id="18" name="文本框 17"/>
+          <p:cNvSpPr txBox="1"/>
           <p:nvPr/>
         </p:nvSpPr>
         <p:spPr>
           <a:xfrm>
-            <a:off x="6412865" y="1329690"/>
-            <a:ext cx="4483100" cy="2037715"/>
+            <a:off x="643255" y="180340"/>
+            <a:ext cx="1612900" cy="521970"/>
           </a:xfrm>
           <a:prstGeom prst="rect">
             <a:avLst/>
           </a:prstGeom>
-          <a:solidFill>
-            <a:schemeClr val="bg2"/>
-          </a:solidFill>
+          <a:noFill/>
+        </p:spPr>
+        <p:txBody>
+          <a:bodyPr wrap="none" rtlCol="0">
+            <a:spAutoFit/>
+          </a:bodyPr>
+          <a:lstStyle/>
+          <a:p>
+            <a:r>
+              <a:rPr lang="zh-CN" altLang="en-US" sz="2800" b="1" dirty="0">
+                <a:solidFill>
+                  <a:schemeClr val="bg1"/>
+                </a:solidFill>
+                <a:ea typeface="思源黑体 CN Heavy" panose="020B0A00000000000000" pitchFamily="34" charset="-122"/>
+              </a:rPr>
+              <a:t>工作总结</a:t>
+            </a:r>
+          </a:p>
+        </p:txBody>
+      </p:sp>
+      <p:sp>
+        <p:nvSpPr>
+          <p:cNvPr id="44" name="文本框 146"/>
+          <p:cNvSpPr txBox="1"/>
+          <p:nvPr/>
+        </p:nvSpPr>
+        <p:spPr>
+          <a:xfrm>
+            <a:off x="915035" y="1696720"/>
+            <a:ext cx="4883150" cy="1303655"/>
+          </a:xfrm>
+          <a:prstGeom prst="rect">
+            <a:avLst/>
+          </a:prstGeom>
+          <a:noFill/>
+          <a:ln w="9525">
+            <a:noFill/>
+            <a:miter lim="800000"/>
+          </a:ln>
+          <a:extLst>
+            <a:ext uri="{909E8E84-426E-40DD-AFC4-6F175D3DCCD1}">
+              <a14:hiddenFill xmlns:a14="http://schemas.microsoft.com/office/drawing/2010/main">
+                <a:solidFill>
+                  <a:srgbClr val="FFFFFF"/>
+                </a:solidFill>
+              </a14:hiddenFill>
+            </a:ext>
+          </a:extLst>
+        </p:spPr>
+        <p:txBody>
+          <a:bodyPr lIns="135785" tIns="67891" rIns="135785" bIns="67891">
+            <a:noAutofit/>
+          </a:bodyPr>
+          <a:lstStyle>
+            <a:defPPr>
+              <a:defRPr lang="zh-CN"/>
+            </a:defPPr>
+            <a:lvl1pPr fontAlgn="base">
+              <a:lnSpc>
+                <a:spcPct val="110000"/>
+              </a:lnSpc>
+              <a:spcBef>
+                <a:spcPct val="0"/>
+              </a:spcBef>
+              <a:spcAft>
+                <a:spcPct val="0"/>
+              </a:spcAft>
+              <a:defRPr sz="1400">
+                <a:solidFill>
+                  <a:prstClr val="black">
+                    <a:lumMod val="50000"/>
+                    <a:lumOff val="50000"/>
+                  </a:prstClr>
+                </a:solidFill>
+                <a:latin typeface="Arial" panose="020B0604020202020204"/>
+                <a:cs typeface="+mn-ea"/>
+              </a:defRPr>
+            </a:lvl1pPr>
+            <a:lvl2pPr marL="457200" fontAlgn="base">
+              <a:spcBef>
+                <a:spcPct val="0"/>
+              </a:spcBef>
+              <a:spcAft>
+                <a:spcPct val="0"/>
+              </a:spcAft>
+              <a:defRPr>
+                <a:latin typeface="Calibri" panose="020F0502020204030204" pitchFamily="34" charset="0"/>
+                <a:cs typeface="Arial" panose="020B0604020202020204" pitchFamily="34" charset="0"/>
+              </a:defRPr>
+            </a:lvl2pPr>
+            <a:lvl3pPr marL="914400" fontAlgn="base">
+              <a:spcBef>
+                <a:spcPct val="0"/>
+              </a:spcBef>
+              <a:spcAft>
+                <a:spcPct val="0"/>
+              </a:spcAft>
+              <a:defRPr>
+                <a:latin typeface="Calibri" panose="020F0502020204030204" pitchFamily="34" charset="0"/>
+                <a:cs typeface="Arial" panose="020B0604020202020204" pitchFamily="34" charset="0"/>
+              </a:defRPr>
+            </a:lvl3pPr>
+            <a:lvl4pPr marL="1371600" fontAlgn="base">
+              <a:spcBef>
+                <a:spcPct val="0"/>
+              </a:spcBef>
+              <a:spcAft>
+                <a:spcPct val="0"/>
+              </a:spcAft>
+              <a:defRPr>
+                <a:latin typeface="Calibri" panose="020F0502020204030204" pitchFamily="34" charset="0"/>
+                <a:cs typeface="Arial" panose="020B0604020202020204" pitchFamily="34" charset="0"/>
+              </a:defRPr>
+            </a:lvl4pPr>
+            <a:lvl5pPr marL="1828800" fontAlgn="base">
+              <a:spcBef>
+                <a:spcPct val="0"/>
+              </a:spcBef>
+              <a:spcAft>
+                <a:spcPct val="0"/>
+              </a:spcAft>
+              <a:defRPr>
+                <a:latin typeface="Calibri" panose="020F0502020204030204" pitchFamily="34" charset="0"/>
+                <a:cs typeface="Arial" panose="020B0604020202020204" pitchFamily="34" charset="0"/>
+              </a:defRPr>
+            </a:lvl5pPr>
+            <a:lvl6pPr marL="2286000" defTabSz="914400">
+              <a:defRPr>
+                <a:latin typeface="Calibri" panose="020F0502020204030204" pitchFamily="34" charset="0"/>
+                <a:cs typeface="Arial" panose="020B0604020202020204" pitchFamily="34" charset="0"/>
+              </a:defRPr>
+            </a:lvl6pPr>
+            <a:lvl7pPr marL="2743200" defTabSz="914400">
+              <a:defRPr>
+                <a:latin typeface="Calibri" panose="020F0502020204030204" pitchFamily="34" charset="0"/>
+                <a:cs typeface="Arial" panose="020B0604020202020204" pitchFamily="34" charset="0"/>
+              </a:defRPr>
+            </a:lvl7pPr>
+            <a:lvl8pPr marL="3200400" defTabSz="914400">
+              <a:defRPr>
+                <a:latin typeface="Calibri" panose="020F0502020204030204" pitchFamily="34" charset="0"/>
+                <a:cs typeface="Arial" panose="020B0604020202020204" pitchFamily="34" charset="0"/>
+              </a:defRPr>
+            </a:lvl8pPr>
+            <a:lvl9pPr marL="3657600" defTabSz="914400">
+              <a:defRPr>
+                <a:latin typeface="Calibri" panose="020F0502020204030204" pitchFamily="34" charset="0"/>
+                <a:cs typeface="Arial" panose="020B0604020202020204" pitchFamily="34" charset="0"/>
+              </a:defRPr>
+            </a:lvl9pPr>
+          </a:lstStyle>
+          <a:p>
+            <a:endParaRPr lang="zh-CN" altLang="en-US" sz="1800" b="1" dirty="0">
+              <a:solidFill>
+                <a:prstClr val="black">
+                  <a:lumMod val="50000"/>
+                  <a:lumOff val="50000"/>
+                </a:prstClr>
+              </a:solidFill>
+              <a:effectLst>
+                <a:outerShdw blurRad="38100" dist="38100" dir="2700000" algn="tl">
+                  <a:srgbClr val="000000">
+                    <a:alpha val="30000"/>
+                  </a:srgbClr>
+                </a:outerShdw>
+              </a:effectLst>
+              <a:uFillTx/>
+              <a:latin typeface="华文中宋" panose="02010600040101010101" charset="-122"/>
+              <a:ea typeface="华文中宋" panose="02010600040101010101" charset="-122"/>
+              <a:cs typeface="Arial" panose="020B0604020202020204" pitchFamily="34" charset="0"/>
+            </a:endParaRPr>
+          </a:p>
+        </p:txBody>
+      </p:sp>
+      <p:sp>
+        <p:nvSpPr>
+          <p:cNvPr id="45" name="文本框 145"/>
+          <p:cNvSpPr txBox="1"/>
+          <p:nvPr/>
+        </p:nvSpPr>
+        <p:spPr>
+          <a:xfrm>
+            <a:off x="749935" y="1842770"/>
+            <a:ext cx="4653280" cy="2922905"/>
+          </a:xfrm>
+          <a:prstGeom prst="rect">
+            <a:avLst/>
+          </a:prstGeom>
+          <a:noFill/>
           <a:ln>
             <a:noFill/>
           </a:ln>
@@ -11782,31 +11538,146 @@
           </a:fontRef>
         </p:style>
         <p:txBody>
-          <a:bodyPr rtlCol="0" anchor="ctr"/>
-          <a:lstStyle/>
+          <a:bodyPr wrap="square" lIns="178172" tIns="0" rIns="178172" bIns="0" rtlCol="0" anchor="t">
+            <a:noAutofit/>
+          </a:bodyPr>
+          <a:lstStyle>
+            <a:defPPr>
+              <a:defRPr lang="zh-CN"/>
+            </a:defPPr>
+            <a:lvl1pPr marL="285750" indent="-285750">
+              <a:lnSpc>
+                <a:spcPct val="120000"/>
+              </a:lnSpc>
+              <a:buClr>
+                <a:schemeClr val="accent1"/>
+              </a:buClr>
+              <a:buFont typeface="Wingdings" panose="05000000000000000000" pitchFamily="2" charset="2"/>
+              <a:buChar char="n"/>
+              <a:defRPr sz="1800" b="1">
+                <a:solidFill>
+                  <a:schemeClr val="bg1">
+                    <a:lumMod val="50000"/>
+                  </a:schemeClr>
+                </a:solidFill>
+                <a:cs typeface="+mn-ea"/>
+              </a:defRPr>
+            </a:lvl1pPr>
+            <a:lvl2pPr>
+              <a:defRPr>
+                <a:solidFill>
+                  <a:schemeClr val="lt1"/>
+                </a:solidFill>
+              </a:defRPr>
+            </a:lvl2pPr>
+            <a:lvl3pPr>
+              <a:defRPr>
+                <a:solidFill>
+                  <a:schemeClr val="lt1"/>
+                </a:solidFill>
+              </a:defRPr>
+            </a:lvl3pPr>
+            <a:lvl4pPr>
+              <a:defRPr>
+                <a:solidFill>
+                  <a:schemeClr val="lt1"/>
+                </a:solidFill>
+              </a:defRPr>
+            </a:lvl4pPr>
+            <a:lvl5pPr>
+              <a:defRPr>
+                <a:solidFill>
+                  <a:schemeClr val="lt1"/>
+                </a:solidFill>
+              </a:defRPr>
+            </a:lvl5pPr>
+            <a:lvl6pPr>
+              <a:defRPr>
+                <a:solidFill>
+                  <a:schemeClr val="lt1"/>
+                </a:solidFill>
+              </a:defRPr>
+            </a:lvl6pPr>
+            <a:lvl7pPr>
+              <a:defRPr>
+                <a:solidFill>
+                  <a:schemeClr val="lt1"/>
+                </a:solidFill>
+              </a:defRPr>
+            </a:lvl7pPr>
+            <a:lvl8pPr>
+              <a:defRPr>
+                <a:solidFill>
+                  <a:schemeClr val="lt1"/>
+                </a:solidFill>
+              </a:defRPr>
+            </a:lvl8pPr>
+            <a:lvl9pPr>
+              <a:defRPr>
+                <a:solidFill>
+                  <a:schemeClr val="lt1"/>
+                </a:solidFill>
+              </a:defRPr>
+            </a:lvl9pPr>
+          </a:lstStyle>
           <a:p>
-            <a:pPr algn="ctr"/>
-            <a:endParaRPr lang="zh-CN" altLang="en-US"/>
+            <a:pPr marL="0" indent="0">
+              <a:buClr>
+                <a:srgbClr val="C00000"/>
+              </a:buClr>
+              <a:buNone/>
+            </a:pPr>
+            <a:r>
+              <a:rPr lang="en-US" altLang="zh-CN" dirty="0">
+                <a:solidFill>
+                  <a:schemeClr val="tx1">
+                    <a:lumMod val="65000"/>
+                    <a:lumOff val="35000"/>
+                  </a:schemeClr>
+                </a:solidFill>
+                <a:ea typeface="思源黑体 CN Heavy" panose="020B0A00000000000000" pitchFamily="34" charset="-122"/>
+              </a:rPr>
+              <a:t>1.Golang</a:t>
+            </a:r>
+            <a:r>
+              <a:rPr lang="zh-CN" altLang="en-US" dirty="0">
+                <a:solidFill>
+                  <a:schemeClr val="tx1">
+                    <a:lumMod val="65000"/>
+                    <a:lumOff val="35000"/>
+                  </a:schemeClr>
+                </a:solidFill>
+                <a:ea typeface="思源黑体 CN Heavy" panose="020B0A00000000000000" pitchFamily="34" charset="-122"/>
+              </a:rPr>
+              <a:t>模块划分</a:t>
+            </a:r>
+            <a:endParaRPr lang="en-US" altLang="zh-CN" dirty="0">
+              <a:solidFill>
+                <a:schemeClr val="tx1">
+                  <a:lumMod val="65000"/>
+                  <a:lumOff val="35000"/>
+                </a:schemeClr>
+              </a:solidFill>
+              <a:ea typeface="思源黑体 CN Heavy" panose="020B0A00000000000000" pitchFamily="34" charset="-122"/>
+            </a:endParaRPr>
           </a:p>
         </p:txBody>
       </p:sp>
       <p:sp>
         <p:nvSpPr>
-          <p:cNvPr id="39" name="矩形 38"/>
-          <p:cNvSpPr/>
+          <p:cNvPr id="37" name="文本框 145"/>
+          <p:cNvSpPr txBox="1"/>
           <p:nvPr/>
         </p:nvSpPr>
         <p:spPr>
           <a:xfrm>
-            <a:off x="6412865" y="3549015"/>
-            <a:ext cx="2160270" cy="2104390"/>
+            <a:off x="732347" y="3097217"/>
+            <a:ext cx="2352000" cy="413563"/>
           </a:xfrm>
           <a:prstGeom prst="rect">
             <a:avLst/>
           </a:prstGeom>
-          <a:solidFill>
-            <a:schemeClr val="bg2"/>
-          </a:solidFill>
+          <a:noFill/>
           <a:ln>
             <a:noFill/>
           </a:ln>
@@ -11828,61 +11699,113 @@
           </a:fontRef>
         </p:style>
         <p:txBody>
-          <a:bodyPr rtlCol="0" anchor="ctr"/>
-          <a:lstStyle/>
+          <a:bodyPr wrap="square" lIns="178172" tIns="0" rIns="178172" bIns="0" rtlCol="0" anchor="t">
+            <a:noAutofit/>
+          </a:bodyPr>
+          <a:lstStyle>
+            <a:defPPr>
+              <a:defRPr lang="zh-CN"/>
+            </a:defPPr>
+            <a:lvl1pPr marL="285750" indent="-285750">
+              <a:lnSpc>
+                <a:spcPct val="120000"/>
+              </a:lnSpc>
+              <a:buClr>
+                <a:schemeClr val="accent1"/>
+              </a:buClr>
+              <a:buFont typeface="Wingdings" panose="05000000000000000000" pitchFamily="2" charset="2"/>
+              <a:buChar char="n"/>
+              <a:defRPr sz="1800" b="1">
+                <a:solidFill>
+                  <a:schemeClr val="bg1">
+                    <a:lumMod val="50000"/>
+                  </a:schemeClr>
+                </a:solidFill>
+                <a:cs typeface="+mn-ea"/>
+              </a:defRPr>
+            </a:lvl1pPr>
+            <a:lvl2pPr>
+              <a:defRPr>
+                <a:solidFill>
+                  <a:schemeClr val="lt1"/>
+                </a:solidFill>
+              </a:defRPr>
+            </a:lvl2pPr>
+            <a:lvl3pPr>
+              <a:defRPr>
+                <a:solidFill>
+                  <a:schemeClr val="lt1"/>
+                </a:solidFill>
+              </a:defRPr>
+            </a:lvl3pPr>
+            <a:lvl4pPr>
+              <a:defRPr>
+                <a:solidFill>
+                  <a:schemeClr val="lt1"/>
+                </a:solidFill>
+              </a:defRPr>
+            </a:lvl4pPr>
+            <a:lvl5pPr>
+              <a:defRPr>
+                <a:solidFill>
+                  <a:schemeClr val="lt1"/>
+                </a:solidFill>
+              </a:defRPr>
+            </a:lvl5pPr>
+            <a:lvl6pPr>
+              <a:defRPr>
+                <a:solidFill>
+                  <a:schemeClr val="lt1"/>
+                </a:solidFill>
+              </a:defRPr>
+            </a:lvl6pPr>
+            <a:lvl7pPr>
+              <a:defRPr>
+                <a:solidFill>
+                  <a:schemeClr val="lt1"/>
+                </a:solidFill>
+              </a:defRPr>
+            </a:lvl7pPr>
+            <a:lvl8pPr>
+              <a:defRPr>
+                <a:solidFill>
+                  <a:schemeClr val="lt1"/>
+                </a:solidFill>
+              </a:defRPr>
+            </a:lvl8pPr>
+            <a:lvl9pPr>
+              <a:defRPr>
+                <a:solidFill>
+                  <a:schemeClr val="lt1"/>
+                </a:solidFill>
+              </a:defRPr>
+            </a:lvl9pPr>
+          </a:lstStyle>
           <a:p>
-            <a:pPr algn="ctr"/>
-            <a:endParaRPr lang="zh-CN" altLang="en-US"/>
-          </a:p>
-        </p:txBody>
-      </p:sp>
-      <p:sp>
-        <p:nvSpPr>
-          <p:cNvPr id="40" name="矩形 39"/>
-          <p:cNvSpPr/>
-          <p:nvPr/>
-        </p:nvSpPr>
-        <p:spPr>
-          <a:xfrm>
-            <a:off x="8720455" y="3548380"/>
-            <a:ext cx="2160270" cy="2104390"/>
-          </a:xfrm>
-          <a:prstGeom prst="rect">
-            <a:avLst/>
-          </a:prstGeom>
-          <a:solidFill>
-            <a:schemeClr val="bg2"/>
-          </a:solidFill>
-          <a:ln>
-            <a:noFill/>
-          </a:ln>
-        </p:spPr>
-        <p:style>
-          <a:lnRef idx="2">
-            <a:schemeClr val="accent1">
-              <a:shade val="50000"/>
-            </a:schemeClr>
-          </a:lnRef>
-          <a:fillRef idx="1">
-            <a:schemeClr val="accent1"/>
-          </a:fillRef>
-          <a:effectRef idx="0">
-            <a:schemeClr val="accent1"/>
-          </a:effectRef>
-          <a:fontRef idx="minor">
-            <a:schemeClr val="lt1"/>
-          </a:fontRef>
-        </p:style>
-        <p:txBody>
-          <a:bodyPr rtlCol="0" anchor="ctr"/>
-          <a:lstStyle/>
-          <a:p>
-            <a:pPr algn="ctr"/>
-            <a:endParaRPr lang="zh-CN" altLang="en-US"/>
+            <a:pPr marL="0" indent="0">
+              <a:buClr>
+                <a:srgbClr val="C00000"/>
+              </a:buClr>
+              <a:buNone/>
+            </a:pPr>
+            <a:endParaRPr lang="zh-CN" altLang="en-US" dirty="0">
+              <a:solidFill>
+                <a:schemeClr val="tx1">
+                  <a:lumMod val="65000"/>
+                  <a:lumOff val="35000"/>
+                </a:schemeClr>
+              </a:solidFill>
+              <a:ea typeface="思源黑体 CN Heavy" panose="020B0A00000000000000" pitchFamily="34" charset="-122"/>
+            </a:endParaRPr>
           </a:p>
         </p:txBody>
       </p:sp>
     </p:spTree>
+    <p:extLst>
+      <p:ext uri="{BB962C8B-B14F-4D97-AF65-F5344CB8AC3E}">
+        <p14:creationId xmlns:p14="http://schemas.microsoft.com/office/powerpoint/2010/main" val="1420896553"/>
+      </p:ext>
+    </p:extLst>
   </p:cSld>
   <p:clrMapOvr>
     <a:masterClrMapping/>
@@ -12468,7 +12391,7 @@
                 <a:latin typeface="思源黑体 CN Heavy" panose="020B0A00000000000000" pitchFamily="34" charset="-122"/>
                 <a:ea typeface="思源黑体 CN Heavy" panose="020B0A00000000000000" pitchFamily="34" charset="-122"/>
               </a:rPr>
-              <a:t>解决方案</a:t>
+              <a:t>工作分析</a:t>
             </a:r>
           </a:p>
         </p:txBody>
@@ -13152,7 +13075,7 @@
                 </a:solidFill>
                 <a:ea typeface="思源黑体 CN Heavy" panose="020B0A00000000000000" pitchFamily="34" charset="-122"/>
               </a:rPr>
-              <a:t>解决方案</a:t>
+              <a:t>工作分析</a:t>
             </a:r>
           </a:p>
         </p:txBody>
@@ -13446,10 +13369,10 @@
                 </a:solidFill>
                 <a:ea typeface="思源黑体 CN Heavy" panose="020B0A00000000000000" pitchFamily="34" charset="-122"/>
               </a:rPr>
-              <a:t>初次工作实现部分函数时，直接调用函数实现参数的输入得到结果，这样会使多次被使用的函数瘫痪，导致多个程序瘫痪，应该将传入的参数通过其他已经执行过的函数返回值中取出， 并且按需组装出功能实现所需要的参数；使用代码查询</a:t>
-            </a:r>
-            <a:r>
-              <a:rPr lang="en-US" altLang="zh-CN" dirty="0">
+              <a:t>刚开始实现部分函数，自我感觉和简单， 但是实现的时候出现直接调用本文件夹里的函数这才意识到自己的能力与公司所需要的能力有多大的差距</a:t>
+            </a:r>
+            <a:r>
+              <a:rPr lang="en-US" altLang="zh-CN">
                 <a:solidFill>
                   <a:schemeClr val="tx1">
                     <a:lumMod val="65000"/>
@@ -13458,19 +13381,7 @@
                 </a:solidFill>
                 <a:ea typeface="思源黑体 CN Heavy" panose="020B0A00000000000000" pitchFamily="34" charset="-122"/>
               </a:rPr>
-              <a:t>k8s</a:t>
-            </a:r>
-            <a:r>
-              <a:rPr lang="zh-CN" altLang="en-US" dirty="0">
-                <a:solidFill>
-                  <a:schemeClr val="tx1">
-                    <a:lumMod val="65000"/>
-                    <a:lumOff val="35000"/>
-                  </a:schemeClr>
-                </a:solidFill>
-                <a:ea typeface="思源黑体 CN Heavy" panose="020B0A00000000000000" pitchFamily="34" charset="-122"/>
-              </a:rPr>
-              <a:t>信息， 通过业余时间观看视频和书籍， 以及实现过程中遇见的问题及时请教前辈；学习业务代码的时候，自己对代码理解不透彻，语言描述不准确。</a:t>
+              <a:t>. </a:t>
             </a:r>
             <a:endParaRPr lang="en-US" altLang="zh-CN" dirty="0">
               <a:solidFill>
@@ -14345,7 +14256,7 @@
                 <a:latin typeface="思源黑体 CN Heavy" panose="020B0A00000000000000" pitchFamily="34" charset="-122"/>
                 <a:ea typeface="思源黑体 CN Heavy" panose="020B0A00000000000000" pitchFamily="34" charset="-122"/>
               </a:rPr>
-              <a:t>个人总结</a:t>
+              <a:t>解决方案</a:t>
             </a:r>
           </a:p>
         </p:txBody>
@@ -15215,7 +15126,7 @@
                   <a:latin typeface="思源黑体 CN Medium" panose="020B0600000000000000" pitchFamily="34" charset="-122"/>
                   <a:ea typeface="思源黑体 CN Medium" panose="020B0600000000000000" pitchFamily="34" charset="-122"/>
                 </a:rPr>
-                <a:t>入职第一月述职报告</a:t>
+                <a:t>入职第二月述职报告</a:t>
               </a:r>
             </a:p>
           </p:txBody>
@@ -16260,7 +16171,7 @@
                 </a:solidFill>
                 <a:ea typeface="思源黑体 CN Heavy" panose="020B0A00000000000000" pitchFamily="34" charset="-122"/>
               </a:rPr>
-              <a:t>个人总结</a:t>
+              <a:t>解决方案</a:t>
             </a:r>
           </a:p>
         </p:txBody>
@@ -16428,7 +16339,7 @@
         <p:spPr>
           <a:xfrm>
             <a:off x="732155" y="1842770"/>
-            <a:ext cx="4653280" cy="3206750"/>
+            <a:ext cx="4653280" cy="2922905"/>
           </a:xfrm>
           <a:prstGeom prst="rect">
             <a:avLst/>
@@ -16545,7 +16456,7 @@
               <a:buNone/>
             </a:pPr>
             <a:r>
-              <a:rPr lang="en-US" altLang="zh-CN" dirty="0">
+              <a:rPr lang="zh-CN" altLang="en-US" dirty="0">
                 <a:solidFill>
                   <a:schemeClr val="tx1">
                     <a:lumMod val="65000"/>
@@ -16554,10 +16465,10 @@
                 </a:solidFill>
                 <a:ea typeface="思源黑体 CN Heavy" panose="020B0A00000000000000" pitchFamily="34" charset="-122"/>
               </a:rPr>
-              <a:t>1.</a:t>
-            </a:r>
-            <a:r>
-              <a:rPr lang="zh-CN" altLang="en-US" dirty="0">
+              <a:t>初次工作实现部分函数时，直接调用函数实现参数的输入得到结果，这样会使多次被使用的函数瘫痪，导致多个程序瘫痪，应该将传入的参数通过其他已经执行过的函数返回值中取出， 并且按需组装出功能实现所需要的参数；使用代码查询</a:t>
+            </a:r>
+            <a:r>
+              <a:rPr lang="en-US" altLang="zh-CN" dirty="0">
                 <a:solidFill>
                   <a:schemeClr val="tx1">
                     <a:lumMod val="65000"/>
@@ -16566,10 +16477,10 @@
                 </a:solidFill>
                 <a:ea typeface="思源黑体 CN Heavy" panose="020B0A00000000000000" pitchFamily="34" charset="-122"/>
               </a:rPr>
-              <a:t>通过工作， 发现自己的思维停留在小的</a:t>
-            </a:r>
-            <a:r>
-              <a:rPr lang="en-US" altLang="zh-CN" dirty="0">
+              <a:t>k8s</a:t>
+            </a:r>
+            <a:r>
+              <a:rPr lang="zh-CN" altLang="en-US" dirty="0">
                 <a:solidFill>
                   <a:schemeClr val="tx1">
                     <a:lumMod val="65000"/>
@@ -16578,152 +16489,9 @@
                 </a:solidFill>
                 <a:ea typeface="思源黑体 CN Heavy" panose="020B0A00000000000000" pitchFamily="34" charset="-122"/>
               </a:rPr>
-              <a:t>demo</a:t>
-            </a:r>
-            <a:r>
-              <a:rPr lang="zh-CN" altLang="en-US" dirty="0">
-                <a:solidFill>
-                  <a:schemeClr val="tx1">
-                    <a:lumMod val="65000"/>
-                    <a:lumOff val="35000"/>
-                  </a:schemeClr>
-                </a:solidFill>
-                <a:ea typeface="思源黑体 CN Heavy" panose="020B0A00000000000000" pitchFamily="34" charset="-122"/>
-              </a:rPr>
-              <a:t>上， 对代码的思考不到位。</a:t>
+              <a:t>信息， 通过业余时间观看视频和书籍， 以及实现过程中遇见的问题及时请教前辈；学习业务代码的时候，自己对代码理解不透彻，语言描述不准确。</a:t>
             </a:r>
             <a:endParaRPr lang="en-US" altLang="zh-CN" dirty="0">
-              <a:solidFill>
-                <a:schemeClr val="tx1">
-                  <a:lumMod val="65000"/>
-                  <a:lumOff val="35000"/>
-                </a:schemeClr>
-              </a:solidFill>
-              <a:ea typeface="思源黑体 CN Heavy" panose="020B0A00000000000000" pitchFamily="34" charset="-122"/>
-            </a:endParaRPr>
-          </a:p>
-          <a:p>
-            <a:pPr marL="0" indent="0">
-              <a:buClr>
-                <a:srgbClr val="C00000"/>
-              </a:buClr>
-              <a:buNone/>
-            </a:pPr>
-            <a:r>
-              <a:rPr lang="en-US" altLang="zh-CN" dirty="0">
-                <a:solidFill>
-                  <a:schemeClr val="tx1">
-                    <a:lumMod val="65000"/>
-                    <a:lumOff val="35000"/>
-                  </a:schemeClr>
-                </a:solidFill>
-                <a:ea typeface="思源黑体 CN Heavy" panose="020B0A00000000000000" pitchFamily="34" charset="-122"/>
-              </a:rPr>
-              <a:t>2.</a:t>
-            </a:r>
-            <a:r>
-              <a:rPr lang="zh-CN" altLang="en-US" dirty="0">
-                <a:solidFill>
-                  <a:schemeClr val="tx1">
-                    <a:lumMod val="65000"/>
-                    <a:lumOff val="35000"/>
-                  </a:schemeClr>
-                </a:solidFill>
-                <a:ea typeface="思源黑体 CN Heavy" panose="020B0A00000000000000" pitchFamily="34" charset="-122"/>
-              </a:rPr>
-              <a:t>由于知识的缺失， 在完成工作的过程中，效率比较低，遇见的问题也比较多</a:t>
-            </a:r>
-            <a:endParaRPr lang="en-US" altLang="zh-CN" dirty="0">
-              <a:solidFill>
-                <a:schemeClr val="tx1">
-                  <a:lumMod val="65000"/>
-                  <a:lumOff val="35000"/>
-                </a:schemeClr>
-              </a:solidFill>
-              <a:ea typeface="思源黑体 CN Heavy" panose="020B0A00000000000000" pitchFamily="34" charset="-122"/>
-            </a:endParaRPr>
-          </a:p>
-          <a:p>
-            <a:pPr marL="0" indent="0">
-              <a:buClr>
-                <a:srgbClr val="C00000"/>
-              </a:buClr>
-              <a:buNone/>
-            </a:pPr>
-            <a:r>
-              <a:rPr lang="en-US" dirty="0">
-                <a:solidFill>
-                  <a:schemeClr val="tx1">
-                    <a:lumMod val="65000"/>
-                    <a:lumOff val="35000"/>
-                  </a:schemeClr>
-                </a:solidFill>
-                <a:ea typeface="思源黑体 CN Heavy" panose="020B0A00000000000000" pitchFamily="34" charset="-122"/>
-              </a:rPr>
-              <a:t>3. </a:t>
-            </a:r>
-            <a:r>
-              <a:rPr lang="zh-CN" altLang="en-US" dirty="0">
-                <a:solidFill>
-                  <a:schemeClr val="tx1">
-                    <a:lumMod val="65000"/>
-                    <a:lumOff val="35000"/>
-                  </a:schemeClr>
-                </a:solidFill>
-                <a:ea typeface="思源黑体 CN Heavy" panose="020B0A00000000000000" pitchFamily="34" charset="-122"/>
-              </a:rPr>
-              <a:t>工作中遇见了问题， 第一时间想到去自行百度解决问题， 不考虑时间成本，不利于工作进度的进行。</a:t>
-            </a:r>
-            <a:endParaRPr dirty="0">
-              <a:solidFill>
-                <a:schemeClr val="tx1">
-                  <a:lumMod val="65000"/>
-                  <a:lumOff val="35000"/>
-                </a:schemeClr>
-              </a:solidFill>
-              <a:ea typeface="思源黑体 CN Heavy" panose="020B0A00000000000000" pitchFamily="34" charset="-122"/>
-            </a:endParaRPr>
-          </a:p>
-          <a:p>
-            <a:pPr marL="0" indent="0">
-              <a:buClr>
-                <a:srgbClr val="C00000"/>
-              </a:buClr>
-              <a:buNone/>
-            </a:pPr>
-            <a:r>
-              <a:rPr lang="en-US" dirty="0">
-                <a:solidFill>
-                  <a:schemeClr val="tx1">
-                    <a:lumMod val="65000"/>
-                    <a:lumOff val="35000"/>
-                  </a:schemeClr>
-                </a:solidFill>
-                <a:ea typeface="思源黑体 CN Heavy" panose="020B0A00000000000000" pitchFamily="34" charset="-122"/>
-              </a:rPr>
-              <a:t>4. </a:t>
-            </a:r>
-            <a:r>
-              <a:rPr dirty="0">
-                <a:solidFill>
-                  <a:schemeClr val="tx1">
-                    <a:lumMod val="65000"/>
-                    <a:lumOff val="35000"/>
-                  </a:schemeClr>
-                </a:solidFill>
-                <a:ea typeface="思源黑体 CN Heavy" panose="020B0A00000000000000" pitchFamily="34" charset="-122"/>
-              </a:rPr>
-              <a:t>个人感觉自己比较喜欢挑战,希望能在- -个大的平台或者团队里面进行工作和学习</a:t>
-            </a:r>
-          </a:p>
-          <a:p>
-            <a:pPr marL="0" indent="0">
-              <a:buClr>
-                <a:srgbClr val="C00000"/>
-              </a:buClr>
-              <a:buNone/>
-            </a:pPr>
-            <a:endParaRPr dirty="0">
               <a:solidFill>
                 <a:schemeClr val="tx1">
                   <a:lumMod val="65000"/>
@@ -17596,7 +17364,7 @@
                 <a:latin typeface="思源黑体 CN Heavy" panose="020B0A00000000000000" pitchFamily="34" charset="-122"/>
                 <a:ea typeface="思源黑体 CN Heavy" panose="020B0A00000000000000" pitchFamily="34" charset="-122"/>
               </a:rPr>
-              <a:t>工作计划</a:t>
+              <a:t>个人总结</a:t>
             </a:r>
           </a:p>
         </p:txBody>
@@ -18280,7 +18048,7 @@
                 </a:solidFill>
                 <a:ea typeface="思源黑体 CN Heavy" panose="020B0A00000000000000" pitchFamily="34" charset="-122"/>
               </a:rPr>
-              <a:t>工作计划</a:t>
+              <a:t>个人总结</a:t>
             </a:r>
           </a:p>
         </p:txBody>
@@ -18448,7 +18216,7 @@
         <p:spPr>
           <a:xfrm>
             <a:off x="732155" y="1842770"/>
-            <a:ext cx="4653280" cy="2922905"/>
+            <a:ext cx="4653280" cy="3206750"/>
           </a:xfrm>
           <a:prstGeom prst="rect">
             <a:avLst/>
@@ -18565,7 +18333,7 @@
               <a:buNone/>
             </a:pPr>
             <a:r>
-              <a:rPr lang="zh-CN" altLang="en-US" dirty="0">
+              <a:rPr lang="en-US" altLang="zh-CN" dirty="0">
                 <a:solidFill>
                   <a:schemeClr val="tx1">
                     <a:lumMod val="65000"/>
@@ -18574,10 +18342,10 @@
                 </a:solidFill>
                 <a:ea typeface="思源黑体 CN Heavy" panose="020B0A00000000000000" pitchFamily="34" charset="-122"/>
               </a:rPr>
-              <a:t>后期的工作中思维应该从小项目向企业级的项目转变，在书写代码的过程中应该将功能与功能直接的耦合性降低。要时刻提醒自己是团队的一员，遇到问题不应该不计时间成本去解决，而是自己无法在规定的时间内解决问题， 就应该去请教前辈， 寻求解决方案，并且补充短板知识。在完成工作的业余时间补充</a:t>
-            </a:r>
-            <a:r>
-              <a:rPr lang="en-US" altLang="zh-CN" dirty="0">
+              <a:t>1.</a:t>
+            </a:r>
+            <a:r>
+              <a:rPr lang="zh-CN" altLang="en-US" dirty="0">
                 <a:solidFill>
                   <a:schemeClr val="tx1">
                     <a:lumMod val="65000"/>
@@ -18586,10 +18354,10 @@
                 </a:solidFill>
                 <a:ea typeface="思源黑体 CN Heavy" panose="020B0A00000000000000" pitchFamily="34" charset="-122"/>
               </a:rPr>
-              <a:t>docker</a:t>
-            </a:r>
-            <a:r>
-              <a:rPr lang="zh-CN" altLang="en-US" dirty="0">
+              <a:t>通过工作， 发现自己的思维停留在小的</a:t>
+            </a:r>
+            <a:r>
+              <a:rPr lang="en-US" altLang="zh-CN" dirty="0">
                 <a:solidFill>
                   <a:schemeClr val="tx1">
                     <a:lumMod val="65000"/>
@@ -18598,10 +18366,10 @@
                 </a:solidFill>
                 <a:ea typeface="思源黑体 CN Heavy" panose="020B0A00000000000000" pitchFamily="34" charset="-122"/>
               </a:rPr>
-              <a:t>和</a:t>
-            </a:r>
-            <a:r>
-              <a:rPr lang="en-US" altLang="zh-CN" dirty="0">
+              <a:t>demo</a:t>
+            </a:r>
+            <a:r>
+              <a:rPr lang="zh-CN" altLang="en-US" dirty="0">
                 <a:solidFill>
                   <a:schemeClr val="tx1">
                     <a:lumMod val="65000"/>
@@ -18610,10 +18378,27 @@
                 </a:solidFill>
                 <a:ea typeface="思源黑体 CN Heavy" panose="020B0A00000000000000" pitchFamily="34" charset="-122"/>
               </a:rPr>
-              <a:t>k8s</a:t>
-            </a:r>
-            <a:r>
-              <a:rPr lang="zh-CN" altLang="en-US" dirty="0">
+              <a:t>上， 对代码的思考不到位。</a:t>
+            </a:r>
+            <a:endParaRPr lang="en-US" altLang="zh-CN" dirty="0">
+              <a:solidFill>
+                <a:schemeClr val="tx1">
+                  <a:lumMod val="65000"/>
+                  <a:lumOff val="35000"/>
+                </a:schemeClr>
+              </a:solidFill>
+              <a:ea typeface="思源黑体 CN Heavy" panose="020B0A00000000000000" pitchFamily="34" charset="-122"/>
+            </a:endParaRPr>
+          </a:p>
+          <a:p>
+            <a:pPr marL="0" indent="0">
+              <a:buClr>
+                <a:srgbClr val="C00000"/>
+              </a:buClr>
+              <a:buNone/>
+            </a:pPr>
+            <a:r>
+              <a:rPr lang="en-US" altLang="zh-CN" dirty="0">
                 <a:solidFill>
                   <a:schemeClr val="tx1">
                     <a:lumMod val="65000"/>
@@ -18622,9 +18407,111 @@
                 </a:solidFill>
                 <a:ea typeface="思源黑体 CN Heavy" panose="020B0A00000000000000" pitchFamily="34" charset="-122"/>
               </a:rPr>
-              <a:t>方面的知识，尽可能减小差距。</a:t>
+              <a:t>2.</a:t>
+            </a:r>
+            <a:r>
+              <a:rPr lang="zh-CN" altLang="en-US" dirty="0">
+                <a:solidFill>
+                  <a:schemeClr val="tx1">
+                    <a:lumMod val="65000"/>
+                    <a:lumOff val="35000"/>
+                  </a:schemeClr>
+                </a:solidFill>
+                <a:ea typeface="思源黑体 CN Heavy" panose="020B0A00000000000000" pitchFamily="34" charset="-122"/>
+              </a:rPr>
+              <a:t>由于知识的缺失， 在完成工作的过程中，效率比较低，遇见的问题也比较多</a:t>
             </a:r>
             <a:endParaRPr lang="en-US" altLang="zh-CN" dirty="0">
+              <a:solidFill>
+                <a:schemeClr val="tx1">
+                  <a:lumMod val="65000"/>
+                  <a:lumOff val="35000"/>
+                </a:schemeClr>
+              </a:solidFill>
+              <a:ea typeface="思源黑体 CN Heavy" panose="020B0A00000000000000" pitchFamily="34" charset="-122"/>
+            </a:endParaRPr>
+          </a:p>
+          <a:p>
+            <a:pPr marL="0" indent="0">
+              <a:buClr>
+                <a:srgbClr val="C00000"/>
+              </a:buClr>
+              <a:buNone/>
+            </a:pPr>
+            <a:r>
+              <a:rPr lang="en-US" dirty="0">
+                <a:solidFill>
+                  <a:schemeClr val="tx1">
+                    <a:lumMod val="65000"/>
+                    <a:lumOff val="35000"/>
+                  </a:schemeClr>
+                </a:solidFill>
+                <a:ea typeface="思源黑体 CN Heavy" panose="020B0A00000000000000" pitchFamily="34" charset="-122"/>
+              </a:rPr>
+              <a:t>3. </a:t>
+            </a:r>
+            <a:r>
+              <a:rPr lang="zh-CN" altLang="en-US" dirty="0">
+                <a:solidFill>
+                  <a:schemeClr val="tx1">
+                    <a:lumMod val="65000"/>
+                    <a:lumOff val="35000"/>
+                  </a:schemeClr>
+                </a:solidFill>
+                <a:ea typeface="思源黑体 CN Heavy" panose="020B0A00000000000000" pitchFamily="34" charset="-122"/>
+              </a:rPr>
+              <a:t>工作中遇见了问题， 第一时间想到去自行百度解决问题， 不考虑时间成本，不利于工作进度的进行。</a:t>
+            </a:r>
+            <a:endParaRPr dirty="0">
+              <a:solidFill>
+                <a:schemeClr val="tx1">
+                  <a:lumMod val="65000"/>
+                  <a:lumOff val="35000"/>
+                </a:schemeClr>
+              </a:solidFill>
+              <a:ea typeface="思源黑体 CN Heavy" panose="020B0A00000000000000" pitchFamily="34" charset="-122"/>
+            </a:endParaRPr>
+          </a:p>
+          <a:p>
+            <a:pPr marL="0" indent="0">
+              <a:buClr>
+                <a:srgbClr val="C00000"/>
+              </a:buClr>
+              <a:buNone/>
+            </a:pPr>
+            <a:r>
+              <a:rPr lang="en-US" dirty="0">
+                <a:solidFill>
+                  <a:schemeClr val="tx1">
+                    <a:lumMod val="65000"/>
+                    <a:lumOff val="35000"/>
+                  </a:schemeClr>
+                </a:solidFill>
+                <a:ea typeface="思源黑体 CN Heavy" panose="020B0A00000000000000" pitchFamily="34" charset="-122"/>
+              </a:rPr>
+              <a:t>4. </a:t>
+            </a:r>
+            <a:r>
+              <a:rPr dirty="0">
+                <a:solidFill>
+                  <a:schemeClr val="tx1">
+                    <a:lumMod val="65000"/>
+                    <a:lumOff val="35000"/>
+                  </a:schemeClr>
+                </a:solidFill>
+                <a:ea typeface="思源黑体 CN Heavy" panose="020B0A00000000000000" pitchFamily="34" charset="-122"/>
+              </a:rPr>
+              <a:t>个人感觉自己比较喜欢挑战,希望能在- -个大的平台或者团队里面进行工作和学习</a:t>
+            </a:r>
+          </a:p>
+          <a:p>
+            <a:pPr marL="0" indent="0">
+              <a:buClr>
+                <a:srgbClr val="C00000"/>
+              </a:buClr>
+              <a:buNone/>
+            </a:pPr>
+            <a:endParaRPr dirty="0">
               <a:solidFill>
                 <a:schemeClr val="tx1">
                   <a:lumMod val="65000"/>
@@ -19158,6 +19045,1907 @@
 </file>
 
 <file path=ppt/slides/slide23.xml><?xml version="1.0" encoding="utf-8"?>
+<p:sld xmlns:a="http://schemas.openxmlformats.org/drawingml/2006/main" xmlns:r="http://schemas.openxmlformats.org/officeDocument/2006/relationships" xmlns:p="http://schemas.openxmlformats.org/presentationml/2006/main">
+  <p:cSld>
+    <p:spTree>
+      <p:nvGrpSpPr>
+        <p:cNvPr id="1" name=""/>
+        <p:cNvGrpSpPr/>
+        <p:nvPr/>
+      </p:nvGrpSpPr>
+      <p:grpSpPr>
+        <a:xfrm>
+          <a:off x="0" y="0"/>
+          <a:ext cx="0" cy="0"/>
+          <a:chOff x="0" y="0"/>
+          <a:chExt cx="0" cy="0"/>
+        </a:xfrm>
+      </p:grpSpPr>
+      <p:pic>
+        <p:nvPicPr>
+          <p:cNvPr id="4" name="图片 3"/>
+          <p:cNvPicPr>
+            <a:picLocks noChangeAspect="1"/>
+          </p:cNvPicPr>
+          <p:nvPr/>
+        </p:nvPicPr>
+        <p:blipFill>
+          <a:blip r:embed="rId3">
+            <a:extLst>
+              <a:ext uri="{28A0092B-C50C-407E-A947-70E740481C1C}">
+                <a14:useLocalDpi xmlns:a14="http://schemas.microsoft.com/office/drawing/2010/main" val="0"/>
+              </a:ext>
+            </a:extLst>
+          </a:blip>
+          <a:srcRect/>
+          <a:stretch>
+            <a:fillRect/>
+          </a:stretch>
+        </p:blipFill>
+        <p:spPr>
+          <a:xfrm>
+            <a:off x="8025804" y="0"/>
+            <a:ext cx="6147151" cy="6857999"/>
+          </a:xfrm>
+          <a:prstGeom prst="rect">
+            <a:avLst/>
+          </a:prstGeom>
+        </p:spPr>
+      </p:pic>
+      <p:sp>
+        <p:nvSpPr>
+          <p:cNvPr id="6" name="PA-文本框 50"/>
+          <p:cNvSpPr txBox="1"/>
+          <p:nvPr>
+            <p:custDataLst>
+              <p:tags r:id="rId1"/>
+            </p:custDataLst>
+          </p:nvPr>
+        </p:nvSpPr>
+        <p:spPr>
+          <a:xfrm>
+            <a:off x="1092620" y="4477177"/>
+            <a:ext cx="5391308" cy="1245235"/>
+          </a:xfrm>
+          <a:prstGeom prst="rect">
+            <a:avLst/>
+          </a:prstGeom>
+          <a:noFill/>
+        </p:spPr>
+        <p:txBody>
+          <a:bodyPr wrap="square" rtlCol="0">
+            <a:spAutoFit/>
+          </a:bodyPr>
+          <a:lstStyle/>
+          <a:p>
+            <a:r>
+              <a:rPr lang="en-US" altLang="zh-CN" sz="1000" dirty="0">
+                <a:solidFill>
+                  <a:schemeClr val="bg1"/>
+                </a:solidFill>
+              </a:rPr>
+              <a:t>lorem ipsum dolor </a:t>
+            </a:r>
+            <a:r>
+              <a:rPr lang="en-US" altLang="zh-CN" sz="1000" dirty="0" err="1">
+                <a:solidFill>
+                  <a:schemeClr val="bg1"/>
+                </a:solidFill>
+              </a:rPr>
+              <a:t>sitlorem</a:t>
+            </a:r>
+            <a:r>
+              <a:rPr lang="en-US" altLang="zh-CN" sz="1000" dirty="0">
+                <a:solidFill>
+                  <a:schemeClr val="bg1"/>
+                </a:solidFill>
+              </a:rPr>
+              <a:t> ipsum dolor </a:t>
+            </a:r>
+            <a:r>
+              <a:rPr lang="en-US" altLang="zh-CN" sz="1000" dirty="0" err="1">
+                <a:solidFill>
+                  <a:schemeClr val="bg1"/>
+                </a:solidFill>
+              </a:rPr>
+              <a:t>sitlorem</a:t>
+            </a:r>
+            <a:r>
+              <a:rPr lang="en-US" altLang="zh-CN" sz="1000" dirty="0">
+                <a:solidFill>
+                  <a:schemeClr val="bg1"/>
+                </a:solidFill>
+              </a:rPr>
+              <a:t> ipsum dolor </a:t>
+            </a:r>
+            <a:r>
+              <a:rPr lang="en-US" altLang="zh-CN" sz="1000" dirty="0" err="1">
+                <a:solidFill>
+                  <a:schemeClr val="bg1"/>
+                </a:solidFill>
+              </a:rPr>
+              <a:t>sitorem</a:t>
+            </a:r>
+            <a:r>
+              <a:rPr lang="en-US" altLang="zh-CN" sz="1000" dirty="0">
+                <a:solidFill>
+                  <a:schemeClr val="bg1"/>
+                </a:solidFill>
+              </a:rPr>
+              <a:t> ipsum dolor </a:t>
+            </a:r>
+            <a:r>
+              <a:rPr lang="en-US" altLang="zh-CN" sz="1000" dirty="0" err="1">
+                <a:solidFill>
+                  <a:schemeClr val="bg1"/>
+                </a:solidFill>
+              </a:rPr>
+              <a:t>sitorem</a:t>
+            </a:r>
+            <a:r>
+              <a:rPr lang="en-US" altLang="zh-CN" sz="1000" dirty="0">
+                <a:solidFill>
+                  <a:schemeClr val="bg1"/>
+                </a:solidFill>
+              </a:rPr>
+              <a:t> ipsum dolor </a:t>
+            </a:r>
+            <a:r>
+              <a:rPr lang="en-US" altLang="zh-CN" sz="1000" dirty="0" err="1">
+                <a:solidFill>
+                  <a:schemeClr val="bg1"/>
+                </a:solidFill>
+              </a:rPr>
+              <a:t>sitorem</a:t>
+            </a:r>
+            <a:r>
+              <a:rPr lang="en-US" altLang="zh-CN" sz="1000" dirty="0">
+                <a:solidFill>
+                  <a:schemeClr val="bg1"/>
+                </a:solidFill>
+              </a:rPr>
+              <a:t> ipsum dolor </a:t>
+            </a:r>
+            <a:r>
+              <a:rPr lang="en-US" altLang="zh-CN" sz="1000" dirty="0" err="1">
+                <a:solidFill>
+                  <a:schemeClr val="bg1"/>
+                </a:solidFill>
+              </a:rPr>
+              <a:t>sitorem</a:t>
+            </a:r>
+            <a:r>
+              <a:rPr lang="en-US" altLang="zh-CN" sz="1000" dirty="0">
+                <a:solidFill>
+                  <a:schemeClr val="bg1"/>
+                </a:solidFill>
+              </a:rPr>
+              <a:t> ipsum dolor </a:t>
+            </a:r>
+            <a:r>
+              <a:rPr lang="en-US" altLang="zh-CN" sz="1000" dirty="0" err="1">
+                <a:solidFill>
+                  <a:schemeClr val="bg1"/>
+                </a:solidFill>
+              </a:rPr>
+              <a:t>sitlorem</a:t>
+            </a:r>
+            <a:r>
+              <a:rPr lang="en-US" altLang="zh-CN" sz="1000" dirty="0">
+                <a:solidFill>
+                  <a:schemeClr val="bg1"/>
+                </a:solidFill>
+              </a:rPr>
+              <a:t> ipsum dolor </a:t>
+            </a:r>
+            <a:r>
+              <a:rPr lang="en-US" altLang="zh-CN" sz="1000" dirty="0" err="1">
+                <a:solidFill>
+                  <a:schemeClr val="bg1"/>
+                </a:solidFill>
+              </a:rPr>
+              <a:t>sitlorem</a:t>
+            </a:r>
+            <a:r>
+              <a:rPr lang="en-US" altLang="zh-CN" sz="1000" dirty="0">
+                <a:solidFill>
+                  <a:schemeClr val="bg1"/>
+                </a:solidFill>
+              </a:rPr>
+              <a:t> ipsum dolor sit</a:t>
+            </a:r>
+            <a:endParaRPr lang="zh-CN" altLang="en-US" sz="1000" dirty="0">
+              <a:solidFill>
+                <a:schemeClr val="bg1"/>
+              </a:solidFill>
+              <a:effectLst>
+                <a:outerShdw blurRad="38100" dist="38100" dir="2700000" algn="tl">
+                  <a:srgbClr val="000000">
+                    <a:alpha val="30000"/>
+                  </a:srgbClr>
+                </a:outerShdw>
+              </a:effectLst>
+              <a:latin typeface="Arial" panose="020B0604020202020204" pitchFamily="34" charset="0"/>
+              <a:ea typeface="思源黑体 CN Heavy" panose="020B0A00000000000000" pitchFamily="34" charset="-122"/>
+              <a:cs typeface="Arial" panose="020B0604020202020204" pitchFamily="34" charset="0"/>
+            </a:endParaRPr>
+          </a:p>
+          <a:p>
+            <a:r>
+              <a:rPr lang="en-US" altLang="zh-CN" sz="1000" dirty="0">
+                <a:solidFill>
+                  <a:schemeClr val="bg1"/>
+                </a:solidFill>
+              </a:rPr>
+              <a:t>lorem ipsum dolor sit</a:t>
+            </a:r>
+            <a:endParaRPr lang="zh-CN" altLang="en-US" sz="1000" dirty="0">
+              <a:solidFill>
+                <a:schemeClr val="bg1"/>
+              </a:solidFill>
+              <a:effectLst>
+                <a:outerShdw blurRad="38100" dist="38100" dir="2700000" algn="tl">
+                  <a:srgbClr val="000000">
+                    <a:alpha val="30000"/>
+                  </a:srgbClr>
+                </a:outerShdw>
+              </a:effectLst>
+              <a:latin typeface="Arial" panose="020B0604020202020204" pitchFamily="34" charset="0"/>
+              <a:ea typeface="思源黑体 CN Heavy" panose="020B0A00000000000000" pitchFamily="34" charset="-122"/>
+              <a:cs typeface="Arial" panose="020B0604020202020204" pitchFamily="34" charset="0"/>
+            </a:endParaRPr>
+          </a:p>
+          <a:p>
+            <a:endParaRPr lang="zh-CN" altLang="en-US" sz="1000" dirty="0">
+              <a:solidFill>
+                <a:schemeClr val="bg1"/>
+              </a:solidFill>
+              <a:effectLst>
+                <a:outerShdw blurRad="38100" dist="38100" dir="2700000" algn="tl">
+                  <a:srgbClr val="000000">
+                    <a:alpha val="30000"/>
+                  </a:srgbClr>
+                </a:outerShdw>
+              </a:effectLst>
+              <a:latin typeface="Arial" panose="020B0604020202020204" pitchFamily="34" charset="0"/>
+              <a:ea typeface="思源黑体 CN Heavy" panose="020B0A00000000000000" pitchFamily="34" charset="-122"/>
+              <a:cs typeface="Arial" panose="020B0604020202020204" pitchFamily="34" charset="0"/>
+            </a:endParaRPr>
+          </a:p>
+          <a:p>
+            <a:endParaRPr lang="zh-CN" altLang="en-US" sz="1000" dirty="0">
+              <a:solidFill>
+                <a:schemeClr val="bg1"/>
+              </a:solidFill>
+              <a:effectLst>
+                <a:outerShdw blurRad="38100" dist="38100" dir="2700000" algn="tl">
+                  <a:srgbClr val="000000">
+                    <a:alpha val="30000"/>
+                  </a:srgbClr>
+                </a:outerShdw>
+              </a:effectLst>
+              <a:latin typeface="Arial" panose="020B0604020202020204" pitchFamily="34" charset="0"/>
+              <a:ea typeface="思源黑体 CN Heavy" panose="020B0A00000000000000" pitchFamily="34" charset="-122"/>
+              <a:cs typeface="Arial" panose="020B0604020202020204" pitchFamily="34" charset="0"/>
+            </a:endParaRPr>
+          </a:p>
+          <a:p>
+            <a:pPr>
+              <a:lnSpc>
+                <a:spcPct val="150000"/>
+              </a:lnSpc>
+            </a:pPr>
+            <a:endParaRPr lang="zh-CN" altLang="en-US" sz="1000" dirty="0">
+              <a:solidFill>
+                <a:schemeClr val="bg1"/>
+              </a:solidFill>
+              <a:latin typeface="思源黑体 CN Medium" panose="020B0600000000000000" pitchFamily="34" charset="-122"/>
+              <a:ea typeface="思源黑体 CN Medium" panose="020B0600000000000000" pitchFamily="34" charset="-122"/>
+            </a:endParaRPr>
+          </a:p>
+        </p:txBody>
+      </p:sp>
+      <p:sp>
+        <p:nvSpPr>
+          <p:cNvPr id="7" name="文本框 6"/>
+          <p:cNvSpPr txBox="1"/>
+          <p:nvPr/>
+        </p:nvSpPr>
+        <p:spPr>
+          <a:xfrm>
+            <a:off x="1086398" y="3424006"/>
+            <a:ext cx="3673630" cy="970915"/>
+          </a:xfrm>
+          <a:prstGeom prst="rect">
+            <a:avLst/>
+          </a:prstGeom>
+          <a:noFill/>
+          <a:scene3d>
+            <a:camera prst="perspectiveRight"/>
+            <a:lightRig rig="threePt" dir="t"/>
+          </a:scene3d>
+        </p:spPr>
+        <p:txBody>
+          <a:bodyPr wrap="square" rtlCol="0">
+            <a:spAutoFit/>
+          </a:bodyPr>
+          <a:lstStyle/>
+          <a:p>
+            <a:pPr>
+              <a:lnSpc>
+                <a:spcPct val="130000"/>
+              </a:lnSpc>
+            </a:pPr>
+            <a:r>
+              <a:rPr lang="zh-CN" altLang="en-US" sz="4400" b="1" dirty="0">
+                <a:solidFill>
+                  <a:srgbClr val="F0D58B"/>
+                </a:solidFill>
+                <a:latin typeface="思源黑体 CN Heavy" panose="020B0A00000000000000" pitchFamily="34" charset="-122"/>
+                <a:ea typeface="思源黑体 CN Heavy" panose="020B0A00000000000000" pitchFamily="34" charset="-122"/>
+              </a:rPr>
+              <a:t>工作计划</a:t>
+            </a:r>
+          </a:p>
+        </p:txBody>
+      </p:sp>
+    </p:spTree>
+  </p:cSld>
+  <p:clrMapOvr>
+    <a:masterClrMapping/>
+  </p:clrMapOvr>
+  <p:transition spd="slow">
+    <p:comb/>
+  </p:transition>
+  <mc:AlternateContent xmlns:mc="http://schemas.openxmlformats.org/markup-compatibility/2006" xmlns:p14="http://schemas.microsoft.com/office/powerpoint/2010/main">
+    <mc:Choice Requires="p14">
+      <p:timing>
+        <p:tnLst>
+          <p:par>
+            <p:cTn id="1" dur="indefinite" restart="never" nodeType="tmRoot">
+              <p:childTnLst>
+                <p:seq concurrent="1" nextAc="seek">
+                  <p:cTn id="2" dur="indefinite" nodeType="mainSeq">
+                    <p:childTnLst>
+                      <p:par>
+                        <p:cTn id="3" fill="hold">
+                          <p:stCondLst>
+                            <p:cond delay="indefinite"/>
+                            <p:cond evt="onBegin" delay="0">
+                              <p:tn val="2"/>
+                            </p:cond>
+                          </p:stCondLst>
+                          <p:childTnLst>
+                            <p:par>
+                              <p:cTn id="4" fill="hold">
+                                <p:stCondLst>
+                                  <p:cond delay="0"/>
+                                </p:stCondLst>
+                                <p:childTnLst>
+                                  <p:par>
+                                    <p:cTn id="5" presetID="2" presetClass="entr" presetSubtype="2" fill="hold" nodeType="afterEffect" p14:presetBounceEnd="80000">
+                                      <p:stCondLst>
+                                        <p:cond delay="0"/>
+                                      </p:stCondLst>
+                                      <p:childTnLst>
+                                        <p:set>
+                                          <p:cBhvr>
+                                            <p:cTn id="6" dur="1" fill="hold">
+                                              <p:stCondLst>
+                                                <p:cond delay="0"/>
+                                              </p:stCondLst>
+                                            </p:cTn>
+                                            <p:tgtEl>
+                                              <p:spTgt spid="4"/>
+                                            </p:tgtEl>
+                                            <p:attrNameLst>
+                                              <p:attrName>style.visibility</p:attrName>
+                                            </p:attrNameLst>
+                                          </p:cBhvr>
+                                          <p:to>
+                                            <p:strVal val="visible"/>
+                                          </p:to>
+                                        </p:set>
+                                        <p:anim calcmode="lin" valueType="num" p14:bounceEnd="80000">
+                                          <p:cBhvr additive="base">
+                                            <p:cTn id="7" dur="500" fill="hold"/>
+                                            <p:tgtEl>
+                                              <p:spTgt spid="4"/>
+                                            </p:tgtEl>
+                                            <p:attrNameLst>
+                                              <p:attrName>ppt_x</p:attrName>
+                                            </p:attrNameLst>
+                                          </p:cBhvr>
+                                          <p:tavLst>
+                                            <p:tav tm="0">
+                                              <p:val>
+                                                <p:strVal val="1+#ppt_w/2"/>
+                                              </p:val>
+                                            </p:tav>
+                                            <p:tav tm="100000">
+                                              <p:val>
+                                                <p:strVal val="#ppt_x"/>
+                                              </p:val>
+                                            </p:tav>
+                                          </p:tavLst>
+                                        </p:anim>
+                                        <p:anim calcmode="lin" valueType="num" p14:bounceEnd="80000">
+                                          <p:cBhvr additive="base">
+                                            <p:cTn id="8" dur="500" fill="hold"/>
+                                            <p:tgtEl>
+                                              <p:spTgt spid="4"/>
+                                            </p:tgtEl>
+                                            <p:attrNameLst>
+                                              <p:attrName>ppt_y</p:attrName>
+                                            </p:attrNameLst>
+                                          </p:cBhvr>
+                                          <p:tavLst>
+                                            <p:tav tm="0">
+                                              <p:val>
+                                                <p:strVal val="#ppt_y"/>
+                                              </p:val>
+                                            </p:tav>
+                                            <p:tav tm="100000">
+                                              <p:val>
+                                                <p:strVal val="#ppt_y"/>
+                                              </p:val>
+                                            </p:tav>
+                                          </p:tavLst>
+                                        </p:anim>
+                                      </p:childTnLst>
+                                    </p:cTn>
+                                  </p:par>
+                                  <p:par>
+                                    <p:cTn id="9" presetID="41" presetClass="entr" presetSubtype="0" fill="hold" grpId="0" nodeType="withEffect">
+                                      <p:stCondLst>
+                                        <p:cond delay="300"/>
+                                      </p:stCondLst>
+                                      <p:iterate type="lt">
+                                        <p:tmPct val="10000"/>
+                                      </p:iterate>
+                                      <p:childTnLst>
+                                        <p:set>
+                                          <p:cBhvr>
+                                            <p:cTn id="10" dur="1" fill="hold">
+                                              <p:stCondLst>
+                                                <p:cond delay="0"/>
+                                              </p:stCondLst>
+                                            </p:cTn>
+                                            <p:tgtEl>
+                                              <p:spTgt spid="7"/>
+                                            </p:tgtEl>
+                                            <p:attrNameLst>
+                                              <p:attrName>style.visibility</p:attrName>
+                                            </p:attrNameLst>
+                                          </p:cBhvr>
+                                          <p:to>
+                                            <p:strVal val="visible"/>
+                                          </p:to>
+                                        </p:set>
+                                        <p:anim calcmode="lin" valueType="num">
+                                          <p:cBhvr>
+                                            <p:cTn id="11" dur="750" fill="hold"/>
+                                            <p:tgtEl>
+                                              <p:spTgt spid="7"/>
+                                            </p:tgtEl>
+                                            <p:attrNameLst>
+                                              <p:attrName>ppt_x</p:attrName>
+                                            </p:attrNameLst>
+                                          </p:cBhvr>
+                                          <p:tavLst>
+                                            <p:tav tm="0">
+                                              <p:val>
+                                                <p:strVal val="#ppt_x"/>
+                                              </p:val>
+                                            </p:tav>
+                                            <p:tav tm="50000">
+                                              <p:val>
+                                                <p:strVal val="#ppt_x+.1"/>
+                                              </p:val>
+                                            </p:tav>
+                                            <p:tav tm="100000">
+                                              <p:val>
+                                                <p:strVal val="#ppt_x"/>
+                                              </p:val>
+                                            </p:tav>
+                                          </p:tavLst>
+                                        </p:anim>
+                                        <p:anim calcmode="lin" valueType="num">
+                                          <p:cBhvr>
+                                            <p:cTn id="12" dur="750" fill="hold"/>
+                                            <p:tgtEl>
+                                              <p:spTgt spid="7"/>
+                                            </p:tgtEl>
+                                            <p:attrNameLst>
+                                              <p:attrName>ppt_y</p:attrName>
+                                            </p:attrNameLst>
+                                          </p:cBhvr>
+                                          <p:tavLst>
+                                            <p:tav tm="0">
+                                              <p:val>
+                                                <p:strVal val="#ppt_y"/>
+                                              </p:val>
+                                            </p:tav>
+                                            <p:tav tm="100000">
+                                              <p:val>
+                                                <p:strVal val="#ppt_y"/>
+                                              </p:val>
+                                            </p:tav>
+                                          </p:tavLst>
+                                        </p:anim>
+                                        <p:anim calcmode="lin" valueType="num">
+                                          <p:cBhvr>
+                                            <p:cTn id="13" dur="750" fill="hold"/>
+                                            <p:tgtEl>
+                                              <p:spTgt spid="7"/>
+                                            </p:tgtEl>
+                                            <p:attrNameLst>
+                                              <p:attrName>ppt_h</p:attrName>
+                                            </p:attrNameLst>
+                                          </p:cBhvr>
+                                          <p:tavLst>
+                                            <p:tav tm="0">
+                                              <p:val>
+                                                <p:strVal val="#ppt_h/10"/>
+                                              </p:val>
+                                            </p:tav>
+                                            <p:tav tm="50000">
+                                              <p:val>
+                                                <p:strVal val="#ppt_h+.01"/>
+                                              </p:val>
+                                            </p:tav>
+                                            <p:tav tm="100000">
+                                              <p:val>
+                                                <p:strVal val="#ppt_h"/>
+                                              </p:val>
+                                            </p:tav>
+                                          </p:tavLst>
+                                        </p:anim>
+                                        <p:anim calcmode="lin" valueType="num">
+                                          <p:cBhvr>
+                                            <p:cTn id="14" dur="750" fill="hold"/>
+                                            <p:tgtEl>
+                                              <p:spTgt spid="7"/>
+                                            </p:tgtEl>
+                                            <p:attrNameLst>
+                                              <p:attrName>ppt_w</p:attrName>
+                                            </p:attrNameLst>
+                                          </p:cBhvr>
+                                          <p:tavLst>
+                                            <p:tav tm="0">
+                                              <p:val>
+                                                <p:strVal val="#ppt_w/10"/>
+                                              </p:val>
+                                            </p:tav>
+                                            <p:tav tm="50000">
+                                              <p:val>
+                                                <p:strVal val="#ppt_w+.01"/>
+                                              </p:val>
+                                            </p:tav>
+                                            <p:tav tm="100000">
+                                              <p:val>
+                                                <p:strVal val="#ppt_w"/>
+                                              </p:val>
+                                            </p:tav>
+                                          </p:tavLst>
+                                        </p:anim>
+                                        <p:animEffect transition="in" filter="fade">
+                                          <p:cBhvr>
+                                            <p:cTn id="15" dur="750" tmFilter="0,0; .5, 1; 1, 1"/>
+                                            <p:tgtEl>
+                                              <p:spTgt spid="7"/>
+                                            </p:tgtEl>
+                                          </p:cBhvr>
+                                        </p:animEffect>
+                                      </p:childTnLst>
+                                    </p:cTn>
+                                  </p:par>
+                                  <p:par>
+                                    <p:cTn id="16" presetID="22" presetClass="entr" presetSubtype="1" fill="hold" grpId="0" nodeType="withEffect">
+                                      <p:stCondLst>
+                                        <p:cond delay="1750"/>
+                                      </p:stCondLst>
+                                      <p:childTnLst>
+                                        <p:set>
+                                          <p:cBhvr>
+                                            <p:cTn id="17" dur="1" fill="hold">
+                                              <p:stCondLst>
+                                                <p:cond delay="0"/>
+                                              </p:stCondLst>
+                                            </p:cTn>
+                                            <p:tgtEl>
+                                              <p:spTgt spid="6"/>
+                                            </p:tgtEl>
+                                            <p:attrNameLst>
+                                              <p:attrName>style.visibility</p:attrName>
+                                            </p:attrNameLst>
+                                          </p:cBhvr>
+                                          <p:to>
+                                            <p:strVal val="visible"/>
+                                          </p:to>
+                                        </p:set>
+                                        <p:animEffect transition="in" filter="wipe(up)">
+                                          <p:cBhvr>
+                                            <p:cTn id="18" dur="500"/>
+                                            <p:tgtEl>
+                                              <p:spTgt spid="6"/>
+                                            </p:tgtEl>
+                                          </p:cBhvr>
+                                        </p:animEffect>
+                                      </p:childTnLst>
+                                    </p:cTn>
+                                  </p:par>
+                                </p:childTnLst>
+                              </p:cTn>
+                            </p:par>
+                          </p:childTnLst>
+                        </p:cTn>
+                      </p:par>
+                    </p:childTnLst>
+                  </p:cTn>
+                  <p:prevCondLst>
+                    <p:cond evt="onPrev" delay="0">
+                      <p:tgtEl>
+                        <p:sldTgt/>
+                      </p:tgtEl>
+                    </p:cond>
+                  </p:prevCondLst>
+                  <p:nextCondLst>
+                    <p:cond evt="onNext" delay="0">
+                      <p:tgtEl>
+                        <p:sldTgt/>
+                      </p:tgtEl>
+                    </p:cond>
+                  </p:nextCondLst>
+                </p:seq>
+              </p:childTnLst>
+            </p:cTn>
+          </p:par>
+        </p:tnLst>
+        <p:bldLst>
+          <p:bldP spid="6" grpId="0"/>
+          <p:bldP spid="7" grpId="0"/>
+        </p:bldLst>
+      </p:timing>
+    </mc:Choice>
+    <mc:Fallback xmlns="">
+      <p:timing>
+        <p:tnLst>
+          <p:par>
+            <p:cTn id="1" dur="indefinite" restart="never" nodeType="tmRoot">
+              <p:childTnLst>
+                <p:seq concurrent="1" nextAc="seek">
+                  <p:cTn id="2" dur="indefinite" nodeType="mainSeq">
+                    <p:childTnLst>
+                      <p:par>
+                        <p:cTn id="3" fill="hold">
+                          <p:stCondLst>
+                            <p:cond delay="indefinite"/>
+                            <p:cond evt="onBegin" delay="0">
+                              <p:tn val="2"/>
+                            </p:cond>
+                          </p:stCondLst>
+                          <p:childTnLst>
+                            <p:par>
+                              <p:cTn id="4" fill="hold">
+                                <p:stCondLst>
+                                  <p:cond delay="0"/>
+                                </p:stCondLst>
+                                <p:childTnLst>
+                                  <p:par>
+                                    <p:cTn id="5" presetID="2" presetClass="entr" presetSubtype="2" fill="hold" nodeType="afterEffect">
+                                      <p:stCondLst>
+                                        <p:cond delay="0"/>
+                                      </p:stCondLst>
+                                      <p:childTnLst>
+                                        <p:set>
+                                          <p:cBhvr>
+                                            <p:cTn id="6" dur="1" fill="hold">
+                                              <p:stCondLst>
+                                                <p:cond delay="0"/>
+                                              </p:stCondLst>
+                                            </p:cTn>
+                                            <p:tgtEl>
+                                              <p:spTgt spid="4"/>
+                                            </p:tgtEl>
+                                            <p:attrNameLst>
+                                              <p:attrName>style.visibility</p:attrName>
+                                            </p:attrNameLst>
+                                          </p:cBhvr>
+                                          <p:to>
+                                            <p:strVal val="visible"/>
+                                          </p:to>
+                                        </p:set>
+                                        <p:anim calcmode="lin" valueType="num">
+                                          <p:cBhvr additive="base">
+                                            <p:cTn id="7" dur="500" fill="hold"/>
+                                            <p:tgtEl>
+                                              <p:spTgt spid="4"/>
+                                            </p:tgtEl>
+                                            <p:attrNameLst>
+                                              <p:attrName>ppt_x</p:attrName>
+                                            </p:attrNameLst>
+                                          </p:cBhvr>
+                                          <p:tavLst>
+                                            <p:tav tm="0">
+                                              <p:val>
+                                                <p:strVal val="1+#ppt_w/2"/>
+                                              </p:val>
+                                            </p:tav>
+                                            <p:tav tm="100000">
+                                              <p:val>
+                                                <p:strVal val="#ppt_x"/>
+                                              </p:val>
+                                            </p:tav>
+                                          </p:tavLst>
+                                        </p:anim>
+                                        <p:anim calcmode="lin" valueType="num">
+                                          <p:cBhvr additive="base">
+                                            <p:cTn id="8" dur="500" fill="hold"/>
+                                            <p:tgtEl>
+                                              <p:spTgt spid="4"/>
+                                            </p:tgtEl>
+                                            <p:attrNameLst>
+                                              <p:attrName>ppt_y</p:attrName>
+                                            </p:attrNameLst>
+                                          </p:cBhvr>
+                                          <p:tavLst>
+                                            <p:tav tm="0">
+                                              <p:val>
+                                                <p:strVal val="#ppt_y"/>
+                                              </p:val>
+                                            </p:tav>
+                                            <p:tav tm="100000">
+                                              <p:val>
+                                                <p:strVal val="#ppt_y"/>
+                                              </p:val>
+                                            </p:tav>
+                                          </p:tavLst>
+                                        </p:anim>
+                                      </p:childTnLst>
+                                    </p:cTn>
+                                  </p:par>
+                                  <p:par>
+                                    <p:cTn id="9" presetID="41" presetClass="entr" presetSubtype="0" fill="hold" grpId="0" nodeType="withEffect">
+                                      <p:stCondLst>
+                                        <p:cond delay="300"/>
+                                      </p:stCondLst>
+                                      <p:iterate type="lt">
+                                        <p:tmPct val="10000"/>
+                                      </p:iterate>
+                                      <p:childTnLst>
+                                        <p:set>
+                                          <p:cBhvr>
+                                            <p:cTn id="10" dur="1" fill="hold">
+                                              <p:stCondLst>
+                                                <p:cond delay="0"/>
+                                              </p:stCondLst>
+                                            </p:cTn>
+                                            <p:tgtEl>
+                                              <p:spTgt spid="7"/>
+                                            </p:tgtEl>
+                                            <p:attrNameLst>
+                                              <p:attrName>style.visibility</p:attrName>
+                                            </p:attrNameLst>
+                                          </p:cBhvr>
+                                          <p:to>
+                                            <p:strVal val="visible"/>
+                                          </p:to>
+                                        </p:set>
+                                        <p:anim calcmode="lin" valueType="num">
+                                          <p:cBhvr>
+                                            <p:cTn id="11" dur="750" fill="hold"/>
+                                            <p:tgtEl>
+                                              <p:spTgt spid="7"/>
+                                            </p:tgtEl>
+                                            <p:attrNameLst>
+                                              <p:attrName>ppt_x</p:attrName>
+                                            </p:attrNameLst>
+                                          </p:cBhvr>
+                                          <p:tavLst>
+                                            <p:tav tm="0">
+                                              <p:val>
+                                                <p:strVal val="#ppt_x"/>
+                                              </p:val>
+                                            </p:tav>
+                                            <p:tav tm="50000">
+                                              <p:val>
+                                                <p:strVal val="#ppt_x+.1"/>
+                                              </p:val>
+                                            </p:tav>
+                                            <p:tav tm="100000">
+                                              <p:val>
+                                                <p:strVal val="#ppt_x"/>
+                                              </p:val>
+                                            </p:tav>
+                                          </p:tavLst>
+                                        </p:anim>
+                                        <p:anim calcmode="lin" valueType="num">
+                                          <p:cBhvr>
+                                            <p:cTn id="12" dur="750" fill="hold"/>
+                                            <p:tgtEl>
+                                              <p:spTgt spid="7"/>
+                                            </p:tgtEl>
+                                            <p:attrNameLst>
+                                              <p:attrName>ppt_y</p:attrName>
+                                            </p:attrNameLst>
+                                          </p:cBhvr>
+                                          <p:tavLst>
+                                            <p:tav tm="0">
+                                              <p:val>
+                                                <p:strVal val="#ppt_y"/>
+                                              </p:val>
+                                            </p:tav>
+                                            <p:tav tm="100000">
+                                              <p:val>
+                                                <p:strVal val="#ppt_y"/>
+                                              </p:val>
+                                            </p:tav>
+                                          </p:tavLst>
+                                        </p:anim>
+                                        <p:anim calcmode="lin" valueType="num">
+                                          <p:cBhvr>
+                                            <p:cTn id="13" dur="750" fill="hold"/>
+                                            <p:tgtEl>
+                                              <p:spTgt spid="7"/>
+                                            </p:tgtEl>
+                                            <p:attrNameLst>
+                                              <p:attrName>ppt_h</p:attrName>
+                                            </p:attrNameLst>
+                                          </p:cBhvr>
+                                          <p:tavLst>
+                                            <p:tav tm="0">
+                                              <p:val>
+                                                <p:strVal val="#ppt_h/10"/>
+                                              </p:val>
+                                            </p:tav>
+                                            <p:tav tm="50000">
+                                              <p:val>
+                                                <p:strVal val="#ppt_h+.01"/>
+                                              </p:val>
+                                            </p:tav>
+                                            <p:tav tm="100000">
+                                              <p:val>
+                                                <p:strVal val="#ppt_h"/>
+                                              </p:val>
+                                            </p:tav>
+                                          </p:tavLst>
+                                        </p:anim>
+                                        <p:anim calcmode="lin" valueType="num">
+                                          <p:cBhvr>
+                                            <p:cTn id="14" dur="750" fill="hold"/>
+                                            <p:tgtEl>
+                                              <p:spTgt spid="7"/>
+                                            </p:tgtEl>
+                                            <p:attrNameLst>
+                                              <p:attrName>ppt_w</p:attrName>
+                                            </p:attrNameLst>
+                                          </p:cBhvr>
+                                          <p:tavLst>
+                                            <p:tav tm="0">
+                                              <p:val>
+                                                <p:strVal val="#ppt_w/10"/>
+                                              </p:val>
+                                            </p:tav>
+                                            <p:tav tm="50000">
+                                              <p:val>
+                                                <p:strVal val="#ppt_w+.01"/>
+                                              </p:val>
+                                            </p:tav>
+                                            <p:tav tm="100000">
+                                              <p:val>
+                                                <p:strVal val="#ppt_w"/>
+                                              </p:val>
+                                            </p:tav>
+                                          </p:tavLst>
+                                        </p:anim>
+                                        <p:animEffect transition="in" filter="fade">
+                                          <p:cBhvr>
+                                            <p:cTn id="15" dur="750" tmFilter="0,0; .5, 1; 1, 1"/>
+                                            <p:tgtEl>
+                                              <p:spTgt spid="7"/>
+                                            </p:tgtEl>
+                                          </p:cBhvr>
+                                        </p:animEffect>
+                                      </p:childTnLst>
+                                    </p:cTn>
+                                  </p:par>
+                                  <p:par>
+                                    <p:cTn id="16" presetID="22" presetClass="entr" presetSubtype="1" fill="hold" grpId="0" nodeType="withEffect">
+                                      <p:stCondLst>
+                                        <p:cond delay="1750"/>
+                                      </p:stCondLst>
+                                      <p:childTnLst>
+                                        <p:set>
+                                          <p:cBhvr>
+                                            <p:cTn id="17" dur="1" fill="hold">
+                                              <p:stCondLst>
+                                                <p:cond delay="0"/>
+                                              </p:stCondLst>
+                                            </p:cTn>
+                                            <p:tgtEl>
+                                              <p:spTgt spid="6"/>
+                                            </p:tgtEl>
+                                            <p:attrNameLst>
+                                              <p:attrName>style.visibility</p:attrName>
+                                            </p:attrNameLst>
+                                          </p:cBhvr>
+                                          <p:to>
+                                            <p:strVal val="visible"/>
+                                          </p:to>
+                                        </p:set>
+                                        <p:animEffect transition="in" filter="wipe(up)">
+                                          <p:cBhvr>
+                                            <p:cTn id="18" dur="500"/>
+                                            <p:tgtEl>
+                                              <p:spTgt spid="6"/>
+                                            </p:tgtEl>
+                                          </p:cBhvr>
+                                        </p:animEffect>
+                                      </p:childTnLst>
+                                    </p:cTn>
+                                  </p:par>
+                                </p:childTnLst>
+                              </p:cTn>
+                            </p:par>
+                          </p:childTnLst>
+                        </p:cTn>
+                      </p:par>
+                    </p:childTnLst>
+                  </p:cTn>
+                  <p:prevCondLst>
+                    <p:cond evt="onPrev" delay="0">
+                      <p:tgtEl>
+                        <p:sldTgt/>
+                      </p:tgtEl>
+                    </p:cond>
+                  </p:prevCondLst>
+                  <p:nextCondLst>
+                    <p:cond evt="onNext" delay="0">
+                      <p:tgtEl>
+                        <p:sldTgt/>
+                      </p:tgtEl>
+                    </p:cond>
+                  </p:nextCondLst>
+                </p:seq>
+              </p:childTnLst>
+            </p:cTn>
+          </p:par>
+        </p:tnLst>
+        <p:bldLst>
+          <p:bldP spid="6" grpId="0"/>
+          <p:bldP spid="7" grpId="0"/>
+        </p:bldLst>
+      </p:timing>
+    </mc:Fallback>
+  </mc:AlternateContent>
+</p:sld>
+</file>
+
+<file path=ppt/slides/slide24.xml><?xml version="1.0" encoding="utf-8"?>
+<p:sld xmlns:a="http://schemas.openxmlformats.org/drawingml/2006/main" xmlns:r="http://schemas.openxmlformats.org/officeDocument/2006/relationships" xmlns:p="http://schemas.openxmlformats.org/presentationml/2006/main">
+  <p:cSld>
+    <p:spTree>
+      <p:nvGrpSpPr>
+        <p:cNvPr id="1" name=""/>
+        <p:cNvGrpSpPr/>
+        <p:nvPr/>
+      </p:nvGrpSpPr>
+      <p:grpSpPr>
+        <a:xfrm>
+          <a:off x="0" y="0"/>
+          <a:ext cx="0" cy="0"/>
+          <a:chOff x="0" y="0"/>
+          <a:chExt cx="0" cy="0"/>
+        </a:xfrm>
+      </p:grpSpPr>
+      <p:sp>
+        <p:nvSpPr>
+          <p:cNvPr id="18" name="文本框 17"/>
+          <p:cNvSpPr txBox="1"/>
+          <p:nvPr/>
+        </p:nvSpPr>
+        <p:spPr>
+          <a:xfrm>
+            <a:off x="643255" y="180340"/>
+            <a:ext cx="1612900" cy="521970"/>
+          </a:xfrm>
+          <a:prstGeom prst="rect">
+            <a:avLst/>
+          </a:prstGeom>
+          <a:noFill/>
+        </p:spPr>
+        <p:txBody>
+          <a:bodyPr wrap="none" rtlCol="0">
+            <a:spAutoFit/>
+          </a:bodyPr>
+          <a:lstStyle/>
+          <a:p>
+            <a:r>
+              <a:rPr lang="zh-CN" altLang="en-US" sz="2800" b="1" dirty="0">
+                <a:solidFill>
+                  <a:schemeClr val="bg1"/>
+                </a:solidFill>
+                <a:ea typeface="思源黑体 CN Heavy" panose="020B0A00000000000000" pitchFamily="34" charset="-122"/>
+              </a:rPr>
+              <a:t>工作计划</a:t>
+            </a:r>
+          </a:p>
+        </p:txBody>
+      </p:sp>
+      <p:sp>
+        <p:nvSpPr>
+          <p:cNvPr id="44" name="文本框 146"/>
+          <p:cNvSpPr txBox="1"/>
+          <p:nvPr/>
+        </p:nvSpPr>
+        <p:spPr>
+          <a:xfrm>
+            <a:off x="915035" y="1696720"/>
+            <a:ext cx="4883150" cy="1303655"/>
+          </a:xfrm>
+          <a:prstGeom prst="rect">
+            <a:avLst/>
+          </a:prstGeom>
+          <a:noFill/>
+          <a:ln w="9525">
+            <a:noFill/>
+            <a:miter lim="800000"/>
+          </a:ln>
+          <a:extLst>
+            <a:ext uri="{909E8E84-426E-40DD-AFC4-6F175D3DCCD1}">
+              <a14:hiddenFill xmlns:a14="http://schemas.microsoft.com/office/drawing/2010/main">
+                <a:solidFill>
+                  <a:srgbClr val="FFFFFF"/>
+                </a:solidFill>
+              </a14:hiddenFill>
+            </a:ext>
+          </a:extLst>
+        </p:spPr>
+        <p:txBody>
+          <a:bodyPr lIns="135785" tIns="67891" rIns="135785" bIns="67891">
+            <a:noAutofit/>
+          </a:bodyPr>
+          <a:lstStyle>
+            <a:defPPr>
+              <a:defRPr lang="zh-CN"/>
+            </a:defPPr>
+            <a:lvl1pPr fontAlgn="base">
+              <a:lnSpc>
+                <a:spcPct val="110000"/>
+              </a:lnSpc>
+              <a:spcBef>
+                <a:spcPct val="0"/>
+              </a:spcBef>
+              <a:spcAft>
+                <a:spcPct val="0"/>
+              </a:spcAft>
+              <a:defRPr sz="1400">
+                <a:solidFill>
+                  <a:prstClr val="black">
+                    <a:lumMod val="50000"/>
+                    <a:lumOff val="50000"/>
+                  </a:prstClr>
+                </a:solidFill>
+                <a:latin typeface="Arial" panose="020B0604020202020204"/>
+                <a:cs typeface="+mn-ea"/>
+              </a:defRPr>
+            </a:lvl1pPr>
+            <a:lvl2pPr marL="457200" fontAlgn="base">
+              <a:spcBef>
+                <a:spcPct val="0"/>
+              </a:spcBef>
+              <a:spcAft>
+                <a:spcPct val="0"/>
+              </a:spcAft>
+              <a:defRPr>
+                <a:latin typeface="Calibri" panose="020F0502020204030204" pitchFamily="34" charset="0"/>
+                <a:cs typeface="Arial" panose="020B0604020202020204" pitchFamily="34" charset="0"/>
+              </a:defRPr>
+            </a:lvl2pPr>
+            <a:lvl3pPr marL="914400" fontAlgn="base">
+              <a:spcBef>
+                <a:spcPct val="0"/>
+              </a:spcBef>
+              <a:spcAft>
+                <a:spcPct val="0"/>
+              </a:spcAft>
+              <a:defRPr>
+                <a:latin typeface="Calibri" panose="020F0502020204030204" pitchFamily="34" charset="0"/>
+                <a:cs typeface="Arial" panose="020B0604020202020204" pitchFamily="34" charset="0"/>
+              </a:defRPr>
+            </a:lvl3pPr>
+            <a:lvl4pPr marL="1371600" fontAlgn="base">
+              <a:spcBef>
+                <a:spcPct val="0"/>
+              </a:spcBef>
+              <a:spcAft>
+                <a:spcPct val="0"/>
+              </a:spcAft>
+              <a:defRPr>
+                <a:latin typeface="Calibri" panose="020F0502020204030204" pitchFamily="34" charset="0"/>
+                <a:cs typeface="Arial" panose="020B0604020202020204" pitchFamily="34" charset="0"/>
+              </a:defRPr>
+            </a:lvl4pPr>
+            <a:lvl5pPr marL="1828800" fontAlgn="base">
+              <a:spcBef>
+                <a:spcPct val="0"/>
+              </a:spcBef>
+              <a:spcAft>
+                <a:spcPct val="0"/>
+              </a:spcAft>
+              <a:defRPr>
+                <a:latin typeface="Calibri" panose="020F0502020204030204" pitchFamily="34" charset="0"/>
+                <a:cs typeface="Arial" panose="020B0604020202020204" pitchFamily="34" charset="0"/>
+              </a:defRPr>
+            </a:lvl5pPr>
+            <a:lvl6pPr marL="2286000" defTabSz="914400">
+              <a:defRPr>
+                <a:latin typeface="Calibri" panose="020F0502020204030204" pitchFamily="34" charset="0"/>
+                <a:cs typeface="Arial" panose="020B0604020202020204" pitchFamily="34" charset="0"/>
+              </a:defRPr>
+            </a:lvl6pPr>
+            <a:lvl7pPr marL="2743200" defTabSz="914400">
+              <a:defRPr>
+                <a:latin typeface="Calibri" panose="020F0502020204030204" pitchFamily="34" charset="0"/>
+                <a:cs typeface="Arial" panose="020B0604020202020204" pitchFamily="34" charset="0"/>
+              </a:defRPr>
+            </a:lvl7pPr>
+            <a:lvl8pPr marL="3200400" defTabSz="914400">
+              <a:defRPr>
+                <a:latin typeface="Calibri" panose="020F0502020204030204" pitchFamily="34" charset="0"/>
+                <a:cs typeface="Arial" panose="020B0604020202020204" pitchFamily="34" charset="0"/>
+              </a:defRPr>
+            </a:lvl8pPr>
+            <a:lvl9pPr marL="3657600" defTabSz="914400">
+              <a:defRPr>
+                <a:latin typeface="Calibri" panose="020F0502020204030204" pitchFamily="34" charset="0"/>
+                <a:cs typeface="Arial" panose="020B0604020202020204" pitchFamily="34" charset="0"/>
+              </a:defRPr>
+            </a:lvl9pPr>
+          </a:lstStyle>
+          <a:p>
+            <a:endParaRPr lang="zh-CN" altLang="en-US" sz="1800" b="1" dirty="0">
+              <a:solidFill>
+                <a:prstClr val="black">
+                  <a:lumMod val="50000"/>
+                  <a:lumOff val="50000"/>
+                </a:prstClr>
+              </a:solidFill>
+              <a:effectLst>
+                <a:outerShdw blurRad="38100" dist="38100" dir="2700000" algn="tl">
+                  <a:srgbClr val="000000">
+                    <a:alpha val="30000"/>
+                  </a:srgbClr>
+                </a:outerShdw>
+              </a:effectLst>
+              <a:uFillTx/>
+              <a:latin typeface="华文中宋" panose="02010600040101010101" charset="-122"/>
+              <a:ea typeface="华文中宋" panose="02010600040101010101" charset="-122"/>
+              <a:cs typeface="Arial" panose="020B0604020202020204" pitchFamily="34" charset="0"/>
+            </a:endParaRPr>
+          </a:p>
+        </p:txBody>
+      </p:sp>
+      <p:sp>
+        <p:nvSpPr>
+          <p:cNvPr id="45" name="文本框 145"/>
+          <p:cNvSpPr txBox="1"/>
+          <p:nvPr/>
+        </p:nvSpPr>
+        <p:spPr>
+          <a:xfrm>
+            <a:off x="732155" y="1842770"/>
+            <a:ext cx="4653280" cy="2922905"/>
+          </a:xfrm>
+          <a:prstGeom prst="rect">
+            <a:avLst/>
+          </a:prstGeom>
+          <a:noFill/>
+          <a:ln>
+            <a:noFill/>
+          </a:ln>
+        </p:spPr>
+        <p:style>
+          <a:lnRef idx="2">
+            <a:schemeClr val="accent1">
+              <a:shade val="50000"/>
+            </a:schemeClr>
+          </a:lnRef>
+          <a:fillRef idx="1">
+            <a:schemeClr val="accent1"/>
+          </a:fillRef>
+          <a:effectRef idx="0">
+            <a:schemeClr val="accent1"/>
+          </a:effectRef>
+          <a:fontRef idx="minor">
+            <a:schemeClr val="lt1"/>
+          </a:fontRef>
+        </p:style>
+        <p:txBody>
+          <a:bodyPr wrap="square" lIns="178172" tIns="0" rIns="178172" bIns="0" rtlCol="0" anchor="t">
+            <a:noAutofit/>
+          </a:bodyPr>
+          <a:lstStyle>
+            <a:defPPr>
+              <a:defRPr lang="zh-CN"/>
+            </a:defPPr>
+            <a:lvl1pPr marL="285750" indent="-285750">
+              <a:lnSpc>
+                <a:spcPct val="120000"/>
+              </a:lnSpc>
+              <a:buClr>
+                <a:schemeClr val="accent1"/>
+              </a:buClr>
+              <a:buFont typeface="Wingdings" panose="05000000000000000000" pitchFamily="2" charset="2"/>
+              <a:buChar char="n"/>
+              <a:defRPr sz="1800" b="1">
+                <a:solidFill>
+                  <a:schemeClr val="bg1">
+                    <a:lumMod val="50000"/>
+                  </a:schemeClr>
+                </a:solidFill>
+                <a:cs typeface="+mn-ea"/>
+              </a:defRPr>
+            </a:lvl1pPr>
+            <a:lvl2pPr>
+              <a:defRPr>
+                <a:solidFill>
+                  <a:schemeClr val="lt1"/>
+                </a:solidFill>
+              </a:defRPr>
+            </a:lvl2pPr>
+            <a:lvl3pPr>
+              <a:defRPr>
+                <a:solidFill>
+                  <a:schemeClr val="lt1"/>
+                </a:solidFill>
+              </a:defRPr>
+            </a:lvl3pPr>
+            <a:lvl4pPr>
+              <a:defRPr>
+                <a:solidFill>
+                  <a:schemeClr val="lt1"/>
+                </a:solidFill>
+              </a:defRPr>
+            </a:lvl4pPr>
+            <a:lvl5pPr>
+              <a:defRPr>
+                <a:solidFill>
+                  <a:schemeClr val="lt1"/>
+                </a:solidFill>
+              </a:defRPr>
+            </a:lvl5pPr>
+            <a:lvl6pPr>
+              <a:defRPr>
+                <a:solidFill>
+                  <a:schemeClr val="lt1"/>
+                </a:solidFill>
+              </a:defRPr>
+            </a:lvl6pPr>
+            <a:lvl7pPr>
+              <a:defRPr>
+                <a:solidFill>
+                  <a:schemeClr val="lt1"/>
+                </a:solidFill>
+              </a:defRPr>
+            </a:lvl7pPr>
+            <a:lvl8pPr>
+              <a:defRPr>
+                <a:solidFill>
+                  <a:schemeClr val="lt1"/>
+                </a:solidFill>
+              </a:defRPr>
+            </a:lvl8pPr>
+            <a:lvl9pPr>
+              <a:defRPr>
+                <a:solidFill>
+                  <a:schemeClr val="lt1"/>
+                </a:solidFill>
+              </a:defRPr>
+            </a:lvl9pPr>
+          </a:lstStyle>
+          <a:p>
+            <a:pPr marL="0" indent="0">
+              <a:buClr>
+                <a:srgbClr val="C00000"/>
+              </a:buClr>
+              <a:buNone/>
+            </a:pPr>
+            <a:r>
+              <a:rPr lang="zh-CN" altLang="en-US" dirty="0">
+                <a:solidFill>
+                  <a:schemeClr val="tx1">
+                    <a:lumMod val="65000"/>
+                    <a:lumOff val="35000"/>
+                  </a:schemeClr>
+                </a:solidFill>
+                <a:ea typeface="思源黑体 CN Heavy" panose="020B0A00000000000000" pitchFamily="34" charset="-122"/>
+              </a:rPr>
+              <a:t>后期的工作中思维应该从小项目向企业级的项目转变，在书写代码的过程中应该将功能与功能直接的耦合性降低。要时刻提醒自己是团队的一员，遇到问题不应该不计时间成本去解决，而是自己无法在规定的时间内解决问题， 就应该去请教前辈， 寻求解决方案，并且补充短板知识。在完成工作的业余时间补充</a:t>
+            </a:r>
+            <a:r>
+              <a:rPr lang="en-US" altLang="zh-CN" dirty="0">
+                <a:solidFill>
+                  <a:schemeClr val="tx1">
+                    <a:lumMod val="65000"/>
+                    <a:lumOff val="35000"/>
+                  </a:schemeClr>
+                </a:solidFill>
+                <a:ea typeface="思源黑体 CN Heavy" panose="020B0A00000000000000" pitchFamily="34" charset="-122"/>
+              </a:rPr>
+              <a:t>docker</a:t>
+            </a:r>
+            <a:r>
+              <a:rPr lang="zh-CN" altLang="en-US" dirty="0">
+                <a:solidFill>
+                  <a:schemeClr val="tx1">
+                    <a:lumMod val="65000"/>
+                    <a:lumOff val="35000"/>
+                  </a:schemeClr>
+                </a:solidFill>
+                <a:ea typeface="思源黑体 CN Heavy" panose="020B0A00000000000000" pitchFamily="34" charset="-122"/>
+              </a:rPr>
+              <a:t>和</a:t>
+            </a:r>
+            <a:r>
+              <a:rPr lang="en-US" altLang="zh-CN" dirty="0">
+                <a:solidFill>
+                  <a:schemeClr val="tx1">
+                    <a:lumMod val="65000"/>
+                    <a:lumOff val="35000"/>
+                  </a:schemeClr>
+                </a:solidFill>
+                <a:ea typeface="思源黑体 CN Heavy" panose="020B0A00000000000000" pitchFamily="34" charset="-122"/>
+              </a:rPr>
+              <a:t>k8s</a:t>
+            </a:r>
+            <a:r>
+              <a:rPr lang="zh-CN" altLang="en-US" dirty="0">
+                <a:solidFill>
+                  <a:schemeClr val="tx1">
+                    <a:lumMod val="65000"/>
+                    <a:lumOff val="35000"/>
+                  </a:schemeClr>
+                </a:solidFill>
+                <a:ea typeface="思源黑体 CN Heavy" panose="020B0A00000000000000" pitchFamily="34" charset="-122"/>
+              </a:rPr>
+              <a:t>方面的知识，尽可能减小差距。</a:t>
+            </a:r>
+            <a:endParaRPr lang="en-US" altLang="zh-CN" dirty="0">
+              <a:solidFill>
+                <a:schemeClr val="tx1">
+                  <a:lumMod val="65000"/>
+                  <a:lumOff val="35000"/>
+                </a:schemeClr>
+              </a:solidFill>
+              <a:ea typeface="思源黑体 CN Heavy" panose="020B0A00000000000000" pitchFamily="34" charset="-122"/>
+            </a:endParaRPr>
+          </a:p>
+        </p:txBody>
+      </p:sp>
+      <p:sp>
+        <p:nvSpPr>
+          <p:cNvPr id="37" name="文本框 145"/>
+          <p:cNvSpPr txBox="1"/>
+          <p:nvPr/>
+        </p:nvSpPr>
+        <p:spPr>
+          <a:xfrm>
+            <a:off x="732347" y="3097217"/>
+            <a:ext cx="2352000" cy="413563"/>
+          </a:xfrm>
+          <a:prstGeom prst="rect">
+            <a:avLst/>
+          </a:prstGeom>
+          <a:noFill/>
+          <a:ln>
+            <a:noFill/>
+          </a:ln>
+        </p:spPr>
+        <p:style>
+          <a:lnRef idx="2">
+            <a:schemeClr val="accent1">
+              <a:shade val="50000"/>
+            </a:schemeClr>
+          </a:lnRef>
+          <a:fillRef idx="1">
+            <a:schemeClr val="accent1"/>
+          </a:fillRef>
+          <a:effectRef idx="0">
+            <a:schemeClr val="accent1"/>
+          </a:effectRef>
+          <a:fontRef idx="minor">
+            <a:schemeClr val="lt1"/>
+          </a:fontRef>
+        </p:style>
+        <p:txBody>
+          <a:bodyPr wrap="square" lIns="178172" tIns="0" rIns="178172" bIns="0" rtlCol="0" anchor="t">
+            <a:noAutofit/>
+          </a:bodyPr>
+          <a:lstStyle>
+            <a:defPPr>
+              <a:defRPr lang="zh-CN"/>
+            </a:defPPr>
+            <a:lvl1pPr marL="285750" indent="-285750">
+              <a:lnSpc>
+                <a:spcPct val="120000"/>
+              </a:lnSpc>
+              <a:buClr>
+                <a:schemeClr val="accent1"/>
+              </a:buClr>
+              <a:buFont typeface="Wingdings" panose="05000000000000000000" pitchFamily="2" charset="2"/>
+              <a:buChar char="n"/>
+              <a:defRPr sz="1800" b="1">
+                <a:solidFill>
+                  <a:schemeClr val="bg1">
+                    <a:lumMod val="50000"/>
+                  </a:schemeClr>
+                </a:solidFill>
+                <a:cs typeface="+mn-ea"/>
+              </a:defRPr>
+            </a:lvl1pPr>
+            <a:lvl2pPr>
+              <a:defRPr>
+                <a:solidFill>
+                  <a:schemeClr val="lt1"/>
+                </a:solidFill>
+              </a:defRPr>
+            </a:lvl2pPr>
+            <a:lvl3pPr>
+              <a:defRPr>
+                <a:solidFill>
+                  <a:schemeClr val="lt1"/>
+                </a:solidFill>
+              </a:defRPr>
+            </a:lvl3pPr>
+            <a:lvl4pPr>
+              <a:defRPr>
+                <a:solidFill>
+                  <a:schemeClr val="lt1"/>
+                </a:solidFill>
+              </a:defRPr>
+            </a:lvl4pPr>
+            <a:lvl5pPr>
+              <a:defRPr>
+                <a:solidFill>
+                  <a:schemeClr val="lt1"/>
+                </a:solidFill>
+              </a:defRPr>
+            </a:lvl5pPr>
+            <a:lvl6pPr>
+              <a:defRPr>
+                <a:solidFill>
+                  <a:schemeClr val="lt1"/>
+                </a:solidFill>
+              </a:defRPr>
+            </a:lvl6pPr>
+            <a:lvl7pPr>
+              <a:defRPr>
+                <a:solidFill>
+                  <a:schemeClr val="lt1"/>
+                </a:solidFill>
+              </a:defRPr>
+            </a:lvl7pPr>
+            <a:lvl8pPr>
+              <a:defRPr>
+                <a:solidFill>
+                  <a:schemeClr val="lt1"/>
+                </a:solidFill>
+              </a:defRPr>
+            </a:lvl8pPr>
+            <a:lvl9pPr>
+              <a:defRPr>
+                <a:solidFill>
+                  <a:schemeClr val="lt1"/>
+                </a:solidFill>
+              </a:defRPr>
+            </a:lvl9pPr>
+          </a:lstStyle>
+          <a:p>
+            <a:pPr marL="0" indent="0">
+              <a:buClr>
+                <a:srgbClr val="C00000"/>
+              </a:buClr>
+              <a:buNone/>
+            </a:pPr>
+            <a:endParaRPr lang="zh-CN" altLang="en-US" dirty="0">
+              <a:solidFill>
+                <a:schemeClr val="tx1">
+                  <a:lumMod val="65000"/>
+                  <a:lumOff val="35000"/>
+                </a:schemeClr>
+              </a:solidFill>
+              <a:ea typeface="思源黑体 CN Heavy" panose="020B0A00000000000000" pitchFamily="34" charset="-122"/>
+            </a:endParaRPr>
+          </a:p>
+        </p:txBody>
+      </p:sp>
+      <p:sp>
+        <p:nvSpPr>
+          <p:cNvPr id="38" name="矩形 37"/>
+          <p:cNvSpPr/>
+          <p:nvPr/>
+        </p:nvSpPr>
+        <p:spPr>
+          <a:xfrm>
+            <a:off x="6412865" y="1329690"/>
+            <a:ext cx="4483100" cy="2037715"/>
+          </a:xfrm>
+          <a:prstGeom prst="rect">
+            <a:avLst/>
+          </a:prstGeom>
+          <a:solidFill>
+            <a:schemeClr val="bg2"/>
+          </a:solidFill>
+          <a:ln>
+            <a:noFill/>
+          </a:ln>
+        </p:spPr>
+        <p:style>
+          <a:lnRef idx="2">
+            <a:schemeClr val="accent1">
+              <a:shade val="50000"/>
+            </a:schemeClr>
+          </a:lnRef>
+          <a:fillRef idx="1">
+            <a:schemeClr val="accent1"/>
+          </a:fillRef>
+          <a:effectRef idx="0">
+            <a:schemeClr val="accent1"/>
+          </a:effectRef>
+          <a:fontRef idx="minor">
+            <a:schemeClr val="lt1"/>
+          </a:fontRef>
+        </p:style>
+        <p:txBody>
+          <a:bodyPr rtlCol="0" anchor="ctr"/>
+          <a:lstStyle/>
+          <a:p>
+            <a:pPr algn="ctr"/>
+            <a:endParaRPr lang="zh-CN" altLang="en-US"/>
+          </a:p>
+        </p:txBody>
+      </p:sp>
+      <p:sp>
+        <p:nvSpPr>
+          <p:cNvPr id="39" name="矩形 38"/>
+          <p:cNvSpPr/>
+          <p:nvPr/>
+        </p:nvSpPr>
+        <p:spPr>
+          <a:xfrm>
+            <a:off x="6412865" y="3549015"/>
+            <a:ext cx="2160270" cy="2104390"/>
+          </a:xfrm>
+          <a:prstGeom prst="rect">
+            <a:avLst/>
+          </a:prstGeom>
+          <a:solidFill>
+            <a:schemeClr val="bg2"/>
+          </a:solidFill>
+          <a:ln>
+            <a:noFill/>
+          </a:ln>
+        </p:spPr>
+        <p:style>
+          <a:lnRef idx="2">
+            <a:schemeClr val="accent1">
+              <a:shade val="50000"/>
+            </a:schemeClr>
+          </a:lnRef>
+          <a:fillRef idx="1">
+            <a:schemeClr val="accent1"/>
+          </a:fillRef>
+          <a:effectRef idx="0">
+            <a:schemeClr val="accent1"/>
+          </a:effectRef>
+          <a:fontRef idx="minor">
+            <a:schemeClr val="lt1"/>
+          </a:fontRef>
+        </p:style>
+        <p:txBody>
+          <a:bodyPr rtlCol="0" anchor="ctr"/>
+          <a:lstStyle/>
+          <a:p>
+            <a:pPr algn="ctr"/>
+            <a:endParaRPr lang="zh-CN" altLang="en-US"/>
+          </a:p>
+        </p:txBody>
+      </p:sp>
+      <p:sp>
+        <p:nvSpPr>
+          <p:cNvPr id="40" name="矩形 39"/>
+          <p:cNvSpPr/>
+          <p:nvPr/>
+        </p:nvSpPr>
+        <p:spPr>
+          <a:xfrm>
+            <a:off x="8720455" y="3548380"/>
+            <a:ext cx="2160270" cy="2104390"/>
+          </a:xfrm>
+          <a:prstGeom prst="rect">
+            <a:avLst/>
+          </a:prstGeom>
+          <a:solidFill>
+            <a:schemeClr val="bg2"/>
+          </a:solidFill>
+          <a:ln>
+            <a:noFill/>
+          </a:ln>
+        </p:spPr>
+        <p:style>
+          <a:lnRef idx="2">
+            <a:schemeClr val="accent1">
+              <a:shade val="50000"/>
+            </a:schemeClr>
+          </a:lnRef>
+          <a:fillRef idx="1">
+            <a:schemeClr val="accent1"/>
+          </a:fillRef>
+          <a:effectRef idx="0">
+            <a:schemeClr val="accent1"/>
+          </a:effectRef>
+          <a:fontRef idx="minor">
+            <a:schemeClr val="lt1"/>
+          </a:fontRef>
+        </p:style>
+        <p:txBody>
+          <a:bodyPr rtlCol="0" anchor="ctr"/>
+          <a:lstStyle/>
+          <a:p>
+            <a:pPr algn="ctr"/>
+            <a:endParaRPr lang="zh-CN" altLang="en-US"/>
+          </a:p>
+        </p:txBody>
+      </p:sp>
+    </p:spTree>
+  </p:cSld>
+  <p:clrMapOvr>
+    <a:masterClrMapping/>
+  </p:clrMapOvr>
+  <mc:AlternateContent xmlns:mc="http://schemas.openxmlformats.org/markup-compatibility/2006" xmlns:p14="http://schemas.microsoft.com/office/powerpoint/2010/main">
+    <mc:Choice Requires="p14">
+      <p:transition spd="slow" p14:dur="1600">
+        <p:blinds dir="vert"/>
+      </p:transition>
+    </mc:Choice>
+    <mc:Fallback xmlns="">
+      <p:transition spd="slow">
+        <p:blinds dir="vert"/>
+      </p:transition>
+    </mc:Fallback>
+  </mc:AlternateContent>
+  <p:timing>
+    <p:tnLst>
+      <p:par>
+        <p:cTn id="1" dur="indefinite" restart="never" nodeType="tmRoot">
+          <p:childTnLst>
+            <p:seq concurrent="1" nextAc="seek">
+              <p:cTn id="2" dur="indefinite" nodeType="mainSeq">
+                <p:childTnLst>
+                  <p:par>
+                    <p:cTn id="3" fill="hold">
+                      <p:stCondLst>
+                        <p:cond delay="indefinite"/>
+                        <p:cond evt="onBegin" delay="0">
+                          <p:tn val="2"/>
+                        </p:cond>
+                      </p:stCondLst>
+                      <p:childTnLst>
+                        <p:par>
+                          <p:cTn id="4" fill="hold">
+                            <p:stCondLst>
+                              <p:cond delay="0"/>
+                            </p:stCondLst>
+                            <p:childTnLst>
+                              <p:par>
+                                <p:cTn id="5" presetID="12" presetClass="entr" presetSubtype="1" fill="hold" grpId="0" nodeType="afterEffect">
+                                  <p:stCondLst>
+                                    <p:cond delay="0"/>
+                                  </p:stCondLst>
+                                  <p:childTnLst>
+                                    <p:set>
+                                      <p:cBhvr>
+                                        <p:cTn id="6" dur="1" fill="hold">
+                                          <p:stCondLst>
+                                            <p:cond delay="0"/>
+                                          </p:stCondLst>
+                                        </p:cTn>
+                                        <p:tgtEl>
+                                          <p:spTgt spid="45"/>
+                                        </p:tgtEl>
+                                        <p:attrNameLst>
+                                          <p:attrName>style.visibility</p:attrName>
+                                        </p:attrNameLst>
+                                      </p:cBhvr>
+                                      <p:to>
+                                        <p:strVal val="visible"/>
+                                      </p:to>
+                                    </p:set>
+                                    <p:anim calcmode="lin" valueType="num">
+                                      <p:cBhvr additive="base">
+                                        <p:cTn id="7" dur="500"/>
+                                        <p:tgtEl>
+                                          <p:spTgt spid="45"/>
+                                        </p:tgtEl>
+                                        <p:attrNameLst>
+                                          <p:attrName>ppt_y</p:attrName>
+                                        </p:attrNameLst>
+                                      </p:cBhvr>
+                                      <p:tavLst>
+                                        <p:tav tm="0">
+                                          <p:val>
+                                            <p:strVal val="#ppt_y-#ppt_h*1.125000"/>
+                                          </p:val>
+                                        </p:tav>
+                                        <p:tav tm="100000">
+                                          <p:val>
+                                            <p:strVal val="#ppt_y"/>
+                                          </p:val>
+                                        </p:tav>
+                                      </p:tavLst>
+                                    </p:anim>
+                                    <p:animEffect transition="in" filter="wipe(down)">
+                                      <p:cBhvr>
+                                        <p:cTn id="8" dur="500"/>
+                                        <p:tgtEl>
+                                          <p:spTgt spid="45"/>
+                                        </p:tgtEl>
+                                      </p:cBhvr>
+                                    </p:animEffect>
+                                  </p:childTnLst>
+                                </p:cTn>
+                              </p:par>
+                            </p:childTnLst>
+                          </p:cTn>
+                        </p:par>
+                        <p:par>
+                          <p:cTn id="9" fill="hold">
+                            <p:stCondLst>
+                              <p:cond delay="500"/>
+                            </p:stCondLst>
+                            <p:childTnLst>
+                              <p:par>
+                                <p:cTn id="10" presetID="22" presetClass="entr" presetSubtype="1" fill="hold" grpId="0" nodeType="afterEffect">
+                                  <p:stCondLst>
+                                    <p:cond delay="0"/>
+                                  </p:stCondLst>
+                                  <p:childTnLst>
+                                    <p:set>
+                                      <p:cBhvr>
+                                        <p:cTn id="11" dur="1" fill="hold">
+                                          <p:stCondLst>
+                                            <p:cond delay="0"/>
+                                          </p:stCondLst>
+                                        </p:cTn>
+                                        <p:tgtEl>
+                                          <p:spTgt spid="44"/>
+                                        </p:tgtEl>
+                                        <p:attrNameLst>
+                                          <p:attrName>style.visibility</p:attrName>
+                                        </p:attrNameLst>
+                                      </p:cBhvr>
+                                      <p:to>
+                                        <p:strVal val="visible"/>
+                                      </p:to>
+                                    </p:set>
+                                    <p:animEffect transition="in" filter="wipe(up)">
+                                      <p:cBhvr>
+                                        <p:cTn id="12" dur="500"/>
+                                        <p:tgtEl>
+                                          <p:spTgt spid="44"/>
+                                        </p:tgtEl>
+                                      </p:cBhvr>
+                                    </p:animEffect>
+                                  </p:childTnLst>
+                                </p:cTn>
+                              </p:par>
+                            </p:childTnLst>
+                          </p:cTn>
+                        </p:par>
+                        <p:par>
+                          <p:cTn id="13" fill="hold">
+                            <p:stCondLst>
+                              <p:cond delay="1000"/>
+                            </p:stCondLst>
+                            <p:childTnLst>
+                              <p:par>
+                                <p:cTn id="14" presetID="12" presetClass="entr" presetSubtype="1" fill="hold" grpId="0" nodeType="afterEffect">
+                                  <p:stCondLst>
+                                    <p:cond delay="0"/>
+                                  </p:stCondLst>
+                                  <p:childTnLst>
+                                    <p:set>
+                                      <p:cBhvr>
+                                        <p:cTn id="15" dur="1" fill="hold">
+                                          <p:stCondLst>
+                                            <p:cond delay="0"/>
+                                          </p:stCondLst>
+                                        </p:cTn>
+                                        <p:tgtEl>
+                                          <p:spTgt spid="37"/>
+                                        </p:tgtEl>
+                                        <p:attrNameLst>
+                                          <p:attrName>style.visibility</p:attrName>
+                                        </p:attrNameLst>
+                                      </p:cBhvr>
+                                      <p:to>
+                                        <p:strVal val="visible"/>
+                                      </p:to>
+                                    </p:set>
+                                    <p:anim calcmode="lin" valueType="num">
+                                      <p:cBhvr additive="base">
+                                        <p:cTn id="16" dur="500"/>
+                                        <p:tgtEl>
+                                          <p:spTgt spid="37"/>
+                                        </p:tgtEl>
+                                        <p:attrNameLst>
+                                          <p:attrName>ppt_y</p:attrName>
+                                        </p:attrNameLst>
+                                      </p:cBhvr>
+                                      <p:tavLst>
+                                        <p:tav tm="0">
+                                          <p:val>
+                                            <p:strVal val="#ppt_y-#ppt_h*1.125000"/>
+                                          </p:val>
+                                        </p:tav>
+                                        <p:tav tm="100000">
+                                          <p:val>
+                                            <p:strVal val="#ppt_y"/>
+                                          </p:val>
+                                        </p:tav>
+                                      </p:tavLst>
+                                    </p:anim>
+                                    <p:animEffect transition="in" filter="wipe(down)">
+                                      <p:cBhvr>
+                                        <p:cTn id="17" dur="500"/>
+                                        <p:tgtEl>
+                                          <p:spTgt spid="37"/>
+                                        </p:tgtEl>
+                                      </p:cBhvr>
+                                    </p:animEffect>
+                                  </p:childTnLst>
+                                </p:cTn>
+                              </p:par>
+                            </p:childTnLst>
+                          </p:cTn>
+                        </p:par>
+                      </p:childTnLst>
+                    </p:cTn>
+                  </p:par>
+                </p:childTnLst>
+              </p:cTn>
+              <p:prevCondLst>
+                <p:cond evt="onPrev" delay="0">
+                  <p:tgtEl>
+                    <p:sldTgt/>
+                  </p:tgtEl>
+                </p:cond>
+              </p:prevCondLst>
+              <p:nextCondLst>
+                <p:cond evt="onNext" delay="0">
+                  <p:tgtEl>
+                    <p:sldTgt/>
+                  </p:tgtEl>
+                </p:cond>
+              </p:nextCondLst>
+            </p:seq>
+          </p:childTnLst>
+        </p:cTn>
+      </p:par>
+    </p:tnLst>
+    <p:bldLst>
+      <p:bldP spid="44" grpId="0"/>
+      <p:bldP spid="44" grpId="1"/>
+      <p:bldP spid="45" grpId="0" bldLvl="0" animBg="1"/>
+      <p:bldP spid="37" grpId="0" bldLvl="0" animBg="1"/>
+    </p:bldLst>
+  </p:timing>
+</p:sld>
+</file>
+
+<file path=ppt/slides/slide25.xml><?xml version="1.0" encoding="utf-8"?>
 <p:sld xmlns:a="http://schemas.openxmlformats.org/drawingml/2006/main" xmlns:r="http://schemas.openxmlformats.org/officeDocument/2006/relationships" xmlns:p="http://schemas.openxmlformats.org/presentationml/2006/main">
   <p:cSld>
     <p:spTree>

--- a/黄雪朋.pptx
+++ b/黄雪朋.pptx
@@ -5,10 +5,10 @@
     <p:sldMasterId id="2147483648" r:id="rId1"/>
   </p:sldMasterIdLst>
   <p:notesMasterIdLst>
-    <p:notesMasterId r:id="rId27"/>
+    <p:notesMasterId r:id="rId28"/>
   </p:notesMasterIdLst>
   <p:handoutMasterIdLst>
-    <p:handoutMasterId r:id="rId28"/>
+    <p:handoutMasterId r:id="rId29"/>
   </p:handoutMasterIdLst>
   <p:sldIdLst>
     <p:sldId id="315" r:id="rId2"/>
@@ -25,22 +25,23 @@
     <p:sldId id="357" r:id="rId13"/>
     <p:sldId id="337" r:id="rId14"/>
     <p:sldId id="354" r:id="rId15"/>
-    <p:sldId id="359" r:id="rId16"/>
-    <p:sldId id="358" r:id="rId17"/>
-    <p:sldId id="312" r:id="rId18"/>
-    <p:sldId id="332" r:id="rId19"/>
-    <p:sldId id="313" r:id="rId20"/>
-    <p:sldId id="333" r:id="rId21"/>
-    <p:sldId id="314" r:id="rId22"/>
-    <p:sldId id="334" r:id="rId23"/>
-    <p:sldId id="316" r:id="rId24"/>
-    <p:sldId id="335" r:id="rId25"/>
-    <p:sldId id="351" r:id="rId26"/>
+    <p:sldId id="360" r:id="rId16"/>
+    <p:sldId id="359" r:id="rId17"/>
+    <p:sldId id="358" r:id="rId18"/>
+    <p:sldId id="312" r:id="rId19"/>
+    <p:sldId id="332" r:id="rId20"/>
+    <p:sldId id="313" r:id="rId21"/>
+    <p:sldId id="333" r:id="rId22"/>
+    <p:sldId id="314" r:id="rId23"/>
+    <p:sldId id="334" r:id="rId24"/>
+    <p:sldId id="316" r:id="rId25"/>
+    <p:sldId id="335" r:id="rId26"/>
+    <p:sldId id="351" r:id="rId27"/>
   </p:sldIdLst>
   <p:sldSz cx="12192000" cy="6858000"/>
   <p:notesSz cx="6858000" cy="9144000"/>
   <p:custDataLst>
-    <p:tags r:id="rId29"/>
+    <p:tags r:id="rId30"/>
   </p:custDataLst>
   <p:defaultTextStyle>
     <a:defPPr>
@@ -923,7 +924,7 @@
     </p:spTree>
     <p:extLst>
       <p:ext uri="{BB962C8B-B14F-4D97-AF65-F5344CB8AC3E}">
-        <p14:creationId xmlns:p14="http://schemas.microsoft.com/office/powerpoint/2010/main" val="825046896"/>
+        <p14:creationId xmlns:p14="http://schemas.microsoft.com/office/powerpoint/2010/main" val="2231507301"/>
       </p:ext>
     </p:extLst>
   </p:cSld>
@@ -1020,7 +1021,7 @@
     </p:spTree>
     <p:extLst>
       <p:ext uri="{BB962C8B-B14F-4D97-AF65-F5344CB8AC3E}">
-        <p14:creationId xmlns:p14="http://schemas.microsoft.com/office/powerpoint/2010/main" val="1423290339"/>
+        <p14:creationId xmlns:p14="http://schemas.microsoft.com/office/powerpoint/2010/main" val="825046896"/>
       </p:ext>
     </p:extLst>
   </p:cSld>
@@ -1104,7 +1105,7 @@
                   <a:prstClr val="black"/>
                 </a:solidFill>
               </a:rPr>
-              <a:t>18</a:t>
+              <a:t>17</a:t>
             </a:fld>
             <a:endParaRPr lang="zh-CN" altLang="en-US">
               <a:solidFill>
@@ -1115,6 +1116,11 @@
         </p:txBody>
       </p:sp>
     </p:spTree>
+    <p:extLst>
+      <p:ext uri="{BB962C8B-B14F-4D97-AF65-F5344CB8AC3E}">
+        <p14:creationId xmlns:p14="http://schemas.microsoft.com/office/powerpoint/2010/main" val="1423290339"/>
+      </p:ext>
+    </p:extLst>
   </p:cSld>
   <p:clrMapOvr>
     <a:masterClrMapping/>
@@ -1196,7 +1202,7 @@
                   <a:prstClr val="black"/>
                 </a:solidFill>
               </a:rPr>
-              <a:t>20</a:t>
+              <a:t>19</a:t>
             </a:fld>
             <a:endParaRPr lang="zh-CN" altLang="en-US">
               <a:solidFill>
@@ -1288,7 +1294,7 @@
                   <a:prstClr val="black"/>
                 </a:solidFill>
               </a:rPr>
-              <a:t>22</a:t>
+              <a:t>21</a:t>
             </a:fld>
             <a:endParaRPr lang="zh-CN" altLang="en-US">
               <a:solidFill>
@@ -1380,7 +1386,99 @@
                   <a:prstClr val="black"/>
                 </a:solidFill>
               </a:rPr>
-              <a:t>24</a:t>
+              <a:t>23</a:t>
+            </a:fld>
+            <a:endParaRPr lang="zh-CN" altLang="en-US">
+              <a:solidFill>
+                <a:prstClr val="black"/>
+              </a:solidFill>
+            </a:endParaRPr>
+          </a:p>
+        </p:txBody>
+      </p:sp>
+    </p:spTree>
+  </p:cSld>
+  <p:clrMapOvr>
+    <a:masterClrMapping/>
+  </p:clrMapOvr>
+</p:notes>
+</file>
+
+<file path=ppt/notesSlides/notesSlide17.xml><?xml version="1.0" encoding="utf-8"?>
+<p:notes xmlns:a="http://schemas.openxmlformats.org/drawingml/2006/main" xmlns:r="http://schemas.openxmlformats.org/officeDocument/2006/relationships" xmlns:p="http://schemas.openxmlformats.org/presentationml/2006/main">
+  <p:cSld>
+    <p:spTree>
+      <p:nvGrpSpPr>
+        <p:cNvPr id="1" name=""/>
+        <p:cNvGrpSpPr/>
+        <p:nvPr/>
+      </p:nvGrpSpPr>
+      <p:grpSpPr>
+        <a:xfrm>
+          <a:off x="0" y="0"/>
+          <a:ext cx="0" cy="0"/>
+          <a:chOff x="0" y="0"/>
+          <a:chExt cx="0" cy="0"/>
+        </a:xfrm>
+      </p:grpSpPr>
+      <p:sp>
+        <p:nvSpPr>
+          <p:cNvPr id="2" name="幻灯片图像占位符 1"/>
+          <p:cNvSpPr>
+            <a:spLocks noGrp="1" noRot="1" noChangeAspect="1"/>
+          </p:cNvSpPr>
+          <p:nvPr>
+            <p:ph type="sldImg"/>
+          </p:nvPr>
+        </p:nvSpPr>
+        <p:spPr>
+          <a:xfrm>
+            <a:off x="381000" y="685800"/>
+            <a:ext cx="6096000" cy="3429000"/>
+          </a:xfrm>
+        </p:spPr>
+      </p:sp>
+      <p:sp>
+        <p:nvSpPr>
+          <p:cNvPr id="3" name="备注占位符 2"/>
+          <p:cNvSpPr>
+            <a:spLocks noGrp="1"/>
+          </p:cNvSpPr>
+          <p:nvPr>
+            <p:ph type="body" idx="1"/>
+          </p:nvPr>
+        </p:nvSpPr>
+        <p:spPr/>
+        <p:txBody>
+          <a:bodyPr/>
+          <a:lstStyle/>
+          <a:p>
+            <a:endParaRPr lang="zh-CN" altLang="en-US" dirty="0"/>
+          </a:p>
+        </p:txBody>
+      </p:sp>
+      <p:sp>
+        <p:nvSpPr>
+          <p:cNvPr id="4" name="灯片编号占位符 3"/>
+          <p:cNvSpPr>
+            <a:spLocks noGrp="1"/>
+          </p:cNvSpPr>
+          <p:nvPr>
+            <p:ph type="sldNum" sz="quarter" idx="10"/>
+          </p:nvPr>
+        </p:nvSpPr>
+        <p:spPr/>
+        <p:txBody>
+          <a:bodyPr/>
+          <a:lstStyle/>
+          <a:p>
+            <a:fld id="{AB2A0F9D-3357-4A94-85C8-3B842B870DC6}" type="slidenum">
+              <a:rPr lang="zh-CN" altLang="en-US" smtClean="0">
+                <a:solidFill>
+                  <a:prstClr val="black"/>
+                </a:solidFill>
+              </a:rPr>
+              <a:t>25</a:t>
             </a:fld>
             <a:endParaRPr lang="zh-CN" altLang="en-US">
               <a:solidFill>
@@ -10673,7 +10771,7 @@
         <p:spPr>
           <a:xfrm>
             <a:off x="749935" y="1842770"/>
-            <a:ext cx="4653280" cy="2922905"/>
+            <a:ext cx="4653280" cy="4281304"/>
           </a:xfrm>
           <a:prstGeom prst="rect">
             <a:avLst/>
@@ -10783,11 +10881,11 @@
             </a:lvl9pPr>
           </a:lstStyle>
           <a:p>
-            <a:pPr marL="0" indent="0">
+            <a:pPr marL="342900" indent="-342900">
               <a:buClr>
                 <a:srgbClr val="C00000"/>
               </a:buClr>
-              <a:buNone/>
+              <a:buAutoNum type="arabicPeriod"/>
             </a:pPr>
             <a:r>
               <a:rPr lang="en-US" altLang="zh-CN" dirty="0">
@@ -10799,7 +10897,7 @@
                 </a:solidFill>
                 <a:ea typeface="思源黑体 CN Heavy" panose="020B0A00000000000000" pitchFamily="34" charset="-122"/>
               </a:rPr>
-              <a:t>1.</a:t>
+              <a:t>Jenkins </a:t>
             </a:r>
             <a:r>
               <a:rPr lang="zh-CN" altLang="en-US" dirty="0">
@@ -10811,7 +10909,7 @@
                 </a:solidFill>
                 <a:ea typeface="思源黑体 CN Heavy" panose="020B0A00000000000000" pitchFamily="34" charset="-122"/>
               </a:rPr>
-              <a:t>由于使用</a:t>
+              <a:t>构建是出现</a:t>
             </a:r>
             <a:r>
               <a:rPr lang="en-US" altLang="zh-CN" dirty="0" err="1">
@@ -10826,7 +10924,7 @@
               <a:t>golang</a:t>
             </a:r>
             <a:r>
-              <a:rPr lang="en-US" altLang="zh-CN" dirty="0">
+              <a:rPr lang="zh-CN" altLang="en-US" dirty="0">
                 <a:solidFill>
                   <a:schemeClr val="tx1">
                     <a:lumMod val="65000"/>
@@ -10835,10 +10933,10 @@
                 </a:solidFill>
                 <a:ea typeface="思源黑体 CN Heavy" panose="020B0A00000000000000" pitchFamily="34" charset="-122"/>
               </a:rPr>
-              <a:t> 1.17</a:t>
-            </a:r>
-            <a:r>
-              <a:rPr lang="zh-CN" altLang="en-US" dirty="0">
+              <a:t>版本错误原因</a:t>
+            </a:r>
+            <a:r>
+              <a:rPr lang="en-US" altLang="zh-CN" dirty="0">
                 <a:solidFill>
                   <a:schemeClr val="tx1">
                     <a:lumMod val="65000"/>
@@ -10847,10 +10945,18 @@
                 </a:solidFill>
                 <a:ea typeface="思源黑体 CN Heavy" panose="020B0A00000000000000" pitchFamily="34" charset="-122"/>
               </a:rPr>
-              <a:t>语言特性</a:t>
-            </a:r>
-            <a:r>
-              <a:rPr lang="en-US" altLang="zh-CN" dirty="0">
+              <a:t>.</a:t>
+            </a:r>
+          </a:p>
+          <a:p>
+            <a:pPr marL="342900" indent="-342900">
+              <a:buClr>
+                <a:srgbClr val="C00000"/>
+              </a:buClr>
+              <a:buAutoNum type="arabicPeriod"/>
+            </a:pPr>
+            <a:r>
+              <a:rPr lang="zh-CN" altLang="en-US" dirty="0">
                 <a:solidFill>
                   <a:schemeClr val="tx1">
                     <a:lumMod val="65000"/>
@@ -10859,10 +10965,10 @@
                 </a:solidFill>
                 <a:ea typeface="思源黑体 CN Heavy" panose="020B0A00000000000000" pitchFamily="34" charset="-122"/>
               </a:rPr>
-              <a:t>, </a:t>
-            </a:r>
-            <a:r>
-              <a:rPr lang="zh-CN" altLang="en-US" dirty="0">
+              <a:t>问题原因</a:t>
+            </a:r>
+            <a:r>
+              <a:rPr lang="en-US" altLang="zh-CN" dirty="0">
                 <a:solidFill>
                   <a:schemeClr val="tx1">
                     <a:lumMod val="65000"/>
@@ -10871,10 +10977,10 @@
                 </a:solidFill>
                 <a:ea typeface="思源黑体 CN Heavy" panose="020B0A00000000000000" pitchFamily="34" charset="-122"/>
               </a:rPr>
-              <a:t>在</a:t>
-            </a:r>
-            <a:r>
-              <a:rPr lang="en-US" altLang="zh-CN" dirty="0" err="1">
+              <a:t>: </a:t>
+            </a:r>
+            <a:r>
+              <a:rPr lang="zh-CN" altLang="en-US" dirty="0">
                 <a:solidFill>
                   <a:schemeClr val="tx1">
                     <a:lumMod val="65000"/>
@@ -10883,10 +10989,10 @@
                 </a:solidFill>
                 <a:ea typeface="思源黑体 CN Heavy" panose="020B0A00000000000000" pitchFamily="34" charset="-122"/>
               </a:rPr>
-              <a:t>jenkins</a:t>
-            </a:r>
-            <a:r>
-              <a:rPr lang="zh-CN" altLang="en-US" dirty="0">
+              <a:t>构建是默认使用的是</a:t>
+            </a:r>
+            <a:r>
+              <a:rPr lang="en-US" altLang="zh-CN" dirty="0">
                 <a:solidFill>
                   <a:schemeClr val="tx1">
                     <a:lumMod val="65000"/>
@@ -10895,17 +11001,392 @@
                 </a:solidFill>
                 <a:ea typeface="思源黑体 CN Heavy" panose="020B0A00000000000000" pitchFamily="34" charset="-122"/>
               </a:rPr>
-              <a:t>构建时报错问题</a:t>
-            </a:r>
-            <a:endParaRPr lang="en-US" altLang="zh-CN" dirty="0">
-              <a:solidFill>
-                <a:schemeClr val="tx1">
-                  <a:lumMod val="65000"/>
-                  <a:lumOff val="35000"/>
-                </a:schemeClr>
-              </a:solidFill>
-              <a:ea typeface="思源黑体 CN Heavy" panose="020B0A00000000000000" pitchFamily="34" charset="-122"/>
-            </a:endParaRPr>
+              <a:t>go1.13</a:t>
+            </a:r>
+            <a:r>
+              <a:rPr lang="zh-CN" altLang="en-US" dirty="0">
+                <a:solidFill>
+                  <a:schemeClr val="tx1">
+                    <a:lumMod val="65000"/>
+                    <a:lumOff val="35000"/>
+                  </a:schemeClr>
+                </a:solidFill>
+                <a:ea typeface="思源黑体 CN Heavy" panose="020B0A00000000000000" pitchFamily="34" charset="-122"/>
+              </a:rPr>
+              <a:t>版本</a:t>
+            </a:r>
+            <a:r>
+              <a:rPr lang="en-US" altLang="zh-CN" dirty="0">
+                <a:solidFill>
+                  <a:schemeClr val="tx1">
+                    <a:lumMod val="65000"/>
+                    <a:lumOff val="35000"/>
+                  </a:schemeClr>
+                </a:solidFill>
+                <a:ea typeface="思源黑体 CN Heavy" panose="020B0A00000000000000" pitchFamily="34" charset="-122"/>
+              </a:rPr>
+              <a:t>, </a:t>
+            </a:r>
+            <a:r>
+              <a:rPr lang="zh-CN" altLang="en-US" dirty="0">
+                <a:solidFill>
+                  <a:schemeClr val="tx1">
+                    <a:lumMod val="65000"/>
+                    <a:lumOff val="35000"/>
+                  </a:schemeClr>
+                </a:solidFill>
+                <a:ea typeface="思源黑体 CN Heavy" panose="020B0A00000000000000" pitchFamily="34" charset="-122"/>
+              </a:rPr>
+              <a:t>但是我们项目书写的时候使用的</a:t>
+            </a:r>
+            <a:r>
+              <a:rPr lang="en-US" altLang="zh-CN" dirty="0">
+                <a:solidFill>
+                  <a:schemeClr val="tx1">
+                    <a:lumMod val="65000"/>
+                    <a:lumOff val="35000"/>
+                  </a:schemeClr>
+                </a:solidFill>
+                <a:ea typeface="思源黑体 CN Heavy" panose="020B0A00000000000000" pitchFamily="34" charset="-122"/>
+              </a:rPr>
+              <a:t>1.17, </a:t>
+            </a:r>
+            <a:r>
+              <a:rPr lang="zh-CN" altLang="en-US" dirty="0">
+                <a:solidFill>
+                  <a:schemeClr val="tx1">
+                    <a:lumMod val="65000"/>
+                    <a:lumOff val="35000"/>
+                  </a:schemeClr>
+                </a:solidFill>
+                <a:ea typeface="思源黑体 CN Heavy" panose="020B0A00000000000000" pitchFamily="34" charset="-122"/>
+              </a:rPr>
+              <a:t>并且使用了</a:t>
+            </a:r>
+            <a:r>
+              <a:rPr lang="en-US" altLang="zh-CN" dirty="0">
+                <a:solidFill>
+                  <a:schemeClr val="tx1">
+                    <a:lumMod val="65000"/>
+                    <a:lumOff val="35000"/>
+                  </a:schemeClr>
+                </a:solidFill>
+                <a:ea typeface="思源黑体 CN Heavy" panose="020B0A00000000000000" pitchFamily="34" charset="-122"/>
+              </a:rPr>
+              <a:t>1.17</a:t>
+            </a:r>
+            <a:r>
+              <a:rPr lang="zh-CN" altLang="en-US" dirty="0">
+                <a:solidFill>
+                  <a:schemeClr val="tx1">
+                    <a:lumMod val="65000"/>
+                    <a:lumOff val="35000"/>
+                  </a:schemeClr>
+                </a:solidFill>
+                <a:ea typeface="思源黑体 CN Heavy" panose="020B0A00000000000000" pitchFamily="34" charset="-122"/>
+              </a:rPr>
+              <a:t>的语法特性</a:t>
+            </a:r>
+            <a:r>
+              <a:rPr lang="en-US" altLang="zh-CN" dirty="0">
+                <a:solidFill>
+                  <a:schemeClr val="tx1">
+                    <a:lumMod val="65000"/>
+                    <a:lumOff val="35000"/>
+                  </a:schemeClr>
+                </a:solidFill>
+                <a:ea typeface="思源黑体 CN Heavy" panose="020B0A00000000000000" pitchFamily="34" charset="-122"/>
+              </a:rPr>
+              <a:t>, </a:t>
+            </a:r>
+            <a:r>
+              <a:rPr lang="zh-CN" altLang="en-US" dirty="0">
+                <a:solidFill>
+                  <a:schemeClr val="tx1">
+                    <a:lumMod val="65000"/>
+                    <a:lumOff val="35000"/>
+                  </a:schemeClr>
+                </a:solidFill>
+                <a:ea typeface="思源黑体 CN Heavy" panose="020B0A00000000000000" pitchFamily="34" charset="-122"/>
+              </a:rPr>
+              <a:t>所以不能编译</a:t>
+            </a:r>
+            <a:r>
+              <a:rPr lang="en-US" altLang="zh-CN" dirty="0">
+                <a:solidFill>
+                  <a:schemeClr val="tx1">
+                    <a:lumMod val="65000"/>
+                    <a:lumOff val="35000"/>
+                  </a:schemeClr>
+                </a:solidFill>
+                <a:ea typeface="思源黑体 CN Heavy" panose="020B0A00000000000000" pitchFamily="34" charset="-122"/>
+              </a:rPr>
+              <a:t>, </a:t>
+            </a:r>
+            <a:r>
+              <a:rPr lang="zh-CN" altLang="en-US" dirty="0">
+                <a:solidFill>
+                  <a:schemeClr val="tx1">
+                    <a:lumMod val="65000"/>
+                    <a:lumOff val="35000"/>
+                  </a:schemeClr>
+                </a:solidFill>
+                <a:ea typeface="思源黑体 CN Heavy" panose="020B0A00000000000000" pitchFamily="34" charset="-122"/>
+              </a:rPr>
+              <a:t>会报错</a:t>
+            </a:r>
+            <a:r>
+              <a:rPr lang="en-US" altLang="zh-CN" dirty="0">
+                <a:solidFill>
+                  <a:schemeClr val="tx1">
+                    <a:lumMod val="65000"/>
+                    <a:lumOff val="35000"/>
+                  </a:schemeClr>
+                </a:solidFill>
+                <a:ea typeface="思源黑体 CN Heavy" panose="020B0A00000000000000" pitchFamily="34" charset="-122"/>
+              </a:rPr>
+              <a:t>.</a:t>
+            </a:r>
+          </a:p>
+          <a:p>
+            <a:pPr marL="342900" indent="-342900">
+              <a:buClr>
+                <a:srgbClr val="C00000"/>
+              </a:buClr>
+              <a:buAutoNum type="arabicPeriod"/>
+            </a:pPr>
+            <a:r>
+              <a:rPr lang="zh-CN" altLang="en-US" dirty="0">
+                <a:solidFill>
+                  <a:schemeClr val="tx1">
+                    <a:lumMod val="65000"/>
+                    <a:lumOff val="35000"/>
+                  </a:schemeClr>
+                </a:solidFill>
+                <a:ea typeface="思源黑体 CN Heavy" panose="020B0A00000000000000" pitchFamily="34" charset="-122"/>
+              </a:rPr>
+              <a:t>解决方案</a:t>
+            </a:r>
+            <a:r>
+              <a:rPr lang="en-US" altLang="zh-CN" dirty="0">
+                <a:solidFill>
+                  <a:schemeClr val="tx1">
+                    <a:lumMod val="65000"/>
+                    <a:lumOff val="35000"/>
+                  </a:schemeClr>
+                </a:solidFill>
+                <a:ea typeface="思源黑体 CN Heavy" panose="020B0A00000000000000" pitchFamily="34" charset="-122"/>
+              </a:rPr>
+              <a:t>: </a:t>
+            </a:r>
+          </a:p>
+          <a:p>
+            <a:pPr marL="514350" lvl="1" indent="-342900">
+              <a:buClr>
+                <a:srgbClr val="C00000"/>
+              </a:buClr>
+              <a:buAutoNum type="arabicPeriod"/>
+            </a:pPr>
+            <a:r>
+              <a:rPr lang="zh-CN" altLang="en-US" dirty="0">
+                <a:solidFill>
+                  <a:schemeClr val="tx1">
+                    <a:lumMod val="65000"/>
+                    <a:lumOff val="35000"/>
+                  </a:schemeClr>
+                </a:solidFill>
+                <a:ea typeface="思源黑体 CN Heavy" panose="020B0A00000000000000" pitchFamily="34" charset="-122"/>
+              </a:rPr>
+              <a:t>更改项目模块中的</a:t>
+            </a:r>
+            <a:r>
+              <a:rPr lang="en-US" altLang="zh-CN" dirty="0">
+                <a:solidFill>
+                  <a:schemeClr val="tx1">
+                    <a:lumMod val="65000"/>
+                    <a:lumOff val="35000"/>
+                  </a:schemeClr>
+                </a:solidFill>
+                <a:ea typeface="思源黑体 CN Heavy" panose="020B0A00000000000000" pitchFamily="34" charset="-122"/>
+              </a:rPr>
+              <a:t>build-</a:t>
+            </a:r>
+            <a:r>
+              <a:rPr lang="en-US" altLang="zh-CN" dirty="0" err="1">
+                <a:solidFill>
+                  <a:schemeClr val="tx1">
+                    <a:lumMod val="65000"/>
+                    <a:lumOff val="35000"/>
+                  </a:schemeClr>
+                </a:solidFill>
+                <a:ea typeface="思源黑体 CN Heavy" panose="020B0A00000000000000" pitchFamily="34" charset="-122"/>
+              </a:rPr>
+              <a:t>all.shell</a:t>
+            </a:r>
+            <a:r>
+              <a:rPr lang="zh-CN" altLang="en-US" dirty="0">
+                <a:solidFill>
+                  <a:schemeClr val="tx1">
+                    <a:lumMod val="65000"/>
+                    <a:lumOff val="35000"/>
+                  </a:schemeClr>
+                </a:solidFill>
+                <a:ea typeface="思源黑体 CN Heavy" panose="020B0A00000000000000" pitchFamily="34" charset="-122"/>
+              </a:rPr>
+              <a:t>脚本</a:t>
+            </a:r>
+            <a:r>
+              <a:rPr lang="en-US" altLang="zh-CN" dirty="0">
+                <a:solidFill>
+                  <a:schemeClr val="tx1">
+                    <a:lumMod val="65000"/>
+                    <a:lumOff val="35000"/>
+                  </a:schemeClr>
+                </a:solidFill>
+                <a:ea typeface="思源黑体 CN Heavy" panose="020B0A00000000000000" pitchFamily="34" charset="-122"/>
+              </a:rPr>
+              <a:t>, </a:t>
+            </a:r>
+            <a:r>
+              <a:rPr lang="zh-CN" altLang="en-US" dirty="0">
+                <a:solidFill>
+                  <a:schemeClr val="tx1">
+                    <a:lumMod val="65000"/>
+                    <a:lumOff val="35000"/>
+                  </a:schemeClr>
+                </a:solidFill>
+                <a:ea typeface="思源黑体 CN Heavy" panose="020B0A00000000000000" pitchFamily="34" charset="-122"/>
+              </a:rPr>
+              <a:t>添加</a:t>
+            </a:r>
+            <a:r>
+              <a:rPr lang="en-US" altLang="zh-CN" dirty="0" err="1">
+                <a:solidFill>
+                  <a:schemeClr val="tx1">
+                    <a:lumMod val="65000"/>
+                    <a:lumOff val="35000"/>
+                  </a:schemeClr>
+                </a:solidFill>
+                <a:ea typeface="思源黑体 CN Heavy" panose="020B0A00000000000000" pitchFamily="34" charset="-122"/>
+              </a:rPr>
+              <a:t>golang</a:t>
+            </a:r>
+            <a:r>
+              <a:rPr lang="en-US" altLang="zh-CN" dirty="0">
+                <a:solidFill>
+                  <a:schemeClr val="tx1">
+                    <a:lumMod val="65000"/>
+                    <a:lumOff val="35000"/>
+                  </a:schemeClr>
+                </a:solidFill>
+                <a:ea typeface="思源黑体 CN Heavy" panose="020B0A00000000000000" pitchFamily="34" charset="-122"/>
+              </a:rPr>
+              <a:t> </a:t>
+            </a:r>
+            <a:r>
+              <a:rPr lang="zh-CN" altLang="en-US" dirty="0">
+                <a:solidFill>
+                  <a:schemeClr val="tx1">
+                    <a:lumMod val="65000"/>
+                    <a:lumOff val="35000"/>
+                  </a:schemeClr>
+                </a:solidFill>
+                <a:ea typeface="思源黑体 CN Heavy" panose="020B0A00000000000000" pitchFamily="34" charset="-122"/>
+              </a:rPr>
+              <a:t>版本</a:t>
+            </a:r>
+            <a:r>
+              <a:rPr lang="en-US" altLang="zh-CN" dirty="0">
+                <a:solidFill>
+                  <a:schemeClr val="tx1">
+                    <a:lumMod val="65000"/>
+                    <a:lumOff val="35000"/>
+                  </a:schemeClr>
+                </a:solidFill>
+                <a:ea typeface="思源黑体 CN Heavy" panose="020B0A00000000000000" pitchFamily="34" charset="-122"/>
+              </a:rPr>
+              <a:t>.</a:t>
+            </a:r>
+          </a:p>
+          <a:p>
+            <a:pPr marL="514350" lvl="1" indent="-342900">
+              <a:buClr>
+                <a:srgbClr val="C00000"/>
+              </a:buClr>
+              <a:buAutoNum type="arabicPeriod"/>
+            </a:pPr>
+            <a:r>
+              <a:rPr lang="zh-CN" altLang="en-US" dirty="0">
+                <a:solidFill>
+                  <a:schemeClr val="tx1">
+                    <a:lumMod val="65000"/>
+                    <a:lumOff val="35000"/>
+                  </a:schemeClr>
+                </a:solidFill>
+                <a:ea typeface="思源黑体 CN Heavy" panose="020B0A00000000000000" pitchFamily="34" charset="-122"/>
+              </a:rPr>
+              <a:t>删除使用了</a:t>
+            </a:r>
+            <a:r>
+              <a:rPr lang="en-US" altLang="zh-CN" dirty="0">
+                <a:solidFill>
+                  <a:schemeClr val="tx1">
+                    <a:lumMod val="65000"/>
+                    <a:lumOff val="35000"/>
+                  </a:schemeClr>
+                </a:solidFill>
+                <a:ea typeface="思源黑体 CN Heavy" panose="020B0A00000000000000" pitchFamily="34" charset="-122"/>
+              </a:rPr>
+              <a:t>1.17</a:t>
+            </a:r>
+            <a:r>
+              <a:rPr lang="zh-CN" altLang="en-US" dirty="0">
+                <a:solidFill>
+                  <a:schemeClr val="tx1">
+                    <a:lumMod val="65000"/>
+                    <a:lumOff val="35000"/>
+                  </a:schemeClr>
+                </a:solidFill>
+                <a:ea typeface="思源黑体 CN Heavy" panose="020B0A00000000000000" pitchFamily="34" charset="-122"/>
+              </a:rPr>
+              <a:t>语言特性的代码</a:t>
+            </a:r>
+            <a:r>
+              <a:rPr lang="en-US" altLang="zh-CN" dirty="0">
+                <a:solidFill>
+                  <a:schemeClr val="tx1">
+                    <a:lumMod val="65000"/>
+                    <a:lumOff val="35000"/>
+                  </a:schemeClr>
+                </a:solidFill>
+                <a:ea typeface="思源黑体 CN Heavy" panose="020B0A00000000000000" pitchFamily="34" charset="-122"/>
+              </a:rPr>
+              <a:t>(</a:t>
+            </a:r>
+            <a:r>
+              <a:rPr lang="zh-CN" altLang="en-US" dirty="0">
+                <a:solidFill>
+                  <a:schemeClr val="tx1">
+                    <a:lumMod val="65000"/>
+                    <a:lumOff val="35000"/>
+                  </a:schemeClr>
+                </a:solidFill>
+                <a:ea typeface="思源黑体 CN Heavy" panose="020B0A00000000000000" pitchFamily="34" charset="-122"/>
+              </a:rPr>
+              <a:t>不可行</a:t>
+            </a:r>
+            <a:r>
+              <a:rPr lang="en-US" altLang="zh-CN" dirty="0">
+                <a:solidFill>
+                  <a:schemeClr val="tx1">
+                    <a:lumMod val="65000"/>
+                    <a:lumOff val="35000"/>
+                  </a:schemeClr>
+                </a:solidFill>
+                <a:ea typeface="思源黑体 CN Heavy" panose="020B0A00000000000000" pitchFamily="34" charset="-122"/>
+              </a:rPr>
+              <a:t>)</a:t>
+            </a:r>
           </a:p>
         </p:txBody>
       </p:sp>
@@ -11046,10 +11527,70 @@
           </a:p>
         </p:txBody>
       </p:sp>
+      <p:pic>
+        <p:nvPicPr>
+          <p:cNvPr id="2" name="图片 1">
+            <a:extLst>
+              <a:ext uri="{FF2B5EF4-FFF2-40B4-BE49-F238E27FC236}">
+                <a16:creationId xmlns:a16="http://schemas.microsoft.com/office/drawing/2014/main" id="{8C2250DE-5BC1-42BD-9264-A32259BF0648}"/>
+              </a:ext>
+            </a:extLst>
+          </p:cNvPr>
+          <p:cNvPicPr>
+            <a:picLocks noChangeAspect="1"/>
+          </p:cNvPicPr>
+          <p:nvPr/>
+        </p:nvPicPr>
+        <p:blipFill>
+          <a:blip r:embed="rId3"/>
+          <a:stretch>
+            <a:fillRect/>
+          </a:stretch>
+        </p:blipFill>
+        <p:spPr>
+          <a:xfrm>
+            <a:off x="6670040" y="1196891"/>
+            <a:ext cx="4772025" cy="3381375"/>
+          </a:xfrm>
+          <a:prstGeom prst="rect">
+            <a:avLst/>
+          </a:prstGeom>
+        </p:spPr>
+      </p:pic>
+      <p:pic>
+        <p:nvPicPr>
+          <p:cNvPr id="3" name="图片 2">
+            <a:extLst>
+              <a:ext uri="{FF2B5EF4-FFF2-40B4-BE49-F238E27FC236}">
+                <a16:creationId xmlns:a16="http://schemas.microsoft.com/office/drawing/2014/main" id="{4E7B08A1-EEC5-47B6-911D-DEE38D56E085}"/>
+              </a:ext>
+            </a:extLst>
+          </p:cNvPr>
+          <p:cNvPicPr>
+            <a:picLocks noChangeAspect="1"/>
+          </p:cNvPicPr>
+          <p:nvPr/>
+        </p:nvPicPr>
+        <p:blipFill>
+          <a:blip r:embed="rId4"/>
+          <a:stretch>
+            <a:fillRect/>
+          </a:stretch>
+        </p:blipFill>
+        <p:spPr>
+          <a:xfrm>
+            <a:off x="6906126" y="4829676"/>
+            <a:ext cx="4884069" cy="1190844"/>
+          </a:xfrm>
+          <a:prstGeom prst="rect">
+            <a:avLst/>
+          </a:prstGeom>
+        </p:spPr>
+      </p:pic>
     </p:spTree>
     <p:extLst>
       <p:ext uri="{BB962C8B-B14F-4D97-AF65-F5344CB8AC3E}">
-        <p14:creationId xmlns:p14="http://schemas.microsoft.com/office/powerpoint/2010/main" val="277076290"/>
+        <p14:creationId xmlns:p14="http://schemas.microsoft.com/office/powerpoint/2010/main" val="170869902"/>
       </p:ext>
     </p:extLst>
   </p:cSld>
@@ -11637,6 +12178,784 @@
                 </a:solidFill>
                 <a:ea typeface="思源黑体 CN Heavy" panose="020B0A00000000000000" pitchFamily="34" charset="-122"/>
               </a:rPr>
+              <a:t>1. </a:t>
+            </a:r>
+            <a:r>
+              <a:rPr lang="zh-CN" altLang="en-US" dirty="0">
+                <a:solidFill>
+                  <a:schemeClr val="tx1">
+                    <a:lumMod val="65000"/>
+                    <a:lumOff val="35000"/>
+                  </a:schemeClr>
+                </a:solidFill>
+                <a:ea typeface="思源黑体 CN Heavy" panose="020B0A00000000000000" pitchFamily="34" charset="-122"/>
+              </a:rPr>
+              <a:t>总结</a:t>
+            </a:r>
+            <a:r>
+              <a:rPr lang="en-US" altLang="zh-CN" dirty="0">
+                <a:solidFill>
+                  <a:schemeClr val="tx1">
+                    <a:lumMod val="65000"/>
+                    <a:lumOff val="35000"/>
+                  </a:schemeClr>
+                </a:solidFill>
+                <a:ea typeface="思源黑体 CN Heavy" panose="020B0A00000000000000" pitchFamily="34" charset="-122"/>
+              </a:rPr>
+              <a:t>go1.17</a:t>
+            </a:r>
+            <a:r>
+              <a:rPr lang="zh-CN" altLang="en-US" dirty="0">
+                <a:solidFill>
+                  <a:schemeClr val="tx1">
+                    <a:lumMod val="65000"/>
+                    <a:lumOff val="35000"/>
+                  </a:schemeClr>
+                </a:solidFill>
+                <a:ea typeface="思源黑体 CN Heavy" panose="020B0A00000000000000" pitchFamily="34" charset="-122"/>
+              </a:rPr>
+              <a:t>的语言特性</a:t>
+            </a:r>
+            <a:endParaRPr lang="en-US" altLang="zh-CN" dirty="0">
+              <a:solidFill>
+                <a:schemeClr val="tx1">
+                  <a:lumMod val="65000"/>
+                  <a:lumOff val="35000"/>
+                </a:schemeClr>
+              </a:solidFill>
+              <a:ea typeface="思源黑体 CN Heavy" panose="020B0A00000000000000" pitchFamily="34" charset="-122"/>
+            </a:endParaRPr>
+          </a:p>
+        </p:txBody>
+      </p:sp>
+      <p:sp>
+        <p:nvSpPr>
+          <p:cNvPr id="37" name="文本框 145"/>
+          <p:cNvSpPr txBox="1"/>
+          <p:nvPr/>
+        </p:nvSpPr>
+        <p:spPr>
+          <a:xfrm>
+            <a:off x="732347" y="3097217"/>
+            <a:ext cx="2352000" cy="413563"/>
+          </a:xfrm>
+          <a:prstGeom prst="rect">
+            <a:avLst/>
+          </a:prstGeom>
+          <a:noFill/>
+          <a:ln>
+            <a:noFill/>
+          </a:ln>
+        </p:spPr>
+        <p:style>
+          <a:lnRef idx="2">
+            <a:schemeClr val="accent1">
+              <a:shade val="50000"/>
+            </a:schemeClr>
+          </a:lnRef>
+          <a:fillRef idx="1">
+            <a:schemeClr val="accent1"/>
+          </a:fillRef>
+          <a:effectRef idx="0">
+            <a:schemeClr val="accent1"/>
+          </a:effectRef>
+          <a:fontRef idx="minor">
+            <a:schemeClr val="lt1"/>
+          </a:fontRef>
+        </p:style>
+        <p:txBody>
+          <a:bodyPr wrap="square" lIns="178172" tIns="0" rIns="178172" bIns="0" rtlCol="0" anchor="t">
+            <a:noAutofit/>
+          </a:bodyPr>
+          <a:lstStyle>
+            <a:defPPr>
+              <a:defRPr lang="zh-CN"/>
+            </a:defPPr>
+            <a:lvl1pPr marL="285750" indent="-285750">
+              <a:lnSpc>
+                <a:spcPct val="120000"/>
+              </a:lnSpc>
+              <a:buClr>
+                <a:schemeClr val="accent1"/>
+              </a:buClr>
+              <a:buFont typeface="Wingdings" panose="05000000000000000000" pitchFamily="2" charset="2"/>
+              <a:buChar char="n"/>
+              <a:defRPr sz="1800" b="1">
+                <a:solidFill>
+                  <a:schemeClr val="bg1">
+                    <a:lumMod val="50000"/>
+                  </a:schemeClr>
+                </a:solidFill>
+                <a:cs typeface="+mn-ea"/>
+              </a:defRPr>
+            </a:lvl1pPr>
+            <a:lvl2pPr>
+              <a:defRPr>
+                <a:solidFill>
+                  <a:schemeClr val="lt1"/>
+                </a:solidFill>
+              </a:defRPr>
+            </a:lvl2pPr>
+            <a:lvl3pPr>
+              <a:defRPr>
+                <a:solidFill>
+                  <a:schemeClr val="lt1"/>
+                </a:solidFill>
+              </a:defRPr>
+            </a:lvl3pPr>
+            <a:lvl4pPr>
+              <a:defRPr>
+                <a:solidFill>
+                  <a:schemeClr val="lt1"/>
+                </a:solidFill>
+              </a:defRPr>
+            </a:lvl4pPr>
+            <a:lvl5pPr>
+              <a:defRPr>
+                <a:solidFill>
+                  <a:schemeClr val="lt1"/>
+                </a:solidFill>
+              </a:defRPr>
+            </a:lvl5pPr>
+            <a:lvl6pPr>
+              <a:defRPr>
+                <a:solidFill>
+                  <a:schemeClr val="lt1"/>
+                </a:solidFill>
+              </a:defRPr>
+            </a:lvl6pPr>
+            <a:lvl7pPr>
+              <a:defRPr>
+                <a:solidFill>
+                  <a:schemeClr val="lt1"/>
+                </a:solidFill>
+              </a:defRPr>
+            </a:lvl7pPr>
+            <a:lvl8pPr>
+              <a:defRPr>
+                <a:solidFill>
+                  <a:schemeClr val="lt1"/>
+                </a:solidFill>
+              </a:defRPr>
+            </a:lvl8pPr>
+            <a:lvl9pPr>
+              <a:defRPr>
+                <a:solidFill>
+                  <a:schemeClr val="lt1"/>
+                </a:solidFill>
+              </a:defRPr>
+            </a:lvl9pPr>
+          </a:lstStyle>
+          <a:p>
+            <a:pPr marL="0" indent="0">
+              <a:buClr>
+                <a:srgbClr val="C00000"/>
+              </a:buClr>
+              <a:buNone/>
+            </a:pPr>
+            <a:endParaRPr lang="zh-CN" altLang="en-US" dirty="0">
+              <a:solidFill>
+                <a:schemeClr val="tx1">
+                  <a:lumMod val="65000"/>
+                  <a:lumOff val="35000"/>
+                </a:schemeClr>
+              </a:solidFill>
+              <a:ea typeface="思源黑体 CN Heavy" panose="020B0A00000000000000" pitchFamily="34" charset="-122"/>
+            </a:endParaRPr>
+          </a:p>
+        </p:txBody>
+      </p:sp>
+    </p:spTree>
+    <p:extLst>
+      <p:ext uri="{BB962C8B-B14F-4D97-AF65-F5344CB8AC3E}">
+        <p14:creationId xmlns:p14="http://schemas.microsoft.com/office/powerpoint/2010/main" val="277076290"/>
+      </p:ext>
+    </p:extLst>
+  </p:cSld>
+  <p:clrMapOvr>
+    <a:masterClrMapping/>
+  </p:clrMapOvr>
+  <mc:AlternateContent xmlns:mc="http://schemas.openxmlformats.org/markup-compatibility/2006" xmlns:p14="http://schemas.microsoft.com/office/powerpoint/2010/main">
+    <mc:Choice Requires="p14">
+      <p:transition spd="slow" p14:dur="1600">
+        <p:blinds dir="vert"/>
+      </p:transition>
+    </mc:Choice>
+    <mc:Fallback xmlns="">
+      <p:transition spd="slow">
+        <p:blinds dir="vert"/>
+      </p:transition>
+    </mc:Fallback>
+  </mc:AlternateContent>
+  <p:timing>
+    <p:tnLst>
+      <p:par>
+        <p:cTn id="1" dur="indefinite" restart="never" nodeType="tmRoot">
+          <p:childTnLst>
+            <p:seq concurrent="1" nextAc="seek">
+              <p:cTn id="2" dur="indefinite" nodeType="mainSeq">
+                <p:childTnLst>
+                  <p:par>
+                    <p:cTn id="3" fill="hold">
+                      <p:stCondLst>
+                        <p:cond delay="indefinite"/>
+                        <p:cond evt="onBegin" delay="0">
+                          <p:tn val="2"/>
+                        </p:cond>
+                      </p:stCondLst>
+                      <p:childTnLst>
+                        <p:par>
+                          <p:cTn id="4" fill="hold">
+                            <p:stCondLst>
+                              <p:cond delay="0"/>
+                            </p:stCondLst>
+                            <p:childTnLst>
+                              <p:par>
+                                <p:cTn id="5" presetID="12" presetClass="entr" presetSubtype="1" fill="hold" grpId="0" nodeType="afterEffect">
+                                  <p:stCondLst>
+                                    <p:cond delay="0"/>
+                                  </p:stCondLst>
+                                  <p:childTnLst>
+                                    <p:set>
+                                      <p:cBhvr>
+                                        <p:cTn id="6" dur="1" fill="hold">
+                                          <p:stCondLst>
+                                            <p:cond delay="0"/>
+                                          </p:stCondLst>
+                                        </p:cTn>
+                                        <p:tgtEl>
+                                          <p:spTgt spid="45"/>
+                                        </p:tgtEl>
+                                        <p:attrNameLst>
+                                          <p:attrName>style.visibility</p:attrName>
+                                        </p:attrNameLst>
+                                      </p:cBhvr>
+                                      <p:to>
+                                        <p:strVal val="visible"/>
+                                      </p:to>
+                                    </p:set>
+                                    <p:anim calcmode="lin" valueType="num">
+                                      <p:cBhvr additive="base">
+                                        <p:cTn id="7" dur="500"/>
+                                        <p:tgtEl>
+                                          <p:spTgt spid="45"/>
+                                        </p:tgtEl>
+                                        <p:attrNameLst>
+                                          <p:attrName>ppt_y</p:attrName>
+                                        </p:attrNameLst>
+                                      </p:cBhvr>
+                                      <p:tavLst>
+                                        <p:tav tm="0">
+                                          <p:val>
+                                            <p:strVal val="#ppt_y-#ppt_h*1.125000"/>
+                                          </p:val>
+                                        </p:tav>
+                                        <p:tav tm="100000">
+                                          <p:val>
+                                            <p:strVal val="#ppt_y"/>
+                                          </p:val>
+                                        </p:tav>
+                                      </p:tavLst>
+                                    </p:anim>
+                                    <p:animEffect transition="in" filter="wipe(down)">
+                                      <p:cBhvr>
+                                        <p:cTn id="8" dur="500"/>
+                                        <p:tgtEl>
+                                          <p:spTgt spid="45"/>
+                                        </p:tgtEl>
+                                      </p:cBhvr>
+                                    </p:animEffect>
+                                  </p:childTnLst>
+                                </p:cTn>
+                              </p:par>
+                            </p:childTnLst>
+                          </p:cTn>
+                        </p:par>
+                        <p:par>
+                          <p:cTn id="9" fill="hold">
+                            <p:stCondLst>
+                              <p:cond delay="500"/>
+                            </p:stCondLst>
+                            <p:childTnLst>
+                              <p:par>
+                                <p:cTn id="10" presetID="22" presetClass="entr" presetSubtype="1" fill="hold" grpId="0" nodeType="afterEffect">
+                                  <p:stCondLst>
+                                    <p:cond delay="0"/>
+                                  </p:stCondLst>
+                                  <p:childTnLst>
+                                    <p:set>
+                                      <p:cBhvr>
+                                        <p:cTn id="11" dur="1" fill="hold">
+                                          <p:stCondLst>
+                                            <p:cond delay="0"/>
+                                          </p:stCondLst>
+                                        </p:cTn>
+                                        <p:tgtEl>
+                                          <p:spTgt spid="44"/>
+                                        </p:tgtEl>
+                                        <p:attrNameLst>
+                                          <p:attrName>style.visibility</p:attrName>
+                                        </p:attrNameLst>
+                                      </p:cBhvr>
+                                      <p:to>
+                                        <p:strVal val="visible"/>
+                                      </p:to>
+                                    </p:set>
+                                    <p:animEffect transition="in" filter="wipe(up)">
+                                      <p:cBhvr>
+                                        <p:cTn id="12" dur="500"/>
+                                        <p:tgtEl>
+                                          <p:spTgt spid="44"/>
+                                        </p:tgtEl>
+                                      </p:cBhvr>
+                                    </p:animEffect>
+                                  </p:childTnLst>
+                                </p:cTn>
+                              </p:par>
+                            </p:childTnLst>
+                          </p:cTn>
+                        </p:par>
+                        <p:par>
+                          <p:cTn id="13" fill="hold">
+                            <p:stCondLst>
+                              <p:cond delay="1000"/>
+                            </p:stCondLst>
+                            <p:childTnLst>
+                              <p:par>
+                                <p:cTn id="14" presetID="12" presetClass="entr" presetSubtype="1" fill="hold" grpId="0" nodeType="afterEffect">
+                                  <p:stCondLst>
+                                    <p:cond delay="0"/>
+                                  </p:stCondLst>
+                                  <p:childTnLst>
+                                    <p:set>
+                                      <p:cBhvr>
+                                        <p:cTn id="15" dur="1" fill="hold">
+                                          <p:stCondLst>
+                                            <p:cond delay="0"/>
+                                          </p:stCondLst>
+                                        </p:cTn>
+                                        <p:tgtEl>
+                                          <p:spTgt spid="37"/>
+                                        </p:tgtEl>
+                                        <p:attrNameLst>
+                                          <p:attrName>style.visibility</p:attrName>
+                                        </p:attrNameLst>
+                                      </p:cBhvr>
+                                      <p:to>
+                                        <p:strVal val="visible"/>
+                                      </p:to>
+                                    </p:set>
+                                    <p:anim calcmode="lin" valueType="num">
+                                      <p:cBhvr additive="base">
+                                        <p:cTn id="16" dur="500"/>
+                                        <p:tgtEl>
+                                          <p:spTgt spid="37"/>
+                                        </p:tgtEl>
+                                        <p:attrNameLst>
+                                          <p:attrName>ppt_y</p:attrName>
+                                        </p:attrNameLst>
+                                      </p:cBhvr>
+                                      <p:tavLst>
+                                        <p:tav tm="0">
+                                          <p:val>
+                                            <p:strVal val="#ppt_y-#ppt_h*1.125000"/>
+                                          </p:val>
+                                        </p:tav>
+                                        <p:tav tm="100000">
+                                          <p:val>
+                                            <p:strVal val="#ppt_y"/>
+                                          </p:val>
+                                        </p:tav>
+                                      </p:tavLst>
+                                    </p:anim>
+                                    <p:animEffect transition="in" filter="wipe(down)">
+                                      <p:cBhvr>
+                                        <p:cTn id="17" dur="500"/>
+                                        <p:tgtEl>
+                                          <p:spTgt spid="37"/>
+                                        </p:tgtEl>
+                                      </p:cBhvr>
+                                    </p:animEffect>
+                                  </p:childTnLst>
+                                </p:cTn>
+                              </p:par>
+                            </p:childTnLst>
+                          </p:cTn>
+                        </p:par>
+                      </p:childTnLst>
+                    </p:cTn>
+                  </p:par>
+                </p:childTnLst>
+              </p:cTn>
+              <p:prevCondLst>
+                <p:cond evt="onPrev" delay="0">
+                  <p:tgtEl>
+                    <p:sldTgt/>
+                  </p:tgtEl>
+                </p:cond>
+              </p:prevCondLst>
+              <p:nextCondLst>
+                <p:cond evt="onNext" delay="0">
+                  <p:tgtEl>
+                    <p:sldTgt/>
+                  </p:tgtEl>
+                </p:cond>
+              </p:nextCondLst>
+            </p:seq>
+          </p:childTnLst>
+        </p:cTn>
+      </p:par>
+    </p:tnLst>
+    <p:bldLst>
+      <p:bldP spid="44" grpId="0"/>
+      <p:bldP spid="44" grpId="1"/>
+      <p:bldP spid="45" grpId="0" bldLvl="0" animBg="1"/>
+      <p:bldP spid="37" grpId="0" bldLvl="0" animBg="1"/>
+    </p:bldLst>
+  </p:timing>
+</p:sld>
+</file>
+
+<file path=ppt/slides/slide17.xml><?xml version="1.0" encoding="utf-8"?>
+<p:sld xmlns:a="http://schemas.openxmlformats.org/drawingml/2006/main" xmlns:r="http://schemas.openxmlformats.org/officeDocument/2006/relationships" xmlns:p="http://schemas.openxmlformats.org/presentationml/2006/main">
+  <p:cSld>
+    <p:spTree>
+      <p:nvGrpSpPr>
+        <p:cNvPr id="1" name=""/>
+        <p:cNvGrpSpPr/>
+        <p:nvPr/>
+      </p:nvGrpSpPr>
+      <p:grpSpPr>
+        <a:xfrm>
+          <a:off x="0" y="0"/>
+          <a:ext cx="0" cy="0"/>
+          <a:chOff x="0" y="0"/>
+          <a:chExt cx="0" cy="0"/>
+        </a:xfrm>
+      </p:grpSpPr>
+      <p:sp>
+        <p:nvSpPr>
+          <p:cNvPr id="18" name="文本框 17"/>
+          <p:cNvSpPr txBox="1"/>
+          <p:nvPr/>
+        </p:nvSpPr>
+        <p:spPr>
+          <a:xfrm>
+            <a:off x="643255" y="180340"/>
+            <a:ext cx="1612900" cy="521970"/>
+          </a:xfrm>
+          <a:prstGeom prst="rect">
+            <a:avLst/>
+          </a:prstGeom>
+          <a:noFill/>
+        </p:spPr>
+        <p:txBody>
+          <a:bodyPr wrap="none" rtlCol="0">
+            <a:spAutoFit/>
+          </a:bodyPr>
+          <a:lstStyle/>
+          <a:p>
+            <a:r>
+              <a:rPr lang="zh-CN" altLang="en-US" sz="2800" b="1" dirty="0">
+                <a:solidFill>
+                  <a:schemeClr val="bg1"/>
+                </a:solidFill>
+                <a:ea typeface="思源黑体 CN Heavy" panose="020B0A00000000000000" pitchFamily="34" charset="-122"/>
+              </a:rPr>
+              <a:t>工作总结</a:t>
+            </a:r>
+          </a:p>
+        </p:txBody>
+      </p:sp>
+      <p:sp>
+        <p:nvSpPr>
+          <p:cNvPr id="44" name="文本框 146"/>
+          <p:cNvSpPr txBox="1"/>
+          <p:nvPr/>
+        </p:nvSpPr>
+        <p:spPr>
+          <a:xfrm>
+            <a:off x="915035" y="1696720"/>
+            <a:ext cx="4883150" cy="1303655"/>
+          </a:xfrm>
+          <a:prstGeom prst="rect">
+            <a:avLst/>
+          </a:prstGeom>
+          <a:noFill/>
+          <a:ln w="9525">
+            <a:noFill/>
+            <a:miter lim="800000"/>
+          </a:ln>
+          <a:extLst>
+            <a:ext uri="{909E8E84-426E-40DD-AFC4-6F175D3DCCD1}">
+              <a14:hiddenFill xmlns:a14="http://schemas.microsoft.com/office/drawing/2010/main">
+                <a:solidFill>
+                  <a:srgbClr val="FFFFFF"/>
+                </a:solidFill>
+              </a14:hiddenFill>
+            </a:ext>
+          </a:extLst>
+        </p:spPr>
+        <p:txBody>
+          <a:bodyPr lIns="135785" tIns="67891" rIns="135785" bIns="67891">
+            <a:noAutofit/>
+          </a:bodyPr>
+          <a:lstStyle>
+            <a:defPPr>
+              <a:defRPr lang="zh-CN"/>
+            </a:defPPr>
+            <a:lvl1pPr fontAlgn="base">
+              <a:lnSpc>
+                <a:spcPct val="110000"/>
+              </a:lnSpc>
+              <a:spcBef>
+                <a:spcPct val="0"/>
+              </a:spcBef>
+              <a:spcAft>
+                <a:spcPct val="0"/>
+              </a:spcAft>
+              <a:defRPr sz="1400">
+                <a:solidFill>
+                  <a:prstClr val="black">
+                    <a:lumMod val="50000"/>
+                    <a:lumOff val="50000"/>
+                  </a:prstClr>
+                </a:solidFill>
+                <a:latin typeface="Arial" panose="020B0604020202020204"/>
+                <a:cs typeface="+mn-ea"/>
+              </a:defRPr>
+            </a:lvl1pPr>
+            <a:lvl2pPr marL="457200" fontAlgn="base">
+              <a:spcBef>
+                <a:spcPct val="0"/>
+              </a:spcBef>
+              <a:spcAft>
+                <a:spcPct val="0"/>
+              </a:spcAft>
+              <a:defRPr>
+                <a:latin typeface="Calibri" panose="020F0502020204030204" pitchFamily="34" charset="0"/>
+                <a:cs typeface="Arial" panose="020B0604020202020204" pitchFamily="34" charset="0"/>
+              </a:defRPr>
+            </a:lvl2pPr>
+            <a:lvl3pPr marL="914400" fontAlgn="base">
+              <a:spcBef>
+                <a:spcPct val="0"/>
+              </a:spcBef>
+              <a:spcAft>
+                <a:spcPct val="0"/>
+              </a:spcAft>
+              <a:defRPr>
+                <a:latin typeface="Calibri" panose="020F0502020204030204" pitchFamily="34" charset="0"/>
+                <a:cs typeface="Arial" panose="020B0604020202020204" pitchFamily="34" charset="0"/>
+              </a:defRPr>
+            </a:lvl3pPr>
+            <a:lvl4pPr marL="1371600" fontAlgn="base">
+              <a:spcBef>
+                <a:spcPct val="0"/>
+              </a:spcBef>
+              <a:spcAft>
+                <a:spcPct val="0"/>
+              </a:spcAft>
+              <a:defRPr>
+                <a:latin typeface="Calibri" panose="020F0502020204030204" pitchFamily="34" charset="0"/>
+                <a:cs typeface="Arial" panose="020B0604020202020204" pitchFamily="34" charset="0"/>
+              </a:defRPr>
+            </a:lvl4pPr>
+            <a:lvl5pPr marL="1828800" fontAlgn="base">
+              <a:spcBef>
+                <a:spcPct val="0"/>
+              </a:spcBef>
+              <a:spcAft>
+                <a:spcPct val="0"/>
+              </a:spcAft>
+              <a:defRPr>
+                <a:latin typeface="Calibri" panose="020F0502020204030204" pitchFamily="34" charset="0"/>
+                <a:cs typeface="Arial" panose="020B0604020202020204" pitchFamily="34" charset="0"/>
+              </a:defRPr>
+            </a:lvl5pPr>
+            <a:lvl6pPr marL="2286000" defTabSz="914400">
+              <a:defRPr>
+                <a:latin typeface="Calibri" panose="020F0502020204030204" pitchFamily="34" charset="0"/>
+                <a:cs typeface="Arial" panose="020B0604020202020204" pitchFamily="34" charset="0"/>
+              </a:defRPr>
+            </a:lvl6pPr>
+            <a:lvl7pPr marL="2743200" defTabSz="914400">
+              <a:defRPr>
+                <a:latin typeface="Calibri" panose="020F0502020204030204" pitchFamily="34" charset="0"/>
+                <a:cs typeface="Arial" panose="020B0604020202020204" pitchFamily="34" charset="0"/>
+              </a:defRPr>
+            </a:lvl7pPr>
+            <a:lvl8pPr marL="3200400" defTabSz="914400">
+              <a:defRPr>
+                <a:latin typeface="Calibri" panose="020F0502020204030204" pitchFamily="34" charset="0"/>
+                <a:cs typeface="Arial" panose="020B0604020202020204" pitchFamily="34" charset="0"/>
+              </a:defRPr>
+            </a:lvl8pPr>
+            <a:lvl9pPr marL="3657600" defTabSz="914400">
+              <a:defRPr>
+                <a:latin typeface="Calibri" panose="020F0502020204030204" pitchFamily="34" charset="0"/>
+                <a:cs typeface="Arial" panose="020B0604020202020204" pitchFamily="34" charset="0"/>
+              </a:defRPr>
+            </a:lvl9pPr>
+          </a:lstStyle>
+          <a:p>
+            <a:endParaRPr lang="zh-CN" altLang="en-US" sz="1800" b="1" dirty="0">
+              <a:solidFill>
+                <a:prstClr val="black">
+                  <a:lumMod val="50000"/>
+                  <a:lumOff val="50000"/>
+                </a:prstClr>
+              </a:solidFill>
+              <a:effectLst>
+                <a:outerShdw blurRad="38100" dist="38100" dir="2700000" algn="tl">
+                  <a:srgbClr val="000000">
+                    <a:alpha val="30000"/>
+                  </a:srgbClr>
+                </a:outerShdw>
+              </a:effectLst>
+              <a:uFillTx/>
+              <a:latin typeface="华文中宋" panose="02010600040101010101" charset="-122"/>
+              <a:ea typeface="华文中宋" panose="02010600040101010101" charset="-122"/>
+              <a:cs typeface="Arial" panose="020B0604020202020204" pitchFamily="34" charset="0"/>
+            </a:endParaRPr>
+          </a:p>
+        </p:txBody>
+      </p:sp>
+      <p:sp>
+        <p:nvSpPr>
+          <p:cNvPr id="45" name="文本框 145"/>
+          <p:cNvSpPr txBox="1"/>
+          <p:nvPr/>
+        </p:nvSpPr>
+        <p:spPr>
+          <a:xfrm>
+            <a:off x="749935" y="1842770"/>
+            <a:ext cx="4653280" cy="2922905"/>
+          </a:xfrm>
+          <a:prstGeom prst="rect">
+            <a:avLst/>
+          </a:prstGeom>
+          <a:noFill/>
+          <a:ln>
+            <a:noFill/>
+          </a:ln>
+        </p:spPr>
+        <p:style>
+          <a:lnRef idx="2">
+            <a:schemeClr val="accent1">
+              <a:shade val="50000"/>
+            </a:schemeClr>
+          </a:lnRef>
+          <a:fillRef idx="1">
+            <a:schemeClr val="accent1"/>
+          </a:fillRef>
+          <a:effectRef idx="0">
+            <a:schemeClr val="accent1"/>
+          </a:effectRef>
+          <a:fontRef idx="minor">
+            <a:schemeClr val="lt1"/>
+          </a:fontRef>
+        </p:style>
+        <p:txBody>
+          <a:bodyPr wrap="square" lIns="178172" tIns="0" rIns="178172" bIns="0" rtlCol="0" anchor="t">
+            <a:noAutofit/>
+          </a:bodyPr>
+          <a:lstStyle>
+            <a:defPPr>
+              <a:defRPr lang="zh-CN"/>
+            </a:defPPr>
+            <a:lvl1pPr marL="285750" indent="-285750">
+              <a:lnSpc>
+                <a:spcPct val="120000"/>
+              </a:lnSpc>
+              <a:buClr>
+                <a:schemeClr val="accent1"/>
+              </a:buClr>
+              <a:buFont typeface="Wingdings" panose="05000000000000000000" pitchFamily="2" charset="2"/>
+              <a:buChar char="n"/>
+              <a:defRPr sz="1800" b="1">
+                <a:solidFill>
+                  <a:schemeClr val="bg1">
+                    <a:lumMod val="50000"/>
+                  </a:schemeClr>
+                </a:solidFill>
+                <a:cs typeface="+mn-ea"/>
+              </a:defRPr>
+            </a:lvl1pPr>
+            <a:lvl2pPr>
+              <a:defRPr>
+                <a:solidFill>
+                  <a:schemeClr val="lt1"/>
+                </a:solidFill>
+              </a:defRPr>
+            </a:lvl2pPr>
+            <a:lvl3pPr>
+              <a:defRPr>
+                <a:solidFill>
+                  <a:schemeClr val="lt1"/>
+                </a:solidFill>
+              </a:defRPr>
+            </a:lvl3pPr>
+            <a:lvl4pPr>
+              <a:defRPr>
+                <a:solidFill>
+                  <a:schemeClr val="lt1"/>
+                </a:solidFill>
+              </a:defRPr>
+            </a:lvl4pPr>
+            <a:lvl5pPr>
+              <a:defRPr>
+                <a:solidFill>
+                  <a:schemeClr val="lt1"/>
+                </a:solidFill>
+              </a:defRPr>
+            </a:lvl5pPr>
+            <a:lvl6pPr>
+              <a:defRPr>
+                <a:solidFill>
+                  <a:schemeClr val="lt1"/>
+                </a:solidFill>
+              </a:defRPr>
+            </a:lvl6pPr>
+            <a:lvl7pPr>
+              <a:defRPr>
+                <a:solidFill>
+                  <a:schemeClr val="lt1"/>
+                </a:solidFill>
+              </a:defRPr>
+            </a:lvl7pPr>
+            <a:lvl8pPr>
+              <a:defRPr>
+                <a:solidFill>
+                  <a:schemeClr val="lt1"/>
+                </a:solidFill>
+              </a:defRPr>
+            </a:lvl8pPr>
+            <a:lvl9pPr>
+              <a:defRPr>
+                <a:solidFill>
+                  <a:schemeClr val="lt1"/>
+                </a:solidFill>
+              </a:defRPr>
+            </a:lvl9pPr>
+          </a:lstStyle>
+          <a:p>
+            <a:pPr marL="0" indent="0">
+              <a:buClr>
+                <a:srgbClr val="C00000"/>
+              </a:buClr>
+              <a:buNone/>
+            </a:pPr>
+            <a:r>
+              <a:rPr lang="en-US" altLang="zh-CN" dirty="0">
+                <a:solidFill>
+                  <a:schemeClr val="tx1">
+                    <a:lumMod val="65000"/>
+                    <a:lumOff val="35000"/>
+                  </a:schemeClr>
+                </a:solidFill>
+                <a:ea typeface="思源黑体 CN Heavy" panose="020B0A00000000000000" pitchFamily="34" charset="-122"/>
+              </a:rPr>
               <a:t>1.Golang</a:t>
             </a:r>
             <a:r>
@@ -12051,7 +13370,7 @@
 </p:sld>
 </file>
 
-<file path=ppt/slides/slide17.xml><?xml version="1.0" encoding="utf-8"?>
+<file path=ppt/slides/slide18.xml><?xml version="1.0" encoding="utf-8"?>
 <p:sld xmlns:a="http://schemas.openxmlformats.org/drawingml/2006/main" xmlns:r="http://schemas.openxmlformats.org/officeDocument/2006/relationships" xmlns:p="http://schemas.openxmlformats.org/presentationml/2006/main">
   <p:cSld>
     <p:spTree>
@@ -13029,7 +14348,7 @@
 </p:sld>
 </file>
 
-<file path=ppt/slides/slide18.xml><?xml version="1.0" encoding="utf-8"?>
+<file path=ppt/slides/slide19.xml><?xml version="1.0" encoding="utf-8"?>
 <p:sld xmlns:a="http://schemas.openxmlformats.org/drawingml/2006/main" xmlns:r="http://schemas.openxmlformats.org/officeDocument/2006/relationships" xmlns:p="http://schemas.openxmlformats.org/presentationml/2006/main">
   <p:cSld>
     <p:spTree>
@@ -13916,7 +15235,1238 @@
 </p:sld>
 </file>
 
-<file path=ppt/slides/slide19.xml><?xml version="1.0" encoding="utf-8"?>
+<file path=ppt/slides/slide2.xml><?xml version="1.0" encoding="utf-8"?>
+<p:sld xmlns:a="http://schemas.openxmlformats.org/drawingml/2006/main" xmlns:r="http://schemas.openxmlformats.org/officeDocument/2006/relationships" xmlns:p="http://schemas.openxmlformats.org/presentationml/2006/main">
+  <p:cSld>
+    <p:spTree>
+      <p:nvGrpSpPr>
+        <p:cNvPr id="1" name=""/>
+        <p:cNvGrpSpPr/>
+        <p:nvPr/>
+      </p:nvGrpSpPr>
+      <p:grpSpPr>
+        <a:xfrm>
+          <a:off x="0" y="0"/>
+          <a:ext cx="0" cy="0"/>
+          <a:chOff x="0" y="0"/>
+          <a:chExt cx="0" cy="0"/>
+        </a:xfrm>
+      </p:grpSpPr>
+      <p:grpSp>
+        <p:nvGrpSpPr>
+          <p:cNvPr id="34" name="组合 33"/>
+          <p:cNvGrpSpPr/>
+          <p:nvPr/>
+        </p:nvGrpSpPr>
+        <p:grpSpPr>
+          <a:xfrm>
+            <a:off x="827405" y="1391916"/>
+            <a:ext cx="6943725" cy="2406650"/>
+            <a:chOff x="1303" y="2418"/>
+            <a:chExt cx="10935" cy="3790"/>
+          </a:xfrm>
+        </p:grpSpPr>
+        <p:sp>
+          <p:nvSpPr>
+            <p:cNvPr id="3" name="PA-文本框 5"/>
+            <p:cNvSpPr txBox="1">
+              <a:spLocks noChangeArrowheads="1"/>
+            </p:cNvSpPr>
+            <p:nvPr>
+              <p:custDataLst>
+                <p:tags r:id="rId4"/>
+              </p:custDataLst>
+            </p:nvPr>
+          </p:nvSpPr>
+          <p:spPr bwMode="auto">
+            <a:xfrm>
+              <a:off x="1630" y="2418"/>
+              <a:ext cx="5404" cy="2931"/>
+            </a:xfrm>
+            <a:prstGeom prst="rect">
+              <a:avLst/>
+            </a:prstGeom>
+            <a:noFill/>
+            <a:ln w="9525">
+              <a:noFill/>
+              <a:miter lim="800000"/>
+            </a:ln>
+          </p:spPr>
+          <p:txBody>
+            <a:bodyPr wrap="none">
+              <a:spAutoFit/>
+            </a:bodyPr>
+            <a:lstStyle/>
+            <a:p>
+              <a:pPr algn="ctr"/>
+              <a:r>
+                <a:rPr lang="en-US" altLang="zh-CN" sz="11500" b="1" dirty="0">
+                  <a:gradFill>
+                    <a:gsLst>
+                      <a:gs pos="0">
+                        <a:srgbClr val="F0D58B"/>
+                      </a:gs>
+                      <a:gs pos="100000">
+                        <a:srgbClr val="D9B44F"/>
+                      </a:gs>
+                    </a:gsLst>
+                    <a:path path="circle"/>
+                  </a:gradFill>
+                  <a:ea typeface="+mj-ea"/>
+                  <a:cs typeface="+mn-lt"/>
+                </a:rPr>
+                <a:t>2022</a:t>
+              </a:r>
+            </a:p>
+          </p:txBody>
+        </p:sp>
+        <p:sp>
+          <p:nvSpPr>
+            <p:cNvPr id="5" name="PA_文本框 198"/>
+            <p:cNvSpPr txBox="1">
+              <a:spLocks noChangeArrowheads="1"/>
+            </p:cNvSpPr>
+            <p:nvPr>
+              <p:custDataLst>
+                <p:tags r:id="rId5"/>
+              </p:custDataLst>
+            </p:nvPr>
+          </p:nvSpPr>
+          <p:spPr bwMode="ltGray">
+            <a:xfrm>
+              <a:off x="1303" y="4917"/>
+              <a:ext cx="10935" cy="1291"/>
+            </a:xfrm>
+            <a:prstGeom prst="rect">
+              <a:avLst/>
+            </a:prstGeom>
+            <a:noFill/>
+            <a:ln>
+              <a:noFill/>
+            </a:ln>
+            <a:effectLst/>
+          </p:spPr>
+          <p:txBody>
+            <a:bodyPr wrap="square" lIns="81667" tIns="40833" rIns="81667" bIns="40833">
+              <a:spAutoFit/>
+            </a:bodyPr>
+            <a:lstStyle>
+              <a:lvl1pPr algn="l" defTabSz="815975" fontAlgn="base">
+                <a:defRPr>
+                  <a:solidFill>
+                    <a:schemeClr val="tx1"/>
+                  </a:solidFill>
+                  <a:latin typeface="Arial" panose="020B0604020202020204" pitchFamily="34" charset="0"/>
+                </a:defRPr>
+              </a:lvl1pPr>
+              <a:lvl2pPr marL="408305" algn="l" defTabSz="815975" fontAlgn="base">
+                <a:defRPr>
+                  <a:solidFill>
+                    <a:schemeClr val="tx1"/>
+                  </a:solidFill>
+                  <a:latin typeface="Arial" panose="020B0604020202020204" pitchFamily="34" charset="0"/>
+                </a:defRPr>
+              </a:lvl2pPr>
+              <a:lvl3pPr marL="815975" algn="l" defTabSz="815975" fontAlgn="base">
+                <a:defRPr>
+                  <a:solidFill>
+                    <a:schemeClr val="tx1"/>
+                  </a:solidFill>
+                  <a:latin typeface="Arial" panose="020B0604020202020204" pitchFamily="34" charset="0"/>
+                </a:defRPr>
+              </a:lvl3pPr>
+              <a:lvl4pPr marL="1225550" algn="l" defTabSz="815975" fontAlgn="base">
+                <a:defRPr>
+                  <a:solidFill>
+                    <a:schemeClr val="tx1"/>
+                  </a:solidFill>
+                  <a:latin typeface="Arial" panose="020B0604020202020204" pitchFamily="34" charset="0"/>
+                </a:defRPr>
+              </a:lvl4pPr>
+              <a:lvl5pPr marL="1633855" algn="l" defTabSz="815975" fontAlgn="base">
+                <a:defRPr>
+                  <a:solidFill>
+                    <a:schemeClr val="tx1"/>
+                  </a:solidFill>
+                  <a:latin typeface="Arial" panose="020B0604020202020204" pitchFamily="34" charset="0"/>
+                </a:defRPr>
+              </a:lvl5pPr>
+              <a:lvl6pPr marL="2091055" defTabSz="815975" fontAlgn="base">
+                <a:spcBef>
+                  <a:spcPct val="0"/>
+                </a:spcBef>
+                <a:spcAft>
+                  <a:spcPct val="0"/>
+                </a:spcAft>
+                <a:defRPr>
+                  <a:solidFill>
+                    <a:schemeClr val="tx1"/>
+                  </a:solidFill>
+                  <a:latin typeface="Arial" panose="020B0604020202020204" pitchFamily="34" charset="0"/>
+                </a:defRPr>
+              </a:lvl6pPr>
+              <a:lvl7pPr marL="2548255" defTabSz="815975" fontAlgn="base">
+                <a:spcBef>
+                  <a:spcPct val="0"/>
+                </a:spcBef>
+                <a:spcAft>
+                  <a:spcPct val="0"/>
+                </a:spcAft>
+                <a:defRPr>
+                  <a:solidFill>
+                    <a:schemeClr val="tx1"/>
+                  </a:solidFill>
+                  <a:latin typeface="Arial" panose="020B0604020202020204" pitchFamily="34" charset="0"/>
+                </a:defRPr>
+              </a:lvl7pPr>
+              <a:lvl8pPr marL="3005455" defTabSz="815975" fontAlgn="base">
+                <a:spcBef>
+                  <a:spcPct val="0"/>
+                </a:spcBef>
+                <a:spcAft>
+                  <a:spcPct val="0"/>
+                </a:spcAft>
+                <a:defRPr>
+                  <a:solidFill>
+                    <a:schemeClr val="tx1"/>
+                  </a:solidFill>
+                  <a:latin typeface="Arial" panose="020B0604020202020204" pitchFamily="34" charset="0"/>
+                </a:defRPr>
+              </a:lvl8pPr>
+              <a:lvl9pPr marL="3462655" defTabSz="815975" fontAlgn="base">
+                <a:spcBef>
+                  <a:spcPct val="0"/>
+                </a:spcBef>
+                <a:spcAft>
+                  <a:spcPct val="0"/>
+                </a:spcAft>
+                <a:defRPr>
+                  <a:solidFill>
+                    <a:schemeClr val="tx1"/>
+                  </a:solidFill>
+                  <a:latin typeface="Arial" panose="020B0604020202020204" pitchFamily="34" charset="0"/>
+                </a:defRPr>
+              </a:lvl9pPr>
+            </a:lstStyle>
+            <a:p>
+              <a:pPr eaLnBrk="1" hangingPunct="1">
+                <a:buClrTx/>
+                <a:buSzTx/>
+              </a:pPr>
+              <a:r>
+                <a:rPr lang="zh-CN" altLang="en-US" sz="4800" b="1" dirty="0">
+                  <a:ln w="17780" cmpd="sng">
+                    <a:noFill/>
+                    <a:prstDash val="solid"/>
+                    <a:miter lim="800000"/>
+                  </a:ln>
+                  <a:solidFill>
+                    <a:schemeClr val="bg2"/>
+                  </a:solidFill>
+                  <a:effectLst/>
+                  <a:latin typeface="思源黑体 CN Medium" panose="020B0600000000000000" pitchFamily="34" charset="-122"/>
+                  <a:ea typeface="思源黑体 CN Medium" panose="020B0600000000000000" pitchFamily="34" charset="-122"/>
+                </a:rPr>
+                <a:t>入职第二月述职报告</a:t>
+              </a:r>
+            </a:p>
+          </p:txBody>
+        </p:sp>
+      </p:grpSp>
+      <p:sp>
+        <p:nvSpPr>
+          <p:cNvPr id="2" name="PA_矩形 1"/>
+          <p:cNvSpPr/>
+          <p:nvPr>
+            <p:custDataLst>
+              <p:tags r:id="rId1"/>
+            </p:custDataLst>
+          </p:nvPr>
+        </p:nvSpPr>
+        <p:spPr>
+          <a:xfrm>
+            <a:off x="827405" y="3790311"/>
+            <a:ext cx="7929880" cy="398780"/>
+          </a:xfrm>
+          <a:prstGeom prst="rect">
+            <a:avLst/>
+          </a:prstGeom>
+        </p:spPr>
+        <p:txBody>
+          <a:bodyPr wrap="none">
+            <a:spAutoFit/>
+          </a:bodyPr>
+          <a:lstStyle/>
+          <a:p>
+            <a:pPr algn="l"/>
+            <a:r>
+              <a:rPr lang="zh-CN" altLang="en-US" sz="2000" dirty="0">
+                <a:solidFill>
+                  <a:schemeClr val="bg1"/>
+                </a:solidFill>
+                <a:latin typeface="思源黑体 CN Medium" panose="020B0600000000000000" pitchFamily="34" charset="-122"/>
+                <a:ea typeface="思源黑体 CN Medium" panose="020B0600000000000000" pitchFamily="34" charset="-122"/>
+                <a:cs typeface="微软雅黑" panose="020B0503020204020204" pitchFamily="34" charset="-122"/>
+              </a:rPr>
+              <a:t> 自我介绍</a:t>
+            </a:r>
+            <a:r>
+              <a:rPr lang="en-US" altLang="zh-CN" sz="2000" dirty="0">
+                <a:solidFill>
+                  <a:schemeClr val="bg1"/>
+                </a:solidFill>
+                <a:latin typeface="思源黑体 CN Medium" panose="020B0600000000000000" pitchFamily="34" charset="-122"/>
+                <a:ea typeface="思源黑体 CN Medium" panose="020B0600000000000000" pitchFamily="34" charset="-122"/>
+                <a:cs typeface="微软雅黑" panose="020B0503020204020204" pitchFamily="34" charset="-122"/>
+              </a:rPr>
+              <a:t>|</a:t>
+            </a:r>
+            <a:r>
+              <a:rPr lang="zh-CN" altLang="en-US" sz="2000" dirty="0">
+                <a:solidFill>
+                  <a:schemeClr val="bg1"/>
+                </a:solidFill>
+                <a:latin typeface="思源黑体 CN Medium" panose="020B0600000000000000" pitchFamily="34" charset="-122"/>
+                <a:ea typeface="思源黑体 CN Medium" panose="020B0600000000000000" pitchFamily="34" charset="-122"/>
+                <a:cs typeface="微软雅黑" panose="020B0503020204020204" pitchFamily="34" charset="-122"/>
+              </a:rPr>
+              <a:t>工作总结</a:t>
+            </a:r>
+            <a:r>
+              <a:rPr lang="en-US" altLang="zh-CN" sz="2000" dirty="0">
+                <a:solidFill>
+                  <a:schemeClr val="bg1"/>
+                </a:solidFill>
+                <a:latin typeface="思源黑体 CN Medium" panose="020B0600000000000000" pitchFamily="34" charset="-122"/>
+                <a:ea typeface="思源黑体 CN Medium" panose="020B0600000000000000" pitchFamily="34" charset="-122"/>
+                <a:cs typeface="微软雅黑" panose="020B0503020204020204" pitchFamily="34" charset="-122"/>
+              </a:rPr>
+              <a:t>| </a:t>
+            </a:r>
+            <a:r>
+              <a:rPr lang="zh-CN" altLang="en-US" sz="2000" dirty="0">
+                <a:solidFill>
+                  <a:schemeClr val="bg1"/>
+                </a:solidFill>
+                <a:latin typeface="思源黑体 CN Medium" panose="020B0600000000000000" pitchFamily="34" charset="-122"/>
+                <a:ea typeface="思源黑体 CN Medium" panose="020B0600000000000000" pitchFamily="34" charset="-122"/>
+                <a:cs typeface="微软雅黑" panose="020B0503020204020204" pitchFamily="34" charset="-122"/>
+              </a:rPr>
+              <a:t>工作分析 </a:t>
+            </a:r>
+            <a:r>
+              <a:rPr lang="en-US" altLang="zh-CN" sz="2000" dirty="0">
+                <a:solidFill>
+                  <a:schemeClr val="bg1"/>
+                </a:solidFill>
+                <a:latin typeface="思源黑体 CN Medium" panose="020B0600000000000000" pitchFamily="34" charset="-122"/>
+                <a:ea typeface="思源黑体 CN Medium" panose="020B0600000000000000" pitchFamily="34" charset="-122"/>
+                <a:cs typeface="微软雅黑" panose="020B0503020204020204" pitchFamily="34" charset="-122"/>
+              </a:rPr>
+              <a:t>| </a:t>
+            </a:r>
+            <a:r>
+              <a:rPr lang="zh-CN" altLang="en-US" sz="2000" dirty="0">
+                <a:solidFill>
+                  <a:schemeClr val="bg1"/>
+                </a:solidFill>
+                <a:latin typeface="思源黑体 CN Medium" panose="020B0600000000000000" pitchFamily="34" charset="-122"/>
+                <a:ea typeface="思源黑体 CN Medium" panose="020B0600000000000000" pitchFamily="34" charset="-122"/>
+                <a:cs typeface="微软雅黑" panose="020B0503020204020204" pitchFamily="34" charset="-122"/>
+              </a:rPr>
+              <a:t>解决方案</a:t>
+            </a:r>
+            <a:r>
+              <a:rPr lang="en-US" altLang="zh-CN" sz="2000" dirty="0">
+                <a:solidFill>
+                  <a:schemeClr val="bg1"/>
+                </a:solidFill>
+                <a:latin typeface="思源黑体 CN Medium" panose="020B0600000000000000" pitchFamily="34" charset="-122"/>
+                <a:ea typeface="思源黑体 CN Medium" panose="020B0600000000000000" pitchFamily="34" charset="-122"/>
+                <a:cs typeface="微软雅黑" panose="020B0503020204020204" pitchFamily="34" charset="-122"/>
+                <a:sym typeface="+mn-ea"/>
+              </a:rPr>
+              <a:t> </a:t>
+            </a:r>
+            <a:r>
+              <a:rPr lang="en-US" altLang="zh-CN" sz="2000" dirty="0">
+                <a:solidFill>
+                  <a:schemeClr val="bg1"/>
+                </a:solidFill>
+                <a:latin typeface="思源黑体 CN Medium" panose="020B0600000000000000" pitchFamily="34" charset="-122"/>
+                <a:ea typeface="思源黑体 CN Medium" panose="020B0600000000000000" pitchFamily="34" charset="-122"/>
+                <a:cs typeface="微软雅黑" panose="020B0503020204020204" pitchFamily="34" charset="-122"/>
+              </a:rPr>
+              <a:t>| </a:t>
+            </a:r>
+            <a:r>
+              <a:rPr lang="zh-CN" altLang="en-US" sz="2000" dirty="0">
+                <a:solidFill>
+                  <a:schemeClr val="bg1"/>
+                </a:solidFill>
+                <a:latin typeface="思源黑体 CN Medium" panose="020B0600000000000000" pitchFamily="34" charset="-122"/>
+                <a:ea typeface="思源黑体 CN Medium" panose="020B0600000000000000" pitchFamily="34" charset="-122"/>
+                <a:cs typeface="微软雅黑" panose="020B0503020204020204" pitchFamily="34" charset="-122"/>
+              </a:rPr>
+              <a:t>个人总结</a:t>
+            </a:r>
+            <a:r>
+              <a:rPr lang="en-US" altLang="zh-CN" sz="2000" dirty="0">
+                <a:solidFill>
+                  <a:schemeClr val="bg1"/>
+                </a:solidFill>
+                <a:latin typeface="思源黑体 CN Medium" panose="020B0600000000000000" pitchFamily="34" charset="-122"/>
+                <a:ea typeface="思源黑体 CN Medium" panose="020B0600000000000000" pitchFamily="34" charset="-122"/>
+                <a:cs typeface="微软雅黑" panose="020B0503020204020204" pitchFamily="34" charset="-122"/>
+              </a:rPr>
+              <a:t> | </a:t>
+            </a:r>
+            <a:r>
+              <a:rPr lang="zh-CN" altLang="en-US" sz="2000" dirty="0">
+                <a:solidFill>
+                  <a:schemeClr val="bg1"/>
+                </a:solidFill>
+                <a:latin typeface="思源黑体 CN Medium" panose="020B0600000000000000" pitchFamily="34" charset="-122"/>
+                <a:ea typeface="思源黑体 CN Medium" panose="020B0600000000000000" pitchFamily="34" charset="-122"/>
+                <a:cs typeface="微软雅黑" panose="020B0503020204020204" pitchFamily="34" charset="-122"/>
+              </a:rPr>
+              <a:t>工作计划</a:t>
+            </a:r>
+          </a:p>
+        </p:txBody>
+      </p:sp>
+      <p:sp>
+        <p:nvSpPr>
+          <p:cNvPr id="4" name="PA_文本框 8"/>
+          <p:cNvSpPr txBox="1"/>
+          <p:nvPr>
+            <p:custDataLst>
+              <p:tags r:id="rId2"/>
+            </p:custDataLst>
+          </p:nvPr>
+        </p:nvSpPr>
+        <p:spPr>
+          <a:xfrm>
+            <a:off x="837544" y="4377170"/>
+            <a:ext cx="5715799" cy="645160"/>
+          </a:xfrm>
+          <a:prstGeom prst="rect">
+            <a:avLst/>
+          </a:prstGeom>
+          <a:noFill/>
+          <a:effectLst/>
+        </p:spPr>
+        <p:txBody>
+          <a:bodyPr wrap="square" rtlCol="0">
+            <a:spAutoFit/>
+          </a:bodyPr>
+          <a:lstStyle/>
+          <a:p>
+            <a:r>
+              <a:rPr lang="en-US" altLang="zh-CN" sz="1200" dirty="0">
+                <a:solidFill>
+                  <a:schemeClr val="bg1"/>
+                </a:solidFill>
+              </a:rPr>
+              <a:t>Gray Yellow Business report PPT Gray Yellow Business report PPT Gray Yellow Business report PPT Gray Yellow Business report PPT Gray Yellow Business report PPT</a:t>
+            </a:r>
+            <a:endParaRPr lang="en-US" altLang="zh-CN" sz="1200" dirty="0">
+              <a:solidFill>
+                <a:schemeClr val="bg1"/>
+              </a:solidFill>
+              <a:latin typeface="思源黑体 CN Medium" panose="020B0600000000000000" pitchFamily="34" charset="-122"/>
+              <a:ea typeface="思源黑体 CN Medium" panose="020B0600000000000000" pitchFamily="34" charset="-122"/>
+            </a:endParaRPr>
+          </a:p>
+        </p:txBody>
+      </p:sp>
+      <p:grpSp>
+        <p:nvGrpSpPr>
+          <p:cNvPr id="29" name="组合 28"/>
+          <p:cNvGrpSpPr/>
+          <p:nvPr/>
+        </p:nvGrpSpPr>
+        <p:grpSpPr>
+          <a:xfrm rot="10800000" flipH="1" flipV="1">
+            <a:off x="951865" y="4270371"/>
+            <a:ext cx="5413375" cy="121285"/>
+            <a:chOff x="4185398" y="2422358"/>
+            <a:chExt cx="4878392" cy="0"/>
+          </a:xfrm>
+        </p:grpSpPr>
+        <p:cxnSp>
+          <p:nvCxnSpPr>
+            <p:cNvPr id="30" name="直接连接符 29"/>
+            <p:cNvCxnSpPr/>
+            <p:nvPr/>
+          </p:nvCxnSpPr>
+          <p:spPr>
+            <a:xfrm>
+              <a:off x="4185398" y="2422358"/>
+              <a:ext cx="4637760" cy="0"/>
+            </a:xfrm>
+            <a:prstGeom prst="line">
+              <a:avLst/>
+            </a:prstGeom>
+            <a:ln>
+              <a:solidFill>
+                <a:srgbClr val="F0D58B">
+                  <a:alpha val="48000"/>
+                </a:srgbClr>
+              </a:solidFill>
+            </a:ln>
+          </p:spPr>
+          <p:style>
+            <a:lnRef idx="1">
+              <a:schemeClr val="accent1"/>
+            </a:lnRef>
+            <a:fillRef idx="0">
+              <a:schemeClr val="accent1"/>
+            </a:fillRef>
+            <a:effectRef idx="0">
+              <a:schemeClr val="accent1"/>
+            </a:effectRef>
+            <a:fontRef idx="minor">
+              <a:schemeClr val="tx1"/>
+            </a:fontRef>
+          </p:style>
+        </p:cxnSp>
+        <p:cxnSp>
+          <p:nvCxnSpPr>
+            <p:cNvPr id="31" name="直接连接符 30"/>
+            <p:cNvCxnSpPr/>
+            <p:nvPr/>
+          </p:nvCxnSpPr>
+          <p:spPr>
+            <a:xfrm>
+              <a:off x="8614611" y="2422358"/>
+              <a:ext cx="449179" cy="0"/>
+            </a:xfrm>
+            <a:prstGeom prst="line">
+              <a:avLst/>
+            </a:prstGeom>
+            <a:ln w="76200">
+              <a:solidFill>
+                <a:srgbClr val="F0D58B"/>
+              </a:solidFill>
+            </a:ln>
+          </p:spPr>
+          <p:style>
+            <a:lnRef idx="1">
+              <a:schemeClr val="accent1"/>
+            </a:lnRef>
+            <a:fillRef idx="0">
+              <a:schemeClr val="accent1"/>
+            </a:fillRef>
+            <a:effectRef idx="0">
+              <a:schemeClr val="accent1"/>
+            </a:effectRef>
+            <a:fontRef idx="minor">
+              <a:schemeClr val="tx1"/>
+            </a:fontRef>
+          </p:style>
+        </p:cxnSp>
+      </p:grpSp>
+      <p:sp>
+        <p:nvSpPr>
+          <p:cNvPr id="10" name="文本框 9"/>
+          <p:cNvSpPr txBox="1"/>
+          <p:nvPr/>
+        </p:nvSpPr>
+        <p:spPr>
+          <a:xfrm>
+            <a:off x="817880" y="6138545"/>
+            <a:ext cx="4886325" cy="213995"/>
+          </a:xfrm>
+          <a:prstGeom prst="rect">
+            <a:avLst/>
+          </a:prstGeom>
+          <a:noFill/>
+        </p:spPr>
+        <p:txBody>
+          <a:bodyPr wrap="square" rtlCol="0">
+            <a:spAutoFit/>
+          </a:bodyPr>
+          <a:lstStyle/>
+          <a:p>
+            <a:r>
+              <a:rPr lang="zh-CN" altLang="en-US" sz="800" dirty="0">
+                <a:solidFill>
+                  <a:schemeClr val="bg1">
+                    <a:lumMod val="75000"/>
+                  </a:schemeClr>
+                </a:solidFill>
+                <a:latin typeface="微软雅黑" panose="020B0503020204020204" pitchFamily="34" charset="-122"/>
+                <a:ea typeface="微软雅黑" panose="020B0503020204020204" pitchFamily="34" charset="-122"/>
+              </a:rPr>
+              <a:t>北</a:t>
+            </a:r>
+            <a:r>
+              <a:rPr lang="en-US" altLang="zh-CN" sz="800" dirty="0">
+                <a:solidFill>
+                  <a:schemeClr val="bg1">
+                    <a:lumMod val="75000"/>
+                  </a:schemeClr>
+                </a:solidFill>
+                <a:latin typeface="微软雅黑" panose="020B0503020204020204" pitchFamily="34" charset="-122"/>
+                <a:ea typeface="微软雅黑" panose="020B0503020204020204" pitchFamily="34" charset="-122"/>
+              </a:rPr>
+              <a:t>  /  </a:t>
+            </a:r>
+            <a:r>
+              <a:rPr lang="zh-CN" altLang="en-US" sz="800" dirty="0">
+                <a:solidFill>
+                  <a:schemeClr val="bg1">
+                    <a:lumMod val="75000"/>
+                  </a:schemeClr>
+                </a:solidFill>
+                <a:latin typeface="微软雅黑" panose="020B0503020204020204" pitchFamily="34" charset="-122"/>
+                <a:ea typeface="微软雅黑" panose="020B0503020204020204" pitchFamily="34" charset="-122"/>
+              </a:rPr>
+              <a:t>京</a:t>
+            </a:r>
+            <a:r>
+              <a:rPr lang="en-US" altLang="zh-CN" sz="800" dirty="0">
+                <a:solidFill>
+                  <a:schemeClr val="bg1">
+                    <a:lumMod val="75000"/>
+                  </a:schemeClr>
+                </a:solidFill>
+                <a:latin typeface="微软雅黑" panose="020B0503020204020204" pitchFamily="34" charset="-122"/>
+                <a:ea typeface="微软雅黑" panose="020B0503020204020204" pitchFamily="34" charset="-122"/>
+              </a:rPr>
+              <a:t>  /  </a:t>
+            </a:r>
+            <a:r>
+              <a:rPr lang="zh-CN" altLang="en-US" sz="800" dirty="0">
+                <a:solidFill>
+                  <a:schemeClr val="bg1">
+                    <a:lumMod val="75000"/>
+                  </a:schemeClr>
+                </a:solidFill>
+                <a:latin typeface="微软雅黑" panose="020B0503020204020204" pitchFamily="34" charset="-122"/>
+                <a:ea typeface="微软雅黑" panose="020B0503020204020204" pitchFamily="34" charset="-122"/>
+              </a:rPr>
+              <a:t>中</a:t>
+            </a:r>
+            <a:r>
+              <a:rPr lang="en-US" altLang="zh-CN" sz="800" dirty="0">
+                <a:solidFill>
+                  <a:schemeClr val="bg1">
+                    <a:lumMod val="75000"/>
+                  </a:schemeClr>
+                </a:solidFill>
+                <a:latin typeface="微软雅黑" panose="020B0503020204020204" pitchFamily="34" charset="-122"/>
+                <a:ea typeface="微软雅黑" panose="020B0503020204020204" pitchFamily="34" charset="-122"/>
+              </a:rPr>
+              <a:t>  /  </a:t>
+            </a:r>
+            <a:r>
+              <a:rPr lang="zh-CN" altLang="en-US" sz="800" dirty="0">
+                <a:solidFill>
+                  <a:schemeClr val="bg1">
+                    <a:lumMod val="75000"/>
+                  </a:schemeClr>
+                </a:solidFill>
+                <a:latin typeface="微软雅黑" panose="020B0503020204020204" pitchFamily="34" charset="-122"/>
+                <a:ea typeface="微软雅黑" panose="020B0503020204020204" pitchFamily="34" charset="-122"/>
+              </a:rPr>
+              <a:t>科</a:t>
+            </a:r>
+            <a:r>
+              <a:rPr lang="en-US" altLang="zh-CN" sz="800" dirty="0">
+                <a:solidFill>
+                  <a:schemeClr val="bg1">
+                    <a:lumMod val="75000"/>
+                  </a:schemeClr>
+                </a:solidFill>
+                <a:latin typeface="微软雅黑" panose="020B0503020204020204" pitchFamily="34" charset="-122"/>
+                <a:ea typeface="微软雅黑" panose="020B0503020204020204" pitchFamily="34" charset="-122"/>
+              </a:rPr>
+              <a:t>  /  </a:t>
+            </a:r>
+            <a:r>
+              <a:rPr lang="zh-CN" altLang="en-US" sz="800" dirty="0">
+                <a:solidFill>
+                  <a:schemeClr val="bg1">
+                    <a:lumMod val="75000"/>
+                  </a:schemeClr>
+                </a:solidFill>
+                <a:latin typeface="微软雅黑" panose="020B0503020204020204" pitchFamily="34" charset="-122"/>
+                <a:ea typeface="微软雅黑" panose="020B0503020204020204" pitchFamily="34" charset="-122"/>
+              </a:rPr>
+              <a:t>前</a:t>
+            </a:r>
+            <a:r>
+              <a:rPr lang="en-US" altLang="zh-CN" sz="800" dirty="0">
+                <a:solidFill>
+                  <a:schemeClr val="bg1">
+                    <a:lumMod val="75000"/>
+                  </a:schemeClr>
+                </a:solidFill>
+                <a:latin typeface="微软雅黑" panose="020B0503020204020204" pitchFamily="34" charset="-122"/>
+                <a:ea typeface="微软雅黑" panose="020B0503020204020204" pitchFamily="34" charset="-122"/>
+              </a:rPr>
+              <a:t>  /  </a:t>
+            </a:r>
+            <a:r>
+              <a:rPr lang="zh-CN" altLang="en-US" sz="800" dirty="0">
+                <a:solidFill>
+                  <a:schemeClr val="bg1">
+                    <a:lumMod val="75000"/>
+                  </a:schemeClr>
+                </a:solidFill>
+                <a:latin typeface="微软雅黑" panose="020B0503020204020204" pitchFamily="34" charset="-122"/>
+                <a:ea typeface="微软雅黑" panose="020B0503020204020204" pitchFamily="34" charset="-122"/>
+              </a:rPr>
+              <a:t>沿</a:t>
+            </a:r>
+            <a:r>
+              <a:rPr lang="en-US" altLang="zh-CN" sz="800" dirty="0">
+                <a:solidFill>
+                  <a:schemeClr val="bg1">
+                    <a:lumMod val="75000"/>
+                  </a:schemeClr>
+                </a:solidFill>
+                <a:latin typeface="微软雅黑" panose="020B0503020204020204" pitchFamily="34" charset="-122"/>
+                <a:ea typeface="微软雅黑" panose="020B0503020204020204" pitchFamily="34" charset="-122"/>
+              </a:rPr>
+              <a:t>  /  </a:t>
+            </a:r>
+            <a:r>
+              <a:rPr lang="zh-CN" altLang="en-US" sz="800" dirty="0">
+                <a:solidFill>
+                  <a:schemeClr val="bg1">
+                    <a:lumMod val="75000"/>
+                  </a:schemeClr>
+                </a:solidFill>
+                <a:latin typeface="微软雅黑" panose="020B0503020204020204" pitchFamily="34" charset="-122"/>
+                <a:ea typeface="微软雅黑" panose="020B0503020204020204" pitchFamily="34" charset="-122"/>
+              </a:rPr>
+              <a:t>科</a:t>
+            </a:r>
+            <a:r>
+              <a:rPr lang="en-US" altLang="zh-CN" sz="800" dirty="0">
+                <a:solidFill>
+                  <a:schemeClr val="bg1">
+                    <a:lumMod val="75000"/>
+                  </a:schemeClr>
+                </a:solidFill>
+                <a:latin typeface="微软雅黑" panose="020B0503020204020204" pitchFamily="34" charset="-122"/>
+                <a:ea typeface="微软雅黑" panose="020B0503020204020204" pitchFamily="34" charset="-122"/>
+              </a:rPr>
+              <a:t>  /  </a:t>
+            </a:r>
+            <a:r>
+              <a:rPr lang="zh-CN" altLang="en-US" sz="800" dirty="0">
+                <a:solidFill>
+                  <a:schemeClr val="bg1">
+                    <a:lumMod val="75000"/>
+                  </a:schemeClr>
+                </a:solidFill>
+                <a:latin typeface="微软雅黑" panose="020B0503020204020204" pitchFamily="34" charset="-122"/>
+                <a:ea typeface="微软雅黑" panose="020B0503020204020204" pitchFamily="34" charset="-122"/>
+              </a:rPr>
+              <a:t>技</a:t>
+            </a:r>
+            <a:r>
+              <a:rPr lang="en-US" altLang="zh-CN" sz="800" dirty="0">
+                <a:solidFill>
+                  <a:schemeClr val="bg1">
+                    <a:lumMod val="75000"/>
+                  </a:schemeClr>
+                </a:solidFill>
+                <a:latin typeface="微软雅黑" panose="020B0503020204020204" pitchFamily="34" charset="-122"/>
+                <a:ea typeface="微软雅黑" panose="020B0503020204020204" pitchFamily="34" charset="-122"/>
+              </a:rPr>
+              <a:t>  /  </a:t>
+            </a:r>
+            <a:r>
+              <a:rPr lang="zh-CN" altLang="en-US" sz="800" dirty="0">
+                <a:solidFill>
+                  <a:schemeClr val="bg1">
+                    <a:lumMod val="75000"/>
+                  </a:schemeClr>
+                </a:solidFill>
+                <a:latin typeface="微软雅黑" panose="020B0503020204020204" pitchFamily="34" charset="-122"/>
+                <a:ea typeface="微软雅黑" panose="020B0503020204020204" pitchFamily="34" charset="-122"/>
+              </a:rPr>
+              <a:t>有</a:t>
+            </a:r>
+            <a:r>
+              <a:rPr lang="en-US" altLang="zh-CN" sz="800" dirty="0">
+                <a:solidFill>
+                  <a:schemeClr val="bg1">
+                    <a:lumMod val="75000"/>
+                  </a:schemeClr>
+                </a:solidFill>
+                <a:latin typeface="微软雅黑" panose="020B0503020204020204" pitchFamily="34" charset="-122"/>
+                <a:ea typeface="微软雅黑" panose="020B0503020204020204" pitchFamily="34" charset="-122"/>
+              </a:rPr>
+              <a:t>  /  </a:t>
+            </a:r>
+            <a:r>
+              <a:rPr lang="zh-CN" altLang="en-US" sz="800" dirty="0">
+                <a:solidFill>
+                  <a:schemeClr val="bg1">
+                    <a:lumMod val="75000"/>
+                  </a:schemeClr>
+                </a:solidFill>
+                <a:latin typeface="微软雅黑" panose="020B0503020204020204" pitchFamily="34" charset="-122"/>
+                <a:ea typeface="微软雅黑" panose="020B0503020204020204" pitchFamily="34" charset="-122"/>
+              </a:rPr>
+              <a:t>限</a:t>
+            </a:r>
+            <a:r>
+              <a:rPr lang="en-US" altLang="zh-CN" sz="800" dirty="0">
+                <a:solidFill>
+                  <a:schemeClr val="bg1">
+                    <a:lumMod val="75000"/>
+                  </a:schemeClr>
+                </a:solidFill>
+                <a:latin typeface="微软雅黑" panose="020B0503020204020204" pitchFamily="34" charset="-122"/>
+                <a:ea typeface="微软雅黑" panose="020B0503020204020204" pitchFamily="34" charset="-122"/>
+              </a:rPr>
+              <a:t>  /  </a:t>
+            </a:r>
+            <a:r>
+              <a:rPr lang="zh-CN" altLang="en-US" sz="800" dirty="0">
+                <a:solidFill>
+                  <a:schemeClr val="bg1">
+                    <a:lumMod val="75000"/>
+                  </a:schemeClr>
+                </a:solidFill>
+                <a:latin typeface="微软雅黑" panose="020B0503020204020204" pitchFamily="34" charset="-122"/>
+                <a:ea typeface="微软雅黑" panose="020B0503020204020204" pitchFamily="34" charset="-122"/>
+              </a:rPr>
+              <a:t>公</a:t>
+            </a:r>
+            <a:r>
+              <a:rPr lang="en-US" altLang="zh-CN" sz="800" dirty="0">
+                <a:solidFill>
+                  <a:schemeClr val="bg1">
+                    <a:lumMod val="75000"/>
+                  </a:schemeClr>
+                </a:solidFill>
+                <a:latin typeface="微软雅黑" panose="020B0503020204020204" pitchFamily="34" charset="-122"/>
+                <a:ea typeface="微软雅黑" panose="020B0503020204020204" pitchFamily="34" charset="-122"/>
+              </a:rPr>
+              <a:t>  /  </a:t>
+            </a:r>
+            <a:r>
+              <a:rPr lang="zh-CN" altLang="en-US" sz="800" dirty="0">
+                <a:solidFill>
+                  <a:schemeClr val="bg1">
+                    <a:lumMod val="75000"/>
+                  </a:schemeClr>
+                </a:solidFill>
+                <a:latin typeface="微软雅黑" panose="020B0503020204020204" pitchFamily="34" charset="-122"/>
+                <a:ea typeface="微软雅黑" panose="020B0503020204020204" pitchFamily="34" charset="-122"/>
+              </a:rPr>
+              <a:t>司</a:t>
+            </a:r>
+          </a:p>
+        </p:txBody>
+      </p:sp>
+      <p:sp>
+        <p:nvSpPr>
+          <p:cNvPr id="11" name="PA_文本框 8"/>
+          <p:cNvSpPr txBox="1"/>
+          <p:nvPr>
+            <p:custDataLst>
+              <p:tags r:id="rId3"/>
+            </p:custDataLst>
+          </p:nvPr>
+        </p:nvSpPr>
+        <p:spPr>
+          <a:xfrm>
+            <a:off x="837544" y="5425440"/>
+            <a:ext cx="4344055" cy="275590"/>
+          </a:xfrm>
+          <a:prstGeom prst="rect">
+            <a:avLst/>
+          </a:prstGeom>
+          <a:noFill/>
+          <a:effectLst/>
+        </p:spPr>
+        <p:txBody>
+          <a:bodyPr wrap="square" rtlCol="0">
+            <a:spAutoFit/>
+          </a:bodyPr>
+          <a:lstStyle/>
+          <a:p>
+            <a:r>
+              <a:rPr lang="zh-CN" altLang="en-US" sz="1200" dirty="0">
+                <a:solidFill>
+                  <a:schemeClr val="bg1"/>
+                </a:solidFill>
+              </a:rPr>
+              <a:t>演讲人：黄雪朋</a:t>
+            </a:r>
+            <a:r>
+              <a:rPr lang="en-US" altLang="zh-CN" sz="1200" dirty="0">
+                <a:solidFill>
+                  <a:schemeClr val="bg1"/>
+                </a:solidFill>
+              </a:rPr>
+              <a:t>                       </a:t>
+            </a:r>
+            <a:r>
+              <a:rPr lang="zh-CN" altLang="en-US" sz="1200" dirty="0">
+                <a:solidFill>
+                  <a:schemeClr val="bg1"/>
+                </a:solidFill>
+              </a:rPr>
+              <a:t>部门：产品研发部</a:t>
+            </a:r>
+          </a:p>
+        </p:txBody>
+      </p:sp>
+    </p:spTree>
+  </p:cSld>
+  <p:clrMapOvr>
+    <a:masterClrMapping/>
+  </p:clrMapOvr>
+  <mc:AlternateContent xmlns:mc="http://schemas.openxmlformats.org/markup-compatibility/2006" xmlns:p14="http://schemas.microsoft.com/office/powerpoint/2010/main">
+    <mc:Choice Requires="p14">
+      <p:transition spd="slow" p14:dur="1600">
+        <p:blinds dir="vert"/>
+      </p:transition>
+    </mc:Choice>
+    <mc:Fallback xmlns="">
+      <p:transition spd="slow">
+        <p:blinds dir="vert"/>
+      </p:transition>
+    </mc:Fallback>
+  </mc:AlternateContent>
+  <p:timing>
+    <p:tnLst>
+      <p:par>
+        <p:cTn id="1" dur="indefinite" restart="never" nodeType="tmRoot">
+          <p:childTnLst>
+            <p:seq concurrent="1" nextAc="seek">
+              <p:cTn id="2" dur="indefinite" nodeType="mainSeq">
+                <p:childTnLst>
+                  <p:par>
+                    <p:cTn id="3" fill="hold">
+                      <p:stCondLst>
+                        <p:cond delay="indefinite"/>
+                      </p:stCondLst>
+                      <p:childTnLst>
+                        <p:par>
+                          <p:cTn id="4" fill="hold">
+                            <p:stCondLst>
+                              <p:cond delay="0"/>
+                            </p:stCondLst>
+                            <p:childTnLst>
+                              <p:par>
+                                <p:cTn id="5" presetID="2" presetClass="entr" presetSubtype="8" fill="hold" nodeType="clickEffect">
+                                  <p:stCondLst>
+                                    <p:cond delay="0"/>
+                                  </p:stCondLst>
+                                  <p:childTnLst>
+                                    <p:set>
+                                      <p:cBhvr>
+                                        <p:cTn id="6" dur="1" fill="hold">
+                                          <p:stCondLst>
+                                            <p:cond delay="0"/>
+                                          </p:stCondLst>
+                                        </p:cTn>
+                                        <p:tgtEl>
+                                          <p:spTgt spid="29"/>
+                                        </p:tgtEl>
+                                        <p:attrNameLst>
+                                          <p:attrName>style.visibility</p:attrName>
+                                        </p:attrNameLst>
+                                      </p:cBhvr>
+                                      <p:to>
+                                        <p:strVal val="visible"/>
+                                      </p:to>
+                                    </p:set>
+                                    <p:anim calcmode="lin" valueType="num">
+                                      <p:cBhvr additive="base">
+                                        <p:cTn id="7" dur="500" fill="hold"/>
+                                        <p:tgtEl>
+                                          <p:spTgt spid="29"/>
+                                        </p:tgtEl>
+                                        <p:attrNameLst>
+                                          <p:attrName>ppt_x</p:attrName>
+                                        </p:attrNameLst>
+                                      </p:cBhvr>
+                                      <p:tavLst>
+                                        <p:tav tm="0">
+                                          <p:val>
+                                            <p:strVal val="0-#ppt_w/2"/>
+                                          </p:val>
+                                        </p:tav>
+                                        <p:tav tm="100000">
+                                          <p:val>
+                                            <p:strVal val="#ppt_x"/>
+                                          </p:val>
+                                        </p:tav>
+                                      </p:tavLst>
+                                    </p:anim>
+                                    <p:anim calcmode="lin" valueType="num">
+                                      <p:cBhvr additive="base">
+                                        <p:cTn id="8" dur="500" fill="hold"/>
+                                        <p:tgtEl>
+                                          <p:spTgt spid="29"/>
+                                        </p:tgtEl>
+                                        <p:attrNameLst>
+                                          <p:attrName>ppt_y</p:attrName>
+                                        </p:attrNameLst>
+                                      </p:cBhvr>
+                                      <p:tavLst>
+                                        <p:tav tm="0">
+                                          <p:val>
+                                            <p:strVal val="#ppt_y"/>
+                                          </p:val>
+                                        </p:tav>
+                                        <p:tav tm="100000">
+                                          <p:val>
+                                            <p:strVal val="#ppt_y"/>
+                                          </p:val>
+                                        </p:tav>
+                                      </p:tavLst>
+                                    </p:anim>
+                                  </p:childTnLst>
+                                </p:cTn>
+                              </p:par>
+                              <p:par>
+                                <p:cTn id="9" presetID="22" presetClass="entr" presetSubtype="1" fill="hold" nodeType="withEffect">
+                                  <p:stCondLst>
+                                    <p:cond delay="0"/>
+                                  </p:stCondLst>
+                                  <p:childTnLst>
+                                    <p:set>
+                                      <p:cBhvr>
+                                        <p:cTn id="10" dur="1" fill="hold">
+                                          <p:stCondLst>
+                                            <p:cond delay="0"/>
+                                          </p:stCondLst>
+                                        </p:cTn>
+                                        <p:tgtEl>
+                                          <p:spTgt spid="34"/>
+                                        </p:tgtEl>
+                                        <p:attrNameLst>
+                                          <p:attrName>style.visibility</p:attrName>
+                                        </p:attrNameLst>
+                                      </p:cBhvr>
+                                      <p:to>
+                                        <p:strVal val="visible"/>
+                                      </p:to>
+                                    </p:set>
+                                    <p:animEffect transition="in" filter="wipe(up)">
+                                      <p:cBhvr>
+                                        <p:cTn id="11" dur="500"/>
+                                        <p:tgtEl>
+                                          <p:spTgt spid="34"/>
+                                        </p:tgtEl>
+                                      </p:cBhvr>
+                                    </p:animEffect>
+                                  </p:childTnLst>
+                                </p:cTn>
+                              </p:par>
+                              <p:par>
+                                <p:cTn id="12" presetID="22" presetClass="entr" presetSubtype="1" fill="hold" grpId="0" nodeType="withEffect">
+                                  <p:stCondLst>
+                                    <p:cond delay="0"/>
+                                  </p:stCondLst>
+                                  <p:childTnLst>
+                                    <p:set>
+                                      <p:cBhvr>
+                                        <p:cTn id="13" dur="1" fill="hold">
+                                          <p:stCondLst>
+                                            <p:cond delay="0"/>
+                                          </p:stCondLst>
+                                        </p:cTn>
+                                        <p:tgtEl>
+                                          <p:spTgt spid="2"/>
+                                        </p:tgtEl>
+                                        <p:attrNameLst>
+                                          <p:attrName>style.visibility</p:attrName>
+                                        </p:attrNameLst>
+                                      </p:cBhvr>
+                                      <p:to>
+                                        <p:strVal val="visible"/>
+                                      </p:to>
+                                    </p:set>
+                                    <p:animEffect transition="in" filter="wipe(up)">
+                                      <p:cBhvr>
+                                        <p:cTn id="14" dur="500"/>
+                                        <p:tgtEl>
+                                          <p:spTgt spid="2"/>
+                                        </p:tgtEl>
+                                      </p:cBhvr>
+                                    </p:animEffect>
+                                  </p:childTnLst>
+                                </p:cTn>
+                              </p:par>
+                            </p:childTnLst>
+                          </p:cTn>
+                        </p:par>
+                        <p:par>
+                          <p:cTn id="15" fill="hold">
+                            <p:stCondLst>
+                              <p:cond delay="500"/>
+                            </p:stCondLst>
+                            <p:childTnLst>
+                              <p:par>
+                                <p:cTn id="16" presetID="22" presetClass="entr" presetSubtype="4" fill="hold" grpId="0" nodeType="afterEffect">
+                                  <p:stCondLst>
+                                    <p:cond delay="0"/>
+                                  </p:stCondLst>
+                                  <p:childTnLst>
+                                    <p:set>
+                                      <p:cBhvr>
+                                        <p:cTn id="17" dur="1" fill="hold">
+                                          <p:stCondLst>
+                                            <p:cond delay="0"/>
+                                          </p:stCondLst>
+                                        </p:cTn>
+                                        <p:tgtEl>
+                                          <p:spTgt spid="4"/>
+                                        </p:tgtEl>
+                                        <p:attrNameLst>
+                                          <p:attrName>style.visibility</p:attrName>
+                                        </p:attrNameLst>
+                                      </p:cBhvr>
+                                      <p:to>
+                                        <p:strVal val="visible"/>
+                                      </p:to>
+                                    </p:set>
+                                    <p:animEffect transition="in" filter="wipe(down)">
+                                      <p:cBhvr>
+                                        <p:cTn id="18" dur="500"/>
+                                        <p:tgtEl>
+                                          <p:spTgt spid="4"/>
+                                        </p:tgtEl>
+                                      </p:cBhvr>
+                                    </p:animEffect>
+                                  </p:childTnLst>
+                                </p:cTn>
+                              </p:par>
+                              <p:par>
+                                <p:cTn id="19" presetID="22" presetClass="entr" presetSubtype="8" fill="hold" grpId="0" nodeType="withEffect">
+                                  <p:stCondLst>
+                                    <p:cond delay="0"/>
+                                  </p:stCondLst>
+                                  <p:childTnLst>
+                                    <p:set>
+                                      <p:cBhvr>
+                                        <p:cTn id="20" dur="1" fill="hold">
+                                          <p:stCondLst>
+                                            <p:cond delay="0"/>
+                                          </p:stCondLst>
+                                        </p:cTn>
+                                        <p:tgtEl>
+                                          <p:spTgt spid="10"/>
+                                        </p:tgtEl>
+                                        <p:attrNameLst>
+                                          <p:attrName>style.visibility</p:attrName>
+                                        </p:attrNameLst>
+                                      </p:cBhvr>
+                                      <p:to>
+                                        <p:strVal val="visible"/>
+                                      </p:to>
+                                    </p:set>
+                                    <p:animEffect transition="in" filter="wipe(left)">
+                                      <p:cBhvr>
+                                        <p:cTn id="21" dur="500"/>
+                                        <p:tgtEl>
+                                          <p:spTgt spid="10"/>
+                                        </p:tgtEl>
+                                      </p:cBhvr>
+                                    </p:animEffect>
+                                  </p:childTnLst>
+                                </p:cTn>
+                              </p:par>
+                            </p:childTnLst>
+                          </p:cTn>
+                        </p:par>
+                        <p:par>
+                          <p:cTn id="22" fill="hold">
+                            <p:stCondLst>
+                              <p:cond delay="1000"/>
+                            </p:stCondLst>
+                            <p:childTnLst>
+                              <p:par>
+                                <p:cTn id="23" presetID="22" presetClass="entr" presetSubtype="4" fill="hold" grpId="0" nodeType="afterEffect">
+                                  <p:stCondLst>
+                                    <p:cond delay="0"/>
+                                  </p:stCondLst>
+                                  <p:childTnLst>
+                                    <p:set>
+                                      <p:cBhvr>
+                                        <p:cTn id="24" dur="1" fill="hold">
+                                          <p:stCondLst>
+                                            <p:cond delay="0"/>
+                                          </p:stCondLst>
+                                        </p:cTn>
+                                        <p:tgtEl>
+                                          <p:spTgt spid="11"/>
+                                        </p:tgtEl>
+                                        <p:attrNameLst>
+                                          <p:attrName>style.visibility</p:attrName>
+                                        </p:attrNameLst>
+                                      </p:cBhvr>
+                                      <p:to>
+                                        <p:strVal val="visible"/>
+                                      </p:to>
+                                    </p:set>
+                                    <p:animEffect transition="in" filter="wipe(down)">
+                                      <p:cBhvr>
+                                        <p:cTn id="25" dur="500"/>
+                                        <p:tgtEl>
+                                          <p:spTgt spid="11"/>
+                                        </p:tgtEl>
+                                      </p:cBhvr>
+                                    </p:animEffect>
+                                  </p:childTnLst>
+                                </p:cTn>
+                              </p:par>
+                            </p:childTnLst>
+                          </p:cTn>
+                        </p:par>
+                      </p:childTnLst>
+                    </p:cTn>
+                  </p:par>
+                </p:childTnLst>
+              </p:cTn>
+              <p:prevCondLst>
+                <p:cond evt="onPrev" delay="0">
+                  <p:tgtEl>
+                    <p:sldTgt/>
+                  </p:tgtEl>
+                </p:cond>
+              </p:prevCondLst>
+              <p:nextCondLst>
+                <p:cond evt="onNext" delay="0">
+                  <p:tgtEl>
+                    <p:sldTgt/>
+                  </p:tgtEl>
+                </p:cond>
+              </p:nextCondLst>
+            </p:seq>
+          </p:childTnLst>
+        </p:cTn>
+      </p:par>
+    </p:tnLst>
+    <p:bldLst>
+      <p:bldP spid="2" grpId="0"/>
+      <p:bldP spid="2" grpId="1"/>
+      <p:bldP spid="4" grpId="0" animBg="1"/>
+      <p:bldP spid="4" grpId="1" animBg="1"/>
+      <p:bldP spid="10" grpId="0"/>
+      <p:bldP spid="10" grpId="1"/>
+      <p:bldP spid="11" grpId="0" bldLvl="0" animBg="1"/>
+      <p:bldP spid="11" grpId="1" animBg="1"/>
+    </p:bldLst>
+  </p:timing>
+</p:sld>
+</file>
+
+<file path=ppt/slides/slide20.xml><?xml version="1.0" encoding="utf-8"?>
 <p:sld xmlns:a="http://schemas.openxmlformats.org/drawingml/2006/main" xmlns:r="http://schemas.openxmlformats.org/officeDocument/2006/relationships" xmlns:p="http://schemas.openxmlformats.org/presentationml/2006/main">
   <p:cSld>
     <p:spTree>
@@ -14894,1238 +17444,7 @@
 </p:sld>
 </file>
 
-<file path=ppt/slides/slide2.xml><?xml version="1.0" encoding="utf-8"?>
-<p:sld xmlns:a="http://schemas.openxmlformats.org/drawingml/2006/main" xmlns:r="http://schemas.openxmlformats.org/officeDocument/2006/relationships" xmlns:p="http://schemas.openxmlformats.org/presentationml/2006/main">
-  <p:cSld>
-    <p:spTree>
-      <p:nvGrpSpPr>
-        <p:cNvPr id="1" name=""/>
-        <p:cNvGrpSpPr/>
-        <p:nvPr/>
-      </p:nvGrpSpPr>
-      <p:grpSpPr>
-        <a:xfrm>
-          <a:off x="0" y="0"/>
-          <a:ext cx="0" cy="0"/>
-          <a:chOff x="0" y="0"/>
-          <a:chExt cx="0" cy="0"/>
-        </a:xfrm>
-      </p:grpSpPr>
-      <p:grpSp>
-        <p:nvGrpSpPr>
-          <p:cNvPr id="34" name="组合 33"/>
-          <p:cNvGrpSpPr/>
-          <p:nvPr/>
-        </p:nvGrpSpPr>
-        <p:grpSpPr>
-          <a:xfrm>
-            <a:off x="827405" y="1391916"/>
-            <a:ext cx="6943725" cy="2406650"/>
-            <a:chOff x="1303" y="2418"/>
-            <a:chExt cx="10935" cy="3790"/>
-          </a:xfrm>
-        </p:grpSpPr>
-        <p:sp>
-          <p:nvSpPr>
-            <p:cNvPr id="3" name="PA-文本框 5"/>
-            <p:cNvSpPr txBox="1">
-              <a:spLocks noChangeArrowheads="1"/>
-            </p:cNvSpPr>
-            <p:nvPr>
-              <p:custDataLst>
-                <p:tags r:id="rId4"/>
-              </p:custDataLst>
-            </p:nvPr>
-          </p:nvSpPr>
-          <p:spPr bwMode="auto">
-            <a:xfrm>
-              <a:off x="1630" y="2418"/>
-              <a:ext cx="5404" cy="2931"/>
-            </a:xfrm>
-            <a:prstGeom prst="rect">
-              <a:avLst/>
-            </a:prstGeom>
-            <a:noFill/>
-            <a:ln w="9525">
-              <a:noFill/>
-              <a:miter lim="800000"/>
-            </a:ln>
-          </p:spPr>
-          <p:txBody>
-            <a:bodyPr wrap="none">
-              <a:spAutoFit/>
-            </a:bodyPr>
-            <a:lstStyle/>
-            <a:p>
-              <a:pPr algn="ctr"/>
-              <a:r>
-                <a:rPr lang="en-US" altLang="zh-CN" sz="11500" b="1" dirty="0">
-                  <a:gradFill>
-                    <a:gsLst>
-                      <a:gs pos="0">
-                        <a:srgbClr val="F0D58B"/>
-                      </a:gs>
-                      <a:gs pos="100000">
-                        <a:srgbClr val="D9B44F"/>
-                      </a:gs>
-                    </a:gsLst>
-                    <a:path path="circle"/>
-                  </a:gradFill>
-                  <a:ea typeface="+mj-ea"/>
-                  <a:cs typeface="+mn-lt"/>
-                </a:rPr>
-                <a:t>2022</a:t>
-              </a:r>
-            </a:p>
-          </p:txBody>
-        </p:sp>
-        <p:sp>
-          <p:nvSpPr>
-            <p:cNvPr id="5" name="PA_文本框 198"/>
-            <p:cNvSpPr txBox="1">
-              <a:spLocks noChangeArrowheads="1"/>
-            </p:cNvSpPr>
-            <p:nvPr>
-              <p:custDataLst>
-                <p:tags r:id="rId5"/>
-              </p:custDataLst>
-            </p:nvPr>
-          </p:nvSpPr>
-          <p:spPr bwMode="ltGray">
-            <a:xfrm>
-              <a:off x="1303" y="4917"/>
-              <a:ext cx="10935" cy="1291"/>
-            </a:xfrm>
-            <a:prstGeom prst="rect">
-              <a:avLst/>
-            </a:prstGeom>
-            <a:noFill/>
-            <a:ln>
-              <a:noFill/>
-            </a:ln>
-            <a:effectLst/>
-          </p:spPr>
-          <p:txBody>
-            <a:bodyPr wrap="square" lIns="81667" tIns="40833" rIns="81667" bIns="40833">
-              <a:spAutoFit/>
-            </a:bodyPr>
-            <a:lstStyle>
-              <a:lvl1pPr algn="l" defTabSz="815975" fontAlgn="base">
-                <a:defRPr>
-                  <a:solidFill>
-                    <a:schemeClr val="tx1"/>
-                  </a:solidFill>
-                  <a:latin typeface="Arial" panose="020B0604020202020204" pitchFamily="34" charset="0"/>
-                </a:defRPr>
-              </a:lvl1pPr>
-              <a:lvl2pPr marL="408305" algn="l" defTabSz="815975" fontAlgn="base">
-                <a:defRPr>
-                  <a:solidFill>
-                    <a:schemeClr val="tx1"/>
-                  </a:solidFill>
-                  <a:latin typeface="Arial" panose="020B0604020202020204" pitchFamily="34" charset="0"/>
-                </a:defRPr>
-              </a:lvl2pPr>
-              <a:lvl3pPr marL="815975" algn="l" defTabSz="815975" fontAlgn="base">
-                <a:defRPr>
-                  <a:solidFill>
-                    <a:schemeClr val="tx1"/>
-                  </a:solidFill>
-                  <a:latin typeface="Arial" panose="020B0604020202020204" pitchFamily="34" charset="0"/>
-                </a:defRPr>
-              </a:lvl3pPr>
-              <a:lvl4pPr marL="1225550" algn="l" defTabSz="815975" fontAlgn="base">
-                <a:defRPr>
-                  <a:solidFill>
-                    <a:schemeClr val="tx1"/>
-                  </a:solidFill>
-                  <a:latin typeface="Arial" panose="020B0604020202020204" pitchFamily="34" charset="0"/>
-                </a:defRPr>
-              </a:lvl4pPr>
-              <a:lvl5pPr marL="1633855" algn="l" defTabSz="815975" fontAlgn="base">
-                <a:defRPr>
-                  <a:solidFill>
-                    <a:schemeClr val="tx1"/>
-                  </a:solidFill>
-                  <a:latin typeface="Arial" panose="020B0604020202020204" pitchFamily="34" charset="0"/>
-                </a:defRPr>
-              </a:lvl5pPr>
-              <a:lvl6pPr marL="2091055" defTabSz="815975" fontAlgn="base">
-                <a:spcBef>
-                  <a:spcPct val="0"/>
-                </a:spcBef>
-                <a:spcAft>
-                  <a:spcPct val="0"/>
-                </a:spcAft>
-                <a:defRPr>
-                  <a:solidFill>
-                    <a:schemeClr val="tx1"/>
-                  </a:solidFill>
-                  <a:latin typeface="Arial" panose="020B0604020202020204" pitchFamily="34" charset="0"/>
-                </a:defRPr>
-              </a:lvl6pPr>
-              <a:lvl7pPr marL="2548255" defTabSz="815975" fontAlgn="base">
-                <a:spcBef>
-                  <a:spcPct val="0"/>
-                </a:spcBef>
-                <a:spcAft>
-                  <a:spcPct val="0"/>
-                </a:spcAft>
-                <a:defRPr>
-                  <a:solidFill>
-                    <a:schemeClr val="tx1"/>
-                  </a:solidFill>
-                  <a:latin typeface="Arial" panose="020B0604020202020204" pitchFamily="34" charset="0"/>
-                </a:defRPr>
-              </a:lvl7pPr>
-              <a:lvl8pPr marL="3005455" defTabSz="815975" fontAlgn="base">
-                <a:spcBef>
-                  <a:spcPct val="0"/>
-                </a:spcBef>
-                <a:spcAft>
-                  <a:spcPct val="0"/>
-                </a:spcAft>
-                <a:defRPr>
-                  <a:solidFill>
-                    <a:schemeClr val="tx1"/>
-                  </a:solidFill>
-                  <a:latin typeface="Arial" panose="020B0604020202020204" pitchFamily="34" charset="0"/>
-                </a:defRPr>
-              </a:lvl8pPr>
-              <a:lvl9pPr marL="3462655" defTabSz="815975" fontAlgn="base">
-                <a:spcBef>
-                  <a:spcPct val="0"/>
-                </a:spcBef>
-                <a:spcAft>
-                  <a:spcPct val="0"/>
-                </a:spcAft>
-                <a:defRPr>
-                  <a:solidFill>
-                    <a:schemeClr val="tx1"/>
-                  </a:solidFill>
-                  <a:latin typeface="Arial" panose="020B0604020202020204" pitchFamily="34" charset="0"/>
-                </a:defRPr>
-              </a:lvl9pPr>
-            </a:lstStyle>
-            <a:p>
-              <a:pPr eaLnBrk="1" hangingPunct="1">
-                <a:buClrTx/>
-                <a:buSzTx/>
-              </a:pPr>
-              <a:r>
-                <a:rPr lang="zh-CN" altLang="en-US" sz="4800" b="1" dirty="0">
-                  <a:ln w="17780" cmpd="sng">
-                    <a:noFill/>
-                    <a:prstDash val="solid"/>
-                    <a:miter lim="800000"/>
-                  </a:ln>
-                  <a:solidFill>
-                    <a:schemeClr val="bg2"/>
-                  </a:solidFill>
-                  <a:effectLst/>
-                  <a:latin typeface="思源黑体 CN Medium" panose="020B0600000000000000" pitchFamily="34" charset="-122"/>
-                  <a:ea typeface="思源黑体 CN Medium" panose="020B0600000000000000" pitchFamily="34" charset="-122"/>
-                </a:rPr>
-                <a:t>入职第二月述职报告</a:t>
-              </a:r>
-            </a:p>
-          </p:txBody>
-        </p:sp>
-      </p:grpSp>
-      <p:sp>
-        <p:nvSpPr>
-          <p:cNvPr id="2" name="PA_矩形 1"/>
-          <p:cNvSpPr/>
-          <p:nvPr>
-            <p:custDataLst>
-              <p:tags r:id="rId1"/>
-            </p:custDataLst>
-          </p:nvPr>
-        </p:nvSpPr>
-        <p:spPr>
-          <a:xfrm>
-            <a:off x="827405" y="3790311"/>
-            <a:ext cx="7929880" cy="398780"/>
-          </a:xfrm>
-          <a:prstGeom prst="rect">
-            <a:avLst/>
-          </a:prstGeom>
-        </p:spPr>
-        <p:txBody>
-          <a:bodyPr wrap="none">
-            <a:spAutoFit/>
-          </a:bodyPr>
-          <a:lstStyle/>
-          <a:p>
-            <a:pPr algn="l"/>
-            <a:r>
-              <a:rPr lang="zh-CN" altLang="en-US" sz="2000" dirty="0">
-                <a:solidFill>
-                  <a:schemeClr val="bg1"/>
-                </a:solidFill>
-                <a:latin typeface="思源黑体 CN Medium" panose="020B0600000000000000" pitchFamily="34" charset="-122"/>
-                <a:ea typeface="思源黑体 CN Medium" panose="020B0600000000000000" pitchFamily="34" charset="-122"/>
-                <a:cs typeface="微软雅黑" panose="020B0503020204020204" pitchFamily="34" charset="-122"/>
-              </a:rPr>
-              <a:t> 自我介绍</a:t>
-            </a:r>
-            <a:r>
-              <a:rPr lang="en-US" altLang="zh-CN" sz="2000" dirty="0">
-                <a:solidFill>
-                  <a:schemeClr val="bg1"/>
-                </a:solidFill>
-                <a:latin typeface="思源黑体 CN Medium" panose="020B0600000000000000" pitchFamily="34" charset="-122"/>
-                <a:ea typeface="思源黑体 CN Medium" panose="020B0600000000000000" pitchFamily="34" charset="-122"/>
-                <a:cs typeface="微软雅黑" panose="020B0503020204020204" pitchFamily="34" charset="-122"/>
-              </a:rPr>
-              <a:t>|</a:t>
-            </a:r>
-            <a:r>
-              <a:rPr lang="zh-CN" altLang="en-US" sz="2000" dirty="0">
-                <a:solidFill>
-                  <a:schemeClr val="bg1"/>
-                </a:solidFill>
-                <a:latin typeface="思源黑体 CN Medium" panose="020B0600000000000000" pitchFamily="34" charset="-122"/>
-                <a:ea typeface="思源黑体 CN Medium" panose="020B0600000000000000" pitchFamily="34" charset="-122"/>
-                <a:cs typeface="微软雅黑" panose="020B0503020204020204" pitchFamily="34" charset="-122"/>
-              </a:rPr>
-              <a:t>工作总结</a:t>
-            </a:r>
-            <a:r>
-              <a:rPr lang="en-US" altLang="zh-CN" sz="2000" dirty="0">
-                <a:solidFill>
-                  <a:schemeClr val="bg1"/>
-                </a:solidFill>
-                <a:latin typeface="思源黑体 CN Medium" panose="020B0600000000000000" pitchFamily="34" charset="-122"/>
-                <a:ea typeface="思源黑体 CN Medium" panose="020B0600000000000000" pitchFamily="34" charset="-122"/>
-                <a:cs typeface="微软雅黑" panose="020B0503020204020204" pitchFamily="34" charset="-122"/>
-              </a:rPr>
-              <a:t>| </a:t>
-            </a:r>
-            <a:r>
-              <a:rPr lang="zh-CN" altLang="en-US" sz="2000" dirty="0">
-                <a:solidFill>
-                  <a:schemeClr val="bg1"/>
-                </a:solidFill>
-                <a:latin typeface="思源黑体 CN Medium" panose="020B0600000000000000" pitchFamily="34" charset="-122"/>
-                <a:ea typeface="思源黑体 CN Medium" panose="020B0600000000000000" pitchFamily="34" charset="-122"/>
-                <a:cs typeface="微软雅黑" panose="020B0503020204020204" pitchFamily="34" charset="-122"/>
-              </a:rPr>
-              <a:t>工作分析 </a:t>
-            </a:r>
-            <a:r>
-              <a:rPr lang="en-US" altLang="zh-CN" sz="2000" dirty="0">
-                <a:solidFill>
-                  <a:schemeClr val="bg1"/>
-                </a:solidFill>
-                <a:latin typeface="思源黑体 CN Medium" panose="020B0600000000000000" pitchFamily="34" charset="-122"/>
-                <a:ea typeface="思源黑体 CN Medium" panose="020B0600000000000000" pitchFamily="34" charset="-122"/>
-                <a:cs typeface="微软雅黑" panose="020B0503020204020204" pitchFamily="34" charset="-122"/>
-              </a:rPr>
-              <a:t>| </a:t>
-            </a:r>
-            <a:r>
-              <a:rPr lang="zh-CN" altLang="en-US" sz="2000" dirty="0">
-                <a:solidFill>
-                  <a:schemeClr val="bg1"/>
-                </a:solidFill>
-                <a:latin typeface="思源黑体 CN Medium" panose="020B0600000000000000" pitchFamily="34" charset="-122"/>
-                <a:ea typeface="思源黑体 CN Medium" panose="020B0600000000000000" pitchFamily="34" charset="-122"/>
-                <a:cs typeface="微软雅黑" panose="020B0503020204020204" pitchFamily="34" charset="-122"/>
-              </a:rPr>
-              <a:t>解决方案</a:t>
-            </a:r>
-            <a:r>
-              <a:rPr lang="en-US" altLang="zh-CN" sz="2000" dirty="0">
-                <a:solidFill>
-                  <a:schemeClr val="bg1"/>
-                </a:solidFill>
-                <a:latin typeface="思源黑体 CN Medium" panose="020B0600000000000000" pitchFamily="34" charset="-122"/>
-                <a:ea typeface="思源黑体 CN Medium" panose="020B0600000000000000" pitchFamily="34" charset="-122"/>
-                <a:cs typeface="微软雅黑" panose="020B0503020204020204" pitchFamily="34" charset="-122"/>
-                <a:sym typeface="+mn-ea"/>
-              </a:rPr>
-              <a:t> </a:t>
-            </a:r>
-            <a:r>
-              <a:rPr lang="en-US" altLang="zh-CN" sz="2000" dirty="0">
-                <a:solidFill>
-                  <a:schemeClr val="bg1"/>
-                </a:solidFill>
-                <a:latin typeface="思源黑体 CN Medium" panose="020B0600000000000000" pitchFamily="34" charset="-122"/>
-                <a:ea typeface="思源黑体 CN Medium" panose="020B0600000000000000" pitchFamily="34" charset="-122"/>
-                <a:cs typeface="微软雅黑" panose="020B0503020204020204" pitchFamily="34" charset="-122"/>
-              </a:rPr>
-              <a:t>| </a:t>
-            </a:r>
-            <a:r>
-              <a:rPr lang="zh-CN" altLang="en-US" sz="2000" dirty="0">
-                <a:solidFill>
-                  <a:schemeClr val="bg1"/>
-                </a:solidFill>
-                <a:latin typeface="思源黑体 CN Medium" panose="020B0600000000000000" pitchFamily="34" charset="-122"/>
-                <a:ea typeface="思源黑体 CN Medium" panose="020B0600000000000000" pitchFamily="34" charset="-122"/>
-                <a:cs typeface="微软雅黑" panose="020B0503020204020204" pitchFamily="34" charset="-122"/>
-              </a:rPr>
-              <a:t>个人总结</a:t>
-            </a:r>
-            <a:r>
-              <a:rPr lang="en-US" altLang="zh-CN" sz="2000" dirty="0">
-                <a:solidFill>
-                  <a:schemeClr val="bg1"/>
-                </a:solidFill>
-                <a:latin typeface="思源黑体 CN Medium" panose="020B0600000000000000" pitchFamily="34" charset="-122"/>
-                <a:ea typeface="思源黑体 CN Medium" panose="020B0600000000000000" pitchFamily="34" charset="-122"/>
-                <a:cs typeface="微软雅黑" panose="020B0503020204020204" pitchFamily="34" charset="-122"/>
-              </a:rPr>
-              <a:t> | </a:t>
-            </a:r>
-            <a:r>
-              <a:rPr lang="zh-CN" altLang="en-US" sz="2000" dirty="0">
-                <a:solidFill>
-                  <a:schemeClr val="bg1"/>
-                </a:solidFill>
-                <a:latin typeface="思源黑体 CN Medium" panose="020B0600000000000000" pitchFamily="34" charset="-122"/>
-                <a:ea typeface="思源黑体 CN Medium" panose="020B0600000000000000" pitchFamily="34" charset="-122"/>
-                <a:cs typeface="微软雅黑" panose="020B0503020204020204" pitchFamily="34" charset="-122"/>
-              </a:rPr>
-              <a:t>工作计划</a:t>
-            </a:r>
-          </a:p>
-        </p:txBody>
-      </p:sp>
-      <p:sp>
-        <p:nvSpPr>
-          <p:cNvPr id="4" name="PA_文本框 8"/>
-          <p:cNvSpPr txBox="1"/>
-          <p:nvPr>
-            <p:custDataLst>
-              <p:tags r:id="rId2"/>
-            </p:custDataLst>
-          </p:nvPr>
-        </p:nvSpPr>
-        <p:spPr>
-          <a:xfrm>
-            <a:off x="837544" y="4377170"/>
-            <a:ext cx="5715799" cy="645160"/>
-          </a:xfrm>
-          <a:prstGeom prst="rect">
-            <a:avLst/>
-          </a:prstGeom>
-          <a:noFill/>
-          <a:effectLst/>
-        </p:spPr>
-        <p:txBody>
-          <a:bodyPr wrap="square" rtlCol="0">
-            <a:spAutoFit/>
-          </a:bodyPr>
-          <a:lstStyle/>
-          <a:p>
-            <a:r>
-              <a:rPr lang="en-US" altLang="zh-CN" sz="1200" dirty="0">
-                <a:solidFill>
-                  <a:schemeClr val="bg1"/>
-                </a:solidFill>
-              </a:rPr>
-              <a:t>Gray Yellow Business report PPT Gray Yellow Business report PPT Gray Yellow Business report PPT Gray Yellow Business report PPT Gray Yellow Business report PPT</a:t>
-            </a:r>
-            <a:endParaRPr lang="en-US" altLang="zh-CN" sz="1200" dirty="0">
-              <a:solidFill>
-                <a:schemeClr val="bg1"/>
-              </a:solidFill>
-              <a:latin typeface="思源黑体 CN Medium" panose="020B0600000000000000" pitchFamily="34" charset="-122"/>
-              <a:ea typeface="思源黑体 CN Medium" panose="020B0600000000000000" pitchFamily="34" charset="-122"/>
-            </a:endParaRPr>
-          </a:p>
-        </p:txBody>
-      </p:sp>
-      <p:grpSp>
-        <p:nvGrpSpPr>
-          <p:cNvPr id="29" name="组合 28"/>
-          <p:cNvGrpSpPr/>
-          <p:nvPr/>
-        </p:nvGrpSpPr>
-        <p:grpSpPr>
-          <a:xfrm rot="10800000" flipH="1" flipV="1">
-            <a:off x="951865" y="4270371"/>
-            <a:ext cx="5413375" cy="121285"/>
-            <a:chOff x="4185398" y="2422358"/>
-            <a:chExt cx="4878392" cy="0"/>
-          </a:xfrm>
-        </p:grpSpPr>
-        <p:cxnSp>
-          <p:nvCxnSpPr>
-            <p:cNvPr id="30" name="直接连接符 29"/>
-            <p:cNvCxnSpPr/>
-            <p:nvPr/>
-          </p:nvCxnSpPr>
-          <p:spPr>
-            <a:xfrm>
-              <a:off x="4185398" y="2422358"/>
-              <a:ext cx="4637760" cy="0"/>
-            </a:xfrm>
-            <a:prstGeom prst="line">
-              <a:avLst/>
-            </a:prstGeom>
-            <a:ln>
-              <a:solidFill>
-                <a:srgbClr val="F0D58B">
-                  <a:alpha val="48000"/>
-                </a:srgbClr>
-              </a:solidFill>
-            </a:ln>
-          </p:spPr>
-          <p:style>
-            <a:lnRef idx="1">
-              <a:schemeClr val="accent1"/>
-            </a:lnRef>
-            <a:fillRef idx="0">
-              <a:schemeClr val="accent1"/>
-            </a:fillRef>
-            <a:effectRef idx="0">
-              <a:schemeClr val="accent1"/>
-            </a:effectRef>
-            <a:fontRef idx="minor">
-              <a:schemeClr val="tx1"/>
-            </a:fontRef>
-          </p:style>
-        </p:cxnSp>
-        <p:cxnSp>
-          <p:nvCxnSpPr>
-            <p:cNvPr id="31" name="直接连接符 30"/>
-            <p:cNvCxnSpPr/>
-            <p:nvPr/>
-          </p:nvCxnSpPr>
-          <p:spPr>
-            <a:xfrm>
-              <a:off x="8614611" y="2422358"/>
-              <a:ext cx="449179" cy="0"/>
-            </a:xfrm>
-            <a:prstGeom prst="line">
-              <a:avLst/>
-            </a:prstGeom>
-            <a:ln w="76200">
-              <a:solidFill>
-                <a:srgbClr val="F0D58B"/>
-              </a:solidFill>
-            </a:ln>
-          </p:spPr>
-          <p:style>
-            <a:lnRef idx="1">
-              <a:schemeClr val="accent1"/>
-            </a:lnRef>
-            <a:fillRef idx="0">
-              <a:schemeClr val="accent1"/>
-            </a:fillRef>
-            <a:effectRef idx="0">
-              <a:schemeClr val="accent1"/>
-            </a:effectRef>
-            <a:fontRef idx="minor">
-              <a:schemeClr val="tx1"/>
-            </a:fontRef>
-          </p:style>
-        </p:cxnSp>
-      </p:grpSp>
-      <p:sp>
-        <p:nvSpPr>
-          <p:cNvPr id="10" name="文本框 9"/>
-          <p:cNvSpPr txBox="1"/>
-          <p:nvPr/>
-        </p:nvSpPr>
-        <p:spPr>
-          <a:xfrm>
-            <a:off x="817880" y="6138545"/>
-            <a:ext cx="4886325" cy="213995"/>
-          </a:xfrm>
-          <a:prstGeom prst="rect">
-            <a:avLst/>
-          </a:prstGeom>
-          <a:noFill/>
-        </p:spPr>
-        <p:txBody>
-          <a:bodyPr wrap="square" rtlCol="0">
-            <a:spAutoFit/>
-          </a:bodyPr>
-          <a:lstStyle/>
-          <a:p>
-            <a:r>
-              <a:rPr lang="zh-CN" altLang="en-US" sz="800" dirty="0">
-                <a:solidFill>
-                  <a:schemeClr val="bg1">
-                    <a:lumMod val="75000"/>
-                  </a:schemeClr>
-                </a:solidFill>
-                <a:latin typeface="微软雅黑" panose="020B0503020204020204" pitchFamily="34" charset="-122"/>
-                <a:ea typeface="微软雅黑" panose="020B0503020204020204" pitchFamily="34" charset="-122"/>
-              </a:rPr>
-              <a:t>北</a:t>
-            </a:r>
-            <a:r>
-              <a:rPr lang="en-US" altLang="zh-CN" sz="800" dirty="0">
-                <a:solidFill>
-                  <a:schemeClr val="bg1">
-                    <a:lumMod val="75000"/>
-                  </a:schemeClr>
-                </a:solidFill>
-                <a:latin typeface="微软雅黑" panose="020B0503020204020204" pitchFamily="34" charset="-122"/>
-                <a:ea typeface="微软雅黑" panose="020B0503020204020204" pitchFamily="34" charset="-122"/>
-              </a:rPr>
-              <a:t>  /  </a:t>
-            </a:r>
-            <a:r>
-              <a:rPr lang="zh-CN" altLang="en-US" sz="800" dirty="0">
-                <a:solidFill>
-                  <a:schemeClr val="bg1">
-                    <a:lumMod val="75000"/>
-                  </a:schemeClr>
-                </a:solidFill>
-                <a:latin typeface="微软雅黑" panose="020B0503020204020204" pitchFamily="34" charset="-122"/>
-                <a:ea typeface="微软雅黑" panose="020B0503020204020204" pitchFamily="34" charset="-122"/>
-              </a:rPr>
-              <a:t>京</a:t>
-            </a:r>
-            <a:r>
-              <a:rPr lang="en-US" altLang="zh-CN" sz="800" dirty="0">
-                <a:solidFill>
-                  <a:schemeClr val="bg1">
-                    <a:lumMod val="75000"/>
-                  </a:schemeClr>
-                </a:solidFill>
-                <a:latin typeface="微软雅黑" panose="020B0503020204020204" pitchFamily="34" charset="-122"/>
-                <a:ea typeface="微软雅黑" panose="020B0503020204020204" pitchFamily="34" charset="-122"/>
-              </a:rPr>
-              <a:t>  /  </a:t>
-            </a:r>
-            <a:r>
-              <a:rPr lang="zh-CN" altLang="en-US" sz="800" dirty="0">
-                <a:solidFill>
-                  <a:schemeClr val="bg1">
-                    <a:lumMod val="75000"/>
-                  </a:schemeClr>
-                </a:solidFill>
-                <a:latin typeface="微软雅黑" panose="020B0503020204020204" pitchFamily="34" charset="-122"/>
-                <a:ea typeface="微软雅黑" panose="020B0503020204020204" pitchFamily="34" charset="-122"/>
-              </a:rPr>
-              <a:t>中</a:t>
-            </a:r>
-            <a:r>
-              <a:rPr lang="en-US" altLang="zh-CN" sz="800" dirty="0">
-                <a:solidFill>
-                  <a:schemeClr val="bg1">
-                    <a:lumMod val="75000"/>
-                  </a:schemeClr>
-                </a:solidFill>
-                <a:latin typeface="微软雅黑" panose="020B0503020204020204" pitchFamily="34" charset="-122"/>
-                <a:ea typeface="微软雅黑" panose="020B0503020204020204" pitchFamily="34" charset="-122"/>
-              </a:rPr>
-              <a:t>  /  </a:t>
-            </a:r>
-            <a:r>
-              <a:rPr lang="zh-CN" altLang="en-US" sz="800" dirty="0">
-                <a:solidFill>
-                  <a:schemeClr val="bg1">
-                    <a:lumMod val="75000"/>
-                  </a:schemeClr>
-                </a:solidFill>
-                <a:latin typeface="微软雅黑" panose="020B0503020204020204" pitchFamily="34" charset="-122"/>
-                <a:ea typeface="微软雅黑" panose="020B0503020204020204" pitchFamily="34" charset="-122"/>
-              </a:rPr>
-              <a:t>科</a:t>
-            </a:r>
-            <a:r>
-              <a:rPr lang="en-US" altLang="zh-CN" sz="800" dirty="0">
-                <a:solidFill>
-                  <a:schemeClr val="bg1">
-                    <a:lumMod val="75000"/>
-                  </a:schemeClr>
-                </a:solidFill>
-                <a:latin typeface="微软雅黑" panose="020B0503020204020204" pitchFamily="34" charset="-122"/>
-                <a:ea typeface="微软雅黑" panose="020B0503020204020204" pitchFamily="34" charset="-122"/>
-              </a:rPr>
-              <a:t>  /  </a:t>
-            </a:r>
-            <a:r>
-              <a:rPr lang="zh-CN" altLang="en-US" sz="800" dirty="0">
-                <a:solidFill>
-                  <a:schemeClr val="bg1">
-                    <a:lumMod val="75000"/>
-                  </a:schemeClr>
-                </a:solidFill>
-                <a:latin typeface="微软雅黑" panose="020B0503020204020204" pitchFamily="34" charset="-122"/>
-                <a:ea typeface="微软雅黑" panose="020B0503020204020204" pitchFamily="34" charset="-122"/>
-              </a:rPr>
-              <a:t>前</a:t>
-            </a:r>
-            <a:r>
-              <a:rPr lang="en-US" altLang="zh-CN" sz="800" dirty="0">
-                <a:solidFill>
-                  <a:schemeClr val="bg1">
-                    <a:lumMod val="75000"/>
-                  </a:schemeClr>
-                </a:solidFill>
-                <a:latin typeface="微软雅黑" panose="020B0503020204020204" pitchFamily="34" charset="-122"/>
-                <a:ea typeface="微软雅黑" panose="020B0503020204020204" pitchFamily="34" charset="-122"/>
-              </a:rPr>
-              <a:t>  /  </a:t>
-            </a:r>
-            <a:r>
-              <a:rPr lang="zh-CN" altLang="en-US" sz="800" dirty="0">
-                <a:solidFill>
-                  <a:schemeClr val="bg1">
-                    <a:lumMod val="75000"/>
-                  </a:schemeClr>
-                </a:solidFill>
-                <a:latin typeface="微软雅黑" panose="020B0503020204020204" pitchFamily="34" charset="-122"/>
-                <a:ea typeface="微软雅黑" panose="020B0503020204020204" pitchFamily="34" charset="-122"/>
-              </a:rPr>
-              <a:t>沿</a:t>
-            </a:r>
-            <a:r>
-              <a:rPr lang="en-US" altLang="zh-CN" sz="800" dirty="0">
-                <a:solidFill>
-                  <a:schemeClr val="bg1">
-                    <a:lumMod val="75000"/>
-                  </a:schemeClr>
-                </a:solidFill>
-                <a:latin typeface="微软雅黑" panose="020B0503020204020204" pitchFamily="34" charset="-122"/>
-                <a:ea typeface="微软雅黑" panose="020B0503020204020204" pitchFamily="34" charset="-122"/>
-              </a:rPr>
-              <a:t>  /  </a:t>
-            </a:r>
-            <a:r>
-              <a:rPr lang="zh-CN" altLang="en-US" sz="800" dirty="0">
-                <a:solidFill>
-                  <a:schemeClr val="bg1">
-                    <a:lumMod val="75000"/>
-                  </a:schemeClr>
-                </a:solidFill>
-                <a:latin typeface="微软雅黑" panose="020B0503020204020204" pitchFamily="34" charset="-122"/>
-                <a:ea typeface="微软雅黑" panose="020B0503020204020204" pitchFamily="34" charset="-122"/>
-              </a:rPr>
-              <a:t>科</a:t>
-            </a:r>
-            <a:r>
-              <a:rPr lang="en-US" altLang="zh-CN" sz="800" dirty="0">
-                <a:solidFill>
-                  <a:schemeClr val="bg1">
-                    <a:lumMod val="75000"/>
-                  </a:schemeClr>
-                </a:solidFill>
-                <a:latin typeface="微软雅黑" panose="020B0503020204020204" pitchFamily="34" charset="-122"/>
-                <a:ea typeface="微软雅黑" panose="020B0503020204020204" pitchFamily="34" charset="-122"/>
-              </a:rPr>
-              <a:t>  /  </a:t>
-            </a:r>
-            <a:r>
-              <a:rPr lang="zh-CN" altLang="en-US" sz="800" dirty="0">
-                <a:solidFill>
-                  <a:schemeClr val="bg1">
-                    <a:lumMod val="75000"/>
-                  </a:schemeClr>
-                </a:solidFill>
-                <a:latin typeface="微软雅黑" panose="020B0503020204020204" pitchFamily="34" charset="-122"/>
-                <a:ea typeface="微软雅黑" panose="020B0503020204020204" pitchFamily="34" charset="-122"/>
-              </a:rPr>
-              <a:t>技</a:t>
-            </a:r>
-            <a:r>
-              <a:rPr lang="en-US" altLang="zh-CN" sz="800" dirty="0">
-                <a:solidFill>
-                  <a:schemeClr val="bg1">
-                    <a:lumMod val="75000"/>
-                  </a:schemeClr>
-                </a:solidFill>
-                <a:latin typeface="微软雅黑" panose="020B0503020204020204" pitchFamily="34" charset="-122"/>
-                <a:ea typeface="微软雅黑" panose="020B0503020204020204" pitchFamily="34" charset="-122"/>
-              </a:rPr>
-              <a:t>  /  </a:t>
-            </a:r>
-            <a:r>
-              <a:rPr lang="zh-CN" altLang="en-US" sz="800" dirty="0">
-                <a:solidFill>
-                  <a:schemeClr val="bg1">
-                    <a:lumMod val="75000"/>
-                  </a:schemeClr>
-                </a:solidFill>
-                <a:latin typeface="微软雅黑" panose="020B0503020204020204" pitchFamily="34" charset="-122"/>
-                <a:ea typeface="微软雅黑" panose="020B0503020204020204" pitchFamily="34" charset="-122"/>
-              </a:rPr>
-              <a:t>有</a:t>
-            </a:r>
-            <a:r>
-              <a:rPr lang="en-US" altLang="zh-CN" sz="800" dirty="0">
-                <a:solidFill>
-                  <a:schemeClr val="bg1">
-                    <a:lumMod val="75000"/>
-                  </a:schemeClr>
-                </a:solidFill>
-                <a:latin typeface="微软雅黑" panose="020B0503020204020204" pitchFamily="34" charset="-122"/>
-                <a:ea typeface="微软雅黑" panose="020B0503020204020204" pitchFamily="34" charset="-122"/>
-              </a:rPr>
-              <a:t>  /  </a:t>
-            </a:r>
-            <a:r>
-              <a:rPr lang="zh-CN" altLang="en-US" sz="800" dirty="0">
-                <a:solidFill>
-                  <a:schemeClr val="bg1">
-                    <a:lumMod val="75000"/>
-                  </a:schemeClr>
-                </a:solidFill>
-                <a:latin typeface="微软雅黑" panose="020B0503020204020204" pitchFamily="34" charset="-122"/>
-                <a:ea typeface="微软雅黑" panose="020B0503020204020204" pitchFamily="34" charset="-122"/>
-              </a:rPr>
-              <a:t>限</a:t>
-            </a:r>
-            <a:r>
-              <a:rPr lang="en-US" altLang="zh-CN" sz="800" dirty="0">
-                <a:solidFill>
-                  <a:schemeClr val="bg1">
-                    <a:lumMod val="75000"/>
-                  </a:schemeClr>
-                </a:solidFill>
-                <a:latin typeface="微软雅黑" panose="020B0503020204020204" pitchFamily="34" charset="-122"/>
-                <a:ea typeface="微软雅黑" panose="020B0503020204020204" pitchFamily="34" charset="-122"/>
-              </a:rPr>
-              <a:t>  /  </a:t>
-            </a:r>
-            <a:r>
-              <a:rPr lang="zh-CN" altLang="en-US" sz="800" dirty="0">
-                <a:solidFill>
-                  <a:schemeClr val="bg1">
-                    <a:lumMod val="75000"/>
-                  </a:schemeClr>
-                </a:solidFill>
-                <a:latin typeface="微软雅黑" panose="020B0503020204020204" pitchFamily="34" charset="-122"/>
-                <a:ea typeface="微软雅黑" panose="020B0503020204020204" pitchFamily="34" charset="-122"/>
-              </a:rPr>
-              <a:t>公</a:t>
-            </a:r>
-            <a:r>
-              <a:rPr lang="en-US" altLang="zh-CN" sz="800" dirty="0">
-                <a:solidFill>
-                  <a:schemeClr val="bg1">
-                    <a:lumMod val="75000"/>
-                  </a:schemeClr>
-                </a:solidFill>
-                <a:latin typeface="微软雅黑" panose="020B0503020204020204" pitchFamily="34" charset="-122"/>
-                <a:ea typeface="微软雅黑" panose="020B0503020204020204" pitchFamily="34" charset="-122"/>
-              </a:rPr>
-              <a:t>  /  </a:t>
-            </a:r>
-            <a:r>
-              <a:rPr lang="zh-CN" altLang="en-US" sz="800" dirty="0">
-                <a:solidFill>
-                  <a:schemeClr val="bg1">
-                    <a:lumMod val="75000"/>
-                  </a:schemeClr>
-                </a:solidFill>
-                <a:latin typeface="微软雅黑" panose="020B0503020204020204" pitchFamily="34" charset="-122"/>
-                <a:ea typeface="微软雅黑" panose="020B0503020204020204" pitchFamily="34" charset="-122"/>
-              </a:rPr>
-              <a:t>司</a:t>
-            </a:r>
-          </a:p>
-        </p:txBody>
-      </p:sp>
-      <p:sp>
-        <p:nvSpPr>
-          <p:cNvPr id="11" name="PA_文本框 8"/>
-          <p:cNvSpPr txBox="1"/>
-          <p:nvPr>
-            <p:custDataLst>
-              <p:tags r:id="rId3"/>
-            </p:custDataLst>
-          </p:nvPr>
-        </p:nvSpPr>
-        <p:spPr>
-          <a:xfrm>
-            <a:off x="837544" y="5425440"/>
-            <a:ext cx="4344055" cy="275590"/>
-          </a:xfrm>
-          <a:prstGeom prst="rect">
-            <a:avLst/>
-          </a:prstGeom>
-          <a:noFill/>
-          <a:effectLst/>
-        </p:spPr>
-        <p:txBody>
-          <a:bodyPr wrap="square" rtlCol="0">
-            <a:spAutoFit/>
-          </a:bodyPr>
-          <a:lstStyle/>
-          <a:p>
-            <a:r>
-              <a:rPr lang="zh-CN" altLang="en-US" sz="1200" dirty="0">
-                <a:solidFill>
-                  <a:schemeClr val="bg1"/>
-                </a:solidFill>
-              </a:rPr>
-              <a:t>演讲人：黄雪朋</a:t>
-            </a:r>
-            <a:r>
-              <a:rPr lang="en-US" altLang="zh-CN" sz="1200" dirty="0">
-                <a:solidFill>
-                  <a:schemeClr val="bg1"/>
-                </a:solidFill>
-              </a:rPr>
-              <a:t>                       </a:t>
-            </a:r>
-            <a:r>
-              <a:rPr lang="zh-CN" altLang="en-US" sz="1200" dirty="0">
-                <a:solidFill>
-                  <a:schemeClr val="bg1"/>
-                </a:solidFill>
-              </a:rPr>
-              <a:t>部门：产品研发部</a:t>
-            </a:r>
-          </a:p>
-        </p:txBody>
-      </p:sp>
-    </p:spTree>
-  </p:cSld>
-  <p:clrMapOvr>
-    <a:masterClrMapping/>
-  </p:clrMapOvr>
-  <mc:AlternateContent xmlns:mc="http://schemas.openxmlformats.org/markup-compatibility/2006" xmlns:p14="http://schemas.microsoft.com/office/powerpoint/2010/main">
-    <mc:Choice Requires="p14">
-      <p:transition spd="slow" p14:dur="1600">
-        <p:blinds dir="vert"/>
-      </p:transition>
-    </mc:Choice>
-    <mc:Fallback xmlns="">
-      <p:transition spd="slow">
-        <p:blinds dir="vert"/>
-      </p:transition>
-    </mc:Fallback>
-  </mc:AlternateContent>
-  <p:timing>
-    <p:tnLst>
-      <p:par>
-        <p:cTn id="1" dur="indefinite" restart="never" nodeType="tmRoot">
-          <p:childTnLst>
-            <p:seq concurrent="1" nextAc="seek">
-              <p:cTn id="2" dur="indefinite" nodeType="mainSeq">
-                <p:childTnLst>
-                  <p:par>
-                    <p:cTn id="3" fill="hold">
-                      <p:stCondLst>
-                        <p:cond delay="indefinite"/>
-                      </p:stCondLst>
-                      <p:childTnLst>
-                        <p:par>
-                          <p:cTn id="4" fill="hold">
-                            <p:stCondLst>
-                              <p:cond delay="0"/>
-                            </p:stCondLst>
-                            <p:childTnLst>
-                              <p:par>
-                                <p:cTn id="5" presetID="2" presetClass="entr" presetSubtype="8" fill="hold" nodeType="clickEffect">
-                                  <p:stCondLst>
-                                    <p:cond delay="0"/>
-                                  </p:stCondLst>
-                                  <p:childTnLst>
-                                    <p:set>
-                                      <p:cBhvr>
-                                        <p:cTn id="6" dur="1" fill="hold">
-                                          <p:stCondLst>
-                                            <p:cond delay="0"/>
-                                          </p:stCondLst>
-                                        </p:cTn>
-                                        <p:tgtEl>
-                                          <p:spTgt spid="29"/>
-                                        </p:tgtEl>
-                                        <p:attrNameLst>
-                                          <p:attrName>style.visibility</p:attrName>
-                                        </p:attrNameLst>
-                                      </p:cBhvr>
-                                      <p:to>
-                                        <p:strVal val="visible"/>
-                                      </p:to>
-                                    </p:set>
-                                    <p:anim calcmode="lin" valueType="num">
-                                      <p:cBhvr additive="base">
-                                        <p:cTn id="7" dur="500" fill="hold"/>
-                                        <p:tgtEl>
-                                          <p:spTgt spid="29"/>
-                                        </p:tgtEl>
-                                        <p:attrNameLst>
-                                          <p:attrName>ppt_x</p:attrName>
-                                        </p:attrNameLst>
-                                      </p:cBhvr>
-                                      <p:tavLst>
-                                        <p:tav tm="0">
-                                          <p:val>
-                                            <p:strVal val="0-#ppt_w/2"/>
-                                          </p:val>
-                                        </p:tav>
-                                        <p:tav tm="100000">
-                                          <p:val>
-                                            <p:strVal val="#ppt_x"/>
-                                          </p:val>
-                                        </p:tav>
-                                      </p:tavLst>
-                                    </p:anim>
-                                    <p:anim calcmode="lin" valueType="num">
-                                      <p:cBhvr additive="base">
-                                        <p:cTn id="8" dur="500" fill="hold"/>
-                                        <p:tgtEl>
-                                          <p:spTgt spid="29"/>
-                                        </p:tgtEl>
-                                        <p:attrNameLst>
-                                          <p:attrName>ppt_y</p:attrName>
-                                        </p:attrNameLst>
-                                      </p:cBhvr>
-                                      <p:tavLst>
-                                        <p:tav tm="0">
-                                          <p:val>
-                                            <p:strVal val="#ppt_y"/>
-                                          </p:val>
-                                        </p:tav>
-                                        <p:tav tm="100000">
-                                          <p:val>
-                                            <p:strVal val="#ppt_y"/>
-                                          </p:val>
-                                        </p:tav>
-                                      </p:tavLst>
-                                    </p:anim>
-                                  </p:childTnLst>
-                                </p:cTn>
-                              </p:par>
-                              <p:par>
-                                <p:cTn id="9" presetID="22" presetClass="entr" presetSubtype="1" fill="hold" nodeType="withEffect">
-                                  <p:stCondLst>
-                                    <p:cond delay="0"/>
-                                  </p:stCondLst>
-                                  <p:childTnLst>
-                                    <p:set>
-                                      <p:cBhvr>
-                                        <p:cTn id="10" dur="1" fill="hold">
-                                          <p:stCondLst>
-                                            <p:cond delay="0"/>
-                                          </p:stCondLst>
-                                        </p:cTn>
-                                        <p:tgtEl>
-                                          <p:spTgt spid="34"/>
-                                        </p:tgtEl>
-                                        <p:attrNameLst>
-                                          <p:attrName>style.visibility</p:attrName>
-                                        </p:attrNameLst>
-                                      </p:cBhvr>
-                                      <p:to>
-                                        <p:strVal val="visible"/>
-                                      </p:to>
-                                    </p:set>
-                                    <p:animEffect transition="in" filter="wipe(up)">
-                                      <p:cBhvr>
-                                        <p:cTn id="11" dur="500"/>
-                                        <p:tgtEl>
-                                          <p:spTgt spid="34"/>
-                                        </p:tgtEl>
-                                      </p:cBhvr>
-                                    </p:animEffect>
-                                  </p:childTnLst>
-                                </p:cTn>
-                              </p:par>
-                              <p:par>
-                                <p:cTn id="12" presetID="22" presetClass="entr" presetSubtype="1" fill="hold" grpId="0" nodeType="withEffect">
-                                  <p:stCondLst>
-                                    <p:cond delay="0"/>
-                                  </p:stCondLst>
-                                  <p:childTnLst>
-                                    <p:set>
-                                      <p:cBhvr>
-                                        <p:cTn id="13" dur="1" fill="hold">
-                                          <p:stCondLst>
-                                            <p:cond delay="0"/>
-                                          </p:stCondLst>
-                                        </p:cTn>
-                                        <p:tgtEl>
-                                          <p:spTgt spid="2"/>
-                                        </p:tgtEl>
-                                        <p:attrNameLst>
-                                          <p:attrName>style.visibility</p:attrName>
-                                        </p:attrNameLst>
-                                      </p:cBhvr>
-                                      <p:to>
-                                        <p:strVal val="visible"/>
-                                      </p:to>
-                                    </p:set>
-                                    <p:animEffect transition="in" filter="wipe(up)">
-                                      <p:cBhvr>
-                                        <p:cTn id="14" dur="500"/>
-                                        <p:tgtEl>
-                                          <p:spTgt spid="2"/>
-                                        </p:tgtEl>
-                                      </p:cBhvr>
-                                    </p:animEffect>
-                                  </p:childTnLst>
-                                </p:cTn>
-                              </p:par>
-                            </p:childTnLst>
-                          </p:cTn>
-                        </p:par>
-                        <p:par>
-                          <p:cTn id="15" fill="hold">
-                            <p:stCondLst>
-                              <p:cond delay="500"/>
-                            </p:stCondLst>
-                            <p:childTnLst>
-                              <p:par>
-                                <p:cTn id="16" presetID="22" presetClass="entr" presetSubtype="4" fill="hold" grpId="0" nodeType="afterEffect">
-                                  <p:stCondLst>
-                                    <p:cond delay="0"/>
-                                  </p:stCondLst>
-                                  <p:childTnLst>
-                                    <p:set>
-                                      <p:cBhvr>
-                                        <p:cTn id="17" dur="1" fill="hold">
-                                          <p:stCondLst>
-                                            <p:cond delay="0"/>
-                                          </p:stCondLst>
-                                        </p:cTn>
-                                        <p:tgtEl>
-                                          <p:spTgt spid="4"/>
-                                        </p:tgtEl>
-                                        <p:attrNameLst>
-                                          <p:attrName>style.visibility</p:attrName>
-                                        </p:attrNameLst>
-                                      </p:cBhvr>
-                                      <p:to>
-                                        <p:strVal val="visible"/>
-                                      </p:to>
-                                    </p:set>
-                                    <p:animEffect transition="in" filter="wipe(down)">
-                                      <p:cBhvr>
-                                        <p:cTn id="18" dur="500"/>
-                                        <p:tgtEl>
-                                          <p:spTgt spid="4"/>
-                                        </p:tgtEl>
-                                      </p:cBhvr>
-                                    </p:animEffect>
-                                  </p:childTnLst>
-                                </p:cTn>
-                              </p:par>
-                              <p:par>
-                                <p:cTn id="19" presetID="22" presetClass="entr" presetSubtype="8" fill="hold" grpId="0" nodeType="withEffect">
-                                  <p:stCondLst>
-                                    <p:cond delay="0"/>
-                                  </p:stCondLst>
-                                  <p:childTnLst>
-                                    <p:set>
-                                      <p:cBhvr>
-                                        <p:cTn id="20" dur="1" fill="hold">
-                                          <p:stCondLst>
-                                            <p:cond delay="0"/>
-                                          </p:stCondLst>
-                                        </p:cTn>
-                                        <p:tgtEl>
-                                          <p:spTgt spid="10"/>
-                                        </p:tgtEl>
-                                        <p:attrNameLst>
-                                          <p:attrName>style.visibility</p:attrName>
-                                        </p:attrNameLst>
-                                      </p:cBhvr>
-                                      <p:to>
-                                        <p:strVal val="visible"/>
-                                      </p:to>
-                                    </p:set>
-                                    <p:animEffect transition="in" filter="wipe(left)">
-                                      <p:cBhvr>
-                                        <p:cTn id="21" dur="500"/>
-                                        <p:tgtEl>
-                                          <p:spTgt spid="10"/>
-                                        </p:tgtEl>
-                                      </p:cBhvr>
-                                    </p:animEffect>
-                                  </p:childTnLst>
-                                </p:cTn>
-                              </p:par>
-                            </p:childTnLst>
-                          </p:cTn>
-                        </p:par>
-                        <p:par>
-                          <p:cTn id="22" fill="hold">
-                            <p:stCondLst>
-                              <p:cond delay="1000"/>
-                            </p:stCondLst>
-                            <p:childTnLst>
-                              <p:par>
-                                <p:cTn id="23" presetID="22" presetClass="entr" presetSubtype="4" fill="hold" grpId="0" nodeType="afterEffect">
-                                  <p:stCondLst>
-                                    <p:cond delay="0"/>
-                                  </p:stCondLst>
-                                  <p:childTnLst>
-                                    <p:set>
-                                      <p:cBhvr>
-                                        <p:cTn id="24" dur="1" fill="hold">
-                                          <p:stCondLst>
-                                            <p:cond delay="0"/>
-                                          </p:stCondLst>
-                                        </p:cTn>
-                                        <p:tgtEl>
-                                          <p:spTgt spid="11"/>
-                                        </p:tgtEl>
-                                        <p:attrNameLst>
-                                          <p:attrName>style.visibility</p:attrName>
-                                        </p:attrNameLst>
-                                      </p:cBhvr>
-                                      <p:to>
-                                        <p:strVal val="visible"/>
-                                      </p:to>
-                                    </p:set>
-                                    <p:animEffect transition="in" filter="wipe(down)">
-                                      <p:cBhvr>
-                                        <p:cTn id="25" dur="500"/>
-                                        <p:tgtEl>
-                                          <p:spTgt spid="11"/>
-                                        </p:tgtEl>
-                                      </p:cBhvr>
-                                    </p:animEffect>
-                                  </p:childTnLst>
-                                </p:cTn>
-                              </p:par>
-                            </p:childTnLst>
-                          </p:cTn>
-                        </p:par>
-                      </p:childTnLst>
-                    </p:cTn>
-                  </p:par>
-                </p:childTnLst>
-              </p:cTn>
-              <p:prevCondLst>
-                <p:cond evt="onPrev" delay="0">
-                  <p:tgtEl>
-                    <p:sldTgt/>
-                  </p:tgtEl>
-                </p:cond>
-              </p:prevCondLst>
-              <p:nextCondLst>
-                <p:cond evt="onNext" delay="0">
-                  <p:tgtEl>
-                    <p:sldTgt/>
-                  </p:tgtEl>
-                </p:cond>
-              </p:nextCondLst>
-            </p:seq>
-          </p:childTnLst>
-        </p:cTn>
-      </p:par>
-    </p:tnLst>
-    <p:bldLst>
-      <p:bldP spid="2" grpId="0"/>
-      <p:bldP spid="2" grpId="1"/>
-      <p:bldP spid="4" grpId="0" animBg="1"/>
-      <p:bldP spid="4" grpId="1" animBg="1"/>
-      <p:bldP spid="10" grpId="0"/>
-      <p:bldP spid="10" grpId="1"/>
-      <p:bldP spid="11" grpId="0" bldLvl="0" animBg="1"/>
-      <p:bldP spid="11" grpId="1" animBg="1"/>
-    </p:bldLst>
-  </p:timing>
-</p:sld>
-</file>
-
-<file path=ppt/slides/slide20.xml><?xml version="1.0" encoding="utf-8"?>
+<file path=ppt/slides/slide21.xml><?xml version="1.0" encoding="utf-8"?>
 <p:sld xmlns:a="http://schemas.openxmlformats.org/drawingml/2006/main" xmlns:r="http://schemas.openxmlformats.org/officeDocument/2006/relationships" xmlns:p="http://schemas.openxmlformats.org/presentationml/2006/main">
   <p:cSld>
     <p:spTree>
@@ -17024,7 +18343,7 @@
 </p:sld>
 </file>
 
-<file path=ppt/slides/slide21.xml><?xml version="1.0" encoding="utf-8"?>
+<file path=ppt/slides/slide22.xml><?xml version="1.0" encoding="utf-8"?>
 <p:sld xmlns:a="http://schemas.openxmlformats.org/drawingml/2006/main" xmlns:r="http://schemas.openxmlformats.org/officeDocument/2006/relationships" xmlns:p="http://schemas.openxmlformats.org/presentationml/2006/main">
   <p:cSld>
     <p:spTree>
@@ -18002,7 +19321,7 @@
 </p:sld>
 </file>
 
-<file path=ppt/slides/slide22.xml><?xml version="1.0" encoding="utf-8"?>
+<file path=ppt/slides/slide23.xml><?xml version="1.0" encoding="utf-8"?>
 <p:sld xmlns:a="http://schemas.openxmlformats.org/drawingml/2006/main" xmlns:r="http://schemas.openxmlformats.org/officeDocument/2006/relationships" xmlns:p="http://schemas.openxmlformats.org/presentationml/2006/main">
   <p:cSld>
     <p:spTree>
@@ -19044,7 +20363,7 @@
 </p:sld>
 </file>
 
-<file path=ppt/slides/slide23.xml><?xml version="1.0" encoding="utf-8"?>
+<file path=ppt/slides/slide24.xml><?xml version="1.0" encoding="utf-8"?>
 <p:sld xmlns:a="http://schemas.openxmlformats.org/drawingml/2006/main" xmlns:r="http://schemas.openxmlformats.org/officeDocument/2006/relationships" xmlns:p="http://schemas.openxmlformats.org/presentationml/2006/main">
   <p:cSld>
     <p:spTree>
@@ -20022,7 +21341,7 @@
 </p:sld>
 </file>
 
-<file path=ppt/slides/slide24.xml><?xml version="1.0" encoding="utf-8"?>
+<file path=ppt/slides/slide25.xml><?xml version="1.0" encoding="utf-8"?>
 <p:sld xmlns:a="http://schemas.openxmlformats.org/drawingml/2006/main" xmlns:r="http://schemas.openxmlformats.org/officeDocument/2006/relationships" xmlns:p="http://schemas.openxmlformats.org/presentationml/2006/main">
   <p:cSld>
     <p:spTree>
@@ -20945,7 +22264,7 @@
 </p:sld>
 </file>
 
-<file path=ppt/slides/slide25.xml><?xml version="1.0" encoding="utf-8"?>
+<file path=ppt/slides/slide26.xml><?xml version="1.0" encoding="utf-8"?>
 <p:sld xmlns:a="http://schemas.openxmlformats.org/drawingml/2006/main" xmlns:r="http://schemas.openxmlformats.org/officeDocument/2006/relationships" xmlns:p="http://schemas.openxmlformats.org/presentationml/2006/main">
   <p:cSld>
     <p:spTree>
@@ -27343,7 +28662,7 @@
               <a:t>问题</a:t>
             </a:r>
             <a:r>
-              <a:rPr lang="en-US" altLang="zh-CN" dirty="0">
+              <a:rPr lang="en-US" altLang="zh-CN">
                 <a:solidFill>
                   <a:schemeClr val="tx1">
                     <a:lumMod val="65000"/>
@@ -27352,8 +28671,17 @@
                 </a:solidFill>
                 <a:ea typeface="思源黑体 CN Heavy" panose="020B0A00000000000000" pitchFamily="34" charset="-122"/>
               </a:rPr>
-              <a:t>:</a:t>
-            </a:r>
+              <a:t>: </a:t>
+            </a:r>
+            <a:endParaRPr lang="en-US" altLang="zh-CN" dirty="0">
+              <a:solidFill>
+                <a:schemeClr val="tx1">
+                  <a:lumMod val="65000"/>
+                  <a:lumOff val="35000"/>
+                </a:schemeClr>
+              </a:solidFill>
+              <a:ea typeface="思源黑体 CN Heavy" panose="020B0A00000000000000" pitchFamily="34" charset="-122"/>
+            </a:endParaRPr>
           </a:p>
           <a:p>
             <a:pPr marL="342900" indent="-342900">

--- a/黄雪朋.pptx
+++ b/黄雪朋.pptx
@@ -5,10 +5,10 @@
     <p:sldMasterId id="2147483648" r:id="rId1"/>
   </p:sldMasterIdLst>
   <p:notesMasterIdLst>
-    <p:notesMasterId r:id="rId28"/>
+    <p:notesMasterId r:id="rId30"/>
   </p:notesMasterIdLst>
   <p:handoutMasterIdLst>
-    <p:handoutMasterId r:id="rId29"/>
+    <p:handoutMasterId r:id="rId31"/>
   </p:handoutMasterIdLst>
   <p:sldIdLst>
     <p:sldId id="315" r:id="rId2"/>
@@ -28,20 +28,22 @@
     <p:sldId id="360" r:id="rId16"/>
     <p:sldId id="359" r:id="rId17"/>
     <p:sldId id="358" r:id="rId18"/>
-    <p:sldId id="312" r:id="rId19"/>
-    <p:sldId id="332" r:id="rId20"/>
-    <p:sldId id="313" r:id="rId21"/>
-    <p:sldId id="333" r:id="rId22"/>
-    <p:sldId id="314" r:id="rId23"/>
-    <p:sldId id="334" r:id="rId24"/>
-    <p:sldId id="316" r:id="rId25"/>
-    <p:sldId id="335" r:id="rId26"/>
-    <p:sldId id="351" r:id="rId27"/>
+    <p:sldId id="361" r:id="rId19"/>
+    <p:sldId id="362" r:id="rId20"/>
+    <p:sldId id="312" r:id="rId21"/>
+    <p:sldId id="332" r:id="rId22"/>
+    <p:sldId id="313" r:id="rId23"/>
+    <p:sldId id="333" r:id="rId24"/>
+    <p:sldId id="314" r:id="rId25"/>
+    <p:sldId id="334" r:id="rId26"/>
+    <p:sldId id="316" r:id="rId27"/>
+    <p:sldId id="335" r:id="rId28"/>
+    <p:sldId id="351" r:id="rId29"/>
   </p:sldIdLst>
   <p:sldSz cx="12192000" cy="6858000"/>
   <p:notesSz cx="6858000" cy="9144000"/>
   <p:custDataLst>
-    <p:tags r:id="rId30"/>
+    <p:tags r:id="rId32"/>
   </p:custDataLst>
   <p:defaultTextStyle>
     <a:defPPr>
@@ -239,7 +241,7 @@
           <a:p>
             <a:fld id="{0F9B84EA-7D68-4D60-9CB1-D50884785D1C}" type="datetimeFigureOut">
               <a:rPr lang="zh-CN" altLang="en-US" smtClean="0"/>
-              <a:t>2022/8/1</a:t>
+              <a:t>2022/8/8</a:t>
             </a:fld>
             <a:endParaRPr lang="zh-CN" altLang="en-US"/>
           </a:p>
@@ -399,7 +401,7 @@
           <a:p>
             <a:fld id="{631CA851-5859-4C71-A5BC-9312CA066417}" type="datetimeFigureOut">
               <a:rPr lang="zh-CN" altLang="en-US" smtClean="0"/>
-              <a:t>2022/8/1</a:t>
+              <a:t>2022/8/8</a:t>
             </a:fld>
             <a:endParaRPr lang="zh-CN" altLang="en-US"/>
           </a:p>
@@ -1202,7 +1204,7 @@
                   <a:prstClr val="black"/>
                 </a:solidFill>
               </a:rPr>
-              <a:t>19</a:t>
+              <a:t>18</a:t>
             </a:fld>
             <a:endParaRPr lang="zh-CN" altLang="en-US">
               <a:solidFill>
@@ -1213,6 +1215,11 @@
         </p:txBody>
       </p:sp>
     </p:spTree>
+    <p:extLst>
+      <p:ext uri="{BB962C8B-B14F-4D97-AF65-F5344CB8AC3E}">
+        <p14:creationId xmlns:p14="http://schemas.microsoft.com/office/powerpoint/2010/main" val="239540450"/>
+      </p:ext>
+    </p:extLst>
   </p:cSld>
   <p:clrMapOvr>
     <a:masterClrMapping/>
@@ -1294,7 +1301,7 @@
                   <a:prstClr val="black"/>
                 </a:solidFill>
               </a:rPr>
-              <a:t>21</a:t>
+              <a:t>19</a:t>
             </a:fld>
             <a:endParaRPr lang="zh-CN" altLang="en-US">
               <a:solidFill>
@@ -1305,6 +1312,11 @@
         </p:txBody>
       </p:sp>
     </p:spTree>
+    <p:extLst>
+      <p:ext uri="{BB962C8B-B14F-4D97-AF65-F5344CB8AC3E}">
+        <p14:creationId xmlns:p14="http://schemas.microsoft.com/office/powerpoint/2010/main" val="2356198252"/>
+      </p:ext>
+    </p:extLst>
   </p:cSld>
   <p:clrMapOvr>
     <a:masterClrMapping/>
@@ -1386,7 +1398,7 @@
                   <a:prstClr val="black"/>
                 </a:solidFill>
               </a:rPr>
-              <a:t>23</a:t>
+              <a:t>21</a:t>
             </a:fld>
             <a:endParaRPr lang="zh-CN" altLang="en-US">
               <a:solidFill>
@@ -1478,7 +1490,191 @@
                   <a:prstClr val="black"/>
                 </a:solidFill>
               </a:rPr>
+              <a:t>23</a:t>
+            </a:fld>
+            <a:endParaRPr lang="zh-CN" altLang="en-US">
+              <a:solidFill>
+                <a:prstClr val="black"/>
+              </a:solidFill>
+            </a:endParaRPr>
+          </a:p>
+        </p:txBody>
+      </p:sp>
+    </p:spTree>
+  </p:cSld>
+  <p:clrMapOvr>
+    <a:masterClrMapping/>
+  </p:clrMapOvr>
+</p:notes>
+</file>
+
+<file path=ppt/notesSlides/notesSlide18.xml><?xml version="1.0" encoding="utf-8"?>
+<p:notes xmlns:a="http://schemas.openxmlformats.org/drawingml/2006/main" xmlns:r="http://schemas.openxmlformats.org/officeDocument/2006/relationships" xmlns:p="http://schemas.openxmlformats.org/presentationml/2006/main">
+  <p:cSld>
+    <p:spTree>
+      <p:nvGrpSpPr>
+        <p:cNvPr id="1" name=""/>
+        <p:cNvGrpSpPr/>
+        <p:nvPr/>
+      </p:nvGrpSpPr>
+      <p:grpSpPr>
+        <a:xfrm>
+          <a:off x="0" y="0"/>
+          <a:ext cx="0" cy="0"/>
+          <a:chOff x="0" y="0"/>
+          <a:chExt cx="0" cy="0"/>
+        </a:xfrm>
+      </p:grpSpPr>
+      <p:sp>
+        <p:nvSpPr>
+          <p:cNvPr id="2" name="幻灯片图像占位符 1"/>
+          <p:cNvSpPr>
+            <a:spLocks noGrp="1" noRot="1" noChangeAspect="1"/>
+          </p:cNvSpPr>
+          <p:nvPr>
+            <p:ph type="sldImg"/>
+          </p:nvPr>
+        </p:nvSpPr>
+        <p:spPr>
+          <a:xfrm>
+            <a:off x="381000" y="685800"/>
+            <a:ext cx="6096000" cy="3429000"/>
+          </a:xfrm>
+        </p:spPr>
+      </p:sp>
+      <p:sp>
+        <p:nvSpPr>
+          <p:cNvPr id="3" name="备注占位符 2"/>
+          <p:cNvSpPr>
+            <a:spLocks noGrp="1"/>
+          </p:cNvSpPr>
+          <p:nvPr>
+            <p:ph type="body" idx="1"/>
+          </p:nvPr>
+        </p:nvSpPr>
+        <p:spPr/>
+        <p:txBody>
+          <a:bodyPr/>
+          <a:lstStyle/>
+          <a:p>
+            <a:endParaRPr lang="zh-CN" altLang="en-US" dirty="0"/>
+          </a:p>
+        </p:txBody>
+      </p:sp>
+      <p:sp>
+        <p:nvSpPr>
+          <p:cNvPr id="4" name="灯片编号占位符 3"/>
+          <p:cNvSpPr>
+            <a:spLocks noGrp="1"/>
+          </p:cNvSpPr>
+          <p:nvPr>
+            <p:ph type="sldNum" sz="quarter" idx="10"/>
+          </p:nvPr>
+        </p:nvSpPr>
+        <p:spPr/>
+        <p:txBody>
+          <a:bodyPr/>
+          <a:lstStyle/>
+          <a:p>
+            <a:fld id="{AB2A0F9D-3357-4A94-85C8-3B842B870DC6}" type="slidenum">
+              <a:rPr lang="zh-CN" altLang="en-US" smtClean="0">
+                <a:solidFill>
+                  <a:prstClr val="black"/>
+                </a:solidFill>
+              </a:rPr>
               <a:t>25</a:t>
+            </a:fld>
+            <a:endParaRPr lang="zh-CN" altLang="en-US">
+              <a:solidFill>
+                <a:prstClr val="black"/>
+              </a:solidFill>
+            </a:endParaRPr>
+          </a:p>
+        </p:txBody>
+      </p:sp>
+    </p:spTree>
+  </p:cSld>
+  <p:clrMapOvr>
+    <a:masterClrMapping/>
+  </p:clrMapOvr>
+</p:notes>
+</file>
+
+<file path=ppt/notesSlides/notesSlide19.xml><?xml version="1.0" encoding="utf-8"?>
+<p:notes xmlns:a="http://schemas.openxmlformats.org/drawingml/2006/main" xmlns:r="http://schemas.openxmlformats.org/officeDocument/2006/relationships" xmlns:p="http://schemas.openxmlformats.org/presentationml/2006/main">
+  <p:cSld>
+    <p:spTree>
+      <p:nvGrpSpPr>
+        <p:cNvPr id="1" name=""/>
+        <p:cNvGrpSpPr/>
+        <p:nvPr/>
+      </p:nvGrpSpPr>
+      <p:grpSpPr>
+        <a:xfrm>
+          <a:off x="0" y="0"/>
+          <a:ext cx="0" cy="0"/>
+          <a:chOff x="0" y="0"/>
+          <a:chExt cx="0" cy="0"/>
+        </a:xfrm>
+      </p:grpSpPr>
+      <p:sp>
+        <p:nvSpPr>
+          <p:cNvPr id="2" name="幻灯片图像占位符 1"/>
+          <p:cNvSpPr>
+            <a:spLocks noGrp="1" noRot="1" noChangeAspect="1"/>
+          </p:cNvSpPr>
+          <p:nvPr>
+            <p:ph type="sldImg"/>
+          </p:nvPr>
+        </p:nvSpPr>
+        <p:spPr>
+          <a:xfrm>
+            <a:off x="381000" y="685800"/>
+            <a:ext cx="6096000" cy="3429000"/>
+          </a:xfrm>
+        </p:spPr>
+      </p:sp>
+      <p:sp>
+        <p:nvSpPr>
+          <p:cNvPr id="3" name="备注占位符 2"/>
+          <p:cNvSpPr>
+            <a:spLocks noGrp="1"/>
+          </p:cNvSpPr>
+          <p:nvPr>
+            <p:ph type="body" idx="1"/>
+          </p:nvPr>
+        </p:nvSpPr>
+        <p:spPr/>
+        <p:txBody>
+          <a:bodyPr/>
+          <a:lstStyle/>
+          <a:p>
+            <a:endParaRPr lang="zh-CN" altLang="en-US" dirty="0"/>
+          </a:p>
+        </p:txBody>
+      </p:sp>
+      <p:sp>
+        <p:nvSpPr>
+          <p:cNvPr id="4" name="灯片编号占位符 3"/>
+          <p:cNvSpPr>
+            <a:spLocks noGrp="1"/>
+          </p:cNvSpPr>
+          <p:nvPr>
+            <p:ph type="sldNum" sz="quarter" idx="10"/>
+          </p:nvPr>
+        </p:nvSpPr>
+        <p:spPr/>
+        <p:txBody>
+          <a:bodyPr/>
+          <a:lstStyle/>
+          <a:p>
+            <a:fld id="{AB2A0F9D-3357-4A94-85C8-3B842B870DC6}" type="slidenum">
+              <a:rPr lang="zh-CN" altLang="en-US" smtClean="0">
+                <a:solidFill>
+                  <a:prstClr val="black"/>
+                </a:solidFill>
+              </a:rPr>
+              <a:t>27</a:t>
             </a:fld>
             <a:endParaRPr lang="zh-CN" altLang="en-US">
               <a:solidFill>
@@ -2386,7 +2582,7 @@
           <a:p>
             <a:fld id="{2925863B-284D-4CFC-85E6-03AE6B9EFE78}" type="datetimeFigureOut">
               <a:rPr lang="zh-CN" altLang="en-US" smtClean="0"/>
-              <a:t>2022/8/1</a:t>
+              <a:t>2022/8/8</a:t>
             </a:fld>
             <a:endParaRPr lang="zh-CN" altLang="en-US"/>
           </a:p>
@@ -2862,7 +3058,7 @@
           <a:p>
             <a:fld id="{2925863B-284D-4CFC-85E6-03AE6B9EFE78}" type="datetimeFigureOut">
               <a:rPr lang="zh-CN" altLang="en-US" smtClean="0"/>
-              <a:t>2022/8/1</a:t>
+              <a:t>2022/8/8</a:t>
             </a:fld>
             <a:endParaRPr lang="zh-CN" altLang="en-US"/>
           </a:p>
@@ -2952,7 +3148,7 @@
           <a:p>
             <a:fld id="{2925863B-284D-4CFC-85E6-03AE6B9EFE78}" type="datetimeFigureOut">
               <a:rPr lang="zh-CN" altLang="en-US" smtClean="0"/>
-              <a:t>2022/8/1</a:t>
+              <a:t>2022/8/8</a:t>
             </a:fld>
             <a:endParaRPr lang="zh-CN" altLang="en-US"/>
           </a:p>
@@ -3222,7 +3418,7 @@
           <a:p>
             <a:fld id="{2925863B-284D-4CFC-85E6-03AE6B9EFE78}" type="datetimeFigureOut">
               <a:rPr lang="zh-CN" altLang="en-US" smtClean="0"/>
-              <a:t>2022/8/1</a:t>
+              <a:t>2022/8/8</a:t>
             </a:fld>
             <a:endParaRPr lang="zh-CN" altLang="en-US"/>
           </a:p>
@@ -3469,7 +3665,7 @@
           <a:p>
             <a:fld id="{2925863B-284D-4CFC-85E6-03AE6B9EFE78}" type="datetimeFigureOut">
               <a:rPr lang="zh-CN" altLang="en-US" smtClean="0"/>
-              <a:t>2022/8/1</a:t>
+              <a:t>2022/8/8</a:t>
             </a:fld>
             <a:endParaRPr lang="zh-CN" altLang="en-US"/>
           </a:p>
@@ -3701,7 +3897,7 @@
           <a:p>
             <a:fld id="{2925863B-284D-4CFC-85E6-03AE6B9EFE78}" type="datetimeFigureOut">
               <a:rPr lang="zh-CN" altLang="en-US" smtClean="0"/>
-              <a:t>2022/8/1</a:t>
+              <a:t>2022/8/8</a:t>
             </a:fld>
             <a:endParaRPr lang="zh-CN" altLang="en-US"/>
           </a:p>
@@ -3874,7 +4070,7 @@
           <a:p>
             <a:fld id="{2925863B-284D-4CFC-85E6-03AE6B9EFE78}" type="datetimeFigureOut">
               <a:rPr lang="zh-CN" altLang="en-US" smtClean="0"/>
-              <a:t>2022/8/1</a:t>
+              <a:t>2022/8/8</a:t>
             </a:fld>
             <a:endParaRPr lang="zh-CN" altLang="en-US"/>
           </a:p>
@@ -4838,7 +5034,7 @@
           <a:p>
             <a:fld id="{F68C8532-35DB-409E-A833-97770FF9303E}" type="datetime1">
               <a:rPr lang="en-US" smtClean="0"/>
-              <a:t>8/1/2022</a:t>
+              <a:t>8/8/2022</a:t>
             </a:fld>
             <a:endParaRPr lang="en-US"/>
           </a:p>
@@ -5424,7 +5620,7 @@
           <a:p>
             <a:fld id="{2925863B-284D-4CFC-85E6-03AE6B9EFE78}" type="datetimeFigureOut">
               <a:rPr lang="zh-CN" altLang="en-US" smtClean="0"/>
-              <a:t>2022/8/1</a:t>
+              <a:t>2022/8/8</a:t>
             </a:fld>
             <a:endParaRPr lang="zh-CN" altLang="en-US"/>
           </a:p>
@@ -11257,7 +11453,7 @@
                 </a:solidFill>
                 <a:ea typeface="思源黑体 CN Heavy" panose="020B0A00000000000000" pitchFamily="34" charset="-122"/>
               </a:rPr>
-              <a:t>添加</a:t>
+              <a:t>对</a:t>
             </a:r>
             <a:r>
               <a:rPr lang="en-US" altLang="zh-CN" dirty="0" err="1">
@@ -11272,7 +11468,7 @@
               <a:t>golang</a:t>
             </a:r>
             <a:r>
-              <a:rPr lang="en-US" altLang="zh-CN" dirty="0">
+              <a:rPr lang="zh-CN" altLang="en-US" dirty="0">
                 <a:solidFill>
                   <a:schemeClr val="tx1">
                     <a:lumMod val="65000"/>
@@ -11281,19 +11477,7 @@
                 </a:solidFill>
                 <a:ea typeface="思源黑体 CN Heavy" panose="020B0A00000000000000" pitchFamily="34" charset="-122"/>
               </a:rPr>
-              <a:t> </a:t>
-            </a:r>
-            <a:r>
-              <a:rPr lang="zh-CN" altLang="en-US" dirty="0">
-                <a:solidFill>
-                  <a:schemeClr val="tx1">
-                    <a:lumMod val="65000"/>
-                    <a:lumOff val="35000"/>
-                  </a:schemeClr>
-                </a:solidFill>
-                <a:ea typeface="思源黑体 CN Heavy" panose="020B0A00000000000000" pitchFamily="34" charset="-122"/>
-              </a:rPr>
-              <a:t>版本</a:t>
+              <a:t>的版本进行指定</a:t>
             </a:r>
             <a:r>
               <a:rPr lang="en-US" altLang="zh-CN" dirty="0">
@@ -11373,7 +11557,7 @@
                 </a:solidFill>
                 <a:ea typeface="思源黑体 CN Heavy" panose="020B0A00000000000000" pitchFamily="34" charset="-122"/>
               </a:rPr>
-              <a:t>不可行</a:t>
+              <a:t>不推荐</a:t>
             </a:r>
             <a:r>
               <a:rPr lang="en-US" altLang="zh-CN" dirty="0">
@@ -13387,984 +13571,6 @@
           <a:chExt cx="0" cy="0"/>
         </a:xfrm>
       </p:grpSpPr>
-      <p:pic>
-        <p:nvPicPr>
-          <p:cNvPr id="4" name="图片 3"/>
-          <p:cNvPicPr>
-            <a:picLocks noChangeAspect="1"/>
-          </p:cNvPicPr>
-          <p:nvPr/>
-        </p:nvPicPr>
-        <p:blipFill>
-          <a:blip r:embed="rId3">
-            <a:extLst>
-              <a:ext uri="{28A0092B-C50C-407E-A947-70E740481C1C}">
-                <a14:useLocalDpi xmlns:a14="http://schemas.microsoft.com/office/drawing/2010/main" val="0"/>
-              </a:ext>
-            </a:extLst>
-          </a:blip>
-          <a:srcRect/>
-          <a:stretch>
-            <a:fillRect/>
-          </a:stretch>
-        </p:blipFill>
-        <p:spPr>
-          <a:xfrm>
-            <a:off x="8025804" y="0"/>
-            <a:ext cx="6147151" cy="6857999"/>
-          </a:xfrm>
-          <a:prstGeom prst="rect">
-            <a:avLst/>
-          </a:prstGeom>
-        </p:spPr>
-      </p:pic>
-      <p:sp>
-        <p:nvSpPr>
-          <p:cNvPr id="6" name="PA-文本框 50"/>
-          <p:cNvSpPr txBox="1"/>
-          <p:nvPr>
-            <p:custDataLst>
-              <p:tags r:id="rId1"/>
-            </p:custDataLst>
-          </p:nvPr>
-        </p:nvSpPr>
-        <p:spPr>
-          <a:xfrm>
-            <a:off x="1092620" y="4477177"/>
-            <a:ext cx="5391308" cy="1245235"/>
-          </a:xfrm>
-          <a:prstGeom prst="rect">
-            <a:avLst/>
-          </a:prstGeom>
-          <a:noFill/>
-        </p:spPr>
-        <p:txBody>
-          <a:bodyPr wrap="square" rtlCol="0">
-            <a:spAutoFit/>
-          </a:bodyPr>
-          <a:lstStyle/>
-          <a:p>
-            <a:r>
-              <a:rPr lang="en-US" altLang="zh-CN" sz="1000" dirty="0">
-                <a:solidFill>
-                  <a:schemeClr val="bg1"/>
-                </a:solidFill>
-              </a:rPr>
-              <a:t>lorem ipsum dolor </a:t>
-            </a:r>
-            <a:r>
-              <a:rPr lang="en-US" altLang="zh-CN" sz="1000" dirty="0" err="1">
-                <a:solidFill>
-                  <a:schemeClr val="bg1"/>
-                </a:solidFill>
-              </a:rPr>
-              <a:t>sitlorem</a:t>
-            </a:r>
-            <a:r>
-              <a:rPr lang="en-US" altLang="zh-CN" sz="1000" dirty="0">
-                <a:solidFill>
-                  <a:schemeClr val="bg1"/>
-                </a:solidFill>
-              </a:rPr>
-              <a:t> ipsum dolor </a:t>
-            </a:r>
-            <a:r>
-              <a:rPr lang="en-US" altLang="zh-CN" sz="1000" dirty="0" err="1">
-                <a:solidFill>
-                  <a:schemeClr val="bg1"/>
-                </a:solidFill>
-              </a:rPr>
-              <a:t>sitlorem</a:t>
-            </a:r>
-            <a:r>
-              <a:rPr lang="en-US" altLang="zh-CN" sz="1000" dirty="0">
-                <a:solidFill>
-                  <a:schemeClr val="bg1"/>
-                </a:solidFill>
-              </a:rPr>
-              <a:t> ipsum dolor </a:t>
-            </a:r>
-            <a:r>
-              <a:rPr lang="en-US" altLang="zh-CN" sz="1000" dirty="0" err="1">
-                <a:solidFill>
-                  <a:schemeClr val="bg1"/>
-                </a:solidFill>
-              </a:rPr>
-              <a:t>sitorem</a:t>
-            </a:r>
-            <a:r>
-              <a:rPr lang="en-US" altLang="zh-CN" sz="1000" dirty="0">
-                <a:solidFill>
-                  <a:schemeClr val="bg1"/>
-                </a:solidFill>
-              </a:rPr>
-              <a:t> ipsum dolor </a:t>
-            </a:r>
-            <a:r>
-              <a:rPr lang="en-US" altLang="zh-CN" sz="1000" dirty="0" err="1">
-                <a:solidFill>
-                  <a:schemeClr val="bg1"/>
-                </a:solidFill>
-              </a:rPr>
-              <a:t>sitorem</a:t>
-            </a:r>
-            <a:r>
-              <a:rPr lang="en-US" altLang="zh-CN" sz="1000" dirty="0">
-                <a:solidFill>
-                  <a:schemeClr val="bg1"/>
-                </a:solidFill>
-              </a:rPr>
-              <a:t> ipsum dolor </a:t>
-            </a:r>
-            <a:r>
-              <a:rPr lang="en-US" altLang="zh-CN" sz="1000" dirty="0" err="1">
-                <a:solidFill>
-                  <a:schemeClr val="bg1"/>
-                </a:solidFill>
-              </a:rPr>
-              <a:t>sitorem</a:t>
-            </a:r>
-            <a:r>
-              <a:rPr lang="en-US" altLang="zh-CN" sz="1000" dirty="0">
-                <a:solidFill>
-                  <a:schemeClr val="bg1"/>
-                </a:solidFill>
-              </a:rPr>
-              <a:t> ipsum dolor </a:t>
-            </a:r>
-            <a:r>
-              <a:rPr lang="en-US" altLang="zh-CN" sz="1000" dirty="0" err="1">
-                <a:solidFill>
-                  <a:schemeClr val="bg1"/>
-                </a:solidFill>
-              </a:rPr>
-              <a:t>sitorem</a:t>
-            </a:r>
-            <a:r>
-              <a:rPr lang="en-US" altLang="zh-CN" sz="1000" dirty="0">
-                <a:solidFill>
-                  <a:schemeClr val="bg1"/>
-                </a:solidFill>
-              </a:rPr>
-              <a:t> ipsum dolor </a:t>
-            </a:r>
-            <a:r>
-              <a:rPr lang="en-US" altLang="zh-CN" sz="1000" dirty="0" err="1">
-                <a:solidFill>
-                  <a:schemeClr val="bg1"/>
-                </a:solidFill>
-              </a:rPr>
-              <a:t>sitlorem</a:t>
-            </a:r>
-            <a:r>
-              <a:rPr lang="en-US" altLang="zh-CN" sz="1000" dirty="0">
-                <a:solidFill>
-                  <a:schemeClr val="bg1"/>
-                </a:solidFill>
-              </a:rPr>
-              <a:t> ipsum dolor </a:t>
-            </a:r>
-            <a:r>
-              <a:rPr lang="en-US" altLang="zh-CN" sz="1000" dirty="0" err="1">
-                <a:solidFill>
-                  <a:schemeClr val="bg1"/>
-                </a:solidFill>
-              </a:rPr>
-              <a:t>sitlorem</a:t>
-            </a:r>
-            <a:r>
-              <a:rPr lang="en-US" altLang="zh-CN" sz="1000" dirty="0">
-                <a:solidFill>
-                  <a:schemeClr val="bg1"/>
-                </a:solidFill>
-              </a:rPr>
-              <a:t> ipsum dolor sit</a:t>
-            </a:r>
-            <a:endParaRPr lang="zh-CN" altLang="en-US" sz="1000" dirty="0">
-              <a:solidFill>
-                <a:schemeClr val="bg1"/>
-              </a:solidFill>
-              <a:effectLst>
-                <a:outerShdw blurRad="38100" dist="38100" dir="2700000" algn="tl">
-                  <a:srgbClr val="000000">
-                    <a:alpha val="30000"/>
-                  </a:srgbClr>
-                </a:outerShdw>
-              </a:effectLst>
-              <a:latin typeface="Arial" panose="020B0604020202020204" pitchFamily="34" charset="0"/>
-              <a:ea typeface="思源黑体 CN Heavy" panose="020B0A00000000000000" pitchFamily="34" charset="-122"/>
-              <a:cs typeface="Arial" panose="020B0604020202020204" pitchFamily="34" charset="0"/>
-            </a:endParaRPr>
-          </a:p>
-          <a:p>
-            <a:r>
-              <a:rPr lang="en-US" altLang="zh-CN" sz="1000" dirty="0">
-                <a:solidFill>
-                  <a:schemeClr val="bg1"/>
-                </a:solidFill>
-              </a:rPr>
-              <a:t>lorem ipsum dolor sit</a:t>
-            </a:r>
-            <a:endParaRPr lang="zh-CN" altLang="en-US" sz="1000" dirty="0">
-              <a:solidFill>
-                <a:schemeClr val="bg1"/>
-              </a:solidFill>
-              <a:effectLst>
-                <a:outerShdw blurRad="38100" dist="38100" dir="2700000" algn="tl">
-                  <a:srgbClr val="000000">
-                    <a:alpha val="30000"/>
-                  </a:srgbClr>
-                </a:outerShdw>
-              </a:effectLst>
-              <a:latin typeface="Arial" panose="020B0604020202020204" pitchFamily="34" charset="0"/>
-              <a:ea typeface="思源黑体 CN Heavy" panose="020B0A00000000000000" pitchFamily="34" charset="-122"/>
-              <a:cs typeface="Arial" panose="020B0604020202020204" pitchFamily="34" charset="0"/>
-            </a:endParaRPr>
-          </a:p>
-          <a:p>
-            <a:endParaRPr lang="zh-CN" altLang="en-US" sz="1000" dirty="0">
-              <a:solidFill>
-                <a:schemeClr val="bg1"/>
-              </a:solidFill>
-              <a:effectLst>
-                <a:outerShdw blurRad="38100" dist="38100" dir="2700000" algn="tl">
-                  <a:srgbClr val="000000">
-                    <a:alpha val="30000"/>
-                  </a:srgbClr>
-                </a:outerShdw>
-              </a:effectLst>
-              <a:latin typeface="Arial" panose="020B0604020202020204" pitchFamily="34" charset="0"/>
-              <a:ea typeface="思源黑体 CN Heavy" panose="020B0A00000000000000" pitchFamily="34" charset="-122"/>
-              <a:cs typeface="Arial" panose="020B0604020202020204" pitchFamily="34" charset="0"/>
-            </a:endParaRPr>
-          </a:p>
-          <a:p>
-            <a:endParaRPr lang="zh-CN" altLang="en-US" sz="1000" dirty="0">
-              <a:solidFill>
-                <a:schemeClr val="bg1"/>
-              </a:solidFill>
-              <a:effectLst>
-                <a:outerShdw blurRad="38100" dist="38100" dir="2700000" algn="tl">
-                  <a:srgbClr val="000000">
-                    <a:alpha val="30000"/>
-                  </a:srgbClr>
-                </a:outerShdw>
-              </a:effectLst>
-              <a:latin typeface="Arial" panose="020B0604020202020204" pitchFamily="34" charset="0"/>
-              <a:ea typeface="思源黑体 CN Heavy" panose="020B0A00000000000000" pitchFamily="34" charset="-122"/>
-              <a:cs typeface="Arial" panose="020B0604020202020204" pitchFamily="34" charset="0"/>
-            </a:endParaRPr>
-          </a:p>
-          <a:p>
-            <a:pPr>
-              <a:lnSpc>
-                <a:spcPct val="150000"/>
-              </a:lnSpc>
-            </a:pPr>
-            <a:endParaRPr lang="zh-CN" altLang="en-US" sz="1000" dirty="0">
-              <a:solidFill>
-                <a:schemeClr val="bg1"/>
-              </a:solidFill>
-              <a:latin typeface="思源黑体 CN Medium" panose="020B0600000000000000" pitchFamily="34" charset="-122"/>
-              <a:ea typeface="思源黑体 CN Medium" panose="020B0600000000000000" pitchFamily="34" charset="-122"/>
-            </a:endParaRPr>
-          </a:p>
-        </p:txBody>
-      </p:sp>
-      <p:sp>
-        <p:nvSpPr>
-          <p:cNvPr id="7" name="文本框 6"/>
-          <p:cNvSpPr txBox="1"/>
-          <p:nvPr/>
-        </p:nvSpPr>
-        <p:spPr>
-          <a:xfrm>
-            <a:off x="1086398" y="3424006"/>
-            <a:ext cx="3673630" cy="970915"/>
-          </a:xfrm>
-          <a:prstGeom prst="rect">
-            <a:avLst/>
-          </a:prstGeom>
-          <a:noFill/>
-          <a:scene3d>
-            <a:camera prst="perspectiveRight"/>
-            <a:lightRig rig="threePt" dir="t"/>
-          </a:scene3d>
-        </p:spPr>
-        <p:txBody>
-          <a:bodyPr wrap="square" rtlCol="0">
-            <a:spAutoFit/>
-          </a:bodyPr>
-          <a:lstStyle/>
-          <a:p>
-            <a:pPr>
-              <a:lnSpc>
-                <a:spcPct val="130000"/>
-              </a:lnSpc>
-            </a:pPr>
-            <a:r>
-              <a:rPr lang="zh-CN" altLang="en-US" sz="4400" b="1" dirty="0">
-                <a:solidFill>
-                  <a:srgbClr val="F0D58B"/>
-                </a:solidFill>
-                <a:latin typeface="思源黑体 CN Heavy" panose="020B0A00000000000000" pitchFamily="34" charset="-122"/>
-                <a:ea typeface="思源黑体 CN Heavy" panose="020B0A00000000000000" pitchFamily="34" charset="-122"/>
-              </a:rPr>
-              <a:t>工作分析</a:t>
-            </a:r>
-          </a:p>
-        </p:txBody>
-      </p:sp>
-    </p:spTree>
-  </p:cSld>
-  <p:clrMapOvr>
-    <a:masterClrMapping/>
-  </p:clrMapOvr>
-  <p:transition spd="slow">
-    <p:comb/>
-  </p:transition>
-  <mc:AlternateContent xmlns:mc="http://schemas.openxmlformats.org/markup-compatibility/2006" xmlns:p14="http://schemas.microsoft.com/office/powerpoint/2010/main">
-    <mc:Choice Requires="p14">
-      <p:timing>
-        <p:tnLst>
-          <p:par>
-            <p:cTn id="1" dur="indefinite" restart="never" nodeType="tmRoot">
-              <p:childTnLst>
-                <p:seq concurrent="1" nextAc="seek">
-                  <p:cTn id="2" dur="indefinite" nodeType="mainSeq">
-                    <p:childTnLst>
-                      <p:par>
-                        <p:cTn id="3" fill="hold">
-                          <p:stCondLst>
-                            <p:cond delay="indefinite"/>
-                            <p:cond evt="onBegin" delay="0">
-                              <p:tn val="2"/>
-                            </p:cond>
-                          </p:stCondLst>
-                          <p:childTnLst>
-                            <p:par>
-                              <p:cTn id="4" fill="hold">
-                                <p:stCondLst>
-                                  <p:cond delay="0"/>
-                                </p:stCondLst>
-                                <p:childTnLst>
-                                  <p:par>
-                                    <p:cTn id="5" presetID="2" presetClass="entr" presetSubtype="2" fill="hold" nodeType="afterEffect" p14:presetBounceEnd="80000">
-                                      <p:stCondLst>
-                                        <p:cond delay="0"/>
-                                      </p:stCondLst>
-                                      <p:childTnLst>
-                                        <p:set>
-                                          <p:cBhvr>
-                                            <p:cTn id="6" dur="1" fill="hold">
-                                              <p:stCondLst>
-                                                <p:cond delay="0"/>
-                                              </p:stCondLst>
-                                            </p:cTn>
-                                            <p:tgtEl>
-                                              <p:spTgt spid="4"/>
-                                            </p:tgtEl>
-                                            <p:attrNameLst>
-                                              <p:attrName>style.visibility</p:attrName>
-                                            </p:attrNameLst>
-                                          </p:cBhvr>
-                                          <p:to>
-                                            <p:strVal val="visible"/>
-                                          </p:to>
-                                        </p:set>
-                                        <p:anim calcmode="lin" valueType="num" p14:bounceEnd="80000">
-                                          <p:cBhvr additive="base">
-                                            <p:cTn id="7" dur="500" fill="hold"/>
-                                            <p:tgtEl>
-                                              <p:spTgt spid="4"/>
-                                            </p:tgtEl>
-                                            <p:attrNameLst>
-                                              <p:attrName>ppt_x</p:attrName>
-                                            </p:attrNameLst>
-                                          </p:cBhvr>
-                                          <p:tavLst>
-                                            <p:tav tm="0">
-                                              <p:val>
-                                                <p:strVal val="1+#ppt_w/2"/>
-                                              </p:val>
-                                            </p:tav>
-                                            <p:tav tm="100000">
-                                              <p:val>
-                                                <p:strVal val="#ppt_x"/>
-                                              </p:val>
-                                            </p:tav>
-                                          </p:tavLst>
-                                        </p:anim>
-                                        <p:anim calcmode="lin" valueType="num" p14:bounceEnd="80000">
-                                          <p:cBhvr additive="base">
-                                            <p:cTn id="8" dur="500" fill="hold"/>
-                                            <p:tgtEl>
-                                              <p:spTgt spid="4"/>
-                                            </p:tgtEl>
-                                            <p:attrNameLst>
-                                              <p:attrName>ppt_y</p:attrName>
-                                            </p:attrNameLst>
-                                          </p:cBhvr>
-                                          <p:tavLst>
-                                            <p:tav tm="0">
-                                              <p:val>
-                                                <p:strVal val="#ppt_y"/>
-                                              </p:val>
-                                            </p:tav>
-                                            <p:tav tm="100000">
-                                              <p:val>
-                                                <p:strVal val="#ppt_y"/>
-                                              </p:val>
-                                            </p:tav>
-                                          </p:tavLst>
-                                        </p:anim>
-                                      </p:childTnLst>
-                                    </p:cTn>
-                                  </p:par>
-                                  <p:par>
-                                    <p:cTn id="9" presetID="41" presetClass="entr" presetSubtype="0" fill="hold" grpId="0" nodeType="withEffect">
-                                      <p:stCondLst>
-                                        <p:cond delay="300"/>
-                                      </p:stCondLst>
-                                      <p:iterate type="lt">
-                                        <p:tmPct val="10000"/>
-                                      </p:iterate>
-                                      <p:childTnLst>
-                                        <p:set>
-                                          <p:cBhvr>
-                                            <p:cTn id="10" dur="1" fill="hold">
-                                              <p:stCondLst>
-                                                <p:cond delay="0"/>
-                                              </p:stCondLst>
-                                            </p:cTn>
-                                            <p:tgtEl>
-                                              <p:spTgt spid="7"/>
-                                            </p:tgtEl>
-                                            <p:attrNameLst>
-                                              <p:attrName>style.visibility</p:attrName>
-                                            </p:attrNameLst>
-                                          </p:cBhvr>
-                                          <p:to>
-                                            <p:strVal val="visible"/>
-                                          </p:to>
-                                        </p:set>
-                                        <p:anim calcmode="lin" valueType="num">
-                                          <p:cBhvr>
-                                            <p:cTn id="11" dur="750" fill="hold"/>
-                                            <p:tgtEl>
-                                              <p:spTgt spid="7"/>
-                                            </p:tgtEl>
-                                            <p:attrNameLst>
-                                              <p:attrName>ppt_x</p:attrName>
-                                            </p:attrNameLst>
-                                          </p:cBhvr>
-                                          <p:tavLst>
-                                            <p:tav tm="0">
-                                              <p:val>
-                                                <p:strVal val="#ppt_x"/>
-                                              </p:val>
-                                            </p:tav>
-                                            <p:tav tm="50000">
-                                              <p:val>
-                                                <p:strVal val="#ppt_x+.1"/>
-                                              </p:val>
-                                            </p:tav>
-                                            <p:tav tm="100000">
-                                              <p:val>
-                                                <p:strVal val="#ppt_x"/>
-                                              </p:val>
-                                            </p:tav>
-                                          </p:tavLst>
-                                        </p:anim>
-                                        <p:anim calcmode="lin" valueType="num">
-                                          <p:cBhvr>
-                                            <p:cTn id="12" dur="750" fill="hold"/>
-                                            <p:tgtEl>
-                                              <p:spTgt spid="7"/>
-                                            </p:tgtEl>
-                                            <p:attrNameLst>
-                                              <p:attrName>ppt_y</p:attrName>
-                                            </p:attrNameLst>
-                                          </p:cBhvr>
-                                          <p:tavLst>
-                                            <p:tav tm="0">
-                                              <p:val>
-                                                <p:strVal val="#ppt_y"/>
-                                              </p:val>
-                                            </p:tav>
-                                            <p:tav tm="100000">
-                                              <p:val>
-                                                <p:strVal val="#ppt_y"/>
-                                              </p:val>
-                                            </p:tav>
-                                          </p:tavLst>
-                                        </p:anim>
-                                        <p:anim calcmode="lin" valueType="num">
-                                          <p:cBhvr>
-                                            <p:cTn id="13" dur="750" fill="hold"/>
-                                            <p:tgtEl>
-                                              <p:spTgt spid="7"/>
-                                            </p:tgtEl>
-                                            <p:attrNameLst>
-                                              <p:attrName>ppt_h</p:attrName>
-                                            </p:attrNameLst>
-                                          </p:cBhvr>
-                                          <p:tavLst>
-                                            <p:tav tm="0">
-                                              <p:val>
-                                                <p:strVal val="#ppt_h/10"/>
-                                              </p:val>
-                                            </p:tav>
-                                            <p:tav tm="50000">
-                                              <p:val>
-                                                <p:strVal val="#ppt_h+.01"/>
-                                              </p:val>
-                                            </p:tav>
-                                            <p:tav tm="100000">
-                                              <p:val>
-                                                <p:strVal val="#ppt_h"/>
-                                              </p:val>
-                                            </p:tav>
-                                          </p:tavLst>
-                                        </p:anim>
-                                        <p:anim calcmode="lin" valueType="num">
-                                          <p:cBhvr>
-                                            <p:cTn id="14" dur="750" fill="hold"/>
-                                            <p:tgtEl>
-                                              <p:spTgt spid="7"/>
-                                            </p:tgtEl>
-                                            <p:attrNameLst>
-                                              <p:attrName>ppt_w</p:attrName>
-                                            </p:attrNameLst>
-                                          </p:cBhvr>
-                                          <p:tavLst>
-                                            <p:tav tm="0">
-                                              <p:val>
-                                                <p:strVal val="#ppt_w/10"/>
-                                              </p:val>
-                                            </p:tav>
-                                            <p:tav tm="50000">
-                                              <p:val>
-                                                <p:strVal val="#ppt_w+.01"/>
-                                              </p:val>
-                                            </p:tav>
-                                            <p:tav tm="100000">
-                                              <p:val>
-                                                <p:strVal val="#ppt_w"/>
-                                              </p:val>
-                                            </p:tav>
-                                          </p:tavLst>
-                                        </p:anim>
-                                        <p:animEffect transition="in" filter="fade">
-                                          <p:cBhvr>
-                                            <p:cTn id="15" dur="750" tmFilter="0,0; .5, 1; 1, 1"/>
-                                            <p:tgtEl>
-                                              <p:spTgt spid="7"/>
-                                            </p:tgtEl>
-                                          </p:cBhvr>
-                                        </p:animEffect>
-                                      </p:childTnLst>
-                                    </p:cTn>
-                                  </p:par>
-                                  <p:par>
-                                    <p:cTn id="16" presetID="22" presetClass="entr" presetSubtype="1" fill="hold" grpId="0" nodeType="withEffect">
-                                      <p:stCondLst>
-                                        <p:cond delay="1750"/>
-                                      </p:stCondLst>
-                                      <p:childTnLst>
-                                        <p:set>
-                                          <p:cBhvr>
-                                            <p:cTn id="17" dur="1" fill="hold">
-                                              <p:stCondLst>
-                                                <p:cond delay="0"/>
-                                              </p:stCondLst>
-                                            </p:cTn>
-                                            <p:tgtEl>
-                                              <p:spTgt spid="6"/>
-                                            </p:tgtEl>
-                                            <p:attrNameLst>
-                                              <p:attrName>style.visibility</p:attrName>
-                                            </p:attrNameLst>
-                                          </p:cBhvr>
-                                          <p:to>
-                                            <p:strVal val="visible"/>
-                                          </p:to>
-                                        </p:set>
-                                        <p:animEffect transition="in" filter="wipe(up)">
-                                          <p:cBhvr>
-                                            <p:cTn id="18" dur="500"/>
-                                            <p:tgtEl>
-                                              <p:spTgt spid="6"/>
-                                            </p:tgtEl>
-                                          </p:cBhvr>
-                                        </p:animEffect>
-                                      </p:childTnLst>
-                                    </p:cTn>
-                                  </p:par>
-                                </p:childTnLst>
-                              </p:cTn>
-                            </p:par>
-                          </p:childTnLst>
-                        </p:cTn>
-                      </p:par>
-                    </p:childTnLst>
-                  </p:cTn>
-                  <p:prevCondLst>
-                    <p:cond evt="onPrev" delay="0">
-                      <p:tgtEl>
-                        <p:sldTgt/>
-                      </p:tgtEl>
-                    </p:cond>
-                  </p:prevCondLst>
-                  <p:nextCondLst>
-                    <p:cond evt="onNext" delay="0">
-                      <p:tgtEl>
-                        <p:sldTgt/>
-                      </p:tgtEl>
-                    </p:cond>
-                  </p:nextCondLst>
-                </p:seq>
-              </p:childTnLst>
-            </p:cTn>
-          </p:par>
-        </p:tnLst>
-        <p:bldLst>
-          <p:bldP spid="6" grpId="0"/>
-          <p:bldP spid="7" grpId="0"/>
-        </p:bldLst>
-      </p:timing>
-    </mc:Choice>
-    <mc:Fallback xmlns="">
-      <p:timing>
-        <p:tnLst>
-          <p:par>
-            <p:cTn id="1" dur="indefinite" restart="never" nodeType="tmRoot">
-              <p:childTnLst>
-                <p:seq concurrent="1" nextAc="seek">
-                  <p:cTn id="2" dur="indefinite" nodeType="mainSeq">
-                    <p:childTnLst>
-                      <p:par>
-                        <p:cTn id="3" fill="hold">
-                          <p:stCondLst>
-                            <p:cond delay="indefinite"/>
-                            <p:cond evt="onBegin" delay="0">
-                              <p:tn val="2"/>
-                            </p:cond>
-                          </p:stCondLst>
-                          <p:childTnLst>
-                            <p:par>
-                              <p:cTn id="4" fill="hold">
-                                <p:stCondLst>
-                                  <p:cond delay="0"/>
-                                </p:stCondLst>
-                                <p:childTnLst>
-                                  <p:par>
-                                    <p:cTn id="5" presetID="2" presetClass="entr" presetSubtype="2" fill="hold" nodeType="afterEffect">
-                                      <p:stCondLst>
-                                        <p:cond delay="0"/>
-                                      </p:stCondLst>
-                                      <p:childTnLst>
-                                        <p:set>
-                                          <p:cBhvr>
-                                            <p:cTn id="6" dur="1" fill="hold">
-                                              <p:stCondLst>
-                                                <p:cond delay="0"/>
-                                              </p:stCondLst>
-                                            </p:cTn>
-                                            <p:tgtEl>
-                                              <p:spTgt spid="4"/>
-                                            </p:tgtEl>
-                                            <p:attrNameLst>
-                                              <p:attrName>style.visibility</p:attrName>
-                                            </p:attrNameLst>
-                                          </p:cBhvr>
-                                          <p:to>
-                                            <p:strVal val="visible"/>
-                                          </p:to>
-                                        </p:set>
-                                        <p:anim calcmode="lin" valueType="num">
-                                          <p:cBhvr additive="base">
-                                            <p:cTn id="7" dur="500" fill="hold"/>
-                                            <p:tgtEl>
-                                              <p:spTgt spid="4"/>
-                                            </p:tgtEl>
-                                            <p:attrNameLst>
-                                              <p:attrName>ppt_x</p:attrName>
-                                            </p:attrNameLst>
-                                          </p:cBhvr>
-                                          <p:tavLst>
-                                            <p:tav tm="0">
-                                              <p:val>
-                                                <p:strVal val="1+#ppt_w/2"/>
-                                              </p:val>
-                                            </p:tav>
-                                            <p:tav tm="100000">
-                                              <p:val>
-                                                <p:strVal val="#ppt_x"/>
-                                              </p:val>
-                                            </p:tav>
-                                          </p:tavLst>
-                                        </p:anim>
-                                        <p:anim calcmode="lin" valueType="num">
-                                          <p:cBhvr additive="base">
-                                            <p:cTn id="8" dur="500" fill="hold"/>
-                                            <p:tgtEl>
-                                              <p:spTgt spid="4"/>
-                                            </p:tgtEl>
-                                            <p:attrNameLst>
-                                              <p:attrName>ppt_y</p:attrName>
-                                            </p:attrNameLst>
-                                          </p:cBhvr>
-                                          <p:tavLst>
-                                            <p:tav tm="0">
-                                              <p:val>
-                                                <p:strVal val="#ppt_y"/>
-                                              </p:val>
-                                            </p:tav>
-                                            <p:tav tm="100000">
-                                              <p:val>
-                                                <p:strVal val="#ppt_y"/>
-                                              </p:val>
-                                            </p:tav>
-                                          </p:tavLst>
-                                        </p:anim>
-                                      </p:childTnLst>
-                                    </p:cTn>
-                                  </p:par>
-                                  <p:par>
-                                    <p:cTn id="9" presetID="41" presetClass="entr" presetSubtype="0" fill="hold" grpId="0" nodeType="withEffect">
-                                      <p:stCondLst>
-                                        <p:cond delay="300"/>
-                                      </p:stCondLst>
-                                      <p:iterate type="lt">
-                                        <p:tmPct val="10000"/>
-                                      </p:iterate>
-                                      <p:childTnLst>
-                                        <p:set>
-                                          <p:cBhvr>
-                                            <p:cTn id="10" dur="1" fill="hold">
-                                              <p:stCondLst>
-                                                <p:cond delay="0"/>
-                                              </p:stCondLst>
-                                            </p:cTn>
-                                            <p:tgtEl>
-                                              <p:spTgt spid="7"/>
-                                            </p:tgtEl>
-                                            <p:attrNameLst>
-                                              <p:attrName>style.visibility</p:attrName>
-                                            </p:attrNameLst>
-                                          </p:cBhvr>
-                                          <p:to>
-                                            <p:strVal val="visible"/>
-                                          </p:to>
-                                        </p:set>
-                                        <p:anim calcmode="lin" valueType="num">
-                                          <p:cBhvr>
-                                            <p:cTn id="11" dur="750" fill="hold"/>
-                                            <p:tgtEl>
-                                              <p:spTgt spid="7"/>
-                                            </p:tgtEl>
-                                            <p:attrNameLst>
-                                              <p:attrName>ppt_x</p:attrName>
-                                            </p:attrNameLst>
-                                          </p:cBhvr>
-                                          <p:tavLst>
-                                            <p:tav tm="0">
-                                              <p:val>
-                                                <p:strVal val="#ppt_x"/>
-                                              </p:val>
-                                            </p:tav>
-                                            <p:tav tm="50000">
-                                              <p:val>
-                                                <p:strVal val="#ppt_x+.1"/>
-                                              </p:val>
-                                            </p:tav>
-                                            <p:tav tm="100000">
-                                              <p:val>
-                                                <p:strVal val="#ppt_x"/>
-                                              </p:val>
-                                            </p:tav>
-                                          </p:tavLst>
-                                        </p:anim>
-                                        <p:anim calcmode="lin" valueType="num">
-                                          <p:cBhvr>
-                                            <p:cTn id="12" dur="750" fill="hold"/>
-                                            <p:tgtEl>
-                                              <p:spTgt spid="7"/>
-                                            </p:tgtEl>
-                                            <p:attrNameLst>
-                                              <p:attrName>ppt_y</p:attrName>
-                                            </p:attrNameLst>
-                                          </p:cBhvr>
-                                          <p:tavLst>
-                                            <p:tav tm="0">
-                                              <p:val>
-                                                <p:strVal val="#ppt_y"/>
-                                              </p:val>
-                                            </p:tav>
-                                            <p:tav tm="100000">
-                                              <p:val>
-                                                <p:strVal val="#ppt_y"/>
-                                              </p:val>
-                                            </p:tav>
-                                          </p:tavLst>
-                                        </p:anim>
-                                        <p:anim calcmode="lin" valueType="num">
-                                          <p:cBhvr>
-                                            <p:cTn id="13" dur="750" fill="hold"/>
-                                            <p:tgtEl>
-                                              <p:spTgt spid="7"/>
-                                            </p:tgtEl>
-                                            <p:attrNameLst>
-                                              <p:attrName>ppt_h</p:attrName>
-                                            </p:attrNameLst>
-                                          </p:cBhvr>
-                                          <p:tavLst>
-                                            <p:tav tm="0">
-                                              <p:val>
-                                                <p:strVal val="#ppt_h/10"/>
-                                              </p:val>
-                                            </p:tav>
-                                            <p:tav tm="50000">
-                                              <p:val>
-                                                <p:strVal val="#ppt_h+.01"/>
-                                              </p:val>
-                                            </p:tav>
-                                            <p:tav tm="100000">
-                                              <p:val>
-                                                <p:strVal val="#ppt_h"/>
-                                              </p:val>
-                                            </p:tav>
-                                          </p:tavLst>
-                                        </p:anim>
-                                        <p:anim calcmode="lin" valueType="num">
-                                          <p:cBhvr>
-                                            <p:cTn id="14" dur="750" fill="hold"/>
-                                            <p:tgtEl>
-                                              <p:spTgt spid="7"/>
-                                            </p:tgtEl>
-                                            <p:attrNameLst>
-                                              <p:attrName>ppt_w</p:attrName>
-                                            </p:attrNameLst>
-                                          </p:cBhvr>
-                                          <p:tavLst>
-                                            <p:tav tm="0">
-                                              <p:val>
-                                                <p:strVal val="#ppt_w/10"/>
-                                              </p:val>
-                                            </p:tav>
-                                            <p:tav tm="50000">
-                                              <p:val>
-                                                <p:strVal val="#ppt_w+.01"/>
-                                              </p:val>
-                                            </p:tav>
-                                            <p:tav tm="100000">
-                                              <p:val>
-                                                <p:strVal val="#ppt_w"/>
-                                              </p:val>
-                                            </p:tav>
-                                          </p:tavLst>
-                                        </p:anim>
-                                        <p:animEffect transition="in" filter="fade">
-                                          <p:cBhvr>
-                                            <p:cTn id="15" dur="750" tmFilter="0,0; .5, 1; 1, 1"/>
-                                            <p:tgtEl>
-                                              <p:spTgt spid="7"/>
-                                            </p:tgtEl>
-                                          </p:cBhvr>
-                                        </p:animEffect>
-                                      </p:childTnLst>
-                                    </p:cTn>
-                                  </p:par>
-                                  <p:par>
-                                    <p:cTn id="16" presetID="22" presetClass="entr" presetSubtype="1" fill="hold" grpId="0" nodeType="withEffect">
-                                      <p:stCondLst>
-                                        <p:cond delay="1750"/>
-                                      </p:stCondLst>
-                                      <p:childTnLst>
-                                        <p:set>
-                                          <p:cBhvr>
-                                            <p:cTn id="17" dur="1" fill="hold">
-                                              <p:stCondLst>
-                                                <p:cond delay="0"/>
-                                              </p:stCondLst>
-                                            </p:cTn>
-                                            <p:tgtEl>
-                                              <p:spTgt spid="6"/>
-                                            </p:tgtEl>
-                                            <p:attrNameLst>
-                                              <p:attrName>style.visibility</p:attrName>
-                                            </p:attrNameLst>
-                                          </p:cBhvr>
-                                          <p:to>
-                                            <p:strVal val="visible"/>
-                                          </p:to>
-                                        </p:set>
-                                        <p:animEffect transition="in" filter="wipe(up)">
-                                          <p:cBhvr>
-                                            <p:cTn id="18" dur="500"/>
-                                            <p:tgtEl>
-                                              <p:spTgt spid="6"/>
-                                            </p:tgtEl>
-                                          </p:cBhvr>
-                                        </p:animEffect>
-                                      </p:childTnLst>
-                                    </p:cTn>
-                                  </p:par>
-                                </p:childTnLst>
-                              </p:cTn>
-                            </p:par>
-                          </p:childTnLst>
-                        </p:cTn>
-                      </p:par>
-                    </p:childTnLst>
-                  </p:cTn>
-                  <p:prevCondLst>
-                    <p:cond evt="onPrev" delay="0">
-                      <p:tgtEl>
-                        <p:sldTgt/>
-                      </p:tgtEl>
-                    </p:cond>
-                  </p:prevCondLst>
-                  <p:nextCondLst>
-                    <p:cond evt="onNext" delay="0">
-                      <p:tgtEl>
-                        <p:sldTgt/>
-                      </p:tgtEl>
-                    </p:cond>
-                  </p:nextCondLst>
-                </p:seq>
-              </p:childTnLst>
-            </p:cTn>
-          </p:par>
-        </p:tnLst>
-        <p:bldLst>
-          <p:bldP spid="6" grpId="0"/>
-          <p:bldP spid="7" grpId="0"/>
-        </p:bldLst>
-      </p:timing>
-    </mc:Fallback>
-  </mc:AlternateContent>
-</p:sld>
-</file>
-
-<file path=ppt/slides/slide19.xml><?xml version="1.0" encoding="utf-8"?>
-<p:sld xmlns:a="http://schemas.openxmlformats.org/drawingml/2006/main" xmlns:r="http://schemas.openxmlformats.org/officeDocument/2006/relationships" xmlns:p="http://schemas.openxmlformats.org/presentationml/2006/main">
-  <p:cSld>
-    <p:spTree>
-      <p:nvGrpSpPr>
-        <p:cNvPr id="1" name=""/>
-        <p:cNvGrpSpPr/>
-        <p:nvPr/>
-      </p:nvGrpSpPr>
-      <p:grpSpPr>
-        <a:xfrm>
-          <a:off x="0" y="0"/>
-          <a:ext cx="0" cy="0"/>
-          <a:chOff x="0" y="0"/>
-          <a:chExt cx="0" cy="0"/>
-        </a:xfrm>
-      </p:grpSpPr>
       <p:sp>
         <p:nvSpPr>
           <p:cNvPr id="18" name="文本框 17"/>
@@ -14394,7 +13600,7 @@
                 </a:solidFill>
                 <a:ea typeface="思源黑体 CN Heavy" panose="020B0A00000000000000" pitchFamily="34" charset="-122"/>
               </a:rPr>
-              <a:t>工作分析</a:t>
+              <a:t>工作总结</a:t>
             </a:r>
           </a:p>
         </p:txBody>
@@ -14561,8 +13767,8 @@
         </p:nvSpPr>
         <p:spPr>
           <a:xfrm>
-            <a:off x="732155" y="1842770"/>
-            <a:ext cx="4653280" cy="2922905"/>
+            <a:off x="732347" y="1224780"/>
+            <a:ext cx="4653280" cy="4839136"/>
           </a:xfrm>
           <a:prstGeom prst="rect">
             <a:avLst/>
@@ -14679,7 +13885,7 @@
               <a:buNone/>
             </a:pPr>
             <a:r>
-              <a:rPr lang="zh-CN" altLang="en-US" dirty="0">
+              <a:rPr lang="en-US" altLang="zh-CN" dirty="0">
                 <a:solidFill>
                   <a:schemeClr val="tx1">
                     <a:lumMod val="65000"/>
@@ -14688,10 +13894,10 @@
                 </a:solidFill>
                 <a:ea typeface="思源黑体 CN Heavy" panose="020B0A00000000000000" pitchFamily="34" charset="-122"/>
               </a:rPr>
-              <a:t>刚开始实现部分函数，自我感觉和简单， 但是实现的时候出现直接调用本文件夹里的函数这才意识到自己的能力与公司所需要的能力有多大的差距</a:t>
-            </a:r>
-            <a:r>
-              <a:rPr lang="en-US" altLang="zh-CN">
+              <a:t>Map </a:t>
+            </a:r>
+            <a:r>
+              <a:rPr lang="zh-CN" altLang="en-US" dirty="0">
                 <a:solidFill>
                   <a:schemeClr val="tx1">
                     <a:lumMod val="65000"/>
@@ -14700,8 +13906,521 @@
                 </a:solidFill>
                 <a:ea typeface="思源黑体 CN Heavy" panose="020B0A00000000000000" pitchFamily="34" charset="-122"/>
               </a:rPr>
-              <a:t>. </a:t>
-            </a:r>
+              <a:t>并发不安全总结</a:t>
+            </a:r>
+            <a:r>
+              <a:rPr lang="en-US" altLang="zh-CN" dirty="0">
+                <a:solidFill>
+                  <a:schemeClr val="tx1">
+                    <a:lumMod val="65000"/>
+                    <a:lumOff val="35000"/>
+                  </a:schemeClr>
+                </a:solidFill>
+                <a:ea typeface="思源黑体 CN Heavy" panose="020B0A00000000000000" pitchFamily="34" charset="-122"/>
+              </a:rPr>
+              <a:t>: </a:t>
+            </a:r>
+          </a:p>
+          <a:p>
+            <a:pPr marL="342900" indent="-342900">
+              <a:buClr>
+                <a:srgbClr val="C00000"/>
+              </a:buClr>
+              <a:buAutoNum type="arabicPeriod"/>
+            </a:pPr>
+            <a:r>
+              <a:rPr lang="zh-CN" altLang="en-US" dirty="0">
+                <a:solidFill>
+                  <a:schemeClr val="tx1">
+                    <a:lumMod val="65000"/>
+                    <a:lumOff val="35000"/>
+                  </a:schemeClr>
+                </a:solidFill>
+                <a:ea typeface="思源黑体 CN Heavy" panose="020B0A00000000000000" pitchFamily="34" charset="-122"/>
+              </a:rPr>
+              <a:t>问题出现场景</a:t>
+            </a:r>
+            <a:r>
+              <a:rPr lang="en-US" altLang="zh-CN" dirty="0">
+                <a:solidFill>
+                  <a:schemeClr val="tx1">
+                    <a:lumMod val="65000"/>
+                    <a:lumOff val="35000"/>
+                  </a:schemeClr>
+                </a:solidFill>
+                <a:ea typeface="思源黑体 CN Heavy" panose="020B0A00000000000000" pitchFamily="34" charset="-122"/>
+              </a:rPr>
+              <a:t>:  </a:t>
+            </a:r>
+            <a:r>
+              <a:rPr lang="zh-CN" altLang="en-US" dirty="0">
+                <a:solidFill>
+                  <a:schemeClr val="tx1">
+                    <a:lumMod val="65000"/>
+                    <a:lumOff val="35000"/>
+                  </a:schemeClr>
+                </a:solidFill>
+                <a:ea typeface="思源黑体 CN Heavy" panose="020B0A00000000000000" pitchFamily="34" charset="-122"/>
+              </a:rPr>
+              <a:t>优化</a:t>
+            </a:r>
+            <a:r>
+              <a:rPr lang="en-US" altLang="zh-CN" dirty="0">
+                <a:solidFill>
+                  <a:schemeClr val="tx1">
+                    <a:lumMod val="65000"/>
+                    <a:lumOff val="35000"/>
+                  </a:schemeClr>
+                </a:solidFill>
+                <a:ea typeface="思源黑体 CN Heavy" panose="020B0A00000000000000" pitchFamily="34" charset="-122"/>
+              </a:rPr>
+              <a:t>ability-</a:t>
+            </a:r>
+            <a:r>
+              <a:rPr lang="en-US" altLang="zh-CN" dirty="0" err="1">
+                <a:solidFill>
+                  <a:schemeClr val="tx1">
+                    <a:lumMod val="65000"/>
+                    <a:lumOff val="35000"/>
+                  </a:schemeClr>
+                </a:solidFill>
+                <a:ea typeface="思源黑体 CN Heavy" panose="020B0A00000000000000" pitchFamily="34" charset="-122"/>
+              </a:rPr>
+              <a:t>mgr</a:t>
+            </a:r>
+            <a:r>
+              <a:rPr lang="zh-CN" altLang="en-US" dirty="0">
+                <a:solidFill>
+                  <a:schemeClr val="tx1">
+                    <a:lumMod val="65000"/>
+                    <a:lumOff val="35000"/>
+                  </a:schemeClr>
+                </a:solidFill>
+                <a:ea typeface="思源黑体 CN Heavy" panose="020B0A00000000000000" pitchFamily="34" charset="-122"/>
+              </a:rPr>
+              <a:t>代码</a:t>
+            </a:r>
+            <a:r>
+              <a:rPr lang="en-US" altLang="zh-CN" dirty="0">
+                <a:solidFill>
+                  <a:schemeClr val="tx1">
+                    <a:lumMod val="65000"/>
+                    <a:lumOff val="35000"/>
+                  </a:schemeClr>
+                </a:solidFill>
+                <a:ea typeface="思源黑体 CN Heavy" panose="020B0A00000000000000" pitchFamily="34" charset="-122"/>
+              </a:rPr>
+              <a:t>, </a:t>
+            </a:r>
+            <a:r>
+              <a:rPr lang="zh-CN" altLang="en-US" dirty="0">
+                <a:solidFill>
+                  <a:schemeClr val="tx1">
+                    <a:lumMod val="65000"/>
+                    <a:lumOff val="35000"/>
+                  </a:schemeClr>
+                </a:solidFill>
+                <a:ea typeface="思源黑体 CN Heavy" panose="020B0A00000000000000" pitchFamily="34" charset="-122"/>
+              </a:rPr>
+              <a:t>将传入的</a:t>
+            </a:r>
+            <a:r>
+              <a:rPr lang="en-US" altLang="zh-CN" dirty="0">
+                <a:solidFill>
+                  <a:schemeClr val="tx1">
+                    <a:lumMod val="65000"/>
+                    <a:lumOff val="35000"/>
+                  </a:schemeClr>
+                </a:solidFill>
+                <a:ea typeface="思源黑体 CN Heavy" panose="020B0A00000000000000" pitchFamily="34" charset="-122"/>
+              </a:rPr>
+              <a:t>apps</a:t>
+            </a:r>
+            <a:r>
+              <a:rPr lang="zh-CN" altLang="en-US" dirty="0">
+                <a:solidFill>
+                  <a:schemeClr val="tx1">
+                    <a:lumMod val="65000"/>
+                    <a:lumOff val="35000"/>
+                  </a:schemeClr>
+                </a:solidFill>
+                <a:ea typeface="思源黑体 CN Heavy" panose="020B0A00000000000000" pitchFamily="34" charset="-122"/>
+              </a:rPr>
+              <a:t>等数据传入到能力模型的结构体中</a:t>
+            </a:r>
+            <a:r>
+              <a:rPr lang="en-US" altLang="zh-CN" dirty="0">
+                <a:solidFill>
+                  <a:schemeClr val="tx1">
+                    <a:lumMod val="65000"/>
+                    <a:lumOff val="35000"/>
+                  </a:schemeClr>
+                </a:solidFill>
+                <a:ea typeface="思源黑体 CN Heavy" panose="020B0A00000000000000" pitchFamily="34" charset="-122"/>
+              </a:rPr>
+              <a:t>.  </a:t>
+            </a:r>
+          </a:p>
+          <a:p>
+            <a:pPr marL="171450" lvl="1">
+              <a:buClr>
+                <a:srgbClr val="C00000"/>
+              </a:buClr>
+            </a:pPr>
+            <a:r>
+              <a:rPr lang="en-US" altLang="zh-CN" dirty="0">
+                <a:solidFill>
+                  <a:schemeClr val="tx1">
+                    <a:lumMod val="65000"/>
+                    <a:lumOff val="35000"/>
+                  </a:schemeClr>
+                </a:solidFill>
+                <a:ea typeface="思源黑体 CN Heavy" panose="020B0A00000000000000" pitchFamily="34" charset="-122"/>
+              </a:rPr>
+              <a:t>      -  </a:t>
+            </a:r>
+            <a:r>
+              <a:rPr lang="zh-CN" altLang="en-US" dirty="0">
+                <a:solidFill>
+                  <a:schemeClr val="tx1">
+                    <a:lumMod val="65000"/>
+                    <a:lumOff val="35000"/>
+                  </a:schemeClr>
+                </a:solidFill>
+                <a:ea typeface="思源黑体 CN Heavy" panose="020B0A00000000000000" pitchFamily="34" charset="-122"/>
+              </a:rPr>
+              <a:t>起初思路</a:t>
+            </a:r>
+            <a:r>
+              <a:rPr lang="en-US" altLang="zh-CN" dirty="0">
+                <a:solidFill>
+                  <a:schemeClr val="tx1">
+                    <a:lumMod val="65000"/>
+                    <a:lumOff val="35000"/>
+                  </a:schemeClr>
+                </a:solidFill>
+                <a:ea typeface="思源黑体 CN Heavy" panose="020B0A00000000000000" pitchFamily="34" charset="-122"/>
+              </a:rPr>
+              <a:t>: </a:t>
+            </a:r>
+            <a:r>
+              <a:rPr lang="zh-CN" altLang="en-US" dirty="0">
+                <a:solidFill>
+                  <a:schemeClr val="tx1">
+                    <a:lumMod val="65000"/>
+                    <a:lumOff val="35000"/>
+                  </a:schemeClr>
+                </a:solidFill>
+                <a:ea typeface="思源黑体 CN Heavy" panose="020B0A00000000000000" pitchFamily="34" charset="-122"/>
+              </a:rPr>
+              <a:t>由于考虑到四个</a:t>
+            </a:r>
+            <a:r>
+              <a:rPr lang="en-US" altLang="zh-CN" dirty="0">
+                <a:solidFill>
+                  <a:schemeClr val="tx1">
+                    <a:lumMod val="65000"/>
+                    <a:lumOff val="35000"/>
+                  </a:schemeClr>
+                </a:solidFill>
+                <a:ea typeface="思源黑体 CN Heavy" panose="020B0A00000000000000" pitchFamily="34" charset="-122"/>
+              </a:rPr>
+              <a:t>map </a:t>
+            </a:r>
+            <a:r>
+              <a:rPr lang="zh-CN" altLang="en-US" dirty="0">
+                <a:solidFill>
+                  <a:schemeClr val="tx1">
+                    <a:lumMod val="65000"/>
+                    <a:lumOff val="35000"/>
+                  </a:schemeClr>
+                </a:solidFill>
+                <a:ea typeface="思源黑体 CN Heavy" panose="020B0A00000000000000" pitchFamily="34" charset="-122"/>
+              </a:rPr>
+              <a:t>的执行前后没有顺序的要求</a:t>
+            </a:r>
+            <a:r>
+              <a:rPr lang="en-US" altLang="zh-CN" dirty="0">
+                <a:solidFill>
+                  <a:schemeClr val="tx1">
+                    <a:lumMod val="65000"/>
+                    <a:lumOff val="35000"/>
+                  </a:schemeClr>
+                </a:solidFill>
+                <a:ea typeface="思源黑体 CN Heavy" panose="020B0A00000000000000" pitchFamily="34" charset="-122"/>
+              </a:rPr>
+              <a:t>, </a:t>
+            </a:r>
+            <a:r>
+              <a:rPr lang="zh-CN" altLang="en-US" dirty="0">
+                <a:solidFill>
+                  <a:schemeClr val="tx1">
+                    <a:lumMod val="65000"/>
+                    <a:lumOff val="35000"/>
+                  </a:schemeClr>
+                </a:solidFill>
+                <a:ea typeface="思源黑体 CN Heavy" panose="020B0A00000000000000" pitchFamily="34" charset="-122"/>
+              </a:rPr>
+              <a:t>所以考虑使用并发处理数据</a:t>
+            </a:r>
+            <a:r>
+              <a:rPr lang="en-US" altLang="zh-CN" dirty="0">
+                <a:solidFill>
+                  <a:schemeClr val="tx1">
+                    <a:lumMod val="65000"/>
+                    <a:lumOff val="35000"/>
+                  </a:schemeClr>
+                </a:solidFill>
+                <a:ea typeface="思源黑体 CN Heavy" panose="020B0A00000000000000" pitchFamily="34" charset="-122"/>
+              </a:rPr>
+              <a:t>.</a:t>
+            </a:r>
+          </a:p>
+          <a:p>
+            <a:pPr marL="171450" lvl="1">
+              <a:buClr>
+                <a:srgbClr val="C00000"/>
+              </a:buClr>
+            </a:pPr>
+            <a:endParaRPr lang="en-US" altLang="zh-CN" dirty="0">
+              <a:solidFill>
+                <a:schemeClr val="tx1">
+                  <a:lumMod val="65000"/>
+                  <a:lumOff val="35000"/>
+                </a:schemeClr>
+              </a:solidFill>
+              <a:ea typeface="思源黑体 CN Heavy" panose="020B0A00000000000000" pitchFamily="34" charset="-122"/>
+            </a:endParaRPr>
+          </a:p>
+          <a:p>
+            <a:pPr marL="342900" indent="-342900">
+              <a:buClr>
+                <a:srgbClr val="C00000"/>
+              </a:buClr>
+              <a:buAutoNum type="arabicPeriod"/>
+            </a:pPr>
+            <a:r>
+              <a:rPr lang="zh-CN" altLang="en-US" dirty="0">
+                <a:solidFill>
+                  <a:schemeClr val="tx1">
+                    <a:lumMod val="65000"/>
+                    <a:lumOff val="35000"/>
+                  </a:schemeClr>
+                </a:solidFill>
+                <a:ea typeface="思源黑体 CN Heavy" panose="020B0A00000000000000" pitchFamily="34" charset="-122"/>
+              </a:rPr>
+              <a:t>问题分析</a:t>
+            </a:r>
+            <a:r>
+              <a:rPr lang="en-US" altLang="zh-CN" dirty="0">
+                <a:solidFill>
+                  <a:schemeClr val="tx1">
+                    <a:lumMod val="65000"/>
+                    <a:lumOff val="35000"/>
+                  </a:schemeClr>
+                </a:solidFill>
+                <a:ea typeface="思源黑体 CN Heavy" panose="020B0A00000000000000" pitchFamily="34" charset="-122"/>
+              </a:rPr>
+              <a:t>: </a:t>
+            </a:r>
+          </a:p>
+          <a:p>
+            <a:pPr marL="514350" lvl="1" indent="-342900">
+              <a:buClr>
+                <a:srgbClr val="C00000"/>
+              </a:buClr>
+              <a:buAutoNum type="arabicPeriod"/>
+            </a:pPr>
+            <a:r>
+              <a:rPr lang="en-US" altLang="zh-CN" dirty="0">
+                <a:solidFill>
+                  <a:schemeClr val="tx1">
+                    <a:lumMod val="65000"/>
+                    <a:lumOff val="35000"/>
+                  </a:schemeClr>
+                </a:solidFill>
+                <a:ea typeface="思源黑体 CN Heavy" panose="020B0A00000000000000" pitchFamily="34" charset="-122"/>
+              </a:rPr>
+              <a:t>map</a:t>
+            </a:r>
+            <a:r>
+              <a:rPr lang="zh-CN" altLang="en-US" dirty="0">
+                <a:solidFill>
+                  <a:schemeClr val="tx1">
+                    <a:lumMod val="65000"/>
+                    <a:lumOff val="35000"/>
+                  </a:schemeClr>
+                </a:solidFill>
+                <a:ea typeface="思源黑体 CN Heavy" panose="020B0A00000000000000" pitchFamily="34" charset="-122"/>
+              </a:rPr>
+              <a:t>本身是并发不安全的</a:t>
+            </a:r>
+            <a:r>
+              <a:rPr lang="en-US" altLang="zh-CN" dirty="0">
+                <a:solidFill>
+                  <a:schemeClr val="tx1">
+                    <a:lumMod val="65000"/>
+                    <a:lumOff val="35000"/>
+                  </a:schemeClr>
+                </a:solidFill>
+                <a:ea typeface="思源黑体 CN Heavy" panose="020B0A00000000000000" pitchFamily="34" charset="-122"/>
+              </a:rPr>
+              <a:t> </a:t>
+            </a:r>
+          </a:p>
+          <a:p>
+            <a:pPr marL="514350" lvl="1" indent="-342900">
+              <a:buClr>
+                <a:srgbClr val="C00000"/>
+              </a:buClr>
+              <a:buAutoNum type="arabicPeriod"/>
+            </a:pPr>
+            <a:r>
+              <a:rPr lang="en-US" altLang="zh-CN" dirty="0" err="1">
+                <a:solidFill>
+                  <a:schemeClr val="tx1">
+                    <a:lumMod val="65000"/>
+                    <a:lumOff val="35000"/>
+                  </a:schemeClr>
+                </a:solidFill>
+                <a:ea typeface="思源黑体 CN Heavy" panose="020B0A00000000000000" pitchFamily="34" charset="-122"/>
+              </a:rPr>
+              <a:t>abilityModel</a:t>
+            </a:r>
+            <a:r>
+              <a:rPr lang="en-US" altLang="zh-CN" dirty="0">
+                <a:solidFill>
+                  <a:schemeClr val="tx1">
+                    <a:lumMod val="65000"/>
+                    <a:lumOff val="35000"/>
+                  </a:schemeClr>
+                </a:solidFill>
+                <a:ea typeface="思源黑体 CN Heavy" panose="020B0A00000000000000" pitchFamily="34" charset="-122"/>
+              </a:rPr>
+              <a:t> </a:t>
+            </a:r>
+            <a:r>
+              <a:rPr lang="zh-CN" altLang="en-US" dirty="0">
+                <a:solidFill>
+                  <a:schemeClr val="tx1">
+                    <a:lumMod val="65000"/>
+                    <a:lumOff val="35000"/>
+                  </a:schemeClr>
+                </a:solidFill>
+                <a:ea typeface="思源黑体 CN Heavy" panose="020B0A00000000000000" pitchFamily="34" charset="-122"/>
+              </a:rPr>
+              <a:t>是指针类型</a:t>
+            </a:r>
+            <a:r>
+              <a:rPr lang="en-US" altLang="zh-CN" dirty="0">
+                <a:solidFill>
+                  <a:schemeClr val="tx1">
+                    <a:lumMod val="65000"/>
+                    <a:lumOff val="35000"/>
+                  </a:schemeClr>
+                </a:solidFill>
+                <a:ea typeface="思源黑体 CN Heavy" panose="020B0A00000000000000" pitchFamily="34" charset="-122"/>
+              </a:rPr>
+              <a:t>, </a:t>
+            </a:r>
+            <a:r>
+              <a:rPr lang="zh-CN" altLang="en-US" dirty="0">
+                <a:solidFill>
+                  <a:schemeClr val="tx1">
+                    <a:lumMod val="65000"/>
+                    <a:lumOff val="35000"/>
+                  </a:schemeClr>
+                </a:solidFill>
+                <a:ea typeface="思源黑体 CN Heavy" panose="020B0A00000000000000" pitchFamily="34" charset="-122"/>
+              </a:rPr>
+              <a:t>所以对</a:t>
+            </a:r>
+            <a:r>
+              <a:rPr lang="en-US" altLang="zh-CN" dirty="0" err="1">
+                <a:solidFill>
+                  <a:schemeClr val="tx1">
+                    <a:lumMod val="65000"/>
+                    <a:lumOff val="35000"/>
+                  </a:schemeClr>
+                </a:solidFill>
+                <a:ea typeface="思源黑体 CN Heavy" panose="020B0A00000000000000" pitchFamily="34" charset="-122"/>
+              </a:rPr>
+              <a:t>abilityModel</a:t>
+            </a:r>
+            <a:r>
+              <a:rPr lang="zh-CN" altLang="en-US" dirty="0">
+                <a:solidFill>
+                  <a:schemeClr val="tx1">
+                    <a:lumMod val="65000"/>
+                    <a:lumOff val="35000"/>
+                  </a:schemeClr>
+                </a:solidFill>
+                <a:ea typeface="思源黑体 CN Heavy" panose="020B0A00000000000000" pitchFamily="34" charset="-122"/>
+              </a:rPr>
+              <a:t>的操作可能同一时间出现多个</a:t>
+            </a:r>
+            <a:r>
+              <a:rPr lang="en-US" altLang="zh-CN">
+                <a:solidFill>
+                  <a:schemeClr val="tx1">
+                    <a:lumMod val="65000"/>
+                    <a:lumOff val="35000"/>
+                  </a:schemeClr>
+                </a:solidFill>
+                <a:ea typeface="思源黑体 CN Heavy" panose="020B0A00000000000000" pitchFamily="34" charset="-122"/>
+              </a:rPr>
+              <a:t>.</a:t>
+            </a:r>
+            <a:endParaRPr lang="en-US" altLang="zh-CN" dirty="0">
+              <a:solidFill>
+                <a:schemeClr val="tx1">
+                  <a:lumMod val="65000"/>
+                  <a:lumOff val="35000"/>
+                </a:schemeClr>
+              </a:solidFill>
+              <a:ea typeface="思源黑体 CN Heavy" panose="020B0A00000000000000" pitchFamily="34" charset="-122"/>
+            </a:endParaRPr>
+          </a:p>
+          <a:p>
+            <a:pPr marL="171450" lvl="1">
+              <a:buClr>
+                <a:srgbClr val="C00000"/>
+              </a:buClr>
+            </a:pPr>
+            <a:endParaRPr lang="en-US" altLang="zh-CN" dirty="0">
+              <a:solidFill>
+                <a:schemeClr val="tx1">
+                  <a:lumMod val="65000"/>
+                  <a:lumOff val="35000"/>
+                </a:schemeClr>
+              </a:solidFill>
+              <a:ea typeface="思源黑体 CN Heavy" panose="020B0A00000000000000" pitchFamily="34" charset="-122"/>
+            </a:endParaRPr>
+          </a:p>
+          <a:p>
+            <a:pPr marL="342900" indent="-342900">
+              <a:buClr>
+                <a:srgbClr val="C00000"/>
+              </a:buClr>
+              <a:buAutoNum type="arabicPeriod"/>
+            </a:pPr>
+            <a:endParaRPr lang="en-US" altLang="zh-CN" dirty="0">
+              <a:solidFill>
+                <a:schemeClr val="tx1">
+                  <a:lumMod val="65000"/>
+                  <a:lumOff val="35000"/>
+                </a:schemeClr>
+              </a:solidFill>
+              <a:ea typeface="思源黑体 CN Heavy" panose="020B0A00000000000000" pitchFamily="34" charset="-122"/>
+            </a:endParaRPr>
+          </a:p>
+          <a:p>
+            <a:pPr marL="342900" indent="-342900">
+              <a:buClr>
+                <a:srgbClr val="C00000"/>
+              </a:buClr>
+              <a:buAutoNum type="arabicPeriod"/>
+            </a:pPr>
             <a:endParaRPr lang="en-US" altLang="zh-CN" dirty="0">
               <a:solidFill>
                 <a:schemeClr val="tx1">
@@ -14722,7 +14441,7 @@
         </p:nvSpPr>
         <p:spPr>
           <a:xfrm>
-            <a:off x="732347" y="3097217"/>
+            <a:off x="8179894" y="4277803"/>
             <a:ext cx="2352000" cy="413563"/>
           </a:xfrm>
           <a:prstGeom prst="rect">
@@ -14851,23 +14570,63 @@
           </a:p>
         </p:txBody>
       </p:sp>
+      <p:pic>
+        <p:nvPicPr>
+          <p:cNvPr id="3" name="图片 2">
+            <a:extLst>
+              <a:ext uri="{FF2B5EF4-FFF2-40B4-BE49-F238E27FC236}">
+                <a16:creationId xmlns:a16="http://schemas.microsoft.com/office/drawing/2014/main" id="{E8F57DAC-D371-4B70-9D89-6122F2F8190B}"/>
+              </a:ext>
+            </a:extLst>
+          </p:cNvPr>
+          <p:cNvPicPr>
+            <a:picLocks noChangeAspect="1"/>
+          </p:cNvPicPr>
+          <p:nvPr/>
+        </p:nvPicPr>
+        <p:blipFill>
+          <a:blip r:embed="rId3">
+            <a:extLst>
+              <a:ext uri="{28A0092B-C50C-407E-A947-70E740481C1C}">
+                <a14:useLocalDpi xmlns:a14="http://schemas.microsoft.com/office/drawing/2010/main" val="0"/>
+              </a:ext>
+            </a:extLst>
+          </a:blip>
+          <a:stretch>
+            <a:fillRect/>
+          </a:stretch>
+        </p:blipFill>
+        <p:spPr>
+          <a:xfrm>
+            <a:off x="6096000" y="4167723"/>
+            <a:ext cx="5511967" cy="1919989"/>
+          </a:xfrm>
+          <a:prstGeom prst="rect">
+            <a:avLst/>
+          </a:prstGeom>
+        </p:spPr>
+      </p:pic>
       <p:sp>
         <p:nvSpPr>
-          <p:cNvPr id="38" name="矩形 37"/>
-          <p:cNvSpPr/>
+          <p:cNvPr id="8" name="文本框 145">
+            <a:extLst>
+              <a:ext uri="{FF2B5EF4-FFF2-40B4-BE49-F238E27FC236}">
+                <a16:creationId xmlns:a16="http://schemas.microsoft.com/office/drawing/2014/main" id="{3E67C294-E5AA-4FD0-B976-8BB4C316FBFB}"/>
+              </a:ext>
+            </a:extLst>
+          </p:cNvPr>
+          <p:cNvSpPr txBox="1"/>
           <p:nvPr/>
         </p:nvSpPr>
         <p:spPr>
           <a:xfrm>
-            <a:off x="6412865" y="1329690"/>
-            <a:ext cx="4483100" cy="2037715"/>
+            <a:off x="8056078" y="6201630"/>
+            <a:ext cx="4653280" cy="805363"/>
           </a:xfrm>
           <a:prstGeom prst="rect">
             <a:avLst/>
           </a:prstGeom>
-          <a:solidFill>
-            <a:schemeClr val="bg2"/>
-          </a:solidFill>
+          <a:noFill/>
           <a:ln>
             <a:noFill/>
           </a:ln>
@@ -14889,31 +14648,155 @@
           </a:fontRef>
         </p:style>
         <p:txBody>
-          <a:bodyPr rtlCol="0" anchor="ctr"/>
-          <a:lstStyle/>
+          <a:bodyPr wrap="square" lIns="178172" tIns="0" rIns="178172" bIns="0" rtlCol="0" anchor="t">
+            <a:noAutofit/>
+          </a:bodyPr>
+          <a:lstStyle>
+            <a:defPPr>
+              <a:defRPr lang="zh-CN"/>
+            </a:defPPr>
+            <a:lvl1pPr marL="285750" indent="-285750">
+              <a:lnSpc>
+                <a:spcPct val="120000"/>
+              </a:lnSpc>
+              <a:buClr>
+                <a:schemeClr val="accent1"/>
+              </a:buClr>
+              <a:buFont typeface="Wingdings" panose="05000000000000000000" pitchFamily="2" charset="2"/>
+              <a:buChar char="n"/>
+              <a:defRPr sz="1800" b="1">
+                <a:solidFill>
+                  <a:schemeClr val="bg1">
+                    <a:lumMod val="50000"/>
+                  </a:schemeClr>
+                </a:solidFill>
+                <a:cs typeface="+mn-ea"/>
+              </a:defRPr>
+            </a:lvl1pPr>
+            <a:lvl2pPr>
+              <a:defRPr>
+                <a:solidFill>
+                  <a:schemeClr val="lt1"/>
+                </a:solidFill>
+              </a:defRPr>
+            </a:lvl2pPr>
+            <a:lvl3pPr>
+              <a:defRPr>
+                <a:solidFill>
+                  <a:schemeClr val="lt1"/>
+                </a:solidFill>
+              </a:defRPr>
+            </a:lvl3pPr>
+            <a:lvl4pPr>
+              <a:defRPr>
+                <a:solidFill>
+                  <a:schemeClr val="lt1"/>
+                </a:solidFill>
+              </a:defRPr>
+            </a:lvl4pPr>
+            <a:lvl5pPr>
+              <a:defRPr>
+                <a:solidFill>
+                  <a:schemeClr val="lt1"/>
+                </a:solidFill>
+              </a:defRPr>
+            </a:lvl5pPr>
+            <a:lvl6pPr>
+              <a:defRPr>
+                <a:solidFill>
+                  <a:schemeClr val="lt1"/>
+                </a:solidFill>
+              </a:defRPr>
+            </a:lvl6pPr>
+            <a:lvl7pPr>
+              <a:defRPr>
+                <a:solidFill>
+                  <a:schemeClr val="lt1"/>
+                </a:solidFill>
+              </a:defRPr>
+            </a:lvl7pPr>
+            <a:lvl8pPr>
+              <a:defRPr>
+                <a:solidFill>
+                  <a:schemeClr val="lt1"/>
+                </a:solidFill>
+              </a:defRPr>
+            </a:lvl8pPr>
+            <a:lvl9pPr>
+              <a:defRPr>
+                <a:solidFill>
+                  <a:schemeClr val="lt1"/>
+                </a:solidFill>
+              </a:defRPr>
+            </a:lvl9pPr>
+          </a:lstStyle>
           <a:p>
-            <a:pPr algn="ctr"/>
-            <a:endParaRPr lang="zh-CN" altLang="en-US"/>
+            <a:pPr marL="0" indent="0">
+              <a:buClr>
+                <a:srgbClr val="C00000"/>
+              </a:buClr>
+              <a:buNone/>
+            </a:pPr>
+            <a:r>
+              <a:rPr lang="en-US" altLang="zh-CN" dirty="0">
+                <a:solidFill>
+                  <a:schemeClr val="tx1">
+                    <a:lumMod val="65000"/>
+                    <a:lumOff val="35000"/>
+                  </a:schemeClr>
+                </a:solidFill>
+                <a:ea typeface="思源黑体 CN Heavy" panose="020B0A00000000000000" pitchFamily="34" charset="-122"/>
+              </a:rPr>
+              <a:t>(</a:t>
+            </a:r>
+            <a:r>
+              <a:rPr lang="zh-CN" altLang="en-US" dirty="0">
+                <a:solidFill>
+                  <a:schemeClr val="tx1">
+                    <a:lumMod val="65000"/>
+                    <a:lumOff val="35000"/>
+                  </a:schemeClr>
+                </a:solidFill>
+                <a:ea typeface="思源黑体 CN Heavy" panose="020B0A00000000000000" pitchFamily="34" charset="-122"/>
+              </a:rPr>
+              <a:t>解决后</a:t>
+            </a:r>
+            <a:r>
+              <a:rPr lang="en-US" altLang="zh-CN" dirty="0">
+                <a:solidFill>
+                  <a:schemeClr val="tx1">
+                    <a:lumMod val="65000"/>
+                    <a:lumOff val="35000"/>
+                  </a:schemeClr>
+                </a:solidFill>
+                <a:ea typeface="思源黑体 CN Heavy" panose="020B0A00000000000000" pitchFamily="34" charset="-122"/>
+              </a:rPr>
+              <a:t>)</a:t>
+            </a:r>
           </a:p>
         </p:txBody>
       </p:sp>
       <p:sp>
         <p:nvSpPr>
-          <p:cNvPr id="39" name="矩形 38"/>
-          <p:cNvSpPr/>
+          <p:cNvPr id="12" name="文本框 145">
+            <a:extLst>
+              <a:ext uri="{FF2B5EF4-FFF2-40B4-BE49-F238E27FC236}">
+                <a16:creationId xmlns:a16="http://schemas.microsoft.com/office/drawing/2014/main" id="{5F577055-C983-4405-8998-99DA47B4AF91}"/>
+              </a:ext>
+            </a:extLst>
+          </p:cNvPr>
+          <p:cNvSpPr txBox="1"/>
           <p:nvPr/>
         </p:nvSpPr>
         <p:spPr>
           <a:xfrm>
-            <a:off x="6412865" y="3549015"/>
-            <a:ext cx="2160270" cy="2104390"/>
+            <a:off x="8056078" y="3542918"/>
+            <a:ext cx="4653280" cy="805363"/>
           </a:xfrm>
           <a:prstGeom prst="rect">
             <a:avLst/>
           </a:prstGeom>
-          <a:solidFill>
-            <a:schemeClr val="bg2"/>
-          </a:solidFill>
+          <a:noFill/>
           <a:ln>
             <a:noFill/>
           </a:ln>
@@ -14935,61 +14818,176 @@
           </a:fontRef>
         </p:style>
         <p:txBody>
-          <a:bodyPr rtlCol="0" anchor="ctr"/>
-          <a:lstStyle/>
+          <a:bodyPr wrap="square" lIns="178172" tIns="0" rIns="178172" bIns="0" rtlCol="0" anchor="t">
+            <a:noAutofit/>
+          </a:bodyPr>
+          <a:lstStyle>
+            <a:defPPr>
+              <a:defRPr lang="zh-CN"/>
+            </a:defPPr>
+            <a:lvl1pPr marL="285750" indent="-285750">
+              <a:lnSpc>
+                <a:spcPct val="120000"/>
+              </a:lnSpc>
+              <a:buClr>
+                <a:schemeClr val="accent1"/>
+              </a:buClr>
+              <a:buFont typeface="Wingdings" panose="05000000000000000000" pitchFamily="2" charset="2"/>
+              <a:buChar char="n"/>
+              <a:defRPr sz="1800" b="1">
+                <a:solidFill>
+                  <a:schemeClr val="bg1">
+                    <a:lumMod val="50000"/>
+                  </a:schemeClr>
+                </a:solidFill>
+                <a:cs typeface="+mn-ea"/>
+              </a:defRPr>
+            </a:lvl1pPr>
+            <a:lvl2pPr>
+              <a:defRPr>
+                <a:solidFill>
+                  <a:schemeClr val="lt1"/>
+                </a:solidFill>
+              </a:defRPr>
+            </a:lvl2pPr>
+            <a:lvl3pPr>
+              <a:defRPr>
+                <a:solidFill>
+                  <a:schemeClr val="lt1"/>
+                </a:solidFill>
+              </a:defRPr>
+            </a:lvl3pPr>
+            <a:lvl4pPr>
+              <a:defRPr>
+                <a:solidFill>
+                  <a:schemeClr val="lt1"/>
+                </a:solidFill>
+              </a:defRPr>
+            </a:lvl4pPr>
+            <a:lvl5pPr>
+              <a:defRPr>
+                <a:solidFill>
+                  <a:schemeClr val="lt1"/>
+                </a:solidFill>
+              </a:defRPr>
+            </a:lvl5pPr>
+            <a:lvl6pPr>
+              <a:defRPr>
+                <a:solidFill>
+                  <a:schemeClr val="lt1"/>
+                </a:solidFill>
+              </a:defRPr>
+            </a:lvl6pPr>
+            <a:lvl7pPr>
+              <a:defRPr>
+                <a:solidFill>
+                  <a:schemeClr val="lt1"/>
+                </a:solidFill>
+              </a:defRPr>
+            </a:lvl7pPr>
+            <a:lvl8pPr>
+              <a:defRPr>
+                <a:solidFill>
+                  <a:schemeClr val="lt1"/>
+                </a:solidFill>
+              </a:defRPr>
+            </a:lvl8pPr>
+            <a:lvl9pPr>
+              <a:defRPr>
+                <a:solidFill>
+                  <a:schemeClr val="lt1"/>
+                </a:solidFill>
+              </a:defRPr>
+            </a:lvl9pPr>
+          </a:lstStyle>
           <a:p>
-            <a:pPr algn="ctr"/>
-            <a:endParaRPr lang="zh-CN" altLang="en-US"/>
+            <a:pPr marL="0" indent="0">
+              <a:buClr>
+                <a:srgbClr val="C00000"/>
+              </a:buClr>
+              <a:buNone/>
+            </a:pPr>
+            <a:r>
+              <a:rPr lang="en-US" altLang="zh-CN" dirty="0">
+                <a:solidFill>
+                  <a:schemeClr val="tx1">
+                    <a:lumMod val="65000"/>
+                    <a:lumOff val="35000"/>
+                  </a:schemeClr>
+                </a:solidFill>
+                <a:ea typeface="思源黑体 CN Heavy" panose="020B0A00000000000000" pitchFamily="34" charset="-122"/>
+              </a:rPr>
+              <a:t>(</a:t>
+            </a:r>
+            <a:r>
+              <a:rPr lang="zh-CN" altLang="en-US" dirty="0">
+                <a:solidFill>
+                  <a:schemeClr val="tx1">
+                    <a:lumMod val="65000"/>
+                    <a:lumOff val="35000"/>
+                  </a:schemeClr>
+                </a:solidFill>
+                <a:ea typeface="思源黑体 CN Heavy" panose="020B0A00000000000000" pitchFamily="34" charset="-122"/>
+              </a:rPr>
+              <a:t>解决前</a:t>
+            </a:r>
+            <a:r>
+              <a:rPr lang="en-US" altLang="zh-CN" dirty="0">
+                <a:solidFill>
+                  <a:schemeClr val="tx1">
+                    <a:lumMod val="65000"/>
+                    <a:lumOff val="35000"/>
+                  </a:schemeClr>
+                </a:solidFill>
+                <a:ea typeface="思源黑体 CN Heavy" panose="020B0A00000000000000" pitchFamily="34" charset="-122"/>
+              </a:rPr>
+              <a:t>)</a:t>
+            </a:r>
           </a:p>
         </p:txBody>
       </p:sp>
-      <p:sp>
-        <p:nvSpPr>
-          <p:cNvPr id="40" name="矩形 39"/>
-          <p:cNvSpPr/>
+      <p:pic>
+        <p:nvPicPr>
+          <p:cNvPr id="9" name="图片 8">
+            <a:extLst>
+              <a:ext uri="{FF2B5EF4-FFF2-40B4-BE49-F238E27FC236}">
+                <a16:creationId xmlns:a16="http://schemas.microsoft.com/office/drawing/2014/main" id="{57AEF155-0403-45D4-A54E-CD92837BEB25}"/>
+              </a:ext>
+            </a:extLst>
+          </p:cNvPr>
+          <p:cNvPicPr>
+            <a:picLocks noChangeAspect="1"/>
+          </p:cNvPicPr>
           <p:nvPr/>
-        </p:nvSpPr>
+        </p:nvPicPr>
+        <p:blipFill>
+          <a:blip r:embed="rId4">
+            <a:extLst>
+              <a:ext uri="{28A0092B-C50C-407E-A947-70E740481C1C}">
+                <a14:useLocalDpi xmlns:a14="http://schemas.microsoft.com/office/drawing/2010/main" val="0"/>
+              </a:ext>
+            </a:extLst>
+          </a:blip>
+          <a:stretch>
+            <a:fillRect/>
+          </a:stretch>
+        </p:blipFill>
         <p:spPr>
           <a:xfrm>
-            <a:off x="8720455" y="3548380"/>
-            <a:ext cx="2160270" cy="2104390"/>
+            <a:off x="6232358" y="1052615"/>
+            <a:ext cx="5227295" cy="2495916"/>
           </a:xfrm>
           <a:prstGeom prst="rect">
             <a:avLst/>
           </a:prstGeom>
-          <a:solidFill>
-            <a:schemeClr val="bg2"/>
-          </a:solidFill>
-          <a:ln>
-            <a:noFill/>
-          </a:ln>
         </p:spPr>
-        <p:style>
-          <a:lnRef idx="2">
-            <a:schemeClr val="accent1">
-              <a:shade val="50000"/>
-            </a:schemeClr>
-          </a:lnRef>
-          <a:fillRef idx="1">
-            <a:schemeClr val="accent1"/>
-          </a:fillRef>
-          <a:effectRef idx="0">
-            <a:schemeClr val="accent1"/>
-          </a:effectRef>
-          <a:fontRef idx="minor">
-            <a:schemeClr val="lt1"/>
-          </a:fontRef>
-        </p:style>
-        <p:txBody>
-          <a:bodyPr rtlCol="0" anchor="ctr"/>
-          <a:lstStyle/>
-          <a:p>
-            <a:pPr algn="ctr"/>
-            <a:endParaRPr lang="zh-CN" altLang="en-US"/>
-          </a:p>
-        </p:txBody>
-      </p:sp>
+      </p:pic>
     </p:spTree>
+    <p:extLst>
+      <p:ext uri="{BB962C8B-B14F-4D97-AF65-F5344CB8AC3E}">
+        <p14:creationId xmlns:p14="http://schemas.microsoft.com/office/powerpoint/2010/main" val="1362804970"/>
+      </p:ext>
+    </p:extLst>
   </p:cSld>
   <p:clrMapOvr>
     <a:masterClrMapping/>
@@ -15201,6 +15199,140 @@
                             </p:childTnLst>
                           </p:cTn>
                         </p:par>
+                        <p:par>
+                          <p:cTn id="18" fill="hold">
+                            <p:stCondLst>
+                              <p:cond delay="1500"/>
+                            </p:stCondLst>
+                            <p:childTnLst>
+                              <p:par>
+                                <p:cTn id="19" presetID="12" presetClass="entr" presetSubtype="1" fill="hold" grpId="0" nodeType="afterEffect">
+                                  <p:stCondLst>
+                                    <p:cond delay="0"/>
+                                  </p:stCondLst>
+                                  <p:childTnLst>
+                                    <p:set>
+                                      <p:cBhvr>
+                                        <p:cTn id="20" dur="1" fill="hold">
+                                          <p:stCondLst>
+                                            <p:cond delay="0"/>
+                                          </p:stCondLst>
+                                        </p:cTn>
+                                        <p:tgtEl>
+                                          <p:spTgt spid="8"/>
+                                        </p:tgtEl>
+                                        <p:attrNameLst>
+                                          <p:attrName>style.visibility</p:attrName>
+                                        </p:attrNameLst>
+                                      </p:cBhvr>
+                                      <p:to>
+                                        <p:strVal val="visible"/>
+                                      </p:to>
+                                    </p:set>
+                                    <p:anim calcmode="lin" valueType="num">
+                                      <p:cBhvr additive="base">
+                                        <p:cTn id="21" dur="500"/>
+                                        <p:tgtEl>
+                                          <p:spTgt spid="8"/>
+                                        </p:tgtEl>
+                                        <p:attrNameLst>
+                                          <p:attrName>ppt_y</p:attrName>
+                                        </p:attrNameLst>
+                                      </p:cBhvr>
+                                      <p:tavLst>
+                                        <p:tav tm="0">
+                                          <p:val>
+                                            <p:strVal val="#ppt_y-#ppt_h*1.125000"/>
+                                          </p:val>
+                                        </p:tav>
+                                        <p:tav tm="100000">
+                                          <p:val>
+                                            <p:strVal val="#ppt_y"/>
+                                          </p:val>
+                                        </p:tav>
+                                      </p:tavLst>
+                                    </p:anim>
+                                    <p:animEffect transition="in" filter="wipe(down)">
+                                      <p:cBhvr>
+                                        <p:cTn id="22" dur="500"/>
+                                        <p:tgtEl>
+                                          <p:spTgt spid="8"/>
+                                        </p:tgtEl>
+                                      </p:cBhvr>
+                                    </p:animEffect>
+                                  </p:childTnLst>
+                                </p:cTn>
+                              </p:par>
+                            </p:childTnLst>
+                          </p:cTn>
+                        </p:par>
+                        <p:par>
+                          <p:cTn id="23" fill="hold">
+                            <p:stCondLst>
+                              <p:cond delay="2000"/>
+                            </p:stCondLst>
+                            <p:childTnLst>
+                              <p:par>
+                                <p:cTn id="24" presetID="12" presetClass="entr" presetSubtype="1" fill="hold" grpId="0" nodeType="afterEffect">
+                                  <p:stCondLst>
+                                    <p:cond delay="0"/>
+                                  </p:stCondLst>
+                                  <p:childTnLst>
+                                    <p:set>
+                                      <p:cBhvr>
+                                        <p:cTn id="25" dur="1" fill="hold">
+                                          <p:stCondLst>
+                                            <p:cond delay="0"/>
+                                          </p:stCondLst>
+                                        </p:cTn>
+                                        <p:tgtEl>
+                                          <p:spTgt spid="12"/>
+                                        </p:tgtEl>
+                                        <p:attrNameLst>
+                                          <p:attrName>style.visibility</p:attrName>
+                                        </p:attrNameLst>
+                                      </p:cBhvr>
+                                      <p:to>
+                                        <p:strVal val="visible"/>
+                                      </p:to>
+                                    </p:set>
+                                    <p:anim calcmode="lin" valueType="num">
+                                      <p:cBhvr additive="base">
+                                        <p:cTn id="26" dur="500"/>
+                                        <p:tgtEl>
+                                          <p:spTgt spid="12"/>
+                                        </p:tgtEl>
+                                        <p:attrNameLst>
+                                          <p:attrName>ppt_y</p:attrName>
+                                        </p:attrNameLst>
+                                      </p:cBhvr>
+                                      <p:tavLst>
+                                        <p:tav tm="0">
+                                          <p:val>
+                                            <p:strVal val="#ppt_y-#ppt_h*1.125000"/>
+                                          </p:val>
+                                        </p:tav>
+                                        <p:tav tm="100000">
+                                          <p:val>
+                                            <p:strVal val="#ppt_y"/>
+                                          </p:val>
+                                        </p:tav>
+                                      </p:tavLst>
+                                    </p:anim>
+                                    <p:animEffect transition="in" filter="wipe(down)">
+                                      <p:cBhvr>
+                                        <p:cTn id="27" dur="500"/>
+                                        <p:tgtEl>
+                                          <p:spTgt spid="12"/>
+                                        </p:tgtEl>
+                                      </p:cBhvr>
+                                    </p:animEffect>
+                                  </p:childTnLst>
+                                </p:cTn>
+                              </p:par>
+                            </p:childTnLst>
+                          </p:cTn>
+                        </p:par>
                       </p:childTnLst>
                     </p:cTn>
                   </p:par>
@@ -15230,6 +15362,1340 @@
       <p:bldP spid="44" grpId="1"/>
       <p:bldP spid="45" grpId="0" bldLvl="0" animBg="1"/>
       <p:bldP spid="37" grpId="0" bldLvl="0" animBg="1"/>
+      <p:bldP spid="8" grpId="0" bldLvl="0" animBg="1"/>
+      <p:bldP spid="12" grpId="0" bldLvl="0" animBg="1"/>
+    </p:bldLst>
+  </p:timing>
+</p:sld>
+</file>
+
+<file path=ppt/slides/slide19.xml><?xml version="1.0" encoding="utf-8"?>
+<p:sld xmlns:a="http://schemas.openxmlformats.org/drawingml/2006/main" xmlns:r="http://schemas.openxmlformats.org/officeDocument/2006/relationships" xmlns:p="http://schemas.openxmlformats.org/presentationml/2006/main">
+  <p:cSld>
+    <p:spTree>
+      <p:nvGrpSpPr>
+        <p:cNvPr id="1" name=""/>
+        <p:cNvGrpSpPr/>
+        <p:nvPr/>
+      </p:nvGrpSpPr>
+      <p:grpSpPr>
+        <a:xfrm>
+          <a:off x="0" y="0"/>
+          <a:ext cx="0" cy="0"/>
+          <a:chOff x="0" y="0"/>
+          <a:chExt cx="0" cy="0"/>
+        </a:xfrm>
+      </p:grpSpPr>
+      <p:sp>
+        <p:nvSpPr>
+          <p:cNvPr id="18" name="文本框 17"/>
+          <p:cNvSpPr txBox="1"/>
+          <p:nvPr/>
+        </p:nvSpPr>
+        <p:spPr>
+          <a:xfrm>
+            <a:off x="643255" y="180340"/>
+            <a:ext cx="1612900" cy="521970"/>
+          </a:xfrm>
+          <a:prstGeom prst="rect">
+            <a:avLst/>
+          </a:prstGeom>
+          <a:noFill/>
+        </p:spPr>
+        <p:txBody>
+          <a:bodyPr wrap="none" rtlCol="0">
+            <a:spAutoFit/>
+          </a:bodyPr>
+          <a:lstStyle/>
+          <a:p>
+            <a:r>
+              <a:rPr lang="zh-CN" altLang="en-US" sz="2800" b="1" dirty="0">
+                <a:solidFill>
+                  <a:schemeClr val="bg1"/>
+                </a:solidFill>
+                <a:ea typeface="思源黑体 CN Heavy" panose="020B0A00000000000000" pitchFamily="34" charset="-122"/>
+              </a:rPr>
+              <a:t>工作总结</a:t>
+            </a:r>
+          </a:p>
+        </p:txBody>
+      </p:sp>
+      <p:sp>
+        <p:nvSpPr>
+          <p:cNvPr id="44" name="文本框 146"/>
+          <p:cNvSpPr txBox="1"/>
+          <p:nvPr/>
+        </p:nvSpPr>
+        <p:spPr>
+          <a:xfrm>
+            <a:off x="915035" y="1696720"/>
+            <a:ext cx="4883150" cy="1303655"/>
+          </a:xfrm>
+          <a:prstGeom prst="rect">
+            <a:avLst/>
+          </a:prstGeom>
+          <a:noFill/>
+          <a:ln w="9525">
+            <a:noFill/>
+            <a:miter lim="800000"/>
+          </a:ln>
+          <a:extLst>
+            <a:ext uri="{909E8E84-426E-40DD-AFC4-6F175D3DCCD1}">
+              <a14:hiddenFill xmlns:a14="http://schemas.microsoft.com/office/drawing/2010/main">
+                <a:solidFill>
+                  <a:srgbClr val="FFFFFF"/>
+                </a:solidFill>
+              </a14:hiddenFill>
+            </a:ext>
+          </a:extLst>
+        </p:spPr>
+        <p:txBody>
+          <a:bodyPr lIns="135785" tIns="67891" rIns="135785" bIns="67891">
+            <a:noAutofit/>
+          </a:bodyPr>
+          <a:lstStyle>
+            <a:defPPr>
+              <a:defRPr lang="zh-CN"/>
+            </a:defPPr>
+            <a:lvl1pPr fontAlgn="base">
+              <a:lnSpc>
+                <a:spcPct val="110000"/>
+              </a:lnSpc>
+              <a:spcBef>
+                <a:spcPct val="0"/>
+              </a:spcBef>
+              <a:spcAft>
+                <a:spcPct val="0"/>
+              </a:spcAft>
+              <a:defRPr sz="1400">
+                <a:solidFill>
+                  <a:prstClr val="black">
+                    <a:lumMod val="50000"/>
+                    <a:lumOff val="50000"/>
+                  </a:prstClr>
+                </a:solidFill>
+                <a:latin typeface="Arial" panose="020B0604020202020204"/>
+                <a:cs typeface="+mn-ea"/>
+              </a:defRPr>
+            </a:lvl1pPr>
+            <a:lvl2pPr marL="457200" fontAlgn="base">
+              <a:spcBef>
+                <a:spcPct val="0"/>
+              </a:spcBef>
+              <a:spcAft>
+                <a:spcPct val="0"/>
+              </a:spcAft>
+              <a:defRPr>
+                <a:latin typeface="Calibri" panose="020F0502020204030204" pitchFamily="34" charset="0"/>
+                <a:cs typeface="Arial" panose="020B0604020202020204" pitchFamily="34" charset="0"/>
+              </a:defRPr>
+            </a:lvl2pPr>
+            <a:lvl3pPr marL="914400" fontAlgn="base">
+              <a:spcBef>
+                <a:spcPct val="0"/>
+              </a:spcBef>
+              <a:spcAft>
+                <a:spcPct val="0"/>
+              </a:spcAft>
+              <a:defRPr>
+                <a:latin typeface="Calibri" panose="020F0502020204030204" pitchFamily="34" charset="0"/>
+                <a:cs typeface="Arial" panose="020B0604020202020204" pitchFamily="34" charset="0"/>
+              </a:defRPr>
+            </a:lvl3pPr>
+            <a:lvl4pPr marL="1371600" fontAlgn="base">
+              <a:spcBef>
+                <a:spcPct val="0"/>
+              </a:spcBef>
+              <a:spcAft>
+                <a:spcPct val="0"/>
+              </a:spcAft>
+              <a:defRPr>
+                <a:latin typeface="Calibri" panose="020F0502020204030204" pitchFamily="34" charset="0"/>
+                <a:cs typeface="Arial" panose="020B0604020202020204" pitchFamily="34" charset="0"/>
+              </a:defRPr>
+            </a:lvl4pPr>
+            <a:lvl5pPr marL="1828800" fontAlgn="base">
+              <a:spcBef>
+                <a:spcPct val="0"/>
+              </a:spcBef>
+              <a:spcAft>
+                <a:spcPct val="0"/>
+              </a:spcAft>
+              <a:defRPr>
+                <a:latin typeface="Calibri" panose="020F0502020204030204" pitchFamily="34" charset="0"/>
+                <a:cs typeface="Arial" panose="020B0604020202020204" pitchFamily="34" charset="0"/>
+              </a:defRPr>
+            </a:lvl5pPr>
+            <a:lvl6pPr marL="2286000" defTabSz="914400">
+              <a:defRPr>
+                <a:latin typeface="Calibri" panose="020F0502020204030204" pitchFamily="34" charset="0"/>
+                <a:cs typeface="Arial" panose="020B0604020202020204" pitchFamily="34" charset="0"/>
+              </a:defRPr>
+            </a:lvl6pPr>
+            <a:lvl7pPr marL="2743200" defTabSz="914400">
+              <a:defRPr>
+                <a:latin typeface="Calibri" panose="020F0502020204030204" pitchFamily="34" charset="0"/>
+                <a:cs typeface="Arial" panose="020B0604020202020204" pitchFamily="34" charset="0"/>
+              </a:defRPr>
+            </a:lvl7pPr>
+            <a:lvl8pPr marL="3200400" defTabSz="914400">
+              <a:defRPr>
+                <a:latin typeface="Calibri" panose="020F0502020204030204" pitchFamily="34" charset="0"/>
+                <a:cs typeface="Arial" panose="020B0604020202020204" pitchFamily="34" charset="0"/>
+              </a:defRPr>
+            </a:lvl8pPr>
+            <a:lvl9pPr marL="3657600" defTabSz="914400">
+              <a:defRPr>
+                <a:latin typeface="Calibri" panose="020F0502020204030204" pitchFamily="34" charset="0"/>
+                <a:cs typeface="Arial" panose="020B0604020202020204" pitchFamily="34" charset="0"/>
+              </a:defRPr>
+            </a:lvl9pPr>
+          </a:lstStyle>
+          <a:p>
+            <a:endParaRPr lang="zh-CN" altLang="en-US" sz="1800" b="1" dirty="0">
+              <a:solidFill>
+                <a:prstClr val="black">
+                  <a:lumMod val="50000"/>
+                  <a:lumOff val="50000"/>
+                </a:prstClr>
+              </a:solidFill>
+              <a:effectLst>
+                <a:outerShdw blurRad="38100" dist="38100" dir="2700000" algn="tl">
+                  <a:srgbClr val="000000">
+                    <a:alpha val="30000"/>
+                  </a:srgbClr>
+                </a:outerShdw>
+              </a:effectLst>
+              <a:uFillTx/>
+              <a:latin typeface="华文中宋" panose="02010600040101010101" charset="-122"/>
+              <a:ea typeface="华文中宋" panose="02010600040101010101" charset="-122"/>
+              <a:cs typeface="Arial" panose="020B0604020202020204" pitchFamily="34" charset="0"/>
+            </a:endParaRPr>
+          </a:p>
+        </p:txBody>
+      </p:sp>
+      <p:sp>
+        <p:nvSpPr>
+          <p:cNvPr id="45" name="文本框 145"/>
+          <p:cNvSpPr txBox="1"/>
+          <p:nvPr/>
+        </p:nvSpPr>
+        <p:spPr>
+          <a:xfrm>
+            <a:off x="732347" y="1224780"/>
+            <a:ext cx="4653280" cy="4839136"/>
+          </a:xfrm>
+          <a:prstGeom prst="rect">
+            <a:avLst/>
+          </a:prstGeom>
+          <a:noFill/>
+          <a:ln>
+            <a:noFill/>
+          </a:ln>
+        </p:spPr>
+        <p:style>
+          <a:lnRef idx="2">
+            <a:schemeClr val="accent1">
+              <a:shade val="50000"/>
+            </a:schemeClr>
+          </a:lnRef>
+          <a:fillRef idx="1">
+            <a:schemeClr val="accent1"/>
+          </a:fillRef>
+          <a:effectRef idx="0">
+            <a:schemeClr val="accent1"/>
+          </a:effectRef>
+          <a:fontRef idx="minor">
+            <a:schemeClr val="lt1"/>
+          </a:fontRef>
+        </p:style>
+        <p:txBody>
+          <a:bodyPr wrap="square" lIns="178172" tIns="0" rIns="178172" bIns="0" rtlCol="0" anchor="t">
+            <a:noAutofit/>
+          </a:bodyPr>
+          <a:lstStyle>
+            <a:defPPr>
+              <a:defRPr lang="zh-CN"/>
+            </a:defPPr>
+            <a:lvl1pPr marL="285750" indent="-285750">
+              <a:lnSpc>
+                <a:spcPct val="120000"/>
+              </a:lnSpc>
+              <a:buClr>
+                <a:schemeClr val="accent1"/>
+              </a:buClr>
+              <a:buFont typeface="Wingdings" panose="05000000000000000000" pitchFamily="2" charset="2"/>
+              <a:buChar char="n"/>
+              <a:defRPr sz="1800" b="1">
+                <a:solidFill>
+                  <a:schemeClr val="bg1">
+                    <a:lumMod val="50000"/>
+                  </a:schemeClr>
+                </a:solidFill>
+                <a:cs typeface="+mn-ea"/>
+              </a:defRPr>
+            </a:lvl1pPr>
+            <a:lvl2pPr>
+              <a:defRPr>
+                <a:solidFill>
+                  <a:schemeClr val="lt1"/>
+                </a:solidFill>
+              </a:defRPr>
+            </a:lvl2pPr>
+            <a:lvl3pPr>
+              <a:defRPr>
+                <a:solidFill>
+                  <a:schemeClr val="lt1"/>
+                </a:solidFill>
+              </a:defRPr>
+            </a:lvl3pPr>
+            <a:lvl4pPr>
+              <a:defRPr>
+                <a:solidFill>
+                  <a:schemeClr val="lt1"/>
+                </a:solidFill>
+              </a:defRPr>
+            </a:lvl4pPr>
+            <a:lvl5pPr>
+              <a:defRPr>
+                <a:solidFill>
+                  <a:schemeClr val="lt1"/>
+                </a:solidFill>
+              </a:defRPr>
+            </a:lvl5pPr>
+            <a:lvl6pPr>
+              <a:defRPr>
+                <a:solidFill>
+                  <a:schemeClr val="lt1"/>
+                </a:solidFill>
+              </a:defRPr>
+            </a:lvl6pPr>
+            <a:lvl7pPr>
+              <a:defRPr>
+                <a:solidFill>
+                  <a:schemeClr val="lt1"/>
+                </a:solidFill>
+              </a:defRPr>
+            </a:lvl7pPr>
+            <a:lvl8pPr>
+              <a:defRPr>
+                <a:solidFill>
+                  <a:schemeClr val="lt1"/>
+                </a:solidFill>
+              </a:defRPr>
+            </a:lvl8pPr>
+            <a:lvl9pPr>
+              <a:defRPr>
+                <a:solidFill>
+                  <a:schemeClr val="lt1"/>
+                </a:solidFill>
+              </a:defRPr>
+            </a:lvl9pPr>
+          </a:lstStyle>
+          <a:p>
+            <a:pPr marL="171450" lvl="1">
+              <a:buClr>
+                <a:srgbClr val="C00000"/>
+              </a:buClr>
+            </a:pPr>
+            <a:r>
+              <a:rPr lang="en-US" altLang="zh-CN" dirty="0">
+                <a:solidFill>
+                  <a:schemeClr val="tx1">
+                    <a:lumMod val="65000"/>
+                    <a:lumOff val="35000"/>
+                  </a:schemeClr>
+                </a:solidFill>
+                <a:ea typeface="思源黑体 CN Heavy" panose="020B0A00000000000000" pitchFamily="34" charset="-122"/>
+              </a:rPr>
+              <a:t>3. </a:t>
+            </a:r>
+            <a:r>
+              <a:rPr lang="zh-CN" altLang="en-US" dirty="0">
+                <a:solidFill>
+                  <a:schemeClr val="tx1">
+                    <a:lumMod val="65000"/>
+                    <a:lumOff val="35000"/>
+                  </a:schemeClr>
+                </a:solidFill>
+                <a:ea typeface="思源黑体 CN Heavy" panose="020B0A00000000000000" pitchFamily="34" charset="-122"/>
+              </a:rPr>
+              <a:t>解决方案</a:t>
+            </a:r>
+            <a:r>
+              <a:rPr lang="en-US" altLang="zh-CN" dirty="0">
+                <a:solidFill>
+                  <a:schemeClr val="tx1">
+                    <a:lumMod val="65000"/>
+                    <a:lumOff val="35000"/>
+                  </a:schemeClr>
+                </a:solidFill>
+                <a:ea typeface="思源黑体 CN Heavy" panose="020B0A00000000000000" pitchFamily="34" charset="-122"/>
+              </a:rPr>
+              <a:t>: </a:t>
+            </a:r>
+          </a:p>
+          <a:p>
+            <a:pPr marL="171450" lvl="1">
+              <a:buClr>
+                <a:srgbClr val="C00000"/>
+              </a:buClr>
+            </a:pPr>
+            <a:r>
+              <a:rPr lang="en-US" altLang="zh-CN" dirty="0">
+                <a:solidFill>
+                  <a:schemeClr val="tx1">
+                    <a:lumMod val="65000"/>
+                    <a:lumOff val="35000"/>
+                  </a:schemeClr>
+                </a:solidFill>
+                <a:ea typeface="思源黑体 CN Heavy" panose="020B0A00000000000000" pitchFamily="34" charset="-122"/>
+              </a:rPr>
+              <a:t>     1. </a:t>
+            </a:r>
+            <a:r>
+              <a:rPr lang="zh-CN" altLang="en-US" dirty="0">
+                <a:solidFill>
+                  <a:schemeClr val="tx1">
+                    <a:lumMod val="65000"/>
+                    <a:lumOff val="35000"/>
+                  </a:schemeClr>
+                </a:solidFill>
+                <a:ea typeface="思源黑体 CN Heavy" panose="020B0A00000000000000" pitchFamily="34" charset="-122"/>
+              </a:rPr>
+              <a:t>不使用并发处理</a:t>
+            </a:r>
+            <a:r>
+              <a:rPr lang="en-US" altLang="zh-CN" dirty="0">
+                <a:solidFill>
+                  <a:schemeClr val="tx1">
+                    <a:lumMod val="65000"/>
+                    <a:lumOff val="35000"/>
+                  </a:schemeClr>
+                </a:solidFill>
+                <a:ea typeface="思源黑体 CN Heavy" panose="020B0A00000000000000" pitchFamily="34" charset="-122"/>
+              </a:rPr>
+              <a:t>(</a:t>
+            </a:r>
+            <a:r>
+              <a:rPr lang="zh-CN" altLang="en-US" dirty="0">
+                <a:solidFill>
+                  <a:schemeClr val="tx1">
+                    <a:lumMod val="65000"/>
+                    <a:lumOff val="35000"/>
+                  </a:schemeClr>
+                </a:solidFill>
+                <a:ea typeface="思源黑体 CN Heavy" panose="020B0A00000000000000" pitchFamily="34" charset="-122"/>
+              </a:rPr>
+              <a:t>比较推荐</a:t>
+            </a:r>
+            <a:r>
+              <a:rPr lang="en-US" altLang="zh-CN" dirty="0">
+                <a:solidFill>
+                  <a:schemeClr val="tx1">
+                    <a:lumMod val="65000"/>
+                    <a:lumOff val="35000"/>
+                  </a:schemeClr>
+                </a:solidFill>
+                <a:ea typeface="思源黑体 CN Heavy" panose="020B0A00000000000000" pitchFamily="34" charset="-122"/>
+              </a:rPr>
+              <a:t>)</a:t>
+            </a:r>
+          </a:p>
+          <a:p>
+            <a:pPr marL="171450" lvl="1">
+              <a:buClr>
+                <a:srgbClr val="C00000"/>
+              </a:buClr>
+            </a:pPr>
+            <a:r>
+              <a:rPr lang="en-US" altLang="zh-CN" dirty="0">
+                <a:solidFill>
+                  <a:schemeClr val="tx1">
+                    <a:lumMod val="65000"/>
+                    <a:lumOff val="35000"/>
+                  </a:schemeClr>
+                </a:solidFill>
+                <a:ea typeface="思源黑体 CN Heavy" panose="020B0A00000000000000" pitchFamily="34" charset="-122"/>
+              </a:rPr>
+              <a:t>	</a:t>
+            </a:r>
+            <a:r>
+              <a:rPr lang="zh-CN" altLang="en-US" dirty="0">
+                <a:solidFill>
+                  <a:schemeClr val="tx1">
+                    <a:lumMod val="65000"/>
+                    <a:lumOff val="35000"/>
+                  </a:schemeClr>
+                </a:solidFill>
+                <a:ea typeface="思源黑体 CN Heavy" panose="020B0A00000000000000" pitchFamily="34" charset="-122"/>
+              </a:rPr>
+              <a:t>原因</a:t>
+            </a:r>
+            <a:r>
+              <a:rPr lang="en-US" altLang="zh-CN" dirty="0">
+                <a:solidFill>
+                  <a:schemeClr val="tx1">
+                    <a:lumMod val="65000"/>
+                    <a:lumOff val="35000"/>
+                  </a:schemeClr>
+                </a:solidFill>
+                <a:ea typeface="思源黑体 CN Heavy" panose="020B0A00000000000000" pitchFamily="34" charset="-122"/>
+              </a:rPr>
+              <a:t>: </a:t>
+            </a:r>
+            <a:r>
+              <a:rPr lang="zh-CN" altLang="en-US" dirty="0">
+                <a:solidFill>
+                  <a:schemeClr val="tx1">
+                    <a:lumMod val="65000"/>
+                    <a:lumOff val="35000"/>
+                  </a:schemeClr>
+                </a:solidFill>
+                <a:ea typeface="思源黑体 CN Heavy" panose="020B0A00000000000000" pitchFamily="34" charset="-122"/>
+              </a:rPr>
+              <a:t>需要存入的的数据量较小</a:t>
+            </a:r>
+            <a:endParaRPr lang="en-US" altLang="zh-CN" dirty="0">
+              <a:solidFill>
+                <a:schemeClr val="tx1">
+                  <a:lumMod val="65000"/>
+                  <a:lumOff val="35000"/>
+                </a:schemeClr>
+              </a:solidFill>
+              <a:ea typeface="思源黑体 CN Heavy" panose="020B0A00000000000000" pitchFamily="34" charset="-122"/>
+            </a:endParaRPr>
+          </a:p>
+          <a:p>
+            <a:pPr marL="171450" lvl="1">
+              <a:buClr>
+                <a:srgbClr val="C00000"/>
+              </a:buClr>
+            </a:pPr>
+            <a:r>
+              <a:rPr lang="en-US" altLang="zh-CN" dirty="0">
+                <a:solidFill>
+                  <a:schemeClr val="tx1">
+                    <a:lumMod val="65000"/>
+                    <a:lumOff val="35000"/>
+                  </a:schemeClr>
+                </a:solidFill>
+                <a:ea typeface="思源黑体 CN Heavy" panose="020B0A00000000000000" pitchFamily="34" charset="-122"/>
+              </a:rPr>
+              <a:t>      2. </a:t>
+            </a:r>
+            <a:r>
+              <a:rPr lang="zh-CN" altLang="en-US" dirty="0">
+                <a:solidFill>
+                  <a:schemeClr val="tx1">
+                    <a:lumMod val="65000"/>
+                    <a:lumOff val="35000"/>
+                  </a:schemeClr>
+                </a:solidFill>
+                <a:ea typeface="思源黑体 CN Heavy" panose="020B0A00000000000000" pitchFamily="34" charset="-122"/>
+              </a:rPr>
+              <a:t>对每次</a:t>
+            </a:r>
+            <a:r>
+              <a:rPr lang="en-US" altLang="zh-CN" dirty="0">
+                <a:solidFill>
+                  <a:schemeClr val="tx1">
+                    <a:lumMod val="65000"/>
+                    <a:lumOff val="35000"/>
+                  </a:schemeClr>
+                </a:solidFill>
+                <a:ea typeface="思源黑体 CN Heavy" panose="020B0A00000000000000" pitchFamily="34" charset="-122"/>
+              </a:rPr>
+              <a:t>map</a:t>
+            </a:r>
+            <a:r>
+              <a:rPr lang="zh-CN" altLang="en-US" dirty="0">
+                <a:solidFill>
+                  <a:schemeClr val="tx1">
+                    <a:lumMod val="65000"/>
+                    <a:lumOff val="35000"/>
+                  </a:schemeClr>
+                </a:solidFill>
+                <a:ea typeface="思源黑体 CN Heavy" panose="020B0A00000000000000" pitchFamily="34" charset="-122"/>
+              </a:rPr>
+              <a:t>的读取以及向指针类型的</a:t>
+            </a:r>
+            <a:r>
+              <a:rPr lang="en-US" altLang="zh-CN" dirty="0" err="1">
+                <a:solidFill>
+                  <a:schemeClr val="tx1">
+                    <a:lumMod val="65000"/>
+                    <a:lumOff val="35000"/>
+                  </a:schemeClr>
+                </a:solidFill>
+                <a:ea typeface="思源黑体 CN Heavy" panose="020B0A00000000000000" pitchFamily="34" charset="-122"/>
+              </a:rPr>
+              <a:t>AbilityModel</a:t>
+            </a:r>
+            <a:r>
+              <a:rPr lang="zh-CN" altLang="en-US" dirty="0">
+                <a:solidFill>
+                  <a:schemeClr val="tx1">
+                    <a:lumMod val="65000"/>
+                    <a:lumOff val="35000"/>
+                  </a:schemeClr>
+                </a:solidFill>
+                <a:ea typeface="思源黑体 CN Heavy" panose="020B0A00000000000000" pitchFamily="34" charset="-122"/>
+              </a:rPr>
+              <a:t>进行加锁操作</a:t>
+            </a:r>
+            <a:endParaRPr lang="en-US" altLang="zh-CN" dirty="0">
+              <a:solidFill>
+                <a:schemeClr val="tx1">
+                  <a:lumMod val="65000"/>
+                  <a:lumOff val="35000"/>
+                </a:schemeClr>
+              </a:solidFill>
+              <a:ea typeface="思源黑体 CN Heavy" panose="020B0A00000000000000" pitchFamily="34" charset="-122"/>
+            </a:endParaRPr>
+          </a:p>
+          <a:p>
+            <a:pPr marL="171450" lvl="1">
+              <a:buClr>
+                <a:srgbClr val="C00000"/>
+              </a:buClr>
+            </a:pPr>
+            <a:r>
+              <a:rPr lang="en-US" altLang="zh-CN" dirty="0">
+                <a:solidFill>
+                  <a:schemeClr val="tx1">
+                    <a:lumMod val="65000"/>
+                    <a:lumOff val="35000"/>
+                  </a:schemeClr>
+                </a:solidFill>
+                <a:ea typeface="思源黑体 CN Heavy" panose="020B0A00000000000000" pitchFamily="34" charset="-122"/>
+              </a:rPr>
+              <a:t>      3. </a:t>
+            </a:r>
+            <a:r>
+              <a:rPr lang="zh-CN" altLang="en-US" dirty="0">
+                <a:solidFill>
+                  <a:schemeClr val="tx1">
+                    <a:lumMod val="65000"/>
+                    <a:lumOff val="35000"/>
+                  </a:schemeClr>
+                </a:solidFill>
+                <a:ea typeface="思源黑体 CN Heavy" panose="020B0A00000000000000" pitchFamily="34" charset="-122"/>
+              </a:rPr>
+              <a:t>使用 </a:t>
+            </a:r>
+            <a:r>
+              <a:rPr lang="en-US" altLang="zh-CN" dirty="0" err="1">
+                <a:solidFill>
+                  <a:schemeClr val="tx1">
+                    <a:lumMod val="65000"/>
+                    <a:lumOff val="35000"/>
+                  </a:schemeClr>
+                </a:solidFill>
+                <a:ea typeface="思源黑体 CN Heavy" panose="020B0A00000000000000" pitchFamily="34" charset="-122"/>
+              </a:rPr>
+              <a:t>sync.Map</a:t>
+            </a:r>
+            <a:r>
+              <a:rPr lang="en-US" altLang="zh-CN" dirty="0">
+                <a:solidFill>
+                  <a:schemeClr val="tx1">
+                    <a:lumMod val="65000"/>
+                    <a:lumOff val="35000"/>
+                  </a:schemeClr>
+                </a:solidFill>
+                <a:ea typeface="思源黑体 CN Heavy" panose="020B0A00000000000000" pitchFamily="34" charset="-122"/>
+              </a:rPr>
+              <a:t> </a:t>
+            </a:r>
+            <a:r>
+              <a:rPr lang="zh-CN" altLang="en-US" dirty="0">
+                <a:solidFill>
+                  <a:schemeClr val="tx1">
+                    <a:lumMod val="65000"/>
+                    <a:lumOff val="35000"/>
+                  </a:schemeClr>
+                </a:solidFill>
+                <a:ea typeface="思源黑体 CN Heavy" panose="020B0A00000000000000" pitchFamily="34" charset="-122"/>
+              </a:rPr>
+              <a:t>对数据进行操作</a:t>
+            </a:r>
+            <a:r>
+              <a:rPr lang="en-US" altLang="zh-CN" dirty="0">
+                <a:solidFill>
+                  <a:schemeClr val="tx1">
+                    <a:lumMod val="65000"/>
+                    <a:lumOff val="35000"/>
+                  </a:schemeClr>
+                </a:solidFill>
+                <a:ea typeface="思源黑体 CN Heavy" panose="020B0A00000000000000" pitchFamily="34" charset="-122"/>
+              </a:rPr>
+              <a:t>(</a:t>
+            </a:r>
+            <a:r>
+              <a:rPr lang="en-US" altLang="zh-CN" dirty="0" err="1">
+                <a:solidFill>
+                  <a:schemeClr val="tx1">
+                    <a:lumMod val="65000"/>
+                    <a:lumOff val="35000"/>
+                  </a:schemeClr>
+                </a:solidFill>
+                <a:ea typeface="思源黑体 CN Heavy" panose="020B0A00000000000000" pitchFamily="34" charset="-122"/>
+              </a:rPr>
+              <a:t>sync.Map</a:t>
+            </a:r>
+            <a:r>
+              <a:rPr lang="en-US" altLang="zh-CN" dirty="0">
+                <a:solidFill>
+                  <a:schemeClr val="tx1">
+                    <a:lumMod val="65000"/>
+                    <a:lumOff val="35000"/>
+                  </a:schemeClr>
+                </a:solidFill>
+                <a:ea typeface="思源黑体 CN Heavy" panose="020B0A00000000000000" pitchFamily="34" charset="-122"/>
+              </a:rPr>
+              <a:t>)</a:t>
+            </a:r>
+          </a:p>
+          <a:p>
+            <a:pPr marL="342900" indent="-342900">
+              <a:buClr>
+                <a:srgbClr val="C00000"/>
+              </a:buClr>
+              <a:buAutoNum type="arabicPeriod"/>
+            </a:pPr>
+            <a:endParaRPr lang="en-US" altLang="zh-CN" dirty="0">
+              <a:solidFill>
+                <a:schemeClr val="tx1">
+                  <a:lumMod val="65000"/>
+                  <a:lumOff val="35000"/>
+                </a:schemeClr>
+              </a:solidFill>
+              <a:ea typeface="思源黑体 CN Heavy" panose="020B0A00000000000000" pitchFamily="34" charset="-122"/>
+            </a:endParaRPr>
+          </a:p>
+        </p:txBody>
+      </p:sp>
+      <p:sp>
+        <p:nvSpPr>
+          <p:cNvPr id="37" name="文本框 145"/>
+          <p:cNvSpPr txBox="1"/>
+          <p:nvPr/>
+        </p:nvSpPr>
+        <p:spPr>
+          <a:xfrm>
+            <a:off x="8179894" y="4277803"/>
+            <a:ext cx="2352000" cy="413563"/>
+          </a:xfrm>
+          <a:prstGeom prst="rect">
+            <a:avLst/>
+          </a:prstGeom>
+          <a:noFill/>
+          <a:ln>
+            <a:noFill/>
+          </a:ln>
+        </p:spPr>
+        <p:style>
+          <a:lnRef idx="2">
+            <a:schemeClr val="accent1">
+              <a:shade val="50000"/>
+            </a:schemeClr>
+          </a:lnRef>
+          <a:fillRef idx="1">
+            <a:schemeClr val="accent1"/>
+          </a:fillRef>
+          <a:effectRef idx="0">
+            <a:schemeClr val="accent1"/>
+          </a:effectRef>
+          <a:fontRef idx="minor">
+            <a:schemeClr val="lt1"/>
+          </a:fontRef>
+        </p:style>
+        <p:txBody>
+          <a:bodyPr wrap="square" lIns="178172" tIns="0" rIns="178172" bIns="0" rtlCol="0" anchor="t">
+            <a:noAutofit/>
+          </a:bodyPr>
+          <a:lstStyle>
+            <a:defPPr>
+              <a:defRPr lang="zh-CN"/>
+            </a:defPPr>
+            <a:lvl1pPr marL="285750" indent="-285750">
+              <a:lnSpc>
+                <a:spcPct val="120000"/>
+              </a:lnSpc>
+              <a:buClr>
+                <a:schemeClr val="accent1"/>
+              </a:buClr>
+              <a:buFont typeface="Wingdings" panose="05000000000000000000" pitchFamily="2" charset="2"/>
+              <a:buChar char="n"/>
+              <a:defRPr sz="1800" b="1">
+                <a:solidFill>
+                  <a:schemeClr val="bg1">
+                    <a:lumMod val="50000"/>
+                  </a:schemeClr>
+                </a:solidFill>
+                <a:cs typeface="+mn-ea"/>
+              </a:defRPr>
+            </a:lvl1pPr>
+            <a:lvl2pPr>
+              <a:defRPr>
+                <a:solidFill>
+                  <a:schemeClr val="lt1"/>
+                </a:solidFill>
+              </a:defRPr>
+            </a:lvl2pPr>
+            <a:lvl3pPr>
+              <a:defRPr>
+                <a:solidFill>
+                  <a:schemeClr val="lt1"/>
+                </a:solidFill>
+              </a:defRPr>
+            </a:lvl3pPr>
+            <a:lvl4pPr>
+              <a:defRPr>
+                <a:solidFill>
+                  <a:schemeClr val="lt1"/>
+                </a:solidFill>
+              </a:defRPr>
+            </a:lvl4pPr>
+            <a:lvl5pPr>
+              <a:defRPr>
+                <a:solidFill>
+                  <a:schemeClr val="lt1"/>
+                </a:solidFill>
+              </a:defRPr>
+            </a:lvl5pPr>
+            <a:lvl6pPr>
+              <a:defRPr>
+                <a:solidFill>
+                  <a:schemeClr val="lt1"/>
+                </a:solidFill>
+              </a:defRPr>
+            </a:lvl6pPr>
+            <a:lvl7pPr>
+              <a:defRPr>
+                <a:solidFill>
+                  <a:schemeClr val="lt1"/>
+                </a:solidFill>
+              </a:defRPr>
+            </a:lvl7pPr>
+            <a:lvl8pPr>
+              <a:defRPr>
+                <a:solidFill>
+                  <a:schemeClr val="lt1"/>
+                </a:solidFill>
+              </a:defRPr>
+            </a:lvl8pPr>
+            <a:lvl9pPr>
+              <a:defRPr>
+                <a:solidFill>
+                  <a:schemeClr val="lt1"/>
+                </a:solidFill>
+              </a:defRPr>
+            </a:lvl9pPr>
+          </a:lstStyle>
+          <a:p>
+            <a:pPr marL="0" indent="0">
+              <a:buClr>
+                <a:srgbClr val="C00000"/>
+              </a:buClr>
+              <a:buNone/>
+            </a:pPr>
+            <a:endParaRPr lang="zh-CN" altLang="en-US" dirty="0">
+              <a:solidFill>
+                <a:schemeClr val="tx1">
+                  <a:lumMod val="65000"/>
+                  <a:lumOff val="35000"/>
+                </a:schemeClr>
+              </a:solidFill>
+              <a:ea typeface="思源黑体 CN Heavy" panose="020B0A00000000000000" pitchFamily="34" charset="-122"/>
+            </a:endParaRPr>
+          </a:p>
+        </p:txBody>
+      </p:sp>
+      <p:sp>
+        <p:nvSpPr>
+          <p:cNvPr id="9" name="文本框 145">
+            <a:extLst>
+              <a:ext uri="{FF2B5EF4-FFF2-40B4-BE49-F238E27FC236}">
+                <a16:creationId xmlns:a16="http://schemas.microsoft.com/office/drawing/2014/main" id="{D9ABF83A-66B7-4026-9779-7E693D61A8D9}"/>
+              </a:ext>
+            </a:extLst>
+          </p:cNvPr>
+          <p:cNvSpPr txBox="1"/>
+          <p:nvPr/>
+        </p:nvSpPr>
+        <p:spPr>
+          <a:xfrm>
+            <a:off x="6393817" y="1151641"/>
+            <a:ext cx="4653280" cy="4839136"/>
+          </a:xfrm>
+          <a:prstGeom prst="rect">
+            <a:avLst/>
+          </a:prstGeom>
+          <a:noFill/>
+          <a:ln>
+            <a:noFill/>
+          </a:ln>
+        </p:spPr>
+        <p:style>
+          <a:lnRef idx="2">
+            <a:schemeClr val="accent1">
+              <a:shade val="50000"/>
+            </a:schemeClr>
+          </a:lnRef>
+          <a:fillRef idx="1">
+            <a:schemeClr val="accent1"/>
+          </a:fillRef>
+          <a:effectRef idx="0">
+            <a:schemeClr val="accent1"/>
+          </a:effectRef>
+          <a:fontRef idx="minor">
+            <a:schemeClr val="lt1"/>
+          </a:fontRef>
+        </p:style>
+        <p:txBody>
+          <a:bodyPr wrap="square" lIns="178172" tIns="0" rIns="178172" bIns="0" rtlCol="0" anchor="t">
+            <a:noAutofit/>
+          </a:bodyPr>
+          <a:lstStyle>
+            <a:defPPr>
+              <a:defRPr lang="zh-CN"/>
+            </a:defPPr>
+            <a:lvl1pPr marL="285750" indent="-285750">
+              <a:lnSpc>
+                <a:spcPct val="120000"/>
+              </a:lnSpc>
+              <a:buClr>
+                <a:schemeClr val="accent1"/>
+              </a:buClr>
+              <a:buFont typeface="Wingdings" panose="05000000000000000000" pitchFamily="2" charset="2"/>
+              <a:buChar char="n"/>
+              <a:defRPr sz="1800" b="1">
+                <a:solidFill>
+                  <a:schemeClr val="bg1">
+                    <a:lumMod val="50000"/>
+                  </a:schemeClr>
+                </a:solidFill>
+                <a:cs typeface="+mn-ea"/>
+              </a:defRPr>
+            </a:lvl1pPr>
+            <a:lvl2pPr>
+              <a:defRPr>
+                <a:solidFill>
+                  <a:schemeClr val="lt1"/>
+                </a:solidFill>
+              </a:defRPr>
+            </a:lvl2pPr>
+            <a:lvl3pPr>
+              <a:defRPr>
+                <a:solidFill>
+                  <a:schemeClr val="lt1"/>
+                </a:solidFill>
+              </a:defRPr>
+            </a:lvl3pPr>
+            <a:lvl4pPr>
+              <a:defRPr>
+                <a:solidFill>
+                  <a:schemeClr val="lt1"/>
+                </a:solidFill>
+              </a:defRPr>
+            </a:lvl4pPr>
+            <a:lvl5pPr>
+              <a:defRPr>
+                <a:solidFill>
+                  <a:schemeClr val="lt1"/>
+                </a:solidFill>
+              </a:defRPr>
+            </a:lvl5pPr>
+            <a:lvl6pPr>
+              <a:defRPr>
+                <a:solidFill>
+                  <a:schemeClr val="lt1"/>
+                </a:solidFill>
+              </a:defRPr>
+            </a:lvl6pPr>
+            <a:lvl7pPr>
+              <a:defRPr>
+                <a:solidFill>
+                  <a:schemeClr val="lt1"/>
+                </a:solidFill>
+              </a:defRPr>
+            </a:lvl7pPr>
+            <a:lvl8pPr>
+              <a:defRPr>
+                <a:solidFill>
+                  <a:schemeClr val="lt1"/>
+                </a:solidFill>
+              </a:defRPr>
+            </a:lvl8pPr>
+            <a:lvl9pPr>
+              <a:defRPr>
+                <a:solidFill>
+                  <a:schemeClr val="lt1"/>
+                </a:solidFill>
+              </a:defRPr>
+            </a:lvl9pPr>
+          </a:lstStyle>
+          <a:p>
+            <a:pPr marL="171450" lvl="1">
+              <a:buClr>
+                <a:srgbClr val="C00000"/>
+              </a:buClr>
+            </a:pPr>
+            <a:r>
+              <a:rPr lang="en-US" altLang="zh-CN" dirty="0" err="1">
+                <a:solidFill>
+                  <a:schemeClr val="tx1">
+                    <a:lumMod val="65000"/>
+                    <a:lumOff val="35000"/>
+                  </a:schemeClr>
+                </a:solidFill>
+                <a:ea typeface="思源黑体 CN Heavy" panose="020B0A00000000000000" pitchFamily="34" charset="-122"/>
+              </a:rPr>
+              <a:t>sync.Map</a:t>
+            </a:r>
+            <a:r>
+              <a:rPr lang="zh-CN" altLang="en-US" dirty="0">
+                <a:solidFill>
+                  <a:schemeClr val="tx1">
+                    <a:lumMod val="65000"/>
+                    <a:lumOff val="35000"/>
+                  </a:schemeClr>
+                </a:solidFill>
+                <a:ea typeface="思源黑体 CN Heavy" panose="020B0A00000000000000" pitchFamily="34" charset="-122"/>
+              </a:rPr>
+              <a:t>总结</a:t>
+            </a:r>
+            <a:r>
+              <a:rPr lang="en-US" altLang="zh-CN" dirty="0">
+                <a:solidFill>
+                  <a:schemeClr val="tx1">
+                    <a:lumMod val="65000"/>
+                    <a:lumOff val="35000"/>
+                  </a:schemeClr>
+                </a:solidFill>
+                <a:ea typeface="思源黑体 CN Heavy" panose="020B0A00000000000000" pitchFamily="34" charset="-122"/>
+              </a:rPr>
+              <a:t>:</a:t>
+            </a:r>
+          </a:p>
+        </p:txBody>
+      </p:sp>
+    </p:spTree>
+    <p:extLst>
+      <p:ext uri="{BB962C8B-B14F-4D97-AF65-F5344CB8AC3E}">
+        <p14:creationId xmlns:p14="http://schemas.microsoft.com/office/powerpoint/2010/main" val="3882529221"/>
+      </p:ext>
+    </p:extLst>
+  </p:cSld>
+  <p:clrMapOvr>
+    <a:masterClrMapping/>
+  </p:clrMapOvr>
+  <mc:AlternateContent xmlns:mc="http://schemas.openxmlformats.org/markup-compatibility/2006" xmlns:p14="http://schemas.microsoft.com/office/powerpoint/2010/main">
+    <mc:Choice Requires="p14">
+      <p:transition spd="slow" p14:dur="1600">
+        <p:blinds dir="vert"/>
+      </p:transition>
+    </mc:Choice>
+    <mc:Fallback xmlns="">
+      <p:transition spd="slow">
+        <p:blinds dir="vert"/>
+      </p:transition>
+    </mc:Fallback>
+  </mc:AlternateContent>
+  <p:timing>
+    <p:tnLst>
+      <p:par>
+        <p:cTn id="1" dur="indefinite" restart="never" nodeType="tmRoot">
+          <p:childTnLst>
+            <p:seq concurrent="1" nextAc="seek">
+              <p:cTn id="2" dur="indefinite" nodeType="mainSeq">
+                <p:childTnLst>
+                  <p:par>
+                    <p:cTn id="3" fill="hold">
+                      <p:stCondLst>
+                        <p:cond delay="indefinite"/>
+                        <p:cond evt="onBegin" delay="0">
+                          <p:tn val="2"/>
+                        </p:cond>
+                      </p:stCondLst>
+                      <p:childTnLst>
+                        <p:par>
+                          <p:cTn id="4" fill="hold">
+                            <p:stCondLst>
+                              <p:cond delay="0"/>
+                            </p:stCondLst>
+                            <p:childTnLst>
+                              <p:par>
+                                <p:cTn id="5" presetID="12" presetClass="entr" presetSubtype="1" fill="hold" grpId="0" nodeType="afterEffect">
+                                  <p:stCondLst>
+                                    <p:cond delay="0"/>
+                                  </p:stCondLst>
+                                  <p:childTnLst>
+                                    <p:set>
+                                      <p:cBhvr>
+                                        <p:cTn id="6" dur="1" fill="hold">
+                                          <p:stCondLst>
+                                            <p:cond delay="0"/>
+                                          </p:stCondLst>
+                                        </p:cTn>
+                                        <p:tgtEl>
+                                          <p:spTgt spid="45"/>
+                                        </p:tgtEl>
+                                        <p:attrNameLst>
+                                          <p:attrName>style.visibility</p:attrName>
+                                        </p:attrNameLst>
+                                      </p:cBhvr>
+                                      <p:to>
+                                        <p:strVal val="visible"/>
+                                      </p:to>
+                                    </p:set>
+                                    <p:anim calcmode="lin" valueType="num">
+                                      <p:cBhvr additive="base">
+                                        <p:cTn id="7" dur="500"/>
+                                        <p:tgtEl>
+                                          <p:spTgt spid="45"/>
+                                        </p:tgtEl>
+                                        <p:attrNameLst>
+                                          <p:attrName>ppt_y</p:attrName>
+                                        </p:attrNameLst>
+                                      </p:cBhvr>
+                                      <p:tavLst>
+                                        <p:tav tm="0">
+                                          <p:val>
+                                            <p:strVal val="#ppt_y-#ppt_h*1.125000"/>
+                                          </p:val>
+                                        </p:tav>
+                                        <p:tav tm="100000">
+                                          <p:val>
+                                            <p:strVal val="#ppt_y"/>
+                                          </p:val>
+                                        </p:tav>
+                                      </p:tavLst>
+                                    </p:anim>
+                                    <p:animEffect transition="in" filter="wipe(down)">
+                                      <p:cBhvr>
+                                        <p:cTn id="8" dur="500"/>
+                                        <p:tgtEl>
+                                          <p:spTgt spid="45"/>
+                                        </p:tgtEl>
+                                      </p:cBhvr>
+                                    </p:animEffect>
+                                  </p:childTnLst>
+                                </p:cTn>
+                              </p:par>
+                            </p:childTnLst>
+                          </p:cTn>
+                        </p:par>
+                        <p:par>
+                          <p:cTn id="9" fill="hold">
+                            <p:stCondLst>
+                              <p:cond delay="500"/>
+                            </p:stCondLst>
+                            <p:childTnLst>
+                              <p:par>
+                                <p:cTn id="10" presetID="22" presetClass="entr" presetSubtype="1" fill="hold" grpId="0" nodeType="afterEffect">
+                                  <p:stCondLst>
+                                    <p:cond delay="0"/>
+                                  </p:stCondLst>
+                                  <p:childTnLst>
+                                    <p:set>
+                                      <p:cBhvr>
+                                        <p:cTn id="11" dur="1" fill="hold">
+                                          <p:stCondLst>
+                                            <p:cond delay="0"/>
+                                          </p:stCondLst>
+                                        </p:cTn>
+                                        <p:tgtEl>
+                                          <p:spTgt spid="44"/>
+                                        </p:tgtEl>
+                                        <p:attrNameLst>
+                                          <p:attrName>style.visibility</p:attrName>
+                                        </p:attrNameLst>
+                                      </p:cBhvr>
+                                      <p:to>
+                                        <p:strVal val="visible"/>
+                                      </p:to>
+                                    </p:set>
+                                    <p:animEffect transition="in" filter="wipe(up)">
+                                      <p:cBhvr>
+                                        <p:cTn id="12" dur="500"/>
+                                        <p:tgtEl>
+                                          <p:spTgt spid="44"/>
+                                        </p:tgtEl>
+                                      </p:cBhvr>
+                                    </p:animEffect>
+                                  </p:childTnLst>
+                                </p:cTn>
+                              </p:par>
+                            </p:childTnLst>
+                          </p:cTn>
+                        </p:par>
+                        <p:par>
+                          <p:cTn id="13" fill="hold">
+                            <p:stCondLst>
+                              <p:cond delay="1000"/>
+                            </p:stCondLst>
+                            <p:childTnLst>
+                              <p:par>
+                                <p:cTn id="14" presetID="12" presetClass="entr" presetSubtype="1" fill="hold" grpId="0" nodeType="afterEffect">
+                                  <p:stCondLst>
+                                    <p:cond delay="0"/>
+                                  </p:stCondLst>
+                                  <p:childTnLst>
+                                    <p:set>
+                                      <p:cBhvr>
+                                        <p:cTn id="15" dur="1" fill="hold">
+                                          <p:stCondLst>
+                                            <p:cond delay="0"/>
+                                          </p:stCondLst>
+                                        </p:cTn>
+                                        <p:tgtEl>
+                                          <p:spTgt spid="37"/>
+                                        </p:tgtEl>
+                                        <p:attrNameLst>
+                                          <p:attrName>style.visibility</p:attrName>
+                                        </p:attrNameLst>
+                                      </p:cBhvr>
+                                      <p:to>
+                                        <p:strVal val="visible"/>
+                                      </p:to>
+                                    </p:set>
+                                    <p:anim calcmode="lin" valueType="num">
+                                      <p:cBhvr additive="base">
+                                        <p:cTn id="16" dur="500"/>
+                                        <p:tgtEl>
+                                          <p:spTgt spid="37"/>
+                                        </p:tgtEl>
+                                        <p:attrNameLst>
+                                          <p:attrName>ppt_y</p:attrName>
+                                        </p:attrNameLst>
+                                      </p:cBhvr>
+                                      <p:tavLst>
+                                        <p:tav tm="0">
+                                          <p:val>
+                                            <p:strVal val="#ppt_y-#ppt_h*1.125000"/>
+                                          </p:val>
+                                        </p:tav>
+                                        <p:tav tm="100000">
+                                          <p:val>
+                                            <p:strVal val="#ppt_y"/>
+                                          </p:val>
+                                        </p:tav>
+                                      </p:tavLst>
+                                    </p:anim>
+                                    <p:animEffect transition="in" filter="wipe(down)">
+                                      <p:cBhvr>
+                                        <p:cTn id="17" dur="500"/>
+                                        <p:tgtEl>
+                                          <p:spTgt spid="37"/>
+                                        </p:tgtEl>
+                                      </p:cBhvr>
+                                    </p:animEffect>
+                                  </p:childTnLst>
+                                </p:cTn>
+                              </p:par>
+                            </p:childTnLst>
+                          </p:cTn>
+                        </p:par>
+                        <p:par>
+                          <p:cTn id="18" fill="hold">
+                            <p:stCondLst>
+                              <p:cond delay="1500"/>
+                            </p:stCondLst>
+                            <p:childTnLst>
+                              <p:par>
+                                <p:cTn id="19" presetID="12" presetClass="entr" presetSubtype="1" fill="hold" grpId="0" nodeType="afterEffect">
+                                  <p:stCondLst>
+                                    <p:cond delay="0"/>
+                                  </p:stCondLst>
+                                  <p:childTnLst>
+                                    <p:set>
+                                      <p:cBhvr>
+                                        <p:cTn id="20" dur="1" fill="hold">
+                                          <p:stCondLst>
+                                            <p:cond delay="0"/>
+                                          </p:stCondLst>
+                                        </p:cTn>
+                                        <p:tgtEl>
+                                          <p:spTgt spid="9"/>
+                                        </p:tgtEl>
+                                        <p:attrNameLst>
+                                          <p:attrName>style.visibility</p:attrName>
+                                        </p:attrNameLst>
+                                      </p:cBhvr>
+                                      <p:to>
+                                        <p:strVal val="visible"/>
+                                      </p:to>
+                                    </p:set>
+                                    <p:anim calcmode="lin" valueType="num">
+                                      <p:cBhvr additive="base">
+                                        <p:cTn id="21" dur="500"/>
+                                        <p:tgtEl>
+                                          <p:spTgt spid="9"/>
+                                        </p:tgtEl>
+                                        <p:attrNameLst>
+                                          <p:attrName>ppt_y</p:attrName>
+                                        </p:attrNameLst>
+                                      </p:cBhvr>
+                                      <p:tavLst>
+                                        <p:tav tm="0">
+                                          <p:val>
+                                            <p:strVal val="#ppt_y-#ppt_h*1.125000"/>
+                                          </p:val>
+                                        </p:tav>
+                                        <p:tav tm="100000">
+                                          <p:val>
+                                            <p:strVal val="#ppt_y"/>
+                                          </p:val>
+                                        </p:tav>
+                                      </p:tavLst>
+                                    </p:anim>
+                                    <p:animEffect transition="in" filter="wipe(down)">
+                                      <p:cBhvr>
+                                        <p:cTn id="22" dur="500"/>
+                                        <p:tgtEl>
+                                          <p:spTgt spid="9"/>
+                                        </p:tgtEl>
+                                      </p:cBhvr>
+                                    </p:animEffect>
+                                  </p:childTnLst>
+                                </p:cTn>
+                              </p:par>
+                            </p:childTnLst>
+                          </p:cTn>
+                        </p:par>
+                      </p:childTnLst>
+                    </p:cTn>
+                  </p:par>
+                </p:childTnLst>
+              </p:cTn>
+              <p:prevCondLst>
+                <p:cond evt="onPrev" delay="0">
+                  <p:tgtEl>
+                    <p:sldTgt/>
+                  </p:tgtEl>
+                </p:cond>
+              </p:prevCondLst>
+              <p:nextCondLst>
+                <p:cond evt="onNext" delay="0">
+                  <p:tgtEl>
+                    <p:sldTgt/>
+                  </p:tgtEl>
+                </p:cond>
+              </p:nextCondLst>
+            </p:seq>
+          </p:childTnLst>
+        </p:cTn>
+      </p:par>
+    </p:tnLst>
+    <p:bldLst>
+      <p:bldP spid="44" grpId="0"/>
+      <p:bldP spid="44" grpId="1"/>
+      <p:bldP spid="45" grpId="0" bldLvl="0" animBg="1"/>
+      <p:bldP spid="37" grpId="0" bldLvl="0" animBg="1"/>
+      <p:bldP spid="9" grpId="0" bldLvl="0" animBg="1"/>
     </p:bldLst>
   </p:timing>
 </p:sld>
@@ -16806,7 +18272,7 @@
                 <a:latin typeface="思源黑体 CN Heavy" panose="020B0A00000000000000" pitchFamily="34" charset="-122"/>
                 <a:ea typeface="思源黑体 CN Heavy" panose="020B0A00000000000000" pitchFamily="34" charset="-122"/>
               </a:rPr>
-              <a:t>解决方案</a:t>
+              <a:t>工作分析</a:t>
             </a:r>
           </a:p>
         </p:txBody>
@@ -17490,7 +18956,7 @@
                 </a:solidFill>
                 <a:ea typeface="思源黑体 CN Heavy" panose="020B0A00000000000000" pitchFamily="34" charset="-122"/>
               </a:rPr>
-              <a:t>解决方案</a:t>
+              <a:t>工作分析</a:t>
             </a:r>
           </a:p>
         </p:txBody>
@@ -17774,42 +19240,6 @@
               </a:buClr>
               <a:buNone/>
             </a:pPr>
-            <a:r>
-              <a:rPr lang="zh-CN" altLang="en-US" dirty="0">
-                <a:solidFill>
-                  <a:schemeClr val="tx1">
-                    <a:lumMod val="65000"/>
-                    <a:lumOff val="35000"/>
-                  </a:schemeClr>
-                </a:solidFill>
-                <a:ea typeface="思源黑体 CN Heavy" panose="020B0A00000000000000" pitchFamily="34" charset="-122"/>
-              </a:rPr>
-              <a:t>初次工作实现部分函数时，直接调用函数实现参数的输入得到结果，这样会使多次被使用的函数瘫痪，导致多个程序瘫痪，应该将传入的参数通过其他已经执行过的函数返回值中取出， 并且按需组装出功能实现所需要的参数；使用代码查询</a:t>
-            </a:r>
-            <a:r>
-              <a:rPr lang="en-US" altLang="zh-CN" dirty="0">
-                <a:solidFill>
-                  <a:schemeClr val="tx1">
-                    <a:lumMod val="65000"/>
-                    <a:lumOff val="35000"/>
-                  </a:schemeClr>
-                </a:solidFill>
-                <a:ea typeface="思源黑体 CN Heavy" panose="020B0A00000000000000" pitchFamily="34" charset="-122"/>
-              </a:rPr>
-              <a:t>k8s</a:t>
-            </a:r>
-            <a:r>
-              <a:rPr lang="zh-CN" altLang="en-US" dirty="0">
-                <a:solidFill>
-                  <a:schemeClr val="tx1">
-                    <a:lumMod val="65000"/>
-                    <a:lumOff val="35000"/>
-                  </a:schemeClr>
-                </a:solidFill>
-                <a:ea typeface="思源黑体 CN Heavy" panose="020B0A00000000000000" pitchFamily="34" charset="-122"/>
-              </a:rPr>
-              <a:t>信息， 通过业余时间观看视频和书籍， 以及实现过程中遇见的问题及时请教前辈；学习业务代码的时候，自己对代码理解不透彻，语言描述不准确。</a:t>
-            </a:r>
             <a:endParaRPr lang="en-US" altLang="zh-CN" dirty="0">
               <a:solidFill>
                 <a:schemeClr val="tx1">
@@ -18138,10 +19568,15 @@
                             </p:stCondLst>
                             <p:childTnLst>
                               <p:par>
-                                <p:cTn id="5" presetID="12" presetClass="entr" presetSubtype="1" fill="hold" grpId="0" nodeType="afterEffect">
+                                <p:cTn id="5" presetID="12" presetClass="entr" presetSubtype="1" fill="hold" grpId="0" nodeType="afterEffect" nodePh="1">
                                   <p:stCondLst>
                                     <p:cond delay="0"/>
                                   </p:stCondLst>
+                                  <p:endCondLst>
+                                    <p:cond evt="begin" delay="0">
+                                      <p:tn val="5"/>
+                                    </p:cond>
+                                  </p:endCondLst>
                                   <p:childTnLst>
                                     <p:set>
                                       <p:cBhvr>
@@ -18683,7 +20118,7 @@
                 <a:latin typeface="思源黑体 CN Heavy" panose="020B0A00000000000000" pitchFamily="34" charset="-122"/>
                 <a:ea typeface="思源黑体 CN Heavy" panose="020B0A00000000000000" pitchFamily="34" charset="-122"/>
               </a:rPr>
-              <a:t>个人总结</a:t>
+              <a:t>解决方案</a:t>
             </a:r>
           </a:p>
         </p:txBody>
@@ -19367,7 +20802,7 @@
                 </a:solidFill>
                 <a:ea typeface="思源黑体 CN Heavy" panose="020B0A00000000000000" pitchFamily="34" charset="-122"/>
               </a:rPr>
-              <a:t>个人总结</a:t>
+              <a:t>解决方案</a:t>
             </a:r>
           </a:p>
         </p:txBody>
@@ -19535,7 +20970,7 @@
         <p:spPr>
           <a:xfrm>
             <a:off x="732155" y="1842770"/>
-            <a:ext cx="4653280" cy="3206750"/>
+            <a:ext cx="4653280" cy="2922905"/>
           </a:xfrm>
           <a:prstGeom prst="rect">
             <a:avLst/>
@@ -19652,7 +21087,7 @@
               <a:buNone/>
             </a:pPr>
             <a:r>
-              <a:rPr lang="en-US" altLang="zh-CN" dirty="0">
+              <a:rPr lang="zh-CN" altLang="en-US" dirty="0">
                 <a:solidFill>
                   <a:schemeClr val="tx1">
                     <a:lumMod val="65000"/>
@@ -19661,10 +21096,10 @@
                 </a:solidFill>
                 <a:ea typeface="思源黑体 CN Heavy" panose="020B0A00000000000000" pitchFamily="34" charset="-122"/>
               </a:rPr>
-              <a:t>1.</a:t>
-            </a:r>
-            <a:r>
-              <a:rPr lang="zh-CN" altLang="en-US" dirty="0">
+              <a:t>初次工作实现部分函数时，直接调用函数实现参数的输入得到结果，这样会使多次被使用的函数瘫痪，导致多个程序瘫痪，应该将传入的参数通过其他已经执行过的函数返回值中取出， 并且按需组装出功能实现所需要的参数；使用代码查询</a:t>
+            </a:r>
+            <a:r>
+              <a:rPr lang="en-US" altLang="zh-CN" dirty="0">
                 <a:solidFill>
                   <a:schemeClr val="tx1">
                     <a:lumMod val="65000"/>
@@ -19673,10 +21108,10 @@
                 </a:solidFill>
                 <a:ea typeface="思源黑体 CN Heavy" panose="020B0A00000000000000" pitchFamily="34" charset="-122"/>
               </a:rPr>
-              <a:t>通过工作， 发现自己的思维停留在小的</a:t>
-            </a:r>
-            <a:r>
-              <a:rPr lang="en-US" altLang="zh-CN" dirty="0">
+              <a:t>k8s</a:t>
+            </a:r>
+            <a:r>
+              <a:rPr lang="zh-CN" altLang="en-US" dirty="0">
                 <a:solidFill>
                   <a:schemeClr val="tx1">
                     <a:lumMod val="65000"/>
@@ -19685,152 +21120,9 @@
                 </a:solidFill>
                 <a:ea typeface="思源黑体 CN Heavy" panose="020B0A00000000000000" pitchFamily="34" charset="-122"/>
               </a:rPr>
-              <a:t>demo</a:t>
-            </a:r>
-            <a:r>
-              <a:rPr lang="zh-CN" altLang="en-US" dirty="0">
-                <a:solidFill>
-                  <a:schemeClr val="tx1">
-                    <a:lumMod val="65000"/>
-                    <a:lumOff val="35000"/>
-                  </a:schemeClr>
-                </a:solidFill>
-                <a:ea typeface="思源黑体 CN Heavy" panose="020B0A00000000000000" pitchFamily="34" charset="-122"/>
-              </a:rPr>
-              <a:t>上， 对代码的思考不到位。</a:t>
+              <a:t>信息， 通过业余时间观看视频和书籍， 以及实现过程中遇见的问题及时请教前辈；学习业务代码的时候，自己对代码理解不透彻，语言描述不准确。</a:t>
             </a:r>
             <a:endParaRPr lang="en-US" altLang="zh-CN" dirty="0">
-              <a:solidFill>
-                <a:schemeClr val="tx1">
-                  <a:lumMod val="65000"/>
-                  <a:lumOff val="35000"/>
-                </a:schemeClr>
-              </a:solidFill>
-              <a:ea typeface="思源黑体 CN Heavy" panose="020B0A00000000000000" pitchFamily="34" charset="-122"/>
-            </a:endParaRPr>
-          </a:p>
-          <a:p>
-            <a:pPr marL="0" indent="0">
-              <a:buClr>
-                <a:srgbClr val="C00000"/>
-              </a:buClr>
-              <a:buNone/>
-            </a:pPr>
-            <a:r>
-              <a:rPr lang="en-US" altLang="zh-CN" dirty="0">
-                <a:solidFill>
-                  <a:schemeClr val="tx1">
-                    <a:lumMod val="65000"/>
-                    <a:lumOff val="35000"/>
-                  </a:schemeClr>
-                </a:solidFill>
-                <a:ea typeface="思源黑体 CN Heavy" panose="020B0A00000000000000" pitchFamily="34" charset="-122"/>
-              </a:rPr>
-              <a:t>2.</a:t>
-            </a:r>
-            <a:r>
-              <a:rPr lang="zh-CN" altLang="en-US" dirty="0">
-                <a:solidFill>
-                  <a:schemeClr val="tx1">
-                    <a:lumMod val="65000"/>
-                    <a:lumOff val="35000"/>
-                  </a:schemeClr>
-                </a:solidFill>
-                <a:ea typeface="思源黑体 CN Heavy" panose="020B0A00000000000000" pitchFamily="34" charset="-122"/>
-              </a:rPr>
-              <a:t>由于知识的缺失， 在完成工作的过程中，效率比较低，遇见的问题也比较多</a:t>
-            </a:r>
-            <a:endParaRPr lang="en-US" altLang="zh-CN" dirty="0">
-              <a:solidFill>
-                <a:schemeClr val="tx1">
-                  <a:lumMod val="65000"/>
-                  <a:lumOff val="35000"/>
-                </a:schemeClr>
-              </a:solidFill>
-              <a:ea typeface="思源黑体 CN Heavy" panose="020B0A00000000000000" pitchFamily="34" charset="-122"/>
-            </a:endParaRPr>
-          </a:p>
-          <a:p>
-            <a:pPr marL="0" indent="0">
-              <a:buClr>
-                <a:srgbClr val="C00000"/>
-              </a:buClr>
-              <a:buNone/>
-            </a:pPr>
-            <a:r>
-              <a:rPr lang="en-US" dirty="0">
-                <a:solidFill>
-                  <a:schemeClr val="tx1">
-                    <a:lumMod val="65000"/>
-                    <a:lumOff val="35000"/>
-                  </a:schemeClr>
-                </a:solidFill>
-                <a:ea typeface="思源黑体 CN Heavy" panose="020B0A00000000000000" pitchFamily="34" charset="-122"/>
-              </a:rPr>
-              <a:t>3. </a:t>
-            </a:r>
-            <a:r>
-              <a:rPr lang="zh-CN" altLang="en-US" dirty="0">
-                <a:solidFill>
-                  <a:schemeClr val="tx1">
-                    <a:lumMod val="65000"/>
-                    <a:lumOff val="35000"/>
-                  </a:schemeClr>
-                </a:solidFill>
-                <a:ea typeface="思源黑体 CN Heavy" panose="020B0A00000000000000" pitchFamily="34" charset="-122"/>
-              </a:rPr>
-              <a:t>工作中遇见了问题， 第一时间想到去自行百度解决问题， 不考虑时间成本，不利于工作进度的进行。</a:t>
-            </a:r>
-            <a:endParaRPr dirty="0">
-              <a:solidFill>
-                <a:schemeClr val="tx1">
-                  <a:lumMod val="65000"/>
-                  <a:lumOff val="35000"/>
-                </a:schemeClr>
-              </a:solidFill>
-              <a:ea typeface="思源黑体 CN Heavy" panose="020B0A00000000000000" pitchFamily="34" charset="-122"/>
-            </a:endParaRPr>
-          </a:p>
-          <a:p>
-            <a:pPr marL="0" indent="0">
-              <a:buClr>
-                <a:srgbClr val="C00000"/>
-              </a:buClr>
-              <a:buNone/>
-            </a:pPr>
-            <a:r>
-              <a:rPr lang="en-US" dirty="0">
-                <a:solidFill>
-                  <a:schemeClr val="tx1">
-                    <a:lumMod val="65000"/>
-                    <a:lumOff val="35000"/>
-                  </a:schemeClr>
-                </a:solidFill>
-                <a:ea typeface="思源黑体 CN Heavy" panose="020B0A00000000000000" pitchFamily="34" charset="-122"/>
-              </a:rPr>
-              <a:t>4. </a:t>
-            </a:r>
-            <a:r>
-              <a:rPr dirty="0">
-                <a:solidFill>
-                  <a:schemeClr val="tx1">
-                    <a:lumMod val="65000"/>
-                    <a:lumOff val="35000"/>
-                  </a:schemeClr>
-                </a:solidFill>
-                <a:ea typeface="思源黑体 CN Heavy" panose="020B0A00000000000000" pitchFamily="34" charset="-122"/>
-              </a:rPr>
-              <a:t>个人感觉自己比较喜欢挑战,希望能在- -个大的平台或者团队里面进行工作和学习</a:t>
-            </a:r>
-          </a:p>
-          <a:p>
-            <a:pPr marL="0" indent="0">
-              <a:buClr>
-                <a:srgbClr val="C00000"/>
-              </a:buClr>
-              <a:buNone/>
-            </a:pPr>
-            <a:endParaRPr dirty="0">
               <a:solidFill>
                 <a:schemeClr val="tx1">
                   <a:lumMod val="65000"/>
@@ -20703,7 +21995,7 @@
                 <a:latin typeface="思源黑体 CN Heavy" panose="020B0A00000000000000" pitchFamily="34" charset="-122"/>
                 <a:ea typeface="思源黑体 CN Heavy" panose="020B0A00000000000000" pitchFamily="34" charset="-122"/>
               </a:rPr>
-              <a:t>工作计划</a:t>
+              <a:t>个人总结</a:t>
             </a:r>
           </a:p>
         </p:txBody>
@@ -21387,7 +22679,7 @@
                 </a:solidFill>
                 <a:ea typeface="思源黑体 CN Heavy" panose="020B0A00000000000000" pitchFamily="34" charset="-122"/>
               </a:rPr>
-              <a:t>工作计划</a:t>
+              <a:t>个人总结</a:t>
             </a:r>
           </a:p>
         </p:txBody>
@@ -21555,7 +22847,7 @@
         <p:spPr>
           <a:xfrm>
             <a:off x="732155" y="1842770"/>
-            <a:ext cx="4653280" cy="2922905"/>
+            <a:ext cx="4653280" cy="3206750"/>
           </a:xfrm>
           <a:prstGeom prst="rect">
             <a:avLst/>
@@ -21672,7 +22964,7 @@
               <a:buNone/>
             </a:pPr>
             <a:r>
-              <a:rPr lang="zh-CN" altLang="en-US" dirty="0">
+              <a:rPr lang="en-US" altLang="zh-CN" dirty="0">
                 <a:solidFill>
                   <a:schemeClr val="tx1">
                     <a:lumMod val="65000"/>
@@ -21681,10 +22973,10 @@
                 </a:solidFill>
                 <a:ea typeface="思源黑体 CN Heavy" panose="020B0A00000000000000" pitchFamily="34" charset="-122"/>
               </a:rPr>
-              <a:t>后期的工作中思维应该从小项目向企业级的项目转变，在书写代码的过程中应该将功能与功能直接的耦合性降低。要时刻提醒自己是团队的一员，遇到问题不应该不计时间成本去解决，而是自己无法在规定的时间内解决问题， 就应该去请教前辈， 寻求解决方案，并且补充短板知识。在完成工作的业余时间补充</a:t>
-            </a:r>
-            <a:r>
-              <a:rPr lang="en-US" altLang="zh-CN" dirty="0">
+              <a:t>1.</a:t>
+            </a:r>
+            <a:r>
+              <a:rPr lang="zh-CN" altLang="en-US" dirty="0">
                 <a:solidFill>
                   <a:schemeClr val="tx1">
                     <a:lumMod val="65000"/>
@@ -21693,10 +22985,10 @@
                 </a:solidFill>
                 <a:ea typeface="思源黑体 CN Heavy" panose="020B0A00000000000000" pitchFamily="34" charset="-122"/>
               </a:rPr>
-              <a:t>docker</a:t>
-            </a:r>
-            <a:r>
-              <a:rPr lang="zh-CN" altLang="en-US" dirty="0">
+              <a:t>通过工作， 发现自己的思维停留在小的</a:t>
+            </a:r>
+            <a:r>
+              <a:rPr lang="en-US" altLang="zh-CN" dirty="0">
                 <a:solidFill>
                   <a:schemeClr val="tx1">
                     <a:lumMod val="65000"/>
@@ -21705,10 +22997,10 @@
                 </a:solidFill>
                 <a:ea typeface="思源黑体 CN Heavy" panose="020B0A00000000000000" pitchFamily="34" charset="-122"/>
               </a:rPr>
-              <a:t>和</a:t>
-            </a:r>
-            <a:r>
-              <a:rPr lang="en-US" altLang="zh-CN" dirty="0">
+              <a:t>demo</a:t>
+            </a:r>
+            <a:r>
+              <a:rPr lang="zh-CN" altLang="en-US" dirty="0">
                 <a:solidFill>
                   <a:schemeClr val="tx1">
                     <a:lumMod val="65000"/>
@@ -21717,10 +23009,27 @@
                 </a:solidFill>
                 <a:ea typeface="思源黑体 CN Heavy" panose="020B0A00000000000000" pitchFamily="34" charset="-122"/>
               </a:rPr>
-              <a:t>k8s</a:t>
-            </a:r>
-            <a:r>
-              <a:rPr lang="zh-CN" altLang="en-US" dirty="0">
+              <a:t>上， 对代码的思考不到位。</a:t>
+            </a:r>
+            <a:endParaRPr lang="en-US" altLang="zh-CN" dirty="0">
+              <a:solidFill>
+                <a:schemeClr val="tx1">
+                  <a:lumMod val="65000"/>
+                  <a:lumOff val="35000"/>
+                </a:schemeClr>
+              </a:solidFill>
+              <a:ea typeface="思源黑体 CN Heavy" panose="020B0A00000000000000" pitchFamily="34" charset="-122"/>
+            </a:endParaRPr>
+          </a:p>
+          <a:p>
+            <a:pPr marL="0" indent="0">
+              <a:buClr>
+                <a:srgbClr val="C00000"/>
+              </a:buClr>
+              <a:buNone/>
+            </a:pPr>
+            <a:r>
+              <a:rPr lang="en-US" altLang="zh-CN" dirty="0">
                 <a:solidFill>
                   <a:schemeClr val="tx1">
                     <a:lumMod val="65000"/>
@@ -21729,9 +23038,111 @@
                 </a:solidFill>
                 <a:ea typeface="思源黑体 CN Heavy" panose="020B0A00000000000000" pitchFamily="34" charset="-122"/>
               </a:rPr>
-              <a:t>方面的知识，尽可能减小差距。</a:t>
+              <a:t>2.</a:t>
+            </a:r>
+            <a:r>
+              <a:rPr lang="zh-CN" altLang="en-US" dirty="0">
+                <a:solidFill>
+                  <a:schemeClr val="tx1">
+                    <a:lumMod val="65000"/>
+                    <a:lumOff val="35000"/>
+                  </a:schemeClr>
+                </a:solidFill>
+                <a:ea typeface="思源黑体 CN Heavy" panose="020B0A00000000000000" pitchFamily="34" charset="-122"/>
+              </a:rPr>
+              <a:t>由于知识的缺失， 在完成工作的过程中，效率比较低，遇见的问题也比较多</a:t>
             </a:r>
             <a:endParaRPr lang="en-US" altLang="zh-CN" dirty="0">
+              <a:solidFill>
+                <a:schemeClr val="tx1">
+                  <a:lumMod val="65000"/>
+                  <a:lumOff val="35000"/>
+                </a:schemeClr>
+              </a:solidFill>
+              <a:ea typeface="思源黑体 CN Heavy" panose="020B0A00000000000000" pitchFamily="34" charset="-122"/>
+            </a:endParaRPr>
+          </a:p>
+          <a:p>
+            <a:pPr marL="0" indent="0">
+              <a:buClr>
+                <a:srgbClr val="C00000"/>
+              </a:buClr>
+              <a:buNone/>
+            </a:pPr>
+            <a:r>
+              <a:rPr lang="en-US" dirty="0">
+                <a:solidFill>
+                  <a:schemeClr val="tx1">
+                    <a:lumMod val="65000"/>
+                    <a:lumOff val="35000"/>
+                  </a:schemeClr>
+                </a:solidFill>
+                <a:ea typeface="思源黑体 CN Heavy" panose="020B0A00000000000000" pitchFamily="34" charset="-122"/>
+              </a:rPr>
+              <a:t>3. </a:t>
+            </a:r>
+            <a:r>
+              <a:rPr lang="zh-CN" altLang="en-US" dirty="0">
+                <a:solidFill>
+                  <a:schemeClr val="tx1">
+                    <a:lumMod val="65000"/>
+                    <a:lumOff val="35000"/>
+                  </a:schemeClr>
+                </a:solidFill>
+                <a:ea typeface="思源黑体 CN Heavy" panose="020B0A00000000000000" pitchFamily="34" charset="-122"/>
+              </a:rPr>
+              <a:t>工作中遇见了问题， 第一时间想到去自行百度解决问题， 不考虑时间成本，不利于工作进度的进行。</a:t>
+            </a:r>
+            <a:endParaRPr dirty="0">
+              <a:solidFill>
+                <a:schemeClr val="tx1">
+                  <a:lumMod val="65000"/>
+                  <a:lumOff val="35000"/>
+                </a:schemeClr>
+              </a:solidFill>
+              <a:ea typeface="思源黑体 CN Heavy" panose="020B0A00000000000000" pitchFamily="34" charset="-122"/>
+            </a:endParaRPr>
+          </a:p>
+          <a:p>
+            <a:pPr marL="0" indent="0">
+              <a:buClr>
+                <a:srgbClr val="C00000"/>
+              </a:buClr>
+              <a:buNone/>
+            </a:pPr>
+            <a:r>
+              <a:rPr lang="en-US" dirty="0">
+                <a:solidFill>
+                  <a:schemeClr val="tx1">
+                    <a:lumMod val="65000"/>
+                    <a:lumOff val="35000"/>
+                  </a:schemeClr>
+                </a:solidFill>
+                <a:ea typeface="思源黑体 CN Heavy" panose="020B0A00000000000000" pitchFamily="34" charset="-122"/>
+              </a:rPr>
+              <a:t>4. </a:t>
+            </a:r>
+            <a:r>
+              <a:rPr dirty="0">
+                <a:solidFill>
+                  <a:schemeClr val="tx1">
+                    <a:lumMod val="65000"/>
+                    <a:lumOff val="35000"/>
+                  </a:schemeClr>
+                </a:solidFill>
+                <a:ea typeface="思源黑体 CN Heavy" panose="020B0A00000000000000" pitchFamily="34" charset="-122"/>
+              </a:rPr>
+              <a:t>个人感觉自己比较喜欢挑战,希望能在- -个大的平台或者团队里面进行工作和学习</a:t>
+            </a:r>
+          </a:p>
+          <a:p>
+            <a:pPr marL="0" indent="0">
+              <a:buClr>
+                <a:srgbClr val="C00000"/>
+              </a:buClr>
+              <a:buNone/>
+            </a:pPr>
+            <a:endParaRPr dirty="0">
               <a:solidFill>
                 <a:schemeClr val="tx1">
                   <a:lumMod val="65000"/>
@@ -22265,6 +23676,1907 @@
 </file>
 
 <file path=ppt/slides/slide26.xml><?xml version="1.0" encoding="utf-8"?>
+<p:sld xmlns:a="http://schemas.openxmlformats.org/drawingml/2006/main" xmlns:r="http://schemas.openxmlformats.org/officeDocument/2006/relationships" xmlns:p="http://schemas.openxmlformats.org/presentationml/2006/main">
+  <p:cSld>
+    <p:spTree>
+      <p:nvGrpSpPr>
+        <p:cNvPr id="1" name=""/>
+        <p:cNvGrpSpPr/>
+        <p:nvPr/>
+      </p:nvGrpSpPr>
+      <p:grpSpPr>
+        <a:xfrm>
+          <a:off x="0" y="0"/>
+          <a:ext cx="0" cy="0"/>
+          <a:chOff x="0" y="0"/>
+          <a:chExt cx="0" cy="0"/>
+        </a:xfrm>
+      </p:grpSpPr>
+      <p:pic>
+        <p:nvPicPr>
+          <p:cNvPr id="4" name="图片 3"/>
+          <p:cNvPicPr>
+            <a:picLocks noChangeAspect="1"/>
+          </p:cNvPicPr>
+          <p:nvPr/>
+        </p:nvPicPr>
+        <p:blipFill>
+          <a:blip r:embed="rId3">
+            <a:extLst>
+              <a:ext uri="{28A0092B-C50C-407E-A947-70E740481C1C}">
+                <a14:useLocalDpi xmlns:a14="http://schemas.microsoft.com/office/drawing/2010/main" val="0"/>
+              </a:ext>
+            </a:extLst>
+          </a:blip>
+          <a:srcRect/>
+          <a:stretch>
+            <a:fillRect/>
+          </a:stretch>
+        </p:blipFill>
+        <p:spPr>
+          <a:xfrm>
+            <a:off x="8025804" y="0"/>
+            <a:ext cx="6147151" cy="6857999"/>
+          </a:xfrm>
+          <a:prstGeom prst="rect">
+            <a:avLst/>
+          </a:prstGeom>
+        </p:spPr>
+      </p:pic>
+      <p:sp>
+        <p:nvSpPr>
+          <p:cNvPr id="6" name="PA-文本框 50"/>
+          <p:cNvSpPr txBox="1"/>
+          <p:nvPr>
+            <p:custDataLst>
+              <p:tags r:id="rId1"/>
+            </p:custDataLst>
+          </p:nvPr>
+        </p:nvSpPr>
+        <p:spPr>
+          <a:xfrm>
+            <a:off x="1092620" y="4477177"/>
+            <a:ext cx="5391308" cy="1245235"/>
+          </a:xfrm>
+          <a:prstGeom prst="rect">
+            <a:avLst/>
+          </a:prstGeom>
+          <a:noFill/>
+        </p:spPr>
+        <p:txBody>
+          <a:bodyPr wrap="square" rtlCol="0">
+            <a:spAutoFit/>
+          </a:bodyPr>
+          <a:lstStyle/>
+          <a:p>
+            <a:r>
+              <a:rPr lang="en-US" altLang="zh-CN" sz="1000" dirty="0">
+                <a:solidFill>
+                  <a:schemeClr val="bg1"/>
+                </a:solidFill>
+              </a:rPr>
+              <a:t>lorem ipsum dolor </a:t>
+            </a:r>
+            <a:r>
+              <a:rPr lang="en-US" altLang="zh-CN" sz="1000" dirty="0" err="1">
+                <a:solidFill>
+                  <a:schemeClr val="bg1"/>
+                </a:solidFill>
+              </a:rPr>
+              <a:t>sitlorem</a:t>
+            </a:r>
+            <a:r>
+              <a:rPr lang="en-US" altLang="zh-CN" sz="1000" dirty="0">
+                <a:solidFill>
+                  <a:schemeClr val="bg1"/>
+                </a:solidFill>
+              </a:rPr>
+              <a:t> ipsum dolor </a:t>
+            </a:r>
+            <a:r>
+              <a:rPr lang="en-US" altLang="zh-CN" sz="1000" dirty="0" err="1">
+                <a:solidFill>
+                  <a:schemeClr val="bg1"/>
+                </a:solidFill>
+              </a:rPr>
+              <a:t>sitlorem</a:t>
+            </a:r>
+            <a:r>
+              <a:rPr lang="en-US" altLang="zh-CN" sz="1000" dirty="0">
+                <a:solidFill>
+                  <a:schemeClr val="bg1"/>
+                </a:solidFill>
+              </a:rPr>
+              <a:t> ipsum dolor </a:t>
+            </a:r>
+            <a:r>
+              <a:rPr lang="en-US" altLang="zh-CN" sz="1000" dirty="0" err="1">
+                <a:solidFill>
+                  <a:schemeClr val="bg1"/>
+                </a:solidFill>
+              </a:rPr>
+              <a:t>sitorem</a:t>
+            </a:r>
+            <a:r>
+              <a:rPr lang="en-US" altLang="zh-CN" sz="1000" dirty="0">
+                <a:solidFill>
+                  <a:schemeClr val="bg1"/>
+                </a:solidFill>
+              </a:rPr>
+              <a:t> ipsum dolor </a:t>
+            </a:r>
+            <a:r>
+              <a:rPr lang="en-US" altLang="zh-CN" sz="1000" dirty="0" err="1">
+                <a:solidFill>
+                  <a:schemeClr val="bg1"/>
+                </a:solidFill>
+              </a:rPr>
+              <a:t>sitorem</a:t>
+            </a:r>
+            <a:r>
+              <a:rPr lang="en-US" altLang="zh-CN" sz="1000" dirty="0">
+                <a:solidFill>
+                  <a:schemeClr val="bg1"/>
+                </a:solidFill>
+              </a:rPr>
+              <a:t> ipsum dolor </a:t>
+            </a:r>
+            <a:r>
+              <a:rPr lang="en-US" altLang="zh-CN" sz="1000" dirty="0" err="1">
+                <a:solidFill>
+                  <a:schemeClr val="bg1"/>
+                </a:solidFill>
+              </a:rPr>
+              <a:t>sitorem</a:t>
+            </a:r>
+            <a:r>
+              <a:rPr lang="en-US" altLang="zh-CN" sz="1000" dirty="0">
+                <a:solidFill>
+                  <a:schemeClr val="bg1"/>
+                </a:solidFill>
+              </a:rPr>
+              <a:t> ipsum dolor </a:t>
+            </a:r>
+            <a:r>
+              <a:rPr lang="en-US" altLang="zh-CN" sz="1000" dirty="0" err="1">
+                <a:solidFill>
+                  <a:schemeClr val="bg1"/>
+                </a:solidFill>
+              </a:rPr>
+              <a:t>sitorem</a:t>
+            </a:r>
+            <a:r>
+              <a:rPr lang="en-US" altLang="zh-CN" sz="1000" dirty="0">
+                <a:solidFill>
+                  <a:schemeClr val="bg1"/>
+                </a:solidFill>
+              </a:rPr>
+              <a:t> ipsum dolor </a:t>
+            </a:r>
+            <a:r>
+              <a:rPr lang="en-US" altLang="zh-CN" sz="1000" dirty="0" err="1">
+                <a:solidFill>
+                  <a:schemeClr val="bg1"/>
+                </a:solidFill>
+              </a:rPr>
+              <a:t>sitlorem</a:t>
+            </a:r>
+            <a:r>
+              <a:rPr lang="en-US" altLang="zh-CN" sz="1000" dirty="0">
+                <a:solidFill>
+                  <a:schemeClr val="bg1"/>
+                </a:solidFill>
+              </a:rPr>
+              <a:t> ipsum dolor </a:t>
+            </a:r>
+            <a:r>
+              <a:rPr lang="en-US" altLang="zh-CN" sz="1000" dirty="0" err="1">
+                <a:solidFill>
+                  <a:schemeClr val="bg1"/>
+                </a:solidFill>
+              </a:rPr>
+              <a:t>sitlorem</a:t>
+            </a:r>
+            <a:r>
+              <a:rPr lang="en-US" altLang="zh-CN" sz="1000" dirty="0">
+                <a:solidFill>
+                  <a:schemeClr val="bg1"/>
+                </a:solidFill>
+              </a:rPr>
+              <a:t> ipsum dolor sit</a:t>
+            </a:r>
+            <a:endParaRPr lang="zh-CN" altLang="en-US" sz="1000" dirty="0">
+              <a:solidFill>
+                <a:schemeClr val="bg1"/>
+              </a:solidFill>
+              <a:effectLst>
+                <a:outerShdw blurRad="38100" dist="38100" dir="2700000" algn="tl">
+                  <a:srgbClr val="000000">
+                    <a:alpha val="30000"/>
+                  </a:srgbClr>
+                </a:outerShdw>
+              </a:effectLst>
+              <a:latin typeface="Arial" panose="020B0604020202020204" pitchFamily="34" charset="0"/>
+              <a:ea typeface="思源黑体 CN Heavy" panose="020B0A00000000000000" pitchFamily="34" charset="-122"/>
+              <a:cs typeface="Arial" panose="020B0604020202020204" pitchFamily="34" charset="0"/>
+            </a:endParaRPr>
+          </a:p>
+          <a:p>
+            <a:r>
+              <a:rPr lang="en-US" altLang="zh-CN" sz="1000" dirty="0">
+                <a:solidFill>
+                  <a:schemeClr val="bg1"/>
+                </a:solidFill>
+              </a:rPr>
+              <a:t>lorem ipsum dolor sit</a:t>
+            </a:r>
+            <a:endParaRPr lang="zh-CN" altLang="en-US" sz="1000" dirty="0">
+              <a:solidFill>
+                <a:schemeClr val="bg1"/>
+              </a:solidFill>
+              <a:effectLst>
+                <a:outerShdw blurRad="38100" dist="38100" dir="2700000" algn="tl">
+                  <a:srgbClr val="000000">
+                    <a:alpha val="30000"/>
+                  </a:srgbClr>
+                </a:outerShdw>
+              </a:effectLst>
+              <a:latin typeface="Arial" panose="020B0604020202020204" pitchFamily="34" charset="0"/>
+              <a:ea typeface="思源黑体 CN Heavy" panose="020B0A00000000000000" pitchFamily="34" charset="-122"/>
+              <a:cs typeface="Arial" panose="020B0604020202020204" pitchFamily="34" charset="0"/>
+            </a:endParaRPr>
+          </a:p>
+          <a:p>
+            <a:endParaRPr lang="zh-CN" altLang="en-US" sz="1000" dirty="0">
+              <a:solidFill>
+                <a:schemeClr val="bg1"/>
+              </a:solidFill>
+              <a:effectLst>
+                <a:outerShdw blurRad="38100" dist="38100" dir="2700000" algn="tl">
+                  <a:srgbClr val="000000">
+                    <a:alpha val="30000"/>
+                  </a:srgbClr>
+                </a:outerShdw>
+              </a:effectLst>
+              <a:latin typeface="Arial" panose="020B0604020202020204" pitchFamily="34" charset="0"/>
+              <a:ea typeface="思源黑体 CN Heavy" panose="020B0A00000000000000" pitchFamily="34" charset="-122"/>
+              <a:cs typeface="Arial" panose="020B0604020202020204" pitchFamily="34" charset="0"/>
+            </a:endParaRPr>
+          </a:p>
+          <a:p>
+            <a:endParaRPr lang="zh-CN" altLang="en-US" sz="1000" dirty="0">
+              <a:solidFill>
+                <a:schemeClr val="bg1"/>
+              </a:solidFill>
+              <a:effectLst>
+                <a:outerShdw blurRad="38100" dist="38100" dir="2700000" algn="tl">
+                  <a:srgbClr val="000000">
+                    <a:alpha val="30000"/>
+                  </a:srgbClr>
+                </a:outerShdw>
+              </a:effectLst>
+              <a:latin typeface="Arial" panose="020B0604020202020204" pitchFamily="34" charset="0"/>
+              <a:ea typeface="思源黑体 CN Heavy" panose="020B0A00000000000000" pitchFamily="34" charset="-122"/>
+              <a:cs typeface="Arial" panose="020B0604020202020204" pitchFamily="34" charset="0"/>
+            </a:endParaRPr>
+          </a:p>
+          <a:p>
+            <a:pPr>
+              <a:lnSpc>
+                <a:spcPct val="150000"/>
+              </a:lnSpc>
+            </a:pPr>
+            <a:endParaRPr lang="zh-CN" altLang="en-US" sz="1000" dirty="0">
+              <a:solidFill>
+                <a:schemeClr val="bg1"/>
+              </a:solidFill>
+              <a:latin typeface="思源黑体 CN Medium" panose="020B0600000000000000" pitchFamily="34" charset="-122"/>
+              <a:ea typeface="思源黑体 CN Medium" panose="020B0600000000000000" pitchFamily="34" charset="-122"/>
+            </a:endParaRPr>
+          </a:p>
+        </p:txBody>
+      </p:sp>
+      <p:sp>
+        <p:nvSpPr>
+          <p:cNvPr id="7" name="文本框 6"/>
+          <p:cNvSpPr txBox="1"/>
+          <p:nvPr/>
+        </p:nvSpPr>
+        <p:spPr>
+          <a:xfrm>
+            <a:off x="1086398" y="3424006"/>
+            <a:ext cx="3673630" cy="970915"/>
+          </a:xfrm>
+          <a:prstGeom prst="rect">
+            <a:avLst/>
+          </a:prstGeom>
+          <a:noFill/>
+          <a:scene3d>
+            <a:camera prst="perspectiveRight"/>
+            <a:lightRig rig="threePt" dir="t"/>
+          </a:scene3d>
+        </p:spPr>
+        <p:txBody>
+          <a:bodyPr wrap="square" rtlCol="0">
+            <a:spAutoFit/>
+          </a:bodyPr>
+          <a:lstStyle/>
+          <a:p>
+            <a:pPr>
+              <a:lnSpc>
+                <a:spcPct val="130000"/>
+              </a:lnSpc>
+            </a:pPr>
+            <a:r>
+              <a:rPr lang="zh-CN" altLang="en-US" sz="4400" b="1" dirty="0">
+                <a:solidFill>
+                  <a:srgbClr val="F0D58B"/>
+                </a:solidFill>
+                <a:latin typeface="思源黑体 CN Heavy" panose="020B0A00000000000000" pitchFamily="34" charset="-122"/>
+                <a:ea typeface="思源黑体 CN Heavy" panose="020B0A00000000000000" pitchFamily="34" charset="-122"/>
+              </a:rPr>
+              <a:t>工作计划</a:t>
+            </a:r>
+          </a:p>
+        </p:txBody>
+      </p:sp>
+    </p:spTree>
+  </p:cSld>
+  <p:clrMapOvr>
+    <a:masterClrMapping/>
+  </p:clrMapOvr>
+  <p:transition spd="slow">
+    <p:comb/>
+  </p:transition>
+  <mc:AlternateContent xmlns:mc="http://schemas.openxmlformats.org/markup-compatibility/2006" xmlns:p14="http://schemas.microsoft.com/office/powerpoint/2010/main">
+    <mc:Choice Requires="p14">
+      <p:timing>
+        <p:tnLst>
+          <p:par>
+            <p:cTn id="1" dur="indefinite" restart="never" nodeType="tmRoot">
+              <p:childTnLst>
+                <p:seq concurrent="1" nextAc="seek">
+                  <p:cTn id="2" dur="indefinite" nodeType="mainSeq">
+                    <p:childTnLst>
+                      <p:par>
+                        <p:cTn id="3" fill="hold">
+                          <p:stCondLst>
+                            <p:cond delay="indefinite"/>
+                            <p:cond evt="onBegin" delay="0">
+                              <p:tn val="2"/>
+                            </p:cond>
+                          </p:stCondLst>
+                          <p:childTnLst>
+                            <p:par>
+                              <p:cTn id="4" fill="hold">
+                                <p:stCondLst>
+                                  <p:cond delay="0"/>
+                                </p:stCondLst>
+                                <p:childTnLst>
+                                  <p:par>
+                                    <p:cTn id="5" presetID="2" presetClass="entr" presetSubtype="2" fill="hold" nodeType="afterEffect" p14:presetBounceEnd="80000">
+                                      <p:stCondLst>
+                                        <p:cond delay="0"/>
+                                      </p:stCondLst>
+                                      <p:childTnLst>
+                                        <p:set>
+                                          <p:cBhvr>
+                                            <p:cTn id="6" dur="1" fill="hold">
+                                              <p:stCondLst>
+                                                <p:cond delay="0"/>
+                                              </p:stCondLst>
+                                            </p:cTn>
+                                            <p:tgtEl>
+                                              <p:spTgt spid="4"/>
+                                            </p:tgtEl>
+                                            <p:attrNameLst>
+                                              <p:attrName>style.visibility</p:attrName>
+                                            </p:attrNameLst>
+                                          </p:cBhvr>
+                                          <p:to>
+                                            <p:strVal val="visible"/>
+                                          </p:to>
+                                        </p:set>
+                                        <p:anim calcmode="lin" valueType="num" p14:bounceEnd="80000">
+                                          <p:cBhvr additive="base">
+                                            <p:cTn id="7" dur="500" fill="hold"/>
+                                            <p:tgtEl>
+                                              <p:spTgt spid="4"/>
+                                            </p:tgtEl>
+                                            <p:attrNameLst>
+                                              <p:attrName>ppt_x</p:attrName>
+                                            </p:attrNameLst>
+                                          </p:cBhvr>
+                                          <p:tavLst>
+                                            <p:tav tm="0">
+                                              <p:val>
+                                                <p:strVal val="1+#ppt_w/2"/>
+                                              </p:val>
+                                            </p:tav>
+                                            <p:tav tm="100000">
+                                              <p:val>
+                                                <p:strVal val="#ppt_x"/>
+                                              </p:val>
+                                            </p:tav>
+                                          </p:tavLst>
+                                        </p:anim>
+                                        <p:anim calcmode="lin" valueType="num" p14:bounceEnd="80000">
+                                          <p:cBhvr additive="base">
+                                            <p:cTn id="8" dur="500" fill="hold"/>
+                                            <p:tgtEl>
+                                              <p:spTgt spid="4"/>
+                                            </p:tgtEl>
+                                            <p:attrNameLst>
+                                              <p:attrName>ppt_y</p:attrName>
+                                            </p:attrNameLst>
+                                          </p:cBhvr>
+                                          <p:tavLst>
+                                            <p:tav tm="0">
+                                              <p:val>
+                                                <p:strVal val="#ppt_y"/>
+                                              </p:val>
+                                            </p:tav>
+                                            <p:tav tm="100000">
+                                              <p:val>
+                                                <p:strVal val="#ppt_y"/>
+                                              </p:val>
+                                            </p:tav>
+                                          </p:tavLst>
+                                        </p:anim>
+                                      </p:childTnLst>
+                                    </p:cTn>
+                                  </p:par>
+                                  <p:par>
+                                    <p:cTn id="9" presetID="41" presetClass="entr" presetSubtype="0" fill="hold" grpId="0" nodeType="withEffect">
+                                      <p:stCondLst>
+                                        <p:cond delay="300"/>
+                                      </p:stCondLst>
+                                      <p:iterate type="lt">
+                                        <p:tmPct val="10000"/>
+                                      </p:iterate>
+                                      <p:childTnLst>
+                                        <p:set>
+                                          <p:cBhvr>
+                                            <p:cTn id="10" dur="1" fill="hold">
+                                              <p:stCondLst>
+                                                <p:cond delay="0"/>
+                                              </p:stCondLst>
+                                            </p:cTn>
+                                            <p:tgtEl>
+                                              <p:spTgt spid="7"/>
+                                            </p:tgtEl>
+                                            <p:attrNameLst>
+                                              <p:attrName>style.visibility</p:attrName>
+                                            </p:attrNameLst>
+                                          </p:cBhvr>
+                                          <p:to>
+                                            <p:strVal val="visible"/>
+                                          </p:to>
+                                        </p:set>
+                                        <p:anim calcmode="lin" valueType="num">
+                                          <p:cBhvr>
+                                            <p:cTn id="11" dur="750" fill="hold"/>
+                                            <p:tgtEl>
+                                              <p:spTgt spid="7"/>
+                                            </p:tgtEl>
+                                            <p:attrNameLst>
+                                              <p:attrName>ppt_x</p:attrName>
+                                            </p:attrNameLst>
+                                          </p:cBhvr>
+                                          <p:tavLst>
+                                            <p:tav tm="0">
+                                              <p:val>
+                                                <p:strVal val="#ppt_x"/>
+                                              </p:val>
+                                            </p:tav>
+                                            <p:tav tm="50000">
+                                              <p:val>
+                                                <p:strVal val="#ppt_x+.1"/>
+                                              </p:val>
+                                            </p:tav>
+                                            <p:tav tm="100000">
+                                              <p:val>
+                                                <p:strVal val="#ppt_x"/>
+                                              </p:val>
+                                            </p:tav>
+                                          </p:tavLst>
+                                        </p:anim>
+                                        <p:anim calcmode="lin" valueType="num">
+                                          <p:cBhvr>
+                                            <p:cTn id="12" dur="750" fill="hold"/>
+                                            <p:tgtEl>
+                                              <p:spTgt spid="7"/>
+                                            </p:tgtEl>
+                                            <p:attrNameLst>
+                                              <p:attrName>ppt_y</p:attrName>
+                                            </p:attrNameLst>
+                                          </p:cBhvr>
+                                          <p:tavLst>
+                                            <p:tav tm="0">
+                                              <p:val>
+                                                <p:strVal val="#ppt_y"/>
+                                              </p:val>
+                                            </p:tav>
+                                            <p:tav tm="100000">
+                                              <p:val>
+                                                <p:strVal val="#ppt_y"/>
+                                              </p:val>
+                                            </p:tav>
+                                          </p:tavLst>
+                                        </p:anim>
+                                        <p:anim calcmode="lin" valueType="num">
+                                          <p:cBhvr>
+                                            <p:cTn id="13" dur="750" fill="hold"/>
+                                            <p:tgtEl>
+                                              <p:spTgt spid="7"/>
+                                            </p:tgtEl>
+                                            <p:attrNameLst>
+                                              <p:attrName>ppt_h</p:attrName>
+                                            </p:attrNameLst>
+                                          </p:cBhvr>
+                                          <p:tavLst>
+                                            <p:tav tm="0">
+                                              <p:val>
+                                                <p:strVal val="#ppt_h/10"/>
+                                              </p:val>
+                                            </p:tav>
+                                            <p:tav tm="50000">
+                                              <p:val>
+                                                <p:strVal val="#ppt_h+.01"/>
+                                              </p:val>
+                                            </p:tav>
+                                            <p:tav tm="100000">
+                                              <p:val>
+                                                <p:strVal val="#ppt_h"/>
+                                              </p:val>
+                                            </p:tav>
+                                          </p:tavLst>
+                                        </p:anim>
+                                        <p:anim calcmode="lin" valueType="num">
+                                          <p:cBhvr>
+                                            <p:cTn id="14" dur="750" fill="hold"/>
+                                            <p:tgtEl>
+                                              <p:spTgt spid="7"/>
+                                            </p:tgtEl>
+                                            <p:attrNameLst>
+                                              <p:attrName>ppt_w</p:attrName>
+                                            </p:attrNameLst>
+                                          </p:cBhvr>
+                                          <p:tavLst>
+                                            <p:tav tm="0">
+                                              <p:val>
+                                                <p:strVal val="#ppt_w/10"/>
+                                              </p:val>
+                                            </p:tav>
+                                            <p:tav tm="50000">
+                                              <p:val>
+                                                <p:strVal val="#ppt_w+.01"/>
+                                              </p:val>
+                                            </p:tav>
+                                            <p:tav tm="100000">
+                                              <p:val>
+                                                <p:strVal val="#ppt_w"/>
+                                              </p:val>
+                                            </p:tav>
+                                          </p:tavLst>
+                                        </p:anim>
+                                        <p:animEffect transition="in" filter="fade">
+                                          <p:cBhvr>
+                                            <p:cTn id="15" dur="750" tmFilter="0,0; .5, 1; 1, 1"/>
+                                            <p:tgtEl>
+                                              <p:spTgt spid="7"/>
+                                            </p:tgtEl>
+                                          </p:cBhvr>
+                                        </p:animEffect>
+                                      </p:childTnLst>
+                                    </p:cTn>
+                                  </p:par>
+                                  <p:par>
+                                    <p:cTn id="16" presetID="22" presetClass="entr" presetSubtype="1" fill="hold" grpId="0" nodeType="withEffect">
+                                      <p:stCondLst>
+                                        <p:cond delay="1750"/>
+                                      </p:stCondLst>
+                                      <p:childTnLst>
+                                        <p:set>
+                                          <p:cBhvr>
+                                            <p:cTn id="17" dur="1" fill="hold">
+                                              <p:stCondLst>
+                                                <p:cond delay="0"/>
+                                              </p:stCondLst>
+                                            </p:cTn>
+                                            <p:tgtEl>
+                                              <p:spTgt spid="6"/>
+                                            </p:tgtEl>
+                                            <p:attrNameLst>
+                                              <p:attrName>style.visibility</p:attrName>
+                                            </p:attrNameLst>
+                                          </p:cBhvr>
+                                          <p:to>
+                                            <p:strVal val="visible"/>
+                                          </p:to>
+                                        </p:set>
+                                        <p:animEffect transition="in" filter="wipe(up)">
+                                          <p:cBhvr>
+                                            <p:cTn id="18" dur="500"/>
+                                            <p:tgtEl>
+                                              <p:spTgt spid="6"/>
+                                            </p:tgtEl>
+                                          </p:cBhvr>
+                                        </p:animEffect>
+                                      </p:childTnLst>
+                                    </p:cTn>
+                                  </p:par>
+                                </p:childTnLst>
+                              </p:cTn>
+                            </p:par>
+                          </p:childTnLst>
+                        </p:cTn>
+                      </p:par>
+                    </p:childTnLst>
+                  </p:cTn>
+                  <p:prevCondLst>
+                    <p:cond evt="onPrev" delay="0">
+                      <p:tgtEl>
+                        <p:sldTgt/>
+                      </p:tgtEl>
+                    </p:cond>
+                  </p:prevCondLst>
+                  <p:nextCondLst>
+                    <p:cond evt="onNext" delay="0">
+                      <p:tgtEl>
+                        <p:sldTgt/>
+                      </p:tgtEl>
+                    </p:cond>
+                  </p:nextCondLst>
+                </p:seq>
+              </p:childTnLst>
+            </p:cTn>
+          </p:par>
+        </p:tnLst>
+        <p:bldLst>
+          <p:bldP spid="6" grpId="0"/>
+          <p:bldP spid="7" grpId="0"/>
+        </p:bldLst>
+      </p:timing>
+    </mc:Choice>
+    <mc:Fallback xmlns="">
+      <p:timing>
+        <p:tnLst>
+          <p:par>
+            <p:cTn id="1" dur="indefinite" restart="never" nodeType="tmRoot">
+              <p:childTnLst>
+                <p:seq concurrent="1" nextAc="seek">
+                  <p:cTn id="2" dur="indefinite" nodeType="mainSeq">
+                    <p:childTnLst>
+                      <p:par>
+                        <p:cTn id="3" fill="hold">
+                          <p:stCondLst>
+                            <p:cond delay="indefinite"/>
+                            <p:cond evt="onBegin" delay="0">
+                              <p:tn val="2"/>
+                            </p:cond>
+                          </p:stCondLst>
+                          <p:childTnLst>
+                            <p:par>
+                              <p:cTn id="4" fill="hold">
+                                <p:stCondLst>
+                                  <p:cond delay="0"/>
+                                </p:stCondLst>
+                                <p:childTnLst>
+                                  <p:par>
+                                    <p:cTn id="5" presetID="2" presetClass="entr" presetSubtype="2" fill="hold" nodeType="afterEffect">
+                                      <p:stCondLst>
+                                        <p:cond delay="0"/>
+                                      </p:stCondLst>
+                                      <p:childTnLst>
+                                        <p:set>
+                                          <p:cBhvr>
+                                            <p:cTn id="6" dur="1" fill="hold">
+                                              <p:stCondLst>
+                                                <p:cond delay="0"/>
+                                              </p:stCondLst>
+                                            </p:cTn>
+                                            <p:tgtEl>
+                                              <p:spTgt spid="4"/>
+                                            </p:tgtEl>
+                                            <p:attrNameLst>
+                                              <p:attrName>style.visibility</p:attrName>
+                                            </p:attrNameLst>
+                                          </p:cBhvr>
+                                          <p:to>
+                                            <p:strVal val="visible"/>
+                                          </p:to>
+                                        </p:set>
+                                        <p:anim calcmode="lin" valueType="num">
+                                          <p:cBhvr additive="base">
+                                            <p:cTn id="7" dur="500" fill="hold"/>
+                                            <p:tgtEl>
+                                              <p:spTgt spid="4"/>
+                                            </p:tgtEl>
+                                            <p:attrNameLst>
+                                              <p:attrName>ppt_x</p:attrName>
+                                            </p:attrNameLst>
+                                          </p:cBhvr>
+                                          <p:tavLst>
+                                            <p:tav tm="0">
+                                              <p:val>
+                                                <p:strVal val="1+#ppt_w/2"/>
+                                              </p:val>
+                                            </p:tav>
+                                            <p:tav tm="100000">
+                                              <p:val>
+                                                <p:strVal val="#ppt_x"/>
+                                              </p:val>
+                                            </p:tav>
+                                          </p:tavLst>
+                                        </p:anim>
+                                        <p:anim calcmode="lin" valueType="num">
+                                          <p:cBhvr additive="base">
+                                            <p:cTn id="8" dur="500" fill="hold"/>
+                                            <p:tgtEl>
+                                              <p:spTgt spid="4"/>
+                                            </p:tgtEl>
+                                            <p:attrNameLst>
+                                              <p:attrName>ppt_y</p:attrName>
+                                            </p:attrNameLst>
+                                          </p:cBhvr>
+                                          <p:tavLst>
+                                            <p:tav tm="0">
+                                              <p:val>
+                                                <p:strVal val="#ppt_y"/>
+                                              </p:val>
+                                            </p:tav>
+                                            <p:tav tm="100000">
+                                              <p:val>
+                                                <p:strVal val="#ppt_y"/>
+                                              </p:val>
+                                            </p:tav>
+                                          </p:tavLst>
+                                        </p:anim>
+                                      </p:childTnLst>
+                                    </p:cTn>
+                                  </p:par>
+                                  <p:par>
+                                    <p:cTn id="9" presetID="41" presetClass="entr" presetSubtype="0" fill="hold" grpId="0" nodeType="withEffect">
+                                      <p:stCondLst>
+                                        <p:cond delay="300"/>
+                                      </p:stCondLst>
+                                      <p:iterate type="lt">
+                                        <p:tmPct val="10000"/>
+                                      </p:iterate>
+                                      <p:childTnLst>
+                                        <p:set>
+                                          <p:cBhvr>
+                                            <p:cTn id="10" dur="1" fill="hold">
+                                              <p:stCondLst>
+                                                <p:cond delay="0"/>
+                                              </p:stCondLst>
+                                            </p:cTn>
+                                            <p:tgtEl>
+                                              <p:spTgt spid="7"/>
+                                            </p:tgtEl>
+                                            <p:attrNameLst>
+                                              <p:attrName>style.visibility</p:attrName>
+                                            </p:attrNameLst>
+                                          </p:cBhvr>
+                                          <p:to>
+                                            <p:strVal val="visible"/>
+                                          </p:to>
+                                        </p:set>
+                                        <p:anim calcmode="lin" valueType="num">
+                                          <p:cBhvr>
+                                            <p:cTn id="11" dur="750" fill="hold"/>
+                                            <p:tgtEl>
+                                              <p:spTgt spid="7"/>
+                                            </p:tgtEl>
+                                            <p:attrNameLst>
+                                              <p:attrName>ppt_x</p:attrName>
+                                            </p:attrNameLst>
+                                          </p:cBhvr>
+                                          <p:tavLst>
+                                            <p:tav tm="0">
+                                              <p:val>
+                                                <p:strVal val="#ppt_x"/>
+                                              </p:val>
+                                            </p:tav>
+                                            <p:tav tm="50000">
+                                              <p:val>
+                                                <p:strVal val="#ppt_x+.1"/>
+                                              </p:val>
+                                            </p:tav>
+                                            <p:tav tm="100000">
+                                              <p:val>
+                                                <p:strVal val="#ppt_x"/>
+                                              </p:val>
+                                            </p:tav>
+                                          </p:tavLst>
+                                        </p:anim>
+                                        <p:anim calcmode="lin" valueType="num">
+                                          <p:cBhvr>
+                                            <p:cTn id="12" dur="750" fill="hold"/>
+                                            <p:tgtEl>
+                                              <p:spTgt spid="7"/>
+                                            </p:tgtEl>
+                                            <p:attrNameLst>
+                                              <p:attrName>ppt_y</p:attrName>
+                                            </p:attrNameLst>
+                                          </p:cBhvr>
+                                          <p:tavLst>
+                                            <p:tav tm="0">
+                                              <p:val>
+                                                <p:strVal val="#ppt_y"/>
+                                              </p:val>
+                                            </p:tav>
+                                            <p:tav tm="100000">
+                                              <p:val>
+                                                <p:strVal val="#ppt_y"/>
+                                              </p:val>
+                                            </p:tav>
+                                          </p:tavLst>
+                                        </p:anim>
+                                        <p:anim calcmode="lin" valueType="num">
+                                          <p:cBhvr>
+                                            <p:cTn id="13" dur="750" fill="hold"/>
+                                            <p:tgtEl>
+                                              <p:spTgt spid="7"/>
+                                            </p:tgtEl>
+                                            <p:attrNameLst>
+                                              <p:attrName>ppt_h</p:attrName>
+                                            </p:attrNameLst>
+                                          </p:cBhvr>
+                                          <p:tavLst>
+                                            <p:tav tm="0">
+                                              <p:val>
+                                                <p:strVal val="#ppt_h/10"/>
+                                              </p:val>
+                                            </p:tav>
+                                            <p:tav tm="50000">
+                                              <p:val>
+                                                <p:strVal val="#ppt_h+.01"/>
+                                              </p:val>
+                                            </p:tav>
+                                            <p:tav tm="100000">
+                                              <p:val>
+                                                <p:strVal val="#ppt_h"/>
+                                              </p:val>
+                                            </p:tav>
+                                          </p:tavLst>
+                                        </p:anim>
+                                        <p:anim calcmode="lin" valueType="num">
+                                          <p:cBhvr>
+                                            <p:cTn id="14" dur="750" fill="hold"/>
+                                            <p:tgtEl>
+                                              <p:spTgt spid="7"/>
+                                            </p:tgtEl>
+                                            <p:attrNameLst>
+                                              <p:attrName>ppt_w</p:attrName>
+                                            </p:attrNameLst>
+                                          </p:cBhvr>
+                                          <p:tavLst>
+                                            <p:tav tm="0">
+                                              <p:val>
+                                                <p:strVal val="#ppt_w/10"/>
+                                              </p:val>
+                                            </p:tav>
+                                            <p:tav tm="50000">
+                                              <p:val>
+                                                <p:strVal val="#ppt_w+.01"/>
+                                              </p:val>
+                                            </p:tav>
+                                            <p:tav tm="100000">
+                                              <p:val>
+                                                <p:strVal val="#ppt_w"/>
+                                              </p:val>
+                                            </p:tav>
+                                          </p:tavLst>
+                                        </p:anim>
+                                        <p:animEffect transition="in" filter="fade">
+                                          <p:cBhvr>
+                                            <p:cTn id="15" dur="750" tmFilter="0,0; .5, 1; 1, 1"/>
+                                            <p:tgtEl>
+                                              <p:spTgt spid="7"/>
+                                            </p:tgtEl>
+                                          </p:cBhvr>
+                                        </p:animEffect>
+                                      </p:childTnLst>
+                                    </p:cTn>
+                                  </p:par>
+                                  <p:par>
+                                    <p:cTn id="16" presetID="22" presetClass="entr" presetSubtype="1" fill="hold" grpId="0" nodeType="withEffect">
+                                      <p:stCondLst>
+                                        <p:cond delay="1750"/>
+                                      </p:stCondLst>
+                                      <p:childTnLst>
+                                        <p:set>
+                                          <p:cBhvr>
+                                            <p:cTn id="17" dur="1" fill="hold">
+                                              <p:stCondLst>
+                                                <p:cond delay="0"/>
+                                              </p:stCondLst>
+                                            </p:cTn>
+                                            <p:tgtEl>
+                                              <p:spTgt spid="6"/>
+                                            </p:tgtEl>
+                                            <p:attrNameLst>
+                                              <p:attrName>style.visibility</p:attrName>
+                                            </p:attrNameLst>
+                                          </p:cBhvr>
+                                          <p:to>
+                                            <p:strVal val="visible"/>
+                                          </p:to>
+                                        </p:set>
+                                        <p:animEffect transition="in" filter="wipe(up)">
+                                          <p:cBhvr>
+                                            <p:cTn id="18" dur="500"/>
+                                            <p:tgtEl>
+                                              <p:spTgt spid="6"/>
+                                            </p:tgtEl>
+                                          </p:cBhvr>
+                                        </p:animEffect>
+                                      </p:childTnLst>
+                                    </p:cTn>
+                                  </p:par>
+                                </p:childTnLst>
+                              </p:cTn>
+                            </p:par>
+                          </p:childTnLst>
+                        </p:cTn>
+                      </p:par>
+                    </p:childTnLst>
+                  </p:cTn>
+                  <p:prevCondLst>
+                    <p:cond evt="onPrev" delay="0">
+                      <p:tgtEl>
+                        <p:sldTgt/>
+                      </p:tgtEl>
+                    </p:cond>
+                  </p:prevCondLst>
+                  <p:nextCondLst>
+                    <p:cond evt="onNext" delay="0">
+                      <p:tgtEl>
+                        <p:sldTgt/>
+                      </p:tgtEl>
+                    </p:cond>
+                  </p:nextCondLst>
+                </p:seq>
+              </p:childTnLst>
+            </p:cTn>
+          </p:par>
+        </p:tnLst>
+        <p:bldLst>
+          <p:bldP spid="6" grpId="0"/>
+          <p:bldP spid="7" grpId="0"/>
+        </p:bldLst>
+      </p:timing>
+    </mc:Fallback>
+  </mc:AlternateContent>
+</p:sld>
+</file>
+
+<file path=ppt/slides/slide27.xml><?xml version="1.0" encoding="utf-8"?>
+<p:sld xmlns:a="http://schemas.openxmlformats.org/drawingml/2006/main" xmlns:r="http://schemas.openxmlformats.org/officeDocument/2006/relationships" xmlns:p="http://schemas.openxmlformats.org/presentationml/2006/main">
+  <p:cSld>
+    <p:spTree>
+      <p:nvGrpSpPr>
+        <p:cNvPr id="1" name=""/>
+        <p:cNvGrpSpPr/>
+        <p:nvPr/>
+      </p:nvGrpSpPr>
+      <p:grpSpPr>
+        <a:xfrm>
+          <a:off x="0" y="0"/>
+          <a:ext cx="0" cy="0"/>
+          <a:chOff x="0" y="0"/>
+          <a:chExt cx="0" cy="0"/>
+        </a:xfrm>
+      </p:grpSpPr>
+      <p:sp>
+        <p:nvSpPr>
+          <p:cNvPr id="18" name="文本框 17"/>
+          <p:cNvSpPr txBox="1"/>
+          <p:nvPr/>
+        </p:nvSpPr>
+        <p:spPr>
+          <a:xfrm>
+            <a:off x="643255" y="180340"/>
+            <a:ext cx="1612900" cy="521970"/>
+          </a:xfrm>
+          <a:prstGeom prst="rect">
+            <a:avLst/>
+          </a:prstGeom>
+          <a:noFill/>
+        </p:spPr>
+        <p:txBody>
+          <a:bodyPr wrap="none" rtlCol="0">
+            <a:spAutoFit/>
+          </a:bodyPr>
+          <a:lstStyle/>
+          <a:p>
+            <a:r>
+              <a:rPr lang="zh-CN" altLang="en-US" sz="2800" b="1" dirty="0">
+                <a:solidFill>
+                  <a:schemeClr val="bg1"/>
+                </a:solidFill>
+                <a:ea typeface="思源黑体 CN Heavy" panose="020B0A00000000000000" pitchFamily="34" charset="-122"/>
+              </a:rPr>
+              <a:t>工作计划</a:t>
+            </a:r>
+          </a:p>
+        </p:txBody>
+      </p:sp>
+      <p:sp>
+        <p:nvSpPr>
+          <p:cNvPr id="44" name="文本框 146"/>
+          <p:cNvSpPr txBox="1"/>
+          <p:nvPr/>
+        </p:nvSpPr>
+        <p:spPr>
+          <a:xfrm>
+            <a:off x="915035" y="1696720"/>
+            <a:ext cx="4883150" cy="1303655"/>
+          </a:xfrm>
+          <a:prstGeom prst="rect">
+            <a:avLst/>
+          </a:prstGeom>
+          <a:noFill/>
+          <a:ln w="9525">
+            <a:noFill/>
+            <a:miter lim="800000"/>
+          </a:ln>
+          <a:extLst>
+            <a:ext uri="{909E8E84-426E-40DD-AFC4-6F175D3DCCD1}">
+              <a14:hiddenFill xmlns:a14="http://schemas.microsoft.com/office/drawing/2010/main">
+                <a:solidFill>
+                  <a:srgbClr val="FFFFFF"/>
+                </a:solidFill>
+              </a14:hiddenFill>
+            </a:ext>
+          </a:extLst>
+        </p:spPr>
+        <p:txBody>
+          <a:bodyPr lIns="135785" tIns="67891" rIns="135785" bIns="67891">
+            <a:noAutofit/>
+          </a:bodyPr>
+          <a:lstStyle>
+            <a:defPPr>
+              <a:defRPr lang="zh-CN"/>
+            </a:defPPr>
+            <a:lvl1pPr fontAlgn="base">
+              <a:lnSpc>
+                <a:spcPct val="110000"/>
+              </a:lnSpc>
+              <a:spcBef>
+                <a:spcPct val="0"/>
+              </a:spcBef>
+              <a:spcAft>
+                <a:spcPct val="0"/>
+              </a:spcAft>
+              <a:defRPr sz="1400">
+                <a:solidFill>
+                  <a:prstClr val="black">
+                    <a:lumMod val="50000"/>
+                    <a:lumOff val="50000"/>
+                  </a:prstClr>
+                </a:solidFill>
+                <a:latin typeface="Arial" panose="020B0604020202020204"/>
+                <a:cs typeface="+mn-ea"/>
+              </a:defRPr>
+            </a:lvl1pPr>
+            <a:lvl2pPr marL="457200" fontAlgn="base">
+              <a:spcBef>
+                <a:spcPct val="0"/>
+              </a:spcBef>
+              <a:spcAft>
+                <a:spcPct val="0"/>
+              </a:spcAft>
+              <a:defRPr>
+                <a:latin typeface="Calibri" panose="020F0502020204030204" pitchFamily="34" charset="0"/>
+                <a:cs typeface="Arial" panose="020B0604020202020204" pitchFamily="34" charset="0"/>
+              </a:defRPr>
+            </a:lvl2pPr>
+            <a:lvl3pPr marL="914400" fontAlgn="base">
+              <a:spcBef>
+                <a:spcPct val="0"/>
+              </a:spcBef>
+              <a:spcAft>
+                <a:spcPct val="0"/>
+              </a:spcAft>
+              <a:defRPr>
+                <a:latin typeface="Calibri" panose="020F0502020204030204" pitchFamily="34" charset="0"/>
+                <a:cs typeface="Arial" panose="020B0604020202020204" pitchFamily="34" charset="0"/>
+              </a:defRPr>
+            </a:lvl3pPr>
+            <a:lvl4pPr marL="1371600" fontAlgn="base">
+              <a:spcBef>
+                <a:spcPct val="0"/>
+              </a:spcBef>
+              <a:spcAft>
+                <a:spcPct val="0"/>
+              </a:spcAft>
+              <a:defRPr>
+                <a:latin typeface="Calibri" panose="020F0502020204030204" pitchFamily="34" charset="0"/>
+                <a:cs typeface="Arial" panose="020B0604020202020204" pitchFamily="34" charset="0"/>
+              </a:defRPr>
+            </a:lvl4pPr>
+            <a:lvl5pPr marL="1828800" fontAlgn="base">
+              <a:spcBef>
+                <a:spcPct val="0"/>
+              </a:spcBef>
+              <a:spcAft>
+                <a:spcPct val="0"/>
+              </a:spcAft>
+              <a:defRPr>
+                <a:latin typeface="Calibri" panose="020F0502020204030204" pitchFamily="34" charset="0"/>
+                <a:cs typeface="Arial" panose="020B0604020202020204" pitchFamily="34" charset="0"/>
+              </a:defRPr>
+            </a:lvl5pPr>
+            <a:lvl6pPr marL="2286000" defTabSz="914400">
+              <a:defRPr>
+                <a:latin typeface="Calibri" panose="020F0502020204030204" pitchFamily="34" charset="0"/>
+                <a:cs typeface="Arial" panose="020B0604020202020204" pitchFamily="34" charset="0"/>
+              </a:defRPr>
+            </a:lvl6pPr>
+            <a:lvl7pPr marL="2743200" defTabSz="914400">
+              <a:defRPr>
+                <a:latin typeface="Calibri" panose="020F0502020204030204" pitchFamily="34" charset="0"/>
+                <a:cs typeface="Arial" panose="020B0604020202020204" pitchFamily="34" charset="0"/>
+              </a:defRPr>
+            </a:lvl7pPr>
+            <a:lvl8pPr marL="3200400" defTabSz="914400">
+              <a:defRPr>
+                <a:latin typeface="Calibri" panose="020F0502020204030204" pitchFamily="34" charset="0"/>
+                <a:cs typeface="Arial" panose="020B0604020202020204" pitchFamily="34" charset="0"/>
+              </a:defRPr>
+            </a:lvl8pPr>
+            <a:lvl9pPr marL="3657600" defTabSz="914400">
+              <a:defRPr>
+                <a:latin typeface="Calibri" panose="020F0502020204030204" pitchFamily="34" charset="0"/>
+                <a:cs typeface="Arial" panose="020B0604020202020204" pitchFamily="34" charset="0"/>
+              </a:defRPr>
+            </a:lvl9pPr>
+          </a:lstStyle>
+          <a:p>
+            <a:endParaRPr lang="zh-CN" altLang="en-US" sz="1800" b="1" dirty="0">
+              <a:solidFill>
+                <a:prstClr val="black">
+                  <a:lumMod val="50000"/>
+                  <a:lumOff val="50000"/>
+                </a:prstClr>
+              </a:solidFill>
+              <a:effectLst>
+                <a:outerShdw blurRad="38100" dist="38100" dir="2700000" algn="tl">
+                  <a:srgbClr val="000000">
+                    <a:alpha val="30000"/>
+                  </a:srgbClr>
+                </a:outerShdw>
+              </a:effectLst>
+              <a:uFillTx/>
+              <a:latin typeface="华文中宋" panose="02010600040101010101" charset="-122"/>
+              <a:ea typeface="华文中宋" panose="02010600040101010101" charset="-122"/>
+              <a:cs typeface="Arial" panose="020B0604020202020204" pitchFamily="34" charset="0"/>
+            </a:endParaRPr>
+          </a:p>
+        </p:txBody>
+      </p:sp>
+      <p:sp>
+        <p:nvSpPr>
+          <p:cNvPr id="45" name="文本框 145"/>
+          <p:cNvSpPr txBox="1"/>
+          <p:nvPr/>
+        </p:nvSpPr>
+        <p:spPr>
+          <a:xfrm>
+            <a:off x="732155" y="1842770"/>
+            <a:ext cx="4653280" cy="2922905"/>
+          </a:xfrm>
+          <a:prstGeom prst="rect">
+            <a:avLst/>
+          </a:prstGeom>
+          <a:noFill/>
+          <a:ln>
+            <a:noFill/>
+          </a:ln>
+        </p:spPr>
+        <p:style>
+          <a:lnRef idx="2">
+            <a:schemeClr val="accent1">
+              <a:shade val="50000"/>
+            </a:schemeClr>
+          </a:lnRef>
+          <a:fillRef idx="1">
+            <a:schemeClr val="accent1"/>
+          </a:fillRef>
+          <a:effectRef idx="0">
+            <a:schemeClr val="accent1"/>
+          </a:effectRef>
+          <a:fontRef idx="minor">
+            <a:schemeClr val="lt1"/>
+          </a:fontRef>
+        </p:style>
+        <p:txBody>
+          <a:bodyPr wrap="square" lIns="178172" tIns="0" rIns="178172" bIns="0" rtlCol="0" anchor="t">
+            <a:noAutofit/>
+          </a:bodyPr>
+          <a:lstStyle>
+            <a:defPPr>
+              <a:defRPr lang="zh-CN"/>
+            </a:defPPr>
+            <a:lvl1pPr marL="285750" indent="-285750">
+              <a:lnSpc>
+                <a:spcPct val="120000"/>
+              </a:lnSpc>
+              <a:buClr>
+                <a:schemeClr val="accent1"/>
+              </a:buClr>
+              <a:buFont typeface="Wingdings" panose="05000000000000000000" pitchFamily="2" charset="2"/>
+              <a:buChar char="n"/>
+              <a:defRPr sz="1800" b="1">
+                <a:solidFill>
+                  <a:schemeClr val="bg1">
+                    <a:lumMod val="50000"/>
+                  </a:schemeClr>
+                </a:solidFill>
+                <a:cs typeface="+mn-ea"/>
+              </a:defRPr>
+            </a:lvl1pPr>
+            <a:lvl2pPr>
+              <a:defRPr>
+                <a:solidFill>
+                  <a:schemeClr val="lt1"/>
+                </a:solidFill>
+              </a:defRPr>
+            </a:lvl2pPr>
+            <a:lvl3pPr>
+              <a:defRPr>
+                <a:solidFill>
+                  <a:schemeClr val="lt1"/>
+                </a:solidFill>
+              </a:defRPr>
+            </a:lvl3pPr>
+            <a:lvl4pPr>
+              <a:defRPr>
+                <a:solidFill>
+                  <a:schemeClr val="lt1"/>
+                </a:solidFill>
+              </a:defRPr>
+            </a:lvl4pPr>
+            <a:lvl5pPr>
+              <a:defRPr>
+                <a:solidFill>
+                  <a:schemeClr val="lt1"/>
+                </a:solidFill>
+              </a:defRPr>
+            </a:lvl5pPr>
+            <a:lvl6pPr>
+              <a:defRPr>
+                <a:solidFill>
+                  <a:schemeClr val="lt1"/>
+                </a:solidFill>
+              </a:defRPr>
+            </a:lvl6pPr>
+            <a:lvl7pPr>
+              <a:defRPr>
+                <a:solidFill>
+                  <a:schemeClr val="lt1"/>
+                </a:solidFill>
+              </a:defRPr>
+            </a:lvl7pPr>
+            <a:lvl8pPr>
+              <a:defRPr>
+                <a:solidFill>
+                  <a:schemeClr val="lt1"/>
+                </a:solidFill>
+              </a:defRPr>
+            </a:lvl8pPr>
+            <a:lvl9pPr>
+              <a:defRPr>
+                <a:solidFill>
+                  <a:schemeClr val="lt1"/>
+                </a:solidFill>
+              </a:defRPr>
+            </a:lvl9pPr>
+          </a:lstStyle>
+          <a:p>
+            <a:pPr marL="0" indent="0">
+              <a:buClr>
+                <a:srgbClr val="C00000"/>
+              </a:buClr>
+              <a:buNone/>
+            </a:pPr>
+            <a:r>
+              <a:rPr lang="zh-CN" altLang="en-US" dirty="0">
+                <a:solidFill>
+                  <a:schemeClr val="tx1">
+                    <a:lumMod val="65000"/>
+                    <a:lumOff val="35000"/>
+                  </a:schemeClr>
+                </a:solidFill>
+                <a:ea typeface="思源黑体 CN Heavy" panose="020B0A00000000000000" pitchFamily="34" charset="-122"/>
+              </a:rPr>
+              <a:t>后期的工作中思维应该从小项目向企业级的项目转变，在书写代码的过程中应该将功能与功能直接的耦合性降低。要时刻提醒自己是团队的一员，遇到问题不应该不计时间成本去解决，而是自己无法在规定的时间内解决问题， 就应该去请教前辈， 寻求解决方案，并且补充短板知识。在完成工作的业余时间补充</a:t>
+            </a:r>
+            <a:r>
+              <a:rPr lang="en-US" altLang="zh-CN" dirty="0">
+                <a:solidFill>
+                  <a:schemeClr val="tx1">
+                    <a:lumMod val="65000"/>
+                    <a:lumOff val="35000"/>
+                  </a:schemeClr>
+                </a:solidFill>
+                <a:ea typeface="思源黑体 CN Heavy" panose="020B0A00000000000000" pitchFamily="34" charset="-122"/>
+              </a:rPr>
+              <a:t>docker</a:t>
+            </a:r>
+            <a:r>
+              <a:rPr lang="zh-CN" altLang="en-US" dirty="0">
+                <a:solidFill>
+                  <a:schemeClr val="tx1">
+                    <a:lumMod val="65000"/>
+                    <a:lumOff val="35000"/>
+                  </a:schemeClr>
+                </a:solidFill>
+                <a:ea typeface="思源黑体 CN Heavy" panose="020B0A00000000000000" pitchFamily="34" charset="-122"/>
+              </a:rPr>
+              <a:t>和</a:t>
+            </a:r>
+            <a:r>
+              <a:rPr lang="en-US" altLang="zh-CN" dirty="0">
+                <a:solidFill>
+                  <a:schemeClr val="tx1">
+                    <a:lumMod val="65000"/>
+                    <a:lumOff val="35000"/>
+                  </a:schemeClr>
+                </a:solidFill>
+                <a:ea typeface="思源黑体 CN Heavy" panose="020B0A00000000000000" pitchFamily="34" charset="-122"/>
+              </a:rPr>
+              <a:t>k8s</a:t>
+            </a:r>
+            <a:r>
+              <a:rPr lang="zh-CN" altLang="en-US" dirty="0">
+                <a:solidFill>
+                  <a:schemeClr val="tx1">
+                    <a:lumMod val="65000"/>
+                    <a:lumOff val="35000"/>
+                  </a:schemeClr>
+                </a:solidFill>
+                <a:ea typeface="思源黑体 CN Heavy" panose="020B0A00000000000000" pitchFamily="34" charset="-122"/>
+              </a:rPr>
+              <a:t>方面的知识，尽可能减小差距。</a:t>
+            </a:r>
+            <a:endParaRPr lang="en-US" altLang="zh-CN" dirty="0">
+              <a:solidFill>
+                <a:schemeClr val="tx1">
+                  <a:lumMod val="65000"/>
+                  <a:lumOff val="35000"/>
+                </a:schemeClr>
+              </a:solidFill>
+              <a:ea typeface="思源黑体 CN Heavy" panose="020B0A00000000000000" pitchFamily="34" charset="-122"/>
+            </a:endParaRPr>
+          </a:p>
+        </p:txBody>
+      </p:sp>
+      <p:sp>
+        <p:nvSpPr>
+          <p:cNvPr id="37" name="文本框 145"/>
+          <p:cNvSpPr txBox="1"/>
+          <p:nvPr/>
+        </p:nvSpPr>
+        <p:spPr>
+          <a:xfrm>
+            <a:off x="732347" y="3097217"/>
+            <a:ext cx="2352000" cy="413563"/>
+          </a:xfrm>
+          <a:prstGeom prst="rect">
+            <a:avLst/>
+          </a:prstGeom>
+          <a:noFill/>
+          <a:ln>
+            <a:noFill/>
+          </a:ln>
+        </p:spPr>
+        <p:style>
+          <a:lnRef idx="2">
+            <a:schemeClr val="accent1">
+              <a:shade val="50000"/>
+            </a:schemeClr>
+          </a:lnRef>
+          <a:fillRef idx="1">
+            <a:schemeClr val="accent1"/>
+          </a:fillRef>
+          <a:effectRef idx="0">
+            <a:schemeClr val="accent1"/>
+          </a:effectRef>
+          <a:fontRef idx="minor">
+            <a:schemeClr val="lt1"/>
+          </a:fontRef>
+        </p:style>
+        <p:txBody>
+          <a:bodyPr wrap="square" lIns="178172" tIns="0" rIns="178172" bIns="0" rtlCol="0" anchor="t">
+            <a:noAutofit/>
+          </a:bodyPr>
+          <a:lstStyle>
+            <a:defPPr>
+              <a:defRPr lang="zh-CN"/>
+            </a:defPPr>
+            <a:lvl1pPr marL="285750" indent="-285750">
+              <a:lnSpc>
+                <a:spcPct val="120000"/>
+              </a:lnSpc>
+              <a:buClr>
+                <a:schemeClr val="accent1"/>
+              </a:buClr>
+              <a:buFont typeface="Wingdings" panose="05000000000000000000" pitchFamily="2" charset="2"/>
+              <a:buChar char="n"/>
+              <a:defRPr sz="1800" b="1">
+                <a:solidFill>
+                  <a:schemeClr val="bg1">
+                    <a:lumMod val="50000"/>
+                  </a:schemeClr>
+                </a:solidFill>
+                <a:cs typeface="+mn-ea"/>
+              </a:defRPr>
+            </a:lvl1pPr>
+            <a:lvl2pPr>
+              <a:defRPr>
+                <a:solidFill>
+                  <a:schemeClr val="lt1"/>
+                </a:solidFill>
+              </a:defRPr>
+            </a:lvl2pPr>
+            <a:lvl3pPr>
+              <a:defRPr>
+                <a:solidFill>
+                  <a:schemeClr val="lt1"/>
+                </a:solidFill>
+              </a:defRPr>
+            </a:lvl3pPr>
+            <a:lvl4pPr>
+              <a:defRPr>
+                <a:solidFill>
+                  <a:schemeClr val="lt1"/>
+                </a:solidFill>
+              </a:defRPr>
+            </a:lvl4pPr>
+            <a:lvl5pPr>
+              <a:defRPr>
+                <a:solidFill>
+                  <a:schemeClr val="lt1"/>
+                </a:solidFill>
+              </a:defRPr>
+            </a:lvl5pPr>
+            <a:lvl6pPr>
+              <a:defRPr>
+                <a:solidFill>
+                  <a:schemeClr val="lt1"/>
+                </a:solidFill>
+              </a:defRPr>
+            </a:lvl6pPr>
+            <a:lvl7pPr>
+              <a:defRPr>
+                <a:solidFill>
+                  <a:schemeClr val="lt1"/>
+                </a:solidFill>
+              </a:defRPr>
+            </a:lvl7pPr>
+            <a:lvl8pPr>
+              <a:defRPr>
+                <a:solidFill>
+                  <a:schemeClr val="lt1"/>
+                </a:solidFill>
+              </a:defRPr>
+            </a:lvl8pPr>
+            <a:lvl9pPr>
+              <a:defRPr>
+                <a:solidFill>
+                  <a:schemeClr val="lt1"/>
+                </a:solidFill>
+              </a:defRPr>
+            </a:lvl9pPr>
+          </a:lstStyle>
+          <a:p>
+            <a:pPr marL="0" indent="0">
+              <a:buClr>
+                <a:srgbClr val="C00000"/>
+              </a:buClr>
+              <a:buNone/>
+            </a:pPr>
+            <a:endParaRPr lang="zh-CN" altLang="en-US" dirty="0">
+              <a:solidFill>
+                <a:schemeClr val="tx1">
+                  <a:lumMod val="65000"/>
+                  <a:lumOff val="35000"/>
+                </a:schemeClr>
+              </a:solidFill>
+              <a:ea typeface="思源黑体 CN Heavy" panose="020B0A00000000000000" pitchFamily="34" charset="-122"/>
+            </a:endParaRPr>
+          </a:p>
+        </p:txBody>
+      </p:sp>
+      <p:sp>
+        <p:nvSpPr>
+          <p:cNvPr id="38" name="矩形 37"/>
+          <p:cNvSpPr/>
+          <p:nvPr/>
+        </p:nvSpPr>
+        <p:spPr>
+          <a:xfrm>
+            <a:off x="6412865" y="1329690"/>
+            <a:ext cx="4483100" cy="2037715"/>
+          </a:xfrm>
+          <a:prstGeom prst="rect">
+            <a:avLst/>
+          </a:prstGeom>
+          <a:solidFill>
+            <a:schemeClr val="bg2"/>
+          </a:solidFill>
+          <a:ln>
+            <a:noFill/>
+          </a:ln>
+        </p:spPr>
+        <p:style>
+          <a:lnRef idx="2">
+            <a:schemeClr val="accent1">
+              <a:shade val="50000"/>
+            </a:schemeClr>
+          </a:lnRef>
+          <a:fillRef idx="1">
+            <a:schemeClr val="accent1"/>
+          </a:fillRef>
+          <a:effectRef idx="0">
+            <a:schemeClr val="accent1"/>
+          </a:effectRef>
+          <a:fontRef idx="minor">
+            <a:schemeClr val="lt1"/>
+          </a:fontRef>
+        </p:style>
+        <p:txBody>
+          <a:bodyPr rtlCol="0" anchor="ctr"/>
+          <a:lstStyle/>
+          <a:p>
+            <a:pPr algn="ctr"/>
+            <a:endParaRPr lang="zh-CN" altLang="en-US"/>
+          </a:p>
+        </p:txBody>
+      </p:sp>
+      <p:sp>
+        <p:nvSpPr>
+          <p:cNvPr id="39" name="矩形 38"/>
+          <p:cNvSpPr/>
+          <p:nvPr/>
+        </p:nvSpPr>
+        <p:spPr>
+          <a:xfrm>
+            <a:off x="6412865" y="3549015"/>
+            <a:ext cx="2160270" cy="2104390"/>
+          </a:xfrm>
+          <a:prstGeom prst="rect">
+            <a:avLst/>
+          </a:prstGeom>
+          <a:solidFill>
+            <a:schemeClr val="bg2"/>
+          </a:solidFill>
+          <a:ln>
+            <a:noFill/>
+          </a:ln>
+        </p:spPr>
+        <p:style>
+          <a:lnRef idx="2">
+            <a:schemeClr val="accent1">
+              <a:shade val="50000"/>
+            </a:schemeClr>
+          </a:lnRef>
+          <a:fillRef idx="1">
+            <a:schemeClr val="accent1"/>
+          </a:fillRef>
+          <a:effectRef idx="0">
+            <a:schemeClr val="accent1"/>
+          </a:effectRef>
+          <a:fontRef idx="minor">
+            <a:schemeClr val="lt1"/>
+          </a:fontRef>
+        </p:style>
+        <p:txBody>
+          <a:bodyPr rtlCol="0" anchor="ctr"/>
+          <a:lstStyle/>
+          <a:p>
+            <a:pPr algn="ctr"/>
+            <a:endParaRPr lang="zh-CN" altLang="en-US"/>
+          </a:p>
+        </p:txBody>
+      </p:sp>
+      <p:sp>
+        <p:nvSpPr>
+          <p:cNvPr id="40" name="矩形 39"/>
+          <p:cNvSpPr/>
+          <p:nvPr/>
+        </p:nvSpPr>
+        <p:spPr>
+          <a:xfrm>
+            <a:off x="8720455" y="3548380"/>
+            <a:ext cx="2160270" cy="2104390"/>
+          </a:xfrm>
+          <a:prstGeom prst="rect">
+            <a:avLst/>
+          </a:prstGeom>
+          <a:solidFill>
+            <a:schemeClr val="bg2"/>
+          </a:solidFill>
+          <a:ln>
+            <a:noFill/>
+          </a:ln>
+        </p:spPr>
+        <p:style>
+          <a:lnRef idx="2">
+            <a:schemeClr val="accent1">
+              <a:shade val="50000"/>
+            </a:schemeClr>
+          </a:lnRef>
+          <a:fillRef idx="1">
+            <a:schemeClr val="accent1"/>
+          </a:fillRef>
+          <a:effectRef idx="0">
+            <a:schemeClr val="accent1"/>
+          </a:effectRef>
+          <a:fontRef idx="minor">
+            <a:schemeClr val="lt1"/>
+          </a:fontRef>
+        </p:style>
+        <p:txBody>
+          <a:bodyPr rtlCol="0" anchor="ctr"/>
+          <a:lstStyle/>
+          <a:p>
+            <a:pPr algn="ctr"/>
+            <a:endParaRPr lang="zh-CN" altLang="en-US"/>
+          </a:p>
+        </p:txBody>
+      </p:sp>
+    </p:spTree>
+  </p:cSld>
+  <p:clrMapOvr>
+    <a:masterClrMapping/>
+  </p:clrMapOvr>
+  <mc:AlternateContent xmlns:mc="http://schemas.openxmlformats.org/markup-compatibility/2006" xmlns:p14="http://schemas.microsoft.com/office/powerpoint/2010/main">
+    <mc:Choice Requires="p14">
+      <p:transition spd="slow" p14:dur="1600">
+        <p:blinds dir="vert"/>
+      </p:transition>
+    </mc:Choice>
+    <mc:Fallback xmlns="">
+      <p:transition spd="slow">
+        <p:blinds dir="vert"/>
+      </p:transition>
+    </mc:Fallback>
+  </mc:AlternateContent>
+  <p:timing>
+    <p:tnLst>
+      <p:par>
+        <p:cTn id="1" dur="indefinite" restart="never" nodeType="tmRoot">
+          <p:childTnLst>
+            <p:seq concurrent="1" nextAc="seek">
+              <p:cTn id="2" dur="indefinite" nodeType="mainSeq">
+                <p:childTnLst>
+                  <p:par>
+                    <p:cTn id="3" fill="hold">
+                      <p:stCondLst>
+                        <p:cond delay="indefinite"/>
+                        <p:cond evt="onBegin" delay="0">
+                          <p:tn val="2"/>
+                        </p:cond>
+                      </p:stCondLst>
+                      <p:childTnLst>
+                        <p:par>
+                          <p:cTn id="4" fill="hold">
+                            <p:stCondLst>
+                              <p:cond delay="0"/>
+                            </p:stCondLst>
+                            <p:childTnLst>
+                              <p:par>
+                                <p:cTn id="5" presetID="12" presetClass="entr" presetSubtype="1" fill="hold" grpId="0" nodeType="afterEffect">
+                                  <p:stCondLst>
+                                    <p:cond delay="0"/>
+                                  </p:stCondLst>
+                                  <p:childTnLst>
+                                    <p:set>
+                                      <p:cBhvr>
+                                        <p:cTn id="6" dur="1" fill="hold">
+                                          <p:stCondLst>
+                                            <p:cond delay="0"/>
+                                          </p:stCondLst>
+                                        </p:cTn>
+                                        <p:tgtEl>
+                                          <p:spTgt spid="45"/>
+                                        </p:tgtEl>
+                                        <p:attrNameLst>
+                                          <p:attrName>style.visibility</p:attrName>
+                                        </p:attrNameLst>
+                                      </p:cBhvr>
+                                      <p:to>
+                                        <p:strVal val="visible"/>
+                                      </p:to>
+                                    </p:set>
+                                    <p:anim calcmode="lin" valueType="num">
+                                      <p:cBhvr additive="base">
+                                        <p:cTn id="7" dur="500"/>
+                                        <p:tgtEl>
+                                          <p:spTgt spid="45"/>
+                                        </p:tgtEl>
+                                        <p:attrNameLst>
+                                          <p:attrName>ppt_y</p:attrName>
+                                        </p:attrNameLst>
+                                      </p:cBhvr>
+                                      <p:tavLst>
+                                        <p:tav tm="0">
+                                          <p:val>
+                                            <p:strVal val="#ppt_y-#ppt_h*1.125000"/>
+                                          </p:val>
+                                        </p:tav>
+                                        <p:tav tm="100000">
+                                          <p:val>
+                                            <p:strVal val="#ppt_y"/>
+                                          </p:val>
+                                        </p:tav>
+                                      </p:tavLst>
+                                    </p:anim>
+                                    <p:animEffect transition="in" filter="wipe(down)">
+                                      <p:cBhvr>
+                                        <p:cTn id="8" dur="500"/>
+                                        <p:tgtEl>
+                                          <p:spTgt spid="45"/>
+                                        </p:tgtEl>
+                                      </p:cBhvr>
+                                    </p:animEffect>
+                                  </p:childTnLst>
+                                </p:cTn>
+                              </p:par>
+                            </p:childTnLst>
+                          </p:cTn>
+                        </p:par>
+                        <p:par>
+                          <p:cTn id="9" fill="hold">
+                            <p:stCondLst>
+                              <p:cond delay="500"/>
+                            </p:stCondLst>
+                            <p:childTnLst>
+                              <p:par>
+                                <p:cTn id="10" presetID="22" presetClass="entr" presetSubtype="1" fill="hold" grpId="0" nodeType="afterEffect">
+                                  <p:stCondLst>
+                                    <p:cond delay="0"/>
+                                  </p:stCondLst>
+                                  <p:childTnLst>
+                                    <p:set>
+                                      <p:cBhvr>
+                                        <p:cTn id="11" dur="1" fill="hold">
+                                          <p:stCondLst>
+                                            <p:cond delay="0"/>
+                                          </p:stCondLst>
+                                        </p:cTn>
+                                        <p:tgtEl>
+                                          <p:spTgt spid="44"/>
+                                        </p:tgtEl>
+                                        <p:attrNameLst>
+                                          <p:attrName>style.visibility</p:attrName>
+                                        </p:attrNameLst>
+                                      </p:cBhvr>
+                                      <p:to>
+                                        <p:strVal val="visible"/>
+                                      </p:to>
+                                    </p:set>
+                                    <p:animEffect transition="in" filter="wipe(up)">
+                                      <p:cBhvr>
+                                        <p:cTn id="12" dur="500"/>
+                                        <p:tgtEl>
+                                          <p:spTgt spid="44"/>
+                                        </p:tgtEl>
+                                      </p:cBhvr>
+                                    </p:animEffect>
+                                  </p:childTnLst>
+                                </p:cTn>
+                              </p:par>
+                            </p:childTnLst>
+                          </p:cTn>
+                        </p:par>
+                        <p:par>
+                          <p:cTn id="13" fill="hold">
+                            <p:stCondLst>
+                              <p:cond delay="1000"/>
+                            </p:stCondLst>
+                            <p:childTnLst>
+                              <p:par>
+                                <p:cTn id="14" presetID="12" presetClass="entr" presetSubtype="1" fill="hold" grpId="0" nodeType="afterEffect">
+                                  <p:stCondLst>
+                                    <p:cond delay="0"/>
+                                  </p:stCondLst>
+                                  <p:childTnLst>
+                                    <p:set>
+                                      <p:cBhvr>
+                                        <p:cTn id="15" dur="1" fill="hold">
+                                          <p:stCondLst>
+                                            <p:cond delay="0"/>
+                                          </p:stCondLst>
+                                        </p:cTn>
+                                        <p:tgtEl>
+                                          <p:spTgt spid="37"/>
+                                        </p:tgtEl>
+                                        <p:attrNameLst>
+                                          <p:attrName>style.visibility</p:attrName>
+                                        </p:attrNameLst>
+                                      </p:cBhvr>
+                                      <p:to>
+                                        <p:strVal val="visible"/>
+                                      </p:to>
+                                    </p:set>
+                                    <p:anim calcmode="lin" valueType="num">
+                                      <p:cBhvr additive="base">
+                                        <p:cTn id="16" dur="500"/>
+                                        <p:tgtEl>
+                                          <p:spTgt spid="37"/>
+                                        </p:tgtEl>
+                                        <p:attrNameLst>
+                                          <p:attrName>ppt_y</p:attrName>
+                                        </p:attrNameLst>
+                                      </p:cBhvr>
+                                      <p:tavLst>
+                                        <p:tav tm="0">
+                                          <p:val>
+                                            <p:strVal val="#ppt_y-#ppt_h*1.125000"/>
+                                          </p:val>
+                                        </p:tav>
+                                        <p:tav tm="100000">
+                                          <p:val>
+                                            <p:strVal val="#ppt_y"/>
+                                          </p:val>
+                                        </p:tav>
+                                      </p:tavLst>
+                                    </p:anim>
+                                    <p:animEffect transition="in" filter="wipe(down)">
+                                      <p:cBhvr>
+                                        <p:cTn id="17" dur="500"/>
+                                        <p:tgtEl>
+                                          <p:spTgt spid="37"/>
+                                        </p:tgtEl>
+                                      </p:cBhvr>
+                                    </p:animEffect>
+                                  </p:childTnLst>
+                                </p:cTn>
+                              </p:par>
+                            </p:childTnLst>
+                          </p:cTn>
+                        </p:par>
+                      </p:childTnLst>
+                    </p:cTn>
+                  </p:par>
+                </p:childTnLst>
+              </p:cTn>
+              <p:prevCondLst>
+                <p:cond evt="onPrev" delay="0">
+                  <p:tgtEl>
+                    <p:sldTgt/>
+                  </p:tgtEl>
+                </p:cond>
+              </p:prevCondLst>
+              <p:nextCondLst>
+                <p:cond evt="onNext" delay="0">
+                  <p:tgtEl>
+                    <p:sldTgt/>
+                  </p:tgtEl>
+                </p:cond>
+              </p:nextCondLst>
+            </p:seq>
+          </p:childTnLst>
+        </p:cTn>
+      </p:par>
+    </p:tnLst>
+    <p:bldLst>
+      <p:bldP spid="44" grpId="0"/>
+      <p:bldP spid="44" grpId="1"/>
+      <p:bldP spid="45" grpId="0" bldLvl="0" animBg="1"/>
+      <p:bldP spid="37" grpId="0" bldLvl="0" animBg="1"/>
+    </p:bldLst>
+  </p:timing>
+</p:sld>
+</file>
+
+<file path=ppt/slides/slide28.xml><?xml version="1.0" encoding="utf-8"?>
 <p:sld xmlns:a="http://schemas.openxmlformats.org/drawingml/2006/main" xmlns:r="http://schemas.openxmlformats.org/officeDocument/2006/relationships" xmlns:p="http://schemas.openxmlformats.org/presentationml/2006/main">
   <p:cSld>
     <p:spTree>

--- a/黄雪朋.pptx
+++ b/黄雪朋.pptx
@@ -5,45 +5,45 @@
     <p:sldMasterId id="2147483648" r:id="rId1"/>
   </p:sldMasterIdLst>
   <p:notesMasterIdLst>
-    <p:notesMasterId r:id="rId30"/>
+    <p:notesMasterId r:id="rId6"/>
   </p:notesMasterIdLst>
   <p:handoutMasterIdLst>
-    <p:handoutMasterId r:id="rId31"/>
+    <p:handoutMasterId r:id="rId32"/>
   </p:handoutMasterIdLst>
   <p:sldIdLst>
-    <p:sldId id="315" r:id="rId2"/>
-    <p:sldId id="310" r:id="rId3"/>
-    <p:sldId id="258" r:id="rId4"/>
-    <p:sldId id="259" r:id="rId5"/>
-    <p:sldId id="264" r:id="rId6"/>
-    <p:sldId id="311" r:id="rId7"/>
-    <p:sldId id="339" r:id="rId8"/>
-    <p:sldId id="355" r:id="rId9"/>
-    <p:sldId id="352" r:id="rId10"/>
-    <p:sldId id="356" r:id="rId11"/>
-    <p:sldId id="353" r:id="rId12"/>
-    <p:sldId id="357" r:id="rId13"/>
-    <p:sldId id="337" r:id="rId14"/>
-    <p:sldId id="354" r:id="rId15"/>
-    <p:sldId id="360" r:id="rId16"/>
-    <p:sldId id="359" r:id="rId17"/>
-    <p:sldId id="358" r:id="rId18"/>
-    <p:sldId id="361" r:id="rId19"/>
-    <p:sldId id="362" r:id="rId20"/>
-    <p:sldId id="312" r:id="rId21"/>
-    <p:sldId id="332" r:id="rId22"/>
-    <p:sldId id="313" r:id="rId23"/>
-    <p:sldId id="333" r:id="rId24"/>
-    <p:sldId id="314" r:id="rId25"/>
-    <p:sldId id="334" r:id="rId26"/>
-    <p:sldId id="316" r:id="rId27"/>
-    <p:sldId id="335" r:id="rId28"/>
-    <p:sldId id="351" r:id="rId29"/>
+    <p:sldId id="315" r:id="rId3"/>
+    <p:sldId id="310" r:id="rId4"/>
+    <p:sldId id="258" r:id="rId5"/>
+    <p:sldId id="259" r:id="rId7"/>
+    <p:sldId id="264" r:id="rId8"/>
+    <p:sldId id="311" r:id="rId9"/>
+    <p:sldId id="339" r:id="rId10"/>
+    <p:sldId id="376" r:id="rId11"/>
+    <p:sldId id="355" r:id="rId12"/>
+    <p:sldId id="353" r:id="rId13"/>
+    <p:sldId id="352" r:id="rId14"/>
+    <p:sldId id="357" r:id="rId15"/>
+    <p:sldId id="337" r:id="rId16"/>
+    <p:sldId id="354" r:id="rId17"/>
+    <p:sldId id="360" r:id="rId18"/>
+    <p:sldId id="359" r:id="rId19"/>
+    <p:sldId id="358" r:id="rId20"/>
+    <p:sldId id="361" r:id="rId21"/>
+    <p:sldId id="362" r:id="rId22"/>
+    <p:sldId id="312" r:id="rId23"/>
+    <p:sldId id="332" r:id="rId24"/>
+    <p:sldId id="313" r:id="rId25"/>
+    <p:sldId id="333" r:id="rId26"/>
+    <p:sldId id="314" r:id="rId27"/>
+    <p:sldId id="334" r:id="rId28"/>
+    <p:sldId id="316" r:id="rId29"/>
+    <p:sldId id="335" r:id="rId30"/>
+    <p:sldId id="351" r:id="rId31"/>
   </p:sldIdLst>
   <p:sldSz cx="12192000" cy="6858000"/>
   <p:notesSz cx="6858000" cy="9144000"/>
   <p:custDataLst>
-    <p:tags r:id="rId32"/>
+    <p:tags r:id="rId36"/>
   </p:custDataLst>
   <p:defaultTextStyle>
     <a:defPPr>
@@ -140,22 +140,6 @@
       </a:defRPr>
     </a:lvl9pPr>
   </p:defaultTextStyle>
-  <p:extLst>
-    <p:ext uri="{EFAFB233-063F-42B5-8137-9DF3F51BA10A}">
-      <p15:sldGuideLst xmlns:p15="http://schemas.microsoft.com/office/powerpoint/2012/main">
-        <p15:guide id="1" orient="horz" pos="2121">
-          <p15:clr>
-            <a:srgbClr val="A4A3A4"/>
-          </p15:clr>
-        </p15:guide>
-        <p15:guide id="2" pos="3747">
-          <p15:clr>
-            <a:srgbClr val="A4A3A4"/>
-          </p15:clr>
-        </p15:guide>
-      </p15:sldGuideLst>
-    </p:ext>
-  </p:extLst>
 </p:presentation>
 </file>
 
@@ -241,7 +225,6 @@
           <a:p>
             <a:fld id="{0F9B84EA-7D68-4D60-9CB1-D50884785D1C}" type="datetimeFigureOut">
               <a:rPr lang="zh-CN" altLang="en-US" smtClean="0"/>
-              <a:t>2022/8/8</a:t>
             </a:fld>
             <a:endParaRPr lang="zh-CN" altLang="en-US"/>
           </a:p>
@@ -307,7 +290,6 @@
           <a:p>
             <a:fld id="{8D4E0FC9-F1F8-4FAE-9988-3BA365CFD46F}" type="slidenum">
               <a:rPr lang="zh-CN" altLang="en-US" smtClean="0"/>
-              <a:t>‹#›</a:t>
             </a:fld>
             <a:endParaRPr lang="zh-CN" altLang="en-US"/>
           </a:p>
@@ -401,7 +383,6 @@
           <a:p>
             <a:fld id="{631CA851-5859-4C71-A5BC-9312CA066417}" type="datetimeFigureOut">
               <a:rPr lang="zh-CN" altLang="en-US" smtClean="0"/>
-              <a:t>2022/8/8</a:t>
             </a:fld>
             <a:endParaRPr lang="zh-CN" altLang="en-US"/>
           </a:p>
@@ -468,6 +449,7 @@
               <a:rPr lang="zh-CN" altLang="en-US"/>
               <a:t>单击此处编辑母版文本样式</a:t>
             </a:r>
+            <a:endParaRPr lang="zh-CN" altLang="en-US"/>
           </a:p>
           <a:p>
             <a:pPr lvl="1"/>
@@ -475,6 +457,7 @@
               <a:rPr lang="zh-CN" altLang="en-US"/>
               <a:t>二级</a:t>
             </a:r>
+            <a:endParaRPr lang="zh-CN" altLang="en-US"/>
           </a:p>
           <a:p>
             <a:pPr lvl="2"/>
@@ -482,6 +465,7 @@
               <a:rPr lang="zh-CN" altLang="en-US"/>
               <a:t>三级</a:t>
             </a:r>
+            <a:endParaRPr lang="zh-CN" altLang="en-US"/>
           </a:p>
           <a:p>
             <a:pPr lvl="3"/>
@@ -489,6 +473,7 @@
               <a:rPr lang="zh-CN" altLang="en-US"/>
               <a:t>四级</a:t>
             </a:r>
+            <a:endParaRPr lang="zh-CN" altLang="en-US"/>
           </a:p>
           <a:p>
             <a:pPr lvl="4"/>
@@ -496,6 +481,7 @@
               <a:rPr lang="zh-CN" altLang="en-US"/>
               <a:t>五级</a:t>
             </a:r>
+            <a:endParaRPr lang="zh-CN" altLang="en-US"/>
           </a:p>
         </p:txBody>
       </p:sp>
@@ -559,7 +545,6 @@
           <a:p>
             <a:fld id="{AF8C07B3-4E1E-4A51-B69B-3A2834E3CE9F}" type="slidenum">
               <a:rPr lang="zh-CN" altLang="en-US" smtClean="0"/>
-              <a:t>‹#›</a:t>
             </a:fld>
             <a:endParaRPr lang="zh-CN" altLang="en-US"/>
           </a:p>
@@ -728,7 +713,6 @@
           <a:p>
             <a:fld id="{AD8D5771-48B1-44B1-A9D9-2C154B7BDF25}" type="slidenum">
               <a:rPr lang="zh-CN" altLang="en-US" smtClean="0"/>
-              <a:t>3</a:t>
             </a:fld>
             <a:endParaRPr lang="zh-CN" altLang="en-US"/>
           </a:p>
@@ -816,7 +800,6 @@
                   <a:prstClr val="black"/>
                 </a:solidFill>
               </a:rPr>
-              <a:t>14</a:t>
             </a:fld>
             <a:endParaRPr lang="zh-CN" altLang="en-US">
               <a:solidFill>
@@ -827,11 +810,6 @@
         </p:txBody>
       </p:sp>
     </p:spTree>
-    <p:extLst>
-      <p:ext uri="{BB962C8B-B14F-4D97-AF65-F5344CB8AC3E}">
-        <p14:creationId xmlns:p14="http://schemas.microsoft.com/office/powerpoint/2010/main" val="2196651616"/>
-      </p:ext>
-    </p:extLst>
   </p:cSld>
   <p:clrMapOvr>
     <a:masterClrMapping/>
@@ -913,7 +891,6 @@
                   <a:prstClr val="black"/>
                 </a:solidFill>
               </a:rPr>
-              <a:t>15</a:t>
             </a:fld>
             <a:endParaRPr lang="zh-CN" altLang="en-US">
               <a:solidFill>
@@ -924,11 +901,6 @@
         </p:txBody>
       </p:sp>
     </p:spTree>
-    <p:extLst>
-      <p:ext uri="{BB962C8B-B14F-4D97-AF65-F5344CB8AC3E}">
-        <p14:creationId xmlns:p14="http://schemas.microsoft.com/office/powerpoint/2010/main" val="2231507301"/>
-      </p:ext>
-    </p:extLst>
   </p:cSld>
   <p:clrMapOvr>
     <a:masterClrMapping/>
@@ -1010,7 +982,6 @@
                   <a:prstClr val="black"/>
                 </a:solidFill>
               </a:rPr>
-              <a:t>16</a:t>
             </a:fld>
             <a:endParaRPr lang="zh-CN" altLang="en-US">
               <a:solidFill>
@@ -1021,11 +992,6 @@
         </p:txBody>
       </p:sp>
     </p:spTree>
-    <p:extLst>
-      <p:ext uri="{BB962C8B-B14F-4D97-AF65-F5344CB8AC3E}">
-        <p14:creationId xmlns:p14="http://schemas.microsoft.com/office/powerpoint/2010/main" val="825046896"/>
-      </p:ext>
-    </p:extLst>
   </p:cSld>
   <p:clrMapOvr>
     <a:masterClrMapping/>
@@ -1107,7 +1073,6 @@
                   <a:prstClr val="black"/>
                 </a:solidFill>
               </a:rPr>
-              <a:t>17</a:t>
             </a:fld>
             <a:endParaRPr lang="zh-CN" altLang="en-US">
               <a:solidFill>
@@ -1118,11 +1083,6 @@
         </p:txBody>
       </p:sp>
     </p:spTree>
-    <p:extLst>
-      <p:ext uri="{BB962C8B-B14F-4D97-AF65-F5344CB8AC3E}">
-        <p14:creationId xmlns:p14="http://schemas.microsoft.com/office/powerpoint/2010/main" val="1423290339"/>
-      </p:ext>
-    </p:extLst>
   </p:cSld>
   <p:clrMapOvr>
     <a:masterClrMapping/>
@@ -1204,7 +1164,6 @@
                   <a:prstClr val="black"/>
                 </a:solidFill>
               </a:rPr>
-              <a:t>18</a:t>
             </a:fld>
             <a:endParaRPr lang="zh-CN" altLang="en-US">
               <a:solidFill>
@@ -1215,11 +1174,6 @@
         </p:txBody>
       </p:sp>
     </p:spTree>
-    <p:extLst>
-      <p:ext uri="{BB962C8B-B14F-4D97-AF65-F5344CB8AC3E}">
-        <p14:creationId xmlns:p14="http://schemas.microsoft.com/office/powerpoint/2010/main" val="239540450"/>
-      </p:ext>
-    </p:extLst>
   </p:cSld>
   <p:clrMapOvr>
     <a:masterClrMapping/>
@@ -1301,7 +1255,6 @@
                   <a:prstClr val="black"/>
                 </a:solidFill>
               </a:rPr>
-              <a:t>19</a:t>
             </a:fld>
             <a:endParaRPr lang="zh-CN" altLang="en-US">
               <a:solidFill>
@@ -1312,11 +1265,6 @@
         </p:txBody>
       </p:sp>
     </p:spTree>
-    <p:extLst>
-      <p:ext uri="{BB962C8B-B14F-4D97-AF65-F5344CB8AC3E}">
-        <p14:creationId xmlns:p14="http://schemas.microsoft.com/office/powerpoint/2010/main" val="2356198252"/>
-      </p:ext>
-    </p:extLst>
   </p:cSld>
   <p:clrMapOvr>
     <a:masterClrMapping/>
@@ -1398,7 +1346,6 @@
                   <a:prstClr val="black"/>
                 </a:solidFill>
               </a:rPr>
-              <a:t>21</a:t>
             </a:fld>
             <a:endParaRPr lang="zh-CN" altLang="en-US">
               <a:solidFill>
@@ -1490,7 +1437,6 @@
                   <a:prstClr val="black"/>
                 </a:solidFill>
               </a:rPr>
-              <a:t>23</a:t>
             </a:fld>
             <a:endParaRPr lang="zh-CN" altLang="en-US">
               <a:solidFill>
@@ -1582,7 +1528,6 @@
                   <a:prstClr val="black"/>
                 </a:solidFill>
               </a:rPr>
-              <a:t>25</a:t>
             </a:fld>
             <a:endParaRPr lang="zh-CN" altLang="en-US">
               <a:solidFill>
@@ -1674,7 +1619,6 @@
                   <a:prstClr val="black"/>
                 </a:solidFill>
               </a:rPr>
-              <a:t>27</a:t>
             </a:fld>
             <a:endParaRPr lang="zh-CN" altLang="en-US">
               <a:solidFill>
@@ -1766,7 +1710,6 @@
                   <a:prstClr val="black"/>
                 </a:solidFill>
               </a:rPr>
-              <a:t>5</a:t>
             </a:fld>
             <a:endParaRPr lang="zh-CN" altLang="en-US">
               <a:solidFill>
@@ -1858,7 +1801,6 @@
                   <a:prstClr val="black"/>
                 </a:solidFill>
               </a:rPr>
-              <a:t>7</a:t>
             </a:fld>
             <a:endParaRPr lang="zh-CN" altLang="en-US">
               <a:solidFill>
@@ -1950,7 +1892,6 @@
                   <a:prstClr val="black"/>
                 </a:solidFill>
               </a:rPr>
-              <a:t>8</a:t>
             </a:fld>
             <a:endParaRPr lang="zh-CN" altLang="en-US">
               <a:solidFill>
@@ -1961,11 +1902,6 @@
         </p:txBody>
       </p:sp>
     </p:spTree>
-    <p:extLst>
-      <p:ext uri="{BB962C8B-B14F-4D97-AF65-F5344CB8AC3E}">
-        <p14:creationId xmlns:p14="http://schemas.microsoft.com/office/powerpoint/2010/main" val="917381990"/>
-      </p:ext>
-    </p:extLst>
   </p:cSld>
   <p:clrMapOvr>
     <a:masterClrMapping/>
@@ -2047,7 +1983,6 @@
                   <a:prstClr val="black"/>
                 </a:solidFill>
               </a:rPr>
-              <a:t>9</a:t>
             </a:fld>
             <a:endParaRPr lang="zh-CN" altLang="en-US">
               <a:solidFill>
@@ -2058,11 +1993,6 @@
         </p:txBody>
       </p:sp>
     </p:spTree>
-    <p:extLst>
-      <p:ext uri="{BB962C8B-B14F-4D97-AF65-F5344CB8AC3E}">
-        <p14:creationId xmlns:p14="http://schemas.microsoft.com/office/powerpoint/2010/main" val="3888668886"/>
-      </p:ext>
-    </p:extLst>
   </p:cSld>
   <p:clrMapOvr>
     <a:masterClrMapping/>
@@ -2144,7 +2074,6 @@
                   <a:prstClr val="black"/>
                 </a:solidFill>
               </a:rPr>
-              <a:t>10</a:t>
             </a:fld>
             <a:endParaRPr lang="zh-CN" altLang="en-US">
               <a:solidFill>
@@ -2155,11 +2084,6 @@
         </p:txBody>
       </p:sp>
     </p:spTree>
-    <p:extLst>
-      <p:ext uri="{BB962C8B-B14F-4D97-AF65-F5344CB8AC3E}">
-        <p14:creationId xmlns:p14="http://schemas.microsoft.com/office/powerpoint/2010/main" val="933909157"/>
-      </p:ext>
-    </p:extLst>
   </p:cSld>
   <p:clrMapOvr>
     <a:masterClrMapping/>
@@ -2241,7 +2165,6 @@
                   <a:prstClr val="black"/>
                 </a:solidFill>
               </a:rPr>
-              <a:t>11</a:t>
             </a:fld>
             <a:endParaRPr lang="zh-CN" altLang="en-US">
               <a:solidFill>
@@ -2252,11 +2175,6 @@
         </p:txBody>
       </p:sp>
     </p:spTree>
-    <p:extLst>
-      <p:ext uri="{BB962C8B-B14F-4D97-AF65-F5344CB8AC3E}">
-        <p14:creationId xmlns:p14="http://schemas.microsoft.com/office/powerpoint/2010/main" val="2501360553"/>
-      </p:ext>
-    </p:extLst>
   </p:cSld>
   <p:clrMapOvr>
     <a:masterClrMapping/>
@@ -2338,7 +2256,6 @@
                   <a:prstClr val="black"/>
                 </a:solidFill>
               </a:rPr>
-              <a:t>12</a:t>
             </a:fld>
             <a:endParaRPr lang="zh-CN" altLang="en-US">
               <a:solidFill>
@@ -2349,11 +2266,6 @@
         </p:txBody>
       </p:sp>
     </p:spTree>
-    <p:extLst>
-      <p:ext uri="{BB962C8B-B14F-4D97-AF65-F5344CB8AC3E}">
-        <p14:creationId xmlns:p14="http://schemas.microsoft.com/office/powerpoint/2010/main" val="2114555293"/>
-      </p:ext>
-    </p:extLst>
   </p:cSld>
   <p:clrMapOvr>
     <a:masterClrMapping/>
@@ -2435,7 +2347,6 @@
                   <a:prstClr val="black"/>
                 </a:solidFill>
               </a:rPr>
-              <a:t>13</a:t>
             </a:fld>
             <a:endParaRPr lang="zh-CN" altLang="en-US">
               <a:solidFill>
@@ -2498,6 +2409,7 @@
               <a:rPr lang="zh-CN" altLang="en-US"/>
               <a:t>单击此处编辑母版标题样式</a:t>
             </a:r>
+            <a:endParaRPr lang="zh-CN" altLang="en-US"/>
           </a:p>
         </p:txBody>
       </p:sp>
@@ -2562,6 +2474,7 @@
               <a:rPr lang="zh-CN" altLang="en-US"/>
               <a:t>单击此处编辑母版副标题样式</a:t>
             </a:r>
+            <a:endParaRPr lang="zh-CN" altLang="en-US"/>
           </a:p>
         </p:txBody>
       </p:sp>
@@ -2582,7 +2495,6 @@
           <a:p>
             <a:fld id="{2925863B-284D-4CFC-85E6-03AE6B9EFE78}" type="datetimeFigureOut">
               <a:rPr lang="zh-CN" altLang="en-US" smtClean="0"/>
-              <a:t>2022/8/8</a:t>
             </a:fld>
             <a:endParaRPr lang="zh-CN" altLang="en-US"/>
           </a:p>
@@ -2624,7 +2536,6 @@
           <a:p>
             <a:fld id="{93A8C2F8-04E7-4CDC-B056-9C50B39EBB09}" type="slidenum">
               <a:rPr lang="zh-CN" altLang="en-US" smtClean="0"/>
-              <a:t>‹#›</a:t>
             </a:fld>
             <a:endParaRPr lang="zh-CN" altLang="en-US"/>
           </a:p>
@@ -3038,6 +2949,7 @@
               <a:rPr lang="zh-CN" altLang="en-US"/>
               <a:t>单击此处编辑母版标题样式</a:t>
             </a:r>
+            <a:endParaRPr lang="zh-CN" altLang="en-US"/>
           </a:p>
         </p:txBody>
       </p:sp>
@@ -3058,7 +2970,6 @@
           <a:p>
             <a:fld id="{2925863B-284D-4CFC-85E6-03AE6B9EFE78}" type="datetimeFigureOut">
               <a:rPr lang="zh-CN" altLang="en-US" smtClean="0"/>
-              <a:t>2022/8/8</a:t>
             </a:fld>
             <a:endParaRPr lang="zh-CN" altLang="en-US"/>
           </a:p>
@@ -3100,7 +3011,6 @@
           <a:p>
             <a:fld id="{93A8C2F8-04E7-4CDC-B056-9C50B39EBB09}" type="slidenum">
               <a:rPr lang="zh-CN" altLang="en-US" smtClean="0"/>
-              <a:t>‹#›</a:t>
             </a:fld>
             <a:endParaRPr lang="zh-CN" altLang="en-US"/>
           </a:p>
@@ -3148,7 +3058,6 @@
           <a:p>
             <a:fld id="{2925863B-284D-4CFC-85E6-03AE6B9EFE78}" type="datetimeFigureOut">
               <a:rPr lang="zh-CN" altLang="en-US" smtClean="0"/>
-              <a:t>2022/8/8</a:t>
             </a:fld>
             <a:endParaRPr lang="zh-CN" altLang="en-US"/>
           </a:p>
@@ -3190,7 +3099,6 @@
           <a:p>
             <a:fld id="{93A8C2F8-04E7-4CDC-B056-9C50B39EBB09}" type="slidenum">
               <a:rPr lang="zh-CN" altLang="en-US" smtClean="0"/>
-              <a:t>‹#›</a:t>
             </a:fld>
             <a:endParaRPr lang="zh-CN" altLang="en-US"/>
           </a:p>
@@ -3249,6 +3157,7 @@
               <a:rPr lang="zh-CN" altLang="en-US"/>
               <a:t>单击此处编辑母版标题样式</a:t>
             </a:r>
+            <a:endParaRPr lang="zh-CN" altLang="en-US"/>
           </a:p>
         </p:txBody>
       </p:sp>
@@ -3305,6 +3214,7 @@
               <a:rPr lang="zh-CN" altLang="en-US"/>
               <a:t>单击此处编辑母版文本样式</a:t>
             </a:r>
+            <a:endParaRPr lang="zh-CN" altLang="en-US"/>
           </a:p>
           <a:p>
             <a:pPr lvl="1"/>
@@ -3312,6 +3222,7 @@
               <a:rPr lang="zh-CN" altLang="en-US"/>
               <a:t>二级</a:t>
             </a:r>
+            <a:endParaRPr lang="zh-CN" altLang="en-US"/>
           </a:p>
           <a:p>
             <a:pPr lvl="2"/>
@@ -3319,6 +3230,7 @@
               <a:rPr lang="zh-CN" altLang="en-US"/>
               <a:t>三级</a:t>
             </a:r>
+            <a:endParaRPr lang="zh-CN" altLang="en-US"/>
           </a:p>
           <a:p>
             <a:pPr lvl="3"/>
@@ -3326,6 +3238,7 @@
               <a:rPr lang="zh-CN" altLang="en-US"/>
               <a:t>四级</a:t>
             </a:r>
+            <a:endParaRPr lang="zh-CN" altLang="en-US"/>
           </a:p>
           <a:p>
             <a:pPr lvl="4"/>
@@ -3333,6 +3246,7 @@
               <a:rPr lang="zh-CN" altLang="en-US"/>
               <a:t>五级</a:t>
             </a:r>
+            <a:endParaRPr lang="zh-CN" altLang="en-US"/>
           </a:p>
         </p:txBody>
       </p:sp>
@@ -3398,6 +3312,7 @@
               <a:rPr lang="zh-CN" altLang="en-US"/>
               <a:t>单击此处编辑母版文本样式</a:t>
             </a:r>
+            <a:endParaRPr lang="zh-CN" altLang="en-US"/>
           </a:p>
         </p:txBody>
       </p:sp>
@@ -3418,7 +3333,6 @@
           <a:p>
             <a:fld id="{2925863B-284D-4CFC-85E6-03AE6B9EFE78}" type="datetimeFigureOut">
               <a:rPr lang="zh-CN" altLang="en-US" smtClean="0"/>
-              <a:t>2022/8/8</a:t>
             </a:fld>
             <a:endParaRPr lang="zh-CN" altLang="en-US"/>
           </a:p>
@@ -3460,7 +3374,6 @@
           <a:p>
             <a:fld id="{93A8C2F8-04E7-4CDC-B056-9C50B39EBB09}" type="slidenum">
               <a:rPr lang="zh-CN" altLang="en-US" smtClean="0"/>
-              <a:t>‹#›</a:t>
             </a:fld>
             <a:endParaRPr lang="zh-CN" altLang="en-US"/>
           </a:p>
@@ -3519,6 +3432,7 @@
               <a:rPr lang="zh-CN" altLang="en-US"/>
               <a:t>单击此处编辑母版标题样式</a:t>
             </a:r>
+            <a:endParaRPr lang="zh-CN" altLang="en-US"/>
           </a:p>
         </p:txBody>
       </p:sp>
@@ -3645,6 +3559,7 @@
               <a:rPr lang="zh-CN" altLang="en-US"/>
               <a:t>单击此处编辑母版文本样式</a:t>
             </a:r>
+            <a:endParaRPr lang="zh-CN" altLang="en-US"/>
           </a:p>
         </p:txBody>
       </p:sp>
@@ -3665,7 +3580,6 @@
           <a:p>
             <a:fld id="{2925863B-284D-4CFC-85E6-03AE6B9EFE78}" type="datetimeFigureOut">
               <a:rPr lang="zh-CN" altLang="en-US" smtClean="0"/>
-              <a:t>2022/8/8</a:t>
             </a:fld>
             <a:endParaRPr lang="zh-CN" altLang="en-US"/>
           </a:p>
@@ -3707,7 +3621,6 @@
           <a:p>
             <a:fld id="{93A8C2F8-04E7-4CDC-B056-9C50B39EBB09}" type="slidenum">
               <a:rPr lang="zh-CN" altLang="en-US" smtClean="0"/>
-              <a:t>‹#›</a:t>
             </a:fld>
             <a:endParaRPr lang="zh-CN" altLang="en-US"/>
           </a:p>
@@ -3826,6 +3739,7 @@
               <a:rPr lang="zh-CN" altLang="en-US"/>
               <a:t>单击此处编辑母版标题样式</a:t>
             </a:r>
+            <a:endParaRPr lang="zh-CN" altLang="en-US"/>
           </a:p>
         </p:txBody>
       </p:sp>
@@ -3849,6 +3763,7 @@
               <a:rPr lang="zh-CN" altLang="en-US"/>
               <a:t>单击此处编辑母版文本样式</a:t>
             </a:r>
+            <a:endParaRPr lang="zh-CN" altLang="en-US"/>
           </a:p>
           <a:p>
             <a:pPr lvl="1"/>
@@ -3856,6 +3771,7 @@
               <a:rPr lang="zh-CN" altLang="en-US"/>
               <a:t>二级</a:t>
             </a:r>
+            <a:endParaRPr lang="zh-CN" altLang="en-US"/>
           </a:p>
           <a:p>
             <a:pPr lvl="2"/>
@@ -3863,6 +3779,7 @@
               <a:rPr lang="zh-CN" altLang="en-US"/>
               <a:t>三级</a:t>
             </a:r>
+            <a:endParaRPr lang="zh-CN" altLang="en-US"/>
           </a:p>
           <a:p>
             <a:pPr lvl="3"/>
@@ -3870,6 +3787,7 @@
               <a:rPr lang="zh-CN" altLang="en-US"/>
               <a:t>四级</a:t>
             </a:r>
+            <a:endParaRPr lang="zh-CN" altLang="en-US"/>
           </a:p>
           <a:p>
             <a:pPr lvl="4"/>
@@ -3877,6 +3795,7 @@
               <a:rPr lang="zh-CN" altLang="en-US"/>
               <a:t>五级</a:t>
             </a:r>
+            <a:endParaRPr lang="zh-CN" altLang="en-US"/>
           </a:p>
         </p:txBody>
       </p:sp>
@@ -3897,7 +3816,6 @@
           <a:p>
             <a:fld id="{2925863B-284D-4CFC-85E6-03AE6B9EFE78}" type="datetimeFigureOut">
               <a:rPr lang="zh-CN" altLang="en-US" smtClean="0"/>
-              <a:t>2022/8/8</a:t>
             </a:fld>
             <a:endParaRPr lang="zh-CN" altLang="en-US"/>
           </a:p>
@@ -3939,7 +3857,6 @@
           <a:p>
             <a:fld id="{93A8C2F8-04E7-4CDC-B056-9C50B39EBB09}" type="slidenum">
               <a:rPr lang="zh-CN" altLang="en-US" smtClean="0"/>
-              <a:t>‹#›</a:t>
             </a:fld>
             <a:endParaRPr lang="zh-CN" altLang="en-US"/>
           </a:p>
@@ -3994,6 +3911,7 @@
               <a:rPr lang="zh-CN" altLang="en-US"/>
               <a:t>单击此处编辑母版标题样式</a:t>
             </a:r>
+            <a:endParaRPr lang="zh-CN" altLang="en-US"/>
           </a:p>
         </p:txBody>
       </p:sp>
@@ -4022,6 +3940,7 @@
               <a:rPr lang="zh-CN" altLang="en-US"/>
               <a:t>单击此处编辑母版文本样式</a:t>
             </a:r>
+            <a:endParaRPr lang="zh-CN" altLang="en-US"/>
           </a:p>
           <a:p>
             <a:pPr lvl="1"/>
@@ -4029,6 +3948,7 @@
               <a:rPr lang="zh-CN" altLang="en-US"/>
               <a:t>二级</a:t>
             </a:r>
+            <a:endParaRPr lang="zh-CN" altLang="en-US"/>
           </a:p>
           <a:p>
             <a:pPr lvl="2"/>
@@ -4036,6 +3956,7 @@
               <a:rPr lang="zh-CN" altLang="en-US"/>
               <a:t>三级</a:t>
             </a:r>
+            <a:endParaRPr lang="zh-CN" altLang="en-US"/>
           </a:p>
           <a:p>
             <a:pPr lvl="3"/>
@@ -4043,6 +3964,7 @@
               <a:rPr lang="zh-CN" altLang="en-US"/>
               <a:t>四级</a:t>
             </a:r>
+            <a:endParaRPr lang="zh-CN" altLang="en-US"/>
           </a:p>
           <a:p>
             <a:pPr lvl="4"/>
@@ -4050,6 +3972,7 @@
               <a:rPr lang="zh-CN" altLang="en-US"/>
               <a:t>五级</a:t>
             </a:r>
+            <a:endParaRPr lang="zh-CN" altLang="en-US"/>
           </a:p>
         </p:txBody>
       </p:sp>
@@ -4070,7 +3993,6 @@
           <a:p>
             <a:fld id="{2925863B-284D-4CFC-85E6-03AE6B9EFE78}" type="datetimeFigureOut">
               <a:rPr lang="zh-CN" altLang="en-US" smtClean="0"/>
-              <a:t>2022/8/8</a:t>
             </a:fld>
             <a:endParaRPr lang="zh-CN" altLang="en-US"/>
           </a:p>
@@ -4112,7 +4034,6 @@
           <a:p>
             <a:fld id="{93A8C2F8-04E7-4CDC-B056-9C50B39EBB09}" type="slidenum">
               <a:rPr lang="zh-CN" altLang="en-US" smtClean="0"/>
-              <a:t>‹#›</a:t>
             </a:fld>
             <a:endParaRPr lang="zh-CN" altLang="en-US"/>
           </a:p>
@@ -4263,6 +4184,15 @@
               </a:rPr>
               <a:t>Chineyan of CAS</a:t>
             </a:r>
+            <a:endParaRPr lang="en-US" altLang="zh-CN" sz="1200" cap="all" spc="300" dirty="0">
+              <a:solidFill>
+                <a:srgbClr val="D9B44F"/>
+              </a:solidFill>
+              <a:uFillTx/>
+              <a:latin typeface="Arial" panose="020B0604020202020204" pitchFamily="34" charset="0"/>
+              <a:ea typeface="思源黑体 CN Heavy" panose="020B0A00000000000000" pitchFamily="34" charset="-122"/>
+              <a:cs typeface="Arial" panose="020B0604020202020204" pitchFamily="34" charset="0"/>
+            </a:endParaRPr>
           </a:p>
         </p:txBody>
       </p:sp>
@@ -4634,6 +4564,15 @@
               </a:rPr>
               <a:t>司</a:t>
             </a:r>
+            <a:endParaRPr lang="zh-CN" altLang="en-US" sz="800">
+              <a:solidFill>
+                <a:schemeClr val="bg1">
+                  <a:lumMod val="75000"/>
+                </a:schemeClr>
+              </a:solidFill>
+              <a:latin typeface="微软雅黑" panose="020B0503020204020204" pitchFamily="34" charset="-122"/>
+              <a:ea typeface="微软雅黑" panose="020B0503020204020204" pitchFamily="34" charset="-122"/>
+            </a:endParaRPr>
           </a:p>
         </p:txBody>
       </p:sp>
@@ -5006,6 +4945,7 @@
               <a:rPr lang="en-US"/>
               <a:t>CLICK TO EDIT MASTER TITLE STYLE</a:t>
             </a:r>
+            <a:endParaRPr lang="en-US"/>
           </a:p>
         </p:txBody>
       </p:sp>
@@ -5034,7 +4974,6 @@
           <a:p>
             <a:fld id="{F68C8532-35DB-409E-A833-97770FF9303E}" type="datetime1">
               <a:rPr lang="en-US" smtClean="0"/>
-              <a:t>8/8/2022</a:t>
             </a:fld>
             <a:endParaRPr lang="en-US"/>
           </a:p>
@@ -5082,13 +5021,13 @@
   <p:clrMapOvr>
     <a:masterClrMapping/>
   </p:clrMapOvr>
-  <mc:AlternateContent xmlns:mc="http://schemas.openxmlformats.org/markup-compatibility/2006" xmlns:p14="http://schemas.microsoft.com/office/powerpoint/2010/main">
-    <mc:Choice Requires="p14">
+  <mc:AlternateContent xmlns:mc="http://schemas.openxmlformats.org/markup-compatibility/2006">
+    <mc:Choice xmlns:p14="http://schemas.microsoft.com/office/powerpoint/2010/main" Requires="p14">
       <p:transition spd="med" p14:dur="700">
         <p:fade/>
       </p:transition>
     </mc:Choice>
-    <mc:Fallback xmlns="">
+    <mc:Fallback>
       <p:transition spd="med">
         <p:fade/>
       </p:transition>
@@ -5521,6 +5460,7 @@
               <a:rPr lang="zh-CN" altLang="en-US"/>
               <a:t>单击此处编辑母版标题样式</a:t>
             </a:r>
+            <a:endParaRPr lang="zh-CN" altLang="en-US"/>
           </a:p>
         </p:txBody>
       </p:sp>
@@ -5554,6 +5494,7 @@
               <a:rPr lang="zh-CN" altLang="en-US"/>
               <a:t>单击此处编辑母版文本样式</a:t>
             </a:r>
+            <a:endParaRPr lang="zh-CN" altLang="en-US"/>
           </a:p>
           <a:p>
             <a:pPr lvl="1"/>
@@ -5561,6 +5502,7 @@
               <a:rPr lang="zh-CN" altLang="en-US"/>
               <a:t>二级</a:t>
             </a:r>
+            <a:endParaRPr lang="zh-CN" altLang="en-US"/>
           </a:p>
           <a:p>
             <a:pPr lvl="2"/>
@@ -5568,6 +5510,7 @@
               <a:rPr lang="zh-CN" altLang="en-US"/>
               <a:t>三级</a:t>
             </a:r>
+            <a:endParaRPr lang="zh-CN" altLang="en-US"/>
           </a:p>
           <a:p>
             <a:pPr lvl="3"/>
@@ -5575,6 +5518,7 @@
               <a:rPr lang="zh-CN" altLang="en-US"/>
               <a:t>四级</a:t>
             </a:r>
+            <a:endParaRPr lang="zh-CN" altLang="en-US"/>
           </a:p>
           <a:p>
             <a:pPr lvl="4"/>
@@ -5582,6 +5526,7 @@
               <a:rPr lang="zh-CN" altLang="en-US"/>
               <a:t>五级</a:t>
             </a:r>
+            <a:endParaRPr lang="zh-CN" altLang="en-US"/>
           </a:p>
         </p:txBody>
       </p:sp>
@@ -5620,7 +5565,6 @@
           <a:p>
             <a:fld id="{2925863B-284D-4CFC-85E6-03AE6B9EFE78}" type="datetimeFigureOut">
               <a:rPr lang="zh-CN" altLang="en-US" smtClean="0"/>
-              <a:t>2022/8/8</a:t>
             </a:fld>
             <a:endParaRPr lang="zh-CN" altLang="en-US"/>
           </a:p>
@@ -5698,7 +5642,6 @@
           <a:p>
             <a:fld id="{93A8C2F8-04E7-4CDC-B056-9C50B39EBB09}" type="slidenum">
               <a:rPr lang="zh-CN" altLang="en-US" smtClean="0"/>
-              <a:t>‹#›</a:t>
             </a:fld>
             <a:endParaRPr lang="zh-CN" altLang="en-US"/>
           </a:p>
@@ -6047,7 +5990,11 @@
           <p:cNvPicPr>
             <a:picLocks noChangeAspect="1"/>
           </p:cNvPicPr>
-          <p:nvPr/>
+          <p:nvPr>
+            <p:custDataLst>
+              <p:tags r:id="rId1"/>
+            </p:custDataLst>
+          </p:nvPr>
         </p:nvPicPr>
         <p:blipFill>
           <a:blip r:embed="rId2">
@@ -6076,13 +6023,13 @@
   <p:clrMapOvr>
     <a:masterClrMapping/>
   </p:clrMapOvr>
-  <mc:AlternateContent xmlns:mc="http://schemas.openxmlformats.org/markup-compatibility/2006" xmlns:p14="http://schemas.microsoft.com/office/powerpoint/2010/main">
-    <mc:Choice Requires="p14">
+  <mc:AlternateContent xmlns:mc="http://schemas.openxmlformats.org/markup-compatibility/2006">
+    <mc:Choice xmlns:p14="http://schemas.microsoft.com/office/powerpoint/2010/main" Requires="p14">
       <p:transition spd="slow" p14:dur="3400">
         <p14:reveal/>
       </p:transition>
     </mc:Choice>
-    <mc:Fallback xmlns="">
+    <mc:Fallback>
       <p:transition spd="slow">
         <p:fade/>
       </p:transition>
@@ -6139,898 +6086,12 @@
               </a:rPr>
               <a:t>工作总结</a:t>
             </a:r>
-          </a:p>
-        </p:txBody>
-      </p:sp>
-      <p:sp>
-        <p:nvSpPr>
-          <p:cNvPr id="44" name="文本框 146"/>
-          <p:cNvSpPr txBox="1"/>
-          <p:nvPr/>
-        </p:nvSpPr>
-        <p:spPr>
-          <a:xfrm>
-            <a:off x="915035" y="1696720"/>
-            <a:ext cx="4883150" cy="1303655"/>
-          </a:xfrm>
-          <a:prstGeom prst="rect">
-            <a:avLst/>
-          </a:prstGeom>
-          <a:noFill/>
-          <a:ln w="9525">
-            <a:noFill/>
-            <a:miter lim="800000"/>
-          </a:ln>
-          <a:extLst>
-            <a:ext uri="{909E8E84-426E-40DD-AFC4-6F175D3DCCD1}">
-              <a14:hiddenFill xmlns:a14="http://schemas.microsoft.com/office/drawing/2010/main">
-                <a:solidFill>
-                  <a:srgbClr val="FFFFFF"/>
-                </a:solidFill>
-              </a14:hiddenFill>
-            </a:ext>
-          </a:extLst>
-        </p:spPr>
-        <p:txBody>
-          <a:bodyPr lIns="135785" tIns="67891" rIns="135785" bIns="67891">
-            <a:noAutofit/>
-          </a:bodyPr>
-          <a:lstStyle>
-            <a:defPPr>
-              <a:defRPr lang="zh-CN"/>
-            </a:defPPr>
-            <a:lvl1pPr fontAlgn="base">
-              <a:lnSpc>
-                <a:spcPct val="110000"/>
-              </a:lnSpc>
-              <a:spcBef>
-                <a:spcPct val="0"/>
-              </a:spcBef>
-              <a:spcAft>
-                <a:spcPct val="0"/>
-              </a:spcAft>
-              <a:defRPr sz="1400">
-                <a:solidFill>
-                  <a:prstClr val="black">
-                    <a:lumMod val="50000"/>
-                    <a:lumOff val="50000"/>
-                  </a:prstClr>
-                </a:solidFill>
-                <a:latin typeface="Arial" panose="020B0604020202020204"/>
-                <a:cs typeface="+mn-ea"/>
-              </a:defRPr>
-            </a:lvl1pPr>
-            <a:lvl2pPr marL="457200" fontAlgn="base">
-              <a:spcBef>
-                <a:spcPct val="0"/>
-              </a:spcBef>
-              <a:spcAft>
-                <a:spcPct val="0"/>
-              </a:spcAft>
-              <a:defRPr>
-                <a:latin typeface="Calibri" panose="020F0502020204030204" pitchFamily="34" charset="0"/>
-                <a:cs typeface="Arial" panose="020B0604020202020204" pitchFamily="34" charset="0"/>
-              </a:defRPr>
-            </a:lvl2pPr>
-            <a:lvl3pPr marL="914400" fontAlgn="base">
-              <a:spcBef>
-                <a:spcPct val="0"/>
-              </a:spcBef>
-              <a:spcAft>
-                <a:spcPct val="0"/>
-              </a:spcAft>
-              <a:defRPr>
-                <a:latin typeface="Calibri" panose="020F0502020204030204" pitchFamily="34" charset="0"/>
-                <a:cs typeface="Arial" panose="020B0604020202020204" pitchFamily="34" charset="0"/>
-              </a:defRPr>
-            </a:lvl3pPr>
-            <a:lvl4pPr marL="1371600" fontAlgn="base">
-              <a:spcBef>
-                <a:spcPct val="0"/>
-              </a:spcBef>
-              <a:spcAft>
-                <a:spcPct val="0"/>
-              </a:spcAft>
-              <a:defRPr>
-                <a:latin typeface="Calibri" panose="020F0502020204030204" pitchFamily="34" charset="0"/>
-                <a:cs typeface="Arial" panose="020B0604020202020204" pitchFamily="34" charset="0"/>
-              </a:defRPr>
-            </a:lvl4pPr>
-            <a:lvl5pPr marL="1828800" fontAlgn="base">
-              <a:spcBef>
-                <a:spcPct val="0"/>
-              </a:spcBef>
-              <a:spcAft>
-                <a:spcPct val="0"/>
-              </a:spcAft>
-              <a:defRPr>
-                <a:latin typeface="Calibri" panose="020F0502020204030204" pitchFamily="34" charset="0"/>
-                <a:cs typeface="Arial" panose="020B0604020202020204" pitchFamily="34" charset="0"/>
-              </a:defRPr>
-            </a:lvl5pPr>
-            <a:lvl6pPr marL="2286000" defTabSz="914400">
-              <a:defRPr>
-                <a:latin typeface="Calibri" panose="020F0502020204030204" pitchFamily="34" charset="0"/>
-                <a:cs typeface="Arial" panose="020B0604020202020204" pitchFamily="34" charset="0"/>
-              </a:defRPr>
-            </a:lvl6pPr>
-            <a:lvl7pPr marL="2743200" defTabSz="914400">
-              <a:defRPr>
-                <a:latin typeface="Calibri" panose="020F0502020204030204" pitchFamily="34" charset="0"/>
-                <a:cs typeface="Arial" panose="020B0604020202020204" pitchFamily="34" charset="0"/>
-              </a:defRPr>
-            </a:lvl7pPr>
-            <a:lvl8pPr marL="3200400" defTabSz="914400">
-              <a:defRPr>
-                <a:latin typeface="Calibri" panose="020F0502020204030204" pitchFamily="34" charset="0"/>
-                <a:cs typeface="Arial" panose="020B0604020202020204" pitchFamily="34" charset="0"/>
-              </a:defRPr>
-            </a:lvl8pPr>
-            <a:lvl9pPr marL="3657600" defTabSz="914400">
-              <a:defRPr>
-                <a:latin typeface="Calibri" panose="020F0502020204030204" pitchFamily="34" charset="0"/>
-                <a:cs typeface="Arial" panose="020B0604020202020204" pitchFamily="34" charset="0"/>
-              </a:defRPr>
-            </a:lvl9pPr>
-          </a:lstStyle>
-          <a:p>
-            <a:endParaRPr lang="zh-CN" altLang="en-US" sz="1800" b="1" dirty="0">
+            <a:endParaRPr lang="zh-CN" altLang="en-US" sz="2800" b="1" dirty="0">
               <a:solidFill>
-                <a:prstClr val="black">
-                  <a:lumMod val="50000"/>
-                  <a:lumOff val="50000"/>
-                </a:prstClr>
-              </a:solidFill>
-              <a:effectLst>
-                <a:outerShdw blurRad="38100" dist="38100" dir="2700000" algn="tl">
-                  <a:srgbClr val="000000">
-                    <a:alpha val="30000"/>
-                  </a:srgbClr>
-                </a:outerShdw>
-              </a:effectLst>
-              <a:uFillTx/>
-              <a:latin typeface="华文中宋" panose="02010600040101010101" charset="-122"/>
-              <a:ea typeface="华文中宋" panose="02010600040101010101" charset="-122"/>
-              <a:cs typeface="Arial" panose="020B0604020202020204" pitchFamily="34" charset="0"/>
-            </a:endParaRPr>
-          </a:p>
-        </p:txBody>
-      </p:sp>
-      <p:sp>
-        <p:nvSpPr>
-          <p:cNvPr id="45" name="文本框 145"/>
-          <p:cNvSpPr txBox="1"/>
-          <p:nvPr/>
-        </p:nvSpPr>
-        <p:spPr>
-          <a:xfrm>
-            <a:off x="643255" y="1905952"/>
-            <a:ext cx="4653280" cy="2922905"/>
-          </a:xfrm>
-          <a:prstGeom prst="rect">
-            <a:avLst/>
-          </a:prstGeom>
-          <a:noFill/>
-          <a:ln>
-            <a:noFill/>
-          </a:ln>
-        </p:spPr>
-        <p:style>
-          <a:lnRef idx="2">
-            <a:schemeClr val="accent1">
-              <a:shade val="50000"/>
-            </a:schemeClr>
-          </a:lnRef>
-          <a:fillRef idx="1">
-            <a:schemeClr val="accent1"/>
-          </a:fillRef>
-          <a:effectRef idx="0">
-            <a:schemeClr val="accent1"/>
-          </a:effectRef>
-          <a:fontRef idx="minor">
-            <a:schemeClr val="lt1"/>
-          </a:fontRef>
-        </p:style>
-        <p:txBody>
-          <a:bodyPr wrap="square" lIns="178172" tIns="0" rIns="178172" bIns="0" rtlCol="0" anchor="t">
-            <a:noAutofit/>
-          </a:bodyPr>
-          <a:lstStyle>
-            <a:defPPr>
-              <a:defRPr lang="zh-CN"/>
-            </a:defPPr>
-            <a:lvl1pPr marL="285750" indent="-285750">
-              <a:lnSpc>
-                <a:spcPct val="120000"/>
-              </a:lnSpc>
-              <a:buClr>
-                <a:schemeClr val="accent1"/>
-              </a:buClr>
-              <a:buFont typeface="Wingdings" panose="05000000000000000000" pitchFamily="2" charset="2"/>
-              <a:buChar char="n"/>
-              <a:defRPr sz="1800" b="1">
-                <a:solidFill>
-                  <a:schemeClr val="bg1">
-                    <a:lumMod val="50000"/>
-                  </a:schemeClr>
-                </a:solidFill>
-                <a:cs typeface="+mn-ea"/>
-              </a:defRPr>
-            </a:lvl1pPr>
-            <a:lvl2pPr>
-              <a:defRPr>
-                <a:solidFill>
-                  <a:schemeClr val="lt1"/>
-                </a:solidFill>
-              </a:defRPr>
-            </a:lvl2pPr>
-            <a:lvl3pPr>
-              <a:defRPr>
-                <a:solidFill>
-                  <a:schemeClr val="lt1"/>
-                </a:solidFill>
-              </a:defRPr>
-            </a:lvl3pPr>
-            <a:lvl4pPr>
-              <a:defRPr>
-                <a:solidFill>
-                  <a:schemeClr val="lt1"/>
-                </a:solidFill>
-              </a:defRPr>
-            </a:lvl4pPr>
-            <a:lvl5pPr>
-              <a:defRPr>
-                <a:solidFill>
-                  <a:schemeClr val="lt1"/>
-                </a:solidFill>
-              </a:defRPr>
-            </a:lvl5pPr>
-            <a:lvl6pPr>
-              <a:defRPr>
-                <a:solidFill>
-                  <a:schemeClr val="lt1"/>
-                </a:solidFill>
-              </a:defRPr>
-            </a:lvl6pPr>
-            <a:lvl7pPr>
-              <a:defRPr>
-                <a:solidFill>
-                  <a:schemeClr val="lt1"/>
-                </a:solidFill>
-              </a:defRPr>
-            </a:lvl7pPr>
-            <a:lvl8pPr>
-              <a:defRPr>
-                <a:solidFill>
-                  <a:schemeClr val="lt1"/>
-                </a:solidFill>
-              </a:defRPr>
-            </a:lvl8pPr>
-            <a:lvl9pPr>
-              <a:defRPr>
-                <a:solidFill>
-                  <a:schemeClr val="lt1"/>
-                </a:solidFill>
-              </a:defRPr>
-            </a:lvl9pPr>
-          </a:lstStyle>
-          <a:p>
-            <a:pPr marL="0" indent="0">
-              <a:buClr>
-                <a:srgbClr val="C00000"/>
-              </a:buClr>
-              <a:buNone/>
-            </a:pPr>
-            <a:r>
-              <a:rPr lang="en-US" altLang="zh-CN" dirty="0">
-                <a:solidFill>
-                  <a:schemeClr val="tx1">
-                    <a:lumMod val="65000"/>
-                    <a:lumOff val="35000"/>
-                  </a:schemeClr>
-                </a:solidFill>
-                <a:ea typeface="思源黑体 CN Heavy" panose="020B0A00000000000000" pitchFamily="34" charset="-122"/>
-              </a:rPr>
-              <a:t>1. </a:t>
-            </a:r>
-            <a:r>
-              <a:rPr lang="zh-CN" altLang="en-US" dirty="0">
-                <a:solidFill>
-                  <a:schemeClr val="tx1">
-                    <a:lumMod val="65000"/>
-                    <a:lumOff val="35000"/>
-                  </a:schemeClr>
-                </a:solidFill>
-                <a:ea typeface="思源黑体 CN Heavy" panose="020B0A00000000000000" pitchFamily="34" charset="-122"/>
-              </a:rPr>
-              <a:t>完成操作审计的模块和分类的书写</a:t>
-            </a:r>
-            <a:endParaRPr lang="en-US" altLang="zh-CN" dirty="0">
-              <a:solidFill>
-                <a:schemeClr val="tx1">
-                  <a:lumMod val="65000"/>
-                  <a:lumOff val="35000"/>
-                </a:schemeClr>
+                <a:schemeClr val="bg1"/>
               </a:solidFill>
               <a:ea typeface="思源黑体 CN Heavy" panose="020B0A00000000000000" pitchFamily="34" charset="-122"/>
             </a:endParaRPr>
-          </a:p>
-        </p:txBody>
-      </p:sp>
-      <p:sp>
-        <p:nvSpPr>
-          <p:cNvPr id="37" name="文本框 145"/>
-          <p:cNvSpPr txBox="1"/>
-          <p:nvPr/>
-        </p:nvSpPr>
-        <p:spPr>
-          <a:xfrm>
-            <a:off x="732347" y="3000062"/>
-            <a:ext cx="2352000" cy="413563"/>
-          </a:xfrm>
-          <a:prstGeom prst="rect">
-            <a:avLst/>
-          </a:prstGeom>
-          <a:noFill/>
-          <a:ln>
-            <a:noFill/>
-          </a:ln>
-        </p:spPr>
-        <p:style>
-          <a:lnRef idx="2">
-            <a:schemeClr val="accent1">
-              <a:shade val="50000"/>
-            </a:schemeClr>
-          </a:lnRef>
-          <a:fillRef idx="1">
-            <a:schemeClr val="accent1"/>
-          </a:fillRef>
-          <a:effectRef idx="0">
-            <a:schemeClr val="accent1"/>
-          </a:effectRef>
-          <a:fontRef idx="minor">
-            <a:schemeClr val="lt1"/>
-          </a:fontRef>
-        </p:style>
-        <p:txBody>
-          <a:bodyPr wrap="square" lIns="178172" tIns="0" rIns="178172" bIns="0" rtlCol="0" anchor="t">
-            <a:noAutofit/>
-          </a:bodyPr>
-          <a:lstStyle>
-            <a:defPPr>
-              <a:defRPr lang="zh-CN"/>
-            </a:defPPr>
-            <a:lvl1pPr marL="285750" indent="-285750">
-              <a:lnSpc>
-                <a:spcPct val="120000"/>
-              </a:lnSpc>
-              <a:buClr>
-                <a:schemeClr val="accent1"/>
-              </a:buClr>
-              <a:buFont typeface="Wingdings" panose="05000000000000000000" pitchFamily="2" charset="2"/>
-              <a:buChar char="n"/>
-              <a:defRPr sz="1800" b="1">
-                <a:solidFill>
-                  <a:schemeClr val="bg1">
-                    <a:lumMod val="50000"/>
-                  </a:schemeClr>
-                </a:solidFill>
-                <a:cs typeface="+mn-ea"/>
-              </a:defRPr>
-            </a:lvl1pPr>
-            <a:lvl2pPr>
-              <a:defRPr>
-                <a:solidFill>
-                  <a:schemeClr val="lt1"/>
-                </a:solidFill>
-              </a:defRPr>
-            </a:lvl2pPr>
-            <a:lvl3pPr>
-              <a:defRPr>
-                <a:solidFill>
-                  <a:schemeClr val="lt1"/>
-                </a:solidFill>
-              </a:defRPr>
-            </a:lvl3pPr>
-            <a:lvl4pPr>
-              <a:defRPr>
-                <a:solidFill>
-                  <a:schemeClr val="lt1"/>
-                </a:solidFill>
-              </a:defRPr>
-            </a:lvl4pPr>
-            <a:lvl5pPr>
-              <a:defRPr>
-                <a:solidFill>
-                  <a:schemeClr val="lt1"/>
-                </a:solidFill>
-              </a:defRPr>
-            </a:lvl5pPr>
-            <a:lvl6pPr>
-              <a:defRPr>
-                <a:solidFill>
-                  <a:schemeClr val="lt1"/>
-                </a:solidFill>
-              </a:defRPr>
-            </a:lvl6pPr>
-            <a:lvl7pPr>
-              <a:defRPr>
-                <a:solidFill>
-                  <a:schemeClr val="lt1"/>
-                </a:solidFill>
-              </a:defRPr>
-            </a:lvl7pPr>
-            <a:lvl8pPr>
-              <a:defRPr>
-                <a:solidFill>
-                  <a:schemeClr val="lt1"/>
-                </a:solidFill>
-              </a:defRPr>
-            </a:lvl8pPr>
-            <a:lvl9pPr>
-              <a:defRPr>
-                <a:solidFill>
-                  <a:schemeClr val="lt1"/>
-                </a:solidFill>
-              </a:defRPr>
-            </a:lvl9pPr>
-          </a:lstStyle>
-          <a:p>
-            <a:pPr marL="0" indent="0">
-              <a:buClr>
-                <a:srgbClr val="C00000"/>
-              </a:buClr>
-              <a:buNone/>
-            </a:pPr>
-            <a:endParaRPr lang="zh-CN" altLang="en-US" dirty="0">
-              <a:solidFill>
-                <a:schemeClr val="tx1">
-                  <a:lumMod val="65000"/>
-                  <a:lumOff val="35000"/>
-                </a:schemeClr>
-              </a:solidFill>
-              <a:ea typeface="思源黑体 CN Heavy" panose="020B0A00000000000000" pitchFamily="34" charset="-122"/>
-            </a:endParaRPr>
-          </a:p>
-        </p:txBody>
-      </p:sp>
-      <p:sp>
-        <p:nvSpPr>
-          <p:cNvPr id="38" name="矩形 37"/>
-          <p:cNvSpPr/>
-          <p:nvPr/>
-        </p:nvSpPr>
-        <p:spPr>
-          <a:xfrm>
-            <a:off x="6412865" y="1329690"/>
-            <a:ext cx="4483100" cy="2037715"/>
-          </a:xfrm>
-          <a:prstGeom prst="rect">
-            <a:avLst/>
-          </a:prstGeom>
-          <a:solidFill>
-            <a:schemeClr val="bg2"/>
-          </a:solidFill>
-          <a:ln>
-            <a:noFill/>
-          </a:ln>
-        </p:spPr>
-        <p:style>
-          <a:lnRef idx="2">
-            <a:schemeClr val="accent1">
-              <a:shade val="50000"/>
-            </a:schemeClr>
-          </a:lnRef>
-          <a:fillRef idx="1">
-            <a:schemeClr val="accent1"/>
-          </a:fillRef>
-          <a:effectRef idx="0">
-            <a:schemeClr val="accent1"/>
-          </a:effectRef>
-          <a:fontRef idx="minor">
-            <a:schemeClr val="lt1"/>
-          </a:fontRef>
-        </p:style>
-        <p:txBody>
-          <a:bodyPr rtlCol="0" anchor="ctr"/>
-          <a:lstStyle/>
-          <a:p>
-            <a:pPr algn="ctr"/>
-            <a:endParaRPr lang="zh-CN" altLang="en-US"/>
-          </a:p>
-        </p:txBody>
-      </p:sp>
-      <p:sp>
-        <p:nvSpPr>
-          <p:cNvPr id="39" name="矩形 38"/>
-          <p:cNvSpPr/>
-          <p:nvPr/>
-        </p:nvSpPr>
-        <p:spPr>
-          <a:xfrm>
-            <a:off x="6412865" y="3549015"/>
-            <a:ext cx="2160270" cy="2104390"/>
-          </a:xfrm>
-          <a:prstGeom prst="rect">
-            <a:avLst/>
-          </a:prstGeom>
-          <a:solidFill>
-            <a:schemeClr val="bg2"/>
-          </a:solidFill>
-          <a:ln>
-            <a:noFill/>
-          </a:ln>
-        </p:spPr>
-        <p:style>
-          <a:lnRef idx="2">
-            <a:schemeClr val="accent1">
-              <a:shade val="50000"/>
-            </a:schemeClr>
-          </a:lnRef>
-          <a:fillRef idx="1">
-            <a:schemeClr val="accent1"/>
-          </a:fillRef>
-          <a:effectRef idx="0">
-            <a:schemeClr val="accent1"/>
-          </a:effectRef>
-          <a:fontRef idx="minor">
-            <a:schemeClr val="lt1"/>
-          </a:fontRef>
-        </p:style>
-        <p:txBody>
-          <a:bodyPr rtlCol="0" anchor="ctr"/>
-          <a:lstStyle/>
-          <a:p>
-            <a:pPr algn="ctr"/>
-            <a:endParaRPr lang="zh-CN" altLang="en-US"/>
-          </a:p>
-        </p:txBody>
-      </p:sp>
-      <p:sp>
-        <p:nvSpPr>
-          <p:cNvPr id="40" name="矩形 39"/>
-          <p:cNvSpPr/>
-          <p:nvPr/>
-        </p:nvSpPr>
-        <p:spPr>
-          <a:xfrm>
-            <a:off x="8720455" y="3548380"/>
-            <a:ext cx="2160270" cy="2104390"/>
-          </a:xfrm>
-          <a:prstGeom prst="rect">
-            <a:avLst/>
-          </a:prstGeom>
-          <a:solidFill>
-            <a:schemeClr val="bg2"/>
-          </a:solidFill>
-          <a:ln>
-            <a:noFill/>
-          </a:ln>
-        </p:spPr>
-        <p:style>
-          <a:lnRef idx="2">
-            <a:schemeClr val="accent1">
-              <a:shade val="50000"/>
-            </a:schemeClr>
-          </a:lnRef>
-          <a:fillRef idx="1">
-            <a:schemeClr val="accent1"/>
-          </a:fillRef>
-          <a:effectRef idx="0">
-            <a:schemeClr val="accent1"/>
-          </a:effectRef>
-          <a:fontRef idx="minor">
-            <a:schemeClr val="lt1"/>
-          </a:fontRef>
-        </p:style>
-        <p:txBody>
-          <a:bodyPr rtlCol="0" anchor="ctr"/>
-          <a:lstStyle/>
-          <a:p>
-            <a:pPr algn="ctr"/>
-            <a:endParaRPr lang="zh-CN" altLang="en-US"/>
-          </a:p>
-        </p:txBody>
-      </p:sp>
-    </p:spTree>
-    <p:extLst>
-      <p:ext uri="{BB962C8B-B14F-4D97-AF65-F5344CB8AC3E}">
-        <p14:creationId xmlns:p14="http://schemas.microsoft.com/office/powerpoint/2010/main" val="3654062472"/>
-      </p:ext>
-    </p:extLst>
-  </p:cSld>
-  <p:clrMapOvr>
-    <a:masterClrMapping/>
-  </p:clrMapOvr>
-  <mc:AlternateContent xmlns:mc="http://schemas.openxmlformats.org/markup-compatibility/2006" xmlns:p14="http://schemas.microsoft.com/office/powerpoint/2010/main">
-    <mc:Choice Requires="p14">
-      <p:transition spd="slow" p14:dur="1600">
-        <p:blinds dir="vert"/>
-      </p:transition>
-    </mc:Choice>
-    <mc:Fallback xmlns="">
-      <p:transition spd="slow">
-        <p:blinds dir="vert"/>
-      </p:transition>
-    </mc:Fallback>
-  </mc:AlternateContent>
-  <p:timing>
-    <p:tnLst>
-      <p:par>
-        <p:cTn id="1" dur="indefinite" restart="never" nodeType="tmRoot">
-          <p:childTnLst>
-            <p:seq concurrent="1" nextAc="seek">
-              <p:cTn id="2" dur="indefinite" nodeType="mainSeq">
-                <p:childTnLst>
-                  <p:par>
-                    <p:cTn id="3" fill="hold">
-                      <p:stCondLst>
-                        <p:cond delay="indefinite"/>
-                        <p:cond evt="onBegin" delay="0">
-                          <p:tn val="2"/>
-                        </p:cond>
-                      </p:stCondLst>
-                      <p:childTnLst>
-                        <p:par>
-                          <p:cTn id="4" fill="hold">
-                            <p:stCondLst>
-                              <p:cond delay="0"/>
-                            </p:stCondLst>
-                            <p:childTnLst>
-                              <p:par>
-                                <p:cTn id="5" presetID="12" presetClass="entr" presetSubtype="1" fill="hold" grpId="0" nodeType="afterEffect">
-                                  <p:stCondLst>
-                                    <p:cond delay="0"/>
-                                  </p:stCondLst>
-                                  <p:childTnLst>
-                                    <p:set>
-                                      <p:cBhvr>
-                                        <p:cTn id="6" dur="1" fill="hold">
-                                          <p:stCondLst>
-                                            <p:cond delay="0"/>
-                                          </p:stCondLst>
-                                        </p:cTn>
-                                        <p:tgtEl>
-                                          <p:spTgt spid="45"/>
-                                        </p:tgtEl>
-                                        <p:attrNameLst>
-                                          <p:attrName>style.visibility</p:attrName>
-                                        </p:attrNameLst>
-                                      </p:cBhvr>
-                                      <p:to>
-                                        <p:strVal val="visible"/>
-                                      </p:to>
-                                    </p:set>
-                                    <p:anim calcmode="lin" valueType="num">
-                                      <p:cBhvr additive="base">
-                                        <p:cTn id="7" dur="500"/>
-                                        <p:tgtEl>
-                                          <p:spTgt spid="45"/>
-                                        </p:tgtEl>
-                                        <p:attrNameLst>
-                                          <p:attrName>ppt_y</p:attrName>
-                                        </p:attrNameLst>
-                                      </p:cBhvr>
-                                      <p:tavLst>
-                                        <p:tav tm="0">
-                                          <p:val>
-                                            <p:strVal val="#ppt_y-#ppt_h*1.125000"/>
-                                          </p:val>
-                                        </p:tav>
-                                        <p:tav tm="100000">
-                                          <p:val>
-                                            <p:strVal val="#ppt_y"/>
-                                          </p:val>
-                                        </p:tav>
-                                      </p:tavLst>
-                                    </p:anim>
-                                    <p:animEffect transition="in" filter="wipe(down)">
-                                      <p:cBhvr>
-                                        <p:cTn id="8" dur="500"/>
-                                        <p:tgtEl>
-                                          <p:spTgt spid="45"/>
-                                        </p:tgtEl>
-                                      </p:cBhvr>
-                                    </p:animEffect>
-                                  </p:childTnLst>
-                                </p:cTn>
-                              </p:par>
-                            </p:childTnLst>
-                          </p:cTn>
-                        </p:par>
-                        <p:par>
-                          <p:cTn id="9" fill="hold">
-                            <p:stCondLst>
-                              <p:cond delay="500"/>
-                            </p:stCondLst>
-                            <p:childTnLst>
-                              <p:par>
-                                <p:cTn id="10" presetID="22" presetClass="entr" presetSubtype="1" fill="hold" grpId="0" nodeType="afterEffect">
-                                  <p:stCondLst>
-                                    <p:cond delay="0"/>
-                                  </p:stCondLst>
-                                  <p:childTnLst>
-                                    <p:set>
-                                      <p:cBhvr>
-                                        <p:cTn id="11" dur="1" fill="hold">
-                                          <p:stCondLst>
-                                            <p:cond delay="0"/>
-                                          </p:stCondLst>
-                                        </p:cTn>
-                                        <p:tgtEl>
-                                          <p:spTgt spid="44"/>
-                                        </p:tgtEl>
-                                        <p:attrNameLst>
-                                          <p:attrName>style.visibility</p:attrName>
-                                        </p:attrNameLst>
-                                      </p:cBhvr>
-                                      <p:to>
-                                        <p:strVal val="visible"/>
-                                      </p:to>
-                                    </p:set>
-                                    <p:animEffect transition="in" filter="wipe(up)">
-                                      <p:cBhvr>
-                                        <p:cTn id="12" dur="500"/>
-                                        <p:tgtEl>
-                                          <p:spTgt spid="44"/>
-                                        </p:tgtEl>
-                                      </p:cBhvr>
-                                    </p:animEffect>
-                                  </p:childTnLst>
-                                </p:cTn>
-                              </p:par>
-                            </p:childTnLst>
-                          </p:cTn>
-                        </p:par>
-                        <p:par>
-                          <p:cTn id="13" fill="hold">
-                            <p:stCondLst>
-                              <p:cond delay="1000"/>
-                            </p:stCondLst>
-                            <p:childTnLst>
-                              <p:par>
-                                <p:cTn id="14" presetID="12" presetClass="entr" presetSubtype="1" fill="hold" grpId="0" nodeType="afterEffect">
-                                  <p:stCondLst>
-                                    <p:cond delay="0"/>
-                                  </p:stCondLst>
-                                  <p:childTnLst>
-                                    <p:set>
-                                      <p:cBhvr>
-                                        <p:cTn id="15" dur="1" fill="hold">
-                                          <p:stCondLst>
-                                            <p:cond delay="0"/>
-                                          </p:stCondLst>
-                                        </p:cTn>
-                                        <p:tgtEl>
-                                          <p:spTgt spid="37"/>
-                                        </p:tgtEl>
-                                        <p:attrNameLst>
-                                          <p:attrName>style.visibility</p:attrName>
-                                        </p:attrNameLst>
-                                      </p:cBhvr>
-                                      <p:to>
-                                        <p:strVal val="visible"/>
-                                      </p:to>
-                                    </p:set>
-                                    <p:anim calcmode="lin" valueType="num">
-                                      <p:cBhvr additive="base">
-                                        <p:cTn id="16" dur="500"/>
-                                        <p:tgtEl>
-                                          <p:spTgt spid="37"/>
-                                        </p:tgtEl>
-                                        <p:attrNameLst>
-                                          <p:attrName>ppt_y</p:attrName>
-                                        </p:attrNameLst>
-                                      </p:cBhvr>
-                                      <p:tavLst>
-                                        <p:tav tm="0">
-                                          <p:val>
-                                            <p:strVal val="#ppt_y-#ppt_h*1.125000"/>
-                                          </p:val>
-                                        </p:tav>
-                                        <p:tav tm="100000">
-                                          <p:val>
-                                            <p:strVal val="#ppt_y"/>
-                                          </p:val>
-                                        </p:tav>
-                                      </p:tavLst>
-                                    </p:anim>
-                                    <p:animEffect transition="in" filter="wipe(down)">
-                                      <p:cBhvr>
-                                        <p:cTn id="17" dur="500"/>
-                                        <p:tgtEl>
-                                          <p:spTgt spid="37"/>
-                                        </p:tgtEl>
-                                      </p:cBhvr>
-                                    </p:animEffect>
-                                  </p:childTnLst>
-                                </p:cTn>
-                              </p:par>
-                            </p:childTnLst>
-                          </p:cTn>
-                        </p:par>
-                      </p:childTnLst>
-                    </p:cTn>
-                  </p:par>
-                </p:childTnLst>
-              </p:cTn>
-              <p:prevCondLst>
-                <p:cond evt="onPrev" delay="0">
-                  <p:tgtEl>
-                    <p:sldTgt/>
-                  </p:tgtEl>
-                </p:cond>
-              </p:prevCondLst>
-              <p:nextCondLst>
-                <p:cond evt="onNext" delay="0">
-                  <p:tgtEl>
-                    <p:sldTgt/>
-                  </p:tgtEl>
-                </p:cond>
-              </p:nextCondLst>
-            </p:seq>
-          </p:childTnLst>
-        </p:cTn>
-      </p:par>
-    </p:tnLst>
-    <p:bldLst>
-      <p:bldP spid="44" grpId="0"/>
-      <p:bldP spid="44" grpId="1"/>
-      <p:bldP spid="45" grpId="0" bldLvl="0" animBg="1"/>
-      <p:bldP spid="37" grpId="0" bldLvl="0" animBg="1"/>
-    </p:bldLst>
-  </p:timing>
-</p:sld>
-</file>
-
-<file path=ppt/slides/slide11.xml><?xml version="1.0" encoding="utf-8"?>
-<p:sld xmlns:a="http://schemas.openxmlformats.org/drawingml/2006/main" xmlns:r="http://schemas.openxmlformats.org/officeDocument/2006/relationships" xmlns:p="http://schemas.openxmlformats.org/presentationml/2006/main">
-  <p:cSld>
-    <p:spTree>
-      <p:nvGrpSpPr>
-        <p:cNvPr id="1" name=""/>
-        <p:cNvGrpSpPr/>
-        <p:nvPr/>
-      </p:nvGrpSpPr>
-      <p:grpSpPr>
-        <a:xfrm>
-          <a:off x="0" y="0"/>
-          <a:ext cx="0" cy="0"/>
-          <a:chOff x="0" y="0"/>
-          <a:chExt cx="0" cy="0"/>
-        </a:xfrm>
-      </p:grpSpPr>
-      <p:sp>
-        <p:nvSpPr>
-          <p:cNvPr id="18" name="文本框 17"/>
-          <p:cNvSpPr txBox="1"/>
-          <p:nvPr/>
-        </p:nvSpPr>
-        <p:spPr>
-          <a:xfrm>
-            <a:off x="643255" y="180340"/>
-            <a:ext cx="1612900" cy="521970"/>
-          </a:xfrm>
-          <a:prstGeom prst="rect">
-            <a:avLst/>
-          </a:prstGeom>
-          <a:noFill/>
-        </p:spPr>
-        <p:txBody>
-          <a:bodyPr wrap="none" rtlCol="0">
-            <a:spAutoFit/>
-          </a:bodyPr>
-          <a:lstStyle/>
-          <a:p>
-            <a:r>
-              <a:rPr lang="zh-CN" altLang="en-US" sz="2800" b="1" dirty="0">
-                <a:solidFill>
-                  <a:schemeClr val="bg1"/>
-                </a:solidFill>
-                <a:ea typeface="思源黑体 CN Heavy" panose="020B0A00000000000000" pitchFamily="34" charset="-122"/>
-              </a:rPr>
-              <a:t>工作总结</a:t>
-            </a:r>
           </a:p>
         </p:txBody>
       </p:sp>
@@ -7361,6 +6422,15 @@
               </a:rPr>
               <a:t>.</a:t>
             </a:r>
+            <a:endParaRPr lang="en-US" altLang="zh-CN" dirty="0">
+              <a:solidFill>
+                <a:schemeClr val="tx1">
+                  <a:lumMod val="65000"/>
+                  <a:lumOff val="35000"/>
+                </a:schemeClr>
+              </a:solidFill>
+              <a:ea typeface="思源黑体 CN Heavy" panose="020B0A00000000000000" pitchFamily="34" charset="-122"/>
+            </a:endParaRPr>
           </a:p>
           <a:p>
             <a:pPr marL="342900" indent="-342900">
@@ -7464,7 +6534,7 @@
               <a:t>rpc</a:t>
             </a:r>
             <a:r>
-              <a:rPr lang="zh-CN" altLang="en-US">
+              <a:rPr lang="zh-CN" altLang="en-US" dirty="0">
                 <a:solidFill>
                   <a:schemeClr val="tx1">
                     <a:lumMod val="65000"/>
@@ -7643,13 +6713,7 @@
       </p:sp>
       <p:sp>
         <p:nvSpPr>
-          <p:cNvPr id="9" name="文本框 145">
-            <a:extLst>
-              <a:ext uri="{FF2B5EF4-FFF2-40B4-BE49-F238E27FC236}">
-                <a16:creationId xmlns:a16="http://schemas.microsoft.com/office/drawing/2014/main" id="{ACEEA871-207B-4379-82F8-E9E99F38C76C}"/>
-              </a:ext>
-            </a:extLst>
-          </p:cNvPr>
+          <p:cNvPr id="9" name="文本框 145"/>
           <p:cNvSpPr txBox="1"/>
           <p:nvPr/>
         </p:nvSpPr>
@@ -7869,22 +6933,17 @@
         </p:txBody>
       </p:sp>
     </p:spTree>
-    <p:extLst>
-      <p:ext uri="{BB962C8B-B14F-4D97-AF65-F5344CB8AC3E}">
-        <p14:creationId xmlns:p14="http://schemas.microsoft.com/office/powerpoint/2010/main" val="3231753703"/>
-      </p:ext>
-    </p:extLst>
   </p:cSld>
   <p:clrMapOvr>
     <a:masterClrMapping/>
   </p:clrMapOvr>
-  <mc:AlternateContent xmlns:mc="http://schemas.openxmlformats.org/markup-compatibility/2006" xmlns:p14="http://schemas.microsoft.com/office/powerpoint/2010/main">
-    <mc:Choice Requires="p14">
+  <mc:AlternateContent xmlns:mc="http://schemas.openxmlformats.org/markup-compatibility/2006">
+    <mc:Choice xmlns:p14="http://schemas.microsoft.com/office/powerpoint/2010/main" Requires="p14">
       <p:transition spd="slow" p14:dur="1600">
         <p:blinds dir="vert"/>
       </p:transition>
     </mc:Choice>
-    <mc:Fallback xmlns="">
+    <mc:Fallback>
       <p:transition spd="slow">
         <p:blinds dir="vert"/>
       </p:transition>
@@ -8187,7 +7246,7 @@
 </p:sld>
 </file>
 
-<file path=ppt/slides/slide12.xml><?xml version="1.0" encoding="utf-8"?>
+<file path=ppt/slides/slide11.xml><?xml version="1.0" encoding="utf-8"?>
 <p:sld xmlns:a="http://schemas.openxmlformats.org/drawingml/2006/main" xmlns:r="http://schemas.openxmlformats.org/officeDocument/2006/relationships" xmlns:p="http://schemas.openxmlformats.org/presentationml/2006/main">
   <p:cSld>
     <p:spTree>
@@ -8235,6 +7294,12 @@
               </a:rPr>
               <a:t>工作总结</a:t>
             </a:r>
+            <a:endParaRPr lang="zh-CN" altLang="en-US" sz="2800" b="1" dirty="0">
+              <a:solidFill>
+                <a:schemeClr val="bg1"/>
+              </a:solidFill>
+              <a:ea typeface="思源黑体 CN Heavy" panose="020B0A00000000000000" pitchFamily="34" charset="-122"/>
+            </a:endParaRPr>
           </a:p>
         </p:txBody>
       </p:sp>
@@ -8527,10 +7592,10 @@
                 </a:solidFill>
                 <a:ea typeface="思源黑体 CN Heavy" panose="020B0A00000000000000" pitchFamily="34" charset="-122"/>
               </a:rPr>
-              <a:t>使用</a:t>
-            </a:r>
-            <a:r>
-              <a:rPr lang="en-US" altLang="zh-CN" dirty="0">
+              <a:t>学习</a:t>
+            </a:r>
+            <a:r>
+              <a:rPr lang="en-US" altLang="zh-CN" dirty="0" err="1">
                 <a:solidFill>
                   <a:schemeClr val="tx1">
                     <a:lumMod val="65000"/>
@@ -8539,7 +7604,7 @@
                 </a:solidFill>
                 <a:ea typeface="思源黑体 CN Heavy" panose="020B0A00000000000000" pitchFamily="34" charset="-122"/>
               </a:rPr>
-              <a:t>gin</a:t>
+              <a:t>yaml</a:t>
             </a:r>
             <a:r>
               <a:rPr lang="zh-CN" altLang="en-US" dirty="0">
@@ -8551,7 +7616,7 @@
                 </a:solidFill>
                 <a:ea typeface="思源黑体 CN Heavy" panose="020B0A00000000000000" pitchFamily="34" charset="-122"/>
               </a:rPr>
-              <a:t>框架调用</a:t>
+              <a:t>，思考开发过程中获取</a:t>
             </a:r>
             <a:r>
               <a:rPr lang="en-US" altLang="zh-CN" dirty="0" err="1">
@@ -8563,10 +7628,10 @@
                 </a:solidFill>
                 <a:ea typeface="思源黑体 CN Heavy" panose="020B0A00000000000000" pitchFamily="34" charset="-122"/>
               </a:rPr>
-              <a:t>rpc</a:t>
-            </a:r>
-            <a:r>
-              <a:rPr lang="en-US" altLang="zh-CN" dirty="0">
+              <a:t>yaml</a:t>
+            </a:r>
+            <a:r>
+              <a:rPr lang="zh-CN" altLang="en-US" dirty="0">
                 <a:solidFill>
                   <a:schemeClr val="tx1">
                     <a:lumMod val="65000"/>
@@ -8575,10 +7640,27 @@
                 </a:solidFill>
                 <a:ea typeface="思源黑体 CN Heavy" panose="020B0A00000000000000" pitchFamily="34" charset="-122"/>
               </a:rPr>
-              <a:t> </a:t>
-            </a:r>
-            <a:r>
-              <a:rPr lang="zh-CN" altLang="en-US" dirty="0">
+              <a:t>中参数的时机。</a:t>
+            </a:r>
+            <a:endParaRPr lang="en-US" altLang="zh-CN" dirty="0">
+              <a:solidFill>
+                <a:schemeClr val="tx1">
+                  <a:lumMod val="65000"/>
+                  <a:lumOff val="35000"/>
+                </a:schemeClr>
+              </a:solidFill>
+              <a:ea typeface="思源黑体 CN Heavy" panose="020B0A00000000000000" pitchFamily="34" charset="-122"/>
+            </a:endParaRPr>
+          </a:p>
+          <a:p>
+            <a:pPr marL="0" indent="0">
+              <a:buClr>
+                <a:srgbClr val="C00000"/>
+              </a:buClr>
+              <a:buNone/>
+            </a:pPr>
+            <a:r>
+              <a:rPr lang="en-US" altLang="zh-CN" dirty="0">
                 <a:solidFill>
                   <a:schemeClr val="tx1">
                     <a:lumMod val="65000"/>
@@ -8587,56 +7669,17 @@
                 </a:solidFill>
                 <a:ea typeface="思源黑体 CN Heavy" panose="020B0A00000000000000" pitchFamily="34" charset="-122"/>
               </a:rPr>
-              <a:t>接口</a:t>
-            </a:r>
-            <a:r>
-              <a:rPr lang="en-US" altLang="zh-CN" dirty="0">
-                <a:solidFill>
-                  <a:schemeClr val="tx1">
-                    <a:lumMod val="65000"/>
-                    <a:lumOff val="35000"/>
-                  </a:schemeClr>
-                </a:solidFill>
-                <a:ea typeface="思源黑体 CN Heavy" panose="020B0A00000000000000" pitchFamily="34" charset="-122"/>
-              </a:rPr>
-              <a:t>, </a:t>
-            </a:r>
-            <a:r>
-              <a:rPr lang="zh-CN" altLang="en-US" dirty="0">
-                <a:solidFill>
-                  <a:schemeClr val="tx1">
-                    <a:lumMod val="65000"/>
-                    <a:lumOff val="35000"/>
-                  </a:schemeClr>
-                </a:solidFill>
-                <a:ea typeface="思源黑体 CN Heavy" panose="020B0A00000000000000" pitchFamily="34" charset="-122"/>
-              </a:rPr>
-              <a:t>实现数据存储到</a:t>
-            </a:r>
-            <a:r>
-              <a:rPr lang="en-US" altLang="zh-CN" dirty="0" err="1">
-                <a:solidFill>
-                  <a:schemeClr val="tx1">
-                    <a:lumMod val="65000"/>
-                    <a:lumOff val="35000"/>
-                  </a:schemeClr>
-                </a:solidFill>
-                <a:ea typeface="思源黑体 CN Heavy" panose="020B0A00000000000000" pitchFamily="34" charset="-122"/>
-              </a:rPr>
-              <a:t>mysql</a:t>
-            </a:r>
-            <a:r>
-              <a:rPr lang="zh-CN" altLang="en-US" dirty="0">
-                <a:solidFill>
-                  <a:schemeClr val="tx1">
-                    <a:lumMod val="65000"/>
-                    <a:lumOff val="35000"/>
-                  </a:schemeClr>
-                </a:solidFill>
-                <a:ea typeface="思源黑体 CN Heavy" panose="020B0A00000000000000" pitchFamily="34" charset="-122"/>
-              </a:rPr>
-              <a:t>数据库</a:t>
-            </a:r>
+              <a:t>	1. </a:t>
+            </a:r>
+            <a:endParaRPr lang="en-US" altLang="zh-CN" dirty="0">
+              <a:solidFill>
+                <a:schemeClr val="tx1">
+                  <a:lumMod val="65000"/>
+                  <a:lumOff val="35000"/>
+                </a:schemeClr>
+              </a:solidFill>
+              <a:ea typeface="思源黑体 CN Heavy" panose="020B0A00000000000000" pitchFamily="34" charset="-122"/>
+            </a:endParaRPr>
           </a:p>
         </p:txBody>
       </p:sp>
@@ -8779,13 +7822,996 @@
       </p:sp>
       <p:sp>
         <p:nvSpPr>
-          <p:cNvPr id="9" name="文本框 145">
-            <a:extLst>
-              <a:ext uri="{FF2B5EF4-FFF2-40B4-BE49-F238E27FC236}">
-                <a16:creationId xmlns:a16="http://schemas.microsoft.com/office/drawing/2014/main" id="{ACEEA871-207B-4379-82F8-E9E99F38C76C}"/>
-              </a:ext>
-            </a:extLst>
-          </p:cNvPr>
+          <p:cNvPr id="38" name="矩形 37"/>
+          <p:cNvSpPr/>
+          <p:nvPr/>
+        </p:nvSpPr>
+        <p:spPr>
+          <a:xfrm>
+            <a:off x="6412865" y="1329690"/>
+            <a:ext cx="4483100" cy="2037715"/>
+          </a:xfrm>
+          <a:prstGeom prst="rect">
+            <a:avLst/>
+          </a:prstGeom>
+          <a:solidFill>
+            <a:schemeClr val="bg2"/>
+          </a:solidFill>
+          <a:ln>
+            <a:noFill/>
+          </a:ln>
+        </p:spPr>
+        <p:style>
+          <a:lnRef idx="2">
+            <a:schemeClr val="accent1">
+              <a:shade val="50000"/>
+            </a:schemeClr>
+          </a:lnRef>
+          <a:fillRef idx="1">
+            <a:schemeClr val="accent1"/>
+          </a:fillRef>
+          <a:effectRef idx="0">
+            <a:schemeClr val="accent1"/>
+          </a:effectRef>
+          <a:fontRef idx="minor">
+            <a:schemeClr val="lt1"/>
+          </a:fontRef>
+        </p:style>
+        <p:txBody>
+          <a:bodyPr rtlCol="0" anchor="ctr"/>
+          <a:lstStyle/>
+          <a:p>
+            <a:pPr algn="ctr"/>
+            <a:endParaRPr lang="zh-CN" altLang="en-US"/>
+          </a:p>
+        </p:txBody>
+      </p:sp>
+      <p:sp>
+        <p:nvSpPr>
+          <p:cNvPr id="39" name="矩形 38"/>
+          <p:cNvSpPr/>
+          <p:nvPr/>
+        </p:nvSpPr>
+        <p:spPr>
+          <a:xfrm>
+            <a:off x="6412865" y="3549015"/>
+            <a:ext cx="2160270" cy="2104390"/>
+          </a:xfrm>
+          <a:prstGeom prst="rect">
+            <a:avLst/>
+          </a:prstGeom>
+          <a:solidFill>
+            <a:schemeClr val="bg2"/>
+          </a:solidFill>
+          <a:ln>
+            <a:noFill/>
+          </a:ln>
+        </p:spPr>
+        <p:style>
+          <a:lnRef idx="2">
+            <a:schemeClr val="accent1">
+              <a:shade val="50000"/>
+            </a:schemeClr>
+          </a:lnRef>
+          <a:fillRef idx="1">
+            <a:schemeClr val="accent1"/>
+          </a:fillRef>
+          <a:effectRef idx="0">
+            <a:schemeClr val="accent1"/>
+          </a:effectRef>
+          <a:fontRef idx="minor">
+            <a:schemeClr val="lt1"/>
+          </a:fontRef>
+        </p:style>
+        <p:txBody>
+          <a:bodyPr rtlCol="0" anchor="ctr"/>
+          <a:lstStyle/>
+          <a:p>
+            <a:pPr algn="ctr"/>
+            <a:endParaRPr lang="zh-CN" altLang="en-US"/>
+          </a:p>
+        </p:txBody>
+      </p:sp>
+      <p:sp>
+        <p:nvSpPr>
+          <p:cNvPr id="40" name="矩形 39"/>
+          <p:cNvSpPr/>
+          <p:nvPr/>
+        </p:nvSpPr>
+        <p:spPr>
+          <a:xfrm>
+            <a:off x="8720455" y="3548380"/>
+            <a:ext cx="2160270" cy="2104390"/>
+          </a:xfrm>
+          <a:prstGeom prst="rect">
+            <a:avLst/>
+          </a:prstGeom>
+          <a:solidFill>
+            <a:schemeClr val="bg2"/>
+          </a:solidFill>
+          <a:ln>
+            <a:noFill/>
+          </a:ln>
+        </p:spPr>
+        <p:style>
+          <a:lnRef idx="2">
+            <a:schemeClr val="accent1">
+              <a:shade val="50000"/>
+            </a:schemeClr>
+          </a:lnRef>
+          <a:fillRef idx="1">
+            <a:schemeClr val="accent1"/>
+          </a:fillRef>
+          <a:effectRef idx="0">
+            <a:schemeClr val="accent1"/>
+          </a:effectRef>
+          <a:fontRef idx="minor">
+            <a:schemeClr val="lt1"/>
+          </a:fontRef>
+        </p:style>
+        <p:txBody>
+          <a:bodyPr rtlCol="0" anchor="ctr"/>
+          <a:lstStyle/>
+          <a:p>
+            <a:pPr algn="ctr"/>
+            <a:endParaRPr lang="zh-CN" altLang="en-US"/>
+          </a:p>
+        </p:txBody>
+      </p:sp>
+    </p:spTree>
+  </p:cSld>
+  <p:clrMapOvr>
+    <a:masterClrMapping/>
+  </p:clrMapOvr>
+  <mc:AlternateContent xmlns:mc="http://schemas.openxmlformats.org/markup-compatibility/2006">
+    <mc:Choice xmlns:p14="http://schemas.microsoft.com/office/powerpoint/2010/main" Requires="p14">
+      <p:transition spd="slow" p14:dur="1600">
+        <p:blinds dir="vert"/>
+      </p:transition>
+    </mc:Choice>
+    <mc:Fallback>
+      <p:transition spd="slow">
+        <p:blinds dir="vert"/>
+      </p:transition>
+    </mc:Fallback>
+  </mc:AlternateContent>
+  <p:timing>
+    <p:tnLst>
+      <p:par>
+        <p:cTn id="1" dur="indefinite" restart="never" nodeType="tmRoot">
+          <p:childTnLst>
+            <p:seq concurrent="1" nextAc="seek">
+              <p:cTn id="2" dur="indefinite" nodeType="mainSeq">
+                <p:childTnLst>
+                  <p:par>
+                    <p:cTn id="3" fill="hold">
+                      <p:stCondLst>
+                        <p:cond delay="indefinite"/>
+                        <p:cond evt="onBegin" delay="0">
+                          <p:tn val="2"/>
+                        </p:cond>
+                      </p:stCondLst>
+                      <p:childTnLst>
+                        <p:par>
+                          <p:cTn id="4" fill="hold">
+                            <p:stCondLst>
+                              <p:cond delay="0"/>
+                            </p:stCondLst>
+                            <p:childTnLst>
+                              <p:par>
+                                <p:cTn id="5" presetID="12" presetClass="entr" presetSubtype="1" fill="hold" grpId="0" nodeType="afterEffect">
+                                  <p:stCondLst>
+                                    <p:cond delay="0"/>
+                                  </p:stCondLst>
+                                  <p:childTnLst>
+                                    <p:set>
+                                      <p:cBhvr>
+                                        <p:cTn id="6" dur="1" fill="hold">
+                                          <p:stCondLst>
+                                            <p:cond delay="0"/>
+                                          </p:stCondLst>
+                                        </p:cTn>
+                                        <p:tgtEl>
+                                          <p:spTgt spid="45"/>
+                                        </p:tgtEl>
+                                        <p:attrNameLst>
+                                          <p:attrName>style.visibility</p:attrName>
+                                        </p:attrNameLst>
+                                      </p:cBhvr>
+                                      <p:to>
+                                        <p:strVal val="visible"/>
+                                      </p:to>
+                                    </p:set>
+                                    <p:anim calcmode="lin" valueType="num">
+                                      <p:cBhvr additive="base">
+                                        <p:cTn id="7" dur="500"/>
+                                        <p:tgtEl>
+                                          <p:spTgt spid="45"/>
+                                        </p:tgtEl>
+                                        <p:attrNameLst>
+                                          <p:attrName>ppt_y</p:attrName>
+                                        </p:attrNameLst>
+                                      </p:cBhvr>
+                                      <p:tavLst>
+                                        <p:tav tm="0">
+                                          <p:val>
+                                            <p:strVal val="#ppt_y-#ppt_h*1.125000"/>
+                                          </p:val>
+                                        </p:tav>
+                                        <p:tav tm="100000">
+                                          <p:val>
+                                            <p:strVal val="#ppt_y"/>
+                                          </p:val>
+                                        </p:tav>
+                                      </p:tavLst>
+                                    </p:anim>
+                                    <p:animEffect transition="in" filter="wipe(down)">
+                                      <p:cBhvr>
+                                        <p:cTn id="8" dur="500"/>
+                                        <p:tgtEl>
+                                          <p:spTgt spid="45"/>
+                                        </p:tgtEl>
+                                      </p:cBhvr>
+                                    </p:animEffect>
+                                  </p:childTnLst>
+                                </p:cTn>
+                              </p:par>
+                            </p:childTnLst>
+                          </p:cTn>
+                        </p:par>
+                        <p:par>
+                          <p:cTn id="9" fill="hold">
+                            <p:stCondLst>
+                              <p:cond delay="500"/>
+                            </p:stCondLst>
+                            <p:childTnLst>
+                              <p:par>
+                                <p:cTn id="10" presetID="22" presetClass="entr" presetSubtype="1" fill="hold" grpId="0" nodeType="afterEffect">
+                                  <p:stCondLst>
+                                    <p:cond delay="0"/>
+                                  </p:stCondLst>
+                                  <p:childTnLst>
+                                    <p:set>
+                                      <p:cBhvr>
+                                        <p:cTn id="11" dur="1" fill="hold">
+                                          <p:stCondLst>
+                                            <p:cond delay="0"/>
+                                          </p:stCondLst>
+                                        </p:cTn>
+                                        <p:tgtEl>
+                                          <p:spTgt spid="44"/>
+                                        </p:tgtEl>
+                                        <p:attrNameLst>
+                                          <p:attrName>style.visibility</p:attrName>
+                                        </p:attrNameLst>
+                                      </p:cBhvr>
+                                      <p:to>
+                                        <p:strVal val="visible"/>
+                                      </p:to>
+                                    </p:set>
+                                    <p:animEffect transition="in" filter="wipe(up)">
+                                      <p:cBhvr>
+                                        <p:cTn id="12" dur="500"/>
+                                        <p:tgtEl>
+                                          <p:spTgt spid="44"/>
+                                        </p:tgtEl>
+                                      </p:cBhvr>
+                                    </p:animEffect>
+                                  </p:childTnLst>
+                                </p:cTn>
+                              </p:par>
+                            </p:childTnLst>
+                          </p:cTn>
+                        </p:par>
+                        <p:par>
+                          <p:cTn id="13" fill="hold">
+                            <p:stCondLst>
+                              <p:cond delay="1000"/>
+                            </p:stCondLst>
+                            <p:childTnLst>
+                              <p:par>
+                                <p:cTn id="14" presetID="12" presetClass="entr" presetSubtype="1" fill="hold" grpId="0" nodeType="afterEffect">
+                                  <p:stCondLst>
+                                    <p:cond delay="0"/>
+                                  </p:stCondLst>
+                                  <p:childTnLst>
+                                    <p:set>
+                                      <p:cBhvr>
+                                        <p:cTn id="15" dur="1" fill="hold">
+                                          <p:stCondLst>
+                                            <p:cond delay="0"/>
+                                          </p:stCondLst>
+                                        </p:cTn>
+                                        <p:tgtEl>
+                                          <p:spTgt spid="37"/>
+                                        </p:tgtEl>
+                                        <p:attrNameLst>
+                                          <p:attrName>style.visibility</p:attrName>
+                                        </p:attrNameLst>
+                                      </p:cBhvr>
+                                      <p:to>
+                                        <p:strVal val="visible"/>
+                                      </p:to>
+                                    </p:set>
+                                    <p:anim calcmode="lin" valueType="num">
+                                      <p:cBhvr additive="base">
+                                        <p:cTn id="16" dur="500"/>
+                                        <p:tgtEl>
+                                          <p:spTgt spid="37"/>
+                                        </p:tgtEl>
+                                        <p:attrNameLst>
+                                          <p:attrName>ppt_y</p:attrName>
+                                        </p:attrNameLst>
+                                      </p:cBhvr>
+                                      <p:tavLst>
+                                        <p:tav tm="0">
+                                          <p:val>
+                                            <p:strVal val="#ppt_y-#ppt_h*1.125000"/>
+                                          </p:val>
+                                        </p:tav>
+                                        <p:tav tm="100000">
+                                          <p:val>
+                                            <p:strVal val="#ppt_y"/>
+                                          </p:val>
+                                        </p:tav>
+                                      </p:tavLst>
+                                    </p:anim>
+                                    <p:animEffect transition="in" filter="wipe(down)">
+                                      <p:cBhvr>
+                                        <p:cTn id="17" dur="500"/>
+                                        <p:tgtEl>
+                                          <p:spTgt spid="37"/>
+                                        </p:tgtEl>
+                                      </p:cBhvr>
+                                    </p:animEffect>
+                                  </p:childTnLst>
+                                </p:cTn>
+                              </p:par>
+                            </p:childTnLst>
+                          </p:cTn>
+                        </p:par>
+                      </p:childTnLst>
+                    </p:cTn>
+                  </p:par>
+                </p:childTnLst>
+              </p:cTn>
+              <p:prevCondLst>
+                <p:cond evt="onPrev" delay="0">
+                  <p:tgtEl>
+                    <p:sldTgt/>
+                  </p:tgtEl>
+                </p:cond>
+              </p:prevCondLst>
+              <p:nextCondLst>
+                <p:cond evt="onNext" delay="0">
+                  <p:tgtEl>
+                    <p:sldTgt/>
+                  </p:tgtEl>
+                </p:cond>
+              </p:nextCondLst>
+            </p:seq>
+          </p:childTnLst>
+        </p:cTn>
+      </p:par>
+    </p:tnLst>
+    <p:bldLst>
+      <p:bldP spid="44" grpId="0"/>
+      <p:bldP spid="44" grpId="1"/>
+      <p:bldP spid="45" grpId="0" bldLvl="0" animBg="1"/>
+      <p:bldP spid="37" grpId="0" bldLvl="0" animBg="1"/>
+    </p:bldLst>
+  </p:timing>
+</p:sld>
+</file>
+
+<file path=ppt/slides/slide12.xml><?xml version="1.0" encoding="utf-8"?>
+<p:sld xmlns:a="http://schemas.openxmlformats.org/drawingml/2006/main" xmlns:r="http://schemas.openxmlformats.org/officeDocument/2006/relationships" xmlns:p="http://schemas.openxmlformats.org/presentationml/2006/main">
+  <p:cSld>
+    <p:spTree>
+      <p:nvGrpSpPr>
+        <p:cNvPr id="1" name=""/>
+        <p:cNvGrpSpPr/>
+        <p:nvPr/>
+      </p:nvGrpSpPr>
+      <p:grpSpPr>
+        <a:xfrm>
+          <a:off x="0" y="0"/>
+          <a:ext cx="0" cy="0"/>
+          <a:chOff x="0" y="0"/>
+          <a:chExt cx="0" cy="0"/>
+        </a:xfrm>
+      </p:grpSpPr>
+      <p:sp>
+        <p:nvSpPr>
+          <p:cNvPr id="18" name="文本框 17"/>
+          <p:cNvSpPr txBox="1"/>
+          <p:nvPr/>
+        </p:nvSpPr>
+        <p:spPr>
+          <a:xfrm>
+            <a:off x="643255" y="180340"/>
+            <a:ext cx="1612900" cy="521970"/>
+          </a:xfrm>
+          <a:prstGeom prst="rect">
+            <a:avLst/>
+          </a:prstGeom>
+          <a:noFill/>
+        </p:spPr>
+        <p:txBody>
+          <a:bodyPr wrap="none" rtlCol="0">
+            <a:spAutoFit/>
+          </a:bodyPr>
+          <a:lstStyle/>
+          <a:p>
+            <a:r>
+              <a:rPr lang="zh-CN" altLang="en-US" sz="2800" b="1" dirty="0">
+                <a:solidFill>
+                  <a:schemeClr val="bg1"/>
+                </a:solidFill>
+                <a:ea typeface="思源黑体 CN Heavy" panose="020B0A00000000000000" pitchFamily="34" charset="-122"/>
+              </a:rPr>
+              <a:t>工作总结</a:t>
+            </a:r>
+            <a:endParaRPr lang="zh-CN" altLang="en-US" sz="2800" b="1" dirty="0">
+              <a:solidFill>
+                <a:schemeClr val="bg1"/>
+              </a:solidFill>
+              <a:ea typeface="思源黑体 CN Heavy" panose="020B0A00000000000000" pitchFamily="34" charset="-122"/>
+            </a:endParaRPr>
+          </a:p>
+        </p:txBody>
+      </p:sp>
+      <p:sp>
+        <p:nvSpPr>
+          <p:cNvPr id="44" name="文本框 146"/>
+          <p:cNvSpPr txBox="1"/>
+          <p:nvPr/>
+        </p:nvSpPr>
+        <p:spPr>
+          <a:xfrm>
+            <a:off x="915035" y="1696720"/>
+            <a:ext cx="4883150" cy="1303655"/>
+          </a:xfrm>
+          <a:prstGeom prst="rect">
+            <a:avLst/>
+          </a:prstGeom>
+          <a:noFill/>
+          <a:ln w="9525">
+            <a:noFill/>
+            <a:miter lim="800000"/>
+          </a:ln>
+          <a:extLst>
+            <a:ext uri="{909E8E84-426E-40DD-AFC4-6F175D3DCCD1}">
+              <a14:hiddenFill xmlns:a14="http://schemas.microsoft.com/office/drawing/2010/main">
+                <a:solidFill>
+                  <a:srgbClr val="FFFFFF"/>
+                </a:solidFill>
+              </a14:hiddenFill>
+            </a:ext>
+          </a:extLst>
+        </p:spPr>
+        <p:txBody>
+          <a:bodyPr lIns="135785" tIns="67891" rIns="135785" bIns="67891">
+            <a:noAutofit/>
+          </a:bodyPr>
+          <a:lstStyle>
+            <a:defPPr>
+              <a:defRPr lang="zh-CN"/>
+            </a:defPPr>
+            <a:lvl1pPr fontAlgn="base">
+              <a:lnSpc>
+                <a:spcPct val="110000"/>
+              </a:lnSpc>
+              <a:spcBef>
+                <a:spcPct val="0"/>
+              </a:spcBef>
+              <a:spcAft>
+                <a:spcPct val="0"/>
+              </a:spcAft>
+              <a:defRPr sz="1400">
+                <a:solidFill>
+                  <a:prstClr val="black">
+                    <a:lumMod val="50000"/>
+                    <a:lumOff val="50000"/>
+                  </a:prstClr>
+                </a:solidFill>
+                <a:latin typeface="Arial" panose="020B0604020202020204"/>
+                <a:cs typeface="+mn-ea"/>
+              </a:defRPr>
+            </a:lvl1pPr>
+            <a:lvl2pPr marL="457200" fontAlgn="base">
+              <a:spcBef>
+                <a:spcPct val="0"/>
+              </a:spcBef>
+              <a:spcAft>
+                <a:spcPct val="0"/>
+              </a:spcAft>
+              <a:defRPr>
+                <a:latin typeface="Calibri" panose="020F0502020204030204" pitchFamily="34" charset="0"/>
+                <a:cs typeface="Arial" panose="020B0604020202020204" pitchFamily="34" charset="0"/>
+              </a:defRPr>
+            </a:lvl2pPr>
+            <a:lvl3pPr marL="914400" fontAlgn="base">
+              <a:spcBef>
+                <a:spcPct val="0"/>
+              </a:spcBef>
+              <a:spcAft>
+                <a:spcPct val="0"/>
+              </a:spcAft>
+              <a:defRPr>
+                <a:latin typeface="Calibri" panose="020F0502020204030204" pitchFamily="34" charset="0"/>
+                <a:cs typeface="Arial" panose="020B0604020202020204" pitchFamily="34" charset="0"/>
+              </a:defRPr>
+            </a:lvl3pPr>
+            <a:lvl4pPr marL="1371600" fontAlgn="base">
+              <a:spcBef>
+                <a:spcPct val="0"/>
+              </a:spcBef>
+              <a:spcAft>
+                <a:spcPct val="0"/>
+              </a:spcAft>
+              <a:defRPr>
+                <a:latin typeface="Calibri" panose="020F0502020204030204" pitchFamily="34" charset="0"/>
+                <a:cs typeface="Arial" panose="020B0604020202020204" pitchFamily="34" charset="0"/>
+              </a:defRPr>
+            </a:lvl4pPr>
+            <a:lvl5pPr marL="1828800" fontAlgn="base">
+              <a:spcBef>
+                <a:spcPct val="0"/>
+              </a:spcBef>
+              <a:spcAft>
+                <a:spcPct val="0"/>
+              </a:spcAft>
+              <a:defRPr>
+                <a:latin typeface="Calibri" panose="020F0502020204030204" pitchFamily="34" charset="0"/>
+                <a:cs typeface="Arial" panose="020B0604020202020204" pitchFamily="34" charset="0"/>
+              </a:defRPr>
+            </a:lvl5pPr>
+            <a:lvl6pPr marL="2286000" defTabSz="914400">
+              <a:defRPr>
+                <a:latin typeface="Calibri" panose="020F0502020204030204" pitchFamily="34" charset="0"/>
+                <a:cs typeface="Arial" panose="020B0604020202020204" pitchFamily="34" charset="0"/>
+              </a:defRPr>
+            </a:lvl6pPr>
+            <a:lvl7pPr marL="2743200" defTabSz="914400">
+              <a:defRPr>
+                <a:latin typeface="Calibri" panose="020F0502020204030204" pitchFamily="34" charset="0"/>
+                <a:cs typeface="Arial" panose="020B0604020202020204" pitchFamily="34" charset="0"/>
+              </a:defRPr>
+            </a:lvl7pPr>
+            <a:lvl8pPr marL="3200400" defTabSz="914400">
+              <a:defRPr>
+                <a:latin typeface="Calibri" panose="020F0502020204030204" pitchFamily="34" charset="0"/>
+                <a:cs typeface="Arial" panose="020B0604020202020204" pitchFamily="34" charset="0"/>
+              </a:defRPr>
+            </a:lvl8pPr>
+            <a:lvl9pPr marL="3657600" defTabSz="914400">
+              <a:defRPr>
+                <a:latin typeface="Calibri" panose="020F0502020204030204" pitchFamily="34" charset="0"/>
+                <a:cs typeface="Arial" panose="020B0604020202020204" pitchFamily="34" charset="0"/>
+              </a:defRPr>
+            </a:lvl9pPr>
+          </a:lstStyle>
+          <a:p>
+            <a:endParaRPr lang="zh-CN" altLang="en-US" sz="1800" b="1" dirty="0">
+              <a:solidFill>
+                <a:prstClr val="black">
+                  <a:lumMod val="50000"/>
+                  <a:lumOff val="50000"/>
+                </a:prstClr>
+              </a:solidFill>
+              <a:effectLst>
+                <a:outerShdw blurRad="38100" dist="38100" dir="2700000" algn="tl">
+                  <a:srgbClr val="000000">
+                    <a:alpha val="30000"/>
+                  </a:srgbClr>
+                </a:outerShdw>
+              </a:effectLst>
+              <a:uFillTx/>
+              <a:latin typeface="华文中宋" panose="02010600040101010101" charset="-122"/>
+              <a:ea typeface="华文中宋" panose="02010600040101010101" charset="-122"/>
+              <a:cs typeface="Arial" panose="020B0604020202020204" pitchFamily="34" charset="0"/>
+            </a:endParaRPr>
+          </a:p>
+        </p:txBody>
+      </p:sp>
+      <p:sp>
+        <p:nvSpPr>
+          <p:cNvPr id="45" name="文本框 145"/>
+          <p:cNvSpPr txBox="1"/>
+          <p:nvPr/>
+        </p:nvSpPr>
+        <p:spPr>
+          <a:xfrm>
+            <a:off x="732155" y="1842770"/>
+            <a:ext cx="4653280" cy="2922905"/>
+          </a:xfrm>
+          <a:prstGeom prst="rect">
+            <a:avLst/>
+          </a:prstGeom>
+          <a:noFill/>
+          <a:ln>
+            <a:noFill/>
+          </a:ln>
+        </p:spPr>
+        <p:style>
+          <a:lnRef idx="2">
+            <a:schemeClr val="accent1">
+              <a:shade val="50000"/>
+            </a:schemeClr>
+          </a:lnRef>
+          <a:fillRef idx="1">
+            <a:schemeClr val="accent1"/>
+          </a:fillRef>
+          <a:effectRef idx="0">
+            <a:schemeClr val="accent1"/>
+          </a:effectRef>
+          <a:fontRef idx="minor">
+            <a:schemeClr val="lt1"/>
+          </a:fontRef>
+        </p:style>
+        <p:txBody>
+          <a:bodyPr wrap="square" lIns="178172" tIns="0" rIns="178172" bIns="0" rtlCol="0" anchor="t">
+            <a:noAutofit/>
+          </a:bodyPr>
+          <a:lstStyle>
+            <a:defPPr>
+              <a:defRPr lang="zh-CN"/>
+            </a:defPPr>
+            <a:lvl1pPr marL="285750" indent="-285750">
+              <a:lnSpc>
+                <a:spcPct val="120000"/>
+              </a:lnSpc>
+              <a:buClr>
+                <a:schemeClr val="accent1"/>
+              </a:buClr>
+              <a:buFont typeface="Wingdings" panose="05000000000000000000" pitchFamily="2" charset="2"/>
+              <a:buChar char="n"/>
+              <a:defRPr sz="1800" b="1">
+                <a:solidFill>
+                  <a:schemeClr val="bg1">
+                    <a:lumMod val="50000"/>
+                  </a:schemeClr>
+                </a:solidFill>
+                <a:cs typeface="+mn-ea"/>
+              </a:defRPr>
+            </a:lvl1pPr>
+            <a:lvl2pPr>
+              <a:defRPr>
+                <a:solidFill>
+                  <a:schemeClr val="lt1"/>
+                </a:solidFill>
+              </a:defRPr>
+            </a:lvl2pPr>
+            <a:lvl3pPr>
+              <a:defRPr>
+                <a:solidFill>
+                  <a:schemeClr val="lt1"/>
+                </a:solidFill>
+              </a:defRPr>
+            </a:lvl3pPr>
+            <a:lvl4pPr>
+              <a:defRPr>
+                <a:solidFill>
+                  <a:schemeClr val="lt1"/>
+                </a:solidFill>
+              </a:defRPr>
+            </a:lvl4pPr>
+            <a:lvl5pPr>
+              <a:defRPr>
+                <a:solidFill>
+                  <a:schemeClr val="lt1"/>
+                </a:solidFill>
+              </a:defRPr>
+            </a:lvl5pPr>
+            <a:lvl6pPr>
+              <a:defRPr>
+                <a:solidFill>
+                  <a:schemeClr val="lt1"/>
+                </a:solidFill>
+              </a:defRPr>
+            </a:lvl6pPr>
+            <a:lvl7pPr>
+              <a:defRPr>
+                <a:solidFill>
+                  <a:schemeClr val="lt1"/>
+                </a:solidFill>
+              </a:defRPr>
+            </a:lvl7pPr>
+            <a:lvl8pPr>
+              <a:defRPr>
+                <a:solidFill>
+                  <a:schemeClr val="lt1"/>
+                </a:solidFill>
+              </a:defRPr>
+            </a:lvl8pPr>
+            <a:lvl9pPr>
+              <a:defRPr>
+                <a:solidFill>
+                  <a:schemeClr val="lt1"/>
+                </a:solidFill>
+              </a:defRPr>
+            </a:lvl9pPr>
+          </a:lstStyle>
+          <a:p>
+            <a:pPr marL="342900" indent="-342900">
+              <a:buClr>
+                <a:srgbClr val="C00000"/>
+              </a:buClr>
+              <a:buAutoNum type="arabicPeriod"/>
+            </a:pPr>
+            <a:r>
+              <a:rPr lang="zh-CN" altLang="en-US" dirty="0">
+                <a:solidFill>
+                  <a:schemeClr val="tx1">
+                    <a:lumMod val="65000"/>
+                    <a:lumOff val="35000"/>
+                  </a:schemeClr>
+                </a:solidFill>
+                <a:ea typeface="思源黑体 CN Heavy" panose="020B0A00000000000000" pitchFamily="34" charset="-122"/>
+              </a:rPr>
+              <a:t>使用</a:t>
+            </a:r>
+            <a:r>
+              <a:rPr lang="en-US" altLang="zh-CN" dirty="0">
+                <a:solidFill>
+                  <a:schemeClr val="tx1">
+                    <a:lumMod val="65000"/>
+                    <a:lumOff val="35000"/>
+                  </a:schemeClr>
+                </a:solidFill>
+                <a:ea typeface="思源黑体 CN Heavy" panose="020B0A00000000000000" pitchFamily="34" charset="-122"/>
+              </a:rPr>
+              <a:t>gin</a:t>
+            </a:r>
+            <a:r>
+              <a:rPr lang="zh-CN" altLang="en-US" dirty="0">
+                <a:solidFill>
+                  <a:schemeClr val="tx1">
+                    <a:lumMod val="65000"/>
+                    <a:lumOff val="35000"/>
+                  </a:schemeClr>
+                </a:solidFill>
+                <a:ea typeface="思源黑体 CN Heavy" panose="020B0A00000000000000" pitchFamily="34" charset="-122"/>
+              </a:rPr>
+              <a:t>框架调用</a:t>
+            </a:r>
+            <a:r>
+              <a:rPr lang="en-US" altLang="zh-CN" dirty="0" err="1">
+                <a:solidFill>
+                  <a:schemeClr val="tx1">
+                    <a:lumMod val="65000"/>
+                    <a:lumOff val="35000"/>
+                  </a:schemeClr>
+                </a:solidFill>
+                <a:ea typeface="思源黑体 CN Heavy" panose="020B0A00000000000000" pitchFamily="34" charset="-122"/>
+              </a:rPr>
+              <a:t>rpc</a:t>
+            </a:r>
+            <a:r>
+              <a:rPr lang="en-US" altLang="zh-CN" dirty="0">
+                <a:solidFill>
+                  <a:schemeClr val="tx1">
+                    <a:lumMod val="65000"/>
+                    <a:lumOff val="35000"/>
+                  </a:schemeClr>
+                </a:solidFill>
+                <a:ea typeface="思源黑体 CN Heavy" panose="020B0A00000000000000" pitchFamily="34" charset="-122"/>
+              </a:rPr>
+              <a:t> </a:t>
+            </a:r>
+            <a:r>
+              <a:rPr lang="zh-CN" altLang="en-US" dirty="0">
+                <a:solidFill>
+                  <a:schemeClr val="tx1">
+                    <a:lumMod val="65000"/>
+                    <a:lumOff val="35000"/>
+                  </a:schemeClr>
+                </a:solidFill>
+                <a:ea typeface="思源黑体 CN Heavy" panose="020B0A00000000000000" pitchFamily="34" charset="-122"/>
+              </a:rPr>
+              <a:t>接口</a:t>
+            </a:r>
+            <a:r>
+              <a:rPr lang="en-US" altLang="zh-CN" dirty="0">
+                <a:solidFill>
+                  <a:schemeClr val="tx1">
+                    <a:lumMod val="65000"/>
+                    <a:lumOff val="35000"/>
+                  </a:schemeClr>
+                </a:solidFill>
+                <a:ea typeface="思源黑体 CN Heavy" panose="020B0A00000000000000" pitchFamily="34" charset="-122"/>
+              </a:rPr>
+              <a:t>, </a:t>
+            </a:r>
+            <a:r>
+              <a:rPr lang="zh-CN" altLang="en-US" dirty="0">
+                <a:solidFill>
+                  <a:schemeClr val="tx1">
+                    <a:lumMod val="65000"/>
+                    <a:lumOff val="35000"/>
+                  </a:schemeClr>
+                </a:solidFill>
+                <a:ea typeface="思源黑体 CN Heavy" panose="020B0A00000000000000" pitchFamily="34" charset="-122"/>
+              </a:rPr>
+              <a:t>实现数据存储到</a:t>
+            </a:r>
+            <a:r>
+              <a:rPr lang="en-US" altLang="zh-CN" dirty="0" err="1">
+                <a:solidFill>
+                  <a:schemeClr val="tx1">
+                    <a:lumMod val="65000"/>
+                    <a:lumOff val="35000"/>
+                  </a:schemeClr>
+                </a:solidFill>
+                <a:ea typeface="思源黑体 CN Heavy" panose="020B0A00000000000000" pitchFamily="34" charset="-122"/>
+              </a:rPr>
+              <a:t>mysql</a:t>
+            </a:r>
+            <a:r>
+              <a:rPr lang="zh-CN" altLang="en-US" dirty="0">
+                <a:solidFill>
+                  <a:schemeClr val="tx1">
+                    <a:lumMod val="65000"/>
+                    <a:lumOff val="35000"/>
+                  </a:schemeClr>
+                </a:solidFill>
+                <a:ea typeface="思源黑体 CN Heavy" panose="020B0A00000000000000" pitchFamily="34" charset="-122"/>
+              </a:rPr>
+              <a:t>数据库</a:t>
+            </a:r>
+            <a:endParaRPr lang="zh-CN" altLang="en-US" dirty="0">
+              <a:solidFill>
+                <a:schemeClr val="tx1">
+                  <a:lumMod val="65000"/>
+                  <a:lumOff val="35000"/>
+                </a:schemeClr>
+              </a:solidFill>
+              <a:ea typeface="思源黑体 CN Heavy" panose="020B0A00000000000000" pitchFamily="34" charset="-122"/>
+            </a:endParaRPr>
+          </a:p>
+        </p:txBody>
+      </p:sp>
+      <p:sp>
+        <p:nvSpPr>
+          <p:cNvPr id="37" name="文本框 145"/>
+          <p:cNvSpPr txBox="1"/>
+          <p:nvPr/>
+        </p:nvSpPr>
+        <p:spPr>
+          <a:xfrm>
+            <a:off x="732347" y="3000062"/>
+            <a:ext cx="2352000" cy="413563"/>
+          </a:xfrm>
+          <a:prstGeom prst="rect">
+            <a:avLst/>
+          </a:prstGeom>
+          <a:noFill/>
+          <a:ln>
+            <a:noFill/>
+          </a:ln>
+        </p:spPr>
+        <p:style>
+          <a:lnRef idx="2">
+            <a:schemeClr val="accent1">
+              <a:shade val="50000"/>
+            </a:schemeClr>
+          </a:lnRef>
+          <a:fillRef idx="1">
+            <a:schemeClr val="accent1"/>
+          </a:fillRef>
+          <a:effectRef idx="0">
+            <a:schemeClr val="accent1"/>
+          </a:effectRef>
+          <a:fontRef idx="minor">
+            <a:schemeClr val="lt1"/>
+          </a:fontRef>
+        </p:style>
+        <p:txBody>
+          <a:bodyPr wrap="square" lIns="178172" tIns="0" rIns="178172" bIns="0" rtlCol="0" anchor="t">
+            <a:noAutofit/>
+          </a:bodyPr>
+          <a:lstStyle>
+            <a:defPPr>
+              <a:defRPr lang="zh-CN"/>
+            </a:defPPr>
+            <a:lvl1pPr marL="285750" indent="-285750">
+              <a:lnSpc>
+                <a:spcPct val="120000"/>
+              </a:lnSpc>
+              <a:buClr>
+                <a:schemeClr val="accent1"/>
+              </a:buClr>
+              <a:buFont typeface="Wingdings" panose="05000000000000000000" pitchFamily="2" charset="2"/>
+              <a:buChar char="n"/>
+              <a:defRPr sz="1800" b="1">
+                <a:solidFill>
+                  <a:schemeClr val="bg1">
+                    <a:lumMod val="50000"/>
+                  </a:schemeClr>
+                </a:solidFill>
+                <a:cs typeface="+mn-ea"/>
+              </a:defRPr>
+            </a:lvl1pPr>
+            <a:lvl2pPr>
+              <a:defRPr>
+                <a:solidFill>
+                  <a:schemeClr val="lt1"/>
+                </a:solidFill>
+              </a:defRPr>
+            </a:lvl2pPr>
+            <a:lvl3pPr>
+              <a:defRPr>
+                <a:solidFill>
+                  <a:schemeClr val="lt1"/>
+                </a:solidFill>
+              </a:defRPr>
+            </a:lvl3pPr>
+            <a:lvl4pPr>
+              <a:defRPr>
+                <a:solidFill>
+                  <a:schemeClr val="lt1"/>
+                </a:solidFill>
+              </a:defRPr>
+            </a:lvl4pPr>
+            <a:lvl5pPr>
+              <a:defRPr>
+                <a:solidFill>
+                  <a:schemeClr val="lt1"/>
+                </a:solidFill>
+              </a:defRPr>
+            </a:lvl5pPr>
+            <a:lvl6pPr>
+              <a:defRPr>
+                <a:solidFill>
+                  <a:schemeClr val="lt1"/>
+                </a:solidFill>
+              </a:defRPr>
+            </a:lvl6pPr>
+            <a:lvl7pPr>
+              <a:defRPr>
+                <a:solidFill>
+                  <a:schemeClr val="lt1"/>
+                </a:solidFill>
+              </a:defRPr>
+            </a:lvl7pPr>
+            <a:lvl8pPr>
+              <a:defRPr>
+                <a:solidFill>
+                  <a:schemeClr val="lt1"/>
+                </a:solidFill>
+              </a:defRPr>
+            </a:lvl8pPr>
+            <a:lvl9pPr>
+              <a:defRPr>
+                <a:solidFill>
+                  <a:schemeClr val="lt1"/>
+                </a:solidFill>
+              </a:defRPr>
+            </a:lvl9pPr>
+          </a:lstStyle>
+          <a:p>
+            <a:pPr marL="0" indent="0">
+              <a:buClr>
+                <a:srgbClr val="C00000"/>
+              </a:buClr>
+              <a:buNone/>
+            </a:pPr>
+            <a:endParaRPr lang="zh-CN" altLang="en-US" dirty="0">
+              <a:solidFill>
+                <a:schemeClr val="tx1">
+                  <a:lumMod val="65000"/>
+                  <a:lumOff val="35000"/>
+                </a:schemeClr>
+              </a:solidFill>
+              <a:ea typeface="思源黑体 CN Heavy" panose="020B0A00000000000000" pitchFamily="34" charset="-122"/>
+            </a:endParaRPr>
+          </a:p>
+        </p:txBody>
+      </p:sp>
+      <p:sp>
+        <p:nvSpPr>
+          <p:cNvPr id="9" name="文本框 145"/>
           <p:cNvSpPr txBox="1"/>
           <p:nvPr/>
         </p:nvSpPr>
@@ -8921,22 +8947,17 @@
         </p:txBody>
       </p:sp>
     </p:spTree>
-    <p:extLst>
-      <p:ext uri="{BB962C8B-B14F-4D97-AF65-F5344CB8AC3E}">
-        <p14:creationId xmlns:p14="http://schemas.microsoft.com/office/powerpoint/2010/main" val="1736084026"/>
-      </p:ext>
-    </p:extLst>
   </p:cSld>
   <p:clrMapOvr>
     <a:masterClrMapping/>
   </p:clrMapOvr>
-  <mc:AlternateContent xmlns:mc="http://schemas.openxmlformats.org/markup-compatibility/2006" xmlns:p14="http://schemas.microsoft.com/office/powerpoint/2010/main">
-    <mc:Choice Requires="p14">
+  <mc:AlternateContent xmlns:mc="http://schemas.openxmlformats.org/markup-compatibility/2006">
+    <mc:Choice xmlns:p14="http://schemas.microsoft.com/office/powerpoint/2010/main" Requires="p14">
       <p:transition spd="slow" p14:dur="1600">
         <p:blinds dir="vert"/>
       </p:transition>
     </mc:Choice>
-    <mc:Fallback xmlns="">
+    <mc:Fallback>
       <p:transition spd="slow">
         <p:blinds dir="vert"/>
       </p:transition>
@@ -9292,6 +9313,12 @@
               </a:rPr>
               <a:t>工作总结</a:t>
             </a:r>
+            <a:endParaRPr lang="zh-CN" altLang="en-US" sz="2800" b="1" dirty="0">
+              <a:solidFill>
+                <a:schemeClr val="bg1"/>
+              </a:solidFill>
+              <a:ea typeface="思源黑体 CN Heavy" panose="020B0A00000000000000" pitchFamily="34" charset="-122"/>
+            </a:endParaRPr>
           </a:p>
         </p:txBody>
       </p:sp>
@@ -9575,7 +9602,7 @@
               <a:buNone/>
             </a:pPr>
             <a:r>
-              <a:rPr lang="en-US" altLang="zh-CN" dirty="0">
+              <a:rPr lang="zh-CN" altLang="en-US" dirty="0">
                 <a:solidFill>
                   <a:schemeClr val="tx1">
                     <a:lumMod val="65000"/>
@@ -9584,10 +9611,10 @@
                 </a:solidFill>
                 <a:ea typeface="思源黑体 CN Heavy" panose="020B0A00000000000000" pitchFamily="34" charset="-122"/>
               </a:rPr>
-              <a:t>1.</a:t>
-            </a:r>
-            <a:r>
-              <a:rPr lang="zh-CN" altLang="en-US" dirty="0">
+              <a:t>学习</a:t>
+            </a:r>
+            <a:r>
+              <a:rPr lang="en-US" altLang="zh-CN" dirty="0">
                 <a:solidFill>
                   <a:schemeClr val="tx1">
                     <a:lumMod val="65000"/>
@@ -9596,20 +9623,34 @@
                 </a:solidFill>
                 <a:ea typeface="思源黑体 CN Heavy" panose="020B0A00000000000000" pitchFamily="34" charset="-122"/>
               </a:rPr>
-              <a:t>学习</a:t>
-            </a:r>
-            <a:r>
-              <a:rPr lang="en-US" altLang="zh-CN" dirty="0">
-                <a:solidFill>
-                  <a:schemeClr val="tx1">
-                    <a:lumMod val="65000"/>
-                    <a:lumOff val="35000"/>
-                  </a:schemeClr>
-                </a:solidFill>
-                <a:ea typeface="思源黑体 CN Heavy" panose="020B0A00000000000000" pitchFamily="34" charset="-122"/>
-              </a:rPr>
               <a:t>shell</a:t>
             </a:r>
+            <a:endParaRPr lang="en-US" altLang="zh-CN" dirty="0">
+              <a:solidFill>
+                <a:schemeClr val="tx1">
+                  <a:lumMod val="65000"/>
+                  <a:lumOff val="35000"/>
+                </a:schemeClr>
+              </a:solidFill>
+              <a:ea typeface="思源黑体 CN Heavy" panose="020B0A00000000000000" pitchFamily="34" charset="-122"/>
+            </a:endParaRPr>
+          </a:p>
+          <a:p>
+            <a:pPr marL="0" indent="0">
+              <a:buClr>
+                <a:srgbClr val="C00000"/>
+              </a:buClr>
+              <a:buNone/>
+            </a:pPr>
+            <a:endParaRPr lang="en-US" altLang="zh-CN" dirty="0">
+              <a:solidFill>
+                <a:schemeClr val="tx1">
+                  <a:lumMod val="65000"/>
+                  <a:lumOff val="35000"/>
+                </a:schemeClr>
+              </a:solidFill>
+              <a:ea typeface="思源黑体 CN Heavy" panose="020B0A00000000000000" pitchFamily="34" charset="-122"/>
+            </a:endParaRPr>
           </a:p>
         </p:txBody>
       </p:sp>
@@ -9755,13 +9796,13 @@
   <p:clrMapOvr>
     <a:masterClrMapping/>
   </p:clrMapOvr>
-  <mc:AlternateContent xmlns:mc="http://schemas.openxmlformats.org/markup-compatibility/2006" xmlns:p14="http://schemas.microsoft.com/office/powerpoint/2010/main">
-    <mc:Choice Requires="p14">
+  <mc:AlternateContent xmlns:mc="http://schemas.openxmlformats.org/markup-compatibility/2006">
+    <mc:Choice xmlns:p14="http://schemas.microsoft.com/office/powerpoint/2010/main" Requires="p14">
       <p:transition spd="slow" p14:dur="1600">
         <p:blinds dir="vert"/>
       </p:transition>
     </mc:Choice>
-    <mc:Fallback xmlns="">
+    <mc:Fallback>
       <p:transition spd="slow">
         <p:blinds dir="vert"/>
       </p:transition>
@@ -10044,6 +10085,12 @@
               </a:rPr>
               <a:t>工作总结</a:t>
             </a:r>
+            <a:endParaRPr lang="zh-CN" altLang="en-US" sz="2800" b="1" dirty="0">
+              <a:solidFill>
+                <a:schemeClr val="bg1"/>
+              </a:solidFill>
+              <a:ea typeface="思源黑体 CN Heavy" panose="020B0A00000000000000" pitchFamily="34" charset="-122"/>
+            </a:endParaRPr>
           </a:p>
         </p:txBody>
       </p:sp>
@@ -10362,6 +10409,15 @@
               </a:rPr>
               <a:t>docker</a:t>
             </a:r>
+            <a:endParaRPr lang="en-US" altLang="zh-CN" dirty="0">
+              <a:solidFill>
+                <a:schemeClr val="tx1">
+                  <a:lumMod val="65000"/>
+                  <a:lumOff val="35000"/>
+                </a:schemeClr>
+              </a:solidFill>
+              <a:ea typeface="思源黑体 CN Heavy" panose="020B0A00000000000000" pitchFamily="34" charset="-122"/>
+            </a:endParaRPr>
           </a:p>
         </p:txBody>
       </p:sp>
@@ -10503,22 +10559,17 @@
         </p:txBody>
       </p:sp>
     </p:spTree>
-    <p:extLst>
-      <p:ext uri="{BB962C8B-B14F-4D97-AF65-F5344CB8AC3E}">
-        <p14:creationId xmlns:p14="http://schemas.microsoft.com/office/powerpoint/2010/main" val="1047875139"/>
-      </p:ext>
-    </p:extLst>
   </p:cSld>
   <p:clrMapOvr>
     <a:masterClrMapping/>
   </p:clrMapOvr>
-  <mc:AlternateContent xmlns:mc="http://schemas.openxmlformats.org/markup-compatibility/2006" xmlns:p14="http://schemas.microsoft.com/office/powerpoint/2010/main">
-    <mc:Choice Requires="p14">
+  <mc:AlternateContent xmlns:mc="http://schemas.openxmlformats.org/markup-compatibility/2006">
+    <mc:Choice xmlns:p14="http://schemas.microsoft.com/office/powerpoint/2010/main" Requires="p14">
       <p:transition spd="slow" p14:dur="1600">
         <p:blinds dir="vert"/>
       </p:transition>
     </mc:Choice>
-    <mc:Fallback xmlns="">
+    <mc:Fallback>
       <p:transition spd="slow">
         <p:blinds dir="vert"/>
       </p:transition>
@@ -10801,6 +10852,12 @@
               </a:rPr>
               <a:t>工作总结</a:t>
             </a:r>
+            <a:endParaRPr lang="zh-CN" altLang="en-US" sz="2800" b="1" dirty="0">
+              <a:solidFill>
+                <a:schemeClr val="bg1"/>
+              </a:solidFill>
+              <a:ea typeface="思源黑体 CN Heavy" panose="020B0A00000000000000" pitchFamily="34" charset="-122"/>
+            </a:endParaRPr>
           </a:p>
         </p:txBody>
       </p:sp>
@@ -11143,6 +11200,15 @@
               </a:rPr>
               <a:t>.</a:t>
             </a:r>
+            <a:endParaRPr lang="en-US" altLang="zh-CN" dirty="0">
+              <a:solidFill>
+                <a:schemeClr val="tx1">
+                  <a:lumMod val="65000"/>
+                  <a:lumOff val="35000"/>
+                </a:schemeClr>
+              </a:solidFill>
+              <a:ea typeface="思源黑体 CN Heavy" panose="020B0A00000000000000" pitchFamily="34" charset="-122"/>
+            </a:endParaRPr>
           </a:p>
           <a:p>
             <a:pPr marL="342900" indent="-342900">
@@ -11175,8 +11241,25 @@
               </a:rPr>
               <a:t>: </a:t>
             </a:r>
-            <a:r>
-              <a:rPr lang="zh-CN" altLang="en-US" dirty="0">
+            <a:endParaRPr lang="en-US" altLang="zh-CN" dirty="0">
+              <a:solidFill>
+                <a:schemeClr val="tx1">
+                  <a:lumMod val="65000"/>
+                  <a:lumOff val="35000"/>
+                </a:schemeClr>
+              </a:solidFill>
+              <a:ea typeface="思源黑体 CN Heavy" panose="020B0A00000000000000" pitchFamily="34" charset="-122"/>
+            </a:endParaRPr>
+          </a:p>
+          <a:p>
+            <a:pPr lvl="1" indent="0">
+              <a:buClr>
+                <a:srgbClr val="C00000"/>
+              </a:buClr>
+              <a:buNone/>
+            </a:pPr>
+            <a:r>
+              <a:rPr lang="en-US" altLang="zh-CN" dirty="0">
                 <a:solidFill>
                   <a:schemeClr val="tx1">
                     <a:lumMod val="65000"/>
@@ -11185,10 +11268,10 @@
                 </a:solidFill>
                 <a:ea typeface="思源黑体 CN Heavy" panose="020B0A00000000000000" pitchFamily="34" charset="-122"/>
               </a:rPr>
-              <a:t>构建是默认使用的是</a:t>
-            </a:r>
-            <a:r>
-              <a:rPr lang="en-US" altLang="zh-CN" dirty="0">
+              <a:t>- </a:t>
+            </a:r>
+            <a:r>
+              <a:rPr lang="zh-CN" altLang="en-US" dirty="0">
                 <a:solidFill>
                   <a:schemeClr val="tx1">
                     <a:lumMod val="65000"/>
@@ -11197,10 +11280,10 @@
                 </a:solidFill>
                 <a:ea typeface="思源黑体 CN Heavy" panose="020B0A00000000000000" pitchFamily="34" charset="-122"/>
               </a:rPr>
-              <a:t>go1.13</a:t>
-            </a:r>
-            <a:r>
-              <a:rPr lang="zh-CN" altLang="en-US" dirty="0">
+              <a:t>构建是默认使用的是</a:t>
+            </a:r>
+            <a:r>
+              <a:rPr lang="en-US" altLang="zh-CN" dirty="0">
                 <a:solidFill>
                   <a:schemeClr val="tx1">
                     <a:lumMod val="65000"/>
@@ -11209,10 +11292,10 @@
                 </a:solidFill>
                 <a:ea typeface="思源黑体 CN Heavy" panose="020B0A00000000000000" pitchFamily="34" charset="-122"/>
               </a:rPr>
-              <a:t>版本</a:t>
-            </a:r>
-            <a:r>
-              <a:rPr lang="en-US" altLang="zh-CN" dirty="0">
+              <a:t>go1.13</a:t>
+            </a:r>
+            <a:r>
+              <a:rPr lang="zh-CN" altLang="en-US" dirty="0">
                 <a:solidFill>
                   <a:schemeClr val="tx1">
                     <a:lumMod val="65000"/>
@@ -11221,10 +11304,10 @@
                 </a:solidFill>
                 <a:ea typeface="思源黑体 CN Heavy" panose="020B0A00000000000000" pitchFamily="34" charset="-122"/>
               </a:rPr>
-              <a:t>, </a:t>
-            </a:r>
-            <a:r>
-              <a:rPr lang="zh-CN" altLang="en-US" dirty="0">
+              <a:t>版本</a:t>
+            </a:r>
+            <a:r>
+              <a:rPr lang="en-US" altLang="zh-CN" dirty="0">
                 <a:solidFill>
                   <a:schemeClr val="tx1">
                     <a:lumMod val="65000"/>
@@ -11233,10 +11316,10 @@
                 </a:solidFill>
                 <a:ea typeface="思源黑体 CN Heavy" panose="020B0A00000000000000" pitchFamily="34" charset="-122"/>
               </a:rPr>
-              <a:t>但是我们项目书写的时候使用的</a:t>
-            </a:r>
-            <a:r>
-              <a:rPr lang="en-US" altLang="zh-CN" dirty="0">
+              <a:t>, </a:t>
+            </a:r>
+            <a:r>
+              <a:rPr lang="zh-CN" altLang="en-US" dirty="0">
                 <a:solidFill>
                   <a:schemeClr val="tx1">
                     <a:lumMod val="65000"/>
@@ -11245,10 +11328,10 @@
                 </a:solidFill>
                 <a:ea typeface="思源黑体 CN Heavy" panose="020B0A00000000000000" pitchFamily="34" charset="-122"/>
               </a:rPr>
-              <a:t>1.17, </a:t>
-            </a:r>
-            <a:r>
-              <a:rPr lang="zh-CN" altLang="en-US" dirty="0">
+              <a:t>但是我们项目书写的时候使用的</a:t>
+            </a:r>
+            <a:r>
+              <a:rPr lang="en-US" altLang="zh-CN" dirty="0">
                 <a:solidFill>
                   <a:schemeClr val="tx1">
                     <a:lumMod val="65000"/>
@@ -11257,10 +11340,10 @@
                 </a:solidFill>
                 <a:ea typeface="思源黑体 CN Heavy" panose="020B0A00000000000000" pitchFamily="34" charset="-122"/>
               </a:rPr>
-              <a:t>并且使用了</a:t>
-            </a:r>
-            <a:r>
-              <a:rPr lang="en-US" altLang="zh-CN" dirty="0">
+              <a:t>1.17, </a:t>
+            </a:r>
+            <a:r>
+              <a:rPr lang="zh-CN" altLang="en-US" dirty="0">
                 <a:solidFill>
                   <a:schemeClr val="tx1">
                     <a:lumMod val="65000"/>
@@ -11269,10 +11352,10 @@
                 </a:solidFill>
                 <a:ea typeface="思源黑体 CN Heavy" panose="020B0A00000000000000" pitchFamily="34" charset="-122"/>
               </a:rPr>
-              <a:t>1.17</a:t>
-            </a:r>
-            <a:r>
-              <a:rPr lang="zh-CN" altLang="en-US" dirty="0">
+              <a:t>并且使用了</a:t>
+            </a:r>
+            <a:r>
+              <a:rPr lang="en-US" altLang="zh-CN" dirty="0">
                 <a:solidFill>
                   <a:schemeClr val="tx1">
                     <a:lumMod val="65000"/>
@@ -11281,10 +11364,10 @@
                 </a:solidFill>
                 <a:ea typeface="思源黑体 CN Heavy" panose="020B0A00000000000000" pitchFamily="34" charset="-122"/>
               </a:rPr>
-              <a:t>的语法特性</a:t>
-            </a:r>
-            <a:r>
-              <a:rPr lang="en-US" altLang="zh-CN" dirty="0">
+              <a:t>1.17</a:t>
+            </a:r>
+            <a:r>
+              <a:rPr lang="zh-CN" altLang="en-US" dirty="0">
                 <a:solidFill>
                   <a:schemeClr val="tx1">
                     <a:lumMod val="65000"/>
@@ -11293,10 +11376,10 @@
                 </a:solidFill>
                 <a:ea typeface="思源黑体 CN Heavy" panose="020B0A00000000000000" pitchFamily="34" charset="-122"/>
               </a:rPr>
-              <a:t>, </a:t>
-            </a:r>
-            <a:r>
-              <a:rPr lang="zh-CN" altLang="en-US" dirty="0">
+              <a:t>的语法特性</a:t>
+            </a:r>
+            <a:r>
+              <a:rPr lang="en-US" altLang="zh-CN" dirty="0">
                 <a:solidFill>
                   <a:schemeClr val="tx1">
                     <a:lumMod val="65000"/>
@@ -11305,10 +11388,10 @@
                 </a:solidFill>
                 <a:ea typeface="思源黑体 CN Heavy" panose="020B0A00000000000000" pitchFamily="34" charset="-122"/>
               </a:rPr>
-              <a:t>所以不能编译</a:t>
-            </a:r>
-            <a:r>
-              <a:rPr lang="en-US" altLang="zh-CN" dirty="0">
+              <a:t>, </a:t>
+            </a:r>
+            <a:r>
+              <a:rPr lang="zh-CN" altLang="en-US" dirty="0">
                 <a:solidFill>
                   <a:schemeClr val="tx1">
                     <a:lumMod val="65000"/>
@@ -11317,10 +11400,10 @@
                 </a:solidFill>
                 <a:ea typeface="思源黑体 CN Heavy" panose="020B0A00000000000000" pitchFamily="34" charset="-122"/>
               </a:rPr>
-              <a:t>, </a:t>
-            </a:r>
-            <a:r>
-              <a:rPr lang="zh-CN" altLang="en-US" dirty="0">
+              <a:t>所以不能编译</a:t>
+            </a:r>
+            <a:r>
+              <a:rPr lang="en-US" altLang="zh-CN" dirty="0">
                 <a:solidFill>
                   <a:schemeClr val="tx1">
                     <a:lumMod val="65000"/>
@@ -11329,10 +11412,10 @@
                 </a:solidFill>
                 <a:ea typeface="思源黑体 CN Heavy" panose="020B0A00000000000000" pitchFamily="34" charset="-122"/>
               </a:rPr>
-              <a:t>会报错</a:t>
-            </a:r>
-            <a:r>
-              <a:rPr lang="en-US" altLang="zh-CN" dirty="0">
+              <a:t>, </a:t>
+            </a:r>
+            <a:r>
+              <a:rPr lang="zh-CN" altLang="en-US" dirty="0">
                 <a:solidFill>
                   <a:schemeClr val="tx1">
                     <a:lumMod val="65000"/>
@@ -11341,8 +11424,29 @@
                 </a:solidFill>
                 <a:ea typeface="思源黑体 CN Heavy" panose="020B0A00000000000000" pitchFamily="34" charset="-122"/>
               </a:rPr>
+              <a:t>会报错</a:t>
+            </a:r>
+            <a:r>
+              <a:rPr lang="en-US" altLang="zh-CN" dirty="0">
+                <a:solidFill>
+                  <a:schemeClr val="tx1">
+                    <a:lumMod val="65000"/>
+                    <a:lumOff val="35000"/>
+                  </a:schemeClr>
+                </a:solidFill>
+                <a:ea typeface="思源黑体 CN Heavy" panose="020B0A00000000000000" pitchFamily="34" charset="-122"/>
+              </a:rPr>
               <a:t>.</a:t>
             </a:r>
+            <a:endParaRPr lang="en-US" altLang="zh-CN" dirty="0">
+              <a:solidFill>
+                <a:schemeClr val="tx1">
+                  <a:lumMod val="65000"/>
+                  <a:lumOff val="35000"/>
+                </a:schemeClr>
+              </a:solidFill>
+              <a:ea typeface="思源黑体 CN Heavy" panose="020B0A00000000000000" pitchFamily="34" charset="-122"/>
+            </a:endParaRPr>
           </a:p>
           <a:p>
             <a:pPr marL="342900" indent="-342900">
@@ -11375,6 +11479,15 @@
               </a:rPr>
               <a:t>: </a:t>
             </a:r>
+            <a:endParaRPr lang="en-US" altLang="zh-CN" dirty="0">
+              <a:solidFill>
+                <a:schemeClr val="tx1">
+                  <a:lumMod val="65000"/>
+                  <a:lumOff val="35000"/>
+                </a:schemeClr>
+              </a:solidFill>
+              <a:ea typeface="思源黑体 CN Heavy" panose="020B0A00000000000000" pitchFamily="34" charset="-122"/>
+            </a:endParaRPr>
           </a:p>
           <a:p>
             <a:pPr marL="514350" lvl="1" indent="-342900">
@@ -11491,6 +11604,15 @@
               </a:rPr>
               <a:t>.</a:t>
             </a:r>
+            <a:endParaRPr lang="en-US" altLang="zh-CN" dirty="0">
+              <a:solidFill>
+                <a:schemeClr val="tx1">
+                  <a:lumMod val="65000"/>
+                  <a:lumOff val="35000"/>
+                </a:schemeClr>
+              </a:solidFill>
+              <a:ea typeface="思源黑体 CN Heavy" panose="020B0A00000000000000" pitchFamily="34" charset="-122"/>
+            </a:endParaRPr>
           </a:p>
           <a:p>
             <a:pPr marL="514350" lvl="1" indent="-342900">
@@ -11571,6 +11693,15 @@
               </a:rPr>
               <a:t>)</a:t>
             </a:r>
+            <a:endParaRPr lang="en-US" altLang="zh-CN" dirty="0">
+              <a:solidFill>
+                <a:schemeClr val="tx1">
+                  <a:lumMod val="65000"/>
+                  <a:lumOff val="35000"/>
+                </a:schemeClr>
+              </a:solidFill>
+              <a:ea typeface="思源黑体 CN Heavy" panose="020B0A00000000000000" pitchFamily="34" charset="-122"/>
+            </a:endParaRPr>
           </a:p>
         </p:txBody>
       </p:sp>
@@ -11713,20 +11844,14 @@
       </p:sp>
       <p:pic>
         <p:nvPicPr>
-          <p:cNvPr id="2" name="图片 1">
-            <a:extLst>
-              <a:ext uri="{FF2B5EF4-FFF2-40B4-BE49-F238E27FC236}">
-                <a16:creationId xmlns:a16="http://schemas.microsoft.com/office/drawing/2014/main" id="{8C2250DE-5BC1-42BD-9264-A32259BF0648}"/>
-              </a:ext>
-            </a:extLst>
-          </p:cNvPr>
+          <p:cNvPr id="2" name="图片 1"/>
           <p:cNvPicPr>
             <a:picLocks noChangeAspect="1"/>
           </p:cNvPicPr>
           <p:nvPr/>
         </p:nvPicPr>
         <p:blipFill>
-          <a:blip r:embed="rId3"/>
+          <a:blip r:embed="rId1"/>
           <a:stretch>
             <a:fillRect/>
           </a:stretch>
@@ -11743,20 +11868,14 @@
       </p:pic>
       <p:pic>
         <p:nvPicPr>
-          <p:cNvPr id="3" name="图片 2">
-            <a:extLst>
-              <a:ext uri="{FF2B5EF4-FFF2-40B4-BE49-F238E27FC236}">
-                <a16:creationId xmlns:a16="http://schemas.microsoft.com/office/drawing/2014/main" id="{4E7B08A1-EEC5-47B6-911D-DEE38D56E085}"/>
-              </a:ext>
-            </a:extLst>
-          </p:cNvPr>
+          <p:cNvPr id="3" name="图片 2"/>
           <p:cNvPicPr>
             <a:picLocks noChangeAspect="1"/>
           </p:cNvPicPr>
           <p:nvPr/>
         </p:nvPicPr>
         <p:blipFill>
-          <a:blip r:embed="rId4"/>
+          <a:blip r:embed="rId2"/>
           <a:stretch>
             <a:fillRect/>
           </a:stretch>
@@ -11772,22 +11891,17 @@
         </p:spPr>
       </p:pic>
     </p:spTree>
-    <p:extLst>
-      <p:ext uri="{BB962C8B-B14F-4D97-AF65-F5344CB8AC3E}">
-        <p14:creationId xmlns:p14="http://schemas.microsoft.com/office/powerpoint/2010/main" val="170869902"/>
-      </p:ext>
-    </p:extLst>
   </p:cSld>
   <p:clrMapOvr>
     <a:masterClrMapping/>
   </p:clrMapOvr>
-  <mc:AlternateContent xmlns:mc="http://schemas.openxmlformats.org/markup-compatibility/2006" xmlns:p14="http://schemas.microsoft.com/office/powerpoint/2010/main">
-    <mc:Choice Requires="p14">
+  <mc:AlternateContent xmlns:mc="http://schemas.openxmlformats.org/markup-compatibility/2006">
+    <mc:Choice xmlns:p14="http://schemas.microsoft.com/office/powerpoint/2010/main" Requires="p14">
       <p:transition spd="slow" p14:dur="1600">
         <p:blinds dir="vert"/>
       </p:transition>
     </mc:Choice>
-    <mc:Fallback xmlns="">
+    <mc:Fallback>
       <p:transition spd="slow">
         <p:blinds dir="vert"/>
       </p:transition>
@@ -12070,6 +12184,12 @@
               </a:rPr>
               <a:t>工作总结</a:t>
             </a:r>
+            <a:endParaRPr lang="zh-CN" altLang="en-US" sz="2800" b="1" dirty="0">
+              <a:solidFill>
+                <a:schemeClr val="bg1"/>
+              </a:solidFill>
+              <a:ea typeface="思源黑体 CN Heavy" panose="020B0A00000000000000" pitchFamily="34" charset="-122"/>
+            </a:endParaRPr>
           </a:p>
         </p:txBody>
       </p:sp>
@@ -12235,8 +12355,8 @@
         </p:nvSpPr>
         <p:spPr>
           <a:xfrm>
-            <a:off x="749935" y="1842770"/>
-            <a:ext cx="4653280" cy="2922905"/>
+            <a:off x="732347" y="1635764"/>
+            <a:ext cx="4653280" cy="4386664"/>
           </a:xfrm>
           <a:prstGeom prst="rect">
             <a:avLst/>
@@ -12362,7 +12482,7 @@
                 </a:solidFill>
                 <a:ea typeface="思源黑体 CN Heavy" panose="020B0A00000000000000" pitchFamily="34" charset="-122"/>
               </a:rPr>
-              <a:t>1. </a:t>
+              <a:t> </a:t>
             </a:r>
             <a:r>
               <a:rPr lang="zh-CN" altLang="en-US" dirty="0">
@@ -12399,6 +12519,382 @@
                 <a:ea typeface="思源黑体 CN Heavy" panose="020B0A00000000000000" pitchFamily="34" charset="-122"/>
               </a:rPr>
               <a:t>的语言特性</a:t>
+            </a:r>
+            <a:endParaRPr lang="en-US" altLang="zh-CN" dirty="0">
+              <a:solidFill>
+                <a:schemeClr val="tx1">
+                  <a:lumMod val="65000"/>
+                  <a:lumOff val="35000"/>
+                </a:schemeClr>
+              </a:solidFill>
+              <a:ea typeface="思源黑体 CN Heavy" panose="020B0A00000000000000" pitchFamily="34" charset="-122"/>
+            </a:endParaRPr>
+          </a:p>
+          <a:p>
+            <a:pPr marL="514350" lvl="1" indent="-342900">
+              <a:buClr>
+                <a:srgbClr val="C00000"/>
+              </a:buClr>
+              <a:buAutoNum type="arabicPeriod"/>
+            </a:pPr>
+            <a:r>
+              <a:rPr lang="en-US" altLang="zh-CN" dirty="0">
+                <a:solidFill>
+                  <a:schemeClr val="tx1">
+                    <a:lumMod val="65000"/>
+                    <a:lumOff val="35000"/>
+                  </a:schemeClr>
+                </a:solidFill>
+                <a:ea typeface="思源黑体 CN Heavy" panose="020B0A00000000000000" pitchFamily="34" charset="-122"/>
+              </a:rPr>
+              <a:t>1.17</a:t>
+            </a:r>
+            <a:r>
+              <a:rPr lang="zh-CN" altLang="en-US" dirty="0">
+                <a:solidFill>
+                  <a:schemeClr val="tx1">
+                    <a:lumMod val="65000"/>
+                    <a:lumOff val="35000"/>
+                  </a:schemeClr>
+                </a:solidFill>
+                <a:ea typeface="思源黑体 CN Heavy" panose="020B0A00000000000000" pitchFamily="34" charset="-122"/>
+              </a:rPr>
+              <a:t>之前的函数之间的调用和传递参数是基于堆栈进行传递的</a:t>
+            </a:r>
+            <a:r>
+              <a:rPr lang="en-US" altLang="zh-CN" dirty="0">
+                <a:solidFill>
+                  <a:schemeClr val="tx1">
+                    <a:lumMod val="65000"/>
+                    <a:lumOff val="35000"/>
+                  </a:schemeClr>
+                </a:solidFill>
+                <a:ea typeface="思源黑体 CN Heavy" panose="020B0A00000000000000" pitchFamily="34" charset="-122"/>
+              </a:rPr>
+              <a:t>, </a:t>
+            </a:r>
+            <a:r>
+              <a:rPr lang="zh-CN" altLang="en-US" dirty="0">
+                <a:solidFill>
+                  <a:schemeClr val="tx1">
+                    <a:lumMod val="65000"/>
+                    <a:lumOff val="35000"/>
+                  </a:schemeClr>
+                </a:solidFill>
+                <a:ea typeface="思源黑体 CN Heavy" panose="020B0A00000000000000" pitchFamily="34" charset="-122"/>
+              </a:rPr>
+              <a:t>更新之后是基于寄存器进行传递</a:t>
+            </a:r>
+            <a:r>
+              <a:rPr lang="en-US" altLang="zh-CN" dirty="0">
+                <a:solidFill>
+                  <a:schemeClr val="tx1">
+                    <a:lumMod val="65000"/>
+                    <a:lumOff val="35000"/>
+                  </a:schemeClr>
+                </a:solidFill>
+                <a:ea typeface="思源黑体 CN Heavy" panose="020B0A00000000000000" pitchFamily="34" charset="-122"/>
+              </a:rPr>
+              <a:t>.</a:t>
+            </a:r>
+            <a:endParaRPr lang="en-US" altLang="zh-CN" dirty="0">
+              <a:solidFill>
+                <a:schemeClr val="tx1">
+                  <a:lumMod val="65000"/>
+                  <a:lumOff val="35000"/>
+                </a:schemeClr>
+              </a:solidFill>
+              <a:ea typeface="思源黑体 CN Heavy" panose="020B0A00000000000000" pitchFamily="34" charset="-122"/>
+            </a:endParaRPr>
+          </a:p>
+          <a:p>
+            <a:pPr marL="514350" lvl="1" indent="-342900">
+              <a:buClr>
+                <a:srgbClr val="C00000"/>
+              </a:buClr>
+              <a:buAutoNum type="arabicPeriod"/>
+            </a:pPr>
+            <a:r>
+              <a:rPr lang="zh-CN" altLang="en-US" dirty="0">
+                <a:solidFill>
+                  <a:schemeClr val="tx1">
+                    <a:lumMod val="65000"/>
+                    <a:lumOff val="35000"/>
+                  </a:schemeClr>
+                </a:solidFill>
+                <a:ea typeface="思源黑体 CN Heavy" panose="020B0A00000000000000" pitchFamily="34" charset="-122"/>
+              </a:rPr>
+              <a:t>允许从切片到数组指针的转换</a:t>
+            </a:r>
+            <a:r>
+              <a:rPr lang="en-US" altLang="zh-CN" dirty="0">
+                <a:solidFill>
+                  <a:schemeClr val="tx1">
+                    <a:lumMod val="65000"/>
+                    <a:lumOff val="35000"/>
+                  </a:schemeClr>
+                </a:solidFill>
+                <a:ea typeface="思源黑体 CN Heavy" panose="020B0A00000000000000" pitchFamily="34" charset="-122"/>
+              </a:rPr>
+              <a:t>.(1.17</a:t>
+            </a:r>
+            <a:r>
+              <a:rPr lang="zh-CN" altLang="en-US" dirty="0">
+                <a:solidFill>
+                  <a:schemeClr val="tx1">
+                    <a:lumMod val="65000"/>
+                    <a:lumOff val="35000"/>
+                  </a:schemeClr>
+                </a:solidFill>
+                <a:ea typeface="思源黑体 CN Heavy" panose="020B0A00000000000000" pitchFamily="34" charset="-122"/>
+              </a:rPr>
+              <a:t>之前也可以使用</a:t>
+            </a:r>
+            <a:r>
+              <a:rPr lang="en-US" altLang="zh-CN" dirty="0">
+                <a:solidFill>
+                  <a:schemeClr val="tx1">
+                    <a:lumMod val="65000"/>
+                    <a:lumOff val="35000"/>
+                  </a:schemeClr>
+                </a:solidFill>
+                <a:ea typeface="思源黑体 CN Heavy" panose="020B0A00000000000000" pitchFamily="34" charset="-122"/>
+              </a:rPr>
+              <a:t>unsafe </a:t>
+            </a:r>
+            <a:r>
+              <a:rPr lang="zh-CN" altLang="en-US" dirty="0">
+                <a:solidFill>
+                  <a:schemeClr val="tx1">
+                    <a:lumMod val="65000"/>
+                    <a:lumOff val="35000"/>
+                  </a:schemeClr>
+                </a:solidFill>
+                <a:ea typeface="思源黑体 CN Heavy" panose="020B0A00000000000000" pitchFamily="34" charset="-122"/>
+              </a:rPr>
+              <a:t>将切片转换为数组</a:t>
+            </a:r>
+            <a:r>
+              <a:rPr lang="en-US" altLang="zh-CN" dirty="0">
+                <a:solidFill>
+                  <a:schemeClr val="tx1">
+                    <a:lumMod val="65000"/>
+                    <a:lumOff val="35000"/>
+                  </a:schemeClr>
+                </a:solidFill>
+                <a:ea typeface="思源黑体 CN Heavy" panose="020B0A00000000000000" pitchFamily="34" charset="-122"/>
+              </a:rPr>
+              <a:t>)</a:t>
+            </a:r>
+            <a:endParaRPr lang="en-US" altLang="zh-CN" dirty="0">
+              <a:solidFill>
+                <a:schemeClr val="tx1">
+                  <a:lumMod val="65000"/>
+                  <a:lumOff val="35000"/>
+                </a:schemeClr>
+              </a:solidFill>
+              <a:ea typeface="思源黑体 CN Heavy" panose="020B0A00000000000000" pitchFamily="34" charset="-122"/>
+            </a:endParaRPr>
+          </a:p>
+          <a:p>
+            <a:pPr marL="514350" lvl="1" indent="-342900">
+              <a:buClr>
+                <a:srgbClr val="C00000"/>
+              </a:buClr>
+              <a:buAutoNum type="arabicPeriod"/>
+            </a:pPr>
+            <a:r>
+              <a:rPr lang="zh-CN" altLang="en-US" dirty="0">
+                <a:solidFill>
+                  <a:schemeClr val="tx1">
+                    <a:lumMod val="65000"/>
+                    <a:lumOff val="35000"/>
+                  </a:schemeClr>
+                </a:solidFill>
+                <a:ea typeface="思源黑体 CN Heavy" panose="020B0A00000000000000" pitchFamily="34" charset="-122"/>
+              </a:rPr>
+              <a:t>更新了module</a:t>
+            </a:r>
+            <a:r>
+              <a:rPr lang="en-US" altLang="zh-CN" dirty="0">
+                <a:solidFill>
+                  <a:schemeClr val="tx1">
+                    <a:lumMod val="65000"/>
+                    <a:lumOff val="35000"/>
+                  </a:schemeClr>
+                </a:solidFill>
+                <a:ea typeface="思源黑体 CN Heavy" panose="020B0A00000000000000" pitchFamily="34" charset="-122"/>
+              </a:rPr>
+              <a:t>, </a:t>
+            </a:r>
+            <a:r>
+              <a:rPr lang="zh-CN" altLang="en-US" dirty="0">
+                <a:solidFill>
+                  <a:schemeClr val="tx1">
+                    <a:lumMod val="65000"/>
+                    <a:lumOff val="35000"/>
+                  </a:schemeClr>
+                </a:solidFill>
+                <a:ea typeface="思源黑体 CN Heavy" panose="020B0A00000000000000" pitchFamily="34" charset="-122"/>
+              </a:rPr>
+              <a:t>增加了一个</a:t>
+            </a:r>
+            <a:r>
+              <a:rPr lang="en-US" altLang="zh-CN" dirty="0">
+                <a:solidFill>
+                  <a:schemeClr val="tx1">
+                    <a:lumMod val="65000"/>
+                    <a:lumOff val="35000"/>
+                  </a:schemeClr>
+                </a:solidFill>
+                <a:ea typeface="思源黑体 CN Heavy" panose="020B0A00000000000000" pitchFamily="34" charset="-122"/>
+              </a:rPr>
+              <a:t>require, </a:t>
+            </a:r>
+            <a:r>
+              <a:rPr lang="zh-CN" altLang="en-US" dirty="0">
+                <a:solidFill>
+                  <a:schemeClr val="tx1">
+                    <a:lumMod val="65000"/>
+                    <a:lumOff val="35000"/>
+                  </a:schemeClr>
+                </a:solidFill>
+                <a:ea typeface="思源黑体 CN Heavy" panose="020B0A00000000000000" pitchFamily="34" charset="-122"/>
+              </a:rPr>
+              <a:t>放置间接依赖</a:t>
+            </a:r>
+            <a:r>
+              <a:rPr lang="en-US" altLang="zh-CN" dirty="0">
+                <a:solidFill>
+                  <a:schemeClr val="tx1">
+                    <a:lumMod val="65000"/>
+                    <a:lumOff val="35000"/>
+                  </a:schemeClr>
+                </a:solidFill>
+                <a:ea typeface="思源黑体 CN Heavy" panose="020B0A00000000000000" pitchFamily="34" charset="-122"/>
+              </a:rPr>
+              <a:t>.每次go mod tidy，go命令都会对main module的依赖做一次深度扫描, </a:t>
+            </a:r>
+            <a:r>
+              <a:rPr lang="zh-CN" altLang="en-US" dirty="0">
+                <a:solidFill>
+                  <a:schemeClr val="tx1">
+                    <a:lumMod val="65000"/>
+                    <a:lumOff val="35000"/>
+                  </a:schemeClr>
+                </a:solidFill>
+                <a:ea typeface="思源黑体 CN Heavy" panose="020B0A00000000000000" pitchFamily="34" charset="-122"/>
+              </a:rPr>
+              <a:t>然后分成两个</a:t>
+            </a:r>
+            <a:r>
+              <a:rPr lang="en-US" altLang="zh-CN" dirty="0">
+                <a:solidFill>
+                  <a:schemeClr val="tx1">
+                    <a:lumMod val="65000"/>
+                    <a:lumOff val="35000"/>
+                  </a:schemeClr>
+                </a:solidFill>
+                <a:ea typeface="思源黑体 CN Heavy" panose="020B0A00000000000000" pitchFamily="34" charset="-122"/>
+              </a:rPr>
+              <a:t>require.</a:t>
+            </a:r>
+            <a:endParaRPr lang="en-US" altLang="zh-CN" dirty="0">
+              <a:solidFill>
+                <a:schemeClr val="tx1">
+                  <a:lumMod val="65000"/>
+                  <a:lumOff val="35000"/>
+                </a:schemeClr>
+              </a:solidFill>
+              <a:ea typeface="思源黑体 CN Heavy" panose="020B0A00000000000000" pitchFamily="34" charset="-122"/>
+            </a:endParaRPr>
+          </a:p>
+          <a:p>
+            <a:pPr marL="514350" lvl="1" indent="-342900">
+              <a:buClr>
+                <a:srgbClr val="C00000"/>
+              </a:buClr>
+              <a:buAutoNum type="arabicPeriod"/>
+            </a:pPr>
+            <a:endParaRPr lang="en-US" altLang="zh-CN" dirty="0">
+              <a:solidFill>
+                <a:schemeClr val="tx1">
+                  <a:lumMod val="65000"/>
+                  <a:lumOff val="35000"/>
+                </a:schemeClr>
+              </a:solidFill>
+              <a:ea typeface="思源黑体 CN Heavy" panose="020B0A00000000000000" pitchFamily="34" charset="-122"/>
+            </a:endParaRPr>
+          </a:p>
+          <a:p>
+            <a:pPr lvl="2" indent="-285750">
+              <a:buClr>
+                <a:srgbClr val="C00000"/>
+              </a:buClr>
+              <a:buFontTx/>
+              <a:buChar char="-"/>
+            </a:pPr>
+            <a:endParaRPr lang="en-US" altLang="zh-CN" dirty="0">
+              <a:solidFill>
+                <a:schemeClr val="tx1">
+                  <a:lumMod val="65000"/>
+                  <a:lumOff val="35000"/>
+                </a:schemeClr>
+              </a:solidFill>
+              <a:ea typeface="思源黑体 CN Heavy" panose="020B0A00000000000000" pitchFamily="34" charset="-122"/>
+            </a:endParaRPr>
+          </a:p>
+          <a:p>
+            <a:pPr marL="628650" lvl="2">
+              <a:buClr>
+                <a:srgbClr val="C00000"/>
+              </a:buClr>
+            </a:pPr>
+            <a:endParaRPr lang="en-US" altLang="zh-CN" dirty="0">
+              <a:solidFill>
+                <a:schemeClr val="tx1">
+                  <a:lumMod val="65000"/>
+                  <a:lumOff val="35000"/>
+                </a:schemeClr>
+              </a:solidFill>
+              <a:ea typeface="思源黑体 CN Heavy" panose="020B0A00000000000000" pitchFamily="34" charset="-122"/>
+            </a:endParaRPr>
+          </a:p>
+          <a:p>
+            <a:pPr marL="0" indent="0">
+              <a:buClr>
+                <a:srgbClr val="C00000"/>
+              </a:buClr>
+              <a:buNone/>
+            </a:pPr>
+            <a:endParaRPr lang="en-US" altLang="zh-CN" dirty="0">
+              <a:solidFill>
+                <a:schemeClr val="tx1">
+                  <a:lumMod val="65000"/>
+                  <a:lumOff val="35000"/>
+                </a:schemeClr>
+              </a:solidFill>
+              <a:ea typeface="思源黑体 CN Heavy" panose="020B0A00000000000000" pitchFamily="34" charset="-122"/>
+            </a:endParaRPr>
+          </a:p>
+          <a:p>
+            <a:pPr marL="0" indent="0">
+              <a:buClr>
+                <a:srgbClr val="C00000"/>
+              </a:buClr>
+              <a:buNone/>
+            </a:pPr>
+            <a:r>
+              <a:rPr lang="en-US" altLang="zh-CN" dirty="0">
+                <a:solidFill>
+                  <a:schemeClr val="tx1">
+                    <a:lumMod val="65000"/>
+                    <a:lumOff val="35000"/>
+                  </a:schemeClr>
+                </a:solidFill>
+                <a:ea typeface="思源黑体 CN Heavy" panose="020B0A00000000000000" pitchFamily="34" charset="-122"/>
+              </a:rPr>
+              <a:t> </a:t>
             </a:r>
             <a:endParaRPr lang="en-US" altLang="zh-CN" dirty="0">
               <a:solidFill>
@@ -12412,160 +12908,48 @@
           </a:p>
         </p:txBody>
       </p:sp>
-      <p:sp>
-        <p:nvSpPr>
-          <p:cNvPr id="37" name="文本框 145"/>
-          <p:cNvSpPr txBox="1"/>
+      <p:pic>
+        <p:nvPicPr>
+          <p:cNvPr id="3" name="图片 2"/>
+          <p:cNvPicPr>
+            <a:picLocks noChangeAspect="1"/>
+          </p:cNvPicPr>
           <p:nvPr/>
-        </p:nvSpPr>
+        </p:nvPicPr>
+        <p:blipFill>
+          <a:blip r:embed="rId1">
+            <a:extLst>
+              <a:ext uri="{28A0092B-C50C-407E-A947-70E740481C1C}">
+                <a14:useLocalDpi xmlns:a14="http://schemas.microsoft.com/office/drawing/2010/main" val="0"/>
+              </a:ext>
+            </a:extLst>
+          </a:blip>
+          <a:stretch>
+            <a:fillRect/>
+          </a:stretch>
+        </p:blipFill>
         <p:spPr>
           <a:xfrm>
-            <a:off x="732347" y="3097217"/>
-            <a:ext cx="2352000" cy="413563"/>
+            <a:off x="6762115" y="1696720"/>
+            <a:ext cx="4514850" cy="1552575"/>
           </a:xfrm>
           <a:prstGeom prst="rect">
             <a:avLst/>
           </a:prstGeom>
-          <a:noFill/>
-          <a:ln>
-            <a:noFill/>
-          </a:ln>
         </p:spPr>
-        <p:style>
-          <a:lnRef idx="2">
-            <a:schemeClr val="accent1">
-              <a:shade val="50000"/>
-            </a:schemeClr>
-          </a:lnRef>
-          <a:fillRef idx="1">
-            <a:schemeClr val="accent1"/>
-          </a:fillRef>
-          <a:effectRef idx="0">
-            <a:schemeClr val="accent1"/>
-          </a:effectRef>
-          <a:fontRef idx="minor">
-            <a:schemeClr val="lt1"/>
-          </a:fontRef>
-        </p:style>
-        <p:txBody>
-          <a:bodyPr wrap="square" lIns="178172" tIns="0" rIns="178172" bIns="0" rtlCol="0" anchor="t">
-            <a:noAutofit/>
-          </a:bodyPr>
-          <a:lstStyle>
-            <a:defPPr>
-              <a:defRPr lang="zh-CN"/>
-            </a:defPPr>
-            <a:lvl1pPr marL="285750" indent="-285750">
-              <a:lnSpc>
-                <a:spcPct val="120000"/>
-              </a:lnSpc>
-              <a:buClr>
-                <a:schemeClr val="accent1"/>
-              </a:buClr>
-              <a:buFont typeface="Wingdings" panose="05000000000000000000" pitchFamily="2" charset="2"/>
-              <a:buChar char="n"/>
-              <a:defRPr sz="1800" b="1">
-                <a:solidFill>
-                  <a:schemeClr val="bg1">
-                    <a:lumMod val="50000"/>
-                  </a:schemeClr>
-                </a:solidFill>
-                <a:cs typeface="+mn-ea"/>
-              </a:defRPr>
-            </a:lvl1pPr>
-            <a:lvl2pPr>
-              <a:defRPr>
-                <a:solidFill>
-                  <a:schemeClr val="lt1"/>
-                </a:solidFill>
-              </a:defRPr>
-            </a:lvl2pPr>
-            <a:lvl3pPr>
-              <a:defRPr>
-                <a:solidFill>
-                  <a:schemeClr val="lt1"/>
-                </a:solidFill>
-              </a:defRPr>
-            </a:lvl3pPr>
-            <a:lvl4pPr>
-              <a:defRPr>
-                <a:solidFill>
-                  <a:schemeClr val="lt1"/>
-                </a:solidFill>
-              </a:defRPr>
-            </a:lvl4pPr>
-            <a:lvl5pPr>
-              <a:defRPr>
-                <a:solidFill>
-                  <a:schemeClr val="lt1"/>
-                </a:solidFill>
-              </a:defRPr>
-            </a:lvl5pPr>
-            <a:lvl6pPr>
-              <a:defRPr>
-                <a:solidFill>
-                  <a:schemeClr val="lt1"/>
-                </a:solidFill>
-              </a:defRPr>
-            </a:lvl6pPr>
-            <a:lvl7pPr>
-              <a:defRPr>
-                <a:solidFill>
-                  <a:schemeClr val="lt1"/>
-                </a:solidFill>
-              </a:defRPr>
-            </a:lvl7pPr>
-            <a:lvl8pPr>
-              <a:defRPr>
-                <a:solidFill>
-                  <a:schemeClr val="lt1"/>
-                </a:solidFill>
-              </a:defRPr>
-            </a:lvl8pPr>
-            <a:lvl9pPr>
-              <a:defRPr>
-                <a:solidFill>
-                  <a:schemeClr val="lt1"/>
-                </a:solidFill>
-              </a:defRPr>
-            </a:lvl9pPr>
-          </a:lstStyle>
-          <a:p>
-            <a:pPr marL="0" indent="0">
-              <a:buClr>
-                <a:srgbClr val="C00000"/>
-              </a:buClr>
-              <a:buNone/>
-            </a:pPr>
-            <a:endParaRPr lang="zh-CN" altLang="en-US" dirty="0">
-              <a:solidFill>
-                <a:schemeClr val="tx1">
-                  <a:lumMod val="65000"/>
-                  <a:lumOff val="35000"/>
-                </a:schemeClr>
-              </a:solidFill>
-              <a:ea typeface="思源黑体 CN Heavy" panose="020B0A00000000000000" pitchFamily="34" charset="-122"/>
-            </a:endParaRPr>
-          </a:p>
-        </p:txBody>
-      </p:sp>
+      </p:pic>
     </p:spTree>
-    <p:extLst>
-      <p:ext uri="{BB962C8B-B14F-4D97-AF65-F5344CB8AC3E}">
-        <p14:creationId xmlns:p14="http://schemas.microsoft.com/office/powerpoint/2010/main" val="277076290"/>
-      </p:ext>
-    </p:extLst>
   </p:cSld>
   <p:clrMapOvr>
     <a:masterClrMapping/>
   </p:clrMapOvr>
-  <mc:AlternateContent xmlns:mc="http://schemas.openxmlformats.org/markup-compatibility/2006" xmlns:p14="http://schemas.microsoft.com/office/powerpoint/2010/main">
-    <mc:Choice Requires="p14">
+  <mc:AlternateContent xmlns:mc="http://schemas.openxmlformats.org/markup-compatibility/2006">
+    <mc:Choice xmlns:p14="http://schemas.microsoft.com/office/powerpoint/2010/main" Requires="p14">
       <p:transition spd="slow" p14:dur="1600">
         <p:blinds dir="vert"/>
       </p:transition>
     </mc:Choice>
-    <mc:Fallback xmlns="">
+    <mc:Fallback>
       <p:transition spd="slow">
         <p:blinds dir="vert"/>
       </p:transition>
@@ -12699,73 +13083,6 @@
                             </p:childTnLst>
                           </p:cTn>
                         </p:par>
-                        <p:par>
-                          <p:cTn id="13" fill="hold">
-                            <p:stCondLst>
-                              <p:cond delay="1000"/>
-                            </p:stCondLst>
-                            <p:childTnLst>
-                              <p:par>
-                                <p:cTn id="14" presetID="12" presetClass="entr" presetSubtype="1" fill="hold" grpId="0" nodeType="afterEffect">
-                                  <p:stCondLst>
-                                    <p:cond delay="0"/>
-                                  </p:stCondLst>
-                                  <p:childTnLst>
-                                    <p:set>
-                                      <p:cBhvr>
-                                        <p:cTn id="15" dur="1" fill="hold">
-                                          <p:stCondLst>
-                                            <p:cond delay="0"/>
-                                          </p:stCondLst>
-                                        </p:cTn>
-                                        <p:tgtEl>
-                                          <p:spTgt spid="37"/>
-                                        </p:tgtEl>
-                                        <p:attrNameLst>
-                                          <p:attrName>style.visibility</p:attrName>
-                                        </p:attrNameLst>
-                                      </p:cBhvr>
-                                      <p:to>
-                                        <p:strVal val="visible"/>
-                                      </p:to>
-                                    </p:set>
-                                    <p:anim calcmode="lin" valueType="num">
-                                      <p:cBhvr additive="base">
-                                        <p:cTn id="16" dur="500"/>
-                                        <p:tgtEl>
-                                          <p:spTgt spid="37"/>
-                                        </p:tgtEl>
-                                        <p:attrNameLst>
-                                          <p:attrName>ppt_y</p:attrName>
-                                        </p:attrNameLst>
-                                      </p:cBhvr>
-                                      <p:tavLst>
-                                        <p:tav tm="0">
-                                          <p:val>
-                                            <p:strVal val="#ppt_y-#ppt_h*1.125000"/>
-                                          </p:val>
-                                        </p:tav>
-                                        <p:tav tm="100000">
-                                          <p:val>
-                                            <p:strVal val="#ppt_y"/>
-                                          </p:val>
-                                        </p:tav>
-                                      </p:tavLst>
-                                    </p:anim>
-                                    <p:animEffect transition="in" filter="wipe(down)">
-                                      <p:cBhvr>
-                                        <p:cTn id="17" dur="500"/>
-                                        <p:tgtEl>
-                                          <p:spTgt spid="37"/>
-                                        </p:tgtEl>
-                                      </p:cBhvr>
-                                    </p:animEffect>
-                                  </p:childTnLst>
-                                </p:cTn>
-                              </p:par>
-                            </p:childTnLst>
-                          </p:cTn>
-                        </p:par>
                       </p:childTnLst>
                     </p:cTn>
                   </p:par>
@@ -12794,7 +13111,6 @@
       <p:bldP spid="44" grpId="0"/>
       <p:bldP spid="44" grpId="1"/>
       <p:bldP spid="45" grpId="0" bldLvl="0" animBg="1"/>
-      <p:bldP spid="37" grpId="0" bldLvl="0" animBg="1"/>
     </p:bldLst>
   </p:timing>
 </p:sld>
@@ -12848,6 +13164,12 @@
               </a:rPr>
               <a:t>工作总结</a:t>
             </a:r>
+            <a:endParaRPr lang="zh-CN" altLang="en-US" sz="2800" b="1" dirty="0">
+              <a:solidFill>
+                <a:schemeClr val="bg1"/>
+              </a:solidFill>
+              <a:ea typeface="思源黑体 CN Heavy" panose="020B0A00000000000000" pitchFamily="34" charset="-122"/>
+            </a:endParaRPr>
           </a:p>
         </p:txBody>
       </p:sp>
@@ -13304,22 +13626,17 @@
         </p:txBody>
       </p:sp>
     </p:spTree>
-    <p:extLst>
-      <p:ext uri="{BB962C8B-B14F-4D97-AF65-F5344CB8AC3E}">
-        <p14:creationId xmlns:p14="http://schemas.microsoft.com/office/powerpoint/2010/main" val="1420896553"/>
-      </p:ext>
-    </p:extLst>
   </p:cSld>
   <p:clrMapOvr>
     <a:masterClrMapping/>
   </p:clrMapOvr>
-  <mc:AlternateContent xmlns:mc="http://schemas.openxmlformats.org/markup-compatibility/2006" xmlns:p14="http://schemas.microsoft.com/office/powerpoint/2010/main">
-    <mc:Choice Requires="p14">
+  <mc:AlternateContent xmlns:mc="http://schemas.openxmlformats.org/markup-compatibility/2006">
+    <mc:Choice xmlns:p14="http://schemas.microsoft.com/office/powerpoint/2010/main" Requires="p14">
       <p:transition spd="slow" p14:dur="1600">
         <p:blinds dir="vert"/>
       </p:transition>
     </mc:Choice>
-    <mc:Fallback xmlns="">
+    <mc:Fallback>
       <p:transition spd="slow">
         <p:blinds dir="vert"/>
       </p:transition>
@@ -13602,6 +13919,12 @@
               </a:rPr>
               <a:t>工作总结</a:t>
             </a:r>
+            <a:endParaRPr lang="zh-CN" altLang="en-US" sz="2800" b="1" dirty="0">
+              <a:solidFill>
+                <a:schemeClr val="bg1"/>
+              </a:solidFill>
+              <a:ea typeface="思源黑体 CN Heavy" panose="020B0A00000000000000" pitchFamily="34" charset="-122"/>
+            </a:endParaRPr>
           </a:p>
         </p:txBody>
       </p:sp>
@@ -13920,6 +14243,15 @@
               </a:rPr>
               <a:t>: </a:t>
             </a:r>
+            <a:endParaRPr lang="en-US" altLang="zh-CN" dirty="0">
+              <a:solidFill>
+                <a:schemeClr val="tx1">
+                  <a:lumMod val="65000"/>
+                  <a:lumOff val="35000"/>
+                </a:schemeClr>
+              </a:solidFill>
+              <a:ea typeface="思源黑体 CN Heavy" panose="020B0A00000000000000" pitchFamily="34" charset="-122"/>
+            </a:endParaRPr>
           </a:p>
           <a:p>
             <a:pPr marL="342900" indent="-342900">
@@ -14060,6 +14392,15 @@
               </a:rPr>
               <a:t>.  </a:t>
             </a:r>
+            <a:endParaRPr lang="en-US" altLang="zh-CN" dirty="0">
+              <a:solidFill>
+                <a:schemeClr val="tx1">
+                  <a:lumMod val="65000"/>
+                  <a:lumOff val="35000"/>
+                </a:schemeClr>
+              </a:solidFill>
+              <a:ea typeface="思源黑体 CN Heavy" panose="020B0A00000000000000" pitchFamily="34" charset="-122"/>
+            </a:endParaRPr>
           </a:p>
           <a:p>
             <a:pPr marL="171450" lvl="1">
@@ -14175,6 +14516,15 @@
               </a:rPr>
               <a:t>.</a:t>
             </a:r>
+            <a:endParaRPr lang="en-US" altLang="zh-CN" dirty="0">
+              <a:solidFill>
+                <a:schemeClr val="tx1">
+                  <a:lumMod val="65000"/>
+                  <a:lumOff val="35000"/>
+                </a:schemeClr>
+              </a:solidFill>
+              <a:ea typeface="思源黑体 CN Heavy" panose="020B0A00000000000000" pitchFamily="34" charset="-122"/>
+            </a:endParaRPr>
           </a:p>
           <a:p>
             <a:pPr marL="171450" lvl="1">
@@ -14223,6 +14573,15 @@
               </a:rPr>
               <a:t>: </a:t>
             </a:r>
+            <a:endParaRPr lang="en-US" altLang="zh-CN" dirty="0">
+              <a:solidFill>
+                <a:schemeClr val="tx1">
+                  <a:lumMod val="65000"/>
+                  <a:lumOff val="35000"/>
+                </a:schemeClr>
+              </a:solidFill>
+              <a:ea typeface="思源黑体 CN Heavy" panose="020B0A00000000000000" pitchFamily="34" charset="-122"/>
+            </a:endParaRPr>
           </a:p>
           <a:p>
             <a:pPr marL="514350" lvl="1" indent="-342900">
@@ -14267,6 +14626,15 @@
               </a:rPr>
               <a:t> </a:t>
             </a:r>
+            <a:endParaRPr lang="en-US" altLang="zh-CN" dirty="0">
+              <a:solidFill>
+                <a:schemeClr val="tx1">
+                  <a:lumMod val="65000"/>
+                  <a:lumOff val="35000"/>
+                </a:schemeClr>
+              </a:solidFill>
+              <a:ea typeface="思源黑体 CN Heavy" panose="020B0A00000000000000" pitchFamily="34" charset="-122"/>
+            </a:endParaRPr>
           </a:p>
           <a:p>
             <a:pPr marL="514350" lvl="1" indent="-342900">
@@ -14572,20 +14940,14 @@
       </p:sp>
       <p:pic>
         <p:nvPicPr>
-          <p:cNvPr id="3" name="图片 2">
-            <a:extLst>
-              <a:ext uri="{FF2B5EF4-FFF2-40B4-BE49-F238E27FC236}">
-                <a16:creationId xmlns:a16="http://schemas.microsoft.com/office/drawing/2014/main" id="{E8F57DAC-D371-4B70-9D89-6122F2F8190B}"/>
-              </a:ext>
-            </a:extLst>
-          </p:cNvPr>
+          <p:cNvPr id="3" name="图片 2"/>
           <p:cNvPicPr>
             <a:picLocks noChangeAspect="1"/>
           </p:cNvPicPr>
           <p:nvPr/>
         </p:nvPicPr>
         <p:blipFill>
-          <a:blip r:embed="rId3">
+          <a:blip r:embed="rId1">
             <a:extLst>
               <a:ext uri="{28A0092B-C50C-407E-A947-70E740481C1C}">
                 <a14:useLocalDpi xmlns:a14="http://schemas.microsoft.com/office/drawing/2010/main" val="0"/>
@@ -14608,13 +14970,7 @@
       </p:pic>
       <p:sp>
         <p:nvSpPr>
-          <p:cNvPr id="8" name="文本框 145">
-            <a:extLst>
-              <a:ext uri="{FF2B5EF4-FFF2-40B4-BE49-F238E27FC236}">
-                <a16:creationId xmlns:a16="http://schemas.microsoft.com/office/drawing/2014/main" id="{3E67C294-E5AA-4FD0-B976-8BB4C316FBFB}"/>
-              </a:ext>
-            </a:extLst>
-          </p:cNvPr>
+          <p:cNvPr id="8" name="文本框 145"/>
           <p:cNvSpPr txBox="1"/>
           <p:nvPr/>
         </p:nvSpPr>
@@ -14773,18 +15129,21 @@
               </a:rPr>
               <a:t>)</a:t>
             </a:r>
+            <a:endParaRPr lang="en-US" altLang="zh-CN" dirty="0">
+              <a:solidFill>
+                <a:schemeClr val="tx1">
+                  <a:lumMod val="65000"/>
+                  <a:lumOff val="35000"/>
+                </a:schemeClr>
+              </a:solidFill>
+              <a:ea typeface="思源黑体 CN Heavy" panose="020B0A00000000000000" pitchFamily="34" charset="-122"/>
+            </a:endParaRPr>
           </a:p>
         </p:txBody>
       </p:sp>
       <p:sp>
         <p:nvSpPr>
-          <p:cNvPr id="12" name="文本框 145">
-            <a:extLst>
-              <a:ext uri="{FF2B5EF4-FFF2-40B4-BE49-F238E27FC236}">
-                <a16:creationId xmlns:a16="http://schemas.microsoft.com/office/drawing/2014/main" id="{5F577055-C983-4405-8998-99DA47B4AF91}"/>
-              </a:ext>
-            </a:extLst>
-          </p:cNvPr>
+          <p:cNvPr id="12" name="文本框 145"/>
           <p:cNvSpPr txBox="1"/>
           <p:nvPr/>
         </p:nvSpPr>
@@ -14943,25 +15302,28 @@
               </a:rPr>
               <a:t>)</a:t>
             </a:r>
+            <a:endParaRPr lang="en-US" altLang="zh-CN" dirty="0">
+              <a:solidFill>
+                <a:schemeClr val="tx1">
+                  <a:lumMod val="65000"/>
+                  <a:lumOff val="35000"/>
+                </a:schemeClr>
+              </a:solidFill>
+              <a:ea typeface="思源黑体 CN Heavy" panose="020B0A00000000000000" pitchFamily="34" charset="-122"/>
+            </a:endParaRPr>
           </a:p>
         </p:txBody>
       </p:sp>
       <p:pic>
         <p:nvPicPr>
-          <p:cNvPr id="9" name="图片 8">
-            <a:extLst>
-              <a:ext uri="{FF2B5EF4-FFF2-40B4-BE49-F238E27FC236}">
-                <a16:creationId xmlns:a16="http://schemas.microsoft.com/office/drawing/2014/main" id="{57AEF155-0403-45D4-A54E-CD92837BEB25}"/>
-              </a:ext>
-            </a:extLst>
-          </p:cNvPr>
+          <p:cNvPr id="9" name="图片 8"/>
           <p:cNvPicPr>
             <a:picLocks noChangeAspect="1"/>
           </p:cNvPicPr>
           <p:nvPr/>
         </p:nvPicPr>
         <p:blipFill>
-          <a:blip r:embed="rId4">
+          <a:blip r:embed="rId2">
             <a:extLst>
               <a:ext uri="{28A0092B-C50C-407E-A947-70E740481C1C}">
                 <a14:useLocalDpi xmlns:a14="http://schemas.microsoft.com/office/drawing/2010/main" val="0"/>
@@ -14983,22 +15345,17 @@
         </p:spPr>
       </p:pic>
     </p:spTree>
-    <p:extLst>
-      <p:ext uri="{BB962C8B-B14F-4D97-AF65-F5344CB8AC3E}">
-        <p14:creationId xmlns:p14="http://schemas.microsoft.com/office/powerpoint/2010/main" val="1362804970"/>
-      </p:ext>
-    </p:extLst>
   </p:cSld>
   <p:clrMapOvr>
     <a:masterClrMapping/>
   </p:clrMapOvr>
-  <mc:AlternateContent xmlns:mc="http://schemas.openxmlformats.org/markup-compatibility/2006" xmlns:p14="http://schemas.microsoft.com/office/powerpoint/2010/main">
-    <mc:Choice Requires="p14">
+  <mc:AlternateContent xmlns:mc="http://schemas.openxmlformats.org/markup-compatibility/2006">
+    <mc:Choice xmlns:p14="http://schemas.microsoft.com/office/powerpoint/2010/main" Requires="p14">
       <p:transition spd="slow" p14:dur="1600">
         <p:blinds dir="vert"/>
       </p:transition>
     </mc:Choice>
-    <mc:Fallback xmlns="">
+    <mc:Fallback>
       <p:transition spd="slow">
         <p:blinds dir="vert"/>
       </p:transition>
@@ -15417,6 +15774,12 @@
               </a:rPr>
               <a:t>工作总结</a:t>
             </a:r>
+            <a:endParaRPr lang="zh-CN" altLang="en-US" sz="2800" b="1" dirty="0">
+              <a:solidFill>
+                <a:schemeClr val="bg1"/>
+              </a:solidFill>
+              <a:ea typeface="思源黑体 CN Heavy" panose="020B0A00000000000000" pitchFamily="34" charset="-122"/>
+            </a:endParaRPr>
           </a:p>
         </p:txBody>
       </p:sp>
@@ -15734,128 +16097,6 @@
               </a:rPr>
               <a:t>: </a:t>
             </a:r>
-          </a:p>
-          <a:p>
-            <a:pPr marL="171450" lvl="1">
-              <a:buClr>
-                <a:srgbClr val="C00000"/>
-              </a:buClr>
-            </a:pPr>
-            <a:r>
-              <a:rPr lang="en-US" altLang="zh-CN" dirty="0">
-                <a:solidFill>
-                  <a:schemeClr val="tx1">
-                    <a:lumMod val="65000"/>
-                    <a:lumOff val="35000"/>
-                  </a:schemeClr>
-                </a:solidFill>
-                <a:ea typeface="思源黑体 CN Heavy" panose="020B0A00000000000000" pitchFamily="34" charset="-122"/>
-              </a:rPr>
-              <a:t>     1. </a:t>
-            </a:r>
-            <a:r>
-              <a:rPr lang="zh-CN" altLang="en-US" dirty="0">
-                <a:solidFill>
-                  <a:schemeClr val="tx1">
-                    <a:lumMod val="65000"/>
-                    <a:lumOff val="35000"/>
-                  </a:schemeClr>
-                </a:solidFill>
-                <a:ea typeface="思源黑体 CN Heavy" panose="020B0A00000000000000" pitchFamily="34" charset="-122"/>
-              </a:rPr>
-              <a:t>不使用并发处理</a:t>
-            </a:r>
-            <a:r>
-              <a:rPr lang="en-US" altLang="zh-CN" dirty="0">
-                <a:solidFill>
-                  <a:schemeClr val="tx1">
-                    <a:lumMod val="65000"/>
-                    <a:lumOff val="35000"/>
-                  </a:schemeClr>
-                </a:solidFill>
-                <a:ea typeface="思源黑体 CN Heavy" panose="020B0A00000000000000" pitchFamily="34" charset="-122"/>
-              </a:rPr>
-              <a:t>(</a:t>
-            </a:r>
-            <a:r>
-              <a:rPr lang="zh-CN" altLang="en-US" dirty="0">
-                <a:solidFill>
-                  <a:schemeClr val="tx1">
-                    <a:lumMod val="65000"/>
-                    <a:lumOff val="35000"/>
-                  </a:schemeClr>
-                </a:solidFill>
-                <a:ea typeface="思源黑体 CN Heavy" panose="020B0A00000000000000" pitchFamily="34" charset="-122"/>
-              </a:rPr>
-              <a:t>比较推荐</a:t>
-            </a:r>
-            <a:r>
-              <a:rPr lang="en-US" altLang="zh-CN" dirty="0">
-                <a:solidFill>
-                  <a:schemeClr val="tx1">
-                    <a:lumMod val="65000"/>
-                    <a:lumOff val="35000"/>
-                  </a:schemeClr>
-                </a:solidFill>
-                <a:ea typeface="思源黑体 CN Heavy" panose="020B0A00000000000000" pitchFamily="34" charset="-122"/>
-              </a:rPr>
-              <a:t>)</a:t>
-            </a:r>
-          </a:p>
-          <a:p>
-            <a:pPr marL="171450" lvl="1">
-              <a:buClr>
-                <a:srgbClr val="C00000"/>
-              </a:buClr>
-            </a:pPr>
-            <a:r>
-              <a:rPr lang="en-US" altLang="zh-CN" dirty="0">
-                <a:solidFill>
-                  <a:schemeClr val="tx1">
-                    <a:lumMod val="65000"/>
-                    <a:lumOff val="35000"/>
-                  </a:schemeClr>
-                </a:solidFill>
-                <a:ea typeface="思源黑体 CN Heavy" panose="020B0A00000000000000" pitchFamily="34" charset="-122"/>
-              </a:rPr>
-              <a:t>	</a:t>
-            </a:r>
-            <a:r>
-              <a:rPr lang="zh-CN" altLang="en-US" dirty="0">
-                <a:solidFill>
-                  <a:schemeClr val="tx1">
-                    <a:lumMod val="65000"/>
-                    <a:lumOff val="35000"/>
-                  </a:schemeClr>
-                </a:solidFill>
-                <a:ea typeface="思源黑体 CN Heavy" panose="020B0A00000000000000" pitchFamily="34" charset="-122"/>
-              </a:rPr>
-              <a:t>原因</a:t>
-            </a:r>
-            <a:r>
-              <a:rPr lang="en-US" altLang="zh-CN" dirty="0">
-                <a:solidFill>
-                  <a:schemeClr val="tx1">
-                    <a:lumMod val="65000"/>
-                    <a:lumOff val="35000"/>
-                  </a:schemeClr>
-                </a:solidFill>
-                <a:ea typeface="思源黑体 CN Heavy" panose="020B0A00000000000000" pitchFamily="34" charset="-122"/>
-              </a:rPr>
-              <a:t>: </a:t>
-            </a:r>
-            <a:r>
-              <a:rPr lang="zh-CN" altLang="en-US" dirty="0">
-                <a:solidFill>
-                  <a:schemeClr val="tx1">
-                    <a:lumMod val="65000"/>
-                    <a:lumOff val="35000"/>
-                  </a:schemeClr>
-                </a:solidFill>
-                <a:ea typeface="思源黑体 CN Heavy" panose="020B0A00000000000000" pitchFamily="34" charset="-122"/>
-              </a:rPr>
-              <a:t>需要存入的的数据量较小</a:t>
-            </a:r>
             <a:endParaRPr lang="en-US" altLang="zh-CN" dirty="0">
               <a:solidFill>
                 <a:schemeClr val="tx1">
@@ -15882,7 +16123,7 @@
                 </a:solidFill>
                 <a:ea typeface="思源黑体 CN Heavy" panose="020B0A00000000000000" pitchFamily="34" charset="-122"/>
               </a:rPr>
-              <a:t>      2. </a:t>
+              <a:t>     1. </a:t>
             </a:r>
             <a:r>
               <a:rPr lang="zh-CN" altLang="en-US" dirty="0">
@@ -15894,7 +16135,7 @@
                 </a:solidFill>
                 <a:ea typeface="思源黑体 CN Heavy" panose="020B0A00000000000000" pitchFamily="34" charset="-122"/>
               </a:rPr>
-              <a:t>对每次</a:t>
+              <a:t>不使用并发处理</a:t>
             </a:r>
             <a:r>
               <a:rPr lang="en-US" altLang="zh-CN" dirty="0">
@@ -15906,7 +16147,7 @@
                 </a:solidFill>
                 <a:ea typeface="思源黑体 CN Heavy" panose="020B0A00000000000000" pitchFamily="34" charset="-122"/>
               </a:rPr>
-              <a:t>map</a:t>
+              <a:t>(</a:t>
             </a:r>
             <a:r>
               <a:rPr lang="zh-CN" altLang="en-US" dirty="0">
@@ -15918,10 +16159,10 @@
                 </a:solidFill>
                 <a:ea typeface="思源黑体 CN Heavy" panose="020B0A00000000000000" pitchFamily="34" charset="-122"/>
               </a:rPr>
-              <a:t>的读取以及向指针类型的</a:t>
-            </a:r>
-            <a:r>
-              <a:rPr lang="en-US" altLang="zh-CN" dirty="0" err="1">
+              <a:t>比较推荐</a:t>
+            </a:r>
+            <a:r>
+              <a:rPr lang="en-US" altLang="zh-CN" dirty="0">
                 <a:solidFill>
                   <a:schemeClr val="tx1">
                     <a:lumMod val="65000"/>
@@ -15930,19 +16171,7 @@
                 </a:solidFill>
                 <a:ea typeface="思源黑体 CN Heavy" panose="020B0A00000000000000" pitchFamily="34" charset="-122"/>
               </a:rPr>
-              <a:t>AbilityModel</a:t>
-            </a:r>
-            <a:r>
-              <a:rPr lang="zh-CN" altLang="en-US" dirty="0">
-                <a:solidFill>
-                  <a:schemeClr val="tx1">
-                    <a:lumMod val="65000"/>
-                    <a:lumOff val="35000"/>
-                  </a:schemeClr>
-                </a:solidFill>
-                <a:ea typeface="思源黑体 CN Heavy" panose="020B0A00000000000000" pitchFamily="34" charset="-122"/>
-              </a:rPr>
-              <a:t>进行加锁操作</a:t>
+              <a:t>)</a:t>
             </a:r>
             <a:endParaRPr lang="en-US" altLang="zh-CN" dirty="0">
               <a:solidFill>
@@ -15970,7 +16199,7 @@
                 </a:solidFill>
                 <a:ea typeface="思源黑体 CN Heavy" panose="020B0A00000000000000" pitchFamily="34" charset="-122"/>
               </a:rPr>
-              <a:t>      3. </a:t>
+              <a:t>	</a:t>
             </a:r>
             <a:r>
               <a:rPr lang="zh-CN" altLang="en-US" dirty="0">
@@ -15982,10 +16211,10 @@
                 </a:solidFill>
                 <a:ea typeface="思源黑体 CN Heavy" panose="020B0A00000000000000" pitchFamily="34" charset="-122"/>
               </a:rPr>
-              <a:t>使用 </a:t>
-            </a:r>
-            <a:r>
-              <a:rPr lang="en-US" altLang="zh-CN" dirty="0" err="1">
+              <a:t>原因</a:t>
+            </a:r>
+            <a:r>
+              <a:rPr lang="en-US" altLang="zh-CN" dirty="0">
                 <a:solidFill>
                   <a:schemeClr val="tx1">
                     <a:lumMod val="65000"/>
@@ -15994,8 +16223,24 @@
                 </a:solidFill>
                 <a:ea typeface="思源黑体 CN Heavy" panose="020B0A00000000000000" pitchFamily="34" charset="-122"/>
               </a:rPr>
-              <a:t>sync.Map</a:t>
-            </a:r>
+              <a:t>: </a:t>
+            </a:r>
+            <a:endParaRPr lang="en-US" altLang="zh-CN" dirty="0">
+              <a:solidFill>
+                <a:schemeClr val="tx1">
+                  <a:lumMod val="65000"/>
+                  <a:lumOff val="35000"/>
+                </a:schemeClr>
+              </a:solidFill>
+              <a:ea typeface="思源黑体 CN Heavy" panose="020B0A00000000000000" pitchFamily="34" charset="-122"/>
+            </a:endParaRPr>
+          </a:p>
+          <a:p>
+            <a:pPr marL="171450" lvl="1">
+              <a:buClr>
+                <a:srgbClr val="C00000"/>
+              </a:buClr>
+            </a:pPr>
             <a:r>
               <a:rPr lang="en-US" altLang="zh-CN" dirty="0">
                 <a:solidFill>
@@ -16006,7 +16251,7 @@
                 </a:solidFill>
                 <a:ea typeface="思源黑体 CN Heavy" panose="020B0A00000000000000" pitchFamily="34" charset="-122"/>
               </a:rPr>
-              <a:t> </a:t>
+              <a:t>	 1. </a:t>
             </a:r>
             <a:r>
               <a:rPr lang="zh-CN" altLang="en-US" dirty="0">
@@ -16018,8 +16263,24 @@
                 </a:solidFill>
                 <a:ea typeface="思源黑体 CN Heavy" panose="020B0A00000000000000" pitchFamily="34" charset="-122"/>
               </a:rPr>
-              <a:t>对数据进行操作</a:t>
-            </a:r>
+              <a:t>需要操作的的数据量较小</a:t>
+            </a:r>
+            <a:endParaRPr lang="zh-CN" altLang="en-US" dirty="0">
+              <a:solidFill>
+                <a:schemeClr val="tx1">
+                  <a:lumMod val="65000"/>
+                  <a:lumOff val="35000"/>
+                </a:schemeClr>
+              </a:solidFill>
+              <a:ea typeface="思源黑体 CN Heavy" panose="020B0A00000000000000" pitchFamily="34" charset="-122"/>
+            </a:endParaRPr>
+          </a:p>
+          <a:p>
+            <a:pPr marL="171450" lvl="1">
+              <a:buClr>
+                <a:srgbClr val="C00000"/>
+              </a:buClr>
+            </a:pPr>
             <a:r>
               <a:rPr lang="en-US" altLang="zh-CN" dirty="0">
                 <a:solidFill>
@@ -16030,10 +16291,10 @@
                 </a:solidFill>
                 <a:ea typeface="思源黑体 CN Heavy" panose="020B0A00000000000000" pitchFamily="34" charset="-122"/>
               </a:rPr>
-              <a:t>(</a:t>
-            </a:r>
-            <a:r>
-              <a:rPr lang="en-US" altLang="zh-CN" dirty="0" err="1">
+              <a:t>	 2. </a:t>
+            </a:r>
+            <a:r>
+              <a:rPr lang="zh-CN" altLang="en-US" dirty="0">
                 <a:solidFill>
                   <a:schemeClr val="tx1">
                     <a:lumMod val="65000"/>
@@ -16042,7 +16303,7 @@
                 </a:solidFill>
                 <a:ea typeface="思源黑体 CN Heavy" panose="020B0A00000000000000" pitchFamily="34" charset="-122"/>
               </a:rPr>
-              <a:t>sync.Map</a:t>
+              <a:t>使用并发可能导致并发所需要</a:t>
             </a:r>
             <a:r>
               <a:rPr lang="en-US" altLang="zh-CN" dirty="0">
@@ -16054,8 +16315,341 @@
                 </a:solidFill>
                 <a:ea typeface="思源黑体 CN Heavy" panose="020B0A00000000000000" pitchFamily="34" charset="-122"/>
               </a:rPr>
+              <a:t>        	     </a:t>
+            </a:r>
+            <a:r>
+              <a:rPr lang="zh-CN" altLang="en-US" dirty="0">
+                <a:solidFill>
+                  <a:schemeClr val="tx1">
+                    <a:lumMod val="65000"/>
+                    <a:lumOff val="35000"/>
+                  </a:schemeClr>
+                </a:solidFill>
+                <a:ea typeface="思源黑体 CN Heavy" panose="020B0A00000000000000" pitchFamily="34" charset="-122"/>
+              </a:rPr>
+              <a:t>的资源比直接运行占用的资源</a:t>
+            </a:r>
+            <a:r>
+              <a:rPr lang="en-US" altLang="zh-CN" dirty="0">
+                <a:solidFill>
+                  <a:schemeClr val="tx1">
+                    <a:lumMod val="65000"/>
+                    <a:lumOff val="35000"/>
+                  </a:schemeClr>
+                </a:solidFill>
+                <a:ea typeface="思源黑体 CN Heavy" panose="020B0A00000000000000" pitchFamily="34" charset="-122"/>
+              </a:rPr>
+              <a:t>    	     </a:t>
+            </a:r>
+            <a:r>
+              <a:rPr lang="zh-CN" altLang="en-US" dirty="0">
+                <a:solidFill>
+                  <a:schemeClr val="tx1">
+                    <a:lumMod val="65000"/>
+                    <a:lumOff val="35000"/>
+                  </a:schemeClr>
+                </a:solidFill>
+                <a:ea typeface="思源黑体 CN Heavy" panose="020B0A00000000000000" pitchFamily="34" charset="-122"/>
+              </a:rPr>
+              <a:t>更多</a:t>
+            </a:r>
+            <a:endParaRPr lang="zh-CN" altLang="en-US" dirty="0">
+              <a:solidFill>
+                <a:schemeClr val="tx1">
+                  <a:lumMod val="65000"/>
+                  <a:lumOff val="35000"/>
+                </a:schemeClr>
+              </a:solidFill>
+              <a:ea typeface="思源黑体 CN Heavy" panose="020B0A00000000000000" pitchFamily="34" charset="-122"/>
+            </a:endParaRPr>
+          </a:p>
+          <a:p>
+            <a:pPr marL="171450" lvl="1">
+              <a:buClr>
+                <a:srgbClr val="C00000"/>
+              </a:buClr>
+            </a:pPr>
+            <a:r>
+              <a:rPr lang="en-US" altLang="zh-CN" dirty="0">
+                <a:solidFill>
+                  <a:schemeClr val="tx1">
+                    <a:lumMod val="65000"/>
+                    <a:lumOff val="35000"/>
+                  </a:schemeClr>
+                </a:solidFill>
+                <a:ea typeface="思源黑体 CN Heavy" panose="020B0A00000000000000" pitchFamily="34" charset="-122"/>
+              </a:rPr>
+              <a:t>	 3. </a:t>
+            </a:r>
+            <a:r>
+              <a:rPr lang="zh-CN" altLang="en-US" dirty="0">
+                <a:solidFill>
+                  <a:schemeClr val="tx1">
+                    <a:lumMod val="65000"/>
+                    <a:lumOff val="35000"/>
+                  </a:schemeClr>
+                </a:solidFill>
+                <a:ea typeface="思源黑体 CN Heavy" panose="020B0A00000000000000" pitchFamily="34" charset="-122"/>
+              </a:rPr>
+              <a:t>使用并发不好管理</a:t>
+            </a:r>
+            <a:r>
+              <a:rPr lang="en-US" altLang="zh-CN" dirty="0">
+                <a:solidFill>
+                  <a:schemeClr val="tx1">
+                    <a:lumMod val="65000"/>
+                    <a:lumOff val="35000"/>
+                  </a:schemeClr>
+                </a:solidFill>
+                <a:ea typeface="思源黑体 CN Heavy" panose="020B0A00000000000000" pitchFamily="34" charset="-122"/>
+              </a:rPr>
+              <a:t>, </a:t>
+            </a:r>
+            <a:r>
+              <a:rPr lang="zh-CN" altLang="en-US" dirty="0">
+                <a:solidFill>
+                  <a:schemeClr val="tx1">
+                    <a:lumMod val="65000"/>
+                    <a:lumOff val="35000"/>
+                  </a:schemeClr>
+                </a:solidFill>
+                <a:ea typeface="思源黑体 CN Heavy" panose="020B0A00000000000000" pitchFamily="34" charset="-122"/>
+              </a:rPr>
+              <a:t>可能会造</a:t>
+            </a:r>
+            <a:r>
+              <a:rPr lang="en-US" altLang="zh-CN" dirty="0">
+                <a:solidFill>
+                  <a:schemeClr val="tx1">
+                    <a:lumMod val="65000"/>
+                    <a:lumOff val="35000"/>
+                  </a:schemeClr>
+                </a:solidFill>
+                <a:ea typeface="思源黑体 CN Heavy" panose="020B0A00000000000000" pitchFamily="34" charset="-122"/>
+              </a:rPr>
+              <a:t>	     </a:t>
+            </a:r>
+            <a:r>
+              <a:rPr lang="zh-CN" altLang="en-US" dirty="0">
+                <a:solidFill>
+                  <a:schemeClr val="tx1">
+                    <a:lumMod val="65000"/>
+                    <a:lumOff val="35000"/>
+                  </a:schemeClr>
+                </a:solidFill>
+                <a:ea typeface="思源黑体 CN Heavy" panose="020B0A00000000000000" pitchFamily="34" charset="-122"/>
+              </a:rPr>
+              <a:t>成内存泄漏</a:t>
+            </a:r>
+            <a:endParaRPr lang="en-US" altLang="zh-CN" dirty="0">
+              <a:solidFill>
+                <a:schemeClr val="tx1">
+                  <a:lumMod val="65000"/>
+                  <a:lumOff val="35000"/>
+                </a:schemeClr>
+              </a:solidFill>
+              <a:ea typeface="思源黑体 CN Heavy" panose="020B0A00000000000000" pitchFamily="34" charset="-122"/>
+            </a:endParaRPr>
+          </a:p>
+          <a:p>
+            <a:pPr marL="171450" lvl="1">
+              <a:buClr>
+                <a:srgbClr val="C00000"/>
+              </a:buClr>
+            </a:pPr>
+            <a:r>
+              <a:rPr lang="en-US" altLang="zh-CN" dirty="0">
+                <a:solidFill>
+                  <a:schemeClr val="tx1">
+                    <a:lumMod val="65000"/>
+                    <a:lumOff val="35000"/>
+                  </a:schemeClr>
+                </a:solidFill>
+                <a:ea typeface="思源黑体 CN Heavy" panose="020B0A00000000000000" pitchFamily="34" charset="-122"/>
+              </a:rPr>
+              <a:t>      2. </a:t>
+            </a:r>
+            <a:r>
+              <a:rPr lang="zh-CN" altLang="en-US" dirty="0">
+                <a:solidFill>
+                  <a:schemeClr val="tx1">
+                    <a:lumMod val="65000"/>
+                    <a:lumOff val="35000"/>
+                  </a:schemeClr>
+                </a:solidFill>
+                <a:ea typeface="思源黑体 CN Heavy" panose="020B0A00000000000000" pitchFamily="34" charset="-122"/>
+              </a:rPr>
+              <a:t>对每次</a:t>
+            </a:r>
+            <a:r>
+              <a:rPr lang="en-US" altLang="zh-CN" dirty="0">
+                <a:solidFill>
+                  <a:schemeClr val="tx1">
+                    <a:lumMod val="65000"/>
+                    <a:lumOff val="35000"/>
+                  </a:schemeClr>
+                </a:solidFill>
+                <a:ea typeface="思源黑体 CN Heavy" panose="020B0A00000000000000" pitchFamily="34" charset="-122"/>
+              </a:rPr>
+              <a:t>map</a:t>
+            </a:r>
+            <a:r>
+              <a:rPr lang="zh-CN" altLang="en-US" dirty="0">
+                <a:solidFill>
+                  <a:schemeClr val="tx1">
+                    <a:lumMod val="65000"/>
+                    <a:lumOff val="35000"/>
+                  </a:schemeClr>
+                </a:solidFill>
+                <a:ea typeface="思源黑体 CN Heavy" panose="020B0A00000000000000" pitchFamily="34" charset="-122"/>
+              </a:rPr>
+              <a:t>的读取以及向指针类型的</a:t>
+            </a:r>
+            <a:r>
+              <a:rPr lang="en-US" altLang="zh-CN" dirty="0" err="1">
+                <a:solidFill>
+                  <a:schemeClr val="tx1">
+                    <a:lumMod val="65000"/>
+                    <a:lumOff val="35000"/>
+                  </a:schemeClr>
+                </a:solidFill>
+                <a:ea typeface="思源黑体 CN Heavy" panose="020B0A00000000000000" pitchFamily="34" charset="-122"/>
+              </a:rPr>
+              <a:t>AbilityModel</a:t>
+            </a:r>
+            <a:r>
+              <a:rPr lang="zh-CN" altLang="en-US" dirty="0">
+                <a:solidFill>
+                  <a:schemeClr val="tx1">
+                    <a:lumMod val="65000"/>
+                    <a:lumOff val="35000"/>
+                  </a:schemeClr>
+                </a:solidFill>
+                <a:ea typeface="思源黑体 CN Heavy" panose="020B0A00000000000000" pitchFamily="34" charset="-122"/>
+              </a:rPr>
+              <a:t>进行加锁操作</a:t>
+            </a:r>
+            <a:endParaRPr lang="en-US" altLang="zh-CN" dirty="0">
+              <a:solidFill>
+                <a:schemeClr val="tx1">
+                  <a:lumMod val="65000"/>
+                  <a:lumOff val="35000"/>
+                </a:schemeClr>
+              </a:solidFill>
+              <a:ea typeface="思源黑体 CN Heavy" panose="020B0A00000000000000" pitchFamily="34" charset="-122"/>
+            </a:endParaRPr>
+          </a:p>
+          <a:p>
+            <a:pPr marL="171450" lvl="1">
+              <a:buClr>
+                <a:srgbClr val="C00000"/>
+              </a:buClr>
+            </a:pPr>
+            <a:r>
+              <a:rPr lang="en-US" altLang="zh-CN" dirty="0">
+                <a:solidFill>
+                  <a:schemeClr val="tx1">
+                    <a:lumMod val="65000"/>
+                    <a:lumOff val="35000"/>
+                  </a:schemeClr>
+                </a:solidFill>
+                <a:ea typeface="思源黑体 CN Heavy" panose="020B0A00000000000000" pitchFamily="34" charset="-122"/>
+              </a:rPr>
+              <a:t>      3. </a:t>
+            </a:r>
+            <a:r>
+              <a:rPr lang="zh-CN" altLang="en-US" dirty="0">
+                <a:solidFill>
+                  <a:schemeClr val="tx1">
+                    <a:lumMod val="65000"/>
+                    <a:lumOff val="35000"/>
+                  </a:schemeClr>
+                </a:solidFill>
+                <a:ea typeface="思源黑体 CN Heavy" panose="020B0A00000000000000" pitchFamily="34" charset="-122"/>
+              </a:rPr>
+              <a:t>使用 </a:t>
+            </a:r>
+            <a:r>
+              <a:rPr lang="en-US" altLang="zh-CN" dirty="0" err="1">
+                <a:solidFill>
+                  <a:schemeClr val="tx1">
+                    <a:lumMod val="65000"/>
+                    <a:lumOff val="35000"/>
+                  </a:schemeClr>
+                </a:solidFill>
+                <a:ea typeface="思源黑体 CN Heavy" panose="020B0A00000000000000" pitchFamily="34" charset="-122"/>
+              </a:rPr>
+              <a:t>sync.Map</a:t>
+            </a:r>
+            <a:r>
+              <a:rPr lang="en-US" altLang="zh-CN" dirty="0">
+                <a:solidFill>
+                  <a:schemeClr val="tx1">
+                    <a:lumMod val="65000"/>
+                    <a:lumOff val="35000"/>
+                  </a:schemeClr>
+                </a:solidFill>
+                <a:ea typeface="思源黑体 CN Heavy" panose="020B0A00000000000000" pitchFamily="34" charset="-122"/>
+              </a:rPr>
+              <a:t> </a:t>
+            </a:r>
+            <a:r>
+              <a:rPr lang="zh-CN" altLang="en-US" dirty="0">
+                <a:solidFill>
+                  <a:schemeClr val="tx1">
+                    <a:lumMod val="65000"/>
+                    <a:lumOff val="35000"/>
+                  </a:schemeClr>
+                </a:solidFill>
+                <a:ea typeface="思源黑体 CN Heavy" panose="020B0A00000000000000" pitchFamily="34" charset="-122"/>
+              </a:rPr>
+              <a:t>对数据进行操作</a:t>
+            </a:r>
+            <a:r>
+              <a:rPr lang="en-US" altLang="zh-CN" dirty="0">
+                <a:solidFill>
+                  <a:schemeClr val="tx1">
+                    <a:lumMod val="65000"/>
+                    <a:lumOff val="35000"/>
+                  </a:schemeClr>
+                </a:solidFill>
+                <a:ea typeface="思源黑体 CN Heavy" panose="020B0A00000000000000" pitchFamily="34" charset="-122"/>
+              </a:rPr>
+              <a:t>(</a:t>
+            </a:r>
+            <a:r>
+              <a:rPr lang="en-US" altLang="zh-CN" dirty="0" err="1">
+                <a:solidFill>
+                  <a:schemeClr val="tx1">
+                    <a:lumMod val="65000"/>
+                    <a:lumOff val="35000"/>
+                  </a:schemeClr>
+                </a:solidFill>
+                <a:ea typeface="思源黑体 CN Heavy" panose="020B0A00000000000000" pitchFamily="34" charset="-122"/>
+              </a:rPr>
+              <a:t>sync.Map</a:t>
+            </a:r>
+            <a:r>
+              <a:rPr lang="en-US" altLang="zh-CN" dirty="0">
+                <a:solidFill>
+                  <a:schemeClr val="tx1">
+                    <a:lumMod val="65000"/>
+                    <a:lumOff val="35000"/>
+                  </a:schemeClr>
+                </a:solidFill>
+                <a:ea typeface="思源黑体 CN Heavy" panose="020B0A00000000000000" pitchFamily="34" charset="-122"/>
+              </a:rPr>
               <a:t>)</a:t>
             </a:r>
+            <a:endParaRPr lang="en-US" altLang="zh-CN" dirty="0">
+              <a:solidFill>
+                <a:schemeClr val="tx1">
+                  <a:lumMod val="65000"/>
+                  <a:lumOff val="35000"/>
+                </a:schemeClr>
+              </a:solidFill>
+              <a:ea typeface="思源黑体 CN Heavy" panose="020B0A00000000000000" pitchFamily="34" charset="-122"/>
+            </a:endParaRPr>
           </a:p>
           <a:p>
             <a:pPr marL="342900" indent="-342900">
@@ -16215,13 +16809,7 @@
       </p:sp>
       <p:sp>
         <p:nvSpPr>
-          <p:cNvPr id="9" name="文本框 145">
-            <a:extLst>
-              <a:ext uri="{FF2B5EF4-FFF2-40B4-BE49-F238E27FC236}">
-                <a16:creationId xmlns:a16="http://schemas.microsoft.com/office/drawing/2014/main" id="{D9ABF83A-66B7-4026-9779-7E693D61A8D9}"/>
-              </a:ext>
-            </a:extLst>
-          </p:cNvPr>
+          <p:cNvPr id="9" name="文本框 145"/>
           <p:cNvSpPr txBox="1"/>
           <p:nvPr/>
         </p:nvSpPr>
@@ -16379,26 +16967,30 @@
               </a:rPr>
               <a:t>:</a:t>
             </a:r>
+            <a:endParaRPr lang="en-US" altLang="zh-CN" dirty="0">
+              <a:solidFill>
+                <a:schemeClr val="tx1">
+                  <a:lumMod val="65000"/>
+                  <a:lumOff val="35000"/>
+                </a:schemeClr>
+              </a:solidFill>
+              <a:ea typeface="思源黑体 CN Heavy" panose="020B0A00000000000000" pitchFamily="34" charset="-122"/>
+            </a:endParaRPr>
           </a:p>
         </p:txBody>
       </p:sp>
     </p:spTree>
-    <p:extLst>
-      <p:ext uri="{BB962C8B-B14F-4D97-AF65-F5344CB8AC3E}">
-        <p14:creationId xmlns:p14="http://schemas.microsoft.com/office/powerpoint/2010/main" val="3882529221"/>
-      </p:ext>
-    </p:extLst>
   </p:cSld>
   <p:clrMapOvr>
     <a:masterClrMapping/>
   </p:clrMapOvr>
-  <mc:AlternateContent xmlns:mc="http://schemas.openxmlformats.org/markup-compatibility/2006" xmlns:p14="http://schemas.microsoft.com/office/powerpoint/2010/main">
-    <mc:Choice Requires="p14">
+  <mc:AlternateContent xmlns:mc="http://schemas.openxmlformats.org/markup-compatibility/2006">
+    <mc:Choice xmlns:p14="http://schemas.microsoft.com/office/powerpoint/2010/main" Requires="p14">
       <p:transition spd="slow" p14:dur="1600">
         <p:blinds dir="vert"/>
       </p:transition>
     </mc:Choice>
-    <mc:Fallback xmlns="">
+    <mc:Fallback>
       <p:transition spd="slow">
         <p:blinds dir="vert"/>
       </p:transition>
@@ -16740,7 +17332,7 @@
             </p:cNvSpPr>
             <p:nvPr>
               <p:custDataLst>
-                <p:tags r:id="rId4"/>
+                <p:tags r:id="rId1"/>
               </p:custDataLst>
             </p:nvPr>
           </p:nvSpPr>
@@ -16783,6 +17375,21 @@
                 </a:rPr>
                 <a:t>2022</a:t>
               </a:r>
+              <a:endParaRPr lang="en-US" altLang="zh-CN" sz="11500" b="1" dirty="0">
+                <a:gradFill>
+                  <a:gsLst>
+                    <a:gs pos="0">
+                      <a:srgbClr val="F0D58B"/>
+                    </a:gs>
+                    <a:gs pos="100000">
+                      <a:srgbClr val="D9B44F"/>
+                    </a:gs>
+                  </a:gsLst>
+                  <a:path path="circle"/>
+                </a:gradFill>
+                <a:ea typeface="+mj-ea"/>
+                <a:cs typeface="+mn-lt"/>
+              </a:endParaRPr>
             </a:p>
           </p:txBody>
         </p:sp>
@@ -16794,7 +17401,7 @@
             </p:cNvSpPr>
             <p:nvPr>
               <p:custDataLst>
-                <p:tags r:id="rId5"/>
+                <p:tags r:id="rId2"/>
               </p:custDataLst>
             </p:nvPr>
           </p:nvSpPr>
@@ -16935,6 +17542,19 @@
                 </a:rPr>
                 <a:t>入职第二月述职报告</a:t>
               </a:r>
+              <a:endParaRPr lang="zh-CN" altLang="en-US" sz="4800" b="1" dirty="0">
+                <a:ln w="17780" cmpd="sng">
+                  <a:noFill/>
+                  <a:prstDash val="solid"/>
+                  <a:miter lim="800000"/>
+                </a:ln>
+                <a:solidFill>
+                  <a:schemeClr val="bg2"/>
+                </a:solidFill>
+                <a:effectLst/>
+                <a:latin typeface="思源黑体 CN Medium" panose="020B0600000000000000" pitchFamily="34" charset="-122"/>
+                <a:ea typeface="思源黑体 CN Medium" panose="020B0600000000000000" pitchFamily="34" charset="-122"/>
+              </a:endParaRPr>
             </a:p>
           </p:txBody>
         </p:sp>
@@ -16945,7 +17565,7 @@
           <p:cNvSpPr/>
           <p:nvPr>
             <p:custDataLst>
-              <p:tags r:id="rId1"/>
+              <p:tags r:id="rId3"/>
             </p:custDataLst>
           </p:nvPr>
         </p:nvSpPr>
@@ -17098,6 +17718,14 @@
               </a:rPr>
               <a:t>工作计划</a:t>
             </a:r>
+            <a:endParaRPr lang="zh-CN" altLang="en-US" sz="2000" dirty="0">
+              <a:solidFill>
+                <a:schemeClr val="bg1"/>
+              </a:solidFill>
+              <a:latin typeface="思源黑体 CN Medium" panose="020B0600000000000000" pitchFamily="34" charset="-122"/>
+              <a:ea typeface="思源黑体 CN Medium" panose="020B0600000000000000" pitchFamily="34" charset="-122"/>
+              <a:cs typeface="微软雅黑" panose="020B0503020204020204" pitchFamily="34" charset="-122"/>
+            </a:endParaRPr>
           </a:p>
         </p:txBody>
       </p:sp>
@@ -17107,7 +17735,7 @@
           <p:cNvSpPr txBox="1"/>
           <p:nvPr>
             <p:custDataLst>
-              <p:tags r:id="rId2"/>
+              <p:tags r:id="rId4"/>
             </p:custDataLst>
           </p:nvPr>
         </p:nvSpPr>
@@ -17531,6 +18159,15 @@
               </a:rPr>
               <a:t>司</a:t>
             </a:r>
+            <a:endParaRPr lang="zh-CN" altLang="en-US" sz="800" dirty="0">
+              <a:solidFill>
+                <a:schemeClr val="bg1">
+                  <a:lumMod val="75000"/>
+                </a:schemeClr>
+              </a:solidFill>
+              <a:latin typeface="微软雅黑" panose="020B0503020204020204" pitchFamily="34" charset="-122"/>
+              <a:ea typeface="微软雅黑" panose="020B0503020204020204" pitchFamily="34" charset="-122"/>
+            </a:endParaRPr>
           </a:p>
         </p:txBody>
       </p:sp>
@@ -17540,7 +18177,7 @@
           <p:cNvSpPr txBox="1"/>
           <p:nvPr>
             <p:custDataLst>
-              <p:tags r:id="rId3"/>
+              <p:tags r:id="rId5"/>
             </p:custDataLst>
           </p:nvPr>
         </p:nvSpPr>
@@ -17585,6 +18222,11 @@
               </a:rPr>
               <a:t>部门：产品研发部</a:t>
             </a:r>
+            <a:endParaRPr lang="zh-CN" altLang="en-US" sz="1200" dirty="0">
+              <a:solidFill>
+                <a:schemeClr val="bg1"/>
+              </a:solidFill>
+            </a:endParaRPr>
           </a:p>
         </p:txBody>
       </p:sp>
@@ -17593,13 +18235,13 @@
   <p:clrMapOvr>
     <a:masterClrMapping/>
   </p:clrMapOvr>
-  <mc:AlternateContent xmlns:mc="http://schemas.openxmlformats.org/markup-compatibility/2006" xmlns:p14="http://schemas.microsoft.com/office/powerpoint/2010/main">
-    <mc:Choice Requires="p14">
+  <mc:AlternateContent xmlns:mc="http://schemas.openxmlformats.org/markup-compatibility/2006">
+    <mc:Choice xmlns:p14="http://schemas.microsoft.com/office/powerpoint/2010/main" Requires="p14">
       <p:transition spd="slow" p14:dur="1600">
         <p:blinds dir="vert"/>
       </p:transition>
     </mc:Choice>
-    <mc:Fallback xmlns="">
+    <mc:Fallback>
       <p:transition spd="slow">
         <p:blinds dir="vert"/>
       </p:transition>
@@ -17958,7 +18600,7 @@
           <p:nvPr/>
         </p:nvPicPr>
         <p:blipFill>
-          <a:blip r:embed="rId3">
+          <a:blip r:embed="rId1">
             <a:extLst>
               <a:ext uri="{28A0092B-C50C-407E-A947-70E740481C1C}">
                 <a14:useLocalDpi xmlns:a14="http://schemas.microsoft.com/office/drawing/2010/main" val="0"/>
@@ -17986,7 +18628,7 @@
           <p:cNvSpPr txBox="1"/>
           <p:nvPr>
             <p:custDataLst>
-              <p:tags r:id="rId1"/>
+              <p:tags r:id="rId2"/>
             </p:custDataLst>
           </p:nvPr>
         </p:nvSpPr>
@@ -18274,6 +18916,13 @@
               </a:rPr>
               <a:t>工作分析</a:t>
             </a:r>
+            <a:endParaRPr lang="zh-CN" altLang="en-US" sz="4400" b="1" dirty="0">
+              <a:solidFill>
+                <a:srgbClr val="F0D58B"/>
+              </a:solidFill>
+              <a:latin typeface="思源黑体 CN Heavy" panose="020B0A00000000000000" pitchFamily="34" charset="-122"/>
+              <a:ea typeface="思源黑体 CN Heavy" panose="020B0A00000000000000" pitchFamily="34" charset="-122"/>
+            </a:endParaRPr>
           </a:p>
         </p:txBody>
       </p:sp>
@@ -18285,8 +18934,8 @@
   <p:transition spd="slow">
     <p:comb/>
   </p:transition>
-  <mc:AlternateContent xmlns:mc="http://schemas.openxmlformats.org/markup-compatibility/2006" xmlns:p14="http://schemas.microsoft.com/office/powerpoint/2010/main">
-    <mc:Choice Requires="p14">
+  <mc:AlternateContent xmlns:mc="http://schemas.openxmlformats.org/markup-compatibility/2006">
+    <mc:Choice xmlns:p14="http://schemas.microsoft.com/office/powerpoint/2010/main" Requires="p14">
       <p:timing>
         <p:tnLst>
           <p:par>
@@ -18596,7 +19245,7 @@
         </p:bldLst>
       </p:timing>
     </mc:Choice>
-    <mc:Fallback xmlns="">
+    <mc:Fallback>
       <p:timing>
         <p:tnLst>
           <p:par>
@@ -18958,6 +19607,12 @@
               </a:rPr>
               <a:t>工作分析</a:t>
             </a:r>
+            <a:endParaRPr lang="zh-CN" altLang="en-US" sz="2800" b="1" dirty="0">
+              <a:solidFill>
+                <a:schemeClr val="bg1"/>
+              </a:solidFill>
+              <a:ea typeface="思源黑体 CN Heavy" panose="020B0A00000000000000" pitchFamily="34" charset="-122"/>
+            </a:endParaRPr>
           </a:p>
         </p:txBody>
       </p:sp>
@@ -19532,13 +20187,13 @@
   <p:clrMapOvr>
     <a:masterClrMapping/>
   </p:clrMapOvr>
-  <mc:AlternateContent xmlns:mc="http://schemas.openxmlformats.org/markup-compatibility/2006" xmlns:p14="http://schemas.microsoft.com/office/powerpoint/2010/main">
-    <mc:Choice Requires="p14">
+  <mc:AlternateContent xmlns:mc="http://schemas.openxmlformats.org/markup-compatibility/2006">
+    <mc:Choice xmlns:p14="http://schemas.microsoft.com/office/powerpoint/2010/main" Requires="p14">
       <p:transition spd="slow" p14:dur="1600">
         <p:blinds dir="vert"/>
       </p:transition>
     </mc:Choice>
-    <mc:Fallback xmlns="">
+    <mc:Fallback>
       <p:transition spd="slow">
         <p:blinds dir="vert"/>
       </p:transition>
@@ -19804,7 +20459,7 @@
           <p:nvPr/>
         </p:nvPicPr>
         <p:blipFill>
-          <a:blip r:embed="rId3">
+          <a:blip r:embed="rId1">
             <a:extLst>
               <a:ext uri="{28A0092B-C50C-407E-A947-70E740481C1C}">
                 <a14:useLocalDpi xmlns:a14="http://schemas.microsoft.com/office/drawing/2010/main" val="0"/>
@@ -19832,7 +20487,7 @@
           <p:cNvSpPr txBox="1"/>
           <p:nvPr>
             <p:custDataLst>
-              <p:tags r:id="rId1"/>
+              <p:tags r:id="rId2"/>
             </p:custDataLst>
           </p:nvPr>
         </p:nvSpPr>
@@ -20120,6 +20775,13 @@
               </a:rPr>
               <a:t>解决方案</a:t>
             </a:r>
+            <a:endParaRPr lang="zh-CN" altLang="en-US" sz="4400" b="1" dirty="0">
+              <a:solidFill>
+                <a:srgbClr val="F0D58B"/>
+              </a:solidFill>
+              <a:latin typeface="思源黑体 CN Heavy" panose="020B0A00000000000000" pitchFamily="34" charset="-122"/>
+              <a:ea typeface="思源黑体 CN Heavy" panose="020B0A00000000000000" pitchFamily="34" charset="-122"/>
+            </a:endParaRPr>
           </a:p>
         </p:txBody>
       </p:sp>
@@ -20131,8 +20793,8 @@
   <p:transition spd="slow">
     <p:comb/>
   </p:transition>
-  <mc:AlternateContent xmlns:mc="http://schemas.openxmlformats.org/markup-compatibility/2006" xmlns:p14="http://schemas.microsoft.com/office/powerpoint/2010/main">
-    <mc:Choice Requires="p14">
+  <mc:AlternateContent xmlns:mc="http://schemas.openxmlformats.org/markup-compatibility/2006">
+    <mc:Choice xmlns:p14="http://schemas.microsoft.com/office/powerpoint/2010/main" Requires="p14">
       <p:timing>
         <p:tnLst>
           <p:par>
@@ -20442,7 +21104,7 @@
         </p:bldLst>
       </p:timing>
     </mc:Choice>
-    <mc:Fallback xmlns="">
+    <mc:Fallback>
       <p:timing>
         <p:tnLst>
           <p:par>
@@ -20804,6 +21466,12 @@
               </a:rPr>
               <a:t>解决方案</a:t>
             </a:r>
+            <a:endParaRPr lang="zh-CN" altLang="en-US" sz="2800" b="1" dirty="0">
+              <a:solidFill>
+                <a:schemeClr val="bg1"/>
+              </a:solidFill>
+              <a:ea typeface="思源黑体 CN Heavy" panose="020B0A00000000000000" pitchFamily="34" charset="-122"/>
+            </a:endParaRPr>
           </a:p>
         </p:txBody>
       </p:sp>
@@ -21414,13 +22082,13 @@
   <p:clrMapOvr>
     <a:masterClrMapping/>
   </p:clrMapOvr>
-  <mc:AlternateContent xmlns:mc="http://schemas.openxmlformats.org/markup-compatibility/2006" xmlns:p14="http://schemas.microsoft.com/office/powerpoint/2010/main">
-    <mc:Choice Requires="p14">
+  <mc:AlternateContent xmlns:mc="http://schemas.openxmlformats.org/markup-compatibility/2006">
+    <mc:Choice xmlns:p14="http://schemas.microsoft.com/office/powerpoint/2010/main" Requires="p14">
       <p:transition spd="slow" p14:dur="1600">
         <p:blinds dir="vert"/>
       </p:transition>
     </mc:Choice>
-    <mc:Fallback xmlns="">
+    <mc:Fallback>
       <p:transition spd="slow">
         <p:blinds dir="vert"/>
       </p:transition>
@@ -21681,7 +22349,7 @@
           <p:nvPr/>
         </p:nvPicPr>
         <p:blipFill>
-          <a:blip r:embed="rId3">
+          <a:blip r:embed="rId1">
             <a:extLst>
               <a:ext uri="{28A0092B-C50C-407E-A947-70E740481C1C}">
                 <a14:useLocalDpi xmlns:a14="http://schemas.microsoft.com/office/drawing/2010/main" val="0"/>
@@ -21709,7 +22377,7 @@
           <p:cNvSpPr txBox="1"/>
           <p:nvPr>
             <p:custDataLst>
-              <p:tags r:id="rId1"/>
+              <p:tags r:id="rId2"/>
             </p:custDataLst>
           </p:nvPr>
         </p:nvSpPr>
@@ -21997,6 +22665,13 @@
               </a:rPr>
               <a:t>个人总结</a:t>
             </a:r>
+            <a:endParaRPr lang="zh-CN" altLang="en-US" sz="4400" b="1" dirty="0">
+              <a:solidFill>
+                <a:srgbClr val="F0D58B"/>
+              </a:solidFill>
+              <a:latin typeface="思源黑体 CN Heavy" panose="020B0A00000000000000" pitchFamily="34" charset="-122"/>
+              <a:ea typeface="思源黑体 CN Heavy" panose="020B0A00000000000000" pitchFamily="34" charset="-122"/>
+            </a:endParaRPr>
           </a:p>
         </p:txBody>
       </p:sp>
@@ -22008,8 +22683,8 @@
   <p:transition spd="slow">
     <p:comb/>
   </p:transition>
-  <mc:AlternateContent xmlns:mc="http://schemas.openxmlformats.org/markup-compatibility/2006" xmlns:p14="http://schemas.microsoft.com/office/powerpoint/2010/main">
-    <mc:Choice Requires="p14">
+  <mc:AlternateContent xmlns:mc="http://schemas.openxmlformats.org/markup-compatibility/2006">
+    <mc:Choice xmlns:p14="http://schemas.microsoft.com/office/powerpoint/2010/main" Requires="p14">
       <p:timing>
         <p:tnLst>
           <p:par>
@@ -22319,7 +22994,7 @@
         </p:bldLst>
       </p:timing>
     </mc:Choice>
-    <mc:Fallback xmlns="">
+    <mc:Fallback>
       <p:timing>
         <p:tnLst>
           <p:par>
@@ -22681,6 +23356,12 @@
               </a:rPr>
               <a:t>个人总结</a:t>
             </a:r>
+            <a:endParaRPr lang="zh-CN" altLang="en-US" sz="2800" b="1" dirty="0">
+              <a:solidFill>
+                <a:schemeClr val="bg1"/>
+              </a:solidFill>
+              <a:ea typeface="思源黑体 CN Heavy" panose="020B0A00000000000000" pitchFamily="34" charset="-122"/>
+            </a:endParaRPr>
           </a:p>
         </p:txBody>
       </p:sp>
@@ -23134,6 +23815,15 @@
               </a:rPr>
               <a:t>个人感觉自己比较喜欢挑战,希望能在- -个大的平台或者团队里面进行工作和学习</a:t>
             </a:r>
+            <a:endParaRPr dirty="0">
+              <a:solidFill>
+                <a:schemeClr val="tx1">
+                  <a:lumMod val="65000"/>
+                  <a:lumOff val="35000"/>
+                </a:schemeClr>
+              </a:solidFill>
+              <a:ea typeface="思源黑体 CN Heavy" panose="020B0A00000000000000" pitchFamily="34" charset="-122"/>
+            </a:endParaRPr>
           </a:p>
           <a:p>
             <a:pPr marL="0" indent="0">
@@ -23434,13 +24124,13 @@
   <p:clrMapOvr>
     <a:masterClrMapping/>
   </p:clrMapOvr>
-  <mc:AlternateContent xmlns:mc="http://schemas.openxmlformats.org/markup-compatibility/2006" xmlns:p14="http://schemas.microsoft.com/office/powerpoint/2010/main">
-    <mc:Choice Requires="p14">
+  <mc:AlternateContent xmlns:mc="http://schemas.openxmlformats.org/markup-compatibility/2006">
+    <mc:Choice xmlns:p14="http://schemas.microsoft.com/office/powerpoint/2010/main" Requires="p14">
       <p:transition spd="slow" p14:dur="1600">
         <p:blinds dir="vert"/>
       </p:transition>
     </mc:Choice>
-    <mc:Fallback xmlns="">
+    <mc:Fallback>
       <p:transition spd="slow">
         <p:blinds dir="vert"/>
       </p:transition>
@@ -23701,7 +24391,7 @@
           <p:nvPr/>
         </p:nvPicPr>
         <p:blipFill>
-          <a:blip r:embed="rId3">
+          <a:blip r:embed="rId1">
             <a:extLst>
               <a:ext uri="{28A0092B-C50C-407E-A947-70E740481C1C}">
                 <a14:useLocalDpi xmlns:a14="http://schemas.microsoft.com/office/drawing/2010/main" val="0"/>
@@ -23729,7 +24419,7 @@
           <p:cNvSpPr txBox="1"/>
           <p:nvPr>
             <p:custDataLst>
-              <p:tags r:id="rId1"/>
+              <p:tags r:id="rId2"/>
             </p:custDataLst>
           </p:nvPr>
         </p:nvSpPr>
@@ -24017,6 +24707,13 @@
               </a:rPr>
               <a:t>工作计划</a:t>
             </a:r>
+            <a:endParaRPr lang="zh-CN" altLang="en-US" sz="4400" b="1" dirty="0">
+              <a:solidFill>
+                <a:srgbClr val="F0D58B"/>
+              </a:solidFill>
+              <a:latin typeface="思源黑体 CN Heavy" panose="020B0A00000000000000" pitchFamily="34" charset="-122"/>
+              <a:ea typeface="思源黑体 CN Heavy" panose="020B0A00000000000000" pitchFamily="34" charset="-122"/>
+            </a:endParaRPr>
           </a:p>
         </p:txBody>
       </p:sp>
@@ -24028,8 +24725,8 @@
   <p:transition spd="slow">
     <p:comb/>
   </p:transition>
-  <mc:AlternateContent xmlns:mc="http://schemas.openxmlformats.org/markup-compatibility/2006" xmlns:p14="http://schemas.microsoft.com/office/powerpoint/2010/main">
-    <mc:Choice Requires="p14">
+  <mc:AlternateContent xmlns:mc="http://schemas.openxmlformats.org/markup-compatibility/2006">
+    <mc:Choice xmlns:p14="http://schemas.microsoft.com/office/powerpoint/2010/main" Requires="p14">
       <p:timing>
         <p:tnLst>
           <p:par>
@@ -24339,7 +25036,7 @@
         </p:bldLst>
       </p:timing>
     </mc:Choice>
-    <mc:Fallback xmlns="">
+    <mc:Fallback>
       <p:timing>
         <p:tnLst>
           <p:par>
@@ -24701,6 +25398,12 @@
               </a:rPr>
               <a:t>工作计划</a:t>
             </a:r>
+            <a:endParaRPr lang="zh-CN" altLang="en-US" sz="2800" b="1" dirty="0">
+              <a:solidFill>
+                <a:schemeClr val="bg1"/>
+              </a:solidFill>
+              <a:ea typeface="思源黑体 CN Heavy" panose="020B0A00000000000000" pitchFamily="34" charset="-122"/>
+            </a:endParaRPr>
           </a:p>
         </p:txBody>
       </p:sp>
@@ -25335,13 +26038,13 @@
   <p:clrMapOvr>
     <a:masterClrMapping/>
   </p:clrMapOvr>
-  <mc:AlternateContent xmlns:mc="http://schemas.openxmlformats.org/markup-compatibility/2006" xmlns:p14="http://schemas.microsoft.com/office/powerpoint/2010/main">
-    <mc:Choice Requires="p14">
+  <mc:AlternateContent xmlns:mc="http://schemas.openxmlformats.org/markup-compatibility/2006">
+    <mc:Choice xmlns:p14="http://schemas.microsoft.com/office/powerpoint/2010/main" Requires="p14">
       <p:transition spd="slow" p14:dur="1600">
         <p:blinds dir="vert"/>
       </p:transition>
     </mc:Choice>
-    <mc:Fallback xmlns="">
+    <mc:Fallback>
       <p:transition spd="slow">
         <p:blinds dir="vert"/>
       </p:transition>
@@ -25765,6 +26468,22 @@
               </a:rPr>
               <a:t>CONTENTS</a:t>
             </a:r>
+            <a:endParaRPr lang="en-US" altLang="zh-CN" sz="8000" b="1" dirty="0">
+              <a:gradFill>
+                <a:gsLst>
+                  <a:gs pos="0">
+                    <a:srgbClr val="F0D58B"/>
+                  </a:gs>
+                  <a:gs pos="100000">
+                    <a:srgbClr val="D9B44F"/>
+                  </a:gs>
+                </a:gsLst>
+                <a:path path="circle"/>
+              </a:gradFill>
+              <a:latin typeface="Arial" panose="020B0604020202020204" pitchFamily="34" charset="0"/>
+              <a:ea typeface="+mj-ea"/>
+              <a:cs typeface="Arial" panose="020B0604020202020204" pitchFamily="34" charset="0"/>
+            </a:endParaRPr>
           </a:p>
         </p:txBody>
       </p:sp>
@@ -25845,6 +26564,30 @@
                   </a:rPr>
                   <a:t>自我介绍</a:t>
                 </a:r>
+                <a:endParaRPr lang="zh-CN" altLang="en-US" sz="2000" b="1" dirty="0">
+                  <a:gradFill>
+                    <a:gsLst>
+                      <a:gs pos="0">
+                        <a:srgbClr val="F0D58B"/>
+                      </a:gs>
+                      <a:gs pos="100000">
+                        <a:srgbClr val="D9B44F"/>
+                      </a:gs>
+                    </a:gsLst>
+                    <a:path path="circle">
+                      <a:fillToRect l="50000" t="-80000" r="50000" b="180000"/>
+                    </a:path>
+                  </a:gradFill>
+                  <a:effectLst>
+                    <a:outerShdw blurRad="38100" dist="38100" dir="2700000" algn="tl">
+                      <a:srgbClr val="000000">
+                        <a:alpha val="30000"/>
+                      </a:srgbClr>
+                    </a:outerShdw>
+                  </a:effectLst>
+                  <a:latin typeface="思源黑体 CN Heavy" panose="020B0A00000000000000" pitchFamily="34" charset="-122"/>
+                  <a:ea typeface="思源黑体 CN Heavy" panose="020B0A00000000000000" pitchFamily="34" charset="-122"/>
+                </a:endParaRPr>
               </a:p>
             </p:txBody>
           </p:sp>
@@ -25937,7 +26680,7 @@
             <p:nvPr/>
           </p:nvPicPr>
           <p:blipFill>
-            <a:blip r:embed="rId4"/>
+            <a:blip r:embed="rId2"/>
             <a:stretch>
               <a:fillRect/>
             </a:stretch>
@@ -26030,6 +26773,30 @@
                   </a:rPr>
                   <a:t>工作总结</a:t>
                 </a:r>
+                <a:endParaRPr lang="zh-CN" altLang="en-US" sz="2000" b="1" dirty="0">
+                  <a:gradFill>
+                    <a:gsLst>
+                      <a:gs pos="0">
+                        <a:srgbClr val="F0D58B"/>
+                      </a:gs>
+                      <a:gs pos="100000">
+                        <a:srgbClr val="D9B44F"/>
+                      </a:gs>
+                    </a:gsLst>
+                    <a:path path="circle">
+                      <a:fillToRect l="50000" t="-80000" r="50000" b="180000"/>
+                    </a:path>
+                  </a:gradFill>
+                  <a:effectLst>
+                    <a:outerShdw blurRad="38100" dist="38100" dir="2700000" algn="tl">
+                      <a:srgbClr val="000000">
+                        <a:alpha val="30000"/>
+                      </a:srgbClr>
+                    </a:outerShdw>
+                  </a:effectLst>
+                  <a:latin typeface="思源黑体 CN Heavy" panose="020B0A00000000000000" pitchFamily="34" charset="-122"/>
+                  <a:ea typeface="思源黑体 CN Heavy" panose="020B0A00000000000000" pitchFamily="34" charset="-122"/>
+                </a:endParaRPr>
               </a:p>
             </p:txBody>
           </p:sp>
@@ -26122,7 +26889,7 @@
             <p:nvPr/>
           </p:nvPicPr>
           <p:blipFill>
-            <a:blip r:embed="rId4"/>
+            <a:blip r:embed="rId2"/>
             <a:stretch>
               <a:fillRect/>
             </a:stretch>
@@ -26215,6 +26982,30 @@
                   </a:rPr>
                   <a:t>工作分析</a:t>
                 </a:r>
+                <a:endParaRPr lang="zh-CN" altLang="en-US" sz="2000" b="1" dirty="0">
+                  <a:gradFill>
+                    <a:gsLst>
+                      <a:gs pos="0">
+                        <a:srgbClr val="F0D58B"/>
+                      </a:gs>
+                      <a:gs pos="100000">
+                        <a:srgbClr val="D9B44F"/>
+                      </a:gs>
+                    </a:gsLst>
+                    <a:path path="circle">
+                      <a:fillToRect l="50000" t="-80000" r="50000" b="180000"/>
+                    </a:path>
+                  </a:gradFill>
+                  <a:effectLst>
+                    <a:outerShdw blurRad="38100" dist="38100" dir="2700000" algn="tl">
+                      <a:srgbClr val="000000">
+                        <a:alpha val="30000"/>
+                      </a:srgbClr>
+                    </a:outerShdw>
+                  </a:effectLst>
+                  <a:latin typeface="思源黑体 CN Heavy" panose="020B0A00000000000000" pitchFamily="34" charset="-122"/>
+                  <a:ea typeface="思源黑体 CN Heavy" panose="020B0A00000000000000" pitchFamily="34" charset="-122"/>
+                </a:endParaRPr>
               </a:p>
             </p:txBody>
           </p:sp>
@@ -26307,7 +27098,7 @@
             <p:nvPr/>
           </p:nvPicPr>
           <p:blipFill>
-            <a:blip r:embed="rId4"/>
+            <a:blip r:embed="rId2"/>
             <a:stretch>
               <a:fillRect/>
             </a:stretch>
@@ -26487,6 +27278,30 @@
                   </a:rPr>
                   <a:t>解决方案</a:t>
                 </a:r>
+                <a:endParaRPr lang="zh-CN" altLang="en-US" sz="2000" b="1" dirty="0">
+                  <a:gradFill>
+                    <a:gsLst>
+                      <a:gs pos="0">
+                        <a:srgbClr val="F0D58B"/>
+                      </a:gs>
+                      <a:gs pos="100000">
+                        <a:srgbClr val="D9B44F"/>
+                      </a:gs>
+                    </a:gsLst>
+                    <a:path path="circle">
+                      <a:fillToRect l="50000" t="-80000" r="50000" b="180000"/>
+                    </a:path>
+                  </a:gradFill>
+                  <a:effectLst>
+                    <a:outerShdw blurRad="38100" dist="38100" dir="2700000" algn="tl">
+                      <a:srgbClr val="000000">
+                        <a:alpha val="30000"/>
+                      </a:srgbClr>
+                    </a:outerShdw>
+                  </a:effectLst>
+                  <a:latin typeface="思源黑体 CN Heavy" panose="020B0A00000000000000" pitchFamily="34" charset="-122"/>
+                  <a:ea typeface="思源黑体 CN Heavy" panose="020B0A00000000000000" pitchFamily="34" charset="-122"/>
+                </a:endParaRPr>
               </a:p>
             </p:txBody>
           </p:sp>
@@ -26541,6 +27356,31 @@
                   </a:rPr>
                   <a:t>4</a:t>
                 </a:r>
+                <a:endParaRPr lang="en-US" altLang="zh-CN" sz="2800" dirty="0">
+                  <a:gradFill>
+                    <a:gsLst>
+                      <a:gs pos="0">
+                        <a:srgbClr val="F0D58B"/>
+                      </a:gs>
+                      <a:gs pos="100000">
+                        <a:srgbClr val="D9B44F"/>
+                      </a:gs>
+                    </a:gsLst>
+                    <a:path path="circle">
+                      <a:fillToRect l="50000" t="-80000" r="50000" b="180000"/>
+                    </a:path>
+                  </a:gradFill>
+                  <a:effectLst>
+                    <a:outerShdw blurRad="38100" dist="38100" dir="2700000" algn="tl">
+                      <a:srgbClr val="000000">
+                        <a:alpha val="30000"/>
+                      </a:srgbClr>
+                    </a:outerShdw>
+                  </a:effectLst>
+                  <a:latin typeface="Arial" panose="020B0604020202020204" pitchFamily="34" charset="0"/>
+                  <a:ea typeface="思源黑体 CN Medium" panose="020B0600000000000000" pitchFamily="34" charset="-122"/>
+                  <a:cs typeface="Arial" panose="020B0604020202020204" pitchFamily="34" charset="0"/>
+                </a:endParaRPr>
               </a:p>
             </p:txBody>
           </p:sp>
@@ -26554,7 +27394,7 @@
             <p:nvPr/>
           </p:nvPicPr>
           <p:blipFill>
-            <a:blip r:embed="rId4"/>
+            <a:blip r:embed="rId2"/>
             <a:stretch>
               <a:fillRect/>
             </a:stretch>
@@ -26647,6 +27487,30 @@
                   </a:rPr>
                   <a:t>个人总结</a:t>
                 </a:r>
+                <a:endParaRPr lang="zh-CN" altLang="en-US" sz="2000" b="1" dirty="0">
+                  <a:gradFill>
+                    <a:gsLst>
+                      <a:gs pos="0">
+                        <a:srgbClr val="F0D58B"/>
+                      </a:gs>
+                      <a:gs pos="100000">
+                        <a:srgbClr val="D9B44F"/>
+                      </a:gs>
+                    </a:gsLst>
+                    <a:path path="circle">
+                      <a:fillToRect l="50000" t="-80000" r="50000" b="180000"/>
+                    </a:path>
+                  </a:gradFill>
+                  <a:effectLst>
+                    <a:outerShdw blurRad="38100" dist="38100" dir="2700000" algn="tl">
+                      <a:srgbClr val="000000">
+                        <a:alpha val="30000"/>
+                      </a:srgbClr>
+                    </a:outerShdw>
+                  </a:effectLst>
+                  <a:latin typeface="思源黑体 CN Heavy" panose="020B0A00000000000000" pitchFamily="34" charset="-122"/>
+                  <a:ea typeface="思源黑体 CN Heavy" panose="020B0A00000000000000" pitchFamily="34" charset="-122"/>
+                </a:endParaRPr>
               </a:p>
             </p:txBody>
           </p:sp>
@@ -26739,7 +27603,7 @@
             <p:nvPr/>
           </p:nvPicPr>
           <p:blipFill>
-            <a:blip r:embed="rId4"/>
+            <a:blip r:embed="rId2"/>
             <a:stretch>
               <a:fillRect/>
             </a:stretch>
@@ -26832,6 +27696,30 @@
                   </a:rPr>
                   <a:t>工作计划</a:t>
                 </a:r>
+                <a:endParaRPr lang="zh-CN" altLang="en-US" sz="2000" b="1" dirty="0">
+                  <a:gradFill>
+                    <a:gsLst>
+                      <a:gs pos="0">
+                        <a:srgbClr val="F0D58B"/>
+                      </a:gs>
+                      <a:gs pos="100000">
+                        <a:srgbClr val="D9B44F"/>
+                      </a:gs>
+                    </a:gsLst>
+                    <a:path path="circle">
+                      <a:fillToRect l="50000" t="-80000" r="50000" b="180000"/>
+                    </a:path>
+                  </a:gradFill>
+                  <a:effectLst>
+                    <a:outerShdw blurRad="38100" dist="38100" dir="2700000" algn="tl">
+                      <a:srgbClr val="000000">
+                        <a:alpha val="30000"/>
+                      </a:srgbClr>
+                    </a:outerShdw>
+                  </a:effectLst>
+                  <a:latin typeface="思源黑体 CN Heavy" panose="020B0A00000000000000" pitchFamily="34" charset="-122"/>
+                  <a:ea typeface="思源黑体 CN Heavy" panose="020B0A00000000000000" pitchFamily="34" charset="-122"/>
+                </a:endParaRPr>
               </a:p>
             </p:txBody>
           </p:sp>
@@ -26924,7 +27812,7 @@
             <p:nvPr/>
           </p:nvPicPr>
           <p:blipFill>
-            <a:blip r:embed="rId4"/>
+            <a:blip r:embed="rId2"/>
             <a:stretch>
               <a:fillRect/>
             </a:stretch>
@@ -26945,13 +27833,13 @@
   <p:clrMapOvr>
     <a:masterClrMapping/>
   </p:clrMapOvr>
-  <mc:AlternateContent xmlns:mc="http://schemas.openxmlformats.org/markup-compatibility/2006" xmlns:p15="http://schemas.microsoft.com/office/powerpoint/2012/main">
-    <mc:Choice Requires="p15">
-      <p:transition xmlns:p14="http://schemas.microsoft.com/office/powerpoint/2010/main" spd="slow" p14:dur="1250">
+  <mc:AlternateContent xmlns:mc="http://schemas.openxmlformats.org/markup-compatibility/2006">
+    <mc:Choice xmlns:p15="http://schemas.microsoft.com/office/powerpoint/2012/main" Requires="p15">
+      <p:transition xmlns:p14="http://schemas.microsoft.com/office/powerpoint/2010/main" spd="slow" Requires="p14" p14:dur="1250">
         <p15:prstTrans prst="airplane"/>
       </p:transition>
     </mc:Choice>
-    <mc:Fallback xmlns="">
+    <mc:Fallback>
       <p:transition spd="slow">
         <p:fade/>
       </p:transition>
@@ -27913,6 +28801,13 @@
               </a:rPr>
               <a:t>自我介绍</a:t>
             </a:r>
+            <a:endParaRPr lang="zh-CN" altLang="en-US" sz="4400" b="1" dirty="0">
+              <a:solidFill>
+                <a:srgbClr val="F0D58B"/>
+              </a:solidFill>
+              <a:latin typeface="思源黑体 CN Heavy" panose="020B0A00000000000000" pitchFamily="34" charset="-122"/>
+              <a:ea typeface="思源黑体 CN Heavy" panose="020B0A00000000000000" pitchFamily="34" charset="-122"/>
+            </a:endParaRPr>
           </a:p>
         </p:txBody>
       </p:sp>
@@ -27925,7 +28820,7 @@
           <p:nvPr/>
         </p:nvPicPr>
         <p:blipFill>
-          <a:blip r:embed="rId3">
+          <a:blip r:embed="rId2">
             <a:extLst>
               <a:ext uri="{28A0092B-C50C-407E-A947-70E740481C1C}">
                 <a14:useLocalDpi xmlns:a14="http://schemas.microsoft.com/office/drawing/2010/main" val="0"/>
@@ -27954,8 +28849,8 @@
   <p:transition spd="slow">
     <p:comb/>
   </p:transition>
-  <mc:AlternateContent xmlns:mc="http://schemas.openxmlformats.org/markup-compatibility/2006" xmlns:p14="http://schemas.microsoft.com/office/powerpoint/2010/main">
-    <mc:Choice Requires="p14">
+  <mc:AlternateContent xmlns:mc="http://schemas.openxmlformats.org/markup-compatibility/2006">
+    <mc:Choice xmlns:p14="http://schemas.microsoft.com/office/powerpoint/2010/main" Requires="p14">
       <p:timing>
         <p:tnLst>
           <p:par>
@@ -28265,7 +29160,7 @@
         </p:bldLst>
       </p:timing>
     </mc:Choice>
-    <mc:Fallback xmlns="">
+    <mc:Fallback>
       <p:timing>
         <p:tnLst>
           <p:par>
@@ -28627,6 +29522,12 @@
               </a:rPr>
               <a:t>自我介绍</a:t>
             </a:r>
+            <a:endParaRPr lang="zh-CN" altLang="en-US" sz="2800" b="1" dirty="0">
+              <a:solidFill>
+                <a:schemeClr val="bg1"/>
+              </a:solidFill>
+              <a:ea typeface="思源黑体 CN Heavy" panose="020B0A00000000000000" pitchFamily="34" charset="-122"/>
+            </a:endParaRPr>
           </a:p>
         </p:txBody>
       </p:sp>
@@ -29015,7 +29916,7 @@
                 </a:solidFill>
                 <a:ea typeface="思源黑体 CN Heavy" panose="020B0A00000000000000" pitchFamily="34" charset="-122"/>
               </a:rPr>
-              <a:t>于</a:t>
+              <a:t>现任</a:t>
             </a:r>
             <a:r>
               <a:rPr lang="en-US" altLang="zh-CN" dirty="0">
@@ -29027,7 +29928,7 @@
                 </a:solidFill>
                 <a:ea typeface="思源黑体 CN Heavy" panose="020B0A00000000000000" pitchFamily="34" charset="-122"/>
               </a:rPr>
-              <a:t>6</a:t>
+              <a:t>golang</a:t>
             </a:r>
             <a:r>
               <a:rPr lang="zh-CN" altLang="en-US" dirty="0">
@@ -29039,7 +29940,7 @@
                 </a:solidFill>
                 <a:ea typeface="思源黑体 CN Heavy" panose="020B0A00000000000000" pitchFamily="34" charset="-122"/>
               </a:rPr>
-              <a:t>月</a:t>
+              <a:t>实习生</a:t>
             </a:r>
             <a:r>
               <a:rPr lang="en-US" altLang="zh-CN" dirty="0">
@@ -29051,80 +29952,17 @@
                 </a:solidFill>
                 <a:ea typeface="思源黑体 CN Heavy" panose="020B0A00000000000000" pitchFamily="34" charset="-122"/>
               </a:rPr>
-              <a:t>13</a:t>
-            </a:r>
-            <a:r>
-              <a:rPr lang="zh-CN" altLang="en-US" dirty="0">
-                <a:solidFill>
-                  <a:schemeClr val="tx1">
-                    <a:lumMod val="65000"/>
-                    <a:lumOff val="35000"/>
-                  </a:schemeClr>
-                </a:solidFill>
-                <a:ea typeface="思源黑体 CN Heavy" panose="020B0A00000000000000" pitchFamily="34" charset="-122"/>
-              </a:rPr>
-              <a:t>日来中科前沿</a:t>
-            </a:r>
-            <a:r>
-              <a:rPr lang="en-US" altLang="zh-CN" dirty="0">
-                <a:solidFill>
-                  <a:schemeClr val="tx1">
-                    <a:lumMod val="65000"/>
-                    <a:lumOff val="35000"/>
-                  </a:schemeClr>
-                </a:solidFill>
-                <a:ea typeface="思源黑体 CN Heavy" panose="020B0A00000000000000" pitchFamily="34" charset="-122"/>
-              </a:rPr>
-              <a:t>, </a:t>
-            </a:r>
-            <a:r>
-              <a:rPr lang="zh-CN" altLang="en-US" dirty="0">
-                <a:solidFill>
-                  <a:schemeClr val="tx1">
-                    <a:lumMod val="65000"/>
-                    <a:lumOff val="35000"/>
-                  </a:schemeClr>
-                </a:solidFill>
-                <a:ea typeface="思源黑体 CN Heavy" panose="020B0A00000000000000" pitchFamily="34" charset="-122"/>
-              </a:rPr>
-              <a:t>现任</a:t>
-            </a:r>
-            <a:r>
-              <a:rPr lang="en-US" altLang="zh-CN" dirty="0">
-                <a:solidFill>
-                  <a:schemeClr val="tx1">
-                    <a:lumMod val="65000"/>
-                    <a:lumOff val="35000"/>
-                  </a:schemeClr>
-                </a:solidFill>
-                <a:ea typeface="思源黑体 CN Heavy" panose="020B0A00000000000000" pitchFamily="34" charset="-122"/>
-              </a:rPr>
-              <a:t>golang</a:t>
-            </a:r>
-            <a:r>
-              <a:rPr lang="zh-CN" altLang="en-US" dirty="0">
-                <a:solidFill>
-                  <a:schemeClr val="tx1">
-                    <a:lumMod val="65000"/>
-                    <a:lumOff val="35000"/>
-                  </a:schemeClr>
-                </a:solidFill>
-                <a:ea typeface="思源黑体 CN Heavy" panose="020B0A00000000000000" pitchFamily="34" charset="-122"/>
-              </a:rPr>
-              <a:t>实习生</a:t>
-            </a:r>
-            <a:r>
-              <a:rPr lang="en-US" altLang="zh-CN" dirty="0">
-                <a:solidFill>
-                  <a:schemeClr val="tx1">
-                    <a:lumMod val="65000"/>
-                    <a:lumOff val="35000"/>
-                  </a:schemeClr>
-                </a:solidFill>
-                <a:ea typeface="思源黑体 CN Heavy" panose="020B0A00000000000000" pitchFamily="34" charset="-122"/>
-              </a:rPr>
               <a:t>.</a:t>
             </a:r>
+            <a:endParaRPr lang="en-US" altLang="zh-CN" dirty="0">
+              <a:solidFill>
+                <a:schemeClr val="tx1">
+                  <a:lumMod val="65000"/>
+                  <a:lumOff val="35000"/>
+                </a:schemeClr>
+              </a:solidFill>
+              <a:ea typeface="思源黑体 CN Heavy" panose="020B0A00000000000000" pitchFamily="34" charset="-122"/>
+            </a:endParaRPr>
           </a:p>
         </p:txBody>
       </p:sp>
@@ -29408,13 +30246,13 @@
   <p:clrMapOvr>
     <a:masterClrMapping/>
   </p:clrMapOvr>
-  <mc:AlternateContent xmlns:mc="http://schemas.openxmlformats.org/markup-compatibility/2006" xmlns:p14="http://schemas.microsoft.com/office/powerpoint/2010/main">
-    <mc:Choice Requires="p14">
+  <mc:AlternateContent xmlns:mc="http://schemas.openxmlformats.org/markup-compatibility/2006">
+    <mc:Choice xmlns:p14="http://schemas.microsoft.com/office/powerpoint/2010/main" Requires="p14">
       <p:transition spd="slow" p14:dur="1600">
         <p:blinds dir="vert"/>
       </p:transition>
     </mc:Choice>
-    <mc:Fallback xmlns="">
+    <mc:Fallback>
       <p:transition spd="slow">
         <p:blinds dir="vert"/>
       </p:transition>
@@ -29675,7 +30513,7 @@
           <p:nvPr/>
         </p:nvPicPr>
         <p:blipFill>
-          <a:blip r:embed="rId3">
+          <a:blip r:embed="rId1">
             <a:extLst>
               <a:ext uri="{28A0092B-C50C-407E-A947-70E740481C1C}">
                 <a14:useLocalDpi xmlns:a14="http://schemas.microsoft.com/office/drawing/2010/main" val="0"/>
@@ -29703,7 +30541,7 @@
           <p:cNvSpPr txBox="1"/>
           <p:nvPr>
             <p:custDataLst>
-              <p:tags r:id="rId1"/>
+              <p:tags r:id="rId2"/>
             </p:custDataLst>
           </p:nvPr>
         </p:nvSpPr>
@@ -29904,6 +30742,13 @@
               </a:rPr>
               <a:t>工作总结</a:t>
             </a:r>
+            <a:endParaRPr lang="zh-CN" altLang="en-US" sz="4400" b="1" dirty="0">
+              <a:solidFill>
+                <a:srgbClr val="F0D58B"/>
+              </a:solidFill>
+              <a:latin typeface="思源黑体 CN Heavy" panose="020B0A00000000000000" pitchFamily="34" charset="-122"/>
+              <a:ea typeface="思源黑体 CN Heavy" panose="020B0A00000000000000" pitchFamily="34" charset="-122"/>
+            </a:endParaRPr>
           </a:p>
         </p:txBody>
       </p:sp>
@@ -29915,8 +30760,8 @@
   <p:transition spd="slow">
     <p:comb/>
   </p:transition>
-  <mc:AlternateContent xmlns:mc="http://schemas.openxmlformats.org/markup-compatibility/2006" xmlns:p14="http://schemas.microsoft.com/office/powerpoint/2010/main">
-    <mc:Choice Requires="p14">
+  <mc:AlternateContent xmlns:mc="http://schemas.openxmlformats.org/markup-compatibility/2006">
+    <mc:Choice xmlns:p14="http://schemas.microsoft.com/office/powerpoint/2010/main" Requires="p14">
       <p:timing>
         <p:tnLst>
           <p:par>
@@ -30226,7 +31071,7 @@
         </p:bldLst>
       </p:timing>
     </mc:Choice>
-    <mc:Fallback xmlns="">
+    <mc:Fallback>
       <p:timing>
         <p:tnLst>
           <p:par>
@@ -30588,6 +31433,12 @@
               </a:rPr>
               <a:t>工作总结</a:t>
             </a:r>
+            <a:endParaRPr lang="zh-CN" altLang="en-US" sz="2800" b="1" dirty="0">
+              <a:solidFill>
+                <a:schemeClr val="bg1"/>
+              </a:solidFill>
+              <a:ea typeface="思源黑体 CN Heavy" panose="020B0A00000000000000" pitchFamily="34" charset="-122"/>
+            </a:endParaRPr>
           </a:p>
         </p:txBody>
       </p:sp>
@@ -31034,6 +31885,15 @@
               </a:rPr>
               <a:t>15s</a:t>
             </a:r>
+            <a:endParaRPr lang="en-US" altLang="zh-CN" dirty="0">
+              <a:solidFill>
+                <a:schemeClr val="tx1">
+                  <a:lumMod val="65000"/>
+                  <a:lumOff val="35000"/>
+                </a:schemeClr>
+              </a:solidFill>
+              <a:ea typeface="思源黑体 CN Heavy" panose="020B0A00000000000000" pitchFamily="34" charset="-122"/>
+            </a:endParaRPr>
           </a:p>
           <a:p>
             <a:pPr marL="514350" lvl="1" indent="-342900">
@@ -31066,6 +31926,15 @@
               </a:rPr>
               <a:t> </a:t>
             </a:r>
+            <a:endParaRPr lang="en-US" altLang="zh-CN" dirty="0">
+              <a:solidFill>
+                <a:schemeClr val="tx1">
+                  <a:lumMod val="65000"/>
+                  <a:lumOff val="35000"/>
+                </a:schemeClr>
+              </a:solidFill>
+              <a:ea typeface="思源黑体 CN Heavy" panose="020B0A00000000000000" pitchFamily="34" charset="-122"/>
+            </a:endParaRPr>
           </a:p>
         </p:txBody>
       </p:sp>
@@ -31349,13 +32218,13 @@
   <p:clrMapOvr>
     <a:masterClrMapping/>
   </p:clrMapOvr>
-  <mc:AlternateContent xmlns:mc="http://schemas.openxmlformats.org/markup-compatibility/2006" xmlns:p14="http://schemas.microsoft.com/office/powerpoint/2010/main">
-    <mc:Choice Requires="p14">
+  <mc:AlternateContent xmlns:mc="http://schemas.openxmlformats.org/markup-compatibility/2006">
+    <mc:Choice xmlns:p14="http://schemas.microsoft.com/office/powerpoint/2010/main" Requires="p14">
       <p:transition spd="slow" p14:dur="1600">
         <p:blinds dir="vert"/>
       </p:transition>
     </mc:Choice>
-    <mc:Fallback xmlns="">
+    <mc:Fallback>
       <p:transition spd="slow">
         <p:blinds dir="vert"/>
       </p:transition>
@@ -31638,6 +32507,12 @@
               </a:rPr>
               <a:t>工作总结</a:t>
             </a:r>
+            <a:endParaRPr lang="zh-CN" altLang="en-US" sz="2800" b="1" dirty="0">
+              <a:solidFill>
+                <a:schemeClr val="bg1"/>
+              </a:solidFill>
+              <a:ea typeface="思源黑体 CN Heavy" panose="020B0A00000000000000" pitchFamily="34" charset="-122"/>
+            </a:endParaRPr>
           </a:p>
         </p:txBody>
       </p:sp>
@@ -31803,7 +32678,7 @@
         </p:nvSpPr>
         <p:spPr>
           <a:xfrm>
-            <a:off x="732155" y="1842770"/>
+            <a:off x="643255" y="1905952"/>
             <a:ext cx="4653280" cy="2922905"/>
           </a:xfrm>
           <a:prstGeom prst="rect">
@@ -31930,7 +32805,7 @@
                 </a:solidFill>
                 <a:ea typeface="思源黑体 CN Heavy" panose="020B0A00000000000000" pitchFamily="34" charset="-122"/>
               </a:rPr>
-              <a:t>go</a:t>
+              <a:t>1. </a:t>
             </a:r>
             <a:r>
               <a:rPr lang="zh-CN" altLang="en-US" dirty="0">
@@ -31942,109 +32817,7 @@
                 </a:solidFill>
                 <a:ea typeface="思源黑体 CN Heavy" panose="020B0A00000000000000" pitchFamily="34" charset="-122"/>
               </a:rPr>
-              <a:t>的依赖管理</a:t>
-            </a:r>
-            <a:endParaRPr lang="en-US" altLang="zh-CN" dirty="0">
-              <a:solidFill>
-                <a:schemeClr val="tx1">
-                  <a:lumMod val="65000"/>
-                  <a:lumOff val="35000"/>
-                </a:schemeClr>
-              </a:solidFill>
-              <a:ea typeface="思源黑体 CN Heavy" panose="020B0A00000000000000" pitchFamily="34" charset="-122"/>
-            </a:endParaRPr>
-          </a:p>
-          <a:p>
-            <a:pPr marL="342900" indent="-342900">
-              <a:buClr>
-                <a:srgbClr val="C00000"/>
-              </a:buClr>
-              <a:buAutoNum type="arabicPeriod"/>
-            </a:pPr>
-            <a:r>
-              <a:rPr lang="zh-CN" altLang="en-US" dirty="0">
-                <a:solidFill>
-                  <a:schemeClr val="tx1">
-                    <a:lumMod val="65000"/>
-                    <a:lumOff val="35000"/>
-                  </a:schemeClr>
-                </a:solidFill>
-                <a:ea typeface="思源黑体 CN Heavy" panose="020B0A00000000000000" pitchFamily="34" charset="-122"/>
-              </a:rPr>
-              <a:t>问题</a:t>
-            </a:r>
-            <a:r>
-              <a:rPr lang="en-US" altLang="zh-CN">
-                <a:solidFill>
-                  <a:schemeClr val="tx1">
-                    <a:lumMod val="65000"/>
-                    <a:lumOff val="35000"/>
-                  </a:schemeClr>
-                </a:solidFill>
-                <a:ea typeface="思源黑体 CN Heavy" panose="020B0A00000000000000" pitchFamily="34" charset="-122"/>
-              </a:rPr>
-              <a:t>: </a:t>
-            </a:r>
-            <a:endParaRPr lang="en-US" altLang="zh-CN" dirty="0">
-              <a:solidFill>
-                <a:schemeClr val="tx1">
-                  <a:lumMod val="65000"/>
-                  <a:lumOff val="35000"/>
-                </a:schemeClr>
-              </a:solidFill>
-              <a:ea typeface="思源黑体 CN Heavy" panose="020B0A00000000000000" pitchFamily="34" charset="-122"/>
-            </a:endParaRPr>
-          </a:p>
-          <a:p>
-            <a:pPr marL="342900" indent="-342900">
-              <a:buClr>
-                <a:srgbClr val="C00000"/>
-              </a:buClr>
-              <a:buAutoNum type="arabicPeriod"/>
-            </a:pPr>
-            <a:r>
-              <a:rPr lang="zh-CN" altLang="en-US" dirty="0">
-                <a:solidFill>
-                  <a:schemeClr val="tx1">
-                    <a:lumMod val="65000"/>
-                    <a:lumOff val="35000"/>
-                  </a:schemeClr>
-                </a:solidFill>
-                <a:ea typeface="思源黑体 CN Heavy" panose="020B0A00000000000000" pitchFamily="34" charset="-122"/>
-              </a:rPr>
-              <a:t>问题分析</a:t>
-            </a:r>
-            <a:r>
-              <a:rPr lang="en-US" altLang="zh-CN" dirty="0">
-                <a:solidFill>
-                  <a:schemeClr val="tx1">
-                    <a:lumMod val="65000"/>
-                    <a:lumOff val="35000"/>
-                  </a:schemeClr>
-                </a:solidFill>
-                <a:ea typeface="思源黑体 CN Heavy" panose="020B0A00000000000000" pitchFamily="34" charset="-122"/>
-              </a:rPr>
-              <a:t>: </a:t>
-            </a:r>
-          </a:p>
-          <a:p>
-            <a:pPr marL="342900" indent="-342900">
-              <a:buClr>
-                <a:srgbClr val="C00000"/>
-              </a:buClr>
-              <a:buAutoNum type="arabicPeriod"/>
-            </a:pPr>
-            <a:r>
-              <a:rPr lang="zh-CN" altLang="en-US" dirty="0">
-                <a:solidFill>
-                  <a:schemeClr val="tx1">
-                    <a:lumMod val="65000"/>
-                    <a:lumOff val="35000"/>
-                  </a:schemeClr>
-                </a:solidFill>
-                <a:ea typeface="思源黑体 CN Heavy" panose="020B0A00000000000000" pitchFamily="34" charset="-122"/>
-              </a:rPr>
-              <a:t>解决方案</a:t>
+              <a:t>完成操作审计的模块和分类的书写</a:t>
             </a:r>
             <a:endParaRPr lang="en-US" altLang="zh-CN" dirty="0">
               <a:solidFill>
@@ -32334,22 +33107,17 @@
         </p:txBody>
       </p:sp>
     </p:spTree>
-    <p:extLst>
-      <p:ext uri="{BB962C8B-B14F-4D97-AF65-F5344CB8AC3E}">
-        <p14:creationId xmlns:p14="http://schemas.microsoft.com/office/powerpoint/2010/main" val="4257423911"/>
-      </p:ext>
-    </p:extLst>
   </p:cSld>
   <p:clrMapOvr>
     <a:masterClrMapping/>
   </p:clrMapOvr>
-  <mc:AlternateContent xmlns:mc="http://schemas.openxmlformats.org/markup-compatibility/2006" xmlns:p14="http://schemas.microsoft.com/office/powerpoint/2010/main">
-    <mc:Choice Requires="p14">
+  <mc:AlternateContent xmlns:mc="http://schemas.openxmlformats.org/markup-compatibility/2006">
+    <mc:Choice xmlns:p14="http://schemas.microsoft.com/office/powerpoint/2010/main" Requires="p14">
       <p:transition spd="slow" p14:dur="1600">
         <p:blinds dir="vert"/>
       </p:transition>
     </mc:Choice>
-    <mc:Fallback xmlns="">
+    <mc:Fallback>
       <p:transition spd="slow">
         <p:blinds dir="vert"/>
       </p:transition>
@@ -32632,6 +33400,12 @@
               </a:rPr>
               <a:t>工作总结</a:t>
             </a:r>
+            <a:endParaRPr lang="zh-CN" altLang="en-US" sz="2800" b="1" dirty="0">
+              <a:solidFill>
+                <a:schemeClr val="bg1"/>
+              </a:solidFill>
+              <a:ea typeface="思源黑体 CN Heavy" panose="020B0A00000000000000" pitchFamily="34" charset="-122"/>
+            </a:endParaRPr>
           </a:p>
         </p:txBody>
       </p:sp>
@@ -32798,7 +33572,7 @@
         <p:spPr>
           <a:xfrm>
             <a:off x="732155" y="1842770"/>
-            <a:ext cx="4653280" cy="2922905"/>
+            <a:ext cx="4653280" cy="4243070"/>
           </a:xfrm>
           <a:prstGeom prst="rect">
             <a:avLst/>
@@ -32908,14 +33682,14 @@
             </a:lvl9pPr>
           </a:lstStyle>
           <a:p>
-            <a:pPr marL="342900" indent="-342900">
+            <a:pPr marL="0" indent="0">
               <a:buClr>
                 <a:srgbClr val="C00000"/>
               </a:buClr>
-              <a:buAutoNum type="arabicPeriod"/>
+              <a:buNone/>
             </a:pPr>
             <a:r>
-              <a:rPr lang="zh-CN" altLang="en-US" dirty="0">
+              <a:rPr lang="en-US" altLang="zh-CN" dirty="0">
                 <a:solidFill>
                   <a:schemeClr val="tx1">
                     <a:lumMod val="65000"/>
@@ -32924,10 +33698,10 @@
                 </a:solidFill>
                 <a:ea typeface="思源黑体 CN Heavy" panose="020B0A00000000000000" pitchFamily="34" charset="-122"/>
               </a:rPr>
-              <a:t>学习</a:t>
-            </a:r>
-            <a:r>
-              <a:rPr lang="en-US" altLang="zh-CN" dirty="0" err="1">
+              <a:t>go</a:t>
+            </a:r>
+            <a:r>
+              <a:rPr lang="zh-CN" altLang="en-US" dirty="0">
                 <a:solidFill>
                   <a:schemeClr val="tx1">
                     <a:lumMod val="65000"/>
@@ -32936,43 +33710,7 @@
                 </a:solidFill>
                 <a:ea typeface="思源黑体 CN Heavy" panose="020B0A00000000000000" pitchFamily="34" charset="-122"/>
               </a:rPr>
-              <a:t>yaml</a:t>
-            </a:r>
-            <a:r>
-              <a:rPr lang="zh-CN" altLang="en-US" dirty="0">
-                <a:solidFill>
-                  <a:schemeClr val="tx1">
-                    <a:lumMod val="65000"/>
-                    <a:lumOff val="35000"/>
-                  </a:schemeClr>
-                </a:solidFill>
-                <a:ea typeface="思源黑体 CN Heavy" panose="020B0A00000000000000" pitchFamily="34" charset="-122"/>
-              </a:rPr>
-              <a:t>，思考开发过程中获取</a:t>
-            </a:r>
-            <a:r>
-              <a:rPr lang="en-US" altLang="zh-CN" dirty="0" err="1">
-                <a:solidFill>
-                  <a:schemeClr val="tx1">
-                    <a:lumMod val="65000"/>
-                    <a:lumOff val="35000"/>
-                  </a:schemeClr>
-                </a:solidFill>
-                <a:ea typeface="思源黑体 CN Heavy" panose="020B0A00000000000000" pitchFamily="34" charset="-122"/>
-              </a:rPr>
-              <a:t>yaml</a:t>
-            </a:r>
-            <a:r>
-              <a:rPr lang="zh-CN" altLang="en-US" dirty="0">
-                <a:solidFill>
-                  <a:schemeClr val="tx1">
-                    <a:lumMod val="65000"/>
-                    <a:lumOff val="35000"/>
-                  </a:schemeClr>
-                </a:solidFill>
-                <a:ea typeface="思源黑体 CN Heavy" panose="020B0A00000000000000" pitchFamily="34" charset="-122"/>
-              </a:rPr>
-              <a:t>中参数的时机。</a:t>
+              <a:t>的依赖管理</a:t>
             </a:r>
             <a:endParaRPr lang="en-US" altLang="zh-CN" dirty="0">
               <a:solidFill>
@@ -32985,7 +33723,281 @@
             </a:endParaRPr>
           </a:p>
           <a:p>
-            <a:pPr marL="0" indent="0">
+            <a:pPr marL="342900" indent="-342900">
+              <a:buClr>
+                <a:srgbClr val="C00000"/>
+              </a:buClr>
+              <a:buAutoNum type="arabicPeriod"/>
+            </a:pPr>
+            <a:r>
+              <a:rPr lang="zh-CN" altLang="en-US" dirty="0">
+                <a:solidFill>
+                  <a:schemeClr val="tx1">
+                    <a:lumMod val="65000"/>
+                    <a:lumOff val="35000"/>
+                  </a:schemeClr>
+                </a:solidFill>
+                <a:ea typeface="思源黑体 CN Heavy" panose="020B0A00000000000000" pitchFamily="34" charset="-122"/>
+              </a:rPr>
+              <a:t>问题</a:t>
+            </a:r>
+            <a:r>
+              <a:rPr lang="en-US" altLang="zh-CN">
+                <a:solidFill>
+                  <a:schemeClr val="tx1">
+                    <a:lumMod val="65000"/>
+                    <a:lumOff val="35000"/>
+                  </a:schemeClr>
+                </a:solidFill>
+                <a:ea typeface="思源黑体 CN Heavy" panose="020B0A00000000000000" pitchFamily="34" charset="-122"/>
+              </a:rPr>
+              <a:t>:  fhmc-apis </a:t>
+            </a:r>
+            <a:r>
+              <a:rPr lang="zh-CN" altLang="en-US">
+                <a:solidFill>
+                  <a:schemeClr val="tx1">
+                    <a:lumMod val="65000"/>
+                    <a:lumOff val="35000"/>
+                  </a:schemeClr>
+                </a:solidFill>
+                <a:ea typeface="思源黑体 CN Heavy" panose="020B0A00000000000000" pitchFamily="34" charset="-122"/>
+              </a:rPr>
+              <a:t>更新</a:t>
+            </a:r>
+            <a:r>
+              <a:rPr lang="en-US" altLang="zh-CN">
+                <a:solidFill>
+                  <a:schemeClr val="tx1">
+                    <a:lumMod val="65000"/>
+                    <a:lumOff val="35000"/>
+                  </a:schemeClr>
+                </a:solidFill>
+                <a:ea typeface="思源黑体 CN Heavy" panose="020B0A00000000000000" pitchFamily="34" charset="-122"/>
+              </a:rPr>
+              <a:t>operator-mgr </a:t>
+            </a:r>
+            <a:r>
+              <a:rPr lang="zh-CN" altLang="en-US">
+                <a:solidFill>
+                  <a:schemeClr val="tx1">
+                    <a:lumMod val="65000"/>
+                    <a:lumOff val="35000"/>
+                  </a:schemeClr>
+                </a:solidFill>
+                <a:ea typeface="思源黑体 CN Heavy" panose="020B0A00000000000000" pitchFamily="34" charset="-122"/>
+              </a:rPr>
+              <a:t>的</a:t>
+            </a:r>
+            <a:r>
+              <a:rPr lang="en-US" altLang="zh-CN">
+                <a:solidFill>
+                  <a:schemeClr val="tx1">
+                    <a:lumMod val="65000"/>
+                    <a:lumOff val="35000"/>
+                  </a:schemeClr>
+                </a:solidFill>
+                <a:ea typeface="思源黑体 CN Heavy" panose="020B0A00000000000000" pitchFamily="34" charset="-122"/>
+              </a:rPr>
+              <a:t>proto</a:t>
+            </a:r>
+            <a:r>
+              <a:rPr lang="zh-CN" altLang="en-US">
+                <a:solidFill>
+                  <a:schemeClr val="tx1">
+                    <a:lumMod val="65000"/>
+                    <a:lumOff val="35000"/>
+                  </a:schemeClr>
+                </a:solidFill>
+                <a:ea typeface="思源黑体 CN Heavy" panose="020B0A00000000000000" pitchFamily="34" charset="-122"/>
+              </a:rPr>
+              <a:t>文件</a:t>
+            </a:r>
+            <a:r>
+              <a:rPr lang="en-US" altLang="zh-CN">
+                <a:solidFill>
+                  <a:schemeClr val="tx1">
+                    <a:lumMod val="65000"/>
+                    <a:lumOff val="35000"/>
+                  </a:schemeClr>
+                </a:solidFill>
+                <a:ea typeface="思源黑体 CN Heavy" panose="020B0A00000000000000" pitchFamily="34" charset="-122"/>
+              </a:rPr>
+              <a:t>, </a:t>
+            </a:r>
+            <a:r>
+              <a:rPr lang="zh-CN" altLang="en-US">
+                <a:solidFill>
+                  <a:schemeClr val="tx1">
+                    <a:lumMod val="65000"/>
+                    <a:lumOff val="35000"/>
+                  </a:schemeClr>
+                </a:solidFill>
+                <a:ea typeface="思源黑体 CN Heavy" panose="020B0A00000000000000" pitchFamily="34" charset="-122"/>
+              </a:rPr>
+              <a:t>而</a:t>
+            </a:r>
+            <a:r>
+              <a:rPr lang="en-US" altLang="zh-CN">
+                <a:solidFill>
+                  <a:schemeClr val="tx1">
+                    <a:lumMod val="65000"/>
+                    <a:lumOff val="35000"/>
+                  </a:schemeClr>
+                </a:solidFill>
+                <a:ea typeface="思源黑体 CN Heavy" panose="020B0A00000000000000" pitchFamily="34" charset="-122"/>
+              </a:rPr>
+              <a:t>operator-mgr </a:t>
+            </a:r>
+            <a:r>
+              <a:rPr lang="zh-CN" altLang="en-US">
+                <a:solidFill>
+                  <a:schemeClr val="tx1">
+                    <a:lumMod val="65000"/>
+                    <a:lumOff val="35000"/>
+                  </a:schemeClr>
+                </a:solidFill>
+                <a:ea typeface="思源黑体 CN Heavy" panose="020B0A00000000000000" pitchFamily="34" charset="-122"/>
+              </a:rPr>
+              <a:t>以用的依赖仍是</a:t>
+            </a:r>
+            <a:r>
+              <a:rPr lang="en-US" altLang="zh-CN">
+                <a:solidFill>
+                  <a:schemeClr val="tx1">
+                    <a:lumMod val="65000"/>
+                    <a:lumOff val="35000"/>
+                  </a:schemeClr>
+                </a:solidFill>
+                <a:ea typeface="思源黑体 CN Heavy" panose="020B0A00000000000000" pitchFamily="34" charset="-122"/>
+              </a:rPr>
+              <a:t>master</a:t>
+            </a:r>
+            <a:r>
+              <a:rPr lang="zh-CN" altLang="en-US">
+                <a:solidFill>
+                  <a:schemeClr val="tx1">
+                    <a:lumMod val="65000"/>
+                    <a:lumOff val="35000"/>
+                  </a:schemeClr>
+                </a:solidFill>
+                <a:ea typeface="思源黑体 CN Heavy" panose="020B0A00000000000000" pitchFamily="34" charset="-122"/>
+              </a:rPr>
+              <a:t>的最近的提交的内容</a:t>
+            </a:r>
+            <a:r>
+              <a:rPr lang="en-US" altLang="zh-CN">
+                <a:solidFill>
+                  <a:schemeClr val="tx1">
+                    <a:lumMod val="65000"/>
+                    <a:lumOff val="35000"/>
+                  </a:schemeClr>
+                </a:solidFill>
+                <a:ea typeface="思源黑体 CN Heavy" panose="020B0A00000000000000" pitchFamily="34" charset="-122"/>
+              </a:rPr>
+              <a:t>, </a:t>
+            </a:r>
+            <a:r>
+              <a:rPr lang="zh-CN" altLang="en-US">
+                <a:solidFill>
+                  <a:schemeClr val="tx1">
+                    <a:lumMod val="65000"/>
+                    <a:lumOff val="35000"/>
+                  </a:schemeClr>
+                </a:solidFill>
+                <a:ea typeface="思源黑体 CN Heavy" panose="020B0A00000000000000" pitchFamily="34" charset="-122"/>
+              </a:rPr>
+              <a:t>导致新更新的</a:t>
+            </a:r>
+            <a:r>
+              <a:rPr lang="en-US" altLang="zh-CN">
+                <a:solidFill>
+                  <a:schemeClr val="tx1">
+                    <a:lumMod val="65000"/>
+                    <a:lumOff val="35000"/>
+                  </a:schemeClr>
+                </a:solidFill>
+                <a:ea typeface="思源黑体 CN Heavy" panose="020B0A00000000000000" pitchFamily="34" charset="-122"/>
+              </a:rPr>
+              <a:t>fhmc-apis</a:t>
+            </a:r>
+            <a:r>
+              <a:rPr lang="zh-CN" altLang="en-US">
+                <a:solidFill>
+                  <a:schemeClr val="tx1">
+                    <a:lumMod val="65000"/>
+                    <a:lumOff val="35000"/>
+                  </a:schemeClr>
+                </a:solidFill>
+                <a:ea typeface="思源黑体 CN Heavy" panose="020B0A00000000000000" pitchFamily="34" charset="-122"/>
+              </a:rPr>
+              <a:t>不能正常使用</a:t>
+            </a:r>
+            <a:r>
+              <a:rPr lang="en-US" altLang="zh-CN">
+                <a:solidFill>
+                  <a:schemeClr val="tx1">
+                    <a:lumMod val="65000"/>
+                    <a:lumOff val="35000"/>
+                  </a:schemeClr>
+                </a:solidFill>
+                <a:ea typeface="思源黑体 CN Heavy" panose="020B0A00000000000000" pitchFamily="34" charset="-122"/>
+              </a:rPr>
+              <a:t>.</a:t>
+            </a:r>
+            <a:endParaRPr lang="en-US" altLang="zh-CN" dirty="0">
+              <a:solidFill>
+                <a:schemeClr val="tx1">
+                  <a:lumMod val="65000"/>
+                  <a:lumOff val="35000"/>
+                </a:schemeClr>
+              </a:solidFill>
+              <a:ea typeface="思源黑体 CN Heavy" panose="020B0A00000000000000" pitchFamily="34" charset="-122"/>
+            </a:endParaRPr>
+          </a:p>
+          <a:p>
+            <a:pPr marL="342900" indent="-342900">
+              <a:buClr>
+                <a:srgbClr val="C00000"/>
+              </a:buClr>
+              <a:buAutoNum type="arabicPeriod"/>
+            </a:pPr>
+            <a:r>
+              <a:rPr lang="zh-CN" altLang="en-US" dirty="0">
+                <a:solidFill>
+                  <a:schemeClr val="tx1">
+                    <a:lumMod val="65000"/>
+                    <a:lumOff val="35000"/>
+                  </a:schemeClr>
+                </a:solidFill>
+                <a:ea typeface="思源黑体 CN Heavy" panose="020B0A00000000000000" pitchFamily="34" charset="-122"/>
+              </a:rPr>
+              <a:t>问题分析</a:t>
+            </a:r>
+            <a:r>
+              <a:rPr lang="en-US" altLang="zh-CN" dirty="0">
+                <a:solidFill>
+                  <a:schemeClr val="tx1">
+                    <a:lumMod val="65000"/>
+                    <a:lumOff val="35000"/>
+                  </a:schemeClr>
+                </a:solidFill>
+                <a:ea typeface="思源黑体 CN Heavy" panose="020B0A00000000000000" pitchFamily="34" charset="-122"/>
+              </a:rPr>
+              <a:t>: </a:t>
+            </a:r>
+            <a:endParaRPr lang="en-US" altLang="zh-CN" dirty="0">
+              <a:solidFill>
+                <a:schemeClr val="tx1">
+                  <a:lumMod val="65000"/>
+                  <a:lumOff val="35000"/>
+                </a:schemeClr>
+              </a:solidFill>
+              <a:ea typeface="思源黑体 CN Heavy" panose="020B0A00000000000000" pitchFamily="34" charset="-122"/>
+            </a:endParaRPr>
+          </a:p>
+          <a:p>
+            <a:pPr lvl="1" indent="0">
               <a:buClr>
                 <a:srgbClr val="C00000"/>
               </a:buClr>
@@ -33001,8 +34013,164 @@
                 </a:solidFill>
                 <a:ea typeface="思源黑体 CN Heavy" panose="020B0A00000000000000" pitchFamily="34" charset="-122"/>
               </a:rPr>
-              <a:t>	1. </a:t>
-            </a:r>
+              <a:t>go mod tidy </a:t>
+            </a:r>
+            <a:r>
+              <a:rPr lang="zh-CN" altLang="en-US" dirty="0">
+                <a:solidFill>
+                  <a:schemeClr val="tx1">
+                    <a:lumMod val="65000"/>
+                    <a:lumOff val="35000"/>
+                  </a:schemeClr>
+                </a:solidFill>
+                <a:ea typeface="思源黑体 CN Heavy" panose="020B0A00000000000000" pitchFamily="34" charset="-122"/>
+              </a:rPr>
+              <a:t>只会自动将项目中使用的模块代码的主分支的最新版本引入</a:t>
+            </a:r>
+            <a:endParaRPr lang="zh-CN" altLang="en-US" dirty="0">
+              <a:solidFill>
+                <a:schemeClr val="tx1">
+                  <a:lumMod val="65000"/>
+                  <a:lumOff val="35000"/>
+                </a:schemeClr>
+              </a:solidFill>
+              <a:ea typeface="思源黑体 CN Heavy" panose="020B0A00000000000000" pitchFamily="34" charset="-122"/>
+            </a:endParaRPr>
+          </a:p>
+          <a:p>
+            <a:pPr marL="800100" lvl="1" indent="-342900">
+              <a:buClr>
+                <a:srgbClr val="C00000"/>
+              </a:buClr>
+              <a:buAutoNum type="arabicPeriod"/>
+            </a:pPr>
+            <a:endParaRPr lang="en-US" altLang="zh-CN" dirty="0">
+              <a:solidFill>
+                <a:schemeClr val="tx1">
+                  <a:lumMod val="65000"/>
+                  <a:lumOff val="35000"/>
+                </a:schemeClr>
+              </a:solidFill>
+              <a:ea typeface="思源黑体 CN Heavy" panose="020B0A00000000000000" pitchFamily="34" charset="-122"/>
+            </a:endParaRPr>
+          </a:p>
+          <a:p>
+            <a:pPr marL="342900" indent="-342900">
+              <a:buClr>
+                <a:srgbClr val="C00000"/>
+              </a:buClr>
+              <a:buAutoNum type="arabicPeriod"/>
+            </a:pPr>
+            <a:r>
+              <a:rPr lang="zh-CN" altLang="en-US" dirty="0">
+                <a:solidFill>
+                  <a:schemeClr val="tx1">
+                    <a:lumMod val="65000"/>
+                    <a:lumOff val="35000"/>
+                  </a:schemeClr>
+                </a:solidFill>
+                <a:ea typeface="思源黑体 CN Heavy" panose="020B0A00000000000000" pitchFamily="34" charset="-122"/>
+              </a:rPr>
+              <a:t>解决方案</a:t>
+            </a:r>
+            <a:r>
+              <a:rPr lang="en-US" altLang="zh-CN" dirty="0">
+                <a:solidFill>
+                  <a:schemeClr val="tx1">
+                    <a:lumMod val="65000"/>
+                    <a:lumOff val="35000"/>
+                  </a:schemeClr>
+                </a:solidFill>
+                <a:ea typeface="思源黑体 CN Heavy" panose="020B0A00000000000000" pitchFamily="34" charset="-122"/>
+              </a:rPr>
+              <a:t>:</a:t>
+            </a:r>
+            <a:endParaRPr lang="en-US" altLang="zh-CN" dirty="0">
+              <a:solidFill>
+                <a:schemeClr val="tx1">
+                  <a:lumMod val="65000"/>
+                  <a:lumOff val="35000"/>
+                </a:schemeClr>
+              </a:solidFill>
+              <a:ea typeface="思源黑体 CN Heavy" panose="020B0A00000000000000" pitchFamily="34" charset="-122"/>
+            </a:endParaRPr>
+          </a:p>
+          <a:p>
+            <a:pPr marL="800100" lvl="1" indent="-342900">
+              <a:buClr>
+                <a:srgbClr val="C00000"/>
+              </a:buClr>
+              <a:buAutoNum type="arabicPeriod"/>
+            </a:pPr>
+            <a:r>
+              <a:rPr lang="zh-CN" altLang="en-US" dirty="0">
+                <a:solidFill>
+                  <a:schemeClr val="tx1">
+                    <a:lumMod val="65000"/>
+                    <a:lumOff val="35000"/>
+                  </a:schemeClr>
+                </a:solidFill>
+                <a:ea typeface="思源黑体 CN Heavy" panose="020B0A00000000000000" pitchFamily="34" charset="-122"/>
+              </a:rPr>
+              <a:t>使用最近一次线上分支的</a:t>
+            </a:r>
+            <a:r>
+              <a:rPr lang="en-US" altLang="zh-CN" dirty="0">
+                <a:solidFill>
+                  <a:schemeClr val="tx1">
+                    <a:lumMod val="65000"/>
+                    <a:lumOff val="35000"/>
+                  </a:schemeClr>
+                </a:solidFill>
+                <a:ea typeface="思源黑体 CN Heavy" panose="020B0A00000000000000" pitchFamily="34" charset="-122"/>
+              </a:rPr>
+              <a:t>commit -id , </a:t>
+            </a:r>
+            <a:r>
+              <a:rPr lang="zh-CN" altLang="en-US" dirty="0">
+                <a:solidFill>
+                  <a:schemeClr val="tx1">
+                    <a:lumMod val="65000"/>
+                    <a:lumOff val="35000"/>
+                  </a:schemeClr>
+                </a:solidFill>
+                <a:ea typeface="思源黑体 CN Heavy" panose="020B0A00000000000000" pitchFamily="34" charset="-122"/>
+              </a:rPr>
+              <a:t>使用</a:t>
+            </a:r>
+            <a:r>
+              <a:rPr lang="en-US" altLang="zh-CN" dirty="0">
+                <a:solidFill>
+                  <a:schemeClr val="tx1">
+                    <a:lumMod val="65000"/>
+                    <a:lumOff val="35000"/>
+                  </a:schemeClr>
+                </a:solidFill>
+                <a:ea typeface="思源黑体 CN Heavy" panose="020B0A00000000000000" pitchFamily="34" charset="-122"/>
+              </a:rPr>
+              <a:t>go get github.com/xxx/xx@commit-id, </a:t>
+            </a:r>
+            <a:r>
+              <a:rPr lang="zh-CN" altLang="en-US" dirty="0">
+                <a:solidFill>
+                  <a:schemeClr val="tx1">
+                    <a:lumMod val="65000"/>
+                    <a:lumOff val="35000"/>
+                  </a:schemeClr>
+                </a:solidFill>
+                <a:ea typeface="思源黑体 CN Heavy" panose="020B0A00000000000000" pitchFamily="34" charset="-122"/>
+              </a:rPr>
+              <a:t>完成最新提交的依赖更新</a:t>
+            </a:r>
+            <a:endParaRPr lang="zh-CN" altLang="en-US" dirty="0">
+              <a:solidFill>
+                <a:schemeClr val="tx1">
+                  <a:lumMod val="65000"/>
+                  <a:lumOff val="35000"/>
+                </a:schemeClr>
+              </a:solidFill>
+              <a:ea typeface="思源黑体 CN Heavy" panose="020B0A00000000000000" pitchFamily="34" charset="-122"/>
+            </a:endParaRPr>
           </a:p>
         </p:txBody>
       </p:sp>
@@ -33145,21 +34313,19 @@
       </p:sp>
       <p:sp>
         <p:nvSpPr>
-          <p:cNvPr id="38" name="矩形 37"/>
-          <p:cNvSpPr/>
+          <p:cNvPr id="2" name="文本框 145"/>
+          <p:cNvSpPr txBox="1"/>
           <p:nvPr/>
         </p:nvSpPr>
         <p:spPr>
           <a:xfrm>
-            <a:off x="6412865" y="1329690"/>
-            <a:ext cx="4483100" cy="2037715"/>
+            <a:off x="6240145" y="2025015"/>
+            <a:ext cx="4653280" cy="4243070"/>
           </a:xfrm>
           <a:prstGeom prst="rect">
             <a:avLst/>
           </a:prstGeom>
-          <a:solidFill>
-            <a:schemeClr val="bg2"/>
-          </a:solidFill>
+          <a:noFill/>
           <a:ln>
             <a:noFill/>
           </a:ln>
@@ -33181,123 +34347,189 @@
           </a:fontRef>
         </p:style>
         <p:txBody>
-          <a:bodyPr rtlCol="0" anchor="ctr"/>
-          <a:lstStyle/>
+          <a:bodyPr wrap="square" lIns="178172" tIns="0" rIns="178172" bIns="0" rtlCol="0" anchor="t">
+            <a:noAutofit/>
+          </a:bodyPr>
+          <a:lstStyle>
+            <a:defPPr>
+              <a:defRPr lang="zh-CN"/>
+            </a:defPPr>
+            <a:lvl1pPr marL="285750" indent="-285750">
+              <a:lnSpc>
+                <a:spcPct val="120000"/>
+              </a:lnSpc>
+              <a:buClr>
+                <a:schemeClr val="accent1"/>
+              </a:buClr>
+              <a:buFont typeface="Wingdings" panose="05000000000000000000" pitchFamily="2" charset="2"/>
+              <a:buChar char="n"/>
+              <a:defRPr sz="1800" b="1">
+                <a:solidFill>
+                  <a:schemeClr val="bg1">
+                    <a:lumMod val="50000"/>
+                  </a:schemeClr>
+                </a:solidFill>
+                <a:cs typeface="+mn-ea"/>
+              </a:defRPr>
+            </a:lvl1pPr>
+            <a:lvl2pPr>
+              <a:defRPr>
+                <a:solidFill>
+                  <a:schemeClr val="lt1"/>
+                </a:solidFill>
+              </a:defRPr>
+            </a:lvl2pPr>
+            <a:lvl3pPr>
+              <a:defRPr>
+                <a:solidFill>
+                  <a:schemeClr val="lt1"/>
+                </a:solidFill>
+              </a:defRPr>
+            </a:lvl3pPr>
+            <a:lvl4pPr>
+              <a:defRPr>
+                <a:solidFill>
+                  <a:schemeClr val="lt1"/>
+                </a:solidFill>
+              </a:defRPr>
+            </a:lvl4pPr>
+            <a:lvl5pPr>
+              <a:defRPr>
+                <a:solidFill>
+                  <a:schemeClr val="lt1"/>
+                </a:solidFill>
+              </a:defRPr>
+            </a:lvl5pPr>
+            <a:lvl6pPr>
+              <a:defRPr>
+                <a:solidFill>
+                  <a:schemeClr val="lt1"/>
+                </a:solidFill>
+              </a:defRPr>
+            </a:lvl6pPr>
+            <a:lvl7pPr>
+              <a:defRPr>
+                <a:solidFill>
+                  <a:schemeClr val="lt1"/>
+                </a:solidFill>
+              </a:defRPr>
+            </a:lvl7pPr>
+            <a:lvl8pPr>
+              <a:defRPr>
+                <a:solidFill>
+                  <a:schemeClr val="lt1"/>
+                </a:solidFill>
+              </a:defRPr>
+            </a:lvl8pPr>
+            <a:lvl9pPr>
+              <a:defRPr>
+                <a:solidFill>
+                  <a:schemeClr val="lt1"/>
+                </a:solidFill>
+              </a:defRPr>
+            </a:lvl9pPr>
+          </a:lstStyle>
           <a:p>
-            <a:pPr algn="ctr"/>
-            <a:endParaRPr lang="zh-CN" altLang="en-US"/>
+            <a:pPr marL="0" indent="0">
+              <a:buClr>
+                <a:srgbClr val="C00000"/>
+              </a:buClr>
+              <a:buNone/>
+            </a:pPr>
+            <a:r>
+              <a:rPr lang="en-US" altLang="zh-CN" dirty="0">
+                <a:solidFill>
+                  <a:schemeClr val="tx1">
+                    <a:lumMod val="65000"/>
+                    <a:lumOff val="35000"/>
+                  </a:schemeClr>
+                </a:solidFill>
+                <a:ea typeface="思源黑体 CN Heavy" panose="020B0A00000000000000" pitchFamily="34" charset="-122"/>
+              </a:rPr>
+              <a:t>go mod tidy的使用:</a:t>
+            </a:r>
+            <a:endParaRPr lang="en-US" altLang="zh-CN" dirty="0">
+              <a:solidFill>
+                <a:schemeClr val="tx1">
+                  <a:lumMod val="65000"/>
+                  <a:lumOff val="35000"/>
+                </a:schemeClr>
+              </a:solidFill>
+              <a:ea typeface="思源黑体 CN Heavy" panose="020B0A00000000000000" pitchFamily="34" charset="-122"/>
+            </a:endParaRPr>
           </a:p>
-        </p:txBody>
-      </p:sp>
-      <p:sp>
-        <p:nvSpPr>
-          <p:cNvPr id="39" name="矩形 38"/>
-          <p:cNvSpPr/>
-          <p:nvPr/>
-        </p:nvSpPr>
-        <p:spPr>
-          <a:xfrm>
-            <a:off x="6412865" y="3549015"/>
-            <a:ext cx="2160270" cy="2104390"/>
-          </a:xfrm>
-          <a:prstGeom prst="rect">
-            <a:avLst/>
-          </a:prstGeom>
-          <a:solidFill>
-            <a:schemeClr val="bg2"/>
-          </a:solidFill>
-          <a:ln>
-            <a:noFill/>
-          </a:ln>
-        </p:spPr>
-        <p:style>
-          <a:lnRef idx="2">
-            <a:schemeClr val="accent1">
-              <a:shade val="50000"/>
-            </a:schemeClr>
-          </a:lnRef>
-          <a:fillRef idx="1">
-            <a:schemeClr val="accent1"/>
-          </a:fillRef>
-          <a:effectRef idx="0">
-            <a:schemeClr val="accent1"/>
-          </a:effectRef>
-          <a:fontRef idx="minor">
-            <a:schemeClr val="lt1"/>
-          </a:fontRef>
-        </p:style>
-        <p:txBody>
-          <a:bodyPr rtlCol="0" anchor="ctr"/>
-          <a:lstStyle/>
           <a:p>
-            <a:pPr algn="ctr"/>
-            <a:endParaRPr lang="zh-CN" altLang="en-US"/>
+            <a:pPr marL="0" indent="0">
+              <a:buClr>
+                <a:srgbClr val="C00000"/>
+              </a:buClr>
+              <a:buNone/>
+            </a:pPr>
+            <a:r>
+              <a:rPr lang="en-US" altLang="zh-CN" dirty="0">
+                <a:solidFill>
+                  <a:schemeClr val="tx1">
+                    <a:lumMod val="65000"/>
+                    <a:lumOff val="35000"/>
+                  </a:schemeClr>
+                </a:solidFill>
+                <a:ea typeface="思源黑体 CN Heavy" panose="020B0A00000000000000" pitchFamily="34" charset="-122"/>
+              </a:rPr>
+              <a:t>1.引用项目需要的依赖增加到go.mod文件。</a:t>
+            </a:r>
+            <a:endParaRPr lang="en-US" altLang="zh-CN" dirty="0">
+              <a:solidFill>
+                <a:schemeClr val="tx1">
+                  <a:lumMod val="65000"/>
+                  <a:lumOff val="35000"/>
+                </a:schemeClr>
+              </a:solidFill>
+              <a:ea typeface="思源黑体 CN Heavy" panose="020B0A00000000000000" pitchFamily="34" charset="-122"/>
+            </a:endParaRPr>
           </a:p>
-        </p:txBody>
-      </p:sp>
-      <p:sp>
-        <p:nvSpPr>
-          <p:cNvPr id="40" name="矩形 39"/>
-          <p:cNvSpPr/>
-          <p:nvPr/>
-        </p:nvSpPr>
-        <p:spPr>
-          <a:xfrm>
-            <a:off x="8720455" y="3548380"/>
-            <a:ext cx="2160270" cy="2104390"/>
-          </a:xfrm>
-          <a:prstGeom prst="rect">
-            <a:avLst/>
-          </a:prstGeom>
-          <a:solidFill>
-            <a:schemeClr val="bg2"/>
-          </a:solidFill>
-          <a:ln>
-            <a:noFill/>
-          </a:ln>
-        </p:spPr>
-        <p:style>
-          <a:lnRef idx="2">
-            <a:schemeClr val="accent1">
-              <a:shade val="50000"/>
-            </a:schemeClr>
-          </a:lnRef>
-          <a:fillRef idx="1">
-            <a:schemeClr val="accent1"/>
-          </a:fillRef>
-          <a:effectRef idx="0">
-            <a:schemeClr val="accent1"/>
-          </a:effectRef>
-          <a:fontRef idx="minor">
-            <a:schemeClr val="lt1"/>
-          </a:fontRef>
-        </p:style>
-        <p:txBody>
-          <a:bodyPr rtlCol="0" anchor="ctr"/>
-          <a:lstStyle/>
           <a:p>
-            <a:pPr algn="ctr"/>
-            <a:endParaRPr lang="zh-CN" altLang="en-US"/>
+            <a:pPr marL="0" indent="0">
+              <a:buClr>
+                <a:srgbClr val="C00000"/>
+              </a:buClr>
+              <a:buNone/>
+            </a:pPr>
+            <a:r>
+              <a:rPr lang="en-US" altLang="zh-CN" dirty="0">
+                <a:solidFill>
+                  <a:schemeClr val="tx1">
+                    <a:lumMod val="65000"/>
+                    <a:lumOff val="35000"/>
+                  </a:schemeClr>
+                </a:solidFill>
+                <a:ea typeface="思源黑体 CN Heavy" panose="020B0A00000000000000" pitchFamily="34" charset="-122"/>
+              </a:rPr>
+              <a:t>2.去掉go.mod文件中项目不需要的依赖。</a:t>
+            </a:r>
+            <a:endParaRPr lang="en-US" altLang="zh-CN" dirty="0">
+              <a:solidFill>
+                <a:schemeClr val="tx1">
+                  <a:lumMod val="65000"/>
+                  <a:lumOff val="35000"/>
+                </a:schemeClr>
+              </a:solidFill>
+              <a:ea typeface="思源黑体 CN Heavy" panose="020B0A00000000000000" pitchFamily="34" charset="-122"/>
+            </a:endParaRPr>
           </a:p>
         </p:txBody>
       </p:sp>
     </p:spTree>
-    <p:extLst>
-      <p:ext uri="{BB962C8B-B14F-4D97-AF65-F5344CB8AC3E}">
-        <p14:creationId xmlns:p14="http://schemas.microsoft.com/office/powerpoint/2010/main" val="3481753713"/>
-      </p:ext>
-    </p:extLst>
   </p:cSld>
   <p:clrMapOvr>
     <a:masterClrMapping/>
   </p:clrMapOvr>
-  <mc:AlternateContent xmlns:mc="http://schemas.openxmlformats.org/markup-compatibility/2006" xmlns:p14="http://schemas.microsoft.com/office/powerpoint/2010/main">
-    <mc:Choice Requires="p14">
+  <mc:AlternateContent xmlns:mc="http://schemas.openxmlformats.org/markup-compatibility/2006">
+    <mc:Choice xmlns:p14="http://schemas.microsoft.com/office/powerpoint/2010/main" Requires="p14">
       <p:transition spd="slow" p14:dur="1600">
         <p:blinds dir="vert"/>
       </p:transition>
     </mc:Choice>
-    <mc:Fallback xmlns="">
+    <mc:Fallback>
       <p:transition spd="slow">
         <p:blinds dir="vert"/>
       </p:transition>
@@ -33498,6 +34730,73 @@
                             </p:childTnLst>
                           </p:cTn>
                         </p:par>
+                        <p:par>
+                          <p:cTn id="18" fill="hold">
+                            <p:stCondLst>
+                              <p:cond delay="1500"/>
+                            </p:stCondLst>
+                            <p:childTnLst>
+                              <p:par>
+                                <p:cTn id="19" presetID="12" presetClass="entr" presetSubtype="1" fill="hold" grpId="0" nodeType="afterEffect">
+                                  <p:stCondLst>
+                                    <p:cond delay="0"/>
+                                  </p:stCondLst>
+                                  <p:childTnLst>
+                                    <p:set>
+                                      <p:cBhvr>
+                                        <p:cTn id="20" dur="1" fill="hold">
+                                          <p:stCondLst>
+                                            <p:cond delay="0"/>
+                                          </p:stCondLst>
+                                        </p:cTn>
+                                        <p:tgtEl>
+                                          <p:spTgt spid="2"/>
+                                        </p:tgtEl>
+                                        <p:attrNameLst>
+                                          <p:attrName>style.visibility</p:attrName>
+                                        </p:attrNameLst>
+                                      </p:cBhvr>
+                                      <p:to>
+                                        <p:strVal val="visible"/>
+                                      </p:to>
+                                    </p:set>
+                                    <p:anim calcmode="lin" valueType="num">
+                                      <p:cBhvr additive="base">
+                                        <p:cTn id="21" dur="500"/>
+                                        <p:tgtEl>
+                                          <p:spTgt spid="2"/>
+                                        </p:tgtEl>
+                                        <p:attrNameLst>
+                                          <p:attrName>ppt_y</p:attrName>
+                                        </p:attrNameLst>
+                                      </p:cBhvr>
+                                      <p:tavLst>
+                                        <p:tav tm="0">
+                                          <p:val>
+                                            <p:strVal val="#ppt_y-#ppt_h*1.125000"/>
+                                          </p:val>
+                                        </p:tav>
+                                        <p:tav tm="100000">
+                                          <p:val>
+                                            <p:strVal val="#ppt_y"/>
+                                          </p:val>
+                                        </p:tav>
+                                      </p:tavLst>
+                                    </p:anim>
+                                    <p:animEffect transition="in" filter="wipe(down)">
+                                      <p:cBhvr>
+                                        <p:cTn id="22" dur="500"/>
+                                        <p:tgtEl>
+                                          <p:spTgt spid="2"/>
+                                        </p:tgtEl>
+                                      </p:cBhvr>
+                                    </p:animEffect>
+                                  </p:childTnLst>
+                                </p:cTn>
+                              </p:par>
+                            </p:childTnLst>
+                          </p:cTn>
+                        </p:par>
                       </p:childTnLst>
                     </p:cTn>
                   </p:par>
@@ -33527,76 +34826,62 @@
       <p:bldP spid="44" grpId="1"/>
       <p:bldP spid="45" grpId="0" bldLvl="0" animBg="1"/>
       <p:bldP spid="37" grpId="0" bldLvl="0" animBg="1"/>
+      <p:bldP spid="2" grpId="0" bldLvl="0" animBg="1"/>
     </p:bldLst>
   </p:timing>
 </p:sld>
 </file>
 
 <file path=ppt/tags/tag1.xml><?xml version="1.0" encoding="utf-8"?>
-<p:tagLst xmlns:a="http://schemas.openxmlformats.org/drawingml/2006/main" xmlns:r="http://schemas.openxmlformats.org/officeDocument/2006/relationships" xmlns:p="http://schemas.openxmlformats.org/presentationml/2006/main">
-  <p:tag name="KSO_WPP_MARK_KEY" val="d5d9d2f1-f51a-4009-8b8d-80cd0764e99d"/>
-  <p:tag name="COMMONDATA" val="eyJoZGlkIjoiODViY2JkMjU3NGYzZTEwMzZmMGFkZWViYmNkYWU3NDIifQ=="/>
+<p:tagLst xmlns:p="http://schemas.openxmlformats.org/presentationml/2006/main">
+  <p:tag name="KSO_WM_UNIT_PLACING_PICTURE_USER_VIEWPORT" val="{&quot;height&quot;:10800,&quot;width&quot;:19199.99842519685}"/>
 </p:tagLst>
 </file>
 
 <file path=ppt/tags/tag10.xml><?xml version="1.0" encoding="utf-8"?>
-<p:tagLst xmlns:a="http://schemas.openxmlformats.org/drawingml/2006/main" xmlns:r="http://schemas.openxmlformats.org/officeDocument/2006/relationships" xmlns:p="http://schemas.openxmlformats.org/presentationml/2006/main">
+<p:tagLst xmlns:p="http://schemas.openxmlformats.org/presentationml/2006/main">
   <p:tag name="PA" val="v5.0.2"/>
   <p:tag name="RESOURCELIBID" val="432"/>
 </p:tagLst>
 </file>
 
 <file path=ppt/tags/tag11.xml><?xml version="1.0" encoding="utf-8"?>
-<p:tagLst xmlns:a="http://schemas.openxmlformats.org/drawingml/2006/main" xmlns:r="http://schemas.openxmlformats.org/officeDocument/2006/relationships" xmlns:p="http://schemas.openxmlformats.org/presentationml/2006/main">
+<p:tagLst xmlns:p="http://schemas.openxmlformats.org/presentationml/2006/main">
   <p:tag name="PA" val="v5.0.2"/>
   <p:tag name="RESOURCELIBID" val="432"/>
 </p:tagLst>
 </file>
 
 <file path=ppt/tags/tag12.xml><?xml version="1.0" encoding="utf-8"?>
-<p:tagLst xmlns:a="http://schemas.openxmlformats.org/drawingml/2006/main" xmlns:r="http://schemas.openxmlformats.org/officeDocument/2006/relationships" xmlns:p="http://schemas.openxmlformats.org/presentationml/2006/main">
+<p:tagLst xmlns:p="http://schemas.openxmlformats.org/presentationml/2006/main">
   <p:tag name="PA" val="v5.0.2"/>
   <p:tag name="RESOURCELIBID" val="432"/>
 </p:tagLst>
 </file>
 
 <file path=ppt/tags/tag13.xml><?xml version="1.0" encoding="utf-8"?>
-<p:tagLst xmlns:a="http://schemas.openxmlformats.org/drawingml/2006/main" xmlns:r="http://schemas.openxmlformats.org/officeDocument/2006/relationships" xmlns:p="http://schemas.openxmlformats.org/presentationml/2006/main">
+<p:tagLst xmlns:p="http://schemas.openxmlformats.org/presentationml/2006/main">
   <p:tag name="PA" val="v5.0.2"/>
   <p:tag name="RESOURCELIBID" val="432"/>
 </p:tagLst>
 </file>
 
-<file path=ppt/tags/tag2.xml><?xml version="1.0" encoding="utf-8"?>
-<p:tagLst xmlns:a="http://schemas.openxmlformats.org/drawingml/2006/main" xmlns:r="http://schemas.openxmlformats.org/officeDocument/2006/relationships" xmlns:p="http://schemas.openxmlformats.org/presentationml/2006/main">
-  <p:tag name="PA" val="v5.2.11"/>
-  <p:tag name="WHOLESPTYPE" val="Shape_Text"/>
+<file path=ppt/tags/tag14.xml><?xml version="1.0" encoding="utf-8"?>
+<p:tagLst xmlns:p="http://schemas.openxmlformats.org/presentationml/2006/main">
+  <p:tag name="KSO_WPP_MARK_KEY" val="d5d9d2f1-f51a-4009-8b8d-80cd0764e99d"/>
+  <p:tag name="COMMONDATA" val="eyJoZGlkIjoiODViY2JkMjU3NGYzZTEwMzZmMGFkZWViYmNkYWU3NDIifQ=="/>
 </p:tagLst>
 </file>
 
-<file path=ppt/tags/tag3.xml><?xml version="1.0" encoding="utf-8"?>
-<p:tagLst xmlns:a="http://schemas.openxmlformats.org/drawingml/2006/main" xmlns:r="http://schemas.openxmlformats.org/officeDocument/2006/relationships" xmlns:p="http://schemas.openxmlformats.org/presentationml/2006/main">
-  <p:tag name="PA" val="v5.2.11"/>
-  <p:tag name="WHOLESPTYPE" val="Shape_Text"/>
-</p:tagLst>
-</file>
-
-<file path=ppt/tags/tag4.xml><?xml version="1.0" encoding="utf-8"?>
-<p:tagLst xmlns:a="http://schemas.openxmlformats.org/drawingml/2006/main" xmlns:r="http://schemas.openxmlformats.org/officeDocument/2006/relationships" xmlns:p="http://schemas.openxmlformats.org/presentationml/2006/main">
-  <p:tag name="PA" val="v5.2.11"/>
-  <p:tag name="WHOLESPTYPE" val="Shape_Text"/>
-</p:tagLst>
-</file>
-
-<file path=ppt/tags/tag5.xml><?xml version="1.0" encoding="utf-8"?>
-<p:tagLst xmlns:a="http://schemas.openxmlformats.org/drawingml/2006/main" xmlns:r="http://schemas.openxmlformats.org/officeDocument/2006/relationships" xmlns:p="http://schemas.openxmlformats.org/presentationml/2006/main">
+<file path=ppt/tags/tag2.xml><?xml version="1.0" encoding="utf-8"?>
+<p:tagLst xmlns:p="http://schemas.openxmlformats.org/presentationml/2006/main">
   <p:tag name="PA" val="v5.2.11"/>
   <p:tag name="WHOLESPTYPE" val="Shape_SubTitle"/>
 </p:tagLst>
 </file>
 
-<file path=ppt/tags/tag6.xml><?xml version="1.0" encoding="utf-8"?>
-<p:tagLst xmlns:a="http://schemas.openxmlformats.org/drawingml/2006/main" xmlns:r="http://schemas.openxmlformats.org/officeDocument/2006/relationships" xmlns:p="http://schemas.openxmlformats.org/presentationml/2006/main">
+<file path=ppt/tags/tag3.xml><?xml version="1.0" encoding="utf-8"?>
+<p:tagLst xmlns:p="http://schemas.openxmlformats.org/presentationml/2006/main">
   <p:tag name="PA" val="v5.2.11"/>
   <p:tag name="WHOLESPTYPE" val="Shape_Title"/>
   <p:tag name="SCANEADDTIONSP" val="true"/>
@@ -33611,22 +34896,43 @@
 </p:tagLst>
 </file>
 
+<file path=ppt/tags/tag4.xml><?xml version="1.0" encoding="utf-8"?>
+<p:tagLst xmlns:p="http://schemas.openxmlformats.org/presentationml/2006/main">
+  <p:tag name="PA" val="v5.2.11"/>
+  <p:tag name="WHOLESPTYPE" val="Shape_Text"/>
+</p:tagLst>
+</file>
+
+<file path=ppt/tags/tag5.xml><?xml version="1.0" encoding="utf-8"?>
+<p:tagLst xmlns:p="http://schemas.openxmlformats.org/presentationml/2006/main">
+  <p:tag name="PA" val="v5.2.11"/>
+  <p:tag name="WHOLESPTYPE" val="Shape_Text"/>
+</p:tagLst>
+</file>
+
+<file path=ppt/tags/tag6.xml><?xml version="1.0" encoding="utf-8"?>
+<p:tagLst xmlns:p="http://schemas.openxmlformats.org/presentationml/2006/main">
+  <p:tag name="PA" val="v5.2.11"/>
+  <p:tag name="WHOLESPTYPE" val="Shape_Text"/>
+</p:tagLst>
+</file>
+
 <file path=ppt/tags/tag7.xml><?xml version="1.0" encoding="utf-8"?>
-<p:tagLst xmlns:a="http://schemas.openxmlformats.org/drawingml/2006/main" xmlns:r="http://schemas.openxmlformats.org/officeDocument/2006/relationships" xmlns:p="http://schemas.openxmlformats.org/presentationml/2006/main">
+<p:tagLst xmlns:p="http://schemas.openxmlformats.org/presentationml/2006/main">
   <p:tag name="PA" val="v5.2.11"/>
   <p:tag name="WHOLESPTYPE" val="Shape_SubTitle"/>
 </p:tagLst>
 </file>
 
 <file path=ppt/tags/tag8.xml><?xml version="1.0" encoding="utf-8"?>
-<p:tagLst xmlns:a="http://schemas.openxmlformats.org/drawingml/2006/main" xmlns:r="http://schemas.openxmlformats.org/officeDocument/2006/relationships" xmlns:p="http://schemas.openxmlformats.org/presentationml/2006/main">
+<p:tagLst xmlns:p="http://schemas.openxmlformats.org/presentationml/2006/main">
   <p:tag name="PA" val="v5.0.2"/>
   <p:tag name="RESOURCELIBID" val="432"/>
 </p:tagLst>
 </file>
 
 <file path=ppt/tags/tag9.xml><?xml version="1.0" encoding="utf-8"?>
-<p:tagLst xmlns:a="http://schemas.openxmlformats.org/drawingml/2006/main" xmlns:r="http://schemas.openxmlformats.org/officeDocument/2006/relationships" xmlns:p="http://schemas.openxmlformats.org/presentationml/2006/main">
+<p:tagLst xmlns:p="http://schemas.openxmlformats.org/presentationml/2006/main">
   <p:tag name="PA" val="v5.0.2"/>
   <p:tag name="RESOURCELIBID" val="432"/>
 </p:tagLst>
@@ -33823,8 +35129,6 @@
       </a:bgFillStyleLst>
     </a:fmtScheme>
   </a:themeElements>
-  <a:objectDefaults/>
-  <a:extraClrSchemeLst/>
   <a:extLst>
     <a:ext uri="{05A4C25C-085E-4340-85A3-A5531E510DB2}">
       <thm15:themeFamily xmlns:thm15="http://schemas.microsoft.com/office/thememl/2012/main" name="Office Theme" id="{62F939B6-93AF-4DB8-9C6B-D6C7DFDC589F}" vid="{4A3C46E8-61CC-4603-A589-7422A47A8E4A}"/>
@@ -34084,8 +35388,6 @@
       </a:bgFillStyleLst>
     </a:fmtScheme>
   </a:themeElements>
-  <a:objectDefaults/>
-  <a:extraClrSchemeLst/>
   <a:extLst>
     <a:ext uri="{05A4C25C-085E-4340-85A3-A5531E510DB2}">
       <thm15:themeFamily xmlns:thm15="http://schemas.microsoft.com/office/thememl/2012/main" name="Office Theme" id="{62F939B6-93AF-4DB8-9C6B-D6C7DFDC589F}" vid="{4A3C46E8-61CC-4603-A589-7422A47A8E4A}"/>
@@ -34345,8 +35647,6 @@
       </a:bgFillStyleLst>
     </a:fmtScheme>
   </a:themeElements>
-  <a:objectDefaults/>
-  <a:extraClrSchemeLst/>
   <a:extLst>
     <a:ext uri="{05A4C25C-085E-4340-85A3-A5531E510DB2}">
       <thm15:themeFamily xmlns:thm15="http://schemas.microsoft.com/office/thememl/2012/main" name="Office Theme" id="{62F939B6-93AF-4DB8-9C6B-D6C7DFDC589F}" vid="{4A3C46E8-61CC-4603-A589-7422A47A8E4A}"/>

--- a/黄雪朋.pptx
+++ b/黄雪朋.pptx
@@ -5,46 +5,46 @@
     <p:sldMasterId id="2147483648" r:id="rId1"/>
   </p:sldMasterIdLst>
   <p:notesMasterIdLst>
-    <p:notesMasterId r:id="rId31"/>
+    <p:notesMasterId r:id="rId6"/>
   </p:notesMasterIdLst>
   <p:handoutMasterIdLst>
-    <p:handoutMasterId r:id="rId32"/>
+    <p:handoutMasterId r:id="rId33"/>
   </p:handoutMasterIdLst>
   <p:sldIdLst>
-    <p:sldId id="315" r:id="rId2"/>
-    <p:sldId id="310" r:id="rId3"/>
-    <p:sldId id="258" r:id="rId4"/>
-    <p:sldId id="259" r:id="rId5"/>
-    <p:sldId id="264" r:id="rId6"/>
-    <p:sldId id="311" r:id="rId7"/>
-    <p:sldId id="339" r:id="rId8"/>
-    <p:sldId id="376" r:id="rId9"/>
-    <p:sldId id="355" r:id="rId10"/>
-    <p:sldId id="353" r:id="rId11"/>
-    <p:sldId id="357" r:id="rId12"/>
-    <p:sldId id="352" r:id="rId13"/>
-    <p:sldId id="337" r:id="rId14"/>
-    <p:sldId id="354" r:id="rId15"/>
-    <p:sldId id="360" r:id="rId16"/>
-    <p:sldId id="359" r:id="rId17"/>
-    <p:sldId id="361" r:id="rId18"/>
-    <p:sldId id="362" r:id="rId19"/>
-    <p:sldId id="377" r:id="rId20"/>
-    <p:sldId id="378" r:id="rId21"/>
-    <p:sldId id="312" r:id="rId22"/>
-    <p:sldId id="332" r:id="rId23"/>
-    <p:sldId id="313" r:id="rId24"/>
-    <p:sldId id="333" r:id="rId25"/>
-    <p:sldId id="314" r:id="rId26"/>
-    <p:sldId id="334" r:id="rId27"/>
-    <p:sldId id="316" r:id="rId28"/>
-    <p:sldId id="335" r:id="rId29"/>
-    <p:sldId id="351" r:id="rId30"/>
+    <p:sldId id="315" r:id="rId3"/>
+    <p:sldId id="310" r:id="rId4"/>
+    <p:sldId id="258" r:id="rId5"/>
+    <p:sldId id="259" r:id="rId7"/>
+    <p:sldId id="264" r:id="rId8"/>
+    <p:sldId id="311" r:id="rId9"/>
+    <p:sldId id="339" r:id="rId10"/>
+    <p:sldId id="376" r:id="rId11"/>
+    <p:sldId id="355" r:id="rId12"/>
+    <p:sldId id="353" r:id="rId13"/>
+    <p:sldId id="357" r:id="rId14"/>
+    <p:sldId id="352" r:id="rId15"/>
+    <p:sldId id="337" r:id="rId16"/>
+    <p:sldId id="354" r:id="rId17"/>
+    <p:sldId id="360" r:id="rId18"/>
+    <p:sldId id="359" r:id="rId19"/>
+    <p:sldId id="361" r:id="rId20"/>
+    <p:sldId id="362" r:id="rId21"/>
+    <p:sldId id="377" r:id="rId22"/>
+    <p:sldId id="378" r:id="rId23"/>
+    <p:sldId id="312" r:id="rId24"/>
+    <p:sldId id="332" r:id="rId25"/>
+    <p:sldId id="313" r:id="rId26"/>
+    <p:sldId id="333" r:id="rId27"/>
+    <p:sldId id="314" r:id="rId28"/>
+    <p:sldId id="334" r:id="rId29"/>
+    <p:sldId id="316" r:id="rId30"/>
+    <p:sldId id="335" r:id="rId31"/>
+    <p:sldId id="351" r:id="rId32"/>
   </p:sldIdLst>
   <p:sldSz cx="12192000" cy="6858000"/>
   <p:notesSz cx="6858000" cy="9144000"/>
   <p:custDataLst>
-    <p:tags r:id="rId33"/>
+    <p:tags r:id="rId37"/>
   </p:custDataLst>
   <p:defaultTextStyle>
     <a:defPPr>
@@ -141,22 +141,6 @@
       </a:defRPr>
     </a:lvl9pPr>
   </p:defaultTextStyle>
-  <p:extLst>
-    <p:ext uri="{EFAFB233-063F-42B5-8137-9DF3F51BA10A}">
-      <p15:sldGuideLst xmlns:p15="http://schemas.microsoft.com/office/powerpoint/2012/main">
-        <p15:guide id="1" orient="horz" pos="2121">
-          <p15:clr>
-            <a:srgbClr val="A4A3A4"/>
-          </p15:clr>
-        </p15:guide>
-        <p15:guide id="2" pos="3747">
-          <p15:clr>
-            <a:srgbClr val="A4A3A4"/>
-          </p15:clr>
-        </p15:guide>
-      </p15:sldGuideLst>
-    </p:ext>
-  </p:extLst>
 </p:presentation>
 </file>
 
@@ -242,7 +226,6 @@
           <a:p>
             <a:fld id="{0F9B84EA-7D68-4D60-9CB1-D50884785D1C}" type="datetimeFigureOut">
               <a:rPr lang="zh-CN" altLang="en-US" smtClean="0"/>
-              <a:t>2022/8/10</a:t>
             </a:fld>
             <a:endParaRPr lang="zh-CN" altLang="en-US"/>
           </a:p>
@@ -308,7 +291,6 @@
           <a:p>
             <a:fld id="{8D4E0FC9-F1F8-4FAE-9988-3BA365CFD46F}" type="slidenum">
               <a:rPr lang="zh-CN" altLang="en-US" smtClean="0"/>
-              <a:t>‹#›</a:t>
             </a:fld>
             <a:endParaRPr lang="zh-CN" altLang="en-US"/>
           </a:p>
@@ -402,7 +384,6 @@
           <a:p>
             <a:fld id="{631CA851-5859-4C71-A5BC-9312CA066417}" type="datetimeFigureOut">
               <a:rPr lang="zh-CN" altLang="en-US" smtClean="0"/>
-              <a:t>2022/8/10</a:t>
             </a:fld>
             <a:endParaRPr lang="zh-CN" altLang="en-US"/>
           </a:p>
@@ -469,6 +450,7 @@
               <a:rPr lang="zh-CN" altLang="en-US"/>
               <a:t>单击此处编辑母版文本样式</a:t>
             </a:r>
+            <a:endParaRPr lang="zh-CN" altLang="en-US"/>
           </a:p>
           <a:p>
             <a:pPr lvl="1"/>
@@ -476,6 +458,7 @@
               <a:rPr lang="zh-CN" altLang="en-US"/>
               <a:t>二级</a:t>
             </a:r>
+            <a:endParaRPr lang="zh-CN" altLang="en-US"/>
           </a:p>
           <a:p>
             <a:pPr lvl="2"/>
@@ -483,6 +466,7 @@
               <a:rPr lang="zh-CN" altLang="en-US"/>
               <a:t>三级</a:t>
             </a:r>
+            <a:endParaRPr lang="zh-CN" altLang="en-US"/>
           </a:p>
           <a:p>
             <a:pPr lvl="3"/>
@@ -490,6 +474,7 @@
               <a:rPr lang="zh-CN" altLang="en-US"/>
               <a:t>四级</a:t>
             </a:r>
+            <a:endParaRPr lang="zh-CN" altLang="en-US"/>
           </a:p>
           <a:p>
             <a:pPr lvl="4"/>
@@ -497,6 +482,7 @@
               <a:rPr lang="zh-CN" altLang="en-US"/>
               <a:t>五级</a:t>
             </a:r>
+            <a:endParaRPr lang="zh-CN" altLang="en-US"/>
           </a:p>
         </p:txBody>
       </p:sp>
@@ -560,7 +546,6 @@
           <a:p>
             <a:fld id="{AF8C07B3-4E1E-4A51-B69B-3A2834E3CE9F}" type="slidenum">
               <a:rPr lang="zh-CN" altLang="en-US" smtClean="0"/>
-              <a:t>‹#›</a:t>
             </a:fld>
             <a:endParaRPr lang="zh-CN" altLang="en-US"/>
           </a:p>
@@ -729,7 +714,6 @@
           <a:p>
             <a:fld id="{AD8D5771-48B1-44B1-A9D9-2C154B7BDF25}" type="slidenum">
               <a:rPr lang="zh-CN" altLang="en-US" smtClean="0"/>
-              <a:t>3</a:t>
             </a:fld>
             <a:endParaRPr lang="zh-CN" altLang="en-US"/>
           </a:p>
@@ -817,7 +801,6 @@
                   <a:prstClr val="black"/>
                 </a:solidFill>
               </a:rPr>
-              <a:t>14</a:t>
             </a:fld>
             <a:endParaRPr lang="zh-CN" altLang="en-US">
               <a:solidFill>
@@ -909,7 +892,6 @@
                   <a:prstClr val="black"/>
                 </a:solidFill>
               </a:rPr>
-              <a:t>15</a:t>
             </a:fld>
             <a:endParaRPr lang="zh-CN" altLang="en-US">
               <a:solidFill>
@@ -1001,7 +983,6 @@
                   <a:prstClr val="black"/>
                 </a:solidFill>
               </a:rPr>
-              <a:t>16</a:t>
             </a:fld>
             <a:endParaRPr lang="zh-CN" altLang="en-US">
               <a:solidFill>
@@ -1093,7 +1074,6 @@
                   <a:prstClr val="black"/>
                 </a:solidFill>
               </a:rPr>
-              <a:t>17</a:t>
             </a:fld>
             <a:endParaRPr lang="zh-CN" altLang="en-US">
               <a:solidFill>
@@ -1185,7 +1165,6 @@
                   <a:prstClr val="black"/>
                 </a:solidFill>
               </a:rPr>
-              <a:t>18</a:t>
             </a:fld>
             <a:endParaRPr lang="zh-CN" altLang="en-US">
               <a:solidFill>
@@ -1277,7 +1256,6 @@
                   <a:prstClr val="black"/>
                 </a:solidFill>
               </a:rPr>
-              <a:t>19</a:t>
             </a:fld>
             <a:endParaRPr lang="zh-CN" altLang="en-US">
               <a:solidFill>
@@ -1288,11 +1266,6 @@
         </p:txBody>
       </p:sp>
     </p:spTree>
-    <p:extLst>
-      <p:ext uri="{BB962C8B-B14F-4D97-AF65-F5344CB8AC3E}">
-        <p14:creationId xmlns:p14="http://schemas.microsoft.com/office/powerpoint/2010/main" val="1802045936"/>
-      </p:ext>
-    </p:extLst>
   </p:cSld>
   <p:clrMapOvr>
     <a:masterClrMapping/>
@@ -1374,7 +1347,6 @@
                   <a:prstClr val="black"/>
                 </a:solidFill>
               </a:rPr>
-              <a:t>20</a:t>
             </a:fld>
             <a:endParaRPr lang="zh-CN" altLang="en-US">
               <a:solidFill>
@@ -1385,11 +1357,6 @@
         </p:txBody>
       </p:sp>
     </p:spTree>
-    <p:extLst>
-      <p:ext uri="{BB962C8B-B14F-4D97-AF65-F5344CB8AC3E}">
-        <p14:creationId xmlns:p14="http://schemas.microsoft.com/office/powerpoint/2010/main" val="1312353698"/>
-      </p:ext>
-    </p:extLst>
   </p:cSld>
   <p:clrMapOvr>
     <a:masterClrMapping/>
@@ -1471,7 +1438,6 @@
                   <a:prstClr val="black"/>
                 </a:solidFill>
               </a:rPr>
-              <a:t>22</a:t>
             </a:fld>
             <a:endParaRPr lang="zh-CN" altLang="en-US">
               <a:solidFill>
@@ -1563,7 +1529,6 @@
                   <a:prstClr val="black"/>
                 </a:solidFill>
               </a:rPr>
-              <a:t>24</a:t>
             </a:fld>
             <a:endParaRPr lang="zh-CN" altLang="en-US">
               <a:solidFill>
@@ -1655,7 +1620,6 @@
                   <a:prstClr val="black"/>
                 </a:solidFill>
               </a:rPr>
-              <a:t>26</a:t>
             </a:fld>
             <a:endParaRPr lang="zh-CN" altLang="en-US">
               <a:solidFill>
@@ -1747,7 +1711,6 @@
                   <a:prstClr val="black"/>
                 </a:solidFill>
               </a:rPr>
-              <a:t>5</a:t>
             </a:fld>
             <a:endParaRPr lang="zh-CN" altLang="en-US">
               <a:solidFill>
@@ -1839,7 +1802,6 @@
                   <a:prstClr val="black"/>
                 </a:solidFill>
               </a:rPr>
-              <a:t>28</a:t>
             </a:fld>
             <a:endParaRPr lang="zh-CN" altLang="en-US">
               <a:solidFill>
@@ -1931,7 +1893,6 @@
                   <a:prstClr val="black"/>
                 </a:solidFill>
               </a:rPr>
-              <a:t>7</a:t>
             </a:fld>
             <a:endParaRPr lang="zh-CN" altLang="en-US">
               <a:solidFill>
@@ -2023,7 +1984,6 @@
                   <a:prstClr val="black"/>
                 </a:solidFill>
               </a:rPr>
-              <a:t>8</a:t>
             </a:fld>
             <a:endParaRPr lang="zh-CN" altLang="en-US">
               <a:solidFill>
@@ -2115,7 +2075,6 @@
                   <a:prstClr val="black"/>
                 </a:solidFill>
               </a:rPr>
-              <a:t>9</a:t>
             </a:fld>
             <a:endParaRPr lang="zh-CN" altLang="en-US">
               <a:solidFill>
@@ -2207,7 +2166,6 @@
                   <a:prstClr val="black"/>
                 </a:solidFill>
               </a:rPr>
-              <a:t>10</a:t>
             </a:fld>
             <a:endParaRPr lang="zh-CN" altLang="en-US">
               <a:solidFill>
@@ -2299,7 +2257,6 @@
                   <a:prstClr val="black"/>
                 </a:solidFill>
               </a:rPr>
-              <a:t>11</a:t>
             </a:fld>
             <a:endParaRPr lang="zh-CN" altLang="en-US">
               <a:solidFill>
@@ -2391,7 +2348,6 @@
                   <a:prstClr val="black"/>
                 </a:solidFill>
               </a:rPr>
-              <a:t>12</a:t>
             </a:fld>
             <a:endParaRPr lang="zh-CN" altLang="en-US">
               <a:solidFill>
@@ -2483,7 +2439,6 @@
                   <a:prstClr val="black"/>
                 </a:solidFill>
               </a:rPr>
-              <a:t>13</a:t>
             </a:fld>
             <a:endParaRPr lang="zh-CN" altLang="en-US">
               <a:solidFill>
@@ -2546,6 +2501,7 @@
               <a:rPr lang="zh-CN" altLang="en-US"/>
               <a:t>单击此处编辑母版标题样式</a:t>
             </a:r>
+            <a:endParaRPr lang="zh-CN" altLang="en-US"/>
           </a:p>
         </p:txBody>
       </p:sp>
@@ -2610,6 +2566,7 @@
               <a:rPr lang="zh-CN" altLang="en-US"/>
               <a:t>单击此处编辑母版副标题样式</a:t>
             </a:r>
+            <a:endParaRPr lang="zh-CN" altLang="en-US"/>
           </a:p>
         </p:txBody>
       </p:sp>
@@ -2630,7 +2587,6 @@
           <a:p>
             <a:fld id="{2925863B-284D-4CFC-85E6-03AE6B9EFE78}" type="datetimeFigureOut">
               <a:rPr lang="zh-CN" altLang="en-US" smtClean="0"/>
-              <a:t>2022/8/10</a:t>
             </a:fld>
             <a:endParaRPr lang="zh-CN" altLang="en-US"/>
           </a:p>
@@ -2672,7 +2628,6 @@
           <a:p>
             <a:fld id="{93A8C2F8-04E7-4CDC-B056-9C50B39EBB09}" type="slidenum">
               <a:rPr lang="zh-CN" altLang="en-US" smtClean="0"/>
-              <a:t>‹#›</a:t>
             </a:fld>
             <a:endParaRPr lang="zh-CN" altLang="en-US"/>
           </a:p>
@@ -3086,6 +3041,7 @@
               <a:rPr lang="zh-CN" altLang="en-US"/>
               <a:t>单击此处编辑母版标题样式</a:t>
             </a:r>
+            <a:endParaRPr lang="zh-CN" altLang="en-US"/>
           </a:p>
         </p:txBody>
       </p:sp>
@@ -3106,7 +3062,6 @@
           <a:p>
             <a:fld id="{2925863B-284D-4CFC-85E6-03AE6B9EFE78}" type="datetimeFigureOut">
               <a:rPr lang="zh-CN" altLang="en-US" smtClean="0"/>
-              <a:t>2022/8/10</a:t>
             </a:fld>
             <a:endParaRPr lang="zh-CN" altLang="en-US"/>
           </a:p>
@@ -3148,7 +3103,6 @@
           <a:p>
             <a:fld id="{93A8C2F8-04E7-4CDC-B056-9C50B39EBB09}" type="slidenum">
               <a:rPr lang="zh-CN" altLang="en-US" smtClean="0"/>
-              <a:t>‹#›</a:t>
             </a:fld>
             <a:endParaRPr lang="zh-CN" altLang="en-US"/>
           </a:p>
@@ -3196,7 +3150,6 @@
           <a:p>
             <a:fld id="{2925863B-284D-4CFC-85E6-03AE6B9EFE78}" type="datetimeFigureOut">
               <a:rPr lang="zh-CN" altLang="en-US" smtClean="0"/>
-              <a:t>2022/8/10</a:t>
             </a:fld>
             <a:endParaRPr lang="zh-CN" altLang="en-US"/>
           </a:p>
@@ -3238,7 +3191,6 @@
           <a:p>
             <a:fld id="{93A8C2F8-04E7-4CDC-B056-9C50B39EBB09}" type="slidenum">
               <a:rPr lang="zh-CN" altLang="en-US" smtClean="0"/>
-              <a:t>‹#›</a:t>
             </a:fld>
             <a:endParaRPr lang="zh-CN" altLang="en-US"/>
           </a:p>
@@ -3297,6 +3249,7 @@
               <a:rPr lang="zh-CN" altLang="en-US"/>
               <a:t>单击此处编辑母版标题样式</a:t>
             </a:r>
+            <a:endParaRPr lang="zh-CN" altLang="en-US"/>
           </a:p>
         </p:txBody>
       </p:sp>
@@ -3353,6 +3306,7 @@
               <a:rPr lang="zh-CN" altLang="en-US"/>
               <a:t>单击此处编辑母版文本样式</a:t>
             </a:r>
+            <a:endParaRPr lang="zh-CN" altLang="en-US"/>
           </a:p>
           <a:p>
             <a:pPr lvl="1"/>
@@ -3360,6 +3314,7 @@
               <a:rPr lang="zh-CN" altLang="en-US"/>
               <a:t>二级</a:t>
             </a:r>
+            <a:endParaRPr lang="zh-CN" altLang="en-US"/>
           </a:p>
           <a:p>
             <a:pPr lvl="2"/>
@@ -3367,6 +3322,7 @@
               <a:rPr lang="zh-CN" altLang="en-US"/>
               <a:t>三级</a:t>
             </a:r>
+            <a:endParaRPr lang="zh-CN" altLang="en-US"/>
           </a:p>
           <a:p>
             <a:pPr lvl="3"/>
@@ -3374,6 +3330,7 @@
               <a:rPr lang="zh-CN" altLang="en-US"/>
               <a:t>四级</a:t>
             </a:r>
+            <a:endParaRPr lang="zh-CN" altLang="en-US"/>
           </a:p>
           <a:p>
             <a:pPr lvl="4"/>
@@ -3381,6 +3338,7 @@
               <a:rPr lang="zh-CN" altLang="en-US"/>
               <a:t>五级</a:t>
             </a:r>
+            <a:endParaRPr lang="zh-CN" altLang="en-US"/>
           </a:p>
         </p:txBody>
       </p:sp>
@@ -3446,6 +3404,7 @@
               <a:rPr lang="zh-CN" altLang="en-US"/>
               <a:t>单击此处编辑母版文本样式</a:t>
             </a:r>
+            <a:endParaRPr lang="zh-CN" altLang="en-US"/>
           </a:p>
         </p:txBody>
       </p:sp>
@@ -3466,7 +3425,6 @@
           <a:p>
             <a:fld id="{2925863B-284D-4CFC-85E6-03AE6B9EFE78}" type="datetimeFigureOut">
               <a:rPr lang="zh-CN" altLang="en-US" smtClean="0"/>
-              <a:t>2022/8/10</a:t>
             </a:fld>
             <a:endParaRPr lang="zh-CN" altLang="en-US"/>
           </a:p>
@@ -3508,7 +3466,6 @@
           <a:p>
             <a:fld id="{93A8C2F8-04E7-4CDC-B056-9C50B39EBB09}" type="slidenum">
               <a:rPr lang="zh-CN" altLang="en-US" smtClean="0"/>
-              <a:t>‹#›</a:t>
             </a:fld>
             <a:endParaRPr lang="zh-CN" altLang="en-US"/>
           </a:p>
@@ -3567,6 +3524,7 @@
               <a:rPr lang="zh-CN" altLang="en-US"/>
               <a:t>单击此处编辑母版标题样式</a:t>
             </a:r>
+            <a:endParaRPr lang="zh-CN" altLang="en-US"/>
           </a:p>
         </p:txBody>
       </p:sp>
@@ -3693,6 +3651,7 @@
               <a:rPr lang="zh-CN" altLang="en-US"/>
               <a:t>单击此处编辑母版文本样式</a:t>
             </a:r>
+            <a:endParaRPr lang="zh-CN" altLang="en-US"/>
           </a:p>
         </p:txBody>
       </p:sp>
@@ -3713,7 +3672,6 @@
           <a:p>
             <a:fld id="{2925863B-284D-4CFC-85E6-03AE6B9EFE78}" type="datetimeFigureOut">
               <a:rPr lang="zh-CN" altLang="en-US" smtClean="0"/>
-              <a:t>2022/8/10</a:t>
             </a:fld>
             <a:endParaRPr lang="zh-CN" altLang="en-US"/>
           </a:p>
@@ -3755,7 +3713,6 @@
           <a:p>
             <a:fld id="{93A8C2F8-04E7-4CDC-B056-9C50B39EBB09}" type="slidenum">
               <a:rPr lang="zh-CN" altLang="en-US" smtClean="0"/>
-              <a:t>‹#›</a:t>
             </a:fld>
             <a:endParaRPr lang="zh-CN" altLang="en-US"/>
           </a:p>
@@ -3874,6 +3831,7 @@
               <a:rPr lang="zh-CN" altLang="en-US"/>
               <a:t>单击此处编辑母版标题样式</a:t>
             </a:r>
+            <a:endParaRPr lang="zh-CN" altLang="en-US"/>
           </a:p>
         </p:txBody>
       </p:sp>
@@ -3897,6 +3855,7 @@
               <a:rPr lang="zh-CN" altLang="en-US"/>
               <a:t>单击此处编辑母版文本样式</a:t>
             </a:r>
+            <a:endParaRPr lang="zh-CN" altLang="en-US"/>
           </a:p>
           <a:p>
             <a:pPr lvl="1"/>
@@ -3904,6 +3863,7 @@
               <a:rPr lang="zh-CN" altLang="en-US"/>
               <a:t>二级</a:t>
             </a:r>
+            <a:endParaRPr lang="zh-CN" altLang="en-US"/>
           </a:p>
           <a:p>
             <a:pPr lvl="2"/>
@@ -3911,6 +3871,7 @@
               <a:rPr lang="zh-CN" altLang="en-US"/>
               <a:t>三级</a:t>
             </a:r>
+            <a:endParaRPr lang="zh-CN" altLang="en-US"/>
           </a:p>
           <a:p>
             <a:pPr lvl="3"/>
@@ -3918,6 +3879,7 @@
               <a:rPr lang="zh-CN" altLang="en-US"/>
               <a:t>四级</a:t>
             </a:r>
+            <a:endParaRPr lang="zh-CN" altLang="en-US"/>
           </a:p>
           <a:p>
             <a:pPr lvl="4"/>
@@ -3925,6 +3887,7 @@
               <a:rPr lang="zh-CN" altLang="en-US"/>
               <a:t>五级</a:t>
             </a:r>
+            <a:endParaRPr lang="zh-CN" altLang="en-US"/>
           </a:p>
         </p:txBody>
       </p:sp>
@@ -3945,7 +3908,6 @@
           <a:p>
             <a:fld id="{2925863B-284D-4CFC-85E6-03AE6B9EFE78}" type="datetimeFigureOut">
               <a:rPr lang="zh-CN" altLang="en-US" smtClean="0"/>
-              <a:t>2022/8/10</a:t>
             </a:fld>
             <a:endParaRPr lang="zh-CN" altLang="en-US"/>
           </a:p>
@@ -3987,7 +3949,6 @@
           <a:p>
             <a:fld id="{93A8C2F8-04E7-4CDC-B056-9C50B39EBB09}" type="slidenum">
               <a:rPr lang="zh-CN" altLang="en-US" smtClean="0"/>
-              <a:t>‹#›</a:t>
             </a:fld>
             <a:endParaRPr lang="zh-CN" altLang="en-US"/>
           </a:p>
@@ -4042,6 +4003,7 @@
               <a:rPr lang="zh-CN" altLang="en-US"/>
               <a:t>单击此处编辑母版标题样式</a:t>
             </a:r>
+            <a:endParaRPr lang="zh-CN" altLang="en-US"/>
           </a:p>
         </p:txBody>
       </p:sp>
@@ -4070,6 +4032,7 @@
               <a:rPr lang="zh-CN" altLang="en-US"/>
               <a:t>单击此处编辑母版文本样式</a:t>
             </a:r>
+            <a:endParaRPr lang="zh-CN" altLang="en-US"/>
           </a:p>
           <a:p>
             <a:pPr lvl="1"/>
@@ -4077,6 +4040,7 @@
               <a:rPr lang="zh-CN" altLang="en-US"/>
               <a:t>二级</a:t>
             </a:r>
+            <a:endParaRPr lang="zh-CN" altLang="en-US"/>
           </a:p>
           <a:p>
             <a:pPr lvl="2"/>
@@ -4084,6 +4048,7 @@
               <a:rPr lang="zh-CN" altLang="en-US"/>
               <a:t>三级</a:t>
             </a:r>
+            <a:endParaRPr lang="zh-CN" altLang="en-US"/>
           </a:p>
           <a:p>
             <a:pPr lvl="3"/>
@@ -4091,6 +4056,7 @@
               <a:rPr lang="zh-CN" altLang="en-US"/>
               <a:t>四级</a:t>
             </a:r>
+            <a:endParaRPr lang="zh-CN" altLang="en-US"/>
           </a:p>
           <a:p>
             <a:pPr lvl="4"/>
@@ -4098,6 +4064,7 @@
               <a:rPr lang="zh-CN" altLang="en-US"/>
               <a:t>五级</a:t>
             </a:r>
+            <a:endParaRPr lang="zh-CN" altLang="en-US"/>
           </a:p>
         </p:txBody>
       </p:sp>
@@ -4118,7 +4085,6 @@
           <a:p>
             <a:fld id="{2925863B-284D-4CFC-85E6-03AE6B9EFE78}" type="datetimeFigureOut">
               <a:rPr lang="zh-CN" altLang="en-US" smtClean="0"/>
-              <a:t>2022/8/10</a:t>
             </a:fld>
             <a:endParaRPr lang="zh-CN" altLang="en-US"/>
           </a:p>
@@ -4160,7 +4126,6 @@
           <a:p>
             <a:fld id="{93A8C2F8-04E7-4CDC-B056-9C50B39EBB09}" type="slidenum">
               <a:rPr lang="zh-CN" altLang="en-US" smtClean="0"/>
-              <a:t>‹#›</a:t>
             </a:fld>
             <a:endParaRPr lang="zh-CN" altLang="en-US"/>
           </a:p>
@@ -4311,6 +4276,15 @@
               </a:rPr>
               <a:t>Chineyan of CAS</a:t>
             </a:r>
+            <a:endParaRPr lang="en-US" altLang="zh-CN" sz="1200" cap="all" spc="300" dirty="0">
+              <a:solidFill>
+                <a:srgbClr val="D9B44F"/>
+              </a:solidFill>
+              <a:uFillTx/>
+              <a:latin typeface="Arial" panose="020B0604020202020204" pitchFamily="34" charset="0"/>
+              <a:ea typeface="思源黑体 CN Heavy" panose="020B0A00000000000000" pitchFamily="34" charset="-122"/>
+              <a:cs typeface="Arial" panose="020B0604020202020204" pitchFamily="34" charset="0"/>
+            </a:endParaRPr>
           </a:p>
         </p:txBody>
       </p:sp>
@@ -4682,6 +4656,15 @@
               </a:rPr>
               <a:t>司</a:t>
             </a:r>
+            <a:endParaRPr lang="zh-CN" altLang="en-US" sz="800">
+              <a:solidFill>
+                <a:schemeClr val="bg1">
+                  <a:lumMod val="75000"/>
+                </a:schemeClr>
+              </a:solidFill>
+              <a:latin typeface="微软雅黑" panose="020B0503020204020204" pitchFamily="34" charset="-122"/>
+              <a:ea typeface="微软雅黑" panose="020B0503020204020204" pitchFamily="34" charset="-122"/>
+            </a:endParaRPr>
           </a:p>
         </p:txBody>
       </p:sp>
@@ -5054,6 +5037,7 @@
               <a:rPr lang="en-US"/>
               <a:t>CLICK TO EDIT MASTER TITLE STYLE</a:t>
             </a:r>
+            <a:endParaRPr lang="en-US"/>
           </a:p>
         </p:txBody>
       </p:sp>
@@ -5082,7 +5066,6 @@
           <a:p>
             <a:fld id="{F68C8532-35DB-409E-A833-97770FF9303E}" type="datetime1">
               <a:rPr lang="en-US" smtClean="0"/>
-              <a:t>8/10/2022</a:t>
             </a:fld>
             <a:endParaRPr lang="en-US"/>
           </a:p>
@@ -5130,13 +5113,13 @@
   <p:clrMapOvr>
     <a:masterClrMapping/>
   </p:clrMapOvr>
-  <mc:AlternateContent xmlns:mc="http://schemas.openxmlformats.org/markup-compatibility/2006" xmlns:p14="http://schemas.microsoft.com/office/powerpoint/2010/main">
-    <mc:Choice Requires="p14">
+  <mc:AlternateContent xmlns:mc="http://schemas.openxmlformats.org/markup-compatibility/2006">
+    <mc:Choice xmlns:p14="http://schemas.microsoft.com/office/powerpoint/2010/main" Requires="p14">
       <p:transition spd="med" p14:dur="700">
         <p:fade/>
       </p:transition>
     </mc:Choice>
-    <mc:Fallback xmlns="">
+    <mc:Fallback>
       <p:transition spd="med">
         <p:fade/>
       </p:transition>
@@ -5569,6 +5552,7 @@
               <a:rPr lang="zh-CN" altLang="en-US"/>
               <a:t>单击此处编辑母版标题样式</a:t>
             </a:r>
+            <a:endParaRPr lang="zh-CN" altLang="en-US"/>
           </a:p>
         </p:txBody>
       </p:sp>
@@ -5602,6 +5586,7 @@
               <a:rPr lang="zh-CN" altLang="en-US"/>
               <a:t>单击此处编辑母版文本样式</a:t>
             </a:r>
+            <a:endParaRPr lang="zh-CN" altLang="en-US"/>
           </a:p>
           <a:p>
             <a:pPr lvl="1"/>
@@ -5609,6 +5594,7 @@
               <a:rPr lang="zh-CN" altLang="en-US"/>
               <a:t>二级</a:t>
             </a:r>
+            <a:endParaRPr lang="zh-CN" altLang="en-US"/>
           </a:p>
           <a:p>
             <a:pPr lvl="2"/>
@@ -5616,6 +5602,7 @@
               <a:rPr lang="zh-CN" altLang="en-US"/>
               <a:t>三级</a:t>
             </a:r>
+            <a:endParaRPr lang="zh-CN" altLang="en-US"/>
           </a:p>
           <a:p>
             <a:pPr lvl="3"/>
@@ -5623,6 +5610,7 @@
               <a:rPr lang="zh-CN" altLang="en-US"/>
               <a:t>四级</a:t>
             </a:r>
+            <a:endParaRPr lang="zh-CN" altLang="en-US"/>
           </a:p>
           <a:p>
             <a:pPr lvl="4"/>
@@ -5630,6 +5618,7 @@
               <a:rPr lang="zh-CN" altLang="en-US"/>
               <a:t>五级</a:t>
             </a:r>
+            <a:endParaRPr lang="zh-CN" altLang="en-US"/>
           </a:p>
         </p:txBody>
       </p:sp>
@@ -5668,7 +5657,6 @@
           <a:p>
             <a:fld id="{2925863B-284D-4CFC-85E6-03AE6B9EFE78}" type="datetimeFigureOut">
               <a:rPr lang="zh-CN" altLang="en-US" smtClean="0"/>
-              <a:t>2022/8/10</a:t>
             </a:fld>
             <a:endParaRPr lang="zh-CN" altLang="en-US"/>
           </a:p>
@@ -5746,7 +5734,6 @@
           <a:p>
             <a:fld id="{93A8C2F8-04E7-4CDC-B056-9C50B39EBB09}" type="slidenum">
               <a:rPr lang="zh-CN" altLang="en-US" smtClean="0"/>
-              <a:t>‹#›</a:t>
             </a:fld>
             <a:endParaRPr lang="zh-CN" altLang="en-US"/>
           </a:p>
@@ -6102,7 +6089,7 @@
           </p:nvPr>
         </p:nvPicPr>
         <p:blipFill>
-          <a:blip r:embed="rId3">
+          <a:blip r:embed="rId2">
             <a:extLst>
               <a:ext uri="{28A0092B-C50C-407E-A947-70E740481C1C}">
                 <a14:useLocalDpi xmlns:a14="http://schemas.microsoft.com/office/drawing/2010/main" val="0"/>
@@ -6128,13 +6115,13 @@
   <p:clrMapOvr>
     <a:masterClrMapping/>
   </p:clrMapOvr>
-  <mc:AlternateContent xmlns:mc="http://schemas.openxmlformats.org/markup-compatibility/2006" xmlns:p14="http://schemas.microsoft.com/office/powerpoint/2010/main">
-    <mc:Choice Requires="p14">
+  <mc:AlternateContent xmlns:mc="http://schemas.openxmlformats.org/markup-compatibility/2006">
+    <mc:Choice xmlns:p14="http://schemas.microsoft.com/office/powerpoint/2010/main" Requires="p14">
       <p:transition spd="slow" p14:dur="3400">
         <p14:reveal/>
       </p:transition>
     </mc:Choice>
-    <mc:Fallback xmlns="">
+    <mc:Fallback>
       <p:transition spd="slow">
         <p:fade/>
       </p:transition>
@@ -6191,6 +6178,12 @@
               </a:rPr>
               <a:t>工作总结</a:t>
             </a:r>
+            <a:endParaRPr lang="zh-CN" altLang="en-US" sz="2800" b="1" dirty="0">
+              <a:solidFill>
+                <a:schemeClr val="bg1"/>
+              </a:solidFill>
+              <a:ea typeface="思源黑体 CN Heavy" panose="020B0A00000000000000" pitchFamily="34" charset="-122"/>
+            </a:endParaRPr>
           </a:p>
         </p:txBody>
       </p:sp>
@@ -6521,6 +6514,15 @@
               </a:rPr>
               <a:t>.</a:t>
             </a:r>
+            <a:endParaRPr lang="en-US" altLang="zh-CN" dirty="0">
+              <a:solidFill>
+                <a:schemeClr val="tx1">
+                  <a:lumMod val="65000"/>
+                  <a:lumOff val="35000"/>
+                </a:schemeClr>
+              </a:solidFill>
+              <a:ea typeface="思源黑体 CN Heavy" panose="020B0A00000000000000" pitchFamily="34" charset="-122"/>
+            </a:endParaRPr>
           </a:p>
           <a:p>
             <a:pPr marL="342900" indent="-342900">
@@ -7027,13 +7029,13 @@
   <p:clrMapOvr>
     <a:masterClrMapping/>
   </p:clrMapOvr>
-  <mc:AlternateContent xmlns:mc="http://schemas.openxmlformats.org/markup-compatibility/2006" xmlns:p14="http://schemas.microsoft.com/office/powerpoint/2010/main">
-    <mc:Choice Requires="p14">
+  <mc:AlternateContent xmlns:mc="http://schemas.openxmlformats.org/markup-compatibility/2006">
+    <mc:Choice xmlns:p14="http://schemas.microsoft.com/office/powerpoint/2010/main" Requires="p14">
       <p:transition spd="slow" p14:dur="1600">
         <p:blinds dir="vert"/>
       </p:transition>
     </mc:Choice>
-    <mc:Fallback xmlns="">
+    <mc:Fallback>
       <p:transition spd="slow">
         <p:blinds dir="vert"/>
       </p:transition>
@@ -7384,6 +7386,12 @@
               </a:rPr>
               <a:t>工作总结</a:t>
             </a:r>
+            <a:endParaRPr lang="zh-CN" altLang="en-US" sz="2800" b="1" dirty="0">
+              <a:solidFill>
+                <a:schemeClr val="bg1"/>
+              </a:solidFill>
+              <a:ea typeface="思源黑体 CN Heavy" panose="020B0A00000000000000" pitchFamily="34" charset="-122"/>
+            </a:endParaRPr>
           </a:p>
         </p:txBody>
       </p:sp>
@@ -7786,6 +7794,15 @@
               </a:rPr>
               <a:t>数据库</a:t>
             </a:r>
+            <a:endParaRPr lang="zh-CN" altLang="en-US" dirty="0">
+              <a:solidFill>
+                <a:schemeClr val="tx1">
+                  <a:lumMod val="65000"/>
+                  <a:lumOff val="35000"/>
+                </a:schemeClr>
+              </a:solidFill>
+              <a:ea typeface="思源黑体 CN Heavy" panose="020B0A00000000000000" pitchFamily="34" charset="-122"/>
+            </a:endParaRPr>
           </a:p>
         </p:txBody>
       </p:sp>
@@ -8068,13 +8085,13 @@
   <p:clrMapOvr>
     <a:masterClrMapping/>
   </p:clrMapOvr>
-  <mc:AlternateContent xmlns:mc="http://schemas.openxmlformats.org/markup-compatibility/2006" xmlns:p14="http://schemas.microsoft.com/office/powerpoint/2010/main">
-    <mc:Choice Requires="p14">
+  <mc:AlternateContent xmlns:mc="http://schemas.openxmlformats.org/markup-compatibility/2006">
+    <mc:Choice xmlns:p14="http://schemas.microsoft.com/office/powerpoint/2010/main" Requires="p14">
       <p:transition spd="slow" p14:dur="1600">
         <p:blinds dir="vert"/>
       </p:transition>
     </mc:Choice>
-    <mc:Fallback xmlns="">
+    <mc:Fallback>
       <p:transition spd="slow">
         <p:blinds dir="vert"/>
       </p:transition>
@@ -8430,6 +8447,12 @@
               </a:rPr>
               <a:t>工作总结</a:t>
             </a:r>
+            <a:endParaRPr lang="zh-CN" altLang="en-US" sz="2800" b="1" dirty="0">
+              <a:solidFill>
+                <a:schemeClr val="bg1"/>
+              </a:solidFill>
+              <a:ea typeface="思源黑体 CN Heavy" panose="020B0A00000000000000" pitchFamily="34" charset="-122"/>
+            </a:endParaRPr>
           </a:p>
         </p:txBody>
       </p:sp>
@@ -8801,6 +8824,15 @@
               </a:rPr>
               <a:t>	1. </a:t>
             </a:r>
+            <a:endParaRPr lang="en-US" altLang="zh-CN" dirty="0">
+              <a:solidFill>
+                <a:schemeClr val="tx1">
+                  <a:lumMod val="65000"/>
+                  <a:lumOff val="35000"/>
+                </a:schemeClr>
+              </a:solidFill>
+              <a:ea typeface="思源黑体 CN Heavy" panose="020B0A00000000000000" pitchFamily="34" charset="-122"/>
+            </a:endParaRPr>
           </a:p>
         </p:txBody>
       </p:sp>
@@ -8946,13 +8978,13 @@
   <p:clrMapOvr>
     <a:masterClrMapping/>
   </p:clrMapOvr>
-  <mc:AlternateContent xmlns:mc="http://schemas.openxmlformats.org/markup-compatibility/2006" xmlns:p14="http://schemas.microsoft.com/office/powerpoint/2010/main">
-    <mc:Choice Requires="p14">
+  <mc:AlternateContent xmlns:mc="http://schemas.openxmlformats.org/markup-compatibility/2006">
+    <mc:Choice xmlns:p14="http://schemas.microsoft.com/office/powerpoint/2010/main" Requires="p14">
       <p:transition spd="slow" p14:dur="1600">
         <p:blinds dir="vert"/>
       </p:transition>
     </mc:Choice>
-    <mc:Fallback xmlns="">
+    <mc:Fallback>
       <p:transition spd="slow">
         <p:blinds dir="vert"/>
       </p:transition>
@@ -9235,6 +9267,12 @@
               </a:rPr>
               <a:t>工作总结</a:t>
             </a:r>
+            <a:endParaRPr lang="zh-CN" altLang="en-US" sz="2800" b="1" dirty="0">
+              <a:solidFill>
+                <a:schemeClr val="bg1"/>
+              </a:solidFill>
+              <a:ea typeface="思源黑体 CN Heavy" panose="020B0A00000000000000" pitchFamily="34" charset="-122"/>
+            </a:endParaRPr>
           </a:p>
         </p:txBody>
       </p:sp>
@@ -9642,6 +9680,15 @@
               </a:rPr>
               <a:t>shell.</a:t>
             </a:r>
+            <a:endParaRPr lang="en-US" altLang="zh-CN" dirty="0">
+              <a:solidFill>
+                <a:schemeClr val="tx1">
+                  <a:lumMod val="65000"/>
+                  <a:lumOff val="35000"/>
+                </a:schemeClr>
+              </a:solidFill>
+              <a:ea typeface="思源黑体 CN Heavy" panose="020B0A00000000000000" pitchFamily="34" charset="-122"/>
+            </a:endParaRPr>
           </a:p>
           <a:p>
             <a:pPr marL="342900" indent="-342900">
@@ -9674,6 +9721,15 @@
               </a:rPr>
               <a:t>: </a:t>
             </a:r>
+            <a:endParaRPr lang="en-US" altLang="zh-CN" dirty="0">
+              <a:solidFill>
+                <a:schemeClr val="tx1">
+                  <a:lumMod val="65000"/>
+                  <a:lumOff val="35000"/>
+                </a:schemeClr>
+              </a:solidFill>
+              <a:ea typeface="思源黑体 CN Heavy" panose="020B0A00000000000000" pitchFamily="34" charset="-122"/>
+            </a:endParaRPr>
           </a:p>
           <a:p>
             <a:pPr marL="514350" lvl="1" indent="-342900">
@@ -9992,13 +10048,7 @@
       </p:sp>
       <p:sp>
         <p:nvSpPr>
-          <p:cNvPr id="6" name="文本框 145">
-            <a:extLst>
-              <a:ext uri="{FF2B5EF4-FFF2-40B4-BE49-F238E27FC236}">
-                <a16:creationId xmlns:a16="http://schemas.microsoft.com/office/drawing/2014/main" id="{4AAF0462-23A3-4B09-8F64-CE20E4FFCFA8}"/>
-              </a:ext>
-            </a:extLst>
-          </p:cNvPr>
+          <p:cNvPr id="6" name="文本框 145"/>
           <p:cNvSpPr txBox="1"/>
           <p:nvPr/>
         </p:nvSpPr>
@@ -10162,6 +10212,15 @@
               </a:rPr>
               <a:t> main() {</a:t>
             </a:r>
+            <a:endParaRPr lang="en-US" altLang="zh-CN" sz="900" dirty="0">
+              <a:solidFill>
+                <a:schemeClr val="tx1">
+                  <a:lumMod val="65000"/>
+                  <a:lumOff val="35000"/>
+                </a:schemeClr>
+              </a:solidFill>
+              <a:ea typeface="思源黑体 CN Heavy" panose="020B0A00000000000000" pitchFamily="34" charset="-122"/>
+            </a:endParaRPr>
           </a:p>
           <a:p>
             <a:pPr marL="0" indent="0">
@@ -10254,6 +10313,15 @@
               </a:rPr>
               <a:t>", "./test.sh")</a:t>
             </a:r>
+            <a:endParaRPr lang="en-US" altLang="zh-CN" sz="900" dirty="0">
+              <a:solidFill>
+                <a:schemeClr val="tx1">
+                  <a:lumMod val="65000"/>
+                  <a:lumOff val="35000"/>
+                </a:schemeClr>
+              </a:solidFill>
+              <a:ea typeface="思源黑体 CN Heavy" panose="020B0A00000000000000" pitchFamily="34" charset="-122"/>
+            </a:endParaRPr>
           </a:p>
           <a:p>
             <a:pPr marL="0" indent="0">
@@ -10298,6 +10366,15 @@
               </a:rPr>
               <a:t>()</a:t>
             </a:r>
+            <a:endParaRPr lang="en-US" altLang="zh-CN" sz="900" dirty="0">
+              <a:solidFill>
+                <a:schemeClr val="tx1">
+                  <a:lumMod val="65000"/>
+                  <a:lumOff val="35000"/>
+                </a:schemeClr>
+              </a:solidFill>
+              <a:ea typeface="思源黑体 CN Heavy" panose="020B0A00000000000000" pitchFamily="34" charset="-122"/>
+            </a:endParaRPr>
           </a:p>
           <a:p>
             <a:pPr marL="0" indent="0">
@@ -10318,6 +10395,15 @@
               </a:rPr>
               <a:t>	if err != nil {</a:t>
             </a:r>
+            <a:endParaRPr lang="en-US" altLang="zh-CN" sz="900" dirty="0">
+              <a:solidFill>
+                <a:schemeClr val="tx1">
+                  <a:lumMod val="65000"/>
+                  <a:lumOff val="35000"/>
+                </a:schemeClr>
+              </a:solidFill>
+              <a:ea typeface="思源黑体 CN Heavy" panose="020B0A00000000000000" pitchFamily="34" charset="-122"/>
+            </a:endParaRPr>
           </a:p>
           <a:p>
             <a:pPr marL="0" indent="0">
@@ -10386,6 +10472,15 @@
               </a:rPr>
               <a:t>:", err)</a:t>
             </a:r>
+            <a:endParaRPr lang="en-US" altLang="zh-CN" sz="900" dirty="0">
+              <a:solidFill>
+                <a:schemeClr val="tx1">
+                  <a:lumMod val="65000"/>
+                  <a:lumOff val="35000"/>
+                </a:schemeClr>
+              </a:solidFill>
+              <a:ea typeface="思源黑体 CN Heavy" panose="020B0A00000000000000" pitchFamily="34" charset="-122"/>
+            </a:endParaRPr>
           </a:p>
           <a:p>
             <a:pPr marL="0" indent="0">
@@ -10406,6 +10501,15 @@
               </a:rPr>
               <a:t>		return</a:t>
             </a:r>
+            <a:endParaRPr lang="en-US" altLang="zh-CN" sz="900" dirty="0">
+              <a:solidFill>
+                <a:schemeClr val="tx1">
+                  <a:lumMod val="65000"/>
+                  <a:lumOff val="35000"/>
+                </a:schemeClr>
+              </a:solidFill>
+              <a:ea typeface="思源黑体 CN Heavy" panose="020B0A00000000000000" pitchFamily="34" charset="-122"/>
+            </a:endParaRPr>
           </a:p>
           <a:p>
             <a:pPr marL="0" indent="0">
@@ -10426,6 +10530,15 @@
               </a:rPr>
               <a:t>	}</a:t>
             </a:r>
+            <a:endParaRPr lang="en-US" altLang="zh-CN" sz="900" dirty="0">
+              <a:solidFill>
+                <a:schemeClr val="tx1">
+                  <a:lumMod val="65000"/>
+                  <a:lumOff val="35000"/>
+                </a:schemeClr>
+              </a:solidFill>
+              <a:ea typeface="思源黑体 CN Heavy" panose="020B0A00000000000000" pitchFamily="34" charset="-122"/>
+            </a:endParaRPr>
           </a:p>
           <a:p>
             <a:pPr marL="0" indent="0">
@@ -10470,6 +10583,15 @@
               </a:rPr>
               <a:t>(string(bytes))</a:t>
             </a:r>
+            <a:endParaRPr lang="en-US" altLang="zh-CN" sz="900" dirty="0">
+              <a:solidFill>
+                <a:schemeClr val="tx1">
+                  <a:lumMod val="65000"/>
+                  <a:lumOff val="35000"/>
+                </a:schemeClr>
+              </a:solidFill>
+              <a:ea typeface="思源黑体 CN Heavy" panose="020B0A00000000000000" pitchFamily="34" charset="-122"/>
+            </a:endParaRPr>
           </a:p>
           <a:p>
             <a:pPr marL="0" indent="0">
@@ -10490,25 +10612,28 @@
               </a:rPr>
               <a:t>}</a:t>
             </a:r>
+            <a:endParaRPr lang="en-US" altLang="zh-CN" sz="900" dirty="0">
+              <a:solidFill>
+                <a:schemeClr val="tx1">
+                  <a:lumMod val="65000"/>
+                  <a:lumOff val="35000"/>
+                </a:schemeClr>
+              </a:solidFill>
+              <a:ea typeface="思源黑体 CN Heavy" panose="020B0A00000000000000" pitchFamily="34" charset="-122"/>
+            </a:endParaRPr>
           </a:p>
         </p:txBody>
       </p:sp>
       <p:pic>
         <p:nvPicPr>
-          <p:cNvPr id="2" name="图片 1">
-            <a:extLst>
-              <a:ext uri="{FF2B5EF4-FFF2-40B4-BE49-F238E27FC236}">
-                <a16:creationId xmlns:a16="http://schemas.microsoft.com/office/drawing/2014/main" id="{6C8D2501-5051-401B-A883-BEA87E7B7D9C}"/>
-              </a:ext>
-            </a:extLst>
-          </p:cNvPr>
+          <p:cNvPr id="2" name="图片 1"/>
           <p:cNvPicPr>
             <a:picLocks noChangeAspect="1"/>
           </p:cNvPicPr>
           <p:nvPr/>
         </p:nvPicPr>
         <p:blipFill>
-          <a:blip r:embed="rId3"/>
+          <a:blip r:embed="rId1"/>
           <a:stretch>
             <a:fillRect/>
           </a:stretch>
@@ -10528,13 +10653,13 @@
   <p:clrMapOvr>
     <a:masterClrMapping/>
   </p:clrMapOvr>
-  <mc:AlternateContent xmlns:mc="http://schemas.openxmlformats.org/markup-compatibility/2006" xmlns:p14="http://schemas.microsoft.com/office/powerpoint/2010/main">
-    <mc:Choice Requires="p14">
+  <mc:AlternateContent xmlns:mc="http://schemas.openxmlformats.org/markup-compatibility/2006">
+    <mc:Choice xmlns:p14="http://schemas.microsoft.com/office/powerpoint/2010/main" Requires="p14">
       <p:transition spd="slow" p14:dur="1600">
         <p:blinds dir="vert"/>
       </p:transition>
     </mc:Choice>
-    <mc:Fallback xmlns="">
+    <mc:Fallback>
       <p:transition spd="slow">
         <p:blinds dir="vert"/>
       </p:transition>
@@ -10885,6 +11010,12 @@
               </a:rPr>
               <a:t>工作总结</a:t>
             </a:r>
+            <a:endParaRPr lang="zh-CN" altLang="en-US" sz="2800" b="1" dirty="0">
+              <a:solidFill>
+                <a:schemeClr val="bg1"/>
+              </a:solidFill>
+              <a:ea typeface="思源黑体 CN Heavy" panose="020B0A00000000000000" pitchFamily="34" charset="-122"/>
+            </a:endParaRPr>
           </a:p>
         </p:txBody>
       </p:sp>
@@ -11051,7 +11182,7 @@
         <p:spPr>
           <a:xfrm>
             <a:off x="749935" y="1842770"/>
-            <a:ext cx="4653280" cy="2922905"/>
+            <a:ext cx="4653280" cy="4307205"/>
           </a:xfrm>
           <a:prstGeom prst="rect">
             <a:avLst/>
@@ -11168,6 +11299,18 @@
               <a:buNone/>
             </a:pPr>
             <a:r>
+              <a:rPr lang="zh-CN" altLang="en-US" dirty="0">
+                <a:solidFill>
+                  <a:schemeClr val="tx1">
+                    <a:lumMod val="65000"/>
+                    <a:lumOff val="35000"/>
+                  </a:schemeClr>
+                </a:solidFill>
+                <a:ea typeface="思源黑体 CN Heavy" panose="020B0A00000000000000" pitchFamily="34" charset="-122"/>
+              </a:rPr>
+              <a:t>学习</a:t>
+            </a:r>
+            <a:r>
               <a:rPr lang="en-US" altLang="zh-CN" dirty="0">
                 <a:solidFill>
                   <a:schemeClr val="tx1">
@@ -11177,7 +11320,152 @@
                 </a:solidFill>
                 <a:ea typeface="思源黑体 CN Heavy" panose="020B0A00000000000000" pitchFamily="34" charset="-122"/>
               </a:rPr>
-              <a:t>1.</a:t>
+              <a:t>docker</a:t>
+            </a:r>
+            <a:endParaRPr lang="en-US" altLang="zh-CN" dirty="0">
+              <a:solidFill>
+                <a:schemeClr val="tx1">
+                  <a:lumMod val="65000"/>
+                  <a:lumOff val="35000"/>
+                </a:schemeClr>
+              </a:solidFill>
+              <a:ea typeface="思源黑体 CN Heavy" panose="020B0A00000000000000" pitchFamily="34" charset="-122"/>
+            </a:endParaRPr>
+          </a:p>
+          <a:p>
+            <a:pPr marL="0" indent="0">
+              <a:buClr>
+                <a:srgbClr val="C00000"/>
+              </a:buClr>
+              <a:buNone/>
+            </a:pPr>
+            <a:r>
+              <a:rPr lang="en-US" altLang="zh-CN" dirty="0">
+                <a:solidFill>
+                  <a:schemeClr val="tx1">
+                    <a:lumMod val="65000"/>
+                    <a:lumOff val="35000"/>
+                  </a:schemeClr>
+                </a:solidFill>
+                <a:ea typeface="思源黑体 CN Heavy" panose="020B0A00000000000000" pitchFamily="34" charset="-122"/>
+              </a:rPr>
+              <a:t>  1. 为什么拉取一个镜像的时候会有多条数据同时下载</a:t>
+            </a:r>
+            <a:endParaRPr lang="en-US" altLang="zh-CN" dirty="0">
+              <a:solidFill>
+                <a:schemeClr val="tx1">
+                  <a:lumMod val="65000"/>
+                  <a:lumOff val="35000"/>
+                </a:schemeClr>
+              </a:solidFill>
+              <a:ea typeface="思源黑体 CN Heavy" panose="020B0A00000000000000" pitchFamily="34" charset="-122"/>
+            </a:endParaRPr>
+          </a:p>
+          <a:p>
+            <a:pPr marL="0" indent="0">
+              <a:buClr>
+                <a:srgbClr val="C00000"/>
+              </a:buClr>
+              <a:buNone/>
+            </a:pPr>
+            <a:r>
+              <a:rPr lang="en-US" altLang="zh-CN" dirty="0">
+                <a:solidFill>
+                  <a:schemeClr val="tx1">
+                    <a:lumMod val="65000"/>
+                    <a:lumOff val="35000"/>
+                  </a:schemeClr>
+                </a:solidFill>
+                <a:ea typeface="思源黑体 CN Heavy" panose="020B0A00000000000000" pitchFamily="34" charset="-122"/>
+              </a:rPr>
+              <a:t>     -  一个镜像是由多个只读层组成的</a:t>
+            </a:r>
+            <a:endParaRPr lang="en-US" altLang="zh-CN" dirty="0">
+              <a:solidFill>
+                <a:schemeClr val="tx1">
+                  <a:lumMod val="65000"/>
+                  <a:lumOff val="35000"/>
+                </a:schemeClr>
+              </a:solidFill>
+              <a:ea typeface="思源黑体 CN Heavy" panose="020B0A00000000000000" pitchFamily="34" charset="-122"/>
+            </a:endParaRPr>
+          </a:p>
+          <a:p>
+            <a:pPr marL="0" indent="0">
+              <a:buClr>
+                <a:srgbClr val="C00000"/>
+              </a:buClr>
+              <a:buNone/>
+            </a:pPr>
+            <a:r>
+              <a:rPr lang="en-US" altLang="zh-CN" dirty="0">
+                <a:solidFill>
+                  <a:schemeClr val="tx1">
+                    <a:lumMod val="65000"/>
+                    <a:lumOff val="35000"/>
+                  </a:schemeClr>
+                </a:solidFill>
+                <a:ea typeface="思源黑体 CN Heavy" panose="020B0A00000000000000" pitchFamily="34" charset="-122"/>
+              </a:rPr>
+              <a:t>     - 这些只读层除了最下面的不指向外, 其他的都指向父级</a:t>
+            </a:r>
+            <a:endParaRPr lang="en-US" altLang="zh-CN" dirty="0">
+              <a:solidFill>
+                <a:schemeClr val="tx1">
+                  <a:lumMod val="65000"/>
+                  <a:lumOff val="35000"/>
+                </a:schemeClr>
+              </a:solidFill>
+              <a:ea typeface="思源黑体 CN Heavy" panose="020B0A00000000000000" pitchFamily="34" charset="-122"/>
+            </a:endParaRPr>
+          </a:p>
+          <a:p>
+            <a:pPr marL="0" indent="0">
+              <a:buClr>
+                <a:srgbClr val="C00000"/>
+              </a:buClr>
+              <a:buNone/>
+            </a:pPr>
+            <a:r>
+              <a:rPr lang="en-US" altLang="zh-CN" dirty="0">
+                <a:solidFill>
+                  <a:schemeClr val="tx1">
+                    <a:lumMod val="65000"/>
+                    <a:lumOff val="35000"/>
+                  </a:schemeClr>
+                </a:solidFill>
+                <a:ea typeface="思源黑体 CN Heavy" panose="020B0A00000000000000" pitchFamily="34" charset="-122"/>
+              </a:rPr>
+              <a:t>     - 展示给用户的只有一个文件系统的原因是隐藏多层的存在, 使用的技术是使用统一文件系统技术, 将多层文件整合成一个文件系统.</a:t>
+            </a:r>
+            <a:endParaRPr lang="en-US" altLang="zh-CN" dirty="0">
+              <a:solidFill>
+                <a:schemeClr val="tx1">
+                  <a:lumMod val="65000"/>
+                  <a:lumOff val="35000"/>
+                </a:schemeClr>
+              </a:solidFill>
+              <a:ea typeface="思源黑体 CN Heavy" panose="020B0A00000000000000" pitchFamily="34" charset="-122"/>
+            </a:endParaRPr>
+          </a:p>
+          <a:p>
+            <a:pPr marL="0" indent="0">
+              <a:buClr>
+                <a:srgbClr val="C00000"/>
+              </a:buClr>
+              <a:buNone/>
+            </a:pPr>
+            <a:r>
+              <a:rPr lang="en-US" altLang="zh-CN" dirty="0">
+                <a:solidFill>
+                  <a:schemeClr val="tx1">
+                    <a:lumMod val="65000"/>
+                    <a:lumOff val="35000"/>
+                  </a:schemeClr>
+                </a:solidFill>
+                <a:ea typeface="思源黑体 CN Heavy" panose="020B0A00000000000000" pitchFamily="34" charset="-122"/>
+              </a:rPr>
+              <a:t>2. </a:t>
             </a:r>
             <a:r>
               <a:rPr lang="zh-CN" altLang="en-US" dirty="0">
@@ -11189,7 +11477,7 @@
                 </a:solidFill>
                 <a:ea typeface="思源黑体 CN Heavy" panose="020B0A00000000000000" pitchFamily="34" charset="-122"/>
               </a:rPr>
-              <a:t>学习</a:t>
+              <a:t>形成原因</a:t>
             </a:r>
             <a:r>
               <a:rPr lang="en-US" altLang="zh-CN" dirty="0">
@@ -11201,8 +11489,113 @@
                 </a:solidFill>
                 <a:ea typeface="思源黑体 CN Heavy" panose="020B0A00000000000000" pitchFamily="34" charset="-122"/>
               </a:rPr>
-              <a:t>docker</a:t>
-            </a:r>
+              <a:t>:  </a:t>
+            </a:r>
+            <a:r>
+              <a:rPr lang="zh-CN" altLang="en-US" dirty="0">
+                <a:solidFill>
+                  <a:schemeClr val="tx1">
+                    <a:lumMod val="65000"/>
+                    <a:lumOff val="35000"/>
+                  </a:schemeClr>
+                </a:solidFill>
+                <a:ea typeface="思源黑体 CN Heavy" panose="020B0A00000000000000" pitchFamily="34" charset="-122"/>
+              </a:rPr>
+              <a:t>每一个镜像都是由一个基础镜像构成的</a:t>
+            </a:r>
+            <a:r>
+              <a:rPr lang="en-US" altLang="zh-CN" dirty="0">
+                <a:solidFill>
+                  <a:schemeClr val="tx1">
+                    <a:lumMod val="65000"/>
+                    <a:lumOff val="35000"/>
+                  </a:schemeClr>
+                </a:solidFill>
+                <a:ea typeface="思源黑体 CN Heavy" panose="020B0A00000000000000" pitchFamily="34" charset="-122"/>
+              </a:rPr>
+              <a:t>, </a:t>
+            </a:r>
+            <a:r>
+              <a:rPr lang="zh-CN" altLang="en-US" dirty="0">
+                <a:solidFill>
+                  <a:schemeClr val="tx1">
+                    <a:lumMod val="65000"/>
+                    <a:lumOff val="35000"/>
+                  </a:schemeClr>
+                </a:solidFill>
+                <a:ea typeface="思源黑体 CN Heavy" panose="020B0A00000000000000" pitchFamily="34" charset="-122"/>
+              </a:rPr>
+              <a:t>然后</a:t>
+            </a:r>
+            <a:r>
+              <a:rPr lang="en-US" altLang="zh-CN" dirty="0">
+                <a:solidFill>
+                  <a:schemeClr val="tx1">
+                    <a:lumMod val="65000"/>
+                    <a:lumOff val="35000"/>
+                  </a:schemeClr>
+                </a:solidFill>
+                <a:ea typeface="思源黑体 CN Heavy" panose="020B0A00000000000000" pitchFamily="34" charset="-122"/>
+              </a:rPr>
+              <a:t>, </a:t>
+            </a:r>
+            <a:r>
+              <a:rPr lang="zh-CN" altLang="en-US" dirty="0">
+                <a:solidFill>
+                  <a:schemeClr val="tx1">
+                    <a:lumMod val="65000"/>
+                    <a:lumOff val="35000"/>
+                  </a:schemeClr>
+                </a:solidFill>
+                <a:ea typeface="思源黑体 CN Heavy" panose="020B0A00000000000000" pitchFamily="34" charset="-122"/>
+              </a:rPr>
+              <a:t>每一个</a:t>
+            </a:r>
+            <a:r>
+              <a:rPr lang="en-US" altLang="zh-CN" dirty="0">
+                <a:solidFill>
+                  <a:schemeClr val="tx1">
+                    <a:lumMod val="65000"/>
+                    <a:lumOff val="35000"/>
+                  </a:schemeClr>
+                </a:solidFill>
+                <a:ea typeface="思源黑体 CN Heavy" panose="020B0A00000000000000" pitchFamily="34" charset="-122"/>
+              </a:rPr>
+              <a:t>run </a:t>
+            </a:r>
+            <a:r>
+              <a:rPr lang="zh-CN" altLang="en-US" dirty="0">
+                <a:solidFill>
+                  <a:schemeClr val="tx1">
+                    <a:lumMod val="65000"/>
+                    <a:lumOff val="35000"/>
+                  </a:schemeClr>
+                </a:solidFill>
+                <a:ea typeface="思源黑体 CN Heavy" panose="020B0A00000000000000" pitchFamily="34" charset="-122"/>
+              </a:rPr>
+              <a:t>都会在基础镜像上构建</a:t>
+            </a:r>
+            <a:r>
+              <a:rPr lang="zh-CN" altLang="en-US" dirty="0">
+                <a:solidFill>
+                  <a:schemeClr val="tx1">
+                    <a:lumMod val="65000"/>
+                    <a:lumOff val="35000"/>
+                  </a:schemeClr>
+                </a:solidFill>
+                <a:ea typeface="思源黑体 CN Heavy" panose="020B0A00000000000000" pitchFamily="34" charset="-122"/>
+              </a:rPr>
+              <a:t>一层</a:t>
+            </a:r>
+            <a:endParaRPr lang="zh-CN" altLang="en-US" dirty="0">
+              <a:solidFill>
+                <a:schemeClr val="tx1">
+                  <a:lumMod val="65000"/>
+                  <a:lumOff val="35000"/>
+                </a:schemeClr>
+              </a:solidFill>
+              <a:ea typeface="思源黑体 CN Heavy" panose="020B0A00000000000000" pitchFamily="34" charset="-122"/>
+            </a:endParaRPr>
           </a:p>
         </p:txBody>
       </p:sp>
@@ -11343,18 +11736,155 @@
           </a:p>
         </p:txBody>
       </p:sp>
+      <p:sp>
+        <p:nvSpPr>
+          <p:cNvPr id="2" name="文本框 145"/>
+          <p:cNvSpPr txBox="1"/>
+          <p:nvPr/>
+        </p:nvSpPr>
+        <p:spPr>
+          <a:xfrm>
+            <a:off x="6516370" y="1932940"/>
+            <a:ext cx="4653280" cy="4307205"/>
+          </a:xfrm>
+          <a:prstGeom prst="rect">
+            <a:avLst/>
+          </a:prstGeom>
+          <a:noFill/>
+          <a:ln>
+            <a:noFill/>
+          </a:ln>
+        </p:spPr>
+        <p:style>
+          <a:lnRef idx="2">
+            <a:schemeClr val="accent1">
+              <a:shade val="50000"/>
+            </a:schemeClr>
+          </a:lnRef>
+          <a:fillRef idx="1">
+            <a:schemeClr val="accent1"/>
+          </a:fillRef>
+          <a:effectRef idx="0">
+            <a:schemeClr val="accent1"/>
+          </a:effectRef>
+          <a:fontRef idx="minor">
+            <a:schemeClr val="lt1"/>
+          </a:fontRef>
+        </p:style>
+        <p:txBody>
+          <a:bodyPr wrap="square" lIns="178172" tIns="0" rIns="178172" bIns="0" rtlCol="0" anchor="t">
+            <a:noAutofit/>
+          </a:bodyPr>
+          <a:lstStyle>
+            <a:defPPr>
+              <a:defRPr lang="zh-CN"/>
+            </a:defPPr>
+            <a:lvl1pPr marL="285750" indent="-285750">
+              <a:lnSpc>
+                <a:spcPct val="120000"/>
+              </a:lnSpc>
+              <a:buClr>
+                <a:schemeClr val="accent1"/>
+              </a:buClr>
+              <a:buFont typeface="Wingdings" panose="05000000000000000000" pitchFamily="2" charset="2"/>
+              <a:buChar char="n"/>
+              <a:defRPr sz="1800" b="1">
+                <a:solidFill>
+                  <a:schemeClr val="bg1">
+                    <a:lumMod val="50000"/>
+                  </a:schemeClr>
+                </a:solidFill>
+                <a:cs typeface="+mn-ea"/>
+              </a:defRPr>
+            </a:lvl1pPr>
+            <a:lvl2pPr>
+              <a:defRPr>
+                <a:solidFill>
+                  <a:schemeClr val="lt1"/>
+                </a:solidFill>
+              </a:defRPr>
+            </a:lvl2pPr>
+            <a:lvl3pPr>
+              <a:defRPr>
+                <a:solidFill>
+                  <a:schemeClr val="lt1"/>
+                </a:solidFill>
+              </a:defRPr>
+            </a:lvl3pPr>
+            <a:lvl4pPr>
+              <a:defRPr>
+                <a:solidFill>
+                  <a:schemeClr val="lt1"/>
+                </a:solidFill>
+              </a:defRPr>
+            </a:lvl4pPr>
+            <a:lvl5pPr>
+              <a:defRPr>
+                <a:solidFill>
+                  <a:schemeClr val="lt1"/>
+                </a:solidFill>
+              </a:defRPr>
+            </a:lvl5pPr>
+            <a:lvl6pPr>
+              <a:defRPr>
+                <a:solidFill>
+                  <a:schemeClr val="lt1"/>
+                </a:solidFill>
+              </a:defRPr>
+            </a:lvl6pPr>
+            <a:lvl7pPr>
+              <a:defRPr>
+                <a:solidFill>
+                  <a:schemeClr val="lt1"/>
+                </a:solidFill>
+              </a:defRPr>
+            </a:lvl7pPr>
+            <a:lvl8pPr>
+              <a:defRPr>
+                <a:solidFill>
+                  <a:schemeClr val="lt1"/>
+                </a:solidFill>
+              </a:defRPr>
+            </a:lvl8pPr>
+            <a:lvl9pPr>
+              <a:defRPr>
+                <a:solidFill>
+                  <a:schemeClr val="lt1"/>
+                </a:solidFill>
+              </a:defRPr>
+            </a:lvl9pPr>
+          </a:lstStyle>
+          <a:p>
+            <a:pPr marL="0" indent="0">
+              <a:buClr>
+                <a:srgbClr val="C00000"/>
+              </a:buClr>
+              <a:buNone/>
+            </a:pPr>
+            <a:endParaRPr lang="zh-CN" altLang="en-US" dirty="0">
+              <a:solidFill>
+                <a:schemeClr val="tx1">
+                  <a:lumMod val="65000"/>
+                  <a:lumOff val="35000"/>
+                </a:schemeClr>
+              </a:solidFill>
+              <a:ea typeface="思源黑体 CN Heavy" panose="020B0A00000000000000" pitchFamily="34" charset="-122"/>
+            </a:endParaRPr>
+          </a:p>
+        </p:txBody>
+      </p:sp>
     </p:spTree>
   </p:cSld>
   <p:clrMapOvr>
     <a:masterClrMapping/>
   </p:clrMapOvr>
-  <mc:AlternateContent xmlns:mc="http://schemas.openxmlformats.org/markup-compatibility/2006" xmlns:p14="http://schemas.microsoft.com/office/powerpoint/2010/main">
-    <mc:Choice Requires="p14">
+  <mc:AlternateContent xmlns:mc="http://schemas.openxmlformats.org/markup-compatibility/2006">
+    <mc:Choice xmlns:p14="http://schemas.microsoft.com/office/powerpoint/2010/main" Requires="p14">
       <p:transition spd="slow" p14:dur="1600">
         <p:blinds dir="vert"/>
       </p:transition>
     </mc:Choice>
-    <mc:Fallback xmlns="">
+    <mc:Fallback>
       <p:transition spd="slow">
         <p:blinds dir="vert"/>
       </p:transition>
@@ -11555,6 +12085,73 @@
                             </p:childTnLst>
                           </p:cTn>
                         </p:par>
+                        <p:par>
+                          <p:cTn id="18" fill="hold">
+                            <p:stCondLst>
+                              <p:cond delay="1500"/>
+                            </p:stCondLst>
+                            <p:childTnLst>
+                              <p:par>
+                                <p:cTn id="19" presetID="12" presetClass="entr" presetSubtype="1" fill="hold" grpId="0" nodeType="afterEffect">
+                                  <p:stCondLst>
+                                    <p:cond delay="0"/>
+                                  </p:stCondLst>
+                                  <p:childTnLst>
+                                    <p:set>
+                                      <p:cBhvr>
+                                        <p:cTn id="20" dur="1" fill="hold">
+                                          <p:stCondLst>
+                                            <p:cond delay="0"/>
+                                          </p:stCondLst>
+                                        </p:cTn>
+                                        <p:tgtEl>
+                                          <p:spTgt spid="2"/>
+                                        </p:tgtEl>
+                                        <p:attrNameLst>
+                                          <p:attrName>style.visibility</p:attrName>
+                                        </p:attrNameLst>
+                                      </p:cBhvr>
+                                      <p:to>
+                                        <p:strVal val="visible"/>
+                                      </p:to>
+                                    </p:set>
+                                    <p:anim calcmode="lin" valueType="num">
+                                      <p:cBhvr additive="base">
+                                        <p:cTn id="21" dur="500"/>
+                                        <p:tgtEl>
+                                          <p:spTgt spid="2"/>
+                                        </p:tgtEl>
+                                        <p:attrNameLst>
+                                          <p:attrName>ppt_y</p:attrName>
+                                        </p:attrNameLst>
+                                      </p:cBhvr>
+                                      <p:tavLst>
+                                        <p:tav tm="0">
+                                          <p:val>
+                                            <p:strVal val="#ppt_y-#ppt_h*1.125000"/>
+                                          </p:val>
+                                        </p:tav>
+                                        <p:tav tm="100000">
+                                          <p:val>
+                                            <p:strVal val="#ppt_y"/>
+                                          </p:val>
+                                        </p:tav>
+                                      </p:tavLst>
+                                    </p:anim>
+                                    <p:animEffect transition="in" filter="wipe(down)">
+                                      <p:cBhvr>
+                                        <p:cTn id="22" dur="500"/>
+                                        <p:tgtEl>
+                                          <p:spTgt spid="2"/>
+                                        </p:tgtEl>
+                                      </p:cBhvr>
+                                    </p:animEffect>
+                                  </p:childTnLst>
+                                </p:cTn>
+                              </p:par>
+                            </p:childTnLst>
+                          </p:cTn>
+                        </p:par>
                       </p:childTnLst>
                     </p:cTn>
                   </p:par>
@@ -11584,6 +12181,7 @@
       <p:bldP spid="44" grpId="1"/>
       <p:bldP spid="45" grpId="0" bldLvl="0" animBg="1"/>
       <p:bldP spid="37" grpId="0" bldLvl="0" animBg="1"/>
+      <p:bldP spid="2" grpId="0" bldLvl="0" animBg="1"/>
     </p:bldLst>
   </p:timing>
 </p:sld>
@@ -11637,6 +12235,12 @@
               </a:rPr>
               <a:t>工作总结</a:t>
             </a:r>
+            <a:endParaRPr lang="zh-CN" altLang="en-US" sz="2800" b="1" dirty="0">
+              <a:solidFill>
+                <a:schemeClr val="bg1"/>
+              </a:solidFill>
+              <a:ea typeface="思源黑体 CN Heavy" panose="020B0A00000000000000" pitchFamily="34" charset="-122"/>
+            </a:endParaRPr>
           </a:p>
         </p:txBody>
       </p:sp>
@@ -12008,6 +12612,15 @@
               </a:rPr>
               <a:t>: </a:t>
             </a:r>
+            <a:endParaRPr lang="en-US" altLang="zh-CN" dirty="0">
+              <a:solidFill>
+                <a:schemeClr val="tx1">
+                  <a:lumMod val="65000"/>
+                  <a:lumOff val="35000"/>
+                </a:schemeClr>
+              </a:solidFill>
+              <a:ea typeface="思源黑体 CN Heavy" panose="020B0A00000000000000" pitchFamily="34" charset="-122"/>
+            </a:endParaRPr>
           </a:p>
           <a:p>
             <a:pPr lvl="1" indent="0">
@@ -12196,6 +12809,15 @@
               </a:rPr>
               <a:t>.</a:t>
             </a:r>
+            <a:endParaRPr lang="en-US" altLang="zh-CN" dirty="0">
+              <a:solidFill>
+                <a:schemeClr val="tx1">
+                  <a:lumMod val="65000"/>
+                  <a:lumOff val="35000"/>
+                </a:schemeClr>
+              </a:solidFill>
+              <a:ea typeface="思源黑体 CN Heavy" panose="020B0A00000000000000" pitchFamily="34" charset="-122"/>
+            </a:endParaRPr>
           </a:p>
           <a:p>
             <a:pPr marL="342900" indent="-342900">
@@ -12228,6 +12850,15 @@
               </a:rPr>
               <a:t>: </a:t>
             </a:r>
+            <a:endParaRPr lang="en-US" altLang="zh-CN" dirty="0">
+              <a:solidFill>
+                <a:schemeClr val="tx1">
+                  <a:lumMod val="65000"/>
+                  <a:lumOff val="35000"/>
+                </a:schemeClr>
+              </a:solidFill>
+              <a:ea typeface="思源黑体 CN Heavy" panose="020B0A00000000000000" pitchFamily="34" charset="-122"/>
+            </a:endParaRPr>
           </a:p>
           <a:p>
             <a:pPr marL="514350" lvl="1" indent="-342900">
@@ -12344,6 +12975,15 @@
               </a:rPr>
               <a:t>.</a:t>
             </a:r>
+            <a:endParaRPr lang="en-US" altLang="zh-CN" dirty="0">
+              <a:solidFill>
+                <a:schemeClr val="tx1">
+                  <a:lumMod val="65000"/>
+                  <a:lumOff val="35000"/>
+                </a:schemeClr>
+              </a:solidFill>
+              <a:ea typeface="思源黑体 CN Heavy" panose="020B0A00000000000000" pitchFamily="34" charset="-122"/>
+            </a:endParaRPr>
           </a:p>
           <a:p>
             <a:pPr marL="514350" lvl="1" indent="-342900">
@@ -12424,6 +13064,15 @@
               </a:rPr>
               <a:t>)</a:t>
             </a:r>
+            <a:endParaRPr lang="en-US" altLang="zh-CN" dirty="0">
+              <a:solidFill>
+                <a:schemeClr val="tx1">
+                  <a:lumMod val="65000"/>
+                  <a:lumOff val="35000"/>
+                </a:schemeClr>
+              </a:solidFill>
+              <a:ea typeface="思源黑体 CN Heavy" panose="020B0A00000000000000" pitchFamily="34" charset="-122"/>
+            </a:endParaRPr>
           </a:p>
         </p:txBody>
       </p:sp>
@@ -12573,7 +13222,7 @@
           <p:nvPr/>
         </p:nvPicPr>
         <p:blipFill>
-          <a:blip r:embed="rId3"/>
+          <a:blip r:embed="rId1"/>
           <a:stretch>
             <a:fillRect/>
           </a:stretch>
@@ -12597,7 +13246,7 @@
           <p:nvPr/>
         </p:nvPicPr>
         <p:blipFill>
-          <a:blip r:embed="rId4"/>
+          <a:blip r:embed="rId2"/>
           <a:stretch>
             <a:fillRect/>
           </a:stretch>
@@ -12617,13 +13266,13 @@
   <p:clrMapOvr>
     <a:masterClrMapping/>
   </p:clrMapOvr>
-  <mc:AlternateContent xmlns:mc="http://schemas.openxmlformats.org/markup-compatibility/2006" xmlns:p14="http://schemas.microsoft.com/office/powerpoint/2010/main">
-    <mc:Choice Requires="p14">
+  <mc:AlternateContent xmlns:mc="http://schemas.openxmlformats.org/markup-compatibility/2006">
+    <mc:Choice xmlns:p14="http://schemas.microsoft.com/office/powerpoint/2010/main" Requires="p14">
       <p:transition spd="slow" p14:dur="1600">
         <p:blinds dir="vert"/>
       </p:transition>
     </mc:Choice>
-    <mc:Fallback xmlns="">
+    <mc:Fallback>
       <p:transition spd="slow">
         <p:blinds dir="vert"/>
       </p:transition>
@@ -12906,6 +13555,12 @@
               </a:rPr>
               <a:t>工作总结</a:t>
             </a:r>
+            <a:endParaRPr lang="zh-CN" altLang="en-US" sz="2800" b="1" dirty="0">
+              <a:solidFill>
+                <a:schemeClr val="bg1"/>
+              </a:solidFill>
+              <a:ea typeface="思源黑体 CN Heavy" panose="020B0A00000000000000" pitchFamily="34" charset="-122"/>
+            </a:endParaRPr>
           </a:p>
         </p:txBody>
       </p:sp>
@@ -13313,6 +13968,15 @@
               </a:rPr>
               <a:t>.</a:t>
             </a:r>
+            <a:endParaRPr lang="en-US" altLang="zh-CN" dirty="0">
+              <a:solidFill>
+                <a:schemeClr val="tx1">
+                  <a:lumMod val="65000"/>
+                  <a:lumOff val="35000"/>
+                </a:schemeClr>
+              </a:solidFill>
+              <a:ea typeface="思源黑体 CN Heavy" panose="020B0A00000000000000" pitchFamily="34" charset="-122"/>
+            </a:endParaRPr>
           </a:p>
           <a:p>
             <a:pPr marL="514350" lvl="1" indent="-342900">
@@ -13393,6 +14057,15 @@
               </a:rPr>
               <a:t>)</a:t>
             </a:r>
+            <a:endParaRPr lang="en-US" altLang="zh-CN" dirty="0">
+              <a:solidFill>
+                <a:schemeClr val="tx1">
+                  <a:lumMod val="65000"/>
+                  <a:lumOff val="35000"/>
+                </a:schemeClr>
+              </a:solidFill>
+              <a:ea typeface="思源黑体 CN Heavy" panose="020B0A00000000000000" pitchFamily="34" charset="-122"/>
+            </a:endParaRPr>
           </a:p>
           <a:p>
             <a:pPr marL="514350" lvl="1" indent="-342900">
@@ -13497,6 +14170,15 @@
               </a:rPr>
               <a:t>require.</a:t>
             </a:r>
+            <a:endParaRPr lang="en-US" altLang="zh-CN" dirty="0">
+              <a:solidFill>
+                <a:schemeClr val="tx1">
+                  <a:lumMod val="65000"/>
+                  <a:lumOff val="35000"/>
+                </a:schemeClr>
+              </a:solidFill>
+              <a:ea typeface="思源黑体 CN Heavy" panose="020B0A00000000000000" pitchFamily="34" charset="-122"/>
+            </a:endParaRPr>
           </a:p>
           <a:p>
             <a:pPr marL="514350" lvl="1" indent="-342900">
@@ -13585,6 +14267,15 @@
               </a:rPr>
               <a:t> </a:t>
             </a:r>
+            <a:endParaRPr lang="en-US" altLang="zh-CN" dirty="0">
+              <a:solidFill>
+                <a:schemeClr val="tx1">
+                  <a:lumMod val="65000"/>
+                  <a:lumOff val="35000"/>
+                </a:schemeClr>
+              </a:solidFill>
+              <a:ea typeface="思源黑体 CN Heavy" panose="020B0A00000000000000" pitchFamily="34" charset="-122"/>
+            </a:endParaRPr>
           </a:p>
         </p:txBody>
       </p:sp>
@@ -13597,7 +14288,7 @@
           <p:nvPr/>
         </p:nvPicPr>
         <p:blipFill>
-          <a:blip r:embed="rId3">
+          <a:blip r:embed="rId1">
             <a:extLst>
               <a:ext uri="{28A0092B-C50C-407E-A947-70E740481C1C}">
                 <a14:useLocalDpi xmlns:a14="http://schemas.microsoft.com/office/drawing/2010/main" val="0"/>
@@ -13623,13 +14314,13 @@
   <p:clrMapOvr>
     <a:masterClrMapping/>
   </p:clrMapOvr>
-  <mc:AlternateContent xmlns:mc="http://schemas.openxmlformats.org/markup-compatibility/2006" xmlns:p14="http://schemas.microsoft.com/office/powerpoint/2010/main">
-    <mc:Choice Requires="p14">
+  <mc:AlternateContent xmlns:mc="http://schemas.openxmlformats.org/markup-compatibility/2006">
+    <mc:Choice xmlns:p14="http://schemas.microsoft.com/office/powerpoint/2010/main" Requires="p14">
       <p:transition spd="slow" p14:dur="1600">
         <p:blinds dir="vert"/>
       </p:transition>
     </mc:Choice>
-    <mc:Fallback xmlns="">
+    <mc:Fallback>
       <p:transition spd="slow">
         <p:blinds dir="vert"/>
       </p:transition>
@@ -13844,6 +14535,12 @@
               </a:rPr>
               <a:t>工作总结</a:t>
             </a:r>
+            <a:endParaRPr lang="zh-CN" altLang="en-US" sz="2800" b="1" dirty="0">
+              <a:solidFill>
+                <a:schemeClr val="bg1"/>
+              </a:solidFill>
+              <a:ea typeface="思源黑体 CN Heavy" panose="020B0A00000000000000" pitchFamily="34" charset="-122"/>
+            </a:endParaRPr>
           </a:p>
         </p:txBody>
       </p:sp>
@@ -14162,6 +14859,15 @@
               </a:rPr>
               <a:t>: </a:t>
             </a:r>
+            <a:endParaRPr lang="en-US" altLang="zh-CN" dirty="0">
+              <a:solidFill>
+                <a:schemeClr val="tx1">
+                  <a:lumMod val="65000"/>
+                  <a:lumOff val="35000"/>
+                </a:schemeClr>
+              </a:solidFill>
+              <a:ea typeface="思源黑体 CN Heavy" panose="020B0A00000000000000" pitchFamily="34" charset="-122"/>
+            </a:endParaRPr>
           </a:p>
           <a:p>
             <a:pPr marL="342900" indent="-342900">
@@ -14302,6 +15008,15 @@
               </a:rPr>
               <a:t>.  </a:t>
             </a:r>
+            <a:endParaRPr lang="en-US" altLang="zh-CN" dirty="0">
+              <a:solidFill>
+                <a:schemeClr val="tx1">
+                  <a:lumMod val="65000"/>
+                  <a:lumOff val="35000"/>
+                </a:schemeClr>
+              </a:solidFill>
+              <a:ea typeface="思源黑体 CN Heavy" panose="020B0A00000000000000" pitchFamily="34" charset="-122"/>
+            </a:endParaRPr>
           </a:p>
           <a:p>
             <a:pPr marL="171450" lvl="1">
@@ -14417,6 +15132,15 @@
               </a:rPr>
               <a:t>.</a:t>
             </a:r>
+            <a:endParaRPr lang="en-US" altLang="zh-CN" dirty="0">
+              <a:solidFill>
+                <a:schemeClr val="tx1">
+                  <a:lumMod val="65000"/>
+                  <a:lumOff val="35000"/>
+                </a:schemeClr>
+              </a:solidFill>
+              <a:ea typeface="思源黑体 CN Heavy" panose="020B0A00000000000000" pitchFamily="34" charset="-122"/>
+            </a:endParaRPr>
           </a:p>
           <a:p>
             <a:pPr marL="171450" lvl="1">
@@ -14465,6 +15189,15 @@
               </a:rPr>
               <a:t>: </a:t>
             </a:r>
+            <a:endParaRPr lang="en-US" altLang="zh-CN" dirty="0">
+              <a:solidFill>
+                <a:schemeClr val="tx1">
+                  <a:lumMod val="65000"/>
+                  <a:lumOff val="35000"/>
+                </a:schemeClr>
+              </a:solidFill>
+              <a:ea typeface="思源黑体 CN Heavy" panose="020B0A00000000000000" pitchFamily="34" charset="-122"/>
+            </a:endParaRPr>
           </a:p>
           <a:p>
             <a:pPr marL="514350" lvl="1" indent="-342900">
@@ -14509,6 +15242,15 @@
               </a:rPr>
               <a:t> </a:t>
             </a:r>
+            <a:endParaRPr lang="en-US" altLang="zh-CN" dirty="0">
+              <a:solidFill>
+                <a:schemeClr val="tx1">
+                  <a:lumMod val="65000"/>
+                  <a:lumOff val="35000"/>
+                </a:schemeClr>
+              </a:solidFill>
+              <a:ea typeface="思源黑体 CN Heavy" panose="020B0A00000000000000" pitchFamily="34" charset="-122"/>
+            </a:endParaRPr>
           </a:p>
           <a:p>
             <a:pPr marL="514350" lvl="1" indent="-342900">
@@ -14821,7 +15563,7 @@
           <p:nvPr/>
         </p:nvPicPr>
         <p:blipFill>
-          <a:blip r:embed="rId3">
+          <a:blip r:embed="rId1">
             <a:extLst>
               <a:ext uri="{28A0092B-C50C-407E-A947-70E740481C1C}">
                 <a14:useLocalDpi xmlns:a14="http://schemas.microsoft.com/office/drawing/2010/main" val="0"/>
@@ -15003,6 +15745,15 @@
               </a:rPr>
               <a:t>)</a:t>
             </a:r>
+            <a:endParaRPr lang="en-US" altLang="zh-CN" dirty="0">
+              <a:solidFill>
+                <a:schemeClr val="tx1">
+                  <a:lumMod val="65000"/>
+                  <a:lumOff val="35000"/>
+                </a:schemeClr>
+              </a:solidFill>
+              <a:ea typeface="思源黑体 CN Heavy" panose="020B0A00000000000000" pitchFamily="34" charset="-122"/>
+            </a:endParaRPr>
           </a:p>
         </p:txBody>
       </p:sp>
@@ -15167,6 +15918,15 @@
               </a:rPr>
               <a:t>)</a:t>
             </a:r>
+            <a:endParaRPr lang="en-US" altLang="zh-CN" dirty="0">
+              <a:solidFill>
+                <a:schemeClr val="tx1">
+                  <a:lumMod val="65000"/>
+                  <a:lumOff val="35000"/>
+                </a:schemeClr>
+              </a:solidFill>
+              <a:ea typeface="思源黑体 CN Heavy" panose="020B0A00000000000000" pitchFamily="34" charset="-122"/>
+            </a:endParaRPr>
           </a:p>
         </p:txBody>
       </p:sp>
@@ -15179,7 +15939,7 @@
           <p:nvPr/>
         </p:nvPicPr>
         <p:blipFill>
-          <a:blip r:embed="rId4">
+          <a:blip r:embed="rId2">
             <a:extLst>
               <a:ext uri="{28A0092B-C50C-407E-A947-70E740481C1C}">
                 <a14:useLocalDpi xmlns:a14="http://schemas.microsoft.com/office/drawing/2010/main" val="0"/>
@@ -15205,13 +15965,13 @@
   <p:clrMapOvr>
     <a:masterClrMapping/>
   </p:clrMapOvr>
-  <mc:AlternateContent xmlns:mc="http://schemas.openxmlformats.org/markup-compatibility/2006" xmlns:p14="http://schemas.microsoft.com/office/powerpoint/2010/main">
-    <mc:Choice Requires="p14">
+  <mc:AlternateContent xmlns:mc="http://schemas.openxmlformats.org/markup-compatibility/2006">
+    <mc:Choice xmlns:p14="http://schemas.microsoft.com/office/powerpoint/2010/main" Requires="p14">
       <p:transition spd="slow" p14:dur="1600">
         <p:blinds dir="vert"/>
       </p:transition>
     </mc:Choice>
-    <mc:Fallback xmlns="">
+    <mc:Fallback>
       <p:transition spd="slow">
         <p:blinds dir="vert"/>
       </p:transition>
@@ -15630,6 +16390,12 @@
               </a:rPr>
               <a:t>工作总结</a:t>
             </a:r>
+            <a:endParaRPr lang="zh-CN" altLang="en-US" sz="2800" b="1" dirty="0">
+              <a:solidFill>
+                <a:schemeClr val="bg1"/>
+              </a:solidFill>
+              <a:ea typeface="思源黑体 CN Heavy" panose="020B0A00000000000000" pitchFamily="34" charset="-122"/>
+            </a:endParaRPr>
           </a:p>
         </p:txBody>
       </p:sp>
@@ -15947,305 +16713,6 @@
               </a:rPr>
               <a:t>: </a:t>
             </a:r>
-          </a:p>
-          <a:p>
-            <a:pPr marL="171450" lvl="1">
-              <a:buClr>
-                <a:srgbClr val="C00000"/>
-              </a:buClr>
-            </a:pPr>
-            <a:r>
-              <a:rPr lang="en-US" altLang="zh-CN" dirty="0">
-                <a:solidFill>
-                  <a:schemeClr val="tx1">
-                    <a:lumMod val="65000"/>
-                    <a:lumOff val="35000"/>
-                  </a:schemeClr>
-                </a:solidFill>
-                <a:ea typeface="思源黑体 CN Heavy" panose="020B0A00000000000000" pitchFamily="34" charset="-122"/>
-              </a:rPr>
-              <a:t>     1. </a:t>
-            </a:r>
-            <a:r>
-              <a:rPr lang="zh-CN" altLang="en-US" dirty="0">
-                <a:solidFill>
-                  <a:schemeClr val="tx1">
-                    <a:lumMod val="65000"/>
-                    <a:lumOff val="35000"/>
-                  </a:schemeClr>
-                </a:solidFill>
-                <a:ea typeface="思源黑体 CN Heavy" panose="020B0A00000000000000" pitchFamily="34" charset="-122"/>
-              </a:rPr>
-              <a:t>不使用并发处理</a:t>
-            </a:r>
-            <a:r>
-              <a:rPr lang="en-US" altLang="zh-CN" dirty="0">
-                <a:solidFill>
-                  <a:schemeClr val="tx1">
-                    <a:lumMod val="65000"/>
-                    <a:lumOff val="35000"/>
-                  </a:schemeClr>
-                </a:solidFill>
-                <a:ea typeface="思源黑体 CN Heavy" panose="020B0A00000000000000" pitchFamily="34" charset="-122"/>
-              </a:rPr>
-              <a:t>(</a:t>
-            </a:r>
-            <a:r>
-              <a:rPr lang="zh-CN" altLang="en-US" dirty="0">
-                <a:solidFill>
-                  <a:schemeClr val="tx1">
-                    <a:lumMod val="65000"/>
-                    <a:lumOff val="35000"/>
-                  </a:schemeClr>
-                </a:solidFill>
-                <a:ea typeface="思源黑体 CN Heavy" panose="020B0A00000000000000" pitchFamily="34" charset="-122"/>
-              </a:rPr>
-              <a:t>比较推荐</a:t>
-            </a:r>
-            <a:r>
-              <a:rPr lang="en-US" altLang="zh-CN" dirty="0">
-                <a:solidFill>
-                  <a:schemeClr val="tx1">
-                    <a:lumMod val="65000"/>
-                    <a:lumOff val="35000"/>
-                  </a:schemeClr>
-                </a:solidFill>
-                <a:ea typeface="思源黑体 CN Heavy" panose="020B0A00000000000000" pitchFamily="34" charset="-122"/>
-              </a:rPr>
-              <a:t>)</a:t>
-            </a:r>
-          </a:p>
-          <a:p>
-            <a:pPr marL="171450" lvl="1">
-              <a:buClr>
-                <a:srgbClr val="C00000"/>
-              </a:buClr>
-            </a:pPr>
-            <a:r>
-              <a:rPr lang="en-US" altLang="zh-CN" dirty="0">
-                <a:solidFill>
-                  <a:schemeClr val="tx1">
-                    <a:lumMod val="65000"/>
-                    <a:lumOff val="35000"/>
-                  </a:schemeClr>
-                </a:solidFill>
-                <a:ea typeface="思源黑体 CN Heavy" panose="020B0A00000000000000" pitchFamily="34" charset="-122"/>
-              </a:rPr>
-              <a:t>	</a:t>
-            </a:r>
-            <a:r>
-              <a:rPr lang="zh-CN" altLang="en-US" dirty="0">
-                <a:solidFill>
-                  <a:schemeClr val="tx1">
-                    <a:lumMod val="65000"/>
-                    <a:lumOff val="35000"/>
-                  </a:schemeClr>
-                </a:solidFill>
-                <a:ea typeface="思源黑体 CN Heavy" panose="020B0A00000000000000" pitchFamily="34" charset="-122"/>
-              </a:rPr>
-              <a:t>原因</a:t>
-            </a:r>
-            <a:r>
-              <a:rPr lang="en-US" altLang="zh-CN" dirty="0">
-                <a:solidFill>
-                  <a:schemeClr val="tx1">
-                    <a:lumMod val="65000"/>
-                    <a:lumOff val="35000"/>
-                  </a:schemeClr>
-                </a:solidFill>
-                <a:ea typeface="思源黑体 CN Heavy" panose="020B0A00000000000000" pitchFamily="34" charset="-122"/>
-              </a:rPr>
-              <a:t>: </a:t>
-            </a:r>
-          </a:p>
-          <a:p>
-            <a:pPr marL="171450" lvl="1">
-              <a:buClr>
-                <a:srgbClr val="C00000"/>
-              </a:buClr>
-            </a:pPr>
-            <a:r>
-              <a:rPr lang="en-US" altLang="zh-CN" dirty="0">
-                <a:solidFill>
-                  <a:schemeClr val="tx1">
-                    <a:lumMod val="65000"/>
-                    <a:lumOff val="35000"/>
-                  </a:schemeClr>
-                </a:solidFill>
-                <a:ea typeface="思源黑体 CN Heavy" panose="020B0A00000000000000" pitchFamily="34" charset="-122"/>
-              </a:rPr>
-              <a:t>	 1. </a:t>
-            </a:r>
-            <a:r>
-              <a:rPr lang="zh-CN" altLang="en-US" dirty="0">
-                <a:solidFill>
-                  <a:schemeClr val="tx1">
-                    <a:lumMod val="65000"/>
-                    <a:lumOff val="35000"/>
-                  </a:schemeClr>
-                </a:solidFill>
-                <a:ea typeface="思源黑体 CN Heavy" panose="020B0A00000000000000" pitchFamily="34" charset="-122"/>
-              </a:rPr>
-              <a:t>需要操作的的数据量较小</a:t>
-            </a:r>
-          </a:p>
-          <a:p>
-            <a:pPr marL="171450" lvl="1">
-              <a:buClr>
-                <a:srgbClr val="C00000"/>
-              </a:buClr>
-            </a:pPr>
-            <a:r>
-              <a:rPr lang="en-US" altLang="zh-CN" dirty="0">
-                <a:solidFill>
-                  <a:schemeClr val="tx1">
-                    <a:lumMod val="65000"/>
-                    <a:lumOff val="35000"/>
-                  </a:schemeClr>
-                </a:solidFill>
-                <a:ea typeface="思源黑体 CN Heavy" panose="020B0A00000000000000" pitchFamily="34" charset="-122"/>
-              </a:rPr>
-              <a:t>	 2. </a:t>
-            </a:r>
-            <a:r>
-              <a:rPr lang="zh-CN" altLang="en-US" dirty="0">
-                <a:solidFill>
-                  <a:schemeClr val="tx1">
-                    <a:lumMod val="65000"/>
-                    <a:lumOff val="35000"/>
-                  </a:schemeClr>
-                </a:solidFill>
-                <a:ea typeface="思源黑体 CN Heavy" panose="020B0A00000000000000" pitchFamily="34" charset="-122"/>
-              </a:rPr>
-              <a:t>使用并发可能导致并发所需要</a:t>
-            </a:r>
-            <a:r>
-              <a:rPr lang="en-US" altLang="zh-CN" dirty="0">
-                <a:solidFill>
-                  <a:schemeClr val="tx1">
-                    <a:lumMod val="65000"/>
-                    <a:lumOff val="35000"/>
-                  </a:schemeClr>
-                </a:solidFill>
-                <a:ea typeface="思源黑体 CN Heavy" panose="020B0A00000000000000" pitchFamily="34" charset="-122"/>
-              </a:rPr>
-              <a:t>        	     </a:t>
-            </a:r>
-            <a:r>
-              <a:rPr lang="zh-CN" altLang="en-US" dirty="0">
-                <a:solidFill>
-                  <a:schemeClr val="tx1">
-                    <a:lumMod val="65000"/>
-                    <a:lumOff val="35000"/>
-                  </a:schemeClr>
-                </a:solidFill>
-                <a:ea typeface="思源黑体 CN Heavy" panose="020B0A00000000000000" pitchFamily="34" charset="-122"/>
-              </a:rPr>
-              <a:t>的资源比直接运行占用的资源</a:t>
-            </a:r>
-            <a:r>
-              <a:rPr lang="en-US" altLang="zh-CN" dirty="0">
-                <a:solidFill>
-                  <a:schemeClr val="tx1">
-                    <a:lumMod val="65000"/>
-                    <a:lumOff val="35000"/>
-                  </a:schemeClr>
-                </a:solidFill>
-                <a:ea typeface="思源黑体 CN Heavy" panose="020B0A00000000000000" pitchFamily="34" charset="-122"/>
-              </a:rPr>
-              <a:t>    	     </a:t>
-            </a:r>
-            <a:r>
-              <a:rPr lang="zh-CN" altLang="en-US" dirty="0">
-                <a:solidFill>
-                  <a:schemeClr val="tx1">
-                    <a:lumMod val="65000"/>
-                    <a:lumOff val="35000"/>
-                  </a:schemeClr>
-                </a:solidFill>
-                <a:ea typeface="思源黑体 CN Heavy" panose="020B0A00000000000000" pitchFamily="34" charset="-122"/>
-              </a:rPr>
-              <a:t>更多</a:t>
-            </a:r>
-          </a:p>
-          <a:p>
-            <a:pPr marL="171450" lvl="1">
-              <a:buClr>
-                <a:srgbClr val="C00000"/>
-              </a:buClr>
-            </a:pPr>
-            <a:r>
-              <a:rPr lang="en-US" altLang="zh-CN" dirty="0">
-                <a:solidFill>
-                  <a:schemeClr val="tx1">
-                    <a:lumMod val="65000"/>
-                    <a:lumOff val="35000"/>
-                  </a:schemeClr>
-                </a:solidFill>
-                <a:ea typeface="思源黑体 CN Heavy" panose="020B0A00000000000000" pitchFamily="34" charset="-122"/>
-              </a:rPr>
-              <a:t>	 3. </a:t>
-            </a:r>
-            <a:r>
-              <a:rPr lang="zh-CN" altLang="en-US" dirty="0">
-                <a:solidFill>
-                  <a:schemeClr val="tx1">
-                    <a:lumMod val="65000"/>
-                    <a:lumOff val="35000"/>
-                  </a:schemeClr>
-                </a:solidFill>
-                <a:ea typeface="思源黑体 CN Heavy" panose="020B0A00000000000000" pitchFamily="34" charset="-122"/>
-              </a:rPr>
-              <a:t>使用并发不好管理</a:t>
-            </a:r>
-            <a:r>
-              <a:rPr lang="en-US" altLang="zh-CN" dirty="0">
-                <a:solidFill>
-                  <a:schemeClr val="tx1">
-                    <a:lumMod val="65000"/>
-                    <a:lumOff val="35000"/>
-                  </a:schemeClr>
-                </a:solidFill>
-                <a:ea typeface="思源黑体 CN Heavy" panose="020B0A00000000000000" pitchFamily="34" charset="-122"/>
-              </a:rPr>
-              <a:t>, </a:t>
-            </a:r>
-            <a:r>
-              <a:rPr lang="zh-CN" altLang="en-US" dirty="0">
-                <a:solidFill>
-                  <a:schemeClr val="tx1">
-                    <a:lumMod val="65000"/>
-                    <a:lumOff val="35000"/>
-                  </a:schemeClr>
-                </a:solidFill>
-                <a:ea typeface="思源黑体 CN Heavy" panose="020B0A00000000000000" pitchFamily="34" charset="-122"/>
-              </a:rPr>
-              <a:t>可能会造</a:t>
-            </a:r>
-            <a:r>
-              <a:rPr lang="en-US" altLang="zh-CN" dirty="0">
-                <a:solidFill>
-                  <a:schemeClr val="tx1">
-                    <a:lumMod val="65000"/>
-                    <a:lumOff val="35000"/>
-                  </a:schemeClr>
-                </a:solidFill>
-                <a:ea typeface="思源黑体 CN Heavy" panose="020B0A00000000000000" pitchFamily="34" charset="-122"/>
-              </a:rPr>
-              <a:t>	     </a:t>
-            </a:r>
-            <a:r>
-              <a:rPr lang="zh-CN" altLang="en-US" dirty="0">
-                <a:solidFill>
-                  <a:schemeClr val="tx1">
-                    <a:lumMod val="65000"/>
-                    <a:lumOff val="35000"/>
-                  </a:schemeClr>
-                </a:solidFill>
-                <a:ea typeface="思源黑体 CN Heavy" panose="020B0A00000000000000" pitchFamily="34" charset="-122"/>
-              </a:rPr>
-              <a:t>成内存泄漏</a:t>
-            </a:r>
             <a:endParaRPr lang="en-US" altLang="zh-CN" dirty="0">
               <a:solidFill>
                 <a:schemeClr val="tx1">
@@ -16272,7 +16739,7 @@
                 </a:solidFill>
                 <a:ea typeface="思源黑体 CN Heavy" panose="020B0A00000000000000" pitchFamily="34" charset="-122"/>
               </a:rPr>
-              <a:t>      2. </a:t>
+              <a:t>     1. </a:t>
             </a:r>
             <a:r>
               <a:rPr lang="zh-CN" altLang="en-US" dirty="0">
@@ -16284,7 +16751,7 @@
                 </a:solidFill>
                 <a:ea typeface="思源黑体 CN Heavy" panose="020B0A00000000000000" pitchFamily="34" charset="-122"/>
               </a:rPr>
-              <a:t>对每次</a:t>
+              <a:t>不使用并发处理</a:t>
             </a:r>
             <a:r>
               <a:rPr lang="en-US" altLang="zh-CN" dirty="0">
@@ -16296,7 +16763,7 @@
                 </a:solidFill>
                 <a:ea typeface="思源黑体 CN Heavy" panose="020B0A00000000000000" pitchFamily="34" charset="-122"/>
               </a:rPr>
-              <a:t>map</a:t>
+              <a:t>(</a:t>
             </a:r>
             <a:r>
               <a:rPr lang="zh-CN" altLang="en-US" dirty="0">
@@ -16308,31 +16775,19 @@
                 </a:solidFill>
                 <a:ea typeface="思源黑体 CN Heavy" panose="020B0A00000000000000" pitchFamily="34" charset="-122"/>
               </a:rPr>
-              <a:t>的读取以及向指针类型的</a:t>
-            </a:r>
-            <a:r>
-              <a:rPr lang="en-US" altLang="zh-CN" dirty="0" err="1">
-                <a:solidFill>
-                  <a:schemeClr val="tx1">
-                    <a:lumMod val="65000"/>
-                    <a:lumOff val="35000"/>
-                  </a:schemeClr>
-                </a:solidFill>
-                <a:ea typeface="思源黑体 CN Heavy" panose="020B0A00000000000000" pitchFamily="34" charset="-122"/>
-              </a:rPr>
-              <a:t>AbilityModel</a:t>
-            </a:r>
-            <a:r>
-              <a:rPr lang="zh-CN" altLang="en-US" dirty="0">
-                <a:solidFill>
-                  <a:schemeClr val="tx1">
-                    <a:lumMod val="65000"/>
-                    <a:lumOff val="35000"/>
-                  </a:schemeClr>
-                </a:solidFill>
-                <a:ea typeface="思源黑体 CN Heavy" panose="020B0A00000000000000" pitchFamily="34" charset="-122"/>
-              </a:rPr>
-              <a:t>进行加锁操作</a:t>
+              <a:t>比较推荐</a:t>
+            </a:r>
+            <a:r>
+              <a:rPr lang="en-US" altLang="zh-CN" dirty="0">
+                <a:solidFill>
+                  <a:schemeClr val="tx1">
+                    <a:lumMod val="65000"/>
+                    <a:lumOff val="35000"/>
+                  </a:schemeClr>
+                </a:solidFill>
+                <a:ea typeface="思源黑体 CN Heavy" panose="020B0A00000000000000" pitchFamily="34" charset="-122"/>
+              </a:rPr>
+              <a:t>)</a:t>
             </a:r>
             <a:endParaRPr lang="en-US" altLang="zh-CN" dirty="0">
               <a:solidFill>
@@ -16360,6 +16815,362 @@
                 </a:solidFill>
                 <a:ea typeface="思源黑体 CN Heavy" panose="020B0A00000000000000" pitchFamily="34" charset="-122"/>
               </a:rPr>
+              <a:t>	</a:t>
+            </a:r>
+            <a:r>
+              <a:rPr lang="zh-CN" altLang="en-US" dirty="0">
+                <a:solidFill>
+                  <a:schemeClr val="tx1">
+                    <a:lumMod val="65000"/>
+                    <a:lumOff val="35000"/>
+                  </a:schemeClr>
+                </a:solidFill>
+                <a:ea typeface="思源黑体 CN Heavy" panose="020B0A00000000000000" pitchFamily="34" charset="-122"/>
+              </a:rPr>
+              <a:t>原因</a:t>
+            </a:r>
+            <a:r>
+              <a:rPr lang="en-US" altLang="zh-CN" dirty="0">
+                <a:solidFill>
+                  <a:schemeClr val="tx1">
+                    <a:lumMod val="65000"/>
+                    <a:lumOff val="35000"/>
+                  </a:schemeClr>
+                </a:solidFill>
+                <a:ea typeface="思源黑体 CN Heavy" panose="020B0A00000000000000" pitchFamily="34" charset="-122"/>
+              </a:rPr>
+              <a:t>: </a:t>
+            </a:r>
+            <a:endParaRPr lang="en-US" altLang="zh-CN" dirty="0">
+              <a:solidFill>
+                <a:schemeClr val="tx1">
+                  <a:lumMod val="65000"/>
+                  <a:lumOff val="35000"/>
+                </a:schemeClr>
+              </a:solidFill>
+              <a:ea typeface="思源黑体 CN Heavy" panose="020B0A00000000000000" pitchFamily="34" charset="-122"/>
+            </a:endParaRPr>
+          </a:p>
+          <a:p>
+            <a:pPr marL="171450" lvl="1">
+              <a:buClr>
+                <a:srgbClr val="C00000"/>
+              </a:buClr>
+            </a:pPr>
+            <a:r>
+              <a:rPr lang="en-US" altLang="zh-CN" dirty="0">
+                <a:solidFill>
+                  <a:schemeClr val="tx1">
+                    <a:lumMod val="65000"/>
+                    <a:lumOff val="35000"/>
+                  </a:schemeClr>
+                </a:solidFill>
+                <a:ea typeface="思源黑体 CN Heavy" panose="020B0A00000000000000" pitchFamily="34" charset="-122"/>
+              </a:rPr>
+              <a:t>	 1. </a:t>
+            </a:r>
+            <a:r>
+              <a:rPr lang="zh-CN" altLang="en-US" dirty="0">
+                <a:solidFill>
+                  <a:schemeClr val="tx1">
+                    <a:lumMod val="65000"/>
+                    <a:lumOff val="35000"/>
+                  </a:schemeClr>
+                </a:solidFill>
+                <a:ea typeface="思源黑体 CN Heavy" panose="020B0A00000000000000" pitchFamily="34" charset="-122"/>
+              </a:rPr>
+              <a:t>需要操作的的数据量较小</a:t>
+            </a:r>
+            <a:endParaRPr lang="zh-CN" altLang="en-US" dirty="0">
+              <a:solidFill>
+                <a:schemeClr val="tx1">
+                  <a:lumMod val="65000"/>
+                  <a:lumOff val="35000"/>
+                </a:schemeClr>
+              </a:solidFill>
+              <a:ea typeface="思源黑体 CN Heavy" panose="020B0A00000000000000" pitchFamily="34" charset="-122"/>
+            </a:endParaRPr>
+          </a:p>
+          <a:p>
+            <a:pPr marL="171450" lvl="1">
+              <a:buClr>
+                <a:srgbClr val="C00000"/>
+              </a:buClr>
+            </a:pPr>
+            <a:r>
+              <a:rPr lang="en-US" altLang="zh-CN" dirty="0">
+                <a:solidFill>
+                  <a:schemeClr val="tx1">
+                    <a:lumMod val="65000"/>
+                    <a:lumOff val="35000"/>
+                  </a:schemeClr>
+                </a:solidFill>
+                <a:ea typeface="思源黑体 CN Heavy" panose="020B0A00000000000000" pitchFamily="34" charset="-122"/>
+              </a:rPr>
+              <a:t>	 2. </a:t>
+            </a:r>
+            <a:r>
+              <a:rPr lang="zh-CN" altLang="en-US" dirty="0">
+                <a:solidFill>
+                  <a:schemeClr val="tx1">
+                    <a:lumMod val="65000"/>
+                    <a:lumOff val="35000"/>
+                  </a:schemeClr>
+                </a:solidFill>
+                <a:ea typeface="思源黑体 CN Heavy" panose="020B0A00000000000000" pitchFamily="34" charset="-122"/>
+              </a:rPr>
+              <a:t>使用并发可能导致并发所需要</a:t>
+            </a:r>
+            <a:r>
+              <a:rPr lang="en-US" altLang="zh-CN" dirty="0">
+                <a:solidFill>
+                  <a:schemeClr val="tx1">
+                    <a:lumMod val="65000"/>
+                    <a:lumOff val="35000"/>
+                  </a:schemeClr>
+                </a:solidFill>
+                <a:ea typeface="思源黑体 CN Heavy" panose="020B0A00000000000000" pitchFamily="34" charset="-122"/>
+              </a:rPr>
+              <a:t>        	     </a:t>
+            </a:r>
+            <a:r>
+              <a:rPr lang="zh-CN" altLang="en-US" dirty="0">
+                <a:solidFill>
+                  <a:schemeClr val="tx1">
+                    <a:lumMod val="65000"/>
+                    <a:lumOff val="35000"/>
+                  </a:schemeClr>
+                </a:solidFill>
+                <a:ea typeface="思源黑体 CN Heavy" panose="020B0A00000000000000" pitchFamily="34" charset="-122"/>
+              </a:rPr>
+              <a:t>的资源比直接运行占用的资源</a:t>
+            </a:r>
+            <a:r>
+              <a:rPr lang="en-US" altLang="zh-CN" dirty="0">
+                <a:solidFill>
+                  <a:schemeClr val="tx1">
+                    <a:lumMod val="65000"/>
+                    <a:lumOff val="35000"/>
+                  </a:schemeClr>
+                </a:solidFill>
+                <a:ea typeface="思源黑体 CN Heavy" panose="020B0A00000000000000" pitchFamily="34" charset="-122"/>
+              </a:rPr>
+              <a:t>    	     </a:t>
+            </a:r>
+            <a:r>
+              <a:rPr lang="zh-CN" altLang="en-US" dirty="0">
+                <a:solidFill>
+                  <a:schemeClr val="tx1">
+                    <a:lumMod val="65000"/>
+                    <a:lumOff val="35000"/>
+                  </a:schemeClr>
+                </a:solidFill>
+                <a:ea typeface="思源黑体 CN Heavy" panose="020B0A00000000000000" pitchFamily="34" charset="-122"/>
+              </a:rPr>
+              <a:t>更多</a:t>
+            </a:r>
+            <a:endParaRPr lang="zh-CN" altLang="en-US" dirty="0">
+              <a:solidFill>
+                <a:schemeClr val="tx1">
+                  <a:lumMod val="65000"/>
+                  <a:lumOff val="35000"/>
+                </a:schemeClr>
+              </a:solidFill>
+              <a:ea typeface="思源黑体 CN Heavy" panose="020B0A00000000000000" pitchFamily="34" charset="-122"/>
+            </a:endParaRPr>
+          </a:p>
+          <a:p>
+            <a:pPr marL="171450" lvl="1">
+              <a:buClr>
+                <a:srgbClr val="C00000"/>
+              </a:buClr>
+            </a:pPr>
+            <a:r>
+              <a:rPr lang="en-US" altLang="zh-CN" dirty="0">
+                <a:solidFill>
+                  <a:schemeClr val="tx1">
+                    <a:lumMod val="65000"/>
+                    <a:lumOff val="35000"/>
+                  </a:schemeClr>
+                </a:solidFill>
+                <a:ea typeface="思源黑体 CN Heavy" panose="020B0A00000000000000" pitchFamily="34" charset="-122"/>
+              </a:rPr>
+              <a:t>	 3. </a:t>
+            </a:r>
+            <a:r>
+              <a:rPr lang="zh-CN" altLang="en-US" dirty="0">
+                <a:solidFill>
+                  <a:schemeClr val="tx1">
+                    <a:lumMod val="65000"/>
+                    <a:lumOff val="35000"/>
+                  </a:schemeClr>
+                </a:solidFill>
+                <a:ea typeface="思源黑体 CN Heavy" panose="020B0A00000000000000" pitchFamily="34" charset="-122"/>
+              </a:rPr>
+              <a:t>使用并发不好管理</a:t>
+            </a:r>
+            <a:r>
+              <a:rPr lang="en-US" altLang="zh-CN" dirty="0">
+                <a:solidFill>
+                  <a:schemeClr val="tx1">
+                    <a:lumMod val="65000"/>
+                    <a:lumOff val="35000"/>
+                  </a:schemeClr>
+                </a:solidFill>
+                <a:ea typeface="思源黑体 CN Heavy" panose="020B0A00000000000000" pitchFamily="34" charset="-122"/>
+              </a:rPr>
+              <a:t>, </a:t>
+            </a:r>
+            <a:r>
+              <a:rPr lang="zh-CN" altLang="en-US" dirty="0">
+                <a:solidFill>
+                  <a:schemeClr val="tx1">
+                    <a:lumMod val="65000"/>
+                    <a:lumOff val="35000"/>
+                  </a:schemeClr>
+                </a:solidFill>
+                <a:ea typeface="思源黑体 CN Heavy" panose="020B0A00000000000000" pitchFamily="34" charset="-122"/>
+              </a:rPr>
+              <a:t>可能会造</a:t>
+            </a:r>
+            <a:r>
+              <a:rPr lang="en-US" altLang="zh-CN" dirty="0">
+                <a:solidFill>
+                  <a:schemeClr val="tx1">
+                    <a:lumMod val="65000"/>
+                    <a:lumOff val="35000"/>
+                  </a:schemeClr>
+                </a:solidFill>
+                <a:ea typeface="思源黑体 CN Heavy" panose="020B0A00000000000000" pitchFamily="34" charset="-122"/>
+              </a:rPr>
+              <a:t>	     </a:t>
+            </a:r>
+            <a:r>
+              <a:rPr lang="zh-CN" altLang="en-US" dirty="0">
+                <a:solidFill>
+                  <a:schemeClr val="tx1">
+                    <a:lumMod val="65000"/>
+                    <a:lumOff val="35000"/>
+                  </a:schemeClr>
+                </a:solidFill>
+                <a:ea typeface="思源黑体 CN Heavy" panose="020B0A00000000000000" pitchFamily="34" charset="-122"/>
+              </a:rPr>
+              <a:t>成内存泄漏</a:t>
+            </a:r>
+            <a:endParaRPr lang="en-US" altLang="zh-CN" dirty="0">
+              <a:solidFill>
+                <a:schemeClr val="tx1">
+                  <a:lumMod val="65000"/>
+                  <a:lumOff val="35000"/>
+                </a:schemeClr>
+              </a:solidFill>
+              <a:ea typeface="思源黑体 CN Heavy" panose="020B0A00000000000000" pitchFamily="34" charset="-122"/>
+            </a:endParaRPr>
+          </a:p>
+          <a:p>
+            <a:pPr marL="171450" lvl="1">
+              <a:buClr>
+                <a:srgbClr val="C00000"/>
+              </a:buClr>
+            </a:pPr>
+            <a:r>
+              <a:rPr lang="en-US" altLang="zh-CN" dirty="0">
+                <a:solidFill>
+                  <a:schemeClr val="tx1">
+                    <a:lumMod val="65000"/>
+                    <a:lumOff val="35000"/>
+                  </a:schemeClr>
+                </a:solidFill>
+                <a:ea typeface="思源黑体 CN Heavy" panose="020B0A00000000000000" pitchFamily="34" charset="-122"/>
+              </a:rPr>
+              <a:t>      2. </a:t>
+            </a:r>
+            <a:r>
+              <a:rPr lang="zh-CN" altLang="en-US" dirty="0">
+                <a:solidFill>
+                  <a:schemeClr val="tx1">
+                    <a:lumMod val="65000"/>
+                    <a:lumOff val="35000"/>
+                  </a:schemeClr>
+                </a:solidFill>
+                <a:ea typeface="思源黑体 CN Heavy" panose="020B0A00000000000000" pitchFamily="34" charset="-122"/>
+              </a:rPr>
+              <a:t>对每次</a:t>
+            </a:r>
+            <a:r>
+              <a:rPr lang="en-US" altLang="zh-CN" dirty="0">
+                <a:solidFill>
+                  <a:schemeClr val="tx1">
+                    <a:lumMod val="65000"/>
+                    <a:lumOff val="35000"/>
+                  </a:schemeClr>
+                </a:solidFill>
+                <a:ea typeface="思源黑体 CN Heavy" panose="020B0A00000000000000" pitchFamily="34" charset="-122"/>
+              </a:rPr>
+              <a:t>map</a:t>
+            </a:r>
+            <a:r>
+              <a:rPr lang="zh-CN" altLang="en-US" dirty="0">
+                <a:solidFill>
+                  <a:schemeClr val="tx1">
+                    <a:lumMod val="65000"/>
+                    <a:lumOff val="35000"/>
+                  </a:schemeClr>
+                </a:solidFill>
+                <a:ea typeface="思源黑体 CN Heavy" panose="020B0A00000000000000" pitchFamily="34" charset="-122"/>
+              </a:rPr>
+              <a:t>的读取以及向指针类型的</a:t>
+            </a:r>
+            <a:r>
+              <a:rPr lang="en-US" altLang="zh-CN" dirty="0" err="1">
+                <a:solidFill>
+                  <a:schemeClr val="tx1">
+                    <a:lumMod val="65000"/>
+                    <a:lumOff val="35000"/>
+                  </a:schemeClr>
+                </a:solidFill>
+                <a:ea typeface="思源黑体 CN Heavy" panose="020B0A00000000000000" pitchFamily="34" charset="-122"/>
+              </a:rPr>
+              <a:t>AbilityModel</a:t>
+            </a:r>
+            <a:r>
+              <a:rPr lang="zh-CN" altLang="en-US" dirty="0">
+                <a:solidFill>
+                  <a:schemeClr val="tx1">
+                    <a:lumMod val="65000"/>
+                    <a:lumOff val="35000"/>
+                  </a:schemeClr>
+                </a:solidFill>
+                <a:ea typeface="思源黑体 CN Heavy" panose="020B0A00000000000000" pitchFamily="34" charset="-122"/>
+              </a:rPr>
+              <a:t>进行加锁操作</a:t>
+            </a:r>
+            <a:endParaRPr lang="en-US" altLang="zh-CN" dirty="0">
+              <a:solidFill>
+                <a:schemeClr val="tx1">
+                  <a:lumMod val="65000"/>
+                  <a:lumOff val="35000"/>
+                </a:schemeClr>
+              </a:solidFill>
+              <a:ea typeface="思源黑体 CN Heavy" panose="020B0A00000000000000" pitchFamily="34" charset="-122"/>
+            </a:endParaRPr>
+          </a:p>
+          <a:p>
+            <a:pPr marL="171450" lvl="1">
+              <a:buClr>
+                <a:srgbClr val="C00000"/>
+              </a:buClr>
+            </a:pPr>
+            <a:r>
+              <a:rPr lang="en-US" altLang="zh-CN" dirty="0">
+                <a:solidFill>
+                  <a:schemeClr val="tx1">
+                    <a:lumMod val="65000"/>
+                    <a:lumOff val="35000"/>
+                  </a:schemeClr>
+                </a:solidFill>
+                <a:ea typeface="思源黑体 CN Heavy" panose="020B0A00000000000000" pitchFamily="34" charset="-122"/>
+              </a:rPr>
               <a:t>      3. </a:t>
             </a:r>
             <a:r>
@@ -16446,6 +17257,15 @@
               </a:rPr>
               <a:t>)</a:t>
             </a:r>
+            <a:endParaRPr lang="en-US" altLang="zh-CN" dirty="0">
+              <a:solidFill>
+                <a:schemeClr val="tx1">
+                  <a:lumMod val="65000"/>
+                  <a:lumOff val="35000"/>
+                </a:schemeClr>
+              </a:solidFill>
+              <a:ea typeface="思源黑体 CN Heavy" panose="020B0A00000000000000" pitchFamily="34" charset="-122"/>
+            </a:endParaRPr>
           </a:p>
           <a:p>
             <a:pPr marL="342900" indent="-342900">
@@ -16763,6 +17583,675 @@
               </a:rPr>
               <a:t>:</a:t>
             </a:r>
+            <a:endParaRPr lang="en-US" altLang="zh-CN" dirty="0">
+              <a:solidFill>
+                <a:schemeClr val="tx1">
+                  <a:lumMod val="65000"/>
+                  <a:lumOff val="35000"/>
+                </a:schemeClr>
+              </a:solidFill>
+              <a:ea typeface="思源黑体 CN Heavy" panose="020B0A00000000000000" pitchFamily="34" charset="-122"/>
+            </a:endParaRPr>
+          </a:p>
+          <a:p>
+            <a:pPr marL="171450" lvl="1">
+              <a:buClr>
+                <a:srgbClr val="C00000"/>
+              </a:buClr>
+            </a:pPr>
+            <a:r>
+              <a:rPr lang="en-US" altLang="zh-CN" dirty="0">
+                <a:solidFill>
+                  <a:schemeClr val="tx1">
+                    <a:lumMod val="65000"/>
+                    <a:lumOff val="35000"/>
+                  </a:schemeClr>
+                </a:solidFill>
+                <a:ea typeface="思源黑体 CN Heavy" panose="020B0A00000000000000" pitchFamily="34" charset="-122"/>
+              </a:rPr>
+              <a:t>1. </a:t>
+            </a:r>
+            <a:r>
+              <a:rPr lang="zh-CN" altLang="en-US" dirty="0">
+                <a:solidFill>
+                  <a:schemeClr val="tx1">
+                    <a:lumMod val="65000"/>
+                    <a:lumOff val="35000"/>
+                  </a:schemeClr>
+                </a:solidFill>
+                <a:ea typeface="思源黑体 CN Heavy" panose="020B0A00000000000000" pitchFamily="34" charset="-122"/>
+              </a:rPr>
+              <a:t>在</a:t>
+            </a:r>
+            <a:r>
+              <a:rPr lang="en-US" altLang="zh-CN" dirty="0">
+                <a:solidFill>
+                  <a:schemeClr val="tx1">
+                    <a:lumMod val="65000"/>
+                    <a:lumOff val="35000"/>
+                  </a:schemeClr>
+                </a:solidFill>
+                <a:ea typeface="思源黑体 CN Heavy" panose="020B0A00000000000000" pitchFamily="34" charset="-122"/>
+              </a:rPr>
+              <a:t>map</a:t>
+            </a:r>
+            <a:r>
+              <a:rPr lang="zh-CN" altLang="en-US" dirty="0">
+                <a:solidFill>
+                  <a:schemeClr val="tx1">
+                    <a:lumMod val="65000"/>
+                    <a:lumOff val="35000"/>
+                  </a:schemeClr>
+                </a:solidFill>
+                <a:ea typeface="思源黑体 CN Heavy" panose="020B0A00000000000000" pitchFamily="34" charset="-122"/>
+              </a:rPr>
+              <a:t>的基础上</a:t>
+            </a:r>
+            <a:r>
+              <a:rPr lang="en-US" altLang="zh-CN" dirty="0">
+                <a:solidFill>
+                  <a:schemeClr val="tx1">
+                    <a:lumMod val="65000"/>
+                    <a:lumOff val="35000"/>
+                  </a:schemeClr>
+                </a:solidFill>
+                <a:ea typeface="思源黑体 CN Heavy" panose="020B0A00000000000000" pitchFamily="34" charset="-122"/>
+              </a:rPr>
+              <a:t>, </a:t>
+            </a:r>
+            <a:r>
+              <a:rPr lang="zh-CN" altLang="en-US" dirty="0">
+                <a:solidFill>
+                  <a:schemeClr val="tx1">
+                    <a:lumMod val="65000"/>
+                    <a:lumOff val="35000"/>
+                  </a:schemeClr>
+                </a:solidFill>
+                <a:ea typeface="思源黑体 CN Heavy" panose="020B0A00000000000000" pitchFamily="34" charset="-122"/>
+              </a:rPr>
+              <a:t>支持线程安全的</a:t>
+            </a:r>
+            <a:r>
+              <a:rPr lang="en-US" altLang="zh-CN" dirty="0">
+                <a:solidFill>
+                  <a:schemeClr val="tx1">
+                    <a:lumMod val="65000"/>
+                    <a:lumOff val="35000"/>
+                  </a:schemeClr>
+                </a:solidFill>
+                <a:ea typeface="思源黑体 CN Heavy" panose="020B0A00000000000000" pitchFamily="34" charset="-122"/>
+              </a:rPr>
+              <a:t>load, store</a:t>
+            </a:r>
+            <a:r>
+              <a:rPr lang="zh-CN" altLang="en-US" dirty="0">
+                <a:solidFill>
+                  <a:schemeClr val="tx1">
+                    <a:lumMod val="65000"/>
+                    <a:lumOff val="35000"/>
+                  </a:schemeClr>
+                </a:solidFill>
+                <a:ea typeface="思源黑体 CN Heavy" panose="020B0A00000000000000" pitchFamily="34" charset="-122"/>
+              </a:rPr>
+              <a:t>等操作</a:t>
+            </a:r>
+            <a:r>
+              <a:rPr lang="en-US" altLang="zh-CN" dirty="0">
+                <a:solidFill>
+                  <a:schemeClr val="tx1">
+                    <a:lumMod val="65000"/>
+                    <a:lumOff val="35000"/>
+                  </a:schemeClr>
+                </a:solidFill>
+                <a:ea typeface="思源黑体 CN Heavy" panose="020B0A00000000000000" pitchFamily="34" charset="-122"/>
+              </a:rPr>
+              <a:t>.</a:t>
+            </a:r>
+            <a:endParaRPr lang="en-US" altLang="zh-CN" dirty="0">
+              <a:solidFill>
+                <a:schemeClr val="tx1">
+                  <a:lumMod val="65000"/>
+                  <a:lumOff val="35000"/>
+                </a:schemeClr>
+              </a:solidFill>
+              <a:ea typeface="思源黑体 CN Heavy" panose="020B0A00000000000000" pitchFamily="34" charset="-122"/>
+            </a:endParaRPr>
+          </a:p>
+          <a:p>
+            <a:pPr marL="171450" lvl="1">
+              <a:buClr>
+                <a:srgbClr val="C00000"/>
+              </a:buClr>
+            </a:pPr>
+            <a:r>
+              <a:rPr lang="en-US" altLang="zh-CN" dirty="0">
+                <a:solidFill>
+                  <a:schemeClr val="tx1">
+                    <a:lumMod val="65000"/>
+                    <a:lumOff val="35000"/>
+                  </a:schemeClr>
+                </a:solidFill>
+                <a:ea typeface="思源黑体 CN Heavy" panose="020B0A00000000000000" pitchFamily="34" charset="-122"/>
+              </a:rPr>
+              <a:t>2.  </a:t>
+            </a:r>
+            <a:r>
+              <a:rPr lang="zh-CN" altLang="en-US" dirty="0">
+                <a:solidFill>
+                  <a:schemeClr val="tx1">
+                    <a:lumMod val="65000"/>
+                    <a:lumOff val="35000"/>
+                  </a:schemeClr>
+                </a:solidFill>
+                <a:ea typeface="思源黑体 CN Heavy" panose="020B0A00000000000000" pitchFamily="34" charset="-122"/>
+              </a:rPr>
+              <a:t>查询会在</a:t>
+            </a:r>
+            <a:r>
+              <a:rPr lang="en-US" altLang="zh-CN" dirty="0">
+                <a:solidFill>
+                  <a:schemeClr val="tx1">
+                    <a:lumMod val="65000"/>
+                    <a:lumOff val="35000"/>
+                  </a:schemeClr>
+                </a:solidFill>
+                <a:ea typeface="思源黑体 CN Heavy" panose="020B0A00000000000000" pitchFamily="34" charset="-122"/>
+              </a:rPr>
+              <a:t>read</a:t>
+            </a:r>
+            <a:r>
+              <a:rPr lang="zh-CN" altLang="en-US" dirty="0">
+                <a:solidFill>
+                  <a:schemeClr val="tx1">
+                    <a:lumMod val="65000"/>
+                    <a:lumOff val="35000"/>
+                  </a:schemeClr>
+                </a:solidFill>
+                <a:ea typeface="思源黑体 CN Heavy" panose="020B0A00000000000000" pitchFamily="34" charset="-122"/>
+              </a:rPr>
+              <a:t>中查询</a:t>
+            </a:r>
+            <a:r>
+              <a:rPr lang="en-US" altLang="zh-CN" dirty="0">
+                <a:solidFill>
+                  <a:schemeClr val="tx1">
+                    <a:lumMod val="65000"/>
+                    <a:lumOff val="35000"/>
+                  </a:schemeClr>
+                </a:solidFill>
+                <a:ea typeface="思源黑体 CN Heavy" panose="020B0A00000000000000" pitchFamily="34" charset="-122"/>
+              </a:rPr>
+              <a:t>, </a:t>
+            </a:r>
+            <a:r>
+              <a:rPr lang="zh-CN" altLang="en-US" dirty="0">
+                <a:solidFill>
+                  <a:schemeClr val="tx1">
+                    <a:lumMod val="65000"/>
+                    <a:lumOff val="35000"/>
+                  </a:schemeClr>
+                </a:solidFill>
+                <a:ea typeface="思源黑体 CN Heavy" panose="020B0A00000000000000" pitchFamily="34" charset="-122"/>
+              </a:rPr>
+              <a:t>没有查询到就去</a:t>
+            </a:r>
+            <a:r>
+              <a:rPr lang="en-US" altLang="zh-CN" dirty="0">
+                <a:solidFill>
+                  <a:schemeClr val="tx1">
+                    <a:lumMod val="65000"/>
+                    <a:lumOff val="35000"/>
+                  </a:schemeClr>
+                </a:solidFill>
+                <a:ea typeface="思源黑体 CN Heavy" panose="020B0A00000000000000" pitchFamily="34" charset="-122"/>
+              </a:rPr>
+              <a:t>dirty</a:t>
+            </a:r>
+            <a:r>
+              <a:rPr lang="zh-CN" altLang="en-US" dirty="0">
+                <a:solidFill>
+                  <a:schemeClr val="tx1">
+                    <a:lumMod val="65000"/>
+                    <a:lumOff val="35000"/>
+                  </a:schemeClr>
+                </a:solidFill>
+                <a:ea typeface="思源黑体 CN Heavy" panose="020B0A00000000000000" pitchFamily="34" charset="-122"/>
+              </a:rPr>
+              <a:t>中查询</a:t>
+            </a:r>
+            <a:r>
+              <a:rPr lang="en-US" altLang="zh-CN" dirty="0">
+                <a:solidFill>
+                  <a:schemeClr val="tx1">
+                    <a:lumMod val="65000"/>
+                    <a:lumOff val="35000"/>
+                  </a:schemeClr>
+                </a:solidFill>
+                <a:ea typeface="思源黑体 CN Heavy" panose="020B0A00000000000000" pitchFamily="34" charset="-122"/>
+              </a:rPr>
+              <a:t>, </a:t>
+            </a:r>
+            <a:r>
+              <a:rPr lang="zh-CN" altLang="en-US" dirty="0">
+                <a:solidFill>
+                  <a:schemeClr val="tx1">
+                    <a:lumMod val="65000"/>
+                    <a:lumOff val="35000"/>
+                  </a:schemeClr>
+                </a:solidFill>
+                <a:ea typeface="思源黑体 CN Heavy" panose="020B0A00000000000000" pitchFamily="34" charset="-122"/>
+              </a:rPr>
+              <a:t>并且</a:t>
+            </a:r>
+            <a:r>
+              <a:rPr lang="en-US" altLang="zh-CN" dirty="0">
+                <a:solidFill>
+                  <a:schemeClr val="tx1">
+                    <a:lumMod val="65000"/>
+                    <a:lumOff val="35000"/>
+                  </a:schemeClr>
+                </a:solidFill>
+                <a:ea typeface="思源黑体 CN Heavy" panose="020B0A00000000000000" pitchFamily="34" charset="-122"/>
+              </a:rPr>
+              <a:t>miss</a:t>
+            </a:r>
+            <a:r>
+              <a:rPr lang="zh-CN" altLang="en-US" dirty="0">
+                <a:solidFill>
+                  <a:schemeClr val="tx1">
+                    <a:lumMod val="65000"/>
+                    <a:lumOff val="35000"/>
+                  </a:schemeClr>
+                </a:solidFill>
+                <a:ea typeface="思源黑体 CN Heavy" panose="020B0A00000000000000" pitchFamily="34" charset="-122"/>
+              </a:rPr>
+              <a:t>次数加</a:t>
+            </a:r>
+            <a:r>
+              <a:rPr lang="en-US" altLang="zh-CN" dirty="0">
+                <a:solidFill>
+                  <a:schemeClr val="tx1">
+                    <a:lumMod val="65000"/>
+                    <a:lumOff val="35000"/>
+                  </a:schemeClr>
+                </a:solidFill>
+                <a:ea typeface="思源黑体 CN Heavy" panose="020B0A00000000000000" pitchFamily="34" charset="-122"/>
+              </a:rPr>
+              <a:t>1, miss</a:t>
+            </a:r>
+            <a:r>
+              <a:rPr lang="zh-CN" altLang="en-US" dirty="0">
+                <a:solidFill>
+                  <a:schemeClr val="tx1">
+                    <a:lumMod val="65000"/>
+                    <a:lumOff val="35000"/>
+                  </a:schemeClr>
+                </a:solidFill>
+                <a:ea typeface="思源黑体 CN Heavy" panose="020B0A00000000000000" pitchFamily="34" charset="-122"/>
+              </a:rPr>
+              <a:t>的次数等于</a:t>
+            </a:r>
+            <a:r>
+              <a:rPr lang="en-US" altLang="zh-CN" dirty="0">
+                <a:solidFill>
+                  <a:schemeClr val="tx1">
+                    <a:lumMod val="65000"/>
+                    <a:lumOff val="35000"/>
+                  </a:schemeClr>
+                </a:solidFill>
+                <a:ea typeface="思源黑体 CN Heavy" panose="020B0A00000000000000" pitchFamily="34" charset="-122"/>
+              </a:rPr>
+              <a:t>dirty</a:t>
+            </a:r>
+            <a:r>
+              <a:rPr lang="zh-CN" altLang="en-US" dirty="0">
+                <a:solidFill>
+                  <a:schemeClr val="tx1">
+                    <a:lumMod val="65000"/>
+                    <a:lumOff val="35000"/>
+                  </a:schemeClr>
+                </a:solidFill>
+                <a:ea typeface="思源黑体 CN Heavy" panose="020B0A00000000000000" pitchFamily="34" charset="-122"/>
+              </a:rPr>
+              <a:t>的长度时</a:t>
+            </a:r>
+            <a:r>
+              <a:rPr lang="en-US" altLang="zh-CN" dirty="0">
+                <a:solidFill>
+                  <a:schemeClr val="tx1">
+                    <a:lumMod val="65000"/>
+                    <a:lumOff val="35000"/>
+                  </a:schemeClr>
+                </a:solidFill>
+                <a:ea typeface="思源黑体 CN Heavy" panose="020B0A00000000000000" pitchFamily="34" charset="-122"/>
+              </a:rPr>
+              <a:t>, dirty</a:t>
+            </a:r>
+            <a:r>
+              <a:rPr lang="zh-CN" altLang="en-US" dirty="0">
+                <a:solidFill>
+                  <a:schemeClr val="tx1">
+                    <a:lumMod val="65000"/>
+                    <a:lumOff val="35000"/>
+                  </a:schemeClr>
+                </a:solidFill>
+                <a:ea typeface="思源黑体 CN Heavy" panose="020B0A00000000000000" pitchFamily="34" charset="-122"/>
+              </a:rPr>
+              <a:t>就会上升到</a:t>
+            </a:r>
+            <a:r>
+              <a:rPr lang="en-US" altLang="zh-CN" dirty="0">
+                <a:solidFill>
+                  <a:schemeClr val="tx1">
+                    <a:lumMod val="65000"/>
+                    <a:lumOff val="35000"/>
+                  </a:schemeClr>
+                </a:solidFill>
+                <a:ea typeface="思源黑体 CN Heavy" panose="020B0A00000000000000" pitchFamily="34" charset="-122"/>
+              </a:rPr>
+              <a:t>read.</a:t>
+            </a:r>
+            <a:endParaRPr lang="en-US" altLang="zh-CN" dirty="0">
+              <a:solidFill>
+                <a:schemeClr val="tx1">
+                  <a:lumMod val="65000"/>
+                  <a:lumOff val="35000"/>
+                </a:schemeClr>
+              </a:solidFill>
+              <a:ea typeface="思源黑体 CN Heavy" panose="020B0A00000000000000" pitchFamily="34" charset="-122"/>
+            </a:endParaRPr>
+          </a:p>
+          <a:p>
+            <a:pPr marL="171450" lvl="1">
+              <a:buClr>
+                <a:srgbClr val="C00000"/>
+              </a:buClr>
+            </a:pPr>
+            <a:r>
+              <a:rPr lang="en-US" altLang="zh-CN" dirty="0">
+                <a:solidFill>
+                  <a:schemeClr val="tx1">
+                    <a:lumMod val="65000"/>
+                    <a:lumOff val="35000"/>
+                  </a:schemeClr>
+                </a:solidFill>
+                <a:ea typeface="思源黑体 CN Heavy" panose="020B0A00000000000000" pitchFamily="34" charset="-122"/>
+              </a:rPr>
+              <a:t>3. </a:t>
+            </a:r>
+            <a:r>
+              <a:rPr lang="zh-CN" altLang="en-US" dirty="0">
+                <a:solidFill>
+                  <a:schemeClr val="tx1">
+                    <a:lumMod val="65000"/>
+                    <a:lumOff val="35000"/>
+                  </a:schemeClr>
+                </a:solidFill>
+                <a:ea typeface="思源黑体 CN Heavy" panose="020B0A00000000000000" pitchFamily="34" charset="-122"/>
+              </a:rPr>
+              <a:t>如果某个</a:t>
+            </a:r>
+            <a:r>
+              <a:rPr lang="en-US" altLang="zh-CN" dirty="0">
+                <a:solidFill>
+                  <a:schemeClr val="tx1">
+                    <a:lumMod val="65000"/>
+                    <a:lumOff val="35000"/>
+                  </a:schemeClr>
+                </a:solidFill>
+                <a:ea typeface="思源黑体 CN Heavy" panose="020B0A00000000000000" pitchFamily="34" charset="-122"/>
+              </a:rPr>
+              <a:t>key</a:t>
+            </a:r>
+            <a:r>
+              <a:rPr lang="zh-CN" altLang="en-US" dirty="0">
+                <a:solidFill>
+                  <a:schemeClr val="tx1">
+                    <a:lumMod val="65000"/>
+                    <a:lumOff val="35000"/>
+                  </a:schemeClr>
+                </a:solidFill>
+                <a:ea typeface="思源黑体 CN Heavy" panose="020B0A00000000000000" pitchFamily="34" charset="-122"/>
+              </a:rPr>
+              <a:t>在</a:t>
+            </a:r>
+            <a:r>
+              <a:rPr lang="en-US" altLang="zh-CN" dirty="0">
+                <a:solidFill>
+                  <a:schemeClr val="tx1">
+                    <a:lumMod val="65000"/>
+                    <a:lumOff val="35000"/>
+                  </a:schemeClr>
+                </a:solidFill>
+                <a:ea typeface="思源黑体 CN Heavy" panose="020B0A00000000000000" pitchFamily="34" charset="-122"/>
+              </a:rPr>
+              <a:t>read</a:t>
+            </a:r>
+            <a:r>
+              <a:rPr lang="zh-CN" altLang="en-US" dirty="0">
+                <a:solidFill>
+                  <a:schemeClr val="tx1">
+                    <a:lumMod val="65000"/>
+                    <a:lumOff val="35000"/>
+                  </a:schemeClr>
+                </a:solidFill>
+                <a:ea typeface="思源黑体 CN Heavy" panose="020B0A00000000000000" pitchFamily="34" charset="-122"/>
+              </a:rPr>
+              <a:t>中</a:t>
+            </a:r>
+            <a:r>
+              <a:rPr lang="en-US" altLang="zh-CN" dirty="0">
+                <a:solidFill>
+                  <a:schemeClr val="tx1">
+                    <a:lumMod val="65000"/>
+                    <a:lumOff val="35000"/>
+                  </a:schemeClr>
+                </a:solidFill>
+                <a:ea typeface="思源黑体 CN Heavy" panose="020B0A00000000000000" pitchFamily="34" charset="-122"/>
+              </a:rPr>
+              <a:t>, </a:t>
+            </a:r>
+            <a:r>
+              <a:rPr lang="zh-CN" altLang="en-US" dirty="0">
+                <a:solidFill>
+                  <a:schemeClr val="tx1">
+                    <a:lumMod val="65000"/>
+                    <a:lumOff val="35000"/>
+                  </a:schemeClr>
+                </a:solidFill>
+                <a:ea typeface="思源黑体 CN Heavy" panose="020B0A00000000000000" pitchFamily="34" charset="-122"/>
+              </a:rPr>
+              <a:t>直接更新即可</a:t>
+            </a:r>
+            <a:r>
+              <a:rPr lang="en-US" altLang="zh-CN" dirty="0">
+                <a:solidFill>
+                  <a:schemeClr val="tx1">
+                    <a:lumMod val="65000"/>
+                    <a:lumOff val="35000"/>
+                  </a:schemeClr>
+                </a:solidFill>
+                <a:ea typeface="思源黑体 CN Heavy" panose="020B0A00000000000000" pitchFamily="34" charset="-122"/>
+              </a:rPr>
+              <a:t>, </a:t>
+            </a:r>
+            <a:r>
+              <a:rPr lang="zh-CN" altLang="en-US" dirty="0">
+                <a:solidFill>
+                  <a:schemeClr val="tx1">
+                    <a:lumMod val="65000"/>
+                    <a:lumOff val="35000"/>
+                  </a:schemeClr>
+                </a:solidFill>
+                <a:ea typeface="思源黑体 CN Heavy" panose="020B0A00000000000000" pitchFamily="34" charset="-122"/>
+              </a:rPr>
+              <a:t>因为</a:t>
+            </a:r>
+            <a:r>
+              <a:rPr lang="en-US" altLang="zh-CN" dirty="0">
+                <a:solidFill>
+                  <a:schemeClr val="tx1">
+                    <a:lumMod val="65000"/>
+                    <a:lumOff val="35000"/>
+                  </a:schemeClr>
+                </a:solidFill>
+                <a:ea typeface="思源黑体 CN Heavy" panose="020B0A00000000000000" pitchFamily="34" charset="-122"/>
+              </a:rPr>
+              <a:t>entry</a:t>
+            </a:r>
+            <a:r>
+              <a:rPr lang="zh-CN" altLang="en-US" dirty="0">
+                <a:solidFill>
+                  <a:schemeClr val="tx1">
+                    <a:lumMod val="65000"/>
+                    <a:lumOff val="35000"/>
+                  </a:schemeClr>
+                </a:solidFill>
+                <a:ea typeface="思源黑体 CN Heavy" panose="020B0A00000000000000" pitchFamily="34" charset="-122"/>
+              </a:rPr>
+              <a:t>中是一个指针</a:t>
+            </a:r>
+            <a:r>
+              <a:rPr lang="en-US" altLang="zh-CN" dirty="0">
+                <a:solidFill>
+                  <a:schemeClr val="tx1">
+                    <a:lumMod val="65000"/>
+                    <a:lumOff val="35000"/>
+                  </a:schemeClr>
+                </a:solidFill>
+                <a:ea typeface="思源黑体 CN Heavy" panose="020B0A00000000000000" pitchFamily="34" charset="-122"/>
+              </a:rPr>
+              <a:t>, read</a:t>
+            </a:r>
+            <a:r>
+              <a:rPr lang="zh-CN" altLang="en-US" dirty="0">
+                <a:solidFill>
+                  <a:schemeClr val="tx1">
+                    <a:lumMod val="65000"/>
+                    <a:lumOff val="35000"/>
+                  </a:schemeClr>
+                </a:solidFill>
+                <a:ea typeface="思源黑体 CN Heavy" panose="020B0A00000000000000" pitchFamily="34" charset="-122"/>
+              </a:rPr>
+              <a:t>的更新会同步到</a:t>
+            </a:r>
+            <a:r>
+              <a:rPr lang="en-US" altLang="zh-CN" dirty="0">
+                <a:solidFill>
+                  <a:schemeClr val="tx1">
+                    <a:lumMod val="65000"/>
+                    <a:lumOff val="35000"/>
+                  </a:schemeClr>
+                </a:solidFill>
+                <a:ea typeface="思源黑体 CN Heavy" panose="020B0A00000000000000" pitchFamily="34" charset="-122"/>
+              </a:rPr>
+              <a:t>dirty, </a:t>
+            </a:r>
+            <a:r>
+              <a:rPr lang="zh-CN" altLang="en-US" dirty="0">
+                <a:solidFill>
+                  <a:schemeClr val="tx1">
+                    <a:lumMod val="65000"/>
+                    <a:lumOff val="35000"/>
+                  </a:schemeClr>
+                </a:solidFill>
+                <a:ea typeface="思源黑体 CN Heavy" panose="020B0A00000000000000" pitchFamily="34" charset="-122"/>
+              </a:rPr>
+              <a:t>如果不在</a:t>
+            </a:r>
+            <a:r>
+              <a:rPr lang="en-US" altLang="zh-CN" dirty="0">
+                <a:solidFill>
+                  <a:schemeClr val="tx1">
+                    <a:lumMod val="65000"/>
+                    <a:lumOff val="35000"/>
+                  </a:schemeClr>
+                </a:solidFill>
+                <a:ea typeface="思源黑体 CN Heavy" panose="020B0A00000000000000" pitchFamily="34" charset="-122"/>
+              </a:rPr>
+              <a:t>read</a:t>
+            </a:r>
+            <a:r>
+              <a:rPr lang="zh-CN" altLang="en-US" dirty="0">
+                <a:solidFill>
+                  <a:schemeClr val="tx1">
+                    <a:lumMod val="65000"/>
+                    <a:lumOff val="35000"/>
+                  </a:schemeClr>
+                </a:solidFill>
+                <a:ea typeface="思源黑体 CN Heavy" panose="020B0A00000000000000" pitchFamily="34" charset="-122"/>
+              </a:rPr>
+              <a:t>中</a:t>
+            </a:r>
+            <a:r>
+              <a:rPr lang="en-US" altLang="zh-CN" dirty="0">
+                <a:solidFill>
+                  <a:schemeClr val="tx1">
+                    <a:lumMod val="65000"/>
+                    <a:lumOff val="35000"/>
+                  </a:schemeClr>
+                </a:solidFill>
+                <a:ea typeface="思源黑体 CN Heavy" panose="020B0A00000000000000" pitchFamily="34" charset="-122"/>
+              </a:rPr>
+              <a:t>, </a:t>
+            </a:r>
+            <a:r>
+              <a:rPr lang="zh-CN" altLang="en-US" dirty="0">
+                <a:solidFill>
+                  <a:schemeClr val="tx1">
+                    <a:lumMod val="65000"/>
+                    <a:lumOff val="35000"/>
+                  </a:schemeClr>
+                </a:solidFill>
+                <a:ea typeface="思源黑体 CN Heavy" panose="020B0A00000000000000" pitchFamily="34" charset="-122"/>
+              </a:rPr>
+              <a:t>需要在</a:t>
+            </a:r>
+            <a:r>
+              <a:rPr lang="en-US" altLang="zh-CN" dirty="0">
+                <a:solidFill>
+                  <a:schemeClr val="tx1">
+                    <a:lumMod val="65000"/>
+                    <a:lumOff val="35000"/>
+                  </a:schemeClr>
+                </a:solidFill>
+                <a:ea typeface="思源黑体 CN Heavy" panose="020B0A00000000000000" pitchFamily="34" charset="-122"/>
+              </a:rPr>
+              <a:t>dirty</a:t>
+            </a:r>
+            <a:r>
+              <a:rPr lang="zh-CN" altLang="en-US" dirty="0">
+                <a:solidFill>
+                  <a:schemeClr val="tx1">
+                    <a:lumMod val="65000"/>
+                    <a:lumOff val="35000"/>
+                  </a:schemeClr>
+                </a:solidFill>
+                <a:ea typeface="思源黑体 CN Heavy" panose="020B0A00000000000000" pitchFamily="34" charset="-122"/>
+              </a:rPr>
+              <a:t>中更新</a:t>
+            </a:r>
+            <a:r>
+              <a:rPr lang="en-US" altLang="zh-CN" dirty="0">
+                <a:solidFill>
+                  <a:schemeClr val="tx1">
+                    <a:lumMod val="65000"/>
+                    <a:lumOff val="35000"/>
+                  </a:schemeClr>
+                </a:solidFill>
+                <a:ea typeface="思源黑体 CN Heavy" panose="020B0A00000000000000" pitchFamily="34" charset="-122"/>
+              </a:rPr>
+              <a:t>.</a:t>
+            </a:r>
+            <a:endParaRPr lang="en-US" altLang="zh-CN" dirty="0">
+              <a:solidFill>
+                <a:schemeClr val="tx1">
+                  <a:lumMod val="65000"/>
+                  <a:lumOff val="35000"/>
+                </a:schemeClr>
+              </a:solidFill>
+              <a:ea typeface="思源黑体 CN Heavy" panose="020B0A00000000000000" pitchFamily="34" charset="-122"/>
+            </a:endParaRPr>
           </a:p>
         </p:txBody>
       </p:sp>
@@ -16771,13 +18260,13 @@
   <p:clrMapOvr>
     <a:masterClrMapping/>
   </p:clrMapOvr>
-  <mc:AlternateContent xmlns:mc="http://schemas.openxmlformats.org/markup-compatibility/2006" xmlns:p14="http://schemas.microsoft.com/office/powerpoint/2010/main">
-    <mc:Choice Requires="p14">
+  <mc:AlternateContent xmlns:mc="http://schemas.openxmlformats.org/markup-compatibility/2006">
+    <mc:Choice xmlns:p14="http://schemas.microsoft.com/office/powerpoint/2010/main" Requires="p14">
       <p:transition spd="slow" p14:dur="1600">
         <p:blinds dir="vert"/>
       </p:transition>
     </mc:Choice>
-    <mc:Fallback xmlns="">
+    <mc:Fallback>
       <p:transition spd="slow">
         <p:blinds dir="vert"/>
       </p:transition>
@@ -17128,6 +18617,12 @@
               </a:rPr>
               <a:t>工作总结</a:t>
             </a:r>
+            <a:endParaRPr lang="zh-CN" altLang="en-US" sz="2800" b="1" dirty="0">
+              <a:solidFill>
+                <a:schemeClr val="bg1"/>
+              </a:solidFill>
+              <a:ea typeface="思源黑体 CN Heavy" panose="020B0A00000000000000" pitchFamily="34" charset="-122"/>
+            </a:endParaRPr>
           </a:p>
         </p:txBody>
       </p:sp>
@@ -17434,6 +18929,15 @@
               </a:rPr>
               <a:t>:</a:t>
             </a:r>
+            <a:endParaRPr lang="en-US" altLang="zh-CN" dirty="0">
+              <a:solidFill>
+                <a:schemeClr val="tx1">
+                  <a:lumMod val="65000"/>
+                  <a:lumOff val="35000"/>
+                </a:schemeClr>
+              </a:solidFill>
+              <a:ea typeface="思源黑体 CN Heavy" panose="020B0A00000000000000" pitchFamily="34" charset="-122"/>
+            </a:endParaRPr>
           </a:p>
           <a:p>
             <a:pPr marL="171450" lvl="1">
@@ -17609,6 +19113,15 @@
               </a:rPr>
               <a:t>; </a:t>
             </a:r>
+            <a:endParaRPr lang="en-US" altLang="zh-CN" dirty="0">
+              <a:solidFill>
+                <a:schemeClr val="tx1">
+                  <a:lumMod val="65000"/>
+                  <a:lumOff val="35000"/>
+                </a:schemeClr>
+              </a:solidFill>
+              <a:ea typeface="思源黑体 CN Heavy" panose="020B0A00000000000000" pitchFamily="34" charset="-122"/>
+            </a:endParaRPr>
           </a:p>
           <a:p>
             <a:pPr marL="171450" lvl="1">
@@ -17675,58 +19188,6 @@
                 <a:ea typeface="思源黑体 CN Heavy" panose="020B0A00000000000000" pitchFamily="34" charset="-122"/>
               </a:rPr>
               <a:t>.</a:t>
-            </a:r>
-          </a:p>
-          <a:p>
-            <a:pPr marL="342900" indent="-342900">
-              <a:buClr>
-                <a:srgbClr val="C00000"/>
-              </a:buClr>
-              <a:buAutoNum type="arabicPeriod"/>
-            </a:pPr>
-            <a:r>
-              <a:rPr lang="zh-CN" altLang="en-US" dirty="0">
-                <a:solidFill>
-                  <a:schemeClr val="tx1">
-                    <a:lumMod val="65000"/>
-                    <a:lumOff val="35000"/>
-                  </a:schemeClr>
-                </a:solidFill>
-                <a:ea typeface="思源黑体 CN Heavy" panose="020B0A00000000000000" pitchFamily="34" charset="-122"/>
-              </a:rPr>
-              <a:t>问题出现原因</a:t>
-            </a:r>
-            <a:r>
-              <a:rPr lang="en-US" altLang="zh-CN" dirty="0">
-                <a:solidFill>
-                  <a:schemeClr val="tx1">
-                    <a:lumMod val="65000"/>
-                    <a:lumOff val="35000"/>
-                  </a:schemeClr>
-                </a:solidFill>
-                <a:ea typeface="思源黑体 CN Heavy" panose="020B0A00000000000000" pitchFamily="34" charset="-122"/>
-              </a:rPr>
-              <a:t>: </a:t>
-            </a:r>
-          </a:p>
-          <a:p>
-            <a:pPr marL="514350" lvl="1" indent="-342900">
-              <a:buClr>
-                <a:srgbClr val="C00000"/>
-              </a:buClr>
-              <a:buAutoNum type="arabicPeriod"/>
-            </a:pPr>
-            <a:r>
-              <a:rPr lang="en-US" altLang="zh-CN" dirty="0" err="1">
-                <a:solidFill>
-                  <a:schemeClr val="tx1">
-                    <a:lumMod val="65000"/>
-                    <a:lumOff val="35000"/>
-                  </a:schemeClr>
-                </a:solidFill>
-                <a:ea typeface="思源黑体 CN Heavy" panose="020B0A00000000000000" pitchFamily="34" charset="-122"/>
-              </a:rPr>
-              <a:t>formData</a:t>
             </a:r>
             <a:endParaRPr lang="en-US" altLang="zh-CN" dirty="0">
               <a:solidFill>
@@ -17755,7 +19216,7 @@
                 </a:solidFill>
                 <a:ea typeface="思源黑体 CN Heavy" panose="020B0A00000000000000" pitchFamily="34" charset="-122"/>
               </a:rPr>
-              <a:t>问题解决方案</a:t>
+              <a:t>问题出现原因</a:t>
             </a:r>
             <a:r>
               <a:rPr lang="en-US" altLang="zh-CN" dirty="0">
@@ -17769,6 +19230,15 @@
               </a:rPr>
               <a:t>: </a:t>
             </a:r>
+            <a:endParaRPr lang="en-US" altLang="zh-CN" dirty="0">
+              <a:solidFill>
+                <a:schemeClr val="tx1">
+                  <a:lumMod val="65000"/>
+                  <a:lumOff val="35000"/>
+                </a:schemeClr>
+              </a:solidFill>
+              <a:ea typeface="思源黑体 CN Heavy" panose="020B0A00000000000000" pitchFamily="34" charset="-122"/>
+            </a:endParaRPr>
           </a:p>
           <a:p>
             <a:pPr marL="514350" lvl="1" indent="-342900">
@@ -17778,6 +19248,35 @@
               <a:buAutoNum type="arabicPeriod"/>
             </a:pPr>
             <a:r>
+              <a:rPr lang="en-US" altLang="zh-CN" dirty="0" err="1">
+                <a:solidFill>
+                  <a:schemeClr val="tx1">
+                    <a:lumMod val="65000"/>
+                    <a:lumOff val="35000"/>
+                  </a:schemeClr>
+                </a:solidFill>
+                <a:ea typeface="思源黑体 CN Heavy" panose="020B0A00000000000000" pitchFamily="34" charset="-122"/>
+              </a:rPr>
+              <a:t>formData</a:t>
+            </a:r>
+            <a:endParaRPr lang="en-US" altLang="zh-CN" dirty="0">
+              <a:solidFill>
+                <a:schemeClr val="tx1">
+                  <a:lumMod val="65000"/>
+                  <a:lumOff val="35000"/>
+                </a:schemeClr>
+              </a:solidFill>
+              <a:ea typeface="思源黑体 CN Heavy" panose="020B0A00000000000000" pitchFamily="34" charset="-122"/>
+            </a:endParaRPr>
+          </a:p>
+          <a:p>
+            <a:pPr marL="342900" indent="-342900">
+              <a:buClr>
+                <a:srgbClr val="C00000"/>
+              </a:buClr>
+              <a:buAutoNum type="arabicPeriod"/>
+            </a:pPr>
+            <a:r>
               <a:rPr lang="zh-CN" altLang="en-US" dirty="0">
                 <a:solidFill>
                   <a:schemeClr val="tx1">
@@ -17787,6 +19286,47 @@
                 </a:solidFill>
                 <a:ea typeface="思源黑体 CN Heavy" panose="020B0A00000000000000" pitchFamily="34" charset="-122"/>
               </a:rPr>
+              <a:t>问题解决方案</a:t>
+            </a:r>
+            <a:r>
+              <a:rPr lang="en-US" altLang="zh-CN" dirty="0">
+                <a:solidFill>
+                  <a:schemeClr val="tx1">
+                    <a:lumMod val="65000"/>
+                    <a:lumOff val="35000"/>
+                  </a:schemeClr>
+                </a:solidFill>
+                <a:ea typeface="思源黑体 CN Heavy" panose="020B0A00000000000000" pitchFamily="34" charset="-122"/>
+              </a:rPr>
+              <a:t>: </a:t>
+            </a:r>
+            <a:endParaRPr lang="en-US" altLang="zh-CN" dirty="0">
+              <a:solidFill>
+                <a:schemeClr val="tx1">
+                  <a:lumMod val="65000"/>
+                  <a:lumOff val="35000"/>
+                </a:schemeClr>
+              </a:solidFill>
+              <a:ea typeface="思源黑体 CN Heavy" panose="020B0A00000000000000" pitchFamily="34" charset="-122"/>
+            </a:endParaRPr>
+          </a:p>
+          <a:p>
+            <a:pPr marL="514350" lvl="1" indent="-342900">
+              <a:buClr>
+                <a:srgbClr val="C00000"/>
+              </a:buClr>
+              <a:buAutoNum type="arabicPeriod"/>
+            </a:pPr>
+            <a:r>
+              <a:rPr lang="zh-CN" altLang="en-US" dirty="0">
+                <a:solidFill>
+                  <a:schemeClr val="tx1">
+                    <a:lumMod val="65000"/>
+                    <a:lumOff val="35000"/>
+                  </a:schemeClr>
+                </a:solidFill>
+                <a:ea typeface="思源黑体 CN Heavy" panose="020B0A00000000000000" pitchFamily="34" charset="-122"/>
+              </a:rPr>
               <a:t>不改变发送参数的前提</a:t>
             </a:r>
             <a:r>
@@ -17873,6 +19413,15 @@
               </a:rPr>
               <a:t>form.</a:t>
             </a:r>
+            <a:endParaRPr lang="en-US" altLang="zh-CN" dirty="0">
+              <a:solidFill>
+                <a:schemeClr val="tx1">
+                  <a:lumMod val="65000"/>
+                  <a:lumOff val="35000"/>
+                </a:schemeClr>
+              </a:solidFill>
+              <a:ea typeface="思源黑体 CN Heavy" panose="020B0A00000000000000" pitchFamily="34" charset="-122"/>
+            </a:endParaRPr>
           </a:p>
           <a:p>
             <a:pPr marL="514350" lvl="1" indent="-342900">
@@ -18274,6 +19823,15 @@
               </a:rPr>
               <a:t>: </a:t>
             </a:r>
+            <a:endParaRPr lang="en-US" altLang="zh-CN" dirty="0">
+              <a:solidFill>
+                <a:schemeClr val="tx1">
+                  <a:lumMod val="65000"/>
+                  <a:lumOff val="35000"/>
+                </a:schemeClr>
+              </a:solidFill>
+              <a:ea typeface="思源黑体 CN Heavy" panose="020B0A00000000000000" pitchFamily="34" charset="-122"/>
+            </a:endParaRPr>
           </a:p>
           <a:p>
             <a:pPr marL="514350" lvl="1" indent="-342900">
@@ -18419,6 +19977,15 @@
               </a:rPr>
               <a:t>.</a:t>
             </a:r>
+            <a:endParaRPr lang="en-US" altLang="zh-CN" dirty="0">
+              <a:solidFill>
+                <a:schemeClr val="tx1">
+                  <a:lumMod val="65000"/>
+                  <a:lumOff val="35000"/>
+                </a:schemeClr>
+              </a:solidFill>
+              <a:ea typeface="思源黑体 CN Heavy" panose="020B0A00000000000000" pitchFamily="34" charset="-122"/>
+            </a:endParaRPr>
           </a:p>
           <a:p>
             <a:pPr marL="971550" lvl="2" indent="-342900">
@@ -18559,6 +20126,15 @@
               </a:rPr>
               <a:t>.</a:t>
             </a:r>
+            <a:endParaRPr lang="en-US" altLang="zh-CN" dirty="0">
+              <a:solidFill>
+                <a:schemeClr val="tx1">
+                  <a:lumMod val="65000"/>
+                  <a:lumOff val="35000"/>
+                </a:schemeClr>
+              </a:solidFill>
+              <a:ea typeface="思源黑体 CN Heavy" panose="020B0A00000000000000" pitchFamily="34" charset="-122"/>
+            </a:endParaRPr>
           </a:p>
           <a:p>
             <a:pPr marL="514350" lvl="1" indent="-342900">
@@ -18692,6 +20268,15 @@
               </a:rPr>
               <a:t>)</a:t>
             </a:r>
+            <a:endParaRPr lang="en-US" altLang="zh-CN" dirty="0">
+              <a:solidFill>
+                <a:schemeClr val="tx1">
+                  <a:lumMod val="65000"/>
+                  <a:lumOff val="35000"/>
+                </a:schemeClr>
+              </a:solidFill>
+              <a:ea typeface="思源黑体 CN Heavy" panose="020B0A00000000000000" pitchFamily="34" charset="-122"/>
+            </a:endParaRPr>
           </a:p>
           <a:p>
             <a:pPr marL="514350" lvl="1" indent="-342900">
@@ -18832,6 +20417,15 @@
               </a:rPr>
               <a:t>;</a:t>
             </a:r>
+            <a:endParaRPr lang="en-US" altLang="zh-CN" dirty="0">
+              <a:solidFill>
+                <a:schemeClr val="tx1">
+                  <a:lumMod val="65000"/>
+                  <a:lumOff val="35000"/>
+                </a:schemeClr>
+              </a:solidFill>
+              <a:ea typeface="思源黑体 CN Heavy" panose="020B0A00000000000000" pitchFamily="34" charset="-122"/>
+            </a:endParaRPr>
           </a:p>
           <a:p>
             <a:pPr marL="514350" lvl="1" indent="-342900">
@@ -18869,22 +20463,17 @@
         </p:txBody>
       </p:sp>
     </p:spTree>
-    <p:extLst>
-      <p:ext uri="{BB962C8B-B14F-4D97-AF65-F5344CB8AC3E}">
-        <p14:creationId xmlns:p14="http://schemas.microsoft.com/office/powerpoint/2010/main" val="3960661659"/>
-      </p:ext>
-    </p:extLst>
   </p:cSld>
   <p:clrMapOvr>
     <a:masterClrMapping/>
   </p:clrMapOvr>
-  <mc:AlternateContent xmlns:mc="http://schemas.openxmlformats.org/markup-compatibility/2006" xmlns:p14="http://schemas.microsoft.com/office/powerpoint/2010/main">
-    <mc:Choice Requires="p14">
+  <mc:AlternateContent xmlns:mc="http://schemas.openxmlformats.org/markup-compatibility/2006">
+    <mc:Choice xmlns:p14="http://schemas.microsoft.com/office/powerpoint/2010/main" Requires="p14">
       <p:transition spd="slow" p14:dur="1600">
         <p:blinds dir="vert"/>
       </p:transition>
     </mc:Choice>
-    <mc:Fallback xmlns="">
+    <mc:Fallback>
       <p:transition spd="slow">
         <p:blinds dir="vert"/>
       </p:transition>
@@ -19226,7 +20815,7 @@
             </p:cNvSpPr>
             <p:nvPr>
               <p:custDataLst>
-                <p:tags r:id="rId4"/>
+                <p:tags r:id="rId1"/>
               </p:custDataLst>
             </p:nvPr>
           </p:nvSpPr>
@@ -19269,6 +20858,21 @@
                 </a:rPr>
                 <a:t>2022</a:t>
               </a:r>
+              <a:endParaRPr lang="en-US" altLang="zh-CN" sz="11500" b="1" dirty="0">
+                <a:gradFill>
+                  <a:gsLst>
+                    <a:gs pos="0">
+                      <a:srgbClr val="F0D58B"/>
+                    </a:gs>
+                    <a:gs pos="100000">
+                      <a:srgbClr val="D9B44F"/>
+                    </a:gs>
+                  </a:gsLst>
+                  <a:path path="circle"/>
+                </a:gradFill>
+                <a:ea typeface="+mj-ea"/>
+                <a:cs typeface="+mn-lt"/>
+              </a:endParaRPr>
             </a:p>
           </p:txBody>
         </p:sp>
@@ -19280,7 +20884,7 @@
             </p:cNvSpPr>
             <p:nvPr>
               <p:custDataLst>
-                <p:tags r:id="rId5"/>
+                <p:tags r:id="rId2"/>
               </p:custDataLst>
             </p:nvPr>
           </p:nvSpPr>
@@ -19421,6 +21025,19 @@
                 </a:rPr>
                 <a:t>入职第二月述职报告</a:t>
               </a:r>
+              <a:endParaRPr lang="zh-CN" altLang="en-US" sz="4800" b="1" dirty="0">
+                <a:ln w="17780" cmpd="sng">
+                  <a:noFill/>
+                  <a:prstDash val="solid"/>
+                  <a:miter lim="800000"/>
+                </a:ln>
+                <a:solidFill>
+                  <a:schemeClr val="bg2"/>
+                </a:solidFill>
+                <a:effectLst/>
+                <a:latin typeface="思源黑体 CN Medium" panose="020B0600000000000000" pitchFamily="34" charset="-122"/>
+                <a:ea typeface="思源黑体 CN Medium" panose="020B0600000000000000" pitchFamily="34" charset="-122"/>
+              </a:endParaRPr>
             </a:p>
           </p:txBody>
         </p:sp>
@@ -19431,7 +21048,7 @@
           <p:cNvSpPr/>
           <p:nvPr>
             <p:custDataLst>
-              <p:tags r:id="rId1"/>
+              <p:tags r:id="rId3"/>
             </p:custDataLst>
           </p:nvPr>
         </p:nvSpPr>
@@ -19584,6 +21201,14 @@
               </a:rPr>
               <a:t>工作计划</a:t>
             </a:r>
+            <a:endParaRPr lang="zh-CN" altLang="en-US" sz="2000" dirty="0">
+              <a:solidFill>
+                <a:schemeClr val="bg1"/>
+              </a:solidFill>
+              <a:latin typeface="思源黑体 CN Medium" panose="020B0600000000000000" pitchFamily="34" charset="-122"/>
+              <a:ea typeface="思源黑体 CN Medium" panose="020B0600000000000000" pitchFamily="34" charset="-122"/>
+              <a:cs typeface="微软雅黑" panose="020B0503020204020204" pitchFamily="34" charset="-122"/>
+            </a:endParaRPr>
           </a:p>
         </p:txBody>
       </p:sp>
@@ -19593,7 +21218,7 @@
           <p:cNvSpPr txBox="1"/>
           <p:nvPr>
             <p:custDataLst>
-              <p:tags r:id="rId2"/>
+              <p:tags r:id="rId4"/>
             </p:custDataLst>
           </p:nvPr>
         </p:nvSpPr>
@@ -20017,6 +21642,15 @@
               </a:rPr>
               <a:t>司</a:t>
             </a:r>
+            <a:endParaRPr lang="zh-CN" altLang="en-US" sz="800" dirty="0">
+              <a:solidFill>
+                <a:schemeClr val="bg1">
+                  <a:lumMod val="75000"/>
+                </a:schemeClr>
+              </a:solidFill>
+              <a:latin typeface="微软雅黑" panose="020B0503020204020204" pitchFamily="34" charset="-122"/>
+              <a:ea typeface="微软雅黑" panose="020B0503020204020204" pitchFamily="34" charset="-122"/>
+            </a:endParaRPr>
           </a:p>
         </p:txBody>
       </p:sp>
@@ -20026,7 +21660,7 @@
           <p:cNvSpPr txBox="1"/>
           <p:nvPr>
             <p:custDataLst>
-              <p:tags r:id="rId3"/>
+              <p:tags r:id="rId5"/>
             </p:custDataLst>
           </p:nvPr>
         </p:nvSpPr>
@@ -20071,6 +21705,11 @@
               </a:rPr>
               <a:t>部门：产品研发部</a:t>
             </a:r>
+            <a:endParaRPr lang="zh-CN" altLang="en-US" sz="1200" dirty="0">
+              <a:solidFill>
+                <a:schemeClr val="bg1"/>
+              </a:solidFill>
+            </a:endParaRPr>
           </a:p>
         </p:txBody>
       </p:sp>
@@ -20079,13 +21718,13 @@
   <p:clrMapOvr>
     <a:masterClrMapping/>
   </p:clrMapOvr>
-  <mc:AlternateContent xmlns:mc="http://schemas.openxmlformats.org/markup-compatibility/2006" xmlns:p14="http://schemas.microsoft.com/office/powerpoint/2010/main">
-    <mc:Choice Requires="p14">
+  <mc:AlternateContent xmlns:mc="http://schemas.openxmlformats.org/markup-compatibility/2006">
+    <mc:Choice xmlns:p14="http://schemas.microsoft.com/office/powerpoint/2010/main" Requires="p14">
       <p:transition spd="slow" p14:dur="1600">
         <p:blinds dir="vert"/>
       </p:transition>
     </mc:Choice>
-    <mc:Fallback xmlns="">
+    <mc:Fallback>
       <p:transition spd="slow">
         <p:blinds dir="vert"/>
       </p:transition>
@@ -20466,6 +22105,12 @@
               </a:rPr>
               <a:t>工作总结</a:t>
             </a:r>
+            <a:endParaRPr lang="zh-CN" altLang="en-US" sz="2800" b="1" dirty="0">
+              <a:solidFill>
+                <a:schemeClr val="bg1"/>
+              </a:solidFill>
+              <a:ea typeface="思源黑体 CN Heavy" panose="020B0A00000000000000" pitchFamily="34" charset="-122"/>
+            </a:endParaRPr>
           </a:p>
         </p:txBody>
       </p:sp>
@@ -21070,276 +22715,6 @@
               </a:rPr>
               <a:t>:</a:t>
             </a:r>
-          </a:p>
-          <a:p>
-            <a:pPr lvl="2" indent="-285750">
-              <a:buClr>
-                <a:srgbClr val="C00000"/>
-              </a:buClr>
-              <a:buFontTx/>
-              <a:buChar char="-"/>
-            </a:pPr>
-            <a:r>
-              <a:rPr lang="zh-CN" altLang="en-US" dirty="0">
-                <a:solidFill>
-                  <a:schemeClr val="tx1">
-                    <a:lumMod val="65000"/>
-                    <a:lumOff val="35000"/>
-                  </a:schemeClr>
-                </a:solidFill>
-                <a:ea typeface="思源黑体 CN Heavy" panose="020B0A00000000000000" pitchFamily="34" charset="-122"/>
-              </a:rPr>
-              <a:t>当</a:t>
-            </a:r>
-            <a:r>
-              <a:rPr lang="en-US" altLang="zh-CN" dirty="0">
-                <a:solidFill>
-                  <a:schemeClr val="tx1">
-                    <a:lumMod val="65000"/>
-                    <a:lumOff val="35000"/>
-                  </a:schemeClr>
-                </a:solidFill>
-                <a:ea typeface="思源黑体 CN Heavy" panose="020B0A00000000000000" pitchFamily="34" charset="-122"/>
-              </a:rPr>
-              <a:t>action</a:t>
-            </a:r>
-            <a:r>
-              <a:rPr lang="zh-CN" altLang="en-US" dirty="0">
-                <a:solidFill>
-                  <a:schemeClr val="tx1">
-                    <a:lumMod val="65000"/>
-                    <a:lumOff val="35000"/>
-                  </a:schemeClr>
-                </a:solidFill>
-                <a:ea typeface="思源黑体 CN Heavy" panose="020B0A00000000000000" pitchFamily="34" charset="-122"/>
-              </a:rPr>
-              <a:t>为</a:t>
-            </a:r>
-            <a:r>
-              <a:rPr lang="en-US" altLang="zh-CN" dirty="0">
-                <a:solidFill>
-                  <a:schemeClr val="tx1">
-                    <a:lumMod val="65000"/>
-                    <a:lumOff val="35000"/>
-                  </a:schemeClr>
-                </a:solidFill>
-                <a:ea typeface="思源黑体 CN Heavy" panose="020B0A00000000000000" pitchFamily="34" charset="-122"/>
-              </a:rPr>
-              <a:t>get</a:t>
-            </a:r>
-            <a:r>
-              <a:rPr lang="zh-CN" altLang="en-US" dirty="0">
-                <a:solidFill>
-                  <a:schemeClr val="tx1">
-                    <a:lumMod val="65000"/>
-                    <a:lumOff val="35000"/>
-                  </a:schemeClr>
-                </a:solidFill>
-                <a:ea typeface="思源黑体 CN Heavy" panose="020B0A00000000000000" pitchFamily="34" charset="-122"/>
-              </a:rPr>
-              <a:t>的时候</a:t>
-            </a:r>
-            <a:r>
-              <a:rPr lang="en-US" altLang="zh-CN" dirty="0">
-                <a:solidFill>
-                  <a:schemeClr val="tx1">
-                    <a:lumMod val="65000"/>
-                    <a:lumOff val="35000"/>
-                  </a:schemeClr>
-                </a:solidFill>
-                <a:ea typeface="思源黑体 CN Heavy" panose="020B0A00000000000000" pitchFamily="34" charset="-122"/>
-              </a:rPr>
-              <a:t>, </a:t>
-            </a:r>
-            <a:r>
-              <a:rPr lang="zh-CN" altLang="en-US" dirty="0">
-                <a:solidFill>
-                  <a:schemeClr val="tx1">
-                    <a:lumMod val="65000"/>
-                    <a:lumOff val="35000"/>
-                  </a:schemeClr>
-                </a:solidFill>
-                <a:ea typeface="思源黑体 CN Heavy" panose="020B0A00000000000000" pitchFamily="34" charset="-122"/>
-              </a:rPr>
-              <a:t>浏览器会直接将键值对拼接到</a:t>
-            </a:r>
-            <a:r>
-              <a:rPr lang="en-US" altLang="zh-CN" dirty="0" err="1">
-                <a:solidFill>
-                  <a:schemeClr val="tx1">
-                    <a:lumMod val="65000"/>
-                    <a:lumOff val="35000"/>
-                  </a:schemeClr>
-                </a:solidFill>
-                <a:ea typeface="思源黑体 CN Heavy" panose="020B0A00000000000000" pitchFamily="34" charset="-122"/>
-              </a:rPr>
-              <a:t>url</a:t>
-            </a:r>
-            <a:r>
-              <a:rPr lang="zh-CN" altLang="en-US" dirty="0">
-                <a:solidFill>
-                  <a:schemeClr val="tx1">
-                    <a:lumMod val="65000"/>
-                    <a:lumOff val="35000"/>
-                  </a:schemeClr>
-                </a:solidFill>
-                <a:ea typeface="思源黑体 CN Heavy" panose="020B0A00000000000000" pitchFamily="34" charset="-122"/>
-              </a:rPr>
-              <a:t>之后</a:t>
-            </a:r>
-            <a:r>
-              <a:rPr lang="en-US" altLang="zh-CN" dirty="0">
-                <a:solidFill>
-                  <a:schemeClr val="tx1">
-                    <a:lumMod val="65000"/>
-                    <a:lumOff val="35000"/>
-                  </a:schemeClr>
-                </a:solidFill>
-                <a:ea typeface="思源黑体 CN Heavy" panose="020B0A00000000000000" pitchFamily="34" charset="-122"/>
-              </a:rPr>
-              <a:t>;</a:t>
-            </a:r>
-          </a:p>
-          <a:p>
-            <a:pPr lvl="2" indent="-285750">
-              <a:buClr>
-                <a:srgbClr val="C00000"/>
-              </a:buClr>
-              <a:buFontTx/>
-              <a:buChar char="-"/>
-            </a:pPr>
-            <a:r>
-              <a:rPr lang="zh-CN" altLang="en-US" dirty="0">
-                <a:solidFill>
-                  <a:schemeClr val="tx1">
-                    <a:lumMod val="65000"/>
-                    <a:lumOff val="35000"/>
-                  </a:schemeClr>
-                </a:solidFill>
-                <a:ea typeface="思源黑体 CN Heavy" panose="020B0A00000000000000" pitchFamily="34" charset="-122"/>
-              </a:rPr>
-              <a:t>当</a:t>
-            </a:r>
-            <a:r>
-              <a:rPr lang="en-US" altLang="zh-CN" dirty="0">
-                <a:solidFill>
-                  <a:schemeClr val="tx1">
-                    <a:lumMod val="65000"/>
-                    <a:lumOff val="35000"/>
-                  </a:schemeClr>
-                </a:solidFill>
-                <a:ea typeface="思源黑体 CN Heavy" panose="020B0A00000000000000" pitchFamily="34" charset="-122"/>
-              </a:rPr>
-              <a:t>action</a:t>
-            </a:r>
-            <a:r>
-              <a:rPr lang="zh-CN" altLang="en-US" dirty="0">
-                <a:solidFill>
-                  <a:schemeClr val="tx1">
-                    <a:lumMod val="65000"/>
-                    <a:lumOff val="35000"/>
-                  </a:schemeClr>
-                </a:solidFill>
-                <a:ea typeface="思源黑体 CN Heavy" panose="020B0A00000000000000" pitchFamily="34" charset="-122"/>
-              </a:rPr>
-              <a:t>为</a:t>
-            </a:r>
-            <a:r>
-              <a:rPr lang="en-US" altLang="zh-CN" dirty="0">
-                <a:solidFill>
-                  <a:schemeClr val="tx1">
-                    <a:lumMod val="65000"/>
-                    <a:lumOff val="35000"/>
-                  </a:schemeClr>
-                </a:solidFill>
-                <a:ea typeface="思源黑体 CN Heavy" panose="020B0A00000000000000" pitchFamily="34" charset="-122"/>
-              </a:rPr>
-              <a:t>post</a:t>
-            </a:r>
-            <a:r>
-              <a:rPr lang="zh-CN" altLang="en-US" dirty="0">
-                <a:solidFill>
-                  <a:schemeClr val="tx1">
-                    <a:lumMod val="65000"/>
-                    <a:lumOff val="35000"/>
-                  </a:schemeClr>
-                </a:solidFill>
-                <a:ea typeface="思源黑体 CN Heavy" panose="020B0A00000000000000" pitchFamily="34" charset="-122"/>
-              </a:rPr>
-              <a:t>时候，浏览器把</a:t>
-            </a:r>
-            <a:r>
-              <a:rPr lang="en-US" altLang="zh-CN" dirty="0">
-                <a:solidFill>
-                  <a:schemeClr val="tx1">
-                    <a:lumMod val="65000"/>
-                    <a:lumOff val="35000"/>
-                  </a:schemeClr>
-                </a:solidFill>
-                <a:ea typeface="思源黑体 CN Heavy" panose="020B0A00000000000000" pitchFamily="34" charset="-122"/>
-              </a:rPr>
-              <a:t>form</a:t>
-            </a:r>
-            <a:r>
-              <a:rPr lang="zh-CN" altLang="en-US" dirty="0">
-                <a:solidFill>
-                  <a:schemeClr val="tx1">
-                    <a:lumMod val="65000"/>
-                    <a:lumOff val="35000"/>
-                  </a:schemeClr>
-                </a:solidFill>
-                <a:ea typeface="思源黑体 CN Heavy" panose="020B0A00000000000000" pitchFamily="34" charset="-122"/>
-              </a:rPr>
-              <a:t>数据封装到</a:t>
-            </a:r>
-            <a:r>
-              <a:rPr lang="en-US" altLang="zh-CN" dirty="0">
-                <a:solidFill>
-                  <a:schemeClr val="tx1">
-                    <a:lumMod val="65000"/>
-                    <a:lumOff val="35000"/>
-                  </a:schemeClr>
-                </a:solidFill>
-                <a:ea typeface="思源黑体 CN Heavy" panose="020B0A00000000000000" pitchFamily="34" charset="-122"/>
-              </a:rPr>
-              <a:t>http body</a:t>
-            </a:r>
-            <a:r>
-              <a:rPr lang="zh-CN" altLang="en-US" dirty="0">
-                <a:solidFill>
-                  <a:schemeClr val="tx1">
-                    <a:lumMod val="65000"/>
-                    <a:lumOff val="35000"/>
-                  </a:schemeClr>
-                </a:solidFill>
-                <a:ea typeface="思源黑体 CN Heavy" panose="020B0A00000000000000" pitchFamily="34" charset="-122"/>
-              </a:rPr>
-              <a:t>中，然后发送到</a:t>
-            </a:r>
-            <a:r>
-              <a:rPr lang="en-US" altLang="zh-CN" dirty="0">
-                <a:solidFill>
-                  <a:schemeClr val="tx1">
-                    <a:lumMod val="65000"/>
-                    <a:lumOff val="35000"/>
-                  </a:schemeClr>
-                </a:solidFill>
-                <a:ea typeface="思源黑体 CN Heavy" panose="020B0A00000000000000" pitchFamily="34" charset="-122"/>
-              </a:rPr>
-              <a:t>server</a:t>
-            </a:r>
-            <a:r>
-              <a:rPr lang="zh-CN" altLang="en-US" dirty="0">
-                <a:solidFill>
-                  <a:schemeClr val="tx1">
-                    <a:lumMod val="65000"/>
-                    <a:lumOff val="35000"/>
-                  </a:schemeClr>
-                </a:solidFill>
-                <a:ea typeface="思源黑体 CN Heavy" panose="020B0A00000000000000" pitchFamily="34" charset="-122"/>
-              </a:rPr>
-              <a:t>。</a:t>
-            </a:r>
             <a:endParaRPr lang="en-US" altLang="zh-CN" dirty="0">
               <a:solidFill>
                 <a:schemeClr val="tx1">
@@ -21368,7 +22743,7 @@
                 </a:solidFill>
                 <a:ea typeface="思源黑体 CN Heavy" panose="020B0A00000000000000" pitchFamily="34" charset="-122"/>
               </a:rPr>
-              <a:t>如果没有 </a:t>
+              <a:t>当</a:t>
             </a:r>
             <a:r>
               <a:rPr lang="en-US" altLang="zh-CN" dirty="0">
@@ -21380,7 +22755,7 @@
                 </a:solidFill>
                 <a:ea typeface="思源黑体 CN Heavy" panose="020B0A00000000000000" pitchFamily="34" charset="-122"/>
               </a:rPr>
-              <a:t>type=file </a:t>
+              <a:t>action</a:t>
             </a:r>
             <a:r>
               <a:rPr lang="zh-CN" altLang="en-US" dirty="0">
@@ -21392,7 +22767,7 @@
                 </a:solidFill>
                 <a:ea typeface="思源黑体 CN Heavy" panose="020B0A00000000000000" pitchFamily="34" charset="-122"/>
               </a:rPr>
-              <a:t>的控件，用默认的 </a:t>
+              <a:t>为</a:t>
             </a:r>
             <a:r>
               <a:rPr lang="en-US" altLang="zh-CN" dirty="0">
@@ -21404,7 +22779,43 @@
                 </a:solidFill>
                 <a:ea typeface="思源黑体 CN Heavy" panose="020B0A00000000000000" pitchFamily="34" charset="-122"/>
               </a:rPr>
-              <a:t>application/x-www-form-</a:t>
+              <a:t>get</a:t>
+            </a:r>
+            <a:r>
+              <a:rPr lang="zh-CN" altLang="en-US" dirty="0">
+                <a:solidFill>
+                  <a:schemeClr val="tx1">
+                    <a:lumMod val="65000"/>
+                    <a:lumOff val="35000"/>
+                  </a:schemeClr>
+                </a:solidFill>
+                <a:ea typeface="思源黑体 CN Heavy" panose="020B0A00000000000000" pitchFamily="34" charset="-122"/>
+              </a:rPr>
+              <a:t>的时候</a:t>
+            </a:r>
+            <a:r>
+              <a:rPr lang="en-US" altLang="zh-CN" dirty="0">
+                <a:solidFill>
+                  <a:schemeClr val="tx1">
+                    <a:lumMod val="65000"/>
+                    <a:lumOff val="35000"/>
+                  </a:schemeClr>
+                </a:solidFill>
+                <a:ea typeface="思源黑体 CN Heavy" panose="020B0A00000000000000" pitchFamily="34" charset="-122"/>
+              </a:rPr>
+              <a:t>, </a:t>
+            </a:r>
+            <a:r>
+              <a:rPr lang="zh-CN" altLang="en-US" dirty="0">
+                <a:solidFill>
+                  <a:schemeClr val="tx1">
+                    <a:lumMod val="65000"/>
+                    <a:lumOff val="35000"/>
+                  </a:schemeClr>
+                </a:solidFill>
+                <a:ea typeface="思源黑体 CN Heavy" panose="020B0A00000000000000" pitchFamily="34" charset="-122"/>
+              </a:rPr>
+              <a:t>浏览器会直接将键值对拼接到</a:t>
             </a:r>
             <a:r>
               <a:rPr lang="en-US" altLang="zh-CN" dirty="0" err="1">
@@ -21416,7 +22827,19 @@
                 </a:solidFill>
                 <a:ea typeface="思源黑体 CN Heavy" panose="020B0A00000000000000" pitchFamily="34" charset="-122"/>
               </a:rPr>
-              <a:t>urlencoded</a:t>
+              <a:t>url</a:t>
+            </a:r>
+            <a:r>
+              <a:rPr lang="zh-CN" altLang="en-US" dirty="0">
+                <a:solidFill>
+                  <a:schemeClr val="tx1">
+                    <a:lumMod val="65000"/>
+                    <a:lumOff val="35000"/>
+                  </a:schemeClr>
+                </a:solidFill>
+                <a:ea typeface="思源黑体 CN Heavy" panose="020B0A00000000000000" pitchFamily="34" charset="-122"/>
+              </a:rPr>
+              <a:t>之后</a:t>
             </a:r>
             <a:r>
               <a:rPr lang="en-US" altLang="zh-CN" dirty="0">
@@ -21428,19 +22851,7 @@
                 </a:solidFill>
                 <a:ea typeface="思源黑体 CN Heavy" panose="020B0A00000000000000" pitchFamily="34" charset="-122"/>
               </a:rPr>
-              <a:t> </a:t>
-            </a:r>
-            <a:r>
-              <a:rPr lang="zh-CN" altLang="en-US" dirty="0">
-                <a:solidFill>
-                  <a:schemeClr val="tx1">
-                    <a:lumMod val="65000"/>
-                    <a:lumOff val="35000"/>
-                  </a:schemeClr>
-                </a:solidFill>
-                <a:ea typeface="思源黑体 CN Heavy" panose="020B0A00000000000000" pitchFamily="34" charset="-122"/>
-              </a:rPr>
-              <a:t>就可以了。</a:t>
+              <a:t>;</a:t>
             </a:r>
             <a:endParaRPr lang="en-US" altLang="zh-CN" dirty="0">
               <a:solidFill>
@@ -21470,6 +22881,258 @@
                 </a:solidFill>
                 <a:ea typeface="思源黑体 CN Heavy" panose="020B0A00000000000000" pitchFamily="34" charset="-122"/>
               </a:rPr>
+              <a:t>当</a:t>
+            </a:r>
+            <a:r>
+              <a:rPr lang="en-US" altLang="zh-CN" dirty="0">
+                <a:solidFill>
+                  <a:schemeClr val="tx1">
+                    <a:lumMod val="65000"/>
+                    <a:lumOff val="35000"/>
+                  </a:schemeClr>
+                </a:solidFill>
+                <a:ea typeface="思源黑体 CN Heavy" panose="020B0A00000000000000" pitchFamily="34" charset="-122"/>
+              </a:rPr>
+              <a:t>action</a:t>
+            </a:r>
+            <a:r>
+              <a:rPr lang="zh-CN" altLang="en-US" dirty="0">
+                <a:solidFill>
+                  <a:schemeClr val="tx1">
+                    <a:lumMod val="65000"/>
+                    <a:lumOff val="35000"/>
+                  </a:schemeClr>
+                </a:solidFill>
+                <a:ea typeface="思源黑体 CN Heavy" panose="020B0A00000000000000" pitchFamily="34" charset="-122"/>
+              </a:rPr>
+              <a:t>为</a:t>
+            </a:r>
+            <a:r>
+              <a:rPr lang="en-US" altLang="zh-CN" dirty="0">
+                <a:solidFill>
+                  <a:schemeClr val="tx1">
+                    <a:lumMod val="65000"/>
+                    <a:lumOff val="35000"/>
+                  </a:schemeClr>
+                </a:solidFill>
+                <a:ea typeface="思源黑体 CN Heavy" panose="020B0A00000000000000" pitchFamily="34" charset="-122"/>
+              </a:rPr>
+              <a:t>post</a:t>
+            </a:r>
+            <a:r>
+              <a:rPr lang="zh-CN" altLang="en-US" dirty="0">
+                <a:solidFill>
+                  <a:schemeClr val="tx1">
+                    <a:lumMod val="65000"/>
+                    <a:lumOff val="35000"/>
+                  </a:schemeClr>
+                </a:solidFill>
+                <a:ea typeface="思源黑体 CN Heavy" panose="020B0A00000000000000" pitchFamily="34" charset="-122"/>
+              </a:rPr>
+              <a:t>时候，浏览器把</a:t>
+            </a:r>
+            <a:r>
+              <a:rPr lang="en-US" altLang="zh-CN" dirty="0">
+                <a:solidFill>
+                  <a:schemeClr val="tx1">
+                    <a:lumMod val="65000"/>
+                    <a:lumOff val="35000"/>
+                  </a:schemeClr>
+                </a:solidFill>
+                <a:ea typeface="思源黑体 CN Heavy" panose="020B0A00000000000000" pitchFamily="34" charset="-122"/>
+              </a:rPr>
+              <a:t>form</a:t>
+            </a:r>
+            <a:r>
+              <a:rPr lang="zh-CN" altLang="en-US" dirty="0">
+                <a:solidFill>
+                  <a:schemeClr val="tx1">
+                    <a:lumMod val="65000"/>
+                    <a:lumOff val="35000"/>
+                  </a:schemeClr>
+                </a:solidFill>
+                <a:ea typeface="思源黑体 CN Heavy" panose="020B0A00000000000000" pitchFamily="34" charset="-122"/>
+              </a:rPr>
+              <a:t>数据封装到</a:t>
+            </a:r>
+            <a:r>
+              <a:rPr lang="en-US" altLang="zh-CN" dirty="0">
+                <a:solidFill>
+                  <a:schemeClr val="tx1">
+                    <a:lumMod val="65000"/>
+                    <a:lumOff val="35000"/>
+                  </a:schemeClr>
+                </a:solidFill>
+                <a:ea typeface="思源黑体 CN Heavy" panose="020B0A00000000000000" pitchFamily="34" charset="-122"/>
+              </a:rPr>
+              <a:t>http body</a:t>
+            </a:r>
+            <a:r>
+              <a:rPr lang="zh-CN" altLang="en-US" dirty="0">
+                <a:solidFill>
+                  <a:schemeClr val="tx1">
+                    <a:lumMod val="65000"/>
+                    <a:lumOff val="35000"/>
+                  </a:schemeClr>
+                </a:solidFill>
+                <a:ea typeface="思源黑体 CN Heavy" panose="020B0A00000000000000" pitchFamily="34" charset="-122"/>
+              </a:rPr>
+              <a:t>中，然后发送到</a:t>
+            </a:r>
+            <a:r>
+              <a:rPr lang="en-US" altLang="zh-CN" dirty="0">
+                <a:solidFill>
+                  <a:schemeClr val="tx1">
+                    <a:lumMod val="65000"/>
+                    <a:lumOff val="35000"/>
+                  </a:schemeClr>
+                </a:solidFill>
+                <a:ea typeface="思源黑体 CN Heavy" panose="020B0A00000000000000" pitchFamily="34" charset="-122"/>
+              </a:rPr>
+              <a:t>server</a:t>
+            </a:r>
+            <a:r>
+              <a:rPr lang="zh-CN" altLang="en-US" dirty="0">
+                <a:solidFill>
+                  <a:schemeClr val="tx1">
+                    <a:lumMod val="65000"/>
+                    <a:lumOff val="35000"/>
+                  </a:schemeClr>
+                </a:solidFill>
+                <a:ea typeface="思源黑体 CN Heavy" panose="020B0A00000000000000" pitchFamily="34" charset="-122"/>
+              </a:rPr>
+              <a:t>。</a:t>
+            </a:r>
+            <a:endParaRPr lang="en-US" altLang="zh-CN" dirty="0">
+              <a:solidFill>
+                <a:schemeClr val="tx1">
+                  <a:lumMod val="65000"/>
+                  <a:lumOff val="35000"/>
+                </a:schemeClr>
+              </a:solidFill>
+              <a:ea typeface="思源黑体 CN Heavy" panose="020B0A00000000000000" pitchFamily="34" charset="-122"/>
+            </a:endParaRPr>
+          </a:p>
+          <a:p>
+            <a:pPr lvl="2" indent="-285750">
+              <a:buClr>
+                <a:srgbClr val="C00000"/>
+              </a:buClr>
+              <a:buFontTx/>
+              <a:buChar char="-"/>
+            </a:pPr>
+            <a:r>
+              <a:rPr lang="zh-CN" altLang="en-US" dirty="0">
+                <a:solidFill>
+                  <a:schemeClr val="tx1">
+                    <a:lumMod val="65000"/>
+                    <a:lumOff val="35000"/>
+                  </a:schemeClr>
+                </a:solidFill>
+                <a:ea typeface="思源黑体 CN Heavy" panose="020B0A00000000000000" pitchFamily="34" charset="-122"/>
+              </a:rPr>
+              <a:t>如果没有 </a:t>
+            </a:r>
+            <a:r>
+              <a:rPr lang="en-US" altLang="zh-CN" dirty="0">
+                <a:solidFill>
+                  <a:schemeClr val="tx1">
+                    <a:lumMod val="65000"/>
+                    <a:lumOff val="35000"/>
+                  </a:schemeClr>
+                </a:solidFill>
+                <a:ea typeface="思源黑体 CN Heavy" panose="020B0A00000000000000" pitchFamily="34" charset="-122"/>
+              </a:rPr>
+              <a:t>type=file </a:t>
+            </a:r>
+            <a:r>
+              <a:rPr lang="zh-CN" altLang="en-US" dirty="0">
+                <a:solidFill>
+                  <a:schemeClr val="tx1">
+                    <a:lumMod val="65000"/>
+                    <a:lumOff val="35000"/>
+                  </a:schemeClr>
+                </a:solidFill>
+                <a:ea typeface="思源黑体 CN Heavy" panose="020B0A00000000000000" pitchFamily="34" charset="-122"/>
+              </a:rPr>
+              <a:t>的控件，用默认的 </a:t>
+            </a:r>
+            <a:r>
+              <a:rPr lang="en-US" altLang="zh-CN" dirty="0">
+                <a:solidFill>
+                  <a:schemeClr val="tx1">
+                    <a:lumMod val="65000"/>
+                    <a:lumOff val="35000"/>
+                  </a:schemeClr>
+                </a:solidFill>
+                <a:ea typeface="思源黑体 CN Heavy" panose="020B0A00000000000000" pitchFamily="34" charset="-122"/>
+              </a:rPr>
+              <a:t>application/x-www-form-</a:t>
+            </a:r>
+            <a:r>
+              <a:rPr lang="en-US" altLang="zh-CN" dirty="0" err="1">
+                <a:solidFill>
+                  <a:schemeClr val="tx1">
+                    <a:lumMod val="65000"/>
+                    <a:lumOff val="35000"/>
+                  </a:schemeClr>
+                </a:solidFill>
+                <a:ea typeface="思源黑体 CN Heavy" panose="020B0A00000000000000" pitchFamily="34" charset="-122"/>
+              </a:rPr>
+              <a:t>urlencoded</a:t>
+            </a:r>
+            <a:r>
+              <a:rPr lang="en-US" altLang="zh-CN" dirty="0">
+                <a:solidFill>
+                  <a:schemeClr val="tx1">
+                    <a:lumMod val="65000"/>
+                    <a:lumOff val="35000"/>
+                  </a:schemeClr>
+                </a:solidFill>
+                <a:ea typeface="思源黑体 CN Heavy" panose="020B0A00000000000000" pitchFamily="34" charset="-122"/>
+              </a:rPr>
+              <a:t> </a:t>
+            </a:r>
+            <a:r>
+              <a:rPr lang="zh-CN" altLang="en-US" dirty="0">
+                <a:solidFill>
+                  <a:schemeClr val="tx1">
+                    <a:lumMod val="65000"/>
+                    <a:lumOff val="35000"/>
+                  </a:schemeClr>
+                </a:solidFill>
+                <a:ea typeface="思源黑体 CN Heavy" panose="020B0A00000000000000" pitchFamily="34" charset="-122"/>
+              </a:rPr>
+              <a:t>就可以了。</a:t>
+            </a:r>
+            <a:endParaRPr lang="en-US" altLang="zh-CN" dirty="0">
+              <a:solidFill>
+                <a:schemeClr val="tx1">
+                  <a:lumMod val="65000"/>
+                  <a:lumOff val="35000"/>
+                </a:schemeClr>
+              </a:solidFill>
+              <a:ea typeface="思源黑体 CN Heavy" panose="020B0A00000000000000" pitchFamily="34" charset="-122"/>
+            </a:endParaRPr>
+          </a:p>
+          <a:p>
+            <a:pPr lvl="2" indent="-285750">
+              <a:buClr>
+                <a:srgbClr val="C00000"/>
+              </a:buClr>
+              <a:buFontTx/>
+              <a:buChar char="-"/>
+            </a:pPr>
+            <a:r>
+              <a:rPr lang="zh-CN" altLang="en-US" dirty="0">
+                <a:solidFill>
+                  <a:schemeClr val="tx1">
+                    <a:lumMod val="65000"/>
+                    <a:lumOff val="35000"/>
+                  </a:schemeClr>
+                </a:solidFill>
+                <a:ea typeface="思源黑体 CN Heavy" panose="020B0A00000000000000" pitchFamily="34" charset="-122"/>
+              </a:rPr>
               <a:t>如果有 </a:t>
             </a:r>
             <a:r>
@@ -21544,26 +23207,30 @@
               </a:rPr>
               <a:t>然后发送数据</a:t>
             </a:r>
+            <a:endParaRPr lang="zh-CN" altLang="en-US" dirty="0">
+              <a:solidFill>
+                <a:schemeClr val="tx1">
+                  <a:lumMod val="65000"/>
+                  <a:lumOff val="35000"/>
+                </a:schemeClr>
+              </a:solidFill>
+              <a:ea typeface="思源黑体 CN Heavy" panose="020B0A00000000000000" pitchFamily="34" charset="-122"/>
+            </a:endParaRPr>
           </a:p>
         </p:txBody>
       </p:sp>
     </p:spTree>
-    <p:extLst>
-      <p:ext uri="{BB962C8B-B14F-4D97-AF65-F5344CB8AC3E}">
-        <p14:creationId xmlns:p14="http://schemas.microsoft.com/office/powerpoint/2010/main" val="786419937"/>
-      </p:ext>
-    </p:extLst>
   </p:cSld>
   <p:clrMapOvr>
     <a:masterClrMapping/>
   </p:clrMapOvr>
-  <mc:AlternateContent xmlns:mc="http://schemas.openxmlformats.org/markup-compatibility/2006" xmlns:p14="http://schemas.microsoft.com/office/powerpoint/2010/main">
-    <mc:Choice Requires="p14">
+  <mc:AlternateContent xmlns:mc="http://schemas.openxmlformats.org/markup-compatibility/2006">
+    <mc:Choice xmlns:p14="http://schemas.microsoft.com/office/powerpoint/2010/main" Requires="p14">
       <p:transition spd="slow" p14:dur="1600">
         <p:blinds dir="vert"/>
       </p:transition>
     </mc:Choice>
-    <mc:Fallback xmlns="">
+    <mc:Fallback>
       <p:transition spd="slow">
         <p:blinds dir="vert"/>
       </p:transition>
@@ -21897,7 +23564,7 @@
           <p:nvPr/>
         </p:nvPicPr>
         <p:blipFill>
-          <a:blip r:embed="rId3">
+          <a:blip r:embed="rId1">
             <a:extLst>
               <a:ext uri="{28A0092B-C50C-407E-A947-70E740481C1C}">
                 <a14:useLocalDpi xmlns:a14="http://schemas.microsoft.com/office/drawing/2010/main" val="0"/>
@@ -21925,7 +23592,7 @@
           <p:cNvSpPr txBox="1"/>
           <p:nvPr>
             <p:custDataLst>
-              <p:tags r:id="rId1"/>
+              <p:tags r:id="rId2"/>
             </p:custDataLst>
           </p:nvPr>
         </p:nvSpPr>
@@ -22213,6 +23880,13 @@
               </a:rPr>
               <a:t>工作分析</a:t>
             </a:r>
+            <a:endParaRPr lang="zh-CN" altLang="en-US" sz="4400" b="1" dirty="0">
+              <a:solidFill>
+                <a:srgbClr val="F0D58B"/>
+              </a:solidFill>
+              <a:latin typeface="思源黑体 CN Heavy" panose="020B0A00000000000000" pitchFamily="34" charset="-122"/>
+              <a:ea typeface="思源黑体 CN Heavy" panose="020B0A00000000000000" pitchFamily="34" charset="-122"/>
+            </a:endParaRPr>
           </a:p>
         </p:txBody>
       </p:sp>
@@ -22224,8 +23898,8 @@
   <p:transition spd="slow">
     <p:comb/>
   </p:transition>
-  <mc:AlternateContent xmlns:mc="http://schemas.openxmlformats.org/markup-compatibility/2006" xmlns:p14="http://schemas.microsoft.com/office/powerpoint/2010/main">
-    <mc:Choice Requires="p14">
+  <mc:AlternateContent xmlns:mc="http://schemas.openxmlformats.org/markup-compatibility/2006">
+    <mc:Choice xmlns:p14="http://schemas.microsoft.com/office/powerpoint/2010/main" Requires="p14">
       <p:timing>
         <p:tnLst>
           <p:par>
@@ -22535,7 +24209,7 @@
         </p:bldLst>
       </p:timing>
     </mc:Choice>
-    <mc:Fallback xmlns="">
+    <mc:Fallback>
       <p:timing>
         <p:tnLst>
           <p:par>
@@ -22897,6 +24571,12 @@
               </a:rPr>
               <a:t>工作分析</a:t>
             </a:r>
+            <a:endParaRPr lang="zh-CN" altLang="en-US" sz="2800" b="1" dirty="0">
+              <a:solidFill>
+                <a:schemeClr val="bg1"/>
+              </a:solidFill>
+              <a:ea typeface="思源黑体 CN Heavy" panose="020B0A00000000000000" pitchFamily="34" charset="-122"/>
+            </a:endParaRPr>
           </a:p>
         </p:txBody>
       </p:sp>
@@ -23471,13 +25151,13 @@
   <p:clrMapOvr>
     <a:masterClrMapping/>
   </p:clrMapOvr>
-  <mc:AlternateContent xmlns:mc="http://schemas.openxmlformats.org/markup-compatibility/2006" xmlns:p14="http://schemas.microsoft.com/office/powerpoint/2010/main">
-    <mc:Choice Requires="p14">
+  <mc:AlternateContent xmlns:mc="http://schemas.openxmlformats.org/markup-compatibility/2006">
+    <mc:Choice xmlns:p14="http://schemas.microsoft.com/office/powerpoint/2010/main" Requires="p14">
       <p:transition spd="slow" p14:dur="1600">
         <p:blinds dir="vert"/>
       </p:transition>
     </mc:Choice>
-    <mc:Fallback xmlns="">
+    <mc:Fallback>
       <p:transition spd="slow">
         <p:blinds dir="vert"/>
       </p:transition>
@@ -23743,7 +25423,7 @@
           <p:nvPr/>
         </p:nvPicPr>
         <p:blipFill>
-          <a:blip r:embed="rId3">
+          <a:blip r:embed="rId1">
             <a:extLst>
               <a:ext uri="{28A0092B-C50C-407E-A947-70E740481C1C}">
                 <a14:useLocalDpi xmlns:a14="http://schemas.microsoft.com/office/drawing/2010/main" val="0"/>
@@ -23771,7 +25451,7 @@
           <p:cNvSpPr txBox="1"/>
           <p:nvPr>
             <p:custDataLst>
-              <p:tags r:id="rId1"/>
+              <p:tags r:id="rId2"/>
             </p:custDataLst>
           </p:nvPr>
         </p:nvSpPr>
@@ -24059,6 +25739,13 @@
               </a:rPr>
               <a:t>解决方案</a:t>
             </a:r>
+            <a:endParaRPr lang="zh-CN" altLang="en-US" sz="4400" b="1" dirty="0">
+              <a:solidFill>
+                <a:srgbClr val="F0D58B"/>
+              </a:solidFill>
+              <a:latin typeface="思源黑体 CN Heavy" panose="020B0A00000000000000" pitchFamily="34" charset="-122"/>
+              <a:ea typeface="思源黑体 CN Heavy" panose="020B0A00000000000000" pitchFamily="34" charset="-122"/>
+            </a:endParaRPr>
           </a:p>
         </p:txBody>
       </p:sp>
@@ -24070,8 +25757,8 @@
   <p:transition spd="slow">
     <p:comb/>
   </p:transition>
-  <mc:AlternateContent xmlns:mc="http://schemas.openxmlformats.org/markup-compatibility/2006" xmlns:p14="http://schemas.microsoft.com/office/powerpoint/2010/main">
-    <mc:Choice Requires="p14">
+  <mc:AlternateContent xmlns:mc="http://schemas.openxmlformats.org/markup-compatibility/2006">
+    <mc:Choice xmlns:p14="http://schemas.microsoft.com/office/powerpoint/2010/main" Requires="p14">
       <p:timing>
         <p:tnLst>
           <p:par>
@@ -24381,7 +26068,7 @@
         </p:bldLst>
       </p:timing>
     </mc:Choice>
-    <mc:Fallback xmlns="">
+    <mc:Fallback>
       <p:timing>
         <p:tnLst>
           <p:par>
@@ -24743,6 +26430,12 @@
               </a:rPr>
               <a:t>解决方案</a:t>
             </a:r>
+            <a:endParaRPr lang="zh-CN" altLang="en-US" sz="2800" b="1" dirty="0">
+              <a:solidFill>
+                <a:schemeClr val="bg1"/>
+              </a:solidFill>
+              <a:ea typeface="思源黑体 CN Heavy" panose="020B0A00000000000000" pitchFamily="34" charset="-122"/>
+            </a:endParaRPr>
           </a:p>
         </p:txBody>
       </p:sp>
@@ -25353,13 +27046,13 @@
   <p:clrMapOvr>
     <a:masterClrMapping/>
   </p:clrMapOvr>
-  <mc:AlternateContent xmlns:mc="http://schemas.openxmlformats.org/markup-compatibility/2006" xmlns:p14="http://schemas.microsoft.com/office/powerpoint/2010/main">
-    <mc:Choice Requires="p14">
+  <mc:AlternateContent xmlns:mc="http://schemas.openxmlformats.org/markup-compatibility/2006">
+    <mc:Choice xmlns:p14="http://schemas.microsoft.com/office/powerpoint/2010/main" Requires="p14">
       <p:transition spd="slow" p14:dur="1600">
         <p:blinds dir="vert"/>
       </p:transition>
     </mc:Choice>
-    <mc:Fallback xmlns="">
+    <mc:Fallback>
       <p:transition spd="slow">
         <p:blinds dir="vert"/>
       </p:transition>
@@ -25620,7 +27313,7 @@
           <p:nvPr/>
         </p:nvPicPr>
         <p:blipFill>
-          <a:blip r:embed="rId3">
+          <a:blip r:embed="rId1">
             <a:extLst>
               <a:ext uri="{28A0092B-C50C-407E-A947-70E740481C1C}">
                 <a14:useLocalDpi xmlns:a14="http://schemas.microsoft.com/office/drawing/2010/main" val="0"/>
@@ -25648,7 +27341,7 @@
           <p:cNvSpPr txBox="1"/>
           <p:nvPr>
             <p:custDataLst>
-              <p:tags r:id="rId1"/>
+              <p:tags r:id="rId2"/>
             </p:custDataLst>
           </p:nvPr>
         </p:nvSpPr>
@@ -25936,6 +27629,13 @@
               </a:rPr>
               <a:t>个人总结</a:t>
             </a:r>
+            <a:endParaRPr lang="zh-CN" altLang="en-US" sz="4400" b="1" dirty="0">
+              <a:solidFill>
+                <a:srgbClr val="F0D58B"/>
+              </a:solidFill>
+              <a:latin typeface="思源黑体 CN Heavy" panose="020B0A00000000000000" pitchFamily="34" charset="-122"/>
+              <a:ea typeface="思源黑体 CN Heavy" panose="020B0A00000000000000" pitchFamily="34" charset="-122"/>
+            </a:endParaRPr>
           </a:p>
         </p:txBody>
       </p:sp>
@@ -25947,8 +27647,8 @@
   <p:transition spd="slow">
     <p:comb/>
   </p:transition>
-  <mc:AlternateContent xmlns:mc="http://schemas.openxmlformats.org/markup-compatibility/2006" xmlns:p14="http://schemas.microsoft.com/office/powerpoint/2010/main">
-    <mc:Choice Requires="p14">
+  <mc:AlternateContent xmlns:mc="http://schemas.openxmlformats.org/markup-compatibility/2006">
+    <mc:Choice xmlns:p14="http://schemas.microsoft.com/office/powerpoint/2010/main" Requires="p14">
       <p:timing>
         <p:tnLst>
           <p:par>
@@ -26258,7 +27958,7 @@
         </p:bldLst>
       </p:timing>
     </mc:Choice>
-    <mc:Fallback xmlns="">
+    <mc:Fallback>
       <p:timing>
         <p:tnLst>
           <p:par>
@@ -26620,6 +28320,12 @@
               </a:rPr>
               <a:t>个人总结</a:t>
             </a:r>
+            <a:endParaRPr lang="zh-CN" altLang="en-US" sz="2800" b="1" dirty="0">
+              <a:solidFill>
+                <a:schemeClr val="bg1"/>
+              </a:solidFill>
+              <a:ea typeface="思源黑体 CN Heavy" panose="020B0A00000000000000" pitchFamily="34" charset="-122"/>
+            </a:endParaRPr>
           </a:p>
         </p:txBody>
       </p:sp>
@@ -27073,6 +28779,15 @@
               </a:rPr>
               <a:t>个人感觉自己比较喜欢挑战,希望能在- -个大的平台或者团队里面进行工作和学习</a:t>
             </a:r>
+            <a:endParaRPr dirty="0">
+              <a:solidFill>
+                <a:schemeClr val="tx1">
+                  <a:lumMod val="65000"/>
+                  <a:lumOff val="35000"/>
+                </a:schemeClr>
+              </a:solidFill>
+              <a:ea typeface="思源黑体 CN Heavy" panose="020B0A00000000000000" pitchFamily="34" charset="-122"/>
+            </a:endParaRPr>
           </a:p>
           <a:p>
             <a:pPr marL="0" indent="0">
@@ -27373,13 +29088,13 @@
   <p:clrMapOvr>
     <a:masterClrMapping/>
   </p:clrMapOvr>
-  <mc:AlternateContent xmlns:mc="http://schemas.openxmlformats.org/markup-compatibility/2006" xmlns:p14="http://schemas.microsoft.com/office/powerpoint/2010/main">
-    <mc:Choice Requires="p14">
+  <mc:AlternateContent xmlns:mc="http://schemas.openxmlformats.org/markup-compatibility/2006">
+    <mc:Choice xmlns:p14="http://schemas.microsoft.com/office/powerpoint/2010/main" Requires="p14">
       <p:transition spd="slow" p14:dur="1600">
         <p:blinds dir="vert"/>
       </p:transition>
     </mc:Choice>
-    <mc:Fallback xmlns="">
+    <mc:Fallback>
       <p:transition spd="slow">
         <p:blinds dir="vert"/>
       </p:transition>
@@ -27640,7 +29355,7 @@
           <p:nvPr/>
         </p:nvPicPr>
         <p:blipFill>
-          <a:blip r:embed="rId3">
+          <a:blip r:embed="rId1">
             <a:extLst>
               <a:ext uri="{28A0092B-C50C-407E-A947-70E740481C1C}">
                 <a14:useLocalDpi xmlns:a14="http://schemas.microsoft.com/office/drawing/2010/main" val="0"/>
@@ -27668,7 +29383,7 @@
           <p:cNvSpPr txBox="1"/>
           <p:nvPr>
             <p:custDataLst>
-              <p:tags r:id="rId1"/>
+              <p:tags r:id="rId2"/>
             </p:custDataLst>
           </p:nvPr>
         </p:nvSpPr>
@@ -27956,6 +29671,13 @@
               </a:rPr>
               <a:t>工作计划</a:t>
             </a:r>
+            <a:endParaRPr lang="zh-CN" altLang="en-US" sz="4400" b="1" dirty="0">
+              <a:solidFill>
+                <a:srgbClr val="F0D58B"/>
+              </a:solidFill>
+              <a:latin typeface="思源黑体 CN Heavy" panose="020B0A00000000000000" pitchFamily="34" charset="-122"/>
+              <a:ea typeface="思源黑体 CN Heavy" panose="020B0A00000000000000" pitchFamily="34" charset="-122"/>
+            </a:endParaRPr>
           </a:p>
         </p:txBody>
       </p:sp>
@@ -27967,8 +29689,8 @@
   <p:transition spd="slow">
     <p:comb/>
   </p:transition>
-  <mc:AlternateContent xmlns:mc="http://schemas.openxmlformats.org/markup-compatibility/2006" xmlns:p14="http://schemas.microsoft.com/office/powerpoint/2010/main">
-    <mc:Choice Requires="p14">
+  <mc:AlternateContent xmlns:mc="http://schemas.openxmlformats.org/markup-compatibility/2006">
+    <mc:Choice xmlns:p14="http://schemas.microsoft.com/office/powerpoint/2010/main" Requires="p14">
       <p:timing>
         <p:tnLst>
           <p:par>
@@ -28278,7 +30000,7 @@
         </p:bldLst>
       </p:timing>
     </mc:Choice>
-    <mc:Fallback xmlns="">
+    <mc:Fallback>
       <p:timing>
         <p:tnLst>
           <p:par>
@@ -28640,6 +30362,12 @@
               </a:rPr>
               <a:t>工作计划</a:t>
             </a:r>
+            <a:endParaRPr lang="zh-CN" altLang="en-US" sz="2800" b="1" dirty="0">
+              <a:solidFill>
+                <a:schemeClr val="bg1"/>
+              </a:solidFill>
+              <a:ea typeface="思源黑体 CN Heavy" panose="020B0A00000000000000" pitchFamily="34" charset="-122"/>
+            </a:endParaRPr>
           </a:p>
         </p:txBody>
       </p:sp>
@@ -29274,13 +31002,13 @@
   <p:clrMapOvr>
     <a:masterClrMapping/>
   </p:clrMapOvr>
-  <mc:AlternateContent xmlns:mc="http://schemas.openxmlformats.org/markup-compatibility/2006" xmlns:p14="http://schemas.microsoft.com/office/powerpoint/2010/main">
-    <mc:Choice Requires="p14">
+  <mc:AlternateContent xmlns:mc="http://schemas.openxmlformats.org/markup-compatibility/2006">
+    <mc:Choice xmlns:p14="http://schemas.microsoft.com/office/powerpoint/2010/main" Requires="p14">
       <p:transition spd="slow" p14:dur="1600">
         <p:blinds dir="vert"/>
       </p:transition>
     </mc:Choice>
-    <mc:Fallback xmlns="">
+    <mc:Fallback>
       <p:transition spd="slow">
         <p:blinds dir="vert"/>
       </p:transition>
@@ -29704,6 +31432,22 @@
               </a:rPr>
               <a:t>CONTENTS</a:t>
             </a:r>
+            <a:endParaRPr lang="en-US" altLang="zh-CN" sz="8000" b="1" dirty="0">
+              <a:gradFill>
+                <a:gsLst>
+                  <a:gs pos="0">
+                    <a:srgbClr val="F0D58B"/>
+                  </a:gs>
+                  <a:gs pos="100000">
+                    <a:srgbClr val="D9B44F"/>
+                  </a:gs>
+                </a:gsLst>
+                <a:path path="circle"/>
+              </a:gradFill>
+              <a:latin typeface="Arial" panose="020B0604020202020204" pitchFamily="34" charset="0"/>
+              <a:ea typeface="+mj-ea"/>
+              <a:cs typeface="Arial" panose="020B0604020202020204" pitchFamily="34" charset="0"/>
+            </a:endParaRPr>
           </a:p>
         </p:txBody>
       </p:sp>
@@ -29784,6 +31528,30 @@
                   </a:rPr>
                   <a:t>自我介绍</a:t>
                 </a:r>
+                <a:endParaRPr lang="zh-CN" altLang="en-US" sz="2000" b="1" dirty="0">
+                  <a:gradFill>
+                    <a:gsLst>
+                      <a:gs pos="0">
+                        <a:srgbClr val="F0D58B"/>
+                      </a:gs>
+                      <a:gs pos="100000">
+                        <a:srgbClr val="D9B44F"/>
+                      </a:gs>
+                    </a:gsLst>
+                    <a:path path="circle">
+                      <a:fillToRect l="50000" t="-80000" r="50000" b="180000"/>
+                    </a:path>
+                  </a:gradFill>
+                  <a:effectLst>
+                    <a:outerShdw blurRad="38100" dist="38100" dir="2700000" algn="tl">
+                      <a:srgbClr val="000000">
+                        <a:alpha val="30000"/>
+                      </a:srgbClr>
+                    </a:outerShdw>
+                  </a:effectLst>
+                  <a:latin typeface="思源黑体 CN Heavy" panose="020B0A00000000000000" pitchFamily="34" charset="-122"/>
+                  <a:ea typeface="思源黑体 CN Heavy" panose="020B0A00000000000000" pitchFamily="34" charset="-122"/>
+                </a:endParaRPr>
               </a:p>
             </p:txBody>
           </p:sp>
@@ -29876,7 +31644,7 @@
             <p:nvPr/>
           </p:nvPicPr>
           <p:blipFill>
-            <a:blip r:embed="rId4"/>
+            <a:blip r:embed="rId2"/>
             <a:stretch>
               <a:fillRect/>
             </a:stretch>
@@ -29969,6 +31737,30 @@
                   </a:rPr>
                   <a:t>工作总结</a:t>
                 </a:r>
+                <a:endParaRPr lang="zh-CN" altLang="en-US" sz="2000" b="1" dirty="0">
+                  <a:gradFill>
+                    <a:gsLst>
+                      <a:gs pos="0">
+                        <a:srgbClr val="F0D58B"/>
+                      </a:gs>
+                      <a:gs pos="100000">
+                        <a:srgbClr val="D9B44F"/>
+                      </a:gs>
+                    </a:gsLst>
+                    <a:path path="circle">
+                      <a:fillToRect l="50000" t="-80000" r="50000" b="180000"/>
+                    </a:path>
+                  </a:gradFill>
+                  <a:effectLst>
+                    <a:outerShdw blurRad="38100" dist="38100" dir="2700000" algn="tl">
+                      <a:srgbClr val="000000">
+                        <a:alpha val="30000"/>
+                      </a:srgbClr>
+                    </a:outerShdw>
+                  </a:effectLst>
+                  <a:latin typeface="思源黑体 CN Heavy" panose="020B0A00000000000000" pitchFamily="34" charset="-122"/>
+                  <a:ea typeface="思源黑体 CN Heavy" panose="020B0A00000000000000" pitchFamily="34" charset="-122"/>
+                </a:endParaRPr>
               </a:p>
             </p:txBody>
           </p:sp>
@@ -30061,7 +31853,7 @@
             <p:nvPr/>
           </p:nvPicPr>
           <p:blipFill>
-            <a:blip r:embed="rId4"/>
+            <a:blip r:embed="rId2"/>
             <a:stretch>
               <a:fillRect/>
             </a:stretch>
@@ -30154,6 +31946,30 @@
                   </a:rPr>
                   <a:t>工作分析</a:t>
                 </a:r>
+                <a:endParaRPr lang="zh-CN" altLang="en-US" sz="2000" b="1" dirty="0">
+                  <a:gradFill>
+                    <a:gsLst>
+                      <a:gs pos="0">
+                        <a:srgbClr val="F0D58B"/>
+                      </a:gs>
+                      <a:gs pos="100000">
+                        <a:srgbClr val="D9B44F"/>
+                      </a:gs>
+                    </a:gsLst>
+                    <a:path path="circle">
+                      <a:fillToRect l="50000" t="-80000" r="50000" b="180000"/>
+                    </a:path>
+                  </a:gradFill>
+                  <a:effectLst>
+                    <a:outerShdw blurRad="38100" dist="38100" dir="2700000" algn="tl">
+                      <a:srgbClr val="000000">
+                        <a:alpha val="30000"/>
+                      </a:srgbClr>
+                    </a:outerShdw>
+                  </a:effectLst>
+                  <a:latin typeface="思源黑体 CN Heavy" panose="020B0A00000000000000" pitchFamily="34" charset="-122"/>
+                  <a:ea typeface="思源黑体 CN Heavy" panose="020B0A00000000000000" pitchFamily="34" charset="-122"/>
+                </a:endParaRPr>
               </a:p>
             </p:txBody>
           </p:sp>
@@ -30246,7 +32062,7 @@
             <p:nvPr/>
           </p:nvPicPr>
           <p:blipFill>
-            <a:blip r:embed="rId4"/>
+            <a:blip r:embed="rId2"/>
             <a:stretch>
               <a:fillRect/>
             </a:stretch>
@@ -30426,6 +32242,30 @@
                   </a:rPr>
                   <a:t>解决方案</a:t>
                 </a:r>
+                <a:endParaRPr lang="zh-CN" altLang="en-US" sz="2000" b="1" dirty="0">
+                  <a:gradFill>
+                    <a:gsLst>
+                      <a:gs pos="0">
+                        <a:srgbClr val="F0D58B"/>
+                      </a:gs>
+                      <a:gs pos="100000">
+                        <a:srgbClr val="D9B44F"/>
+                      </a:gs>
+                    </a:gsLst>
+                    <a:path path="circle">
+                      <a:fillToRect l="50000" t="-80000" r="50000" b="180000"/>
+                    </a:path>
+                  </a:gradFill>
+                  <a:effectLst>
+                    <a:outerShdw blurRad="38100" dist="38100" dir="2700000" algn="tl">
+                      <a:srgbClr val="000000">
+                        <a:alpha val="30000"/>
+                      </a:srgbClr>
+                    </a:outerShdw>
+                  </a:effectLst>
+                  <a:latin typeface="思源黑体 CN Heavy" panose="020B0A00000000000000" pitchFamily="34" charset="-122"/>
+                  <a:ea typeface="思源黑体 CN Heavy" panose="020B0A00000000000000" pitchFamily="34" charset="-122"/>
+                </a:endParaRPr>
               </a:p>
             </p:txBody>
           </p:sp>
@@ -30480,6 +32320,31 @@
                   </a:rPr>
                   <a:t>4</a:t>
                 </a:r>
+                <a:endParaRPr lang="en-US" altLang="zh-CN" sz="2800" dirty="0">
+                  <a:gradFill>
+                    <a:gsLst>
+                      <a:gs pos="0">
+                        <a:srgbClr val="F0D58B"/>
+                      </a:gs>
+                      <a:gs pos="100000">
+                        <a:srgbClr val="D9B44F"/>
+                      </a:gs>
+                    </a:gsLst>
+                    <a:path path="circle">
+                      <a:fillToRect l="50000" t="-80000" r="50000" b="180000"/>
+                    </a:path>
+                  </a:gradFill>
+                  <a:effectLst>
+                    <a:outerShdw blurRad="38100" dist="38100" dir="2700000" algn="tl">
+                      <a:srgbClr val="000000">
+                        <a:alpha val="30000"/>
+                      </a:srgbClr>
+                    </a:outerShdw>
+                  </a:effectLst>
+                  <a:latin typeface="Arial" panose="020B0604020202020204" pitchFamily="34" charset="0"/>
+                  <a:ea typeface="思源黑体 CN Medium" panose="020B0600000000000000" pitchFamily="34" charset="-122"/>
+                  <a:cs typeface="Arial" panose="020B0604020202020204" pitchFamily="34" charset="0"/>
+                </a:endParaRPr>
               </a:p>
             </p:txBody>
           </p:sp>
@@ -30493,7 +32358,7 @@
             <p:nvPr/>
           </p:nvPicPr>
           <p:blipFill>
-            <a:blip r:embed="rId4"/>
+            <a:blip r:embed="rId2"/>
             <a:stretch>
               <a:fillRect/>
             </a:stretch>
@@ -30586,6 +32451,30 @@
                   </a:rPr>
                   <a:t>个人总结</a:t>
                 </a:r>
+                <a:endParaRPr lang="zh-CN" altLang="en-US" sz="2000" b="1" dirty="0">
+                  <a:gradFill>
+                    <a:gsLst>
+                      <a:gs pos="0">
+                        <a:srgbClr val="F0D58B"/>
+                      </a:gs>
+                      <a:gs pos="100000">
+                        <a:srgbClr val="D9B44F"/>
+                      </a:gs>
+                    </a:gsLst>
+                    <a:path path="circle">
+                      <a:fillToRect l="50000" t="-80000" r="50000" b="180000"/>
+                    </a:path>
+                  </a:gradFill>
+                  <a:effectLst>
+                    <a:outerShdw blurRad="38100" dist="38100" dir="2700000" algn="tl">
+                      <a:srgbClr val="000000">
+                        <a:alpha val="30000"/>
+                      </a:srgbClr>
+                    </a:outerShdw>
+                  </a:effectLst>
+                  <a:latin typeface="思源黑体 CN Heavy" panose="020B0A00000000000000" pitchFamily="34" charset="-122"/>
+                  <a:ea typeface="思源黑体 CN Heavy" panose="020B0A00000000000000" pitchFamily="34" charset="-122"/>
+                </a:endParaRPr>
               </a:p>
             </p:txBody>
           </p:sp>
@@ -30678,7 +32567,7 @@
             <p:nvPr/>
           </p:nvPicPr>
           <p:blipFill>
-            <a:blip r:embed="rId4"/>
+            <a:blip r:embed="rId2"/>
             <a:stretch>
               <a:fillRect/>
             </a:stretch>
@@ -30771,6 +32660,30 @@
                   </a:rPr>
                   <a:t>工作计划</a:t>
                 </a:r>
+                <a:endParaRPr lang="zh-CN" altLang="en-US" sz="2000" b="1" dirty="0">
+                  <a:gradFill>
+                    <a:gsLst>
+                      <a:gs pos="0">
+                        <a:srgbClr val="F0D58B"/>
+                      </a:gs>
+                      <a:gs pos="100000">
+                        <a:srgbClr val="D9B44F"/>
+                      </a:gs>
+                    </a:gsLst>
+                    <a:path path="circle">
+                      <a:fillToRect l="50000" t="-80000" r="50000" b="180000"/>
+                    </a:path>
+                  </a:gradFill>
+                  <a:effectLst>
+                    <a:outerShdw blurRad="38100" dist="38100" dir="2700000" algn="tl">
+                      <a:srgbClr val="000000">
+                        <a:alpha val="30000"/>
+                      </a:srgbClr>
+                    </a:outerShdw>
+                  </a:effectLst>
+                  <a:latin typeface="思源黑体 CN Heavy" panose="020B0A00000000000000" pitchFamily="34" charset="-122"/>
+                  <a:ea typeface="思源黑体 CN Heavy" panose="020B0A00000000000000" pitchFamily="34" charset="-122"/>
+                </a:endParaRPr>
               </a:p>
             </p:txBody>
           </p:sp>
@@ -30863,7 +32776,7 @@
             <p:nvPr/>
           </p:nvPicPr>
           <p:blipFill>
-            <a:blip r:embed="rId4"/>
+            <a:blip r:embed="rId2"/>
             <a:stretch>
               <a:fillRect/>
             </a:stretch>
@@ -30884,13 +32797,13 @@
   <p:clrMapOvr>
     <a:masterClrMapping/>
   </p:clrMapOvr>
-  <mc:AlternateContent xmlns:mc="http://schemas.openxmlformats.org/markup-compatibility/2006" xmlns:p15="http://schemas.microsoft.com/office/powerpoint/2012/main">
-    <mc:Choice Requires="p15">
-      <p:transition xmlns:p14="http://schemas.microsoft.com/office/powerpoint/2010/main" spd="slow" p14:dur="1250">
+  <mc:AlternateContent xmlns:mc="http://schemas.openxmlformats.org/markup-compatibility/2006">
+    <mc:Choice xmlns:p15="http://schemas.microsoft.com/office/powerpoint/2012/main" Requires="p15">
+      <p:transition xmlns:p14="http://schemas.microsoft.com/office/powerpoint/2010/main" spd="slow" Requires="p14" p14:dur="1250">
         <p15:prstTrans prst="airplane"/>
       </p:transition>
     </mc:Choice>
-    <mc:Fallback xmlns="">
+    <mc:Fallback>
       <p:transition spd="slow">
         <p:fade/>
       </p:transition>
@@ -31852,6 +33765,13 @@
               </a:rPr>
               <a:t>自我介绍</a:t>
             </a:r>
+            <a:endParaRPr lang="zh-CN" altLang="en-US" sz="4400" b="1" dirty="0">
+              <a:solidFill>
+                <a:srgbClr val="F0D58B"/>
+              </a:solidFill>
+              <a:latin typeface="思源黑体 CN Heavy" panose="020B0A00000000000000" pitchFamily="34" charset="-122"/>
+              <a:ea typeface="思源黑体 CN Heavy" panose="020B0A00000000000000" pitchFamily="34" charset="-122"/>
+            </a:endParaRPr>
           </a:p>
         </p:txBody>
       </p:sp>
@@ -31864,7 +33784,7 @@
           <p:nvPr/>
         </p:nvPicPr>
         <p:blipFill>
-          <a:blip r:embed="rId3">
+          <a:blip r:embed="rId2">
             <a:extLst>
               <a:ext uri="{28A0092B-C50C-407E-A947-70E740481C1C}">
                 <a14:useLocalDpi xmlns:a14="http://schemas.microsoft.com/office/drawing/2010/main" val="0"/>
@@ -31893,8 +33813,8 @@
   <p:transition spd="slow">
     <p:comb/>
   </p:transition>
-  <mc:AlternateContent xmlns:mc="http://schemas.openxmlformats.org/markup-compatibility/2006" xmlns:p14="http://schemas.microsoft.com/office/powerpoint/2010/main">
-    <mc:Choice Requires="p14">
+  <mc:AlternateContent xmlns:mc="http://schemas.openxmlformats.org/markup-compatibility/2006">
+    <mc:Choice xmlns:p14="http://schemas.microsoft.com/office/powerpoint/2010/main" Requires="p14">
       <p:timing>
         <p:tnLst>
           <p:par>
@@ -32204,7 +34124,7 @@
         </p:bldLst>
       </p:timing>
     </mc:Choice>
-    <mc:Fallback xmlns="">
+    <mc:Fallback>
       <p:timing>
         <p:tnLst>
           <p:par>
@@ -32566,6 +34486,12 @@
               </a:rPr>
               <a:t>自我介绍</a:t>
             </a:r>
+            <a:endParaRPr lang="zh-CN" altLang="en-US" sz="2800" b="1" dirty="0">
+              <a:solidFill>
+                <a:schemeClr val="bg1"/>
+              </a:solidFill>
+              <a:ea typeface="思源黑体 CN Heavy" panose="020B0A00000000000000" pitchFamily="34" charset="-122"/>
+            </a:endParaRPr>
           </a:p>
         </p:txBody>
       </p:sp>
@@ -32992,6 +34918,15 @@
               </a:rPr>
               <a:t>.</a:t>
             </a:r>
+            <a:endParaRPr lang="en-US" altLang="zh-CN" dirty="0">
+              <a:solidFill>
+                <a:schemeClr val="tx1">
+                  <a:lumMod val="65000"/>
+                  <a:lumOff val="35000"/>
+                </a:schemeClr>
+              </a:solidFill>
+              <a:ea typeface="思源黑体 CN Heavy" panose="020B0A00000000000000" pitchFamily="34" charset="-122"/>
+            </a:endParaRPr>
           </a:p>
         </p:txBody>
       </p:sp>
@@ -33275,13 +35210,13 @@
   <p:clrMapOvr>
     <a:masterClrMapping/>
   </p:clrMapOvr>
-  <mc:AlternateContent xmlns:mc="http://schemas.openxmlformats.org/markup-compatibility/2006" xmlns:p14="http://schemas.microsoft.com/office/powerpoint/2010/main">
-    <mc:Choice Requires="p14">
+  <mc:AlternateContent xmlns:mc="http://schemas.openxmlformats.org/markup-compatibility/2006">
+    <mc:Choice xmlns:p14="http://schemas.microsoft.com/office/powerpoint/2010/main" Requires="p14">
       <p:transition spd="slow" p14:dur="1600">
         <p:blinds dir="vert"/>
       </p:transition>
     </mc:Choice>
-    <mc:Fallback xmlns="">
+    <mc:Fallback>
       <p:transition spd="slow">
         <p:blinds dir="vert"/>
       </p:transition>
@@ -33542,7 +35477,7 @@
           <p:nvPr/>
         </p:nvPicPr>
         <p:blipFill>
-          <a:blip r:embed="rId3">
+          <a:blip r:embed="rId1">
             <a:extLst>
               <a:ext uri="{28A0092B-C50C-407E-A947-70E740481C1C}">
                 <a14:useLocalDpi xmlns:a14="http://schemas.microsoft.com/office/drawing/2010/main" val="0"/>
@@ -33570,7 +35505,7 @@
           <p:cNvSpPr txBox="1"/>
           <p:nvPr>
             <p:custDataLst>
-              <p:tags r:id="rId1"/>
+              <p:tags r:id="rId2"/>
             </p:custDataLst>
           </p:nvPr>
         </p:nvSpPr>
@@ -33771,6 +35706,13 @@
               </a:rPr>
               <a:t>工作总结</a:t>
             </a:r>
+            <a:endParaRPr lang="zh-CN" altLang="en-US" sz="4400" b="1" dirty="0">
+              <a:solidFill>
+                <a:srgbClr val="F0D58B"/>
+              </a:solidFill>
+              <a:latin typeface="思源黑体 CN Heavy" panose="020B0A00000000000000" pitchFamily="34" charset="-122"/>
+              <a:ea typeface="思源黑体 CN Heavy" panose="020B0A00000000000000" pitchFamily="34" charset="-122"/>
+            </a:endParaRPr>
           </a:p>
         </p:txBody>
       </p:sp>
@@ -33782,8 +35724,8 @@
   <p:transition spd="slow">
     <p:comb/>
   </p:transition>
-  <mc:AlternateContent xmlns:mc="http://schemas.openxmlformats.org/markup-compatibility/2006" xmlns:p14="http://schemas.microsoft.com/office/powerpoint/2010/main">
-    <mc:Choice Requires="p14">
+  <mc:AlternateContent xmlns:mc="http://schemas.openxmlformats.org/markup-compatibility/2006">
+    <mc:Choice xmlns:p14="http://schemas.microsoft.com/office/powerpoint/2010/main" Requires="p14">
       <p:timing>
         <p:tnLst>
           <p:par>
@@ -34093,7 +36035,7 @@
         </p:bldLst>
       </p:timing>
     </mc:Choice>
-    <mc:Fallback xmlns="">
+    <mc:Fallback>
       <p:timing>
         <p:tnLst>
           <p:par>
@@ -34455,6 +36397,12 @@
               </a:rPr>
               <a:t>工作总结</a:t>
             </a:r>
+            <a:endParaRPr lang="zh-CN" altLang="en-US" sz="2800" b="1" dirty="0">
+              <a:solidFill>
+                <a:schemeClr val="bg1"/>
+              </a:solidFill>
+              <a:ea typeface="思源黑体 CN Heavy" panose="020B0A00000000000000" pitchFamily="34" charset="-122"/>
+            </a:endParaRPr>
           </a:p>
         </p:txBody>
       </p:sp>
@@ -34901,6 +36849,15 @@
               </a:rPr>
               <a:t>15s</a:t>
             </a:r>
+            <a:endParaRPr lang="en-US" altLang="zh-CN" dirty="0">
+              <a:solidFill>
+                <a:schemeClr val="tx1">
+                  <a:lumMod val="65000"/>
+                  <a:lumOff val="35000"/>
+                </a:schemeClr>
+              </a:solidFill>
+              <a:ea typeface="思源黑体 CN Heavy" panose="020B0A00000000000000" pitchFamily="34" charset="-122"/>
+            </a:endParaRPr>
           </a:p>
           <a:p>
             <a:pPr marL="514350" lvl="1" indent="-342900">
@@ -34933,6 +36890,15 @@
               </a:rPr>
               <a:t> </a:t>
             </a:r>
+            <a:endParaRPr lang="en-US" altLang="zh-CN" dirty="0">
+              <a:solidFill>
+                <a:schemeClr val="tx1">
+                  <a:lumMod val="65000"/>
+                  <a:lumOff val="35000"/>
+                </a:schemeClr>
+              </a:solidFill>
+              <a:ea typeface="思源黑体 CN Heavy" panose="020B0A00000000000000" pitchFamily="34" charset="-122"/>
+            </a:endParaRPr>
           </a:p>
         </p:txBody>
       </p:sp>
@@ -35216,13 +37182,13 @@
   <p:clrMapOvr>
     <a:masterClrMapping/>
   </p:clrMapOvr>
-  <mc:AlternateContent xmlns:mc="http://schemas.openxmlformats.org/markup-compatibility/2006" xmlns:p14="http://schemas.microsoft.com/office/powerpoint/2010/main">
-    <mc:Choice Requires="p14">
+  <mc:AlternateContent xmlns:mc="http://schemas.openxmlformats.org/markup-compatibility/2006">
+    <mc:Choice xmlns:p14="http://schemas.microsoft.com/office/powerpoint/2010/main" Requires="p14">
       <p:transition spd="slow" p14:dur="1600">
         <p:blinds dir="vert"/>
       </p:transition>
     </mc:Choice>
-    <mc:Fallback xmlns="">
+    <mc:Fallback>
       <p:transition spd="slow">
         <p:blinds dir="vert"/>
       </p:transition>
@@ -35505,6 +37471,12 @@
               </a:rPr>
               <a:t>工作总结</a:t>
             </a:r>
+            <a:endParaRPr lang="zh-CN" altLang="en-US" sz="2800" b="1" dirty="0">
+              <a:solidFill>
+                <a:schemeClr val="bg1"/>
+              </a:solidFill>
+              <a:ea typeface="思源黑体 CN Heavy" panose="020B0A00000000000000" pitchFamily="34" charset="-122"/>
+            </a:endParaRPr>
           </a:p>
         </p:txBody>
       </p:sp>
@@ -35670,7 +37642,7 @@
         </p:nvSpPr>
         <p:spPr>
           <a:xfrm>
-            <a:off x="643255" y="1905952"/>
+            <a:off x="661035" y="1905952"/>
             <a:ext cx="4653280" cy="2922905"/>
           </a:xfrm>
           <a:prstGeom prst="rect">
@@ -36103,13 +38075,13 @@
   <p:clrMapOvr>
     <a:masterClrMapping/>
   </p:clrMapOvr>
-  <mc:AlternateContent xmlns:mc="http://schemas.openxmlformats.org/markup-compatibility/2006" xmlns:p14="http://schemas.microsoft.com/office/powerpoint/2010/main">
-    <mc:Choice Requires="p14">
+  <mc:AlternateContent xmlns:mc="http://schemas.openxmlformats.org/markup-compatibility/2006">
+    <mc:Choice xmlns:p14="http://schemas.microsoft.com/office/powerpoint/2010/main" Requires="p14">
       <p:transition spd="slow" p14:dur="1600">
         <p:blinds dir="vert"/>
       </p:transition>
     </mc:Choice>
-    <mc:Fallback xmlns="">
+    <mc:Fallback>
       <p:transition spd="slow">
         <p:blinds dir="vert"/>
       </p:transition>
@@ -36392,6 +38364,12 @@
               </a:rPr>
               <a:t>工作总结</a:t>
             </a:r>
+            <a:endParaRPr lang="zh-CN" altLang="en-US" sz="2800" b="1" dirty="0">
+              <a:solidFill>
+                <a:schemeClr val="bg1"/>
+              </a:solidFill>
+              <a:ea typeface="思源黑体 CN Heavy" panose="020B0A00000000000000" pitchFamily="34" charset="-122"/>
+            </a:endParaRPr>
           </a:p>
         </p:txBody>
       </p:sp>
@@ -36972,6 +38950,15 @@
               </a:rPr>
               <a:t>: </a:t>
             </a:r>
+            <a:endParaRPr lang="en-US" altLang="zh-CN" dirty="0">
+              <a:solidFill>
+                <a:schemeClr val="tx1">
+                  <a:lumMod val="65000"/>
+                  <a:lumOff val="35000"/>
+                </a:schemeClr>
+              </a:solidFill>
+              <a:ea typeface="思源黑体 CN Heavy" panose="020B0A00000000000000" pitchFamily="34" charset="-122"/>
+            </a:endParaRPr>
           </a:p>
           <a:p>
             <a:pPr lvl="1" indent="0">
@@ -37004,6 +38991,15 @@
               </a:rPr>
               <a:t>只会自动将项目中使用的模块代码的主分支的最新版本引入</a:t>
             </a:r>
+            <a:endParaRPr lang="zh-CN" altLang="en-US" dirty="0">
+              <a:solidFill>
+                <a:schemeClr val="tx1">
+                  <a:lumMod val="65000"/>
+                  <a:lumOff val="35000"/>
+                </a:schemeClr>
+              </a:solidFill>
+              <a:ea typeface="思源黑体 CN Heavy" panose="020B0A00000000000000" pitchFamily="34" charset="-122"/>
+            </a:endParaRPr>
           </a:p>
           <a:p>
             <a:pPr marL="800100" lvl="1" indent="-342900">
@@ -37053,6 +39049,15 @@
               </a:rPr>
               <a:t>:</a:t>
             </a:r>
+            <a:endParaRPr lang="en-US" altLang="zh-CN" dirty="0">
+              <a:solidFill>
+                <a:schemeClr val="tx1">
+                  <a:lumMod val="65000"/>
+                  <a:lumOff val="35000"/>
+                </a:schemeClr>
+              </a:solidFill>
+              <a:ea typeface="思源黑体 CN Heavy" panose="020B0A00000000000000" pitchFamily="34" charset="-122"/>
+            </a:endParaRPr>
           </a:p>
           <a:p>
             <a:pPr marL="800100" lvl="1" indent="-342900">
@@ -37121,6 +39126,15 @@
               </a:rPr>
               <a:t>完成最新提交的依赖更新</a:t>
             </a:r>
+            <a:endParaRPr lang="zh-CN" altLang="en-US" dirty="0">
+              <a:solidFill>
+                <a:schemeClr val="tx1">
+                  <a:lumMod val="65000"/>
+                  <a:lumOff val="35000"/>
+                </a:schemeClr>
+              </a:solidFill>
+              <a:ea typeface="思源黑体 CN Heavy" panose="020B0A00000000000000" pitchFamily="34" charset="-122"/>
+            </a:endParaRPr>
           </a:p>
         </p:txBody>
       </p:sp>
@@ -37398,6 +39412,15 @@
               </a:rPr>
               <a:t>go mod tidy的使用:</a:t>
             </a:r>
+            <a:endParaRPr lang="en-US" altLang="zh-CN" dirty="0">
+              <a:solidFill>
+                <a:schemeClr val="tx1">
+                  <a:lumMod val="65000"/>
+                  <a:lumOff val="35000"/>
+                </a:schemeClr>
+              </a:solidFill>
+              <a:ea typeface="思源黑体 CN Heavy" panose="020B0A00000000000000" pitchFamily="34" charset="-122"/>
+            </a:endParaRPr>
           </a:p>
           <a:p>
             <a:pPr marL="0" indent="0">
@@ -37418,6 +39441,15 @@
               </a:rPr>
               <a:t>1.引用项目需要的依赖增加到go.mod文件。</a:t>
             </a:r>
+            <a:endParaRPr lang="en-US" altLang="zh-CN" dirty="0">
+              <a:solidFill>
+                <a:schemeClr val="tx1">
+                  <a:lumMod val="65000"/>
+                  <a:lumOff val="35000"/>
+                </a:schemeClr>
+              </a:solidFill>
+              <a:ea typeface="思源黑体 CN Heavy" panose="020B0A00000000000000" pitchFamily="34" charset="-122"/>
+            </a:endParaRPr>
           </a:p>
           <a:p>
             <a:pPr marL="0" indent="0">
@@ -37438,6 +39470,15 @@
               </a:rPr>
               <a:t>2.去掉go.mod文件中项目不需要的依赖。</a:t>
             </a:r>
+            <a:endParaRPr lang="en-US" altLang="zh-CN" dirty="0">
+              <a:solidFill>
+                <a:schemeClr val="tx1">
+                  <a:lumMod val="65000"/>
+                  <a:lumOff val="35000"/>
+                </a:schemeClr>
+              </a:solidFill>
+              <a:ea typeface="思源黑体 CN Heavy" panose="020B0A00000000000000" pitchFamily="34" charset="-122"/>
+            </a:endParaRPr>
           </a:p>
         </p:txBody>
       </p:sp>
@@ -37446,13 +39487,13 @@
   <p:clrMapOvr>
     <a:masterClrMapping/>
   </p:clrMapOvr>
-  <mc:AlternateContent xmlns:mc="http://schemas.openxmlformats.org/markup-compatibility/2006" xmlns:p14="http://schemas.microsoft.com/office/powerpoint/2010/main">
-    <mc:Choice Requires="p14">
+  <mc:AlternateContent xmlns:mc="http://schemas.openxmlformats.org/markup-compatibility/2006">
+    <mc:Choice xmlns:p14="http://schemas.microsoft.com/office/powerpoint/2010/main" Requires="p14">
       <p:transition spd="slow" p14:dur="1600">
         <p:blinds dir="vert"/>
       </p:transition>
     </mc:Choice>
-    <mc:Fallback xmlns="">
+    <mc:Fallback>
       <p:transition spd="slow">
         <p:blinds dir="vert"/>
       </p:transition>
@@ -37756,83 +39797,55 @@
 </file>
 
 <file path=ppt/tags/tag1.xml><?xml version="1.0" encoding="utf-8"?>
-<p:tagLst xmlns:a="http://schemas.openxmlformats.org/drawingml/2006/main" xmlns:r="http://schemas.openxmlformats.org/officeDocument/2006/relationships" xmlns:p="http://schemas.openxmlformats.org/presentationml/2006/main">
-  <p:tag name="KSO_WPP_MARK_KEY" val="d5d9d2f1-f51a-4009-8b8d-80cd0764e99d"/>
-  <p:tag name="COMMONDATA" val="eyJoZGlkIjoiODViY2JkMjU3NGYzZTEwMzZmMGFkZWViYmNkYWU3NDIifQ=="/>
+<p:tagLst xmlns:p="http://schemas.openxmlformats.org/presentationml/2006/main">
+  <p:tag name="KSO_WM_UNIT_PLACING_PICTURE_USER_VIEWPORT" val="{&quot;height&quot;:10800,&quot;width&quot;:19199.99842519685}"/>
 </p:tagLst>
 </file>
 
 <file path=ppt/tags/tag10.xml><?xml version="1.0" encoding="utf-8"?>
-<p:tagLst xmlns:a="http://schemas.openxmlformats.org/drawingml/2006/main" xmlns:r="http://schemas.openxmlformats.org/officeDocument/2006/relationships" xmlns:p="http://schemas.openxmlformats.org/presentationml/2006/main">
+<p:tagLst xmlns:p="http://schemas.openxmlformats.org/presentationml/2006/main">
   <p:tag name="PA" val="v5.0.2"/>
   <p:tag name="RESOURCELIBID" val="432"/>
 </p:tagLst>
 </file>
 
 <file path=ppt/tags/tag11.xml><?xml version="1.0" encoding="utf-8"?>
-<p:tagLst xmlns:a="http://schemas.openxmlformats.org/drawingml/2006/main" xmlns:r="http://schemas.openxmlformats.org/officeDocument/2006/relationships" xmlns:p="http://schemas.openxmlformats.org/presentationml/2006/main">
+<p:tagLst xmlns:p="http://schemas.openxmlformats.org/presentationml/2006/main">
   <p:tag name="PA" val="v5.0.2"/>
   <p:tag name="RESOURCELIBID" val="432"/>
 </p:tagLst>
 </file>
 
 <file path=ppt/tags/tag12.xml><?xml version="1.0" encoding="utf-8"?>
-<p:tagLst xmlns:a="http://schemas.openxmlformats.org/drawingml/2006/main" xmlns:r="http://schemas.openxmlformats.org/officeDocument/2006/relationships" xmlns:p="http://schemas.openxmlformats.org/presentationml/2006/main">
+<p:tagLst xmlns:p="http://schemas.openxmlformats.org/presentationml/2006/main">
   <p:tag name="PA" val="v5.0.2"/>
   <p:tag name="RESOURCELIBID" val="432"/>
 </p:tagLst>
 </file>
 
 <file path=ppt/tags/tag13.xml><?xml version="1.0" encoding="utf-8"?>
-<p:tagLst xmlns:a="http://schemas.openxmlformats.org/drawingml/2006/main" xmlns:r="http://schemas.openxmlformats.org/officeDocument/2006/relationships" xmlns:p="http://schemas.openxmlformats.org/presentationml/2006/main">
+<p:tagLst xmlns:p="http://schemas.openxmlformats.org/presentationml/2006/main">
   <p:tag name="PA" val="v5.0.2"/>
   <p:tag name="RESOURCELIBID" val="432"/>
 </p:tagLst>
 </file>
 
 <file path=ppt/tags/tag14.xml><?xml version="1.0" encoding="utf-8"?>
-<p:tagLst xmlns:a="http://schemas.openxmlformats.org/drawingml/2006/main" xmlns:r="http://schemas.openxmlformats.org/officeDocument/2006/relationships" xmlns:p="http://schemas.openxmlformats.org/presentationml/2006/main">
-  <p:tag name="PA" val="v5.0.2"/>
-  <p:tag name="RESOURCELIBID" val="432"/>
+<p:tagLst xmlns:p="http://schemas.openxmlformats.org/presentationml/2006/main">
+  <p:tag name="KSO_WPP_MARK_KEY" val="d5d9d2f1-f51a-4009-8b8d-80cd0764e99d"/>
+  <p:tag name="COMMONDATA" val="eyJoZGlkIjoiODViY2JkMjU3NGYzZTEwMzZmMGFkZWViYmNkYWU3NDIifQ=="/>
 </p:tagLst>
 </file>
 
 <file path=ppt/tags/tag2.xml><?xml version="1.0" encoding="utf-8"?>
-<p:tagLst xmlns:a="http://schemas.openxmlformats.org/drawingml/2006/main" xmlns:r="http://schemas.openxmlformats.org/officeDocument/2006/relationships" xmlns:p="http://schemas.openxmlformats.org/presentationml/2006/main">
-  <p:tag name="KSO_WM_UNIT_PLACING_PICTURE_USER_VIEWPORT" val="{&quot;height&quot;:10800,&quot;width&quot;:19199.99842519685}"/>
-</p:tagLst>
-</file>
-
-<file path=ppt/tags/tag3.xml><?xml version="1.0" encoding="utf-8"?>
-<p:tagLst xmlns:a="http://schemas.openxmlformats.org/drawingml/2006/main" xmlns:r="http://schemas.openxmlformats.org/officeDocument/2006/relationships" xmlns:p="http://schemas.openxmlformats.org/presentationml/2006/main">
-  <p:tag name="PA" val="v5.2.11"/>
-  <p:tag name="WHOLESPTYPE" val="Shape_Text"/>
-</p:tagLst>
-</file>
-
-<file path=ppt/tags/tag4.xml><?xml version="1.0" encoding="utf-8"?>
-<p:tagLst xmlns:a="http://schemas.openxmlformats.org/drawingml/2006/main" xmlns:r="http://schemas.openxmlformats.org/officeDocument/2006/relationships" xmlns:p="http://schemas.openxmlformats.org/presentationml/2006/main">
-  <p:tag name="PA" val="v5.2.11"/>
-  <p:tag name="WHOLESPTYPE" val="Shape_Text"/>
-</p:tagLst>
-</file>
-
-<file path=ppt/tags/tag5.xml><?xml version="1.0" encoding="utf-8"?>
-<p:tagLst xmlns:a="http://schemas.openxmlformats.org/drawingml/2006/main" xmlns:r="http://schemas.openxmlformats.org/officeDocument/2006/relationships" xmlns:p="http://schemas.openxmlformats.org/presentationml/2006/main">
-  <p:tag name="PA" val="v5.2.11"/>
-  <p:tag name="WHOLESPTYPE" val="Shape_Text"/>
-</p:tagLst>
-</file>
-
-<file path=ppt/tags/tag6.xml><?xml version="1.0" encoding="utf-8"?>
-<p:tagLst xmlns:a="http://schemas.openxmlformats.org/drawingml/2006/main" xmlns:r="http://schemas.openxmlformats.org/officeDocument/2006/relationships" xmlns:p="http://schemas.openxmlformats.org/presentationml/2006/main">
+<p:tagLst xmlns:p="http://schemas.openxmlformats.org/presentationml/2006/main">
   <p:tag name="PA" val="v5.2.11"/>
   <p:tag name="WHOLESPTYPE" val="Shape_SubTitle"/>
 </p:tagLst>
 </file>
 
-<file path=ppt/tags/tag7.xml><?xml version="1.0" encoding="utf-8"?>
-<p:tagLst xmlns:a="http://schemas.openxmlformats.org/drawingml/2006/main" xmlns:r="http://schemas.openxmlformats.org/officeDocument/2006/relationships" xmlns:p="http://schemas.openxmlformats.org/presentationml/2006/main">
+<file path=ppt/tags/tag3.xml><?xml version="1.0" encoding="utf-8"?>
+<p:tagLst xmlns:p="http://schemas.openxmlformats.org/presentationml/2006/main">
   <p:tag name="PA" val="v5.2.11"/>
   <p:tag name="WHOLESPTYPE" val="Shape_Title"/>
   <p:tag name="SCANEADDTIONSP" val="true"/>
@@ -37847,15 +39860,43 @@
 </p:tagLst>
 </file>
 
-<file path=ppt/tags/tag8.xml><?xml version="1.0" encoding="utf-8"?>
-<p:tagLst xmlns:a="http://schemas.openxmlformats.org/drawingml/2006/main" xmlns:r="http://schemas.openxmlformats.org/officeDocument/2006/relationships" xmlns:p="http://schemas.openxmlformats.org/presentationml/2006/main">
+<file path=ppt/tags/tag4.xml><?xml version="1.0" encoding="utf-8"?>
+<p:tagLst xmlns:p="http://schemas.openxmlformats.org/presentationml/2006/main">
+  <p:tag name="PA" val="v5.2.11"/>
+  <p:tag name="WHOLESPTYPE" val="Shape_Text"/>
+</p:tagLst>
+</file>
+
+<file path=ppt/tags/tag5.xml><?xml version="1.0" encoding="utf-8"?>
+<p:tagLst xmlns:p="http://schemas.openxmlformats.org/presentationml/2006/main">
+  <p:tag name="PA" val="v5.2.11"/>
+  <p:tag name="WHOLESPTYPE" val="Shape_Text"/>
+</p:tagLst>
+</file>
+
+<file path=ppt/tags/tag6.xml><?xml version="1.0" encoding="utf-8"?>
+<p:tagLst xmlns:p="http://schemas.openxmlformats.org/presentationml/2006/main">
+  <p:tag name="PA" val="v5.2.11"/>
+  <p:tag name="WHOLESPTYPE" val="Shape_Text"/>
+</p:tagLst>
+</file>
+
+<file path=ppt/tags/tag7.xml><?xml version="1.0" encoding="utf-8"?>
+<p:tagLst xmlns:p="http://schemas.openxmlformats.org/presentationml/2006/main">
   <p:tag name="PA" val="v5.2.11"/>
   <p:tag name="WHOLESPTYPE" val="Shape_SubTitle"/>
 </p:tagLst>
 </file>
 
+<file path=ppt/tags/tag8.xml><?xml version="1.0" encoding="utf-8"?>
+<p:tagLst xmlns:p="http://schemas.openxmlformats.org/presentationml/2006/main">
+  <p:tag name="PA" val="v5.0.2"/>
+  <p:tag name="RESOURCELIBID" val="432"/>
+</p:tagLst>
+</file>
+
 <file path=ppt/tags/tag9.xml><?xml version="1.0" encoding="utf-8"?>
-<p:tagLst xmlns:a="http://schemas.openxmlformats.org/drawingml/2006/main" xmlns:r="http://schemas.openxmlformats.org/officeDocument/2006/relationships" xmlns:p="http://schemas.openxmlformats.org/presentationml/2006/main">
+<p:tagLst xmlns:p="http://schemas.openxmlformats.org/presentationml/2006/main">
   <p:tag name="PA" val="v5.0.2"/>
   <p:tag name="RESOURCELIBID" val="432"/>
 </p:tagLst>
@@ -38052,8 +40093,6 @@
       </a:bgFillStyleLst>
     </a:fmtScheme>
   </a:themeElements>
-  <a:objectDefaults/>
-  <a:extraClrSchemeLst/>
   <a:extLst>
     <a:ext uri="{05A4C25C-085E-4340-85A3-A5531E510DB2}">
       <thm15:themeFamily xmlns:thm15="http://schemas.microsoft.com/office/thememl/2012/main" name="Office Theme" id="{62F939B6-93AF-4DB8-9C6B-D6C7DFDC589F}" vid="{4A3C46E8-61CC-4603-A589-7422A47A8E4A}"/>
@@ -38313,8 +40352,6 @@
       </a:bgFillStyleLst>
     </a:fmtScheme>
   </a:themeElements>
-  <a:objectDefaults/>
-  <a:extraClrSchemeLst/>
   <a:extLst>
     <a:ext uri="{05A4C25C-085E-4340-85A3-A5531E510DB2}">
       <thm15:themeFamily xmlns:thm15="http://schemas.microsoft.com/office/thememl/2012/main" name="Office Theme" id="{62F939B6-93AF-4DB8-9C6B-D6C7DFDC589F}" vid="{4A3C46E8-61CC-4603-A589-7422A47A8E4A}"/>
@@ -38574,8 +40611,6 @@
       </a:bgFillStyleLst>
     </a:fmtScheme>
   </a:themeElements>
-  <a:objectDefaults/>
-  <a:extraClrSchemeLst/>
   <a:extLst>
     <a:ext uri="{05A4C25C-085E-4340-85A3-A5531E510DB2}">
       <thm15:themeFamily xmlns:thm15="http://schemas.microsoft.com/office/thememl/2012/main" name="Office Theme" id="{62F939B6-93AF-4DB8-9C6B-D6C7DFDC589F}" vid="{4A3C46E8-61CC-4603-A589-7422A47A8E4A}"/>
